--- a/business/PitchDeck/JIbres-PitchDeck-v1.pptx
+++ b/business/PitchDeck/JIbres-PitchDeck-v1.pptx
@@ -5,25 +5,29 @@
     <p:sldMasterId id="2147483714" r:id="rId1"/>
   </p:sldMasterIdLst>
   <p:notesMasterIdLst>
-    <p:notesMasterId r:id="rId15"/>
+    <p:notesMasterId r:id="rId19"/>
   </p:notesMasterIdLst>
   <p:handoutMasterIdLst>
-    <p:handoutMasterId r:id="rId16"/>
+    <p:handoutMasterId r:id="rId20"/>
   </p:handoutMasterIdLst>
   <p:sldIdLst>
     <p:sldId id="262" r:id="rId2"/>
     <p:sldId id="259" r:id="rId3"/>
     <p:sldId id="257" r:id="rId4"/>
-    <p:sldId id="270" r:id="rId5"/>
-    <p:sldId id="258" r:id="rId6"/>
-    <p:sldId id="271" r:id="rId7"/>
-    <p:sldId id="266" r:id="rId8"/>
-    <p:sldId id="269" r:id="rId9"/>
-    <p:sldId id="272" r:id="rId10"/>
-    <p:sldId id="265" r:id="rId11"/>
-    <p:sldId id="273" r:id="rId12"/>
-    <p:sldId id="268" r:id="rId13"/>
-    <p:sldId id="261" r:id="rId14"/>
+    <p:sldId id="277" r:id="rId5"/>
+    <p:sldId id="270" r:id="rId6"/>
+    <p:sldId id="258" r:id="rId7"/>
+    <p:sldId id="271" r:id="rId8"/>
+    <p:sldId id="266" r:id="rId9"/>
+    <p:sldId id="269" r:id="rId10"/>
+    <p:sldId id="272" r:id="rId11"/>
+    <p:sldId id="265" r:id="rId12"/>
+    <p:sldId id="273" r:id="rId13"/>
+    <p:sldId id="275" r:id="rId14"/>
+    <p:sldId id="268" r:id="rId15"/>
+    <p:sldId id="276" r:id="rId16"/>
+    <p:sldId id="274" r:id="rId17"/>
+    <p:sldId id="261" r:id="rId18"/>
   </p:sldIdLst>
   <p:sldSz cx="12192000" cy="6858000"/>
   <p:notesSz cx="6858000" cy="9144000"/>
@@ -33,7 +37,6 @@
         <p:sld r:id="rId2"/>
         <p:sld r:id="rId3"/>
         <p:sld r:id="rId4"/>
-        <p:sld r:id="rId5"/>
         <p:sld r:id="rId6"/>
         <p:sld r:id="rId7"/>
         <p:sld r:id="rId8"/>
@@ -42,24 +45,25 @@
         <p:sld r:id="rId11"/>
         <p:sld r:id="rId12"/>
         <p:sld r:id="rId13"/>
-        <p:sld r:id="rId14"/>
+        <p:sld r:id="rId15"/>
+        <p:sld r:id="rId18"/>
       </p:sldLst>
     </p:custShow>
     <p:custShow name="Demo Day" id="1">
       <p:sldLst>
         <p:sld r:id="rId2"/>
-        <p:sld r:id="rId12"/>
+        <p:sld r:id="rId13"/>
         <p:sld r:id="rId3"/>
         <p:sld r:id="rId4"/>
-        <p:sld r:id="rId5"/>
-        <p:sld r:id="rId7"/>
         <p:sld r:id="rId6"/>
         <p:sld r:id="rId8"/>
+        <p:sld r:id="rId7"/>
         <p:sld r:id="rId9"/>
         <p:sld r:id="rId10"/>
         <p:sld r:id="rId11"/>
-        <p:sld r:id="rId13"/>
-        <p:sld r:id="rId14"/>
+        <p:sld r:id="rId12"/>
+        <p:sld r:id="rId15"/>
+        <p:sld r:id="rId18"/>
       </p:sldLst>
     </p:custShow>
   </p:custShowLst>
@@ -176,6 +180,11 @@
             <p14:sldId id="257"/>
           </p14:sldIdLst>
         </p14:section>
+        <p14:section name="Market Validation" id="{33AA2443-7388-4C85-A494-2C2129BCA270}">
+          <p14:sldIdLst>
+            <p14:sldId id="277"/>
+          </p14:sldIdLst>
+        </p14:section>
         <p14:section name="Demo" id="{40F2F240-9D91-412E-A23A-8E95F7901267}">
           <p14:sldIdLst>
             <p14:sldId id="270"/>
@@ -218,7 +227,14 @@
         </p14:section>
         <p14:section name="Fundraising Information" id="{222D225F-40B8-4430-8E08-05153F3F2DA9}">
           <p14:sldIdLst>
+            <p14:sldId id="275"/>
             <p14:sldId id="268"/>
+            <p14:sldId id="276"/>
+          </p14:sldIdLst>
+        </p14:section>
+        <p14:section name="ThankYou" id="{51284E2B-BF4B-4503-A37B-18509E1F92C9}">
+          <p14:sldIdLst>
+            <p14:sldId id="274"/>
           </p14:sldIdLst>
         </p14:section>
         <p14:section name="Jibres" id="{00CC254F-6A85-49A5-A813-69506AD69DF8}">
@@ -952,7 +968,7 @@
           <a:p>
             <a:fld id="{EC29E1AC-3210-4C03-93DF-294BFDB0FAF7}" type="slidenum">
               <a:rPr lang="en-US" smtClean="0"/>
-              <a:t>11</a:t>
+              <a:t>12</a:t>
             </a:fld>
             <a:endParaRPr lang="en-US"/>
           </a:p>
@@ -962,6 +978,225 @@
     <p:extLst>
       <p:ext uri="{BB962C8B-B14F-4D97-AF65-F5344CB8AC3E}">
         <p14:creationId xmlns:p14="http://schemas.microsoft.com/office/powerpoint/2010/main" val="2773812234"/>
+      </p:ext>
+    </p:extLst>
+  </p:cSld>
+  <p:clrMapOvr>
+    <a:masterClrMapping/>
+  </p:clrMapOvr>
+</p:notes>
+</file>
+
+<file path=ppt/notesSlides/notesSlide3.xml><?xml version="1.0" encoding="utf-8"?>
+<p:notes xmlns:a="http://schemas.openxmlformats.org/drawingml/2006/main" xmlns:r="http://schemas.openxmlformats.org/officeDocument/2006/relationships" xmlns:p="http://schemas.openxmlformats.org/presentationml/2006/main">
+  <p:cSld>
+    <p:spTree>
+      <p:nvGrpSpPr>
+        <p:cNvPr id="1" name=""/>
+        <p:cNvGrpSpPr/>
+        <p:nvPr/>
+      </p:nvGrpSpPr>
+      <p:grpSpPr>
+        <a:xfrm>
+          <a:off x="0" y="0"/>
+          <a:ext cx="0" cy="0"/>
+          <a:chOff x="0" y="0"/>
+          <a:chExt cx="0" cy="0"/>
+        </a:xfrm>
+      </p:grpSpPr>
+      <p:sp>
+        <p:nvSpPr>
+          <p:cNvPr id="2" name="Slide Image Placeholder 1"/>
+          <p:cNvSpPr>
+            <a:spLocks noGrp="1" noRot="1" noChangeAspect="1"/>
+          </p:cNvSpPr>
+          <p:nvPr>
+            <p:ph type="sldImg"/>
+          </p:nvPr>
+        </p:nvSpPr>
+        <p:spPr/>
+      </p:sp>
+      <p:sp>
+        <p:nvSpPr>
+          <p:cNvPr id="3" name="Notes Placeholder 2"/>
+          <p:cNvSpPr>
+            <a:spLocks noGrp="1"/>
+          </p:cNvSpPr>
+          <p:nvPr>
+            <p:ph type="body" idx="1"/>
+          </p:nvPr>
+        </p:nvSpPr>
+        <p:spPr/>
+        <p:txBody>
+          <a:bodyPr/>
+          <a:lstStyle/>
+          <a:p>
+            <a:r>
+              <a:rPr lang="en-US" sz="1200" b="0" i="0" kern="1200" dirty="0">
+                <a:solidFill>
+                  <a:schemeClr val="tx1"/>
+                </a:solidFill>
+                <a:effectLst/>
+                <a:latin typeface="+mn-lt"/>
+                <a:ea typeface="+mn-ea"/>
+                <a:cs typeface="+mn-cs"/>
+              </a:rPr>
+              <a:t>The financials slide is one that investors will spend the most time on. It’s one of the three most important slides in your pitch deck, according to the data in this </a:t>
+            </a:r>
+            <a:r>
+              <a:rPr lang="en-US" sz="1200" b="0" i="0" u="none" strike="noStrike" kern="1200" dirty="0">
+                <a:solidFill>
+                  <a:schemeClr val="tx1"/>
+                </a:solidFill>
+                <a:effectLst/>
+                <a:latin typeface="+mn-lt"/>
+                <a:ea typeface="+mn-ea"/>
+                <a:cs typeface="+mn-cs"/>
+                <a:hlinkClick r:id="rId3"/>
+              </a:rPr>
+              <a:t>Forbes article</a:t>
+            </a:r>
+            <a:r>
+              <a:rPr lang="en-US" sz="1200" b="0" i="0" kern="1200" dirty="0">
+                <a:solidFill>
+                  <a:schemeClr val="tx1"/>
+                </a:solidFill>
+                <a:effectLst/>
+                <a:latin typeface="+mn-lt"/>
+                <a:ea typeface="+mn-ea"/>
+                <a:cs typeface="+mn-cs"/>
+              </a:rPr>
+              <a:t>. Key points include your burn rate, break even point and how many users you need to make a profit.</a:t>
+            </a:r>
+            <a:endParaRPr lang="en-US" dirty="0"/>
+          </a:p>
+        </p:txBody>
+      </p:sp>
+      <p:sp>
+        <p:nvSpPr>
+          <p:cNvPr id="4" name="Slide Number Placeholder 3"/>
+          <p:cNvSpPr>
+            <a:spLocks noGrp="1"/>
+          </p:cNvSpPr>
+          <p:nvPr>
+            <p:ph type="sldNum" sz="quarter" idx="5"/>
+          </p:nvPr>
+        </p:nvSpPr>
+        <p:spPr/>
+        <p:txBody>
+          <a:bodyPr/>
+          <a:lstStyle/>
+          <a:p>
+            <a:fld id="{EC29E1AC-3210-4C03-93DF-294BFDB0FAF7}" type="slidenum">
+              <a:rPr lang="en-US" smtClean="0"/>
+              <a:t>13</a:t>
+            </a:fld>
+            <a:endParaRPr lang="en-US"/>
+          </a:p>
+        </p:txBody>
+      </p:sp>
+    </p:spTree>
+    <p:extLst>
+      <p:ext uri="{BB962C8B-B14F-4D97-AF65-F5344CB8AC3E}">
+        <p14:creationId xmlns:p14="http://schemas.microsoft.com/office/powerpoint/2010/main" val="1515327474"/>
+      </p:ext>
+    </p:extLst>
+  </p:cSld>
+  <p:clrMapOvr>
+    <a:masterClrMapping/>
+  </p:clrMapOvr>
+</p:notes>
+</file>
+
+<file path=ppt/notesSlides/notesSlide4.xml><?xml version="1.0" encoding="utf-8"?>
+<p:notes xmlns:a="http://schemas.openxmlformats.org/drawingml/2006/main" xmlns:r="http://schemas.openxmlformats.org/officeDocument/2006/relationships" xmlns:p="http://schemas.openxmlformats.org/presentationml/2006/main">
+  <p:cSld>
+    <p:spTree>
+      <p:nvGrpSpPr>
+        <p:cNvPr id="1" name=""/>
+        <p:cNvGrpSpPr/>
+        <p:nvPr/>
+      </p:nvGrpSpPr>
+      <p:grpSpPr>
+        <a:xfrm>
+          <a:off x="0" y="0"/>
+          <a:ext cx="0" cy="0"/>
+          <a:chOff x="0" y="0"/>
+          <a:chExt cx="0" cy="0"/>
+        </a:xfrm>
+      </p:grpSpPr>
+      <p:sp>
+        <p:nvSpPr>
+          <p:cNvPr id="2" name="Slide Image Placeholder 1"/>
+          <p:cNvSpPr>
+            <a:spLocks noGrp="1" noRot="1" noChangeAspect="1"/>
+          </p:cNvSpPr>
+          <p:nvPr>
+            <p:ph type="sldImg"/>
+          </p:nvPr>
+        </p:nvSpPr>
+        <p:spPr/>
+      </p:sp>
+      <p:sp>
+        <p:nvSpPr>
+          <p:cNvPr id="3" name="Notes Placeholder 2"/>
+          <p:cNvSpPr>
+            <a:spLocks noGrp="1"/>
+          </p:cNvSpPr>
+          <p:nvPr>
+            <p:ph type="body" idx="1"/>
+          </p:nvPr>
+        </p:nvSpPr>
+        <p:spPr/>
+        <p:txBody>
+          <a:bodyPr/>
+          <a:lstStyle/>
+          <a:p>
+            <a:r>
+              <a:rPr lang="en-US" sz="1200" b="0" i="0" kern="1200" dirty="0">
+                <a:solidFill>
+                  <a:schemeClr val="tx1"/>
+                </a:solidFill>
+                <a:effectLst/>
+                <a:latin typeface="+mn-lt"/>
+                <a:ea typeface="+mn-ea"/>
+                <a:cs typeface="+mn-cs"/>
+              </a:rPr>
+              <a:t>What are you going to do with the money? Spend it on rent or buy up customers and squeeze the competition out of business?</a:t>
+            </a:r>
+          </a:p>
+          <a:p>
+            <a:endParaRPr lang="en-US" dirty="0"/>
+          </a:p>
+        </p:txBody>
+      </p:sp>
+      <p:sp>
+        <p:nvSpPr>
+          <p:cNvPr id="4" name="Slide Number Placeholder 3"/>
+          <p:cNvSpPr>
+            <a:spLocks noGrp="1"/>
+          </p:cNvSpPr>
+          <p:nvPr>
+            <p:ph type="sldNum" sz="quarter" idx="5"/>
+          </p:nvPr>
+        </p:nvSpPr>
+        <p:spPr/>
+        <p:txBody>
+          <a:bodyPr/>
+          <a:lstStyle/>
+          <a:p>
+            <a:fld id="{EC29E1AC-3210-4C03-93DF-294BFDB0FAF7}" type="slidenum">
+              <a:rPr lang="en-US" smtClean="0"/>
+              <a:t>15</a:t>
+            </a:fld>
+            <a:endParaRPr lang="en-US"/>
+          </a:p>
+        </p:txBody>
+      </p:sp>
+    </p:spTree>
+    <p:extLst>
+      <p:ext uri="{BB962C8B-B14F-4D97-AF65-F5344CB8AC3E}">
+        <p14:creationId xmlns:p14="http://schemas.microsoft.com/office/powerpoint/2010/main" val="3536382630"/>
       </p:ext>
     </p:extLst>
   </p:cSld>
@@ -6053,7 +6288,7 @@
           <p:cNvPr id="2" name="Title 1">
             <a:extLst>
               <a:ext uri="{FF2B5EF4-FFF2-40B4-BE49-F238E27FC236}">
-                <a16:creationId xmlns:a16="http://schemas.microsoft.com/office/drawing/2014/main" id="{5D34B8C1-6180-431A-B964-C1F4DCF47BEB}"/>
+                <a16:creationId xmlns:a16="http://schemas.microsoft.com/office/drawing/2014/main" id="{9E452C3F-ED25-483A-94FA-D2CE60013342}"/>
               </a:ext>
             </a:extLst>
           </p:cNvPr>
@@ -6071,7 +6306,7 @@
           <a:p>
             <a:r>
               <a:rPr lang="fa-IR" dirty="0"/>
-              <a:t>تیم</a:t>
+              <a:t>استراتژی بازاریابی</a:t>
             </a:r>
             <a:endParaRPr lang="en-US" dirty="0"/>
           </a:p>
@@ -6082,7 +6317,7 @@
           <p:cNvPr id="3" name="Content Placeholder 2">
             <a:extLst>
               <a:ext uri="{FF2B5EF4-FFF2-40B4-BE49-F238E27FC236}">
-                <a16:creationId xmlns:a16="http://schemas.microsoft.com/office/drawing/2014/main" id="{092DD4A4-12C4-4972-9756-B15D521CB5E2}"/>
+                <a16:creationId xmlns:a16="http://schemas.microsoft.com/office/drawing/2014/main" id="{46F6534D-E736-4D33-B628-2F504052D36C}"/>
               </a:ext>
             </a:extLst>
           </p:cNvPr>
@@ -6105,7 +6340,7 @@
     </p:spTree>
     <p:extLst>
       <p:ext uri="{BB962C8B-B14F-4D97-AF65-F5344CB8AC3E}">
-        <p14:creationId xmlns:p14="http://schemas.microsoft.com/office/powerpoint/2010/main" val="3309526977"/>
+        <p14:creationId xmlns:p14="http://schemas.microsoft.com/office/powerpoint/2010/main" val="951979677"/>
       </p:ext>
     </p:extLst>
   </p:cSld>
@@ -6137,7 +6372,7 @@
           <p:cNvPr id="2" name="Title 1">
             <a:extLst>
               <a:ext uri="{FF2B5EF4-FFF2-40B4-BE49-F238E27FC236}">
-                <a16:creationId xmlns:a16="http://schemas.microsoft.com/office/drawing/2014/main" id="{4AA22767-FAF5-42FE-B0B3-0078F8DFEA8D}"/>
+                <a16:creationId xmlns:a16="http://schemas.microsoft.com/office/drawing/2014/main" id="{5D34B8C1-6180-431A-B964-C1F4DCF47BEB}"/>
               </a:ext>
             </a:extLst>
           </p:cNvPr>
@@ -6155,7 +6390,7 @@
           <a:p>
             <a:r>
               <a:rPr lang="fa-IR" dirty="0"/>
-              <a:t>چشم انداز</a:t>
+              <a:t>تیم</a:t>
             </a:r>
             <a:endParaRPr lang="en-US" dirty="0"/>
           </a:p>
@@ -6166,7 +6401,7 @@
           <p:cNvPr id="3" name="Content Placeholder 2">
             <a:extLst>
               <a:ext uri="{FF2B5EF4-FFF2-40B4-BE49-F238E27FC236}">
-                <a16:creationId xmlns:a16="http://schemas.microsoft.com/office/drawing/2014/main" id="{464B4C08-6DC1-4F90-8085-F78FF2E008CF}"/>
+                <a16:creationId xmlns:a16="http://schemas.microsoft.com/office/drawing/2014/main" id="{092DD4A4-12C4-4972-9756-B15D521CB5E2}"/>
               </a:ext>
             </a:extLst>
           </p:cNvPr>
@@ -6189,7 +6424,7 @@
     </p:spTree>
     <p:extLst>
       <p:ext uri="{BB962C8B-B14F-4D97-AF65-F5344CB8AC3E}">
-        <p14:creationId xmlns:p14="http://schemas.microsoft.com/office/powerpoint/2010/main" val="3819861127"/>
+        <p14:creationId xmlns:p14="http://schemas.microsoft.com/office/powerpoint/2010/main" val="3309526977"/>
       </p:ext>
     </p:extLst>
   </p:cSld>
@@ -6221,6 +6456,174 @@
           <p:cNvPr id="2" name="Title 1">
             <a:extLst>
               <a:ext uri="{FF2B5EF4-FFF2-40B4-BE49-F238E27FC236}">
+                <a16:creationId xmlns:a16="http://schemas.microsoft.com/office/drawing/2014/main" id="{4AA22767-FAF5-42FE-B0B3-0078F8DFEA8D}"/>
+              </a:ext>
+            </a:extLst>
+          </p:cNvPr>
+          <p:cNvSpPr>
+            <a:spLocks noGrp="1"/>
+          </p:cNvSpPr>
+          <p:nvPr>
+            <p:ph type="title"/>
+          </p:nvPr>
+        </p:nvSpPr>
+        <p:spPr/>
+        <p:txBody>
+          <a:bodyPr/>
+          <a:lstStyle/>
+          <a:p>
+            <a:r>
+              <a:rPr lang="fa-IR" dirty="0"/>
+              <a:t>چشم انداز</a:t>
+            </a:r>
+            <a:endParaRPr lang="en-US" dirty="0"/>
+          </a:p>
+        </p:txBody>
+      </p:sp>
+      <p:sp>
+        <p:nvSpPr>
+          <p:cNvPr id="3" name="Content Placeholder 2">
+            <a:extLst>
+              <a:ext uri="{FF2B5EF4-FFF2-40B4-BE49-F238E27FC236}">
+                <a16:creationId xmlns:a16="http://schemas.microsoft.com/office/drawing/2014/main" id="{464B4C08-6DC1-4F90-8085-F78FF2E008CF}"/>
+              </a:ext>
+            </a:extLst>
+          </p:cNvPr>
+          <p:cNvSpPr>
+            <a:spLocks noGrp="1"/>
+          </p:cNvSpPr>
+          <p:nvPr>
+            <p:ph idx="1"/>
+          </p:nvPr>
+        </p:nvSpPr>
+        <p:spPr/>
+        <p:txBody>
+          <a:bodyPr/>
+          <a:lstStyle/>
+          <a:p>
+            <a:endParaRPr lang="en-US"/>
+          </a:p>
+        </p:txBody>
+      </p:sp>
+    </p:spTree>
+    <p:extLst>
+      <p:ext uri="{BB962C8B-B14F-4D97-AF65-F5344CB8AC3E}">
+        <p14:creationId xmlns:p14="http://schemas.microsoft.com/office/powerpoint/2010/main" val="3819861127"/>
+      </p:ext>
+    </p:extLst>
+  </p:cSld>
+  <p:clrMapOvr>
+    <a:masterClrMapping/>
+  </p:clrMapOvr>
+</p:sld>
+</file>
+
+<file path=ppt/slides/slide13.xml><?xml version="1.0" encoding="utf-8"?>
+<p:sld xmlns:a="http://schemas.openxmlformats.org/drawingml/2006/main" xmlns:r="http://schemas.openxmlformats.org/officeDocument/2006/relationships" xmlns:p="http://schemas.openxmlformats.org/presentationml/2006/main">
+  <p:cSld>
+    <p:spTree>
+      <p:nvGrpSpPr>
+        <p:cNvPr id="1" name=""/>
+        <p:cNvGrpSpPr/>
+        <p:nvPr/>
+      </p:nvGrpSpPr>
+      <p:grpSpPr>
+        <a:xfrm>
+          <a:off x="0" y="0"/>
+          <a:ext cx="0" cy="0"/>
+          <a:chOff x="0" y="0"/>
+          <a:chExt cx="0" cy="0"/>
+        </a:xfrm>
+      </p:grpSpPr>
+      <p:sp>
+        <p:nvSpPr>
+          <p:cNvPr id="2" name="Title 1">
+            <a:extLst>
+              <a:ext uri="{FF2B5EF4-FFF2-40B4-BE49-F238E27FC236}">
+                <a16:creationId xmlns:a16="http://schemas.microsoft.com/office/drawing/2014/main" id="{AB6F361B-7244-4C25-AFDB-1BFA5464214E}"/>
+              </a:ext>
+            </a:extLst>
+          </p:cNvPr>
+          <p:cNvSpPr>
+            <a:spLocks noGrp="1"/>
+          </p:cNvSpPr>
+          <p:nvPr>
+            <p:ph type="title"/>
+          </p:nvPr>
+        </p:nvSpPr>
+        <p:spPr/>
+        <p:txBody>
+          <a:bodyPr/>
+          <a:lstStyle/>
+          <a:p>
+            <a:r>
+              <a:rPr lang="fa-IR" dirty="0"/>
+              <a:t>پیش بینی مالی</a:t>
+            </a:r>
+            <a:endParaRPr lang="en-US" dirty="0"/>
+          </a:p>
+        </p:txBody>
+      </p:sp>
+      <p:sp>
+        <p:nvSpPr>
+          <p:cNvPr id="3" name="Content Placeholder 2">
+            <a:extLst>
+              <a:ext uri="{FF2B5EF4-FFF2-40B4-BE49-F238E27FC236}">
+                <a16:creationId xmlns:a16="http://schemas.microsoft.com/office/drawing/2014/main" id="{59D86E9E-6883-496F-925A-355E3D0A4AB2}"/>
+              </a:ext>
+            </a:extLst>
+          </p:cNvPr>
+          <p:cNvSpPr>
+            <a:spLocks noGrp="1"/>
+          </p:cNvSpPr>
+          <p:nvPr>
+            <p:ph idx="1"/>
+          </p:nvPr>
+        </p:nvSpPr>
+        <p:spPr/>
+        <p:txBody>
+          <a:bodyPr/>
+          <a:lstStyle/>
+          <a:p>
+            <a:endParaRPr lang="en-US" dirty="0"/>
+          </a:p>
+        </p:txBody>
+      </p:sp>
+    </p:spTree>
+    <p:extLst>
+      <p:ext uri="{BB962C8B-B14F-4D97-AF65-F5344CB8AC3E}">
+        <p14:creationId xmlns:p14="http://schemas.microsoft.com/office/powerpoint/2010/main" val="1751857419"/>
+      </p:ext>
+    </p:extLst>
+  </p:cSld>
+  <p:clrMapOvr>
+    <a:masterClrMapping/>
+  </p:clrMapOvr>
+</p:sld>
+</file>
+
+<file path=ppt/slides/slide14.xml><?xml version="1.0" encoding="utf-8"?>
+<p:sld xmlns:a="http://schemas.openxmlformats.org/drawingml/2006/main" xmlns:r="http://schemas.openxmlformats.org/officeDocument/2006/relationships" xmlns:p="http://schemas.openxmlformats.org/presentationml/2006/main">
+  <p:cSld>
+    <p:spTree>
+      <p:nvGrpSpPr>
+        <p:cNvPr id="1" name=""/>
+        <p:cNvGrpSpPr/>
+        <p:nvPr/>
+      </p:nvGrpSpPr>
+      <p:grpSpPr>
+        <a:xfrm>
+          <a:off x="0" y="0"/>
+          <a:ext cx="0" cy="0"/>
+          <a:chOff x="0" y="0"/>
+          <a:chExt cx="0" cy="0"/>
+        </a:xfrm>
+      </p:grpSpPr>
+      <p:sp>
+        <p:nvSpPr>
+          <p:cNvPr id="2" name="Title 1">
+            <a:extLst>
+              <a:ext uri="{FF2B5EF4-FFF2-40B4-BE49-F238E27FC236}">
                 <a16:creationId xmlns:a16="http://schemas.microsoft.com/office/drawing/2014/main" id="{30E6AE9E-A8AD-4894-BC43-63F3564DE479}"/>
               </a:ext>
             </a:extLst>
@@ -6283,7 +6686,190 @@
 </p:sld>
 </file>
 
-<file path=ppt/slides/slide13.xml><?xml version="1.0" encoding="utf-8"?>
+<file path=ppt/slides/slide15.xml><?xml version="1.0" encoding="utf-8"?>
+<p:sld xmlns:a="http://schemas.openxmlformats.org/drawingml/2006/main" xmlns:r="http://schemas.openxmlformats.org/officeDocument/2006/relationships" xmlns:p="http://schemas.openxmlformats.org/presentationml/2006/main">
+  <p:cSld>
+    <p:spTree>
+      <p:nvGrpSpPr>
+        <p:cNvPr id="1" name=""/>
+        <p:cNvGrpSpPr/>
+        <p:nvPr/>
+      </p:nvGrpSpPr>
+      <p:grpSpPr>
+        <a:xfrm>
+          <a:off x="0" y="0"/>
+          <a:ext cx="0" cy="0"/>
+          <a:chOff x="0" y="0"/>
+          <a:chExt cx="0" cy="0"/>
+        </a:xfrm>
+      </p:grpSpPr>
+      <p:sp>
+        <p:nvSpPr>
+          <p:cNvPr id="2" name="Title 1">
+            <a:extLst>
+              <a:ext uri="{FF2B5EF4-FFF2-40B4-BE49-F238E27FC236}">
+                <a16:creationId xmlns:a16="http://schemas.microsoft.com/office/drawing/2014/main" id="{4A502359-CFFA-40E0-900B-A1FB45DF9BC8}"/>
+              </a:ext>
+            </a:extLst>
+          </p:cNvPr>
+          <p:cNvSpPr>
+            <a:spLocks noGrp="1"/>
+          </p:cNvSpPr>
+          <p:nvPr>
+            <p:ph type="title"/>
+          </p:nvPr>
+        </p:nvSpPr>
+        <p:spPr/>
+        <p:txBody>
+          <a:bodyPr/>
+          <a:lstStyle/>
+          <a:p>
+            <a:r>
+              <a:rPr lang="fa-IR" dirty="0"/>
+              <a:t>محل استفاده از سرمایه تامین شده</a:t>
+            </a:r>
+            <a:endParaRPr lang="en-US" dirty="0"/>
+          </a:p>
+        </p:txBody>
+      </p:sp>
+      <p:sp>
+        <p:nvSpPr>
+          <p:cNvPr id="3" name="Content Placeholder 2">
+            <a:extLst>
+              <a:ext uri="{FF2B5EF4-FFF2-40B4-BE49-F238E27FC236}">
+                <a16:creationId xmlns:a16="http://schemas.microsoft.com/office/drawing/2014/main" id="{2754D455-BEBD-4CC9-A815-4C111FA323E9}"/>
+              </a:ext>
+            </a:extLst>
+          </p:cNvPr>
+          <p:cNvSpPr>
+            <a:spLocks noGrp="1"/>
+          </p:cNvSpPr>
+          <p:nvPr>
+            <p:ph idx="1"/>
+          </p:nvPr>
+        </p:nvSpPr>
+        <p:spPr/>
+        <p:txBody>
+          <a:bodyPr/>
+          <a:lstStyle/>
+          <a:p>
+            <a:endParaRPr lang="en-US"/>
+          </a:p>
+        </p:txBody>
+      </p:sp>
+    </p:spTree>
+    <p:extLst>
+      <p:ext uri="{BB962C8B-B14F-4D97-AF65-F5344CB8AC3E}">
+        <p14:creationId xmlns:p14="http://schemas.microsoft.com/office/powerpoint/2010/main" val="2230933723"/>
+      </p:ext>
+    </p:extLst>
+  </p:cSld>
+  <p:clrMapOvr>
+    <a:masterClrMapping/>
+  </p:clrMapOvr>
+</p:sld>
+</file>
+
+<file path=ppt/slides/slide16.xml><?xml version="1.0" encoding="utf-8"?>
+<p:sld xmlns:a="http://schemas.openxmlformats.org/drawingml/2006/main" xmlns:r="http://schemas.openxmlformats.org/officeDocument/2006/relationships" xmlns:p="http://schemas.openxmlformats.org/presentationml/2006/main">
+  <p:cSld>
+    <p:spTree>
+      <p:nvGrpSpPr>
+        <p:cNvPr id="1" name=""/>
+        <p:cNvGrpSpPr/>
+        <p:nvPr/>
+      </p:nvGrpSpPr>
+      <p:grpSpPr>
+        <a:xfrm>
+          <a:off x="0" y="0"/>
+          <a:ext cx="0" cy="0"/>
+          <a:chOff x="0" y="0"/>
+          <a:chExt cx="0" cy="0"/>
+        </a:xfrm>
+      </p:grpSpPr>
+      <p:sp>
+        <p:nvSpPr>
+          <p:cNvPr id="2" name="Title 1">
+            <a:extLst>
+              <a:ext uri="{FF2B5EF4-FFF2-40B4-BE49-F238E27FC236}">
+                <a16:creationId xmlns:a16="http://schemas.microsoft.com/office/drawing/2014/main" id="{68CF4F0C-D55A-4293-A3D0-E7A9B00C04D1}"/>
+              </a:ext>
+            </a:extLst>
+          </p:cNvPr>
+          <p:cNvSpPr>
+            <a:spLocks noGrp="1"/>
+          </p:cNvSpPr>
+          <p:nvPr>
+            <p:ph type="title"/>
+          </p:nvPr>
+        </p:nvSpPr>
+        <p:spPr/>
+        <p:txBody>
+          <a:bodyPr/>
+          <a:lstStyle/>
+          <a:p>
+            <a:r>
+              <a:rPr lang="fa-IR" dirty="0"/>
+              <a:t>سپاس</a:t>
+            </a:r>
+            <a:endParaRPr lang="en-US" dirty="0"/>
+          </a:p>
+        </p:txBody>
+      </p:sp>
+      <p:sp>
+        <p:nvSpPr>
+          <p:cNvPr id="3" name="Content Placeholder 2">
+            <a:extLst>
+              <a:ext uri="{FF2B5EF4-FFF2-40B4-BE49-F238E27FC236}">
+                <a16:creationId xmlns:a16="http://schemas.microsoft.com/office/drawing/2014/main" id="{5D9013ED-7863-46BD-AAB7-9699CA9C9EA2}"/>
+              </a:ext>
+            </a:extLst>
+          </p:cNvPr>
+          <p:cNvSpPr>
+            <a:spLocks noGrp="1"/>
+          </p:cNvSpPr>
+          <p:nvPr>
+            <p:ph idx="1"/>
+          </p:nvPr>
+        </p:nvSpPr>
+        <p:spPr/>
+        <p:txBody>
+          <a:bodyPr/>
+          <a:lstStyle/>
+          <a:p>
+            <a:r>
+              <a:rPr lang="fa-IR" dirty="0"/>
+              <a:t>درصد</a:t>
+            </a:r>
+          </a:p>
+          <a:p>
+            <a:r>
+              <a:rPr lang="fa-IR" dirty="0"/>
+              <a:t>مبلغ</a:t>
+            </a:r>
+          </a:p>
+          <a:p>
+            <a:r>
+              <a:rPr lang="fa-IR" dirty="0"/>
+              <a:t>سایر سرمایه‌گذاران</a:t>
+            </a:r>
+          </a:p>
+        </p:txBody>
+      </p:sp>
+    </p:spTree>
+    <p:extLst>
+      <p:ext uri="{BB962C8B-B14F-4D97-AF65-F5344CB8AC3E}">
+        <p14:creationId xmlns:p14="http://schemas.microsoft.com/office/powerpoint/2010/main" val="73181294"/>
+      </p:ext>
+    </p:extLst>
+  </p:cSld>
+  <p:clrMapOvr>
+    <a:masterClrMapping/>
+  </p:clrMapOvr>
+</p:sld>
+</file>
+
+<file path=ppt/slides/slide17.xml><?xml version="1.0" encoding="utf-8"?>
 <p:sld xmlns:a="http://schemas.openxmlformats.org/drawingml/2006/main" xmlns:r="http://schemas.openxmlformats.org/officeDocument/2006/relationships" xmlns:p="http://schemas.openxmlformats.org/presentationml/2006/main">
   <p:cSld>
     <p:spTree>
@@ -6519,7 +7105,7 @@
           <p:cNvPr id="2" name="Title 1">
             <a:extLst>
               <a:ext uri="{FF2B5EF4-FFF2-40B4-BE49-F238E27FC236}">
-                <a16:creationId xmlns:a16="http://schemas.microsoft.com/office/drawing/2014/main" id="{60117D4C-CC92-44AD-9C90-C33F0A725232}"/>
+                <a16:creationId xmlns:a16="http://schemas.microsoft.com/office/drawing/2014/main" id="{E6206EEC-326E-44DB-AB86-A5680D5E7517}"/>
               </a:ext>
             </a:extLst>
           </p:cNvPr>
@@ -6537,7 +7123,7 @@
           <a:p>
             <a:r>
               <a:rPr lang="fa-IR" dirty="0"/>
-              <a:t>دموی محصول</a:t>
+              <a:t>اعتبارسنجی بازار</a:t>
             </a:r>
             <a:endParaRPr lang="en-US" dirty="0"/>
           </a:p>
@@ -6548,7 +7134,7 @@
           <p:cNvPr id="3" name="Content Placeholder 2">
             <a:extLst>
               <a:ext uri="{FF2B5EF4-FFF2-40B4-BE49-F238E27FC236}">
-                <a16:creationId xmlns:a16="http://schemas.microsoft.com/office/drawing/2014/main" id="{D281949B-4E50-4E45-A287-8E59954A83B0}"/>
+                <a16:creationId xmlns:a16="http://schemas.microsoft.com/office/drawing/2014/main" id="{75367ABD-D08C-4BD8-A9D8-F8C1EB607050}"/>
               </a:ext>
             </a:extLst>
           </p:cNvPr>
@@ -6564,14 +7150,20 @@
           <a:bodyPr/>
           <a:lstStyle/>
           <a:p>
-            <a:endParaRPr lang="en-US"/>
+            <a:r>
+              <a:rPr lang="fa-IR" dirty="0"/>
+              <a:t>چرا الان؟</a:t>
+            </a:r>
+          </a:p>
+          <a:p>
+            <a:endParaRPr lang="en-US" dirty="0"/>
           </a:p>
         </p:txBody>
       </p:sp>
     </p:spTree>
     <p:extLst>
       <p:ext uri="{BB962C8B-B14F-4D97-AF65-F5344CB8AC3E}">
-        <p14:creationId xmlns:p14="http://schemas.microsoft.com/office/powerpoint/2010/main" val="2509938767"/>
+        <p14:creationId xmlns:p14="http://schemas.microsoft.com/office/powerpoint/2010/main" val="3322250093"/>
       </p:ext>
     </p:extLst>
   </p:cSld>
@@ -6603,7 +7195,7 @@
           <p:cNvPr id="2" name="Title 1">
             <a:extLst>
               <a:ext uri="{FF2B5EF4-FFF2-40B4-BE49-F238E27FC236}">
-                <a16:creationId xmlns:a16="http://schemas.microsoft.com/office/drawing/2014/main" id="{A55E623B-4760-4F62-AB7A-4FB209399CE6}"/>
+                <a16:creationId xmlns:a16="http://schemas.microsoft.com/office/drawing/2014/main" id="{60117D4C-CC92-44AD-9C90-C33F0A725232}"/>
               </a:ext>
             </a:extLst>
           </p:cNvPr>
@@ -6621,7 +7213,7 @@
           <a:p>
             <a:r>
               <a:rPr lang="fa-IR" dirty="0"/>
-              <a:t>حجم بازار</a:t>
+              <a:t>دموی محصول</a:t>
             </a:r>
             <a:endParaRPr lang="en-US" dirty="0"/>
           </a:p>
@@ -6632,7 +7224,7 @@
           <p:cNvPr id="3" name="Content Placeholder 2">
             <a:extLst>
               <a:ext uri="{FF2B5EF4-FFF2-40B4-BE49-F238E27FC236}">
-                <a16:creationId xmlns:a16="http://schemas.microsoft.com/office/drawing/2014/main" id="{625CBF74-0A34-4DD1-A217-7A71D7E2FE04}"/>
+                <a16:creationId xmlns:a16="http://schemas.microsoft.com/office/drawing/2014/main" id="{D281949B-4E50-4E45-A287-8E59954A83B0}"/>
               </a:ext>
             </a:extLst>
           </p:cNvPr>
@@ -6655,7 +7247,7 @@
     </p:spTree>
     <p:extLst>
       <p:ext uri="{BB962C8B-B14F-4D97-AF65-F5344CB8AC3E}">
-        <p14:creationId xmlns:p14="http://schemas.microsoft.com/office/powerpoint/2010/main" val="1448984731"/>
+        <p14:creationId xmlns:p14="http://schemas.microsoft.com/office/powerpoint/2010/main" val="2509938767"/>
       </p:ext>
     </p:extLst>
   </p:cSld>
@@ -6687,7 +7279,7 @@
           <p:cNvPr id="2" name="Title 1">
             <a:extLst>
               <a:ext uri="{FF2B5EF4-FFF2-40B4-BE49-F238E27FC236}">
-                <a16:creationId xmlns:a16="http://schemas.microsoft.com/office/drawing/2014/main" id="{78999E65-B826-4419-A372-7178F0A2FF18}"/>
+                <a16:creationId xmlns:a16="http://schemas.microsoft.com/office/drawing/2014/main" id="{A55E623B-4760-4F62-AB7A-4FB209399CE6}"/>
               </a:ext>
             </a:extLst>
           </p:cNvPr>
@@ -6705,7 +7297,7 @@
           <a:p>
             <a:r>
               <a:rPr lang="fa-IR" dirty="0"/>
-              <a:t>بیزینس مدل فری‌میوم</a:t>
+              <a:t>حجم بازار</a:t>
             </a:r>
             <a:endParaRPr lang="en-US" dirty="0"/>
           </a:p>
@@ -6716,7 +7308,7 @@
           <p:cNvPr id="3" name="Content Placeholder 2">
             <a:extLst>
               <a:ext uri="{FF2B5EF4-FFF2-40B4-BE49-F238E27FC236}">
-                <a16:creationId xmlns:a16="http://schemas.microsoft.com/office/drawing/2014/main" id="{5D06C720-2A35-4AE3-9E85-7EF30AB81A20}"/>
+                <a16:creationId xmlns:a16="http://schemas.microsoft.com/office/drawing/2014/main" id="{625CBF74-0A34-4DD1-A217-7A71D7E2FE04}"/>
               </a:ext>
             </a:extLst>
           </p:cNvPr>
@@ -6739,7 +7331,7 @@
     </p:spTree>
     <p:extLst>
       <p:ext uri="{BB962C8B-B14F-4D97-AF65-F5344CB8AC3E}">
-        <p14:creationId xmlns:p14="http://schemas.microsoft.com/office/powerpoint/2010/main" val="2921887442"/>
+        <p14:creationId xmlns:p14="http://schemas.microsoft.com/office/powerpoint/2010/main" val="1448984731"/>
       </p:ext>
     </p:extLst>
   </p:cSld>
@@ -6771,7 +7363,7 @@
           <p:cNvPr id="2" name="Title 1">
             <a:extLst>
               <a:ext uri="{FF2B5EF4-FFF2-40B4-BE49-F238E27FC236}">
-                <a16:creationId xmlns:a16="http://schemas.microsoft.com/office/drawing/2014/main" id="{9F9067C3-8489-4637-B0E1-62E01A9DF117}"/>
+                <a16:creationId xmlns:a16="http://schemas.microsoft.com/office/drawing/2014/main" id="{78999E65-B826-4419-A372-7178F0A2FF18}"/>
               </a:ext>
             </a:extLst>
           </p:cNvPr>
@@ -6789,7 +7381,7 @@
           <a:p>
             <a:r>
               <a:rPr lang="fa-IR" dirty="0"/>
-              <a:t>رقبا</a:t>
+              <a:t>بیزینس مدل فری‌میوم</a:t>
             </a:r>
             <a:endParaRPr lang="en-US" dirty="0"/>
           </a:p>
@@ -6800,7 +7392,7 @@
           <p:cNvPr id="3" name="Content Placeholder 2">
             <a:extLst>
               <a:ext uri="{FF2B5EF4-FFF2-40B4-BE49-F238E27FC236}">
-                <a16:creationId xmlns:a16="http://schemas.microsoft.com/office/drawing/2014/main" id="{B04D06BC-3FD3-4B50-807E-200EE28669A2}"/>
+                <a16:creationId xmlns:a16="http://schemas.microsoft.com/office/drawing/2014/main" id="{5D06C720-2A35-4AE3-9E85-7EF30AB81A20}"/>
               </a:ext>
             </a:extLst>
           </p:cNvPr>
@@ -6823,7 +7415,7 @@
     </p:spTree>
     <p:extLst>
       <p:ext uri="{BB962C8B-B14F-4D97-AF65-F5344CB8AC3E}">
-        <p14:creationId xmlns:p14="http://schemas.microsoft.com/office/powerpoint/2010/main" val="2836734986"/>
+        <p14:creationId xmlns:p14="http://schemas.microsoft.com/office/powerpoint/2010/main" val="2921887442"/>
       </p:ext>
     </p:extLst>
   </p:cSld>
@@ -6855,7 +7447,7 @@
           <p:cNvPr id="2" name="Title 1">
             <a:extLst>
               <a:ext uri="{FF2B5EF4-FFF2-40B4-BE49-F238E27FC236}">
-                <a16:creationId xmlns:a16="http://schemas.microsoft.com/office/drawing/2014/main" id="{84B747BF-7704-454D-89C6-8AD163CBED44}"/>
+                <a16:creationId xmlns:a16="http://schemas.microsoft.com/office/drawing/2014/main" id="{9F9067C3-8489-4637-B0E1-62E01A9DF117}"/>
               </a:ext>
             </a:extLst>
           </p:cNvPr>
@@ -6873,7 +7465,7 @@
           <a:p>
             <a:r>
               <a:rPr lang="fa-IR" dirty="0"/>
-              <a:t>مزیت رقابتی</a:t>
+              <a:t>رقبا</a:t>
             </a:r>
             <a:endParaRPr lang="en-US" dirty="0"/>
           </a:p>
@@ -6884,7 +7476,7 @@
           <p:cNvPr id="3" name="Content Placeholder 2">
             <a:extLst>
               <a:ext uri="{FF2B5EF4-FFF2-40B4-BE49-F238E27FC236}">
-                <a16:creationId xmlns:a16="http://schemas.microsoft.com/office/drawing/2014/main" id="{E54C571F-BC54-41C3-80D4-2B49DEB9574A}"/>
+                <a16:creationId xmlns:a16="http://schemas.microsoft.com/office/drawing/2014/main" id="{B04D06BC-3FD3-4B50-807E-200EE28669A2}"/>
               </a:ext>
             </a:extLst>
           </p:cNvPr>
@@ -6900,30 +7492,14 @@
           <a:bodyPr/>
           <a:lstStyle/>
           <a:p>
-            <a:r>
-              <a:rPr lang="fa-IR" dirty="0"/>
-              <a:t>مزیت رقابتی</a:t>
-            </a:r>
-          </a:p>
-          <a:p>
-            <a:r>
-              <a:rPr lang="fa-IR" dirty="0"/>
-              <a:t>بیزینس مدل یا روش کسب درآمد</a:t>
-            </a:r>
-          </a:p>
-          <a:p>
-            <a:r>
-              <a:rPr lang="fa-IR" dirty="0"/>
-              <a:t>مارکتینگ و روش فروش</a:t>
-            </a:r>
-            <a:endParaRPr lang="en-US" dirty="0"/>
+            <a:endParaRPr lang="en-US"/>
           </a:p>
         </p:txBody>
       </p:sp>
     </p:spTree>
     <p:extLst>
       <p:ext uri="{BB962C8B-B14F-4D97-AF65-F5344CB8AC3E}">
-        <p14:creationId xmlns:p14="http://schemas.microsoft.com/office/powerpoint/2010/main" val="3074796233"/>
+        <p14:creationId xmlns:p14="http://schemas.microsoft.com/office/powerpoint/2010/main" val="2836734986"/>
       </p:ext>
     </p:extLst>
   </p:cSld>
@@ -6955,7 +7531,7 @@
           <p:cNvPr id="2" name="Title 1">
             <a:extLst>
               <a:ext uri="{FF2B5EF4-FFF2-40B4-BE49-F238E27FC236}">
-                <a16:creationId xmlns:a16="http://schemas.microsoft.com/office/drawing/2014/main" id="{9E452C3F-ED25-483A-94FA-D2CE60013342}"/>
+                <a16:creationId xmlns:a16="http://schemas.microsoft.com/office/drawing/2014/main" id="{84B747BF-7704-454D-89C6-8AD163CBED44}"/>
               </a:ext>
             </a:extLst>
           </p:cNvPr>
@@ -6973,7 +7549,7 @@
           <a:p>
             <a:r>
               <a:rPr lang="fa-IR" dirty="0"/>
-              <a:t>ورود به بازار</a:t>
+              <a:t>مزیت رقابتی</a:t>
             </a:r>
             <a:endParaRPr lang="en-US" dirty="0"/>
           </a:p>
@@ -6984,7 +7560,7 @@
           <p:cNvPr id="3" name="Content Placeholder 2">
             <a:extLst>
               <a:ext uri="{FF2B5EF4-FFF2-40B4-BE49-F238E27FC236}">
-                <a16:creationId xmlns:a16="http://schemas.microsoft.com/office/drawing/2014/main" id="{46F6534D-E736-4D33-B628-2F504052D36C}"/>
+                <a16:creationId xmlns:a16="http://schemas.microsoft.com/office/drawing/2014/main" id="{E54C571F-BC54-41C3-80D4-2B49DEB9574A}"/>
               </a:ext>
             </a:extLst>
           </p:cNvPr>
@@ -7000,14 +7576,30 @@
           <a:bodyPr/>
           <a:lstStyle/>
           <a:p>
-            <a:endParaRPr lang="en-US"/>
+            <a:r>
+              <a:rPr lang="fa-IR" dirty="0"/>
+              <a:t>مزیت رقابتی</a:t>
+            </a:r>
+          </a:p>
+          <a:p>
+            <a:r>
+              <a:rPr lang="fa-IR" dirty="0"/>
+              <a:t>بیزینس مدل یا روش کسب درآمد</a:t>
+            </a:r>
+          </a:p>
+          <a:p>
+            <a:r>
+              <a:rPr lang="fa-IR" dirty="0"/>
+              <a:t>مارکتینگ و روش فروش</a:t>
+            </a:r>
+            <a:endParaRPr lang="en-US" dirty="0"/>
           </a:p>
         </p:txBody>
       </p:sp>
     </p:spTree>
     <p:extLst>
       <p:ext uri="{BB962C8B-B14F-4D97-AF65-F5344CB8AC3E}">
-        <p14:creationId xmlns:p14="http://schemas.microsoft.com/office/powerpoint/2010/main" val="951979677"/>
+        <p14:creationId xmlns:p14="http://schemas.microsoft.com/office/powerpoint/2010/main" val="3074796233"/>
       </p:ext>
     </p:extLst>
   </p:cSld>

--- a/business/PitchDeck/JIbres-PitchDeck-v1.pptx
+++ b/business/PitchDeck/JIbres-PitchDeck-v1.pptx
@@ -359,7 +359,7 @@
           <a:p>
             <a:fld id="{4BCE15A7-A56F-4E25-873C-50B597AA8420}" type="datetimeFigureOut">
               <a:rPr lang="en-US" smtClean="0"/>
-              <a:t>2021-05-06</a:t>
+              <a:t>2021-05-07</a:t>
             </a:fld>
             <a:endParaRPr lang="en-US"/>
           </a:p>
@@ -536,7 +536,7 @@
           <a:p>
             <a:fld id="{62C1A832-66EE-44A0-BEBE-A62E02B5B452}" type="datetimeFigureOut">
               <a:rPr lang="en-US" smtClean="0"/>
-              <a:t>2021-05-06</a:t>
+              <a:t>2021-05-07</a:t>
             </a:fld>
             <a:endParaRPr lang="en-US"/>
           </a:p>
@@ -6251,13 +6251,13 @@
   <p:clrMapOvr>
     <a:masterClrMapping/>
   </p:clrMapOvr>
-  <mc:AlternateContent xmlns:mc="http://schemas.openxmlformats.org/markup-compatibility/2006">
-    <mc:Choice xmlns:p14="http://schemas.microsoft.com/office/powerpoint/2010/main" Requires="p14">
+  <mc:AlternateContent xmlns:mc="http://schemas.openxmlformats.org/markup-compatibility/2006" xmlns:p14="http://schemas.microsoft.com/office/powerpoint/2010/main">
+    <mc:Choice Requires="p14">
       <p:transition spd="slow" p14:dur="900">
         <p14:warp dir="in"/>
       </p:transition>
     </mc:Choice>
-    <mc:Fallback>
+    <mc:Fallback xmlns="">
       <p:transition spd="slow">
         <p:fade/>
       </p:transition>
@@ -7066,7 +7066,11 @@
           <a:bodyPr/>
           <a:lstStyle/>
           <a:p>
-            <a:endParaRPr lang="en-US"/>
+            <a:r>
+              <a:rPr lang="fa-IR" dirty="0"/>
+              <a:t>توضیحات کلی</a:t>
+            </a:r>
+            <a:endParaRPr lang="en-US" dirty="0"/>
           </a:p>
         </p:txBody>
       </p:sp>
@@ -7240,7 +7244,11 @@
           <a:bodyPr/>
           <a:lstStyle/>
           <a:p>
-            <a:endParaRPr lang="en-US"/>
+            <a:r>
+              <a:rPr lang="fa-IR" dirty="0"/>
+              <a:t>درباره امکانات و ریز اون‌ها</a:t>
+            </a:r>
+            <a:endParaRPr lang="en-US" dirty="0"/>
           </a:p>
         </p:txBody>
       </p:sp>

--- a/business/PitchDeck/JIbres-PitchDeck-v1.pptx
+++ b/business/PitchDeck/JIbres-PitchDeck-v1.pptx
@@ -5,29 +5,31 @@
     <p:sldMasterId id="2147483714" r:id="rId1"/>
   </p:sldMasterIdLst>
   <p:notesMasterIdLst>
-    <p:notesMasterId r:id="rId19"/>
+    <p:notesMasterId r:id="rId21"/>
   </p:notesMasterIdLst>
   <p:handoutMasterIdLst>
-    <p:handoutMasterId r:id="rId20"/>
+    <p:handoutMasterId r:id="rId22"/>
   </p:handoutMasterIdLst>
   <p:sldIdLst>
     <p:sldId id="262" r:id="rId2"/>
     <p:sldId id="259" r:id="rId3"/>
-    <p:sldId id="257" r:id="rId4"/>
-    <p:sldId id="277" r:id="rId5"/>
-    <p:sldId id="270" r:id="rId6"/>
-    <p:sldId id="258" r:id="rId7"/>
-    <p:sldId id="271" r:id="rId8"/>
-    <p:sldId id="266" r:id="rId9"/>
-    <p:sldId id="269" r:id="rId10"/>
-    <p:sldId id="272" r:id="rId11"/>
-    <p:sldId id="265" r:id="rId12"/>
-    <p:sldId id="273" r:id="rId13"/>
-    <p:sldId id="275" r:id="rId14"/>
-    <p:sldId id="268" r:id="rId15"/>
-    <p:sldId id="276" r:id="rId16"/>
-    <p:sldId id="274" r:id="rId17"/>
-    <p:sldId id="261" r:id="rId18"/>
+    <p:sldId id="280" r:id="rId4"/>
+    <p:sldId id="257" r:id="rId5"/>
+    <p:sldId id="277" r:id="rId6"/>
+    <p:sldId id="270" r:id="rId7"/>
+    <p:sldId id="258" r:id="rId8"/>
+    <p:sldId id="271" r:id="rId9"/>
+    <p:sldId id="266" r:id="rId10"/>
+    <p:sldId id="269" r:id="rId11"/>
+    <p:sldId id="272" r:id="rId12"/>
+    <p:sldId id="265" r:id="rId13"/>
+    <p:sldId id="273" r:id="rId14"/>
+    <p:sldId id="275" r:id="rId15"/>
+    <p:sldId id="268" r:id="rId16"/>
+    <p:sldId id="276" r:id="rId17"/>
+    <p:sldId id="274" r:id="rId18"/>
+    <p:sldId id="279" r:id="rId19"/>
+    <p:sldId id="261" r:id="rId20"/>
   </p:sldIdLst>
   <p:sldSz cx="12192000" cy="6858000"/>
   <p:notesSz cx="6858000" cy="9144000"/>
@@ -36,8 +38,7 @@
       <p:sldLst>
         <p:sld r:id="rId2"/>
         <p:sld r:id="rId3"/>
-        <p:sld r:id="rId4"/>
-        <p:sld r:id="rId6"/>
+        <p:sld r:id="rId5"/>
         <p:sld r:id="rId7"/>
         <p:sld r:id="rId8"/>
         <p:sld r:id="rId9"/>
@@ -45,25 +46,26 @@
         <p:sld r:id="rId11"/>
         <p:sld r:id="rId12"/>
         <p:sld r:id="rId13"/>
-        <p:sld r:id="rId15"/>
-        <p:sld r:id="rId18"/>
+        <p:sld r:id="rId14"/>
+        <p:sld r:id="rId16"/>
+        <p:sld r:id="rId20"/>
       </p:sldLst>
     </p:custShow>
     <p:custShow name="Demo Day" id="1">
       <p:sldLst>
         <p:sld r:id="rId2"/>
-        <p:sld r:id="rId13"/>
+        <p:sld r:id="rId14"/>
         <p:sld r:id="rId3"/>
-        <p:sld r:id="rId4"/>
-        <p:sld r:id="rId6"/>
-        <p:sld r:id="rId8"/>
+        <p:sld r:id="rId5"/>
         <p:sld r:id="rId7"/>
         <p:sld r:id="rId9"/>
+        <p:sld r:id="rId8"/>
         <p:sld r:id="rId10"/>
         <p:sld r:id="rId11"/>
         <p:sld r:id="rId12"/>
-        <p:sld r:id="rId15"/>
-        <p:sld r:id="rId18"/>
+        <p:sld r:id="rId13"/>
+        <p:sld r:id="rId16"/>
+        <p:sld r:id="rId20"/>
       </p:sldLst>
     </p:custShow>
   </p:custShowLst>
@@ -165,6 +167,9 @@
   <p:extLst>
     <p:ext uri="{521415D9-36F7-43E2-AB2F-B90AF26B5E84}">
       <p14:sectionLst xmlns:p14="http://schemas.microsoft.com/office/powerpoint/2010/main">
+        <p14:section name="Summary Section" id="{099D728F-D1E5-4DE5-8BAA-6FFE9BA0B6CF}">
+          <p14:sldIdLst/>
+        </p14:section>
         <p14:section name="Cover" id="{D290706E-D8E2-4E1D-968B-B6BCE5A573BD}">
           <p14:sldIdLst>
             <p14:sldId id="262"/>
@@ -177,6 +182,7 @@
         </p14:section>
         <p14:section name="Solution" id="{8FC4EC59-1F84-4F78-B6F0-78F4CB8A3139}">
           <p14:sldIdLst>
+            <p14:sldId id="280"/>
             <p14:sldId id="257"/>
           </p14:sldIdLst>
         </p14:section>
@@ -228,7 +234,15 @@
         <p14:section name="Fundraising Information" id="{222D225F-40B8-4430-8E08-05153F3F2DA9}">
           <p14:sldIdLst>
             <p14:sldId id="275"/>
+          </p14:sldIdLst>
+        </p14:section>
+        <p14:section name="سرمایه موردنیاز" id="{0015CE12-1864-48BA-847C-BE9F3263F1E2}">
+          <p14:sldIdLst>
             <p14:sldId id="268"/>
+          </p14:sldIdLst>
+        </p14:section>
+        <p14:section name="محل استفاده از سرمایه تامین شده" id="{970402E4-893E-4090-A925-66F233360702}">
+          <p14:sldIdLst>
             <p14:sldId id="276"/>
           </p14:sldIdLst>
         </p14:section>
@@ -239,6 +253,7 @@
         </p14:section>
         <p14:section name="Jibres" id="{00CC254F-6A85-49A5-A813-69506AD69DF8}">
           <p14:sldIdLst>
+            <p14:sldId id="279"/>
             <p14:sldId id="261"/>
           </p14:sldIdLst>
         </p14:section>
@@ -359,7 +374,7 @@
           <a:p>
             <a:fld id="{4BCE15A7-A56F-4E25-873C-50B597AA8420}" type="datetimeFigureOut">
               <a:rPr lang="en-US" smtClean="0"/>
-              <a:t>2021-05-07</a:t>
+              <a:t>2021-05-08</a:t>
             </a:fld>
             <a:endParaRPr lang="en-US"/>
           </a:p>
@@ -536,7 +551,7 @@
           <a:p>
             <a:fld id="{62C1A832-66EE-44A0-BEBE-A62E02B5B452}" type="datetimeFigureOut">
               <a:rPr lang="en-US" smtClean="0"/>
-              <a:t>2021-05-07</a:t>
+              <a:t>2021-05-08</a:t>
             </a:fld>
             <a:endParaRPr lang="en-US"/>
           </a:p>
@@ -942,11 +957,6 @@
           <a:bodyPr/>
           <a:lstStyle/>
           <a:p>
-            <a:pPr algn="r" rtl="1"/>
-            <a:r>
-              <a:rPr lang="fa-IR" dirty="0"/>
-              <a:t>نمایش هدف برای ادامه جلب توجه در روز ارائه</a:t>
-            </a:r>
             <a:endParaRPr lang="en-US" dirty="0"/>
           </a:p>
         </p:txBody>
@@ -968,7 +978,7 @@
           <a:p>
             <a:fld id="{EC29E1AC-3210-4C03-93DF-294BFDB0FAF7}" type="slidenum">
               <a:rPr lang="en-US" smtClean="0"/>
-              <a:t>12</a:t>
+              <a:t>2</a:t>
             </a:fld>
             <a:endParaRPr lang="en-US"/>
           </a:p>
@@ -977,7 +987,7 @@
     </p:spTree>
     <p:extLst>
       <p:ext uri="{BB962C8B-B14F-4D97-AF65-F5344CB8AC3E}">
-        <p14:creationId xmlns:p14="http://schemas.microsoft.com/office/powerpoint/2010/main" val="2773812234"/>
+        <p14:creationId xmlns:p14="http://schemas.microsoft.com/office/powerpoint/2010/main" val="631626595"/>
       </p:ext>
     </p:extLst>
   </p:cSld>
@@ -1031,42 +1041,10 @@
           <a:bodyPr/>
           <a:lstStyle/>
           <a:p>
-            <a:r>
-              <a:rPr lang="en-US" sz="1200" b="0" i="0" kern="1200" dirty="0">
-                <a:solidFill>
-                  <a:schemeClr val="tx1"/>
-                </a:solidFill>
-                <a:effectLst/>
-                <a:latin typeface="+mn-lt"/>
-                <a:ea typeface="+mn-ea"/>
-                <a:cs typeface="+mn-cs"/>
-              </a:rPr>
-              <a:t>The financials slide is one that investors will spend the most time on. It’s one of the three most important slides in your pitch deck, according to the data in this </a:t>
-            </a:r>
-            <a:r>
-              <a:rPr lang="en-US" sz="1200" b="0" i="0" u="none" strike="noStrike" kern="1200" dirty="0">
-                <a:solidFill>
-                  <a:schemeClr val="tx1"/>
-                </a:solidFill>
-                <a:effectLst/>
-                <a:latin typeface="+mn-lt"/>
-                <a:ea typeface="+mn-ea"/>
-                <a:cs typeface="+mn-cs"/>
-                <a:hlinkClick r:id="rId3"/>
-              </a:rPr>
-              <a:t>Forbes article</a:t>
-            </a:r>
-            <a:r>
-              <a:rPr lang="en-US" sz="1200" b="0" i="0" kern="1200" dirty="0">
-                <a:solidFill>
-                  <a:schemeClr val="tx1"/>
-                </a:solidFill>
-                <a:effectLst/>
-                <a:latin typeface="+mn-lt"/>
-                <a:ea typeface="+mn-ea"/>
-                <a:cs typeface="+mn-cs"/>
-              </a:rPr>
-              <a:t>. Key points include your burn rate, break even point and how many users you need to make a profit.</a:t>
+            <a:pPr algn="r" rtl="1"/>
+            <a:r>
+              <a:rPr lang="fa-IR" dirty="0"/>
+              <a:t>نمایش هدف برای ادامه جلب توجه در روز ارائه</a:t>
             </a:r>
             <a:endParaRPr lang="en-US" dirty="0"/>
           </a:p>
@@ -1098,7 +1076,7 @@
     </p:spTree>
     <p:extLst>
       <p:ext uri="{BB962C8B-B14F-4D97-AF65-F5344CB8AC3E}">
-        <p14:creationId xmlns:p14="http://schemas.microsoft.com/office/powerpoint/2010/main" val="1515327474"/>
+        <p14:creationId xmlns:p14="http://schemas.microsoft.com/office/powerpoint/2010/main" val="2773812234"/>
       </p:ext>
     </p:extLst>
   </p:cSld>
@@ -1162,10 +1140,33 @@
                 <a:ea typeface="+mn-ea"/>
                 <a:cs typeface="+mn-cs"/>
               </a:rPr>
-              <a:t>What are you going to do with the money? Spend it on rent or buy up customers and squeeze the competition out of business?</a:t>
-            </a:r>
-          </a:p>
-          <a:p>
+              <a:t>The financials slide is one that investors will spend the most time on. It’s one of the three most important slides in your pitch deck, according to the data in this </a:t>
+            </a:r>
+            <a:r>
+              <a:rPr lang="en-US" sz="1200" b="0" i="0" u="none" strike="noStrike" kern="1200" dirty="0">
+                <a:solidFill>
+                  <a:schemeClr val="tx1"/>
+                </a:solidFill>
+                <a:effectLst/>
+                <a:latin typeface="+mn-lt"/>
+                <a:ea typeface="+mn-ea"/>
+                <a:cs typeface="+mn-cs"/>
+                <a:hlinkClick r:id="rId3"/>
+              </a:rPr>
+              <a:t>Forbes article</a:t>
+            </a:r>
+            <a:r>
+              <a:rPr lang="en-US" sz="1200" b="0" i="0" kern="1200" dirty="0">
+                <a:solidFill>
+                  <a:schemeClr val="tx1"/>
+                </a:solidFill>
+                <a:effectLst/>
+                <a:latin typeface="+mn-lt"/>
+                <a:ea typeface="+mn-ea"/>
+                <a:cs typeface="+mn-cs"/>
+              </a:rPr>
+              <a:t>. Key points include your burn rate, break even point and how many users you need to make a profit.</a:t>
+            </a:r>
             <a:endParaRPr lang="en-US" dirty="0"/>
           </a:p>
         </p:txBody>
@@ -1187,7 +1188,105 @@
           <a:p>
             <a:fld id="{EC29E1AC-3210-4C03-93DF-294BFDB0FAF7}" type="slidenum">
               <a:rPr lang="en-US" smtClean="0"/>
-              <a:t>15</a:t>
+              <a:t>14</a:t>
+            </a:fld>
+            <a:endParaRPr lang="en-US"/>
+          </a:p>
+        </p:txBody>
+      </p:sp>
+    </p:spTree>
+    <p:extLst>
+      <p:ext uri="{BB962C8B-B14F-4D97-AF65-F5344CB8AC3E}">
+        <p14:creationId xmlns:p14="http://schemas.microsoft.com/office/powerpoint/2010/main" val="1515327474"/>
+      </p:ext>
+    </p:extLst>
+  </p:cSld>
+  <p:clrMapOvr>
+    <a:masterClrMapping/>
+  </p:clrMapOvr>
+</p:notes>
+</file>
+
+<file path=ppt/notesSlides/notesSlide5.xml><?xml version="1.0" encoding="utf-8"?>
+<p:notes xmlns:a="http://schemas.openxmlformats.org/drawingml/2006/main" xmlns:r="http://schemas.openxmlformats.org/officeDocument/2006/relationships" xmlns:p="http://schemas.openxmlformats.org/presentationml/2006/main">
+  <p:cSld>
+    <p:spTree>
+      <p:nvGrpSpPr>
+        <p:cNvPr id="1" name=""/>
+        <p:cNvGrpSpPr/>
+        <p:nvPr/>
+      </p:nvGrpSpPr>
+      <p:grpSpPr>
+        <a:xfrm>
+          <a:off x="0" y="0"/>
+          <a:ext cx="0" cy="0"/>
+          <a:chOff x="0" y="0"/>
+          <a:chExt cx="0" cy="0"/>
+        </a:xfrm>
+      </p:grpSpPr>
+      <p:sp>
+        <p:nvSpPr>
+          <p:cNvPr id="2" name="Slide Image Placeholder 1"/>
+          <p:cNvSpPr>
+            <a:spLocks noGrp="1" noRot="1" noChangeAspect="1"/>
+          </p:cNvSpPr>
+          <p:nvPr>
+            <p:ph type="sldImg"/>
+          </p:nvPr>
+        </p:nvSpPr>
+        <p:spPr/>
+      </p:sp>
+      <p:sp>
+        <p:nvSpPr>
+          <p:cNvPr id="3" name="Notes Placeholder 2"/>
+          <p:cNvSpPr>
+            <a:spLocks noGrp="1"/>
+          </p:cNvSpPr>
+          <p:nvPr>
+            <p:ph type="body" idx="1"/>
+          </p:nvPr>
+        </p:nvSpPr>
+        <p:spPr/>
+        <p:txBody>
+          <a:bodyPr/>
+          <a:lstStyle/>
+          <a:p>
+            <a:r>
+              <a:rPr lang="en-US" sz="1200" b="0" i="0" kern="1200" dirty="0">
+                <a:solidFill>
+                  <a:schemeClr val="tx1"/>
+                </a:solidFill>
+                <a:effectLst/>
+                <a:latin typeface="+mn-lt"/>
+                <a:ea typeface="+mn-ea"/>
+                <a:cs typeface="+mn-cs"/>
+              </a:rPr>
+              <a:t>What are you going to do with the money? Spend it on rent or buy up customers and squeeze the competition out of business?</a:t>
+            </a:r>
+          </a:p>
+          <a:p>
+            <a:endParaRPr lang="en-US" dirty="0"/>
+          </a:p>
+        </p:txBody>
+      </p:sp>
+      <p:sp>
+        <p:nvSpPr>
+          <p:cNvPr id="4" name="Slide Number Placeholder 3"/>
+          <p:cNvSpPr>
+            <a:spLocks noGrp="1"/>
+          </p:cNvSpPr>
+          <p:nvPr>
+            <p:ph type="sldNum" sz="quarter" idx="5"/>
+          </p:nvPr>
+        </p:nvSpPr>
+        <p:spPr/>
+        <p:txBody>
+          <a:bodyPr/>
+          <a:lstStyle/>
+          <a:p>
+            <a:fld id="{EC29E1AC-3210-4C03-93DF-294BFDB0FAF7}" type="slidenum">
+              <a:rPr lang="en-US" smtClean="0"/>
+              <a:t>16</a:t>
             </a:fld>
             <a:endParaRPr lang="en-US"/>
           </a:p>
@@ -1514,10 +1613,239 @@
   <p:clrMapOvr>
     <a:masterClrMapping/>
   </p:clrMapOvr>
+  <mc:AlternateContent xmlns:mc="http://schemas.openxmlformats.org/markup-compatibility/2006">
+    <mc:Choice xmlns:p159="http://schemas.microsoft.com/office/powerpoint/2015/09/main" Requires="p159">
+      <p:transition xmlns:p14="http://schemas.microsoft.com/office/powerpoint/2010/main" spd="slow" p14:dur="2000">
+        <p159:morph option="byWord"/>
+      </p:transition>
+    </mc:Choice>
+    <mc:Fallback>
+      <p:transition spd="slow">
+        <p:fade/>
+      </p:transition>
+    </mc:Fallback>
+  </mc:AlternateContent>
 </p:sldLayout>
 </file>
 
 <file path=ppt/slideLayouts/slideLayout10.xml><?xml version="1.0" encoding="utf-8"?>
+<p:sldLayout xmlns:a="http://schemas.openxmlformats.org/drawingml/2006/main" xmlns:r="http://schemas.openxmlformats.org/officeDocument/2006/relationships" xmlns:p="http://schemas.openxmlformats.org/presentationml/2006/main" preserve="1" userDrawn="1">
+  <p:cSld name="Jibres Blank">
+    <p:spTree>
+      <p:nvGrpSpPr>
+        <p:cNvPr id="1" name=""/>
+        <p:cNvGrpSpPr/>
+        <p:nvPr/>
+      </p:nvGrpSpPr>
+      <p:grpSpPr>
+        <a:xfrm>
+          <a:off x="0" y="0"/>
+          <a:ext cx="0" cy="0"/>
+          <a:chOff x="0" y="0"/>
+          <a:chExt cx="0" cy="0"/>
+        </a:xfrm>
+      </p:grpSpPr>
+      <p:sp>
+        <p:nvSpPr>
+          <p:cNvPr id="7" name="Rectangle 6"/>
+          <p:cNvSpPr>
+            <a:spLocks noChangeAspect="1"/>
+          </p:cNvSpPr>
+          <p:nvPr/>
+        </p:nvSpPr>
+        <p:spPr>
+          <a:xfrm>
+            <a:off x="231140" y="243840"/>
+            <a:ext cx="11724640" cy="6377939"/>
+          </a:xfrm>
+          <a:prstGeom prst="rect">
+            <a:avLst/>
+          </a:prstGeom>
+          <a:solidFill>
+            <a:srgbClr val="C80A5A"/>
+          </a:solidFill>
+          <a:ln w="12700">
+            <a:solidFill>
+              <a:srgbClr val="FFFFFF"/>
+            </a:solidFill>
+          </a:ln>
+        </p:spPr>
+        <p:style>
+          <a:lnRef idx="2">
+            <a:schemeClr val="accent1">
+              <a:shade val="50000"/>
+            </a:schemeClr>
+          </a:lnRef>
+          <a:fillRef idx="1">
+            <a:schemeClr val="accent1"/>
+          </a:fillRef>
+          <a:effectRef idx="0">
+            <a:schemeClr val="accent1"/>
+          </a:effectRef>
+          <a:fontRef idx="minor">
+            <a:schemeClr val="lt1"/>
+          </a:fontRef>
+        </p:style>
+      </p:sp>
+    </p:spTree>
+    <p:extLst>
+      <p:ext uri="{BB962C8B-B14F-4D97-AF65-F5344CB8AC3E}">
+        <p14:creationId xmlns:p14="http://schemas.microsoft.com/office/powerpoint/2010/main" val="4224437258"/>
+      </p:ext>
+    </p:extLst>
+  </p:cSld>
+  <p:clrMapOvr>
+    <a:masterClrMapping/>
+  </p:clrMapOvr>
+  <mc:AlternateContent xmlns:mc="http://schemas.openxmlformats.org/markup-compatibility/2006">
+    <mc:Choice xmlns:p159="http://schemas.microsoft.com/office/powerpoint/2015/09/main" Requires="p159">
+      <p:transition xmlns:p14="http://schemas.microsoft.com/office/powerpoint/2010/main" spd="slow" p14:dur="2000">
+        <p159:morph option="byWord"/>
+      </p:transition>
+    </mc:Choice>
+    <mc:Fallback>
+      <p:transition spd="slow">
+        <p:fade/>
+      </p:transition>
+    </mc:Fallback>
+  </mc:AlternateContent>
+</p:sldLayout>
+</file>
+
+<file path=ppt/slideLayouts/slideLayout11.xml><?xml version="1.0" encoding="utf-8"?>
+<p:sldLayout xmlns:a="http://schemas.openxmlformats.org/drawingml/2006/main" xmlns:r="http://schemas.openxmlformats.org/officeDocument/2006/relationships" xmlns:p="http://schemas.openxmlformats.org/presentationml/2006/main" type="blank" preserve="1">
+  <p:cSld name="Jibres Logo">
+    <p:spTree>
+      <p:nvGrpSpPr>
+        <p:cNvPr id="1" name=""/>
+        <p:cNvGrpSpPr/>
+        <p:nvPr/>
+      </p:nvGrpSpPr>
+      <p:grpSpPr>
+        <a:xfrm>
+          <a:off x="0" y="0"/>
+          <a:ext cx="0" cy="0"/>
+          <a:chOff x="0" y="0"/>
+          <a:chExt cx="0" cy="0"/>
+        </a:xfrm>
+      </p:grpSpPr>
+      <p:pic>
+        <p:nvPicPr>
+          <p:cNvPr id="10" name="Graphic 9">
+            <a:extLst>
+              <a:ext uri="{FF2B5EF4-FFF2-40B4-BE49-F238E27FC236}">
+                <a16:creationId xmlns:a16="http://schemas.microsoft.com/office/drawing/2014/main" id="{1AE05F50-0A8F-4094-B41E-FC155B7B83BA}"/>
+              </a:ext>
+            </a:extLst>
+          </p:cNvPr>
+          <p:cNvPicPr>
+            <a:picLocks noChangeAspect="1"/>
+          </p:cNvPicPr>
+          <p:nvPr userDrawn="1"/>
+        </p:nvPicPr>
+        <p:blipFill>
+          <a:blip r:embed="rId2">
+            <a:extLst>
+              <a:ext uri="{28A0092B-C50C-407E-A947-70E740481C1C}">
+                <a14:useLocalDpi xmlns:a14="http://schemas.microsoft.com/office/drawing/2010/main" val="0"/>
+              </a:ext>
+              <a:ext uri="{96DAC541-7B7A-43D3-8B79-37D633B846F1}">
+                <asvg:svgBlip xmlns:asvg="http://schemas.microsoft.com/office/drawing/2016/SVG/main" r:embed="rId3"/>
+              </a:ext>
+            </a:extLst>
+          </a:blip>
+          <a:stretch>
+            <a:fillRect/>
+          </a:stretch>
+        </p:blipFill>
+        <p:spPr>
+          <a:xfrm>
+            <a:off x="2667000" y="0"/>
+            <a:ext cx="6858000" cy="6858000"/>
+          </a:xfrm>
+          <a:prstGeom prst="rect">
+            <a:avLst/>
+          </a:prstGeom>
+        </p:spPr>
+      </p:pic>
+      <p:sp>
+        <p:nvSpPr>
+          <p:cNvPr id="11" name="Rectangle 10">
+            <a:extLst>
+              <a:ext uri="{FF2B5EF4-FFF2-40B4-BE49-F238E27FC236}">
+                <a16:creationId xmlns:a16="http://schemas.microsoft.com/office/drawing/2014/main" id="{08BE35FC-3135-4450-935C-E5B3BB78E738}"/>
+              </a:ext>
+            </a:extLst>
+          </p:cNvPr>
+          <p:cNvSpPr/>
+          <p:nvPr userDrawn="1"/>
+        </p:nvSpPr>
+        <p:spPr>
+          <a:xfrm>
+            <a:off x="299103" y="5905144"/>
+            <a:ext cx="1666430" cy="632389"/>
+          </a:xfrm>
+          <a:prstGeom prst="rect">
+            <a:avLst/>
+          </a:prstGeom>
+          <a:solidFill>
+            <a:schemeClr val="bg1"/>
+          </a:solidFill>
+          <a:ln>
+            <a:noFill/>
+          </a:ln>
+        </p:spPr>
+        <p:style>
+          <a:lnRef idx="2">
+            <a:schemeClr val="accent1">
+              <a:shade val="50000"/>
+            </a:schemeClr>
+          </a:lnRef>
+          <a:fillRef idx="1">
+            <a:schemeClr val="accent1"/>
+          </a:fillRef>
+          <a:effectRef idx="0">
+            <a:schemeClr val="accent1"/>
+          </a:effectRef>
+          <a:fontRef idx="minor">
+            <a:schemeClr val="lt1"/>
+          </a:fontRef>
+        </p:style>
+        <p:txBody>
+          <a:bodyPr rtlCol="0" anchor="ctr"/>
+          <a:lstStyle/>
+          <a:p>
+            <a:pPr algn="ctr"/>
+            <a:endParaRPr lang="en-US"/>
+          </a:p>
+        </p:txBody>
+      </p:sp>
+    </p:spTree>
+    <p:extLst>
+      <p:ext uri="{BB962C8B-B14F-4D97-AF65-F5344CB8AC3E}">
+        <p14:creationId xmlns:p14="http://schemas.microsoft.com/office/powerpoint/2010/main" val="3324957785"/>
+      </p:ext>
+    </p:extLst>
+  </p:cSld>
+  <p:clrMapOvr>
+    <a:masterClrMapping/>
+  </p:clrMapOvr>
+  <mc:AlternateContent xmlns:mc="http://schemas.openxmlformats.org/markup-compatibility/2006">
+    <mc:Choice xmlns:p159="http://schemas.microsoft.com/office/powerpoint/2015/09/main" Requires="p159">
+      <p:transition xmlns:p14="http://schemas.microsoft.com/office/powerpoint/2010/main" spd="slow" p14:dur="2000">
+        <p159:morph option="byWord"/>
+      </p:transition>
+    </mc:Choice>
+    <mc:Fallback>
+      <p:transition spd="slow">
+        <p:fade/>
+      </p:transition>
+    </mc:Fallback>
+  </mc:AlternateContent>
+</p:sldLayout>
+</file>
+
+<file path=ppt/slideLayouts/slideLayout12.xml><?xml version="1.0" encoding="utf-8"?>
 <p:sldLayout xmlns:a="http://schemas.openxmlformats.org/drawingml/2006/main" xmlns:r="http://schemas.openxmlformats.org/officeDocument/2006/relationships" xmlns:p="http://schemas.openxmlformats.org/presentationml/2006/main" type="blank" preserve="1">
   <p:cSld name="Jibres Logo EN">
     <p:spTree>
@@ -1635,10 +1963,22 @@
   <p:clrMapOvr>
     <a:masterClrMapping/>
   </p:clrMapOvr>
+  <mc:AlternateContent xmlns:mc="http://schemas.openxmlformats.org/markup-compatibility/2006">
+    <mc:Choice xmlns:p159="http://schemas.microsoft.com/office/powerpoint/2015/09/main" Requires="p159">
+      <p:transition xmlns:p14="http://schemas.microsoft.com/office/powerpoint/2010/main" spd="slow" p14:dur="2000">
+        <p159:morph option="byWord"/>
+      </p:transition>
+    </mc:Choice>
+    <mc:Fallback>
+      <p:transition spd="slow">
+        <p:fade/>
+      </p:transition>
+    </mc:Fallback>
+  </mc:AlternateContent>
 </p:sldLayout>
 </file>
 
-<file path=ppt/slideLayouts/slideLayout11.xml><?xml version="1.0" encoding="utf-8"?>
+<file path=ppt/slideLayouts/slideLayout13.xml><?xml version="1.0" encoding="utf-8"?>
 <p:sldLayout xmlns:a="http://schemas.openxmlformats.org/drawingml/2006/main" xmlns:r="http://schemas.openxmlformats.org/officeDocument/2006/relationships" xmlns:p="http://schemas.openxmlformats.org/presentationml/2006/main" type="blank" preserve="1">
   <p:cSld name="Jibres Logo FA">
     <p:spTree>
@@ -1756,10 +2096,22 @@
   <p:clrMapOvr>
     <a:masterClrMapping/>
   </p:clrMapOvr>
+  <mc:AlternateContent xmlns:mc="http://schemas.openxmlformats.org/markup-compatibility/2006">
+    <mc:Choice xmlns:p159="http://schemas.microsoft.com/office/powerpoint/2015/09/main" Requires="p159">
+      <p:transition xmlns:p14="http://schemas.microsoft.com/office/powerpoint/2010/main" spd="slow" p14:dur="2000">
+        <p159:morph option="byWord"/>
+      </p:transition>
+    </mc:Choice>
+    <mc:Fallback>
+      <p:transition spd="slow">
+        <p:fade/>
+      </p:transition>
+    </mc:Fallback>
+  </mc:AlternateContent>
 </p:sldLayout>
 </file>
 
-<file path=ppt/slideLayouts/slideLayout12.xml><?xml version="1.0" encoding="utf-8"?>
+<file path=ppt/slideLayouts/slideLayout14.xml><?xml version="1.0" encoding="utf-8"?>
 <p:sldLayout xmlns:a="http://schemas.openxmlformats.org/drawingml/2006/main" xmlns:r="http://schemas.openxmlformats.org/officeDocument/2006/relationships" xmlns:p="http://schemas.openxmlformats.org/presentationml/2006/main" type="blank" preserve="1">
   <p:cSld name="Jibres Logo EN Vertical">
     <p:spTree>
@@ -1877,10 +2229,22 @@
   <p:clrMapOvr>
     <a:masterClrMapping/>
   </p:clrMapOvr>
+  <mc:AlternateContent xmlns:mc="http://schemas.openxmlformats.org/markup-compatibility/2006">
+    <mc:Choice xmlns:p159="http://schemas.microsoft.com/office/powerpoint/2015/09/main" Requires="p159">
+      <p:transition xmlns:p14="http://schemas.microsoft.com/office/powerpoint/2010/main" spd="slow" p14:dur="2000">
+        <p159:morph option="byWord"/>
+      </p:transition>
+    </mc:Choice>
+    <mc:Fallback>
+      <p:transition spd="slow">
+        <p:fade/>
+      </p:transition>
+    </mc:Fallback>
+  </mc:AlternateContent>
 </p:sldLayout>
 </file>
 
-<file path=ppt/slideLayouts/slideLayout13.xml><?xml version="1.0" encoding="utf-8"?>
+<file path=ppt/slideLayouts/slideLayout15.xml><?xml version="1.0" encoding="utf-8"?>
 <p:sldLayout xmlns:a="http://schemas.openxmlformats.org/drawingml/2006/main" xmlns:r="http://schemas.openxmlformats.org/officeDocument/2006/relationships" xmlns:p="http://schemas.openxmlformats.org/presentationml/2006/main" type="blank" preserve="1">
   <p:cSld name="Jibres Logo FA Vertical">
     <p:spTree>
@@ -1998,10 +2362,22 @@
   <p:clrMapOvr>
     <a:masterClrMapping/>
   </p:clrMapOvr>
+  <mc:AlternateContent xmlns:mc="http://schemas.openxmlformats.org/markup-compatibility/2006">
+    <mc:Choice xmlns:p159="http://schemas.microsoft.com/office/powerpoint/2015/09/main" Requires="p159">
+      <p:transition xmlns:p14="http://schemas.microsoft.com/office/powerpoint/2010/main" spd="slow" p14:dur="2000">
+        <p159:morph option="byWord"/>
+      </p:transition>
+    </mc:Choice>
+    <mc:Fallback>
+      <p:transition spd="slow">
+        <p:fade/>
+      </p:transition>
+    </mc:Fallback>
+  </mc:AlternateContent>
 </p:sldLayout>
 </file>
 
-<file path=ppt/slideLayouts/slideLayout14.xml><?xml version="1.0" encoding="utf-8"?>
+<file path=ppt/slideLayouts/slideLayout16.xml><?xml version="1.0" encoding="utf-8"?>
 <p:sldLayout xmlns:a="http://schemas.openxmlformats.org/drawingml/2006/main" xmlns:r="http://schemas.openxmlformats.org/officeDocument/2006/relationships" xmlns:p="http://schemas.openxmlformats.org/presentationml/2006/main" preserve="1" userDrawn="1">
   <p:cSld name="Jibres Logo Revert">
     <p:spTree>
@@ -2109,10 +2485,22 @@
   <p:clrMapOvr>
     <a:masterClrMapping/>
   </p:clrMapOvr>
+  <mc:AlternateContent xmlns:mc="http://schemas.openxmlformats.org/markup-compatibility/2006">
+    <mc:Choice xmlns:p159="http://schemas.microsoft.com/office/powerpoint/2015/09/main" Requires="p159">
+      <p:transition xmlns:p14="http://schemas.microsoft.com/office/powerpoint/2010/main" spd="slow" p14:dur="2000">
+        <p159:morph option="byWord"/>
+      </p:transition>
+    </mc:Choice>
+    <mc:Fallback>
+      <p:transition spd="slow">
+        <p:fade/>
+      </p:transition>
+    </mc:Fallback>
+  </mc:AlternateContent>
 </p:sldLayout>
 </file>
 
-<file path=ppt/slideLayouts/slideLayout15.xml><?xml version="1.0" encoding="utf-8"?>
+<file path=ppt/slideLayouts/slideLayout17.xml><?xml version="1.0" encoding="utf-8"?>
 <p:sldLayout xmlns:a="http://schemas.openxmlformats.org/drawingml/2006/main" xmlns:r="http://schemas.openxmlformats.org/officeDocument/2006/relationships" xmlns:p="http://schemas.openxmlformats.org/presentationml/2006/main" preserve="1" userDrawn="1">
   <p:cSld name="Jibres Logo EN Revert">
     <p:spTree>
@@ -2220,10 +2608,22 @@
   <p:clrMapOvr>
     <a:masterClrMapping/>
   </p:clrMapOvr>
+  <mc:AlternateContent xmlns:mc="http://schemas.openxmlformats.org/markup-compatibility/2006">
+    <mc:Choice xmlns:p159="http://schemas.microsoft.com/office/powerpoint/2015/09/main" Requires="p159">
+      <p:transition xmlns:p14="http://schemas.microsoft.com/office/powerpoint/2010/main" spd="slow" p14:dur="2000">
+        <p159:morph option="byWord"/>
+      </p:transition>
+    </mc:Choice>
+    <mc:Fallback>
+      <p:transition spd="slow">
+        <p:fade/>
+      </p:transition>
+    </mc:Fallback>
+  </mc:AlternateContent>
 </p:sldLayout>
 </file>
 
-<file path=ppt/slideLayouts/slideLayout16.xml><?xml version="1.0" encoding="utf-8"?>
+<file path=ppt/slideLayouts/slideLayout18.xml><?xml version="1.0" encoding="utf-8"?>
 <p:sldLayout xmlns:a="http://schemas.openxmlformats.org/drawingml/2006/main" xmlns:r="http://schemas.openxmlformats.org/officeDocument/2006/relationships" xmlns:p="http://schemas.openxmlformats.org/presentationml/2006/main" preserve="1" userDrawn="1">
   <p:cSld name="Jibres Logo FA Revert">
     <p:spTree>
@@ -2331,10 +2731,22 @@
   <p:clrMapOvr>
     <a:masterClrMapping/>
   </p:clrMapOvr>
+  <mc:AlternateContent xmlns:mc="http://schemas.openxmlformats.org/markup-compatibility/2006">
+    <mc:Choice xmlns:p159="http://schemas.microsoft.com/office/powerpoint/2015/09/main" Requires="p159">
+      <p:transition xmlns:p14="http://schemas.microsoft.com/office/powerpoint/2010/main" spd="slow" p14:dur="2000">
+        <p159:morph option="byWord"/>
+      </p:transition>
+    </mc:Choice>
+    <mc:Fallback>
+      <p:transition spd="slow">
+        <p:fade/>
+      </p:transition>
+    </mc:Fallback>
+  </mc:AlternateContent>
 </p:sldLayout>
 </file>
 
-<file path=ppt/slideLayouts/slideLayout17.xml><?xml version="1.0" encoding="utf-8"?>
+<file path=ppt/slideLayouts/slideLayout19.xml><?xml version="1.0" encoding="utf-8"?>
 <p:sldLayout xmlns:a="http://schemas.openxmlformats.org/drawingml/2006/main" xmlns:r="http://schemas.openxmlformats.org/officeDocument/2006/relationships" xmlns:p="http://schemas.openxmlformats.org/presentationml/2006/main" preserve="1" userDrawn="1">
   <p:cSld name="Jibres Logo EN Vertical Revert">
     <p:spTree>
@@ -2442,10 +2854,328 @@
   <p:clrMapOvr>
     <a:masterClrMapping/>
   </p:clrMapOvr>
+  <mc:AlternateContent xmlns:mc="http://schemas.openxmlformats.org/markup-compatibility/2006">
+    <mc:Choice xmlns:p159="http://schemas.microsoft.com/office/powerpoint/2015/09/main" Requires="p159">
+      <p:transition xmlns:p14="http://schemas.microsoft.com/office/powerpoint/2010/main" spd="slow" p14:dur="2000">
+        <p159:morph option="byWord"/>
+      </p:transition>
+    </mc:Choice>
+    <mc:Fallback>
+      <p:transition spd="slow">
+        <p:fade/>
+      </p:transition>
+    </mc:Fallback>
+  </mc:AlternateContent>
 </p:sldLayout>
 </file>
 
-<file path=ppt/slideLayouts/slideLayout18.xml><?xml version="1.0" encoding="utf-8"?>
+<file path=ppt/slideLayouts/slideLayout2.xml><?xml version="1.0" encoding="utf-8"?>
+<p:sldLayout xmlns:a="http://schemas.openxmlformats.org/drawingml/2006/main" xmlns:r="http://schemas.openxmlformats.org/officeDocument/2006/relationships" xmlns:p="http://schemas.openxmlformats.org/presentationml/2006/main" type="obj" preserve="1">
+  <p:cSld name="Title and Content">
+    <p:spTree>
+      <p:nvGrpSpPr>
+        <p:cNvPr id="1" name=""/>
+        <p:cNvGrpSpPr/>
+        <p:nvPr/>
+      </p:nvGrpSpPr>
+      <p:grpSpPr>
+        <a:xfrm>
+          <a:off x="0" y="0"/>
+          <a:ext cx="0" cy="0"/>
+          <a:chOff x="0" y="0"/>
+          <a:chExt cx="0" cy="0"/>
+        </a:xfrm>
+      </p:grpSpPr>
+      <p:sp>
+        <p:nvSpPr>
+          <p:cNvPr id="2" name="Title 1"/>
+          <p:cNvSpPr>
+            <a:spLocks noGrp="1"/>
+          </p:cNvSpPr>
+          <p:nvPr>
+            <p:ph type="title"/>
+          </p:nvPr>
+        </p:nvSpPr>
+        <p:spPr/>
+        <p:txBody>
+          <a:bodyPr/>
+          <a:lstStyle/>
+          <a:p>
+            <a:r>
+              <a:rPr lang="en-US" dirty="0"/>
+              <a:t>Click to edit Master title style</a:t>
+            </a:r>
+          </a:p>
+        </p:txBody>
+      </p:sp>
+      <p:sp>
+        <p:nvSpPr>
+          <p:cNvPr id="3" name="Content Placeholder 2"/>
+          <p:cNvSpPr>
+            <a:spLocks noGrp="1"/>
+          </p:cNvSpPr>
+          <p:nvPr>
+            <p:ph idx="1"/>
+          </p:nvPr>
+        </p:nvSpPr>
+        <p:spPr/>
+        <p:txBody>
+          <a:bodyPr/>
+          <a:lstStyle>
+            <a:lvl1pPr>
+              <a:buClr>
+                <a:srgbClr val="777777"/>
+              </a:buClr>
+              <a:buFont typeface="Wingdings" panose="05000000000000000000" pitchFamily="2" charset="2"/>
+              <a:buChar char="§"/>
+              <a:defRPr/>
+            </a:lvl1pPr>
+            <a:lvl2pPr>
+              <a:buClr>
+                <a:srgbClr val="777777"/>
+              </a:buClr>
+              <a:buFont typeface="Wingdings" panose="05000000000000000000" pitchFamily="2" charset="2"/>
+              <a:buChar char="§"/>
+              <a:defRPr/>
+            </a:lvl2pPr>
+            <a:lvl3pPr>
+              <a:buClr>
+                <a:srgbClr val="777777"/>
+              </a:buClr>
+              <a:buFont typeface="Wingdings" panose="05000000000000000000" pitchFamily="2" charset="2"/>
+              <a:buChar char="§"/>
+              <a:defRPr/>
+            </a:lvl3pPr>
+            <a:lvl4pPr>
+              <a:buClr>
+                <a:srgbClr val="777777"/>
+              </a:buClr>
+              <a:buFont typeface="Wingdings" panose="05000000000000000000" pitchFamily="2" charset="2"/>
+              <a:buChar char="§"/>
+              <a:defRPr/>
+            </a:lvl4pPr>
+            <a:lvl5pPr>
+              <a:buClr>
+                <a:srgbClr val="777777"/>
+              </a:buClr>
+              <a:buFont typeface="Wingdings" panose="05000000000000000000" pitchFamily="2" charset="2"/>
+              <a:buChar char="§"/>
+              <a:defRPr/>
+            </a:lvl5pPr>
+          </a:lstStyle>
+          <a:p>
+            <a:pPr lvl="0"/>
+            <a:r>
+              <a:rPr lang="en-US"/>
+              <a:t>Click to edit Master text styles</a:t>
+            </a:r>
+          </a:p>
+          <a:p>
+            <a:pPr lvl="1"/>
+            <a:r>
+              <a:rPr lang="en-US"/>
+              <a:t>Second level</a:t>
+            </a:r>
+          </a:p>
+          <a:p>
+            <a:pPr lvl="2"/>
+            <a:r>
+              <a:rPr lang="en-US"/>
+              <a:t>Third level</a:t>
+            </a:r>
+          </a:p>
+          <a:p>
+            <a:pPr lvl="3"/>
+            <a:r>
+              <a:rPr lang="en-US"/>
+              <a:t>Fourth level</a:t>
+            </a:r>
+          </a:p>
+          <a:p>
+            <a:pPr lvl="4"/>
+            <a:r>
+              <a:rPr lang="en-US"/>
+              <a:t>Fifth level</a:t>
+            </a:r>
+            <a:endParaRPr lang="en-US" dirty="0"/>
+          </a:p>
+        </p:txBody>
+      </p:sp>
+      <p:sp>
+        <p:nvSpPr>
+          <p:cNvPr id="5" name="Footer Placeholder 4"/>
+          <p:cNvSpPr>
+            <a:spLocks noGrp="1"/>
+          </p:cNvSpPr>
+          <p:nvPr>
+            <p:ph type="ftr" sz="quarter" idx="11"/>
+          </p:nvPr>
+        </p:nvSpPr>
+        <p:spPr/>
+        <p:txBody>
+          <a:bodyPr/>
+          <a:lstStyle/>
+          <a:p>
+            <a:endParaRPr lang="en-US"/>
+          </a:p>
+        </p:txBody>
+      </p:sp>
+      <p:sp>
+        <p:nvSpPr>
+          <p:cNvPr id="7" name="Slide Number Placeholder 5">
+            <a:extLst>
+              <a:ext uri="{FF2B5EF4-FFF2-40B4-BE49-F238E27FC236}">
+                <a16:creationId xmlns:a16="http://schemas.microsoft.com/office/drawing/2014/main" id="{D1B05F26-71DF-475A-9B53-EEFDDED7A655}"/>
+              </a:ext>
+            </a:extLst>
+          </p:cNvPr>
+          <p:cNvSpPr txBox="1">
+            <a:spLocks/>
+          </p:cNvSpPr>
+          <p:nvPr userDrawn="1"/>
+        </p:nvSpPr>
+        <p:spPr>
+          <a:xfrm>
+            <a:off x="11113015" y="6218131"/>
+            <a:ext cx="720000" cy="360000"/>
+          </a:xfrm>
+          <a:prstGeom prst="rect">
+            <a:avLst/>
+          </a:prstGeom>
+        </p:spPr>
+        <p:txBody>
+          <a:bodyPr vert="horz" lIns="91440" tIns="45720" rIns="91440" bIns="45720" rtlCol="0" anchor="ctr"/>
+          <a:lstStyle>
+            <a:defPPr>
+              <a:defRPr lang="en-US"/>
+            </a:defPPr>
+            <a:lvl1pPr marL="0" algn="r" defTabSz="457200" rtl="1" eaLnBrk="1" latinLnBrk="0" hangingPunct="1">
+              <a:defRPr sz="1400" kern="1200" baseline="0">
+                <a:solidFill>
+                  <a:schemeClr val="accent1"/>
+                </a:solidFill>
+                <a:latin typeface="IRANYekan" panose="020B0506030804020204" pitchFamily="34" charset="-78"/>
+                <a:ea typeface="+mn-ea"/>
+                <a:cs typeface="IRANYekan" panose="020B0506030804020204" pitchFamily="34" charset="-78"/>
+              </a:defRPr>
+            </a:lvl1pPr>
+            <a:lvl2pPr marL="457200" algn="l" defTabSz="457200" rtl="0" eaLnBrk="1" latinLnBrk="0" hangingPunct="1">
+              <a:defRPr sz="1800" kern="1200">
+                <a:solidFill>
+                  <a:schemeClr val="tx1"/>
+                </a:solidFill>
+                <a:latin typeface="+mn-lt"/>
+                <a:ea typeface="+mn-ea"/>
+                <a:cs typeface="+mn-cs"/>
+              </a:defRPr>
+            </a:lvl2pPr>
+            <a:lvl3pPr marL="914400" algn="l" defTabSz="457200" rtl="0" eaLnBrk="1" latinLnBrk="0" hangingPunct="1">
+              <a:defRPr sz="1800" kern="1200">
+                <a:solidFill>
+                  <a:schemeClr val="tx1"/>
+                </a:solidFill>
+                <a:latin typeface="+mn-lt"/>
+                <a:ea typeface="+mn-ea"/>
+                <a:cs typeface="+mn-cs"/>
+              </a:defRPr>
+            </a:lvl3pPr>
+            <a:lvl4pPr marL="1371600" algn="l" defTabSz="457200" rtl="0" eaLnBrk="1" latinLnBrk="0" hangingPunct="1">
+              <a:defRPr sz="1800" kern="1200">
+                <a:solidFill>
+                  <a:schemeClr val="tx1"/>
+                </a:solidFill>
+                <a:latin typeface="+mn-lt"/>
+                <a:ea typeface="+mn-ea"/>
+                <a:cs typeface="+mn-cs"/>
+              </a:defRPr>
+            </a:lvl4pPr>
+            <a:lvl5pPr marL="1828800" algn="l" defTabSz="457200" rtl="0" eaLnBrk="1" latinLnBrk="0" hangingPunct="1">
+              <a:defRPr sz="1800" kern="1200">
+                <a:solidFill>
+                  <a:schemeClr val="tx1"/>
+                </a:solidFill>
+                <a:latin typeface="+mn-lt"/>
+                <a:ea typeface="+mn-ea"/>
+                <a:cs typeface="+mn-cs"/>
+              </a:defRPr>
+            </a:lvl5pPr>
+            <a:lvl6pPr marL="2286000" algn="l" defTabSz="457200" rtl="0" eaLnBrk="1" latinLnBrk="0" hangingPunct="1">
+              <a:defRPr sz="1800" kern="1200">
+                <a:solidFill>
+                  <a:schemeClr val="tx1"/>
+                </a:solidFill>
+                <a:latin typeface="+mn-lt"/>
+                <a:ea typeface="+mn-ea"/>
+                <a:cs typeface="+mn-cs"/>
+              </a:defRPr>
+            </a:lvl6pPr>
+            <a:lvl7pPr marL="2743200" algn="l" defTabSz="457200" rtl="0" eaLnBrk="1" latinLnBrk="0" hangingPunct="1">
+              <a:defRPr sz="1800" kern="1200">
+                <a:solidFill>
+                  <a:schemeClr val="tx1"/>
+                </a:solidFill>
+                <a:latin typeface="+mn-lt"/>
+                <a:ea typeface="+mn-ea"/>
+                <a:cs typeface="+mn-cs"/>
+              </a:defRPr>
+            </a:lvl7pPr>
+            <a:lvl8pPr marL="3200400" algn="l" defTabSz="457200" rtl="0" eaLnBrk="1" latinLnBrk="0" hangingPunct="1">
+              <a:defRPr sz="1800" kern="1200">
+                <a:solidFill>
+                  <a:schemeClr val="tx1"/>
+                </a:solidFill>
+                <a:latin typeface="+mn-lt"/>
+                <a:ea typeface="+mn-ea"/>
+                <a:cs typeface="+mn-cs"/>
+              </a:defRPr>
+            </a:lvl8pPr>
+            <a:lvl9pPr marL="3657600" algn="l" defTabSz="457200" rtl="0" eaLnBrk="1" latinLnBrk="0" hangingPunct="1">
+              <a:defRPr sz="1800" kern="1200">
+                <a:solidFill>
+                  <a:schemeClr val="tx1"/>
+                </a:solidFill>
+                <a:latin typeface="+mn-lt"/>
+                <a:ea typeface="+mn-ea"/>
+                <a:cs typeface="+mn-cs"/>
+              </a:defRPr>
+            </a:lvl9pPr>
+          </a:lstStyle>
+          <a:p>
+            <a:fld id="{92944875-DFC9-4662-AF8D-2D0B8720E9F1}" type="slidenum">
+              <a:rPr lang="en-US" smtClean="0"/>
+              <a:pPr/>
+              <a:t>‹#›</a:t>
+            </a:fld>
+            <a:endParaRPr lang="en-US" dirty="0"/>
+          </a:p>
+        </p:txBody>
+      </p:sp>
+    </p:spTree>
+    <p:extLst>
+      <p:ext uri="{BB962C8B-B14F-4D97-AF65-F5344CB8AC3E}">
+        <p14:creationId xmlns:p14="http://schemas.microsoft.com/office/powerpoint/2010/main" val="1941169465"/>
+      </p:ext>
+    </p:extLst>
+  </p:cSld>
+  <p:clrMapOvr>
+    <a:masterClrMapping/>
+  </p:clrMapOvr>
+  <mc:AlternateContent xmlns:mc="http://schemas.openxmlformats.org/markup-compatibility/2006">
+    <mc:Choice xmlns:p159="http://schemas.microsoft.com/office/powerpoint/2015/09/main" Requires="p159">
+      <p:transition xmlns:p14="http://schemas.microsoft.com/office/powerpoint/2010/main" spd="slow" p14:dur="2000">
+        <p159:morph option="byWord"/>
+      </p:transition>
+    </mc:Choice>
+    <mc:Fallback>
+      <p:transition spd="slow">
+        <p:fade/>
+      </p:transition>
+    </mc:Fallback>
+  </mc:AlternateContent>
+</p:sldLayout>
+</file>
+
+<file path=ppt/slideLayouts/slideLayout20.xml><?xml version="1.0" encoding="utf-8"?>
 <p:sldLayout xmlns:a="http://schemas.openxmlformats.org/drawingml/2006/main" xmlns:r="http://schemas.openxmlformats.org/officeDocument/2006/relationships" xmlns:p="http://schemas.openxmlformats.org/presentationml/2006/main" preserve="1" userDrawn="1">
   <p:cSld name="Jibres Logo FA Vertical Revert">
     <p:spTree>
@@ -2553,10 +3283,22 @@
   <p:clrMapOvr>
     <a:masterClrMapping/>
   </p:clrMapOvr>
+  <mc:AlternateContent xmlns:mc="http://schemas.openxmlformats.org/markup-compatibility/2006">
+    <mc:Choice xmlns:p159="http://schemas.microsoft.com/office/powerpoint/2015/09/main" Requires="p159">
+      <p:transition xmlns:p14="http://schemas.microsoft.com/office/powerpoint/2010/main" spd="slow" p14:dur="2000">
+        <p159:morph option="byWord"/>
+      </p:transition>
+    </mc:Choice>
+    <mc:Fallback>
+      <p:transition spd="slow">
+        <p:fade/>
+      </p:transition>
+    </mc:Fallback>
+  </mc:AlternateContent>
 </p:sldLayout>
 </file>
 
-<file path=ppt/slideLayouts/slideLayout19.xml><?xml version="1.0" encoding="utf-8"?>
+<file path=ppt/slideLayouts/slideLayout21.xml><?xml version="1.0" encoding="utf-8"?>
 <p:sldLayout xmlns:a="http://schemas.openxmlformats.org/drawingml/2006/main" xmlns:r="http://schemas.openxmlformats.org/officeDocument/2006/relationships" xmlns:p="http://schemas.openxmlformats.org/presentationml/2006/main" preserve="1" userDrawn="1">
   <p:cSld name="1_Jibres Logo FA Vertical Revert">
     <p:spTree>
@@ -2788,6 +3530,18 @@
   <p:clrMapOvr>
     <a:masterClrMapping/>
   </p:clrMapOvr>
+  <mc:AlternateContent xmlns:mc="http://schemas.openxmlformats.org/markup-compatibility/2006">
+    <mc:Choice xmlns:p159="http://schemas.microsoft.com/office/powerpoint/2015/09/main" Requires="p159">
+      <p:transition xmlns:p14="http://schemas.microsoft.com/office/powerpoint/2010/main" spd="slow" p14:dur="2000">
+        <p159:morph option="byWord"/>
+      </p:transition>
+    </mc:Choice>
+    <mc:Fallback>
+      <p:transition spd="slow">
+        <p:fade/>
+      </p:transition>
+    </mc:Fallback>
+  </mc:AlternateContent>
   <p:extLst>
     <p:ext uri="{DCECCB84-F9BA-43D5-87BE-67443E8EF086}">
       <p15:sldGuideLst xmlns:p15="http://schemas.microsoft.com/office/powerpoint/2012/main">
@@ -2812,9 +3566,9 @@
 </p:sldLayout>
 </file>
 
-<file path=ppt/slideLayouts/slideLayout2.xml><?xml version="1.0" encoding="utf-8"?>
-<p:sldLayout xmlns:a="http://schemas.openxmlformats.org/drawingml/2006/main" xmlns:r="http://schemas.openxmlformats.org/officeDocument/2006/relationships" xmlns:p="http://schemas.openxmlformats.org/presentationml/2006/main" type="obj" preserve="1">
-  <p:cSld name="Title and Content">
+<file path=ppt/slideLayouts/slideLayout22.xml><?xml version="1.0" encoding="utf-8"?>
+<p:sldLayout xmlns:a="http://schemas.openxmlformats.org/drawingml/2006/main" xmlns:r="http://schemas.openxmlformats.org/officeDocument/2006/relationships" xmlns:p="http://schemas.openxmlformats.org/presentationml/2006/main" type="objTx" preserve="1">
+  <p:cSld name="Content with Caption">
     <p:spTree>
       <p:nvGrpSpPr>
         <p:cNvPr id="1" name=""/>
@@ -2839,11 +3593,987 @@
             <p:ph type="title"/>
           </p:nvPr>
         </p:nvSpPr>
-        <p:spPr/>
+        <p:spPr>
+          <a:xfrm>
+            <a:off x="1143000" y="1097280"/>
+            <a:ext cx="3931920" cy="1737360"/>
+          </a:xfrm>
+        </p:spPr>
+        <p:txBody>
+          <a:bodyPr anchor="b">
+            <a:noAutofit/>
+          </a:bodyPr>
+          <a:lstStyle>
+            <a:lvl1pPr>
+              <a:lnSpc>
+                <a:spcPct val="90000"/>
+              </a:lnSpc>
+              <a:defRPr sz="4000" b="0"/>
+            </a:lvl1pPr>
+          </a:lstStyle>
+          <a:p>
+            <a:r>
+              <a:rPr lang="en-US"/>
+              <a:t>Click to edit Master title style</a:t>
+            </a:r>
+            <a:endParaRPr lang="en-US" dirty="0"/>
+          </a:p>
+        </p:txBody>
+      </p:sp>
+      <p:sp>
+        <p:nvSpPr>
+          <p:cNvPr id="3" name="Content Placeholder 2"/>
+          <p:cNvSpPr>
+            <a:spLocks noGrp="1"/>
+          </p:cNvSpPr>
+          <p:nvPr>
+            <p:ph idx="1"/>
+          </p:nvPr>
+        </p:nvSpPr>
+        <p:spPr>
+          <a:xfrm>
+            <a:off x="5852159" y="1097280"/>
+            <a:ext cx="5212080" cy="4663440"/>
+          </a:xfrm>
+        </p:spPr>
+        <p:txBody>
+          <a:bodyPr/>
+          <a:lstStyle>
+            <a:lvl1pPr>
+              <a:defRPr sz="3200"/>
+            </a:lvl1pPr>
+            <a:lvl2pPr>
+              <a:defRPr sz="2800"/>
+            </a:lvl2pPr>
+            <a:lvl3pPr>
+              <a:defRPr sz="2400"/>
+            </a:lvl3pPr>
+            <a:lvl4pPr>
+              <a:defRPr sz="2000"/>
+            </a:lvl4pPr>
+            <a:lvl5pPr>
+              <a:defRPr sz="2000"/>
+            </a:lvl5pPr>
+            <a:lvl6pPr>
+              <a:defRPr sz="2000"/>
+            </a:lvl6pPr>
+            <a:lvl7pPr>
+              <a:defRPr sz="2000"/>
+            </a:lvl7pPr>
+            <a:lvl8pPr>
+              <a:defRPr sz="2000"/>
+            </a:lvl8pPr>
+            <a:lvl9pPr>
+              <a:defRPr sz="2000"/>
+            </a:lvl9pPr>
+          </a:lstStyle>
+          <a:p>
+            <a:pPr lvl="0"/>
+            <a:r>
+              <a:rPr lang="en-US"/>
+              <a:t>Click to edit Master text styles</a:t>
+            </a:r>
+          </a:p>
+          <a:p>
+            <a:pPr lvl="1"/>
+            <a:r>
+              <a:rPr lang="en-US"/>
+              <a:t>Second level</a:t>
+            </a:r>
+          </a:p>
+          <a:p>
+            <a:pPr lvl="2"/>
+            <a:r>
+              <a:rPr lang="en-US"/>
+              <a:t>Third level</a:t>
+            </a:r>
+          </a:p>
+          <a:p>
+            <a:pPr lvl="3"/>
+            <a:r>
+              <a:rPr lang="en-US"/>
+              <a:t>Fourth level</a:t>
+            </a:r>
+          </a:p>
+          <a:p>
+            <a:pPr lvl="4"/>
+            <a:r>
+              <a:rPr lang="en-US"/>
+              <a:t>Fifth level</a:t>
+            </a:r>
+            <a:endParaRPr lang="en-US" dirty="0"/>
+          </a:p>
+        </p:txBody>
+      </p:sp>
+      <p:sp>
+        <p:nvSpPr>
+          <p:cNvPr id="4" name="Text Placeholder 3"/>
+          <p:cNvSpPr>
+            <a:spLocks noGrp="1"/>
+          </p:cNvSpPr>
+          <p:nvPr>
+            <p:ph type="body" sz="half" idx="2"/>
+          </p:nvPr>
+        </p:nvSpPr>
+        <p:spPr>
+          <a:xfrm>
+            <a:off x="1143000" y="2834640"/>
+            <a:ext cx="3931920" cy="3017520"/>
+          </a:xfrm>
+        </p:spPr>
+        <p:txBody>
+          <a:bodyPr>
+            <a:normAutofit/>
+          </a:bodyPr>
+          <a:lstStyle>
+            <a:lvl1pPr marL="0" indent="0">
+              <a:lnSpc>
+                <a:spcPct val="100000"/>
+              </a:lnSpc>
+              <a:spcBef>
+                <a:spcPts val="1000"/>
+              </a:spcBef>
+              <a:buNone/>
+              <a:defRPr sz="1700"/>
+            </a:lvl1pPr>
+            <a:lvl2pPr marL="457200" indent="0">
+              <a:buNone/>
+              <a:defRPr sz="1200"/>
+            </a:lvl2pPr>
+            <a:lvl3pPr marL="914400" indent="0">
+              <a:buNone/>
+              <a:defRPr sz="1000"/>
+            </a:lvl3pPr>
+            <a:lvl4pPr marL="1371600" indent="0">
+              <a:buNone/>
+              <a:defRPr sz="900"/>
+            </a:lvl4pPr>
+            <a:lvl5pPr marL="1828800" indent="0">
+              <a:buNone/>
+              <a:defRPr sz="900"/>
+            </a:lvl5pPr>
+            <a:lvl6pPr marL="2286000" indent="0">
+              <a:buNone/>
+              <a:defRPr sz="900"/>
+            </a:lvl6pPr>
+            <a:lvl7pPr marL="2743200" indent="0">
+              <a:buNone/>
+              <a:defRPr sz="900"/>
+            </a:lvl7pPr>
+            <a:lvl8pPr marL="3200400" indent="0">
+              <a:buNone/>
+              <a:defRPr sz="900"/>
+            </a:lvl8pPr>
+            <a:lvl9pPr marL="3657600" indent="0">
+              <a:buNone/>
+              <a:defRPr sz="900"/>
+            </a:lvl9pPr>
+          </a:lstStyle>
+          <a:p>
+            <a:pPr lvl="0"/>
+            <a:r>
+              <a:rPr lang="en-US"/>
+              <a:t>Click to edit Master text styles</a:t>
+            </a:r>
+          </a:p>
+        </p:txBody>
+      </p:sp>
+      <p:sp>
+        <p:nvSpPr>
+          <p:cNvPr id="5" name="Date Placeholder 4"/>
+          <p:cNvSpPr>
+            <a:spLocks noGrp="1"/>
+          </p:cNvSpPr>
+          <p:nvPr>
+            <p:ph type="dt" sz="half" idx="10"/>
+          </p:nvPr>
+        </p:nvSpPr>
+        <p:spPr>
+          <a:xfrm>
+            <a:off x="8719926" y="6223828"/>
+            <a:ext cx="2329074" cy="365125"/>
+          </a:xfrm>
+          <a:prstGeom prst="rect">
+            <a:avLst/>
+          </a:prstGeom>
+        </p:spPr>
         <p:txBody>
           <a:bodyPr/>
           <a:lstStyle/>
           <a:p>
+            <a:endParaRPr lang="en-US"/>
+          </a:p>
+        </p:txBody>
+      </p:sp>
+      <p:sp>
+        <p:nvSpPr>
+          <p:cNvPr id="6" name="Footer Placeholder 5"/>
+          <p:cNvSpPr>
+            <a:spLocks noGrp="1"/>
+          </p:cNvSpPr>
+          <p:nvPr>
+            <p:ph type="ftr" sz="quarter" idx="11"/>
+          </p:nvPr>
+        </p:nvSpPr>
+        <p:spPr/>
+        <p:txBody>
+          <a:bodyPr/>
+          <a:lstStyle/>
+          <a:p>
+            <a:endParaRPr lang="en-US"/>
+          </a:p>
+        </p:txBody>
+      </p:sp>
+      <p:sp>
+        <p:nvSpPr>
+          <p:cNvPr id="7" name="Slide Number Placeholder 6"/>
+          <p:cNvSpPr>
+            <a:spLocks noGrp="1"/>
+          </p:cNvSpPr>
+          <p:nvPr>
+            <p:ph type="sldNum" sz="quarter" idx="12"/>
+          </p:nvPr>
+        </p:nvSpPr>
+        <p:spPr/>
+        <p:txBody>
+          <a:bodyPr/>
+          <a:lstStyle/>
+          <a:p>
+            <a:fld id="{92944875-DFC9-4662-AF8D-2D0B8720E9F1}" type="slidenum">
+              <a:rPr lang="en-US" smtClean="0"/>
+              <a:t>‹#›</a:t>
+            </a:fld>
+            <a:endParaRPr lang="en-US"/>
+          </a:p>
+        </p:txBody>
+      </p:sp>
+    </p:spTree>
+    <p:extLst>
+      <p:ext uri="{BB962C8B-B14F-4D97-AF65-F5344CB8AC3E}">
+        <p14:creationId xmlns:p14="http://schemas.microsoft.com/office/powerpoint/2010/main" val="4219703211"/>
+      </p:ext>
+    </p:extLst>
+  </p:cSld>
+  <p:clrMapOvr>
+    <a:masterClrMapping/>
+  </p:clrMapOvr>
+  <mc:AlternateContent xmlns:mc="http://schemas.openxmlformats.org/markup-compatibility/2006">
+    <mc:Choice xmlns:p159="http://schemas.microsoft.com/office/powerpoint/2015/09/main" Requires="p159">
+      <p:transition xmlns:p14="http://schemas.microsoft.com/office/powerpoint/2010/main" spd="slow" p14:dur="2000">
+        <p159:morph option="byWord"/>
+      </p:transition>
+    </mc:Choice>
+    <mc:Fallback>
+      <p:transition spd="slow">
+        <p:fade/>
+      </p:transition>
+    </mc:Fallback>
+  </mc:AlternateContent>
+</p:sldLayout>
+</file>
+
+<file path=ppt/slideLayouts/slideLayout23.xml><?xml version="1.0" encoding="utf-8"?>
+<p:sldLayout xmlns:a="http://schemas.openxmlformats.org/drawingml/2006/main" xmlns:r="http://schemas.openxmlformats.org/officeDocument/2006/relationships" xmlns:p="http://schemas.openxmlformats.org/presentationml/2006/main" type="picTx" preserve="1">
+  <p:cSld name="Picture with Caption">
+    <p:spTree>
+      <p:nvGrpSpPr>
+        <p:cNvPr id="1" name=""/>
+        <p:cNvGrpSpPr/>
+        <p:nvPr/>
+      </p:nvGrpSpPr>
+      <p:grpSpPr>
+        <a:xfrm>
+          <a:off x="0" y="0"/>
+          <a:ext cx="0" cy="0"/>
+          <a:chOff x="0" y="0"/>
+          <a:chExt cx="0" cy="0"/>
+        </a:xfrm>
+      </p:grpSpPr>
+      <p:sp>
+        <p:nvSpPr>
+          <p:cNvPr id="2" name="Title 1"/>
+          <p:cNvSpPr>
+            <a:spLocks noGrp="1"/>
+          </p:cNvSpPr>
+          <p:nvPr>
+            <p:ph type="title"/>
+          </p:nvPr>
+        </p:nvSpPr>
+        <p:spPr>
+          <a:xfrm>
+            <a:off x="1143000" y="1097280"/>
+            <a:ext cx="3931920" cy="1737360"/>
+          </a:xfrm>
+        </p:spPr>
+        <p:txBody>
+          <a:bodyPr anchor="b">
+            <a:noAutofit/>
+          </a:bodyPr>
+          <a:lstStyle>
+            <a:lvl1pPr>
+              <a:lnSpc>
+                <a:spcPct val="90000"/>
+              </a:lnSpc>
+              <a:defRPr sz="4000" b="0"/>
+            </a:lvl1pPr>
+          </a:lstStyle>
+          <a:p>
+            <a:r>
+              <a:rPr lang="en-US"/>
+              <a:t>Click to edit Master title style</a:t>
+            </a:r>
+            <a:endParaRPr lang="en-US" dirty="0"/>
+          </a:p>
+        </p:txBody>
+      </p:sp>
+      <p:sp>
+        <p:nvSpPr>
+          <p:cNvPr id="3" name="Picture Placeholder 2"/>
+          <p:cNvSpPr>
+            <a:spLocks noGrp="1" noChangeAspect="1"/>
+          </p:cNvSpPr>
+          <p:nvPr>
+            <p:ph type="pic" idx="1"/>
+          </p:nvPr>
+        </p:nvSpPr>
+        <p:spPr>
+          <a:xfrm>
+            <a:off x="5413248" y="1069847"/>
+            <a:ext cx="6099048" cy="4800600"/>
+          </a:xfrm>
+        </p:spPr>
+        <p:txBody>
+          <a:bodyPr lIns="274320" tIns="182880" anchor="t">
+            <a:normAutofit/>
+          </a:bodyPr>
+          <a:lstStyle>
+            <a:lvl1pPr marL="0" indent="0">
+              <a:buNone/>
+              <a:defRPr sz="2800"/>
+            </a:lvl1pPr>
+            <a:lvl2pPr marL="457200" indent="0">
+              <a:buNone/>
+              <a:defRPr sz="2800"/>
+            </a:lvl2pPr>
+            <a:lvl3pPr marL="914400" indent="0">
+              <a:buNone/>
+              <a:defRPr sz="2400"/>
+            </a:lvl3pPr>
+            <a:lvl4pPr marL="1371600" indent="0">
+              <a:buNone/>
+              <a:defRPr sz="2000"/>
+            </a:lvl4pPr>
+            <a:lvl5pPr marL="1828800" indent="0">
+              <a:buNone/>
+              <a:defRPr sz="2000"/>
+            </a:lvl5pPr>
+            <a:lvl6pPr marL="2286000" indent="0">
+              <a:buNone/>
+              <a:defRPr sz="2000"/>
+            </a:lvl6pPr>
+            <a:lvl7pPr marL="2743200" indent="0">
+              <a:buNone/>
+              <a:defRPr sz="2000"/>
+            </a:lvl7pPr>
+            <a:lvl8pPr marL="3200400" indent="0">
+              <a:buNone/>
+              <a:defRPr sz="2000"/>
+            </a:lvl8pPr>
+            <a:lvl9pPr marL="3657600" indent="0">
+              <a:buNone/>
+              <a:defRPr sz="2000"/>
+            </a:lvl9pPr>
+          </a:lstStyle>
+          <a:p>
+            <a:r>
+              <a:rPr lang="en-US"/>
+              <a:t>Click icon to add picture</a:t>
+            </a:r>
+            <a:endParaRPr lang="en-US" dirty="0"/>
+          </a:p>
+        </p:txBody>
+      </p:sp>
+      <p:sp>
+        <p:nvSpPr>
+          <p:cNvPr id="4" name="Text Placeholder 3"/>
+          <p:cNvSpPr>
+            <a:spLocks noGrp="1"/>
+          </p:cNvSpPr>
+          <p:nvPr>
+            <p:ph type="body" sz="half" idx="2"/>
+          </p:nvPr>
+        </p:nvSpPr>
+        <p:spPr>
+          <a:xfrm>
+            <a:off x="1143000" y="2834640"/>
+            <a:ext cx="3931920" cy="2880360"/>
+          </a:xfrm>
+        </p:spPr>
+        <p:txBody>
+          <a:bodyPr>
+            <a:normAutofit/>
+          </a:bodyPr>
+          <a:lstStyle>
+            <a:lvl1pPr marL="0" indent="0">
+              <a:lnSpc>
+                <a:spcPct val="100000"/>
+              </a:lnSpc>
+              <a:spcBef>
+                <a:spcPts val="1000"/>
+              </a:spcBef>
+              <a:buNone/>
+              <a:defRPr sz="1700"/>
+            </a:lvl1pPr>
+            <a:lvl2pPr marL="457200" indent="0">
+              <a:buNone/>
+              <a:defRPr sz="1200"/>
+            </a:lvl2pPr>
+            <a:lvl3pPr marL="914400" indent="0">
+              <a:buNone/>
+              <a:defRPr sz="1000"/>
+            </a:lvl3pPr>
+            <a:lvl4pPr marL="1371600" indent="0">
+              <a:buNone/>
+              <a:defRPr sz="900"/>
+            </a:lvl4pPr>
+            <a:lvl5pPr marL="1828800" indent="0">
+              <a:buNone/>
+              <a:defRPr sz="900"/>
+            </a:lvl5pPr>
+            <a:lvl6pPr marL="2286000" indent="0">
+              <a:buNone/>
+              <a:defRPr sz="900"/>
+            </a:lvl6pPr>
+            <a:lvl7pPr marL="2743200" indent="0">
+              <a:buNone/>
+              <a:defRPr sz="900"/>
+            </a:lvl7pPr>
+            <a:lvl8pPr marL="3200400" indent="0">
+              <a:buNone/>
+              <a:defRPr sz="900"/>
+            </a:lvl8pPr>
+            <a:lvl9pPr marL="3657600" indent="0">
+              <a:buNone/>
+              <a:defRPr sz="900"/>
+            </a:lvl9pPr>
+          </a:lstStyle>
+          <a:p>
+            <a:pPr lvl="0"/>
+            <a:r>
+              <a:rPr lang="en-US"/>
+              <a:t>Click to edit Master text styles</a:t>
+            </a:r>
+          </a:p>
+        </p:txBody>
+      </p:sp>
+      <p:sp>
+        <p:nvSpPr>
+          <p:cNvPr id="5" name="Date Placeholder 4"/>
+          <p:cNvSpPr>
+            <a:spLocks noGrp="1"/>
+          </p:cNvSpPr>
+          <p:nvPr>
+            <p:ph type="dt" sz="half" idx="10"/>
+          </p:nvPr>
+        </p:nvSpPr>
+        <p:spPr>
+          <a:xfrm>
+            <a:off x="8719926" y="6223828"/>
+            <a:ext cx="2329074" cy="365125"/>
+          </a:xfrm>
+          <a:prstGeom prst="rect">
+            <a:avLst/>
+          </a:prstGeom>
+        </p:spPr>
+        <p:txBody>
+          <a:bodyPr/>
+          <a:lstStyle/>
+          <a:p>
+            <a:endParaRPr lang="en-US"/>
+          </a:p>
+        </p:txBody>
+      </p:sp>
+      <p:sp>
+        <p:nvSpPr>
+          <p:cNvPr id="6" name="Footer Placeholder 5"/>
+          <p:cNvSpPr>
+            <a:spLocks noGrp="1"/>
+          </p:cNvSpPr>
+          <p:nvPr>
+            <p:ph type="ftr" sz="quarter" idx="11"/>
+          </p:nvPr>
+        </p:nvSpPr>
+        <p:spPr/>
+        <p:txBody>
+          <a:bodyPr/>
+          <a:lstStyle/>
+          <a:p>
+            <a:endParaRPr lang="en-US"/>
+          </a:p>
+        </p:txBody>
+      </p:sp>
+      <p:sp>
+        <p:nvSpPr>
+          <p:cNvPr id="7" name="Slide Number Placeholder 6"/>
+          <p:cNvSpPr>
+            <a:spLocks noGrp="1"/>
+          </p:cNvSpPr>
+          <p:nvPr>
+            <p:ph type="sldNum" sz="quarter" idx="12"/>
+          </p:nvPr>
+        </p:nvSpPr>
+        <p:spPr/>
+        <p:txBody>
+          <a:bodyPr/>
+          <a:lstStyle/>
+          <a:p>
+            <a:fld id="{92944875-DFC9-4662-AF8D-2D0B8720E9F1}" type="slidenum">
+              <a:rPr lang="en-US" smtClean="0"/>
+              <a:t>‹#›</a:t>
+            </a:fld>
+            <a:endParaRPr lang="en-US"/>
+          </a:p>
+        </p:txBody>
+      </p:sp>
+    </p:spTree>
+    <p:extLst>
+      <p:ext uri="{BB962C8B-B14F-4D97-AF65-F5344CB8AC3E}">
+        <p14:creationId xmlns:p14="http://schemas.microsoft.com/office/powerpoint/2010/main" val="787854374"/>
+      </p:ext>
+    </p:extLst>
+  </p:cSld>
+  <p:clrMapOvr>
+    <a:masterClrMapping/>
+  </p:clrMapOvr>
+  <mc:AlternateContent xmlns:mc="http://schemas.openxmlformats.org/markup-compatibility/2006">
+    <mc:Choice xmlns:p159="http://schemas.microsoft.com/office/powerpoint/2015/09/main" Requires="p159">
+      <p:transition xmlns:p14="http://schemas.microsoft.com/office/powerpoint/2010/main" spd="slow" p14:dur="2000">
+        <p159:morph option="byWord"/>
+      </p:transition>
+    </mc:Choice>
+    <mc:Fallback>
+      <p:transition spd="slow">
+        <p:fade/>
+      </p:transition>
+    </mc:Fallback>
+  </mc:AlternateContent>
+</p:sldLayout>
+</file>
+
+<file path=ppt/slideLayouts/slideLayout24.xml><?xml version="1.0" encoding="utf-8"?>
+<p:sldLayout xmlns:a="http://schemas.openxmlformats.org/drawingml/2006/main" xmlns:r="http://schemas.openxmlformats.org/officeDocument/2006/relationships" xmlns:p="http://schemas.openxmlformats.org/presentationml/2006/main" type="vertTx" preserve="1">
+  <p:cSld name="Title and Vertical Text">
+    <p:spTree>
+      <p:nvGrpSpPr>
+        <p:cNvPr id="1" name=""/>
+        <p:cNvGrpSpPr/>
+        <p:nvPr/>
+      </p:nvGrpSpPr>
+      <p:grpSpPr>
+        <a:xfrm>
+          <a:off x="0" y="0"/>
+          <a:ext cx="0" cy="0"/>
+          <a:chOff x="0" y="0"/>
+          <a:chExt cx="0" cy="0"/>
+        </a:xfrm>
+      </p:grpSpPr>
+      <p:sp>
+        <p:nvSpPr>
+          <p:cNvPr id="2" name="Title 1"/>
+          <p:cNvSpPr>
+            <a:spLocks noGrp="1"/>
+          </p:cNvSpPr>
+          <p:nvPr>
+            <p:ph type="title"/>
+          </p:nvPr>
+        </p:nvSpPr>
+        <p:spPr/>
+        <p:txBody>
+          <a:bodyPr/>
+          <a:lstStyle/>
+          <a:p>
+            <a:r>
+              <a:rPr lang="en-US"/>
+              <a:t>Click to edit Master title style</a:t>
+            </a:r>
+            <a:endParaRPr lang="en-US" dirty="0"/>
+          </a:p>
+        </p:txBody>
+      </p:sp>
+      <p:sp>
+        <p:nvSpPr>
+          <p:cNvPr id="3" name="Vertical Text Placeholder 2"/>
+          <p:cNvSpPr>
+            <a:spLocks noGrp="1"/>
+          </p:cNvSpPr>
+          <p:nvPr>
+            <p:ph type="body" orient="vert" idx="1"/>
+          </p:nvPr>
+        </p:nvSpPr>
+        <p:spPr/>
+        <p:txBody>
+          <a:bodyPr vert="eaVert"/>
+          <a:lstStyle/>
+          <a:p>
+            <a:pPr lvl="0"/>
+            <a:r>
+              <a:rPr lang="en-US"/>
+              <a:t>Click to edit Master text styles</a:t>
+            </a:r>
+          </a:p>
+          <a:p>
+            <a:pPr lvl="1"/>
+            <a:r>
+              <a:rPr lang="en-US"/>
+              <a:t>Second level</a:t>
+            </a:r>
+          </a:p>
+          <a:p>
+            <a:pPr lvl="2"/>
+            <a:r>
+              <a:rPr lang="en-US"/>
+              <a:t>Third level</a:t>
+            </a:r>
+          </a:p>
+          <a:p>
+            <a:pPr lvl="3"/>
+            <a:r>
+              <a:rPr lang="en-US"/>
+              <a:t>Fourth level</a:t>
+            </a:r>
+          </a:p>
+          <a:p>
+            <a:pPr lvl="4"/>
+            <a:r>
+              <a:rPr lang="en-US"/>
+              <a:t>Fifth level</a:t>
+            </a:r>
+            <a:endParaRPr lang="en-US" dirty="0"/>
+          </a:p>
+        </p:txBody>
+      </p:sp>
+      <p:sp>
+        <p:nvSpPr>
+          <p:cNvPr id="4" name="Date Placeholder 3"/>
+          <p:cNvSpPr>
+            <a:spLocks noGrp="1"/>
+          </p:cNvSpPr>
+          <p:nvPr>
+            <p:ph type="dt" sz="half" idx="10"/>
+          </p:nvPr>
+        </p:nvSpPr>
+        <p:spPr>
+          <a:xfrm>
+            <a:off x="8719926" y="6223828"/>
+            <a:ext cx="2329074" cy="365125"/>
+          </a:xfrm>
+          <a:prstGeom prst="rect">
+            <a:avLst/>
+          </a:prstGeom>
+        </p:spPr>
+        <p:txBody>
+          <a:bodyPr/>
+          <a:lstStyle/>
+          <a:p>
+            <a:endParaRPr lang="en-US"/>
+          </a:p>
+        </p:txBody>
+      </p:sp>
+      <p:sp>
+        <p:nvSpPr>
+          <p:cNvPr id="5" name="Footer Placeholder 4"/>
+          <p:cNvSpPr>
+            <a:spLocks noGrp="1"/>
+          </p:cNvSpPr>
+          <p:nvPr>
+            <p:ph type="ftr" sz="quarter" idx="11"/>
+          </p:nvPr>
+        </p:nvSpPr>
+        <p:spPr/>
+        <p:txBody>
+          <a:bodyPr/>
+          <a:lstStyle/>
+          <a:p>
+            <a:endParaRPr lang="en-US"/>
+          </a:p>
+        </p:txBody>
+      </p:sp>
+      <p:sp>
+        <p:nvSpPr>
+          <p:cNvPr id="6" name="Slide Number Placeholder 5"/>
+          <p:cNvSpPr>
+            <a:spLocks noGrp="1"/>
+          </p:cNvSpPr>
+          <p:nvPr>
+            <p:ph type="sldNum" sz="quarter" idx="12"/>
+          </p:nvPr>
+        </p:nvSpPr>
+        <p:spPr/>
+        <p:txBody>
+          <a:bodyPr/>
+          <a:lstStyle/>
+          <a:p>
+            <a:fld id="{92944875-DFC9-4662-AF8D-2D0B8720E9F1}" type="slidenum">
+              <a:rPr lang="en-US" smtClean="0"/>
+              <a:t>‹#›</a:t>
+            </a:fld>
+            <a:endParaRPr lang="en-US"/>
+          </a:p>
+        </p:txBody>
+      </p:sp>
+    </p:spTree>
+    <p:extLst>
+      <p:ext uri="{BB962C8B-B14F-4D97-AF65-F5344CB8AC3E}">
+        <p14:creationId xmlns:p14="http://schemas.microsoft.com/office/powerpoint/2010/main" val="3975550996"/>
+      </p:ext>
+    </p:extLst>
+  </p:cSld>
+  <p:clrMapOvr>
+    <a:masterClrMapping/>
+  </p:clrMapOvr>
+  <mc:AlternateContent xmlns:mc="http://schemas.openxmlformats.org/markup-compatibility/2006">
+    <mc:Choice xmlns:p159="http://schemas.microsoft.com/office/powerpoint/2015/09/main" Requires="p159">
+      <p:transition xmlns:p14="http://schemas.microsoft.com/office/powerpoint/2010/main" spd="slow" p14:dur="2000">
+        <p159:morph option="byWord"/>
+      </p:transition>
+    </mc:Choice>
+    <mc:Fallback>
+      <p:transition spd="slow">
+        <p:fade/>
+      </p:transition>
+    </mc:Fallback>
+  </mc:AlternateContent>
+</p:sldLayout>
+</file>
+
+<file path=ppt/slideLayouts/slideLayout25.xml><?xml version="1.0" encoding="utf-8"?>
+<p:sldLayout xmlns:a="http://schemas.openxmlformats.org/drawingml/2006/main" xmlns:r="http://schemas.openxmlformats.org/officeDocument/2006/relationships" xmlns:p="http://schemas.openxmlformats.org/presentationml/2006/main" type="vertTitleAndTx" preserve="1">
+  <p:cSld name="Vertical Title and Text">
+    <p:spTree>
+      <p:nvGrpSpPr>
+        <p:cNvPr id="1" name=""/>
+        <p:cNvGrpSpPr/>
+        <p:nvPr/>
+      </p:nvGrpSpPr>
+      <p:grpSpPr>
+        <a:xfrm>
+          <a:off x="0" y="0"/>
+          <a:ext cx="0" cy="0"/>
+          <a:chOff x="0" y="0"/>
+          <a:chExt cx="0" cy="0"/>
+        </a:xfrm>
+      </p:grpSpPr>
+      <p:sp>
+        <p:nvSpPr>
+          <p:cNvPr id="2" name="Vertical Title 1"/>
+          <p:cNvSpPr>
+            <a:spLocks noGrp="1"/>
+          </p:cNvSpPr>
+          <p:nvPr>
+            <p:ph type="title" orient="vert"/>
+          </p:nvPr>
+        </p:nvSpPr>
+        <p:spPr>
+          <a:xfrm>
+            <a:off x="8724900" y="762000"/>
+            <a:ext cx="2324100" cy="5410200"/>
+          </a:xfrm>
+        </p:spPr>
+        <p:txBody>
+          <a:bodyPr vert="eaVert"/>
+          <a:lstStyle/>
+          <a:p>
+            <a:r>
+              <a:rPr lang="en-US"/>
+              <a:t>Click to edit Master title style</a:t>
+            </a:r>
+            <a:endParaRPr lang="en-US" dirty="0"/>
+          </a:p>
+        </p:txBody>
+      </p:sp>
+      <p:sp>
+        <p:nvSpPr>
+          <p:cNvPr id="3" name="Vertical Text Placeholder 2"/>
+          <p:cNvSpPr>
+            <a:spLocks noGrp="1"/>
+          </p:cNvSpPr>
+          <p:nvPr>
+            <p:ph type="body" orient="vert" idx="1"/>
+          </p:nvPr>
+        </p:nvSpPr>
+        <p:spPr>
+          <a:xfrm>
+            <a:off x="1143000" y="762000"/>
+            <a:ext cx="7429500" cy="5410200"/>
+          </a:xfrm>
+        </p:spPr>
+        <p:txBody>
+          <a:bodyPr vert="eaVert"/>
+          <a:lstStyle/>
+          <a:p>
+            <a:pPr lvl="0"/>
+            <a:r>
+              <a:rPr lang="en-US"/>
+              <a:t>Click to edit Master text styles</a:t>
+            </a:r>
+          </a:p>
+          <a:p>
+            <a:pPr lvl="1"/>
+            <a:r>
+              <a:rPr lang="en-US"/>
+              <a:t>Second level</a:t>
+            </a:r>
+          </a:p>
+          <a:p>
+            <a:pPr lvl="2"/>
+            <a:r>
+              <a:rPr lang="en-US"/>
+              <a:t>Third level</a:t>
+            </a:r>
+          </a:p>
+          <a:p>
+            <a:pPr lvl="3"/>
+            <a:r>
+              <a:rPr lang="en-US"/>
+              <a:t>Fourth level</a:t>
+            </a:r>
+          </a:p>
+          <a:p>
+            <a:pPr lvl="4"/>
+            <a:r>
+              <a:rPr lang="en-US"/>
+              <a:t>Fifth level</a:t>
+            </a:r>
+            <a:endParaRPr lang="en-US" dirty="0"/>
+          </a:p>
+        </p:txBody>
+      </p:sp>
+      <p:sp>
+        <p:nvSpPr>
+          <p:cNvPr id="4" name="Date Placeholder 3"/>
+          <p:cNvSpPr>
+            <a:spLocks noGrp="1"/>
+          </p:cNvSpPr>
+          <p:nvPr>
+            <p:ph type="dt" sz="half" idx="10"/>
+          </p:nvPr>
+        </p:nvSpPr>
+        <p:spPr>
+          <a:xfrm>
+            <a:off x="8719926" y="6223828"/>
+            <a:ext cx="2329074" cy="365125"/>
+          </a:xfrm>
+          <a:prstGeom prst="rect">
+            <a:avLst/>
+          </a:prstGeom>
+        </p:spPr>
+        <p:txBody>
+          <a:bodyPr/>
+          <a:lstStyle/>
+          <a:p>
+            <a:endParaRPr lang="en-US"/>
+          </a:p>
+        </p:txBody>
+      </p:sp>
+      <p:sp>
+        <p:nvSpPr>
+          <p:cNvPr id="5" name="Footer Placeholder 4"/>
+          <p:cNvSpPr>
+            <a:spLocks noGrp="1"/>
+          </p:cNvSpPr>
+          <p:nvPr>
+            <p:ph type="ftr" sz="quarter" idx="11"/>
+          </p:nvPr>
+        </p:nvSpPr>
+        <p:spPr/>
+        <p:txBody>
+          <a:bodyPr/>
+          <a:lstStyle/>
+          <a:p>
+            <a:endParaRPr lang="en-US"/>
+          </a:p>
+        </p:txBody>
+      </p:sp>
+      <p:sp>
+        <p:nvSpPr>
+          <p:cNvPr id="6" name="Slide Number Placeholder 5"/>
+          <p:cNvSpPr>
+            <a:spLocks noGrp="1"/>
+          </p:cNvSpPr>
+          <p:nvPr>
+            <p:ph type="sldNum" sz="quarter" idx="12"/>
+          </p:nvPr>
+        </p:nvSpPr>
+        <p:spPr/>
+        <p:txBody>
+          <a:bodyPr/>
+          <a:lstStyle/>
+          <a:p>
+            <a:fld id="{92944875-DFC9-4662-AF8D-2D0B8720E9F1}" type="slidenum">
+              <a:rPr lang="en-US" smtClean="0"/>
+              <a:t>‹#›</a:t>
+            </a:fld>
+            <a:endParaRPr lang="en-US"/>
+          </a:p>
+        </p:txBody>
+      </p:sp>
+    </p:spTree>
+    <p:extLst>
+      <p:ext uri="{BB962C8B-B14F-4D97-AF65-F5344CB8AC3E}">
+        <p14:creationId xmlns:p14="http://schemas.microsoft.com/office/powerpoint/2010/main" val="1854231974"/>
+      </p:ext>
+    </p:extLst>
+  </p:cSld>
+  <p:clrMapOvr>
+    <a:masterClrMapping/>
+  </p:clrMapOvr>
+  <mc:AlternateContent xmlns:mc="http://schemas.openxmlformats.org/markup-compatibility/2006">
+    <mc:Choice xmlns:p159="http://schemas.microsoft.com/office/powerpoint/2015/09/main" Requires="p159">
+      <p:transition xmlns:p14="http://schemas.microsoft.com/office/powerpoint/2010/main" spd="slow" p14:dur="2000">
+        <p159:morph option="byWord"/>
+      </p:transition>
+    </mc:Choice>
+    <mc:Fallback>
+      <p:transition spd="slow">
+        <p:fade/>
+      </p:transition>
+    </mc:Fallback>
+  </mc:AlternateContent>
+</p:sldLayout>
+</file>
+
+<file path=ppt/slideLayouts/slideLayout3.xml><?xml version="1.0" encoding="utf-8"?>
+<p:sldLayout xmlns:a="http://schemas.openxmlformats.org/drawingml/2006/main" xmlns:r="http://schemas.openxmlformats.org/officeDocument/2006/relationships" xmlns:p="http://schemas.openxmlformats.org/presentationml/2006/main" type="obj" preserve="1">
+  <p:cSld name="Title and Big Content">
+    <p:spTree>
+      <p:nvGrpSpPr>
+        <p:cNvPr id="1" name=""/>
+        <p:cNvGrpSpPr/>
+        <p:nvPr/>
+      </p:nvGrpSpPr>
+      <p:grpSpPr>
+        <a:xfrm>
+          <a:off x="0" y="0"/>
+          <a:ext cx="0" cy="0"/>
+          <a:chOff x="0" y="0"/>
+          <a:chExt cx="0" cy="0"/>
+        </a:xfrm>
+      </p:grpSpPr>
+      <p:sp>
+        <p:nvSpPr>
+          <p:cNvPr id="2" name="Title 1"/>
+          <p:cNvSpPr>
+            <a:spLocks noGrp="1"/>
+          </p:cNvSpPr>
+          <p:nvPr>
+            <p:ph type="title"/>
+          </p:nvPr>
+        </p:nvSpPr>
+        <p:spPr/>
+        <p:txBody>
+          <a:bodyPr/>
+          <a:lstStyle/>
+          <a:p>
             <a:r>
               <a:rPr lang="en-US" dirty="0"/>
               <a:t>Click to edit Master title style</a:t>
@@ -2861,45 +4591,92 @@
             <p:ph idx="1"/>
           </p:nvPr>
         </p:nvSpPr>
-        <p:spPr/>
-        <p:txBody>
-          <a:bodyPr/>
-          <a:lstStyle/>
+        <p:spPr>
+          <a:xfrm>
+            <a:off x="1143000" y="2057400"/>
+            <a:ext cx="9872871" cy="4160731"/>
+          </a:xfrm>
+        </p:spPr>
+        <p:txBody>
+          <a:bodyPr anchor="ctr">
+            <a:normAutofit/>
+          </a:bodyPr>
+          <a:lstStyle>
+            <a:lvl1pPr algn="ctr">
+              <a:buClr>
+                <a:srgbClr val="777777"/>
+              </a:buClr>
+              <a:buFont typeface="Wingdings" panose="05000000000000000000" pitchFamily="2" charset="2"/>
+              <a:buNone/>
+              <a:defRPr sz="3200"/>
+            </a:lvl1pPr>
+            <a:lvl2pPr algn="ctr">
+              <a:buClr>
+                <a:srgbClr val="777777"/>
+              </a:buClr>
+              <a:buFont typeface="Wingdings" panose="05000000000000000000" pitchFamily="2" charset="2"/>
+              <a:buNone/>
+              <a:defRPr sz="3200"/>
+            </a:lvl2pPr>
+            <a:lvl3pPr algn="ctr">
+              <a:buClr>
+                <a:srgbClr val="777777"/>
+              </a:buClr>
+              <a:buFont typeface="Wingdings" panose="05000000000000000000" pitchFamily="2" charset="2"/>
+              <a:buNone/>
+              <a:defRPr sz="2800"/>
+            </a:lvl3pPr>
+            <a:lvl4pPr algn="ctr">
+              <a:buClr>
+                <a:srgbClr val="777777"/>
+              </a:buClr>
+              <a:buFont typeface="Wingdings" panose="05000000000000000000" pitchFamily="2" charset="2"/>
+              <a:buNone/>
+              <a:defRPr sz="2400"/>
+            </a:lvl4pPr>
+            <a:lvl5pPr algn="ctr">
+              <a:buClr>
+                <a:srgbClr val="777777"/>
+              </a:buClr>
+              <a:buFont typeface="Wingdings" panose="05000000000000000000" pitchFamily="2" charset="2"/>
+              <a:buNone/>
+              <a:defRPr sz="2400"/>
+            </a:lvl5pPr>
+          </a:lstStyle>
           <a:p>
             <a:pPr lvl="0"/>
             <a:r>
-              <a:rPr lang="en-US"/>
+              <a:rPr lang="en-US" dirty="0"/>
               <a:t>Click to edit Master text styles</a:t>
             </a:r>
           </a:p>
           <a:p>
             <a:pPr lvl="1"/>
             <a:r>
-              <a:rPr lang="en-US"/>
+              <a:rPr lang="en-US" dirty="0"/>
               <a:t>Second level</a:t>
             </a:r>
           </a:p>
           <a:p>
             <a:pPr lvl="2"/>
             <a:r>
-              <a:rPr lang="en-US"/>
+              <a:rPr lang="en-US" dirty="0"/>
               <a:t>Third level</a:t>
             </a:r>
           </a:p>
           <a:p>
             <a:pPr lvl="3"/>
             <a:r>
-              <a:rPr lang="en-US"/>
+              <a:rPr lang="en-US" dirty="0"/>
               <a:t>Fourth level</a:t>
             </a:r>
           </a:p>
           <a:p>
             <a:pPr lvl="4"/>
             <a:r>
-              <a:rPr lang="en-US"/>
+              <a:rPr lang="en-US" dirty="0"/>
               <a:t>Fifth level</a:t>
             </a:r>
-            <a:endParaRPr lang="en-US" dirty="0"/>
           </a:p>
         </p:txBody>
       </p:sp>
@@ -3055,19 +4832,31 @@
     </p:spTree>
     <p:extLst>
       <p:ext uri="{BB962C8B-B14F-4D97-AF65-F5344CB8AC3E}">
-        <p14:creationId xmlns:p14="http://schemas.microsoft.com/office/powerpoint/2010/main" val="1941169465"/>
+        <p14:creationId xmlns:p14="http://schemas.microsoft.com/office/powerpoint/2010/main" val="459672697"/>
       </p:ext>
     </p:extLst>
   </p:cSld>
   <p:clrMapOvr>
     <a:masterClrMapping/>
   </p:clrMapOvr>
+  <mc:AlternateContent xmlns:mc="http://schemas.openxmlformats.org/markup-compatibility/2006">
+    <mc:Choice xmlns:p159="http://schemas.microsoft.com/office/powerpoint/2015/09/main" Requires="p159">
+      <p:transition xmlns:p14="http://schemas.microsoft.com/office/powerpoint/2010/main" spd="slow" p14:dur="2000">
+        <p159:morph option="byWord"/>
+      </p:transition>
+    </mc:Choice>
+    <mc:Fallback>
+      <p:transition spd="slow">
+        <p:fade/>
+      </p:transition>
+    </mc:Fallback>
+  </mc:AlternateContent>
 </p:sldLayout>
 </file>
 
-<file path=ppt/slideLayouts/slideLayout20.xml><?xml version="1.0" encoding="utf-8"?>
-<p:sldLayout xmlns:a="http://schemas.openxmlformats.org/drawingml/2006/main" xmlns:r="http://schemas.openxmlformats.org/officeDocument/2006/relationships" xmlns:p="http://schemas.openxmlformats.org/presentationml/2006/main" type="objTx" preserve="1">
-  <p:cSld name="Content with Caption">
+<file path=ppt/slideLayouts/slideLayout4.xml><?xml version="1.0" encoding="utf-8"?>
+<p:sldLayout xmlns:a="http://schemas.openxmlformats.org/drawingml/2006/main" xmlns:r="http://schemas.openxmlformats.org/officeDocument/2006/relationships" xmlns:p="http://schemas.openxmlformats.org/presentationml/2006/main" preserve="1" userDrawn="1">
+  <p:cSld name="1_Title and Big Content and Image">
     <p:spTree>
       <p:nvGrpSpPr>
         <p:cNvPr id="1" name=""/>
@@ -3092,908 +4881,328 @@
             <p:ph type="title"/>
           </p:nvPr>
         </p:nvSpPr>
+        <p:spPr/>
+        <p:txBody>
+          <a:bodyPr/>
+          <a:lstStyle/>
+          <a:p>
+            <a:r>
+              <a:rPr lang="en-US" dirty="0"/>
+              <a:t>Click to edit Master title style</a:t>
+            </a:r>
+          </a:p>
+        </p:txBody>
+      </p:sp>
+      <p:sp>
+        <p:nvSpPr>
+          <p:cNvPr id="3" name="Content Placeholder 2"/>
+          <p:cNvSpPr>
+            <a:spLocks noGrp="1"/>
+          </p:cNvSpPr>
+          <p:nvPr>
+            <p:ph idx="1"/>
+          </p:nvPr>
+        </p:nvSpPr>
         <p:spPr>
           <a:xfrm>
-            <a:off x="1143000" y="1097280"/>
-            <a:ext cx="3931920" cy="1737360"/>
+            <a:off x="7708307" y="2057400"/>
+            <a:ext cx="3307564" cy="3839017"/>
           </a:xfrm>
         </p:spPr>
         <p:txBody>
-          <a:bodyPr anchor="b">
-            <a:noAutofit/>
-          </a:bodyPr>
-          <a:lstStyle>
-            <a:lvl1pPr>
-              <a:lnSpc>
-                <a:spcPct val="90000"/>
-              </a:lnSpc>
-              <a:defRPr sz="4000" b="0"/>
-            </a:lvl1pPr>
-          </a:lstStyle>
-          <a:p>
-            <a:r>
-              <a:rPr lang="en-US"/>
-              <a:t>Click to edit Master title style</a:t>
-            </a:r>
-            <a:endParaRPr lang="en-US" dirty="0"/>
-          </a:p>
-        </p:txBody>
-      </p:sp>
-      <p:sp>
-        <p:nvSpPr>
-          <p:cNvPr id="3" name="Content Placeholder 2"/>
-          <p:cNvSpPr>
-            <a:spLocks noGrp="1"/>
-          </p:cNvSpPr>
-          <p:nvPr>
-            <p:ph idx="1"/>
-          </p:nvPr>
-        </p:nvSpPr>
-        <p:spPr>
-          <a:xfrm>
-            <a:off x="5852159" y="1097280"/>
-            <a:ext cx="5212080" cy="4663440"/>
-          </a:xfrm>
-        </p:spPr>
-        <p:txBody>
-          <a:bodyPr/>
-          <a:lstStyle>
-            <a:lvl1pPr>
-              <a:defRPr sz="3200"/>
-            </a:lvl1pPr>
-            <a:lvl2pPr>
-              <a:defRPr sz="2800"/>
-            </a:lvl2pPr>
-            <a:lvl3pPr>
-              <a:defRPr sz="2400"/>
-            </a:lvl3pPr>
-            <a:lvl4pPr>
-              <a:defRPr sz="2000"/>
-            </a:lvl4pPr>
-            <a:lvl5pPr>
-              <a:defRPr sz="2000"/>
-            </a:lvl5pPr>
-            <a:lvl6pPr>
-              <a:defRPr sz="2000"/>
-            </a:lvl6pPr>
-            <a:lvl7pPr>
-              <a:defRPr sz="2000"/>
-            </a:lvl7pPr>
-            <a:lvl8pPr>
-              <a:defRPr sz="2000"/>
-            </a:lvl8pPr>
-            <a:lvl9pPr>
-              <a:defRPr sz="2000"/>
-            </a:lvl9pPr>
-          </a:lstStyle>
-          <a:p>
-            <a:pPr lvl="0"/>
-            <a:r>
-              <a:rPr lang="en-US"/>
-              <a:t>Click to edit Master text styles</a:t>
-            </a:r>
-          </a:p>
-          <a:p>
-            <a:pPr lvl="1"/>
-            <a:r>
-              <a:rPr lang="en-US"/>
-              <a:t>Second level</a:t>
-            </a:r>
-          </a:p>
-          <a:p>
-            <a:pPr lvl="2"/>
-            <a:r>
-              <a:rPr lang="en-US"/>
-              <a:t>Third level</a:t>
-            </a:r>
-          </a:p>
-          <a:p>
-            <a:pPr lvl="3"/>
-            <a:r>
-              <a:rPr lang="en-US"/>
-              <a:t>Fourth level</a:t>
-            </a:r>
-          </a:p>
-          <a:p>
-            <a:pPr lvl="4"/>
-            <a:r>
-              <a:rPr lang="en-US"/>
-              <a:t>Fifth level</a:t>
-            </a:r>
-            <a:endParaRPr lang="en-US" dirty="0"/>
-          </a:p>
-        </p:txBody>
-      </p:sp>
-      <p:sp>
-        <p:nvSpPr>
-          <p:cNvPr id="4" name="Text Placeholder 3"/>
-          <p:cNvSpPr>
-            <a:spLocks noGrp="1"/>
-          </p:cNvSpPr>
-          <p:nvPr>
-            <p:ph type="body" sz="half" idx="2"/>
-          </p:nvPr>
-        </p:nvSpPr>
-        <p:spPr>
-          <a:xfrm>
-            <a:off x="1143000" y="2834640"/>
-            <a:ext cx="3931920" cy="3017520"/>
-          </a:xfrm>
-        </p:spPr>
-        <p:txBody>
-          <a:bodyPr>
+          <a:bodyPr anchor="ctr">
             <a:normAutofit/>
           </a:bodyPr>
           <a:lstStyle>
-            <a:lvl1pPr marL="0" indent="0">
-              <a:lnSpc>
-                <a:spcPct val="100000"/>
-              </a:lnSpc>
-              <a:spcBef>
-                <a:spcPts val="1000"/>
-              </a:spcBef>
+            <a:lvl1pPr algn="ctr">
+              <a:buClr>
+                <a:srgbClr val="777777"/>
+              </a:buClr>
+              <a:buFont typeface="Wingdings" panose="05000000000000000000" pitchFamily="2" charset="2"/>
               <a:buNone/>
-              <a:defRPr sz="1700"/>
+              <a:defRPr sz="3200"/>
             </a:lvl1pPr>
-            <a:lvl2pPr marL="457200" indent="0">
+            <a:lvl2pPr algn="ctr">
+              <a:buClr>
+                <a:srgbClr val="777777"/>
+              </a:buClr>
+              <a:buFont typeface="Wingdings" panose="05000000000000000000" pitchFamily="2" charset="2"/>
               <a:buNone/>
-              <a:defRPr sz="1200"/>
+              <a:defRPr sz="3200"/>
             </a:lvl2pPr>
-            <a:lvl3pPr marL="914400" indent="0">
+            <a:lvl3pPr algn="ctr">
+              <a:buClr>
+                <a:srgbClr val="777777"/>
+              </a:buClr>
+              <a:buFont typeface="Wingdings" panose="05000000000000000000" pitchFamily="2" charset="2"/>
               <a:buNone/>
-              <a:defRPr sz="1000"/>
+              <a:defRPr sz="2800"/>
             </a:lvl3pPr>
-            <a:lvl4pPr marL="1371600" indent="0">
+            <a:lvl4pPr algn="ctr">
+              <a:buClr>
+                <a:srgbClr val="777777"/>
+              </a:buClr>
+              <a:buFont typeface="Wingdings" panose="05000000000000000000" pitchFamily="2" charset="2"/>
               <a:buNone/>
-              <a:defRPr sz="900"/>
+              <a:defRPr sz="2400"/>
             </a:lvl4pPr>
-            <a:lvl5pPr marL="1828800" indent="0">
+            <a:lvl5pPr algn="ctr">
+              <a:buClr>
+                <a:srgbClr val="777777"/>
+              </a:buClr>
+              <a:buFont typeface="Wingdings" panose="05000000000000000000" pitchFamily="2" charset="2"/>
               <a:buNone/>
-              <a:defRPr sz="900"/>
+              <a:defRPr sz="2400"/>
             </a:lvl5pPr>
-            <a:lvl6pPr marL="2286000" indent="0">
-              <a:buNone/>
-              <a:defRPr sz="900"/>
-            </a:lvl6pPr>
-            <a:lvl7pPr marL="2743200" indent="0">
-              <a:buNone/>
-              <a:defRPr sz="900"/>
-            </a:lvl7pPr>
-            <a:lvl8pPr marL="3200400" indent="0">
-              <a:buNone/>
-              <a:defRPr sz="900"/>
-            </a:lvl8pPr>
-            <a:lvl9pPr marL="3657600" indent="0">
-              <a:buNone/>
-              <a:defRPr sz="900"/>
-            </a:lvl9pPr>
           </a:lstStyle>
           <a:p>
             <a:pPr lvl="0"/>
             <a:r>
-              <a:rPr lang="en-US"/>
+              <a:rPr lang="en-US" dirty="0"/>
               <a:t>Click to edit Master text styles</a:t>
             </a:r>
           </a:p>
-        </p:txBody>
-      </p:sp>
-      <p:sp>
-        <p:nvSpPr>
-          <p:cNvPr id="5" name="Date Placeholder 4"/>
-          <p:cNvSpPr>
-            <a:spLocks noGrp="1"/>
-          </p:cNvSpPr>
-          <p:nvPr>
-            <p:ph type="dt" sz="half" idx="10"/>
-          </p:nvPr>
+          <a:p>
+            <a:pPr lvl="1"/>
+            <a:r>
+              <a:rPr lang="en-US" dirty="0"/>
+              <a:t>Second level</a:t>
+            </a:r>
+          </a:p>
+          <a:p>
+            <a:pPr lvl="2"/>
+            <a:r>
+              <a:rPr lang="en-US" dirty="0"/>
+              <a:t>Third level</a:t>
+            </a:r>
+          </a:p>
+          <a:p>
+            <a:pPr lvl="3"/>
+            <a:r>
+              <a:rPr lang="en-US" dirty="0"/>
+              <a:t>Fourth level</a:t>
+            </a:r>
+          </a:p>
+          <a:p>
+            <a:pPr lvl="4"/>
+            <a:r>
+              <a:rPr lang="en-US" dirty="0"/>
+              <a:t>Fifth level</a:t>
+            </a:r>
+          </a:p>
+        </p:txBody>
+      </p:sp>
+      <p:sp>
+        <p:nvSpPr>
+          <p:cNvPr id="5" name="Footer Placeholder 4"/>
+          <p:cNvSpPr>
+            <a:spLocks noGrp="1"/>
+          </p:cNvSpPr>
+          <p:nvPr>
+            <p:ph type="ftr" sz="quarter" idx="11"/>
+          </p:nvPr>
+        </p:nvSpPr>
+        <p:spPr/>
+        <p:txBody>
+          <a:bodyPr/>
+          <a:lstStyle/>
+          <a:p>
+            <a:endParaRPr lang="en-US"/>
+          </a:p>
+        </p:txBody>
+      </p:sp>
+      <p:sp>
+        <p:nvSpPr>
+          <p:cNvPr id="7" name="Slide Number Placeholder 5">
+            <a:extLst>
+              <a:ext uri="{FF2B5EF4-FFF2-40B4-BE49-F238E27FC236}">
+                <a16:creationId xmlns:a16="http://schemas.microsoft.com/office/drawing/2014/main" id="{D1B05F26-71DF-475A-9B53-EEFDDED7A655}"/>
+              </a:ext>
+            </a:extLst>
+          </p:cNvPr>
+          <p:cNvSpPr txBox="1">
+            <a:spLocks/>
+          </p:cNvSpPr>
+          <p:nvPr userDrawn="1"/>
         </p:nvSpPr>
         <p:spPr>
           <a:xfrm>
-            <a:off x="8719926" y="6223828"/>
-            <a:ext cx="2329074" cy="365125"/>
+            <a:off x="11113015" y="6218131"/>
+            <a:ext cx="720000" cy="360000"/>
           </a:xfrm>
           <a:prstGeom prst="rect">
             <a:avLst/>
           </a:prstGeom>
         </p:spPr>
         <p:txBody>
-          <a:bodyPr/>
-          <a:lstStyle/>
-          <a:p>
-            <a:endParaRPr lang="en-US"/>
-          </a:p>
-        </p:txBody>
-      </p:sp>
-      <p:sp>
-        <p:nvSpPr>
-          <p:cNvPr id="6" name="Footer Placeholder 5"/>
-          <p:cNvSpPr>
-            <a:spLocks noGrp="1"/>
-          </p:cNvSpPr>
-          <p:nvPr>
-            <p:ph type="ftr" sz="quarter" idx="11"/>
-          </p:nvPr>
-        </p:nvSpPr>
-        <p:spPr/>
-        <p:txBody>
-          <a:bodyPr/>
-          <a:lstStyle/>
-          <a:p>
-            <a:endParaRPr lang="en-US"/>
-          </a:p>
-        </p:txBody>
-      </p:sp>
-      <p:sp>
-        <p:nvSpPr>
-          <p:cNvPr id="7" name="Slide Number Placeholder 6"/>
-          <p:cNvSpPr>
-            <a:spLocks noGrp="1"/>
-          </p:cNvSpPr>
-          <p:nvPr>
-            <p:ph type="sldNum" sz="quarter" idx="12"/>
-          </p:nvPr>
-        </p:nvSpPr>
-        <p:spPr/>
-        <p:txBody>
-          <a:bodyPr/>
-          <a:lstStyle/>
+          <a:bodyPr vert="horz" lIns="91440" tIns="45720" rIns="91440" bIns="45720" rtlCol="0" anchor="ctr"/>
+          <a:lstStyle>
+            <a:defPPr>
+              <a:defRPr lang="en-US"/>
+            </a:defPPr>
+            <a:lvl1pPr marL="0" algn="r" defTabSz="457200" rtl="1" eaLnBrk="1" latinLnBrk="0" hangingPunct="1">
+              <a:defRPr sz="1400" kern="1200" baseline="0">
+                <a:solidFill>
+                  <a:schemeClr val="accent1"/>
+                </a:solidFill>
+                <a:latin typeface="IRANYekan" panose="020B0506030804020204" pitchFamily="34" charset="-78"/>
+                <a:ea typeface="+mn-ea"/>
+                <a:cs typeface="IRANYekan" panose="020B0506030804020204" pitchFamily="34" charset="-78"/>
+              </a:defRPr>
+            </a:lvl1pPr>
+            <a:lvl2pPr marL="457200" algn="l" defTabSz="457200" rtl="0" eaLnBrk="1" latinLnBrk="0" hangingPunct="1">
+              <a:defRPr sz="1800" kern="1200">
+                <a:solidFill>
+                  <a:schemeClr val="tx1"/>
+                </a:solidFill>
+                <a:latin typeface="+mn-lt"/>
+                <a:ea typeface="+mn-ea"/>
+                <a:cs typeface="+mn-cs"/>
+              </a:defRPr>
+            </a:lvl2pPr>
+            <a:lvl3pPr marL="914400" algn="l" defTabSz="457200" rtl="0" eaLnBrk="1" latinLnBrk="0" hangingPunct="1">
+              <a:defRPr sz="1800" kern="1200">
+                <a:solidFill>
+                  <a:schemeClr val="tx1"/>
+                </a:solidFill>
+                <a:latin typeface="+mn-lt"/>
+                <a:ea typeface="+mn-ea"/>
+                <a:cs typeface="+mn-cs"/>
+              </a:defRPr>
+            </a:lvl3pPr>
+            <a:lvl4pPr marL="1371600" algn="l" defTabSz="457200" rtl="0" eaLnBrk="1" latinLnBrk="0" hangingPunct="1">
+              <a:defRPr sz="1800" kern="1200">
+                <a:solidFill>
+                  <a:schemeClr val="tx1"/>
+                </a:solidFill>
+                <a:latin typeface="+mn-lt"/>
+                <a:ea typeface="+mn-ea"/>
+                <a:cs typeface="+mn-cs"/>
+              </a:defRPr>
+            </a:lvl4pPr>
+            <a:lvl5pPr marL="1828800" algn="l" defTabSz="457200" rtl="0" eaLnBrk="1" latinLnBrk="0" hangingPunct="1">
+              <a:defRPr sz="1800" kern="1200">
+                <a:solidFill>
+                  <a:schemeClr val="tx1"/>
+                </a:solidFill>
+                <a:latin typeface="+mn-lt"/>
+                <a:ea typeface="+mn-ea"/>
+                <a:cs typeface="+mn-cs"/>
+              </a:defRPr>
+            </a:lvl5pPr>
+            <a:lvl6pPr marL="2286000" algn="l" defTabSz="457200" rtl="0" eaLnBrk="1" latinLnBrk="0" hangingPunct="1">
+              <a:defRPr sz="1800" kern="1200">
+                <a:solidFill>
+                  <a:schemeClr val="tx1"/>
+                </a:solidFill>
+                <a:latin typeface="+mn-lt"/>
+                <a:ea typeface="+mn-ea"/>
+                <a:cs typeface="+mn-cs"/>
+              </a:defRPr>
+            </a:lvl6pPr>
+            <a:lvl7pPr marL="2743200" algn="l" defTabSz="457200" rtl="0" eaLnBrk="1" latinLnBrk="0" hangingPunct="1">
+              <a:defRPr sz="1800" kern="1200">
+                <a:solidFill>
+                  <a:schemeClr val="tx1"/>
+                </a:solidFill>
+                <a:latin typeface="+mn-lt"/>
+                <a:ea typeface="+mn-ea"/>
+                <a:cs typeface="+mn-cs"/>
+              </a:defRPr>
+            </a:lvl7pPr>
+            <a:lvl8pPr marL="3200400" algn="l" defTabSz="457200" rtl="0" eaLnBrk="1" latinLnBrk="0" hangingPunct="1">
+              <a:defRPr sz="1800" kern="1200">
+                <a:solidFill>
+                  <a:schemeClr val="tx1"/>
+                </a:solidFill>
+                <a:latin typeface="+mn-lt"/>
+                <a:ea typeface="+mn-ea"/>
+                <a:cs typeface="+mn-cs"/>
+              </a:defRPr>
+            </a:lvl8pPr>
+            <a:lvl9pPr marL="3657600" algn="l" defTabSz="457200" rtl="0" eaLnBrk="1" latinLnBrk="0" hangingPunct="1">
+              <a:defRPr sz="1800" kern="1200">
+                <a:solidFill>
+                  <a:schemeClr val="tx1"/>
+                </a:solidFill>
+                <a:latin typeface="+mn-lt"/>
+                <a:ea typeface="+mn-ea"/>
+                <a:cs typeface="+mn-cs"/>
+              </a:defRPr>
+            </a:lvl9pPr>
+          </a:lstStyle>
           <a:p>
             <a:fld id="{92944875-DFC9-4662-AF8D-2D0B8720E9F1}" type="slidenum">
               <a:rPr lang="en-US" smtClean="0"/>
+              <a:pPr/>
               <a:t>‹#›</a:t>
             </a:fld>
-            <a:endParaRPr lang="en-US"/>
+            <a:endParaRPr lang="en-US" dirty="0"/>
+          </a:p>
+        </p:txBody>
+      </p:sp>
+      <p:sp>
+        <p:nvSpPr>
+          <p:cNvPr id="6" name="Picture Placeholder 5">
+            <a:extLst>
+              <a:ext uri="{FF2B5EF4-FFF2-40B4-BE49-F238E27FC236}">
+                <a16:creationId xmlns:a16="http://schemas.microsoft.com/office/drawing/2014/main" id="{7FDD8BED-AA11-462B-898D-2D5550571FBD}"/>
+              </a:ext>
+            </a:extLst>
+          </p:cNvPr>
+          <p:cNvSpPr>
+            <a:spLocks noGrp="1"/>
+          </p:cNvSpPr>
+          <p:nvPr>
+            <p:ph type="pic" sz="quarter" idx="12"/>
+          </p:nvPr>
+        </p:nvSpPr>
+        <p:spPr>
+          <a:xfrm>
+            <a:off x="1143000" y="2057400"/>
+            <a:ext cx="6411913" cy="3838575"/>
+          </a:xfrm>
+        </p:spPr>
+        <p:txBody>
+          <a:bodyPr/>
+          <a:lstStyle>
+            <a:lvl1pPr>
+              <a:buFontTx/>
+              <a:buNone/>
+              <a:defRPr/>
+            </a:lvl1pPr>
+          </a:lstStyle>
+          <a:p>
+            <a:endParaRPr lang="en-US" dirty="0"/>
           </a:p>
         </p:txBody>
       </p:sp>
     </p:spTree>
     <p:extLst>
       <p:ext uri="{BB962C8B-B14F-4D97-AF65-F5344CB8AC3E}">
-        <p14:creationId xmlns:p14="http://schemas.microsoft.com/office/powerpoint/2010/main" val="4219703211"/>
+        <p14:creationId xmlns:p14="http://schemas.microsoft.com/office/powerpoint/2010/main" val="2027006391"/>
       </p:ext>
     </p:extLst>
   </p:cSld>
   <p:clrMapOvr>
     <a:masterClrMapping/>
   </p:clrMapOvr>
+  <mc:AlternateContent xmlns:mc="http://schemas.openxmlformats.org/markup-compatibility/2006">
+    <mc:Choice xmlns:p159="http://schemas.microsoft.com/office/powerpoint/2015/09/main" Requires="p159">
+      <p:transition xmlns:p14="http://schemas.microsoft.com/office/powerpoint/2010/main" spd="slow" p14:dur="2000">
+        <p159:morph option="byWord"/>
+      </p:transition>
+    </mc:Choice>
+    <mc:Fallback>
+      <p:transition spd="slow">
+        <p:fade/>
+      </p:transition>
+    </mc:Fallback>
+  </mc:AlternateContent>
 </p:sldLayout>
 </file>
 
-<file path=ppt/slideLayouts/slideLayout21.xml><?xml version="1.0" encoding="utf-8"?>
-<p:sldLayout xmlns:a="http://schemas.openxmlformats.org/drawingml/2006/main" xmlns:r="http://schemas.openxmlformats.org/officeDocument/2006/relationships" xmlns:p="http://schemas.openxmlformats.org/presentationml/2006/main" type="picTx" preserve="1">
-  <p:cSld name="Picture with Caption">
-    <p:spTree>
-      <p:nvGrpSpPr>
-        <p:cNvPr id="1" name=""/>
-        <p:cNvGrpSpPr/>
-        <p:nvPr/>
-      </p:nvGrpSpPr>
-      <p:grpSpPr>
-        <a:xfrm>
-          <a:off x="0" y="0"/>
-          <a:ext cx="0" cy="0"/>
-          <a:chOff x="0" y="0"/>
-          <a:chExt cx="0" cy="0"/>
-        </a:xfrm>
-      </p:grpSpPr>
-      <p:sp>
-        <p:nvSpPr>
-          <p:cNvPr id="2" name="Title 1"/>
-          <p:cNvSpPr>
-            <a:spLocks noGrp="1"/>
-          </p:cNvSpPr>
-          <p:nvPr>
-            <p:ph type="title"/>
-          </p:nvPr>
-        </p:nvSpPr>
-        <p:spPr>
-          <a:xfrm>
-            <a:off x="1143000" y="1097280"/>
-            <a:ext cx="3931920" cy="1737360"/>
-          </a:xfrm>
-        </p:spPr>
-        <p:txBody>
-          <a:bodyPr anchor="b">
-            <a:noAutofit/>
-          </a:bodyPr>
-          <a:lstStyle>
-            <a:lvl1pPr>
-              <a:lnSpc>
-                <a:spcPct val="90000"/>
-              </a:lnSpc>
-              <a:defRPr sz="4000" b="0"/>
-            </a:lvl1pPr>
-          </a:lstStyle>
-          <a:p>
-            <a:r>
-              <a:rPr lang="en-US"/>
-              <a:t>Click to edit Master title style</a:t>
-            </a:r>
-            <a:endParaRPr lang="en-US" dirty="0"/>
-          </a:p>
-        </p:txBody>
-      </p:sp>
-      <p:sp>
-        <p:nvSpPr>
-          <p:cNvPr id="3" name="Picture Placeholder 2"/>
-          <p:cNvSpPr>
-            <a:spLocks noGrp="1" noChangeAspect="1"/>
-          </p:cNvSpPr>
-          <p:nvPr>
-            <p:ph type="pic" idx="1"/>
-          </p:nvPr>
-        </p:nvSpPr>
-        <p:spPr>
-          <a:xfrm>
-            <a:off x="5413248" y="1069847"/>
-            <a:ext cx="6099048" cy="4800600"/>
-          </a:xfrm>
-        </p:spPr>
-        <p:txBody>
-          <a:bodyPr lIns="274320" tIns="182880" anchor="t">
-            <a:normAutofit/>
-          </a:bodyPr>
-          <a:lstStyle>
-            <a:lvl1pPr marL="0" indent="0">
-              <a:buNone/>
-              <a:defRPr sz="2800"/>
-            </a:lvl1pPr>
-            <a:lvl2pPr marL="457200" indent="0">
-              <a:buNone/>
-              <a:defRPr sz="2800"/>
-            </a:lvl2pPr>
-            <a:lvl3pPr marL="914400" indent="0">
-              <a:buNone/>
-              <a:defRPr sz="2400"/>
-            </a:lvl3pPr>
-            <a:lvl4pPr marL="1371600" indent="0">
-              <a:buNone/>
-              <a:defRPr sz="2000"/>
-            </a:lvl4pPr>
-            <a:lvl5pPr marL="1828800" indent="0">
-              <a:buNone/>
-              <a:defRPr sz="2000"/>
-            </a:lvl5pPr>
-            <a:lvl6pPr marL="2286000" indent="0">
-              <a:buNone/>
-              <a:defRPr sz="2000"/>
-            </a:lvl6pPr>
-            <a:lvl7pPr marL="2743200" indent="0">
-              <a:buNone/>
-              <a:defRPr sz="2000"/>
-            </a:lvl7pPr>
-            <a:lvl8pPr marL="3200400" indent="0">
-              <a:buNone/>
-              <a:defRPr sz="2000"/>
-            </a:lvl8pPr>
-            <a:lvl9pPr marL="3657600" indent="0">
-              <a:buNone/>
-              <a:defRPr sz="2000"/>
-            </a:lvl9pPr>
-          </a:lstStyle>
-          <a:p>
-            <a:r>
-              <a:rPr lang="en-US"/>
-              <a:t>Click icon to add picture</a:t>
-            </a:r>
-            <a:endParaRPr lang="en-US" dirty="0"/>
-          </a:p>
-        </p:txBody>
-      </p:sp>
-      <p:sp>
-        <p:nvSpPr>
-          <p:cNvPr id="4" name="Text Placeholder 3"/>
-          <p:cNvSpPr>
-            <a:spLocks noGrp="1"/>
-          </p:cNvSpPr>
-          <p:nvPr>
-            <p:ph type="body" sz="half" idx="2"/>
-          </p:nvPr>
-        </p:nvSpPr>
-        <p:spPr>
-          <a:xfrm>
-            <a:off x="1143000" y="2834640"/>
-            <a:ext cx="3931920" cy="2880360"/>
-          </a:xfrm>
-        </p:spPr>
-        <p:txBody>
-          <a:bodyPr>
-            <a:normAutofit/>
-          </a:bodyPr>
-          <a:lstStyle>
-            <a:lvl1pPr marL="0" indent="0">
-              <a:lnSpc>
-                <a:spcPct val="100000"/>
-              </a:lnSpc>
-              <a:spcBef>
-                <a:spcPts val="1000"/>
-              </a:spcBef>
-              <a:buNone/>
-              <a:defRPr sz="1700"/>
-            </a:lvl1pPr>
-            <a:lvl2pPr marL="457200" indent="0">
-              <a:buNone/>
-              <a:defRPr sz="1200"/>
-            </a:lvl2pPr>
-            <a:lvl3pPr marL="914400" indent="0">
-              <a:buNone/>
-              <a:defRPr sz="1000"/>
-            </a:lvl3pPr>
-            <a:lvl4pPr marL="1371600" indent="0">
-              <a:buNone/>
-              <a:defRPr sz="900"/>
-            </a:lvl4pPr>
-            <a:lvl5pPr marL="1828800" indent="0">
-              <a:buNone/>
-              <a:defRPr sz="900"/>
-            </a:lvl5pPr>
-            <a:lvl6pPr marL="2286000" indent="0">
-              <a:buNone/>
-              <a:defRPr sz="900"/>
-            </a:lvl6pPr>
-            <a:lvl7pPr marL="2743200" indent="0">
-              <a:buNone/>
-              <a:defRPr sz="900"/>
-            </a:lvl7pPr>
-            <a:lvl8pPr marL="3200400" indent="0">
-              <a:buNone/>
-              <a:defRPr sz="900"/>
-            </a:lvl8pPr>
-            <a:lvl9pPr marL="3657600" indent="0">
-              <a:buNone/>
-              <a:defRPr sz="900"/>
-            </a:lvl9pPr>
-          </a:lstStyle>
-          <a:p>
-            <a:pPr lvl="0"/>
-            <a:r>
-              <a:rPr lang="en-US"/>
-              <a:t>Click to edit Master text styles</a:t>
-            </a:r>
-          </a:p>
-        </p:txBody>
-      </p:sp>
-      <p:sp>
-        <p:nvSpPr>
-          <p:cNvPr id="5" name="Date Placeholder 4"/>
-          <p:cNvSpPr>
-            <a:spLocks noGrp="1"/>
-          </p:cNvSpPr>
-          <p:nvPr>
-            <p:ph type="dt" sz="half" idx="10"/>
-          </p:nvPr>
-        </p:nvSpPr>
-        <p:spPr>
-          <a:xfrm>
-            <a:off x="8719926" y="6223828"/>
-            <a:ext cx="2329074" cy="365125"/>
-          </a:xfrm>
-          <a:prstGeom prst="rect">
-            <a:avLst/>
-          </a:prstGeom>
-        </p:spPr>
-        <p:txBody>
-          <a:bodyPr/>
-          <a:lstStyle/>
-          <a:p>
-            <a:endParaRPr lang="en-US"/>
-          </a:p>
-        </p:txBody>
-      </p:sp>
-      <p:sp>
-        <p:nvSpPr>
-          <p:cNvPr id="6" name="Footer Placeholder 5"/>
-          <p:cNvSpPr>
-            <a:spLocks noGrp="1"/>
-          </p:cNvSpPr>
-          <p:nvPr>
-            <p:ph type="ftr" sz="quarter" idx="11"/>
-          </p:nvPr>
-        </p:nvSpPr>
-        <p:spPr/>
-        <p:txBody>
-          <a:bodyPr/>
-          <a:lstStyle/>
-          <a:p>
-            <a:endParaRPr lang="en-US"/>
-          </a:p>
-        </p:txBody>
-      </p:sp>
-      <p:sp>
-        <p:nvSpPr>
-          <p:cNvPr id="7" name="Slide Number Placeholder 6"/>
-          <p:cNvSpPr>
-            <a:spLocks noGrp="1"/>
-          </p:cNvSpPr>
-          <p:nvPr>
-            <p:ph type="sldNum" sz="quarter" idx="12"/>
-          </p:nvPr>
-        </p:nvSpPr>
-        <p:spPr/>
-        <p:txBody>
-          <a:bodyPr/>
-          <a:lstStyle/>
-          <a:p>
-            <a:fld id="{92944875-DFC9-4662-AF8D-2D0B8720E9F1}" type="slidenum">
-              <a:rPr lang="en-US" smtClean="0"/>
-              <a:t>‹#›</a:t>
-            </a:fld>
-            <a:endParaRPr lang="en-US"/>
-          </a:p>
-        </p:txBody>
-      </p:sp>
-    </p:spTree>
-    <p:extLst>
-      <p:ext uri="{BB962C8B-B14F-4D97-AF65-F5344CB8AC3E}">
-        <p14:creationId xmlns:p14="http://schemas.microsoft.com/office/powerpoint/2010/main" val="787854374"/>
-      </p:ext>
-    </p:extLst>
-  </p:cSld>
-  <p:clrMapOvr>
-    <a:masterClrMapping/>
-  </p:clrMapOvr>
-</p:sldLayout>
-</file>
-
-<file path=ppt/slideLayouts/slideLayout22.xml><?xml version="1.0" encoding="utf-8"?>
-<p:sldLayout xmlns:a="http://schemas.openxmlformats.org/drawingml/2006/main" xmlns:r="http://schemas.openxmlformats.org/officeDocument/2006/relationships" xmlns:p="http://schemas.openxmlformats.org/presentationml/2006/main" type="vertTx" preserve="1">
-  <p:cSld name="Title and Vertical Text">
-    <p:spTree>
-      <p:nvGrpSpPr>
-        <p:cNvPr id="1" name=""/>
-        <p:cNvGrpSpPr/>
-        <p:nvPr/>
-      </p:nvGrpSpPr>
-      <p:grpSpPr>
-        <a:xfrm>
-          <a:off x="0" y="0"/>
-          <a:ext cx="0" cy="0"/>
-          <a:chOff x="0" y="0"/>
-          <a:chExt cx="0" cy="0"/>
-        </a:xfrm>
-      </p:grpSpPr>
-      <p:sp>
-        <p:nvSpPr>
-          <p:cNvPr id="2" name="Title 1"/>
-          <p:cNvSpPr>
-            <a:spLocks noGrp="1"/>
-          </p:cNvSpPr>
-          <p:nvPr>
-            <p:ph type="title"/>
-          </p:nvPr>
-        </p:nvSpPr>
-        <p:spPr/>
-        <p:txBody>
-          <a:bodyPr/>
-          <a:lstStyle/>
-          <a:p>
-            <a:r>
-              <a:rPr lang="en-US"/>
-              <a:t>Click to edit Master title style</a:t>
-            </a:r>
-            <a:endParaRPr lang="en-US" dirty="0"/>
-          </a:p>
-        </p:txBody>
-      </p:sp>
-      <p:sp>
-        <p:nvSpPr>
-          <p:cNvPr id="3" name="Vertical Text Placeholder 2"/>
-          <p:cNvSpPr>
-            <a:spLocks noGrp="1"/>
-          </p:cNvSpPr>
-          <p:nvPr>
-            <p:ph type="body" orient="vert" idx="1"/>
-          </p:nvPr>
-        </p:nvSpPr>
-        <p:spPr/>
-        <p:txBody>
-          <a:bodyPr vert="eaVert"/>
-          <a:lstStyle/>
-          <a:p>
-            <a:pPr lvl="0"/>
-            <a:r>
-              <a:rPr lang="en-US"/>
-              <a:t>Click to edit Master text styles</a:t>
-            </a:r>
-          </a:p>
-          <a:p>
-            <a:pPr lvl="1"/>
-            <a:r>
-              <a:rPr lang="en-US"/>
-              <a:t>Second level</a:t>
-            </a:r>
-          </a:p>
-          <a:p>
-            <a:pPr lvl="2"/>
-            <a:r>
-              <a:rPr lang="en-US"/>
-              <a:t>Third level</a:t>
-            </a:r>
-          </a:p>
-          <a:p>
-            <a:pPr lvl="3"/>
-            <a:r>
-              <a:rPr lang="en-US"/>
-              <a:t>Fourth level</a:t>
-            </a:r>
-          </a:p>
-          <a:p>
-            <a:pPr lvl="4"/>
-            <a:r>
-              <a:rPr lang="en-US"/>
-              <a:t>Fifth level</a:t>
-            </a:r>
-            <a:endParaRPr lang="en-US" dirty="0"/>
-          </a:p>
-        </p:txBody>
-      </p:sp>
-      <p:sp>
-        <p:nvSpPr>
-          <p:cNvPr id="4" name="Date Placeholder 3"/>
-          <p:cNvSpPr>
-            <a:spLocks noGrp="1"/>
-          </p:cNvSpPr>
-          <p:nvPr>
-            <p:ph type="dt" sz="half" idx="10"/>
-          </p:nvPr>
-        </p:nvSpPr>
-        <p:spPr>
-          <a:xfrm>
-            <a:off x="8719926" y="6223828"/>
-            <a:ext cx="2329074" cy="365125"/>
-          </a:xfrm>
-          <a:prstGeom prst="rect">
-            <a:avLst/>
-          </a:prstGeom>
-        </p:spPr>
-        <p:txBody>
-          <a:bodyPr/>
-          <a:lstStyle/>
-          <a:p>
-            <a:endParaRPr lang="en-US"/>
-          </a:p>
-        </p:txBody>
-      </p:sp>
-      <p:sp>
-        <p:nvSpPr>
-          <p:cNvPr id="5" name="Footer Placeholder 4"/>
-          <p:cNvSpPr>
-            <a:spLocks noGrp="1"/>
-          </p:cNvSpPr>
-          <p:nvPr>
-            <p:ph type="ftr" sz="quarter" idx="11"/>
-          </p:nvPr>
-        </p:nvSpPr>
-        <p:spPr/>
-        <p:txBody>
-          <a:bodyPr/>
-          <a:lstStyle/>
-          <a:p>
-            <a:endParaRPr lang="en-US"/>
-          </a:p>
-        </p:txBody>
-      </p:sp>
-      <p:sp>
-        <p:nvSpPr>
-          <p:cNvPr id="6" name="Slide Number Placeholder 5"/>
-          <p:cNvSpPr>
-            <a:spLocks noGrp="1"/>
-          </p:cNvSpPr>
-          <p:nvPr>
-            <p:ph type="sldNum" sz="quarter" idx="12"/>
-          </p:nvPr>
-        </p:nvSpPr>
-        <p:spPr/>
-        <p:txBody>
-          <a:bodyPr/>
-          <a:lstStyle/>
-          <a:p>
-            <a:fld id="{92944875-DFC9-4662-AF8D-2D0B8720E9F1}" type="slidenum">
-              <a:rPr lang="en-US" smtClean="0"/>
-              <a:t>‹#›</a:t>
-            </a:fld>
-            <a:endParaRPr lang="en-US"/>
-          </a:p>
-        </p:txBody>
-      </p:sp>
-    </p:spTree>
-    <p:extLst>
-      <p:ext uri="{BB962C8B-B14F-4D97-AF65-F5344CB8AC3E}">
-        <p14:creationId xmlns:p14="http://schemas.microsoft.com/office/powerpoint/2010/main" val="3975550996"/>
-      </p:ext>
-    </p:extLst>
-  </p:cSld>
-  <p:clrMapOvr>
-    <a:masterClrMapping/>
-  </p:clrMapOvr>
-</p:sldLayout>
-</file>
-
-<file path=ppt/slideLayouts/slideLayout23.xml><?xml version="1.0" encoding="utf-8"?>
-<p:sldLayout xmlns:a="http://schemas.openxmlformats.org/drawingml/2006/main" xmlns:r="http://schemas.openxmlformats.org/officeDocument/2006/relationships" xmlns:p="http://schemas.openxmlformats.org/presentationml/2006/main" type="vertTitleAndTx" preserve="1">
-  <p:cSld name="Vertical Title and Text">
-    <p:spTree>
-      <p:nvGrpSpPr>
-        <p:cNvPr id="1" name=""/>
-        <p:cNvGrpSpPr/>
-        <p:nvPr/>
-      </p:nvGrpSpPr>
-      <p:grpSpPr>
-        <a:xfrm>
-          <a:off x="0" y="0"/>
-          <a:ext cx="0" cy="0"/>
-          <a:chOff x="0" y="0"/>
-          <a:chExt cx="0" cy="0"/>
-        </a:xfrm>
-      </p:grpSpPr>
-      <p:sp>
-        <p:nvSpPr>
-          <p:cNvPr id="2" name="Vertical Title 1"/>
-          <p:cNvSpPr>
-            <a:spLocks noGrp="1"/>
-          </p:cNvSpPr>
-          <p:nvPr>
-            <p:ph type="title" orient="vert"/>
-          </p:nvPr>
-        </p:nvSpPr>
-        <p:spPr>
-          <a:xfrm>
-            <a:off x="8724900" y="762000"/>
-            <a:ext cx="2324100" cy="5410200"/>
-          </a:xfrm>
-        </p:spPr>
-        <p:txBody>
-          <a:bodyPr vert="eaVert"/>
-          <a:lstStyle/>
-          <a:p>
-            <a:r>
-              <a:rPr lang="en-US"/>
-              <a:t>Click to edit Master title style</a:t>
-            </a:r>
-            <a:endParaRPr lang="en-US" dirty="0"/>
-          </a:p>
-        </p:txBody>
-      </p:sp>
-      <p:sp>
-        <p:nvSpPr>
-          <p:cNvPr id="3" name="Vertical Text Placeholder 2"/>
-          <p:cNvSpPr>
-            <a:spLocks noGrp="1"/>
-          </p:cNvSpPr>
-          <p:nvPr>
-            <p:ph type="body" orient="vert" idx="1"/>
-          </p:nvPr>
-        </p:nvSpPr>
-        <p:spPr>
-          <a:xfrm>
-            <a:off x="1143000" y="762000"/>
-            <a:ext cx="7429500" cy="5410200"/>
-          </a:xfrm>
-        </p:spPr>
-        <p:txBody>
-          <a:bodyPr vert="eaVert"/>
-          <a:lstStyle/>
-          <a:p>
-            <a:pPr lvl="0"/>
-            <a:r>
-              <a:rPr lang="en-US"/>
-              <a:t>Click to edit Master text styles</a:t>
-            </a:r>
-          </a:p>
-          <a:p>
-            <a:pPr lvl="1"/>
-            <a:r>
-              <a:rPr lang="en-US"/>
-              <a:t>Second level</a:t>
-            </a:r>
-          </a:p>
-          <a:p>
-            <a:pPr lvl="2"/>
-            <a:r>
-              <a:rPr lang="en-US"/>
-              <a:t>Third level</a:t>
-            </a:r>
-          </a:p>
-          <a:p>
-            <a:pPr lvl="3"/>
-            <a:r>
-              <a:rPr lang="en-US"/>
-              <a:t>Fourth level</a:t>
-            </a:r>
-          </a:p>
-          <a:p>
-            <a:pPr lvl="4"/>
-            <a:r>
-              <a:rPr lang="en-US"/>
-              <a:t>Fifth level</a:t>
-            </a:r>
-            <a:endParaRPr lang="en-US" dirty="0"/>
-          </a:p>
-        </p:txBody>
-      </p:sp>
-      <p:sp>
-        <p:nvSpPr>
-          <p:cNvPr id="4" name="Date Placeholder 3"/>
-          <p:cNvSpPr>
-            <a:spLocks noGrp="1"/>
-          </p:cNvSpPr>
-          <p:nvPr>
-            <p:ph type="dt" sz="half" idx="10"/>
-          </p:nvPr>
-        </p:nvSpPr>
-        <p:spPr>
-          <a:xfrm>
-            <a:off x="8719926" y="6223828"/>
-            <a:ext cx="2329074" cy="365125"/>
-          </a:xfrm>
-          <a:prstGeom prst="rect">
-            <a:avLst/>
-          </a:prstGeom>
-        </p:spPr>
-        <p:txBody>
-          <a:bodyPr/>
-          <a:lstStyle/>
-          <a:p>
-            <a:endParaRPr lang="en-US"/>
-          </a:p>
-        </p:txBody>
-      </p:sp>
-      <p:sp>
-        <p:nvSpPr>
-          <p:cNvPr id="5" name="Footer Placeholder 4"/>
-          <p:cNvSpPr>
-            <a:spLocks noGrp="1"/>
-          </p:cNvSpPr>
-          <p:nvPr>
-            <p:ph type="ftr" sz="quarter" idx="11"/>
-          </p:nvPr>
-        </p:nvSpPr>
-        <p:spPr/>
-        <p:txBody>
-          <a:bodyPr/>
-          <a:lstStyle/>
-          <a:p>
-            <a:endParaRPr lang="en-US"/>
-          </a:p>
-        </p:txBody>
-      </p:sp>
-      <p:sp>
-        <p:nvSpPr>
-          <p:cNvPr id="6" name="Slide Number Placeholder 5"/>
-          <p:cNvSpPr>
-            <a:spLocks noGrp="1"/>
-          </p:cNvSpPr>
-          <p:nvPr>
-            <p:ph type="sldNum" sz="quarter" idx="12"/>
-          </p:nvPr>
-        </p:nvSpPr>
-        <p:spPr/>
-        <p:txBody>
-          <a:bodyPr/>
-          <a:lstStyle/>
-          <a:p>
-            <a:fld id="{92944875-DFC9-4662-AF8D-2D0B8720E9F1}" type="slidenum">
-              <a:rPr lang="en-US" smtClean="0"/>
-              <a:t>‹#›</a:t>
-            </a:fld>
-            <a:endParaRPr lang="en-US"/>
-          </a:p>
-        </p:txBody>
-      </p:sp>
-    </p:spTree>
-    <p:extLst>
-      <p:ext uri="{BB962C8B-B14F-4D97-AF65-F5344CB8AC3E}">
-        <p14:creationId xmlns:p14="http://schemas.microsoft.com/office/powerpoint/2010/main" val="1854231974"/>
-      </p:ext>
-    </p:extLst>
-  </p:cSld>
-  <p:clrMapOvr>
-    <a:masterClrMapping/>
-  </p:clrMapOvr>
-</p:sldLayout>
-</file>
-
-<file path=ppt/slideLayouts/slideLayout3.xml><?xml version="1.0" encoding="utf-8"?>
+<file path=ppt/slideLayouts/slideLayout5.xml><?xml version="1.0" encoding="utf-8"?>
 <p:sldLayout xmlns:a="http://schemas.openxmlformats.org/drawingml/2006/main" xmlns:r="http://schemas.openxmlformats.org/officeDocument/2006/relationships" xmlns:p="http://schemas.openxmlformats.org/presentationml/2006/main" type="secHead" preserve="1">
   <p:cSld name="Section Header">
     <p:spTree>
@@ -4280,10 +5489,22 @@
   <p:clrMapOvr>
     <a:masterClrMapping/>
   </p:clrMapOvr>
+  <mc:AlternateContent xmlns:mc="http://schemas.openxmlformats.org/markup-compatibility/2006">
+    <mc:Choice xmlns:p159="http://schemas.microsoft.com/office/powerpoint/2015/09/main" Requires="p159">
+      <p:transition xmlns:p14="http://schemas.microsoft.com/office/powerpoint/2010/main" spd="slow" p14:dur="2000">
+        <p159:morph option="byWord"/>
+      </p:transition>
+    </mc:Choice>
+    <mc:Fallback>
+      <p:transition spd="slow">
+        <p:fade/>
+      </p:transition>
+    </mc:Fallback>
+  </mc:AlternateContent>
 </p:sldLayout>
 </file>
 
-<file path=ppt/slideLayouts/slideLayout4.xml><?xml version="1.0" encoding="utf-8"?>
+<file path=ppt/slideLayouts/slideLayout6.xml><?xml version="1.0" encoding="utf-8"?>
 <p:sldLayout xmlns:a="http://schemas.openxmlformats.org/drawingml/2006/main" xmlns:r="http://schemas.openxmlformats.org/officeDocument/2006/relationships" xmlns:p="http://schemas.openxmlformats.org/presentationml/2006/main" type="twoObj" preserve="1">
   <p:cSld name="Two Content">
     <p:spTree>
@@ -4572,10 +5793,22 @@
   <p:clrMapOvr>
     <a:masterClrMapping/>
   </p:clrMapOvr>
+  <mc:AlternateContent xmlns:mc="http://schemas.openxmlformats.org/markup-compatibility/2006">
+    <mc:Choice xmlns:p159="http://schemas.microsoft.com/office/powerpoint/2015/09/main" Requires="p159">
+      <p:transition xmlns:p14="http://schemas.microsoft.com/office/powerpoint/2010/main" spd="slow" p14:dur="2000">
+        <p159:morph option="byWord"/>
+      </p:transition>
+    </mc:Choice>
+    <mc:Fallback>
+      <p:transition spd="slow">
+        <p:fade/>
+      </p:transition>
+    </mc:Fallback>
+  </mc:AlternateContent>
 </p:sldLayout>
 </file>
 
-<file path=ppt/slideLayouts/slideLayout5.xml><?xml version="1.0" encoding="utf-8"?>
+<file path=ppt/slideLayouts/slideLayout7.xml><?xml version="1.0" encoding="utf-8"?>
 <p:sldLayout xmlns:a="http://schemas.openxmlformats.org/drawingml/2006/main" xmlns:r="http://schemas.openxmlformats.org/officeDocument/2006/relationships" xmlns:p="http://schemas.openxmlformats.org/presentationml/2006/main" type="twoTxTwoObj" preserve="1">
   <p:cSld name="Comparison">
     <p:spTree>
@@ -5000,10 +6233,22 @@
   <p:clrMapOvr>
     <a:masterClrMapping/>
   </p:clrMapOvr>
+  <mc:AlternateContent xmlns:mc="http://schemas.openxmlformats.org/markup-compatibility/2006">
+    <mc:Choice xmlns:p159="http://schemas.microsoft.com/office/powerpoint/2015/09/main" Requires="p159">
+      <p:transition xmlns:p14="http://schemas.microsoft.com/office/powerpoint/2010/main" spd="slow" p14:dur="2000">
+        <p159:morph option="byWord"/>
+      </p:transition>
+    </mc:Choice>
+    <mc:Fallback>
+      <p:transition spd="slow">
+        <p:fade/>
+      </p:transition>
+    </mc:Fallback>
+  </mc:AlternateContent>
 </p:sldLayout>
 </file>
 
-<file path=ppt/slideLayouts/slideLayout6.xml><?xml version="1.0" encoding="utf-8"?>
+<file path=ppt/slideLayouts/slideLayout8.xml><?xml version="1.0" encoding="utf-8"?>
 <p:sldLayout xmlns:a="http://schemas.openxmlformats.org/drawingml/2006/main" xmlns:r="http://schemas.openxmlformats.org/officeDocument/2006/relationships" xmlns:p="http://schemas.openxmlformats.org/presentationml/2006/main" type="titleOnly" preserve="1">
   <p:cSld name="Title Only">
     <p:spTree>
@@ -5122,10 +6367,22 @@
   <p:clrMapOvr>
     <a:masterClrMapping/>
   </p:clrMapOvr>
+  <mc:AlternateContent xmlns:mc="http://schemas.openxmlformats.org/markup-compatibility/2006">
+    <mc:Choice xmlns:p159="http://schemas.microsoft.com/office/powerpoint/2015/09/main" Requires="p159">
+      <p:transition xmlns:p14="http://schemas.microsoft.com/office/powerpoint/2010/main" spd="slow" p14:dur="2000">
+        <p159:morph option="byWord"/>
+      </p:transition>
+    </mc:Choice>
+    <mc:Fallback>
+      <p:transition spd="slow">
+        <p:fade/>
+      </p:transition>
+    </mc:Fallback>
+  </mc:AlternateContent>
 </p:sldLayout>
 </file>
 
-<file path=ppt/slideLayouts/slideLayout7.xml><?xml version="1.0" encoding="utf-8"?>
+<file path=ppt/slideLayouts/slideLayout9.xml><?xml version="1.0" encoding="utf-8"?>
 <p:sldLayout xmlns:a="http://schemas.openxmlformats.org/drawingml/2006/main" xmlns:r="http://schemas.openxmlformats.org/officeDocument/2006/relationships" xmlns:p="http://schemas.openxmlformats.org/presentationml/2006/main" type="blank" preserve="1">
   <p:cSld name="Blank">
     <p:spTree>
@@ -5221,199 +6478,18 @@
   <p:clrMapOvr>
     <a:masterClrMapping/>
   </p:clrMapOvr>
-</p:sldLayout>
-</file>
-
-<file path=ppt/slideLayouts/slideLayout8.xml><?xml version="1.0" encoding="utf-8"?>
-<p:sldLayout xmlns:a="http://schemas.openxmlformats.org/drawingml/2006/main" xmlns:r="http://schemas.openxmlformats.org/officeDocument/2006/relationships" xmlns:p="http://schemas.openxmlformats.org/presentationml/2006/main" preserve="1" userDrawn="1">
-  <p:cSld name="Jibres Blank">
-    <p:spTree>
-      <p:nvGrpSpPr>
-        <p:cNvPr id="1" name=""/>
-        <p:cNvGrpSpPr/>
-        <p:nvPr/>
-      </p:nvGrpSpPr>
-      <p:grpSpPr>
-        <a:xfrm>
-          <a:off x="0" y="0"/>
-          <a:ext cx="0" cy="0"/>
-          <a:chOff x="0" y="0"/>
-          <a:chExt cx="0" cy="0"/>
-        </a:xfrm>
-      </p:grpSpPr>
-      <p:sp>
-        <p:nvSpPr>
-          <p:cNvPr id="7" name="Rectangle 6"/>
-          <p:cNvSpPr>
-            <a:spLocks noChangeAspect="1"/>
-          </p:cNvSpPr>
-          <p:nvPr/>
-        </p:nvSpPr>
-        <p:spPr>
-          <a:xfrm>
-            <a:off x="231140" y="243840"/>
-            <a:ext cx="11724640" cy="6377939"/>
-          </a:xfrm>
-          <a:prstGeom prst="rect">
-            <a:avLst/>
-          </a:prstGeom>
-          <a:solidFill>
-            <a:srgbClr val="C80A5A"/>
-          </a:solidFill>
-          <a:ln w="12700">
-            <a:solidFill>
-              <a:srgbClr val="FFFFFF"/>
-            </a:solidFill>
-          </a:ln>
-        </p:spPr>
-        <p:style>
-          <a:lnRef idx="2">
-            <a:schemeClr val="accent1">
-              <a:shade val="50000"/>
-            </a:schemeClr>
-          </a:lnRef>
-          <a:fillRef idx="1">
-            <a:schemeClr val="accent1"/>
-          </a:fillRef>
-          <a:effectRef idx="0">
-            <a:schemeClr val="accent1"/>
-          </a:effectRef>
-          <a:fontRef idx="minor">
-            <a:schemeClr val="lt1"/>
-          </a:fontRef>
-        </p:style>
-      </p:sp>
-    </p:spTree>
-    <p:extLst>
-      <p:ext uri="{BB962C8B-B14F-4D97-AF65-F5344CB8AC3E}">
-        <p14:creationId xmlns:p14="http://schemas.microsoft.com/office/powerpoint/2010/main" val="4224437258"/>
-      </p:ext>
-    </p:extLst>
-  </p:cSld>
-  <p:clrMapOvr>
-    <a:masterClrMapping/>
-  </p:clrMapOvr>
-</p:sldLayout>
-</file>
-
-<file path=ppt/slideLayouts/slideLayout9.xml><?xml version="1.0" encoding="utf-8"?>
-<p:sldLayout xmlns:a="http://schemas.openxmlformats.org/drawingml/2006/main" xmlns:r="http://schemas.openxmlformats.org/officeDocument/2006/relationships" xmlns:p="http://schemas.openxmlformats.org/presentationml/2006/main" type="blank" preserve="1">
-  <p:cSld name="Jibres Logo">
-    <p:spTree>
-      <p:nvGrpSpPr>
-        <p:cNvPr id="1" name=""/>
-        <p:cNvGrpSpPr/>
-        <p:nvPr/>
-      </p:nvGrpSpPr>
-      <p:grpSpPr>
-        <a:xfrm>
-          <a:off x="0" y="0"/>
-          <a:ext cx="0" cy="0"/>
-          <a:chOff x="0" y="0"/>
-          <a:chExt cx="0" cy="0"/>
-        </a:xfrm>
-      </p:grpSpPr>
-      <p:pic>
-        <p:nvPicPr>
-          <p:cNvPr id="10" name="Graphic 9">
-            <a:extLst>
-              <a:ext uri="{FF2B5EF4-FFF2-40B4-BE49-F238E27FC236}">
-                <a16:creationId xmlns:a16="http://schemas.microsoft.com/office/drawing/2014/main" id="{1AE05F50-0A8F-4094-B41E-FC155B7B83BA}"/>
-              </a:ext>
-            </a:extLst>
-          </p:cNvPr>
-          <p:cNvPicPr>
-            <a:picLocks noChangeAspect="1"/>
-          </p:cNvPicPr>
-          <p:nvPr userDrawn="1"/>
-        </p:nvPicPr>
-        <p:blipFill>
-          <a:blip r:embed="rId2">
-            <a:extLst>
-              <a:ext uri="{28A0092B-C50C-407E-A947-70E740481C1C}">
-                <a14:useLocalDpi xmlns:a14="http://schemas.microsoft.com/office/drawing/2010/main" val="0"/>
-              </a:ext>
-              <a:ext uri="{96DAC541-7B7A-43D3-8B79-37D633B846F1}">
-                <asvg:svgBlip xmlns:asvg="http://schemas.microsoft.com/office/drawing/2016/SVG/main" r:embed="rId3"/>
-              </a:ext>
-            </a:extLst>
-          </a:blip>
-          <a:stretch>
-            <a:fillRect/>
-          </a:stretch>
-        </p:blipFill>
-        <p:spPr>
-          <a:xfrm>
-            <a:off x="2667000" y="0"/>
-            <a:ext cx="6858000" cy="6858000"/>
-          </a:xfrm>
-          <a:prstGeom prst="rect">
-            <a:avLst/>
-          </a:prstGeom>
-        </p:spPr>
-      </p:pic>
-      <p:sp>
-        <p:nvSpPr>
-          <p:cNvPr id="11" name="Rectangle 10">
-            <a:extLst>
-              <a:ext uri="{FF2B5EF4-FFF2-40B4-BE49-F238E27FC236}">
-                <a16:creationId xmlns:a16="http://schemas.microsoft.com/office/drawing/2014/main" id="{08BE35FC-3135-4450-935C-E5B3BB78E738}"/>
-              </a:ext>
-            </a:extLst>
-          </p:cNvPr>
-          <p:cNvSpPr/>
-          <p:nvPr userDrawn="1"/>
-        </p:nvSpPr>
-        <p:spPr>
-          <a:xfrm>
-            <a:off x="299103" y="5905144"/>
-            <a:ext cx="1666430" cy="632389"/>
-          </a:xfrm>
-          <a:prstGeom prst="rect">
-            <a:avLst/>
-          </a:prstGeom>
-          <a:solidFill>
-            <a:schemeClr val="bg1"/>
-          </a:solidFill>
-          <a:ln>
-            <a:noFill/>
-          </a:ln>
-        </p:spPr>
-        <p:style>
-          <a:lnRef idx="2">
-            <a:schemeClr val="accent1">
-              <a:shade val="50000"/>
-            </a:schemeClr>
-          </a:lnRef>
-          <a:fillRef idx="1">
-            <a:schemeClr val="accent1"/>
-          </a:fillRef>
-          <a:effectRef idx="0">
-            <a:schemeClr val="accent1"/>
-          </a:effectRef>
-          <a:fontRef idx="minor">
-            <a:schemeClr val="lt1"/>
-          </a:fontRef>
-        </p:style>
-        <p:txBody>
-          <a:bodyPr rtlCol="0" anchor="ctr"/>
-          <a:lstStyle/>
-          <a:p>
-            <a:pPr algn="ctr"/>
-            <a:endParaRPr lang="en-US"/>
-          </a:p>
-        </p:txBody>
-      </p:sp>
-    </p:spTree>
-    <p:extLst>
-      <p:ext uri="{BB962C8B-B14F-4D97-AF65-F5344CB8AC3E}">
-        <p14:creationId xmlns:p14="http://schemas.microsoft.com/office/powerpoint/2010/main" val="3324957785"/>
-      </p:ext>
-    </p:extLst>
-  </p:cSld>
-  <p:clrMapOvr>
-    <a:masterClrMapping/>
-  </p:clrMapOvr>
+  <mc:AlternateContent xmlns:mc="http://schemas.openxmlformats.org/markup-compatibility/2006">
+    <mc:Choice xmlns:p159="http://schemas.microsoft.com/office/powerpoint/2015/09/main" Requires="p159">
+      <p:transition xmlns:p14="http://schemas.microsoft.com/office/powerpoint/2010/main" spd="slow" p14:dur="2000">
+        <p159:morph option="byWord"/>
+      </p:transition>
+    </mc:Choice>
+    <mc:Fallback>
+      <p:transition spd="slow">
+        <p:fade/>
+      </p:transition>
+    </mc:Fallback>
+  </mc:AlternateContent>
 </p:sldLayout>
 </file>
 
@@ -5667,13 +6743,13 @@
           <p:nvPr userDrawn="1"/>
         </p:nvPicPr>
         <p:blipFill>
-          <a:blip r:embed="rId25">
+          <a:blip r:embed="rId27">
             <a:extLst>
               <a:ext uri="{28A0092B-C50C-407E-A947-70E740481C1C}">
                 <a14:useLocalDpi xmlns:a14="http://schemas.microsoft.com/office/drawing/2010/main" val="0"/>
               </a:ext>
               <a:ext uri="{96DAC541-7B7A-43D3-8B79-37D633B846F1}">
-                <asvg:svgBlip xmlns:asvg="http://schemas.microsoft.com/office/drawing/2016/SVG/main" r:embed="rId26"/>
+                <asvg:svgBlip xmlns:asvg="http://schemas.microsoft.com/office/drawing/2016/SVG/main" r:embed="rId28"/>
               </a:ext>
             </a:extLst>
           </a:blip>
@@ -5702,28 +6778,42 @@
   <p:sldLayoutIdLst>
     <p:sldLayoutId id="2147483715" r:id="rId1"/>
     <p:sldLayoutId id="2147483716" r:id="rId2"/>
-    <p:sldLayoutId id="2147483717" r:id="rId3"/>
-    <p:sldLayoutId id="2147483718" r:id="rId4"/>
-    <p:sldLayoutId id="2147483719" r:id="rId5"/>
-    <p:sldLayoutId id="2147483720" r:id="rId6"/>
-    <p:sldLayoutId id="2147483721" r:id="rId7"/>
-    <p:sldLayoutId id="2147483737" r:id="rId8"/>
-    <p:sldLayoutId id="2147483726" r:id="rId9"/>
-    <p:sldLayoutId id="2147483729" r:id="rId10"/>
-    <p:sldLayoutId id="2147483730" r:id="rId11"/>
-    <p:sldLayoutId id="2147483733" r:id="rId12"/>
-    <p:sldLayoutId id="2147483734" r:id="rId13"/>
-    <p:sldLayoutId id="2147483728" r:id="rId14"/>
-    <p:sldLayoutId id="2147483731" r:id="rId15"/>
-    <p:sldLayoutId id="2147483732" r:id="rId16"/>
-    <p:sldLayoutId id="2147483735" r:id="rId17"/>
-    <p:sldLayoutId id="2147483736" r:id="rId18"/>
-    <p:sldLayoutId id="2147483739" r:id="rId19"/>
-    <p:sldLayoutId id="2147483722" r:id="rId20"/>
-    <p:sldLayoutId id="2147483723" r:id="rId21"/>
-    <p:sldLayoutId id="2147483724" r:id="rId22"/>
-    <p:sldLayoutId id="2147483725" r:id="rId23"/>
+    <p:sldLayoutId id="2147483740" r:id="rId3"/>
+    <p:sldLayoutId id="2147483741" r:id="rId4"/>
+    <p:sldLayoutId id="2147483717" r:id="rId5"/>
+    <p:sldLayoutId id="2147483718" r:id="rId6"/>
+    <p:sldLayoutId id="2147483719" r:id="rId7"/>
+    <p:sldLayoutId id="2147483720" r:id="rId8"/>
+    <p:sldLayoutId id="2147483721" r:id="rId9"/>
+    <p:sldLayoutId id="2147483737" r:id="rId10"/>
+    <p:sldLayoutId id="2147483726" r:id="rId11"/>
+    <p:sldLayoutId id="2147483729" r:id="rId12"/>
+    <p:sldLayoutId id="2147483730" r:id="rId13"/>
+    <p:sldLayoutId id="2147483733" r:id="rId14"/>
+    <p:sldLayoutId id="2147483734" r:id="rId15"/>
+    <p:sldLayoutId id="2147483728" r:id="rId16"/>
+    <p:sldLayoutId id="2147483731" r:id="rId17"/>
+    <p:sldLayoutId id="2147483732" r:id="rId18"/>
+    <p:sldLayoutId id="2147483735" r:id="rId19"/>
+    <p:sldLayoutId id="2147483736" r:id="rId20"/>
+    <p:sldLayoutId id="2147483739" r:id="rId21"/>
+    <p:sldLayoutId id="2147483722" r:id="rId22"/>
+    <p:sldLayoutId id="2147483723" r:id="rId23"/>
+    <p:sldLayoutId id="2147483724" r:id="rId24"/>
+    <p:sldLayoutId id="2147483725" r:id="rId25"/>
   </p:sldLayoutIdLst>
+  <mc:AlternateContent xmlns:mc="http://schemas.openxmlformats.org/markup-compatibility/2006">
+    <mc:Choice xmlns:p159="http://schemas.microsoft.com/office/powerpoint/2015/09/main" Requires="p159">
+      <p:transition xmlns:p14="http://schemas.microsoft.com/office/powerpoint/2010/main" spd="slow" p14:dur="2000">
+        <p159:morph option="byWord"/>
+      </p:transition>
+    </mc:Choice>
+    <mc:Fallback>
+      <p:transition spd="slow">
+        <p:fade/>
+      </p:transition>
+    </mc:Fallback>
+  </mc:AlternateContent>
   <p:hf hdr="0" ftr="0" dt="0"/>
   <p:txStyles>
     <p:titleStyle>
@@ -5748,7 +6838,7 @@
     <p:bodyStyle>
       <a:lvl1pPr marL="228600" indent="-182880" algn="r" defTabSz="914400" rtl="1" eaLnBrk="1" latinLnBrk="0" hangingPunct="1">
         <a:lnSpc>
-          <a:spcPct val="90000"/>
+          <a:spcPct val="150000"/>
         </a:lnSpc>
         <a:spcBef>
           <a:spcPts val="1400"/>
@@ -5761,7 +6851,7 @@
         <a:buChar char="•"/>
         <a:defRPr sz="2200" kern="1200">
           <a:solidFill>
-            <a:schemeClr val="accent1"/>
+            <a:srgbClr val="333333"/>
           </a:solidFill>
           <a:latin typeface="+mn-lt"/>
           <a:ea typeface="+mn-ea"/>
@@ -5770,7 +6860,7 @@
       </a:lvl1pPr>
       <a:lvl2pPr marL="457200" indent="-182880" algn="r" defTabSz="914400" rtl="1" eaLnBrk="1" latinLnBrk="0" hangingPunct="1">
         <a:lnSpc>
-          <a:spcPct val="90000"/>
+          <a:spcPct val="150000"/>
         </a:lnSpc>
         <a:spcBef>
           <a:spcPts val="200"/>
@@ -5786,7 +6876,7 @@
         <a:buChar char="•"/>
         <a:defRPr sz="2000" kern="1200">
           <a:solidFill>
-            <a:schemeClr val="accent1"/>
+            <a:srgbClr val="333333"/>
           </a:solidFill>
           <a:latin typeface="+mn-lt"/>
           <a:ea typeface="+mn-ea"/>
@@ -5795,7 +6885,7 @@
       </a:lvl2pPr>
       <a:lvl3pPr marL="731520" indent="-182880" algn="r" defTabSz="914400" rtl="1" eaLnBrk="1" latinLnBrk="0" hangingPunct="1">
         <a:lnSpc>
-          <a:spcPct val="90000"/>
+          <a:spcPct val="150000"/>
         </a:lnSpc>
         <a:spcBef>
           <a:spcPts val="200"/>
@@ -5811,7 +6901,7 @@
         <a:buChar char="•"/>
         <a:defRPr sz="1800" kern="1200">
           <a:solidFill>
-            <a:schemeClr val="accent1"/>
+            <a:srgbClr val="333333"/>
           </a:solidFill>
           <a:latin typeface="+mn-lt"/>
           <a:ea typeface="+mn-ea"/>
@@ -5820,7 +6910,7 @@
       </a:lvl3pPr>
       <a:lvl4pPr marL="1005840" indent="-182880" algn="r" defTabSz="914400" rtl="1" eaLnBrk="1" latinLnBrk="0" hangingPunct="1">
         <a:lnSpc>
-          <a:spcPct val="90000"/>
+          <a:spcPct val="150000"/>
         </a:lnSpc>
         <a:spcBef>
           <a:spcPts val="200"/>
@@ -5836,7 +6926,7 @@
         <a:buChar char="•"/>
         <a:defRPr sz="1600" kern="1200">
           <a:solidFill>
-            <a:schemeClr val="accent1"/>
+            <a:srgbClr val="333333"/>
           </a:solidFill>
           <a:latin typeface="+mn-lt"/>
           <a:ea typeface="+mn-ea"/>
@@ -5845,7 +6935,7 @@
       </a:lvl4pPr>
       <a:lvl5pPr marL="1280160" indent="-182880" algn="r" defTabSz="914400" rtl="1" eaLnBrk="1" latinLnBrk="0" hangingPunct="1">
         <a:lnSpc>
-          <a:spcPct val="90000"/>
+          <a:spcPct val="150000"/>
         </a:lnSpc>
         <a:spcBef>
           <a:spcPts val="200"/>
@@ -5861,7 +6951,7 @@
         <a:buChar char="•"/>
         <a:defRPr sz="1600" kern="1200">
           <a:solidFill>
-            <a:schemeClr val="accent1"/>
+            <a:srgbClr val="333333"/>
           </a:solidFill>
           <a:latin typeface="+mn-lt"/>
           <a:ea typeface="+mn-ea"/>
@@ -6115,8 +7205,8 @@
         </p:nvSpPr>
         <p:spPr>
           <a:xfrm>
-            <a:off x="8988726" y="6195357"/>
-            <a:ext cx="2849592" cy="338554"/>
+            <a:off x="353682" y="5795079"/>
+            <a:ext cx="1513784" cy="307777"/>
           </a:xfrm>
           <a:prstGeom prst="rect">
             <a:avLst/>
@@ -6129,9 +7219,9 @@
           </a:bodyPr>
           <a:lstStyle/>
           <a:p>
-            <a:pPr algn="r" rtl="1"/>
-            <a:r>
-              <a:rPr lang="fa-IR" sz="1600" dirty="0">
+            <a:pPr rtl="1"/>
+            <a:r>
+              <a:rPr lang="fa-IR" sz="1300" dirty="0">
                 <a:solidFill>
                   <a:schemeClr val="bg1">
                     <a:lumMod val="95000"/>
@@ -6140,7 +7230,7 @@
               </a:rPr>
               <a:t>اردیبهشت ۱۴۰۰</a:t>
             </a:r>
-            <a:endParaRPr lang="en-US" sz="1600" dirty="0">
+            <a:endParaRPr lang="en-US" sz="1300" dirty="0">
               <a:solidFill>
                 <a:schemeClr val="bg1">
                   <a:lumMod val="95000"/>
@@ -6206,8 +7296,8 @@
         </p:nvSpPr>
         <p:spPr>
           <a:xfrm>
-            <a:off x="8988726" y="5794077"/>
-            <a:ext cx="2849592" cy="338554"/>
+            <a:off x="8988726" y="5725982"/>
+            <a:ext cx="2849592" cy="780214"/>
           </a:xfrm>
           <a:prstGeom prst="rect">
             <a:avLst/>
@@ -6220,7 +7310,11 @@
           </a:bodyPr>
           <a:lstStyle/>
           <a:p>
-            <a:pPr algn="r" rtl="1"/>
+            <a:pPr algn="r" rtl="1">
+              <a:lnSpc>
+                <a:spcPct val="150000"/>
+              </a:lnSpc>
+            </a:pPr>
             <a:r>
               <a:rPr lang="fa-IR" sz="1600" dirty="0">
                 <a:solidFill>
@@ -6229,15 +7323,26 @@
                   </a:schemeClr>
                 </a:solidFill>
               </a:rPr>
-              <a:t>جواد ادیب</a:t>
-            </a:r>
-            <a:endParaRPr lang="en-US" sz="1600" dirty="0">
-              <a:solidFill>
-                <a:schemeClr val="bg1">
-                  <a:lumMod val="95000"/>
-                </a:schemeClr>
-              </a:solidFill>
-            </a:endParaRPr>
+              <a:t>جواد ادیب؛ مدیرعامل</a:t>
+            </a:r>
+          </a:p>
+          <a:p>
+            <a:pPr algn="r" rtl="1">
+              <a:lnSpc>
+                <a:spcPct val="150000"/>
+              </a:lnSpc>
+            </a:pPr>
+            <a:r>
+              <a:rPr lang="en-US" sz="1600" spc="120" dirty="0">
+                <a:solidFill>
+                  <a:schemeClr val="bg1">
+                    <a:lumMod val="95000"/>
+                  </a:schemeClr>
+                </a:solidFill>
+                <a:latin typeface="+mj-lt"/>
+              </a:rPr>
+              <a:t>CEO@Jibres.com</a:t>
+            </a:r>
           </a:p>
         </p:txBody>
       </p:sp>
@@ -6251,13 +7356,13 @@
   <p:clrMapOvr>
     <a:masterClrMapping/>
   </p:clrMapOvr>
-  <mc:AlternateContent xmlns:mc="http://schemas.openxmlformats.org/markup-compatibility/2006" xmlns:p14="http://schemas.microsoft.com/office/powerpoint/2010/main">
-    <mc:Choice Requires="p14">
-      <p:transition spd="slow" p14:dur="900">
-        <p14:warp dir="in"/>
+  <mc:AlternateContent xmlns:mc="http://schemas.openxmlformats.org/markup-compatibility/2006">
+    <mc:Choice xmlns:p159="http://schemas.microsoft.com/office/powerpoint/2015/09/main" Requires="p159">
+      <p:transition xmlns:p14="http://schemas.microsoft.com/office/powerpoint/2010/main" spd="slow" p14:dur="2000">
+        <p159:morph option="byWord"/>
       </p:transition>
     </mc:Choice>
-    <mc:Fallback xmlns="">
+    <mc:Fallback>
       <p:transition spd="slow">
         <p:fade/>
       </p:transition>
@@ -6288,7 +7393,7 @@
           <p:cNvPr id="2" name="Title 1">
             <a:extLst>
               <a:ext uri="{FF2B5EF4-FFF2-40B4-BE49-F238E27FC236}">
-                <a16:creationId xmlns:a16="http://schemas.microsoft.com/office/drawing/2014/main" id="{9E452C3F-ED25-483A-94FA-D2CE60013342}"/>
+                <a16:creationId xmlns:a16="http://schemas.microsoft.com/office/drawing/2014/main" id="{84B747BF-7704-454D-89C6-8AD163CBED44}"/>
               </a:ext>
             </a:extLst>
           </p:cNvPr>
@@ -6306,7 +7411,7 @@
           <a:p>
             <a:r>
               <a:rPr lang="fa-IR" dirty="0"/>
-              <a:t>استراتژی بازاریابی</a:t>
+              <a:t>مزیت رقابتی</a:t>
             </a:r>
             <a:endParaRPr lang="en-US" dirty="0"/>
           </a:p>
@@ -6317,7 +7422,7 @@
           <p:cNvPr id="3" name="Content Placeholder 2">
             <a:extLst>
               <a:ext uri="{FF2B5EF4-FFF2-40B4-BE49-F238E27FC236}">
-                <a16:creationId xmlns:a16="http://schemas.microsoft.com/office/drawing/2014/main" id="{46F6534D-E736-4D33-B628-2F504052D36C}"/>
+                <a16:creationId xmlns:a16="http://schemas.microsoft.com/office/drawing/2014/main" id="{E54C571F-BC54-41C3-80D4-2B49DEB9574A}"/>
               </a:ext>
             </a:extLst>
           </p:cNvPr>
@@ -6333,20 +7438,48 @@
           <a:bodyPr/>
           <a:lstStyle/>
           <a:p>
-            <a:endParaRPr lang="en-US"/>
+            <a:r>
+              <a:rPr lang="fa-IR" dirty="0"/>
+              <a:t>مزیت رقابتی</a:t>
+            </a:r>
+          </a:p>
+          <a:p>
+            <a:r>
+              <a:rPr lang="fa-IR" dirty="0"/>
+              <a:t>بیزینس مدل یا روش کسب درآمد</a:t>
+            </a:r>
+          </a:p>
+          <a:p>
+            <a:r>
+              <a:rPr lang="fa-IR" dirty="0"/>
+              <a:t>مارکتینگ و روش فروش</a:t>
+            </a:r>
+            <a:endParaRPr lang="en-US" dirty="0"/>
           </a:p>
         </p:txBody>
       </p:sp>
     </p:spTree>
     <p:extLst>
       <p:ext uri="{BB962C8B-B14F-4D97-AF65-F5344CB8AC3E}">
-        <p14:creationId xmlns:p14="http://schemas.microsoft.com/office/powerpoint/2010/main" val="951979677"/>
+        <p14:creationId xmlns:p14="http://schemas.microsoft.com/office/powerpoint/2010/main" val="3074796233"/>
       </p:ext>
     </p:extLst>
   </p:cSld>
   <p:clrMapOvr>
     <a:masterClrMapping/>
   </p:clrMapOvr>
+  <mc:AlternateContent xmlns:mc="http://schemas.openxmlformats.org/markup-compatibility/2006">
+    <mc:Choice xmlns:p159="http://schemas.microsoft.com/office/powerpoint/2015/09/main" Requires="p159">
+      <p:transition xmlns:p14="http://schemas.microsoft.com/office/powerpoint/2010/main" spd="slow" p14:dur="2000">
+        <p159:morph option="byWord"/>
+      </p:transition>
+    </mc:Choice>
+    <mc:Fallback>
+      <p:transition spd="slow">
+        <p:fade/>
+      </p:transition>
+    </mc:Fallback>
+  </mc:AlternateContent>
 </p:sld>
 </file>
 
@@ -6372,7 +7505,7 @@
           <p:cNvPr id="2" name="Title 1">
             <a:extLst>
               <a:ext uri="{FF2B5EF4-FFF2-40B4-BE49-F238E27FC236}">
-                <a16:creationId xmlns:a16="http://schemas.microsoft.com/office/drawing/2014/main" id="{5D34B8C1-6180-431A-B964-C1F4DCF47BEB}"/>
+                <a16:creationId xmlns:a16="http://schemas.microsoft.com/office/drawing/2014/main" id="{9E452C3F-ED25-483A-94FA-D2CE60013342}"/>
               </a:ext>
             </a:extLst>
           </p:cNvPr>
@@ -6390,7 +7523,7 @@
           <a:p>
             <a:r>
               <a:rPr lang="fa-IR" dirty="0"/>
-              <a:t>تیم</a:t>
+              <a:t>استراتژی بازاریابی</a:t>
             </a:r>
             <a:endParaRPr lang="en-US" dirty="0"/>
           </a:p>
@@ -6401,7 +7534,7 @@
           <p:cNvPr id="3" name="Content Placeholder 2">
             <a:extLst>
               <a:ext uri="{FF2B5EF4-FFF2-40B4-BE49-F238E27FC236}">
-                <a16:creationId xmlns:a16="http://schemas.microsoft.com/office/drawing/2014/main" id="{092DD4A4-12C4-4972-9756-B15D521CB5E2}"/>
+                <a16:creationId xmlns:a16="http://schemas.microsoft.com/office/drawing/2014/main" id="{46F6534D-E736-4D33-B628-2F504052D36C}"/>
               </a:ext>
             </a:extLst>
           </p:cNvPr>
@@ -6424,13 +7557,25 @@
     </p:spTree>
     <p:extLst>
       <p:ext uri="{BB962C8B-B14F-4D97-AF65-F5344CB8AC3E}">
-        <p14:creationId xmlns:p14="http://schemas.microsoft.com/office/powerpoint/2010/main" val="3309526977"/>
+        <p14:creationId xmlns:p14="http://schemas.microsoft.com/office/powerpoint/2010/main" val="951979677"/>
       </p:ext>
     </p:extLst>
   </p:cSld>
   <p:clrMapOvr>
     <a:masterClrMapping/>
   </p:clrMapOvr>
+  <mc:AlternateContent xmlns:mc="http://schemas.openxmlformats.org/markup-compatibility/2006">
+    <mc:Choice xmlns:p159="http://schemas.microsoft.com/office/powerpoint/2015/09/main" Requires="p159">
+      <p:transition xmlns:p14="http://schemas.microsoft.com/office/powerpoint/2010/main" spd="slow" p14:dur="2000">
+        <p159:morph option="byWord"/>
+      </p:transition>
+    </mc:Choice>
+    <mc:Fallback>
+      <p:transition spd="slow">
+        <p:fade/>
+      </p:transition>
+    </mc:Fallback>
+  </mc:AlternateContent>
 </p:sld>
 </file>
 
@@ -6456,7 +7601,7 @@
           <p:cNvPr id="2" name="Title 1">
             <a:extLst>
               <a:ext uri="{FF2B5EF4-FFF2-40B4-BE49-F238E27FC236}">
-                <a16:creationId xmlns:a16="http://schemas.microsoft.com/office/drawing/2014/main" id="{4AA22767-FAF5-42FE-B0B3-0078F8DFEA8D}"/>
+                <a16:creationId xmlns:a16="http://schemas.microsoft.com/office/drawing/2014/main" id="{5D34B8C1-6180-431A-B964-C1F4DCF47BEB}"/>
               </a:ext>
             </a:extLst>
           </p:cNvPr>
@@ -6474,7 +7619,7 @@
           <a:p>
             <a:r>
               <a:rPr lang="fa-IR" dirty="0"/>
-              <a:t>چشم انداز</a:t>
+              <a:t>تیم</a:t>
             </a:r>
             <a:endParaRPr lang="en-US" dirty="0"/>
           </a:p>
@@ -6485,7 +7630,7 @@
           <p:cNvPr id="3" name="Content Placeholder 2">
             <a:extLst>
               <a:ext uri="{FF2B5EF4-FFF2-40B4-BE49-F238E27FC236}">
-                <a16:creationId xmlns:a16="http://schemas.microsoft.com/office/drawing/2014/main" id="{464B4C08-6DC1-4F90-8085-F78FF2E008CF}"/>
+                <a16:creationId xmlns:a16="http://schemas.microsoft.com/office/drawing/2014/main" id="{092DD4A4-12C4-4972-9756-B15D521CB5E2}"/>
               </a:ext>
             </a:extLst>
           </p:cNvPr>
@@ -6508,13 +7653,25 @@
     </p:spTree>
     <p:extLst>
       <p:ext uri="{BB962C8B-B14F-4D97-AF65-F5344CB8AC3E}">
-        <p14:creationId xmlns:p14="http://schemas.microsoft.com/office/powerpoint/2010/main" val="3819861127"/>
+        <p14:creationId xmlns:p14="http://schemas.microsoft.com/office/powerpoint/2010/main" val="3309526977"/>
       </p:ext>
     </p:extLst>
   </p:cSld>
   <p:clrMapOvr>
     <a:masterClrMapping/>
   </p:clrMapOvr>
+  <mc:AlternateContent xmlns:mc="http://schemas.openxmlformats.org/markup-compatibility/2006">
+    <mc:Choice xmlns:p159="http://schemas.microsoft.com/office/powerpoint/2015/09/main" Requires="p159">
+      <p:transition xmlns:p14="http://schemas.microsoft.com/office/powerpoint/2010/main" spd="slow" p14:dur="2000">
+        <p159:morph option="byWord"/>
+      </p:transition>
+    </mc:Choice>
+    <mc:Fallback>
+      <p:transition spd="slow">
+        <p:fade/>
+      </p:transition>
+    </mc:Fallback>
+  </mc:AlternateContent>
 </p:sld>
 </file>
 
@@ -6540,7 +7697,7 @@
           <p:cNvPr id="2" name="Title 1">
             <a:extLst>
               <a:ext uri="{FF2B5EF4-FFF2-40B4-BE49-F238E27FC236}">
-                <a16:creationId xmlns:a16="http://schemas.microsoft.com/office/drawing/2014/main" id="{AB6F361B-7244-4C25-AFDB-1BFA5464214E}"/>
+                <a16:creationId xmlns:a16="http://schemas.microsoft.com/office/drawing/2014/main" id="{4AA22767-FAF5-42FE-B0B3-0078F8DFEA8D}"/>
               </a:ext>
             </a:extLst>
           </p:cNvPr>
@@ -6558,7 +7715,7 @@
           <a:p>
             <a:r>
               <a:rPr lang="fa-IR" dirty="0"/>
-              <a:t>پیش بینی مالی</a:t>
+              <a:t>چشم انداز</a:t>
             </a:r>
             <a:endParaRPr lang="en-US" dirty="0"/>
           </a:p>
@@ -6569,7 +7726,7 @@
           <p:cNvPr id="3" name="Content Placeholder 2">
             <a:extLst>
               <a:ext uri="{FF2B5EF4-FFF2-40B4-BE49-F238E27FC236}">
-                <a16:creationId xmlns:a16="http://schemas.microsoft.com/office/drawing/2014/main" id="{59D86E9E-6883-496F-925A-355E3D0A4AB2}"/>
+                <a16:creationId xmlns:a16="http://schemas.microsoft.com/office/drawing/2014/main" id="{464B4C08-6DC1-4F90-8085-F78FF2E008CF}"/>
               </a:ext>
             </a:extLst>
           </p:cNvPr>
@@ -6580,25 +7737,82 @@
             <p:ph idx="1"/>
           </p:nvPr>
         </p:nvSpPr>
-        <p:spPr/>
+        <p:spPr>
+          <a:xfrm>
+            <a:off x="1143000" y="2704289"/>
+            <a:ext cx="9872871" cy="3192128"/>
+          </a:xfrm>
+        </p:spPr>
         <p:txBody>
           <a:bodyPr/>
           <a:lstStyle/>
           <a:p>
-            <a:endParaRPr lang="en-US" dirty="0"/>
+            <a:pPr marL="45720" indent="0" algn="ctr">
+              <a:buNone/>
+            </a:pPr>
+            <a:r>
+              <a:rPr lang="fa-IR" sz="4400" dirty="0">
+                <a:effectLst/>
+                <a:ea typeface="IRANYekan" panose="020B0506030804020204" pitchFamily="34" charset="-78"/>
+                <a:cs typeface="IRANYekan" panose="020B0506030804020204" pitchFamily="34" charset="-78"/>
+              </a:rPr>
+              <a:t>پلتفرم شماره یک مالی جهان</a:t>
+            </a:r>
+          </a:p>
+          <a:p>
+            <a:pPr marL="45720" indent="0" algn="ctr">
+              <a:buNone/>
+            </a:pPr>
+            <a:r>
+              <a:rPr lang="fa-IR" sz="2000" dirty="0">
+                <a:effectLst/>
+                <a:ea typeface="IRANYekan" panose="020B0506030804020204" pitchFamily="34" charset="-78"/>
+                <a:cs typeface="IRANYekan" panose="020B0506030804020204" pitchFamily="34" charset="-78"/>
+              </a:rPr>
+              <a:t>و رسیدن به جایگاه بزرگترین </a:t>
+            </a:r>
+            <a:r>
+              <a:rPr lang="fa-IR" sz="2000" dirty="0">
+                <a:effectLst/>
+                <a:ea typeface="IRANYekan" panose="020B0506030804020204" pitchFamily="34" charset="-78"/>
+                <a:cs typeface="+mj-cs"/>
+              </a:rPr>
+              <a:t>پلتفرم تجارت الکترونیکی</a:t>
+            </a:r>
+            <a:r>
+              <a:rPr lang="fa-IR" sz="2000" dirty="0">
+                <a:effectLst/>
+                <a:ea typeface="IRANYekan" panose="020B0506030804020204" pitchFamily="34" charset="-78"/>
+                <a:cs typeface="IRANYekan" panose="020B0506030804020204" pitchFamily="34" charset="-78"/>
+              </a:rPr>
+              <a:t> در دنیا</a:t>
+            </a:r>
+            <a:endParaRPr lang="en-US" sz="2400" dirty="0"/>
           </a:p>
         </p:txBody>
       </p:sp>
     </p:spTree>
     <p:extLst>
       <p:ext uri="{BB962C8B-B14F-4D97-AF65-F5344CB8AC3E}">
-        <p14:creationId xmlns:p14="http://schemas.microsoft.com/office/powerpoint/2010/main" val="1751857419"/>
+        <p14:creationId xmlns:p14="http://schemas.microsoft.com/office/powerpoint/2010/main" val="3819861127"/>
       </p:ext>
     </p:extLst>
   </p:cSld>
   <p:clrMapOvr>
     <a:masterClrMapping/>
   </p:clrMapOvr>
+  <mc:AlternateContent xmlns:mc="http://schemas.openxmlformats.org/markup-compatibility/2006">
+    <mc:Choice xmlns:p159="http://schemas.microsoft.com/office/powerpoint/2015/09/main" Requires="p159">
+      <p:transition xmlns:p14="http://schemas.microsoft.com/office/powerpoint/2010/main" spd="slow" p14:dur="2000">
+        <p159:morph option="byWord"/>
+      </p:transition>
+    </mc:Choice>
+    <mc:Fallback>
+      <p:transition spd="slow">
+        <p:fade/>
+      </p:transition>
+    </mc:Fallback>
+  </mc:AlternateContent>
 </p:sld>
 </file>
 
@@ -6624,7 +7838,7 @@
           <p:cNvPr id="2" name="Title 1">
             <a:extLst>
               <a:ext uri="{FF2B5EF4-FFF2-40B4-BE49-F238E27FC236}">
-                <a16:creationId xmlns:a16="http://schemas.microsoft.com/office/drawing/2014/main" id="{30E6AE9E-A8AD-4894-BC43-63F3564DE479}"/>
+                <a16:creationId xmlns:a16="http://schemas.microsoft.com/office/drawing/2014/main" id="{AB6F361B-7244-4C25-AFDB-1BFA5464214E}"/>
               </a:ext>
             </a:extLst>
           </p:cNvPr>
@@ -6642,7 +7856,7 @@
           <a:p>
             <a:r>
               <a:rPr lang="fa-IR" dirty="0"/>
-              <a:t>سرمایه موردنیاز</a:t>
+              <a:t>پیش بینی مالی</a:t>
             </a:r>
             <a:endParaRPr lang="en-US" dirty="0"/>
           </a:p>
@@ -6653,7 +7867,7 @@
           <p:cNvPr id="3" name="Content Placeholder 2">
             <a:extLst>
               <a:ext uri="{FF2B5EF4-FFF2-40B4-BE49-F238E27FC236}">
-                <a16:creationId xmlns:a16="http://schemas.microsoft.com/office/drawing/2014/main" id="{15F7D831-E496-4504-9E71-87A60A269D10}"/>
+                <a16:creationId xmlns:a16="http://schemas.microsoft.com/office/drawing/2014/main" id="{59D86E9E-6883-496F-925A-355E3D0A4AB2}"/>
               </a:ext>
             </a:extLst>
           </p:cNvPr>
@@ -6669,20 +7883,32 @@
           <a:bodyPr/>
           <a:lstStyle/>
           <a:p>
-            <a:endParaRPr lang="en-US"/>
+            <a:endParaRPr lang="en-US" dirty="0"/>
           </a:p>
         </p:txBody>
       </p:sp>
     </p:spTree>
     <p:extLst>
       <p:ext uri="{BB962C8B-B14F-4D97-AF65-F5344CB8AC3E}">
-        <p14:creationId xmlns:p14="http://schemas.microsoft.com/office/powerpoint/2010/main" val="3911523551"/>
+        <p14:creationId xmlns:p14="http://schemas.microsoft.com/office/powerpoint/2010/main" val="1751857419"/>
       </p:ext>
     </p:extLst>
   </p:cSld>
   <p:clrMapOvr>
     <a:masterClrMapping/>
   </p:clrMapOvr>
+  <mc:AlternateContent xmlns:mc="http://schemas.openxmlformats.org/markup-compatibility/2006">
+    <mc:Choice xmlns:p159="http://schemas.microsoft.com/office/powerpoint/2015/09/main" Requires="p159">
+      <p:transition xmlns:p14="http://schemas.microsoft.com/office/powerpoint/2010/main" spd="slow" p14:dur="2000">
+        <p159:morph option="byWord"/>
+      </p:transition>
+    </mc:Choice>
+    <mc:Fallback>
+      <p:transition spd="slow">
+        <p:fade/>
+      </p:transition>
+    </mc:Fallback>
+  </mc:AlternateContent>
 </p:sld>
 </file>
 
@@ -6708,7 +7934,7 @@
           <p:cNvPr id="2" name="Title 1">
             <a:extLst>
               <a:ext uri="{FF2B5EF4-FFF2-40B4-BE49-F238E27FC236}">
-                <a16:creationId xmlns:a16="http://schemas.microsoft.com/office/drawing/2014/main" id="{4A502359-CFFA-40E0-900B-A1FB45DF9BC8}"/>
+                <a16:creationId xmlns:a16="http://schemas.microsoft.com/office/drawing/2014/main" id="{30E6AE9E-A8AD-4894-BC43-63F3564DE479}"/>
               </a:ext>
             </a:extLst>
           </p:cNvPr>
@@ -6726,7 +7952,7 @@
           <a:p>
             <a:r>
               <a:rPr lang="fa-IR" dirty="0"/>
-              <a:t>محل استفاده از سرمایه تامین شده</a:t>
+              <a:t>سرمایه موردنیاز</a:t>
             </a:r>
             <a:endParaRPr lang="en-US" dirty="0"/>
           </a:p>
@@ -6737,7 +7963,7 @@
           <p:cNvPr id="3" name="Content Placeholder 2">
             <a:extLst>
               <a:ext uri="{FF2B5EF4-FFF2-40B4-BE49-F238E27FC236}">
-                <a16:creationId xmlns:a16="http://schemas.microsoft.com/office/drawing/2014/main" id="{2754D455-BEBD-4CC9-A815-4C111FA323E9}"/>
+                <a16:creationId xmlns:a16="http://schemas.microsoft.com/office/drawing/2014/main" id="{15F7D831-E496-4504-9E71-87A60A269D10}"/>
               </a:ext>
             </a:extLst>
           </p:cNvPr>
@@ -6760,13 +7986,25 @@
     </p:spTree>
     <p:extLst>
       <p:ext uri="{BB962C8B-B14F-4D97-AF65-F5344CB8AC3E}">
-        <p14:creationId xmlns:p14="http://schemas.microsoft.com/office/powerpoint/2010/main" val="2230933723"/>
+        <p14:creationId xmlns:p14="http://schemas.microsoft.com/office/powerpoint/2010/main" val="3911523551"/>
       </p:ext>
     </p:extLst>
   </p:cSld>
   <p:clrMapOvr>
     <a:masterClrMapping/>
   </p:clrMapOvr>
+  <mc:AlternateContent xmlns:mc="http://schemas.openxmlformats.org/markup-compatibility/2006">
+    <mc:Choice xmlns:p159="http://schemas.microsoft.com/office/powerpoint/2015/09/main" Requires="p159">
+      <p:transition xmlns:p14="http://schemas.microsoft.com/office/powerpoint/2010/main" spd="slow" p14:dur="2000">
+        <p159:morph option="byWord"/>
+      </p:transition>
+    </mc:Choice>
+    <mc:Fallback>
+      <p:transition spd="slow">
+        <p:fade/>
+      </p:transition>
+    </mc:Fallback>
+  </mc:AlternateContent>
 </p:sld>
 </file>
 
@@ -6792,6 +8030,102 @@
           <p:cNvPr id="2" name="Title 1">
             <a:extLst>
               <a:ext uri="{FF2B5EF4-FFF2-40B4-BE49-F238E27FC236}">
+                <a16:creationId xmlns:a16="http://schemas.microsoft.com/office/drawing/2014/main" id="{4A502359-CFFA-40E0-900B-A1FB45DF9BC8}"/>
+              </a:ext>
+            </a:extLst>
+          </p:cNvPr>
+          <p:cNvSpPr>
+            <a:spLocks noGrp="1"/>
+          </p:cNvSpPr>
+          <p:nvPr>
+            <p:ph type="title"/>
+          </p:nvPr>
+        </p:nvSpPr>
+        <p:spPr/>
+        <p:txBody>
+          <a:bodyPr/>
+          <a:lstStyle/>
+          <a:p>
+            <a:r>
+              <a:rPr lang="fa-IR" dirty="0"/>
+              <a:t>محل استفاده از سرمایه تامین شده</a:t>
+            </a:r>
+            <a:endParaRPr lang="en-US" dirty="0"/>
+          </a:p>
+        </p:txBody>
+      </p:sp>
+      <p:sp>
+        <p:nvSpPr>
+          <p:cNvPr id="3" name="Content Placeholder 2">
+            <a:extLst>
+              <a:ext uri="{FF2B5EF4-FFF2-40B4-BE49-F238E27FC236}">
+                <a16:creationId xmlns:a16="http://schemas.microsoft.com/office/drawing/2014/main" id="{2754D455-BEBD-4CC9-A815-4C111FA323E9}"/>
+              </a:ext>
+            </a:extLst>
+          </p:cNvPr>
+          <p:cNvSpPr>
+            <a:spLocks noGrp="1"/>
+          </p:cNvSpPr>
+          <p:nvPr>
+            <p:ph idx="1"/>
+          </p:nvPr>
+        </p:nvSpPr>
+        <p:spPr/>
+        <p:txBody>
+          <a:bodyPr/>
+          <a:lstStyle/>
+          <a:p>
+            <a:endParaRPr lang="en-US"/>
+          </a:p>
+        </p:txBody>
+      </p:sp>
+    </p:spTree>
+    <p:extLst>
+      <p:ext uri="{BB962C8B-B14F-4D97-AF65-F5344CB8AC3E}">
+        <p14:creationId xmlns:p14="http://schemas.microsoft.com/office/powerpoint/2010/main" val="2230933723"/>
+      </p:ext>
+    </p:extLst>
+  </p:cSld>
+  <p:clrMapOvr>
+    <a:masterClrMapping/>
+  </p:clrMapOvr>
+  <mc:AlternateContent xmlns:mc="http://schemas.openxmlformats.org/markup-compatibility/2006">
+    <mc:Choice xmlns:p159="http://schemas.microsoft.com/office/powerpoint/2015/09/main" Requires="p159">
+      <p:transition xmlns:p14="http://schemas.microsoft.com/office/powerpoint/2010/main" spd="slow" p14:dur="2000">
+        <p159:morph option="byWord"/>
+      </p:transition>
+    </mc:Choice>
+    <mc:Fallback>
+      <p:transition spd="slow">
+        <p:fade/>
+      </p:transition>
+    </mc:Fallback>
+  </mc:AlternateContent>
+</p:sld>
+</file>
+
+<file path=ppt/slides/slide17.xml><?xml version="1.0" encoding="utf-8"?>
+<p:sld xmlns:a="http://schemas.openxmlformats.org/drawingml/2006/main" xmlns:r="http://schemas.openxmlformats.org/officeDocument/2006/relationships" xmlns:p="http://schemas.openxmlformats.org/presentationml/2006/main">
+  <p:cSld>
+    <p:spTree>
+      <p:nvGrpSpPr>
+        <p:cNvPr id="1" name=""/>
+        <p:cNvGrpSpPr/>
+        <p:nvPr/>
+      </p:nvGrpSpPr>
+      <p:grpSpPr>
+        <a:xfrm>
+          <a:off x="0" y="0"/>
+          <a:ext cx="0" cy="0"/>
+          <a:chOff x="0" y="0"/>
+          <a:chExt cx="0" cy="0"/>
+        </a:xfrm>
+      </p:grpSpPr>
+      <p:sp>
+        <p:nvSpPr>
+          <p:cNvPr id="2" name="Title 1">
+            <a:extLst>
+              <a:ext uri="{FF2B5EF4-FFF2-40B4-BE49-F238E27FC236}">
                 <a16:creationId xmlns:a16="http://schemas.microsoft.com/office/drawing/2014/main" id="{68CF4F0C-D55A-4293-A3D0-E7A9B00C04D1}"/>
               </a:ext>
             </a:extLst>
@@ -6866,10 +8200,1089 @@
   <p:clrMapOvr>
     <a:masterClrMapping/>
   </p:clrMapOvr>
+  <mc:AlternateContent xmlns:mc="http://schemas.openxmlformats.org/markup-compatibility/2006">
+    <mc:Choice xmlns:p159="http://schemas.microsoft.com/office/powerpoint/2015/09/main" Requires="p159">
+      <p:transition xmlns:p14="http://schemas.microsoft.com/office/powerpoint/2010/main" spd="slow" p14:dur="2000">
+        <p159:morph option="byWord"/>
+      </p:transition>
+    </mc:Choice>
+    <mc:Fallback>
+      <p:transition spd="slow">
+        <p:fade/>
+      </p:transition>
+    </mc:Fallback>
+  </mc:AlternateContent>
 </p:sld>
 </file>
 
-<file path=ppt/slides/slide17.xml><?xml version="1.0" encoding="utf-8"?>
+<file path=ppt/slides/slide18.xml><?xml version="1.0" encoding="utf-8"?>
+<p:sld xmlns:a="http://schemas.openxmlformats.org/drawingml/2006/main" xmlns:r="http://schemas.openxmlformats.org/officeDocument/2006/relationships" xmlns:p="http://schemas.openxmlformats.org/presentationml/2006/main">
+  <p:cSld>
+    <p:spTree>
+      <p:nvGrpSpPr>
+        <p:cNvPr id="1" name=""/>
+        <p:cNvGrpSpPr/>
+        <p:nvPr/>
+      </p:nvGrpSpPr>
+      <p:grpSpPr>
+        <a:xfrm>
+          <a:off x="0" y="0"/>
+          <a:ext cx="0" cy="0"/>
+          <a:chOff x="0" y="0"/>
+          <a:chExt cx="0" cy="0"/>
+        </a:xfrm>
+      </p:grpSpPr>
+      <p:sp>
+        <p:nvSpPr>
+          <p:cNvPr id="2" name="Title 1">
+            <a:extLst>
+              <a:ext uri="{FF2B5EF4-FFF2-40B4-BE49-F238E27FC236}">
+                <a16:creationId xmlns:a16="http://schemas.microsoft.com/office/drawing/2014/main" id="{4C272C8E-8FDB-42E3-BA0F-9024C8C771A9}"/>
+              </a:ext>
+            </a:extLst>
+          </p:cNvPr>
+          <p:cNvSpPr>
+            <a:spLocks noGrp="1"/>
+          </p:cNvSpPr>
+          <p:nvPr>
+            <p:ph type="title"/>
+          </p:nvPr>
+        </p:nvSpPr>
+        <p:spPr/>
+        <p:txBody>
+          <a:bodyPr/>
+          <a:lstStyle/>
+          <a:p>
+            <a:r>
+              <a:rPr lang="fa-IR" dirty="0"/>
+              <a:t>خلاصه</a:t>
+            </a:r>
+            <a:endParaRPr lang="en-US" dirty="0"/>
+          </a:p>
+        </p:txBody>
+      </p:sp>
+      <mc:AlternateContent xmlns:mc="http://schemas.openxmlformats.org/markup-compatibility/2006">
+        <mc:Choice xmlns:psuz="http://schemas.microsoft.com/office/powerpoint/2016/summaryzoom" Requires="psuz">
+          <p:graphicFrame>
+            <p:nvGraphicFramePr>
+              <p:cNvPr id="5" name="Summary Zoom 4">
+                <a:extLst>
+                  <a:ext uri="{FF2B5EF4-FFF2-40B4-BE49-F238E27FC236}">
+                    <a16:creationId xmlns:a16="http://schemas.microsoft.com/office/drawing/2014/main" id="{5189D324-4126-4181-87C3-1381BCCCF11D}"/>
+                  </a:ext>
+                </a:extLst>
+              </p:cNvPr>
+              <p:cNvGraphicFramePr>
+                <a:graphicFrameLocks noChangeAspect="1"/>
+              </p:cNvGraphicFramePr>
+              <p:nvPr>
+                <p:extLst>
+                  <p:ext uri="{D42A27DB-BD31-4B8C-83A1-F6EECF244321}">
+                    <p14:modId xmlns:p14="http://schemas.microsoft.com/office/powerpoint/2010/main" val="3719388808"/>
+                  </p:ext>
+                </p:extLst>
+              </p:nvPr>
+            </p:nvGraphicFramePr>
+            <p:xfrm>
+              <a:off x="1143000" y="2057400"/>
+              <a:ext cx="9872663" cy="3838575"/>
+            </p:xfrm>
+            <a:graphic>
+              <a:graphicData uri="http://schemas.microsoft.com/office/powerpoint/2016/summaryzoom">
+                <psuz:summaryZm>
+                  <psuz:summaryZmObj sectionId="{D290706E-D8E2-4E1D-968B-B6BCE5A573BD}">
+                    <psuz:zmPr id="{A569D692-EBD4-4A0C-84C1-8261D9E8D4DC}" transitionDur="1000">
+                      <p166:blipFill xmlns:p166="http://schemas.microsoft.com/office/powerpoint/2016/6/main">
+                        <a:blip r:embed="rId2"/>
+                        <a:stretch>
+                          <a:fillRect/>
+                        </a:stretch>
+                      </p166:blipFill>
+                      <p166:spPr xmlns:p166="http://schemas.microsoft.com/office/powerpoint/2016/6/main">
+                        <a:xfrm>
+                          <a:off x="982601" y="105561"/>
+                          <a:ext cx="1535429" cy="863679"/>
+                        </a:xfrm>
+                        <a:prstGeom prst="rect">
+                          <a:avLst/>
+                        </a:prstGeom>
+                        <a:ln w="3175">
+                          <a:solidFill>
+                            <a:prstClr val="ltGray"/>
+                          </a:solidFill>
+                        </a:ln>
+                      </p166:spPr>
+                    </psuz:zmPr>
+                  </psuz:summaryZmObj>
+                  <psuz:summaryZmObj sectionId="{5C54EF71-EDF3-476E-9D0E-B474C1BAFBDC}">
+                    <psuz:zmPr id="{6D19A96F-ABDC-4A60-BE1E-3BF3DDE5812F}" transitionDur="1000">
+                      <p166:blipFill xmlns:p166="http://schemas.microsoft.com/office/powerpoint/2016/6/main">
+                        <a:blip r:embed="rId3"/>
+                        <a:stretch>
+                          <a:fillRect/>
+                        </a:stretch>
+                      </p166:blipFill>
+                      <p166:spPr xmlns:p166="http://schemas.microsoft.com/office/powerpoint/2016/6/main">
+                        <a:xfrm>
+                          <a:off x="2575609" y="105561"/>
+                          <a:ext cx="1535429" cy="863679"/>
+                        </a:xfrm>
+                        <a:prstGeom prst="rect">
+                          <a:avLst/>
+                        </a:prstGeom>
+                        <a:ln w="3175">
+                          <a:solidFill>
+                            <a:prstClr val="ltGray"/>
+                          </a:solidFill>
+                        </a:ln>
+                      </p166:spPr>
+                    </psuz:zmPr>
+                  </psuz:summaryZmObj>
+                  <psuz:summaryZmObj sectionId="{8FC4EC59-1F84-4F78-B6F0-78F4CB8A3139}">
+                    <psuz:zmPr id="{067B7312-B253-4115-A9B4-AD88A57BC1F5}" transitionDur="1000">
+                      <p166:blipFill xmlns:p166="http://schemas.microsoft.com/office/powerpoint/2016/6/main">
+                        <a:blip r:embed="rId4"/>
+                        <a:stretch>
+                          <a:fillRect/>
+                        </a:stretch>
+                      </p166:blipFill>
+                      <p166:spPr xmlns:p166="http://schemas.microsoft.com/office/powerpoint/2016/6/main">
+                        <a:xfrm>
+                          <a:off x="4168617" y="105561"/>
+                          <a:ext cx="1535429" cy="863679"/>
+                        </a:xfrm>
+                        <a:prstGeom prst="rect">
+                          <a:avLst/>
+                        </a:prstGeom>
+                        <a:ln w="3175">
+                          <a:solidFill>
+                            <a:prstClr val="ltGray"/>
+                          </a:solidFill>
+                        </a:ln>
+                      </p166:spPr>
+                    </psuz:zmPr>
+                  </psuz:summaryZmObj>
+                  <psuz:summaryZmObj sectionId="{33AA2443-7388-4C85-A494-2C2129BCA270}">
+                    <psuz:zmPr id="{D0FB4BCD-9869-49D5-9808-E2C402F25478}" transitionDur="1000">
+                      <p166:blipFill xmlns:p166="http://schemas.microsoft.com/office/powerpoint/2016/6/main">
+                        <a:blip r:embed="rId5"/>
+                        <a:stretch>
+                          <a:fillRect/>
+                        </a:stretch>
+                      </p166:blipFill>
+                      <p166:spPr xmlns:p166="http://schemas.microsoft.com/office/powerpoint/2016/6/main">
+                        <a:xfrm>
+                          <a:off x="5761625" y="105561"/>
+                          <a:ext cx="1535429" cy="863679"/>
+                        </a:xfrm>
+                        <a:prstGeom prst="rect">
+                          <a:avLst/>
+                        </a:prstGeom>
+                        <a:ln w="3175">
+                          <a:solidFill>
+                            <a:prstClr val="ltGray"/>
+                          </a:solidFill>
+                        </a:ln>
+                      </p166:spPr>
+                    </psuz:zmPr>
+                  </psuz:summaryZmObj>
+                  <psuz:summaryZmObj sectionId="{40F2F240-9D91-412E-A23A-8E95F7901267}">
+                    <psuz:zmPr id="{E6EF96D8-0F1D-409D-ABF2-FBE23577B3A3}" transitionDur="1000">
+                      <p166:blipFill xmlns:p166="http://schemas.microsoft.com/office/powerpoint/2016/6/main">
+                        <a:blip r:embed="rId6"/>
+                        <a:stretch>
+                          <a:fillRect/>
+                        </a:stretch>
+                      </p166:blipFill>
+                      <p166:spPr xmlns:p166="http://schemas.microsoft.com/office/powerpoint/2016/6/main">
+                        <a:xfrm>
+                          <a:off x="7354633" y="105561"/>
+                          <a:ext cx="1535429" cy="863679"/>
+                        </a:xfrm>
+                        <a:prstGeom prst="rect">
+                          <a:avLst/>
+                        </a:prstGeom>
+                        <a:ln w="3175">
+                          <a:solidFill>
+                            <a:prstClr val="ltGray"/>
+                          </a:solidFill>
+                        </a:ln>
+                      </p166:spPr>
+                    </psuz:zmPr>
+                  </psuz:summaryZmObj>
+                  <psuz:summaryZmObj sectionId="{5DF3C2D2-C074-4565-B2A8-F9E4834D2E8B}">
+                    <psuz:zmPr id="{162BBB29-9EA9-4696-9113-083E82E55D87}" transitionDur="1000">
+                      <p166:blipFill xmlns:p166="http://schemas.microsoft.com/office/powerpoint/2016/6/main">
+                        <a:blip r:embed="rId7"/>
+                        <a:stretch>
+                          <a:fillRect/>
+                        </a:stretch>
+                      </p166:blipFill>
+                      <p166:spPr xmlns:p166="http://schemas.microsoft.com/office/powerpoint/2016/6/main">
+                        <a:xfrm>
+                          <a:off x="982601" y="1026819"/>
+                          <a:ext cx="1535429" cy="863679"/>
+                        </a:xfrm>
+                        <a:prstGeom prst="rect">
+                          <a:avLst/>
+                        </a:prstGeom>
+                        <a:ln w="3175">
+                          <a:solidFill>
+                            <a:prstClr val="ltGray"/>
+                          </a:solidFill>
+                        </a:ln>
+                      </p166:spPr>
+                    </psuz:zmPr>
+                  </psuz:summaryZmObj>
+                  <psuz:summaryZmObj sectionId="{D1157D31-CABC-4511-997C-CBA167CBDC80}">
+                    <psuz:zmPr id="{721AE835-4B9E-47A0-A3AE-B109C3E19140}" transitionDur="1000">
+                      <p166:blipFill xmlns:p166="http://schemas.microsoft.com/office/powerpoint/2016/6/main">
+                        <a:blip r:embed="rId8"/>
+                        <a:stretch>
+                          <a:fillRect/>
+                        </a:stretch>
+                      </p166:blipFill>
+                      <p166:spPr xmlns:p166="http://schemas.microsoft.com/office/powerpoint/2016/6/main">
+                        <a:xfrm>
+                          <a:off x="2575609" y="1026819"/>
+                          <a:ext cx="1535429" cy="863679"/>
+                        </a:xfrm>
+                        <a:prstGeom prst="rect">
+                          <a:avLst/>
+                        </a:prstGeom>
+                        <a:ln w="3175">
+                          <a:solidFill>
+                            <a:prstClr val="ltGray"/>
+                          </a:solidFill>
+                        </a:ln>
+                      </p166:spPr>
+                    </psuz:zmPr>
+                  </psuz:summaryZmObj>
+                  <psuz:summaryZmObj sectionId="{9841FE96-0834-4BD6-A9D4-0C3EE4E23D5B}">
+                    <psuz:zmPr id="{C22E16F5-1BD7-4DA0-824A-81DEC4F5E227}" transitionDur="1000">
+                      <p166:blipFill xmlns:p166="http://schemas.microsoft.com/office/powerpoint/2016/6/main">
+                        <a:blip r:embed="rId9"/>
+                        <a:stretch>
+                          <a:fillRect/>
+                        </a:stretch>
+                      </p166:blipFill>
+                      <p166:spPr xmlns:p166="http://schemas.microsoft.com/office/powerpoint/2016/6/main">
+                        <a:xfrm>
+                          <a:off x="4168617" y="1026819"/>
+                          <a:ext cx="1535429" cy="863679"/>
+                        </a:xfrm>
+                        <a:prstGeom prst="rect">
+                          <a:avLst/>
+                        </a:prstGeom>
+                        <a:ln w="3175">
+                          <a:solidFill>
+                            <a:prstClr val="ltGray"/>
+                          </a:solidFill>
+                        </a:ln>
+                      </p166:spPr>
+                    </psuz:zmPr>
+                  </psuz:summaryZmObj>
+                  <psuz:summaryZmObj sectionId="{25DF5541-CEF0-45A4-ADBF-419CCD04F1F4}">
+                    <psuz:zmPr id="{5B60C9DF-183D-444A-B5CB-D7EE330B3DB9}" transitionDur="1000">
+                      <p166:blipFill xmlns:p166="http://schemas.microsoft.com/office/powerpoint/2016/6/main">
+                        <a:blip r:embed="rId10"/>
+                        <a:stretch>
+                          <a:fillRect/>
+                        </a:stretch>
+                      </p166:blipFill>
+                      <p166:spPr xmlns:p166="http://schemas.microsoft.com/office/powerpoint/2016/6/main">
+                        <a:xfrm>
+                          <a:off x="5761625" y="1026819"/>
+                          <a:ext cx="1535429" cy="863679"/>
+                        </a:xfrm>
+                        <a:prstGeom prst="rect">
+                          <a:avLst/>
+                        </a:prstGeom>
+                        <a:ln w="3175">
+                          <a:solidFill>
+                            <a:prstClr val="ltGray"/>
+                          </a:solidFill>
+                        </a:ln>
+                      </p166:spPr>
+                    </psuz:zmPr>
+                  </psuz:summaryZmObj>
+                  <psuz:summaryZmObj sectionId="{EAA96F2F-94EB-4941-9A92-DC502CAA175C}">
+                    <psuz:zmPr id="{4F7914BA-17C8-4A97-A7E0-83AAAED6D683}" transitionDur="1000">
+                      <p166:blipFill xmlns:p166="http://schemas.microsoft.com/office/powerpoint/2016/6/main">
+                        <a:blip r:embed="rId11"/>
+                        <a:stretch>
+                          <a:fillRect/>
+                        </a:stretch>
+                      </p166:blipFill>
+                      <p166:spPr xmlns:p166="http://schemas.microsoft.com/office/powerpoint/2016/6/main">
+                        <a:xfrm>
+                          <a:off x="7354633" y="1026819"/>
+                          <a:ext cx="1535429" cy="863679"/>
+                        </a:xfrm>
+                        <a:prstGeom prst="rect">
+                          <a:avLst/>
+                        </a:prstGeom>
+                        <a:ln w="3175">
+                          <a:solidFill>
+                            <a:prstClr val="ltGray"/>
+                          </a:solidFill>
+                        </a:ln>
+                      </p166:spPr>
+                    </psuz:zmPr>
+                  </psuz:summaryZmObj>
+                  <psuz:summaryZmObj sectionId="{D4C05A04-0ADA-4C01-9773-B9E1B7226CDA}">
+                    <psuz:zmPr id="{A9629705-CD96-401F-BD2A-F3D6A0B526A1}" transitionDur="1000">
+                      <p166:blipFill xmlns:p166="http://schemas.microsoft.com/office/powerpoint/2016/6/main">
+                        <a:blip r:embed="rId12"/>
+                        <a:stretch>
+                          <a:fillRect/>
+                        </a:stretch>
+                      </p166:blipFill>
+                      <p166:spPr xmlns:p166="http://schemas.microsoft.com/office/powerpoint/2016/6/main">
+                        <a:xfrm>
+                          <a:off x="982601" y="1948077"/>
+                          <a:ext cx="1535429" cy="863679"/>
+                        </a:xfrm>
+                        <a:prstGeom prst="rect">
+                          <a:avLst/>
+                        </a:prstGeom>
+                        <a:ln w="3175">
+                          <a:solidFill>
+                            <a:prstClr val="ltGray"/>
+                          </a:solidFill>
+                        </a:ln>
+                      </p166:spPr>
+                    </psuz:zmPr>
+                  </psuz:summaryZmObj>
+                  <psuz:summaryZmObj sectionId="{92E69060-957B-47C2-A16B-37AA92C78854}">
+                    <psuz:zmPr id="{5C552B16-4972-44F1-BCA7-5D0ECB21D534}" transitionDur="1000">
+                      <p166:blipFill xmlns:p166="http://schemas.microsoft.com/office/powerpoint/2016/6/main">
+                        <a:blip r:embed="rId13"/>
+                        <a:stretch>
+                          <a:fillRect/>
+                        </a:stretch>
+                      </p166:blipFill>
+                      <p166:spPr xmlns:p166="http://schemas.microsoft.com/office/powerpoint/2016/6/main">
+                        <a:xfrm>
+                          <a:off x="2575609" y="1948077"/>
+                          <a:ext cx="1535429" cy="863679"/>
+                        </a:xfrm>
+                        <a:prstGeom prst="rect">
+                          <a:avLst/>
+                        </a:prstGeom>
+                        <a:ln w="3175">
+                          <a:solidFill>
+                            <a:prstClr val="ltGray"/>
+                          </a:solidFill>
+                        </a:ln>
+                      </p166:spPr>
+                    </psuz:zmPr>
+                  </psuz:summaryZmObj>
+                  <psuz:summaryZmObj sectionId="{222D225F-40B8-4430-8E08-05153F3F2DA9}">
+                    <psuz:zmPr id="{48D13BDB-B68A-4CB0-9156-33F2CDE1D1B3}" transitionDur="1000">
+                      <p166:blipFill xmlns:p166="http://schemas.microsoft.com/office/powerpoint/2016/6/main">
+                        <a:blip r:embed="rId14"/>
+                        <a:stretch>
+                          <a:fillRect/>
+                        </a:stretch>
+                      </p166:blipFill>
+                      <p166:spPr xmlns:p166="http://schemas.microsoft.com/office/powerpoint/2016/6/main">
+                        <a:xfrm>
+                          <a:off x="4168617" y="1948077"/>
+                          <a:ext cx="1535429" cy="863679"/>
+                        </a:xfrm>
+                        <a:prstGeom prst="rect">
+                          <a:avLst/>
+                        </a:prstGeom>
+                        <a:ln w="3175">
+                          <a:solidFill>
+                            <a:prstClr val="ltGray"/>
+                          </a:solidFill>
+                        </a:ln>
+                      </p166:spPr>
+                    </psuz:zmPr>
+                  </psuz:summaryZmObj>
+                  <psuz:summaryZmObj sectionId="{0015CE12-1864-48BA-847C-BE9F3263F1E2}">
+                    <psuz:zmPr id="{C7C31001-B364-4010-98D9-57F00EBBEE2B}" transitionDur="1000">
+                      <p166:blipFill xmlns:p166="http://schemas.microsoft.com/office/powerpoint/2016/6/main">
+                        <a:blip r:embed="rId15"/>
+                        <a:stretch>
+                          <a:fillRect/>
+                        </a:stretch>
+                      </p166:blipFill>
+                      <p166:spPr xmlns:p166="http://schemas.microsoft.com/office/powerpoint/2016/6/main">
+                        <a:xfrm>
+                          <a:off x="5761625" y="1948077"/>
+                          <a:ext cx="1535429" cy="863679"/>
+                        </a:xfrm>
+                        <a:prstGeom prst="rect">
+                          <a:avLst/>
+                        </a:prstGeom>
+                        <a:ln w="3175">
+                          <a:solidFill>
+                            <a:prstClr val="ltGray"/>
+                          </a:solidFill>
+                        </a:ln>
+                      </p166:spPr>
+                    </psuz:zmPr>
+                  </psuz:summaryZmObj>
+                  <psuz:summaryZmObj sectionId="{970402E4-893E-4090-A925-66F233360702}">
+                    <psuz:zmPr id="{39226ADD-3647-480C-BBD7-C596237E3CA5}" transitionDur="1000">
+                      <p166:blipFill xmlns:p166="http://schemas.microsoft.com/office/powerpoint/2016/6/main">
+                        <a:blip r:embed="rId16"/>
+                        <a:stretch>
+                          <a:fillRect/>
+                        </a:stretch>
+                      </p166:blipFill>
+                      <p166:spPr xmlns:p166="http://schemas.microsoft.com/office/powerpoint/2016/6/main">
+                        <a:xfrm>
+                          <a:off x="7354633" y="1948077"/>
+                          <a:ext cx="1535429" cy="863679"/>
+                        </a:xfrm>
+                        <a:prstGeom prst="rect">
+                          <a:avLst/>
+                        </a:prstGeom>
+                        <a:ln w="3175">
+                          <a:solidFill>
+                            <a:prstClr val="ltGray"/>
+                          </a:solidFill>
+                        </a:ln>
+                      </p166:spPr>
+                    </psuz:zmPr>
+                  </psuz:summaryZmObj>
+                  <psuz:summaryZmObj sectionId="{51284E2B-BF4B-4503-A37B-18509E1F92C9}">
+                    <psuz:zmPr id="{6044E972-EA99-4923-8040-47EF2BA7C946}" transitionDur="1000">
+                      <p166:blipFill xmlns:p166="http://schemas.microsoft.com/office/powerpoint/2016/6/main">
+                        <a:blip r:embed="rId17"/>
+                        <a:stretch>
+                          <a:fillRect/>
+                        </a:stretch>
+                      </p166:blipFill>
+                      <p166:spPr xmlns:p166="http://schemas.microsoft.com/office/powerpoint/2016/6/main">
+                        <a:xfrm>
+                          <a:off x="982601" y="2869335"/>
+                          <a:ext cx="1535429" cy="863679"/>
+                        </a:xfrm>
+                        <a:prstGeom prst="rect">
+                          <a:avLst/>
+                        </a:prstGeom>
+                        <a:ln w="3175">
+                          <a:solidFill>
+                            <a:prstClr val="ltGray"/>
+                          </a:solidFill>
+                        </a:ln>
+                      </p166:spPr>
+                    </psuz:zmPr>
+                  </psuz:summaryZmObj>
+                  <psuz:summaryZmObj sectionId="{00CC254F-6A85-49A5-A813-69506AD69DF8}">
+                    <psuz:zmPr id="{B876EE0C-210A-4D87-B8B8-452686F394D0}" transitionDur="1000">
+                      <p166:blipFill xmlns:p166="http://schemas.microsoft.com/office/powerpoint/2016/6/main">
+                        <a:blip r:embed="rId18"/>
+                        <a:stretch>
+                          <a:fillRect/>
+                        </a:stretch>
+                      </p166:blipFill>
+                      <p166:spPr xmlns:p166="http://schemas.microsoft.com/office/powerpoint/2016/6/main">
+                        <a:xfrm>
+                          <a:off x="2575609" y="2869335"/>
+                          <a:ext cx="1535429" cy="863679"/>
+                        </a:xfrm>
+                        <a:prstGeom prst="rect">
+                          <a:avLst/>
+                        </a:prstGeom>
+                        <a:ln w="3175">
+                          <a:solidFill>
+                            <a:prstClr val="ltGray"/>
+                          </a:solidFill>
+                        </a:ln>
+                      </p166:spPr>
+                    </psuz:zmPr>
+                  </psuz:summaryZmObj>
+                  <psuz:gridLayout/>
+                </psuz:summaryZm>
+              </a:graphicData>
+            </a:graphic>
+          </p:graphicFrame>
+        </mc:Choice>
+        <mc:Fallback>
+          <p:grpSp>
+            <p:nvGrpSpPr>
+              <p:cNvPr id="5" name="Summary Zoom 4">
+                <a:extLst>
+                  <a:ext uri="{FF2B5EF4-FFF2-40B4-BE49-F238E27FC236}">
+                    <a16:creationId xmlns:a16="http://schemas.microsoft.com/office/drawing/2014/main" id="{5189D324-4126-4181-87C3-1381BCCCF11D}"/>
+                  </a:ext>
+                </a:extLst>
+              </p:cNvPr>
+              <p:cNvGrpSpPr>
+                <a:grpSpLocks noGrp="1" noUngrp="1" noRot="1" noChangeAspect="1" noMove="1" noResize="1"/>
+              </p:cNvGrpSpPr>
+              <p:nvPr/>
+            </p:nvGrpSpPr>
+            <p:grpSpPr>
+              <a:xfrm>
+                <a:off x="1143000" y="2057400"/>
+                <a:ext cx="9872663" cy="3838575"/>
+                <a:chOff x="1143000" y="2057400"/>
+                <a:chExt cx="9872663" cy="3838575"/>
+              </a:xfrm>
+            </p:grpSpPr>
+            <p:pic>
+              <p:nvPicPr>
+                <p:cNvPr id="6" name="Picture 6">
+                  <a:hlinkClick r:id="rId19" action="ppaction://hlinksldjump"/>
+                </p:cNvPr>
+                <p:cNvPicPr>
+                  <a:picLocks noSelect="1" noRot="1" noChangeAspect="1" noMove="1" noResize="1" noEditPoints="1" noAdjustHandles="1" noChangeArrowheads="1" noChangeShapeType="1"/>
+                </p:cNvPicPr>
+                <p:nvPr/>
+              </p:nvPicPr>
+              <p:blipFill>
+                <a:blip r:embed="rId2"/>
+                <a:stretch>
+                  <a:fillRect/>
+                </a:stretch>
+              </p:blipFill>
+              <p:spPr>
+                <a:xfrm>
+                  <a:off x="2125601" y="2162961"/>
+                  <a:ext cx="1535429" cy="863679"/>
+                </a:xfrm>
+                <a:prstGeom prst="rect">
+                  <a:avLst/>
+                </a:prstGeom>
+                <a:ln w="3175">
+                  <a:solidFill>
+                    <a:prstClr val="ltGray"/>
+                  </a:solidFill>
+                </a:ln>
+              </p:spPr>
+            </p:pic>
+            <p:pic>
+              <p:nvPicPr>
+                <p:cNvPr id="7" name="Picture 7">
+                  <a:hlinkClick r:id="rId20" action="ppaction://hlinksldjump"/>
+                </p:cNvPr>
+                <p:cNvPicPr>
+                  <a:picLocks noSelect="1" noRot="1" noChangeAspect="1" noMove="1" noResize="1" noEditPoints="1" noAdjustHandles="1" noChangeArrowheads="1" noChangeShapeType="1"/>
+                </p:cNvPicPr>
+                <p:nvPr/>
+              </p:nvPicPr>
+              <p:blipFill>
+                <a:blip r:embed="rId3"/>
+                <a:stretch>
+                  <a:fillRect/>
+                </a:stretch>
+              </p:blipFill>
+              <p:spPr>
+                <a:xfrm>
+                  <a:off x="3718609" y="2162961"/>
+                  <a:ext cx="1535429" cy="863679"/>
+                </a:xfrm>
+                <a:prstGeom prst="rect">
+                  <a:avLst/>
+                </a:prstGeom>
+                <a:ln w="3175">
+                  <a:solidFill>
+                    <a:prstClr val="ltGray"/>
+                  </a:solidFill>
+                </a:ln>
+              </p:spPr>
+            </p:pic>
+            <p:pic>
+              <p:nvPicPr>
+                <p:cNvPr id="8" name="Picture 8">
+                  <a:hlinkClick r:id="rId21" action="ppaction://hlinksldjump"/>
+                </p:cNvPr>
+                <p:cNvPicPr>
+                  <a:picLocks noSelect="1" noRot="1" noChangeAspect="1" noMove="1" noResize="1" noEditPoints="1" noAdjustHandles="1" noChangeArrowheads="1" noChangeShapeType="1"/>
+                </p:cNvPicPr>
+                <p:nvPr/>
+              </p:nvPicPr>
+              <p:blipFill>
+                <a:blip r:embed="rId4"/>
+                <a:stretch>
+                  <a:fillRect/>
+                </a:stretch>
+              </p:blipFill>
+              <p:spPr>
+                <a:xfrm>
+                  <a:off x="5311617" y="2162961"/>
+                  <a:ext cx="1535429" cy="863679"/>
+                </a:xfrm>
+                <a:prstGeom prst="rect">
+                  <a:avLst/>
+                </a:prstGeom>
+                <a:ln w="3175">
+                  <a:solidFill>
+                    <a:prstClr val="ltGray"/>
+                  </a:solidFill>
+                </a:ln>
+              </p:spPr>
+            </p:pic>
+            <p:pic>
+              <p:nvPicPr>
+                <p:cNvPr id="9" name="Picture 9">
+                  <a:hlinkClick r:id="rId22" action="ppaction://hlinksldjump"/>
+                </p:cNvPr>
+                <p:cNvPicPr>
+                  <a:picLocks noSelect="1" noRot="1" noChangeAspect="1" noMove="1" noResize="1" noEditPoints="1" noAdjustHandles="1" noChangeArrowheads="1" noChangeShapeType="1"/>
+                </p:cNvPicPr>
+                <p:nvPr/>
+              </p:nvPicPr>
+              <p:blipFill>
+                <a:blip r:embed="rId5"/>
+                <a:stretch>
+                  <a:fillRect/>
+                </a:stretch>
+              </p:blipFill>
+              <p:spPr>
+                <a:xfrm>
+                  <a:off x="6904625" y="2162961"/>
+                  <a:ext cx="1535429" cy="863679"/>
+                </a:xfrm>
+                <a:prstGeom prst="rect">
+                  <a:avLst/>
+                </a:prstGeom>
+                <a:ln w="3175">
+                  <a:solidFill>
+                    <a:prstClr val="ltGray"/>
+                  </a:solidFill>
+                </a:ln>
+              </p:spPr>
+            </p:pic>
+            <p:pic>
+              <p:nvPicPr>
+                <p:cNvPr id="10" name="Picture 10">
+                  <a:hlinkClick r:id="rId23" action="ppaction://hlinksldjump"/>
+                </p:cNvPr>
+                <p:cNvPicPr>
+                  <a:picLocks noSelect="1" noRot="1" noChangeAspect="1" noMove="1" noResize="1" noEditPoints="1" noAdjustHandles="1" noChangeArrowheads="1" noChangeShapeType="1"/>
+                </p:cNvPicPr>
+                <p:nvPr/>
+              </p:nvPicPr>
+              <p:blipFill>
+                <a:blip r:embed="rId6"/>
+                <a:stretch>
+                  <a:fillRect/>
+                </a:stretch>
+              </p:blipFill>
+              <p:spPr>
+                <a:xfrm>
+                  <a:off x="8497633" y="2162961"/>
+                  <a:ext cx="1535429" cy="863679"/>
+                </a:xfrm>
+                <a:prstGeom prst="rect">
+                  <a:avLst/>
+                </a:prstGeom>
+                <a:ln w="3175">
+                  <a:solidFill>
+                    <a:prstClr val="ltGray"/>
+                  </a:solidFill>
+                </a:ln>
+              </p:spPr>
+            </p:pic>
+            <p:pic>
+              <p:nvPicPr>
+                <p:cNvPr id="11" name="Picture 11">
+                  <a:hlinkClick r:id="rId24" action="ppaction://hlinksldjump"/>
+                </p:cNvPr>
+                <p:cNvPicPr>
+                  <a:picLocks noSelect="1" noRot="1" noChangeAspect="1" noMove="1" noResize="1" noEditPoints="1" noAdjustHandles="1" noChangeArrowheads="1" noChangeShapeType="1"/>
+                </p:cNvPicPr>
+                <p:nvPr/>
+              </p:nvPicPr>
+              <p:blipFill>
+                <a:blip r:embed="rId7"/>
+                <a:stretch>
+                  <a:fillRect/>
+                </a:stretch>
+              </p:blipFill>
+              <p:spPr>
+                <a:xfrm>
+                  <a:off x="2125601" y="3084219"/>
+                  <a:ext cx="1535429" cy="863679"/>
+                </a:xfrm>
+                <a:prstGeom prst="rect">
+                  <a:avLst/>
+                </a:prstGeom>
+                <a:ln w="3175">
+                  <a:solidFill>
+                    <a:prstClr val="ltGray"/>
+                  </a:solidFill>
+                </a:ln>
+              </p:spPr>
+            </p:pic>
+            <p:pic>
+              <p:nvPicPr>
+                <p:cNvPr id="12" name="Picture 12">
+                  <a:hlinkClick r:id="rId25" action="ppaction://hlinksldjump"/>
+                </p:cNvPr>
+                <p:cNvPicPr>
+                  <a:picLocks noSelect="1" noRot="1" noChangeAspect="1" noMove="1" noResize="1" noEditPoints="1" noAdjustHandles="1" noChangeArrowheads="1" noChangeShapeType="1"/>
+                </p:cNvPicPr>
+                <p:nvPr/>
+              </p:nvPicPr>
+              <p:blipFill>
+                <a:blip r:embed="rId8"/>
+                <a:stretch>
+                  <a:fillRect/>
+                </a:stretch>
+              </p:blipFill>
+              <p:spPr>
+                <a:xfrm>
+                  <a:off x="3718609" y="3084219"/>
+                  <a:ext cx="1535429" cy="863679"/>
+                </a:xfrm>
+                <a:prstGeom prst="rect">
+                  <a:avLst/>
+                </a:prstGeom>
+                <a:ln w="3175">
+                  <a:solidFill>
+                    <a:prstClr val="ltGray"/>
+                  </a:solidFill>
+                </a:ln>
+              </p:spPr>
+            </p:pic>
+            <p:pic>
+              <p:nvPicPr>
+                <p:cNvPr id="13" name="Picture 13">
+                  <a:hlinkClick r:id="rId26" action="ppaction://hlinksldjump"/>
+                </p:cNvPr>
+                <p:cNvPicPr>
+                  <a:picLocks noSelect="1" noRot="1" noChangeAspect="1" noMove="1" noResize="1" noEditPoints="1" noAdjustHandles="1" noChangeArrowheads="1" noChangeShapeType="1"/>
+                </p:cNvPicPr>
+                <p:nvPr/>
+              </p:nvPicPr>
+              <p:blipFill>
+                <a:blip r:embed="rId9"/>
+                <a:stretch>
+                  <a:fillRect/>
+                </a:stretch>
+              </p:blipFill>
+              <p:spPr>
+                <a:xfrm>
+                  <a:off x="5311617" y="3084219"/>
+                  <a:ext cx="1535429" cy="863679"/>
+                </a:xfrm>
+                <a:prstGeom prst="rect">
+                  <a:avLst/>
+                </a:prstGeom>
+                <a:ln w="3175">
+                  <a:solidFill>
+                    <a:prstClr val="ltGray"/>
+                  </a:solidFill>
+                </a:ln>
+              </p:spPr>
+            </p:pic>
+            <p:pic>
+              <p:nvPicPr>
+                <p:cNvPr id="14" name="Picture 14">
+                  <a:hlinkClick r:id="rId27" action="ppaction://hlinksldjump"/>
+                </p:cNvPr>
+                <p:cNvPicPr>
+                  <a:picLocks noSelect="1" noRot="1" noChangeAspect="1" noMove="1" noResize="1" noEditPoints="1" noAdjustHandles="1" noChangeArrowheads="1" noChangeShapeType="1"/>
+                </p:cNvPicPr>
+                <p:nvPr/>
+              </p:nvPicPr>
+              <p:blipFill>
+                <a:blip r:embed="rId10"/>
+                <a:stretch>
+                  <a:fillRect/>
+                </a:stretch>
+              </p:blipFill>
+              <p:spPr>
+                <a:xfrm>
+                  <a:off x="6904625" y="3084219"/>
+                  <a:ext cx="1535429" cy="863679"/>
+                </a:xfrm>
+                <a:prstGeom prst="rect">
+                  <a:avLst/>
+                </a:prstGeom>
+                <a:ln w="3175">
+                  <a:solidFill>
+                    <a:prstClr val="ltGray"/>
+                  </a:solidFill>
+                </a:ln>
+              </p:spPr>
+            </p:pic>
+            <p:pic>
+              <p:nvPicPr>
+                <p:cNvPr id="15" name="Picture 15">
+                  <a:hlinkClick r:id="rId28" action="ppaction://hlinksldjump"/>
+                </p:cNvPr>
+                <p:cNvPicPr>
+                  <a:picLocks noSelect="1" noRot="1" noChangeAspect="1" noMove="1" noResize="1" noEditPoints="1" noAdjustHandles="1" noChangeArrowheads="1" noChangeShapeType="1"/>
+                </p:cNvPicPr>
+                <p:nvPr/>
+              </p:nvPicPr>
+              <p:blipFill>
+                <a:blip r:embed="rId11"/>
+                <a:stretch>
+                  <a:fillRect/>
+                </a:stretch>
+              </p:blipFill>
+              <p:spPr>
+                <a:xfrm>
+                  <a:off x="8497633" y="3084219"/>
+                  <a:ext cx="1535429" cy="863679"/>
+                </a:xfrm>
+                <a:prstGeom prst="rect">
+                  <a:avLst/>
+                </a:prstGeom>
+                <a:ln w="3175">
+                  <a:solidFill>
+                    <a:prstClr val="ltGray"/>
+                  </a:solidFill>
+                </a:ln>
+              </p:spPr>
+            </p:pic>
+            <p:pic>
+              <p:nvPicPr>
+                <p:cNvPr id="16" name="Picture 16">
+                  <a:hlinkClick r:id="rId29" action="ppaction://hlinksldjump"/>
+                </p:cNvPr>
+                <p:cNvPicPr>
+                  <a:picLocks noSelect="1" noRot="1" noChangeAspect="1" noMove="1" noResize="1" noEditPoints="1" noAdjustHandles="1" noChangeArrowheads="1" noChangeShapeType="1"/>
+                </p:cNvPicPr>
+                <p:nvPr/>
+              </p:nvPicPr>
+              <p:blipFill>
+                <a:blip r:embed="rId12"/>
+                <a:stretch>
+                  <a:fillRect/>
+                </a:stretch>
+              </p:blipFill>
+              <p:spPr>
+                <a:xfrm>
+                  <a:off x="2125601" y="4005477"/>
+                  <a:ext cx="1535429" cy="863679"/>
+                </a:xfrm>
+                <a:prstGeom prst="rect">
+                  <a:avLst/>
+                </a:prstGeom>
+                <a:ln w="3175">
+                  <a:solidFill>
+                    <a:prstClr val="ltGray"/>
+                  </a:solidFill>
+                </a:ln>
+              </p:spPr>
+            </p:pic>
+            <p:pic>
+              <p:nvPicPr>
+                <p:cNvPr id="17" name="Picture 17">
+                  <a:hlinkClick r:id="rId30" action="ppaction://hlinksldjump"/>
+                </p:cNvPr>
+                <p:cNvPicPr>
+                  <a:picLocks noSelect="1" noRot="1" noChangeAspect="1" noMove="1" noResize="1" noEditPoints="1" noAdjustHandles="1" noChangeArrowheads="1" noChangeShapeType="1"/>
+                </p:cNvPicPr>
+                <p:nvPr/>
+              </p:nvPicPr>
+              <p:blipFill>
+                <a:blip r:embed="rId13"/>
+                <a:stretch>
+                  <a:fillRect/>
+                </a:stretch>
+              </p:blipFill>
+              <p:spPr>
+                <a:xfrm>
+                  <a:off x="3718609" y="4005477"/>
+                  <a:ext cx="1535429" cy="863679"/>
+                </a:xfrm>
+                <a:prstGeom prst="rect">
+                  <a:avLst/>
+                </a:prstGeom>
+                <a:ln w="3175">
+                  <a:solidFill>
+                    <a:prstClr val="ltGray"/>
+                  </a:solidFill>
+                </a:ln>
+              </p:spPr>
+            </p:pic>
+            <p:pic>
+              <p:nvPicPr>
+                <p:cNvPr id="18" name="Picture 18">
+                  <a:hlinkClick r:id="rId31" action="ppaction://hlinksldjump"/>
+                </p:cNvPr>
+                <p:cNvPicPr>
+                  <a:picLocks noSelect="1" noRot="1" noChangeAspect="1" noMove="1" noResize="1" noEditPoints="1" noAdjustHandles="1" noChangeArrowheads="1" noChangeShapeType="1"/>
+                </p:cNvPicPr>
+                <p:nvPr/>
+              </p:nvPicPr>
+              <p:blipFill>
+                <a:blip r:embed="rId14"/>
+                <a:stretch>
+                  <a:fillRect/>
+                </a:stretch>
+              </p:blipFill>
+              <p:spPr>
+                <a:xfrm>
+                  <a:off x="5311617" y="4005477"/>
+                  <a:ext cx="1535429" cy="863679"/>
+                </a:xfrm>
+                <a:prstGeom prst="rect">
+                  <a:avLst/>
+                </a:prstGeom>
+                <a:ln w="3175">
+                  <a:solidFill>
+                    <a:prstClr val="ltGray"/>
+                  </a:solidFill>
+                </a:ln>
+              </p:spPr>
+            </p:pic>
+            <p:pic>
+              <p:nvPicPr>
+                <p:cNvPr id="19" name="Picture 19">
+                  <a:hlinkClick r:id="rId32" action="ppaction://hlinksldjump"/>
+                </p:cNvPr>
+                <p:cNvPicPr>
+                  <a:picLocks noSelect="1" noRot="1" noChangeAspect="1" noMove="1" noResize="1" noEditPoints="1" noAdjustHandles="1" noChangeArrowheads="1" noChangeShapeType="1"/>
+                </p:cNvPicPr>
+                <p:nvPr/>
+              </p:nvPicPr>
+              <p:blipFill>
+                <a:blip r:embed="rId15"/>
+                <a:stretch>
+                  <a:fillRect/>
+                </a:stretch>
+              </p:blipFill>
+              <p:spPr>
+                <a:xfrm>
+                  <a:off x="6904625" y="4005477"/>
+                  <a:ext cx="1535429" cy="863679"/>
+                </a:xfrm>
+                <a:prstGeom prst="rect">
+                  <a:avLst/>
+                </a:prstGeom>
+                <a:ln w="3175">
+                  <a:solidFill>
+                    <a:prstClr val="ltGray"/>
+                  </a:solidFill>
+                </a:ln>
+              </p:spPr>
+            </p:pic>
+            <p:pic>
+              <p:nvPicPr>
+                <p:cNvPr id="20" name="Picture 20">
+                  <a:hlinkClick r:id="rId33" action="ppaction://hlinksldjump"/>
+                </p:cNvPr>
+                <p:cNvPicPr>
+                  <a:picLocks noSelect="1" noRot="1" noChangeAspect="1" noMove="1" noResize="1" noEditPoints="1" noAdjustHandles="1" noChangeArrowheads="1" noChangeShapeType="1"/>
+                </p:cNvPicPr>
+                <p:nvPr/>
+              </p:nvPicPr>
+              <p:blipFill>
+                <a:blip r:embed="rId16"/>
+                <a:stretch>
+                  <a:fillRect/>
+                </a:stretch>
+              </p:blipFill>
+              <p:spPr>
+                <a:xfrm>
+                  <a:off x="8497633" y="4005477"/>
+                  <a:ext cx="1535429" cy="863679"/>
+                </a:xfrm>
+                <a:prstGeom prst="rect">
+                  <a:avLst/>
+                </a:prstGeom>
+                <a:ln w="3175">
+                  <a:solidFill>
+                    <a:prstClr val="ltGray"/>
+                  </a:solidFill>
+                </a:ln>
+              </p:spPr>
+            </p:pic>
+            <p:pic>
+              <p:nvPicPr>
+                <p:cNvPr id="21" name="Picture 21">
+                  <a:hlinkClick r:id="rId34" action="ppaction://hlinksldjump"/>
+                </p:cNvPr>
+                <p:cNvPicPr>
+                  <a:picLocks noSelect="1" noRot="1" noChangeAspect="1" noMove="1" noResize="1" noEditPoints="1" noAdjustHandles="1" noChangeArrowheads="1" noChangeShapeType="1"/>
+                </p:cNvPicPr>
+                <p:nvPr/>
+              </p:nvPicPr>
+              <p:blipFill>
+                <a:blip r:embed="rId17"/>
+                <a:stretch>
+                  <a:fillRect/>
+                </a:stretch>
+              </p:blipFill>
+              <p:spPr>
+                <a:xfrm>
+                  <a:off x="2125601" y="4926735"/>
+                  <a:ext cx="1535429" cy="863679"/>
+                </a:xfrm>
+                <a:prstGeom prst="rect">
+                  <a:avLst/>
+                </a:prstGeom>
+                <a:ln w="3175">
+                  <a:solidFill>
+                    <a:prstClr val="ltGray"/>
+                  </a:solidFill>
+                </a:ln>
+              </p:spPr>
+            </p:pic>
+            <p:pic>
+              <p:nvPicPr>
+                <p:cNvPr id="22" name="Picture 22">
+                  <a:hlinkClick r:id="rId35" action="ppaction://hlinksldjump"/>
+                </p:cNvPr>
+                <p:cNvPicPr>
+                  <a:picLocks noSelect="1" noRot="1" noChangeAspect="1" noMove="1" noResize="1" noEditPoints="1" noAdjustHandles="1" noChangeArrowheads="1" noChangeShapeType="1"/>
+                </p:cNvPicPr>
+                <p:nvPr/>
+              </p:nvPicPr>
+              <p:blipFill>
+                <a:blip r:embed="rId18"/>
+                <a:stretch>
+                  <a:fillRect/>
+                </a:stretch>
+              </p:blipFill>
+              <p:spPr>
+                <a:xfrm>
+                  <a:off x="3718609" y="4926735"/>
+                  <a:ext cx="1535429" cy="863679"/>
+                </a:xfrm>
+                <a:prstGeom prst="rect">
+                  <a:avLst/>
+                </a:prstGeom>
+                <a:ln w="3175">
+                  <a:solidFill>
+                    <a:prstClr val="ltGray"/>
+                  </a:solidFill>
+                </a:ln>
+              </p:spPr>
+            </p:pic>
+          </p:grpSp>
+        </mc:Fallback>
+      </mc:AlternateContent>
+    </p:spTree>
+    <p:extLst>
+      <p:ext uri="{BB962C8B-B14F-4D97-AF65-F5344CB8AC3E}">
+        <p14:creationId xmlns:p14="http://schemas.microsoft.com/office/powerpoint/2010/main" val="1205261564"/>
+      </p:ext>
+    </p:extLst>
+  </p:cSld>
+  <p:clrMapOvr>
+    <a:masterClrMapping/>
+  </p:clrMapOvr>
+  <mc:AlternateContent xmlns:mc="http://schemas.openxmlformats.org/markup-compatibility/2006">
+    <mc:Choice xmlns:p159="http://schemas.microsoft.com/office/powerpoint/2015/09/main" Requires="p159">
+      <p:transition xmlns:p14="http://schemas.microsoft.com/office/powerpoint/2010/main" spd="slow" p14:dur="2000">
+        <p159:morph option="byWord"/>
+      </p:transition>
+    </mc:Choice>
+    <mc:Fallback>
+      <p:transition spd="slow">
+        <p:fade/>
+      </p:transition>
+    </mc:Fallback>
+  </mc:AlternateContent>
+</p:sld>
+</file>
+
+<file path=ppt/slides/slide19.xml><?xml version="1.0" encoding="utf-8"?>
 <p:sld xmlns:a="http://schemas.openxmlformats.org/drawingml/2006/main" xmlns:r="http://schemas.openxmlformats.org/officeDocument/2006/relationships" xmlns:p="http://schemas.openxmlformats.org/presentationml/2006/main">
   <p:cSld>
     <p:spTree>
@@ -6896,6 +9309,18 @@
   <p:clrMapOvr>
     <a:masterClrMapping/>
   </p:clrMapOvr>
+  <mc:AlternateContent xmlns:mc="http://schemas.openxmlformats.org/markup-compatibility/2006">
+    <mc:Choice xmlns:p159="http://schemas.microsoft.com/office/powerpoint/2015/09/main" Requires="p159">
+      <p:transition xmlns:p14="http://schemas.microsoft.com/office/powerpoint/2010/main" spd="slow" p14:dur="2000">
+        <p159:morph option="byWord"/>
+      </p:transition>
+    </mc:Choice>
+    <mc:Fallback>
+      <p:transition spd="slow">
+        <p:fade/>
+      </p:transition>
+    </mc:Fallback>
+  </mc:AlternateContent>
 </p:sld>
 </file>
 
@@ -6934,7 +9359,9 @@
         </p:nvSpPr>
         <p:spPr/>
         <p:txBody>
-          <a:bodyPr/>
+          <a:bodyPr>
+            <a:normAutofit/>
+          </a:bodyPr>
           <a:lstStyle/>
           <a:p>
             <a:r>
@@ -6945,44 +9372,89 @@
           </a:p>
         </p:txBody>
       </p:sp>
-      <p:sp>
-        <p:nvSpPr>
-          <p:cNvPr id="7" name="Content Placeholder 6">
+      <p:pic>
+        <p:nvPicPr>
+          <p:cNvPr id="8" name="Picture Placeholder 7">
             <a:extLst>
               <a:ext uri="{FF2B5EF4-FFF2-40B4-BE49-F238E27FC236}">
-                <a16:creationId xmlns:a16="http://schemas.microsoft.com/office/drawing/2014/main" id="{67AD3715-0CE8-423C-BF69-DA98D9FCC516}"/>
+                <a16:creationId xmlns:a16="http://schemas.microsoft.com/office/drawing/2014/main" id="{56D527AB-C05F-428A-A97F-B6DBE5B38FA7}"/>
               </a:ext>
             </a:extLst>
           </p:cNvPr>
-          <p:cNvSpPr>
-            <a:spLocks noGrp="1"/>
-          </p:cNvSpPr>
+          <p:cNvPicPr>
+            <a:picLocks noGrp="1" noChangeAspect="1"/>
+          </p:cNvPicPr>
           <p:nvPr>
             <p:ph idx="1"/>
           </p:nvPr>
-        </p:nvSpPr>
-        <p:spPr/>
-        <p:txBody>
-          <a:bodyPr/>
+        </p:nvPicPr>
+        <p:blipFill>
+          <a:blip r:embed="rId3">
+            <a:extLst>
+              <a:ext uri="{28A0092B-C50C-407E-A947-70E740481C1C}">
+                <a14:useLocalDpi xmlns:a14="http://schemas.microsoft.com/office/drawing/2010/main" val="0"/>
+              </a:ext>
+            </a:extLst>
+          </a:blip>
+          <a:stretch/>
+        </p:blipFill>
+        <p:spPr>
+          <a:xfrm>
+            <a:off x="1147968" y="2057400"/>
+            <a:ext cx="9862727" cy="4160838"/>
+          </a:xfrm>
+        </p:spPr>
+      </p:pic>
+      <p:sp>
+        <p:nvSpPr>
+          <p:cNvPr id="13" name="TextBox 12">
+            <a:extLst>
+              <a:ext uri="{FF2B5EF4-FFF2-40B4-BE49-F238E27FC236}">
+                <a16:creationId xmlns:a16="http://schemas.microsoft.com/office/drawing/2014/main" id="{05C85FC4-1E8C-45AB-BA34-7608B86EB9A7}"/>
+              </a:ext>
+            </a:extLst>
+          </p:cNvPr>
+          <p:cNvSpPr txBox="1"/>
+          <p:nvPr/>
+        </p:nvSpPr>
+        <p:spPr>
+          <a:xfrm>
+            <a:off x="6096001" y="1868684"/>
+            <a:ext cx="4922520" cy="400110"/>
+          </a:xfrm>
+          <a:prstGeom prst="rect">
+            <a:avLst/>
+          </a:prstGeom>
+          <a:noFill/>
+        </p:spPr>
+        <p:txBody>
+          <a:bodyPr wrap="square">
+            <a:spAutoFit/>
+          </a:bodyPr>
           <a:lstStyle/>
           <a:p>
-            <a:r>
-              <a:rPr lang="fa-IR" dirty="0"/>
-              <a:t>یکپارچگی</a:t>
-            </a:r>
-          </a:p>
-          <a:p>
-            <a:r>
-              <a:rPr lang="fa-IR" dirty="0"/>
-              <a:t>هزینه</a:t>
-            </a:r>
-          </a:p>
-          <a:p>
-            <a:r>
-              <a:rPr lang="fa-IR" dirty="0"/>
-              <a:t>سرعت راه‌اندازی</a:t>
-            </a:r>
-            <a:endParaRPr lang="en-US" dirty="0"/>
+            <a:pPr marL="45720" indent="0" algn="r" rtl="1">
+              <a:buNone/>
+            </a:pPr>
+            <a:r>
+              <a:rPr lang="fa-IR" sz="2400" dirty="0"/>
+              <a:t>پلتفرم تجارت الکترونیک </a:t>
+            </a:r>
+            <a:r>
+              <a:rPr lang="fa-IR" sz="2400" dirty="0">
+                <a:solidFill>
+                  <a:srgbClr val="C80A5A"/>
+                </a:solidFill>
+                <a:cs typeface="+mj-cs"/>
+              </a:rPr>
+              <a:t>یکپارچه</a:t>
+            </a:r>
+            <a:endParaRPr lang="en-US" sz="2400" dirty="0">
+              <a:solidFill>
+                <a:srgbClr val="C80A5A"/>
+              </a:solidFill>
+              <a:cs typeface="+mj-cs"/>
+            </a:endParaRPr>
           </a:p>
         </p:txBody>
       </p:sp>
@@ -6996,6 +9468,18 @@
   <p:clrMapOvr>
     <a:masterClrMapping/>
   </p:clrMapOvr>
+  <mc:AlternateContent xmlns:mc="http://schemas.openxmlformats.org/markup-compatibility/2006">
+    <mc:Choice xmlns:p159="http://schemas.microsoft.com/office/powerpoint/2015/09/main" Requires="p159">
+      <p:transition xmlns:p14="http://schemas.microsoft.com/office/powerpoint/2010/main" spd="slow" p14:dur="2000">
+        <p159:morph option="byWord"/>
+      </p:transition>
+    </mc:Choice>
+    <mc:Fallback>
+      <p:transition spd="slow">
+        <p:fade/>
+      </p:transition>
+    </mc:Fallback>
+  </mc:AlternateContent>
 </p:sld>
 </file>
 
@@ -7021,7 +9505,7 @@
           <p:cNvPr id="2" name="Title 1">
             <a:extLst>
               <a:ext uri="{FF2B5EF4-FFF2-40B4-BE49-F238E27FC236}">
-                <a16:creationId xmlns:a16="http://schemas.microsoft.com/office/drawing/2014/main" id="{F493A3D6-F5C9-4E64-8700-D858AD1A9CA2}"/>
+                <a16:creationId xmlns:a16="http://schemas.microsoft.com/office/drawing/2014/main" id="{CFC1B572-76A5-4D4E-B604-ACAD1CF3BFF2}"/>
               </a:ext>
             </a:extLst>
           </p:cNvPr>
@@ -7045,45 +9529,63 @@
           </a:p>
         </p:txBody>
       </p:sp>
-      <p:sp>
-        <p:nvSpPr>
-          <p:cNvPr id="3" name="Content Placeholder 2">
+      <p:pic>
+        <p:nvPicPr>
+          <p:cNvPr id="5" name="Content Placeholder 4">
             <a:extLst>
               <a:ext uri="{FF2B5EF4-FFF2-40B4-BE49-F238E27FC236}">
-                <a16:creationId xmlns:a16="http://schemas.microsoft.com/office/drawing/2014/main" id="{66DDAEC7-413A-4FC9-B3B7-F998134C531A}"/>
+                <a16:creationId xmlns:a16="http://schemas.microsoft.com/office/drawing/2014/main" id="{281E8A00-C6E7-4845-8637-74A3046F4D67}"/>
               </a:ext>
             </a:extLst>
           </p:cNvPr>
-          <p:cNvSpPr>
-            <a:spLocks noGrp="1"/>
-          </p:cNvSpPr>
+          <p:cNvPicPr>
+            <a:picLocks noGrp="1" noChangeAspect="1"/>
+          </p:cNvPicPr>
           <p:nvPr>
             <p:ph idx="1"/>
           </p:nvPr>
-        </p:nvSpPr>
-        <p:spPr/>
-        <p:txBody>
-          <a:bodyPr/>
-          <a:lstStyle/>
-          <a:p>
-            <a:r>
-              <a:rPr lang="fa-IR" dirty="0"/>
-              <a:t>توضیحات کلی</a:t>
-            </a:r>
-            <a:endParaRPr lang="en-US" dirty="0"/>
-          </a:p>
-        </p:txBody>
-      </p:sp>
+        </p:nvPicPr>
+        <p:blipFill>
+          <a:blip r:embed="rId2">
+            <a:extLst>
+              <a:ext uri="{28A0092B-C50C-407E-A947-70E740481C1C}">
+                <a14:useLocalDpi xmlns:a14="http://schemas.microsoft.com/office/drawing/2010/main" val="0"/>
+              </a:ext>
+            </a:extLst>
+          </a:blip>
+          <a:stretch>
+            <a:fillRect/>
+          </a:stretch>
+        </p:blipFill>
+        <p:spPr>
+          <a:xfrm>
+            <a:off x="1147968" y="2057400"/>
+            <a:ext cx="9862727" cy="4160838"/>
+          </a:xfrm>
+        </p:spPr>
+      </p:pic>
     </p:spTree>
     <p:extLst>
       <p:ext uri="{BB962C8B-B14F-4D97-AF65-F5344CB8AC3E}">
-        <p14:creationId xmlns:p14="http://schemas.microsoft.com/office/powerpoint/2010/main" val="279147718"/>
+        <p14:creationId xmlns:p14="http://schemas.microsoft.com/office/powerpoint/2010/main" val="3866418714"/>
       </p:ext>
     </p:extLst>
   </p:cSld>
   <p:clrMapOvr>
     <a:masterClrMapping/>
   </p:clrMapOvr>
+  <mc:AlternateContent xmlns:mc="http://schemas.openxmlformats.org/markup-compatibility/2006">
+    <mc:Choice xmlns:p159="http://schemas.microsoft.com/office/powerpoint/2015/09/main" Requires="p159">
+      <p:transition xmlns:p14="http://schemas.microsoft.com/office/powerpoint/2010/main" spd="slow" p14:dur="2000">
+        <p159:morph option="byWord"/>
+      </p:transition>
+    </mc:Choice>
+    <mc:Fallback>
+      <p:transition spd="slow">
+        <p:fade/>
+      </p:transition>
+    </mc:Fallback>
+  </mc:AlternateContent>
 </p:sld>
 </file>
 
@@ -7109,7 +9611,7 @@
           <p:cNvPr id="2" name="Title 1">
             <a:extLst>
               <a:ext uri="{FF2B5EF4-FFF2-40B4-BE49-F238E27FC236}">
-                <a16:creationId xmlns:a16="http://schemas.microsoft.com/office/drawing/2014/main" id="{E6206EEC-326E-44DB-AB86-A5680D5E7517}"/>
+                <a16:creationId xmlns:a16="http://schemas.microsoft.com/office/drawing/2014/main" id="{F493A3D6-F5C9-4E64-8700-D858AD1A9CA2}"/>
               </a:ext>
             </a:extLst>
           </p:cNvPr>
@@ -7127,7 +9629,7 @@
           <a:p>
             <a:r>
               <a:rPr lang="fa-IR" dirty="0"/>
-              <a:t>اعتبارسنجی بازار</a:t>
+              <a:t>راهکار</a:t>
             </a:r>
             <a:endParaRPr lang="en-US" dirty="0"/>
           </a:p>
@@ -7138,7 +9640,7 @@
           <p:cNvPr id="3" name="Content Placeholder 2">
             <a:extLst>
               <a:ext uri="{FF2B5EF4-FFF2-40B4-BE49-F238E27FC236}">
-                <a16:creationId xmlns:a16="http://schemas.microsoft.com/office/drawing/2014/main" id="{75367ABD-D08C-4BD8-A9D8-F8C1EB607050}"/>
+                <a16:creationId xmlns:a16="http://schemas.microsoft.com/office/drawing/2014/main" id="{66DDAEC7-413A-4FC9-B3B7-F998134C531A}"/>
               </a:ext>
             </a:extLst>
           </p:cNvPr>
@@ -7156,24 +9658,55 @@
           <a:p>
             <a:r>
               <a:rPr lang="fa-IR" dirty="0"/>
-              <a:t>چرا الان؟</a:t>
-            </a:r>
-          </a:p>
-          <a:p>
-            <a:endParaRPr lang="en-US" dirty="0"/>
+              <a:t>یک پلتفرم تجارت الکترونیک </a:t>
+            </a:r>
+            <a:r>
+              <a:rPr lang="fa-IR" dirty="0">
+                <a:solidFill>
+                  <a:srgbClr val="C80A5A"/>
+                </a:solidFill>
+                <a:cs typeface="+mj-cs"/>
+              </a:rPr>
+              <a:t>یکپارچه</a:t>
+            </a:r>
+            <a:r>
+              <a:rPr lang="fa-IR" dirty="0"/>
+              <a:t> که تمام کانال‌های فروش کسب و کار به آن متصل باشند.</a:t>
+            </a:r>
+          </a:p>
+          <a:p>
+            <a:r>
+              <a:rPr lang="fa-IR" dirty="0"/>
+              <a:t>ذخیره پول جلوگیری از هزینه سرسام‌آور برای طراحی اختصاصی</a:t>
+            </a:r>
+          </a:p>
+          <a:p>
+            <a:endParaRPr lang="fa-IR" dirty="0"/>
           </a:p>
         </p:txBody>
       </p:sp>
     </p:spTree>
     <p:extLst>
       <p:ext uri="{BB962C8B-B14F-4D97-AF65-F5344CB8AC3E}">
-        <p14:creationId xmlns:p14="http://schemas.microsoft.com/office/powerpoint/2010/main" val="3322250093"/>
+        <p14:creationId xmlns:p14="http://schemas.microsoft.com/office/powerpoint/2010/main" val="279147718"/>
       </p:ext>
     </p:extLst>
   </p:cSld>
   <p:clrMapOvr>
     <a:masterClrMapping/>
   </p:clrMapOvr>
+  <mc:AlternateContent xmlns:mc="http://schemas.openxmlformats.org/markup-compatibility/2006">
+    <mc:Choice xmlns:p159="http://schemas.microsoft.com/office/powerpoint/2015/09/main" Requires="p159">
+      <p:transition xmlns:p14="http://schemas.microsoft.com/office/powerpoint/2010/main" spd="slow" p14:dur="2000">
+        <p159:morph option="byWord"/>
+      </p:transition>
+    </mc:Choice>
+    <mc:Fallback>
+      <p:transition spd="slow">
+        <p:fade/>
+      </p:transition>
+    </mc:Fallback>
+  </mc:AlternateContent>
 </p:sld>
 </file>
 
@@ -7199,7 +9732,7 @@
           <p:cNvPr id="2" name="Title 1">
             <a:extLst>
               <a:ext uri="{FF2B5EF4-FFF2-40B4-BE49-F238E27FC236}">
-                <a16:creationId xmlns:a16="http://schemas.microsoft.com/office/drawing/2014/main" id="{60117D4C-CC92-44AD-9C90-C33F0A725232}"/>
+                <a16:creationId xmlns:a16="http://schemas.microsoft.com/office/drawing/2014/main" id="{E6206EEC-326E-44DB-AB86-A5680D5E7517}"/>
               </a:ext>
             </a:extLst>
           </p:cNvPr>
@@ -7217,7 +9750,7 @@
           <a:p>
             <a:r>
               <a:rPr lang="fa-IR" dirty="0"/>
-              <a:t>دموی محصول</a:t>
+              <a:t>اعتبارسنجی بازار</a:t>
             </a:r>
             <a:endParaRPr lang="en-US" dirty="0"/>
           </a:p>
@@ -7228,7 +9761,7 @@
           <p:cNvPr id="3" name="Content Placeholder 2">
             <a:extLst>
               <a:ext uri="{FF2B5EF4-FFF2-40B4-BE49-F238E27FC236}">
-                <a16:creationId xmlns:a16="http://schemas.microsoft.com/office/drawing/2014/main" id="{D281949B-4E50-4E45-A287-8E59954A83B0}"/>
+                <a16:creationId xmlns:a16="http://schemas.microsoft.com/office/drawing/2014/main" id="{75367ABD-D08C-4BD8-A9D8-F8C1EB607050}"/>
               </a:ext>
             </a:extLst>
           </p:cNvPr>
@@ -7246,8 +9779,10 @@
           <a:p>
             <a:r>
               <a:rPr lang="fa-IR" dirty="0"/>
-              <a:t>درباره امکانات و ریز اون‌ها</a:t>
-            </a:r>
+              <a:t>چرا الان؟</a:t>
+            </a:r>
+          </a:p>
+          <a:p>
             <a:endParaRPr lang="en-US" dirty="0"/>
           </a:p>
         </p:txBody>
@@ -7255,13 +9790,25 @@
     </p:spTree>
     <p:extLst>
       <p:ext uri="{BB962C8B-B14F-4D97-AF65-F5344CB8AC3E}">
-        <p14:creationId xmlns:p14="http://schemas.microsoft.com/office/powerpoint/2010/main" val="2509938767"/>
+        <p14:creationId xmlns:p14="http://schemas.microsoft.com/office/powerpoint/2010/main" val="3322250093"/>
       </p:ext>
     </p:extLst>
   </p:cSld>
   <p:clrMapOvr>
     <a:masterClrMapping/>
   </p:clrMapOvr>
+  <mc:AlternateContent xmlns:mc="http://schemas.openxmlformats.org/markup-compatibility/2006">
+    <mc:Choice xmlns:p159="http://schemas.microsoft.com/office/powerpoint/2015/09/main" Requires="p159">
+      <p:transition xmlns:p14="http://schemas.microsoft.com/office/powerpoint/2010/main" spd="slow" p14:dur="2000">
+        <p159:morph option="byWord"/>
+      </p:transition>
+    </mc:Choice>
+    <mc:Fallback>
+      <p:transition spd="slow">
+        <p:fade/>
+      </p:transition>
+    </mc:Fallback>
+  </mc:AlternateContent>
 </p:sld>
 </file>
 
@@ -7287,7 +9834,7 @@
           <p:cNvPr id="2" name="Title 1">
             <a:extLst>
               <a:ext uri="{FF2B5EF4-FFF2-40B4-BE49-F238E27FC236}">
-                <a16:creationId xmlns:a16="http://schemas.microsoft.com/office/drawing/2014/main" id="{A55E623B-4760-4F62-AB7A-4FB209399CE6}"/>
+                <a16:creationId xmlns:a16="http://schemas.microsoft.com/office/drawing/2014/main" id="{60117D4C-CC92-44AD-9C90-C33F0A725232}"/>
               </a:ext>
             </a:extLst>
           </p:cNvPr>
@@ -7305,7 +9852,7 @@
           <a:p>
             <a:r>
               <a:rPr lang="fa-IR" dirty="0"/>
-              <a:t>حجم بازار</a:t>
+              <a:t>دموی محصول</a:t>
             </a:r>
             <a:endParaRPr lang="en-US" dirty="0"/>
           </a:p>
@@ -7316,7 +9863,7 @@
           <p:cNvPr id="3" name="Content Placeholder 2">
             <a:extLst>
               <a:ext uri="{FF2B5EF4-FFF2-40B4-BE49-F238E27FC236}">
-                <a16:creationId xmlns:a16="http://schemas.microsoft.com/office/drawing/2014/main" id="{625CBF74-0A34-4DD1-A217-7A71D7E2FE04}"/>
+                <a16:creationId xmlns:a16="http://schemas.microsoft.com/office/drawing/2014/main" id="{D281949B-4E50-4E45-A287-8E59954A83B0}"/>
               </a:ext>
             </a:extLst>
           </p:cNvPr>
@@ -7332,20 +9879,36 @@
           <a:bodyPr/>
           <a:lstStyle/>
           <a:p>
-            <a:endParaRPr lang="en-US"/>
+            <a:r>
+              <a:rPr lang="fa-IR" dirty="0"/>
+              <a:t>درباره امکانات و ریز اون‌ها</a:t>
+            </a:r>
+            <a:endParaRPr lang="en-US" dirty="0"/>
           </a:p>
         </p:txBody>
       </p:sp>
     </p:spTree>
     <p:extLst>
       <p:ext uri="{BB962C8B-B14F-4D97-AF65-F5344CB8AC3E}">
-        <p14:creationId xmlns:p14="http://schemas.microsoft.com/office/powerpoint/2010/main" val="1448984731"/>
+        <p14:creationId xmlns:p14="http://schemas.microsoft.com/office/powerpoint/2010/main" val="2509938767"/>
       </p:ext>
     </p:extLst>
   </p:cSld>
   <p:clrMapOvr>
     <a:masterClrMapping/>
   </p:clrMapOvr>
+  <mc:AlternateContent xmlns:mc="http://schemas.openxmlformats.org/markup-compatibility/2006">
+    <mc:Choice xmlns:p159="http://schemas.microsoft.com/office/powerpoint/2015/09/main" Requires="p159">
+      <p:transition xmlns:p14="http://schemas.microsoft.com/office/powerpoint/2010/main" spd="slow" p14:dur="2000">
+        <p159:morph option="byWord"/>
+      </p:transition>
+    </mc:Choice>
+    <mc:Fallback>
+      <p:transition spd="slow">
+        <p:fade/>
+      </p:transition>
+    </mc:Fallback>
+  </mc:AlternateContent>
 </p:sld>
 </file>
 
@@ -7371,7 +9934,7 @@
           <p:cNvPr id="2" name="Title 1">
             <a:extLst>
               <a:ext uri="{FF2B5EF4-FFF2-40B4-BE49-F238E27FC236}">
-                <a16:creationId xmlns:a16="http://schemas.microsoft.com/office/drawing/2014/main" id="{78999E65-B826-4419-A372-7178F0A2FF18}"/>
+                <a16:creationId xmlns:a16="http://schemas.microsoft.com/office/drawing/2014/main" id="{A55E623B-4760-4F62-AB7A-4FB209399CE6}"/>
               </a:ext>
             </a:extLst>
           </p:cNvPr>
@@ -7389,7 +9952,7 @@
           <a:p>
             <a:r>
               <a:rPr lang="fa-IR" dirty="0"/>
-              <a:t>بیزینس مدل فری‌میوم</a:t>
+              <a:t>حجم بازار</a:t>
             </a:r>
             <a:endParaRPr lang="en-US" dirty="0"/>
           </a:p>
@@ -7400,7 +9963,7 @@
           <p:cNvPr id="3" name="Content Placeholder 2">
             <a:extLst>
               <a:ext uri="{FF2B5EF4-FFF2-40B4-BE49-F238E27FC236}">
-                <a16:creationId xmlns:a16="http://schemas.microsoft.com/office/drawing/2014/main" id="{5D06C720-2A35-4AE3-9E85-7EF30AB81A20}"/>
+                <a16:creationId xmlns:a16="http://schemas.microsoft.com/office/drawing/2014/main" id="{625CBF74-0A34-4DD1-A217-7A71D7E2FE04}"/>
               </a:ext>
             </a:extLst>
           </p:cNvPr>
@@ -7423,13 +9986,25 @@
     </p:spTree>
     <p:extLst>
       <p:ext uri="{BB962C8B-B14F-4D97-AF65-F5344CB8AC3E}">
-        <p14:creationId xmlns:p14="http://schemas.microsoft.com/office/powerpoint/2010/main" val="2921887442"/>
+        <p14:creationId xmlns:p14="http://schemas.microsoft.com/office/powerpoint/2010/main" val="1448984731"/>
       </p:ext>
     </p:extLst>
   </p:cSld>
   <p:clrMapOvr>
     <a:masterClrMapping/>
   </p:clrMapOvr>
+  <mc:AlternateContent xmlns:mc="http://schemas.openxmlformats.org/markup-compatibility/2006">
+    <mc:Choice xmlns:p159="http://schemas.microsoft.com/office/powerpoint/2015/09/main" Requires="p159">
+      <p:transition xmlns:p14="http://schemas.microsoft.com/office/powerpoint/2010/main" spd="slow" p14:dur="2000">
+        <p159:morph option="byWord"/>
+      </p:transition>
+    </mc:Choice>
+    <mc:Fallback>
+      <p:transition spd="slow">
+        <p:fade/>
+      </p:transition>
+    </mc:Fallback>
+  </mc:AlternateContent>
 </p:sld>
 </file>
 
@@ -7455,7 +10030,7 @@
           <p:cNvPr id="2" name="Title 1">
             <a:extLst>
               <a:ext uri="{FF2B5EF4-FFF2-40B4-BE49-F238E27FC236}">
-                <a16:creationId xmlns:a16="http://schemas.microsoft.com/office/drawing/2014/main" id="{9F9067C3-8489-4637-B0E1-62E01A9DF117}"/>
+                <a16:creationId xmlns:a16="http://schemas.microsoft.com/office/drawing/2014/main" id="{78999E65-B826-4419-A372-7178F0A2FF18}"/>
               </a:ext>
             </a:extLst>
           </p:cNvPr>
@@ -7473,7 +10048,7 @@
           <a:p>
             <a:r>
               <a:rPr lang="fa-IR" dirty="0"/>
-              <a:t>رقبا</a:t>
+              <a:t>بیزینس مدل فری‌میوم</a:t>
             </a:r>
             <a:endParaRPr lang="en-US" dirty="0"/>
           </a:p>
@@ -7484,7 +10059,7 @@
           <p:cNvPr id="3" name="Content Placeholder 2">
             <a:extLst>
               <a:ext uri="{FF2B5EF4-FFF2-40B4-BE49-F238E27FC236}">
-                <a16:creationId xmlns:a16="http://schemas.microsoft.com/office/drawing/2014/main" id="{B04D06BC-3FD3-4B50-807E-200EE28669A2}"/>
+                <a16:creationId xmlns:a16="http://schemas.microsoft.com/office/drawing/2014/main" id="{5D06C720-2A35-4AE3-9E85-7EF30AB81A20}"/>
               </a:ext>
             </a:extLst>
           </p:cNvPr>
@@ -7507,13 +10082,25 @@
     </p:spTree>
     <p:extLst>
       <p:ext uri="{BB962C8B-B14F-4D97-AF65-F5344CB8AC3E}">
-        <p14:creationId xmlns:p14="http://schemas.microsoft.com/office/powerpoint/2010/main" val="2836734986"/>
+        <p14:creationId xmlns:p14="http://schemas.microsoft.com/office/powerpoint/2010/main" val="2921887442"/>
       </p:ext>
     </p:extLst>
   </p:cSld>
   <p:clrMapOvr>
     <a:masterClrMapping/>
   </p:clrMapOvr>
+  <mc:AlternateContent xmlns:mc="http://schemas.openxmlformats.org/markup-compatibility/2006">
+    <mc:Choice xmlns:p159="http://schemas.microsoft.com/office/powerpoint/2015/09/main" Requires="p159">
+      <p:transition xmlns:p14="http://schemas.microsoft.com/office/powerpoint/2010/main" spd="slow" p14:dur="2000">
+        <p159:morph option="byWord"/>
+      </p:transition>
+    </mc:Choice>
+    <mc:Fallback>
+      <p:transition spd="slow">
+        <p:fade/>
+      </p:transition>
+    </mc:Fallback>
+  </mc:AlternateContent>
 </p:sld>
 </file>
 
@@ -7539,7 +10126,7 @@
           <p:cNvPr id="2" name="Title 1">
             <a:extLst>
               <a:ext uri="{FF2B5EF4-FFF2-40B4-BE49-F238E27FC236}">
-                <a16:creationId xmlns:a16="http://schemas.microsoft.com/office/drawing/2014/main" id="{84B747BF-7704-454D-89C6-8AD163CBED44}"/>
+                <a16:creationId xmlns:a16="http://schemas.microsoft.com/office/drawing/2014/main" id="{9F9067C3-8489-4637-B0E1-62E01A9DF117}"/>
               </a:ext>
             </a:extLst>
           </p:cNvPr>
@@ -7557,7 +10144,7 @@
           <a:p>
             <a:r>
               <a:rPr lang="fa-IR" dirty="0"/>
-              <a:t>مزیت رقابتی</a:t>
+              <a:t>رقبا</a:t>
             </a:r>
             <a:endParaRPr lang="en-US" dirty="0"/>
           </a:p>
@@ -7568,7 +10155,7 @@
           <p:cNvPr id="3" name="Content Placeholder 2">
             <a:extLst>
               <a:ext uri="{FF2B5EF4-FFF2-40B4-BE49-F238E27FC236}">
-                <a16:creationId xmlns:a16="http://schemas.microsoft.com/office/drawing/2014/main" id="{E54C571F-BC54-41C3-80D4-2B49DEB9574A}"/>
+                <a16:creationId xmlns:a16="http://schemas.microsoft.com/office/drawing/2014/main" id="{B04D06BC-3FD3-4B50-807E-200EE28669A2}"/>
               </a:ext>
             </a:extLst>
           </p:cNvPr>
@@ -7584,36 +10171,32 @@
           <a:bodyPr/>
           <a:lstStyle/>
           <a:p>
-            <a:r>
-              <a:rPr lang="fa-IR" dirty="0"/>
-              <a:t>مزیت رقابتی</a:t>
-            </a:r>
-          </a:p>
-          <a:p>
-            <a:r>
-              <a:rPr lang="fa-IR" dirty="0"/>
-              <a:t>بیزینس مدل یا روش کسب درآمد</a:t>
-            </a:r>
-          </a:p>
-          <a:p>
-            <a:r>
-              <a:rPr lang="fa-IR" dirty="0"/>
-              <a:t>مارکتینگ و روش فروش</a:t>
-            </a:r>
-            <a:endParaRPr lang="en-US" dirty="0"/>
+            <a:endParaRPr lang="en-US"/>
           </a:p>
         </p:txBody>
       </p:sp>
     </p:spTree>
     <p:extLst>
       <p:ext uri="{BB962C8B-B14F-4D97-AF65-F5344CB8AC3E}">
-        <p14:creationId xmlns:p14="http://schemas.microsoft.com/office/powerpoint/2010/main" val="3074796233"/>
+        <p14:creationId xmlns:p14="http://schemas.microsoft.com/office/powerpoint/2010/main" val="2836734986"/>
       </p:ext>
     </p:extLst>
   </p:cSld>
   <p:clrMapOvr>
     <a:masterClrMapping/>
   </p:clrMapOvr>
+  <mc:AlternateContent xmlns:mc="http://schemas.openxmlformats.org/markup-compatibility/2006">
+    <mc:Choice xmlns:p159="http://schemas.microsoft.com/office/powerpoint/2015/09/main" Requires="p159">
+      <p:transition xmlns:p14="http://schemas.microsoft.com/office/powerpoint/2010/main" spd="slow" p14:dur="2000">
+        <p159:morph option="byWord"/>
+      </p:transition>
+    </mc:Choice>
+    <mc:Fallback>
+      <p:transition spd="slow">
+        <p:fade/>
+      </p:transition>
+    </mc:Fallback>
+  </mc:AlternateContent>
 </p:sld>
 </file>
 

--- a/business/PitchDeck/JIbres-PitchDeck-v1.pptx
+++ b/business/PitchDeck/JIbres-PitchDeck-v1.pptx
@@ -5,31 +5,30 @@
     <p:sldMasterId id="2147483714" r:id="rId1"/>
   </p:sldMasterIdLst>
   <p:notesMasterIdLst>
-    <p:notesMasterId r:id="rId21"/>
+    <p:notesMasterId r:id="rId20"/>
   </p:notesMasterIdLst>
   <p:handoutMasterIdLst>
-    <p:handoutMasterId r:id="rId22"/>
+    <p:handoutMasterId r:id="rId21"/>
   </p:handoutMasterIdLst>
   <p:sldIdLst>
     <p:sldId id="262" r:id="rId2"/>
     <p:sldId id="259" r:id="rId3"/>
     <p:sldId id="280" r:id="rId4"/>
-    <p:sldId id="257" r:id="rId5"/>
-    <p:sldId id="277" r:id="rId6"/>
-    <p:sldId id="270" r:id="rId7"/>
-    <p:sldId id="258" r:id="rId8"/>
-    <p:sldId id="271" r:id="rId9"/>
-    <p:sldId id="266" r:id="rId10"/>
-    <p:sldId id="269" r:id="rId11"/>
-    <p:sldId id="272" r:id="rId12"/>
-    <p:sldId id="265" r:id="rId13"/>
-    <p:sldId id="273" r:id="rId14"/>
-    <p:sldId id="275" r:id="rId15"/>
-    <p:sldId id="268" r:id="rId16"/>
-    <p:sldId id="276" r:id="rId17"/>
-    <p:sldId id="274" r:id="rId18"/>
-    <p:sldId id="279" r:id="rId19"/>
-    <p:sldId id="261" r:id="rId20"/>
+    <p:sldId id="277" r:id="rId5"/>
+    <p:sldId id="270" r:id="rId6"/>
+    <p:sldId id="258" r:id="rId7"/>
+    <p:sldId id="271" r:id="rId8"/>
+    <p:sldId id="266" r:id="rId9"/>
+    <p:sldId id="269" r:id="rId10"/>
+    <p:sldId id="272" r:id="rId11"/>
+    <p:sldId id="265" r:id="rId12"/>
+    <p:sldId id="273" r:id="rId13"/>
+    <p:sldId id="275" r:id="rId14"/>
+    <p:sldId id="268" r:id="rId15"/>
+    <p:sldId id="276" r:id="rId16"/>
+    <p:sldId id="274" r:id="rId17"/>
+    <p:sldId id="279" r:id="rId18"/>
+    <p:sldId id="261" r:id="rId19"/>
   </p:sldIdLst>
   <p:sldSz cx="12192000" cy="6858000"/>
   <p:notesSz cx="6858000" cy="9144000"/>
@@ -38,7 +37,7 @@
       <p:sldLst>
         <p:sld r:id="rId2"/>
         <p:sld r:id="rId3"/>
-        <p:sld r:id="rId5"/>
+        <p:sld r:id="rId6"/>
         <p:sld r:id="rId7"/>
         <p:sld r:id="rId8"/>
         <p:sld r:id="rId9"/>
@@ -46,26 +45,24 @@
         <p:sld r:id="rId11"/>
         <p:sld r:id="rId12"/>
         <p:sld r:id="rId13"/>
-        <p:sld r:id="rId14"/>
-        <p:sld r:id="rId16"/>
-        <p:sld r:id="rId20"/>
+        <p:sld r:id="rId15"/>
+        <p:sld r:id="rId19"/>
       </p:sldLst>
     </p:custShow>
     <p:custShow name="Demo Day" id="1">
       <p:sldLst>
         <p:sld r:id="rId2"/>
-        <p:sld r:id="rId14"/>
+        <p:sld r:id="rId13"/>
         <p:sld r:id="rId3"/>
-        <p:sld r:id="rId5"/>
+        <p:sld r:id="rId6"/>
+        <p:sld r:id="rId8"/>
         <p:sld r:id="rId7"/>
         <p:sld r:id="rId9"/>
-        <p:sld r:id="rId8"/>
         <p:sld r:id="rId10"/>
         <p:sld r:id="rId11"/>
         <p:sld r:id="rId12"/>
-        <p:sld r:id="rId13"/>
-        <p:sld r:id="rId16"/>
-        <p:sld r:id="rId20"/>
+        <p:sld r:id="rId15"/>
+        <p:sld r:id="rId19"/>
       </p:sldLst>
     </p:custShow>
   </p:custShowLst>
@@ -183,7 +180,6 @@
         <p14:section name="Solution" id="{8FC4EC59-1F84-4F78-B6F0-78F4CB8A3139}">
           <p14:sldIdLst>
             <p14:sldId id="280"/>
-            <p14:sldId id="257"/>
           </p14:sldIdLst>
         </p14:section>
         <p14:section name="Market Validation" id="{33AA2443-7388-4C85-A494-2C2129BCA270}">
@@ -1067,7 +1063,7 @@
           <a:p>
             <a:fld id="{EC29E1AC-3210-4C03-93DF-294BFDB0FAF7}" type="slidenum">
               <a:rPr lang="en-US" smtClean="0"/>
-              <a:t>13</a:t>
+              <a:t>12</a:t>
             </a:fld>
             <a:endParaRPr lang="en-US"/>
           </a:p>
@@ -1188,7 +1184,7 @@
           <a:p>
             <a:fld id="{EC29E1AC-3210-4C03-93DF-294BFDB0FAF7}" type="slidenum">
               <a:rPr lang="en-US" smtClean="0"/>
-              <a:t>14</a:t>
+              <a:t>13</a:t>
             </a:fld>
             <a:endParaRPr lang="en-US"/>
           </a:p>
@@ -1286,7 +1282,7 @@
           <a:p>
             <a:fld id="{EC29E1AC-3210-4C03-93DF-294BFDB0FAF7}" type="slidenum">
               <a:rPr lang="en-US" smtClean="0"/>
-              <a:t>16</a:t>
+              <a:t>15</a:t>
             </a:fld>
             <a:endParaRPr lang="en-US"/>
           </a:p>
@@ -4543,7 +4539,7 @@
 </file>
 
 <file path=ppt/slideLayouts/slideLayout3.xml><?xml version="1.0" encoding="utf-8"?>
-<p:sldLayout xmlns:a="http://schemas.openxmlformats.org/drawingml/2006/main" xmlns:r="http://schemas.openxmlformats.org/officeDocument/2006/relationships" xmlns:p="http://schemas.openxmlformats.org/presentationml/2006/main" type="obj" preserve="1">
+<p:sldLayout xmlns:a="http://schemas.openxmlformats.org/drawingml/2006/main" xmlns:r="http://schemas.openxmlformats.org/officeDocument/2006/relationships" xmlns:p="http://schemas.openxmlformats.org/presentationml/2006/main" preserve="1" userDrawn="1">
   <p:cSld name="Title and Big Content">
     <p:spTree>
       <p:nvGrpSpPr>
@@ -4593,8 +4589,8 @@
         </p:nvSpPr>
         <p:spPr>
           <a:xfrm>
-            <a:off x="1143000" y="2057400"/>
-            <a:ext cx="9872871" cy="4160731"/>
+            <a:off x="1068337" y="1871529"/>
+            <a:ext cx="10080000" cy="4346603"/>
           </a:xfrm>
         </p:spPr>
         <p:txBody>
@@ -4829,6 +4825,48 @@
           </a:p>
         </p:txBody>
       </p:sp>
+      <p:sp>
+        <p:nvSpPr>
+          <p:cNvPr id="9" name="Text Placeholder 8">
+            <a:extLst>
+              <a:ext uri="{FF2B5EF4-FFF2-40B4-BE49-F238E27FC236}">
+                <a16:creationId xmlns:a16="http://schemas.microsoft.com/office/drawing/2014/main" id="{8229BB6D-D1BE-47E2-B045-CF57D7FFFC5F}"/>
+              </a:ext>
+            </a:extLst>
+          </p:cNvPr>
+          <p:cNvSpPr>
+            <a:spLocks noGrp="1"/>
+          </p:cNvSpPr>
+          <p:nvPr>
+            <p:ph type="body" sz="quarter" idx="12"/>
+          </p:nvPr>
+        </p:nvSpPr>
+        <p:spPr>
+          <a:xfrm>
+            <a:off x="1060755" y="1330172"/>
+            <a:ext cx="10080000" cy="626809"/>
+          </a:xfrm>
+        </p:spPr>
+        <p:txBody>
+          <a:bodyPr/>
+          <a:lstStyle>
+            <a:lvl1pPr>
+              <a:buFontTx/>
+              <a:buNone/>
+              <a:defRPr sz="2000">
+                <a:cs typeface="+mn-cs"/>
+              </a:defRPr>
+            </a:lvl1pPr>
+          </a:lstStyle>
+          <a:p>
+            <a:pPr lvl="0"/>
+            <a:r>
+              <a:rPr lang="en-US" dirty="0"/>
+              <a:t>Click to edit Master text styles</a:t>
+            </a:r>
+          </a:p>
+        </p:txBody>
+      </p:sp>
     </p:spTree>
     <p:extLst>
       <p:ext uri="{BB962C8B-B14F-4D97-AF65-F5344CB8AC3E}">
@@ -4905,8 +4943,8 @@
         </p:nvSpPr>
         <p:spPr>
           <a:xfrm>
-            <a:off x="7708307" y="2057400"/>
-            <a:ext cx="3307564" cy="3839017"/>
+            <a:off x="7708307" y="1837346"/>
+            <a:ext cx="3307564" cy="4059071"/>
           </a:xfrm>
         </p:spPr>
         <p:txBody>
@@ -5159,8 +5197,8 @@
         </p:nvSpPr>
         <p:spPr>
           <a:xfrm>
-            <a:off x="1143000" y="2057400"/>
-            <a:ext cx="6411913" cy="3838575"/>
+            <a:off x="1143000" y="1837346"/>
+            <a:ext cx="6411913" cy="4058629"/>
           </a:xfrm>
         </p:spPr>
         <p:txBody>
@@ -6570,8 +6608,8 @@
         </p:nvSpPr>
         <p:spPr>
           <a:xfrm>
-            <a:off x="1143000" y="609600"/>
-            <a:ext cx="9875520" cy="1356360"/>
+            <a:off x="1057051" y="489956"/>
+            <a:ext cx="10080000" cy="936000"/>
           </a:xfrm>
           <a:prstGeom prst="rect">
             <a:avLst/>
@@ -6602,8 +6640,8 @@
         </p:nvSpPr>
         <p:spPr>
           <a:xfrm>
-            <a:off x="1143000" y="2057400"/>
-            <a:ext cx="9872871" cy="3839017"/>
+            <a:off x="1056004" y="1563880"/>
+            <a:ext cx="10080000" cy="4372553"/>
           </a:xfrm>
           <a:prstGeom prst="rect">
             <a:avLst/>
@@ -6819,7 +6857,7 @@
     <p:titleStyle>
       <a:lvl1pPr algn="r" defTabSz="914400" rtl="1" eaLnBrk="1" latinLnBrk="0" hangingPunct="1">
         <a:lnSpc>
-          <a:spcPct val="90000"/>
+          <a:spcPct val="100000"/>
         </a:lnSpc>
         <a:spcBef>
           <a:spcPct val="0"/>
@@ -7393,7 +7431,7 @@
           <p:cNvPr id="2" name="Title 1">
             <a:extLst>
               <a:ext uri="{FF2B5EF4-FFF2-40B4-BE49-F238E27FC236}">
-                <a16:creationId xmlns:a16="http://schemas.microsoft.com/office/drawing/2014/main" id="{84B747BF-7704-454D-89C6-8AD163CBED44}"/>
+                <a16:creationId xmlns:a16="http://schemas.microsoft.com/office/drawing/2014/main" id="{9E452C3F-ED25-483A-94FA-D2CE60013342}"/>
               </a:ext>
             </a:extLst>
           </p:cNvPr>
@@ -7411,7 +7449,7 @@
           <a:p>
             <a:r>
               <a:rPr lang="fa-IR" dirty="0"/>
-              <a:t>مزیت رقابتی</a:t>
+              <a:t>استراتژی بازاریابی</a:t>
             </a:r>
             <a:endParaRPr lang="en-US" dirty="0"/>
           </a:p>
@@ -7422,7 +7460,7 @@
           <p:cNvPr id="3" name="Content Placeholder 2">
             <a:extLst>
               <a:ext uri="{FF2B5EF4-FFF2-40B4-BE49-F238E27FC236}">
-                <a16:creationId xmlns:a16="http://schemas.microsoft.com/office/drawing/2014/main" id="{E54C571F-BC54-41C3-80D4-2B49DEB9574A}"/>
+                <a16:creationId xmlns:a16="http://schemas.microsoft.com/office/drawing/2014/main" id="{46F6534D-E736-4D33-B628-2F504052D36C}"/>
               </a:ext>
             </a:extLst>
           </p:cNvPr>
@@ -7438,30 +7476,14 @@
           <a:bodyPr/>
           <a:lstStyle/>
           <a:p>
-            <a:r>
-              <a:rPr lang="fa-IR" dirty="0"/>
-              <a:t>مزیت رقابتی</a:t>
-            </a:r>
-          </a:p>
-          <a:p>
-            <a:r>
-              <a:rPr lang="fa-IR" dirty="0"/>
-              <a:t>بیزینس مدل یا روش کسب درآمد</a:t>
-            </a:r>
-          </a:p>
-          <a:p>
-            <a:r>
-              <a:rPr lang="fa-IR" dirty="0"/>
-              <a:t>مارکتینگ و روش فروش</a:t>
-            </a:r>
-            <a:endParaRPr lang="en-US" dirty="0"/>
+            <a:endParaRPr lang="en-US"/>
           </a:p>
         </p:txBody>
       </p:sp>
     </p:spTree>
     <p:extLst>
       <p:ext uri="{BB962C8B-B14F-4D97-AF65-F5344CB8AC3E}">
-        <p14:creationId xmlns:p14="http://schemas.microsoft.com/office/powerpoint/2010/main" val="3074796233"/>
+        <p14:creationId xmlns:p14="http://schemas.microsoft.com/office/powerpoint/2010/main" val="951979677"/>
       </p:ext>
     </p:extLst>
   </p:cSld>
@@ -7505,7 +7527,7 @@
           <p:cNvPr id="2" name="Title 1">
             <a:extLst>
               <a:ext uri="{FF2B5EF4-FFF2-40B4-BE49-F238E27FC236}">
-                <a16:creationId xmlns:a16="http://schemas.microsoft.com/office/drawing/2014/main" id="{9E452C3F-ED25-483A-94FA-D2CE60013342}"/>
+                <a16:creationId xmlns:a16="http://schemas.microsoft.com/office/drawing/2014/main" id="{5D34B8C1-6180-431A-B964-C1F4DCF47BEB}"/>
               </a:ext>
             </a:extLst>
           </p:cNvPr>
@@ -7523,7 +7545,7 @@
           <a:p>
             <a:r>
               <a:rPr lang="fa-IR" dirty="0"/>
-              <a:t>استراتژی بازاریابی</a:t>
+              <a:t>تیم</a:t>
             </a:r>
             <a:endParaRPr lang="en-US" dirty="0"/>
           </a:p>
@@ -7534,7 +7556,7 @@
           <p:cNvPr id="3" name="Content Placeholder 2">
             <a:extLst>
               <a:ext uri="{FF2B5EF4-FFF2-40B4-BE49-F238E27FC236}">
-                <a16:creationId xmlns:a16="http://schemas.microsoft.com/office/drawing/2014/main" id="{46F6534D-E736-4D33-B628-2F504052D36C}"/>
+                <a16:creationId xmlns:a16="http://schemas.microsoft.com/office/drawing/2014/main" id="{092DD4A4-12C4-4972-9756-B15D521CB5E2}"/>
               </a:ext>
             </a:extLst>
           </p:cNvPr>
@@ -7557,7 +7579,7 @@
     </p:spTree>
     <p:extLst>
       <p:ext uri="{BB962C8B-B14F-4D97-AF65-F5344CB8AC3E}">
-        <p14:creationId xmlns:p14="http://schemas.microsoft.com/office/powerpoint/2010/main" val="951979677"/>
+        <p14:creationId xmlns:p14="http://schemas.microsoft.com/office/powerpoint/2010/main" val="3309526977"/>
       </p:ext>
     </p:extLst>
   </p:cSld>
@@ -7601,7 +7623,7 @@
           <p:cNvPr id="2" name="Title 1">
             <a:extLst>
               <a:ext uri="{FF2B5EF4-FFF2-40B4-BE49-F238E27FC236}">
-                <a16:creationId xmlns:a16="http://schemas.microsoft.com/office/drawing/2014/main" id="{5D34B8C1-6180-431A-B964-C1F4DCF47BEB}"/>
+                <a16:creationId xmlns:a16="http://schemas.microsoft.com/office/drawing/2014/main" id="{4AA22767-FAF5-42FE-B0B3-0078F8DFEA8D}"/>
               </a:ext>
             </a:extLst>
           </p:cNvPr>
@@ -7619,7 +7641,7 @@
           <a:p>
             <a:r>
               <a:rPr lang="fa-IR" dirty="0"/>
-              <a:t>تیم</a:t>
+              <a:t>چشم انداز</a:t>
             </a:r>
             <a:endParaRPr lang="en-US" dirty="0"/>
           </a:p>
@@ -7630,7 +7652,7 @@
           <p:cNvPr id="3" name="Content Placeholder 2">
             <a:extLst>
               <a:ext uri="{FF2B5EF4-FFF2-40B4-BE49-F238E27FC236}">
-                <a16:creationId xmlns:a16="http://schemas.microsoft.com/office/drawing/2014/main" id="{092DD4A4-12C4-4972-9756-B15D521CB5E2}"/>
+                <a16:creationId xmlns:a16="http://schemas.microsoft.com/office/drawing/2014/main" id="{464B4C08-6DC1-4F90-8085-F78FF2E008CF}"/>
               </a:ext>
             </a:extLst>
           </p:cNvPr>
@@ -7641,19 +7663,64 @@
             <p:ph idx="1"/>
           </p:nvPr>
         </p:nvSpPr>
-        <p:spPr/>
+        <p:spPr>
+          <a:xfrm>
+            <a:off x="1143000" y="2704289"/>
+            <a:ext cx="9872871" cy="3192128"/>
+          </a:xfrm>
+        </p:spPr>
         <p:txBody>
           <a:bodyPr/>
           <a:lstStyle/>
           <a:p>
-            <a:endParaRPr lang="en-US"/>
+            <a:pPr marL="45720" indent="0" algn="ctr">
+              <a:buNone/>
+            </a:pPr>
+            <a:r>
+              <a:rPr lang="fa-IR" sz="4400" dirty="0">
+                <a:effectLst/>
+                <a:ea typeface="IRANYekan" panose="020B0506030804020204" pitchFamily="34" charset="-78"/>
+                <a:cs typeface="IRANYekan" panose="020B0506030804020204" pitchFamily="34" charset="-78"/>
+              </a:rPr>
+              <a:t>پلتفرم شماره یک مالی جهان</a:t>
+            </a:r>
+          </a:p>
+          <a:p>
+            <a:pPr marL="45720" indent="0" algn="ctr">
+              <a:buNone/>
+            </a:pPr>
+            <a:r>
+              <a:rPr lang="fa-IR" sz="2000" dirty="0">
+                <a:effectLst/>
+                <a:ea typeface="IRANYekan" panose="020B0506030804020204" pitchFamily="34" charset="-78"/>
+                <a:cs typeface="IRANYekan" panose="020B0506030804020204" pitchFamily="34" charset="-78"/>
+              </a:rPr>
+              <a:t>و رسیدن به جایگاه بزرگترین </a:t>
+            </a:r>
+            <a:r>
+              <a:rPr lang="fa-IR" sz="2000" dirty="0">
+                <a:effectLst/>
+                <a:ea typeface="IRANYekan" panose="020B0506030804020204" pitchFamily="34" charset="-78"/>
+                <a:cs typeface="+mj-cs"/>
+              </a:rPr>
+              <a:t>پلتفرم تجارت الکترونیکی</a:t>
+            </a:r>
+            <a:r>
+              <a:rPr lang="fa-IR" sz="2000" dirty="0">
+                <a:effectLst/>
+                <a:ea typeface="IRANYekan" panose="020B0506030804020204" pitchFamily="34" charset="-78"/>
+                <a:cs typeface="IRANYekan" panose="020B0506030804020204" pitchFamily="34" charset="-78"/>
+              </a:rPr>
+              <a:t> در دنیا</a:t>
+            </a:r>
+            <a:endParaRPr lang="en-US" sz="2400" dirty="0"/>
           </a:p>
         </p:txBody>
       </p:sp>
     </p:spTree>
     <p:extLst>
       <p:ext uri="{BB962C8B-B14F-4D97-AF65-F5344CB8AC3E}">
-        <p14:creationId xmlns:p14="http://schemas.microsoft.com/office/powerpoint/2010/main" val="3309526977"/>
+        <p14:creationId xmlns:p14="http://schemas.microsoft.com/office/powerpoint/2010/main" val="3819861127"/>
       </p:ext>
     </p:extLst>
   </p:cSld>
@@ -7697,7 +7764,7 @@
           <p:cNvPr id="2" name="Title 1">
             <a:extLst>
               <a:ext uri="{FF2B5EF4-FFF2-40B4-BE49-F238E27FC236}">
-                <a16:creationId xmlns:a16="http://schemas.microsoft.com/office/drawing/2014/main" id="{4AA22767-FAF5-42FE-B0B3-0078F8DFEA8D}"/>
+                <a16:creationId xmlns:a16="http://schemas.microsoft.com/office/drawing/2014/main" id="{AB6F361B-7244-4C25-AFDB-1BFA5464214E}"/>
               </a:ext>
             </a:extLst>
           </p:cNvPr>
@@ -7715,7 +7782,7 @@
           <a:p>
             <a:r>
               <a:rPr lang="fa-IR" dirty="0"/>
-              <a:t>چشم انداز</a:t>
+              <a:t>پیش بینی مالی</a:t>
             </a:r>
             <a:endParaRPr lang="en-US" dirty="0"/>
           </a:p>
@@ -7726,7 +7793,7 @@
           <p:cNvPr id="3" name="Content Placeholder 2">
             <a:extLst>
               <a:ext uri="{FF2B5EF4-FFF2-40B4-BE49-F238E27FC236}">
-                <a16:creationId xmlns:a16="http://schemas.microsoft.com/office/drawing/2014/main" id="{464B4C08-6DC1-4F90-8085-F78FF2E008CF}"/>
+                <a16:creationId xmlns:a16="http://schemas.microsoft.com/office/drawing/2014/main" id="{59D86E9E-6883-496F-925A-355E3D0A4AB2}"/>
               </a:ext>
             </a:extLst>
           </p:cNvPr>
@@ -7737,64 +7804,19 @@
             <p:ph idx="1"/>
           </p:nvPr>
         </p:nvSpPr>
-        <p:spPr>
-          <a:xfrm>
-            <a:off x="1143000" y="2704289"/>
-            <a:ext cx="9872871" cy="3192128"/>
-          </a:xfrm>
-        </p:spPr>
+        <p:spPr/>
         <p:txBody>
           <a:bodyPr/>
           <a:lstStyle/>
           <a:p>
-            <a:pPr marL="45720" indent="0" algn="ctr">
-              <a:buNone/>
-            </a:pPr>
-            <a:r>
-              <a:rPr lang="fa-IR" sz="4400" dirty="0">
-                <a:effectLst/>
-                <a:ea typeface="IRANYekan" panose="020B0506030804020204" pitchFamily="34" charset="-78"/>
-                <a:cs typeface="IRANYekan" panose="020B0506030804020204" pitchFamily="34" charset="-78"/>
-              </a:rPr>
-              <a:t>پلتفرم شماره یک مالی جهان</a:t>
-            </a:r>
-          </a:p>
-          <a:p>
-            <a:pPr marL="45720" indent="0" algn="ctr">
-              <a:buNone/>
-            </a:pPr>
-            <a:r>
-              <a:rPr lang="fa-IR" sz="2000" dirty="0">
-                <a:effectLst/>
-                <a:ea typeface="IRANYekan" panose="020B0506030804020204" pitchFamily="34" charset="-78"/>
-                <a:cs typeface="IRANYekan" panose="020B0506030804020204" pitchFamily="34" charset="-78"/>
-              </a:rPr>
-              <a:t>و رسیدن به جایگاه بزرگترین </a:t>
-            </a:r>
-            <a:r>
-              <a:rPr lang="fa-IR" sz="2000" dirty="0">
-                <a:effectLst/>
-                <a:ea typeface="IRANYekan" panose="020B0506030804020204" pitchFamily="34" charset="-78"/>
-                <a:cs typeface="+mj-cs"/>
-              </a:rPr>
-              <a:t>پلتفرم تجارت الکترونیکی</a:t>
-            </a:r>
-            <a:r>
-              <a:rPr lang="fa-IR" sz="2000" dirty="0">
-                <a:effectLst/>
-                <a:ea typeface="IRANYekan" panose="020B0506030804020204" pitchFamily="34" charset="-78"/>
-                <a:cs typeface="IRANYekan" panose="020B0506030804020204" pitchFamily="34" charset="-78"/>
-              </a:rPr>
-              <a:t> در دنیا</a:t>
-            </a:r>
-            <a:endParaRPr lang="en-US" sz="2400" dirty="0"/>
+            <a:endParaRPr lang="en-US" dirty="0"/>
           </a:p>
         </p:txBody>
       </p:sp>
     </p:spTree>
     <p:extLst>
       <p:ext uri="{BB962C8B-B14F-4D97-AF65-F5344CB8AC3E}">
-        <p14:creationId xmlns:p14="http://schemas.microsoft.com/office/powerpoint/2010/main" val="3819861127"/>
+        <p14:creationId xmlns:p14="http://schemas.microsoft.com/office/powerpoint/2010/main" val="1751857419"/>
       </p:ext>
     </p:extLst>
   </p:cSld>
@@ -7838,7 +7860,7 @@
           <p:cNvPr id="2" name="Title 1">
             <a:extLst>
               <a:ext uri="{FF2B5EF4-FFF2-40B4-BE49-F238E27FC236}">
-                <a16:creationId xmlns:a16="http://schemas.microsoft.com/office/drawing/2014/main" id="{AB6F361B-7244-4C25-AFDB-1BFA5464214E}"/>
+                <a16:creationId xmlns:a16="http://schemas.microsoft.com/office/drawing/2014/main" id="{30E6AE9E-A8AD-4894-BC43-63F3564DE479}"/>
               </a:ext>
             </a:extLst>
           </p:cNvPr>
@@ -7856,7 +7878,7 @@
           <a:p>
             <a:r>
               <a:rPr lang="fa-IR" dirty="0"/>
-              <a:t>پیش بینی مالی</a:t>
+              <a:t>سرمایه موردنیاز</a:t>
             </a:r>
             <a:endParaRPr lang="en-US" dirty="0"/>
           </a:p>
@@ -7867,7 +7889,7 @@
           <p:cNvPr id="3" name="Content Placeholder 2">
             <a:extLst>
               <a:ext uri="{FF2B5EF4-FFF2-40B4-BE49-F238E27FC236}">
-                <a16:creationId xmlns:a16="http://schemas.microsoft.com/office/drawing/2014/main" id="{59D86E9E-6883-496F-925A-355E3D0A4AB2}"/>
+                <a16:creationId xmlns:a16="http://schemas.microsoft.com/office/drawing/2014/main" id="{15F7D831-E496-4504-9E71-87A60A269D10}"/>
               </a:ext>
             </a:extLst>
           </p:cNvPr>
@@ -7883,14 +7905,14 @@
           <a:bodyPr/>
           <a:lstStyle/>
           <a:p>
-            <a:endParaRPr lang="en-US" dirty="0"/>
+            <a:endParaRPr lang="en-US"/>
           </a:p>
         </p:txBody>
       </p:sp>
     </p:spTree>
     <p:extLst>
       <p:ext uri="{BB962C8B-B14F-4D97-AF65-F5344CB8AC3E}">
-        <p14:creationId xmlns:p14="http://schemas.microsoft.com/office/powerpoint/2010/main" val="1751857419"/>
+        <p14:creationId xmlns:p14="http://schemas.microsoft.com/office/powerpoint/2010/main" val="3911523551"/>
       </p:ext>
     </p:extLst>
   </p:cSld>
@@ -7934,7 +7956,7 @@
           <p:cNvPr id="2" name="Title 1">
             <a:extLst>
               <a:ext uri="{FF2B5EF4-FFF2-40B4-BE49-F238E27FC236}">
-                <a16:creationId xmlns:a16="http://schemas.microsoft.com/office/drawing/2014/main" id="{30E6AE9E-A8AD-4894-BC43-63F3564DE479}"/>
+                <a16:creationId xmlns:a16="http://schemas.microsoft.com/office/drawing/2014/main" id="{4A502359-CFFA-40E0-900B-A1FB45DF9BC8}"/>
               </a:ext>
             </a:extLst>
           </p:cNvPr>
@@ -7952,7 +7974,7 @@
           <a:p>
             <a:r>
               <a:rPr lang="fa-IR" dirty="0"/>
-              <a:t>سرمایه موردنیاز</a:t>
+              <a:t>محل استفاده از سرمایه تامین شده</a:t>
             </a:r>
             <a:endParaRPr lang="en-US" dirty="0"/>
           </a:p>
@@ -7963,7 +7985,7 @@
           <p:cNvPr id="3" name="Content Placeholder 2">
             <a:extLst>
               <a:ext uri="{FF2B5EF4-FFF2-40B4-BE49-F238E27FC236}">
-                <a16:creationId xmlns:a16="http://schemas.microsoft.com/office/drawing/2014/main" id="{15F7D831-E496-4504-9E71-87A60A269D10}"/>
+                <a16:creationId xmlns:a16="http://schemas.microsoft.com/office/drawing/2014/main" id="{2754D455-BEBD-4CC9-A815-4C111FA323E9}"/>
               </a:ext>
             </a:extLst>
           </p:cNvPr>
@@ -7986,7 +8008,7 @@
     </p:spTree>
     <p:extLst>
       <p:ext uri="{BB962C8B-B14F-4D97-AF65-F5344CB8AC3E}">
-        <p14:creationId xmlns:p14="http://schemas.microsoft.com/office/powerpoint/2010/main" val="3911523551"/>
+        <p14:creationId xmlns:p14="http://schemas.microsoft.com/office/powerpoint/2010/main" val="2230933723"/>
       </p:ext>
     </p:extLst>
   </p:cSld>
@@ -8030,102 +8052,6 @@
           <p:cNvPr id="2" name="Title 1">
             <a:extLst>
               <a:ext uri="{FF2B5EF4-FFF2-40B4-BE49-F238E27FC236}">
-                <a16:creationId xmlns:a16="http://schemas.microsoft.com/office/drawing/2014/main" id="{4A502359-CFFA-40E0-900B-A1FB45DF9BC8}"/>
-              </a:ext>
-            </a:extLst>
-          </p:cNvPr>
-          <p:cNvSpPr>
-            <a:spLocks noGrp="1"/>
-          </p:cNvSpPr>
-          <p:nvPr>
-            <p:ph type="title"/>
-          </p:nvPr>
-        </p:nvSpPr>
-        <p:spPr/>
-        <p:txBody>
-          <a:bodyPr/>
-          <a:lstStyle/>
-          <a:p>
-            <a:r>
-              <a:rPr lang="fa-IR" dirty="0"/>
-              <a:t>محل استفاده از سرمایه تامین شده</a:t>
-            </a:r>
-            <a:endParaRPr lang="en-US" dirty="0"/>
-          </a:p>
-        </p:txBody>
-      </p:sp>
-      <p:sp>
-        <p:nvSpPr>
-          <p:cNvPr id="3" name="Content Placeholder 2">
-            <a:extLst>
-              <a:ext uri="{FF2B5EF4-FFF2-40B4-BE49-F238E27FC236}">
-                <a16:creationId xmlns:a16="http://schemas.microsoft.com/office/drawing/2014/main" id="{2754D455-BEBD-4CC9-A815-4C111FA323E9}"/>
-              </a:ext>
-            </a:extLst>
-          </p:cNvPr>
-          <p:cNvSpPr>
-            <a:spLocks noGrp="1"/>
-          </p:cNvSpPr>
-          <p:nvPr>
-            <p:ph idx="1"/>
-          </p:nvPr>
-        </p:nvSpPr>
-        <p:spPr/>
-        <p:txBody>
-          <a:bodyPr/>
-          <a:lstStyle/>
-          <a:p>
-            <a:endParaRPr lang="en-US"/>
-          </a:p>
-        </p:txBody>
-      </p:sp>
-    </p:spTree>
-    <p:extLst>
-      <p:ext uri="{BB962C8B-B14F-4D97-AF65-F5344CB8AC3E}">
-        <p14:creationId xmlns:p14="http://schemas.microsoft.com/office/powerpoint/2010/main" val="2230933723"/>
-      </p:ext>
-    </p:extLst>
-  </p:cSld>
-  <p:clrMapOvr>
-    <a:masterClrMapping/>
-  </p:clrMapOvr>
-  <mc:AlternateContent xmlns:mc="http://schemas.openxmlformats.org/markup-compatibility/2006">
-    <mc:Choice xmlns:p159="http://schemas.microsoft.com/office/powerpoint/2015/09/main" Requires="p159">
-      <p:transition xmlns:p14="http://schemas.microsoft.com/office/powerpoint/2010/main" spd="slow" p14:dur="2000">
-        <p159:morph option="byWord"/>
-      </p:transition>
-    </mc:Choice>
-    <mc:Fallback>
-      <p:transition spd="slow">
-        <p:fade/>
-      </p:transition>
-    </mc:Fallback>
-  </mc:AlternateContent>
-</p:sld>
-</file>
-
-<file path=ppt/slides/slide17.xml><?xml version="1.0" encoding="utf-8"?>
-<p:sld xmlns:a="http://schemas.openxmlformats.org/drawingml/2006/main" xmlns:r="http://schemas.openxmlformats.org/officeDocument/2006/relationships" xmlns:p="http://schemas.openxmlformats.org/presentationml/2006/main">
-  <p:cSld>
-    <p:spTree>
-      <p:nvGrpSpPr>
-        <p:cNvPr id="1" name=""/>
-        <p:cNvGrpSpPr/>
-        <p:nvPr/>
-      </p:nvGrpSpPr>
-      <p:grpSpPr>
-        <a:xfrm>
-          <a:off x="0" y="0"/>
-          <a:ext cx="0" cy="0"/>
-          <a:chOff x="0" y="0"/>
-          <a:chExt cx="0" cy="0"/>
-        </a:xfrm>
-      </p:grpSpPr>
-      <p:sp>
-        <p:nvSpPr>
-          <p:cNvPr id="2" name="Title 1">
-            <a:extLst>
-              <a:ext uri="{FF2B5EF4-FFF2-40B4-BE49-F238E27FC236}">
                 <a16:creationId xmlns:a16="http://schemas.microsoft.com/office/drawing/2014/main" id="{68CF4F0C-D55A-4293-A3D0-E7A9B00C04D1}"/>
               </a:ext>
             </a:extLst>
@@ -8215,7 +8141,7 @@
 </p:sld>
 </file>
 
-<file path=ppt/slides/slide18.xml><?xml version="1.0" encoding="utf-8"?>
+<file path=ppt/slides/slide17.xml><?xml version="1.0" encoding="utf-8"?>
 <p:sld xmlns:a="http://schemas.openxmlformats.org/drawingml/2006/main" xmlns:r="http://schemas.openxmlformats.org/officeDocument/2006/relationships" xmlns:p="http://schemas.openxmlformats.org/presentationml/2006/main">
   <p:cSld>
     <p:spTree>
@@ -9282,7 +9208,7 @@
 </p:sld>
 </file>
 
-<file path=ppt/slides/slide19.xml><?xml version="1.0" encoding="utf-8"?>
+<file path=ppt/slides/slide18.xml><?xml version="1.0" encoding="utf-8"?>
 <p:sld xmlns:a="http://schemas.openxmlformats.org/drawingml/2006/main" xmlns:r="http://schemas.openxmlformats.org/officeDocument/2006/relationships" xmlns:p="http://schemas.openxmlformats.org/presentationml/2006/main">
   <p:cSld>
     <p:spTree>
@@ -9400,48 +9326,38 @@
         </p:blipFill>
         <p:spPr>
           <a:xfrm>
-            <a:off x="1147968" y="2057400"/>
-            <a:ext cx="9862727" cy="4160838"/>
+            <a:off x="1068388" y="1918569"/>
+            <a:ext cx="10080625" cy="4252763"/>
           </a:xfrm>
         </p:spPr>
       </p:pic>
       <p:sp>
         <p:nvSpPr>
-          <p:cNvPr id="13" name="TextBox 12">
+          <p:cNvPr id="14" name="Text Placeholder 13">
             <a:extLst>
               <a:ext uri="{FF2B5EF4-FFF2-40B4-BE49-F238E27FC236}">
-                <a16:creationId xmlns:a16="http://schemas.microsoft.com/office/drawing/2014/main" id="{05C85FC4-1E8C-45AB-BA34-7608B86EB9A7}"/>
+                <a16:creationId xmlns:a16="http://schemas.microsoft.com/office/drawing/2014/main" id="{1504A111-FADF-4422-9205-36572D452820}"/>
               </a:ext>
             </a:extLst>
           </p:cNvPr>
-          <p:cNvSpPr txBox="1"/>
-          <p:nvPr/>
-        </p:nvSpPr>
-        <p:spPr>
-          <a:xfrm>
-            <a:off x="6096001" y="1868684"/>
-            <a:ext cx="4922520" cy="400110"/>
-          </a:xfrm>
-          <a:prstGeom prst="rect">
-            <a:avLst/>
-          </a:prstGeom>
-          <a:noFill/>
-        </p:spPr>
-        <p:txBody>
-          <a:bodyPr wrap="square">
-            <a:spAutoFit/>
-          </a:bodyPr>
+          <p:cNvSpPr>
+            <a:spLocks noGrp="1"/>
+          </p:cNvSpPr>
+          <p:nvPr>
+            <p:ph type="body" sz="quarter" idx="12"/>
+          </p:nvPr>
+        </p:nvSpPr>
+        <p:spPr/>
+        <p:txBody>
+          <a:bodyPr/>
           <a:lstStyle/>
           <a:p>
-            <a:pPr marL="45720" indent="0" algn="r" rtl="1">
-              <a:buNone/>
-            </a:pPr>
-            <a:r>
-              <a:rPr lang="fa-IR" sz="2400" dirty="0"/>
+            <a:r>
+              <a:rPr lang="fa-IR" sz="2000" dirty="0"/>
               <a:t>پلتفرم تجارت الکترونیک </a:t>
             </a:r>
             <a:r>
-              <a:rPr lang="fa-IR" sz="2400" dirty="0">
+              <a:rPr lang="fa-IR" sz="2000" dirty="0">
                 <a:solidFill>
                   <a:srgbClr val="C80A5A"/>
                 </a:solidFill>
@@ -9449,7 +9365,7 @@
               </a:rPr>
               <a:t>یکپارچه</a:t>
             </a:r>
-            <a:endParaRPr lang="en-US" sz="2400" dirty="0">
+            <a:endParaRPr lang="en-US" sz="2000" dirty="0">
               <a:solidFill>
                 <a:srgbClr val="C80A5A"/>
               </a:solidFill>
@@ -9559,11 +9475,54 @@
         </p:blipFill>
         <p:spPr>
           <a:xfrm>
-            <a:off x="1147968" y="2057400"/>
-            <a:ext cx="9862727" cy="4160838"/>
+            <a:off x="1068388" y="1918569"/>
+            <a:ext cx="10080625" cy="4252763"/>
           </a:xfrm>
         </p:spPr>
       </p:pic>
+      <p:sp>
+        <p:nvSpPr>
+          <p:cNvPr id="8" name="Text Placeholder 7">
+            <a:extLst>
+              <a:ext uri="{FF2B5EF4-FFF2-40B4-BE49-F238E27FC236}">
+                <a16:creationId xmlns:a16="http://schemas.microsoft.com/office/drawing/2014/main" id="{04CFB16C-AB68-4A13-BD30-D4F89240F3FC}"/>
+              </a:ext>
+            </a:extLst>
+          </p:cNvPr>
+          <p:cNvSpPr>
+            <a:spLocks noGrp="1"/>
+          </p:cNvSpPr>
+          <p:nvPr>
+            <p:ph type="body" sz="quarter" idx="12"/>
+          </p:nvPr>
+        </p:nvSpPr>
+        <p:spPr/>
+        <p:txBody>
+          <a:bodyPr>
+            <a:noAutofit/>
+          </a:bodyPr>
+          <a:lstStyle/>
+          <a:p>
+            <a:r>
+              <a:rPr lang="fa-IR" sz="2000" dirty="0"/>
+              <a:t>یک پلتفرم تجارت الکترونیک </a:t>
+            </a:r>
+            <a:r>
+              <a:rPr lang="fa-IR" sz="2000" dirty="0">
+                <a:solidFill>
+                  <a:srgbClr val="C80A5A"/>
+                </a:solidFill>
+                <a:cs typeface="+mj-cs"/>
+              </a:rPr>
+              <a:t>یکپارچه</a:t>
+            </a:r>
+            <a:r>
+              <a:rPr lang="fa-IR" sz="2000" dirty="0"/>
+              <a:t> که تمام کانال‌های فروش بیزینس به آن متصل باشند.</a:t>
+            </a:r>
+          </a:p>
+        </p:txBody>
+      </p:sp>
     </p:spTree>
     <p:extLst>
       <p:ext uri="{BB962C8B-B14F-4D97-AF65-F5344CB8AC3E}">
@@ -9611,7 +9570,7 @@
           <p:cNvPr id="2" name="Title 1">
             <a:extLst>
               <a:ext uri="{FF2B5EF4-FFF2-40B4-BE49-F238E27FC236}">
-                <a16:creationId xmlns:a16="http://schemas.microsoft.com/office/drawing/2014/main" id="{F493A3D6-F5C9-4E64-8700-D858AD1A9CA2}"/>
+                <a16:creationId xmlns:a16="http://schemas.microsoft.com/office/drawing/2014/main" id="{E6206EEC-326E-44DB-AB86-A5680D5E7517}"/>
               </a:ext>
             </a:extLst>
           </p:cNvPr>
@@ -9629,7 +9588,7 @@
           <a:p>
             <a:r>
               <a:rPr lang="fa-IR" dirty="0"/>
-              <a:t>راهکار</a:t>
+              <a:t>اعتبارسنجی بازار</a:t>
             </a:r>
             <a:endParaRPr lang="en-US" dirty="0"/>
           </a:p>
@@ -9640,7 +9599,7 @@
           <p:cNvPr id="3" name="Content Placeholder 2">
             <a:extLst>
               <a:ext uri="{FF2B5EF4-FFF2-40B4-BE49-F238E27FC236}">
-                <a16:creationId xmlns:a16="http://schemas.microsoft.com/office/drawing/2014/main" id="{66DDAEC7-413A-4FC9-B3B7-F998134C531A}"/>
+                <a16:creationId xmlns:a16="http://schemas.microsoft.com/office/drawing/2014/main" id="{75367ABD-D08C-4BD8-A9D8-F8C1EB607050}"/>
               </a:ext>
             </a:extLst>
           </p:cNvPr>
@@ -9658,37 +9617,18 @@
           <a:p>
             <a:r>
               <a:rPr lang="fa-IR" dirty="0"/>
-              <a:t>یک پلتفرم تجارت الکترونیک </a:t>
-            </a:r>
-            <a:r>
-              <a:rPr lang="fa-IR" dirty="0">
-                <a:solidFill>
-                  <a:srgbClr val="C80A5A"/>
-                </a:solidFill>
-                <a:cs typeface="+mj-cs"/>
-              </a:rPr>
-              <a:t>یکپارچه</a:t>
-            </a:r>
-            <a:r>
-              <a:rPr lang="fa-IR" dirty="0"/>
-              <a:t> که تمام کانال‌های فروش کسب و کار به آن متصل باشند.</a:t>
-            </a:r>
-          </a:p>
-          <a:p>
-            <a:r>
-              <a:rPr lang="fa-IR" dirty="0"/>
-              <a:t>ذخیره پول جلوگیری از هزینه سرسام‌آور برای طراحی اختصاصی</a:t>
-            </a:r>
-          </a:p>
-          <a:p>
-            <a:endParaRPr lang="fa-IR" dirty="0"/>
+              <a:t>چرا الان؟</a:t>
+            </a:r>
+          </a:p>
+          <a:p>
+            <a:endParaRPr lang="en-US" dirty="0"/>
           </a:p>
         </p:txBody>
       </p:sp>
     </p:spTree>
     <p:extLst>
       <p:ext uri="{BB962C8B-B14F-4D97-AF65-F5344CB8AC3E}">
-        <p14:creationId xmlns:p14="http://schemas.microsoft.com/office/powerpoint/2010/main" val="279147718"/>
+        <p14:creationId xmlns:p14="http://schemas.microsoft.com/office/powerpoint/2010/main" val="3322250093"/>
       </p:ext>
     </p:extLst>
   </p:cSld>
@@ -9732,7 +9672,7 @@
           <p:cNvPr id="2" name="Title 1">
             <a:extLst>
               <a:ext uri="{FF2B5EF4-FFF2-40B4-BE49-F238E27FC236}">
-                <a16:creationId xmlns:a16="http://schemas.microsoft.com/office/drawing/2014/main" id="{E6206EEC-326E-44DB-AB86-A5680D5E7517}"/>
+                <a16:creationId xmlns:a16="http://schemas.microsoft.com/office/drawing/2014/main" id="{60117D4C-CC92-44AD-9C90-C33F0A725232}"/>
               </a:ext>
             </a:extLst>
           </p:cNvPr>
@@ -9750,7 +9690,7 @@
           <a:p>
             <a:r>
               <a:rPr lang="fa-IR" dirty="0"/>
-              <a:t>اعتبارسنجی بازار</a:t>
+              <a:t>دموی محصول</a:t>
             </a:r>
             <a:endParaRPr lang="en-US" dirty="0"/>
           </a:p>
@@ -9761,7 +9701,7 @@
           <p:cNvPr id="3" name="Content Placeholder 2">
             <a:extLst>
               <a:ext uri="{FF2B5EF4-FFF2-40B4-BE49-F238E27FC236}">
-                <a16:creationId xmlns:a16="http://schemas.microsoft.com/office/drawing/2014/main" id="{75367ABD-D08C-4BD8-A9D8-F8C1EB607050}"/>
+                <a16:creationId xmlns:a16="http://schemas.microsoft.com/office/drawing/2014/main" id="{D281949B-4E50-4E45-A287-8E59954A83B0}"/>
               </a:ext>
             </a:extLst>
           </p:cNvPr>
@@ -9779,10 +9719,8 @@
           <a:p>
             <a:r>
               <a:rPr lang="fa-IR" dirty="0"/>
-              <a:t>چرا الان؟</a:t>
-            </a:r>
-          </a:p>
-          <a:p>
+              <a:t>درباره امکانات و ریز اون‌ها</a:t>
+            </a:r>
             <a:endParaRPr lang="en-US" dirty="0"/>
           </a:p>
         </p:txBody>
@@ -9790,7 +9728,7 @@
     </p:spTree>
     <p:extLst>
       <p:ext uri="{BB962C8B-B14F-4D97-AF65-F5344CB8AC3E}">
-        <p14:creationId xmlns:p14="http://schemas.microsoft.com/office/powerpoint/2010/main" val="3322250093"/>
+        <p14:creationId xmlns:p14="http://schemas.microsoft.com/office/powerpoint/2010/main" val="2509938767"/>
       </p:ext>
     </p:extLst>
   </p:cSld>
@@ -9834,7 +9772,7 @@
           <p:cNvPr id="2" name="Title 1">
             <a:extLst>
               <a:ext uri="{FF2B5EF4-FFF2-40B4-BE49-F238E27FC236}">
-                <a16:creationId xmlns:a16="http://schemas.microsoft.com/office/drawing/2014/main" id="{60117D4C-CC92-44AD-9C90-C33F0A725232}"/>
+                <a16:creationId xmlns:a16="http://schemas.microsoft.com/office/drawing/2014/main" id="{A55E623B-4760-4F62-AB7A-4FB209399CE6}"/>
               </a:ext>
             </a:extLst>
           </p:cNvPr>
@@ -9852,7 +9790,7 @@
           <a:p>
             <a:r>
               <a:rPr lang="fa-IR" dirty="0"/>
-              <a:t>دموی محصول</a:t>
+              <a:t>حجم بازار</a:t>
             </a:r>
             <a:endParaRPr lang="en-US" dirty="0"/>
           </a:p>
@@ -9863,7 +9801,7 @@
           <p:cNvPr id="3" name="Content Placeholder 2">
             <a:extLst>
               <a:ext uri="{FF2B5EF4-FFF2-40B4-BE49-F238E27FC236}">
-                <a16:creationId xmlns:a16="http://schemas.microsoft.com/office/drawing/2014/main" id="{D281949B-4E50-4E45-A287-8E59954A83B0}"/>
+                <a16:creationId xmlns:a16="http://schemas.microsoft.com/office/drawing/2014/main" id="{625CBF74-0A34-4DD1-A217-7A71D7E2FE04}"/>
               </a:ext>
             </a:extLst>
           </p:cNvPr>
@@ -9879,18 +9817,14 @@
           <a:bodyPr/>
           <a:lstStyle/>
           <a:p>
-            <a:r>
-              <a:rPr lang="fa-IR" dirty="0"/>
-              <a:t>درباره امکانات و ریز اون‌ها</a:t>
-            </a:r>
-            <a:endParaRPr lang="en-US" dirty="0"/>
+            <a:endParaRPr lang="en-US"/>
           </a:p>
         </p:txBody>
       </p:sp>
     </p:spTree>
     <p:extLst>
       <p:ext uri="{BB962C8B-B14F-4D97-AF65-F5344CB8AC3E}">
-        <p14:creationId xmlns:p14="http://schemas.microsoft.com/office/powerpoint/2010/main" val="2509938767"/>
+        <p14:creationId xmlns:p14="http://schemas.microsoft.com/office/powerpoint/2010/main" val="1448984731"/>
       </p:ext>
     </p:extLst>
   </p:cSld>
@@ -9934,7 +9868,7 @@
           <p:cNvPr id="2" name="Title 1">
             <a:extLst>
               <a:ext uri="{FF2B5EF4-FFF2-40B4-BE49-F238E27FC236}">
-                <a16:creationId xmlns:a16="http://schemas.microsoft.com/office/drawing/2014/main" id="{A55E623B-4760-4F62-AB7A-4FB209399CE6}"/>
+                <a16:creationId xmlns:a16="http://schemas.microsoft.com/office/drawing/2014/main" id="{78999E65-B826-4419-A372-7178F0A2FF18}"/>
               </a:ext>
             </a:extLst>
           </p:cNvPr>
@@ -9952,7 +9886,7 @@
           <a:p>
             <a:r>
               <a:rPr lang="fa-IR" dirty="0"/>
-              <a:t>حجم بازار</a:t>
+              <a:t>بیزینس مدل فری‌میوم</a:t>
             </a:r>
             <a:endParaRPr lang="en-US" dirty="0"/>
           </a:p>
@@ -9963,7 +9897,7 @@
           <p:cNvPr id="3" name="Content Placeholder 2">
             <a:extLst>
               <a:ext uri="{FF2B5EF4-FFF2-40B4-BE49-F238E27FC236}">
-                <a16:creationId xmlns:a16="http://schemas.microsoft.com/office/drawing/2014/main" id="{625CBF74-0A34-4DD1-A217-7A71D7E2FE04}"/>
+                <a16:creationId xmlns:a16="http://schemas.microsoft.com/office/drawing/2014/main" id="{5D06C720-2A35-4AE3-9E85-7EF30AB81A20}"/>
               </a:ext>
             </a:extLst>
           </p:cNvPr>
@@ -9986,7 +9920,7 @@
     </p:spTree>
     <p:extLst>
       <p:ext uri="{BB962C8B-B14F-4D97-AF65-F5344CB8AC3E}">
-        <p14:creationId xmlns:p14="http://schemas.microsoft.com/office/powerpoint/2010/main" val="1448984731"/>
+        <p14:creationId xmlns:p14="http://schemas.microsoft.com/office/powerpoint/2010/main" val="2921887442"/>
       </p:ext>
     </p:extLst>
   </p:cSld>
@@ -10030,7 +9964,7 @@
           <p:cNvPr id="2" name="Title 1">
             <a:extLst>
               <a:ext uri="{FF2B5EF4-FFF2-40B4-BE49-F238E27FC236}">
-                <a16:creationId xmlns:a16="http://schemas.microsoft.com/office/drawing/2014/main" id="{78999E65-B826-4419-A372-7178F0A2FF18}"/>
+                <a16:creationId xmlns:a16="http://schemas.microsoft.com/office/drawing/2014/main" id="{9F9067C3-8489-4637-B0E1-62E01A9DF117}"/>
               </a:ext>
             </a:extLst>
           </p:cNvPr>
@@ -10048,7 +9982,7 @@
           <a:p>
             <a:r>
               <a:rPr lang="fa-IR" dirty="0"/>
-              <a:t>بیزینس مدل فری‌میوم</a:t>
+              <a:t>رقبا</a:t>
             </a:r>
             <a:endParaRPr lang="en-US" dirty="0"/>
           </a:p>
@@ -10059,7 +9993,7 @@
           <p:cNvPr id="3" name="Content Placeholder 2">
             <a:extLst>
               <a:ext uri="{FF2B5EF4-FFF2-40B4-BE49-F238E27FC236}">
-                <a16:creationId xmlns:a16="http://schemas.microsoft.com/office/drawing/2014/main" id="{5D06C720-2A35-4AE3-9E85-7EF30AB81A20}"/>
+                <a16:creationId xmlns:a16="http://schemas.microsoft.com/office/drawing/2014/main" id="{B04D06BC-3FD3-4B50-807E-200EE28669A2}"/>
               </a:ext>
             </a:extLst>
           </p:cNvPr>
@@ -10082,7 +10016,7 @@
     </p:spTree>
     <p:extLst>
       <p:ext uri="{BB962C8B-B14F-4D97-AF65-F5344CB8AC3E}">
-        <p14:creationId xmlns:p14="http://schemas.microsoft.com/office/powerpoint/2010/main" val="2921887442"/>
+        <p14:creationId xmlns:p14="http://schemas.microsoft.com/office/powerpoint/2010/main" val="2836734986"/>
       </p:ext>
     </p:extLst>
   </p:cSld>
@@ -10126,7 +10060,7 @@
           <p:cNvPr id="2" name="Title 1">
             <a:extLst>
               <a:ext uri="{FF2B5EF4-FFF2-40B4-BE49-F238E27FC236}">
-                <a16:creationId xmlns:a16="http://schemas.microsoft.com/office/drawing/2014/main" id="{9F9067C3-8489-4637-B0E1-62E01A9DF117}"/>
+                <a16:creationId xmlns:a16="http://schemas.microsoft.com/office/drawing/2014/main" id="{84B747BF-7704-454D-89C6-8AD163CBED44}"/>
               </a:ext>
             </a:extLst>
           </p:cNvPr>
@@ -10144,7 +10078,7 @@
           <a:p>
             <a:r>
               <a:rPr lang="fa-IR" dirty="0"/>
-              <a:t>رقبا</a:t>
+              <a:t>مزیت رقابتی</a:t>
             </a:r>
             <a:endParaRPr lang="en-US" dirty="0"/>
           </a:p>
@@ -10155,7 +10089,7 @@
           <p:cNvPr id="3" name="Content Placeholder 2">
             <a:extLst>
               <a:ext uri="{FF2B5EF4-FFF2-40B4-BE49-F238E27FC236}">
-                <a16:creationId xmlns:a16="http://schemas.microsoft.com/office/drawing/2014/main" id="{B04D06BC-3FD3-4B50-807E-200EE28669A2}"/>
+                <a16:creationId xmlns:a16="http://schemas.microsoft.com/office/drawing/2014/main" id="{E54C571F-BC54-41C3-80D4-2B49DEB9574A}"/>
               </a:ext>
             </a:extLst>
           </p:cNvPr>
@@ -10171,14 +10105,30 @@
           <a:bodyPr/>
           <a:lstStyle/>
           <a:p>
-            <a:endParaRPr lang="en-US"/>
+            <a:r>
+              <a:rPr lang="fa-IR" dirty="0"/>
+              <a:t>مزیت رقابتی</a:t>
+            </a:r>
+          </a:p>
+          <a:p>
+            <a:r>
+              <a:rPr lang="fa-IR" dirty="0"/>
+              <a:t>بیزینس مدل یا روش کسب درآمد</a:t>
+            </a:r>
+          </a:p>
+          <a:p>
+            <a:r>
+              <a:rPr lang="fa-IR" dirty="0"/>
+              <a:t>مارکتینگ و روش فروش</a:t>
+            </a:r>
+            <a:endParaRPr lang="en-US" dirty="0"/>
           </a:p>
         </p:txBody>
       </p:sp>
     </p:spTree>
     <p:extLst>
       <p:ext uri="{BB962C8B-B14F-4D97-AF65-F5344CB8AC3E}">
-        <p14:creationId xmlns:p14="http://schemas.microsoft.com/office/powerpoint/2010/main" val="2836734986"/>
+        <p14:creationId xmlns:p14="http://schemas.microsoft.com/office/powerpoint/2010/main" val="3074796233"/>
       </p:ext>
     </p:extLst>
   </p:cSld>

--- a/business/PitchDeck/JIbres-PitchDeck-v1.pptx
+++ b/business/PitchDeck/JIbres-PitchDeck-v1.pptx
@@ -14,8 +14,8 @@
     <p:sldId id="262" r:id="rId2"/>
     <p:sldId id="259" r:id="rId3"/>
     <p:sldId id="280" r:id="rId4"/>
-    <p:sldId id="277" r:id="rId5"/>
-    <p:sldId id="270" r:id="rId6"/>
+    <p:sldId id="270" r:id="rId5"/>
+    <p:sldId id="277" r:id="rId6"/>
     <p:sldId id="258" r:id="rId7"/>
     <p:sldId id="271" r:id="rId8"/>
     <p:sldId id="266" r:id="rId9"/>
@@ -37,7 +37,7 @@
       <p:sldLst>
         <p:sld r:id="rId2"/>
         <p:sld r:id="rId3"/>
-        <p:sld r:id="rId6"/>
+        <p:sld r:id="rId5"/>
         <p:sld r:id="rId7"/>
         <p:sld r:id="rId8"/>
         <p:sld r:id="rId9"/>
@@ -54,7 +54,7 @@
         <p:sld r:id="rId2"/>
         <p:sld r:id="rId13"/>
         <p:sld r:id="rId3"/>
-        <p:sld r:id="rId6"/>
+        <p:sld r:id="rId5"/>
         <p:sld r:id="rId8"/>
         <p:sld r:id="rId7"/>
         <p:sld r:id="rId9"/>
@@ -182,14 +182,14 @@
             <p14:sldId id="280"/>
           </p14:sldIdLst>
         </p14:section>
+        <p14:section name="Product Demo" id="{40F2F240-9D91-412E-A23A-8E95F7901267}">
+          <p14:sldIdLst>
+            <p14:sldId id="270"/>
+          </p14:sldIdLst>
+        </p14:section>
         <p14:section name="Market Validation" id="{33AA2443-7388-4C85-A494-2C2129BCA270}">
           <p14:sldIdLst>
             <p14:sldId id="277"/>
-          </p14:sldIdLst>
-        </p14:section>
-        <p14:section name="Demo" id="{40F2F240-9D91-412E-A23A-8E95F7901267}">
-          <p14:sldIdLst>
-            <p14:sldId id="270"/>
           </p14:sldIdLst>
         </p14:section>
         <p14:section name="Market Size" id="{5DF3C2D2-C074-4565-B2A8-F9E4834D2E8B}">
@@ -274,6 +274,3435 @@
     </p:ext>
   </p:extLst>
 </p:presentation>
+</file>
+
+<file path=ppt/diagrams/colors1.xml><?xml version="1.0" encoding="utf-8"?>
+<dgm:colorsDef xmlns:dgm="http://schemas.openxmlformats.org/drawingml/2006/diagram" xmlns:a="http://schemas.openxmlformats.org/drawingml/2006/main" uniqueId="urn:microsoft.com/office/officeart/2005/8/colors/accent1_2">
+  <dgm:title val=""/>
+  <dgm:desc val=""/>
+  <dgm:catLst>
+    <dgm:cat type="accent1" pri="11200"/>
+  </dgm:catLst>
+  <dgm:styleLbl name="node0">
+    <dgm:fillClrLst meth="repeat">
+      <a:schemeClr val="accent1"/>
+    </dgm:fillClrLst>
+    <dgm:linClrLst meth="repeat">
+      <a:schemeClr val="lt1"/>
+    </dgm:linClrLst>
+    <dgm:effectClrLst/>
+    <dgm:txLinClrLst/>
+    <dgm:txFillClrLst/>
+    <dgm:txEffectClrLst/>
+  </dgm:styleLbl>
+  <dgm:styleLbl name="alignNode1">
+    <dgm:fillClrLst meth="repeat">
+      <a:schemeClr val="accent1"/>
+    </dgm:fillClrLst>
+    <dgm:linClrLst meth="repeat">
+      <a:schemeClr val="accent1"/>
+    </dgm:linClrLst>
+    <dgm:effectClrLst/>
+    <dgm:txLinClrLst/>
+    <dgm:txFillClrLst/>
+    <dgm:txEffectClrLst/>
+  </dgm:styleLbl>
+  <dgm:styleLbl name="node1">
+    <dgm:fillClrLst meth="repeat">
+      <a:schemeClr val="accent1"/>
+    </dgm:fillClrLst>
+    <dgm:linClrLst meth="repeat">
+      <a:schemeClr val="lt1"/>
+    </dgm:linClrLst>
+    <dgm:effectClrLst/>
+    <dgm:txLinClrLst/>
+    <dgm:txFillClrLst/>
+    <dgm:txEffectClrLst/>
+  </dgm:styleLbl>
+  <dgm:styleLbl name="lnNode1">
+    <dgm:fillClrLst meth="repeat">
+      <a:schemeClr val="accent1"/>
+    </dgm:fillClrLst>
+    <dgm:linClrLst meth="repeat">
+      <a:schemeClr val="lt1"/>
+    </dgm:linClrLst>
+    <dgm:effectClrLst/>
+    <dgm:txLinClrLst/>
+    <dgm:txFillClrLst/>
+    <dgm:txEffectClrLst/>
+  </dgm:styleLbl>
+  <dgm:styleLbl name="vennNode1">
+    <dgm:fillClrLst meth="repeat">
+      <a:schemeClr val="accent1">
+        <a:alpha val="50000"/>
+      </a:schemeClr>
+    </dgm:fillClrLst>
+    <dgm:linClrLst meth="repeat">
+      <a:schemeClr val="lt1"/>
+    </dgm:linClrLst>
+    <dgm:effectClrLst/>
+    <dgm:txLinClrLst/>
+    <dgm:txFillClrLst/>
+    <dgm:txEffectClrLst/>
+  </dgm:styleLbl>
+  <dgm:styleLbl name="node2">
+    <dgm:fillClrLst meth="repeat">
+      <a:schemeClr val="accent1"/>
+    </dgm:fillClrLst>
+    <dgm:linClrLst meth="repeat">
+      <a:schemeClr val="lt1"/>
+    </dgm:linClrLst>
+    <dgm:effectClrLst/>
+    <dgm:txLinClrLst/>
+    <dgm:txFillClrLst/>
+    <dgm:txEffectClrLst/>
+  </dgm:styleLbl>
+  <dgm:styleLbl name="node3">
+    <dgm:fillClrLst meth="repeat">
+      <a:schemeClr val="accent1"/>
+    </dgm:fillClrLst>
+    <dgm:linClrLst meth="repeat">
+      <a:schemeClr val="lt1"/>
+    </dgm:linClrLst>
+    <dgm:effectClrLst/>
+    <dgm:txLinClrLst/>
+    <dgm:txFillClrLst/>
+    <dgm:txEffectClrLst/>
+  </dgm:styleLbl>
+  <dgm:styleLbl name="node4">
+    <dgm:fillClrLst meth="repeat">
+      <a:schemeClr val="accent1"/>
+    </dgm:fillClrLst>
+    <dgm:linClrLst meth="repeat">
+      <a:schemeClr val="lt1"/>
+    </dgm:linClrLst>
+    <dgm:effectClrLst/>
+    <dgm:txLinClrLst/>
+    <dgm:txFillClrLst/>
+    <dgm:txEffectClrLst/>
+  </dgm:styleLbl>
+  <dgm:styleLbl name="fgImgPlace1">
+    <dgm:fillClrLst meth="repeat">
+      <a:schemeClr val="accent1">
+        <a:tint val="50000"/>
+      </a:schemeClr>
+    </dgm:fillClrLst>
+    <dgm:linClrLst meth="repeat">
+      <a:schemeClr val="lt1"/>
+    </dgm:linClrLst>
+    <dgm:effectClrLst/>
+    <dgm:txLinClrLst/>
+    <dgm:txFillClrLst meth="repeat">
+      <a:schemeClr val="lt1"/>
+    </dgm:txFillClrLst>
+    <dgm:txEffectClrLst/>
+  </dgm:styleLbl>
+  <dgm:styleLbl name="alignImgPlace1">
+    <dgm:fillClrLst meth="repeat">
+      <a:schemeClr val="accent1">
+        <a:tint val="50000"/>
+      </a:schemeClr>
+    </dgm:fillClrLst>
+    <dgm:linClrLst meth="repeat">
+      <a:schemeClr val="lt1"/>
+    </dgm:linClrLst>
+    <dgm:effectClrLst/>
+    <dgm:txLinClrLst/>
+    <dgm:txFillClrLst meth="repeat">
+      <a:schemeClr val="lt1"/>
+    </dgm:txFillClrLst>
+    <dgm:txEffectClrLst/>
+  </dgm:styleLbl>
+  <dgm:styleLbl name="bgImgPlace1">
+    <dgm:fillClrLst meth="repeat">
+      <a:schemeClr val="accent1">
+        <a:tint val="50000"/>
+      </a:schemeClr>
+    </dgm:fillClrLst>
+    <dgm:linClrLst meth="repeat">
+      <a:schemeClr val="lt1"/>
+    </dgm:linClrLst>
+    <dgm:effectClrLst/>
+    <dgm:txLinClrLst/>
+    <dgm:txFillClrLst meth="repeat">
+      <a:schemeClr val="lt1"/>
+    </dgm:txFillClrLst>
+    <dgm:txEffectClrLst/>
+  </dgm:styleLbl>
+  <dgm:styleLbl name="sibTrans2D1">
+    <dgm:fillClrLst meth="repeat">
+      <a:schemeClr val="accent1">
+        <a:tint val="60000"/>
+      </a:schemeClr>
+    </dgm:fillClrLst>
+    <dgm:linClrLst meth="repeat">
+      <a:schemeClr val="accent1">
+        <a:tint val="60000"/>
+      </a:schemeClr>
+    </dgm:linClrLst>
+    <dgm:effectClrLst/>
+    <dgm:txLinClrLst/>
+    <dgm:txFillClrLst/>
+    <dgm:txEffectClrLst/>
+  </dgm:styleLbl>
+  <dgm:styleLbl name="fgSibTrans2D1">
+    <dgm:fillClrLst meth="repeat">
+      <a:schemeClr val="accent1">
+        <a:tint val="60000"/>
+      </a:schemeClr>
+    </dgm:fillClrLst>
+    <dgm:linClrLst meth="repeat">
+      <a:schemeClr val="accent1">
+        <a:tint val="60000"/>
+      </a:schemeClr>
+    </dgm:linClrLst>
+    <dgm:effectClrLst/>
+    <dgm:txLinClrLst/>
+    <dgm:txFillClrLst/>
+    <dgm:txEffectClrLst/>
+  </dgm:styleLbl>
+  <dgm:styleLbl name="bgSibTrans2D1">
+    <dgm:fillClrLst meth="repeat">
+      <a:schemeClr val="accent1">
+        <a:tint val="60000"/>
+      </a:schemeClr>
+    </dgm:fillClrLst>
+    <dgm:linClrLst meth="repeat">
+      <a:schemeClr val="accent1">
+        <a:tint val="60000"/>
+      </a:schemeClr>
+    </dgm:linClrLst>
+    <dgm:effectClrLst/>
+    <dgm:txLinClrLst/>
+    <dgm:txFillClrLst/>
+    <dgm:txEffectClrLst/>
+  </dgm:styleLbl>
+  <dgm:styleLbl name="sibTrans1D1">
+    <dgm:fillClrLst meth="repeat">
+      <a:schemeClr val="accent1"/>
+    </dgm:fillClrLst>
+    <dgm:linClrLst meth="repeat">
+      <a:schemeClr val="accent1"/>
+    </dgm:linClrLst>
+    <dgm:effectClrLst/>
+    <dgm:txLinClrLst/>
+    <dgm:txFillClrLst meth="repeat">
+      <a:schemeClr val="tx1"/>
+    </dgm:txFillClrLst>
+    <dgm:txEffectClrLst/>
+  </dgm:styleLbl>
+  <dgm:styleLbl name="callout">
+    <dgm:fillClrLst meth="repeat">
+      <a:schemeClr val="accent1"/>
+    </dgm:fillClrLst>
+    <dgm:linClrLst meth="repeat">
+      <a:schemeClr val="accent1">
+        <a:tint val="50000"/>
+      </a:schemeClr>
+    </dgm:linClrLst>
+    <dgm:effectClrLst/>
+    <dgm:txLinClrLst/>
+    <dgm:txFillClrLst meth="repeat">
+      <a:schemeClr val="tx1"/>
+    </dgm:txFillClrLst>
+    <dgm:txEffectClrLst/>
+  </dgm:styleLbl>
+  <dgm:styleLbl name="asst0">
+    <dgm:fillClrLst meth="repeat">
+      <a:schemeClr val="accent1"/>
+    </dgm:fillClrLst>
+    <dgm:linClrLst meth="repeat">
+      <a:schemeClr val="lt1"/>
+    </dgm:linClrLst>
+    <dgm:effectClrLst/>
+    <dgm:txLinClrLst/>
+    <dgm:txFillClrLst/>
+    <dgm:txEffectClrLst/>
+  </dgm:styleLbl>
+  <dgm:styleLbl name="asst1">
+    <dgm:fillClrLst meth="repeat">
+      <a:schemeClr val="accent1"/>
+    </dgm:fillClrLst>
+    <dgm:linClrLst meth="repeat">
+      <a:schemeClr val="lt1"/>
+    </dgm:linClrLst>
+    <dgm:effectClrLst/>
+    <dgm:txLinClrLst/>
+    <dgm:txFillClrLst/>
+    <dgm:txEffectClrLst/>
+  </dgm:styleLbl>
+  <dgm:styleLbl name="asst2">
+    <dgm:fillClrLst meth="repeat">
+      <a:schemeClr val="accent1"/>
+    </dgm:fillClrLst>
+    <dgm:linClrLst meth="repeat">
+      <a:schemeClr val="lt1"/>
+    </dgm:linClrLst>
+    <dgm:effectClrLst/>
+    <dgm:txLinClrLst/>
+    <dgm:txFillClrLst/>
+    <dgm:txEffectClrLst/>
+  </dgm:styleLbl>
+  <dgm:styleLbl name="asst3">
+    <dgm:fillClrLst meth="repeat">
+      <a:schemeClr val="accent1"/>
+    </dgm:fillClrLst>
+    <dgm:linClrLst meth="repeat">
+      <a:schemeClr val="lt1"/>
+    </dgm:linClrLst>
+    <dgm:effectClrLst/>
+    <dgm:txLinClrLst/>
+    <dgm:txFillClrLst/>
+    <dgm:txEffectClrLst/>
+  </dgm:styleLbl>
+  <dgm:styleLbl name="asst4">
+    <dgm:fillClrLst meth="repeat">
+      <a:schemeClr val="accent1"/>
+    </dgm:fillClrLst>
+    <dgm:linClrLst meth="repeat">
+      <a:schemeClr val="lt1"/>
+    </dgm:linClrLst>
+    <dgm:effectClrLst/>
+    <dgm:txLinClrLst/>
+    <dgm:txFillClrLst/>
+    <dgm:txEffectClrLst/>
+  </dgm:styleLbl>
+  <dgm:styleLbl name="parChTrans2D1">
+    <dgm:fillClrLst meth="repeat">
+      <a:schemeClr val="accent1">
+        <a:tint val="60000"/>
+      </a:schemeClr>
+    </dgm:fillClrLst>
+    <dgm:linClrLst meth="repeat">
+      <a:schemeClr val="accent1">
+        <a:tint val="60000"/>
+      </a:schemeClr>
+    </dgm:linClrLst>
+    <dgm:effectClrLst/>
+    <dgm:txLinClrLst/>
+    <dgm:txFillClrLst meth="repeat">
+      <a:schemeClr val="lt1"/>
+    </dgm:txFillClrLst>
+    <dgm:txEffectClrLst/>
+  </dgm:styleLbl>
+  <dgm:styleLbl name="parChTrans2D2">
+    <dgm:fillClrLst meth="repeat">
+      <a:schemeClr val="accent1"/>
+    </dgm:fillClrLst>
+    <dgm:linClrLst meth="repeat">
+      <a:schemeClr val="accent1"/>
+    </dgm:linClrLst>
+    <dgm:effectClrLst/>
+    <dgm:txLinClrLst/>
+    <dgm:txFillClrLst meth="repeat">
+      <a:schemeClr val="lt1"/>
+    </dgm:txFillClrLst>
+    <dgm:txEffectClrLst/>
+  </dgm:styleLbl>
+  <dgm:styleLbl name="parChTrans2D3">
+    <dgm:fillClrLst meth="repeat">
+      <a:schemeClr val="accent1"/>
+    </dgm:fillClrLst>
+    <dgm:linClrLst meth="repeat">
+      <a:schemeClr val="accent1"/>
+    </dgm:linClrLst>
+    <dgm:effectClrLst/>
+    <dgm:txLinClrLst/>
+    <dgm:txFillClrLst meth="repeat">
+      <a:schemeClr val="lt1"/>
+    </dgm:txFillClrLst>
+    <dgm:txEffectClrLst/>
+  </dgm:styleLbl>
+  <dgm:styleLbl name="parChTrans2D4">
+    <dgm:fillClrLst meth="repeat">
+      <a:schemeClr val="accent1"/>
+    </dgm:fillClrLst>
+    <dgm:linClrLst meth="repeat">
+      <a:schemeClr val="accent1"/>
+    </dgm:linClrLst>
+    <dgm:effectClrLst/>
+    <dgm:txLinClrLst/>
+    <dgm:txFillClrLst meth="repeat">
+      <a:schemeClr val="lt1"/>
+    </dgm:txFillClrLst>
+    <dgm:txEffectClrLst/>
+  </dgm:styleLbl>
+  <dgm:styleLbl name="parChTrans1D1">
+    <dgm:fillClrLst meth="repeat">
+      <a:schemeClr val="accent1"/>
+    </dgm:fillClrLst>
+    <dgm:linClrLst meth="repeat">
+      <a:schemeClr val="accent1">
+        <a:shade val="60000"/>
+      </a:schemeClr>
+    </dgm:linClrLst>
+    <dgm:effectClrLst/>
+    <dgm:txLinClrLst/>
+    <dgm:txFillClrLst meth="repeat">
+      <a:schemeClr val="tx1"/>
+    </dgm:txFillClrLst>
+    <dgm:txEffectClrLst/>
+  </dgm:styleLbl>
+  <dgm:styleLbl name="parChTrans1D2">
+    <dgm:fillClrLst meth="repeat">
+      <a:schemeClr val="accent1"/>
+    </dgm:fillClrLst>
+    <dgm:linClrLst meth="repeat">
+      <a:schemeClr val="accent1">
+        <a:shade val="60000"/>
+      </a:schemeClr>
+    </dgm:linClrLst>
+    <dgm:effectClrLst/>
+    <dgm:txLinClrLst/>
+    <dgm:txFillClrLst meth="repeat">
+      <a:schemeClr val="tx1"/>
+    </dgm:txFillClrLst>
+    <dgm:txEffectClrLst/>
+  </dgm:styleLbl>
+  <dgm:styleLbl name="parChTrans1D3">
+    <dgm:fillClrLst meth="repeat">
+      <a:schemeClr val="accent1"/>
+    </dgm:fillClrLst>
+    <dgm:linClrLst meth="repeat">
+      <a:schemeClr val="accent1">
+        <a:shade val="80000"/>
+      </a:schemeClr>
+    </dgm:linClrLst>
+    <dgm:effectClrLst/>
+    <dgm:txLinClrLst/>
+    <dgm:txFillClrLst meth="repeat">
+      <a:schemeClr val="tx1"/>
+    </dgm:txFillClrLst>
+    <dgm:txEffectClrLst/>
+  </dgm:styleLbl>
+  <dgm:styleLbl name="parChTrans1D4">
+    <dgm:fillClrLst meth="repeat">
+      <a:schemeClr val="accent1"/>
+    </dgm:fillClrLst>
+    <dgm:linClrLst meth="repeat">
+      <a:schemeClr val="accent1">
+        <a:shade val="80000"/>
+      </a:schemeClr>
+    </dgm:linClrLst>
+    <dgm:effectClrLst/>
+    <dgm:txLinClrLst/>
+    <dgm:txFillClrLst meth="repeat">
+      <a:schemeClr val="tx1"/>
+    </dgm:txFillClrLst>
+    <dgm:txEffectClrLst/>
+  </dgm:styleLbl>
+  <dgm:styleLbl name="fgAcc1">
+    <dgm:fillClrLst meth="repeat">
+      <a:schemeClr val="lt1">
+        <a:alpha val="90000"/>
+      </a:schemeClr>
+    </dgm:fillClrLst>
+    <dgm:linClrLst meth="repeat">
+      <a:schemeClr val="accent1"/>
+    </dgm:linClrLst>
+    <dgm:effectClrLst/>
+    <dgm:txLinClrLst/>
+    <dgm:txFillClrLst meth="repeat">
+      <a:schemeClr val="dk1"/>
+    </dgm:txFillClrLst>
+    <dgm:txEffectClrLst/>
+  </dgm:styleLbl>
+  <dgm:styleLbl name="conFgAcc1">
+    <dgm:fillClrLst meth="repeat">
+      <a:schemeClr val="lt1">
+        <a:alpha val="90000"/>
+      </a:schemeClr>
+    </dgm:fillClrLst>
+    <dgm:linClrLst meth="repeat">
+      <a:schemeClr val="accent1"/>
+    </dgm:linClrLst>
+    <dgm:effectClrLst/>
+    <dgm:txLinClrLst/>
+    <dgm:txFillClrLst meth="repeat">
+      <a:schemeClr val="dk1"/>
+    </dgm:txFillClrLst>
+    <dgm:txEffectClrLst/>
+  </dgm:styleLbl>
+  <dgm:styleLbl name="alignAcc1">
+    <dgm:fillClrLst meth="repeat">
+      <a:schemeClr val="lt1">
+        <a:alpha val="90000"/>
+      </a:schemeClr>
+    </dgm:fillClrLst>
+    <dgm:linClrLst meth="repeat">
+      <a:schemeClr val="accent1"/>
+    </dgm:linClrLst>
+    <dgm:effectClrLst/>
+    <dgm:txLinClrLst/>
+    <dgm:txFillClrLst meth="repeat">
+      <a:schemeClr val="dk1"/>
+    </dgm:txFillClrLst>
+    <dgm:txEffectClrLst/>
+  </dgm:styleLbl>
+  <dgm:styleLbl name="trAlignAcc1">
+    <dgm:fillClrLst meth="repeat">
+      <a:schemeClr val="lt1">
+        <a:alpha val="40000"/>
+      </a:schemeClr>
+    </dgm:fillClrLst>
+    <dgm:linClrLst meth="repeat">
+      <a:schemeClr val="accent1"/>
+    </dgm:linClrLst>
+    <dgm:effectClrLst/>
+    <dgm:txLinClrLst/>
+    <dgm:txFillClrLst meth="repeat">
+      <a:schemeClr val="dk1"/>
+    </dgm:txFillClrLst>
+    <dgm:txEffectClrLst/>
+  </dgm:styleLbl>
+  <dgm:styleLbl name="bgAcc1">
+    <dgm:fillClrLst meth="repeat">
+      <a:schemeClr val="lt1">
+        <a:alpha val="90000"/>
+      </a:schemeClr>
+    </dgm:fillClrLst>
+    <dgm:linClrLst meth="repeat">
+      <a:schemeClr val="accent1"/>
+    </dgm:linClrLst>
+    <dgm:effectClrLst/>
+    <dgm:txLinClrLst/>
+    <dgm:txFillClrLst meth="repeat">
+      <a:schemeClr val="dk1"/>
+    </dgm:txFillClrLst>
+    <dgm:txEffectClrLst/>
+  </dgm:styleLbl>
+  <dgm:styleLbl name="solidFgAcc1">
+    <dgm:fillClrLst meth="repeat">
+      <a:schemeClr val="lt1"/>
+    </dgm:fillClrLst>
+    <dgm:linClrLst meth="repeat">
+      <a:schemeClr val="accent1"/>
+    </dgm:linClrLst>
+    <dgm:effectClrLst/>
+    <dgm:txLinClrLst/>
+    <dgm:txFillClrLst meth="repeat">
+      <a:schemeClr val="dk1"/>
+    </dgm:txFillClrLst>
+    <dgm:txEffectClrLst/>
+  </dgm:styleLbl>
+  <dgm:styleLbl name="solidAlignAcc1">
+    <dgm:fillClrLst meth="repeat">
+      <a:schemeClr val="lt1"/>
+    </dgm:fillClrLst>
+    <dgm:linClrLst meth="repeat">
+      <a:schemeClr val="accent1"/>
+    </dgm:linClrLst>
+    <dgm:effectClrLst/>
+    <dgm:txLinClrLst/>
+    <dgm:txFillClrLst meth="repeat">
+      <a:schemeClr val="dk1"/>
+    </dgm:txFillClrLst>
+    <dgm:txEffectClrLst/>
+  </dgm:styleLbl>
+  <dgm:styleLbl name="solidBgAcc1">
+    <dgm:fillClrLst meth="repeat">
+      <a:schemeClr val="lt1"/>
+    </dgm:fillClrLst>
+    <dgm:linClrLst meth="repeat">
+      <a:schemeClr val="accent1"/>
+    </dgm:linClrLst>
+    <dgm:effectClrLst/>
+    <dgm:txLinClrLst/>
+    <dgm:txFillClrLst meth="repeat">
+      <a:schemeClr val="dk1"/>
+    </dgm:txFillClrLst>
+    <dgm:txEffectClrLst/>
+  </dgm:styleLbl>
+  <dgm:styleLbl name="fgAccFollowNode1">
+    <dgm:fillClrLst meth="repeat">
+      <a:schemeClr val="accent1">
+        <a:alpha val="90000"/>
+        <a:tint val="40000"/>
+      </a:schemeClr>
+    </dgm:fillClrLst>
+    <dgm:linClrLst meth="repeat">
+      <a:schemeClr val="accent1">
+        <a:alpha val="90000"/>
+        <a:tint val="40000"/>
+      </a:schemeClr>
+    </dgm:linClrLst>
+    <dgm:effectClrLst/>
+    <dgm:txLinClrLst/>
+    <dgm:txFillClrLst meth="repeat">
+      <a:schemeClr val="dk1"/>
+    </dgm:txFillClrLst>
+    <dgm:txEffectClrLst/>
+  </dgm:styleLbl>
+  <dgm:styleLbl name="alignAccFollowNode1">
+    <dgm:fillClrLst meth="repeat">
+      <a:schemeClr val="accent1">
+        <a:alpha val="90000"/>
+        <a:tint val="40000"/>
+      </a:schemeClr>
+    </dgm:fillClrLst>
+    <dgm:linClrLst meth="repeat">
+      <a:schemeClr val="accent1">
+        <a:alpha val="90000"/>
+        <a:tint val="40000"/>
+      </a:schemeClr>
+    </dgm:linClrLst>
+    <dgm:effectClrLst/>
+    <dgm:txLinClrLst/>
+    <dgm:txFillClrLst meth="repeat">
+      <a:schemeClr val="dk1"/>
+    </dgm:txFillClrLst>
+    <dgm:txEffectClrLst/>
+  </dgm:styleLbl>
+  <dgm:styleLbl name="bgAccFollowNode1">
+    <dgm:fillClrLst meth="repeat">
+      <a:schemeClr val="accent1">
+        <a:alpha val="90000"/>
+        <a:tint val="40000"/>
+      </a:schemeClr>
+    </dgm:fillClrLst>
+    <dgm:linClrLst meth="repeat">
+      <a:schemeClr val="accent1">
+        <a:alpha val="90000"/>
+        <a:tint val="40000"/>
+      </a:schemeClr>
+    </dgm:linClrLst>
+    <dgm:effectClrLst/>
+    <dgm:txLinClrLst/>
+    <dgm:txFillClrLst meth="repeat">
+      <a:schemeClr val="dk1"/>
+    </dgm:txFillClrLst>
+    <dgm:txEffectClrLst/>
+  </dgm:styleLbl>
+  <dgm:styleLbl name="fgAcc0">
+    <dgm:fillClrLst meth="repeat">
+      <a:schemeClr val="lt1">
+        <a:alpha val="90000"/>
+      </a:schemeClr>
+    </dgm:fillClrLst>
+    <dgm:linClrLst meth="repeat">
+      <a:schemeClr val="accent1"/>
+    </dgm:linClrLst>
+    <dgm:effectClrLst/>
+    <dgm:txLinClrLst/>
+    <dgm:txFillClrLst meth="repeat">
+      <a:schemeClr val="dk1"/>
+    </dgm:txFillClrLst>
+    <dgm:txEffectClrLst/>
+  </dgm:styleLbl>
+  <dgm:styleLbl name="fgAcc2">
+    <dgm:fillClrLst meth="repeat">
+      <a:schemeClr val="lt1">
+        <a:alpha val="90000"/>
+      </a:schemeClr>
+    </dgm:fillClrLst>
+    <dgm:linClrLst meth="repeat">
+      <a:schemeClr val="accent1"/>
+    </dgm:linClrLst>
+    <dgm:effectClrLst/>
+    <dgm:txLinClrLst/>
+    <dgm:txFillClrLst meth="repeat">
+      <a:schemeClr val="dk1"/>
+    </dgm:txFillClrLst>
+    <dgm:txEffectClrLst/>
+  </dgm:styleLbl>
+  <dgm:styleLbl name="fgAcc3">
+    <dgm:fillClrLst meth="repeat">
+      <a:schemeClr val="lt1">
+        <a:alpha val="90000"/>
+      </a:schemeClr>
+    </dgm:fillClrLst>
+    <dgm:linClrLst meth="repeat">
+      <a:schemeClr val="accent1"/>
+    </dgm:linClrLst>
+    <dgm:effectClrLst/>
+    <dgm:txLinClrLst/>
+    <dgm:txFillClrLst meth="repeat">
+      <a:schemeClr val="dk1"/>
+    </dgm:txFillClrLst>
+    <dgm:txEffectClrLst/>
+  </dgm:styleLbl>
+  <dgm:styleLbl name="fgAcc4">
+    <dgm:fillClrLst meth="repeat">
+      <a:schemeClr val="lt1">
+        <a:alpha val="90000"/>
+      </a:schemeClr>
+    </dgm:fillClrLst>
+    <dgm:linClrLst meth="repeat">
+      <a:schemeClr val="accent1"/>
+    </dgm:linClrLst>
+    <dgm:effectClrLst/>
+    <dgm:txLinClrLst/>
+    <dgm:txFillClrLst meth="repeat">
+      <a:schemeClr val="dk1"/>
+    </dgm:txFillClrLst>
+    <dgm:txEffectClrLst/>
+  </dgm:styleLbl>
+  <dgm:styleLbl name="bgShp">
+    <dgm:fillClrLst meth="repeat">
+      <a:schemeClr val="accent1">
+        <a:tint val="40000"/>
+      </a:schemeClr>
+    </dgm:fillClrLst>
+    <dgm:linClrLst meth="repeat">
+      <a:schemeClr val="accent1"/>
+    </dgm:linClrLst>
+    <dgm:effectClrLst/>
+    <dgm:txLinClrLst/>
+    <dgm:txFillClrLst meth="repeat">
+      <a:schemeClr val="dk1"/>
+    </dgm:txFillClrLst>
+    <dgm:txEffectClrLst/>
+  </dgm:styleLbl>
+  <dgm:styleLbl name="dkBgShp">
+    <dgm:fillClrLst meth="repeat">
+      <a:schemeClr val="accent1">
+        <a:shade val="80000"/>
+      </a:schemeClr>
+    </dgm:fillClrLst>
+    <dgm:linClrLst meth="repeat">
+      <a:schemeClr val="accent1"/>
+    </dgm:linClrLst>
+    <dgm:effectClrLst/>
+    <dgm:txLinClrLst/>
+    <dgm:txFillClrLst meth="repeat">
+      <a:schemeClr val="lt1"/>
+    </dgm:txFillClrLst>
+    <dgm:txEffectClrLst/>
+  </dgm:styleLbl>
+  <dgm:styleLbl name="trBgShp">
+    <dgm:fillClrLst meth="repeat">
+      <a:schemeClr val="accent1">
+        <a:tint val="50000"/>
+        <a:alpha val="40000"/>
+      </a:schemeClr>
+    </dgm:fillClrLst>
+    <dgm:linClrLst meth="repeat">
+      <a:schemeClr val="accent1"/>
+    </dgm:linClrLst>
+    <dgm:effectClrLst/>
+    <dgm:txLinClrLst/>
+    <dgm:txFillClrLst meth="repeat">
+      <a:schemeClr val="lt1"/>
+    </dgm:txFillClrLst>
+    <dgm:txEffectClrLst/>
+  </dgm:styleLbl>
+  <dgm:styleLbl name="fgShp">
+    <dgm:fillClrLst meth="repeat">
+      <a:schemeClr val="accent1">
+        <a:tint val="60000"/>
+      </a:schemeClr>
+    </dgm:fillClrLst>
+    <dgm:linClrLst meth="repeat">
+      <a:schemeClr val="lt1"/>
+    </dgm:linClrLst>
+    <dgm:effectClrLst/>
+    <dgm:txLinClrLst/>
+    <dgm:txFillClrLst meth="repeat">
+      <a:schemeClr val="dk1"/>
+    </dgm:txFillClrLst>
+    <dgm:txEffectClrLst/>
+  </dgm:styleLbl>
+  <dgm:styleLbl name="revTx">
+    <dgm:fillClrLst meth="repeat">
+      <a:schemeClr val="lt1">
+        <a:alpha val="0"/>
+      </a:schemeClr>
+    </dgm:fillClrLst>
+    <dgm:linClrLst meth="repeat">
+      <a:schemeClr val="dk1">
+        <a:alpha val="0"/>
+      </a:schemeClr>
+    </dgm:linClrLst>
+    <dgm:effectClrLst/>
+    <dgm:txLinClrLst/>
+    <dgm:txFillClrLst meth="repeat">
+      <a:schemeClr val="tx1"/>
+    </dgm:txFillClrLst>
+    <dgm:txEffectClrLst/>
+  </dgm:styleLbl>
+</dgm:colorsDef>
+</file>
+
+<file path=ppt/diagrams/data1.xml><?xml version="1.0" encoding="utf-8"?>
+<dgm:dataModel xmlns:dgm="http://schemas.openxmlformats.org/drawingml/2006/diagram" xmlns:a="http://schemas.openxmlformats.org/drawingml/2006/main">
+  <dgm:ptLst>
+    <dgm:pt modelId="{BFF6AE00-9A18-494C-A394-ABAC976E0063}" type="doc">
+      <dgm:prSet loTypeId="urn:microsoft.com/office/officeart/2005/8/layout/lProcess2" loCatId="list" qsTypeId="urn:microsoft.com/office/officeart/2005/8/quickstyle/simple1" qsCatId="simple" csTypeId="urn:microsoft.com/office/officeart/2005/8/colors/accent1_2" csCatId="accent1" phldr="1"/>
+      <dgm:spPr/>
+      <dgm:t>
+        <a:bodyPr/>
+        <a:lstStyle/>
+        <a:p>
+          <a:endParaRPr lang="en-US"/>
+        </a:p>
+      </dgm:t>
+    </dgm:pt>
+    <dgm:pt modelId="{5B382DBB-B062-42BA-9395-E5E330FCC77F}">
+      <dgm:prSet phldrT="[Text]"/>
+      <dgm:spPr/>
+      <dgm:t>
+        <a:bodyPr/>
+        <a:lstStyle/>
+        <a:p>
+          <a:pPr rtl="1"/>
+          <a:r>
+            <a:rPr lang="fa-IR" dirty="0"/>
+            <a:t>نرم‌افزار صندوق فروشگاهی</a:t>
+          </a:r>
+          <a:endParaRPr lang="en-US" dirty="0"/>
+        </a:p>
+      </dgm:t>
+    </dgm:pt>
+    <dgm:pt modelId="{EAFD2CED-112B-4C74-9F5C-6B829EF61219}" type="parTrans" cxnId="{F50687B1-8BAF-4A13-B979-482AE7FCCEAA}">
+      <dgm:prSet/>
+      <dgm:spPr/>
+      <dgm:t>
+        <a:bodyPr/>
+        <a:lstStyle/>
+        <a:p>
+          <a:pPr rtl="1"/>
+          <a:endParaRPr lang="en-US"/>
+        </a:p>
+      </dgm:t>
+    </dgm:pt>
+    <dgm:pt modelId="{3763DADB-900B-446C-BA1A-8D8C97BE79A7}" type="sibTrans" cxnId="{F50687B1-8BAF-4A13-B979-482AE7FCCEAA}">
+      <dgm:prSet/>
+      <dgm:spPr/>
+      <dgm:t>
+        <a:bodyPr/>
+        <a:lstStyle/>
+        <a:p>
+          <a:pPr rtl="1"/>
+          <a:endParaRPr lang="en-US"/>
+        </a:p>
+      </dgm:t>
+    </dgm:pt>
+    <dgm:pt modelId="{B72004A0-3F4B-49D3-8BBA-0A07C9A4BDAE}">
+      <dgm:prSet phldrT="[Text]"/>
+      <dgm:spPr/>
+      <dgm:t>
+        <a:bodyPr/>
+        <a:lstStyle/>
+        <a:p>
+          <a:pPr rtl="1"/>
+          <a:r>
+            <a:rPr lang="fa-IR" dirty="0"/>
+            <a:t>سایت‌ساز</a:t>
+          </a:r>
+          <a:endParaRPr lang="en-US" dirty="0"/>
+        </a:p>
+      </dgm:t>
+    </dgm:pt>
+    <dgm:pt modelId="{283FDAAA-D228-4E93-8AFE-8F07AEDC70A5}" type="parTrans" cxnId="{02AC1F5B-7A7F-47F5-8971-CDF10D7120F7}">
+      <dgm:prSet/>
+      <dgm:spPr/>
+      <dgm:t>
+        <a:bodyPr/>
+        <a:lstStyle/>
+        <a:p>
+          <a:endParaRPr lang="en-US"/>
+        </a:p>
+      </dgm:t>
+    </dgm:pt>
+    <dgm:pt modelId="{DFAAE3E2-81E0-4C71-81E3-89E13C29837E}" type="sibTrans" cxnId="{02AC1F5B-7A7F-47F5-8971-CDF10D7120F7}">
+      <dgm:prSet/>
+      <dgm:spPr/>
+      <dgm:t>
+        <a:bodyPr/>
+        <a:lstStyle/>
+        <a:p>
+          <a:endParaRPr lang="en-US"/>
+        </a:p>
+      </dgm:t>
+    </dgm:pt>
+    <dgm:pt modelId="{830D9264-146F-4938-B296-8F28F643F26C}">
+      <dgm:prSet phldrT="[Text]"/>
+      <dgm:spPr/>
+      <dgm:t>
+        <a:bodyPr/>
+        <a:lstStyle/>
+        <a:p>
+          <a:r>
+            <a:rPr lang="fa-IR" dirty="0"/>
+            <a:t>اپ‌ساز</a:t>
+          </a:r>
+          <a:endParaRPr lang="en-US" dirty="0"/>
+        </a:p>
+      </dgm:t>
+    </dgm:pt>
+    <dgm:pt modelId="{45674C7E-BF45-4D94-BB9B-E9C5AACBA097}" type="parTrans" cxnId="{10F19246-B6FD-4E6A-8BF5-B257DA615655}">
+      <dgm:prSet/>
+      <dgm:spPr/>
+      <dgm:t>
+        <a:bodyPr/>
+        <a:lstStyle/>
+        <a:p>
+          <a:endParaRPr lang="en-US"/>
+        </a:p>
+      </dgm:t>
+    </dgm:pt>
+    <dgm:pt modelId="{60DB2B1F-582B-4957-A3C3-DEBC988AA020}" type="sibTrans" cxnId="{10F19246-B6FD-4E6A-8BF5-B257DA615655}">
+      <dgm:prSet/>
+      <dgm:spPr/>
+      <dgm:t>
+        <a:bodyPr/>
+        <a:lstStyle/>
+        <a:p>
+          <a:endParaRPr lang="en-US"/>
+        </a:p>
+      </dgm:t>
+    </dgm:pt>
+    <dgm:pt modelId="{53C655B4-3907-4A11-9309-CDAFE4D5D8F8}">
+      <dgm:prSet phldrT="[Text]"/>
+      <dgm:spPr/>
+      <dgm:t>
+        <a:bodyPr/>
+        <a:lstStyle/>
+        <a:p>
+          <a:pPr rtl="1"/>
+          <a:r>
+            <a:rPr lang="fa-IR" dirty="0"/>
+            <a:t>مدیریت رسانه‌های اجتماعی</a:t>
+          </a:r>
+          <a:endParaRPr lang="en-US" dirty="0"/>
+        </a:p>
+      </dgm:t>
+    </dgm:pt>
+    <dgm:pt modelId="{09AE70A7-8840-4A00-A85D-F8C8CE462DB3}" type="sibTrans" cxnId="{4DFA6021-6D23-4F83-8438-DD501054558F}">
+      <dgm:prSet/>
+      <dgm:spPr/>
+      <dgm:t>
+        <a:bodyPr/>
+        <a:lstStyle/>
+        <a:p>
+          <a:pPr rtl="1"/>
+          <a:endParaRPr lang="en-US"/>
+        </a:p>
+      </dgm:t>
+    </dgm:pt>
+    <dgm:pt modelId="{206C2A95-6D59-4CFA-8C6F-C63A44C6633B}" type="parTrans" cxnId="{4DFA6021-6D23-4F83-8438-DD501054558F}">
+      <dgm:prSet/>
+      <dgm:spPr/>
+      <dgm:t>
+        <a:bodyPr/>
+        <a:lstStyle/>
+        <a:p>
+          <a:pPr rtl="1"/>
+          <a:endParaRPr lang="en-US"/>
+        </a:p>
+      </dgm:t>
+    </dgm:pt>
+    <dgm:pt modelId="{8D47F39E-3962-4489-AE42-B101246DDA93}">
+      <dgm:prSet phldrT="[Text]"/>
+      <dgm:spPr/>
+      <dgm:t>
+        <a:bodyPr/>
+        <a:lstStyle/>
+        <a:p>
+          <a:pPr rtl="1"/>
+          <a:r>
+            <a:rPr lang="fa-IR" dirty="0"/>
+            <a:t>صدور فاکتور</a:t>
+          </a:r>
+          <a:endParaRPr lang="en-US" dirty="0"/>
+        </a:p>
+      </dgm:t>
+    </dgm:pt>
+    <dgm:pt modelId="{4D8FDAB6-CEBE-4E09-B077-6E13DFD55764}" type="sibTrans" cxnId="{8FC74FF7-CBD7-4BE0-BADB-29D5A3046D3A}">
+      <dgm:prSet/>
+      <dgm:spPr/>
+      <dgm:t>
+        <a:bodyPr/>
+        <a:lstStyle/>
+        <a:p>
+          <a:endParaRPr lang="en-US"/>
+        </a:p>
+      </dgm:t>
+    </dgm:pt>
+    <dgm:pt modelId="{E58646AD-BCCA-4720-963C-83F383F6597B}" type="parTrans" cxnId="{8FC74FF7-CBD7-4BE0-BADB-29D5A3046D3A}">
+      <dgm:prSet/>
+      <dgm:spPr/>
+      <dgm:t>
+        <a:bodyPr/>
+        <a:lstStyle/>
+        <a:p>
+          <a:endParaRPr lang="en-US"/>
+        </a:p>
+      </dgm:t>
+    </dgm:pt>
+    <dgm:pt modelId="{3B323CA1-671E-4716-980E-406A493A9709}">
+      <dgm:prSet phldrT="[Text]"/>
+      <dgm:spPr/>
+      <dgm:t>
+        <a:bodyPr/>
+        <a:lstStyle/>
+        <a:p>
+          <a:pPr rtl="1"/>
+          <a:r>
+            <a:rPr lang="fa-IR" dirty="0"/>
+            <a:t>فروش سریع</a:t>
+          </a:r>
+          <a:endParaRPr lang="en-US" dirty="0"/>
+        </a:p>
+      </dgm:t>
+    </dgm:pt>
+    <dgm:pt modelId="{9BE04EC5-15BF-4AAD-B9E4-89E904C1409A}" type="sibTrans" cxnId="{D56EDD52-4B31-46DA-B968-338105816413}">
+      <dgm:prSet/>
+      <dgm:spPr/>
+      <dgm:t>
+        <a:bodyPr/>
+        <a:lstStyle/>
+        <a:p>
+          <a:endParaRPr lang="en-US"/>
+        </a:p>
+      </dgm:t>
+    </dgm:pt>
+    <dgm:pt modelId="{1AD8448F-F417-4DAF-AB86-0C10449477D1}" type="parTrans" cxnId="{D56EDD52-4B31-46DA-B968-338105816413}">
+      <dgm:prSet/>
+      <dgm:spPr/>
+      <dgm:t>
+        <a:bodyPr/>
+        <a:lstStyle/>
+        <a:p>
+          <a:endParaRPr lang="en-US"/>
+        </a:p>
+      </dgm:t>
+    </dgm:pt>
+    <dgm:pt modelId="{EF3C83CF-1690-446C-AD59-1F767B02A86D}">
+      <dgm:prSet phldrT="[Text]"/>
+      <dgm:spPr/>
+      <dgm:t>
+        <a:bodyPr/>
+        <a:lstStyle/>
+        <a:p>
+          <a:pPr rtl="1"/>
+          <a:r>
+            <a:rPr lang="fa-IR" dirty="0"/>
+            <a:t>فیش پرینت</a:t>
+          </a:r>
+          <a:endParaRPr lang="en-US" dirty="0"/>
+        </a:p>
+      </dgm:t>
+    </dgm:pt>
+    <dgm:pt modelId="{540A2D96-43B7-4A4C-8003-9C1A6967DF1F}" type="sibTrans" cxnId="{9487B18E-2C08-43CD-A606-7CB86DF783C5}">
+      <dgm:prSet/>
+      <dgm:spPr/>
+      <dgm:t>
+        <a:bodyPr/>
+        <a:lstStyle/>
+        <a:p>
+          <a:endParaRPr lang="en-US"/>
+        </a:p>
+      </dgm:t>
+    </dgm:pt>
+    <dgm:pt modelId="{220B8DE6-43F8-4BAB-9B5B-4D3DE75040DB}" type="parTrans" cxnId="{9487B18E-2C08-43CD-A606-7CB86DF783C5}">
+      <dgm:prSet/>
+      <dgm:spPr/>
+      <dgm:t>
+        <a:bodyPr/>
+        <a:lstStyle/>
+        <a:p>
+          <a:endParaRPr lang="en-US"/>
+        </a:p>
+      </dgm:t>
+    </dgm:pt>
+    <dgm:pt modelId="{B131DE1A-89F1-48DC-A086-781E62C9B293}">
+      <dgm:prSet phldrT="[Text]"/>
+      <dgm:spPr/>
+      <dgm:t>
+        <a:bodyPr/>
+        <a:lstStyle/>
+        <a:p>
+          <a:pPr rtl="1"/>
+          <a:r>
+            <a:rPr lang="fa-IR" dirty="0"/>
+            <a:t>اتصال به تجهیزات فروشگاهی</a:t>
+          </a:r>
+          <a:endParaRPr lang="en-US" dirty="0"/>
+        </a:p>
+      </dgm:t>
+    </dgm:pt>
+    <dgm:pt modelId="{A5FB1B33-4F1D-45FF-A588-00EC81E112B8}" type="sibTrans" cxnId="{273D93AF-DB64-4FF2-AE73-73E0A18AE283}">
+      <dgm:prSet/>
+      <dgm:spPr/>
+      <dgm:t>
+        <a:bodyPr/>
+        <a:lstStyle/>
+        <a:p>
+          <a:endParaRPr lang="en-US"/>
+        </a:p>
+      </dgm:t>
+    </dgm:pt>
+    <dgm:pt modelId="{289DFAC3-A68F-4A07-AB36-1F9EB401659F}" type="parTrans" cxnId="{273D93AF-DB64-4FF2-AE73-73E0A18AE283}">
+      <dgm:prSet/>
+      <dgm:spPr/>
+      <dgm:t>
+        <a:bodyPr/>
+        <a:lstStyle/>
+        <a:p>
+          <a:endParaRPr lang="en-US"/>
+        </a:p>
+      </dgm:t>
+    </dgm:pt>
+    <dgm:pt modelId="{1E2CC3CB-0599-4B10-A194-73F5FDE5AC54}">
+      <dgm:prSet phldrT="[Text]"/>
+      <dgm:spPr/>
+      <dgm:t>
+        <a:bodyPr/>
+        <a:lstStyle/>
+        <a:p>
+          <a:pPr rtl="1"/>
+          <a:r>
+            <a:rPr lang="fa-IR" dirty="0"/>
+            <a:t>چاپ </a:t>
+          </a:r>
+          <a:r>
+            <a:rPr lang="en-US" dirty="0"/>
+            <a:t>A4, A5</a:t>
+          </a:r>
+        </a:p>
+      </dgm:t>
+    </dgm:pt>
+    <dgm:pt modelId="{D75C3C32-7D08-4BFD-BEBD-5DEBCC655EE5}" type="sibTrans" cxnId="{431B205F-3675-42BB-9F3E-8D0996706E3C}">
+      <dgm:prSet/>
+      <dgm:spPr/>
+      <dgm:t>
+        <a:bodyPr/>
+        <a:lstStyle/>
+        <a:p>
+          <a:endParaRPr lang="en-US"/>
+        </a:p>
+      </dgm:t>
+    </dgm:pt>
+    <dgm:pt modelId="{C7799123-8F34-4882-A9DF-9B6EF17F4EC6}" type="parTrans" cxnId="{431B205F-3675-42BB-9F3E-8D0996706E3C}">
+      <dgm:prSet/>
+      <dgm:spPr/>
+      <dgm:t>
+        <a:bodyPr/>
+        <a:lstStyle/>
+        <a:p>
+          <a:endParaRPr lang="en-US"/>
+        </a:p>
+      </dgm:t>
+    </dgm:pt>
+    <dgm:pt modelId="{AF16B758-C4F1-49D6-A16A-394134149F38}">
+      <dgm:prSet phldrT="[Text]"/>
+      <dgm:spPr/>
+      <dgm:t>
+        <a:bodyPr/>
+        <a:lstStyle/>
+        <a:p>
+          <a:pPr rtl="1"/>
+          <a:r>
+            <a:rPr lang="fa-IR"/>
+            <a:t>اتصال به پی‌سی پوز</a:t>
+          </a:r>
+          <a:endParaRPr lang="en-US" dirty="0"/>
+        </a:p>
+      </dgm:t>
+    </dgm:pt>
+    <dgm:pt modelId="{73A28D31-0413-4ABA-BE28-B5E6D32B8EE9}" type="parTrans" cxnId="{FD69B223-80A6-4A6A-9809-D77E245A1DCE}">
+      <dgm:prSet/>
+      <dgm:spPr/>
+      <dgm:t>
+        <a:bodyPr/>
+        <a:lstStyle/>
+        <a:p>
+          <a:endParaRPr lang="en-US"/>
+        </a:p>
+      </dgm:t>
+    </dgm:pt>
+    <dgm:pt modelId="{6433E1BF-B5D6-4665-BF5D-23BDB3FCE7BA}" type="sibTrans" cxnId="{FD69B223-80A6-4A6A-9809-D77E245A1DCE}">
+      <dgm:prSet/>
+      <dgm:spPr/>
+      <dgm:t>
+        <a:bodyPr/>
+        <a:lstStyle/>
+        <a:p>
+          <a:endParaRPr lang="en-US"/>
+        </a:p>
+      </dgm:t>
+    </dgm:pt>
+    <dgm:pt modelId="{E635D103-F4A0-4685-B381-F26D64CFEF32}" type="pres">
+      <dgm:prSet presAssocID="{BFF6AE00-9A18-494C-A394-ABAC976E0063}" presName="theList" presStyleCnt="0">
+        <dgm:presLayoutVars>
+          <dgm:dir val="rev"/>
+          <dgm:animLvl val="lvl"/>
+          <dgm:resizeHandles val="exact"/>
+        </dgm:presLayoutVars>
+      </dgm:prSet>
+      <dgm:spPr/>
+    </dgm:pt>
+    <dgm:pt modelId="{04975E7E-23E4-4BC4-8954-2F4CC247D574}" type="pres">
+      <dgm:prSet presAssocID="{B72004A0-3F4B-49D3-8BBA-0A07C9A4BDAE}" presName="compNode" presStyleCnt="0"/>
+      <dgm:spPr/>
+    </dgm:pt>
+    <dgm:pt modelId="{5693F0C5-297A-483A-927B-951ECD089C9E}" type="pres">
+      <dgm:prSet presAssocID="{B72004A0-3F4B-49D3-8BBA-0A07C9A4BDAE}" presName="aNode" presStyleLbl="bgShp" presStyleIdx="0" presStyleCnt="4"/>
+      <dgm:spPr/>
+    </dgm:pt>
+    <dgm:pt modelId="{2C95FF14-29FE-4B92-91B4-C5F6263DA8A4}" type="pres">
+      <dgm:prSet presAssocID="{B72004A0-3F4B-49D3-8BBA-0A07C9A4BDAE}" presName="textNode" presStyleLbl="bgShp" presStyleIdx="0" presStyleCnt="4"/>
+      <dgm:spPr/>
+    </dgm:pt>
+    <dgm:pt modelId="{C3D1D089-879B-426F-9759-C217097D273C}" type="pres">
+      <dgm:prSet presAssocID="{B72004A0-3F4B-49D3-8BBA-0A07C9A4BDAE}" presName="compChildNode" presStyleCnt="0"/>
+      <dgm:spPr/>
+    </dgm:pt>
+    <dgm:pt modelId="{F195F9B7-A5CB-4527-B37C-DA68D40F3C4B}" type="pres">
+      <dgm:prSet presAssocID="{B72004A0-3F4B-49D3-8BBA-0A07C9A4BDAE}" presName="theInnerList" presStyleCnt="0"/>
+      <dgm:spPr/>
+    </dgm:pt>
+    <dgm:pt modelId="{8079236B-4F1B-40BF-B155-D61C057C1607}" type="pres">
+      <dgm:prSet presAssocID="{8D47F39E-3962-4489-AE42-B101246DDA93}" presName="childNode" presStyleLbl="node1" presStyleIdx="0" presStyleCnt="6">
+        <dgm:presLayoutVars>
+          <dgm:bulletEnabled val="1"/>
+        </dgm:presLayoutVars>
+      </dgm:prSet>
+      <dgm:spPr/>
+    </dgm:pt>
+    <dgm:pt modelId="{140841F7-C57B-4EAC-9A0B-65AAC2481807}" type="pres">
+      <dgm:prSet presAssocID="{8D47F39E-3962-4489-AE42-B101246DDA93}" presName="aSpace2" presStyleCnt="0"/>
+      <dgm:spPr/>
+    </dgm:pt>
+    <dgm:pt modelId="{2401C5E9-8227-42BF-8E66-0A76A2B1DA2D}" type="pres">
+      <dgm:prSet presAssocID="{1E2CC3CB-0599-4B10-A194-73F5FDE5AC54}" presName="childNode" presStyleLbl="node1" presStyleIdx="1" presStyleCnt="6">
+        <dgm:presLayoutVars>
+          <dgm:bulletEnabled val="1"/>
+        </dgm:presLayoutVars>
+      </dgm:prSet>
+      <dgm:spPr/>
+    </dgm:pt>
+    <dgm:pt modelId="{75BAEBA1-62ED-4355-83AF-0A301FE87AEB}" type="pres">
+      <dgm:prSet presAssocID="{1E2CC3CB-0599-4B10-A194-73F5FDE5AC54}" presName="aSpace2" presStyleCnt="0"/>
+      <dgm:spPr/>
+    </dgm:pt>
+    <dgm:pt modelId="{22738A7C-2137-42D0-B57A-1AC7D13B7BA6}" type="pres">
+      <dgm:prSet presAssocID="{3B323CA1-671E-4716-980E-406A493A9709}" presName="childNode" presStyleLbl="node1" presStyleIdx="2" presStyleCnt="6">
+        <dgm:presLayoutVars>
+          <dgm:bulletEnabled val="1"/>
+        </dgm:presLayoutVars>
+      </dgm:prSet>
+      <dgm:spPr/>
+    </dgm:pt>
+    <dgm:pt modelId="{2E2101AB-6F26-42FA-AFAF-E5E821BEB747}" type="pres">
+      <dgm:prSet presAssocID="{3B323CA1-671E-4716-980E-406A493A9709}" presName="aSpace2" presStyleCnt="0"/>
+      <dgm:spPr/>
+    </dgm:pt>
+    <dgm:pt modelId="{FC323A27-00EF-4EAF-8AB0-161B29467BD7}" type="pres">
+      <dgm:prSet presAssocID="{EF3C83CF-1690-446C-AD59-1F767B02A86D}" presName="childNode" presStyleLbl="node1" presStyleIdx="3" presStyleCnt="6">
+        <dgm:presLayoutVars>
+          <dgm:bulletEnabled val="1"/>
+        </dgm:presLayoutVars>
+      </dgm:prSet>
+      <dgm:spPr/>
+    </dgm:pt>
+    <dgm:pt modelId="{48B88196-7242-442D-A54E-37F7F610E2AA}" type="pres">
+      <dgm:prSet presAssocID="{EF3C83CF-1690-446C-AD59-1F767B02A86D}" presName="aSpace2" presStyleCnt="0"/>
+      <dgm:spPr/>
+    </dgm:pt>
+    <dgm:pt modelId="{57572FB7-ABD9-4B2B-9AD6-DA8D2C566B84}" type="pres">
+      <dgm:prSet presAssocID="{B131DE1A-89F1-48DC-A086-781E62C9B293}" presName="childNode" presStyleLbl="node1" presStyleIdx="4" presStyleCnt="6">
+        <dgm:presLayoutVars>
+          <dgm:bulletEnabled val="1"/>
+        </dgm:presLayoutVars>
+      </dgm:prSet>
+      <dgm:spPr/>
+    </dgm:pt>
+    <dgm:pt modelId="{5952721F-C797-4408-957A-DC1F9FDB77A1}" type="pres">
+      <dgm:prSet presAssocID="{B131DE1A-89F1-48DC-A086-781E62C9B293}" presName="aSpace2" presStyleCnt="0"/>
+      <dgm:spPr/>
+    </dgm:pt>
+    <dgm:pt modelId="{A91E0547-63FB-4DCA-81FC-37DBD1E56723}" type="pres">
+      <dgm:prSet presAssocID="{AF16B758-C4F1-49D6-A16A-394134149F38}" presName="childNode" presStyleLbl="node1" presStyleIdx="5" presStyleCnt="6">
+        <dgm:presLayoutVars>
+          <dgm:bulletEnabled val="1"/>
+        </dgm:presLayoutVars>
+      </dgm:prSet>
+      <dgm:spPr/>
+    </dgm:pt>
+    <dgm:pt modelId="{D01580FF-C9DA-4A3C-AB60-7AC51E158B1C}" type="pres">
+      <dgm:prSet presAssocID="{B72004A0-3F4B-49D3-8BBA-0A07C9A4BDAE}" presName="aSpace" presStyleCnt="0"/>
+      <dgm:spPr/>
+    </dgm:pt>
+    <dgm:pt modelId="{F6A5C548-4292-4CD0-A502-585E528D27DF}" type="pres">
+      <dgm:prSet presAssocID="{830D9264-146F-4938-B296-8F28F643F26C}" presName="compNode" presStyleCnt="0"/>
+      <dgm:spPr/>
+    </dgm:pt>
+    <dgm:pt modelId="{04514F17-7077-4891-9380-9B3779FC8D8A}" type="pres">
+      <dgm:prSet presAssocID="{830D9264-146F-4938-B296-8F28F643F26C}" presName="aNode" presStyleLbl="bgShp" presStyleIdx="1" presStyleCnt="4"/>
+      <dgm:spPr/>
+    </dgm:pt>
+    <dgm:pt modelId="{F4830861-5F05-4AB9-BB01-4F1A9C82BD3F}" type="pres">
+      <dgm:prSet presAssocID="{830D9264-146F-4938-B296-8F28F643F26C}" presName="textNode" presStyleLbl="bgShp" presStyleIdx="1" presStyleCnt="4"/>
+      <dgm:spPr/>
+    </dgm:pt>
+    <dgm:pt modelId="{15E72C5A-F70A-4522-B628-ABEDAE4C0139}" type="pres">
+      <dgm:prSet presAssocID="{830D9264-146F-4938-B296-8F28F643F26C}" presName="compChildNode" presStyleCnt="0"/>
+      <dgm:spPr/>
+    </dgm:pt>
+    <dgm:pt modelId="{8843BE4C-9278-437D-9074-AF1D93CE0EFF}" type="pres">
+      <dgm:prSet presAssocID="{830D9264-146F-4938-B296-8F28F643F26C}" presName="theInnerList" presStyleCnt="0"/>
+      <dgm:spPr/>
+    </dgm:pt>
+    <dgm:pt modelId="{4667C4F9-B78D-4035-80FD-79F27710B83F}" type="pres">
+      <dgm:prSet presAssocID="{830D9264-146F-4938-B296-8F28F643F26C}" presName="aSpace" presStyleCnt="0"/>
+      <dgm:spPr/>
+    </dgm:pt>
+    <dgm:pt modelId="{7BA3D3BB-B6E3-4A40-B901-9E489C5708D8}" type="pres">
+      <dgm:prSet presAssocID="{53C655B4-3907-4A11-9309-CDAFE4D5D8F8}" presName="compNode" presStyleCnt="0"/>
+      <dgm:spPr/>
+    </dgm:pt>
+    <dgm:pt modelId="{6CCD7B67-6CED-4537-9492-F9854245DD35}" type="pres">
+      <dgm:prSet presAssocID="{53C655B4-3907-4A11-9309-CDAFE4D5D8F8}" presName="aNode" presStyleLbl="bgShp" presStyleIdx="2" presStyleCnt="4"/>
+      <dgm:spPr/>
+    </dgm:pt>
+    <dgm:pt modelId="{85B1CC62-4D29-4F24-8847-0299ED88D48A}" type="pres">
+      <dgm:prSet presAssocID="{53C655B4-3907-4A11-9309-CDAFE4D5D8F8}" presName="textNode" presStyleLbl="bgShp" presStyleIdx="2" presStyleCnt="4"/>
+      <dgm:spPr/>
+    </dgm:pt>
+    <dgm:pt modelId="{469E12D3-89D5-4DF5-8DAB-8CE669FF27F7}" type="pres">
+      <dgm:prSet presAssocID="{53C655B4-3907-4A11-9309-CDAFE4D5D8F8}" presName="compChildNode" presStyleCnt="0"/>
+      <dgm:spPr/>
+    </dgm:pt>
+    <dgm:pt modelId="{E1A40484-B6F1-4170-8FCD-26E7FBCF0A36}" type="pres">
+      <dgm:prSet presAssocID="{53C655B4-3907-4A11-9309-CDAFE4D5D8F8}" presName="theInnerList" presStyleCnt="0"/>
+      <dgm:spPr/>
+    </dgm:pt>
+    <dgm:pt modelId="{CF91A839-F661-4E78-8433-BA23EFA01BF9}" type="pres">
+      <dgm:prSet presAssocID="{53C655B4-3907-4A11-9309-CDAFE4D5D8F8}" presName="aSpace" presStyleCnt="0"/>
+      <dgm:spPr/>
+    </dgm:pt>
+    <dgm:pt modelId="{8B1B8006-8BFC-4F91-9E77-97B7089DCF80}" type="pres">
+      <dgm:prSet presAssocID="{5B382DBB-B062-42BA-9395-E5E330FCC77F}" presName="compNode" presStyleCnt="0"/>
+      <dgm:spPr/>
+    </dgm:pt>
+    <dgm:pt modelId="{7693A9CB-8088-458F-A799-2804EB4A23C1}" type="pres">
+      <dgm:prSet presAssocID="{5B382DBB-B062-42BA-9395-E5E330FCC77F}" presName="aNode" presStyleLbl="bgShp" presStyleIdx="3" presStyleCnt="4"/>
+      <dgm:spPr/>
+    </dgm:pt>
+    <dgm:pt modelId="{3389CF4A-606C-42BF-8AD9-04B80CD63318}" type="pres">
+      <dgm:prSet presAssocID="{5B382DBB-B062-42BA-9395-E5E330FCC77F}" presName="textNode" presStyleLbl="bgShp" presStyleIdx="3" presStyleCnt="4"/>
+      <dgm:spPr/>
+    </dgm:pt>
+    <dgm:pt modelId="{1411A398-5C89-4748-B744-EEDB997A2714}" type="pres">
+      <dgm:prSet presAssocID="{5B382DBB-B062-42BA-9395-E5E330FCC77F}" presName="compChildNode" presStyleCnt="0"/>
+      <dgm:spPr/>
+    </dgm:pt>
+    <dgm:pt modelId="{5ECBEC42-FA62-45EA-A58D-1307C7CD120C}" type="pres">
+      <dgm:prSet presAssocID="{5B382DBB-B062-42BA-9395-E5E330FCC77F}" presName="theInnerList" presStyleCnt="0"/>
+      <dgm:spPr/>
+    </dgm:pt>
+  </dgm:ptLst>
+  <dgm:cxnLst>
+    <dgm:cxn modelId="{7C93C90C-66E4-40C9-A9ED-4BD2E5397E41}" type="presOf" srcId="{3B323CA1-671E-4716-980E-406A493A9709}" destId="{22738A7C-2137-42D0-B57A-1AC7D13B7BA6}" srcOrd="0" destOrd="0" presId="urn:microsoft.com/office/officeart/2005/8/layout/lProcess2"/>
+    <dgm:cxn modelId="{18BED90E-FABB-43E5-BF3D-BABE9E08F776}" type="presOf" srcId="{1E2CC3CB-0599-4B10-A194-73F5FDE5AC54}" destId="{2401C5E9-8227-42BF-8E66-0A76A2B1DA2D}" srcOrd="0" destOrd="0" presId="urn:microsoft.com/office/officeart/2005/8/layout/lProcess2"/>
+    <dgm:cxn modelId="{96750718-2696-42E6-9186-347A78A93A88}" type="presOf" srcId="{B131DE1A-89F1-48DC-A086-781E62C9B293}" destId="{57572FB7-ABD9-4B2B-9AD6-DA8D2C566B84}" srcOrd="0" destOrd="0" presId="urn:microsoft.com/office/officeart/2005/8/layout/lProcess2"/>
+    <dgm:cxn modelId="{4DFA6021-6D23-4F83-8438-DD501054558F}" srcId="{BFF6AE00-9A18-494C-A394-ABAC976E0063}" destId="{53C655B4-3907-4A11-9309-CDAFE4D5D8F8}" srcOrd="2" destOrd="0" parTransId="{206C2A95-6D59-4CFA-8C6F-C63A44C6633B}" sibTransId="{09AE70A7-8840-4A00-A85D-F8C8CE462DB3}"/>
+    <dgm:cxn modelId="{FD69B223-80A6-4A6A-9809-D77E245A1DCE}" srcId="{B72004A0-3F4B-49D3-8BBA-0A07C9A4BDAE}" destId="{AF16B758-C4F1-49D6-A16A-394134149F38}" srcOrd="5" destOrd="0" parTransId="{73A28D31-0413-4ABA-BE28-B5E6D32B8EE9}" sibTransId="{6433E1BF-B5D6-4665-BF5D-23BDB3FCE7BA}"/>
+    <dgm:cxn modelId="{35A6B126-9743-47B2-A8E7-1679A42373A1}" type="presOf" srcId="{830D9264-146F-4938-B296-8F28F643F26C}" destId="{04514F17-7077-4891-9380-9B3779FC8D8A}" srcOrd="0" destOrd="0" presId="urn:microsoft.com/office/officeart/2005/8/layout/lProcess2"/>
+    <dgm:cxn modelId="{02AC1F5B-7A7F-47F5-8971-CDF10D7120F7}" srcId="{BFF6AE00-9A18-494C-A394-ABAC976E0063}" destId="{B72004A0-3F4B-49D3-8BBA-0A07C9A4BDAE}" srcOrd="0" destOrd="0" parTransId="{283FDAAA-D228-4E93-8AFE-8F07AEDC70A5}" sibTransId="{DFAAE3E2-81E0-4C71-81E3-89E13C29837E}"/>
+    <dgm:cxn modelId="{431B205F-3675-42BB-9F3E-8D0996706E3C}" srcId="{B72004A0-3F4B-49D3-8BBA-0A07C9A4BDAE}" destId="{1E2CC3CB-0599-4B10-A194-73F5FDE5AC54}" srcOrd="1" destOrd="0" parTransId="{C7799123-8F34-4882-A9DF-9B6EF17F4EC6}" sibTransId="{D75C3C32-7D08-4BFD-BEBD-5DEBCC655EE5}"/>
+    <dgm:cxn modelId="{47EA735F-613C-4BD2-A19C-831D253DCD61}" type="presOf" srcId="{B72004A0-3F4B-49D3-8BBA-0A07C9A4BDAE}" destId="{2C95FF14-29FE-4B92-91B4-C5F6263DA8A4}" srcOrd="1" destOrd="0" presId="urn:microsoft.com/office/officeart/2005/8/layout/lProcess2"/>
+    <dgm:cxn modelId="{10F19246-B6FD-4E6A-8BF5-B257DA615655}" srcId="{BFF6AE00-9A18-494C-A394-ABAC976E0063}" destId="{830D9264-146F-4938-B296-8F28F643F26C}" srcOrd="1" destOrd="0" parTransId="{45674C7E-BF45-4D94-BB9B-E9C5AACBA097}" sibTransId="{60DB2B1F-582B-4957-A3C3-DEBC988AA020}"/>
+    <dgm:cxn modelId="{D22B3A4C-2502-4A51-BE1F-0952DA46BA40}" type="presOf" srcId="{5B382DBB-B062-42BA-9395-E5E330FCC77F}" destId="{3389CF4A-606C-42BF-8AD9-04B80CD63318}" srcOrd="1" destOrd="0" presId="urn:microsoft.com/office/officeart/2005/8/layout/lProcess2"/>
+    <dgm:cxn modelId="{D56EDD52-4B31-46DA-B968-338105816413}" srcId="{B72004A0-3F4B-49D3-8BBA-0A07C9A4BDAE}" destId="{3B323CA1-671E-4716-980E-406A493A9709}" srcOrd="2" destOrd="0" parTransId="{1AD8448F-F417-4DAF-AB86-0C10449477D1}" sibTransId="{9BE04EC5-15BF-4AAD-B9E4-89E904C1409A}"/>
+    <dgm:cxn modelId="{D5BECC76-65C7-4A52-BA4F-ACD1B056207E}" type="presOf" srcId="{53C655B4-3907-4A11-9309-CDAFE4D5D8F8}" destId="{85B1CC62-4D29-4F24-8847-0299ED88D48A}" srcOrd="1" destOrd="0" presId="urn:microsoft.com/office/officeart/2005/8/layout/lProcess2"/>
+    <dgm:cxn modelId="{A97CDC83-0031-4884-8993-D9E4E91E5D50}" type="presOf" srcId="{BFF6AE00-9A18-494C-A394-ABAC976E0063}" destId="{E635D103-F4A0-4685-B381-F26D64CFEF32}" srcOrd="0" destOrd="0" presId="urn:microsoft.com/office/officeart/2005/8/layout/lProcess2"/>
+    <dgm:cxn modelId="{9487B18E-2C08-43CD-A606-7CB86DF783C5}" srcId="{B72004A0-3F4B-49D3-8BBA-0A07C9A4BDAE}" destId="{EF3C83CF-1690-446C-AD59-1F767B02A86D}" srcOrd="3" destOrd="0" parTransId="{220B8DE6-43F8-4BAB-9B5B-4D3DE75040DB}" sibTransId="{540A2D96-43B7-4A4C-8003-9C1A6967DF1F}"/>
+    <dgm:cxn modelId="{877F359C-4894-41B0-8CA3-ED788FBFA5AD}" type="presOf" srcId="{AF16B758-C4F1-49D6-A16A-394134149F38}" destId="{A91E0547-63FB-4DCA-81FC-37DBD1E56723}" srcOrd="0" destOrd="0" presId="urn:microsoft.com/office/officeart/2005/8/layout/lProcess2"/>
+    <dgm:cxn modelId="{DDDB4AA9-FC5B-4B00-974C-8C0853320882}" type="presOf" srcId="{EF3C83CF-1690-446C-AD59-1F767B02A86D}" destId="{FC323A27-00EF-4EAF-8AB0-161B29467BD7}" srcOrd="0" destOrd="0" presId="urn:microsoft.com/office/officeart/2005/8/layout/lProcess2"/>
+    <dgm:cxn modelId="{273D93AF-DB64-4FF2-AE73-73E0A18AE283}" srcId="{B72004A0-3F4B-49D3-8BBA-0A07C9A4BDAE}" destId="{B131DE1A-89F1-48DC-A086-781E62C9B293}" srcOrd="4" destOrd="0" parTransId="{289DFAC3-A68F-4A07-AB36-1F9EB401659F}" sibTransId="{A5FB1B33-4F1D-45FF-A588-00EC81E112B8}"/>
+    <dgm:cxn modelId="{A7350EB0-F563-46B7-9A1F-60003BD29FE8}" type="presOf" srcId="{B72004A0-3F4B-49D3-8BBA-0A07C9A4BDAE}" destId="{5693F0C5-297A-483A-927B-951ECD089C9E}" srcOrd="0" destOrd="0" presId="urn:microsoft.com/office/officeart/2005/8/layout/lProcess2"/>
+    <dgm:cxn modelId="{F50687B1-8BAF-4A13-B979-482AE7FCCEAA}" srcId="{BFF6AE00-9A18-494C-A394-ABAC976E0063}" destId="{5B382DBB-B062-42BA-9395-E5E330FCC77F}" srcOrd="3" destOrd="0" parTransId="{EAFD2CED-112B-4C74-9F5C-6B829EF61219}" sibTransId="{3763DADB-900B-446C-BA1A-8D8C97BE79A7}"/>
+    <dgm:cxn modelId="{D2AB92BA-0B18-4E5C-90AF-08D776C530A4}" type="presOf" srcId="{830D9264-146F-4938-B296-8F28F643F26C}" destId="{F4830861-5F05-4AB9-BB01-4F1A9C82BD3F}" srcOrd="1" destOrd="0" presId="urn:microsoft.com/office/officeart/2005/8/layout/lProcess2"/>
+    <dgm:cxn modelId="{44DD4EE3-8678-4382-AD64-BE400866BF9C}" type="presOf" srcId="{5B382DBB-B062-42BA-9395-E5E330FCC77F}" destId="{7693A9CB-8088-458F-A799-2804EB4A23C1}" srcOrd="0" destOrd="0" presId="urn:microsoft.com/office/officeart/2005/8/layout/lProcess2"/>
+    <dgm:cxn modelId="{D407B5EE-C334-476F-9CD3-707324CC9069}" type="presOf" srcId="{8D47F39E-3962-4489-AE42-B101246DDA93}" destId="{8079236B-4F1B-40BF-B155-D61C057C1607}" srcOrd="0" destOrd="0" presId="urn:microsoft.com/office/officeart/2005/8/layout/lProcess2"/>
+    <dgm:cxn modelId="{EDC8F7F5-D09D-40CA-B59A-C3443DD8FA78}" type="presOf" srcId="{53C655B4-3907-4A11-9309-CDAFE4D5D8F8}" destId="{6CCD7B67-6CED-4537-9492-F9854245DD35}" srcOrd="0" destOrd="0" presId="urn:microsoft.com/office/officeart/2005/8/layout/lProcess2"/>
+    <dgm:cxn modelId="{8FC74FF7-CBD7-4BE0-BADB-29D5A3046D3A}" srcId="{B72004A0-3F4B-49D3-8BBA-0A07C9A4BDAE}" destId="{8D47F39E-3962-4489-AE42-B101246DDA93}" srcOrd="0" destOrd="0" parTransId="{E58646AD-BCCA-4720-963C-83F383F6597B}" sibTransId="{4D8FDAB6-CEBE-4E09-B077-6E13DFD55764}"/>
+    <dgm:cxn modelId="{154C4D2E-7022-44F0-BBB6-5DB954871D22}" type="presParOf" srcId="{E635D103-F4A0-4685-B381-F26D64CFEF32}" destId="{04975E7E-23E4-4BC4-8954-2F4CC247D574}" srcOrd="0" destOrd="0" presId="urn:microsoft.com/office/officeart/2005/8/layout/lProcess2"/>
+    <dgm:cxn modelId="{F7FFE282-898B-43BC-BDF0-EF5E506B33A4}" type="presParOf" srcId="{04975E7E-23E4-4BC4-8954-2F4CC247D574}" destId="{5693F0C5-297A-483A-927B-951ECD089C9E}" srcOrd="0" destOrd="0" presId="urn:microsoft.com/office/officeart/2005/8/layout/lProcess2"/>
+    <dgm:cxn modelId="{EB8BE78D-78F2-4ADC-ABA5-7F72ECF14E93}" type="presParOf" srcId="{04975E7E-23E4-4BC4-8954-2F4CC247D574}" destId="{2C95FF14-29FE-4B92-91B4-C5F6263DA8A4}" srcOrd="1" destOrd="0" presId="urn:microsoft.com/office/officeart/2005/8/layout/lProcess2"/>
+    <dgm:cxn modelId="{4BC1B033-C643-4ECA-9CCC-3F0FCDEDDA59}" type="presParOf" srcId="{04975E7E-23E4-4BC4-8954-2F4CC247D574}" destId="{C3D1D089-879B-426F-9759-C217097D273C}" srcOrd="2" destOrd="0" presId="urn:microsoft.com/office/officeart/2005/8/layout/lProcess2"/>
+    <dgm:cxn modelId="{35D72370-4807-4A57-AEB4-0328FCB48F54}" type="presParOf" srcId="{C3D1D089-879B-426F-9759-C217097D273C}" destId="{F195F9B7-A5CB-4527-B37C-DA68D40F3C4B}" srcOrd="0" destOrd="0" presId="urn:microsoft.com/office/officeart/2005/8/layout/lProcess2"/>
+    <dgm:cxn modelId="{F3155049-4695-4133-B915-3D92671D83F7}" type="presParOf" srcId="{F195F9B7-A5CB-4527-B37C-DA68D40F3C4B}" destId="{8079236B-4F1B-40BF-B155-D61C057C1607}" srcOrd="0" destOrd="0" presId="urn:microsoft.com/office/officeart/2005/8/layout/lProcess2"/>
+    <dgm:cxn modelId="{C65D3593-6725-4FC8-AD78-ADE35B1B995F}" type="presParOf" srcId="{F195F9B7-A5CB-4527-B37C-DA68D40F3C4B}" destId="{140841F7-C57B-4EAC-9A0B-65AAC2481807}" srcOrd="1" destOrd="0" presId="urn:microsoft.com/office/officeart/2005/8/layout/lProcess2"/>
+    <dgm:cxn modelId="{480377B3-A9BA-4B31-94B8-C309A53B24E6}" type="presParOf" srcId="{F195F9B7-A5CB-4527-B37C-DA68D40F3C4B}" destId="{2401C5E9-8227-42BF-8E66-0A76A2B1DA2D}" srcOrd="2" destOrd="0" presId="urn:microsoft.com/office/officeart/2005/8/layout/lProcess2"/>
+    <dgm:cxn modelId="{29715846-B396-4DED-8AB7-239397E31668}" type="presParOf" srcId="{F195F9B7-A5CB-4527-B37C-DA68D40F3C4B}" destId="{75BAEBA1-62ED-4355-83AF-0A301FE87AEB}" srcOrd="3" destOrd="0" presId="urn:microsoft.com/office/officeart/2005/8/layout/lProcess2"/>
+    <dgm:cxn modelId="{70B20AA2-F3D4-4617-9926-EEE67284070F}" type="presParOf" srcId="{F195F9B7-A5CB-4527-B37C-DA68D40F3C4B}" destId="{22738A7C-2137-42D0-B57A-1AC7D13B7BA6}" srcOrd="4" destOrd="0" presId="urn:microsoft.com/office/officeart/2005/8/layout/lProcess2"/>
+    <dgm:cxn modelId="{AE331E44-C005-47A9-A0C7-97B2A9F1E569}" type="presParOf" srcId="{F195F9B7-A5CB-4527-B37C-DA68D40F3C4B}" destId="{2E2101AB-6F26-42FA-AFAF-E5E821BEB747}" srcOrd="5" destOrd="0" presId="urn:microsoft.com/office/officeart/2005/8/layout/lProcess2"/>
+    <dgm:cxn modelId="{74ECADD5-9E4B-421A-AE5C-2D296357704B}" type="presParOf" srcId="{F195F9B7-A5CB-4527-B37C-DA68D40F3C4B}" destId="{FC323A27-00EF-4EAF-8AB0-161B29467BD7}" srcOrd="6" destOrd="0" presId="urn:microsoft.com/office/officeart/2005/8/layout/lProcess2"/>
+    <dgm:cxn modelId="{C2858FA7-8E62-4A9E-A840-48CD296DAAE5}" type="presParOf" srcId="{F195F9B7-A5CB-4527-B37C-DA68D40F3C4B}" destId="{48B88196-7242-442D-A54E-37F7F610E2AA}" srcOrd="7" destOrd="0" presId="urn:microsoft.com/office/officeart/2005/8/layout/lProcess2"/>
+    <dgm:cxn modelId="{FC137166-42E7-438B-98FE-0D5F30397005}" type="presParOf" srcId="{F195F9B7-A5CB-4527-B37C-DA68D40F3C4B}" destId="{57572FB7-ABD9-4B2B-9AD6-DA8D2C566B84}" srcOrd="8" destOrd="0" presId="urn:microsoft.com/office/officeart/2005/8/layout/lProcess2"/>
+    <dgm:cxn modelId="{B0F367C7-B68C-4840-8A6B-BB82601D9361}" type="presParOf" srcId="{F195F9B7-A5CB-4527-B37C-DA68D40F3C4B}" destId="{5952721F-C797-4408-957A-DC1F9FDB77A1}" srcOrd="9" destOrd="0" presId="urn:microsoft.com/office/officeart/2005/8/layout/lProcess2"/>
+    <dgm:cxn modelId="{51B43C9C-5C54-4564-B1A2-FFC222766DB7}" type="presParOf" srcId="{F195F9B7-A5CB-4527-B37C-DA68D40F3C4B}" destId="{A91E0547-63FB-4DCA-81FC-37DBD1E56723}" srcOrd="10" destOrd="0" presId="urn:microsoft.com/office/officeart/2005/8/layout/lProcess2"/>
+    <dgm:cxn modelId="{F45EB15A-A210-49E7-BB9C-E3B1E8F6F7D7}" type="presParOf" srcId="{E635D103-F4A0-4685-B381-F26D64CFEF32}" destId="{D01580FF-C9DA-4A3C-AB60-7AC51E158B1C}" srcOrd="1" destOrd="0" presId="urn:microsoft.com/office/officeart/2005/8/layout/lProcess2"/>
+    <dgm:cxn modelId="{0E4CA88B-3240-43CE-B84E-7E7E707E5F94}" type="presParOf" srcId="{E635D103-F4A0-4685-B381-F26D64CFEF32}" destId="{F6A5C548-4292-4CD0-A502-585E528D27DF}" srcOrd="2" destOrd="0" presId="urn:microsoft.com/office/officeart/2005/8/layout/lProcess2"/>
+    <dgm:cxn modelId="{7952A6BC-32A0-4376-A6E8-FE1DEA867B5B}" type="presParOf" srcId="{F6A5C548-4292-4CD0-A502-585E528D27DF}" destId="{04514F17-7077-4891-9380-9B3779FC8D8A}" srcOrd="0" destOrd="0" presId="urn:microsoft.com/office/officeart/2005/8/layout/lProcess2"/>
+    <dgm:cxn modelId="{E059A7D7-29F2-402C-BAC3-F5D704321FA9}" type="presParOf" srcId="{F6A5C548-4292-4CD0-A502-585E528D27DF}" destId="{F4830861-5F05-4AB9-BB01-4F1A9C82BD3F}" srcOrd="1" destOrd="0" presId="urn:microsoft.com/office/officeart/2005/8/layout/lProcess2"/>
+    <dgm:cxn modelId="{85FE7DF9-57B3-4A25-96DA-11941D349F5A}" type="presParOf" srcId="{F6A5C548-4292-4CD0-A502-585E528D27DF}" destId="{15E72C5A-F70A-4522-B628-ABEDAE4C0139}" srcOrd="2" destOrd="0" presId="urn:microsoft.com/office/officeart/2005/8/layout/lProcess2"/>
+    <dgm:cxn modelId="{2E39B826-2783-4D47-95D7-8FF65D5262EF}" type="presParOf" srcId="{15E72C5A-F70A-4522-B628-ABEDAE4C0139}" destId="{8843BE4C-9278-437D-9074-AF1D93CE0EFF}" srcOrd="0" destOrd="0" presId="urn:microsoft.com/office/officeart/2005/8/layout/lProcess2"/>
+    <dgm:cxn modelId="{BB3CE992-2443-4AF9-93ED-149A4CA4CB07}" type="presParOf" srcId="{E635D103-F4A0-4685-B381-F26D64CFEF32}" destId="{4667C4F9-B78D-4035-80FD-79F27710B83F}" srcOrd="3" destOrd="0" presId="urn:microsoft.com/office/officeart/2005/8/layout/lProcess2"/>
+    <dgm:cxn modelId="{DFED1DA1-FE1D-4942-A32B-70F6FE546AA9}" type="presParOf" srcId="{E635D103-F4A0-4685-B381-F26D64CFEF32}" destId="{7BA3D3BB-B6E3-4A40-B901-9E489C5708D8}" srcOrd="4" destOrd="0" presId="urn:microsoft.com/office/officeart/2005/8/layout/lProcess2"/>
+    <dgm:cxn modelId="{BC262F02-4CFF-443D-8D85-09C8BFDB9B36}" type="presParOf" srcId="{7BA3D3BB-B6E3-4A40-B901-9E489C5708D8}" destId="{6CCD7B67-6CED-4537-9492-F9854245DD35}" srcOrd="0" destOrd="0" presId="urn:microsoft.com/office/officeart/2005/8/layout/lProcess2"/>
+    <dgm:cxn modelId="{DF38DA87-7EF7-4ABD-8E69-94D4DCC8509E}" type="presParOf" srcId="{7BA3D3BB-B6E3-4A40-B901-9E489C5708D8}" destId="{85B1CC62-4D29-4F24-8847-0299ED88D48A}" srcOrd="1" destOrd="0" presId="urn:microsoft.com/office/officeart/2005/8/layout/lProcess2"/>
+    <dgm:cxn modelId="{3F2340C5-06BC-402F-9B5F-D34F825E2FFD}" type="presParOf" srcId="{7BA3D3BB-B6E3-4A40-B901-9E489C5708D8}" destId="{469E12D3-89D5-4DF5-8DAB-8CE669FF27F7}" srcOrd="2" destOrd="0" presId="urn:microsoft.com/office/officeart/2005/8/layout/lProcess2"/>
+    <dgm:cxn modelId="{D919B9DE-091F-455B-BEA6-20EDCCDBB935}" type="presParOf" srcId="{469E12D3-89D5-4DF5-8DAB-8CE669FF27F7}" destId="{E1A40484-B6F1-4170-8FCD-26E7FBCF0A36}" srcOrd="0" destOrd="0" presId="urn:microsoft.com/office/officeart/2005/8/layout/lProcess2"/>
+    <dgm:cxn modelId="{F69EFF42-50D0-43E2-85B4-356641B49182}" type="presParOf" srcId="{E635D103-F4A0-4685-B381-F26D64CFEF32}" destId="{CF91A839-F661-4E78-8433-BA23EFA01BF9}" srcOrd="5" destOrd="0" presId="urn:microsoft.com/office/officeart/2005/8/layout/lProcess2"/>
+    <dgm:cxn modelId="{16C65042-EB5E-4CD6-A450-3FF56C04BA52}" type="presParOf" srcId="{E635D103-F4A0-4685-B381-F26D64CFEF32}" destId="{8B1B8006-8BFC-4F91-9E77-97B7089DCF80}" srcOrd="6" destOrd="0" presId="urn:microsoft.com/office/officeart/2005/8/layout/lProcess2"/>
+    <dgm:cxn modelId="{7A4A7912-265C-444D-A993-74DD733D6709}" type="presParOf" srcId="{8B1B8006-8BFC-4F91-9E77-97B7089DCF80}" destId="{7693A9CB-8088-458F-A799-2804EB4A23C1}" srcOrd="0" destOrd="0" presId="urn:microsoft.com/office/officeart/2005/8/layout/lProcess2"/>
+    <dgm:cxn modelId="{ABC1F541-A803-4C85-96F5-03EC6F0132A3}" type="presParOf" srcId="{8B1B8006-8BFC-4F91-9E77-97B7089DCF80}" destId="{3389CF4A-606C-42BF-8AD9-04B80CD63318}" srcOrd="1" destOrd="0" presId="urn:microsoft.com/office/officeart/2005/8/layout/lProcess2"/>
+    <dgm:cxn modelId="{5AFF1CB5-91F9-4AA8-94A4-D1EE3A1AA489}" type="presParOf" srcId="{8B1B8006-8BFC-4F91-9E77-97B7089DCF80}" destId="{1411A398-5C89-4748-B744-EEDB997A2714}" srcOrd="2" destOrd="0" presId="urn:microsoft.com/office/officeart/2005/8/layout/lProcess2"/>
+    <dgm:cxn modelId="{F67964CB-8FCB-47A9-9C63-0907E9472127}" type="presParOf" srcId="{1411A398-5C89-4748-B744-EEDB997A2714}" destId="{5ECBEC42-FA62-45EA-A58D-1307C7CD120C}" srcOrd="0" destOrd="0" presId="urn:microsoft.com/office/officeart/2005/8/layout/lProcess2"/>
+  </dgm:cxnLst>
+  <dgm:bg/>
+  <dgm:whole/>
+  <dgm:extLst>
+    <a:ext uri="http://schemas.microsoft.com/office/drawing/2008/diagram">
+      <dsp:dataModelExt xmlns:dsp="http://schemas.microsoft.com/office/drawing/2008/diagram" relId="rId7" minVer="http://schemas.openxmlformats.org/drawingml/2006/diagram"/>
+    </a:ext>
+  </dgm:extLst>
+</dgm:dataModel>
+</file>
+
+<file path=ppt/diagrams/drawing1.xml><?xml version="1.0" encoding="utf-8"?>
+<dsp:drawing xmlns:dgm="http://schemas.openxmlformats.org/drawingml/2006/diagram" xmlns:dsp="http://schemas.microsoft.com/office/drawing/2008/diagram" xmlns:a="http://schemas.openxmlformats.org/drawingml/2006/main">
+  <dsp:spTree>
+    <dsp:nvGrpSpPr>
+      <dsp:cNvPr id="0" name=""/>
+      <dsp:cNvGrpSpPr/>
+    </dsp:nvGrpSpPr>
+    <dsp:grpSpPr/>
+    <dsp:sp modelId="{5693F0C5-297A-483A-927B-951ECD089C9E}">
+      <dsp:nvSpPr>
+        <dsp:cNvPr id="0" name=""/>
+        <dsp:cNvSpPr/>
+      </dsp:nvSpPr>
+      <dsp:spPr>
+        <a:xfrm>
+          <a:off x="7693398" y="0"/>
+          <a:ext cx="2384796" cy="4804356"/>
+        </a:xfrm>
+        <a:prstGeom prst="roundRect">
+          <a:avLst>
+            <a:gd name="adj" fmla="val 10000"/>
+          </a:avLst>
+        </a:prstGeom>
+        <a:solidFill>
+          <a:schemeClr val="accent1">
+            <a:tint val="40000"/>
+            <a:hueOff val="0"/>
+            <a:satOff val="0"/>
+            <a:lumOff val="0"/>
+            <a:alphaOff val="0"/>
+          </a:schemeClr>
+        </a:solidFill>
+        <a:ln>
+          <a:noFill/>
+        </a:ln>
+        <a:effectLst/>
+      </dsp:spPr>
+      <dsp:style>
+        <a:lnRef idx="0">
+          <a:scrgbClr r="0" g="0" b="0"/>
+        </a:lnRef>
+        <a:fillRef idx="1">
+          <a:scrgbClr r="0" g="0" b="0"/>
+        </a:fillRef>
+        <a:effectRef idx="0">
+          <a:scrgbClr r="0" g="0" b="0"/>
+        </a:effectRef>
+        <a:fontRef idx="minor"/>
+      </dsp:style>
+      <dsp:txBody>
+        <a:bodyPr spcFirstLastPara="0" vert="horz" wrap="square" lIns="83820" tIns="83820" rIns="83820" bIns="83820" numCol="1" spcCol="1270" anchor="ctr" anchorCtr="0">
+          <a:noAutofit/>
+        </a:bodyPr>
+        <a:lstStyle/>
+        <a:p>
+          <a:pPr marL="0" lvl="0" indent="0" algn="ctr" defTabSz="977900" rtl="1">
+            <a:lnSpc>
+              <a:spcPct val="90000"/>
+            </a:lnSpc>
+            <a:spcBef>
+              <a:spcPct val="0"/>
+            </a:spcBef>
+            <a:spcAft>
+              <a:spcPct val="35000"/>
+            </a:spcAft>
+            <a:buNone/>
+          </a:pPr>
+          <a:r>
+            <a:rPr lang="fa-IR" sz="2200" kern="1200" dirty="0"/>
+            <a:t>سایت‌ساز</a:t>
+          </a:r>
+          <a:endParaRPr lang="en-US" sz="2200" kern="1200" dirty="0"/>
+        </a:p>
+      </dsp:txBody>
+      <dsp:txXfrm>
+        <a:off x="7693398" y="0"/>
+        <a:ext cx="2384796" cy="1441306"/>
+      </dsp:txXfrm>
+    </dsp:sp>
+    <dsp:sp modelId="{8079236B-4F1B-40BF-B155-D61C057C1607}">
+      <dsp:nvSpPr>
+        <dsp:cNvPr id="0" name=""/>
+        <dsp:cNvSpPr/>
+      </dsp:nvSpPr>
+      <dsp:spPr>
+        <a:xfrm>
+          <a:off x="7931878" y="1441541"/>
+          <a:ext cx="1907837" cy="461258"/>
+        </a:xfrm>
+        <a:prstGeom prst="roundRect">
+          <a:avLst>
+            <a:gd name="adj" fmla="val 10000"/>
+          </a:avLst>
+        </a:prstGeom>
+        <a:solidFill>
+          <a:schemeClr val="accent1">
+            <a:hueOff val="0"/>
+            <a:satOff val="0"/>
+            <a:lumOff val="0"/>
+            <a:alphaOff val="0"/>
+          </a:schemeClr>
+        </a:solidFill>
+        <a:ln w="19050" cap="flat" cmpd="sng" algn="ctr">
+          <a:solidFill>
+            <a:schemeClr val="lt1">
+              <a:hueOff val="0"/>
+              <a:satOff val="0"/>
+              <a:lumOff val="0"/>
+              <a:alphaOff val="0"/>
+            </a:schemeClr>
+          </a:solidFill>
+          <a:prstDash val="solid"/>
+        </a:ln>
+        <a:effectLst/>
+      </dsp:spPr>
+      <dsp:style>
+        <a:lnRef idx="2">
+          <a:scrgbClr r="0" g="0" b="0"/>
+        </a:lnRef>
+        <a:fillRef idx="1">
+          <a:scrgbClr r="0" g="0" b="0"/>
+        </a:fillRef>
+        <a:effectRef idx="0">
+          <a:scrgbClr r="0" g="0" b="0"/>
+        </a:effectRef>
+        <a:fontRef idx="minor">
+          <a:schemeClr val="lt1"/>
+        </a:fontRef>
+      </dsp:style>
+      <dsp:txBody>
+        <a:bodyPr spcFirstLastPara="0" vert="horz" wrap="square" lIns="27940" tIns="20955" rIns="27940" bIns="20955" numCol="1" spcCol="1270" anchor="ctr" anchorCtr="0">
+          <a:noAutofit/>
+        </a:bodyPr>
+        <a:lstStyle/>
+        <a:p>
+          <a:pPr marL="0" lvl="0" indent="0" algn="ctr" defTabSz="488950" rtl="1">
+            <a:lnSpc>
+              <a:spcPct val="90000"/>
+            </a:lnSpc>
+            <a:spcBef>
+              <a:spcPct val="0"/>
+            </a:spcBef>
+            <a:spcAft>
+              <a:spcPct val="35000"/>
+            </a:spcAft>
+            <a:buNone/>
+          </a:pPr>
+          <a:r>
+            <a:rPr lang="fa-IR" sz="1100" kern="1200" dirty="0"/>
+            <a:t>صدور فاکتور</a:t>
+          </a:r>
+          <a:endParaRPr lang="en-US" sz="1100" kern="1200" dirty="0"/>
+        </a:p>
+      </dsp:txBody>
+      <dsp:txXfrm>
+        <a:off x="7945388" y="1455051"/>
+        <a:ext cx="1880817" cy="434238"/>
+      </dsp:txXfrm>
+    </dsp:sp>
+    <dsp:sp modelId="{2401C5E9-8227-42BF-8E66-0A76A2B1DA2D}">
+      <dsp:nvSpPr>
+        <dsp:cNvPr id="0" name=""/>
+        <dsp:cNvSpPr/>
+      </dsp:nvSpPr>
+      <dsp:spPr>
+        <a:xfrm>
+          <a:off x="7931878" y="1973762"/>
+          <a:ext cx="1907837" cy="461258"/>
+        </a:xfrm>
+        <a:prstGeom prst="roundRect">
+          <a:avLst>
+            <a:gd name="adj" fmla="val 10000"/>
+          </a:avLst>
+        </a:prstGeom>
+        <a:solidFill>
+          <a:schemeClr val="accent1">
+            <a:hueOff val="0"/>
+            <a:satOff val="0"/>
+            <a:lumOff val="0"/>
+            <a:alphaOff val="0"/>
+          </a:schemeClr>
+        </a:solidFill>
+        <a:ln w="19050" cap="flat" cmpd="sng" algn="ctr">
+          <a:solidFill>
+            <a:schemeClr val="lt1">
+              <a:hueOff val="0"/>
+              <a:satOff val="0"/>
+              <a:lumOff val="0"/>
+              <a:alphaOff val="0"/>
+            </a:schemeClr>
+          </a:solidFill>
+          <a:prstDash val="solid"/>
+        </a:ln>
+        <a:effectLst/>
+      </dsp:spPr>
+      <dsp:style>
+        <a:lnRef idx="2">
+          <a:scrgbClr r="0" g="0" b="0"/>
+        </a:lnRef>
+        <a:fillRef idx="1">
+          <a:scrgbClr r="0" g="0" b="0"/>
+        </a:fillRef>
+        <a:effectRef idx="0">
+          <a:scrgbClr r="0" g="0" b="0"/>
+        </a:effectRef>
+        <a:fontRef idx="minor">
+          <a:schemeClr val="lt1"/>
+        </a:fontRef>
+      </dsp:style>
+      <dsp:txBody>
+        <a:bodyPr spcFirstLastPara="0" vert="horz" wrap="square" lIns="27940" tIns="20955" rIns="27940" bIns="20955" numCol="1" spcCol="1270" anchor="ctr" anchorCtr="0">
+          <a:noAutofit/>
+        </a:bodyPr>
+        <a:lstStyle/>
+        <a:p>
+          <a:pPr marL="0" lvl="0" indent="0" algn="ctr" defTabSz="488950" rtl="1">
+            <a:lnSpc>
+              <a:spcPct val="90000"/>
+            </a:lnSpc>
+            <a:spcBef>
+              <a:spcPct val="0"/>
+            </a:spcBef>
+            <a:spcAft>
+              <a:spcPct val="35000"/>
+            </a:spcAft>
+            <a:buNone/>
+          </a:pPr>
+          <a:r>
+            <a:rPr lang="fa-IR" sz="1100" kern="1200" dirty="0"/>
+            <a:t>چاپ </a:t>
+          </a:r>
+          <a:r>
+            <a:rPr lang="en-US" sz="1100" kern="1200" dirty="0"/>
+            <a:t>A4, A5</a:t>
+          </a:r>
+        </a:p>
+      </dsp:txBody>
+      <dsp:txXfrm>
+        <a:off x="7945388" y="1987272"/>
+        <a:ext cx="1880817" cy="434238"/>
+      </dsp:txXfrm>
+    </dsp:sp>
+    <dsp:sp modelId="{22738A7C-2137-42D0-B57A-1AC7D13B7BA6}">
+      <dsp:nvSpPr>
+        <dsp:cNvPr id="0" name=""/>
+        <dsp:cNvSpPr/>
+      </dsp:nvSpPr>
+      <dsp:spPr>
+        <a:xfrm>
+          <a:off x="7931878" y="2505983"/>
+          <a:ext cx="1907837" cy="461258"/>
+        </a:xfrm>
+        <a:prstGeom prst="roundRect">
+          <a:avLst>
+            <a:gd name="adj" fmla="val 10000"/>
+          </a:avLst>
+        </a:prstGeom>
+        <a:solidFill>
+          <a:schemeClr val="accent1">
+            <a:hueOff val="0"/>
+            <a:satOff val="0"/>
+            <a:lumOff val="0"/>
+            <a:alphaOff val="0"/>
+          </a:schemeClr>
+        </a:solidFill>
+        <a:ln w="19050" cap="flat" cmpd="sng" algn="ctr">
+          <a:solidFill>
+            <a:schemeClr val="lt1">
+              <a:hueOff val="0"/>
+              <a:satOff val="0"/>
+              <a:lumOff val="0"/>
+              <a:alphaOff val="0"/>
+            </a:schemeClr>
+          </a:solidFill>
+          <a:prstDash val="solid"/>
+        </a:ln>
+        <a:effectLst/>
+      </dsp:spPr>
+      <dsp:style>
+        <a:lnRef idx="2">
+          <a:scrgbClr r="0" g="0" b="0"/>
+        </a:lnRef>
+        <a:fillRef idx="1">
+          <a:scrgbClr r="0" g="0" b="0"/>
+        </a:fillRef>
+        <a:effectRef idx="0">
+          <a:scrgbClr r="0" g="0" b="0"/>
+        </a:effectRef>
+        <a:fontRef idx="minor">
+          <a:schemeClr val="lt1"/>
+        </a:fontRef>
+      </dsp:style>
+      <dsp:txBody>
+        <a:bodyPr spcFirstLastPara="0" vert="horz" wrap="square" lIns="27940" tIns="20955" rIns="27940" bIns="20955" numCol="1" spcCol="1270" anchor="ctr" anchorCtr="0">
+          <a:noAutofit/>
+        </a:bodyPr>
+        <a:lstStyle/>
+        <a:p>
+          <a:pPr marL="0" lvl="0" indent="0" algn="ctr" defTabSz="488950" rtl="1">
+            <a:lnSpc>
+              <a:spcPct val="90000"/>
+            </a:lnSpc>
+            <a:spcBef>
+              <a:spcPct val="0"/>
+            </a:spcBef>
+            <a:spcAft>
+              <a:spcPct val="35000"/>
+            </a:spcAft>
+            <a:buNone/>
+          </a:pPr>
+          <a:r>
+            <a:rPr lang="fa-IR" sz="1100" kern="1200" dirty="0"/>
+            <a:t>فروش سریع</a:t>
+          </a:r>
+          <a:endParaRPr lang="en-US" sz="1100" kern="1200" dirty="0"/>
+        </a:p>
+      </dsp:txBody>
+      <dsp:txXfrm>
+        <a:off x="7945388" y="2519493"/>
+        <a:ext cx="1880817" cy="434238"/>
+      </dsp:txXfrm>
+    </dsp:sp>
+    <dsp:sp modelId="{FC323A27-00EF-4EAF-8AB0-161B29467BD7}">
+      <dsp:nvSpPr>
+        <dsp:cNvPr id="0" name=""/>
+        <dsp:cNvSpPr/>
+      </dsp:nvSpPr>
+      <dsp:spPr>
+        <a:xfrm>
+          <a:off x="7931878" y="3038203"/>
+          <a:ext cx="1907837" cy="461258"/>
+        </a:xfrm>
+        <a:prstGeom prst="roundRect">
+          <a:avLst>
+            <a:gd name="adj" fmla="val 10000"/>
+          </a:avLst>
+        </a:prstGeom>
+        <a:solidFill>
+          <a:schemeClr val="accent1">
+            <a:hueOff val="0"/>
+            <a:satOff val="0"/>
+            <a:lumOff val="0"/>
+            <a:alphaOff val="0"/>
+          </a:schemeClr>
+        </a:solidFill>
+        <a:ln w="19050" cap="flat" cmpd="sng" algn="ctr">
+          <a:solidFill>
+            <a:schemeClr val="lt1">
+              <a:hueOff val="0"/>
+              <a:satOff val="0"/>
+              <a:lumOff val="0"/>
+              <a:alphaOff val="0"/>
+            </a:schemeClr>
+          </a:solidFill>
+          <a:prstDash val="solid"/>
+        </a:ln>
+        <a:effectLst/>
+      </dsp:spPr>
+      <dsp:style>
+        <a:lnRef idx="2">
+          <a:scrgbClr r="0" g="0" b="0"/>
+        </a:lnRef>
+        <a:fillRef idx="1">
+          <a:scrgbClr r="0" g="0" b="0"/>
+        </a:fillRef>
+        <a:effectRef idx="0">
+          <a:scrgbClr r="0" g="0" b="0"/>
+        </a:effectRef>
+        <a:fontRef idx="minor">
+          <a:schemeClr val="lt1"/>
+        </a:fontRef>
+      </dsp:style>
+      <dsp:txBody>
+        <a:bodyPr spcFirstLastPara="0" vert="horz" wrap="square" lIns="27940" tIns="20955" rIns="27940" bIns="20955" numCol="1" spcCol="1270" anchor="ctr" anchorCtr="0">
+          <a:noAutofit/>
+        </a:bodyPr>
+        <a:lstStyle/>
+        <a:p>
+          <a:pPr marL="0" lvl="0" indent="0" algn="ctr" defTabSz="488950" rtl="1">
+            <a:lnSpc>
+              <a:spcPct val="90000"/>
+            </a:lnSpc>
+            <a:spcBef>
+              <a:spcPct val="0"/>
+            </a:spcBef>
+            <a:spcAft>
+              <a:spcPct val="35000"/>
+            </a:spcAft>
+            <a:buNone/>
+          </a:pPr>
+          <a:r>
+            <a:rPr lang="fa-IR" sz="1100" kern="1200" dirty="0"/>
+            <a:t>فیش پرینت</a:t>
+          </a:r>
+          <a:endParaRPr lang="en-US" sz="1100" kern="1200" dirty="0"/>
+        </a:p>
+      </dsp:txBody>
+      <dsp:txXfrm>
+        <a:off x="7945388" y="3051713"/>
+        <a:ext cx="1880817" cy="434238"/>
+      </dsp:txXfrm>
+    </dsp:sp>
+    <dsp:sp modelId="{57572FB7-ABD9-4B2B-9AD6-DA8D2C566B84}">
+      <dsp:nvSpPr>
+        <dsp:cNvPr id="0" name=""/>
+        <dsp:cNvSpPr/>
+      </dsp:nvSpPr>
+      <dsp:spPr>
+        <a:xfrm>
+          <a:off x="7931878" y="3570424"/>
+          <a:ext cx="1907837" cy="461258"/>
+        </a:xfrm>
+        <a:prstGeom prst="roundRect">
+          <a:avLst>
+            <a:gd name="adj" fmla="val 10000"/>
+          </a:avLst>
+        </a:prstGeom>
+        <a:solidFill>
+          <a:schemeClr val="accent1">
+            <a:hueOff val="0"/>
+            <a:satOff val="0"/>
+            <a:lumOff val="0"/>
+            <a:alphaOff val="0"/>
+          </a:schemeClr>
+        </a:solidFill>
+        <a:ln w="19050" cap="flat" cmpd="sng" algn="ctr">
+          <a:solidFill>
+            <a:schemeClr val="lt1">
+              <a:hueOff val="0"/>
+              <a:satOff val="0"/>
+              <a:lumOff val="0"/>
+              <a:alphaOff val="0"/>
+            </a:schemeClr>
+          </a:solidFill>
+          <a:prstDash val="solid"/>
+        </a:ln>
+        <a:effectLst/>
+      </dsp:spPr>
+      <dsp:style>
+        <a:lnRef idx="2">
+          <a:scrgbClr r="0" g="0" b="0"/>
+        </a:lnRef>
+        <a:fillRef idx="1">
+          <a:scrgbClr r="0" g="0" b="0"/>
+        </a:fillRef>
+        <a:effectRef idx="0">
+          <a:scrgbClr r="0" g="0" b="0"/>
+        </a:effectRef>
+        <a:fontRef idx="minor">
+          <a:schemeClr val="lt1"/>
+        </a:fontRef>
+      </dsp:style>
+      <dsp:txBody>
+        <a:bodyPr spcFirstLastPara="0" vert="horz" wrap="square" lIns="27940" tIns="20955" rIns="27940" bIns="20955" numCol="1" spcCol="1270" anchor="ctr" anchorCtr="0">
+          <a:noAutofit/>
+        </a:bodyPr>
+        <a:lstStyle/>
+        <a:p>
+          <a:pPr marL="0" lvl="0" indent="0" algn="ctr" defTabSz="488950" rtl="1">
+            <a:lnSpc>
+              <a:spcPct val="90000"/>
+            </a:lnSpc>
+            <a:spcBef>
+              <a:spcPct val="0"/>
+            </a:spcBef>
+            <a:spcAft>
+              <a:spcPct val="35000"/>
+            </a:spcAft>
+            <a:buNone/>
+          </a:pPr>
+          <a:r>
+            <a:rPr lang="fa-IR" sz="1100" kern="1200" dirty="0"/>
+            <a:t>اتصال به تجهیزات فروشگاهی</a:t>
+          </a:r>
+          <a:endParaRPr lang="en-US" sz="1100" kern="1200" dirty="0"/>
+        </a:p>
+      </dsp:txBody>
+      <dsp:txXfrm>
+        <a:off x="7945388" y="3583934"/>
+        <a:ext cx="1880817" cy="434238"/>
+      </dsp:txXfrm>
+    </dsp:sp>
+    <dsp:sp modelId="{A91E0547-63FB-4DCA-81FC-37DBD1E56723}">
+      <dsp:nvSpPr>
+        <dsp:cNvPr id="0" name=""/>
+        <dsp:cNvSpPr/>
+      </dsp:nvSpPr>
+      <dsp:spPr>
+        <a:xfrm>
+          <a:off x="7931878" y="4102645"/>
+          <a:ext cx="1907837" cy="461258"/>
+        </a:xfrm>
+        <a:prstGeom prst="roundRect">
+          <a:avLst>
+            <a:gd name="adj" fmla="val 10000"/>
+          </a:avLst>
+        </a:prstGeom>
+        <a:solidFill>
+          <a:schemeClr val="accent1">
+            <a:hueOff val="0"/>
+            <a:satOff val="0"/>
+            <a:lumOff val="0"/>
+            <a:alphaOff val="0"/>
+          </a:schemeClr>
+        </a:solidFill>
+        <a:ln w="19050" cap="flat" cmpd="sng" algn="ctr">
+          <a:solidFill>
+            <a:schemeClr val="lt1">
+              <a:hueOff val="0"/>
+              <a:satOff val="0"/>
+              <a:lumOff val="0"/>
+              <a:alphaOff val="0"/>
+            </a:schemeClr>
+          </a:solidFill>
+          <a:prstDash val="solid"/>
+        </a:ln>
+        <a:effectLst/>
+      </dsp:spPr>
+      <dsp:style>
+        <a:lnRef idx="2">
+          <a:scrgbClr r="0" g="0" b="0"/>
+        </a:lnRef>
+        <a:fillRef idx="1">
+          <a:scrgbClr r="0" g="0" b="0"/>
+        </a:fillRef>
+        <a:effectRef idx="0">
+          <a:scrgbClr r="0" g="0" b="0"/>
+        </a:effectRef>
+        <a:fontRef idx="minor">
+          <a:schemeClr val="lt1"/>
+        </a:fontRef>
+      </dsp:style>
+      <dsp:txBody>
+        <a:bodyPr spcFirstLastPara="0" vert="horz" wrap="square" lIns="27940" tIns="20955" rIns="27940" bIns="20955" numCol="1" spcCol="1270" anchor="ctr" anchorCtr="0">
+          <a:noAutofit/>
+        </a:bodyPr>
+        <a:lstStyle/>
+        <a:p>
+          <a:pPr marL="0" lvl="0" indent="0" algn="ctr" defTabSz="488950" rtl="1">
+            <a:lnSpc>
+              <a:spcPct val="90000"/>
+            </a:lnSpc>
+            <a:spcBef>
+              <a:spcPct val="0"/>
+            </a:spcBef>
+            <a:spcAft>
+              <a:spcPct val="35000"/>
+            </a:spcAft>
+            <a:buNone/>
+          </a:pPr>
+          <a:r>
+            <a:rPr lang="fa-IR" sz="1100" kern="1200"/>
+            <a:t>اتصال به پی‌سی پوز</a:t>
+          </a:r>
+          <a:endParaRPr lang="en-US" sz="1100" kern="1200" dirty="0"/>
+        </a:p>
+      </dsp:txBody>
+      <dsp:txXfrm>
+        <a:off x="7945388" y="4116155"/>
+        <a:ext cx="1880817" cy="434238"/>
+      </dsp:txXfrm>
+    </dsp:sp>
+    <dsp:sp modelId="{04514F17-7077-4891-9380-9B3779FC8D8A}">
+      <dsp:nvSpPr>
+        <dsp:cNvPr id="0" name=""/>
+        <dsp:cNvSpPr/>
+      </dsp:nvSpPr>
+      <dsp:spPr>
+        <a:xfrm>
+          <a:off x="5129742" y="0"/>
+          <a:ext cx="2384796" cy="4804356"/>
+        </a:xfrm>
+        <a:prstGeom prst="roundRect">
+          <a:avLst>
+            <a:gd name="adj" fmla="val 10000"/>
+          </a:avLst>
+        </a:prstGeom>
+        <a:solidFill>
+          <a:schemeClr val="accent1">
+            <a:tint val="40000"/>
+            <a:hueOff val="0"/>
+            <a:satOff val="0"/>
+            <a:lumOff val="0"/>
+            <a:alphaOff val="0"/>
+          </a:schemeClr>
+        </a:solidFill>
+        <a:ln>
+          <a:noFill/>
+        </a:ln>
+        <a:effectLst/>
+      </dsp:spPr>
+      <dsp:style>
+        <a:lnRef idx="0">
+          <a:scrgbClr r="0" g="0" b="0"/>
+        </a:lnRef>
+        <a:fillRef idx="1">
+          <a:scrgbClr r="0" g="0" b="0"/>
+        </a:fillRef>
+        <a:effectRef idx="0">
+          <a:scrgbClr r="0" g="0" b="0"/>
+        </a:effectRef>
+        <a:fontRef idx="minor"/>
+      </dsp:style>
+      <dsp:txBody>
+        <a:bodyPr spcFirstLastPara="0" vert="horz" wrap="square" lIns="83820" tIns="83820" rIns="83820" bIns="83820" numCol="1" spcCol="1270" anchor="ctr" anchorCtr="0">
+          <a:noAutofit/>
+        </a:bodyPr>
+        <a:lstStyle/>
+        <a:p>
+          <a:pPr marL="0" lvl="0" indent="0" algn="ctr" defTabSz="977900">
+            <a:lnSpc>
+              <a:spcPct val="90000"/>
+            </a:lnSpc>
+            <a:spcBef>
+              <a:spcPct val="0"/>
+            </a:spcBef>
+            <a:spcAft>
+              <a:spcPct val="35000"/>
+            </a:spcAft>
+            <a:buNone/>
+          </a:pPr>
+          <a:r>
+            <a:rPr lang="fa-IR" sz="2200" kern="1200" dirty="0"/>
+            <a:t>اپ‌ساز</a:t>
+          </a:r>
+          <a:endParaRPr lang="en-US" sz="2200" kern="1200" dirty="0"/>
+        </a:p>
+      </dsp:txBody>
+      <dsp:txXfrm>
+        <a:off x="5129742" y="0"/>
+        <a:ext cx="2384796" cy="1441306"/>
+      </dsp:txXfrm>
+    </dsp:sp>
+    <dsp:sp modelId="{6CCD7B67-6CED-4537-9492-F9854245DD35}">
+      <dsp:nvSpPr>
+        <dsp:cNvPr id="0" name=""/>
+        <dsp:cNvSpPr/>
+      </dsp:nvSpPr>
+      <dsp:spPr>
+        <a:xfrm>
+          <a:off x="2566086" y="0"/>
+          <a:ext cx="2384796" cy="4804356"/>
+        </a:xfrm>
+        <a:prstGeom prst="roundRect">
+          <a:avLst>
+            <a:gd name="adj" fmla="val 10000"/>
+          </a:avLst>
+        </a:prstGeom>
+        <a:solidFill>
+          <a:schemeClr val="accent1">
+            <a:tint val="40000"/>
+            <a:hueOff val="0"/>
+            <a:satOff val="0"/>
+            <a:lumOff val="0"/>
+            <a:alphaOff val="0"/>
+          </a:schemeClr>
+        </a:solidFill>
+        <a:ln>
+          <a:noFill/>
+        </a:ln>
+        <a:effectLst/>
+      </dsp:spPr>
+      <dsp:style>
+        <a:lnRef idx="0">
+          <a:scrgbClr r="0" g="0" b="0"/>
+        </a:lnRef>
+        <a:fillRef idx="1">
+          <a:scrgbClr r="0" g="0" b="0"/>
+        </a:fillRef>
+        <a:effectRef idx="0">
+          <a:scrgbClr r="0" g="0" b="0"/>
+        </a:effectRef>
+        <a:fontRef idx="minor"/>
+      </dsp:style>
+      <dsp:txBody>
+        <a:bodyPr spcFirstLastPara="0" vert="horz" wrap="square" lIns="83820" tIns="83820" rIns="83820" bIns="83820" numCol="1" spcCol="1270" anchor="ctr" anchorCtr="0">
+          <a:noAutofit/>
+        </a:bodyPr>
+        <a:lstStyle/>
+        <a:p>
+          <a:pPr marL="0" lvl="0" indent="0" algn="ctr" defTabSz="977900" rtl="1">
+            <a:lnSpc>
+              <a:spcPct val="90000"/>
+            </a:lnSpc>
+            <a:spcBef>
+              <a:spcPct val="0"/>
+            </a:spcBef>
+            <a:spcAft>
+              <a:spcPct val="35000"/>
+            </a:spcAft>
+            <a:buNone/>
+          </a:pPr>
+          <a:r>
+            <a:rPr lang="fa-IR" sz="2200" kern="1200" dirty="0"/>
+            <a:t>مدیریت رسانه‌های اجتماعی</a:t>
+          </a:r>
+          <a:endParaRPr lang="en-US" sz="2200" kern="1200" dirty="0"/>
+        </a:p>
+      </dsp:txBody>
+      <dsp:txXfrm>
+        <a:off x="2566086" y="0"/>
+        <a:ext cx="2384796" cy="1441306"/>
+      </dsp:txXfrm>
+    </dsp:sp>
+    <dsp:sp modelId="{7693A9CB-8088-458F-A799-2804EB4A23C1}">
+      <dsp:nvSpPr>
+        <dsp:cNvPr id="0" name=""/>
+        <dsp:cNvSpPr/>
+      </dsp:nvSpPr>
+      <dsp:spPr>
+        <a:xfrm>
+          <a:off x="2430" y="0"/>
+          <a:ext cx="2384796" cy="4804356"/>
+        </a:xfrm>
+        <a:prstGeom prst="roundRect">
+          <a:avLst>
+            <a:gd name="adj" fmla="val 10000"/>
+          </a:avLst>
+        </a:prstGeom>
+        <a:solidFill>
+          <a:schemeClr val="accent1">
+            <a:tint val="40000"/>
+            <a:hueOff val="0"/>
+            <a:satOff val="0"/>
+            <a:lumOff val="0"/>
+            <a:alphaOff val="0"/>
+          </a:schemeClr>
+        </a:solidFill>
+        <a:ln>
+          <a:noFill/>
+        </a:ln>
+        <a:effectLst/>
+      </dsp:spPr>
+      <dsp:style>
+        <a:lnRef idx="0">
+          <a:scrgbClr r="0" g="0" b="0"/>
+        </a:lnRef>
+        <a:fillRef idx="1">
+          <a:scrgbClr r="0" g="0" b="0"/>
+        </a:fillRef>
+        <a:effectRef idx="0">
+          <a:scrgbClr r="0" g="0" b="0"/>
+        </a:effectRef>
+        <a:fontRef idx="minor"/>
+      </dsp:style>
+      <dsp:txBody>
+        <a:bodyPr spcFirstLastPara="0" vert="horz" wrap="square" lIns="83820" tIns="83820" rIns="83820" bIns="83820" numCol="1" spcCol="1270" anchor="ctr" anchorCtr="0">
+          <a:noAutofit/>
+        </a:bodyPr>
+        <a:lstStyle/>
+        <a:p>
+          <a:pPr marL="0" lvl="0" indent="0" algn="ctr" defTabSz="977900" rtl="1">
+            <a:lnSpc>
+              <a:spcPct val="90000"/>
+            </a:lnSpc>
+            <a:spcBef>
+              <a:spcPct val="0"/>
+            </a:spcBef>
+            <a:spcAft>
+              <a:spcPct val="35000"/>
+            </a:spcAft>
+            <a:buNone/>
+          </a:pPr>
+          <a:r>
+            <a:rPr lang="fa-IR" sz="2200" kern="1200" dirty="0"/>
+            <a:t>نرم‌افزار صندوق فروشگاهی</a:t>
+          </a:r>
+          <a:endParaRPr lang="en-US" sz="2200" kern="1200" dirty="0"/>
+        </a:p>
+      </dsp:txBody>
+      <dsp:txXfrm>
+        <a:off x="2430" y="0"/>
+        <a:ext cx="2384796" cy="1441306"/>
+      </dsp:txXfrm>
+    </dsp:sp>
+  </dsp:spTree>
+</dsp:drawing>
+</file>
+
+<file path=ppt/diagrams/layout1.xml><?xml version="1.0" encoding="utf-8"?>
+<dgm:layoutDef xmlns:dgm="http://schemas.openxmlformats.org/drawingml/2006/diagram" xmlns:a="http://schemas.openxmlformats.org/drawingml/2006/main" uniqueId="urn:microsoft.com/office/officeart/2005/8/layout/lProcess2">
+  <dgm:title val=""/>
+  <dgm:desc val=""/>
+  <dgm:catLst>
+    <dgm:cat type="list" pri="10000"/>
+    <dgm:cat type="relationship" pri="13000"/>
+  </dgm:catLst>
+  <dgm:sampData>
+    <dgm:dataModel>
+      <dgm:ptLst>
+        <dgm:pt modelId="0" type="doc"/>
+        <dgm:pt modelId="1">
+          <dgm:prSet phldr="1"/>
+        </dgm:pt>
+        <dgm:pt modelId="11">
+          <dgm:prSet phldr="1"/>
+        </dgm:pt>
+        <dgm:pt modelId="12">
+          <dgm:prSet phldr="1"/>
+        </dgm:pt>
+        <dgm:pt modelId="2">
+          <dgm:prSet phldr="1"/>
+        </dgm:pt>
+        <dgm:pt modelId="21">
+          <dgm:prSet phldr="1"/>
+        </dgm:pt>
+        <dgm:pt modelId="22">
+          <dgm:prSet phldr="1"/>
+        </dgm:pt>
+        <dgm:pt modelId="3">
+          <dgm:prSet phldr="1"/>
+        </dgm:pt>
+        <dgm:pt modelId="31">
+          <dgm:prSet phldr="1"/>
+        </dgm:pt>
+        <dgm:pt modelId="32">
+          <dgm:prSet phldr="1"/>
+        </dgm:pt>
+      </dgm:ptLst>
+      <dgm:cxnLst>
+        <dgm:cxn modelId="4" srcId="0" destId="1" srcOrd="0" destOrd="0"/>
+        <dgm:cxn modelId="5" srcId="0" destId="2" srcOrd="1" destOrd="0"/>
+        <dgm:cxn modelId="13" srcId="1" destId="11" srcOrd="0" destOrd="0"/>
+        <dgm:cxn modelId="14" srcId="1" destId="12" srcOrd="0" destOrd="0"/>
+        <dgm:cxn modelId="23" srcId="2" destId="21" srcOrd="0" destOrd="0"/>
+        <dgm:cxn modelId="24" srcId="2" destId="22" srcOrd="0" destOrd="0"/>
+        <dgm:cxn modelId="33" srcId="3" destId="31" srcOrd="0" destOrd="0"/>
+        <dgm:cxn modelId="34" srcId="3" destId="32" srcOrd="0" destOrd="0"/>
+      </dgm:cxnLst>
+      <dgm:bg/>
+      <dgm:whole/>
+    </dgm:dataModel>
+  </dgm:sampData>
+  <dgm:styleData useDef="1">
+    <dgm:dataModel>
+      <dgm:ptLst/>
+      <dgm:bg/>
+      <dgm:whole/>
+    </dgm:dataModel>
+  </dgm:styleData>
+  <dgm:clrData useDef="1">
+    <dgm:dataModel>
+      <dgm:ptLst/>
+      <dgm:bg/>
+      <dgm:whole/>
+    </dgm:dataModel>
+  </dgm:clrData>
+  <dgm:layoutNode name="theList">
+    <dgm:varLst>
+      <dgm:dir/>
+      <dgm:animLvl val="lvl"/>
+      <dgm:resizeHandles val="exact"/>
+    </dgm:varLst>
+    <dgm:choose name="Name0">
+      <dgm:if name="Name1" func="var" arg="dir" op="equ" val="norm">
+        <dgm:alg type="lin"/>
+      </dgm:if>
+      <dgm:else name="Name2">
+        <dgm:alg type="lin">
+          <dgm:param type="linDir" val="fromR"/>
+        </dgm:alg>
+      </dgm:else>
+    </dgm:choose>
+    <dgm:shape xmlns:r="http://schemas.openxmlformats.org/officeDocument/2006/relationships" r:blip="">
+      <dgm:adjLst/>
+    </dgm:shape>
+    <dgm:presOf/>
+    <dgm:constrLst>
+      <dgm:constr type="w" for="ch" forName="compNode" refType="w"/>
+      <dgm:constr type="h" for="ch" forName="compNode" refType="h"/>
+      <dgm:constr type="w" for="ch" forName="aSpace" refType="w" fact="0.075"/>
+      <dgm:constr type="h" for="des" forName="aSpace2" refType="h" fact="0.1"/>
+      <dgm:constr type="primFontSz" for="des" forName="textNode" op="equ"/>
+      <dgm:constr type="primFontSz" for="des" forName="childNode" op="equ"/>
+    </dgm:constrLst>
+    <dgm:ruleLst/>
+    <dgm:forEach name="aNodeForEach" axis="ch" ptType="node">
+      <dgm:layoutNode name="compNode">
+        <dgm:alg type="composite"/>
+        <dgm:shape xmlns:r="http://schemas.openxmlformats.org/officeDocument/2006/relationships" r:blip="">
+          <dgm:adjLst/>
+        </dgm:shape>
+        <dgm:presOf/>
+        <dgm:constrLst>
+          <dgm:constr type="w" for="ch" forName="aNode" refType="w"/>
+          <dgm:constr type="h" for="ch" forName="aNode" refType="h"/>
+          <dgm:constr type="w" for="ch" forName="textNode" refType="w"/>
+          <dgm:constr type="h" for="ch" forName="textNode" refType="h" fact="0.3"/>
+          <dgm:constr type="ctrX" for="ch" forName="textNode" refType="w" fact="0.5"/>
+          <dgm:constr type="w" for="ch" forName="compChildNode" refType="w" fact="0.8"/>
+          <dgm:constr type="h" for="ch" forName="compChildNode" refType="h" fact="0.65"/>
+          <dgm:constr type="t" for="ch" forName="compChildNode" refType="h" fact="0.3"/>
+          <dgm:constr type="ctrX" for="ch" forName="compChildNode" refType="w" fact="0.5"/>
+        </dgm:constrLst>
+        <dgm:ruleLst/>
+        <dgm:layoutNode name="aNode" styleLbl="bgShp">
+          <dgm:alg type="sp"/>
+          <dgm:shape xmlns:r="http://schemas.openxmlformats.org/officeDocument/2006/relationships" type="roundRect" r:blip="">
+            <dgm:adjLst>
+              <dgm:adj idx="1" val="0.1"/>
+            </dgm:adjLst>
+          </dgm:shape>
+          <dgm:presOf axis="self"/>
+          <dgm:constrLst/>
+          <dgm:ruleLst/>
+        </dgm:layoutNode>
+        <dgm:layoutNode name="textNode" styleLbl="bgShp">
+          <dgm:alg type="tx"/>
+          <dgm:shape xmlns:r="http://schemas.openxmlformats.org/officeDocument/2006/relationships" type="rect" r:blip="" hideGeom="1">
+            <dgm:adjLst>
+              <dgm:adj idx="1" val="0.1"/>
+            </dgm:adjLst>
+          </dgm:shape>
+          <dgm:presOf axis="self"/>
+          <dgm:constrLst>
+            <dgm:constr type="primFontSz" val="65"/>
+            <dgm:constr type="lMarg" refType="primFontSz" fact="0.3"/>
+            <dgm:constr type="rMarg" refType="primFontSz" fact="0.3"/>
+            <dgm:constr type="tMarg" refType="primFontSz" fact="0.3"/>
+            <dgm:constr type="bMarg" refType="primFontSz" fact="0.3"/>
+          </dgm:constrLst>
+          <dgm:ruleLst>
+            <dgm:rule type="primFontSz" val="5" fact="NaN" max="NaN"/>
+          </dgm:ruleLst>
+        </dgm:layoutNode>
+        <dgm:layoutNode name="compChildNode">
+          <dgm:alg type="composite"/>
+          <dgm:shape xmlns:r="http://schemas.openxmlformats.org/officeDocument/2006/relationships" r:blip="">
+            <dgm:adjLst/>
+          </dgm:shape>
+          <dgm:presOf/>
+          <dgm:constrLst>
+            <dgm:constr type="w" for="des" forName="childNode" refType="w"/>
+            <dgm:constr type="h" for="des" forName="childNode" refType="h"/>
+          </dgm:constrLst>
+          <dgm:ruleLst/>
+          <dgm:layoutNode name="theInnerList">
+            <dgm:alg type="lin">
+              <dgm:param type="linDir" val="fromT"/>
+            </dgm:alg>
+            <dgm:shape xmlns:r="http://schemas.openxmlformats.org/officeDocument/2006/relationships" r:blip="">
+              <dgm:adjLst/>
+            </dgm:shape>
+            <dgm:presOf/>
+            <dgm:constrLst/>
+            <dgm:ruleLst/>
+            <dgm:forEach name="childNodeForEach" axis="ch" ptType="node">
+              <dgm:layoutNode name="childNode" styleLbl="node1">
+                <dgm:varLst>
+                  <dgm:bulletEnabled val="1"/>
+                </dgm:varLst>
+                <dgm:alg type="tx"/>
+                <dgm:shape xmlns:r="http://schemas.openxmlformats.org/officeDocument/2006/relationships" type="roundRect" r:blip="">
+                  <dgm:adjLst>
+                    <dgm:adj idx="1" val="0.1"/>
+                  </dgm:adjLst>
+                </dgm:shape>
+                <dgm:presOf axis="desOrSelf" ptType="node"/>
+                <dgm:constrLst>
+                  <dgm:constr type="primFontSz" val="65"/>
+                  <dgm:constr type="tMarg" refType="primFontSz" fact="0.15"/>
+                  <dgm:constr type="bMarg" refType="primFontSz" fact="0.15"/>
+                  <dgm:constr type="lMarg" refType="primFontSz" fact="0.2"/>
+                  <dgm:constr type="rMarg" refType="primFontSz" fact="0.2"/>
+                </dgm:constrLst>
+                <dgm:ruleLst>
+                  <dgm:rule type="primFontSz" val="5" fact="NaN" max="NaN"/>
+                </dgm:ruleLst>
+              </dgm:layoutNode>
+              <dgm:choose name="Name3">
+                <dgm:if name="Name4" axis="self" ptType="node" func="revPos" op="equ" val="1"/>
+                <dgm:else name="Name5">
+                  <dgm:layoutNode name="aSpace2">
+                    <dgm:alg type="sp"/>
+                    <dgm:shape xmlns:r="http://schemas.openxmlformats.org/officeDocument/2006/relationships" r:blip="">
+                      <dgm:adjLst/>
+                    </dgm:shape>
+                    <dgm:presOf/>
+                    <dgm:constrLst/>
+                    <dgm:ruleLst/>
+                  </dgm:layoutNode>
+                </dgm:else>
+              </dgm:choose>
+            </dgm:forEach>
+          </dgm:layoutNode>
+        </dgm:layoutNode>
+      </dgm:layoutNode>
+      <dgm:choose name="Name6">
+        <dgm:if name="Name7" axis="self" ptType="node" func="revPos" op="equ" val="1"/>
+        <dgm:else name="Name8">
+          <dgm:layoutNode name="aSpace">
+            <dgm:alg type="sp"/>
+            <dgm:shape xmlns:r="http://schemas.openxmlformats.org/officeDocument/2006/relationships" r:blip="">
+              <dgm:adjLst/>
+            </dgm:shape>
+            <dgm:presOf/>
+            <dgm:constrLst/>
+            <dgm:ruleLst/>
+          </dgm:layoutNode>
+        </dgm:else>
+      </dgm:choose>
+    </dgm:forEach>
+  </dgm:layoutNode>
+</dgm:layoutDef>
+</file>
+
+<file path=ppt/diagrams/quickStyle1.xml><?xml version="1.0" encoding="utf-8"?>
+<dgm:styleDef xmlns:dgm="http://schemas.openxmlformats.org/drawingml/2006/diagram" xmlns:a="http://schemas.openxmlformats.org/drawingml/2006/main" uniqueId="urn:microsoft.com/office/officeart/2005/8/quickstyle/simple1">
+  <dgm:title val=""/>
+  <dgm:desc val=""/>
+  <dgm:catLst>
+    <dgm:cat type="simple" pri="10100"/>
+  </dgm:catLst>
+  <dgm:scene3d>
+    <a:camera prst="orthographicFront"/>
+    <a:lightRig rig="threePt" dir="t"/>
+  </dgm:scene3d>
+  <dgm:styleLbl name="node0">
+    <dgm:scene3d>
+      <a:camera prst="orthographicFront"/>
+      <a:lightRig rig="threePt" dir="t"/>
+    </dgm:scene3d>
+    <dgm:sp3d/>
+    <dgm:txPr/>
+    <dgm:style>
+      <a:lnRef idx="2">
+        <a:scrgbClr r="0" g="0" b="0"/>
+      </a:lnRef>
+      <a:fillRef idx="1">
+        <a:scrgbClr r="0" g="0" b="0"/>
+      </a:fillRef>
+      <a:effectRef idx="0">
+        <a:scrgbClr r="0" g="0" b="0"/>
+      </a:effectRef>
+      <a:fontRef idx="minor">
+        <a:schemeClr val="lt1"/>
+      </a:fontRef>
+    </dgm:style>
+  </dgm:styleLbl>
+  <dgm:styleLbl name="lnNode1">
+    <dgm:scene3d>
+      <a:camera prst="orthographicFront"/>
+      <a:lightRig rig="threePt" dir="t"/>
+    </dgm:scene3d>
+    <dgm:sp3d/>
+    <dgm:txPr/>
+    <dgm:style>
+      <a:lnRef idx="2">
+        <a:scrgbClr r="0" g="0" b="0"/>
+      </a:lnRef>
+      <a:fillRef idx="1">
+        <a:scrgbClr r="0" g="0" b="0"/>
+      </a:fillRef>
+      <a:effectRef idx="0">
+        <a:scrgbClr r="0" g="0" b="0"/>
+      </a:effectRef>
+      <a:fontRef idx="minor">
+        <a:schemeClr val="lt1"/>
+      </a:fontRef>
+    </dgm:style>
+  </dgm:styleLbl>
+  <dgm:styleLbl name="vennNode1">
+    <dgm:scene3d>
+      <a:camera prst="orthographicFront"/>
+      <a:lightRig rig="threePt" dir="t"/>
+    </dgm:scene3d>
+    <dgm:sp3d/>
+    <dgm:txPr/>
+    <dgm:style>
+      <a:lnRef idx="2">
+        <a:scrgbClr r="0" g="0" b="0"/>
+      </a:lnRef>
+      <a:fillRef idx="1">
+        <a:scrgbClr r="0" g="0" b="0"/>
+      </a:fillRef>
+      <a:effectRef idx="0">
+        <a:scrgbClr r="0" g="0" b="0"/>
+      </a:effectRef>
+      <a:fontRef idx="minor">
+        <a:schemeClr val="tx1"/>
+      </a:fontRef>
+    </dgm:style>
+  </dgm:styleLbl>
+  <dgm:styleLbl name="alignNode1">
+    <dgm:scene3d>
+      <a:camera prst="orthographicFront"/>
+      <a:lightRig rig="threePt" dir="t"/>
+    </dgm:scene3d>
+    <dgm:sp3d/>
+    <dgm:txPr/>
+    <dgm:style>
+      <a:lnRef idx="2">
+        <a:scrgbClr r="0" g="0" b="0"/>
+      </a:lnRef>
+      <a:fillRef idx="1">
+        <a:scrgbClr r="0" g="0" b="0"/>
+      </a:fillRef>
+      <a:effectRef idx="0">
+        <a:scrgbClr r="0" g="0" b="0"/>
+      </a:effectRef>
+      <a:fontRef idx="minor">
+        <a:schemeClr val="lt1"/>
+      </a:fontRef>
+    </dgm:style>
+  </dgm:styleLbl>
+  <dgm:styleLbl name="node1">
+    <dgm:scene3d>
+      <a:camera prst="orthographicFront"/>
+      <a:lightRig rig="threePt" dir="t"/>
+    </dgm:scene3d>
+    <dgm:sp3d/>
+    <dgm:txPr/>
+    <dgm:style>
+      <a:lnRef idx="2">
+        <a:scrgbClr r="0" g="0" b="0"/>
+      </a:lnRef>
+      <a:fillRef idx="1">
+        <a:scrgbClr r="0" g="0" b="0"/>
+      </a:fillRef>
+      <a:effectRef idx="0">
+        <a:scrgbClr r="0" g="0" b="0"/>
+      </a:effectRef>
+      <a:fontRef idx="minor">
+        <a:schemeClr val="lt1"/>
+      </a:fontRef>
+    </dgm:style>
+  </dgm:styleLbl>
+  <dgm:styleLbl name="node2">
+    <dgm:scene3d>
+      <a:camera prst="orthographicFront"/>
+      <a:lightRig rig="threePt" dir="t"/>
+    </dgm:scene3d>
+    <dgm:sp3d/>
+    <dgm:txPr/>
+    <dgm:style>
+      <a:lnRef idx="2">
+        <a:scrgbClr r="0" g="0" b="0"/>
+      </a:lnRef>
+      <a:fillRef idx="1">
+        <a:scrgbClr r="0" g="0" b="0"/>
+      </a:fillRef>
+      <a:effectRef idx="0">
+        <a:scrgbClr r="0" g="0" b="0"/>
+      </a:effectRef>
+      <a:fontRef idx="minor">
+        <a:schemeClr val="lt1"/>
+      </a:fontRef>
+    </dgm:style>
+  </dgm:styleLbl>
+  <dgm:styleLbl name="node3">
+    <dgm:scene3d>
+      <a:camera prst="orthographicFront"/>
+      <a:lightRig rig="threePt" dir="t"/>
+    </dgm:scene3d>
+    <dgm:sp3d/>
+    <dgm:txPr/>
+    <dgm:style>
+      <a:lnRef idx="2">
+        <a:scrgbClr r="0" g="0" b="0"/>
+      </a:lnRef>
+      <a:fillRef idx="1">
+        <a:scrgbClr r="0" g="0" b="0"/>
+      </a:fillRef>
+      <a:effectRef idx="0">
+        <a:scrgbClr r="0" g="0" b="0"/>
+      </a:effectRef>
+      <a:fontRef idx="minor">
+        <a:schemeClr val="lt1"/>
+      </a:fontRef>
+    </dgm:style>
+  </dgm:styleLbl>
+  <dgm:styleLbl name="node4">
+    <dgm:scene3d>
+      <a:camera prst="orthographicFront"/>
+      <a:lightRig rig="threePt" dir="t"/>
+    </dgm:scene3d>
+    <dgm:sp3d/>
+    <dgm:txPr/>
+    <dgm:style>
+      <a:lnRef idx="2">
+        <a:scrgbClr r="0" g="0" b="0"/>
+      </a:lnRef>
+      <a:fillRef idx="1">
+        <a:scrgbClr r="0" g="0" b="0"/>
+      </a:fillRef>
+      <a:effectRef idx="0">
+        <a:scrgbClr r="0" g="0" b="0"/>
+      </a:effectRef>
+      <a:fontRef idx="minor">
+        <a:schemeClr val="lt1"/>
+      </a:fontRef>
+    </dgm:style>
+  </dgm:styleLbl>
+  <dgm:styleLbl name="fgImgPlace1">
+    <dgm:scene3d>
+      <a:camera prst="orthographicFront"/>
+      <a:lightRig rig="threePt" dir="t"/>
+    </dgm:scene3d>
+    <dgm:sp3d/>
+    <dgm:txPr/>
+    <dgm:style>
+      <a:lnRef idx="2">
+        <a:scrgbClr r="0" g="0" b="0"/>
+      </a:lnRef>
+      <a:fillRef idx="1">
+        <a:scrgbClr r="0" g="0" b="0"/>
+      </a:fillRef>
+      <a:effectRef idx="0">
+        <a:scrgbClr r="0" g="0" b="0"/>
+      </a:effectRef>
+      <a:fontRef idx="minor"/>
+    </dgm:style>
+  </dgm:styleLbl>
+  <dgm:styleLbl name="alignImgPlace1">
+    <dgm:scene3d>
+      <a:camera prst="orthographicFront"/>
+      <a:lightRig rig="threePt" dir="t"/>
+    </dgm:scene3d>
+    <dgm:sp3d/>
+    <dgm:txPr/>
+    <dgm:style>
+      <a:lnRef idx="2">
+        <a:scrgbClr r="0" g="0" b="0"/>
+      </a:lnRef>
+      <a:fillRef idx="1">
+        <a:scrgbClr r="0" g="0" b="0"/>
+      </a:fillRef>
+      <a:effectRef idx="0">
+        <a:scrgbClr r="0" g="0" b="0"/>
+      </a:effectRef>
+      <a:fontRef idx="minor"/>
+    </dgm:style>
+  </dgm:styleLbl>
+  <dgm:styleLbl name="bgImgPlace1">
+    <dgm:scene3d>
+      <a:camera prst="orthographicFront"/>
+      <a:lightRig rig="threePt" dir="t"/>
+    </dgm:scene3d>
+    <dgm:sp3d/>
+    <dgm:txPr/>
+    <dgm:style>
+      <a:lnRef idx="2">
+        <a:scrgbClr r="0" g="0" b="0"/>
+      </a:lnRef>
+      <a:fillRef idx="1">
+        <a:scrgbClr r="0" g="0" b="0"/>
+      </a:fillRef>
+      <a:effectRef idx="0">
+        <a:scrgbClr r="0" g="0" b="0"/>
+      </a:effectRef>
+      <a:fontRef idx="minor"/>
+    </dgm:style>
+  </dgm:styleLbl>
+  <dgm:styleLbl name="sibTrans2D1">
+    <dgm:scene3d>
+      <a:camera prst="orthographicFront"/>
+      <a:lightRig rig="threePt" dir="t"/>
+    </dgm:scene3d>
+    <dgm:sp3d/>
+    <dgm:txPr/>
+    <dgm:style>
+      <a:lnRef idx="0">
+        <a:scrgbClr r="0" g="0" b="0"/>
+      </a:lnRef>
+      <a:fillRef idx="1">
+        <a:scrgbClr r="0" g="0" b="0"/>
+      </a:fillRef>
+      <a:effectRef idx="0">
+        <a:scrgbClr r="0" g="0" b="0"/>
+      </a:effectRef>
+      <a:fontRef idx="minor">
+        <a:schemeClr val="lt1"/>
+      </a:fontRef>
+    </dgm:style>
+  </dgm:styleLbl>
+  <dgm:styleLbl name="fgSibTrans2D1">
+    <dgm:scene3d>
+      <a:camera prst="orthographicFront"/>
+      <a:lightRig rig="threePt" dir="t"/>
+    </dgm:scene3d>
+    <dgm:sp3d/>
+    <dgm:txPr/>
+    <dgm:style>
+      <a:lnRef idx="0">
+        <a:scrgbClr r="0" g="0" b="0"/>
+      </a:lnRef>
+      <a:fillRef idx="1">
+        <a:scrgbClr r="0" g="0" b="0"/>
+      </a:fillRef>
+      <a:effectRef idx="0">
+        <a:scrgbClr r="0" g="0" b="0"/>
+      </a:effectRef>
+      <a:fontRef idx="minor">
+        <a:schemeClr val="lt1"/>
+      </a:fontRef>
+    </dgm:style>
+  </dgm:styleLbl>
+  <dgm:styleLbl name="bgSibTrans2D1">
+    <dgm:scene3d>
+      <a:camera prst="orthographicFront"/>
+      <a:lightRig rig="threePt" dir="t"/>
+    </dgm:scene3d>
+    <dgm:sp3d/>
+    <dgm:txPr/>
+    <dgm:style>
+      <a:lnRef idx="0">
+        <a:scrgbClr r="0" g="0" b="0"/>
+      </a:lnRef>
+      <a:fillRef idx="1">
+        <a:scrgbClr r="0" g="0" b="0"/>
+      </a:fillRef>
+      <a:effectRef idx="0">
+        <a:scrgbClr r="0" g="0" b="0"/>
+      </a:effectRef>
+      <a:fontRef idx="minor">
+        <a:schemeClr val="lt1"/>
+      </a:fontRef>
+    </dgm:style>
+  </dgm:styleLbl>
+  <dgm:styleLbl name="sibTrans1D1">
+    <dgm:scene3d>
+      <a:camera prst="orthographicFront"/>
+      <a:lightRig rig="threePt" dir="t"/>
+    </dgm:scene3d>
+    <dgm:sp3d/>
+    <dgm:txPr/>
+    <dgm:style>
+      <a:lnRef idx="1">
+        <a:scrgbClr r="0" g="0" b="0"/>
+      </a:lnRef>
+      <a:fillRef idx="0">
+        <a:scrgbClr r="0" g="0" b="0"/>
+      </a:fillRef>
+      <a:effectRef idx="0">
+        <a:scrgbClr r="0" g="0" b="0"/>
+      </a:effectRef>
+      <a:fontRef idx="minor"/>
+    </dgm:style>
+  </dgm:styleLbl>
+  <dgm:styleLbl name="callout">
+    <dgm:scene3d>
+      <a:camera prst="orthographicFront"/>
+      <a:lightRig rig="threePt" dir="t"/>
+    </dgm:scene3d>
+    <dgm:sp3d/>
+    <dgm:txPr/>
+    <dgm:style>
+      <a:lnRef idx="2">
+        <a:scrgbClr r="0" g="0" b="0"/>
+      </a:lnRef>
+      <a:fillRef idx="1">
+        <a:scrgbClr r="0" g="0" b="0"/>
+      </a:fillRef>
+      <a:effectRef idx="0">
+        <a:scrgbClr r="0" g="0" b="0"/>
+      </a:effectRef>
+      <a:fontRef idx="minor"/>
+    </dgm:style>
+  </dgm:styleLbl>
+  <dgm:styleLbl name="asst0">
+    <dgm:scene3d>
+      <a:camera prst="orthographicFront"/>
+      <a:lightRig rig="threePt" dir="t"/>
+    </dgm:scene3d>
+    <dgm:sp3d/>
+    <dgm:txPr/>
+    <dgm:style>
+      <a:lnRef idx="2">
+        <a:scrgbClr r="0" g="0" b="0"/>
+      </a:lnRef>
+      <a:fillRef idx="1">
+        <a:scrgbClr r="0" g="0" b="0"/>
+      </a:fillRef>
+      <a:effectRef idx="0">
+        <a:scrgbClr r="0" g="0" b="0"/>
+      </a:effectRef>
+      <a:fontRef idx="minor">
+        <a:schemeClr val="lt1"/>
+      </a:fontRef>
+    </dgm:style>
+  </dgm:styleLbl>
+  <dgm:styleLbl name="asst1">
+    <dgm:scene3d>
+      <a:camera prst="orthographicFront"/>
+      <a:lightRig rig="threePt" dir="t"/>
+    </dgm:scene3d>
+    <dgm:sp3d/>
+    <dgm:txPr/>
+    <dgm:style>
+      <a:lnRef idx="2">
+        <a:scrgbClr r="0" g="0" b="0"/>
+      </a:lnRef>
+      <a:fillRef idx="1">
+        <a:scrgbClr r="0" g="0" b="0"/>
+      </a:fillRef>
+      <a:effectRef idx="0">
+        <a:scrgbClr r="0" g="0" b="0"/>
+      </a:effectRef>
+      <a:fontRef idx="minor">
+        <a:schemeClr val="lt1"/>
+      </a:fontRef>
+    </dgm:style>
+  </dgm:styleLbl>
+  <dgm:styleLbl name="asst2">
+    <dgm:scene3d>
+      <a:camera prst="orthographicFront"/>
+      <a:lightRig rig="threePt" dir="t"/>
+    </dgm:scene3d>
+    <dgm:sp3d/>
+    <dgm:txPr/>
+    <dgm:style>
+      <a:lnRef idx="2">
+        <a:scrgbClr r="0" g="0" b="0"/>
+      </a:lnRef>
+      <a:fillRef idx="1">
+        <a:scrgbClr r="0" g="0" b="0"/>
+      </a:fillRef>
+      <a:effectRef idx="0">
+        <a:scrgbClr r="0" g="0" b="0"/>
+      </a:effectRef>
+      <a:fontRef idx="minor">
+        <a:schemeClr val="lt1"/>
+      </a:fontRef>
+    </dgm:style>
+  </dgm:styleLbl>
+  <dgm:styleLbl name="asst3">
+    <dgm:scene3d>
+      <a:camera prst="orthographicFront"/>
+      <a:lightRig rig="threePt" dir="t"/>
+    </dgm:scene3d>
+    <dgm:sp3d/>
+    <dgm:txPr/>
+    <dgm:style>
+      <a:lnRef idx="2">
+        <a:scrgbClr r="0" g="0" b="0"/>
+      </a:lnRef>
+      <a:fillRef idx="1">
+        <a:scrgbClr r="0" g="0" b="0"/>
+      </a:fillRef>
+      <a:effectRef idx="0">
+        <a:scrgbClr r="0" g="0" b="0"/>
+      </a:effectRef>
+      <a:fontRef idx="minor">
+        <a:schemeClr val="lt1"/>
+      </a:fontRef>
+    </dgm:style>
+  </dgm:styleLbl>
+  <dgm:styleLbl name="asst4">
+    <dgm:scene3d>
+      <a:camera prst="orthographicFront"/>
+      <a:lightRig rig="threePt" dir="t"/>
+    </dgm:scene3d>
+    <dgm:sp3d/>
+    <dgm:txPr/>
+    <dgm:style>
+      <a:lnRef idx="2">
+        <a:scrgbClr r="0" g="0" b="0"/>
+      </a:lnRef>
+      <a:fillRef idx="1">
+        <a:scrgbClr r="0" g="0" b="0"/>
+      </a:fillRef>
+      <a:effectRef idx="0">
+        <a:scrgbClr r="0" g="0" b="0"/>
+      </a:effectRef>
+      <a:fontRef idx="minor">
+        <a:schemeClr val="lt1"/>
+      </a:fontRef>
+    </dgm:style>
+  </dgm:styleLbl>
+  <dgm:styleLbl name="parChTrans2D1">
+    <dgm:scene3d>
+      <a:camera prst="orthographicFront"/>
+      <a:lightRig rig="threePt" dir="t"/>
+    </dgm:scene3d>
+    <dgm:sp3d/>
+    <dgm:txPr/>
+    <dgm:style>
+      <a:lnRef idx="2">
+        <a:scrgbClr r="0" g="0" b="0"/>
+      </a:lnRef>
+      <a:fillRef idx="1">
+        <a:scrgbClr r="0" g="0" b="0"/>
+      </a:fillRef>
+      <a:effectRef idx="0">
+        <a:scrgbClr r="0" g="0" b="0"/>
+      </a:effectRef>
+      <a:fontRef idx="minor">
+        <a:schemeClr val="lt1"/>
+      </a:fontRef>
+    </dgm:style>
+  </dgm:styleLbl>
+  <dgm:styleLbl name="parChTrans2D2">
+    <dgm:scene3d>
+      <a:camera prst="orthographicFront"/>
+      <a:lightRig rig="threePt" dir="t"/>
+    </dgm:scene3d>
+    <dgm:sp3d/>
+    <dgm:txPr/>
+    <dgm:style>
+      <a:lnRef idx="2">
+        <a:scrgbClr r="0" g="0" b="0"/>
+      </a:lnRef>
+      <a:fillRef idx="1">
+        <a:scrgbClr r="0" g="0" b="0"/>
+      </a:fillRef>
+      <a:effectRef idx="0">
+        <a:scrgbClr r="0" g="0" b="0"/>
+      </a:effectRef>
+      <a:fontRef idx="minor">
+        <a:schemeClr val="lt1"/>
+      </a:fontRef>
+    </dgm:style>
+  </dgm:styleLbl>
+  <dgm:styleLbl name="parChTrans2D3">
+    <dgm:scene3d>
+      <a:camera prst="orthographicFront"/>
+      <a:lightRig rig="threePt" dir="t"/>
+    </dgm:scene3d>
+    <dgm:sp3d/>
+    <dgm:txPr/>
+    <dgm:style>
+      <a:lnRef idx="2">
+        <a:scrgbClr r="0" g="0" b="0"/>
+      </a:lnRef>
+      <a:fillRef idx="1">
+        <a:scrgbClr r="0" g="0" b="0"/>
+      </a:fillRef>
+      <a:effectRef idx="0">
+        <a:scrgbClr r="0" g="0" b="0"/>
+      </a:effectRef>
+      <a:fontRef idx="minor">
+        <a:schemeClr val="lt1"/>
+      </a:fontRef>
+    </dgm:style>
+  </dgm:styleLbl>
+  <dgm:styleLbl name="parChTrans2D4">
+    <dgm:scene3d>
+      <a:camera prst="orthographicFront"/>
+      <a:lightRig rig="threePt" dir="t"/>
+    </dgm:scene3d>
+    <dgm:sp3d/>
+    <dgm:txPr/>
+    <dgm:style>
+      <a:lnRef idx="2">
+        <a:scrgbClr r="0" g="0" b="0"/>
+      </a:lnRef>
+      <a:fillRef idx="1">
+        <a:scrgbClr r="0" g="0" b="0"/>
+      </a:fillRef>
+      <a:effectRef idx="0">
+        <a:scrgbClr r="0" g="0" b="0"/>
+      </a:effectRef>
+      <a:fontRef idx="minor">
+        <a:schemeClr val="lt1"/>
+      </a:fontRef>
+    </dgm:style>
+  </dgm:styleLbl>
+  <dgm:styleLbl name="parChTrans1D1">
+    <dgm:scene3d>
+      <a:camera prst="orthographicFront"/>
+      <a:lightRig rig="threePt" dir="t"/>
+    </dgm:scene3d>
+    <dgm:sp3d/>
+    <dgm:txPr/>
+    <dgm:style>
+      <a:lnRef idx="2">
+        <a:scrgbClr r="0" g="0" b="0"/>
+      </a:lnRef>
+      <a:fillRef idx="0">
+        <a:scrgbClr r="0" g="0" b="0"/>
+      </a:fillRef>
+      <a:effectRef idx="0">
+        <a:scrgbClr r="0" g="0" b="0"/>
+      </a:effectRef>
+      <a:fontRef idx="minor"/>
+    </dgm:style>
+  </dgm:styleLbl>
+  <dgm:styleLbl name="parChTrans1D2">
+    <dgm:scene3d>
+      <a:camera prst="orthographicFront"/>
+      <a:lightRig rig="threePt" dir="t"/>
+    </dgm:scene3d>
+    <dgm:sp3d/>
+    <dgm:txPr/>
+    <dgm:style>
+      <a:lnRef idx="2">
+        <a:scrgbClr r="0" g="0" b="0"/>
+      </a:lnRef>
+      <a:fillRef idx="0">
+        <a:scrgbClr r="0" g="0" b="0"/>
+      </a:fillRef>
+      <a:effectRef idx="0">
+        <a:scrgbClr r="0" g="0" b="0"/>
+      </a:effectRef>
+      <a:fontRef idx="minor"/>
+    </dgm:style>
+  </dgm:styleLbl>
+  <dgm:styleLbl name="parChTrans1D3">
+    <dgm:scene3d>
+      <a:camera prst="orthographicFront"/>
+      <a:lightRig rig="threePt" dir="t"/>
+    </dgm:scene3d>
+    <dgm:sp3d/>
+    <dgm:txPr/>
+    <dgm:style>
+      <a:lnRef idx="2">
+        <a:scrgbClr r="0" g="0" b="0"/>
+      </a:lnRef>
+      <a:fillRef idx="0">
+        <a:scrgbClr r="0" g="0" b="0"/>
+      </a:fillRef>
+      <a:effectRef idx="0">
+        <a:scrgbClr r="0" g="0" b="0"/>
+      </a:effectRef>
+      <a:fontRef idx="minor"/>
+    </dgm:style>
+  </dgm:styleLbl>
+  <dgm:styleLbl name="parChTrans1D4">
+    <dgm:scene3d>
+      <a:camera prst="orthographicFront"/>
+      <a:lightRig rig="threePt" dir="t"/>
+    </dgm:scene3d>
+    <dgm:sp3d/>
+    <dgm:txPr/>
+    <dgm:style>
+      <a:lnRef idx="2">
+        <a:scrgbClr r="0" g="0" b="0"/>
+      </a:lnRef>
+      <a:fillRef idx="0">
+        <a:scrgbClr r="0" g="0" b="0"/>
+      </a:fillRef>
+      <a:effectRef idx="0">
+        <a:scrgbClr r="0" g="0" b="0"/>
+      </a:effectRef>
+      <a:fontRef idx="minor"/>
+    </dgm:style>
+  </dgm:styleLbl>
+  <dgm:styleLbl name="fgAcc1">
+    <dgm:scene3d>
+      <a:camera prst="orthographicFront"/>
+      <a:lightRig rig="threePt" dir="t"/>
+    </dgm:scene3d>
+    <dgm:sp3d/>
+    <dgm:txPr/>
+    <dgm:style>
+      <a:lnRef idx="2">
+        <a:scrgbClr r="0" g="0" b="0"/>
+      </a:lnRef>
+      <a:fillRef idx="1">
+        <a:scrgbClr r="0" g="0" b="0"/>
+      </a:fillRef>
+      <a:effectRef idx="0">
+        <a:scrgbClr r="0" g="0" b="0"/>
+      </a:effectRef>
+      <a:fontRef idx="minor"/>
+    </dgm:style>
+  </dgm:styleLbl>
+  <dgm:styleLbl name="conFgAcc1">
+    <dgm:scene3d>
+      <a:camera prst="orthographicFront"/>
+      <a:lightRig rig="threePt" dir="t"/>
+    </dgm:scene3d>
+    <dgm:sp3d/>
+    <dgm:txPr/>
+    <dgm:style>
+      <a:lnRef idx="2">
+        <a:scrgbClr r="0" g="0" b="0"/>
+      </a:lnRef>
+      <a:fillRef idx="1">
+        <a:scrgbClr r="0" g="0" b="0"/>
+      </a:fillRef>
+      <a:effectRef idx="0">
+        <a:scrgbClr r="0" g="0" b="0"/>
+      </a:effectRef>
+      <a:fontRef idx="minor"/>
+    </dgm:style>
+  </dgm:styleLbl>
+  <dgm:styleLbl name="alignAcc1">
+    <dgm:scene3d>
+      <a:camera prst="orthographicFront"/>
+      <a:lightRig rig="threePt" dir="t"/>
+    </dgm:scene3d>
+    <dgm:sp3d/>
+    <dgm:txPr/>
+    <dgm:style>
+      <a:lnRef idx="2">
+        <a:scrgbClr r="0" g="0" b="0"/>
+      </a:lnRef>
+      <a:fillRef idx="1">
+        <a:scrgbClr r="0" g="0" b="0"/>
+      </a:fillRef>
+      <a:effectRef idx="0">
+        <a:scrgbClr r="0" g="0" b="0"/>
+      </a:effectRef>
+      <a:fontRef idx="minor"/>
+    </dgm:style>
+  </dgm:styleLbl>
+  <dgm:styleLbl name="trAlignAcc1">
+    <dgm:scene3d>
+      <a:camera prst="orthographicFront"/>
+      <a:lightRig rig="threePt" dir="t"/>
+    </dgm:scene3d>
+    <dgm:sp3d/>
+    <dgm:txPr/>
+    <dgm:style>
+      <a:lnRef idx="1">
+        <a:scrgbClr r="0" g="0" b="0"/>
+      </a:lnRef>
+      <a:fillRef idx="1">
+        <a:scrgbClr r="0" g="0" b="0"/>
+      </a:fillRef>
+      <a:effectRef idx="0">
+        <a:scrgbClr r="0" g="0" b="0"/>
+      </a:effectRef>
+      <a:fontRef idx="minor"/>
+    </dgm:style>
+  </dgm:styleLbl>
+  <dgm:styleLbl name="bgAcc1">
+    <dgm:scene3d>
+      <a:camera prst="orthographicFront"/>
+      <a:lightRig rig="threePt" dir="t"/>
+    </dgm:scene3d>
+    <dgm:sp3d/>
+    <dgm:txPr/>
+    <dgm:style>
+      <a:lnRef idx="2">
+        <a:scrgbClr r="0" g="0" b="0"/>
+      </a:lnRef>
+      <a:fillRef idx="1">
+        <a:scrgbClr r="0" g="0" b="0"/>
+      </a:fillRef>
+      <a:effectRef idx="0">
+        <a:scrgbClr r="0" g="0" b="0"/>
+      </a:effectRef>
+      <a:fontRef idx="minor"/>
+    </dgm:style>
+  </dgm:styleLbl>
+  <dgm:styleLbl name="solidFgAcc1">
+    <dgm:scene3d>
+      <a:camera prst="orthographicFront"/>
+      <a:lightRig rig="threePt" dir="t"/>
+    </dgm:scene3d>
+    <dgm:sp3d/>
+    <dgm:txPr/>
+    <dgm:style>
+      <a:lnRef idx="2">
+        <a:scrgbClr r="0" g="0" b="0"/>
+      </a:lnRef>
+      <a:fillRef idx="1">
+        <a:scrgbClr r="0" g="0" b="0"/>
+      </a:fillRef>
+      <a:effectRef idx="0">
+        <a:scrgbClr r="0" g="0" b="0"/>
+      </a:effectRef>
+      <a:fontRef idx="minor"/>
+    </dgm:style>
+  </dgm:styleLbl>
+  <dgm:styleLbl name="solidAlignAcc1">
+    <dgm:scene3d>
+      <a:camera prst="orthographicFront"/>
+      <a:lightRig rig="threePt" dir="t"/>
+    </dgm:scene3d>
+    <dgm:sp3d/>
+    <dgm:txPr/>
+    <dgm:style>
+      <a:lnRef idx="2">
+        <a:scrgbClr r="0" g="0" b="0"/>
+      </a:lnRef>
+      <a:fillRef idx="1">
+        <a:scrgbClr r="0" g="0" b="0"/>
+      </a:fillRef>
+      <a:effectRef idx="0">
+        <a:scrgbClr r="0" g="0" b="0"/>
+      </a:effectRef>
+      <a:fontRef idx="minor"/>
+    </dgm:style>
+  </dgm:styleLbl>
+  <dgm:styleLbl name="solidBgAcc1">
+    <dgm:scene3d>
+      <a:camera prst="orthographicFront"/>
+      <a:lightRig rig="threePt" dir="t"/>
+    </dgm:scene3d>
+    <dgm:sp3d/>
+    <dgm:txPr/>
+    <dgm:style>
+      <a:lnRef idx="2">
+        <a:scrgbClr r="0" g="0" b="0"/>
+      </a:lnRef>
+      <a:fillRef idx="1">
+        <a:scrgbClr r="0" g="0" b="0"/>
+      </a:fillRef>
+      <a:effectRef idx="0">
+        <a:scrgbClr r="0" g="0" b="0"/>
+      </a:effectRef>
+      <a:fontRef idx="minor"/>
+    </dgm:style>
+  </dgm:styleLbl>
+  <dgm:styleLbl name="fgAccFollowNode1">
+    <dgm:scene3d>
+      <a:camera prst="orthographicFront"/>
+      <a:lightRig rig="threePt" dir="t"/>
+    </dgm:scene3d>
+    <dgm:sp3d/>
+    <dgm:txPr/>
+    <dgm:style>
+      <a:lnRef idx="2">
+        <a:scrgbClr r="0" g="0" b="0"/>
+      </a:lnRef>
+      <a:fillRef idx="1">
+        <a:scrgbClr r="0" g="0" b="0"/>
+      </a:fillRef>
+      <a:effectRef idx="0">
+        <a:scrgbClr r="0" g="0" b="0"/>
+      </a:effectRef>
+      <a:fontRef idx="minor"/>
+    </dgm:style>
+  </dgm:styleLbl>
+  <dgm:styleLbl name="alignAccFollowNode1">
+    <dgm:scene3d>
+      <a:camera prst="orthographicFront"/>
+      <a:lightRig rig="threePt" dir="t"/>
+    </dgm:scene3d>
+    <dgm:sp3d/>
+    <dgm:txPr/>
+    <dgm:style>
+      <a:lnRef idx="2">
+        <a:scrgbClr r="0" g="0" b="0"/>
+      </a:lnRef>
+      <a:fillRef idx="1">
+        <a:scrgbClr r="0" g="0" b="0"/>
+      </a:fillRef>
+      <a:effectRef idx="0">
+        <a:scrgbClr r="0" g="0" b="0"/>
+      </a:effectRef>
+      <a:fontRef idx="minor"/>
+    </dgm:style>
+  </dgm:styleLbl>
+  <dgm:styleLbl name="bgAccFollowNode1">
+    <dgm:scene3d>
+      <a:camera prst="orthographicFront"/>
+      <a:lightRig rig="threePt" dir="t"/>
+    </dgm:scene3d>
+    <dgm:sp3d/>
+    <dgm:txPr/>
+    <dgm:style>
+      <a:lnRef idx="2">
+        <a:scrgbClr r="0" g="0" b="0"/>
+      </a:lnRef>
+      <a:fillRef idx="1">
+        <a:scrgbClr r="0" g="0" b="0"/>
+      </a:fillRef>
+      <a:effectRef idx="0">
+        <a:scrgbClr r="0" g="0" b="0"/>
+      </a:effectRef>
+      <a:fontRef idx="minor"/>
+    </dgm:style>
+  </dgm:styleLbl>
+  <dgm:styleLbl name="fgAcc0">
+    <dgm:scene3d>
+      <a:camera prst="orthographicFront"/>
+      <a:lightRig rig="threePt" dir="t"/>
+    </dgm:scene3d>
+    <dgm:sp3d/>
+    <dgm:txPr/>
+    <dgm:style>
+      <a:lnRef idx="2">
+        <a:scrgbClr r="0" g="0" b="0"/>
+      </a:lnRef>
+      <a:fillRef idx="1">
+        <a:scrgbClr r="0" g="0" b="0"/>
+      </a:fillRef>
+      <a:effectRef idx="0">
+        <a:scrgbClr r="0" g="0" b="0"/>
+      </a:effectRef>
+      <a:fontRef idx="minor"/>
+    </dgm:style>
+  </dgm:styleLbl>
+  <dgm:styleLbl name="fgAcc2">
+    <dgm:scene3d>
+      <a:camera prst="orthographicFront"/>
+      <a:lightRig rig="threePt" dir="t"/>
+    </dgm:scene3d>
+    <dgm:sp3d/>
+    <dgm:txPr/>
+    <dgm:style>
+      <a:lnRef idx="2">
+        <a:scrgbClr r="0" g="0" b="0"/>
+      </a:lnRef>
+      <a:fillRef idx="1">
+        <a:scrgbClr r="0" g="0" b="0"/>
+      </a:fillRef>
+      <a:effectRef idx="0">
+        <a:scrgbClr r="0" g="0" b="0"/>
+      </a:effectRef>
+      <a:fontRef idx="minor"/>
+    </dgm:style>
+  </dgm:styleLbl>
+  <dgm:styleLbl name="fgAcc3">
+    <dgm:scene3d>
+      <a:camera prst="orthographicFront"/>
+      <a:lightRig rig="threePt" dir="t"/>
+    </dgm:scene3d>
+    <dgm:sp3d/>
+    <dgm:txPr/>
+    <dgm:style>
+      <a:lnRef idx="2">
+        <a:scrgbClr r="0" g="0" b="0"/>
+      </a:lnRef>
+      <a:fillRef idx="1">
+        <a:scrgbClr r="0" g="0" b="0"/>
+      </a:fillRef>
+      <a:effectRef idx="0">
+        <a:scrgbClr r="0" g="0" b="0"/>
+      </a:effectRef>
+      <a:fontRef idx="minor"/>
+    </dgm:style>
+  </dgm:styleLbl>
+  <dgm:styleLbl name="fgAcc4">
+    <dgm:scene3d>
+      <a:camera prst="orthographicFront"/>
+      <a:lightRig rig="threePt" dir="t"/>
+    </dgm:scene3d>
+    <dgm:sp3d/>
+    <dgm:txPr/>
+    <dgm:style>
+      <a:lnRef idx="2">
+        <a:scrgbClr r="0" g="0" b="0"/>
+      </a:lnRef>
+      <a:fillRef idx="1">
+        <a:scrgbClr r="0" g="0" b="0"/>
+      </a:fillRef>
+      <a:effectRef idx="0">
+        <a:scrgbClr r="0" g="0" b="0"/>
+      </a:effectRef>
+      <a:fontRef idx="minor"/>
+    </dgm:style>
+  </dgm:styleLbl>
+  <dgm:styleLbl name="bgShp">
+    <dgm:scene3d>
+      <a:camera prst="orthographicFront"/>
+      <a:lightRig rig="threePt" dir="t"/>
+    </dgm:scene3d>
+    <dgm:sp3d/>
+    <dgm:txPr/>
+    <dgm:style>
+      <a:lnRef idx="0">
+        <a:scrgbClr r="0" g="0" b="0"/>
+      </a:lnRef>
+      <a:fillRef idx="1">
+        <a:scrgbClr r="0" g="0" b="0"/>
+      </a:fillRef>
+      <a:effectRef idx="0">
+        <a:scrgbClr r="0" g="0" b="0"/>
+      </a:effectRef>
+      <a:fontRef idx="minor"/>
+    </dgm:style>
+  </dgm:styleLbl>
+  <dgm:styleLbl name="dkBgShp">
+    <dgm:scene3d>
+      <a:camera prst="orthographicFront"/>
+      <a:lightRig rig="threePt" dir="t"/>
+    </dgm:scene3d>
+    <dgm:sp3d/>
+    <dgm:txPr/>
+    <dgm:style>
+      <a:lnRef idx="0">
+        <a:scrgbClr r="0" g="0" b="0"/>
+      </a:lnRef>
+      <a:fillRef idx="1">
+        <a:scrgbClr r="0" g="0" b="0"/>
+      </a:fillRef>
+      <a:effectRef idx="0">
+        <a:scrgbClr r="0" g="0" b="0"/>
+      </a:effectRef>
+      <a:fontRef idx="minor"/>
+    </dgm:style>
+  </dgm:styleLbl>
+  <dgm:styleLbl name="trBgShp">
+    <dgm:scene3d>
+      <a:camera prst="orthographicFront"/>
+      <a:lightRig rig="threePt" dir="t"/>
+    </dgm:scene3d>
+    <dgm:sp3d/>
+    <dgm:txPr/>
+    <dgm:style>
+      <a:lnRef idx="0">
+        <a:scrgbClr r="0" g="0" b="0"/>
+      </a:lnRef>
+      <a:fillRef idx="1">
+        <a:scrgbClr r="0" g="0" b="0"/>
+      </a:fillRef>
+      <a:effectRef idx="0">
+        <a:scrgbClr r="0" g="0" b="0"/>
+      </a:effectRef>
+      <a:fontRef idx="minor"/>
+    </dgm:style>
+  </dgm:styleLbl>
+  <dgm:styleLbl name="fgShp">
+    <dgm:scene3d>
+      <a:camera prst="orthographicFront"/>
+      <a:lightRig rig="threePt" dir="t"/>
+    </dgm:scene3d>
+    <dgm:sp3d/>
+    <dgm:txPr/>
+    <dgm:style>
+      <a:lnRef idx="2">
+        <a:scrgbClr r="0" g="0" b="0"/>
+      </a:lnRef>
+      <a:fillRef idx="1">
+        <a:scrgbClr r="0" g="0" b="0"/>
+      </a:fillRef>
+      <a:effectRef idx="0">
+        <a:scrgbClr r="0" g="0" b="0"/>
+      </a:effectRef>
+      <a:fontRef idx="minor"/>
+    </dgm:style>
+  </dgm:styleLbl>
+  <dgm:styleLbl name="revTx">
+    <dgm:scene3d>
+      <a:camera prst="orthographicFront"/>
+      <a:lightRig rig="threePt" dir="t"/>
+    </dgm:scene3d>
+    <dgm:sp3d/>
+    <dgm:txPr/>
+    <dgm:style>
+      <a:lnRef idx="0">
+        <a:scrgbClr r="0" g="0" b="0"/>
+      </a:lnRef>
+      <a:fillRef idx="0">
+        <a:scrgbClr r="0" g="0" b="0"/>
+      </a:fillRef>
+      <a:effectRef idx="0">
+        <a:scrgbClr r="0" g="0" b="0"/>
+      </a:effectRef>
+      <a:fontRef idx="minor"/>
+    </dgm:style>
+  </dgm:styleLbl>
+</dgm:styleDef>
 </file>
 
 <file path=ppt/handoutMasters/handoutMaster1.xml><?xml version="1.0" encoding="utf-8"?>
@@ -1037,6 +4466,111 @@
           <a:bodyPr/>
           <a:lstStyle/>
           <a:p>
+            <a:pPr marL="0" marR="0" lvl="0" indent="0" algn="l" defTabSz="914400" rtl="0" eaLnBrk="1" fontAlgn="auto" latinLnBrk="0" hangingPunct="1">
+              <a:lnSpc>
+                <a:spcPct val="100000"/>
+              </a:lnSpc>
+              <a:spcBef>
+                <a:spcPts val="0"/>
+              </a:spcBef>
+              <a:spcAft>
+                <a:spcPts val="0"/>
+              </a:spcAft>
+              <a:buClrTx/>
+              <a:buSzTx/>
+              <a:buFontTx/>
+              <a:buNone/>
+              <a:tabLst/>
+              <a:defRPr/>
+            </a:pPr>
+            <a:r>
+              <a:rPr lang="fa-IR" dirty="0"/>
+              <a:t>تهیه یک فیلم برای توضیح امکانات جیبرس در ۳۰ ثانیه</a:t>
+            </a:r>
+            <a:endParaRPr lang="en-US" dirty="0"/>
+          </a:p>
+        </p:txBody>
+      </p:sp>
+      <p:sp>
+        <p:nvSpPr>
+          <p:cNvPr id="4" name="Slide Number Placeholder 3"/>
+          <p:cNvSpPr>
+            <a:spLocks noGrp="1"/>
+          </p:cNvSpPr>
+          <p:nvPr>
+            <p:ph type="sldNum" sz="quarter" idx="5"/>
+          </p:nvPr>
+        </p:nvSpPr>
+        <p:spPr/>
+        <p:txBody>
+          <a:bodyPr/>
+          <a:lstStyle/>
+          <a:p>
+            <a:fld id="{EC29E1AC-3210-4C03-93DF-294BFDB0FAF7}" type="slidenum">
+              <a:rPr lang="en-US" smtClean="0"/>
+              <a:t>4</a:t>
+            </a:fld>
+            <a:endParaRPr lang="en-US"/>
+          </a:p>
+        </p:txBody>
+      </p:sp>
+    </p:spTree>
+    <p:extLst>
+      <p:ext uri="{BB962C8B-B14F-4D97-AF65-F5344CB8AC3E}">
+        <p14:creationId xmlns:p14="http://schemas.microsoft.com/office/powerpoint/2010/main" val="1014153548"/>
+      </p:ext>
+    </p:extLst>
+  </p:cSld>
+  <p:clrMapOvr>
+    <a:masterClrMapping/>
+  </p:clrMapOvr>
+</p:notes>
+</file>
+
+<file path=ppt/notesSlides/notesSlide4.xml><?xml version="1.0" encoding="utf-8"?>
+<p:notes xmlns:a="http://schemas.openxmlformats.org/drawingml/2006/main" xmlns:r="http://schemas.openxmlformats.org/officeDocument/2006/relationships" xmlns:p="http://schemas.openxmlformats.org/presentationml/2006/main">
+  <p:cSld>
+    <p:spTree>
+      <p:nvGrpSpPr>
+        <p:cNvPr id="1" name=""/>
+        <p:cNvGrpSpPr/>
+        <p:nvPr/>
+      </p:nvGrpSpPr>
+      <p:grpSpPr>
+        <a:xfrm>
+          <a:off x="0" y="0"/>
+          <a:ext cx="0" cy="0"/>
+          <a:chOff x="0" y="0"/>
+          <a:chExt cx="0" cy="0"/>
+        </a:xfrm>
+      </p:grpSpPr>
+      <p:sp>
+        <p:nvSpPr>
+          <p:cNvPr id="2" name="Slide Image Placeholder 1"/>
+          <p:cNvSpPr>
+            <a:spLocks noGrp="1" noRot="1" noChangeAspect="1"/>
+          </p:cNvSpPr>
+          <p:nvPr>
+            <p:ph type="sldImg"/>
+          </p:nvPr>
+        </p:nvSpPr>
+        <p:spPr/>
+      </p:sp>
+      <p:sp>
+        <p:nvSpPr>
+          <p:cNvPr id="3" name="Notes Placeholder 2"/>
+          <p:cNvSpPr>
+            <a:spLocks noGrp="1"/>
+          </p:cNvSpPr>
+          <p:nvPr>
+            <p:ph type="body" idx="1"/>
+          </p:nvPr>
+        </p:nvSpPr>
+        <p:spPr/>
+        <p:txBody>
+          <a:bodyPr/>
+          <a:lstStyle/>
+          <a:p>
             <a:pPr algn="r" rtl="1"/>
             <a:r>
               <a:rPr lang="fa-IR" dirty="0"/>
@@ -1082,7 +4616,7 @@
 </p:notes>
 </file>
 
-<file path=ppt/notesSlides/notesSlide4.xml><?xml version="1.0" encoding="utf-8"?>
+<file path=ppt/notesSlides/notesSlide5.xml><?xml version="1.0" encoding="utf-8"?>
 <p:notes xmlns:a="http://schemas.openxmlformats.org/drawingml/2006/main" xmlns:r="http://schemas.openxmlformats.org/officeDocument/2006/relationships" xmlns:p="http://schemas.openxmlformats.org/presentationml/2006/main">
   <p:cSld>
     <p:spTree>
@@ -1203,7 +4737,7 @@
 </p:notes>
 </file>
 
-<file path=ppt/notesSlides/notesSlide5.xml><?xml version="1.0" encoding="utf-8"?>
+<file path=ppt/notesSlides/notesSlide6.xml><?xml version="1.0" encoding="utf-8"?>
 <p:notes xmlns:a="http://schemas.openxmlformats.org/drawingml/2006/main" xmlns:r="http://schemas.openxmlformats.org/officeDocument/2006/relationships" xmlns:p="http://schemas.openxmlformats.org/presentationml/2006/main">
   <p:cSld>
     <p:spTree>
@@ -1625,6 +5159,117 @@
 </file>
 
 <file path=ppt/slideLayouts/slideLayout10.xml><?xml version="1.0" encoding="utf-8"?>
+<p:sldLayout xmlns:a="http://schemas.openxmlformats.org/drawingml/2006/main" xmlns:r="http://schemas.openxmlformats.org/officeDocument/2006/relationships" xmlns:p="http://schemas.openxmlformats.org/presentationml/2006/main" type="blank" preserve="1">
+  <p:cSld name="Blank">
+    <p:spTree>
+      <p:nvGrpSpPr>
+        <p:cNvPr id="1" name=""/>
+        <p:cNvGrpSpPr/>
+        <p:nvPr/>
+      </p:nvGrpSpPr>
+      <p:grpSpPr>
+        <a:xfrm>
+          <a:off x="0" y="0"/>
+          <a:ext cx="0" cy="0"/>
+          <a:chOff x="0" y="0"/>
+          <a:chExt cx="0" cy="0"/>
+        </a:xfrm>
+      </p:grpSpPr>
+      <p:sp>
+        <p:nvSpPr>
+          <p:cNvPr id="2" name="Date Placeholder 1"/>
+          <p:cNvSpPr>
+            <a:spLocks noGrp="1"/>
+          </p:cNvSpPr>
+          <p:nvPr>
+            <p:ph type="dt" sz="half" idx="10"/>
+          </p:nvPr>
+        </p:nvSpPr>
+        <p:spPr>
+          <a:xfrm>
+            <a:off x="8719926" y="6223828"/>
+            <a:ext cx="2329074" cy="365125"/>
+          </a:xfrm>
+          <a:prstGeom prst="rect">
+            <a:avLst/>
+          </a:prstGeom>
+        </p:spPr>
+        <p:txBody>
+          <a:bodyPr/>
+          <a:lstStyle/>
+          <a:p>
+            <a:endParaRPr lang="en-US"/>
+          </a:p>
+        </p:txBody>
+      </p:sp>
+      <p:sp>
+        <p:nvSpPr>
+          <p:cNvPr id="3" name="Footer Placeholder 2"/>
+          <p:cNvSpPr>
+            <a:spLocks noGrp="1"/>
+          </p:cNvSpPr>
+          <p:nvPr>
+            <p:ph type="ftr" sz="quarter" idx="11"/>
+          </p:nvPr>
+        </p:nvSpPr>
+        <p:spPr/>
+        <p:txBody>
+          <a:bodyPr/>
+          <a:lstStyle/>
+          <a:p>
+            <a:endParaRPr lang="en-US"/>
+          </a:p>
+        </p:txBody>
+      </p:sp>
+      <p:sp>
+        <p:nvSpPr>
+          <p:cNvPr id="4" name="Slide Number Placeholder 3"/>
+          <p:cNvSpPr>
+            <a:spLocks noGrp="1"/>
+          </p:cNvSpPr>
+          <p:nvPr>
+            <p:ph type="sldNum" sz="quarter" idx="12"/>
+          </p:nvPr>
+        </p:nvSpPr>
+        <p:spPr/>
+        <p:txBody>
+          <a:bodyPr/>
+          <a:lstStyle/>
+          <a:p>
+            <a:fld id="{92944875-DFC9-4662-AF8D-2D0B8720E9F1}" type="slidenum">
+              <a:rPr lang="en-US" smtClean="0"/>
+              <a:t>‹#›</a:t>
+            </a:fld>
+            <a:endParaRPr lang="en-US"/>
+          </a:p>
+        </p:txBody>
+      </p:sp>
+    </p:spTree>
+    <p:extLst>
+      <p:ext uri="{BB962C8B-B14F-4D97-AF65-F5344CB8AC3E}">
+        <p14:creationId xmlns:p14="http://schemas.microsoft.com/office/powerpoint/2010/main" val="1156067651"/>
+      </p:ext>
+    </p:extLst>
+  </p:cSld>
+  <p:clrMapOvr>
+    <a:masterClrMapping/>
+  </p:clrMapOvr>
+  <mc:AlternateContent xmlns:mc="http://schemas.openxmlformats.org/markup-compatibility/2006">
+    <mc:Choice xmlns:p159="http://schemas.microsoft.com/office/powerpoint/2015/09/main" Requires="p159">
+      <p:transition xmlns:p14="http://schemas.microsoft.com/office/powerpoint/2010/main" spd="slow" p14:dur="2000">
+        <p159:morph option="byWord"/>
+      </p:transition>
+    </mc:Choice>
+    <mc:Fallback>
+      <p:transition spd="slow">
+        <p:fade/>
+      </p:transition>
+    </mc:Fallback>
+  </mc:AlternateContent>
+</p:sldLayout>
+</file>
+
+<file path=ppt/slideLayouts/slideLayout11.xml><?xml version="1.0" encoding="utf-8"?>
 <p:sldLayout xmlns:a="http://schemas.openxmlformats.org/drawingml/2006/main" xmlns:r="http://schemas.openxmlformats.org/officeDocument/2006/relationships" xmlns:p="http://schemas.openxmlformats.org/presentationml/2006/main" preserve="1" userDrawn="1">
   <p:cSld name="Jibres Blank">
     <p:spTree>
@@ -1708,7 +5353,7 @@
 </p:sldLayout>
 </file>
 
-<file path=ppt/slideLayouts/slideLayout11.xml><?xml version="1.0" encoding="utf-8"?>
+<file path=ppt/slideLayouts/slideLayout12.xml><?xml version="1.0" encoding="utf-8"?>
 <p:sldLayout xmlns:a="http://schemas.openxmlformats.org/drawingml/2006/main" xmlns:r="http://schemas.openxmlformats.org/officeDocument/2006/relationships" xmlns:p="http://schemas.openxmlformats.org/presentationml/2006/main" type="blank" preserve="1">
   <p:cSld name="Jibres Logo">
     <p:spTree>
@@ -1841,7 +5486,7 @@
 </p:sldLayout>
 </file>
 
-<file path=ppt/slideLayouts/slideLayout12.xml><?xml version="1.0" encoding="utf-8"?>
+<file path=ppt/slideLayouts/slideLayout13.xml><?xml version="1.0" encoding="utf-8"?>
 <p:sldLayout xmlns:a="http://schemas.openxmlformats.org/drawingml/2006/main" xmlns:r="http://schemas.openxmlformats.org/officeDocument/2006/relationships" xmlns:p="http://schemas.openxmlformats.org/presentationml/2006/main" type="blank" preserve="1">
   <p:cSld name="Jibres Logo EN">
     <p:spTree>
@@ -1974,7 +5619,7 @@
 </p:sldLayout>
 </file>
 
-<file path=ppt/slideLayouts/slideLayout13.xml><?xml version="1.0" encoding="utf-8"?>
+<file path=ppt/slideLayouts/slideLayout14.xml><?xml version="1.0" encoding="utf-8"?>
 <p:sldLayout xmlns:a="http://schemas.openxmlformats.org/drawingml/2006/main" xmlns:r="http://schemas.openxmlformats.org/officeDocument/2006/relationships" xmlns:p="http://schemas.openxmlformats.org/presentationml/2006/main" type="blank" preserve="1">
   <p:cSld name="Jibres Logo FA">
     <p:spTree>
@@ -2107,7 +5752,7 @@
 </p:sldLayout>
 </file>
 
-<file path=ppt/slideLayouts/slideLayout14.xml><?xml version="1.0" encoding="utf-8"?>
+<file path=ppt/slideLayouts/slideLayout15.xml><?xml version="1.0" encoding="utf-8"?>
 <p:sldLayout xmlns:a="http://schemas.openxmlformats.org/drawingml/2006/main" xmlns:r="http://schemas.openxmlformats.org/officeDocument/2006/relationships" xmlns:p="http://schemas.openxmlformats.org/presentationml/2006/main" type="blank" preserve="1">
   <p:cSld name="Jibres Logo EN Vertical">
     <p:spTree>
@@ -2240,7 +5885,7 @@
 </p:sldLayout>
 </file>
 
-<file path=ppt/slideLayouts/slideLayout15.xml><?xml version="1.0" encoding="utf-8"?>
+<file path=ppt/slideLayouts/slideLayout16.xml><?xml version="1.0" encoding="utf-8"?>
 <p:sldLayout xmlns:a="http://schemas.openxmlformats.org/drawingml/2006/main" xmlns:r="http://schemas.openxmlformats.org/officeDocument/2006/relationships" xmlns:p="http://schemas.openxmlformats.org/presentationml/2006/main" type="blank" preserve="1">
   <p:cSld name="Jibres Logo FA Vertical">
     <p:spTree>
@@ -2373,7 +6018,7 @@
 </p:sldLayout>
 </file>
 
-<file path=ppt/slideLayouts/slideLayout16.xml><?xml version="1.0" encoding="utf-8"?>
+<file path=ppt/slideLayouts/slideLayout17.xml><?xml version="1.0" encoding="utf-8"?>
 <p:sldLayout xmlns:a="http://schemas.openxmlformats.org/drawingml/2006/main" xmlns:r="http://schemas.openxmlformats.org/officeDocument/2006/relationships" xmlns:p="http://schemas.openxmlformats.org/presentationml/2006/main" preserve="1" userDrawn="1">
   <p:cSld name="Jibres Logo Revert">
     <p:spTree>
@@ -2496,7 +6141,7 @@
 </p:sldLayout>
 </file>
 
-<file path=ppt/slideLayouts/slideLayout17.xml><?xml version="1.0" encoding="utf-8"?>
+<file path=ppt/slideLayouts/slideLayout18.xml><?xml version="1.0" encoding="utf-8"?>
 <p:sldLayout xmlns:a="http://schemas.openxmlformats.org/drawingml/2006/main" xmlns:r="http://schemas.openxmlformats.org/officeDocument/2006/relationships" xmlns:p="http://schemas.openxmlformats.org/presentationml/2006/main" preserve="1" userDrawn="1">
   <p:cSld name="Jibres Logo EN Revert">
     <p:spTree>
@@ -2619,7 +6264,7 @@
 </p:sldLayout>
 </file>
 
-<file path=ppt/slideLayouts/slideLayout18.xml><?xml version="1.0" encoding="utf-8"?>
+<file path=ppt/slideLayouts/slideLayout19.xml><?xml version="1.0" encoding="utf-8"?>
 <p:sldLayout xmlns:a="http://schemas.openxmlformats.org/drawingml/2006/main" xmlns:r="http://schemas.openxmlformats.org/officeDocument/2006/relationships" xmlns:p="http://schemas.openxmlformats.org/presentationml/2006/main" preserve="1" userDrawn="1">
   <p:cSld name="Jibres Logo FA Revert">
     <p:spTree>
@@ -2721,129 +6366,6 @@
     <p:extLst>
       <p:ext uri="{BB962C8B-B14F-4D97-AF65-F5344CB8AC3E}">
         <p14:creationId xmlns:p14="http://schemas.microsoft.com/office/powerpoint/2010/main" val="3864539061"/>
-      </p:ext>
-    </p:extLst>
-  </p:cSld>
-  <p:clrMapOvr>
-    <a:masterClrMapping/>
-  </p:clrMapOvr>
-  <mc:AlternateContent xmlns:mc="http://schemas.openxmlformats.org/markup-compatibility/2006">
-    <mc:Choice xmlns:p159="http://schemas.microsoft.com/office/powerpoint/2015/09/main" Requires="p159">
-      <p:transition xmlns:p14="http://schemas.microsoft.com/office/powerpoint/2010/main" spd="slow" p14:dur="2000">
-        <p159:morph option="byWord"/>
-      </p:transition>
-    </mc:Choice>
-    <mc:Fallback>
-      <p:transition spd="slow">
-        <p:fade/>
-      </p:transition>
-    </mc:Fallback>
-  </mc:AlternateContent>
-</p:sldLayout>
-</file>
-
-<file path=ppt/slideLayouts/slideLayout19.xml><?xml version="1.0" encoding="utf-8"?>
-<p:sldLayout xmlns:a="http://schemas.openxmlformats.org/drawingml/2006/main" xmlns:r="http://schemas.openxmlformats.org/officeDocument/2006/relationships" xmlns:p="http://schemas.openxmlformats.org/presentationml/2006/main" preserve="1" userDrawn="1">
-  <p:cSld name="Jibres Logo EN Vertical Revert">
-    <p:spTree>
-      <p:nvGrpSpPr>
-        <p:cNvPr id="1" name=""/>
-        <p:cNvGrpSpPr/>
-        <p:nvPr/>
-      </p:nvGrpSpPr>
-      <p:grpSpPr>
-        <a:xfrm>
-          <a:off x="0" y="0"/>
-          <a:ext cx="0" cy="0"/>
-          <a:chOff x="0" y="0"/>
-          <a:chExt cx="0" cy="0"/>
-        </a:xfrm>
-      </p:grpSpPr>
-      <p:sp>
-        <p:nvSpPr>
-          <p:cNvPr id="7" name="Rectangle 6"/>
-          <p:cNvSpPr>
-            <a:spLocks noChangeAspect="1"/>
-          </p:cNvSpPr>
-          <p:nvPr/>
-        </p:nvSpPr>
-        <p:spPr>
-          <a:xfrm>
-            <a:off x="231140" y="243840"/>
-            <a:ext cx="11724640" cy="6377939"/>
-          </a:xfrm>
-          <a:prstGeom prst="rect">
-            <a:avLst/>
-          </a:prstGeom>
-          <a:solidFill>
-            <a:srgbClr val="C80A5A"/>
-          </a:solidFill>
-          <a:ln w="12700">
-            <a:solidFill>
-              <a:srgbClr val="FFFFFF"/>
-            </a:solidFill>
-          </a:ln>
-        </p:spPr>
-        <p:style>
-          <a:lnRef idx="2">
-            <a:schemeClr val="accent1">
-              <a:shade val="50000"/>
-            </a:schemeClr>
-          </a:lnRef>
-          <a:fillRef idx="1">
-            <a:schemeClr val="accent1"/>
-          </a:fillRef>
-          <a:effectRef idx="0">
-            <a:schemeClr val="accent1"/>
-          </a:effectRef>
-          <a:fontRef idx="minor">
-            <a:schemeClr val="lt1"/>
-          </a:fontRef>
-        </p:style>
-      </p:sp>
-      <p:pic>
-        <p:nvPicPr>
-          <p:cNvPr id="4" name="Graphic 3">
-            <a:extLst>
-              <a:ext uri="{FF2B5EF4-FFF2-40B4-BE49-F238E27FC236}">
-                <a16:creationId xmlns:a16="http://schemas.microsoft.com/office/drawing/2014/main" id="{87E4D6C0-C7DD-4821-B374-B7E2D589AEE3}"/>
-              </a:ext>
-            </a:extLst>
-          </p:cNvPr>
-          <p:cNvPicPr>
-            <a:picLocks noChangeAspect="1"/>
-          </p:cNvPicPr>
-          <p:nvPr userDrawn="1"/>
-        </p:nvPicPr>
-        <p:blipFill>
-          <a:blip r:embed="rId2">
-            <a:extLst>
-              <a:ext uri="{28A0092B-C50C-407E-A947-70E740481C1C}">
-                <a14:useLocalDpi xmlns:a14="http://schemas.microsoft.com/office/drawing/2010/main" val="0"/>
-              </a:ext>
-              <a:ext uri="{96DAC541-7B7A-43D3-8B79-37D633B846F1}">
-                <asvg:svgBlip xmlns:asvg="http://schemas.microsoft.com/office/drawing/2016/SVG/main" r:embed="rId3"/>
-              </a:ext>
-            </a:extLst>
-          </a:blip>
-          <a:stretch>
-            <a:fillRect/>
-          </a:stretch>
-        </p:blipFill>
-        <p:spPr>
-          <a:xfrm>
-            <a:off x="2667000" y="0"/>
-            <a:ext cx="6858000" cy="6858000"/>
-          </a:xfrm>
-          <a:prstGeom prst="rect">
-            <a:avLst/>
-          </a:prstGeom>
-        </p:spPr>
-      </p:pic>
-    </p:spTree>
-    <p:extLst>
-      <p:ext uri="{BB962C8B-B14F-4D97-AF65-F5344CB8AC3E}">
-        <p14:creationId xmlns:p14="http://schemas.microsoft.com/office/powerpoint/2010/main" val="1364967517"/>
       </p:ext>
     </p:extLst>
   </p:cSld>
@@ -3173,6 +6695,129 @@
 
 <file path=ppt/slideLayouts/slideLayout20.xml><?xml version="1.0" encoding="utf-8"?>
 <p:sldLayout xmlns:a="http://schemas.openxmlformats.org/drawingml/2006/main" xmlns:r="http://schemas.openxmlformats.org/officeDocument/2006/relationships" xmlns:p="http://schemas.openxmlformats.org/presentationml/2006/main" preserve="1" userDrawn="1">
+  <p:cSld name="Jibres Logo EN Vertical Revert">
+    <p:spTree>
+      <p:nvGrpSpPr>
+        <p:cNvPr id="1" name=""/>
+        <p:cNvGrpSpPr/>
+        <p:nvPr/>
+      </p:nvGrpSpPr>
+      <p:grpSpPr>
+        <a:xfrm>
+          <a:off x="0" y="0"/>
+          <a:ext cx="0" cy="0"/>
+          <a:chOff x="0" y="0"/>
+          <a:chExt cx="0" cy="0"/>
+        </a:xfrm>
+      </p:grpSpPr>
+      <p:sp>
+        <p:nvSpPr>
+          <p:cNvPr id="7" name="Rectangle 6"/>
+          <p:cNvSpPr>
+            <a:spLocks noChangeAspect="1"/>
+          </p:cNvSpPr>
+          <p:nvPr/>
+        </p:nvSpPr>
+        <p:spPr>
+          <a:xfrm>
+            <a:off x="231140" y="243840"/>
+            <a:ext cx="11724640" cy="6377939"/>
+          </a:xfrm>
+          <a:prstGeom prst="rect">
+            <a:avLst/>
+          </a:prstGeom>
+          <a:solidFill>
+            <a:srgbClr val="C80A5A"/>
+          </a:solidFill>
+          <a:ln w="12700">
+            <a:solidFill>
+              <a:srgbClr val="FFFFFF"/>
+            </a:solidFill>
+          </a:ln>
+        </p:spPr>
+        <p:style>
+          <a:lnRef idx="2">
+            <a:schemeClr val="accent1">
+              <a:shade val="50000"/>
+            </a:schemeClr>
+          </a:lnRef>
+          <a:fillRef idx="1">
+            <a:schemeClr val="accent1"/>
+          </a:fillRef>
+          <a:effectRef idx="0">
+            <a:schemeClr val="accent1"/>
+          </a:effectRef>
+          <a:fontRef idx="minor">
+            <a:schemeClr val="lt1"/>
+          </a:fontRef>
+        </p:style>
+      </p:sp>
+      <p:pic>
+        <p:nvPicPr>
+          <p:cNvPr id="4" name="Graphic 3">
+            <a:extLst>
+              <a:ext uri="{FF2B5EF4-FFF2-40B4-BE49-F238E27FC236}">
+                <a16:creationId xmlns:a16="http://schemas.microsoft.com/office/drawing/2014/main" id="{87E4D6C0-C7DD-4821-B374-B7E2D589AEE3}"/>
+              </a:ext>
+            </a:extLst>
+          </p:cNvPr>
+          <p:cNvPicPr>
+            <a:picLocks noChangeAspect="1"/>
+          </p:cNvPicPr>
+          <p:nvPr userDrawn="1"/>
+        </p:nvPicPr>
+        <p:blipFill>
+          <a:blip r:embed="rId2">
+            <a:extLst>
+              <a:ext uri="{28A0092B-C50C-407E-A947-70E740481C1C}">
+                <a14:useLocalDpi xmlns:a14="http://schemas.microsoft.com/office/drawing/2010/main" val="0"/>
+              </a:ext>
+              <a:ext uri="{96DAC541-7B7A-43D3-8B79-37D633B846F1}">
+                <asvg:svgBlip xmlns:asvg="http://schemas.microsoft.com/office/drawing/2016/SVG/main" r:embed="rId3"/>
+              </a:ext>
+            </a:extLst>
+          </a:blip>
+          <a:stretch>
+            <a:fillRect/>
+          </a:stretch>
+        </p:blipFill>
+        <p:spPr>
+          <a:xfrm>
+            <a:off x="2667000" y="0"/>
+            <a:ext cx="6858000" cy="6858000"/>
+          </a:xfrm>
+          <a:prstGeom prst="rect">
+            <a:avLst/>
+          </a:prstGeom>
+        </p:spPr>
+      </p:pic>
+    </p:spTree>
+    <p:extLst>
+      <p:ext uri="{BB962C8B-B14F-4D97-AF65-F5344CB8AC3E}">
+        <p14:creationId xmlns:p14="http://schemas.microsoft.com/office/powerpoint/2010/main" val="1364967517"/>
+      </p:ext>
+    </p:extLst>
+  </p:cSld>
+  <p:clrMapOvr>
+    <a:masterClrMapping/>
+  </p:clrMapOvr>
+  <mc:AlternateContent xmlns:mc="http://schemas.openxmlformats.org/markup-compatibility/2006">
+    <mc:Choice xmlns:p159="http://schemas.microsoft.com/office/powerpoint/2015/09/main" Requires="p159">
+      <p:transition xmlns:p14="http://schemas.microsoft.com/office/powerpoint/2010/main" spd="slow" p14:dur="2000">
+        <p159:morph option="byWord"/>
+      </p:transition>
+    </mc:Choice>
+    <mc:Fallback>
+      <p:transition spd="slow">
+        <p:fade/>
+      </p:transition>
+    </mc:Fallback>
+  </mc:AlternateContent>
+</p:sldLayout>
+</file>
+
+<file path=ppt/slideLayouts/slideLayout21.xml><?xml version="1.0" encoding="utf-8"?>
+<p:sldLayout xmlns:a="http://schemas.openxmlformats.org/drawingml/2006/main" xmlns:r="http://schemas.openxmlformats.org/officeDocument/2006/relationships" xmlns:p="http://schemas.openxmlformats.org/presentationml/2006/main" preserve="1" userDrawn="1">
   <p:cSld name="Jibres Logo FA Vertical Revert">
     <p:spTree>
       <p:nvGrpSpPr>
@@ -3294,7 +6939,7 @@
 </p:sldLayout>
 </file>
 
-<file path=ppt/slideLayouts/slideLayout21.xml><?xml version="1.0" encoding="utf-8"?>
+<file path=ppt/slideLayouts/slideLayout22.xml><?xml version="1.0" encoding="utf-8"?>
 <p:sldLayout xmlns:a="http://schemas.openxmlformats.org/drawingml/2006/main" xmlns:r="http://schemas.openxmlformats.org/officeDocument/2006/relationships" xmlns:p="http://schemas.openxmlformats.org/presentationml/2006/main" preserve="1" userDrawn="1">
   <p:cSld name="1_Jibres Logo FA Vertical Revert">
     <p:spTree>
@@ -3562,7 +7207,7 @@
 </p:sldLayout>
 </file>
 
-<file path=ppt/slideLayouts/slideLayout22.xml><?xml version="1.0" encoding="utf-8"?>
+<file path=ppt/slideLayouts/slideLayout23.xml><?xml version="1.0" encoding="utf-8"?>
 <p:sldLayout xmlns:a="http://schemas.openxmlformats.org/drawingml/2006/main" xmlns:r="http://schemas.openxmlformats.org/officeDocument/2006/relationships" xmlns:p="http://schemas.openxmlformats.org/presentationml/2006/main" type="objTx" preserve="1">
   <p:cSld name="Content with Caption">
     <p:spTree>
@@ -3868,7 +7513,7 @@
 </p:sldLayout>
 </file>
 
-<file path=ppt/slideLayouts/slideLayout23.xml><?xml version="1.0" encoding="utf-8"?>
+<file path=ppt/slideLayouts/slideLayout24.xml><?xml version="1.0" encoding="utf-8"?>
 <p:sldLayout xmlns:a="http://schemas.openxmlformats.org/drawingml/2006/main" xmlns:r="http://schemas.openxmlformats.org/officeDocument/2006/relationships" xmlns:p="http://schemas.openxmlformats.org/presentationml/2006/main" type="picTx" preserve="1">
   <p:cSld name="Picture with Caption">
     <p:spTree>
@@ -4156,7 +7801,7 @@
 </p:sldLayout>
 </file>
 
-<file path=ppt/slideLayouts/slideLayout24.xml><?xml version="1.0" encoding="utf-8"?>
+<file path=ppt/slideLayouts/slideLayout25.xml><?xml version="1.0" encoding="utf-8"?>
 <p:sldLayout xmlns:a="http://schemas.openxmlformats.org/drawingml/2006/main" xmlns:r="http://schemas.openxmlformats.org/officeDocument/2006/relationships" xmlns:p="http://schemas.openxmlformats.org/presentationml/2006/main" type="vertTx" preserve="1">
   <p:cSld name="Title and Vertical Text">
     <p:spTree>
@@ -4342,7 +7987,7 @@
 </p:sldLayout>
 </file>
 
-<file path=ppt/slideLayouts/slideLayout25.xml><?xml version="1.0" encoding="utf-8"?>
+<file path=ppt/slideLayouts/slideLayout26.xml><?xml version="1.0" encoding="utf-8"?>
 <p:sldLayout xmlns:a="http://schemas.openxmlformats.org/drawingml/2006/main" xmlns:r="http://schemas.openxmlformats.org/officeDocument/2006/relationships" xmlns:p="http://schemas.openxmlformats.org/presentationml/2006/main" type="vertTitleAndTx" preserve="1">
   <p:cSld name="Vertical Title and Text">
     <p:spTree>
@@ -4540,7 +8185,7 @@
 
 <file path=ppt/slideLayouts/slideLayout3.xml><?xml version="1.0" encoding="utf-8"?>
 <p:sldLayout xmlns:a="http://schemas.openxmlformats.org/drawingml/2006/main" xmlns:r="http://schemas.openxmlformats.org/officeDocument/2006/relationships" xmlns:p="http://schemas.openxmlformats.org/presentationml/2006/main" preserve="1" userDrawn="1">
-  <p:cSld name="Title and Big Content">
+  <p:cSld name="Video">
     <p:spTree>
       <p:nvGrpSpPr>
         <p:cNvPr id="1" name=""/>
@@ -4562,116 +8207,21 @@
             <a:spLocks noGrp="1"/>
           </p:cNvSpPr>
           <p:nvPr>
-            <p:ph type="title"/>
+            <p:ph type="title" hasCustomPrompt="1"/>
           </p:nvPr>
         </p:nvSpPr>
         <p:spPr/>
         <p:txBody>
           <a:bodyPr/>
-          <a:lstStyle/>
+          <a:lstStyle>
+            <a:lvl1pPr>
+              <a:defRPr/>
+            </a:lvl1pPr>
+          </a:lstStyle>
           <a:p>
             <a:r>
               <a:rPr lang="en-US" dirty="0"/>
-              <a:t>Click to edit Master title style</a:t>
-            </a:r>
-          </a:p>
-        </p:txBody>
-      </p:sp>
-      <p:sp>
-        <p:nvSpPr>
-          <p:cNvPr id="3" name="Content Placeholder 2"/>
-          <p:cNvSpPr>
-            <a:spLocks noGrp="1"/>
-          </p:cNvSpPr>
-          <p:nvPr>
-            <p:ph idx="1"/>
-          </p:nvPr>
-        </p:nvSpPr>
-        <p:spPr>
-          <a:xfrm>
-            <a:off x="1068337" y="1871529"/>
-            <a:ext cx="10080000" cy="4346603"/>
-          </a:xfrm>
-        </p:spPr>
-        <p:txBody>
-          <a:bodyPr anchor="ctr">
-            <a:normAutofit/>
-          </a:bodyPr>
-          <a:lstStyle>
-            <a:lvl1pPr algn="ctr">
-              <a:buClr>
-                <a:srgbClr val="777777"/>
-              </a:buClr>
-              <a:buFont typeface="Wingdings" panose="05000000000000000000" pitchFamily="2" charset="2"/>
-              <a:buNone/>
-              <a:defRPr sz="3200"/>
-            </a:lvl1pPr>
-            <a:lvl2pPr algn="ctr">
-              <a:buClr>
-                <a:srgbClr val="777777"/>
-              </a:buClr>
-              <a:buFont typeface="Wingdings" panose="05000000000000000000" pitchFamily="2" charset="2"/>
-              <a:buNone/>
-              <a:defRPr sz="3200"/>
-            </a:lvl2pPr>
-            <a:lvl3pPr algn="ctr">
-              <a:buClr>
-                <a:srgbClr val="777777"/>
-              </a:buClr>
-              <a:buFont typeface="Wingdings" panose="05000000000000000000" pitchFamily="2" charset="2"/>
-              <a:buNone/>
-              <a:defRPr sz="2800"/>
-            </a:lvl3pPr>
-            <a:lvl4pPr algn="ctr">
-              <a:buClr>
-                <a:srgbClr val="777777"/>
-              </a:buClr>
-              <a:buFont typeface="Wingdings" panose="05000000000000000000" pitchFamily="2" charset="2"/>
-              <a:buNone/>
-              <a:defRPr sz="2400"/>
-            </a:lvl4pPr>
-            <a:lvl5pPr algn="ctr">
-              <a:buClr>
-                <a:srgbClr val="777777"/>
-              </a:buClr>
-              <a:buFont typeface="Wingdings" panose="05000000000000000000" pitchFamily="2" charset="2"/>
-              <a:buNone/>
-              <a:defRPr sz="2400"/>
-            </a:lvl5pPr>
-          </a:lstStyle>
-          <a:p>
-            <a:pPr lvl="0"/>
-            <a:r>
-              <a:rPr lang="en-US" dirty="0"/>
-              <a:t>Click to edit Master text styles</a:t>
-            </a:r>
-          </a:p>
-          <a:p>
-            <a:pPr lvl="1"/>
-            <a:r>
-              <a:rPr lang="en-US" dirty="0"/>
-              <a:t>Second level</a:t>
-            </a:r>
-          </a:p>
-          <a:p>
-            <a:pPr lvl="2"/>
-            <a:r>
-              <a:rPr lang="en-US" dirty="0"/>
-              <a:t>Third level</a:t>
-            </a:r>
-          </a:p>
-          <a:p>
-            <a:pPr lvl="3"/>
-            <a:r>
-              <a:rPr lang="en-US" dirty="0"/>
-              <a:t>Fourth level</a:t>
-            </a:r>
-          </a:p>
-          <a:p>
-            <a:pPr lvl="4"/>
-            <a:r>
-              <a:rPr lang="en-US" dirty="0"/>
-              <a:t>Fifth level</a:t>
+              <a:t>Demo</a:t>
             </a:r>
           </a:p>
         </p:txBody>
@@ -4827,10 +8377,10 @@
       </p:sp>
       <p:sp>
         <p:nvSpPr>
-          <p:cNvPr id="9" name="Text Placeholder 8">
+          <p:cNvPr id="6" name="Media Placeholder 5">
             <a:extLst>
               <a:ext uri="{FF2B5EF4-FFF2-40B4-BE49-F238E27FC236}">
-                <a16:creationId xmlns:a16="http://schemas.microsoft.com/office/drawing/2014/main" id="{8229BB6D-D1BE-47E2-B045-CF57D7FFFC5F}"/>
+                <a16:creationId xmlns:a16="http://schemas.microsoft.com/office/drawing/2014/main" id="{3A14B4F6-2597-43B9-976B-1F1301037F5D}"/>
               </a:ext>
             </a:extLst>
           </p:cNvPr>
@@ -4838,39 +8388,27 @@
             <a:spLocks noGrp="1"/>
           </p:cNvSpPr>
           <p:nvPr>
-            <p:ph type="body" sz="quarter" idx="12"/>
+            <p:ph type="media" sz="quarter" idx="12"/>
           </p:nvPr>
         </p:nvSpPr>
         <p:spPr>
           <a:xfrm>
-            <a:off x="1060755" y="1330172"/>
-            <a:ext cx="10080000" cy="626809"/>
+            <a:off x="238125" y="245685"/>
+            <a:ext cx="11715750" cy="6386096"/>
           </a:xfrm>
         </p:spPr>
         <p:txBody>
           <a:bodyPr/>
-          <a:lstStyle>
-            <a:lvl1pPr>
-              <a:buFontTx/>
-              <a:buNone/>
-              <a:defRPr sz="2000">
-                <a:cs typeface="+mn-cs"/>
-              </a:defRPr>
-            </a:lvl1pPr>
-          </a:lstStyle>
-          <a:p>
-            <a:pPr lvl="0"/>
-            <a:r>
-              <a:rPr lang="en-US" dirty="0"/>
-              <a:t>Click to edit Master text styles</a:t>
-            </a:r>
+          <a:lstStyle/>
+          <a:p>
+            <a:endParaRPr lang="en-US"/>
           </a:p>
         </p:txBody>
       </p:sp>
     </p:spTree>
     <p:extLst>
       <p:ext uri="{BB962C8B-B14F-4D97-AF65-F5344CB8AC3E}">
-        <p14:creationId xmlns:p14="http://schemas.microsoft.com/office/powerpoint/2010/main" val="459672697"/>
+        <p14:creationId xmlns:p14="http://schemas.microsoft.com/office/powerpoint/2010/main" val="3143058397"/>
       </p:ext>
     </p:extLst>
   </p:cSld>
@@ -4894,7 +8432,7 @@
 
 <file path=ppt/slideLayouts/slideLayout4.xml><?xml version="1.0" encoding="utf-8"?>
 <p:sldLayout xmlns:a="http://schemas.openxmlformats.org/drawingml/2006/main" xmlns:r="http://schemas.openxmlformats.org/officeDocument/2006/relationships" xmlns:p="http://schemas.openxmlformats.org/presentationml/2006/main" preserve="1" userDrawn="1">
-  <p:cSld name="1_Title and Big Content and Image">
+  <p:cSld name="Title and Big Content">
     <p:spTree>
       <p:nvGrpSpPr>
         <p:cNvPr id="1" name=""/>
@@ -4943,8 +8481,8 @@
         </p:nvSpPr>
         <p:spPr>
           <a:xfrm>
-            <a:off x="7708307" y="1837346"/>
-            <a:ext cx="3307564" cy="4059071"/>
+            <a:off x="1068337" y="1871529"/>
+            <a:ext cx="10080000" cy="4264351"/>
           </a:xfrm>
         </p:spPr>
         <p:txBody>
@@ -5181,6 +8719,360 @@
       </p:sp>
       <p:sp>
         <p:nvSpPr>
+          <p:cNvPr id="9" name="Text Placeholder 8">
+            <a:extLst>
+              <a:ext uri="{FF2B5EF4-FFF2-40B4-BE49-F238E27FC236}">
+                <a16:creationId xmlns:a16="http://schemas.microsoft.com/office/drawing/2014/main" id="{8229BB6D-D1BE-47E2-B045-CF57D7FFFC5F}"/>
+              </a:ext>
+            </a:extLst>
+          </p:cNvPr>
+          <p:cNvSpPr>
+            <a:spLocks noGrp="1"/>
+          </p:cNvSpPr>
+          <p:nvPr>
+            <p:ph type="body" sz="quarter" idx="12"/>
+          </p:nvPr>
+        </p:nvSpPr>
+        <p:spPr>
+          <a:xfrm>
+            <a:off x="1060755" y="1330172"/>
+            <a:ext cx="10080000" cy="626809"/>
+          </a:xfrm>
+        </p:spPr>
+        <p:txBody>
+          <a:bodyPr/>
+          <a:lstStyle>
+            <a:lvl1pPr>
+              <a:buFontTx/>
+              <a:buNone/>
+              <a:defRPr sz="2000">
+                <a:cs typeface="+mn-cs"/>
+              </a:defRPr>
+            </a:lvl1pPr>
+          </a:lstStyle>
+          <a:p>
+            <a:pPr lvl="0"/>
+            <a:r>
+              <a:rPr lang="en-US" dirty="0"/>
+              <a:t>Click to edit Master text styles</a:t>
+            </a:r>
+          </a:p>
+        </p:txBody>
+      </p:sp>
+    </p:spTree>
+    <p:extLst>
+      <p:ext uri="{BB962C8B-B14F-4D97-AF65-F5344CB8AC3E}">
+        <p14:creationId xmlns:p14="http://schemas.microsoft.com/office/powerpoint/2010/main" val="459672697"/>
+      </p:ext>
+    </p:extLst>
+  </p:cSld>
+  <p:clrMapOvr>
+    <a:masterClrMapping/>
+  </p:clrMapOvr>
+  <mc:AlternateContent xmlns:mc="http://schemas.openxmlformats.org/markup-compatibility/2006">
+    <mc:Choice xmlns:p159="http://schemas.microsoft.com/office/powerpoint/2015/09/main" Requires="p159">
+      <p:transition xmlns:p14="http://schemas.microsoft.com/office/powerpoint/2010/main" spd="slow" p14:dur="2000">
+        <p159:morph option="byWord"/>
+      </p:transition>
+    </mc:Choice>
+    <mc:Fallback>
+      <p:transition spd="slow">
+        <p:fade/>
+      </p:transition>
+    </mc:Fallback>
+  </mc:AlternateContent>
+</p:sldLayout>
+</file>
+
+<file path=ppt/slideLayouts/slideLayout5.xml><?xml version="1.0" encoding="utf-8"?>
+<p:sldLayout xmlns:a="http://schemas.openxmlformats.org/drawingml/2006/main" xmlns:r="http://schemas.openxmlformats.org/officeDocument/2006/relationships" xmlns:p="http://schemas.openxmlformats.org/presentationml/2006/main" preserve="1" userDrawn="1">
+  <p:cSld name="1_Title and Big Content and Image">
+    <p:spTree>
+      <p:nvGrpSpPr>
+        <p:cNvPr id="1" name=""/>
+        <p:cNvGrpSpPr/>
+        <p:nvPr/>
+      </p:nvGrpSpPr>
+      <p:grpSpPr>
+        <a:xfrm>
+          <a:off x="0" y="0"/>
+          <a:ext cx="0" cy="0"/>
+          <a:chOff x="0" y="0"/>
+          <a:chExt cx="0" cy="0"/>
+        </a:xfrm>
+      </p:grpSpPr>
+      <p:sp>
+        <p:nvSpPr>
+          <p:cNvPr id="2" name="Title 1"/>
+          <p:cNvSpPr>
+            <a:spLocks noGrp="1"/>
+          </p:cNvSpPr>
+          <p:nvPr>
+            <p:ph type="title"/>
+          </p:nvPr>
+        </p:nvSpPr>
+        <p:spPr/>
+        <p:txBody>
+          <a:bodyPr/>
+          <a:lstStyle/>
+          <a:p>
+            <a:r>
+              <a:rPr lang="en-US" dirty="0"/>
+              <a:t>Click to edit Master title style</a:t>
+            </a:r>
+          </a:p>
+        </p:txBody>
+      </p:sp>
+      <p:sp>
+        <p:nvSpPr>
+          <p:cNvPr id="3" name="Content Placeholder 2"/>
+          <p:cNvSpPr>
+            <a:spLocks noGrp="1"/>
+          </p:cNvSpPr>
+          <p:nvPr>
+            <p:ph idx="1"/>
+          </p:nvPr>
+        </p:nvSpPr>
+        <p:spPr>
+          <a:xfrm>
+            <a:off x="7708307" y="1837346"/>
+            <a:ext cx="3307564" cy="4059071"/>
+          </a:xfrm>
+        </p:spPr>
+        <p:txBody>
+          <a:bodyPr anchor="ctr">
+            <a:normAutofit/>
+          </a:bodyPr>
+          <a:lstStyle>
+            <a:lvl1pPr algn="ctr">
+              <a:buClr>
+                <a:srgbClr val="777777"/>
+              </a:buClr>
+              <a:buFont typeface="Wingdings" panose="05000000000000000000" pitchFamily="2" charset="2"/>
+              <a:buNone/>
+              <a:defRPr sz="3200"/>
+            </a:lvl1pPr>
+            <a:lvl2pPr algn="ctr">
+              <a:buClr>
+                <a:srgbClr val="777777"/>
+              </a:buClr>
+              <a:buFont typeface="Wingdings" panose="05000000000000000000" pitchFamily="2" charset="2"/>
+              <a:buNone/>
+              <a:defRPr sz="3200"/>
+            </a:lvl2pPr>
+            <a:lvl3pPr algn="ctr">
+              <a:buClr>
+                <a:srgbClr val="777777"/>
+              </a:buClr>
+              <a:buFont typeface="Wingdings" panose="05000000000000000000" pitchFamily="2" charset="2"/>
+              <a:buNone/>
+              <a:defRPr sz="2800"/>
+            </a:lvl3pPr>
+            <a:lvl4pPr algn="ctr">
+              <a:buClr>
+                <a:srgbClr val="777777"/>
+              </a:buClr>
+              <a:buFont typeface="Wingdings" panose="05000000000000000000" pitchFamily="2" charset="2"/>
+              <a:buNone/>
+              <a:defRPr sz="2400"/>
+            </a:lvl4pPr>
+            <a:lvl5pPr algn="ctr">
+              <a:buClr>
+                <a:srgbClr val="777777"/>
+              </a:buClr>
+              <a:buFont typeface="Wingdings" panose="05000000000000000000" pitchFamily="2" charset="2"/>
+              <a:buNone/>
+              <a:defRPr sz="2400"/>
+            </a:lvl5pPr>
+          </a:lstStyle>
+          <a:p>
+            <a:pPr lvl="0"/>
+            <a:r>
+              <a:rPr lang="en-US" dirty="0"/>
+              <a:t>Click to edit Master text styles</a:t>
+            </a:r>
+          </a:p>
+          <a:p>
+            <a:pPr lvl="1"/>
+            <a:r>
+              <a:rPr lang="en-US" dirty="0"/>
+              <a:t>Second level</a:t>
+            </a:r>
+          </a:p>
+          <a:p>
+            <a:pPr lvl="2"/>
+            <a:r>
+              <a:rPr lang="en-US" dirty="0"/>
+              <a:t>Third level</a:t>
+            </a:r>
+          </a:p>
+          <a:p>
+            <a:pPr lvl="3"/>
+            <a:r>
+              <a:rPr lang="en-US" dirty="0"/>
+              <a:t>Fourth level</a:t>
+            </a:r>
+          </a:p>
+          <a:p>
+            <a:pPr lvl="4"/>
+            <a:r>
+              <a:rPr lang="en-US" dirty="0"/>
+              <a:t>Fifth level</a:t>
+            </a:r>
+          </a:p>
+        </p:txBody>
+      </p:sp>
+      <p:sp>
+        <p:nvSpPr>
+          <p:cNvPr id="5" name="Footer Placeholder 4"/>
+          <p:cNvSpPr>
+            <a:spLocks noGrp="1"/>
+          </p:cNvSpPr>
+          <p:nvPr>
+            <p:ph type="ftr" sz="quarter" idx="11"/>
+          </p:nvPr>
+        </p:nvSpPr>
+        <p:spPr/>
+        <p:txBody>
+          <a:bodyPr/>
+          <a:lstStyle/>
+          <a:p>
+            <a:endParaRPr lang="en-US"/>
+          </a:p>
+        </p:txBody>
+      </p:sp>
+      <p:sp>
+        <p:nvSpPr>
+          <p:cNvPr id="7" name="Slide Number Placeholder 5">
+            <a:extLst>
+              <a:ext uri="{FF2B5EF4-FFF2-40B4-BE49-F238E27FC236}">
+                <a16:creationId xmlns:a16="http://schemas.microsoft.com/office/drawing/2014/main" id="{D1B05F26-71DF-475A-9B53-EEFDDED7A655}"/>
+              </a:ext>
+            </a:extLst>
+          </p:cNvPr>
+          <p:cNvSpPr txBox="1">
+            <a:spLocks/>
+          </p:cNvSpPr>
+          <p:nvPr userDrawn="1"/>
+        </p:nvSpPr>
+        <p:spPr>
+          <a:xfrm>
+            <a:off x="11113015" y="6218131"/>
+            <a:ext cx="720000" cy="360000"/>
+          </a:xfrm>
+          <a:prstGeom prst="rect">
+            <a:avLst/>
+          </a:prstGeom>
+        </p:spPr>
+        <p:txBody>
+          <a:bodyPr vert="horz" lIns="91440" tIns="45720" rIns="91440" bIns="45720" rtlCol="0" anchor="ctr"/>
+          <a:lstStyle>
+            <a:defPPr>
+              <a:defRPr lang="en-US"/>
+            </a:defPPr>
+            <a:lvl1pPr marL="0" algn="r" defTabSz="457200" rtl="1" eaLnBrk="1" latinLnBrk="0" hangingPunct="1">
+              <a:defRPr sz="1400" kern="1200" baseline="0">
+                <a:solidFill>
+                  <a:schemeClr val="accent1"/>
+                </a:solidFill>
+                <a:latin typeface="IRANYekan" panose="020B0506030804020204" pitchFamily="34" charset="-78"/>
+                <a:ea typeface="+mn-ea"/>
+                <a:cs typeface="IRANYekan" panose="020B0506030804020204" pitchFamily="34" charset="-78"/>
+              </a:defRPr>
+            </a:lvl1pPr>
+            <a:lvl2pPr marL="457200" algn="l" defTabSz="457200" rtl="0" eaLnBrk="1" latinLnBrk="0" hangingPunct="1">
+              <a:defRPr sz="1800" kern="1200">
+                <a:solidFill>
+                  <a:schemeClr val="tx1"/>
+                </a:solidFill>
+                <a:latin typeface="+mn-lt"/>
+                <a:ea typeface="+mn-ea"/>
+                <a:cs typeface="+mn-cs"/>
+              </a:defRPr>
+            </a:lvl2pPr>
+            <a:lvl3pPr marL="914400" algn="l" defTabSz="457200" rtl="0" eaLnBrk="1" latinLnBrk="0" hangingPunct="1">
+              <a:defRPr sz="1800" kern="1200">
+                <a:solidFill>
+                  <a:schemeClr val="tx1"/>
+                </a:solidFill>
+                <a:latin typeface="+mn-lt"/>
+                <a:ea typeface="+mn-ea"/>
+                <a:cs typeface="+mn-cs"/>
+              </a:defRPr>
+            </a:lvl3pPr>
+            <a:lvl4pPr marL="1371600" algn="l" defTabSz="457200" rtl="0" eaLnBrk="1" latinLnBrk="0" hangingPunct="1">
+              <a:defRPr sz="1800" kern="1200">
+                <a:solidFill>
+                  <a:schemeClr val="tx1"/>
+                </a:solidFill>
+                <a:latin typeface="+mn-lt"/>
+                <a:ea typeface="+mn-ea"/>
+                <a:cs typeface="+mn-cs"/>
+              </a:defRPr>
+            </a:lvl4pPr>
+            <a:lvl5pPr marL="1828800" algn="l" defTabSz="457200" rtl="0" eaLnBrk="1" latinLnBrk="0" hangingPunct="1">
+              <a:defRPr sz="1800" kern="1200">
+                <a:solidFill>
+                  <a:schemeClr val="tx1"/>
+                </a:solidFill>
+                <a:latin typeface="+mn-lt"/>
+                <a:ea typeface="+mn-ea"/>
+                <a:cs typeface="+mn-cs"/>
+              </a:defRPr>
+            </a:lvl5pPr>
+            <a:lvl6pPr marL="2286000" algn="l" defTabSz="457200" rtl="0" eaLnBrk="1" latinLnBrk="0" hangingPunct="1">
+              <a:defRPr sz="1800" kern="1200">
+                <a:solidFill>
+                  <a:schemeClr val="tx1"/>
+                </a:solidFill>
+                <a:latin typeface="+mn-lt"/>
+                <a:ea typeface="+mn-ea"/>
+                <a:cs typeface="+mn-cs"/>
+              </a:defRPr>
+            </a:lvl6pPr>
+            <a:lvl7pPr marL="2743200" algn="l" defTabSz="457200" rtl="0" eaLnBrk="1" latinLnBrk="0" hangingPunct="1">
+              <a:defRPr sz="1800" kern="1200">
+                <a:solidFill>
+                  <a:schemeClr val="tx1"/>
+                </a:solidFill>
+                <a:latin typeface="+mn-lt"/>
+                <a:ea typeface="+mn-ea"/>
+                <a:cs typeface="+mn-cs"/>
+              </a:defRPr>
+            </a:lvl7pPr>
+            <a:lvl8pPr marL="3200400" algn="l" defTabSz="457200" rtl="0" eaLnBrk="1" latinLnBrk="0" hangingPunct="1">
+              <a:defRPr sz="1800" kern="1200">
+                <a:solidFill>
+                  <a:schemeClr val="tx1"/>
+                </a:solidFill>
+                <a:latin typeface="+mn-lt"/>
+                <a:ea typeface="+mn-ea"/>
+                <a:cs typeface="+mn-cs"/>
+              </a:defRPr>
+            </a:lvl8pPr>
+            <a:lvl9pPr marL="3657600" algn="l" defTabSz="457200" rtl="0" eaLnBrk="1" latinLnBrk="0" hangingPunct="1">
+              <a:defRPr sz="1800" kern="1200">
+                <a:solidFill>
+                  <a:schemeClr val="tx1"/>
+                </a:solidFill>
+                <a:latin typeface="+mn-lt"/>
+                <a:ea typeface="+mn-ea"/>
+                <a:cs typeface="+mn-cs"/>
+              </a:defRPr>
+            </a:lvl9pPr>
+          </a:lstStyle>
+          <a:p>
+            <a:fld id="{92944875-DFC9-4662-AF8D-2D0B8720E9F1}" type="slidenum">
+              <a:rPr lang="en-US" smtClean="0"/>
+              <a:pPr/>
+              <a:t>‹#›</a:t>
+            </a:fld>
+            <a:endParaRPr lang="en-US" dirty="0"/>
+          </a:p>
+        </p:txBody>
+      </p:sp>
+      <p:sp>
+        <p:nvSpPr>
           <p:cNvPr id="6" name="Picture Placeholder 5">
             <a:extLst>
               <a:ext uri="{FF2B5EF4-FFF2-40B4-BE49-F238E27FC236}">
@@ -5240,7 +9132,7 @@
 </p:sldLayout>
 </file>
 
-<file path=ppt/slideLayouts/slideLayout5.xml><?xml version="1.0" encoding="utf-8"?>
+<file path=ppt/slideLayouts/slideLayout6.xml><?xml version="1.0" encoding="utf-8"?>
 <p:sldLayout xmlns:a="http://schemas.openxmlformats.org/drawingml/2006/main" xmlns:r="http://schemas.openxmlformats.org/officeDocument/2006/relationships" xmlns:p="http://schemas.openxmlformats.org/presentationml/2006/main" type="secHead" preserve="1">
   <p:cSld name="Section Header">
     <p:spTree>
@@ -5542,7 +9434,7 @@
 </p:sldLayout>
 </file>
 
-<file path=ppt/slideLayouts/slideLayout6.xml><?xml version="1.0" encoding="utf-8"?>
+<file path=ppt/slideLayouts/slideLayout7.xml><?xml version="1.0" encoding="utf-8"?>
 <p:sldLayout xmlns:a="http://schemas.openxmlformats.org/drawingml/2006/main" xmlns:r="http://schemas.openxmlformats.org/officeDocument/2006/relationships" xmlns:p="http://schemas.openxmlformats.org/presentationml/2006/main" type="twoObj" preserve="1">
   <p:cSld name="Two Content">
     <p:spTree>
@@ -5846,7 +9738,7 @@
 </p:sldLayout>
 </file>
 
-<file path=ppt/slideLayouts/slideLayout7.xml><?xml version="1.0" encoding="utf-8"?>
+<file path=ppt/slideLayouts/slideLayout8.xml><?xml version="1.0" encoding="utf-8"?>
 <p:sldLayout xmlns:a="http://schemas.openxmlformats.org/drawingml/2006/main" xmlns:r="http://schemas.openxmlformats.org/officeDocument/2006/relationships" xmlns:p="http://schemas.openxmlformats.org/presentationml/2006/main" type="twoTxTwoObj" preserve="1">
   <p:cSld name="Comparison">
     <p:spTree>
@@ -6286,7 +10178,7 @@
 </p:sldLayout>
 </file>
 
-<file path=ppt/slideLayouts/slideLayout8.xml><?xml version="1.0" encoding="utf-8"?>
+<file path=ppt/slideLayouts/slideLayout9.xml><?xml version="1.0" encoding="utf-8"?>
 <p:sldLayout xmlns:a="http://schemas.openxmlformats.org/drawingml/2006/main" xmlns:r="http://schemas.openxmlformats.org/officeDocument/2006/relationships" xmlns:p="http://schemas.openxmlformats.org/presentationml/2006/main" type="titleOnly" preserve="1">
   <p:cSld name="Title Only">
     <p:spTree>
@@ -6399,117 +10291,6 @@
     <p:extLst>
       <p:ext uri="{BB962C8B-B14F-4D97-AF65-F5344CB8AC3E}">
         <p14:creationId xmlns:p14="http://schemas.microsoft.com/office/powerpoint/2010/main" val="4046206954"/>
-      </p:ext>
-    </p:extLst>
-  </p:cSld>
-  <p:clrMapOvr>
-    <a:masterClrMapping/>
-  </p:clrMapOvr>
-  <mc:AlternateContent xmlns:mc="http://schemas.openxmlformats.org/markup-compatibility/2006">
-    <mc:Choice xmlns:p159="http://schemas.microsoft.com/office/powerpoint/2015/09/main" Requires="p159">
-      <p:transition xmlns:p14="http://schemas.microsoft.com/office/powerpoint/2010/main" spd="slow" p14:dur="2000">
-        <p159:morph option="byWord"/>
-      </p:transition>
-    </mc:Choice>
-    <mc:Fallback>
-      <p:transition spd="slow">
-        <p:fade/>
-      </p:transition>
-    </mc:Fallback>
-  </mc:AlternateContent>
-</p:sldLayout>
-</file>
-
-<file path=ppt/slideLayouts/slideLayout9.xml><?xml version="1.0" encoding="utf-8"?>
-<p:sldLayout xmlns:a="http://schemas.openxmlformats.org/drawingml/2006/main" xmlns:r="http://schemas.openxmlformats.org/officeDocument/2006/relationships" xmlns:p="http://schemas.openxmlformats.org/presentationml/2006/main" type="blank" preserve="1">
-  <p:cSld name="Blank">
-    <p:spTree>
-      <p:nvGrpSpPr>
-        <p:cNvPr id="1" name=""/>
-        <p:cNvGrpSpPr/>
-        <p:nvPr/>
-      </p:nvGrpSpPr>
-      <p:grpSpPr>
-        <a:xfrm>
-          <a:off x="0" y="0"/>
-          <a:ext cx="0" cy="0"/>
-          <a:chOff x="0" y="0"/>
-          <a:chExt cx="0" cy="0"/>
-        </a:xfrm>
-      </p:grpSpPr>
-      <p:sp>
-        <p:nvSpPr>
-          <p:cNvPr id="2" name="Date Placeholder 1"/>
-          <p:cNvSpPr>
-            <a:spLocks noGrp="1"/>
-          </p:cNvSpPr>
-          <p:nvPr>
-            <p:ph type="dt" sz="half" idx="10"/>
-          </p:nvPr>
-        </p:nvSpPr>
-        <p:spPr>
-          <a:xfrm>
-            <a:off x="8719926" y="6223828"/>
-            <a:ext cx="2329074" cy="365125"/>
-          </a:xfrm>
-          <a:prstGeom prst="rect">
-            <a:avLst/>
-          </a:prstGeom>
-        </p:spPr>
-        <p:txBody>
-          <a:bodyPr/>
-          <a:lstStyle/>
-          <a:p>
-            <a:endParaRPr lang="en-US"/>
-          </a:p>
-        </p:txBody>
-      </p:sp>
-      <p:sp>
-        <p:nvSpPr>
-          <p:cNvPr id="3" name="Footer Placeholder 2"/>
-          <p:cNvSpPr>
-            <a:spLocks noGrp="1"/>
-          </p:cNvSpPr>
-          <p:nvPr>
-            <p:ph type="ftr" sz="quarter" idx="11"/>
-          </p:nvPr>
-        </p:nvSpPr>
-        <p:spPr/>
-        <p:txBody>
-          <a:bodyPr/>
-          <a:lstStyle/>
-          <a:p>
-            <a:endParaRPr lang="en-US"/>
-          </a:p>
-        </p:txBody>
-      </p:sp>
-      <p:sp>
-        <p:nvSpPr>
-          <p:cNvPr id="4" name="Slide Number Placeholder 3"/>
-          <p:cNvSpPr>
-            <a:spLocks noGrp="1"/>
-          </p:cNvSpPr>
-          <p:nvPr>
-            <p:ph type="sldNum" sz="quarter" idx="12"/>
-          </p:nvPr>
-        </p:nvSpPr>
-        <p:spPr/>
-        <p:txBody>
-          <a:bodyPr/>
-          <a:lstStyle/>
-          <a:p>
-            <a:fld id="{92944875-DFC9-4662-AF8D-2D0B8720E9F1}" type="slidenum">
-              <a:rPr lang="en-US" smtClean="0"/>
-              <a:t>‹#›</a:t>
-            </a:fld>
-            <a:endParaRPr lang="en-US"/>
-          </a:p>
-        </p:txBody>
-      </p:sp>
-    </p:spTree>
-    <p:extLst>
-      <p:ext uri="{BB962C8B-B14F-4D97-AF65-F5344CB8AC3E}">
-        <p14:creationId xmlns:p14="http://schemas.microsoft.com/office/powerpoint/2010/main" val="1156067651"/>
       </p:ext>
     </p:extLst>
   </p:cSld>
@@ -6781,13 +10562,13 @@
           <p:nvPr userDrawn="1"/>
         </p:nvPicPr>
         <p:blipFill>
-          <a:blip r:embed="rId27">
+          <a:blip r:embed="rId28">
             <a:extLst>
               <a:ext uri="{28A0092B-C50C-407E-A947-70E740481C1C}">
                 <a14:useLocalDpi xmlns:a14="http://schemas.microsoft.com/office/drawing/2010/main" val="0"/>
               </a:ext>
               <a:ext uri="{96DAC541-7B7A-43D3-8B79-37D633B846F1}">
-                <asvg:svgBlip xmlns:asvg="http://schemas.microsoft.com/office/drawing/2016/SVG/main" r:embed="rId28"/>
+                <asvg:svgBlip xmlns:asvg="http://schemas.microsoft.com/office/drawing/2016/SVG/main" r:embed="rId29"/>
               </a:ext>
             </a:extLst>
           </a:blip>
@@ -6816,29 +10597,30 @@
   <p:sldLayoutIdLst>
     <p:sldLayoutId id="2147483715" r:id="rId1"/>
     <p:sldLayoutId id="2147483716" r:id="rId2"/>
-    <p:sldLayoutId id="2147483740" r:id="rId3"/>
-    <p:sldLayoutId id="2147483741" r:id="rId4"/>
-    <p:sldLayoutId id="2147483717" r:id="rId5"/>
-    <p:sldLayoutId id="2147483718" r:id="rId6"/>
-    <p:sldLayoutId id="2147483719" r:id="rId7"/>
-    <p:sldLayoutId id="2147483720" r:id="rId8"/>
-    <p:sldLayoutId id="2147483721" r:id="rId9"/>
-    <p:sldLayoutId id="2147483737" r:id="rId10"/>
-    <p:sldLayoutId id="2147483726" r:id="rId11"/>
-    <p:sldLayoutId id="2147483729" r:id="rId12"/>
-    <p:sldLayoutId id="2147483730" r:id="rId13"/>
-    <p:sldLayoutId id="2147483733" r:id="rId14"/>
-    <p:sldLayoutId id="2147483734" r:id="rId15"/>
-    <p:sldLayoutId id="2147483728" r:id="rId16"/>
-    <p:sldLayoutId id="2147483731" r:id="rId17"/>
-    <p:sldLayoutId id="2147483732" r:id="rId18"/>
-    <p:sldLayoutId id="2147483735" r:id="rId19"/>
-    <p:sldLayoutId id="2147483736" r:id="rId20"/>
-    <p:sldLayoutId id="2147483739" r:id="rId21"/>
-    <p:sldLayoutId id="2147483722" r:id="rId22"/>
-    <p:sldLayoutId id="2147483723" r:id="rId23"/>
-    <p:sldLayoutId id="2147483724" r:id="rId24"/>
-    <p:sldLayoutId id="2147483725" r:id="rId25"/>
+    <p:sldLayoutId id="2147483742" r:id="rId3"/>
+    <p:sldLayoutId id="2147483740" r:id="rId4"/>
+    <p:sldLayoutId id="2147483741" r:id="rId5"/>
+    <p:sldLayoutId id="2147483717" r:id="rId6"/>
+    <p:sldLayoutId id="2147483718" r:id="rId7"/>
+    <p:sldLayoutId id="2147483719" r:id="rId8"/>
+    <p:sldLayoutId id="2147483720" r:id="rId9"/>
+    <p:sldLayoutId id="2147483721" r:id="rId10"/>
+    <p:sldLayoutId id="2147483737" r:id="rId11"/>
+    <p:sldLayoutId id="2147483726" r:id="rId12"/>
+    <p:sldLayoutId id="2147483729" r:id="rId13"/>
+    <p:sldLayoutId id="2147483730" r:id="rId14"/>
+    <p:sldLayoutId id="2147483733" r:id="rId15"/>
+    <p:sldLayoutId id="2147483734" r:id="rId16"/>
+    <p:sldLayoutId id="2147483728" r:id="rId17"/>
+    <p:sldLayoutId id="2147483731" r:id="rId18"/>
+    <p:sldLayoutId id="2147483732" r:id="rId19"/>
+    <p:sldLayoutId id="2147483735" r:id="rId20"/>
+    <p:sldLayoutId id="2147483736" r:id="rId21"/>
+    <p:sldLayoutId id="2147483739" r:id="rId22"/>
+    <p:sldLayoutId id="2147483722" r:id="rId23"/>
+    <p:sldLayoutId id="2147483723" r:id="rId24"/>
+    <p:sldLayoutId id="2147483724" r:id="rId25"/>
+    <p:sldLayoutId id="2147483725" r:id="rId26"/>
   </p:sldLayoutIdLst>
   <mc:AlternateContent xmlns:mc="http://schemas.openxmlformats.org/markup-compatibility/2006">
     <mc:Choice xmlns:p159="http://schemas.microsoft.com/office/powerpoint/2015/09/main" Requires="p159">
@@ -9326,7 +13108,7 @@
         </p:blipFill>
         <p:spPr>
           <a:xfrm>
-            <a:off x="1068388" y="1918569"/>
+            <a:off x="1068388" y="1877294"/>
             <a:ext cx="10080625" cy="4252763"/>
           </a:xfrm>
         </p:spPr>
@@ -9461,7 +13243,7 @@
             <p:ph idx="1"/>
           </p:nvPr>
         </p:nvPicPr>
-        <p:blipFill>
+        <p:blipFill rotWithShape="1">
           <a:blip r:embed="rId2">
             <a:extLst>
               <a:ext uri="{28A0092B-C50C-407E-A947-70E740481C1C}">
@@ -9469,13 +13251,11 @@
               </a:ext>
             </a:extLst>
           </a:blip>
-          <a:stretch>
-            <a:fillRect/>
-          </a:stretch>
+          <a:stretch/>
         </p:blipFill>
         <p:spPr>
           <a:xfrm>
-            <a:off x="1068388" y="1918569"/>
+            <a:off x="1068388" y="1877294"/>
             <a:ext cx="10080625" cy="4252763"/>
           </a:xfrm>
         </p:spPr>
@@ -9505,7 +13285,7 @@
           <a:p>
             <a:r>
               <a:rPr lang="fa-IR" sz="2000" dirty="0"/>
-              <a:t>یک پلتفرم تجارت الکترونیک </a:t>
+              <a:t>پلتفرم تجارت الکترونیک </a:t>
             </a:r>
             <a:r>
               <a:rPr lang="fa-IR" sz="2000" dirty="0">
@@ -9518,7 +13298,7 @@
             </a:r>
             <a:r>
               <a:rPr lang="fa-IR" sz="2000" dirty="0"/>
-              <a:t> که تمام کانال‌های فروش بیزینس به آن متصل باشند.</a:t>
+              <a:t> برای پاسخ به صفر تا صد نیازهای کسب و کار الکترونیکی</a:t>
             </a:r>
           </a:p>
         </p:txBody>
@@ -9570,7 +13350,7 @@
           <p:cNvPr id="2" name="Title 1">
             <a:extLst>
               <a:ext uri="{FF2B5EF4-FFF2-40B4-BE49-F238E27FC236}">
-                <a16:creationId xmlns:a16="http://schemas.microsoft.com/office/drawing/2014/main" id="{E6206EEC-326E-44DB-AB86-A5680D5E7517}"/>
+                <a16:creationId xmlns:a16="http://schemas.microsoft.com/office/drawing/2014/main" id="{60117D4C-CC92-44AD-9C90-C33F0A725232}"/>
               </a:ext>
             </a:extLst>
           </p:cNvPr>
@@ -9588,47 +13368,47 @@
           <a:p>
             <a:r>
               <a:rPr lang="fa-IR" dirty="0"/>
-              <a:t>اعتبارسنجی بازار</a:t>
+              <a:t>امکانات جیبرس</a:t>
             </a:r>
             <a:endParaRPr lang="en-US" dirty="0"/>
           </a:p>
         </p:txBody>
       </p:sp>
-      <p:sp>
-        <p:nvSpPr>
-          <p:cNvPr id="3" name="Content Placeholder 2">
+      <p:graphicFrame>
+        <p:nvGraphicFramePr>
+          <p:cNvPr id="15" name="Content Placeholder 14">
             <a:extLst>
               <a:ext uri="{FF2B5EF4-FFF2-40B4-BE49-F238E27FC236}">
-                <a16:creationId xmlns:a16="http://schemas.microsoft.com/office/drawing/2014/main" id="{75367ABD-D08C-4BD8-A9D8-F8C1EB607050}"/>
+                <a16:creationId xmlns:a16="http://schemas.microsoft.com/office/drawing/2014/main" id="{E1A7FF0B-AB5D-49EB-8FB4-321F7F860AC4}"/>
               </a:ext>
             </a:extLst>
           </p:cNvPr>
-          <p:cNvSpPr>
-            <a:spLocks noGrp="1"/>
-          </p:cNvSpPr>
+          <p:cNvGraphicFramePr>
+            <a:graphicFrameLocks noGrp="1"/>
+          </p:cNvGraphicFramePr>
           <p:nvPr>
             <p:ph idx="1"/>
+            <p:extLst>
+              <p:ext uri="{D42A27DB-BD31-4B8C-83A1-F6EECF244321}">
+                <p14:modId xmlns:p14="http://schemas.microsoft.com/office/powerpoint/2010/main" val="3717608984"/>
+              </p:ext>
+            </p:extLst>
           </p:nvPr>
-        </p:nvSpPr>
-        <p:spPr/>
-        <p:txBody>
-          <a:bodyPr/>
-          <a:lstStyle/>
-          <a:p>
-            <a:r>
-              <a:rPr lang="fa-IR" dirty="0"/>
-              <a:t>چرا الان؟</a:t>
-            </a:r>
-          </a:p>
-          <a:p>
-            <a:endParaRPr lang="en-US" dirty="0"/>
-          </a:p>
-        </p:txBody>
-      </p:sp>
+        </p:nvGraphicFramePr>
+        <p:xfrm>
+          <a:off x="1055688" y="1563688"/>
+          <a:ext cx="10080625" cy="4804356"/>
+        </p:xfrm>
+        <a:graphic>
+          <a:graphicData uri="http://schemas.openxmlformats.org/drawingml/2006/diagram">
+            <dgm:relIds xmlns:dgm="http://schemas.openxmlformats.org/drawingml/2006/diagram" xmlns:r="http://schemas.openxmlformats.org/officeDocument/2006/relationships" r:dm="rId3" r:lo="rId4" r:qs="rId5" r:cs="rId6"/>
+          </a:graphicData>
+        </a:graphic>
+      </p:graphicFrame>
     </p:spTree>
     <p:extLst>
       <p:ext uri="{BB962C8B-B14F-4D97-AF65-F5344CB8AC3E}">
-        <p14:creationId xmlns:p14="http://schemas.microsoft.com/office/powerpoint/2010/main" val="3322250093"/>
+        <p14:creationId xmlns:p14="http://schemas.microsoft.com/office/powerpoint/2010/main" val="2509938767"/>
       </p:ext>
     </p:extLst>
   </p:cSld>
@@ -9672,7 +13452,7 @@
           <p:cNvPr id="2" name="Title 1">
             <a:extLst>
               <a:ext uri="{FF2B5EF4-FFF2-40B4-BE49-F238E27FC236}">
-                <a16:creationId xmlns:a16="http://schemas.microsoft.com/office/drawing/2014/main" id="{60117D4C-CC92-44AD-9C90-C33F0A725232}"/>
+                <a16:creationId xmlns:a16="http://schemas.microsoft.com/office/drawing/2014/main" id="{E6206EEC-326E-44DB-AB86-A5680D5E7517}"/>
               </a:ext>
             </a:extLst>
           </p:cNvPr>
@@ -9690,7 +13470,7 @@
           <a:p>
             <a:r>
               <a:rPr lang="fa-IR" dirty="0"/>
-              <a:t>دموی محصول</a:t>
+              <a:t>اعتبارسنجی بازار</a:t>
             </a:r>
             <a:endParaRPr lang="en-US" dirty="0"/>
           </a:p>
@@ -9701,7 +13481,7 @@
           <p:cNvPr id="3" name="Content Placeholder 2">
             <a:extLst>
               <a:ext uri="{FF2B5EF4-FFF2-40B4-BE49-F238E27FC236}">
-                <a16:creationId xmlns:a16="http://schemas.microsoft.com/office/drawing/2014/main" id="{D281949B-4E50-4E45-A287-8E59954A83B0}"/>
+                <a16:creationId xmlns:a16="http://schemas.microsoft.com/office/drawing/2014/main" id="{75367ABD-D08C-4BD8-A9D8-F8C1EB607050}"/>
               </a:ext>
             </a:extLst>
           </p:cNvPr>
@@ -9719,8 +13499,10 @@
           <a:p>
             <a:r>
               <a:rPr lang="fa-IR" dirty="0"/>
-              <a:t>درباره امکانات و ریز اون‌ها</a:t>
+              <a:t>چرا الان؟</a:t>
             </a:r>
+          </a:p>
+          <a:p>
             <a:endParaRPr lang="en-US" dirty="0"/>
           </a:p>
         </p:txBody>
@@ -9728,7 +13510,7 @@
     </p:spTree>
     <p:extLst>
       <p:ext uri="{BB962C8B-B14F-4D97-AF65-F5344CB8AC3E}">
-        <p14:creationId xmlns:p14="http://schemas.microsoft.com/office/powerpoint/2010/main" val="2509938767"/>
+        <p14:creationId xmlns:p14="http://schemas.microsoft.com/office/powerpoint/2010/main" val="3322250093"/>
       </p:ext>
     </p:extLst>
   </p:cSld>

--- a/business/PitchDeck/JIbres-PitchDeck-v1.pptx
+++ b/business/PitchDeck/JIbres-PitchDeck-v1.pptx
@@ -277,15 +277,17 @@
 </file>
 
 <file path=ppt/diagrams/colors1.xml><?xml version="1.0" encoding="utf-8"?>
-<dgm:colorsDef xmlns:dgm="http://schemas.openxmlformats.org/drawingml/2006/diagram" xmlns:a="http://schemas.openxmlformats.org/drawingml/2006/main" uniqueId="urn:microsoft.com/office/officeart/2005/8/colors/accent1_2">
+<dgm:colorsDef xmlns:dgm="http://schemas.openxmlformats.org/drawingml/2006/diagram" xmlns:a="http://schemas.openxmlformats.org/drawingml/2006/main" uniqueId="urn:microsoft.com/office/officeart/2005/8/colors/accent1_5">
   <dgm:title val=""/>
   <dgm:desc val=""/>
   <dgm:catLst>
-    <dgm:cat type="accent1" pri="11200"/>
+    <dgm:cat type="accent1" pri="11500"/>
   </dgm:catLst>
   <dgm:styleLbl name="node0">
-    <dgm:fillClrLst meth="repeat">
-      <a:schemeClr val="accent1"/>
+    <dgm:fillClrLst meth="cycle">
+      <a:schemeClr val="accent1">
+        <a:alpha val="80000"/>
+      </a:schemeClr>
     </dgm:fillClrLst>
     <dgm:linClrLst meth="repeat">
       <a:schemeClr val="lt1"/>
@@ -295,44 +297,11 @@
     <dgm:txFillClrLst/>
     <dgm:txEffectClrLst/>
   </dgm:styleLbl>
-  <dgm:styleLbl name="alignNode1">
-    <dgm:fillClrLst meth="repeat">
-      <a:schemeClr val="accent1"/>
-    </dgm:fillClrLst>
-    <dgm:linClrLst meth="repeat">
-      <a:schemeClr val="accent1"/>
-    </dgm:linClrLst>
-    <dgm:effectClrLst/>
-    <dgm:txLinClrLst/>
-    <dgm:txFillClrLst/>
-    <dgm:txEffectClrLst/>
-  </dgm:styleLbl>
   <dgm:styleLbl name="node1">
-    <dgm:fillClrLst meth="repeat">
-      <a:schemeClr val="accent1"/>
-    </dgm:fillClrLst>
-    <dgm:linClrLst meth="repeat">
-      <a:schemeClr val="lt1"/>
-    </dgm:linClrLst>
-    <dgm:effectClrLst/>
-    <dgm:txLinClrLst/>
-    <dgm:txFillClrLst/>
-    <dgm:txEffectClrLst/>
-  </dgm:styleLbl>
-  <dgm:styleLbl name="lnNode1">
-    <dgm:fillClrLst meth="repeat">
-      <a:schemeClr val="accent1"/>
-    </dgm:fillClrLst>
-    <dgm:linClrLst meth="repeat">
-      <a:schemeClr val="lt1"/>
-    </dgm:linClrLst>
-    <dgm:effectClrLst/>
-    <dgm:txLinClrLst/>
-    <dgm:txFillClrLst/>
-    <dgm:txEffectClrLst/>
-  </dgm:styleLbl>
-  <dgm:styleLbl name="vennNode1">
-    <dgm:fillClrLst meth="repeat">
+    <dgm:fillClrLst>
+      <a:schemeClr val="accent1">
+        <a:alpha val="90000"/>
+      </a:schemeClr>
       <a:schemeClr val="accent1">
         <a:alpha val="50000"/>
       </a:schemeClr>
@@ -345,9 +314,69 @@
     <dgm:txFillClrLst/>
     <dgm:txEffectClrLst/>
   </dgm:styleLbl>
+  <dgm:styleLbl name="alignNode1">
+    <dgm:fillClrLst>
+      <a:schemeClr val="accent1">
+        <a:alpha val="90000"/>
+      </a:schemeClr>
+      <a:schemeClr val="accent1">
+        <a:alpha val="50000"/>
+      </a:schemeClr>
+    </dgm:fillClrLst>
+    <dgm:linClrLst>
+      <a:schemeClr val="accent1">
+        <a:alpha val="90000"/>
+      </a:schemeClr>
+      <a:schemeClr val="accent1">
+        <a:alpha val="50000"/>
+      </a:schemeClr>
+    </dgm:linClrLst>
+    <dgm:effectClrLst/>
+    <dgm:txLinClrLst/>
+    <dgm:txFillClrLst/>
+    <dgm:txEffectClrLst/>
+  </dgm:styleLbl>
+  <dgm:styleLbl name="lnNode1">
+    <dgm:fillClrLst>
+      <a:schemeClr val="accent1">
+        <a:shade val="90000"/>
+      </a:schemeClr>
+      <a:schemeClr val="accent1">
+        <a:alpha val="50000"/>
+        <a:tint val="50000"/>
+      </a:schemeClr>
+    </dgm:fillClrLst>
+    <dgm:linClrLst meth="repeat">
+      <a:schemeClr val="lt1"/>
+    </dgm:linClrLst>
+    <dgm:effectClrLst/>
+    <dgm:txLinClrLst/>
+    <dgm:txFillClrLst/>
+    <dgm:txEffectClrLst/>
+  </dgm:styleLbl>
+  <dgm:styleLbl name="vennNode1">
+    <dgm:fillClrLst>
+      <a:schemeClr val="accent1">
+        <a:shade val="80000"/>
+        <a:alpha val="50000"/>
+      </a:schemeClr>
+      <a:schemeClr val="accent1">
+        <a:alpha val="80000"/>
+      </a:schemeClr>
+    </dgm:fillClrLst>
+    <dgm:linClrLst meth="repeat">
+      <a:schemeClr val="lt1"/>
+    </dgm:linClrLst>
+    <dgm:effectClrLst/>
+    <dgm:txLinClrLst/>
+    <dgm:txFillClrLst/>
+    <dgm:txEffectClrLst/>
+  </dgm:styleLbl>
   <dgm:styleLbl name="node2">
-    <dgm:fillClrLst meth="repeat">
-      <a:schemeClr val="accent1"/>
+    <dgm:fillClrLst>
+      <a:schemeClr val="accent1">
+        <a:alpha val="70000"/>
+      </a:schemeClr>
     </dgm:fillClrLst>
     <dgm:linClrLst meth="repeat">
       <a:schemeClr val="lt1"/>
@@ -358,8 +387,10 @@
     <dgm:txEffectClrLst/>
   </dgm:styleLbl>
   <dgm:styleLbl name="node3">
-    <dgm:fillClrLst meth="repeat">
-      <a:schemeClr val="accent1"/>
+    <dgm:fillClrLst>
+      <a:schemeClr val="accent1">
+        <a:alpha val="50000"/>
+      </a:schemeClr>
     </dgm:fillClrLst>
     <dgm:linClrLst meth="repeat">
       <a:schemeClr val="lt1"/>
@@ -370,8 +401,10 @@
     <dgm:txEffectClrLst/>
   </dgm:styleLbl>
   <dgm:styleLbl name="node4">
-    <dgm:fillClrLst meth="repeat">
-      <a:schemeClr val="accent1"/>
+    <dgm:fillClrLst>
+      <a:schemeClr val="accent1">
+        <a:alpha val="30000"/>
+      </a:schemeClr>
     </dgm:fillClrLst>
     <dgm:linClrLst meth="repeat">
       <a:schemeClr val="lt1"/>
@@ -382,9 +415,14 @@
     <dgm:txEffectClrLst/>
   </dgm:styleLbl>
   <dgm:styleLbl name="fgImgPlace1">
-    <dgm:fillClrLst meth="repeat">
+    <dgm:fillClrLst>
       <a:schemeClr val="accent1">
         <a:tint val="50000"/>
+        <a:alpha val="90000"/>
+      </a:schemeClr>
+      <a:schemeClr val="accent1">
+        <a:tint val="20000"/>
+        <a:alpha val="50000"/>
       </a:schemeClr>
     </dgm:fillClrLst>
     <dgm:linClrLst meth="repeat">
@@ -398,9 +436,12 @@
     <dgm:txEffectClrLst/>
   </dgm:styleLbl>
   <dgm:styleLbl name="alignImgPlace1">
-    <dgm:fillClrLst meth="repeat">
+    <dgm:fillClrLst>
       <a:schemeClr val="accent1">
         <a:tint val="50000"/>
+      </a:schemeClr>
+      <a:schemeClr val="accent1">
+        <a:tint val="20000"/>
       </a:schemeClr>
     </dgm:fillClrLst>
     <dgm:linClrLst meth="repeat">
@@ -414,9 +455,12 @@
     <dgm:txEffectClrLst/>
   </dgm:styleLbl>
   <dgm:styleLbl name="bgImgPlace1">
-    <dgm:fillClrLst meth="repeat">
+    <dgm:fillClrLst>
       <a:schemeClr val="accent1">
         <a:tint val="50000"/>
+      </a:schemeClr>
+      <a:schemeClr val="accent1">
+        <a:tint val="20000"/>
       </a:schemeClr>
     </dgm:fillClrLst>
     <dgm:linClrLst meth="repeat">
@@ -430,14 +474,20 @@
     <dgm:txEffectClrLst/>
   </dgm:styleLbl>
   <dgm:styleLbl name="sibTrans2D1">
-    <dgm:fillClrLst meth="repeat">
+    <dgm:fillClrLst>
       <a:schemeClr val="accent1">
-        <a:tint val="60000"/>
+        <a:shade val="90000"/>
+      </a:schemeClr>
+      <a:schemeClr val="accent1">
+        <a:tint val="50000"/>
       </a:schemeClr>
     </dgm:fillClrLst>
-    <dgm:linClrLst meth="repeat">
+    <dgm:linClrLst>
       <a:schemeClr val="accent1">
-        <a:tint val="60000"/>
+        <a:shade val="90000"/>
+      </a:schemeClr>
+      <a:schemeClr val="accent1">
+        <a:tint val="50000"/>
       </a:schemeClr>
     </dgm:linClrLst>
     <dgm:effectClrLst/>
@@ -446,14 +496,20 @@
     <dgm:txEffectClrLst/>
   </dgm:styleLbl>
   <dgm:styleLbl name="fgSibTrans2D1">
-    <dgm:fillClrLst meth="repeat">
+    <dgm:fillClrLst>
       <a:schemeClr val="accent1">
-        <a:tint val="60000"/>
+        <a:shade val="90000"/>
+      </a:schemeClr>
+      <a:schemeClr val="accent1">
+        <a:tint val="50000"/>
       </a:schemeClr>
     </dgm:fillClrLst>
-    <dgm:linClrLst meth="repeat">
+    <dgm:linClrLst>
       <a:schemeClr val="accent1">
-        <a:tint val="60000"/>
+        <a:shade val="90000"/>
+      </a:schemeClr>
+      <a:schemeClr val="accent1">
+        <a:tint val="50000"/>
       </a:schemeClr>
     </dgm:linClrLst>
     <dgm:effectClrLst/>
@@ -462,14 +518,20 @@
     <dgm:txEffectClrLst/>
   </dgm:styleLbl>
   <dgm:styleLbl name="bgSibTrans2D1">
-    <dgm:fillClrLst meth="repeat">
+    <dgm:fillClrLst>
       <a:schemeClr val="accent1">
-        <a:tint val="60000"/>
+        <a:shade val="90000"/>
+      </a:schemeClr>
+      <a:schemeClr val="accent1">
+        <a:tint val="50000"/>
       </a:schemeClr>
     </dgm:fillClrLst>
-    <dgm:linClrLst meth="repeat">
+    <dgm:linClrLst>
       <a:schemeClr val="accent1">
-        <a:tint val="60000"/>
+        <a:shade val="90000"/>
+      </a:schemeClr>
+      <a:schemeClr val="accent1">
+        <a:tint val="50000"/>
       </a:schemeClr>
     </dgm:linClrLst>
     <dgm:effectClrLst/>
@@ -478,6 +540,30 @@
     <dgm:txEffectClrLst/>
   </dgm:styleLbl>
   <dgm:styleLbl name="sibTrans1D1">
+    <dgm:fillClrLst>
+      <a:schemeClr val="accent1">
+        <a:shade val="90000"/>
+      </a:schemeClr>
+      <a:schemeClr val="accent1">
+        <a:tint val="50000"/>
+      </a:schemeClr>
+    </dgm:fillClrLst>
+    <dgm:linClrLst>
+      <a:schemeClr val="accent1">
+        <a:shade val="90000"/>
+      </a:schemeClr>
+      <a:schemeClr val="accent1">
+        <a:tint val="50000"/>
+      </a:schemeClr>
+    </dgm:linClrLst>
+    <dgm:effectClrLst/>
+    <dgm:txLinClrLst/>
+    <dgm:txFillClrLst meth="repeat">
+      <a:schemeClr val="tx1"/>
+    </dgm:txFillClrLst>
+    <dgm:txEffectClrLst/>
+  </dgm:styleLbl>
+  <dgm:styleLbl name="callout">
     <dgm:fillClrLst meth="repeat">
       <a:schemeClr val="accent1"/>
     </dgm:fillClrLst>
@@ -491,25 +577,11 @@
     </dgm:txFillClrLst>
     <dgm:txEffectClrLst/>
   </dgm:styleLbl>
-  <dgm:styleLbl name="callout">
-    <dgm:fillClrLst meth="repeat">
-      <a:schemeClr val="accent1"/>
-    </dgm:fillClrLst>
-    <dgm:linClrLst meth="repeat">
-      <a:schemeClr val="accent1">
-        <a:tint val="50000"/>
-      </a:schemeClr>
-    </dgm:linClrLst>
-    <dgm:effectClrLst/>
-    <dgm:txLinClrLst/>
-    <dgm:txFillClrLst meth="repeat">
-      <a:schemeClr val="tx1"/>
-    </dgm:txFillClrLst>
-    <dgm:txEffectClrLst/>
-  </dgm:styleLbl>
   <dgm:styleLbl name="asst0">
     <dgm:fillClrLst meth="repeat">
-      <a:schemeClr val="accent1"/>
+      <a:schemeClr val="accent1">
+        <a:alpha val="90000"/>
+      </a:schemeClr>
     </dgm:fillClrLst>
     <dgm:linClrLst meth="repeat">
       <a:schemeClr val="lt1"/>
@@ -521,7 +593,9 @@
   </dgm:styleLbl>
   <dgm:styleLbl name="asst1">
     <dgm:fillClrLst meth="repeat">
-      <a:schemeClr val="accent1"/>
+      <a:schemeClr val="accent1">
+        <a:alpha val="90000"/>
+      </a:schemeClr>
     </dgm:fillClrLst>
     <dgm:linClrLst meth="repeat">
       <a:schemeClr val="lt1"/>
@@ -532,8 +606,10 @@
     <dgm:txEffectClrLst/>
   </dgm:styleLbl>
   <dgm:styleLbl name="asst2">
-    <dgm:fillClrLst meth="repeat">
-      <a:schemeClr val="accent1"/>
+    <dgm:fillClrLst>
+      <a:schemeClr val="accent1">
+        <a:alpha val="90000"/>
+      </a:schemeClr>
     </dgm:fillClrLst>
     <dgm:linClrLst meth="repeat">
       <a:schemeClr val="lt1"/>
@@ -544,8 +620,10 @@
     <dgm:txEffectClrLst/>
   </dgm:styleLbl>
   <dgm:styleLbl name="asst3">
-    <dgm:fillClrLst meth="repeat">
-      <a:schemeClr val="accent1"/>
+    <dgm:fillClrLst>
+      <a:schemeClr val="accent1">
+        <a:alpha val="70000"/>
+      </a:schemeClr>
     </dgm:fillClrLst>
     <dgm:linClrLst meth="repeat">
       <a:schemeClr val="lt1"/>
@@ -556,8 +634,10 @@
     <dgm:txEffectClrLst/>
   </dgm:styleLbl>
   <dgm:styleLbl name="asst4">
-    <dgm:fillClrLst meth="repeat">
-      <a:schemeClr val="accent1"/>
+    <dgm:fillClrLst>
+      <a:schemeClr val="accent1">
+        <a:alpha val="50000"/>
+      </a:schemeClr>
     </dgm:fillClrLst>
     <dgm:linClrLst meth="repeat">
       <a:schemeClr val="lt1"/>
@@ -570,98 +650,74 @@
   <dgm:styleLbl name="parChTrans2D1">
     <dgm:fillClrLst meth="repeat">
       <a:schemeClr val="accent1">
-        <a:tint val="60000"/>
+        <a:shade val="80000"/>
       </a:schemeClr>
     </dgm:fillClrLst>
     <dgm:linClrLst meth="repeat">
       <a:schemeClr val="accent1">
-        <a:tint val="60000"/>
+        <a:shade val="80000"/>
+      </a:schemeClr>
+    </dgm:linClrLst>
+    <dgm:effectClrLst/>
+    <dgm:txLinClrLst/>
+    <dgm:txFillClrLst/>
+    <dgm:txEffectClrLst/>
+  </dgm:styleLbl>
+  <dgm:styleLbl name="parChTrans2D2">
+    <dgm:fillClrLst meth="repeat">
+      <a:schemeClr val="accent1">
+        <a:tint val="90000"/>
+      </a:schemeClr>
+    </dgm:fillClrLst>
+    <dgm:linClrLst meth="repeat">
+      <a:schemeClr val="accent1">
+        <a:tint val="90000"/>
+      </a:schemeClr>
+    </dgm:linClrLst>
+    <dgm:effectClrLst/>
+    <dgm:txLinClrLst/>
+    <dgm:txFillClrLst/>
+    <dgm:txEffectClrLst/>
+  </dgm:styleLbl>
+  <dgm:styleLbl name="parChTrans2D3">
+    <dgm:fillClrLst meth="repeat">
+      <a:schemeClr val="accent1">
+        <a:tint val="70000"/>
+      </a:schemeClr>
+    </dgm:fillClrLst>
+    <dgm:linClrLst meth="repeat">
+      <a:schemeClr val="accent1">
+        <a:tint val="70000"/>
+      </a:schemeClr>
+    </dgm:linClrLst>
+    <dgm:effectClrLst/>
+    <dgm:txLinClrLst/>
+    <dgm:txFillClrLst/>
+    <dgm:txEffectClrLst/>
+  </dgm:styleLbl>
+  <dgm:styleLbl name="parChTrans2D4">
+    <dgm:fillClrLst meth="repeat">
+      <a:schemeClr val="accent1">
+        <a:tint val="50000"/>
+      </a:schemeClr>
+    </dgm:fillClrLst>
+    <dgm:linClrLst meth="repeat">
+      <a:schemeClr val="accent1">
+        <a:tint val="50000"/>
       </a:schemeClr>
     </dgm:linClrLst>
     <dgm:effectClrLst/>
     <dgm:txLinClrLst/>
     <dgm:txFillClrLst meth="repeat">
-      <a:schemeClr val="lt1"/>
-    </dgm:txFillClrLst>
-    <dgm:txEffectClrLst/>
-  </dgm:styleLbl>
-  <dgm:styleLbl name="parChTrans2D2">
-    <dgm:fillClrLst meth="repeat">
-      <a:schemeClr val="accent1"/>
-    </dgm:fillClrLst>
-    <dgm:linClrLst meth="repeat">
-      <a:schemeClr val="accent1"/>
-    </dgm:linClrLst>
-    <dgm:effectClrLst/>
-    <dgm:txLinClrLst/>
-    <dgm:txFillClrLst meth="repeat">
-      <a:schemeClr val="lt1"/>
-    </dgm:txFillClrLst>
-    <dgm:txEffectClrLst/>
-  </dgm:styleLbl>
-  <dgm:styleLbl name="parChTrans2D3">
-    <dgm:fillClrLst meth="repeat">
-      <a:schemeClr val="accent1"/>
-    </dgm:fillClrLst>
-    <dgm:linClrLst meth="repeat">
-      <a:schemeClr val="accent1"/>
-    </dgm:linClrLst>
-    <dgm:effectClrLst/>
-    <dgm:txLinClrLst/>
-    <dgm:txFillClrLst meth="repeat">
-      <a:schemeClr val="lt1"/>
-    </dgm:txFillClrLst>
-    <dgm:txEffectClrLst/>
-  </dgm:styleLbl>
-  <dgm:styleLbl name="parChTrans2D4">
-    <dgm:fillClrLst meth="repeat">
-      <a:schemeClr val="accent1"/>
-    </dgm:fillClrLst>
-    <dgm:linClrLst meth="repeat">
-      <a:schemeClr val="accent1"/>
-    </dgm:linClrLst>
-    <dgm:effectClrLst/>
-    <dgm:txLinClrLst/>
-    <dgm:txFillClrLst meth="repeat">
-      <a:schemeClr val="lt1"/>
+      <a:schemeClr val="dk1"/>
     </dgm:txFillClrLst>
     <dgm:txEffectClrLst/>
   </dgm:styleLbl>
   <dgm:styleLbl name="parChTrans1D1">
     <dgm:fillClrLst meth="repeat">
-      <a:schemeClr val="accent1"/>
-    </dgm:fillClrLst>
-    <dgm:linClrLst meth="repeat">
       <a:schemeClr val="accent1">
-        <a:shade val="60000"/>
+        <a:shade val="80000"/>
       </a:schemeClr>
-    </dgm:linClrLst>
-    <dgm:effectClrLst/>
-    <dgm:txLinClrLst/>
-    <dgm:txFillClrLst meth="repeat">
-      <a:schemeClr val="tx1"/>
-    </dgm:txFillClrLst>
-    <dgm:txEffectClrLst/>
-  </dgm:styleLbl>
-  <dgm:styleLbl name="parChTrans1D2">
-    <dgm:fillClrLst meth="repeat">
-      <a:schemeClr val="accent1"/>
-    </dgm:fillClrLst>
-    <dgm:linClrLst meth="repeat">
-      <a:schemeClr val="accent1">
-        <a:shade val="60000"/>
-      </a:schemeClr>
-    </dgm:linClrLst>
-    <dgm:effectClrLst/>
-    <dgm:txLinClrLst/>
-    <dgm:txFillClrLst meth="repeat">
-      <a:schemeClr val="tx1"/>
-    </dgm:txFillClrLst>
-    <dgm:txEffectClrLst/>
-  </dgm:styleLbl>
-  <dgm:styleLbl name="parChTrans1D3">
-    <dgm:fillClrLst meth="repeat">
-      <a:schemeClr val="accent1"/>
     </dgm:fillClrLst>
     <dgm:linClrLst meth="repeat">
       <a:schemeClr val="accent1">
@@ -675,13 +731,51 @@
     </dgm:txFillClrLst>
     <dgm:txEffectClrLst/>
   </dgm:styleLbl>
-  <dgm:styleLbl name="parChTrans1D4">
+  <dgm:styleLbl name="parChTrans1D2">
     <dgm:fillClrLst meth="repeat">
-      <a:schemeClr val="accent1"/>
+      <a:schemeClr val="accent1">
+        <a:tint val="90000"/>
+      </a:schemeClr>
     </dgm:fillClrLst>
     <dgm:linClrLst meth="repeat">
       <a:schemeClr val="accent1">
-        <a:shade val="80000"/>
+        <a:tint val="90000"/>
+      </a:schemeClr>
+    </dgm:linClrLst>
+    <dgm:effectClrLst/>
+    <dgm:txLinClrLst/>
+    <dgm:txFillClrLst meth="repeat">
+      <a:schemeClr val="tx1"/>
+    </dgm:txFillClrLst>
+    <dgm:txEffectClrLst/>
+  </dgm:styleLbl>
+  <dgm:styleLbl name="parChTrans1D3">
+    <dgm:fillClrLst meth="repeat">
+      <a:schemeClr val="accent1">
+        <a:tint val="70000"/>
+      </a:schemeClr>
+    </dgm:fillClrLst>
+    <dgm:linClrLst meth="repeat">
+      <a:schemeClr val="accent1">
+        <a:tint val="70000"/>
+      </a:schemeClr>
+    </dgm:linClrLst>
+    <dgm:effectClrLst/>
+    <dgm:txLinClrLst/>
+    <dgm:txFillClrLst meth="repeat">
+      <a:schemeClr val="tx1"/>
+    </dgm:txFillClrLst>
+    <dgm:txEffectClrLst/>
+  </dgm:styleLbl>
+  <dgm:styleLbl name="parChTrans1D4">
+    <dgm:fillClrLst meth="repeat">
+      <a:schemeClr val="accent1">
+        <a:tint val="50000"/>
+      </a:schemeClr>
+    </dgm:fillClrLst>
+    <dgm:linClrLst meth="repeat">
+      <a:schemeClr val="accent1">
+        <a:tint val="50000"/>
       </a:schemeClr>
     </dgm:linClrLst>
     <dgm:effectClrLst/>
@@ -697,8 +791,13 @@
         <a:alpha val="90000"/>
       </a:schemeClr>
     </dgm:fillClrLst>
-    <dgm:linClrLst meth="repeat">
-      <a:schemeClr val="accent1"/>
+    <dgm:linClrLst>
+      <a:schemeClr val="accent1">
+        <a:alpha val="90000"/>
+      </a:schemeClr>
+      <a:schemeClr val="accent1">
+        <a:alpha val="50000"/>
+      </a:schemeClr>
     </dgm:linClrLst>
     <dgm:effectClrLst/>
     <dgm:txLinClrLst/>
@@ -713,8 +812,13 @@
         <a:alpha val="90000"/>
       </a:schemeClr>
     </dgm:fillClrLst>
-    <dgm:linClrLst meth="repeat">
-      <a:schemeClr val="accent1"/>
+    <dgm:linClrLst>
+      <a:schemeClr val="accent1">
+        <a:alpha val="90000"/>
+      </a:schemeClr>
+      <a:schemeClr val="accent1">
+        <a:alpha val="50000"/>
+      </a:schemeClr>
     </dgm:linClrLst>
     <dgm:effectClrLst/>
     <dgm:txLinClrLst/>
@@ -729,8 +833,13 @@
         <a:alpha val="90000"/>
       </a:schemeClr>
     </dgm:fillClrLst>
-    <dgm:linClrLst meth="repeat">
-      <a:schemeClr val="accent1"/>
+    <dgm:linClrLst>
+      <a:schemeClr val="accent1">
+        <a:alpha val="90000"/>
+      </a:schemeClr>
+      <a:schemeClr val="accent1">
+        <a:alpha val="50000"/>
+      </a:schemeClr>
     </dgm:linClrLst>
     <dgm:effectClrLst/>
     <dgm:txLinClrLst/>
@@ -745,8 +854,13 @@
         <a:alpha val="40000"/>
       </a:schemeClr>
     </dgm:fillClrLst>
-    <dgm:linClrLst meth="repeat">
-      <a:schemeClr val="accent1"/>
+    <dgm:linClrLst>
+      <a:schemeClr val="accent1">
+        <a:alpha val="90000"/>
+      </a:schemeClr>
+      <a:schemeClr val="accent1">
+        <a:alpha val="50000"/>
+      </a:schemeClr>
     </dgm:linClrLst>
     <dgm:effectClrLst/>
     <dgm:txLinClrLst/>
@@ -761,8 +875,13 @@
         <a:alpha val="90000"/>
       </a:schemeClr>
     </dgm:fillClrLst>
-    <dgm:linClrLst meth="repeat">
-      <a:schemeClr val="accent1"/>
+    <dgm:linClrLst>
+      <a:schemeClr val="accent1">
+        <a:alpha val="90000"/>
+      </a:schemeClr>
+      <a:schemeClr val="accent1">
+        <a:alpha val="50000"/>
+      </a:schemeClr>
     </dgm:linClrLst>
     <dgm:effectClrLst/>
     <dgm:txLinClrLst/>
@@ -775,8 +894,13 @@
     <dgm:fillClrLst meth="repeat">
       <a:schemeClr val="lt1"/>
     </dgm:fillClrLst>
-    <dgm:linClrLst meth="repeat">
-      <a:schemeClr val="accent1"/>
+    <dgm:linClrLst>
+      <a:schemeClr val="accent1">
+        <a:alpha val="90000"/>
+      </a:schemeClr>
+      <a:schemeClr val="accent1">
+        <a:alpha val="50000"/>
+      </a:schemeClr>
     </dgm:linClrLst>
     <dgm:effectClrLst/>
     <dgm:txLinClrLst/>
@@ -814,9 +938,13 @@
     <dgm:txEffectClrLst/>
   </dgm:styleLbl>
   <dgm:styleLbl name="fgAccFollowNode1">
-    <dgm:fillClrLst meth="repeat">
+    <dgm:fillClrLst>
       <a:schemeClr val="accent1">
         <a:alpha val="90000"/>
+        <a:tint val="40000"/>
+      </a:schemeClr>
+      <a:schemeClr val="accent1">
+        <a:alpha val="50000"/>
         <a:tint val="40000"/>
       </a:schemeClr>
     </dgm:fillClrLst>
@@ -861,10 +989,7 @@
       </a:schemeClr>
     </dgm:fillClrLst>
     <dgm:linClrLst meth="repeat">
-      <a:schemeClr val="accent1">
-        <a:alpha val="90000"/>
-        <a:tint val="40000"/>
-      </a:schemeClr>
+      <a:schemeClr val="lt1"/>
     </dgm:linClrLst>
     <dgm:effectClrLst/>
     <dgm:txLinClrLst/>
@@ -880,7 +1005,9 @@
       </a:schemeClr>
     </dgm:fillClrLst>
     <dgm:linClrLst meth="repeat">
-      <a:schemeClr val="accent1"/>
+      <a:schemeClr val="accent1">
+        <a:shade val="80000"/>
+      </a:schemeClr>
     </dgm:linClrLst>
     <dgm:effectClrLst/>
     <dgm:txLinClrLst/>
@@ -896,7 +1023,9 @@
       </a:schemeClr>
     </dgm:fillClrLst>
     <dgm:linClrLst meth="repeat">
-      <a:schemeClr val="accent1"/>
+      <a:schemeClr val="accent1">
+        <a:tint val="90000"/>
+      </a:schemeClr>
     </dgm:linClrLst>
     <dgm:effectClrLst/>
     <dgm:txLinClrLst/>
@@ -912,7 +1041,9 @@
       </a:schemeClr>
     </dgm:fillClrLst>
     <dgm:linClrLst meth="repeat">
-      <a:schemeClr val="accent1"/>
+      <a:schemeClr val="accent1">
+        <a:tint val="70000"/>
+      </a:schemeClr>
     </dgm:linClrLst>
     <dgm:effectClrLst/>
     <dgm:txLinClrLst/>
@@ -928,7 +1059,9 @@
       </a:schemeClr>
     </dgm:fillClrLst>
     <dgm:linClrLst meth="repeat">
-      <a:schemeClr val="accent1"/>
+      <a:schemeClr val="accent1">
+        <a:tint val="50000"/>
+      </a:schemeClr>
     </dgm:linClrLst>
     <dgm:effectClrLst/>
     <dgm:txLinClrLst/>
@@ -944,7 +1077,7 @@
       </a:schemeClr>
     </dgm:fillClrLst>
     <dgm:linClrLst meth="repeat">
-      <a:schemeClr val="accent1"/>
+      <a:schemeClr val="dk1"/>
     </dgm:linClrLst>
     <dgm:effectClrLst/>
     <dgm:txLinClrLst/>
@@ -956,11 +1089,11 @@
   <dgm:styleLbl name="dkBgShp">
     <dgm:fillClrLst meth="repeat">
       <a:schemeClr val="accent1">
-        <a:shade val="80000"/>
+        <a:shade val="90000"/>
       </a:schemeClr>
     </dgm:fillClrLst>
     <dgm:linClrLst meth="repeat">
-      <a:schemeClr val="accent1"/>
+      <a:schemeClr val="dk1"/>
     </dgm:linClrLst>
     <dgm:effectClrLst/>
     <dgm:txLinClrLst/>
@@ -989,7 +1122,7 @@
   <dgm:styleLbl name="fgShp">
     <dgm:fillClrLst meth="repeat">
       <a:schemeClr val="accent1">
-        <a:tint val="60000"/>
+        <a:tint val="40000"/>
       </a:schemeClr>
     </dgm:fillClrLst>
     <dgm:linClrLst meth="repeat">
@@ -1027,52 +1160,12 @@
 <dgm:dataModel xmlns:dgm="http://schemas.openxmlformats.org/drawingml/2006/diagram" xmlns:a="http://schemas.openxmlformats.org/drawingml/2006/main">
   <dgm:ptLst>
     <dgm:pt modelId="{BFF6AE00-9A18-494C-A394-ABAC976E0063}" type="doc">
-      <dgm:prSet loTypeId="urn:microsoft.com/office/officeart/2005/8/layout/lProcess2" loCatId="list" qsTypeId="urn:microsoft.com/office/officeart/2005/8/quickstyle/simple1" qsCatId="simple" csTypeId="urn:microsoft.com/office/officeart/2005/8/colors/accent1_2" csCatId="accent1" phldr="1"/>
+      <dgm:prSet loTypeId="urn:microsoft.com/office/officeart/2005/8/layout/default" loCatId="list" qsTypeId="urn:microsoft.com/office/officeart/2005/8/quickstyle/simple1" qsCatId="simple" csTypeId="urn:microsoft.com/office/officeart/2005/8/colors/accent1_5" csCatId="accent1" phldr="1"/>
       <dgm:spPr/>
       <dgm:t>
         <a:bodyPr/>
         <a:lstStyle/>
         <a:p>
-          <a:endParaRPr lang="en-US"/>
-        </a:p>
-      </dgm:t>
-    </dgm:pt>
-    <dgm:pt modelId="{5B382DBB-B062-42BA-9395-E5E330FCC77F}">
-      <dgm:prSet phldrT="[Text]"/>
-      <dgm:spPr/>
-      <dgm:t>
-        <a:bodyPr/>
-        <a:lstStyle/>
-        <a:p>
-          <a:pPr rtl="1"/>
-          <a:r>
-            <a:rPr lang="fa-IR" dirty="0"/>
-            <a:t>نرم‌افزار صندوق فروشگاهی</a:t>
-          </a:r>
-          <a:endParaRPr lang="en-US" dirty="0"/>
-        </a:p>
-      </dgm:t>
-    </dgm:pt>
-    <dgm:pt modelId="{EAFD2CED-112B-4C74-9F5C-6B829EF61219}" type="parTrans" cxnId="{F50687B1-8BAF-4A13-B979-482AE7FCCEAA}">
-      <dgm:prSet/>
-      <dgm:spPr/>
-      <dgm:t>
-        <a:bodyPr/>
-        <a:lstStyle/>
-        <a:p>
-          <a:pPr rtl="1"/>
-          <a:endParaRPr lang="en-US"/>
-        </a:p>
-      </dgm:t>
-    </dgm:pt>
-    <dgm:pt modelId="{3763DADB-900B-446C-BA1A-8D8C97BE79A7}" type="sibTrans" cxnId="{F50687B1-8BAF-4A13-B979-482AE7FCCEAA}">
-      <dgm:prSet/>
-      <dgm:spPr/>
-      <dgm:t>
-        <a:bodyPr/>
-        <a:lstStyle/>
-        <a:p>
-          <a:pPr rtl="1"/>
           <a:endParaRPr lang="en-US"/>
         </a:p>
       </dgm:t>
@@ -1105,121 +1198,6 @@
       </dgm:t>
     </dgm:pt>
     <dgm:pt modelId="{DFAAE3E2-81E0-4C71-81E3-89E13C29837E}" type="sibTrans" cxnId="{02AC1F5B-7A7F-47F5-8971-CDF10D7120F7}">
-      <dgm:prSet/>
-      <dgm:spPr/>
-      <dgm:t>
-        <a:bodyPr/>
-        <a:lstStyle/>
-        <a:p>
-          <a:endParaRPr lang="en-US"/>
-        </a:p>
-      </dgm:t>
-    </dgm:pt>
-    <dgm:pt modelId="{830D9264-146F-4938-B296-8F28F643F26C}">
-      <dgm:prSet phldrT="[Text]"/>
-      <dgm:spPr/>
-      <dgm:t>
-        <a:bodyPr/>
-        <a:lstStyle/>
-        <a:p>
-          <a:r>
-            <a:rPr lang="fa-IR" dirty="0"/>
-            <a:t>اپ‌ساز</a:t>
-          </a:r>
-          <a:endParaRPr lang="en-US" dirty="0"/>
-        </a:p>
-      </dgm:t>
-    </dgm:pt>
-    <dgm:pt modelId="{45674C7E-BF45-4D94-BB9B-E9C5AACBA097}" type="parTrans" cxnId="{10F19246-B6FD-4E6A-8BF5-B257DA615655}">
-      <dgm:prSet/>
-      <dgm:spPr/>
-      <dgm:t>
-        <a:bodyPr/>
-        <a:lstStyle/>
-        <a:p>
-          <a:endParaRPr lang="en-US"/>
-        </a:p>
-      </dgm:t>
-    </dgm:pt>
-    <dgm:pt modelId="{60DB2B1F-582B-4957-A3C3-DEBC988AA020}" type="sibTrans" cxnId="{10F19246-B6FD-4E6A-8BF5-B257DA615655}">
-      <dgm:prSet/>
-      <dgm:spPr/>
-      <dgm:t>
-        <a:bodyPr/>
-        <a:lstStyle/>
-        <a:p>
-          <a:endParaRPr lang="en-US"/>
-        </a:p>
-      </dgm:t>
-    </dgm:pt>
-    <dgm:pt modelId="{53C655B4-3907-4A11-9309-CDAFE4D5D8F8}">
-      <dgm:prSet phldrT="[Text]"/>
-      <dgm:spPr/>
-      <dgm:t>
-        <a:bodyPr/>
-        <a:lstStyle/>
-        <a:p>
-          <a:pPr rtl="1"/>
-          <a:r>
-            <a:rPr lang="fa-IR" dirty="0"/>
-            <a:t>مدیریت رسانه‌های اجتماعی</a:t>
-          </a:r>
-          <a:endParaRPr lang="en-US" dirty="0"/>
-        </a:p>
-      </dgm:t>
-    </dgm:pt>
-    <dgm:pt modelId="{09AE70A7-8840-4A00-A85D-F8C8CE462DB3}" type="sibTrans" cxnId="{4DFA6021-6D23-4F83-8438-DD501054558F}">
-      <dgm:prSet/>
-      <dgm:spPr/>
-      <dgm:t>
-        <a:bodyPr/>
-        <a:lstStyle/>
-        <a:p>
-          <a:pPr rtl="1"/>
-          <a:endParaRPr lang="en-US"/>
-        </a:p>
-      </dgm:t>
-    </dgm:pt>
-    <dgm:pt modelId="{206C2A95-6D59-4CFA-8C6F-C63A44C6633B}" type="parTrans" cxnId="{4DFA6021-6D23-4F83-8438-DD501054558F}">
-      <dgm:prSet/>
-      <dgm:spPr/>
-      <dgm:t>
-        <a:bodyPr/>
-        <a:lstStyle/>
-        <a:p>
-          <a:pPr rtl="1"/>
-          <a:endParaRPr lang="en-US"/>
-        </a:p>
-      </dgm:t>
-    </dgm:pt>
-    <dgm:pt modelId="{8D47F39E-3962-4489-AE42-B101246DDA93}">
-      <dgm:prSet phldrT="[Text]"/>
-      <dgm:spPr/>
-      <dgm:t>
-        <a:bodyPr/>
-        <a:lstStyle/>
-        <a:p>
-          <a:pPr rtl="1"/>
-          <a:r>
-            <a:rPr lang="fa-IR" dirty="0"/>
-            <a:t>صدور فاکتور</a:t>
-          </a:r>
-          <a:endParaRPr lang="en-US" dirty="0"/>
-        </a:p>
-      </dgm:t>
-    </dgm:pt>
-    <dgm:pt modelId="{4D8FDAB6-CEBE-4E09-B077-6E13DFD55764}" type="sibTrans" cxnId="{8FC74FF7-CBD7-4BE0-BADB-29D5A3046D3A}">
-      <dgm:prSet/>
-      <dgm:spPr/>
-      <dgm:t>
-        <a:bodyPr/>
-        <a:lstStyle/>
-        <a:p>
-          <a:endParaRPr lang="en-US"/>
-        </a:p>
-      </dgm:t>
-    </dgm:pt>
-    <dgm:pt modelId="{E58646AD-BCCA-4720-963C-83F383F6597B}" type="parTrans" cxnId="{8FC74FF7-CBD7-4BE0-BADB-29D5A3046D3A}">
       <dgm:prSet/>
       <dgm:spPr/>
       <dgm:t>
@@ -1316,7 +1294,7 @@
           <a:pPr rtl="1"/>
           <a:r>
             <a:rPr lang="fa-IR" dirty="0"/>
-            <a:t>اتصال به تجهیزات فروشگاهی</a:t>
+            <a:t>اتصال به بارکدخوان</a:t>
           </a:r>
           <a:endParaRPr lang="en-US" dirty="0"/>
         </a:p>
@@ -1394,7 +1372,7 @@
         <a:p>
           <a:pPr rtl="1"/>
           <a:r>
-            <a:rPr lang="fa-IR"/>
+            <a:rPr lang="fa-IR" dirty="0"/>
             <a:t>اتصال به پی‌سی پوز</a:t>
           </a:r>
           <a:endParaRPr lang="en-US" dirty="0"/>
@@ -1423,237 +1401,1672 @@
         </a:p>
       </dgm:t>
     </dgm:pt>
-    <dgm:pt modelId="{E635D103-F4A0-4685-B381-F26D64CFEF32}" type="pres">
-      <dgm:prSet presAssocID="{BFF6AE00-9A18-494C-A394-ABAC976E0063}" presName="theList" presStyleCnt="0">
+    <dgm:pt modelId="{CCC99455-7199-476B-B12A-6E28C7C62802}">
+      <dgm:prSet phldrT="[Text]"/>
+      <dgm:spPr/>
+      <dgm:t>
+        <a:bodyPr/>
+        <a:lstStyle/>
+        <a:p>
+          <a:r>
+            <a:rPr lang="fa-IR" dirty="0"/>
+            <a:t>اپلیکیشن اختصاصی</a:t>
+          </a:r>
+          <a:endParaRPr lang="en-US" dirty="0"/>
+        </a:p>
+      </dgm:t>
+    </dgm:pt>
+    <dgm:pt modelId="{3F9ECC8D-0DD1-4C76-856A-9B535769D888}" type="parTrans" cxnId="{3129F75D-6477-49E4-9085-5415ACB205F3}">
+      <dgm:prSet/>
+      <dgm:spPr/>
+      <dgm:t>
+        <a:bodyPr/>
+        <a:lstStyle/>
+        <a:p>
+          <a:endParaRPr lang="en-US"/>
+        </a:p>
+      </dgm:t>
+    </dgm:pt>
+    <dgm:pt modelId="{1518DE66-7E1D-4896-8D17-DEED00338152}" type="sibTrans" cxnId="{3129F75D-6477-49E4-9085-5415ACB205F3}">
+      <dgm:prSet/>
+      <dgm:spPr/>
+      <dgm:t>
+        <a:bodyPr/>
+        <a:lstStyle/>
+        <a:p>
+          <a:endParaRPr lang="en-US"/>
+        </a:p>
+      </dgm:t>
+    </dgm:pt>
+    <dgm:pt modelId="{12927716-E404-49A7-9916-036572DAB4EC}">
+      <dgm:prSet phldrT="[Text]"/>
+      <dgm:spPr/>
+      <dgm:t>
+        <a:bodyPr/>
+        <a:lstStyle/>
+        <a:p>
+          <a:pPr rtl="1"/>
+          <a:r>
+            <a:rPr lang="fa-IR" dirty="0"/>
+            <a:t>مدیریت رسانه‌های اجتماعی</a:t>
+          </a:r>
+          <a:endParaRPr lang="en-US" dirty="0"/>
+        </a:p>
+      </dgm:t>
+    </dgm:pt>
+    <dgm:pt modelId="{57E0B5E1-2B3B-4B13-A579-4FC8791DC182}" type="parTrans" cxnId="{9BB01D85-6AC7-4C59-9FF3-3EDA65A7B55E}">
+      <dgm:prSet/>
+      <dgm:spPr/>
+      <dgm:t>
+        <a:bodyPr/>
+        <a:lstStyle/>
+        <a:p>
+          <a:endParaRPr lang="en-US"/>
+        </a:p>
+      </dgm:t>
+    </dgm:pt>
+    <dgm:pt modelId="{D4A39915-AB2D-4EB7-BF5F-C51943016CB2}" type="sibTrans" cxnId="{9BB01D85-6AC7-4C59-9FF3-3EDA65A7B55E}">
+      <dgm:prSet/>
+      <dgm:spPr/>
+      <dgm:t>
+        <a:bodyPr/>
+        <a:lstStyle/>
+        <a:p>
+          <a:endParaRPr lang="en-US"/>
+        </a:p>
+      </dgm:t>
+    </dgm:pt>
+    <dgm:pt modelId="{854AE3A7-6E20-4E0E-8594-21B9DCBD0220}">
+      <dgm:prSet phldrT="[Text]"/>
+      <dgm:spPr/>
+      <dgm:t>
+        <a:bodyPr/>
+        <a:lstStyle/>
+        <a:p>
+          <a:pPr rtl="1"/>
+          <a:r>
+            <a:rPr lang="fa-IR" dirty="0"/>
+            <a:t>نرم‌افزار صندوق فروشگاهی</a:t>
+          </a:r>
+          <a:endParaRPr lang="en-US" dirty="0"/>
+        </a:p>
+      </dgm:t>
+    </dgm:pt>
+    <dgm:pt modelId="{E36FE486-C6B2-4C48-99A0-498A83F6E6FC}" type="parTrans" cxnId="{394DB2B2-44D5-459D-B42B-1B25B0460953}">
+      <dgm:prSet/>
+      <dgm:spPr/>
+      <dgm:t>
+        <a:bodyPr/>
+        <a:lstStyle/>
+        <a:p>
+          <a:endParaRPr lang="en-US"/>
+        </a:p>
+      </dgm:t>
+    </dgm:pt>
+    <dgm:pt modelId="{2FD1DE4D-96CE-4EFD-9F66-63D17C3D53C9}" type="sibTrans" cxnId="{394DB2B2-44D5-459D-B42B-1B25B0460953}">
+      <dgm:prSet/>
+      <dgm:spPr/>
+      <dgm:t>
+        <a:bodyPr/>
+        <a:lstStyle/>
+        <a:p>
+          <a:endParaRPr lang="en-US"/>
+        </a:p>
+      </dgm:t>
+    </dgm:pt>
+    <dgm:pt modelId="{9A54F159-1E7E-47D9-B0B2-BE11BD8E6320}">
+      <dgm:prSet phldrT="[Text]"/>
+      <dgm:spPr/>
+      <dgm:t>
+        <a:bodyPr/>
+        <a:lstStyle/>
+        <a:p>
+          <a:pPr rtl="1"/>
+          <a:r>
+            <a:rPr lang="fa-IR" dirty="0"/>
+            <a:t>صدور فاکتور</a:t>
+          </a:r>
+          <a:endParaRPr lang="en-US" dirty="0"/>
+        </a:p>
+      </dgm:t>
+    </dgm:pt>
+    <dgm:pt modelId="{92D250A7-55F4-4B66-82B9-99B78E7866BF}" type="parTrans" cxnId="{8F6B8EE3-4028-42B9-AD6C-6C5F1CCE5C14}">
+      <dgm:prSet/>
+      <dgm:spPr/>
+      <dgm:t>
+        <a:bodyPr/>
+        <a:lstStyle/>
+        <a:p>
+          <a:endParaRPr lang="en-US"/>
+        </a:p>
+      </dgm:t>
+    </dgm:pt>
+    <dgm:pt modelId="{56EE5632-AEE2-4CE4-BA79-2FADD19EF51C}" type="sibTrans" cxnId="{8F6B8EE3-4028-42B9-AD6C-6C5F1CCE5C14}">
+      <dgm:prSet/>
+      <dgm:spPr/>
+      <dgm:t>
+        <a:bodyPr/>
+        <a:lstStyle/>
+        <a:p>
+          <a:endParaRPr lang="en-US"/>
+        </a:p>
+      </dgm:t>
+    </dgm:pt>
+    <dgm:pt modelId="{9C65126A-DF53-4518-9270-BCEAD82E75B6}">
+      <dgm:prSet phldrT="[Text]"/>
+      <dgm:spPr/>
+      <dgm:t>
+        <a:bodyPr/>
+        <a:lstStyle/>
+        <a:p>
+          <a:pPr rtl="1"/>
+          <a:r>
+            <a:rPr lang="fa-IR" dirty="0"/>
+            <a:t>اتصال به ترازوی دیجیتال</a:t>
+          </a:r>
+          <a:endParaRPr lang="en-US" dirty="0"/>
+        </a:p>
+      </dgm:t>
+    </dgm:pt>
+    <dgm:pt modelId="{2127F4D6-A70F-4886-8E20-0133F2F7B1F1}" type="parTrans" cxnId="{5345DA7E-8850-4507-BD78-B3692CD2C44B}">
+      <dgm:prSet/>
+      <dgm:spPr/>
+      <dgm:t>
+        <a:bodyPr/>
+        <a:lstStyle/>
+        <a:p>
+          <a:endParaRPr lang="en-US"/>
+        </a:p>
+      </dgm:t>
+    </dgm:pt>
+    <dgm:pt modelId="{1976C48A-2E12-48AE-95E8-BA772328DA83}" type="sibTrans" cxnId="{5345DA7E-8850-4507-BD78-B3692CD2C44B}">
+      <dgm:prSet/>
+      <dgm:spPr/>
+      <dgm:t>
+        <a:bodyPr/>
+        <a:lstStyle/>
+        <a:p>
+          <a:endParaRPr lang="en-US"/>
+        </a:p>
+      </dgm:t>
+    </dgm:pt>
+    <dgm:pt modelId="{564D3F2E-84B7-40ED-B914-10120DB5BF18}">
+      <dgm:prSet phldrT="[Text]"/>
+      <dgm:spPr/>
+      <dgm:t>
+        <a:bodyPr/>
+        <a:lstStyle/>
+        <a:p>
+          <a:pPr rtl="1"/>
+          <a:r>
+            <a:rPr lang="en-US" dirty="0"/>
+            <a:t>CRM</a:t>
+          </a:r>
+        </a:p>
+      </dgm:t>
+    </dgm:pt>
+    <dgm:pt modelId="{A84CED32-1EE5-4716-8713-68DE2678ACDC}" type="parTrans" cxnId="{F1749679-3146-4D34-AD61-0277546CF13F}">
+      <dgm:prSet/>
+      <dgm:spPr/>
+      <dgm:t>
+        <a:bodyPr/>
+        <a:lstStyle/>
+        <a:p>
+          <a:endParaRPr lang="en-US"/>
+        </a:p>
+      </dgm:t>
+    </dgm:pt>
+    <dgm:pt modelId="{2D925ED9-E0DB-4C1B-B0F9-28240A718E32}" type="sibTrans" cxnId="{F1749679-3146-4D34-AD61-0277546CF13F}">
+      <dgm:prSet/>
+      <dgm:spPr/>
+      <dgm:t>
+        <a:bodyPr/>
+        <a:lstStyle/>
+        <a:p>
+          <a:endParaRPr lang="en-US"/>
+        </a:p>
+      </dgm:t>
+    </dgm:pt>
+    <dgm:pt modelId="{3582F5E9-4213-4654-8C99-5250ADC53CB6}">
+      <dgm:prSet phldrT="[Text]"/>
+      <dgm:spPr/>
+      <dgm:t>
+        <a:bodyPr/>
+        <a:lstStyle/>
+        <a:p>
+          <a:pPr rtl="1"/>
+          <a:r>
+            <a:rPr lang="fa-IR" dirty="0"/>
+            <a:t>سیستم مدیریت محتوا</a:t>
+          </a:r>
+          <a:endParaRPr lang="en-US" dirty="0"/>
+        </a:p>
+      </dgm:t>
+    </dgm:pt>
+    <dgm:pt modelId="{CB95D8CD-B2A7-4D42-AFEA-28696EF79A15}" type="parTrans" cxnId="{0F3A738F-64FE-4467-A00A-FB01388EB1DC}">
+      <dgm:prSet/>
+      <dgm:spPr/>
+      <dgm:t>
+        <a:bodyPr/>
+        <a:lstStyle/>
+        <a:p>
+          <a:endParaRPr lang="en-US"/>
+        </a:p>
+      </dgm:t>
+    </dgm:pt>
+    <dgm:pt modelId="{CE2B0474-56C0-4B95-9E41-0C91CC4A3FAA}" type="sibTrans" cxnId="{0F3A738F-64FE-4467-A00A-FB01388EB1DC}">
+      <dgm:prSet/>
+      <dgm:spPr/>
+      <dgm:t>
+        <a:bodyPr/>
+        <a:lstStyle/>
+        <a:p>
+          <a:endParaRPr lang="en-US"/>
+        </a:p>
+      </dgm:t>
+    </dgm:pt>
+    <dgm:pt modelId="{828D806D-1027-4104-BCD8-349DB38A165D}">
+      <dgm:prSet phldrT="[Text]"/>
+      <dgm:spPr/>
+      <dgm:t>
+        <a:bodyPr/>
+        <a:lstStyle/>
+        <a:p>
+          <a:pPr rtl="1"/>
+          <a:r>
+            <a:rPr lang="fa-IR" dirty="0"/>
+            <a:t>بهینه‌شده برای موتورهای جستجو</a:t>
+          </a:r>
+          <a:endParaRPr lang="en-US" dirty="0"/>
+        </a:p>
+      </dgm:t>
+    </dgm:pt>
+    <dgm:pt modelId="{D37CB5DD-4B5C-4BCC-9992-D0FD41C79600}" type="parTrans" cxnId="{282F0131-3BB5-418F-A506-B7C061EF5176}">
+      <dgm:prSet/>
+      <dgm:spPr/>
+      <dgm:t>
+        <a:bodyPr/>
+        <a:lstStyle/>
+        <a:p>
+          <a:endParaRPr lang="en-US"/>
+        </a:p>
+      </dgm:t>
+    </dgm:pt>
+    <dgm:pt modelId="{702A93C5-27E8-4822-90B3-1DD1E2308598}" type="sibTrans" cxnId="{282F0131-3BB5-418F-A506-B7C061EF5176}">
+      <dgm:prSet/>
+      <dgm:spPr/>
+      <dgm:t>
+        <a:bodyPr/>
+        <a:lstStyle/>
+        <a:p>
+          <a:endParaRPr lang="en-US"/>
+        </a:p>
+      </dgm:t>
+    </dgm:pt>
+    <dgm:pt modelId="{3636DDCD-831F-4CEB-BFA2-DB3FF781FF58}">
+      <dgm:prSet phldrT="[Text]"/>
+      <dgm:spPr/>
+      <dgm:t>
+        <a:bodyPr/>
+        <a:lstStyle/>
+        <a:p>
+          <a:pPr rtl="1"/>
+          <a:r>
+            <a:rPr lang="fa-IR" dirty="0"/>
+            <a:t>طراحی دوستدار موبایل</a:t>
+          </a:r>
+          <a:endParaRPr lang="en-US" dirty="0"/>
+        </a:p>
+      </dgm:t>
+    </dgm:pt>
+    <dgm:pt modelId="{F0C689B4-3E76-48AE-B4EE-DDCA24129A8E}" type="parTrans" cxnId="{E6C62D34-B004-454E-804C-7786001411D2}">
+      <dgm:prSet/>
+      <dgm:spPr/>
+      <dgm:t>
+        <a:bodyPr/>
+        <a:lstStyle/>
+        <a:p>
+          <a:endParaRPr lang="en-US"/>
+        </a:p>
+      </dgm:t>
+    </dgm:pt>
+    <dgm:pt modelId="{E8E94E25-CDEA-410C-8DF2-54CBA8E9EFC7}" type="sibTrans" cxnId="{E6C62D34-B004-454E-804C-7786001411D2}">
+      <dgm:prSet/>
+      <dgm:spPr/>
+      <dgm:t>
+        <a:bodyPr/>
+        <a:lstStyle/>
+        <a:p>
+          <a:endParaRPr lang="en-US"/>
+        </a:p>
+      </dgm:t>
+    </dgm:pt>
+    <dgm:pt modelId="{28D1162C-2862-4EC2-B064-42911AF461FF}">
+      <dgm:prSet phldrT="[Text]"/>
+      <dgm:spPr/>
+      <dgm:t>
+        <a:bodyPr/>
+        <a:lstStyle/>
+        <a:p>
+          <a:pPr rtl="1"/>
+          <a:r>
+            <a:rPr lang="fa-IR" dirty="0"/>
+            <a:t>کدتخفیف و جشنواره</a:t>
+          </a:r>
+          <a:endParaRPr lang="en-US" dirty="0"/>
+        </a:p>
+      </dgm:t>
+    </dgm:pt>
+    <dgm:pt modelId="{44002492-8863-40B9-B1DE-280E78E1FEEA}" type="sibTrans" cxnId="{00A46B70-F7FC-47B0-BDD5-01D3E6A49B6D}">
+      <dgm:prSet/>
+      <dgm:spPr/>
+      <dgm:t>
+        <a:bodyPr/>
+        <a:lstStyle/>
+        <a:p>
+          <a:endParaRPr lang="en-US"/>
+        </a:p>
+      </dgm:t>
+    </dgm:pt>
+    <dgm:pt modelId="{929B2A52-8422-4DF5-9FC0-F1E1480928E3}" type="parTrans" cxnId="{00A46B70-F7FC-47B0-BDD5-01D3E6A49B6D}">
+      <dgm:prSet/>
+      <dgm:spPr/>
+      <dgm:t>
+        <a:bodyPr/>
+        <a:lstStyle/>
+        <a:p>
+          <a:endParaRPr lang="en-US"/>
+        </a:p>
+      </dgm:t>
+    </dgm:pt>
+    <dgm:pt modelId="{B7354BEC-1D03-47AD-B8B7-7E4DD2D84F93}">
+      <dgm:prSet phldrT="[Text]"/>
+      <dgm:spPr/>
+      <dgm:t>
+        <a:bodyPr/>
+        <a:lstStyle/>
+        <a:p>
+          <a:pPr rtl="1"/>
+          <a:r>
+            <a:rPr lang="fa-IR" dirty="0"/>
+            <a:t>دیزاین‌های پرمیوم</a:t>
+          </a:r>
+          <a:endParaRPr lang="en-US" dirty="0"/>
+        </a:p>
+      </dgm:t>
+    </dgm:pt>
+    <dgm:pt modelId="{1DD64562-554F-46EB-9FCA-4805153532B8}" type="parTrans" cxnId="{A80498F7-FD94-4E19-A52C-8C65E0B2F918}">
+      <dgm:prSet/>
+      <dgm:spPr/>
+      <dgm:t>
+        <a:bodyPr/>
+        <a:lstStyle/>
+        <a:p>
+          <a:endParaRPr lang="en-US"/>
+        </a:p>
+      </dgm:t>
+    </dgm:pt>
+    <dgm:pt modelId="{B536C34A-4E9D-404E-B75C-69FE0D56C08B}" type="sibTrans" cxnId="{A80498F7-FD94-4E19-A52C-8C65E0B2F918}">
+      <dgm:prSet/>
+      <dgm:spPr/>
+      <dgm:t>
+        <a:bodyPr/>
+        <a:lstStyle/>
+        <a:p>
+          <a:endParaRPr lang="en-US"/>
+        </a:p>
+      </dgm:t>
+    </dgm:pt>
+    <dgm:pt modelId="{D8FF52DF-4366-460E-B112-E74DFA5B5142}">
+      <dgm:prSet phldrT="[Text]"/>
+      <dgm:spPr/>
+      <dgm:t>
+        <a:bodyPr/>
+        <a:lstStyle/>
+        <a:p>
+          <a:pPr rtl="1"/>
+          <a:r>
+            <a:rPr lang="fa-IR" dirty="0"/>
+            <a:t>درگاه بانک اختصاصی</a:t>
+          </a:r>
+          <a:endParaRPr lang="en-US" dirty="0"/>
+        </a:p>
+      </dgm:t>
+    </dgm:pt>
+    <dgm:pt modelId="{9D4AADED-2DD9-49D5-B58F-CB36167EB34B}" type="parTrans" cxnId="{CB9AA518-B8F4-4A3E-846E-9A057AD04596}">
+      <dgm:prSet/>
+      <dgm:spPr/>
+      <dgm:t>
+        <a:bodyPr/>
+        <a:lstStyle/>
+        <a:p>
+          <a:endParaRPr lang="en-US"/>
+        </a:p>
+      </dgm:t>
+    </dgm:pt>
+    <dgm:pt modelId="{78B09BC1-981C-4C19-89CD-052176D3D4B6}" type="sibTrans" cxnId="{CB9AA518-B8F4-4A3E-846E-9A057AD04596}">
+      <dgm:prSet/>
+      <dgm:spPr/>
+      <dgm:t>
+        <a:bodyPr/>
+        <a:lstStyle/>
+        <a:p>
+          <a:endParaRPr lang="en-US"/>
+        </a:p>
+      </dgm:t>
+    </dgm:pt>
+    <dgm:pt modelId="{A724D5BF-1CF4-49D9-B759-23F1A2713EE9}">
+      <dgm:prSet phldrT="[Text]"/>
+      <dgm:spPr/>
+      <dgm:t>
+        <a:bodyPr/>
+        <a:lstStyle/>
+        <a:p>
+          <a:pPr rtl="1"/>
+          <a:r>
+            <a:rPr lang="fa-IR" dirty="0"/>
+            <a:t>لینک پرداخت فاکتور *</a:t>
+          </a:r>
+          <a:endParaRPr lang="en-US" dirty="0"/>
+        </a:p>
+      </dgm:t>
+    </dgm:pt>
+    <dgm:pt modelId="{6A8749BA-C799-47C7-8B97-44F225402D9E}" type="parTrans" cxnId="{3AD3DA54-7E32-4BC4-AA98-178B1224219F}">
+      <dgm:prSet/>
+      <dgm:spPr/>
+      <dgm:t>
+        <a:bodyPr/>
+        <a:lstStyle/>
+        <a:p>
+          <a:endParaRPr lang="en-US"/>
+        </a:p>
+      </dgm:t>
+    </dgm:pt>
+    <dgm:pt modelId="{C178E34F-C4A6-4604-8B93-C46B85C662FE}" type="sibTrans" cxnId="{3AD3DA54-7E32-4BC4-AA98-178B1224219F}">
+      <dgm:prSet/>
+      <dgm:spPr/>
+      <dgm:t>
+        <a:bodyPr/>
+        <a:lstStyle/>
+        <a:p>
+          <a:endParaRPr lang="en-US"/>
+        </a:p>
+      </dgm:t>
+    </dgm:pt>
+    <dgm:pt modelId="{A726F9CF-CDFA-4306-B71F-9532BAD7F6A5}">
+      <dgm:prSet phldrT="[Text]"/>
+      <dgm:spPr/>
+      <dgm:t>
+        <a:bodyPr/>
+        <a:lstStyle/>
+        <a:p>
+          <a:pPr rtl="1"/>
+          <a:r>
+            <a:rPr lang="fa-IR" dirty="0"/>
+            <a:t>ربات تلگرام فروشنده</a:t>
+          </a:r>
+          <a:endParaRPr lang="en-US" dirty="0"/>
+        </a:p>
+      </dgm:t>
+    </dgm:pt>
+    <dgm:pt modelId="{07EAC6F0-062A-4301-AC94-EE431E13964E}" type="parTrans" cxnId="{D1337AD8-15E5-469D-B52F-867EC0A84809}">
+      <dgm:prSet/>
+      <dgm:spPr/>
+      <dgm:t>
+        <a:bodyPr/>
+        <a:lstStyle/>
+        <a:p>
+          <a:endParaRPr lang="en-US"/>
+        </a:p>
+      </dgm:t>
+    </dgm:pt>
+    <dgm:pt modelId="{8B777F47-5C36-4AEF-A124-B3EC81B3B55A}" type="sibTrans" cxnId="{D1337AD8-15E5-469D-B52F-867EC0A84809}">
+      <dgm:prSet/>
+      <dgm:spPr/>
+      <dgm:t>
+        <a:bodyPr/>
+        <a:lstStyle/>
+        <a:p>
+          <a:endParaRPr lang="en-US"/>
+        </a:p>
+      </dgm:t>
+    </dgm:pt>
+    <dgm:pt modelId="{1B4A51BF-2B08-41E9-9258-6090E1911574}">
+      <dgm:prSet phldrT="[Text]"/>
+      <dgm:spPr/>
+      <dgm:t>
+        <a:bodyPr/>
+        <a:lstStyle/>
+        <a:p>
+          <a:pPr rtl="1"/>
+          <a:r>
+            <a:rPr lang="fa-IR" dirty="0"/>
+            <a:t>دستیار هوشمند اینستاگرام *</a:t>
+          </a:r>
+          <a:endParaRPr lang="en-US" dirty="0"/>
+        </a:p>
+      </dgm:t>
+    </dgm:pt>
+    <dgm:pt modelId="{9272466C-A399-46E1-A149-284687154820}" type="parTrans" cxnId="{AD0B9974-AF32-40EF-981B-DB592D162A8E}">
+      <dgm:prSet/>
+      <dgm:spPr/>
+      <dgm:t>
+        <a:bodyPr/>
+        <a:lstStyle/>
+        <a:p>
+          <a:endParaRPr lang="en-US"/>
+        </a:p>
+      </dgm:t>
+    </dgm:pt>
+    <dgm:pt modelId="{4B3097A7-A877-449D-ABF7-B7E214F079B5}" type="sibTrans" cxnId="{AD0B9974-AF32-40EF-981B-DB592D162A8E}">
+      <dgm:prSet/>
+      <dgm:spPr/>
+      <dgm:t>
+        <a:bodyPr/>
+        <a:lstStyle/>
+        <a:p>
+          <a:endParaRPr lang="en-US"/>
+        </a:p>
+      </dgm:t>
+    </dgm:pt>
+    <dgm:pt modelId="{EF8DAE04-B6C5-4071-A485-289829C7E7B8}">
+      <dgm:prSet phldrT="[Text]"/>
+      <dgm:spPr/>
+      <dgm:t>
+        <a:bodyPr/>
+        <a:lstStyle/>
+        <a:p>
+          <a:pPr rtl="1"/>
+          <a:r>
+            <a:rPr lang="fa-IR" dirty="0"/>
+            <a:t>سیستم تیکتینگ اختصاصی</a:t>
+          </a:r>
+          <a:endParaRPr lang="en-US" dirty="0"/>
+        </a:p>
+      </dgm:t>
+    </dgm:pt>
+    <dgm:pt modelId="{7F8315E3-AE55-4BAC-ADEF-5A6F5DE25705}" type="parTrans" cxnId="{3A3D03CF-6E2E-4347-BEBD-A01CBA3C72B6}">
+      <dgm:prSet/>
+      <dgm:spPr/>
+      <dgm:t>
+        <a:bodyPr/>
+        <a:lstStyle/>
+        <a:p>
+          <a:endParaRPr lang="en-US"/>
+        </a:p>
+      </dgm:t>
+    </dgm:pt>
+    <dgm:pt modelId="{63C6FCBE-4F28-441D-91A2-2CCD5C149208}" type="sibTrans" cxnId="{3A3D03CF-6E2E-4347-BEBD-A01CBA3C72B6}">
+      <dgm:prSet/>
+      <dgm:spPr/>
+      <dgm:t>
+        <a:bodyPr/>
+        <a:lstStyle/>
+        <a:p>
+          <a:endParaRPr lang="en-US"/>
+        </a:p>
+      </dgm:t>
+    </dgm:pt>
+    <dgm:pt modelId="{8F6DF39C-243B-4A95-B3AF-6540EEA99A5F}">
+      <dgm:prSet phldrT="[Text]"/>
+      <dgm:spPr/>
+      <dgm:t>
+        <a:bodyPr/>
+        <a:lstStyle/>
+        <a:p>
+          <a:pPr rtl="1"/>
+          <a:r>
+            <a:rPr lang="fa-IR" dirty="0"/>
+            <a:t>بلاگ</a:t>
+          </a:r>
+          <a:endParaRPr lang="en-US" dirty="0"/>
+        </a:p>
+      </dgm:t>
+    </dgm:pt>
+    <dgm:pt modelId="{693CC56A-B3AA-4F57-AA4F-A17F357AD98B}" type="parTrans" cxnId="{A10B5D83-3B61-42C1-AD43-3AB64569861E}">
+      <dgm:prSet/>
+      <dgm:spPr/>
+      <dgm:t>
+        <a:bodyPr/>
+        <a:lstStyle/>
+        <a:p>
+          <a:endParaRPr lang="en-US"/>
+        </a:p>
+      </dgm:t>
+    </dgm:pt>
+    <dgm:pt modelId="{5A2F5F40-61B9-4BEB-A8C1-55BF8CB46826}" type="sibTrans" cxnId="{A10B5D83-3B61-42C1-AD43-3AB64569861E}">
+      <dgm:prSet/>
+      <dgm:spPr/>
+      <dgm:t>
+        <a:bodyPr/>
+        <a:lstStyle/>
+        <a:p>
+          <a:endParaRPr lang="en-US"/>
+        </a:p>
+      </dgm:t>
+    </dgm:pt>
+    <dgm:pt modelId="{A1B3A3BF-4F8A-4E95-A770-24E115A93CA2}">
+      <dgm:prSet phldrT="[Text]"/>
+      <dgm:spPr/>
+      <dgm:t>
+        <a:bodyPr/>
+        <a:lstStyle/>
+        <a:p>
+          <a:pPr rtl="1"/>
+          <a:r>
+            <a:rPr lang="fa-IR" dirty="0"/>
+            <a:t>گزارشات نموداری لحظه‌ای</a:t>
+          </a:r>
+          <a:endParaRPr lang="en-US" dirty="0"/>
+        </a:p>
+      </dgm:t>
+    </dgm:pt>
+    <dgm:pt modelId="{A267F215-FBCD-4B90-92F6-E77DB9B4A063}" type="parTrans" cxnId="{6D978235-2CC2-4B56-A316-7AE862F4774C}">
+      <dgm:prSet/>
+      <dgm:spPr/>
+      <dgm:t>
+        <a:bodyPr/>
+        <a:lstStyle/>
+        <a:p>
+          <a:endParaRPr lang="en-US"/>
+        </a:p>
+      </dgm:t>
+    </dgm:pt>
+    <dgm:pt modelId="{5129C51F-CEAF-421E-B43B-297252112B97}" type="sibTrans" cxnId="{6D978235-2CC2-4B56-A316-7AE862F4774C}">
+      <dgm:prSet/>
+      <dgm:spPr/>
+      <dgm:t>
+        <a:bodyPr/>
+        <a:lstStyle/>
+        <a:p>
+          <a:endParaRPr lang="en-US"/>
+        </a:p>
+      </dgm:t>
+    </dgm:pt>
+    <dgm:pt modelId="{FEDA56E1-EB31-4175-B66E-92417CDDA6E3}">
+      <dgm:prSet phldrT="[Text]"/>
+      <dgm:spPr/>
+      <dgm:t>
+        <a:bodyPr/>
+        <a:lstStyle/>
+        <a:p>
+          <a:pPr rtl="1"/>
+          <a:r>
+            <a:rPr lang="fa-IR" dirty="0"/>
+            <a:t>کنترل کامل سطح دسترسی</a:t>
+          </a:r>
+          <a:endParaRPr lang="en-US" dirty="0"/>
+        </a:p>
+      </dgm:t>
+    </dgm:pt>
+    <dgm:pt modelId="{2ED26E21-5CD3-4152-9884-001F409B5150}" type="parTrans" cxnId="{5AF25436-9499-44FA-A414-A08775301A8D}">
+      <dgm:prSet/>
+      <dgm:spPr/>
+      <dgm:t>
+        <a:bodyPr/>
+        <a:lstStyle/>
+        <a:p>
+          <a:endParaRPr lang="en-US"/>
+        </a:p>
+      </dgm:t>
+    </dgm:pt>
+    <dgm:pt modelId="{E6BA01BD-BF15-4DDE-9171-416BADB86343}" type="sibTrans" cxnId="{5AF25436-9499-44FA-A414-A08775301A8D}">
+      <dgm:prSet/>
+      <dgm:spPr/>
+      <dgm:t>
+        <a:bodyPr/>
+        <a:lstStyle/>
+        <a:p>
+          <a:endParaRPr lang="en-US"/>
+        </a:p>
+      </dgm:t>
+    </dgm:pt>
+    <dgm:pt modelId="{0F0ED013-8618-461A-91F2-992B2BAFD9F6}">
+      <dgm:prSet phldrT="[Text]"/>
+      <dgm:spPr/>
+      <dgm:t>
+        <a:bodyPr/>
+        <a:lstStyle/>
+        <a:p>
+          <a:pPr rtl="1"/>
+          <a:r>
+            <a:rPr lang="fa-IR" dirty="0"/>
+            <a:t>داشبوردهای مدیریتی متنوع</a:t>
+          </a:r>
+          <a:endParaRPr lang="en-US" dirty="0"/>
+        </a:p>
+      </dgm:t>
+    </dgm:pt>
+    <dgm:pt modelId="{C8863A14-3BF0-4CF7-8235-D256F7243BB5}" type="parTrans" cxnId="{02D7F013-C5C9-4896-9618-AB3E4CDDAD83}">
+      <dgm:prSet/>
+      <dgm:spPr/>
+      <dgm:t>
+        <a:bodyPr/>
+        <a:lstStyle/>
+        <a:p>
+          <a:endParaRPr lang="en-US"/>
+        </a:p>
+      </dgm:t>
+    </dgm:pt>
+    <dgm:pt modelId="{CC3144E6-3AE5-4E74-B7CB-F450909FCC09}" type="sibTrans" cxnId="{02D7F013-C5C9-4896-9618-AB3E4CDDAD83}">
+      <dgm:prSet/>
+      <dgm:spPr/>
+      <dgm:t>
+        <a:bodyPr/>
+        <a:lstStyle/>
+        <a:p>
+          <a:endParaRPr lang="en-US"/>
+        </a:p>
+      </dgm:t>
+    </dgm:pt>
+    <dgm:pt modelId="{6C22DE64-5A9B-49C6-8EE9-70AA7F240BE9}">
+      <dgm:prSet phldrT="[Text]"/>
+      <dgm:spPr/>
+      <dgm:t>
+        <a:bodyPr/>
+        <a:lstStyle/>
+        <a:p>
+          <a:pPr rtl="1"/>
+          <a:r>
+            <a:rPr lang="fa-IR" dirty="0"/>
+            <a:t>نرم‌افزار حسابداری ابری</a:t>
+          </a:r>
+          <a:endParaRPr lang="en-US" dirty="0"/>
+        </a:p>
+      </dgm:t>
+    </dgm:pt>
+    <dgm:pt modelId="{A80E1A91-5751-49D4-A654-8BDA7A3BC747}" type="parTrans" cxnId="{D216100B-4330-4678-A512-E9A7A3410B49}">
+      <dgm:prSet/>
+      <dgm:spPr/>
+      <dgm:t>
+        <a:bodyPr/>
+        <a:lstStyle/>
+        <a:p>
+          <a:endParaRPr lang="en-US"/>
+        </a:p>
+      </dgm:t>
+    </dgm:pt>
+    <dgm:pt modelId="{5D4436B6-FA2C-4F33-BFCA-FB3CDA9CA34E}" type="sibTrans" cxnId="{D216100B-4330-4678-A512-E9A7A3410B49}">
+      <dgm:prSet/>
+      <dgm:spPr/>
+      <dgm:t>
+        <a:bodyPr/>
+        <a:lstStyle/>
+        <a:p>
+          <a:endParaRPr lang="en-US"/>
+        </a:p>
+      </dgm:t>
+    </dgm:pt>
+    <dgm:pt modelId="{97C6CC90-76C1-4C6C-88C9-5EC4D284E700}">
+      <dgm:prSet phldrT="[Text]"/>
+      <dgm:spPr/>
+      <dgm:t>
+        <a:bodyPr/>
+        <a:lstStyle/>
+        <a:p>
+          <a:pPr rtl="1"/>
+          <a:r>
+            <a:rPr lang="fa-IR" dirty="0"/>
+            <a:t>سیستم انبارداری *</a:t>
+          </a:r>
+          <a:endParaRPr lang="en-US" dirty="0"/>
+        </a:p>
+      </dgm:t>
+    </dgm:pt>
+    <dgm:pt modelId="{D963A599-42F0-4D5D-BFD1-2D50199C6D79}" type="parTrans" cxnId="{1143E3D6-471B-4400-9DCA-1B790BC65D72}">
+      <dgm:prSet/>
+      <dgm:spPr/>
+      <dgm:t>
+        <a:bodyPr/>
+        <a:lstStyle/>
+        <a:p>
+          <a:endParaRPr lang="en-US"/>
+        </a:p>
+      </dgm:t>
+    </dgm:pt>
+    <dgm:pt modelId="{E787D445-5476-436C-B16D-ED4927CB8E56}" type="sibTrans" cxnId="{1143E3D6-471B-4400-9DCA-1B790BC65D72}">
+      <dgm:prSet/>
+      <dgm:spPr/>
+      <dgm:t>
+        <a:bodyPr/>
+        <a:lstStyle/>
+        <a:p>
+          <a:endParaRPr lang="en-US"/>
+        </a:p>
+      </dgm:t>
+    </dgm:pt>
+    <dgm:pt modelId="{A13843B8-1335-4E47-9B85-3C2BD10B4424}">
+      <dgm:prSet phldrT="[Text]"/>
+      <dgm:spPr/>
+      <dgm:t>
+        <a:bodyPr/>
+        <a:lstStyle/>
+        <a:p>
+          <a:pPr rtl="1"/>
+          <a:r>
+            <a:rPr lang="fa-IR" dirty="0"/>
+            <a:t>زیرساخت ابری</a:t>
+          </a:r>
+          <a:endParaRPr lang="en-US" dirty="0"/>
+        </a:p>
+      </dgm:t>
+    </dgm:pt>
+    <dgm:pt modelId="{5008EE0F-EB10-4796-9DEF-2D2156FAADD5}" type="parTrans" cxnId="{F1173A08-3F53-46B9-9807-9E5650A002CC}">
+      <dgm:prSet/>
+      <dgm:spPr/>
+      <dgm:t>
+        <a:bodyPr/>
+        <a:lstStyle/>
+        <a:p>
+          <a:endParaRPr lang="en-US"/>
+        </a:p>
+      </dgm:t>
+    </dgm:pt>
+    <dgm:pt modelId="{A2D39F19-E613-4672-ABFD-ED78EE0147C1}" type="sibTrans" cxnId="{F1173A08-3F53-46B9-9807-9E5650A002CC}">
+      <dgm:prSet/>
+      <dgm:spPr/>
+      <dgm:t>
+        <a:bodyPr/>
+        <a:lstStyle/>
+        <a:p>
+          <a:endParaRPr lang="en-US"/>
+        </a:p>
+      </dgm:t>
+    </dgm:pt>
+    <dgm:pt modelId="{820D78BE-A576-4102-98D0-0CD38DE75CD5}">
+      <dgm:prSet phldrT="[Text]"/>
+      <dgm:spPr/>
+      <dgm:t>
+        <a:bodyPr/>
+        <a:lstStyle/>
+        <a:p>
+          <a:pPr rtl="1"/>
+          <a:r>
+            <a:rPr lang="fa-IR" dirty="0"/>
+            <a:t>بکاپ‌گیری خودکار</a:t>
+          </a:r>
+          <a:endParaRPr lang="en-US" dirty="0"/>
+        </a:p>
+      </dgm:t>
+    </dgm:pt>
+    <dgm:pt modelId="{DA2B69BF-FB78-40FA-BF31-6970A3F838CF}" type="parTrans" cxnId="{55D0492A-F066-457F-94D2-2F6D8F755799}">
+      <dgm:prSet/>
+      <dgm:spPr/>
+      <dgm:t>
+        <a:bodyPr/>
+        <a:lstStyle/>
+        <a:p>
+          <a:endParaRPr lang="en-US"/>
+        </a:p>
+      </dgm:t>
+    </dgm:pt>
+    <dgm:pt modelId="{FEBA19D4-3D16-478D-B95D-EDA64EE47B98}" type="sibTrans" cxnId="{55D0492A-F066-457F-94D2-2F6D8F755799}">
+      <dgm:prSet/>
+      <dgm:spPr/>
+      <dgm:t>
+        <a:bodyPr/>
+        <a:lstStyle/>
+        <a:p>
+          <a:endParaRPr lang="en-US"/>
+        </a:p>
+      </dgm:t>
+    </dgm:pt>
+    <dgm:pt modelId="{5DD042D9-535A-4155-B62D-70709E4FE853}">
+      <dgm:prSet phldrT="[Text]"/>
+      <dgm:spPr/>
+      <dgm:t>
+        <a:bodyPr/>
+        <a:lstStyle/>
+        <a:p>
+          <a:pPr rtl="1"/>
+          <a:r>
+            <a:rPr lang="fa-IR" dirty="0"/>
+            <a:t>فرم‌ساز حرفه‌ای</a:t>
+          </a:r>
+          <a:endParaRPr lang="en-US" dirty="0"/>
+        </a:p>
+      </dgm:t>
+    </dgm:pt>
+    <dgm:pt modelId="{AE0C36D2-B169-4ACE-AE89-69C98DAF9E1E}" type="parTrans" cxnId="{205CA64A-FB95-4527-9B7E-21F944D93D6D}">
+      <dgm:prSet/>
+      <dgm:spPr/>
+      <dgm:t>
+        <a:bodyPr/>
+        <a:lstStyle/>
+        <a:p>
+          <a:endParaRPr lang="en-US"/>
+        </a:p>
+      </dgm:t>
+    </dgm:pt>
+    <dgm:pt modelId="{B2D96604-DAF9-428E-913A-4C4033F6D617}" type="sibTrans" cxnId="{205CA64A-FB95-4527-9B7E-21F944D93D6D}">
+      <dgm:prSet/>
+      <dgm:spPr/>
+      <dgm:t>
+        <a:bodyPr/>
+        <a:lstStyle/>
+        <a:p>
+          <a:endParaRPr lang="en-US"/>
+        </a:p>
+      </dgm:t>
+    </dgm:pt>
+    <dgm:pt modelId="{12B483B0-5C92-490C-9D29-31570454D2AE}">
+      <dgm:prSet phldrT="[Text]"/>
+      <dgm:spPr/>
+      <dgm:t>
+        <a:bodyPr/>
+        <a:lstStyle/>
+        <a:p>
+          <a:pPr rtl="1"/>
+          <a:r>
+            <a:rPr lang="fa-IR" dirty="0"/>
+            <a:t>سیستم تگ پیشرفته</a:t>
+          </a:r>
+          <a:endParaRPr lang="en-US" dirty="0"/>
+        </a:p>
+      </dgm:t>
+    </dgm:pt>
+    <dgm:pt modelId="{27B0E1C2-125C-46CC-99A9-33532197A185}" type="parTrans" cxnId="{982B4FAC-BD38-4AC0-9BB0-7D9C965AFA3C}">
+      <dgm:prSet/>
+      <dgm:spPr/>
+      <dgm:t>
+        <a:bodyPr/>
+        <a:lstStyle/>
+        <a:p>
+          <a:endParaRPr lang="en-US"/>
+        </a:p>
+      </dgm:t>
+    </dgm:pt>
+    <dgm:pt modelId="{8CAE963D-1816-440A-AD1C-E8ECF1657031}" type="sibTrans" cxnId="{982B4FAC-BD38-4AC0-9BB0-7D9C965AFA3C}">
+      <dgm:prSet/>
+      <dgm:spPr/>
+      <dgm:t>
+        <a:bodyPr/>
+        <a:lstStyle/>
+        <a:p>
+          <a:endParaRPr lang="en-US"/>
+        </a:p>
+      </dgm:t>
+    </dgm:pt>
+    <dgm:pt modelId="{DB9AE5BA-3591-400E-8B45-73D55B197BD4}">
+      <dgm:prSet phldrT="[Text]"/>
+      <dgm:spPr/>
+      <dgm:t>
+        <a:bodyPr/>
+        <a:lstStyle/>
+        <a:p>
+          <a:pPr rtl="1"/>
+          <a:r>
+            <a:rPr lang="fa-IR" dirty="0"/>
+            <a:t>اتصال به سرویس‌های دیگران</a:t>
+          </a:r>
+          <a:endParaRPr lang="en-US" dirty="0"/>
+        </a:p>
+      </dgm:t>
+    </dgm:pt>
+    <dgm:pt modelId="{FB35D7FD-42F3-446A-A648-9E0EF5FC671E}" type="parTrans" cxnId="{04245CF9-DECB-40F7-A2AA-3EF2750BD2FA}">
+      <dgm:prSet/>
+      <dgm:spPr/>
+      <dgm:t>
+        <a:bodyPr/>
+        <a:lstStyle/>
+        <a:p>
+          <a:endParaRPr lang="en-US"/>
+        </a:p>
+      </dgm:t>
+    </dgm:pt>
+    <dgm:pt modelId="{093D3CBE-E286-48E6-9D1A-CE330B52349C}" type="sibTrans" cxnId="{04245CF9-DECB-40F7-A2AA-3EF2750BD2FA}">
+      <dgm:prSet/>
+      <dgm:spPr/>
+      <dgm:t>
+        <a:bodyPr/>
+        <a:lstStyle/>
+        <a:p>
+          <a:endParaRPr lang="en-US"/>
+        </a:p>
+      </dgm:t>
+    </dgm:pt>
+    <dgm:pt modelId="{D6CC2E90-689D-4BC5-A3FD-D0A353EA2F5A}">
+      <dgm:prSet phldrT="[Text]"/>
+      <dgm:spPr/>
+      <dgm:t>
+        <a:bodyPr/>
+        <a:lstStyle/>
+        <a:p>
+          <a:pPr rtl="1"/>
+          <a:r>
+            <a:rPr lang="fa-IR" dirty="0"/>
+            <a:t>مرکز دامنه</a:t>
+          </a:r>
+          <a:endParaRPr lang="en-US" dirty="0"/>
+        </a:p>
+      </dgm:t>
+    </dgm:pt>
+    <dgm:pt modelId="{2A75F3B8-8E14-4FCF-8C4A-012B1BA9E1E8}" type="parTrans" cxnId="{424A9EF5-B228-4F4C-A1AB-66B627AB1E17}">
+      <dgm:prSet/>
+      <dgm:spPr/>
+      <dgm:t>
+        <a:bodyPr/>
+        <a:lstStyle/>
+        <a:p>
+          <a:endParaRPr lang="en-US"/>
+        </a:p>
+      </dgm:t>
+    </dgm:pt>
+    <dgm:pt modelId="{8BB0BB0E-35D8-4C33-9BF8-74DEB462BF63}" type="sibTrans" cxnId="{424A9EF5-B228-4F4C-A1AB-66B627AB1E17}">
+      <dgm:prSet/>
+      <dgm:spPr/>
+      <dgm:t>
+        <a:bodyPr/>
+        <a:lstStyle/>
+        <a:p>
+          <a:endParaRPr lang="en-US"/>
+        </a:p>
+      </dgm:t>
+    </dgm:pt>
+    <dgm:pt modelId="{C33B13F9-4C3B-49BA-922D-4C360939F391}">
+      <dgm:prSet phldrT="[Text]"/>
+      <dgm:spPr/>
+      <dgm:t>
+        <a:bodyPr/>
+        <a:lstStyle/>
+        <a:p>
+          <a:pPr rtl="1"/>
+          <a:r>
+            <a:rPr lang="en-US" dirty="0"/>
+            <a:t>Full API</a:t>
+          </a:r>
+        </a:p>
+      </dgm:t>
+    </dgm:pt>
+    <dgm:pt modelId="{A1349AA8-312D-459C-A895-71E711B2958C}" type="parTrans" cxnId="{5E640F0B-7B0B-41AE-8326-656CD85A9781}">
+      <dgm:prSet/>
+      <dgm:spPr/>
+      <dgm:t>
+        <a:bodyPr/>
+        <a:lstStyle/>
+        <a:p>
+          <a:endParaRPr lang="en-US"/>
+        </a:p>
+      </dgm:t>
+    </dgm:pt>
+    <dgm:pt modelId="{0213315D-2DB4-4968-8255-3736418C4903}" type="sibTrans" cxnId="{5E640F0B-7B0B-41AE-8326-656CD85A9781}">
+      <dgm:prSet/>
+      <dgm:spPr/>
+      <dgm:t>
+        <a:bodyPr/>
+        <a:lstStyle/>
+        <a:p>
+          <a:endParaRPr lang="en-US"/>
+        </a:p>
+      </dgm:t>
+    </dgm:pt>
+    <dgm:pt modelId="{04A9194E-F113-4E12-A769-49460DE56F77}" type="pres">
+      <dgm:prSet presAssocID="{BFF6AE00-9A18-494C-A394-ABAC976E0063}" presName="diagram" presStyleCnt="0">
         <dgm:presLayoutVars>
           <dgm:dir val="rev"/>
-          <dgm:animLvl val="lvl"/>
           <dgm:resizeHandles val="exact"/>
         </dgm:presLayoutVars>
       </dgm:prSet>
       <dgm:spPr/>
     </dgm:pt>
-    <dgm:pt modelId="{04975E7E-23E4-4BC4-8954-2F4CC247D574}" type="pres">
-      <dgm:prSet presAssocID="{B72004A0-3F4B-49D3-8BBA-0A07C9A4BDAE}" presName="compNode" presStyleCnt="0"/>
-      <dgm:spPr/>
-    </dgm:pt>
-    <dgm:pt modelId="{5693F0C5-297A-483A-927B-951ECD089C9E}" type="pres">
-      <dgm:prSet presAssocID="{B72004A0-3F4B-49D3-8BBA-0A07C9A4BDAE}" presName="aNode" presStyleLbl="bgShp" presStyleIdx="0" presStyleCnt="4"/>
-      <dgm:spPr/>
-    </dgm:pt>
-    <dgm:pt modelId="{2C95FF14-29FE-4B92-91B4-C5F6263DA8A4}" type="pres">
-      <dgm:prSet presAssocID="{B72004A0-3F4B-49D3-8BBA-0A07C9A4BDAE}" presName="textNode" presStyleLbl="bgShp" presStyleIdx="0" presStyleCnt="4"/>
-      <dgm:spPr/>
-    </dgm:pt>
-    <dgm:pt modelId="{C3D1D089-879B-426F-9759-C217097D273C}" type="pres">
-      <dgm:prSet presAssocID="{B72004A0-3F4B-49D3-8BBA-0A07C9A4BDAE}" presName="compChildNode" presStyleCnt="0"/>
-      <dgm:spPr/>
-    </dgm:pt>
-    <dgm:pt modelId="{F195F9B7-A5CB-4527-B37C-DA68D40F3C4B}" type="pres">
-      <dgm:prSet presAssocID="{B72004A0-3F4B-49D3-8BBA-0A07C9A4BDAE}" presName="theInnerList" presStyleCnt="0"/>
-      <dgm:spPr/>
-    </dgm:pt>
-    <dgm:pt modelId="{8079236B-4F1B-40BF-B155-D61C057C1607}" type="pres">
-      <dgm:prSet presAssocID="{8D47F39E-3962-4489-AE42-B101246DDA93}" presName="childNode" presStyleLbl="node1" presStyleIdx="0" presStyleCnt="6">
+    <dgm:pt modelId="{EC8B4F79-3B7D-489A-A6BC-11C4E8C85428}" type="pres">
+      <dgm:prSet presAssocID="{B72004A0-3F4B-49D3-8BBA-0A07C9A4BDAE}" presName="node" presStyleLbl="node1" presStyleIdx="0" presStyleCnt="35">
         <dgm:presLayoutVars>
           <dgm:bulletEnabled val="1"/>
         </dgm:presLayoutVars>
       </dgm:prSet>
       <dgm:spPr/>
     </dgm:pt>
-    <dgm:pt modelId="{140841F7-C57B-4EAC-9A0B-65AAC2481807}" type="pres">
-      <dgm:prSet presAssocID="{8D47F39E-3962-4489-AE42-B101246DDA93}" presName="aSpace2" presStyleCnt="0"/>
+    <dgm:pt modelId="{CE2C439A-36EF-4DB3-A92E-6DA6E5772D53}" type="pres">
+      <dgm:prSet presAssocID="{DFAAE3E2-81E0-4C71-81E3-89E13C29837E}" presName="sibTrans" presStyleCnt="0"/>
       <dgm:spPr/>
     </dgm:pt>
-    <dgm:pt modelId="{2401C5E9-8227-42BF-8E66-0A76A2B1DA2D}" type="pres">
-      <dgm:prSet presAssocID="{1E2CC3CB-0599-4B10-A194-73F5FDE5AC54}" presName="childNode" presStyleLbl="node1" presStyleIdx="1" presStyleCnt="6">
+    <dgm:pt modelId="{B4E1D589-E6A2-4C8C-B272-F067E195DB99}" type="pres">
+      <dgm:prSet presAssocID="{CCC99455-7199-476B-B12A-6E28C7C62802}" presName="node" presStyleLbl="node1" presStyleIdx="1" presStyleCnt="35">
         <dgm:presLayoutVars>
           <dgm:bulletEnabled val="1"/>
         </dgm:presLayoutVars>
       </dgm:prSet>
       <dgm:spPr/>
     </dgm:pt>
-    <dgm:pt modelId="{75BAEBA1-62ED-4355-83AF-0A301FE87AEB}" type="pres">
-      <dgm:prSet presAssocID="{1E2CC3CB-0599-4B10-A194-73F5FDE5AC54}" presName="aSpace2" presStyleCnt="0"/>
+    <dgm:pt modelId="{77117B51-6995-4C59-85FB-3BE294432016}" type="pres">
+      <dgm:prSet presAssocID="{1518DE66-7E1D-4896-8D17-DEED00338152}" presName="sibTrans" presStyleCnt="0"/>
       <dgm:spPr/>
     </dgm:pt>
-    <dgm:pt modelId="{22738A7C-2137-42D0-B57A-1AC7D13B7BA6}" type="pres">
-      <dgm:prSet presAssocID="{3B323CA1-671E-4716-980E-406A493A9709}" presName="childNode" presStyleLbl="node1" presStyleIdx="2" presStyleCnt="6">
+    <dgm:pt modelId="{E0F5F243-3991-414C-B1DE-77FABA13F7FD}" type="pres">
+      <dgm:prSet presAssocID="{12927716-E404-49A7-9916-036572DAB4EC}" presName="node" presStyleLbl="node1" presStyleIdx="2" presStyleCnt="35">
         <dgm:presLayoutVars>
           <dgm:bulletEnabled val="1"/>
         </dgm:presLayoutVars>
       </dgm:prSet>
       <dgm:spPr/>
     </dgm:pt>
-    <dgm:pt modelId="{2E2101AB-6F26-42FA-AFAF-E5E821BEB747}" type="pres">
-      <dgm:prSet presAssocID="{3B323CA1-671E-4716-980E-406A493A9709}" presName="aSpace2" presStyleCnt="0"/>
+    <dgm:pt modelId="{33133B14-0953-4B87-8C7B-B1C00169F8AC}" type="pres">
+      <dgm:prSet presAssocID="{D4A39915-AB2D-4EB7-BF5F-C51943016CB2}" presName="sibTrans" presStyleCnt="0"/>
       <dgm:spPr/>
     </dgm:pt>
-    <dgm:pt modelId="{FC323A27-00EF-4EAF-8AB0-161B29467BD7}" type="pres">
-      <dgm:prSet presAssocID="{EF3C83CF-1690-446C-AD59-1F767B02A86D}" presName="childNode" presStyleLbl="node1" presStyleIdx="3" presStyleCnt="6">
+    <dgm:pt modelId="{1874CD63-F84C-4F49-8D7E-B5147E0C0761}" type="pres">
+      <dgm:prSet presAssocID="{854AE3A7-6E20-4E0E-8594-21B9DCBD0220}" presName="node" presStyleLbl="node1" presStyleIdx="3" presStyleCnt="35">
         <dgm:presLayoutVars>
           <dgm:bulletEnabled val="1"/>
         </dgm:presLayoutVars>
       </dgm:prSet>
       <dgm:spPr/>
     </dgm:pt>
-    <dgm:pt modelId="{48B88196-7242-442D-A54E-37F7F610E2AA}" type="pres">
-      <dgm:prSet presAssocID="{EF3C83CF-1690-446C-AD59-1F767B02A86D}" presName="aSpace2" presStyleCnt="0"/>
+    <dgm:pt modelId="{E4634118-02CC-4EAB-B11A-7CD08D281406}" type="pres">
+      <dgm:prSet presAssocID="{2FD1DE4D-96CE-4EFD-9F66-63D17C3D53C9}" presName="sibTrans" presStyleCnt="0"/>
       <dgm:spPr/>
     </dgm:pt>
-    <dgm:pt modelId="{57572FB7-ABD9-4B2B-9AD6-DA8D2C566B84}" type="pres">
-      <dgm:prSet presAssocID="{B131DE1A-89F1-48DC-A086-781E62C9B293}" presName="childNode" presStyleLbl="node1" presStyleIdx="4" presStyleCnt="6">
+    <dgm:pt modelId="{02976B10-6E5D-4454-9854-670643BAA783}" type="pres">
+      <dgm:prSet presAssocID="{6C22DE64-5A9B-49C6-8EE9-70AA7F240BE9}" presName="node" presStyleLbl="node1" presStyleIdx="4" presStyleCnt="35">
         <dgm:presLayoutVars>
           <dgm:bulletEnabled val="1"/>
         </dgm:presLayoutVars>
       </dgm:prSet>
       <dgm:spPr/>
     </dgm:pt>
-    <dgm:pt modelId="{5952721F-C797-4408-957A-DC1F9FDB77A1}" type="pres">
-      <dgm:prSet presAssocID="{B131DE1A-89F1-48DC-A086-781E62C9B293}" presName="aSpace2" presStyleCnt="0"/>
+    <dgm:pt modelId="{D4D2C0B8-F16D-4D83-8E2D-B21442ED4EF9}" type="pres">
+      <dgm:prSet presAssocID="{5D4436B6-FA2C-4F33-BFCA-FB3CDA9CA34E}" presName="sibTrans" presStyleCnt="0"/>
       <dgm:spPr/>
     </dgm:pt>
-    <dgm:pt modelId="{A91E0547-63FB-4DCA-81FC-37DBD1E56723}" type="pres">
-      <dgm:prSet presAssocID="{AF16B758-C4F1-49D6-A16A-394134149F38}" presName="childNode" presStyleLbl="node1" presStyleIdx="5" presStyleCnt="6">
+    <dgm:pt modelId="{76E029D1-94EC-40EE-81C4-F23C133BE993}" type="pres">
+      <dgm:prSet presAssocID="{5DD042D9-535A-4155-B62D-70709E4FE853}" presName="node" presStyleLbl="node1" presStyleIdx="5" presStyleCnt="35">
         <dgm:presLayoutVars>
           <dgm:bulletEnabled val="1"/>
         </dgm:presLayoutVars>
       </dgm:prSet>
       <dgm:spPr/>
     </dgm:pt>
-    <dgm:pt modelId="{D01580FF-C9DA-4A3C-AB60-7AC51E158B1C}" type="pres">
-      <dgm:prSet presAssocID="{B72004A0-3F4B-49D3-8BBA-0A07C9A4BDAE}" presName="aSpace" presStyleCnt="0"/>
+    <dgm:pt modelId="{77FB9368-197D-4412-A327-FD015A59754C}" type="pres">
+      <dgm:prSet presAssocID="{B2D96604-DAF9-428E-913A-4C4033F6D617}" presName="sibTrans" presStyleCnt="0"/>
       <dgm:spPr/>
     </dgm:pt>
-    <dgm:pt modelId="{F6A5C548-4292-4CD0-A502-585E528D27DF}" type="pres">
-      <dgm:prSet presAssocID="{830D9264-146F-4938-B296-8F28F643F26C}" presName="compNode" presStyleCnt="0"/>
+    <dgm:pt modelId="{E25BB2F7-BA9E-4708-9149-1D79F26AD6CC}" type="pres">
+      <dgm:prSet presAssocID="{9A54F159-1E7E-47D9-B0B2-BE11BD8E6320}" presName="node" presStyleLbl="node1" presStyleIdx="6" presStyleCnt="35">
+        <dgm:presLayoutVars>
+          <dgm:bulletEnabled val="1"/>
+        </dgm:presLayoutVars>
+      </dgm:prSet>
       <dgm:spPr/>
     </dgm:pt>
-    <dgm:pt modelId="{04514F17-7077-4891-9380-9B3779FC8D8A}" type="pres">
-      <dgm:prSet presAssocID="{830D9264-146F-4938-B296-8F28F643F26C}" presName="aNode" presStyleLbl="bgShp" presStyleIdx="1" presStyleCnt="4"/>
+    <dgm:pt modelId="{9CD9BB51-9D03-426B-88D4-CA8778545C0A}" type="pres">
+      <dgm:prSet presAssocID="{56EE5632-AEE2-4CE4-BA79-2FADD19EF51C}" presName="sibTrans" presStyleCnt="0"/>
       <dgm:spPr/>
     </dgm:pt>
-    <dgm:pt modelId="{F4830861-5F05-4AB9-BB01-4F1A9C82BD3F}" type="pres">
-      <dgm:prSet presAssocID="{830D9264-146F-4938-B296-8F28F643F26C}" presName="textNode" presStyleLbl="bgShp" presStyleIdx="1" presStyleCnt="4"/>
+    <dgm:pt modelId="{7F794C98-7D5C-4DF9-B7D0-067299852C12}" type="pres">
+      <dgm:prSet presAssocID="{D6CC2E90-689D-4BC5-A3FD-D0A353EA2F5A}" presName="node" presStyleLbl="node1" presStyleIdx="7" presStyleCnt="35">
+        <dgm:presLayoutVars>
+          <dgm:bulletEnabled val="1"/>
+        </dgm:presLayoutVars>
+      </dgm:prSet>
       <dgm:spPr/>
     </dgm:pt>
-    <dgm:pt modelId="{15E72C5A-F70A-4522-B628-ABEDAE4C0139}" type="pres">
-      <dgm:prSet presAssocID="{830D9264-146F-4938-B296-8F28F643F26C}" presName="compChildNode" presStyleCnt="0"/>
+    <dgm:pt modelId="{F6095D75-3694-4ED1-A271-C5BDAAC88010}" type="pres">
+      <dgm:prSet presAssocID="{8BB0BB0E-35D8-4C33-9BF8-74DEB462BF63}" presName="sibTrans" presStyleCnt="0"/>
       <dgm:spPr/>
     </dgm:pt>
-    <dgm:pt modelId="{8843BE4C-9278-437D-9074-AF1D93CE0EFF}" type="pres">
-      <dgm:prSet presAssocID="{830D9264-146F-4938-B296-8F28F643F26C}" presName="theInnerList" presStyleCnt="0"/>
+    <dgm:pt modelId="{B6DAB058-3648-4EE2-AF7D-C975643C8ADA}" type="pres">
+      <dgm:prSet presAssocID="{EF8DAE04-B6C5-4071-A485-289829C7E7B8}" presName="node" presStyleLbl="node1" presStyleIdx="8" presStyleCnt="35">
+        <dgm:presLayoutVars>
+          <dgm:bulletEnabled val="1"/>
+        </dgm:presLayoutVars>
+      </dgm:prSet>
       <dgm:spPr/>
     </dgm:pt>
-    <dgm:pt modelId="{4667C4F9-B78D-4035-80FD-79F27710B83F}" type="pres">
-      <dgm:prSet presAssocID="{830D9264-146F-4938-B296-8F28F643F26C}" presName="aSpace" presStyleCnt="0"/>
+    <dgm:pt modelId="{81ED0C24-8571-4B3B-ACD5-B22AC591979C}" type="pres">
+      <dgm:prSet presAssocID="{63C6FCBE-4F28-441D-91A2-2CCD5C149208}" presName="sibTrans" presStyleCnt="0"/>
       <dgm:spPr/>
     </dgm:pt>
-    <dgm:pt modelId="{7BA3D3BB-B6E3-4A40-B901-9E489C5708D8}" type="pres">
-      <dgm:prSet presAssocID="{53C655B4-3907-4A11-9309-CDAFE4D5D8F8}" presName="compNode" presStyleCnt="0"/>
+    <dgm:pt modelId="{C485E01D-DF6A-49B6-A2A1-1ECE62257912}" type="pres">
+      <dgm:prSet presAssocID="{564D3F2E-84B7-40ED-B914-10120DB5BF18}" presName="node" presStyleLbl="node1" presStyleIdx="9" presStyleCnt="35">
+        <dgm:presLayoutVars>
+          <dgm:bulletEnabled val="1"/>
+        </dgm:presLayoutVars>
+      </dgm:prSet>
       <dgm:spPr/>
     </dgm:pt>
-    <dgm:pt modelId="{6CCD7B67-6CED-4537-9492-F9854245DD35}" type="pres">
-      <dgm:prSet presAssocID="{53C655B4-3907-4A11-9309-CDAFE4D5D8F8}" presName="aNode" presStyleLbl="bgShp" presStyleIdx="2" presStyleCnt="4"/>
+    <dgm:pt modelId="{A74A8462-592F-4AD4-A966-C496A1EE18C5}" type="pres">
+      <dgm:prSet presAssocID="{2D925ED9-E0DB-4C1B-B0F9-28240A718E32}" presName="sibTrans" presStyleCnt="0"/>
       <dgm:spPr/>
     </dgm:pt>
-    <dgm:pt modelId="{85B1CC62-4D29-4F24-8847-0299ED88D48A}" type="pres">
-      <dgm:prSet presAssocID="{53C655B4-3907-4A11-9309-CDAFE4D5D8F8}" presName="textNode" presStyleLbl="bgShp" presStyleIdx="2" presStyleCnt="4"/>
+    <dgm:pt modelId="{FBF879CA-CC28-40FD-98EE-60DBB3043409}" type="pres">
+      <dgm:prSet presAssocID="{0F0ED013-8618-461A-91F2-992B2BAFD9F6}" presName="node" presStyleLbl="node1" presStyleIdx="10" presStyleCnt="35">
+        <dgm:presLayoutVars>
+          <dgm:bulletEnabled val="1"/>
+        </dgm:presLayoutVars>
+      </dgm:prSet>
       <dgm:spPr/>
     </dgm:pt>
-    <dgm:pt modelId="{469E12D3-89D5-4DF5-8DAB-8CE669FF27F7}" type="pres">
-      <dgm:prSet presAssocID="{53C655B4-3907-4A11-9309-CDAFE4D5D8F8}" presName="compChildNode" presStyleCnt="0"/>
+    <dgm:pt modelId="{19F5B0DB-D680-4F7D-8E17-BEE1A8A06295}" type="pres">
+      <dgm:prSet presAssocID="{CC3144E6-3AE5-4E74-B7CB-F450909FCC09}" presName="sibTrans" presStyleCnt="0"/>
       <dgm:spPr/>
     </dgm:pt>
-    <dgm:pt modelId="{E1A40484-B6F1-4170-8FCD-26E7FBCF0A36}" type="pres">
-      <dgm:prSet presAssocID="{53C655B4-3907-4A11-9309-CDAFE4D5D8F8}" presName="theInnerList" presStyleCnt="0"/>
+    <dgm:pt modelId="{B0EB05C0-DB6E-4D7D-9C81-8EA80DB74F2A}" type="pres">
+      <dgm:prSet presAssocID="{3582F5E9-4213-4654-8C99-5250ADC53CB6}" presName="node" presStyleLbl="node1" presStyleIdx="11" presStyleCnt="35">
+        <dgm:presLayoutVars>
+          <dgm:bulletEnabled val="1"/>
+        </dgm:presLayoutVars>
+      </dgm:prSet>
       <dgm:spPr/>
     </dgm:pt>
-    <dgm:pt modelId="{CF91A839-F661-4E78-8433-BA23EFA01BF9}" type="pres">
-      <dgm:prSet presAssocID="{53C655B4-3907-4A11-9309-CDAFE4D5D8F8}" presName="aSpace" presStyleCnt="0"/>
+    <dgm:pt modelId="{B64D945A-84B5-4377-AF5E-3CDC2CC3836F}" type="pres">
+      <dgm:prSet presAssocID="{CE2B0474-56C0-4B95-9E41-0C91CC4A3FAA}" presName="sibTrans" presStyleCnt="0"/>
       <dgm:spPr/>
     </dgm:pt>
-    <dgm:pt modelId="{8B1B8006-8BFC-4F91-9E77-97B7089DCF80}" type="pres">
-      <dgm:prSet presAssocID="{5B382DBB-B062-42BA-9395-E5E330FCC77F}" presName="compNode" presStyleCnt="0"/>
+    <dgm:pt modelId="{A10247E1-A73C-45CB-A44F-E28C587262EB}" type="pres">
+      <dgm:prSet presAssocID="{8F6DF39C-243B-4A95-B3AF-6540EEA99A5F}" presName="node" presStyleLbl="node1" presStyleIdx="12" presStyleCnt="35">
+        <dgm:presLayoutVars>
+          <dgm:bulletEnabled val="1"/>
+        </dgm:presLayoutVars>
+      </dgm:prSet>
       <dgm:spPr/>
     </dgm:pt>
-    <dgm:pt modelId="{7693A9CB-8088-458F-A799-2804EB4A23C1}" type="pres">
-      <dgm:prSet presAssocID="{5B382DBB-B062-42BA-9395-E5E330FCC77F}" presName="aNode" presStyleLbl="bgShp" presStyleIdx="3" presStyleCnt="4"/>
+    <dgm:pt modelId="{3EE10AE0-9E0A-449B-9798-D07A0389DEC7}" type="pres">
+      <dgm:prSet presAssocID="{5A2F5F40-61B9-4BEB-A8C1-55BF8CB46826}" presName="sibTrans" presStyleCnt="0"/>
       <dgm:spPr/>
     </dgm:pt>
-    <dgm:pt modelId="{3389CF4A-606C-42BF-8AD9-04B80CD63318}" type="pres">
-      <dgm:prSet presAssocID="{5B382DBB-B062-42BA-9395-E5E330FCC77F}" presName="textNode" presStyleLbl="bgShp" presStyleIdx="3" presStyleCnt="4"/>
+    <dgm:pt modelId="{474CEEFB-41AE-41D1-B7CD-3329FB841E6E}" type="pres">
+      <dgm:prSet presAssocID="{A1B3A3BF-4F8A-4E95-A770-24E115A93CA2}" presName="node" presStyleLbl="node1" presStyleIdx="13" presStyleCnt="35">
+        <dgm:presLayoutVars>
+          <dgm:bulletEnabled val="1"/>
+        </dgm:presLayoutVars>
+      </dgm:prSet>
       <dgm:spPr/>
     </dgm:pt>
-    <dgm:pt modelId="{1411A398-5C89-4748-B744-EEDB997A2714}" type="pres">
-      <dgm:prSet presAssocID="{5B382DBB-B062-42BA-9395-E5E330FCC77F}" presName="compChildNode" presStyleCnt="0"/>
+    <dgm:pt modelId="{68D5A557-9AB3-4C34-B541-54C754C58767}" type="pres">
+      <dgm:prSet presAssocID="{5129C51F-CEAF-421E-B43B-297252112B97}" presName="sibTrans" presStyleCnt="0"/>
       <dgm:spPr/>
     </dgm:pt>
-    <dgm:pt modelId="{5ECBEC42-FA62-45EA-A58D-1307C7CD120C}" type="pres">
-      <dgm:prSet presAssocID="{5B382DBB-B062-42BA-9395-E5E330FCC77F}" presName="theInnerList" presStyleCnt="0"/>
+    <dgm:pt modelId="{AFA39F50-A2C2-4D93-A2C7-5DD705CFFA2A}" type="pres">
+      <dgm:prSet presAssocID="{FEDA56E1-EB31-4175-B66E-92417CDDA6E3}" presName="node" presStyleLbl="node1" presStyleIdx="14" presStyleCnt="35">
+        <dgm:presLayoutVars>
+          <dgm:bulletEnabled val="1"/>
+        </dgm:presLayoutVars>
+      </dgm:prSet>
+      <dgm:spPr/>
+    </dgm:pt>
+    <dgm:pt modelId="{9CD670E6-B3DB-4F75-961A-65CB15B9D29B}" type="pres">
+      <dgm:prSet presAssocID="{E6BA01BD-BF15-4DDE-9171-416BADB86343}" presName="sibTrans" presStyleCnt="0"/>
+      <dgm:spPr/>
+    </dgm:pt>
+    <dgm:pt modelId="{156B9DA0-DD4E-4FFE-B56B-6C5DEE7B3CA6}" type="pres">
+      <dgm:prSet presAssocID="{828D806D-1027-4104-BCD8-349DB38A165D}" presName="node" presStyleLbl="node1" presStyleIdx="15" presStyleCnt="35">
+        <dgm:presLayoutVars>
+          <dgm:bulletEnabled val="1"/>
+        </dgm:presLayoutVars>
+      </dgm:prSet>
+      <dgm:spPr/>
+    </dgm:pt>
+    <dgm:pt modelId="{4B99FA84-BCCF-4431-A407-4D056304BC3C}" type="pres">
+      <dgm:prSet presAssocID="{702A93C5-27E8-4822-90B3-1DD1E2308598}" presName="sibTrans" presStyleCnt="0"/>
+      <dgm:spPr/>
+    </dgm:pt>
+    <dgm:pt modelId="{B62269E5-4C35-4AE4-82A0-01C592142BF2}" type="pres">
+      <dgm:prSet presAssocID="{3636DDCD-831F-4CEB-BFA2-DB3FF781FF58}" presName="node" presStyleLbl="node1" presStyleIdx="16" presStyleCnt="35">
+        <dgm:presLayoutVars>
+          <dgm:bulletEnabled val="1"/>
+        </dgm:presLayoutVars>
+      </dgm:prSet>
+      <dgm:spPr/>
+    </dgm:pt>
+    <dgm:pt modelId="{38839258-FAAA-4E07-9725-B24D62079BA9}" type="pres">
+      <dgm:prSet presAssocID="{E8E94E25-CDEA-410C-8DF2-54CBA8E9EFC7}" presName="sibTrans" presStyleCnt="0"/>
+      <dgm:spPr/>
+    </dgm:pt>
+    <dgm:pt modelId="{647250C0-600F-45E9-A558-3098717C83E8}" type="pres">
+      <dgm:prSet presAssocID="{28D1162C-2862-4EC2-B064-42911AF461FF}" presName="node" presStyleLbl="node1" presStyleIdx="17" presStyleCnt="35">
+        <dgm:presLayoutVars>
+          <dgm:bulletEnabled val="1"/>
+        </dgm:presLayoutVars>
+      </dgm:prSet>
+      <dgm:spPr/>
+    </dgm:pt>
+    <dgm:pt modelId="{280E2120-7B74-4B18-899B-3D3C7765705F}" type="pres">
+      <dgm:prSet presAssocID="{44002492-8863-40B9-B1DE-280E78E1FEEA}" presName="sibTrans" presStyleCnt="0"/>
+      <dgm:spPr/>
+    </dgm:pt>
+    <dgm:pt modelId="{C57E4F06-A1B1-428E-9136-219524DE30BA}" type="pres">
+      <dgm:prSet presAssocID="{B7354BEC-1D03-47AD-B8B7-7E4DD2D84F93}" presName="node" presStyleLbl="node1" presStyleIdx="18" presStyleCnt="35">
+        <dgm:presLayoutVars>
+          <dgm:bulletEnabled val="1"/>
+        </dgm:presLayoutVars>
+      </dgm:prSet>
+      <dgm:spPr/>
+    </dgm:pt>
+    <dgm:pt modelId="{8FDB2B18-5F6B-477D-A00E-7D48852B6D52}" type="pres">
+      <dgm:prSet presAssocID="{B536C34A-4E9D-404E-B75C-69FE0D56C08B}" presName="sibTrans" presStyleCnt="0"/>
+      <dgm:spPr/>
+    </dgm:pt>
+    <dgm:pt modelId="{18783CB2-8EA0-4C89-A0F8-57B779CA4244}" type="pres">
+      <dgm:prSet presAssocID="{1E2CC3CB-0599-4B10-A194-73F5FDE5AC54}" presName="node" presStyleLbl="node1" presStyleIdx="19" presStyleCnt="35">
+        <dgm:presLayoutVars>
+          <dgm:bulletEnabled val="1"/>
+        </dgm:presLayoutVars>
+      </dgm:prSet>
+      <dgm:spPr/>
+    </dgm:pt>
+    <dgm:pt modelId="{EE479498-F65E-4349-AF46-ED2990A31EEC}" type="pres">
+      <dgm:prSet presAssocID="{D75C3C32-7D08-4BFD-BEBD-5DEBCC655EE5}" presName="sibTrans" presStyleCnt="0"/>
+      <dgm:spPr/>
+    </dgm:pt>
+    <dgm:pt modelId="{D355042F-DCC6-42FD-A0D1-38DECAAA25BF}" type="pres">
+      <dgm:prSet presAssocID="{3B323CA1-671E-4716-980E-406A493A9709}" presName="node" presStyleLbl="node1" presStyleIdx="20" presStyleCnt="35">
+        <dgm:presLayoutVars>
+          <dgm:bulletEnabled val="1"/>
+        </dgm:presLayoutVars>
+      </dgm:prSet>
+      <dgm:spPr/>
+    </dgm:pt>
+    <dgm:pt modelId="{146AFA4D-79F3-48E6-AC23-599195A17B67}" type="pres">
+      <dgm:prSet presAssocID="{9BE04EC5-15BF-4AAD-B9E4-89E904C1409A}" presName="sibTrans" presStyleCnt="0"/>
+      <dgm:spPr/>
+    </dgm:pt>
+    <dgm:pt modelId="{ADEF7C6E-EFE0-4A83-AC24-B65739D4E2E1}" type="pres">
+      <dgm:prSet presAssocID="{97C6CC90-76C1-4C6C-88C9-5EC4D284E700}" presName="node" presStyleLbl="node1" presStyleIdx="21" presStyleCnt="35">
+        <dgm:presLayoutVars>
+          <dgm:bulletEnabled val="1"/>
+        </dgm:presLayoutVars>
+      </dgm:prSet>
+      <dgm:spPr/>
+    </dgm:pt>
+    <dgm:pt modelId="{B953324D-B6BA-4B97-8E8E-345BC3D47AF4}" type="pres">
+      <dgm:prSet presAssocID="{E787D445-5476-436C-B16D-ED4927CB8E56}" presName="sibTrans" presStyleCnt="0"/>
+      <dgm:spPr/>
+    </dgm:pt>
+    <dgm:pt modelId="{8B3DB1A9-520B-495E-BB8A-B3E67D72601A}" type="pres">
+      <dgm:prSet presAssocID="{D8FF52DF-4366-460E-B112-E74DFA5B5142}" presName="node" presStyleLbl="node1" presStyleIdx="22" presStyleCnt="35">
+        <dgm:presLayoutVars>
+          <dgm:bulletEnabled val="1"/>
+        </dgm:presLayoutVars>
+      </dgm:prSet>
+      <dgm:spPr/>
+    </dgm:pt>
+    <dgm:pt modelId="{2C88DF73-3B36-4AB6-A079-D06D774B153A}" type="pres">
+      <dgm:prSet presAssocID="{78B09BC1-981C-4C19-89CD-052176D3D4B6}" presName="sibTrans" presStyleCnt="0"/>
+      <dgm:spPr/>
+    </dgm:pt>
+    <dgm:pt modelId="{146BC6D7-864C-43A2-BCFF-521A96E60704}" type="pres">
+      <dgm:prSet presAssocID="{A724D5BF-1CF4-49D9-B759-23F1A2713EE9}" presName="node" presStyleLbl="node1" presStyleIdx="23" presStyleCnt="35">
+        <dgm:presLayoutVars>
+          <dgm:bulletEnabled val="1"/>
+        </dgm:presLayoutVars>
+      </dgm:prSet>
+      <dgm:spPr/>
+    </dgm:pt>
+    <dgm:pt modelId="{338FE2FF-4694-4172-920A-BCBDA4C536D2}" type="pres">
+      <dgm:prSet presAssocID="{C178E34F-C4A6-4604-8B93-C46B85C662FE}" presName="sibTrans" presStyleCnt="0"/>
+      <dgm:spPr/>
+    </dgm:pt>
+    <dgm:pt modelId="{E02CFCE3-A09D-4588-9730-BF8563B50838}" type="pres">
+      <dgm:prSet presAssocID="{12B483B0-5C92-490C-9D29-31570454D2AE}" presName="node" presStyleLbl="node1" presStyleIdx="24" presStyleCnt="35">
+        <dgm:presLayoutVars>
+          <dgm:bulletEnabled val="1"/>
+        </dgm:presLayoutVars>
+      </dgm:prSet>
+      <dgm:spPr/>
+    </dgm:pt>
+    <dgm:pt modelId="{CCEAA399-CA97-4021-9A4B-05FAD4BDB408}" type="pres">
+      <dgm:prSet presAssocID="{8CAE963D-1816-440A-AD1C-E8ECF1657031}" presName="sibTrans" presStyleCnt="0"/>
+      <dgm:spPr/>
+    </dgm:pt>
+    <dgm:pt modelId="{34E0BA42-3D04-4EFD-86EC-82E6F5E5290D}" type="pres">
+      <dgm:prSet presAssocID="{EF3C83CF-1690-446C-AD59-1F767B02A86D}" presName="node" presStyleLbl="node1" presStyleIdx="25" presStyleCnt="35">
+        <dgm:presLayoutVars>
+          <dgm:bulletEnabled val="1"/>
+        </dgm:presLayoutVars>
+      </dgm:prSet>
+      <dgm:spPr/>
+    </dgm:pt>
+    <dgm:pt modelId="{B1F9772A-F4BC-4CF8-AB90-C6F178C05CD0}" type="pres">
+      <dgm:prSet presAssocID="{540A2D96-43B7-4A4C-8003-9C1A6967DF1F}" presName="sibTrans" presStyleCnt="0"/>
+      <dgm:spPr/>
+    </dgm:pt>
+    <dgm:pt modelId="{221D7CC6-E6C6-4A1E-B35E-2D3F1BF5D911}" type="pres">
+      <dgm:prSet presAssocID="{B131DE1A-89F1-48DC-A086-781E62C9B293}" presName="node" presStyleLbl="node1" presStyleIdx="26" presStyleCnt="35">
+        <dgm:presLayoutVars>
+          <dgm:bulletEnabled val="1"/>
+        </dgm:presLayoutVars>
+      </dgm:prSet>
+      <dgm:spPr/>
+    </dgm:pt>
+    <dgm:pt modelId="{A59A99C2-33EB-468E-8294-ED3ED57C17E1}" type="pres">
+      <dgm:prSet presAssocID="{A5FB1B33-4F1D-45FF-A588-00EC81E112B8}" presName="sibTrans" presStyleCnt="0"/>
+      <dgm:spPr/>
+    </dgm:pt>
+    <dgm:pt modelId="{751F100A-C108-4CB3-9A40-CC0C44BA357B}" type="pres">
+      <dgm:prSet presAssocID="{9C65126A-DF53-4518-9270-BCEAD82E75B6}" presName="node" presStyleLbl="node1" presStyleIdx="27" presStyleCnt="35">
+        <dgm:presLayoutVars>
+          <dgm:bulletEnabled val="1"/>
+        </dgm:presLayoutVars>
+      </dgm:prSet>
+      <dgm:spPr/>
+    </dgm:pt>
+    <dgm:pt modelId="{8DFF4A1C-EDFE-492E-A9E6-1CB41E30BBC4}" type="pres">
+      <dgm:prSet presAssocID="{1976C48A-2E12-48AE-95E8-BA772328DA83}" presName="sibTrans" presStyleCnt="0"/>
+      <dgm:spPr/>
+    </dgm:pt>
+    <dgm:pt modelId="{F3A1D2F0-2B78-457B-BEDB-EA11EA17591B}" type="pres">
+      <dgm:prSet presAssocID="{AF16B758-C4F1-49D6-A16A-394134149F38}" presName="node" presStyleLbl="node1" presStyleIdx="28" presStyleCnt="35">
+        <dgm:presLayoutVars>
+          <dgm:bulletEnabled val="1"/>
+        </dgm:presLayoutVars>
+      </dgm:prSet>
+      <dgm:spPr/>
+    </dgm:pt>
+    <dgm:pt modelId="{780376AD-0023-47D6-A129-3D2226D19719}" type="pres">
+      <dgm:prSet presAssocID="{6433E1BF-B5D6-4665-BF5D-23BDB3FCE7BA}" presName="sibTrans" presStyleCnt="0"/>
+      <dgm:spPr/>
+    </dgm:pt>
+    <dgm:pt modelId="{647EA1A9-77DD-439D-A4FD-C1EE10535520}" type="pres">
+      <dgm:prSet presAssocID="{A13843B8-1335-4E47-9B85-3C2BD10B4424}" presName="node" presStyleLbl="node1" presStyleIdx="29" presStyleCnt="35">
+        <dgm:presLayoutVars>
+          <dgm:bulletEnabled val="1"/>
+        </dgm:presLayoutVars>
+      </dgm:prSet>
+      <dgm:spPr/>
+    </dgm:pt>
+    <dgm:pt modelId="{6589C6DD-1B8D-4596-8716-D701B8EF74E8}" type="pres">
+      <dgm:prSet presAssocID="{A2D39F19-E613-4672-ABFD-ED78EE0147C1}" presName="sibTrans" presStyleCnt="0"/>
+      <dgm:spPr/>
+    </dgm:pt>
+    <dgm:pt modelId="{897DDA67-365E-4C76-B151-AD75A5E6288B}" type="pres">
+      <dgm:prSet presAssocID="{DB9AE5BA-3591-400E-8B45-73D55B197BD4}" presName="node" presStyleLbl="node1" presStyleIdx="30" presStyleCnt="35">
+        <dgm:presLayoutVars>
+          <dgm:bulletEnabled val="1"/>
+        </dgm:presLayoutVars>
+      </dgm:prSet>
+      <dgm:spPr/>
+    </dgm:pt>
+    <dgm:pt modelId="{55B7ABE6-F0CF-4B5B-8D0C-F751B68F5804}" type="pres">
+      <dgm:prSet presAssocID="{093D3CBE-E286-48E6-9D1A-CE330B52349C}" presName="sibTrans" presStyleCnt="0"/>
+      <dgm:spPr/>
+    </dgm:pt>
+    <dgm:pt modelId="{AC5CD965-AAAD-40A6-859B-4358FEABDC6C}" type="pres">
+      <dgm:prSet presAssocID="{820D78BE-A576-4102-98D0-0CD38DE75CD5}" presName="node" presStyleLbl="node1" presStyleIdx="31" presStyleCnt="35">
+        <dgm:presLayoutVars>
+          <dgm:bulletEnabled val="1"/>
+        </dgm:presLayoutVars>
+      </dgm:prSet>
+      <dgm:spPr/>
+    </dgm:pt>
+    <dgm:pt modelId="{1C2E10C2-E912-4DBD-8C00-224FECF98648}" type="pres">
+      <dgm:prSet presAssocID="{FEBA19D4-3D16-478D-B95D-EDA64EE47B98}" presName="sibTrans" presStyleCnt="0"/>
+      <dgm:spPr/>
+    </dgm:pt>
+    <dgm:pt modelId="{73EDA0E1-8BC1-4F3B-B013-A1ABC111A7C9}" type="pres">
+      <dgm:prSet presAssocID="{A726F9CF-CDFA-4306-B71F-9532BAD7F6A5}" presName="node" presStyleLbl="node1" presStyleIdx="32" presStyleCnt="35">
+        <dgm:presLayoutVars>
+          <dgm:bulletEnabled val="1"/>
+        </dgm:presLayoutVars>
+      </dgm:prSet>
+      <dgm:spPr/>
+    </dgm:pt>
+    <dgm:pt modelId="{05C9647E-6830-4FCD-9488-2430BDCD95F9}" type="pres">
+      <dgm:prSet presAssocID="{8B777F47-5C36-4AEF-A124-B3EC81B3B55A}" presName="sibTrans" presStyleCnt="0"/>
+      <dgm:spPr/>
+    </dgm:pt>
+    <dgm:pt modelId="{2875147D-0D4C-4B47-A167-139DD76115C8}" type="pres">
+      <dgm:prSet presAssocID="{1B4A51BF-2B08-41E9-9258-6090E1911574}" presName="node" presStyleLbl="node1" presStyleIdx="33" presStyleCnt="35">
+        <dgm:presLayoutVars>
+          <dgm:bulletEnabled val="1"/>
+        </dgm:presLayoutVars>
+      </dgm:prSet>
+      <dgm:spPr/>
+    </dgm:pt>
+    <dgm:pt modelId="{21E6E4F5-3D81-43CB-9059-E6C1CC22015D}" type="pres">
+      <dgm:prSet presAssocID="{4B3097A7-A877-449D-ABF7-B7E214F079B5}" presName="sibTrans" presStyleCnt="0"/>
+      <dgm:spPr/>
+    </dgm:pt>
+    <dgm:pt modelId="{39F53283-9254-43C9-AD10-52D4CC91FA99}" type="pres">
+      <dgm:prSet presAssocID="{C33B13F9-4C3B-49BA-922D-4C360939F391}" presName="node" presStyleLbl="node1" presStyleIdx="34" presStyleCnt="35">
+        <dgm:presLayoutVars>
+          <dgm:bulletEnabled val="1"/>
+        </dgm:presLayoutVars>
+      </dgm:prSet>
       <dgm:spPr/>
     </dgm:pt>
   </dgm:ptLst>
   <dgm:cxnLst>
-    <dgm:cxn modelId="{7C93C90C-66E4-40C9-A9ED-4BD2E5397E41}" type="presOf" srcId="{3B323CA1-671E-4716-980E-406A493A9709}" destId="{22738A7C-2137-42D0-B57A-1AC7D13B7BA6}" srcOrd="0" destOrd="0" presId="urn:microsoft.com/office/officeart/2005/8/layout/lProcess2"/>
-    <dgm:cxn modelId="{18BED90E-FABB-43E5-BF3D-BABE9E08F776}" type="presOf" srcId="{1E2CC3CB-0599-4B10-A194-73F5FDE5AC54}" destId="{2401C5E9-8227-42BF-8E66-0A76A2B1DA2D}" srcOrd="0" destOrd="0" presId="urn:microsoft.com/office/officeart/2005/8/layout/lProcess2"/>
-    <dgm:cxn modelId="{96750718-2696-42E6-9186-347A78A93A88}" type="presOf" srcId="{B131DE1A-89F1-48DC-A086-781E62C9B293}" destId="{57572FB7-ABD9-4B2B-9AD6-DA8D2C566B84}" srcOrd="0" destOrd="0" presId="urn:microsoft.com/office/officeart/2005/8/layout/lProcess2"/>
-    <dgm:cxn modelId="{4DFA6021-6D23-4F83-8438-DD501054558F}" srcId="{BFF6AE00-9A18-494C-A394-ABAC976E0063}" destId="{53C655B4-3907-4A11-9309-CDAFE4D5D8F8}" srcOrd="2" destOrd="0" parTransId="{206C2A95-6D59-4CFA-8C6F-C63A44C6633B}" sibTransId="{09AE70A7-8840-4A00-A85D-F8C8CE462DB3}"/>
-    <dgm:cxn modelId="{FD69B223-80A6-4A6A-9809-D77E245A1DCE}" srcId="{B72004A0-3F4B-49D3-8BBA-0A07C9A4BDAE}" destId="{AF16B758-C4F1-49D6-A16A-394134149F38}" srcOrd="5" destOrd="0" parTransId="{73A28D31-0413-4ABA-BE28-B5E6D32B8EE9}" sibTransId="{6433E1BF-B5D6-4665-BF5D-23BDB3FCE7BA}"/>
-    <dgm:cxn modelId="{35A6B126-9743-47B2-A8E7-1679A42373A1}" type="presOf" srcId="{830D9264-146F-4938-B296-8F28F643F26C}" destId="{04514F17-7077-4891-9380-9B3779FC8D8A}" srcOrd="0" destOrd="0" presId="urn:microsoft.com/office/officeart/2005/8/layout/lProcess2"/>
+    <dgm:cxn modelId="{F1173A08-3F53-46B9-9807-9E5650A002CC}" srcId="{BFF6AE00-9A18-494C-A394-ABAC976E0063}" destId="{A13843B8-1335-4E47-9B85-3C2BD10B4424}" srcOrd="29" destOrd="0" parTransId="{5008EE0F-EB10-4796-9DEF-2D2156FAADD5}" sibTransId="{A2D39F19-E613-4672-ABFD-ED78EE0147C1}"/>
+    <dgm:cxn modelId="{0D825B0A-539F-4E90-9258-F49BDFE86A82}" type="presOf" srcId="{AF16B758-C4F1-49D6-A16A-394134149F38}" destId="{F3A1D2F0-2B78-457B-BEDB-EA11EA17591B}" srcOrd="0" destOrd="0" presId="urn:microsoft.com/office/officeart/2005/8/layout/default"/>
+    <dgm:cxn modelId="{3C1CFB0A-2B33-42E5-BF44-87D418F11AEF}" type="presOf" srcId="{9A54F159-1E7E-47D9-B0B2-BE11BD8E6320}" destId="{E25BB2F7-BA9E-4708-9149-1D79F26AD6CC}" srcOrd="0" destOrd="0" presId="urn:microsoft.com/office/officeart/2005/8/layout/default"/>
+    <dgm:cxn modelId="{5E640F0B-7B0B-41AE-8326-656CD85A9781}" srcId="{BFF6AE00-9A18-494C-A394-ABAC976E0063}" destId="{C33B13F9-4C3B-49BA-922D-4C360939F391}" srcOrd="34" destOrd="0" parTransId="{A1349AA8-312D-459C-A895-71E711B2958C}" sibTransId="{0213315D-2DB4-4968-8255-3736418C4903}"/>
+    <dgm:cxn modelId="{D216100B-4330-4678-A512-E9A7A3410B49}" srcId="{BFF6AE00-9A18-494C-A394-ABAC976E0063}" destId="{6C22DE64-5A9B-49C6-8EE9-70AA7F240BE9}" srcOrd="4" destOrd="0" parTransId="{A80E1A91-5751-49D4-A654-8BDA7A3BC747}" sibTransId="{5D4436B6-FA2C-4F33-BFCA-FB3CDA9CA34E}"/>
+    <dgm:cxn modelId="{0C41C90D-1D39-4494-A32F-57D5B9CABC4D}" type="presOf" srcId="{12927716-E404-49A7-9916-036572DAB4EC}" destId="{E0F5F243-3991-414C-B1DE-77FABA13F7FD}" srcOrd="0" destOrd="0" presId="urn:microsoft.com/office/officeart/2005/8/layout/default"/>
+    <dgm:cxn modelId="{38148B0E-862A-4FAD-9379-42A2792B9A7A}" type="presOf" srcId="{3B323CA1-671E-4716-980E-406A493A9709}" destId="{D355042F-DCC6-42FD-A0D1-38DECAAA25BF}" srcOrd="0" destOrd="0" presId="urn:microsoft.com/office/officeart/2005/8/layout/default"/>
+    <dgm:cxn modelId="{02D7F013-C5C9-4896-9618-AB3E4CDDAD83}" srcId="{BFF6AE00-9A18-494C-A394-ABAC976E0063}" destId="{0F0ED013-8618-461A-91F2-992B2BAFD9F6}" srcOrd="10" destOrd="0" parTransId="{C8863A14-3BF0-4CF7-8235-D256F7243BB5}" sibTransId="{CC3144E6-3AE5-4E74-B7CB-F450909FCC09}"/>
+    <dgm:cxn modelId="{CB9AA518-B8F4-4A3E-846E-9A057AD04596}" srcId="{BFF6AE00-9A18-494C-A394-ABAC976E0063}" destId="{D8FF52DF-4366-460E-B112-E74DFA5B5142}" srcOrd="22" destOrd="0" parTransId="{9D4AADED-2DD9-49D5-B58F-CB36167EB34B}" sibTransId="{78B09BC1-981C-4C19-89CD-052176D3D4B6}"/>
+    <dgm:cxn modelId="{FD69B223-80A6-4A6A-9809-D77E245A1DCE}" srcId="{BFF6AE00-9A18-494C-A394-ABAC976E0063}" destId="{AF16B758-C4F1-49D6-A16A-394134149F38}" srcOrd="28" destOrd="0" parTransId="{73A28D31-0413-4ABA-BE28-B5E6D32B8EE9}" sibTransId="{6433E1BF-B5D6-4665-BF5D-23BDB3FCE7BA}"/>
+    <dgm:cxn modelId="{A8664626-8FD9-4AFD-8717-73D17E1FF4B6}" type="presOf" srcId="{820D78BE-A576-4102-98D0-0CD38DE75CD5}" destId="{AC5CD965-AAAD-40A6-859B-4358FEABDC6C}" srcOrd="0" destOrd="0" presId="urn:microsoft.com/office/officeart/2005/8/layout/default"/>
+    <dgm:cxn modelId="{55D0492A-F066-457F-94D2-2F6D8F755799}" srcId="{BFF6AE00-9A18-494C-A394-ABAC976E0063}" destId="{820D78BE-A576-4102-98D0-0CD38DE75CD5}" srcOrd="31" destOrd="0" parTransId="{DA2B69BF-FB78-40FA-BF31-6970A3F838CF}" sibTransId="{FEBA19D4-3D16-478D-B95D-EDA64EE47B98}"/>
+    <dgm:cxn modelId="{65000E30-0166-43D1-87EE-FC119BB1DD99}" type="presOf" srcId="{B72004A0-3F4B-49D3-8BBA-0A07C9A4BDAE}" destId="{EC8B4F79-3B7D-489A-A6BC-11C4E8C85428}" srcOrd="0" destOrd="0" presId="urn:microsoft.com/office/officeart/2005/8/layout/default"/>
+    <dgm:cxn modelId="{282F0131-3BB5-418F-A506-B7C061EF5176}" srcId="{BFF6AE00-9A18-494C-A394-ABAC976E0063}" destId="{828D806D-1027-4104-BCD8-349DB38A165D}" srcOrd="15" destOrd="0" parTransId="{D37CB5DD-4B5C-4BCC-9992-D0FD41C79600}" sibTransId="{702A93C5-27E8-4822-90B3-1DD1E2308598}"/>
+    <dgm:cxn modelId="{E6C62D34-B004-454E-804C-7786001411D2}" srcId="{BFF6AE00-9A18-494C-A394-ABAC976E0063}" destId="{3636DDCD-831F-4CEB-BFA2-DB3FF781FF58}" srcOrd="16" destOrd="0" parTransId="{F0C689B4-3E76-48AE-B4EE-DDCA24129A8E}" sibTransId="{E8E94E25-CDEA-410C-8DF2-54CBA8E9EFC7}"/>
+    <dgm:cxn modelId="{6D978235-2CC2-4B56-A316-7AE862F4774C}" srcId="{BFF6AE00-9A18-494C-A394-ABAC976E0063}" destId="{A1B3A3BF-4F8A-4E95-A770-24E115A93CA2}" srcOrd="13" destOrd="0" parTransId="{A267F215-FBCD-4B90-92F6-E77DB9B4A063}" sibTransId="{5129C51F-CEAF-421E-B43B-297252112B97}"/>
+    <dgm:cxn modelId="{5AF25436-9499-44FA-A414-A08775301A8D}" srcId="{BFF6AE00-9A18-494C-A394-ABAC976E0063}" destId="{FEDA56E1-EB31-4175-B66E-92417CDDA6E3}" srcOrd="14" destOrd="0" parTransId="{2ED26E21-5CD3-4152-9884-001F409B5150}" sibTransId="{E6BA01BD-BF15-4DDE-9171-416BADB86343}"/>
+    <dgm:cxn modelId="{6B51853F-68F9-498F-9517-AE547611DA65}" type="presOf" srcId="{97C6CC90-76C1-4C6C-88C9-5EC4D284E700}" destId="{ADEF7C6E-EFE0-4A83-AC24-B65739D4E2E1}" srcOrd="0" destOrd="0" presId="urn:microsoft.com/office/officeart/2005/8/layout/default"/>
     <dgm:cxn modelId="{02AC1F5B-7A7F-47F5-8971-CDF10D7120F7}" srcId="{BFF6AE00-9A18-494C-A394-ABAC976E0063}" destId="{B72004A0-3F4B-49D3-8BBA-0A07C9A4BDAE}" srcOrd="0" destOrd="0" parTransId="{283FDAAA-D228-4E93-8AFE-8F07AEDC70A5}" sibTransId="{DFAAE3E2-81E0-4C71-81E3-89E13C29837E}"/>
-    <dgm:cxn modelId="{431B205F-3675-42BB-9F3E-8D0996706E3C}" srcId="{B72004A0-3F4B-49D3-8BBA-0A07C9A4BDAE}" destId="{1E2CC3CB-0599-4B10-A194-73F5FDE5AC54}" srcOrd="1" destOrd="0" parTransId="{C7799123-8F34-4882-A9DF-9B6EF17F4EC6}" sibTransId="{D75C3C32-7D08-4BFD-BEBD-5DEBCC655EE5}"/>
-    <dgm:cxn modelId="{47EA735F-613C-4BD2-A19C-831D253DCD61}" type="presOf" srcId="{B72004A0-3F4B-49D3-8BBA-0A07C9A4BDAE}" destId="{2C95FF14-29FE-4B92-91B4-C5F6263DA8A4}" srcOrd="1" destOrd="0" presId="urn:microsoft.com/office/officeart/2005/8/layout/lProcess2"/>
-    <dgm:cxn modelId="{10F19246-B6FD-4E6A-8BF5-B257DA615655}" srcId="{BFF6AE00-9A18-494C-A394-ABAC976E0063}" destId="{830D9264-146F-4938-B296-8F28F643F26C}" srcOrd="1" destOrd="0" parTransId="{45674C7E-BF45-4D94-BB9B-E9C5AACBA097}" sibTransId="{60DB2B1F-582B-4957-A3C3-DEBC988AA020}"/>
-    <dgm:cxn modelId="{D22B3A4C-2502-4A51-BE1F-0952DA46BA40}" type="presOf" srcId="{5B382DBB-B062-42BA-9395-E5E330FCC77F}" destId="{3389CF4A-606C-42BF-8AD9-04B80CD63318}" srcOrd="1" destOrd="0" presId="urn:microsoft.com/office/officeart/2005/8/layout/lProcess2"/>
-    <dgm:cxn modelId="{D56EDD52-4B31-46DA-B968-338105816413}" srcId="{B72004A0-3F4B-49D3-8BBA-0A07C9A4BDAE}" destId="{3B323CA1-671E-4716-980E-406A493A9709}" srcOrd="2" destOrd="0" parTransId="{1AD8448F-F417-4DAF-AB86-0C10449477D1}" sibTransId="{9BE04EC5-15BF-4AAD-B9E4-89E904C1409A}"/>
-    <dgm:cxn modelId="{D5BECC76-65C7-4A52-BA4F-ACD1B056207E}" type="presOf" srcId="{53C655B4-3907-4A11-9309-CDAFE4D5D8F8}" destId="{85B1CC62-4D29-4F24-8847-0299ED88D48A}" srcOrd="1" destOrd="0" presId="urn:microsoft.com/office/officeart/2005/8/layout/lProcess2"/>
-    <dgm:cxn modelId="{A97CDC83-0031-4884-8993-D9E4E91E5D50}" type="presOf" srcId="{BFF6AE00-9A18-494C-A394-ABAC976E0063}" destId="{E635D103-F4A0-4685-B381-F26D64CFEF32}" srcOrd="0" destOrd="0" presId="urn:microsoft.com/office/officeart/2005/8/layout/lProcess2"/>
-    <dgm:cxn modelId="{9487B18E-2C08-43CD-A606-7CB86DF783C5}" srcId="{B72004A0-3F4B-49D3-8BBA-0A07C9A4BDAE}" destId="{EF3C83CF-1690-446C-AD59-1F767B02A86D}" srcOrd="3" destOrd="0" parTransId="{220B8DE6-43F8-4BAB-9B5B-4D3DE75040DB}" sibTransId="{540A2D96-43B7-4A4C-8003-9C1A6967DF1F}"/>
-    <dgm:cxn modelId="{877F359C-4894-41B0-8CA3-ED788FBFA5AD}" type="presOf" srcId="{AF16B758-C4F1-49D6-A16A-394134149F38}" destId="{A91E0547-63FB-4DCA-81FC-37DBD1E56723}" srcOrd="0" destOrd="0" presId="urn:microsoft.com/office/officeart/2005/8/layout/lProcess2"/>
-    <dgm:cxn modelId="{DDDB4AA9-FC5B-4B00-974C-8C0853320882}" type="presOf" srcId="{EF3C83CF-1690-446C-AD59-1F767B02A86D}" destId="{FC323A27-00EF-4EAF-8AB0-161B29467BD7}" srcOrd="0" destOrd="0" presId="urn:microsoft.com/office/officeart/2005/8/layout/lProcess2"/>
-    <dgm:cxn modelId="{273D93AF-DB64-4FF2-AE73-73E0A18AE283}" srcId="{B72004A0-3F4B-49D3-8BBA-0A07C9A4BDAE}" destId="{B131DE1A-89F1-48DC-A086-781E62C9B293}" srcOrd="4" destOrd="0" parTransId="{289DFAC3-A68F-4A07-AB36-1F9EB401659F}" sibTransId="{A5FB1B33-4F1D-45FF-A588-00EC81E112B8}"/>
-    <dgm:cxn modelId="{A7350EB0-F563-46B7-9A1F-60003BD29FE8}" type="presOf" srcId="{B72004A0-3F4B-49D3-8BBA-0A07C9A4BDAE}" destId="{5693F0C5-297A-483A-927B-951ECD089C9E}" srcOrd="0" destOrd="0" presId="urn:microsoft.com/office/officeart/2005/8/layout/lProcess2"/>
-    <dgm:cxn modelId="{F50687B1-8BAF-4A13-B979-482AE7FCCEAA}" srcId="{BFF6AE00-9A18-494C-A394-ABAC976E0063}" destId="{5B382DBB-B062-42BA-9395-E5E330FCC77F}" srcOrd="3" destOrd="0" parTransId="{EAFD2CED-112B-4C74-9F5C-6B829EF61219}" sibTransId="{3763DADB-900B-446C-BA1A-8D8C97BE79A7}"/>
-    <dgm:cxn modelId="{D2AB92BA-0B18-4E5C-90AF-08D776C530A4}" type="presOf" srcId="{830D9264-146F-4938-B296-8F28F643F26C}" destId="{F4830861-5F05-4AB9-BB01-4F1A9C82BD3F}" srcOrd="1" destOrd="0" presId="urn:microsoft.com/office/officeart/2005/8/layout/lProcess2"/>
-    <dgm:cxn modelId="{44DD4EE3-8678-4382-AD64-BE400866BF9C}" type="presOf" srcId="{5B382DBB-B062-42BA-9395-E5E330FCC77F}" destId="{7693A9CB-8088-458F-A799-2804EB4A23C1}" srcOrd="0" destOrd="0" presId="urn:microsoft.com/office/officeart/2005/8/layout/lProcess2"/>
-    <dgm:cxn modelId="{D407B5EE-C334-476F-9CD3-707324CC9069}" type="presOf" srcId="{8D47F39E-3962-4489-AE42-B101246DDA93}" destId="{8079236B-4F1B-40BF-B155-D61C057C1607}" srcOrd="0" destOrd="0" presId="urn:microsoft.com/office/officeart/2005/8/layout/lProcess2"/>
-    <dgm:cxn modelId="{EDC8F7F5-D09D-40CA-B59A-C3443DD8FA78}" type="presOf" srcId="{53C655B4-3907-4A11-9309-CDAFE4D5D8F8}" destId="{6CCD7B67-6CED-4537-9492-F9854245DD35}" srcOrd="0" destOrd="0" presId="urn:microsoft.com/office/officeart/2005/8/layout/lProcess2"/>
-    <dgm:cxn modelId="{8FC74FF7-CBD7-4BE0-BADB-29D5A3046D3A}" srcId="{B72004A0-3F4B-49D3-8BBA-0A07C9A4BDAE}" destId="{8D47F39E-3962-4489-AE42-B101246DDA93}" srcOrd="0" destOrd="0" parTransId="{E58646AD-BCCA-4720-963C-83F383F6597B}" sibTransId="{4D8FDAB6-CEBE-4E09-B077-6E13DFD55764}"/>
-    <dgm:cxn modelId="{154C4D2E-7022-44F0-BBB6-5DB954871D22}" type="presParOf" srcId="{E635D103-F4A0-4685-B381-F26D64CFEF32}" destId="{04975E7E-23E4-4BC4-8954-2F4CC247D574}" srcOrd="0" destOrd="0" presId="urn:microsoft.com/office/officeart/2005/8/layout/lProcess2"/>
-    <dgm:cxn modelId="{F7FFE282-898B-43BC-BDF0-EF5E506B33A4}" type="presParOf" srcId="{04975E7E-23E4-4BC4-8954-2F4CC247D574}" destId="{5693F0C5-297A-483A-927B-951ECD089C9E}" srcOrd="0" destOrd="0" presId="urn:microsoft.com/office/officeart/2005/8/layout/lProcess2"/>
-    <dgm:cxn modelId="{EB8BE78D-78F2-4ADC-ABA5-7F72ECF14E93}" type="presParOf" srcId="{04975E7E-23E4-4BC4-8954-2F4CC247D574}" destId="{2C95FF14-29FE-4B92-91B4-C5F6263DA8A4}" srcOrd="1" destOrd="0" presId="urn:microsoft.com/office/officeart/2005/8/layout/lProcess2"/>
-    <dgm:cxn modelId="{4BC1B033-C643-4ECA-9CCC-3F0FCDEDDA59}" type="presParOf" srcId="{04975E7E-23E4-4BC4-8954-2F4CC247D574}" destId="{C3D1D089-879B-426F-9759-C217097D273C}" srcOrd="2" destOrd="0" presId="urn:microsoft.com/office/officeart/2005/8/layout/lProcess2"/>
-    <dgm:cxn modelId="{35D72370-4807-4A57-AEB4-0328FCB48F54}" type="presParOf" srcId="{C3D1D089-879B-426F-9759-C217097D273C}" destId="{F195F9B7-A5CB-4527-B37C-DA68D40F3C4B}" srcOrd="0" destOrd="0" presId="urn:microsoft.com/office/officeart/2005/8/layout/lProcess2"/>
-    <dgm:cxn modelId="{F3155049-4695-4133-B915-3D92671D83F7}" type="presParOf" srcId="{F195F9B7-A5CB-4527-B37C-DA68D40F3C4B}" destId="{8079236B-4F1B-40BF-B155-D61C057C1607}" srcOrd="0" destOrd="0" presId="urn:microsoft.com/office/officeart/2005/8/layout/lProcess2"/>
-    <dgm:cxn modelId="{C65D3593-6725-4FC8-AD78-ADE35B1B995F}" type="presParOf" srcId="{F195F9B7-A5CB-4527-B37C-DA68D40F3C4B}" destId="{140841F7-C57B-4EAC-9A0B-65AAC2481807}" srcOrd="1" destOrd="0" presId="urn:microsoft.com/office/officeart/2005/8/layout/lProcess2"/>
-    <dgm:cxn modelId="{480377B3-A9BA-4B31-94B8-C309A53B24E6}" type="presParOf" srcId="{F195F9B7-A5CB-4527-B37C-DA68D40F3C4B}" destId="{2401C5E9-8227-42BF-8E66-0A76A2B1DA2D}" srcOrd="2" destOrd="0" presId="urn:microsoft.com/office/officeart/2005/8/layout/lProcess2"/>
-    <dgm:cxn modelId="{29715846-B396-4DED-8AB7-239397E31668}" type="presParOf" srcId="{F195F9B7-A5CB-4527-B37C-DA68D40F3C4B}" destId="{75BAEBA1-62ED-4355-83AF-0A301FE87AEB}" srcOrd="3" destOrd="0" presId="urn:microsoft.com/office/officeart/2005/8/layout/lProcess2"/>
-    <dgm:cxn modelId="{70B20AA2-F3D4-4617-9926-EEE67284070F}" type="presParOf" srcId="{F195F9B7-A5CB-4527-B37C-DA68D40F3C4B}" destId="{22738A7C-2137-42D0-B57A-1AC7D13B7BA6}" srcOrd="4" destOrd="0" presId="urn:microsoft.com/office/officeart/2005/8/layout/lProcess2"/>
-    <dgm:cxn modelId="{AE331E44-C005-47A9-A0C7-97B2A9F1E569}" type="presParOf" srcId="{F195F9B7-A5CB-4527-B37C-DA68D40F3C4B}" destId="{2E2101AB-6F26-42FA-AFAF-E5E821BEB747}" srcOrd="5" destOrd="0" presId="urn:microsoft.com/office/officeart/2005/8/layout/lProcess2"/>
-    <dgm:cxn modelId="{74ECADD5-9E4B-421A-AE5C-2D296357704B}" type="presParOf" srcId="{F195F9B7-A5CB-4527-B37C-DA68D40F3C4B}" destId="{FC323A27-00EF-4EAF-8AB0-161B29467BD7}" srcOrd="6" destOrd="0" presId="urn:microsoft.com/office/officeart/2005/8/layout/lProcess2"/>
-    <dgm:cxn modelId="{C2858FA7-8E62-4A9E-A840-48CD296DAAE5}" type="presParOf" srcId="{F195F9B7-A5CB-4527-B37C-DA68D40F3C4B}" destId="{48B88196-7242-442D-A54E-37F7F610E2AA}" srcOrd="7" destOrd="0" presId="urn:microsoft.com/office/officeart/2005/8/layout/lProcess2"/>
-    <dgm:cxn modelId="{FC137166-42E7-438B-98FE-0D5F30397005}" type="presParOf" srcId="{F195F9B7-A5CB-4527-B37C-DA68D40F3C4B}" destId="{57572FB7-ABD9-4B2B-9AD6-DA8D2C566B84}" srcOrd="8" destOrd="0" presId="urn:microsoft.com/office/officeart/2005/8/layout/lProcess2"/>
-    <dgm:cxn modelId="{B0F367C7-B68C-4840-8A6B-BB82601D9361}" type="presParOf" srcId="{F195F9B7-A5CB-4527-B37C-DA68D40F3C4B}" destId="{5952721F-C797-4408-957A-DC1F9FDB77A1}" srcOrd="9" destOrd="0" presId="urn:microsoft.com/office/officeart/2005/8/layout/lProcess2"/>
-    <dgm:cxn modelId="{51B43C9C-5C54-4564-B1A2-FFC222766DB7}" type="presParOf" srcId="{F195F9B7-A5CB-4527-B37C-DA68D40F3C4B}" destId="{A91E0547-63FB-4DCA-81FC-37DBD1E56723}" srcOrd="10" destOrd="0" presId="urn:microsoft.com/office/officeart/2005/8/layout/lProcess2"/>
-    <dgm:cxn modelId="{F45EB15A-A210-49E7-BB9C-E3B1E8F6F7D7}" type="presParOf" srcId="{E635D103-F4A0-4685-B381-F26D64CFEF32}" destId="{D01580FF-C9DA-4A3C-AB60-7AC51E158B1C}" srcOrd="1" destOrd="0" presId="urn:microsoft.com/office/officeart/2005/8/layout/lProcess2"/>
-    <dgm:cxn modelId="{0E4CA88B-3240-43CE-B84E-7E7E707E5F94}" type="presParOf" srcId="{E635D103-F4A0-4685-B381-F26D64CFEF32}" destId="{F6A5C548-4292-4CD0-A502-585E528D27DF}" srcOrd="2" destOrd="0" presId="urn:microsoft.com/office/officeart/2005/8/layout/lProcess2"/>
-    <dgm:cxn modelId="{7952A6BC-32A0-4376-A6E8-FE1DEA867B5B}" type="presParOf" srcId="{F6A5C548-4292-4CD0-A502-585E528D27DF}" destId="{04514F17-7077-4891-9380-9B3779FC8D8A}" srcOrd="0" destOrd="0" presId="urn:microsoft.com/office/officeart/2005/8/layout/lProcess2"/>
-    <dgm:cxn modelId="{E059A7D7-29F2-402C-BAC3-F5D704321FA9}" type="presParOf" srcId="{F6A5C548-4292-4CD0-A502-585E528D27DF}" destId="{F4830861-5F05-4AB9-BB01-4F1A9C82BD3F}" srcOrd="1" destOrd="0" presId="urn:microsoft.com/office/officeart/2005/8/layout/lProcess2"/>
-    <dgm:cxn modelId="{85FE7DF9-57B3-4A25-96DA-11941D349F5A}" type="presParOf" srcId="{F6A5C548-4292-4CD0-A502-585E528D27DF}" destId="{15E72C5A-F70A-4522-B628-ABEDAE4C0139}" srcOrd="2" destOrd="0" presId="urn:microsoft.com/office/officeart/2005/8/layout/lProcess2"/>
-    <dgm:cxn modelId="{2E39B826-2783-4D47-95D7-8FF65D5262EF}" type="presParOf" srcId="{15E72C5A-F70A-4522-B628-ABEDAE4C0139}" destId="{8843BE4C-9278-437D-9074-AF1D93CE0EFF}" srcOrd="0" destOrd="0" presId="urn:microsoft.com/office/officeart/2005/8/layout/lProcess2"/>
-    <dgm:cxn modelId="{BB3CE992-2443-4AF9-93ED-149A4CA4CB07}" type="presParOf" srcId="{E635D103-F4A0-4685-B381-F26D64CFEF32}" destId="{4667C4F9-B78D-4035-80FD-79F27710B83F}" srcOrd="3" destOrd="0" presId="urn:microsoft.com/office/officeart/2005/8/layout/lProcess2"/>
-    <dgm:cxn modelId="{DFED1DA1-FE1D-4942-A32B-70F6FE546AA9}" type="presParOf" srcId="{E635D103-F4A0-4685-B381-F26D64CFEF32}" destId="{7BA3D3BB-B6E3-4A40-B901-9E489C5708D8}" srcOrd="4" destOrd="0" presId="urn:microsoft.com/office/officeart/2005/8/layout/lProcess2"/>
-    <dgm:cxn modelId="{BC262F02-4CFF-443D-8D85-09C8BFDB9B36}" type="presParOf" srcId="{7BA3D3BB-B6E3-4A40-B901-9E489C5708D8}" destId="{6CCD7B67-6CED-4537-9492-F9854245DD35}" srcOrd="0" destOrd="0" presId="urn:microsoft.com/office/officeart/2005/8/layout/lProcess2"/>
-    <dgm:cxn modelId="{DF38DA87-7EF7-4ABD-8E69-94D4DCC8509E}" type="presParOf" srcId="{7BA3D3BB-B6E3-4A40-B901-9E489C5708D8}" destId="{85B1CC62-4D29-4F24-8847-0299ED88D48A}" srcOrd="1" destOrd="0" presId="urn:microsoft.com/office/officeart/2005/8/layout/lProcess2"/>
-    <dgm:cxn modelId="{3F2340C5-06BC-402F-9B5F-D34F825E2FFD}" type="presParOf" srcId="{7BA3D3BB-B6E3-4A40-B901-9E489C5708D8}" destId="{469E12D3-89D5-4DF5-8DAB-8CE669FF27F7}" srcOrd="2" destOrd="0" presId="urn:microsoft.com/office/officeart/2005/8/layout/lProcess2"/>
-    <dgm:cxn modelId="{D919B9DE-091F-455B-BEA6-20EDCCDBB935}" type="presParOf" srcId="{469E12D3-89D5-4DF5-8DAB-8CE669FF27F7}" destId="{E1A40484-B6F1-4170-8FCD-26E7FBCF0A36}" srcOrd="0" destOrd="0" presId="urn:microsoft.com/office/officeart/2005/8/layout/lProcess2"/>
-    <dgm:cxn modelId="{F69EFF42-50D0-43E2-85B4-356641B49182}" type="presParOf" srcId="{E635D103-F4A0-4685-B381-F26D64CFEF32}" destId="{CF91A839-F661-4E78-8433-BA23EFA01BF9}" srcOrd="5" destOrd="0" presId="urn:microsoft.com/office/officeart/2005/8/layout/lProcess2"/>
-    <dgm:cxn modelId="{16C65042-EB5E-4CD6-A450-3FF56C04BA52}" type="presParOf" srcId="{E635D103-F4A0-4685-B381-F26D64CFEF32}" destId="{8B1B8006-8BFC-4F91-9E77-97B7089DCF80}" srcOrd="6" destOrd="0" presId="urn:microsoft.com/office/officeart/2005/8/layout/lProcess2"/>
-    <dgm:cxn modelId="{7A4A7912-265C-444D-A993-74DD733D6709}" type="presParOf" srcId="{8B1B8006-8BFC-4F91-9E77-97B7089DCF80}" destId="{7693A9CB-8088-458F-A799-2804EB4A23C1}" srcOrd="0" destOrd="0" presId="urn:microsoft.com/office/officeart/2005/8/layout/lProcess2"/>
-    <dgm:cxn modelId="{ABC1F541-A803-4C85-96F5-03EC6F0132A3}" type="presParOf" srcId="{8B1B8006-8BFC-4F91-9E77-97B7089DCF80}" destId="{3389CF4A-606C-42BF-8AD9-04B80CD63318}" srcOrd="1" destOrd="0" presId="urn:microsoft.com/office/officeart/2005/8/layout/lProcess2"/>
-    <dgm:cxn modelId="{5AFF1CB5-91F9-4AA8-94A4-D1EE3A1AA489}" type="presParOf" srcId="{8B1B8006-8BFC-4F91-9E77-97B7089DCF80}" destId="{1411A398-5C89-4748-B744-EEDB997A2714}" srcOrd="2" destOrd="0" presId="urn:microsoft.com/office/officeart/2005/8/layout/lProcess2"/>
-    <dgm:cxn modelId="{F67964CB-8FCB-47A9-9C63-0907E9472127}" type="presParOf" srcId="{1411A398-5C89-4748-B744-EEDB997A2714}" destId="{5ECBEC42-FA62-45EA-A58D-1307C7CD120C}" srcOrd="0" destOrd="0" presId="urn:microsoft.com/office/officeart/2005/8/layout/lProcess2"/>
+    <dgm:cxn modelId="{16FA735B-F719-4DF7-9106-692D82DE23A3}" type="presOf" srcId="{5DD042D9-535A-4155-B62D-70709E4FE853}" destId="{76E029D1-94EC-40EE-81C4-F23C133BE993}" srcOrd="0" destOrd="0" presId="urn:microsoft.com/office/officeart/2005/8/layout/default"/>
+    <dgm:cxn modelId="{4A7EE75C-52D6-41D3-BF0A-5ACCBDF536A7}" type="presOf" srcId="{3582F5E9-4213-4654-8C99-5250ADC53CB6}" destId="{B0EB05C0-DB6E-4D7D-9C81-8EA80DB74F2A}" srcOrd="0" destOrd="0" presId="urn:microsoft.com/office/officeart/2005/8/layout/default"/>
+    <dgm:cxn modelId="{928C845D-1D19-4185-84C3-D34300469F6E}" type="presOf" srcId="{CCC99455-7199-476B-B12A-6E28C7C62802}" destId="{B4E1D589-E6A2-4C8C-B272-F067E195DB99}" srcOrd="0" destOrd="0" presId="urn:microsoft.com/office/officeart/2005/8/layout/default"/>
+    <dgm:cxn modelId="{3129F75D-6477-49E4-9085-5415ACB205F3}" srcId="{BFF6AE00-9A18-494C-A394-ABAC976E0063}" destId="{CCC99455-7199-476B-B12A-6E28C7C62802}" srcOrd="1" destOrd="0" parTransId="{3F9ECC8D-0DD1-4C76-856A-9B535769D888}" sibTransId="{1518DE66-7E1D-4896-8D17-DEED00338152}"/>
+    <dgm:cxn modelId="{5DC2B55E-377B-4201-BF76-0945A1C22BE9}" type="presOf" srcId="{A1B3A3BF-4F8A-4E95-A770-24E115A93CA2}" destId="{474CEEFB-41AE-41D1-B7CD-3329FB841E6E}" srcOrd="0" destOrd="0" presId="urn:microsoft.com/office/officeart/2005/8/layout/default"/>
+    <dgm:cxn modelId="{431B205F-3675-42BB-9F3E-8D0996706E3C}" srcId="{BFF6AE00-9A18-494C-A394-ABAC976E0063}" destId="{1E2CC3CB-0599-4B10-A194-73F5FDE5AC54}" srcOrd="19" destOrd="0" parTransId="{C7799123-8F34-4882-A9DF-9B6EF17F4EC6}" sibTransId="{D75C3C32-7D08-4BFD-BEBD-5DEBCC655EE5}"/>
+    <dgm:cxn modelId="{957F6A62-546B-469F-AC96-AC28164C029B}" type="presOf" srcId="{9C65126A-DF53-4518-9270-BCEAD82E75B6}" destId="{751F100A-C108-4CB3-9A40-CC0C44BA357B}" srcOrd="0" destOrd="0" presId="urn:microsoft.com/office/officeart/2005/8/layout/default"/>
+    <dgm:cxn modelId="{6D25E343-9D65-4CA7-B5EC-099526E9EFA5}" type="presOf" srcId="{C33B13F9-4C3B-49BA-922D-4C360939F391}" destId="{39F53283-9254-43C9-AD10-52D4CC91FA99}" srcOrd="0" destOrd="0" presId="urn:microsoft.com/office/officeart/2005/8/layout/default"/>
+    <dgm:cxn modelId="{F1CD8545-0BC0-4778-8EEF-66227D05B1B7}" type="presOf" srcId="{EF8DAE04-B6C5-4071-A485-289829C7E7B8}" destId="{B6DAB058-3648-4EE2-AF7D-C975643C8ADA}" srcOrd="0" destOrd="0" presId="urn:microsoft.com/office/officeart/2005/8/layout/default"/>
+    <dgm:cxn modelId="{1380A349-3D93-4A8F-9C7E-79C96A4AE5E2}" type="presOf" srcId="{EF3C83CF-1690-446C-AD59-1F767B02A86D}" destId="{34E0BA42-3D04-4EFD-86EC-82E6F5E5290D}" srcOrd="0" destOrd="0" presId="urn:microsoft.com/office/officeart/2005/8/layout/default"/>
+    <dgm:cxn modelId="{205CA64A-FB95-4527-9B7E-21F944D93D6D}" srcId="{BFF6AE00-9A18-494C-A394-ABAC976E0063}" destId="{5DD042D9-535A-4155-B62D-70709E4FE853}" srcOrd="5" destOrd="0" parTransId="{AE0C36D2-B169-4ACE-AE89-69C98DAF9E1E}" sibTransId="{B2D96604-DAF9-428E-913A-4C4033F6D617}"/>
+    <dgm:cxn modelId="{DD90D44C-B128-4D0F-BEC3-E22639EA3D3C}" type="presOf" srcId="{6C22DE64-5A9B-49C6-8EE9-70AA7F240BE9}" destId="{02976B10-6E5D-4454-9854-670643BAA783}" srcOrd="0" destOrd="0" presId="urn:microsoft.com/office/officeart/2005/8/layout/default"/>
+    <dgm:cxn modelId="{ED05336D-E704-4917-B0D5-4F8F265C5CC1}" type="presOf" srcId="{0F0ED013-8618-461A-91F2-992B2BAFD9F6}" destId="{FBF879CA-CC28-40FD-98EE-60DBB3043409}" srcOrd="0" destOrd="0" presId="urn:microsoft.com/office/officeart/2005/8/layout/default"/>
+    <dgm:cxn modelId="{F892204E-DF01-4947-B0AC-F6759E1D1E94}" type="presOf" srcId="{D8FF52DF-4366-460E-B112-E74DFA5B5142}" destId="{8B3DB1A9-520B-495E-BB8A-B3E67D72601A}" srcOrd="0" destOrd="0" presId="urn:microsoft.com/office/officeart/2005/8/layout/default"/>
+    <dgm:cxn modelId="{B1A9496E-7969-4172-AA8F-FCBEF433A4C1}" type="presOf" srcId="{D6CC2E90-689D-4BC5-A3FD-D0A353EA2F5A}" destId="{7F794C98-7D5C-4DF9-B7D0-067299852C12}" srcOrd="0" destOrd="0" presId="urn:microsoft.com/office/officeart/2005/8/layout/default"/>
+    <dgm:cxn modelId="{00A46B70-F7FC-47B0-BDD5-01D3E6A49B6D}" srcId="{BFF6AE00-9A18-494C-A394-ABAC976E0063}" destId="{28D1162C-2862-4EC2-B064-42911AF461FF}" srcOrd="17" destOrd="0" parTransId="{929B2A52-8422-4DF5-9FC0-F1E1480928E3}" sibTransId="{44002492-8863-40B9-B1DE-280E78E1FEEA}"/>
+    <dgm:cxn modelId="{D56EDD52-4B31-46DA-B968-338105816413}" srcId="{BFF6AE00-9A18-494C-A394-ABAC976E0063}" destId="{3B323CA1-671E-4716-980E-406A493A9709}" srcOrd="20" destOrd="0" parTransId="{1AD8448F-F417-4DAF-AB86-0C10449477D1}" sibTransId="{9BE04EC5-15BF-4AAD-B9E4-89E904C1409A}"/>
+    <dgm:cxn modelId="{AD0B9974-AF32-40EF-981B-DB592D162A8E}" srcId="{BFF6AE00-9A18-494C-A394-ABAC976E0063}" destId="{1B4A51BF-2B08-41E9-9258-6090E1911574}" srcOrd="33" destOrd="0" parTransId="{9272466C-A399-46E1-A149-284687154820}" sibTransId="{4B3097A7-A877-449D-ABF7-B7E214F079B5}"/>
+    <dgm:cxn modelId="{3AD3DA54-7E32-4BC4-AA98-178B1224219F}" srcId="{BFF6AE00-9A18-494C-A394-ABAC976E0063}" destId="{A724D5BF-1CF4-49D9-B759-23F1A2713EE9}" srcOrd="23" destOrd="0" parTransId="{6A8749BA-C799-47C7-8B97-44F225402D9E}" sibTransId="{C178E34F-C4A6-4604-8B93-C46B85C662FE}"/>
+    <dgm:cxn modelId="{A2B59E78-B68C-4CBD-9BF5-52D37FD8DA3F}" type="presOf" srcId="{28D1162C-2862-4EC2-B064-42911AF461FF}" destId="{647250C0-600F-45E9-A558-3098717C83E8}" srcOrd="0" destOrd="0" presId="urn:microsoft.com/office/officeart/2005/8/layout/default"/>
+    <dgm:cxn modelId="{84F74979-1565-4D93-9A7E-501FA264C97D}" type="presOf" srcId="{3636DDCD-831F-4CEB-BFA2-DB3FF781FF58}" destId="{B62269E5-4C35-4AE4-82A0-01C592142BF2}" srcOrd="0" destOrd="0" presId="urn:microsoft.com/office/officeart/2005/8/layout/default"/>
+    <dgm:cxn modelId="{F1749679-3146-4D34-AD61-0277546CF13F}" srcId="{BFF6AE00-9A18-494C-A394-ABAC976E0063}" destId="{564D3F2E-84B7-40ED-B914-10120DB5BF18}" srcOrd="9" destOrd="0" parTransId="{A84CED32-1EE5-4716-8713-68DE2678ACDC}" sibTransId="{2D925ED9-E0DB-4C1B-B0F9-28240A718E32}"/>
+    <dgm:cxn modelId="{5345DA7E-8850-4507-BD78-B3692CD2C44B}" srcId="{BFF6AE00-9A18-494C-A394-ABAC976E0063}" destId="{9C65126A-DF53-4518-9270-BCEAD82E75B6}" srcOrd="27" destOrd="0" parTransId="{2127F4D6-A70F-4886-8E20-0133F2F7B1F1}" sibTransId="{1976C48A-2E12-48AE-95E8-BA772328DA83}"/>
+    <dgm:cxn modelId="{A10B5D83-3B61-42C1-AD43-3AB64569861E}" srcId="{BFF6AE00-9A18-494C-A394-ABAC976E0063}" destId="{8F6DF39C-243B-4A95-B3AF-6540EEA99A5F}" srcOrd="12" destOrd="0" parTransId="{693CC56A-B3AA-4F57-AA4F-A17F357AD98B}" sibTransId="{5A2F5F40-61B9-4BEB-A8C1-55BF8CB46826}"/>
+    <dgm:cxn modelId="{DE3E6484-DA05-4ED0-B903-DC302E3CC9F4}" type="presOf" srcId="{A13843B8-1335-4E47-9B85-3C2BD10B4424}" destId="{647EA1A9-77DD-439D-A4FD-C1EE10535520}" srcOrd="0" destOrd="0" presId="urn:microsoft.com/office/officeart/2005/8/layout/default"/>
+    <dgm:cxn modelId="{9BB01D85-6AC7-4C59-9FF3-3EDA65A7B55E}" srcId="{BFF6AE00-9A18-494C-A394-ABAC976E0063}" destId="{12927716-E404-49A7-9916-036572DAB4EC}" srcOrd="2" destOrd="0" parTransId="{57E0B5E1-2B3B-4B13-A579-4FC8791DC182}" sibTransId="{D4A39915-AB2D-4EB7-BF5F-C51943016CB2}"/>
+    <dgm:cxn modelId="{48685289-2B75-4140-96E2-C7E2BB1464DE}" type="presOf" srcId="{A726F9CF-CDFA-4306-B71F-9532BAD7F6A5}" destId="{73EDA0E1-8BC1-4F3B-B013-A1ABC111A7C9}" srcOrd="0" destOrd="0" presId="urn:microsoft.com/office/officeart/2005/8/layout/default"/>
+    <dgm:cxn modelId="{9487B18E-2C08-43CD-A606-7CB86DF783C5}" srcId="{BFF6AE00-9A18-494C-A394-ABAC976E0063}" destId="{EF3C83CF-1690-446C-AD59-1F767B02A86D}" srcOrd="25" destOrd="0" parTransId="{220B8DE6-43F8-4BAB-9B5B-4D3DE75040DB}" sibTransId="{540A2D96-43B7-4A4C-8003-9C1A6967DF1F}"/>
+    <dgm:cxn modelId="{0F3A738F-64FE-4467-A00A-FB01388EB1DC}" srcId="{BFF6AE00-9A18-494C-A394-ABAC976E0063}" destId="{3582F5E9-4213-4654-8C99-5250ADC53CB6}" srcOrd="11" destOrd="0" parTransId="{CB95D8CD-B2A7-4D42-AFEA-28696EF79A15}" sibTransId="{CE2B0474-56C0-4B95-9E41-0C91CC4A3FAA}"/>
+    <dgm:cxn modelId="{44F18193-EE3E-44D2-9D62-BAEA06B15394}" type="presOf" srcId="{1E2CC3CB-0599-4B10-A194-73F5FDE5AC54}" destId="{18783CB2-8EA0-4C89-A0F8-57B779CA4244}" srcOrd="0" destOrd="0" presId="urn:microsoft.com/office/officeart/2005/8/layout/default"/>
+    <dgm:cxn modelId="{8C907298-2A70-4555-91DB-6623B8F66B26}" type="presOf" srcId="{8F6DF39C-243B-4A95-B3AF-6540EEA99A5F}" destId="{A10247E1-A73C-45CB-A44F-E28C587262EB}" srcOrd="0" destOrd="0" presId="urn:microsoft.com/office/officeart/2005/8/layout/default"/>
+    <dgm:cxn modelId="{D617009E-BF85-4638-A602-157C97C23363}" type="presOf" srcId="{B131DE1A-89F1-48DC-A086-781E62C9B293}" destId="{221D7CC6-E6C6-4A1E-B35E-2D3F1BF5D911}" srcOrd="0" destOrd="0" presId="urn:microsoft.com/office/officeart/2005/8/layout/default"/>
+    <dgm:cxn modelId="{23A85AA0-CED3-4FD0-A29B-725D15CB76B9}" type="presOf" srcId="{FEDA56E1-EB31-4175-B66E-92417CDDA6E3}" destId="{AFA39F50-A2C2-4D93-A2C7-5DD705CFFA2A}" srcOrd="0" destOrd="0" presId="urn:microsoft.com/office/officeart/2005/8/layout/default"/>
+    <dgm:cxn modelId="{36F70FA4-98C3-4B5F-8E4E-9C04CD138358}" type="presOf" srcId="{A724D5BF-1CF4-49D9-B759-23F1A2713EE9}" destId="{146BC6D7-864C-43A2-BCFF-521A96E60704}" srcOrd="0" destOrd="0" presId="urn:microsoft.com/office/officeart/2005/8/layout/default"/>
+    <dgm:cxn modelId="{982B4FAC-BD38-4AC0-9BB0-7D9C965AFA3C}" srcId="{BFF6AE00-9A18-494C-A394-ABAC976E0063}" destId="{12B483B0-5C92-490C-9D29-31570454D2AE}" srcOrd="24" destOrd="0" parTransId="{27B0E1C2-125C-46CC-99A9-33532197A185}" sibTransId="{8CAE963D-1816-440A-AD1C-E8ECF1657031}"/>
+    <dgm:cxn modelId="{273D93AF-DB64-4FF2-AE73-73E0A18AE283}" srcId="{BFF6AE00-9A18-494C-A394-ABAC976E0063}" destId="{B131DE1A-89F1-48DC-A086-781E62C9B293}" srcOrd="26" destOrd="0" parTransId="{289DFAC3-A68F-4A07-AB36-1F9EB401659F}" sibTransId="{A5FB1B33-4F1D-45FF-A588-00EC81E112B8}"/>
+    <dgm:cxn modelId="{394DB2B2-44D5-459D-B42B-1B25B0460953}" srcId="{BFF6AE00-9A18-494C-A394-ABAC976E0063}" destId="{854AE3A7-6E20-4E0E-8594-21B9DCBD0220}" srcOrd="3" destOrd="0" parTransId="{E36FE486-C6B2-4C48-99A0-498A83F6E6FC}" sibTransId="{2FD1DE4D-96CE-4EFD-9F66-63D17C3D53C9}"/>
+    <dgm:cxn modelId="{ACA4E5C8-EFE9-4B5C-ABF5-DB7028D445C9}" type="presOf" srcId="{12B483B0-5C92-490C-9D29-31570454D2AE}" destId="{E02CFCE3-A09D-4588-9730-BF8563B50838}" srcOrd="0" destOrd="0" presId="urn:microsoft.com/office/officeart/2005/8/layout/default"/>
+    <dgm:cxn modelId="{3A3D03CF-6E2E-4347-BEBD-A01CBA3C72B6}" srcId="{BFF6AE00-9A18-494C-A394-ABAC976E0063}" destId="{EF8DAE04-B6C5-4071-A485-289829C7E7B8}" srcOrd="8" destOrd="0" parTransId="{7F8315E3-AE55-4BAC-ADEF-5A6F5DE25705}" sibTransId="{63C6FCBE-4F28-441D-91A2-2CCD5C149208}"/>
+    <dgm:cxn modelId="{F4528ED0-8D57-4289-8044-1ECB29A04429}" type="presOf" srcId="{BFF6AE00-9A18-494C-A394-ABAC976E0063}" destId="{04A9194E-F113-4E12-A769-49460DE56F77}" srcOrd="0" destOrd="0" presId="urn:microsoft.com/office/officeart/2005/8/layout/default"/>
+    <dgm:cxn modelId="{2AC7A2D1-A9F6-48F0-B092-D251A88239CA}" type="presOf" srcId="{564D3F2E-84B7-40ED-B914-10120DB5BF18}" destId="{C485E01D-DF6A-49B6-A2A1-1ECE62257912}" srcOrd="0" destOrd="0" presId="urn:microsoft.com/office/officeart/2005/8/layout/default"/>
+    <dgm:cxn modelId="{1143E3D6-471B-4400-9DCA-1B790BC65D72}" srcId="{BFF6AE00-9A18-494C-A394-ABAC976E0063}" destId="{97C6CC90-76C1-4C6C-88C9-5EC4D284E700}" srcOrd="21" destOrd="0" parTransId="{D963A599-42F0-4D5D-BFD1-2D50199C6D79}" sibTransId="{E787D445-5476-436C-B16D-ED4927CB8E56}"/>
+    <dgm:cxn modelId="{D1337AD8-15E5-469D-B52F-867EC0A84809}" srcId="{BFF6AE00-9A18-494C-A394-ABAC976E0063}" destId="{A726F9CF-CDFA-4306-B71F-9532BAD7F6A5}" srcOrd="32" destOrd="0" parTransId="{07EAC6F0-062A-4301-AC94-EE431E13964E}" sibTransId="{8B777F47-5C36-4AEF-A124-B3EC81B3B55A}"/>
+    <dgm:cxn modelId="{D71BCAD8-7669-4A8E-92ED-280028B99D3F}" type="presOf" srcId="{DB9AE5BA-3591-400E-8B45-73D55B197BD4}" destId="{897DDA67-365E-4C76-B151-AD75A5E6288B}" srcOrd="0" destOrd="0" presId="urn:microsoft.com/office/officeart/2005/8/layout/default"/>
+    <dgm:cxn modelId="{CA4B79DB-1EE3-443B-9027-BF977AADCCA2}" type="presOf" srcId="{1B4A51BF-2B08-41E9-9258-6090E1911574}" destId="{2875147D-0D4C-4B47-A167-139DD76115C8}" srcOrd="0" destOrd="0" presId="urn:microsoft.com/office/officeart/2005/8/layout/default"/>
+    <dgm:cxn modelId="{8F6B8EE3-4028-42B9-AD6C-6C5F1CCE5C14}" srcId="{BFF6AE00-9A18-494C-A394-ABAC976E0063}" destId="{9A54F159-1E7E-47D9-B0B2-BE11BD8E6320}" srcOrd="6" destOrd="0" parTransId="{92D250A7-55F4-4B66-82B9-99B78E7866BF}" sibTransId="{56EE5632-AEE2-4CE4-BA79-2FADD19EF51C}"/>
+    <dgm:cxn modelId="{CFF96AE9-6A95-45AF-B81C-20D947342DB7}" type="presOf" srcId="{854AE3A7-6E20-4E0E-8594-21B9DCBD0220}" destId="{1874CD63-F84C-4F49-8D7E-B5147E0C0761}" srcOrd="0" destOrd="0" presId="urn:microsoft.com/office/officeart/2005/8/layout/default"/>
+    <dgm:cxn modelId="{424A9EF5-B228-4F4C-A1AB-66B627AB1E17}" srcId="{BFF6AE00-9A18-494C-A394-ABAC976E0063}" destId="{D6CC2E90-689D-4BC5-A3FD-D0A353EA2F5A}" srcOrd="7" destOrd="0" parTransId="{2A75F3B8-8E14-4FCF-8C4A-012B1BA9E1E8}" sibTransId="{8BB0BB0E-35D8-4C33-9BF8-74DEB462BF63}"/>
+    <dgm:cxn modelId="{A80498F7-FD94-4E19-A52C-8C65E0B2F918}" srcId="{BFF6AE00-9A18-494C-A394-ABAC976E0063}" destId="{B7354BEC-1D03-47AD-B8B7-7E4DD2D84F93}" srcOrd="18" destOrd="0" parTransId="{1DD64562-554F-46EB-9FCA-4805153532B8}" sibTransId="{B536C34A-4E9D-404E-B75C-69FE0D56C08B}"/>
+    <dgm:cxn modelId="{04245CF9-DECB-40F7-A2AA-3EF2750BD2FA}" srcId="{BFF6AE00-9A18-494C-A394-ABAC976E0063}" destId="{DB9AE5BA-3591-400E-8B45-73D55B197BD4}" srcOrd="30" destOrd="0" parTransId="{FB35D7FD-42F3-446A-A648-9E0EF5FC671E}" sibTransId="{093D3CBE-E286-48E6-9D1A-CE330B52349C}"/>
+    <dgm:cxn modelId="{044EEEFC-1B39-468D-B5EF-1F977D371862}" type="presOf" srcId="{828D806D-1027-4104-BCD8-349DB38A165D}" destId="{156B9DA0-DD4E-4FFE-B56B-6C5DEE7B3CA6}" srcOrd="0" destOrd="0" presId="urn:microsoft.com/office/officeart/2005/8/layout/default"/>
+    <dgm:cxn modelId="{017ACAFD-FE78-4C13-965B-32026FCF8218}" type="presOf" srcId="{B7354BEC-1D03-47AD-B8B7-7E4DD2D84F93}" destId="{C57E4F06-A1B1-428E-9136-219524DE30BA}" srcOrd="0" destOrd="0" presId="urn:microsoft.com/office/officeart/2005/8/layout/default"/>
+    <dgm:cxn modelId="{F62EAE6B-7C33-4FF2-8CCB-D83720721ED1}" type="presParOf" srcId="{04A9194E-F113-4E12-A769-49460DE56F77}" destId="{EC8B4F79-3B7D-489A-A6BC-11C4E8C85428}" srcOrd="0" destOrd="0" presId="urn:microsoft.com/office/officeart/2005/8/layout/default"/>
+    <dgm:cxn modelId="{CB66DD4B-5619-4E61-A689-5D9B96DC44AC}" type="presParOf" srcId="{04A9194E-F113-4E12-A769-49460DE56F77}" destId="{CE2C439A-36EF-4DB3-A92E-6DA6E5772D53}" srcOrd="1" destOrd="0" presId="urn:microsoft.com/office/officeart/2005/8/layout/default"/>
+    <dgm:cxn modelId="{160B3E2D-2840-4FF8-9409-22B9CAC181EF}" type="presParOf" srcId="{04A9194E-F113-4E12-A769-49460DE56F77}" destId="{B4E1D589-E6A2-4C8C-B272-F067E195DB99}" srcOrd="2" destOrd="0" presId="urn:microsoft.com/office/officeart/2005/8/layout/default"/>
+    <dgm:cxn modelId="{F597EAE5-4B34-437A-880C-8E749AB755EB}" type="presParOf" srcId="{04A9194E-F113-4E12-A769-49460DE56F77}" destId="{77117B51-6995-4C59-85FB-3BE294432016}" srcOrd="3" destOrd="0" presId="urn:microsoft.com/office/officeart/2005/8/layout/default"/>
+    <dgm:cxn modelId="{39CF5765-0774-4886-AE11-B07E09619E18}" type="presParOf" srcId="{04A9194E-F113-4E12-A769-49460DE56F77}" destId="{E0F5F243-3991-414C-B1DE-77FABA13F7FD}" srcOrd="4" destOrd="0" presId="urn:microsoft.com/office/officeart/2005/8/layout/default"/>
+    <dgm:cxn modelId="{E3030355-D6FA-45AD-8721-2F1F5F389BC5}" type="presParOf" srcId="{04A9194E-F113-4E12-A769-49460DE56F77}" destId="{33133B14-0953-4B87-8C7B-B1C00169F8AC}" srcOrd="5" destOrd="0" presId="urn:microsoft.com/office/officeart/2005/8/layout/default"/>
+    <dgm:cxn modelId="{3AD04265-68E3-41BF-98D8-B50A7AC0CE97}" type="presParOf" srcId="{04A9194E-F113-4E12-A769-49460DE56F77}" destId="{1874CD63-F84C-4F49-8D7E-B5147E0C0761}" srcOrd="6" destOrd="0" presId="urn:microsoft.com/office/officeart/2005/8/layout/default"/>
+    <dgm:cxn modelId="{38F3A776-793C-4F43-AEB5-D72289F9A7E1}" type="presParOf" srcId="{04A9194E-F113-4E12-A769-49460DE56F77}" destId="{E4634118-02CC-4EAB-B11A-7CD08D281406}" srcOrd="7" destOrd="0" presId="urn:microsoft.com/office/officeart/2005/8/layout/default"/>
+    <dgm:cxn modelId="{F4C4265D-FCEC-456D-A521-1C5FAB359FA2}" type="presParOf" srcId="{04A9194E-F113-4E12-A769-49460DE56F77}" destId="{02976B10-6E5D-4454-9854-670643BAA783}" srcOrd="8" destOrd="0" presId="urn:microsoft.com/office/officeart/2005/8/layout/default"/>
+    <dgm:cxn modelId="{0448730B-33BC-45CB-B72C-9797099F5540}" type="presParOf" srcId="{04A9194E-F113-4E12-A769-49460DE56F77}" destId="{D4D2C0B8-F16D-4D83-8E2D-B21442ED4EF9}" srcOrd="9" destOrd="0" presId="urn:microsoft.com/office/officeart/2005/8/layout/default"/>
+    <dgm:cxn modelId="{02A29713-DE10-4D2C-BB75-344ED9CD37A6}" type="presParOf" srcId="{04A9194E-F113-4E12-A769-49460DE56F77}" destId="{76E029D1-94EC-40EE-81C4-F23C133BE993}" srcOrd="10" destOrd="0" presId="urn:microsoft.com/office/officeart/2005/8/layout/default"/>
+    <dgm:cxn modelId="{0B8D4680-3158-4239-9418-112EB6F69C33}" type="presParOf" srcId="{04A9194E-F113-4E12-A769-49460DE56F77}" destId="{77FB9368-197D-4412-A327-FD015A59754C}" srcOrd="11" destOrd="0" presId="urn:microsoft.com/office/officeart/2005/8/layout/default"/>
+    <dgm:cxn modelId="{4EE51301-738C-4B59-A477-EE5509746DE1}" type="presParOf" srcId="{04A9194E-F113-4E12-A769-49460DE56F77}" destId="{E25BB2F7-BA9E-4708-9149-1D79F26AD6CC}" srcOrd="12" destOrd="0" presId="urn:microsoft.com/office/officeart/2005/8/layout/default"/>
+    <dgm:cxn modelId="{5F8313D4-CD4A-425D-9B67-73D66BDC2340}" type="presParOf" srcId="{04A9194E-F113-4E12-A769-49460DE56F77}" destId="{9CD9BB51-9D03-426B-88D4-CA8778545C0A}" srcOrd="13" destOrd="0" presId="urn:microsoft.com/office/officeart/2005/8/layout/default"/>
+    <dgm:cxn modelId="{E6B36C0F-E4A7-4D77-8AB2-89D83C29EB5B}" type="presParOf" srcId="{04A9194E-F113-4E12-A769-49460DE56F77}" destId="{7F794C98-7D5C-4DF9-B7D0-067299852C12}" srcOrd="14" destOrd="0" presId="urn:microsoft.com/office/officeart/2005/8/layout/default"/>
+    <dgm:cxn modelId="{3B4A5771-4C88-4A06-BF78-48B25955E0DE}" type="presParOf" srcId="{04A9194E-F113-4E12-A769-49460DE56F77}" destId="{F6095D75-3694-4ED1-A271-C5BDAAC88010}" srcOrd="15" destOrd="0" presId="urn:microsoft.com/office/officeart/2005/8/layout/default"/>
+    <dgm:cxn modelId="{CE24276D-88D6-4DA9-B966-3476515961B9}" type="presParOf" srcId="{04A9194E-F113-4E12-A769-49460DE56F77}" destId="{B6DAB058-3648-4EE2-AF7D-C975643C8ADA}" srcOrd="16" destOrd="0" presId="urn:microsoft.com/office/officeart/2005/8/layout/default"/>
+    <dgm:cxn modelId="{042A075E-5418-4451-A62C-DC93B0BDD401}" type="presParOf" srcId="{04A9194E-F113-4E12-A769-49460DE56F77}" destId="{81ED0C24-8571-4B3B-ACD5-B22AC591979C}" srcOrd="17" destOrd="0" presId="urn:microsoft.com/office/officeart/2005/8/layout/default"/>
+    <dgm:cxn modelId="{53FE3673-6724-4151-884C-51BB4F87D749}" type="presParOf" srcId="{04A9194E-F113-4E12-A769-49460DE56F77}" destId="{C485E01D-DF6A-49B6-A2A1-1ECE62257912}" srcOrd="18" destOrd="0" presId="urn:microsoft.com/office/officeart/2005/8/layout/default"/>
+    <dgm:cxn modelId="{AB01A97D-5757-4E29-AEE5-FF847409BFE7}" type="presParOf" srcId="{04A9194E-F113-4E12-A769-49460DE56F77}" destId="{A74A8462-592F-4AD4-A966-C496A1EE18C5}" srcOrd="19" destOrd="0" presId="urn:microsoft.com/office/officeart/2005/8/layout/default"/>
+    <dgm:cxn modelId="{AC36C371-0BA5-4EA9-B580-88CB006BAC33}" type="presParOf" srcId="{04A9194E-F113-4E12-A769-49460DE56F77}" destId="{FBF879CA-CC28-40FD-98EE-60DBB3043409}" srcOrd="20" destOrd="0" presId="urn:microsoft.com/office/officeart/2005/8/layout/default"/>
+    <dgm:cxn modelId="{EA4587A4-EB23-4B91-832E-8D056BE67250}" type="presParOf" srcId="{04A9194E-F113-4E12-A769-49460DE56F77}" destId="{19F5B0DB-D680-4F7D-8E17-BEE1A8A06295}" srcOrd="21" destOrd="0" presId="urn:microsoft.com/office/officeart/2005/8/layout/default"/>
+    <dgm:cxn modelId="{E2B0DA51-EB68-400F-86AF-FA18553DD171}" type="presParOf" srcId="{04A9194E-F113-4E12-A769-49460DE56F77}" destId="{B0EB05C0-DB6E-4D7D-9C81-8EA80DB74F2A}" srcOrd="22" destOrd="0" presId="urn:microsoft.com/office/officeart/2005/8/layout/default"/>
+    <dgm:cxn modelId="{85D811C2-BAE8-4F16-A5C3-0F51D3DCF052}" type="presParOf" srcId="{04A9194E-F113-4E12-A769-49460DE56F77}" destId="{B64D945A-84B5-4377-AF5E-3CDC2CC3836F}" srcOrd="23" destOrd="0" presId="urn:microsoft.com/office/officeart/2005/8/layout/default"/>
+    <dgm:cxn modelId="{98550344-F06F-4CC1-AB89-7F7E5C3C05DC}" type="presParOf" srcId="{04A9194E-F113-4E12-A769-49460DE56F77}" destId="{A10247E1-A73C-45CB-A44F-E28C587262EB}" srcOrd="24" destOrd="0" presId="urn:microsoft.com/office/officeart/2005/8/layout/default"/>
+    <dgm:cxn modelId="{975276C7-C9C7-4498-A4BC-70BF92D1CFC6}" type="presParOf" srcId="{04A9194E-F113-4E12-A769-49460DE56F77}" destId="{3EE10AE0-9E0A-449B-9798-D07A0389DEC7}" srcOrd="25" destOrd="0" presId="urn:microsoft.com/office/officeart/2005/8/layout/default"/>
+    <dgm:cxn modelId="{EABC7B8E-B1AE-49DB-88A8-A3369C608882}" type="presParOf" srcId="{04A9194E-F113-4E12-A769-49460DE56F77}" destId="{474CEEFB-41AE-41D1-B7CD-3329FB841E6E}" srcOrd="26" destOrd="0" presId="urn:microsoft.com/office/officeart/2005/8/layout/default"/>
+    <dgm:cxn modelId="{D9B2C772-C639-4EFD-8D94-BA34D3C15B80}" type="presParOf" srcId="{04A9194E-F113-4E12-A769-49460DE56F77}" destId="{68D5A557-9AB3-4C34-B541-54C754C58767}" srcOrd="27" destOrd="0" presId="urn:microsoft.com/office/officeart/2005/8/layout/default"/>
+    <dgm:cxn modelId="{4135E10D-BCA4-4E64-BD87-4ECD4FD2A865}" type="presParOf" srcId="{04A9194E-F113-4E12-A769-49460DE56F77}" destId="{AFA39F50-A2C2-4D93-A2C7-5DD705CFFA2A}" srcOrd="28" destOrd="0" presId="urn:microsoft.com/office/officeart/2005/8/layout/default"/>
+    <dgm:cxn modelId="{2DE5838E-6674-4EC9-9BFA-C609F101E538}" type="presParOf" srcId="{04A9194E-F113-4E12-A769-49460DE56F77}" destId="{9CD670E6-B3DB-4F75-961A-65CB15B9D29B}" srcOrd="29" destOrd="0" presId="urn:microsoft.com/office/officeart/2005/8/layout/default"/>
+    <dgm:cxn modelId="{A088411C-4B08-4388-A41D-C6AC02FADBCB}" type="presParOf" srcId="{04A9194E-F113-4E12-A769-49460DE56F77}" destId="{156B9DA0-DD4E-4FFE-B56B-6C5DEE7B3CA6}" srcOrd="30" destOrd="0" presId="urn:microsoft.com/office/officeart/2005/8/layout/default"/>
+    <dgm:cxn modelId="{3DB2B544-8282-4688-9F0C-8439C5E9F40C}" type="presParOf" srcId="{04A9194E-F113-4E12-A769-49460DE56F77}" destId="{4B99FA84-BCCF-4431-A407-4D056304BC3C}" srcOrd="31" destOrd="0" presId="urn:microsoft.com/office/officeart/2005/8/layout/default"/>
+    <dgm:cxn modelId="{45719554-B586-491A-85A9-EBC75CEA521C}" type="presParOf" srcId="{04A9194E-F113-4E12-A769-49460DE56F77}" destId="{B62269E5-4C35-4AE4-82A0-01C592142BF2}" srcOrd="32" destOrd="0" presId="urn:microsoft.com/office/officeart/2005/8/layout/default"/>
+    <dgm:cxn modelId="{3E13C677-C409-400E-83C6-D74407573B7D}" type="presParOf" srcId="{04A9194E-F113-4E12-A769-49460DE56F77}" destId="{38839258-FAAA-4E07-9725-B24D62079BA9}" srcOrd="33" destOrd="0" presId="urn:microsoft.com/office/officeart/2005/8/layout/default"/>
+    <dgm:cxn modelId="{27EB00F0-4FC6-47F1-8F31-930D580CC6BD}" type="presParOf" srcId="{04A9194E-F113-4E12-A769-49460DE56F77}" destId="{647250C0-600F-45E9-A558-3098717C83E8}" srcOrd="34" destOrd="0" presId="urn:microsoft.com/office/officeart/2005/8/layout/default"/>
+    <dgm:cxn modelId="{8569094D-614A-4CDA-9D54-085B9049B89D}" type="presParOf" srcId="{04A9194E-F113-4E12-A769-49460DE56F77}" destId="{280E2120-7B74-4B18-899B-3D3C7765705F}" srcOrd="35" destOrd="0" presId="urn:microsoft.com/office/officeart/2005/8/layout/default"/>
+    <dgm:cxn modelId="{36FE9299-7BB4-4F01-8D35-1F21A68242D9}" type="presParOf" srcId="{04A9194E-F113-4E12-A769-49460DE56F77}" destId="{C57E4F06-A1B1-428E-9136-219524DE30BA}" srcOrd="36" destOrd="0" presId="urn:microsoft.com/office/officeart/2005/8/layout/default"/>
+    <dgm:cxn modelId="{D1A80166-5D74-45B1-B2DC-DE6A857D5830}" type="presParOf" srcId="{04A9194E-F113-4E12-A769-49460DE56F77}" destId="{8FDB2B18-5F6B-477D-A00E-7D48852B6D52}" srcOrd="37" destOrd="0" presId="urn:microsoft.com/office/officeart/2005/8/layout/default"/>
+    <dgm:cxn modelId="{F292E907-CD5A-4045-8E77-B6927F26E847}" type="presParOf" srcId="{04A9194E-F113-4E12-A769-49460DE56F77}" destId="{18783CB2-8EA0-4C89-A0F8-57B779CA4244}" srcOrd="38" destOrd="0" presId="urn:microsoft.com/office/officeart/2005/8/layout/default"/>
+    <dgm:cxn modelId="{6EBF4154-514E-461D-961B-11F030B81DA1}" type="presParOf" srcId="{04A9194E-F113-4E12-A769-49460DE56F77}" destId="{EE479498-F65E-4349-AF46-ED2990A31EEC}" srcOrd="39" destOrd="0" presId="urn:microsoft.com/office/officeart/2005/8/layout/default"/>
+    <dgm:cxn modelId="{6661355B-535C-42CF-8328-33A307C41426}" type="presParOf" srcId="{04A9194E-F113-4E12-A769-49460DE56F77}" destId="{D355042F-DCC6-42FD-A0D1-38DECAAA25BF}" srcOrd="40" destOrd="0" presId="urn:microsoft.com/office/officeart/2005/8/layout/default"/>
+    <dgm:cxn modelId="{7E612A82-B2D0-4BF6-95C2-38A2FF56DC04}" type="presParOf" srcId="{04A9194E-F113-4E12-A769-49460DE56F77}" destId="{146AFA4D-79F3-48E6-AC23-599195A17B67}" srcOrd="41" destOrd="0" presId="urn:microsoft.com/office/officeart/2005/8/layout/default"/>
+    <dgm:cxn modelId="{9049210D-65C8-4DFC-89F3-D8C0F510FBC4}" type="presParOf" srcId="{04A9194E-F113-4E12-A769-49460DE56F77}" destId="{ADEF7C6E-EFE0-4A83-AC24-B65739D4E2E1}" srcOrd="42" destOrd="0" presId="urn:microsoft.com/office/officeart/2005/8/layout/default"/>
+    <dgm:cxn modelId="{EA852289-A731-4362-B286-8F4078418377}" type="presParOf" srcId="{04A9194E-F113-4E12-A769-49460DE56F77}" destId="{B953324D-B6BA-4B97-8E8E-345BC3D47AF4}" srcOrd="43" destOrd="0" presId="urn:microsoft.com/office/officeart/2005/8/layout/default"/>
+    <dgm:cxn modelId="{BC527359-6A7A-411A-91F2-10502430B09E}" type="presParOf" srcId="{04A9194E-F113-4E12-A769-49460DE56F77}" destId="{8B3DB1A9-520B-495E-BB8A-B3E67D72601A}" srcOrd="44" destOrd="0" presId="urn:microsoft.com/office/officeart/2005/8/layout/default"/>
+    <dgm:cxn modelId="{AD3F14EA-9569-48CC-BF09-3878054E93A4}" type="presParOf" srcId="{04A9194E-F113-4E12-A769-49460DE56F77}" destId="{2C88DF73-3B36-4AB6-A079-D06D774B153A}" srcOrd="45" destOrd="0" presId="urn:microsoft.com/office/officeart/2005/8/layout/default"/>
+    <dgm:cxn modelId="{68BEEE40-D9A0-4463-95E9-D7B440C38C7C}" type="presParOf" srcId="{04A9194E-F113-4E12-A769-49460DE56F77}" destId="{146BC6D7-864C-43A2-BCFF-521A96E60704}" srcOrd="46" destOrd="0" presId="urn:microsoft.com/office/officeart/2005/8/layout/default"/>
+    <dgm:cxn modelId="{713AF370-D811-4F93-BC27-04CCD85F4706}" type="presParOf" srcId="{04A9194E-F113-4E12-A769-49460DE56F77}" destId="{338FE2FF-4694-4172-920A-BCBDA4C536D2}" srcOrd="47" destOrd="0" presId="urn:microsoft.com/office/officeart/2005/8/layout/default"/>
+    <dgm:cxn modelId="{38711DB5-C8FE-4D37-BFDA-92C747E6A6C3}" type="presParOf" srcId="{04A9194E-F113-4E12-A769-49460DE56F77}" destId="{E02CFCE3-A09D-4588-9730-BF8563B50838}" srcOrd="48" destOrd="0" presId="urn:microsoft.com/office/officeart/2005/8/layout/default"/>
+    <dgm:cxn modelId="{72D4039F-A041-4D6D-A256-A876771E9B15}" type="presParOf" srcId="{04A9194E-F113-4E12-A769-49460DE56F77}" destId="{CCEAA399-CA97-4021-9A4B-05FAD4BDB408}" srcOrd="49" destOrd="0" presId="urn:microsoft.com/office/officeart/2005/8/layout/default"/>
+    <dgm:cxn modelId="{B3BD509F-C0AE-434B-8299-922D3F615847}" type="presParOf" srcId="{04A9194E-F113-4E12-A769-49460DE56F77}" destId="{34E0BA42-3D04-4EFD-86EC-82E6F5E5290D}" srcOrd="50" destOrd="0" presId="urn:microsoft.com/office/officeart/2005/8/layout/default"/>
+    <dgm:cxn modelId="{07BA2D6A-6355-46B2-9B66-5DC3C91DB965}" type="presParOf" srcId="{04A9194E-F113-4E12-A769-49460DE56F77}" destId="{B1F9772A-F4BC-4CF8-AB90-C6F178C05CD0}" srcOrd="51" destOrd="0" presId="urn:microsoft.com/office/officeart/2005/8/layout/default"/>
+    <dgm:cxn modelId="{B0F761D7-4BEA-4EC6-835C-082BE5231BB4}" type="presParOf" srcId="{04A9194E-F113-4E12-A769-49460DE56F77}" destId="{221D7CC6-E6C6-4A1E-B35E-2D3F1BF5D911}" srcOrd="52" destOrd="0" presId="urn:microsoft.com/office/officeart/2005/8/layout/default"/>
+    <dgm:cxn modelId="{B38526FB-DD29-4385-8130-14BF04AE2033}" type="presParOf" srcId="{04A9194E-F113-4E12-A769-49460DE56F77}" destId="{A59A99C2-33EB-468E-8294-ED3ED57C17E1}" srcOrd="53" destOrd="0" presId="urn:microsoft.com/office/officeart/2005/8/layout/default"/>
+    <dgm:cxn modelId="{63A3AC0D-DF5E-4600-8976-1CEDB82053B5}" type="presParOf" srcId="{04A9194E-F113-4E12-A769-49460DE56F77}" destId="{751F100A-C108-4CB3-9A40-CC0C44BA357B}" srcOrd="54" destOrd="0" presId="urn:microsoft.com/office/officeart/2005/8/layout/default"/>
+    <dgm:cxn modelId="{2C046607-7EFB-4483-BA95-137251C43668}" type="presParOf" srcId="{04A9194E-F113-4E12-A769-49460DE56F77}" destId="{8DFF4A1C-EDFE-492E-A9E6-1CB41E30BBC4}" srcOrd="55" destOrd="0" presId="urn:microsoft.com/office/officeart/2005/8/layout/default"/>
+    <dgm:cxn modelId="{14FC906F-6E85-4C67-AB95-B26A0BD7648C}" type="presParOf" srcId="{04A9194E-F113-4E12-A769-49460DE56F77}" destId="{F3A1D2F0-2B78-457B-BEDB-EA11EA17591B}" srcOrd="56" destOrd="0" presId="urn:microsoft.com/office/officeart/2005/8/layout/default"/>
+    <dgm:cxn modelId="{59E67737-D8C2-4A22-81E8-D69E7E27400C}" type="presParOf" srcId="{04A9194E-F113-4E12-A769-49460DE56F77}" destId="{780376AD-0023-47D6-A129-3D2226D19719}" srcOrd="57" destOrd="0" presId="urn:microsoft.com/office/officeart/2005/8/layout/default"/>
+    <dgm:cxn modelId="{7A423138-4F46-44D3-AE88-9774D13B1E1B}" type="presParOf" srcId="{04A9194E-F113-4E12-A769-49460DE56F77}" destId="{647EA1A9-77DD-439D-A4FD-C1EE10535520}" srcOrd="58" destOrd="0" presId="urn:microsoft.com/office/officeart/2005/8/layout/default"/>
+    <dgm:cxn modelId="{991F810D-E465-4749-86CB-3E2F0CCDC5D0}" type="presParOf" srcId="{04A9194E-F113-4E12-A769-49460DE56F77}" destId="{6589C6DD-1B8D-4596-8716-D701B8EF74E8}" srcOrd="59" destOrd="0" presId="urn:microsoft.com/office/officeart/2005/8/layout/default"/>
+    <dgm:cxn modelId="{11788AD2-5111-455B-803A-D74F1B14335A}" type="presParOf" srcId="{04A9194E-F113-4E12-A769-49460DE56F77}" destId="{897DDA67-365E-4C76-B151-AD75A5E6288B}" srcOrd="60" destOrd="0" presId="urn:microsoft.com/office/officeart/2005/8/layout/default"/>
+    <dgm:cxn modelId="{07C983B5-1083-4420-BEC0-AF075180555F}" type="presParOf" srcId="{04A9194E-F113-4E12-A769-49460DE56F77}" destId="{55B7ABE6-F0CF-4B5B-8D0C-F751B68F5804}" srcOrd="61" destOrd="0" presId="urn:microsoft.com/office/officeart/2005/8/layout/default"/>
+    <dgm:cxn modelId="{9926F334-9543-4978-9D99-C5C0FE3429B6}" type="presParOf" srcId="{04A9194E-F113-4E12-A769-49460DE56F77}" destId="{AC5CD965-AAAD-40A6-859B-4358FEABDC6C}" srcOrd="62" destOrd="0" presId="urn:microsoft.com/office/officeart/2005/8/layout/default"/>
+    <dgm:cxn modelId="{6454B683-605B-446A-9390-8A60257681C8}" type="presParOf" srcId="{04A9194E-F113-4E12-A769-49460DE56F77}" destId="{1C2E10C2-E912-4DBD-8C00-224FECF98648}" srcOrd="63" destOrd="0" presId="urn:microsoft.com/office/officeart/2005/8/layout/default"/>
+    <dgm:cxn modelId="{73B570BA-E011-4868-A854-C1A3D38B171F}" type="presParOf" srcId="{04A9194E-F113-4E12-A769-49460DE56F77}" destId="{73EDA0E1-8BC1-4F3B-B013-A1ABC111A7C9}" srcOrd="64" destOrd="0" presId="urn:microsoft.com/office/officeart/2005/8/layout/default"/>
+    <dgm:cxn modelId="{711ACA48-432E-4E72-9D5D-5401662CA70B}" type="presParOf" srcId="{04A9194E-F113-4E12-A769-49460DE56F77}" destId="{05C9647E-6830-4FCD-9488-2430BDCD95F9}" srcOrd="65" destOrd="0" presId="urn:microsoft.com/office/officeart/2005/8/layout/default"/>
+    <dgm:cxn modelId="{9397B9A0-80EB-4AA3-8CB6-A976EDCA5A48}" type="presParOf" srcId="{04A9194E-F113-4E12-A769-49460DE56F77}" destId="{2875147D-0D4C-4B47-A167-139DD76115C8}" srcOrd="66" destOrd="0" presId="urn:microsoft.com/office/officeart/2005/8/layout/default"/>
+    <dgm:cxn modelId="{E738AD17-46BE-4B02-8190-12672ED84938}" type="presParOf" srcId="{04A9194E-F113-4E12-A769-49460DE56F77}" destId="{21E6E4F5-3D81-43CB-9059-E6C1CC22015D}" srcOrd="67" destOrd="0" presId="urn:microsoft.com/office/officeart/2005/8/layout/default"/>
+    <dgm:cxn modelId="{EE40D263-D7D3-4593-9AD7-768471D099E9}" type="presParOf" srcId="{04A9194E-F113-4E12-A769-49460DE56F77}" destId="{39F53283-9254-43C9-AD10-52D4CC91FA99}" srcOrd="68" destOrd="0" presId="urn:microsoft.com/office/officeart/2005/8/layout/default"/>
   </dgm:cxnLst>
   <dgm:bg/>
   <dgm:whole/>
@@ -1673,94 +3086,22 @@
       <dsp:cNvGrpSpPr/>
     </dsp:nvGrpSpPr>
     <dsp:grpSpPr/>
-    <dsp:sp modelId="{5693F0C5-297A-483A-927B-951ECD089C9E}">
+    <dsp:sp modelId="{EC8B4F79-3B7D-489A-A6BC-11C4E8C85428}">
       <dsp:nvSpPr>
         <dsp:cNvPr id="0" name=""/>
         <dsp:cNvSpPr/>
       </dsp:nvSpPr>
       <dsp:spPr>
         <a:xfrm>
-          <a:off x="7693398" y="0"/>
-          <a:ext cx="2384796" cy="4804356"/>
+          <a:off x="8551303" y="339"/>
+          <a:ext cx="1253925" cy="752355"/>
         </a:xfrm>
-        <a:prstGeom prst="roundRect">
-          <a:avLst>
-            <a:gd name="adj" fmla="val 10000"/>
-          </a:avLst>
+        <a:prstGeom prst="rect">
+          <a:avLst/>
         </a:prstGeom>
         <a:solidFill>
           <a:schemeClr val="accent1">
-            <a:tint val="40000"/>
-            <a:hueOff val="0"/>
-            <a:satOff val="0"/>
-            <a:lumOff val="0"/>
-            <a:alphaOff val="0"/>
-          </a:schemeClr>
-        </a:solidFill>
-        <a:ln>
-          <a:noFill/>
-        </a:ln>
-        <a:effectLst/>
-      </dsp:spPr>
-      <dsp:style>
-        <a:lnRef idx="0">
-          <a:scrgbClr r="0" g="0" b="0"/>
-        </a:lnRef>
-        <a:fillRef idx="1">
-          <a:scrgbClr r="0" g="0" b="0"/>
-        </a:fillRef>
-        <a:effectRef idx="0">
-          <a:scrgbClr r="0" g="0" b="0"/>
-        </a:effectRef>
-        <a:fontRef idx="minor"/>
-      </dsp:style>
-      <dsp:txBody>
-        <a:bodyPr spcFirstLastPara="0" vert="horz" wrap="square" lIns="83820" tIns="83820" rIns="83820" bIns="83820" numCol="1" spcCol="1270" anchor="ctr" anchorCtr="0">
-          <a:noAutofit/>
-        </a:bodyPr>
-        <a:lstStyle/>
-        <a:p>
-          <a:pPr marL="0" lvl="0" indent="0" algn="ctr" defTabSz="977900" rtl="1">
-            <a:lnSpc>
-              <a:spcPct val="90000"/>
-            </a:lnSpc>
-            <a:spcBef>
-              <a:spcPct val="0"/>
-            </a:spcBef>
-            <a:spcAft>
-              <a:spcPct val="35000"/>
-            </a:spcAft>
-            <a:buNone/>
-          </a:pPr>
-          <a:r>
-            <a:rPr lang="fa-IR" sz="2200" kern="1200" dirty="0"/>
-            <a:t>سایت‌ساز</a:t>
-          </a:r>
-          <a:endParaRPr lang="en-US" sz="2200" kern="1200" dirty="0"/>
-        </a:p>
-      </dsp:txBody>
-      <dsp:txXfrm>
-        <a:off x="7693398" y="0"/>
-        <a:ext cx="2384796" cy="1441306"/>
-      </dsp:txXfrm>
-    </dsp:sp>
-    <dsp:sp modelId="{8079236B-4F1B-40BF-B155-D61C057C1607}">
-      <dsp:nvSpPr>
-        <dsp:cNvPr id="0" name=""/>
-        <dsp:cNvSpPr/>
-      </dsp:nvSpPr>
-      <dsp:spPr>
-        <a:xfrm>
-          <a:off x="7931878" y="1441541"/>
-          <a:ext cx="1907837" cy="461258"/>
-        </a:xfrm>
-        <a:prstGeom prst="roundRect">
-          <a:avLst>
-            <a:gd name="adj" fmla="val 10000"/>
-          </a:avLst>
-        </a:prstGeom>
-        <a:solidFill>
-          <a:schemeClr val="accent1">
+            <a:alpha val="90000"/>
             <a:hueOff val="0"/>
             <a:satOff val="0"/>
             <a:lumOff val="0"/>
@@ -1795,7 +3136,7 @@
         </a:fontRef>
       </dsp:style>
       <dsp:txBody>
-        <a:bodyPr spcFirstLastPara="0" vert="horz" wrap="square" lIns="27940" tIns="20955" rIns="27940" bIns="20955" numCol="1" spcCol="1270" anchor="ctr" anchorCtr="0">
+        <a:bodyPr spcFirstLastPara="0" vert="horz" wrap="square" lIns="41910" tIns="41910" rIns="41910" bIns="41910" numCol="1" spcCol="1270" anchor="ctr" anchorCtr="0">
           <a:noAutofit/>
         </a:bodyPr>
         <a:lstStyle/>
@@ -1814,37 +3155,36 @@
           </a:pPr>
           <a:r>
             <a:rPr lang="fa-IR" sz="1100" kern="1200" dirty="0"/>
-            <a:t>صدور فاکتور</a:t>
+            <a:t>سایت‌ساز</a:t>
           </a:r>
           <a:endParaRPr lang="en-US" sz="1100" kern="1200" dirty="0"/>
         </a:p>
       </dsp:txBody>
       <dsp:txXfrm>
-        <a:off x="7945388" y="1455051"/>
-        <a:ext cx="1880817" cy="434238"/>
+        <a:off x="8551303" y="339"/>
+        <a:ext cx="1253925" cy="752355"/>
       </dsp:txXfrm>
     </dsp:sp>
-    <dsp:sp modelId="{2401C5E9-8227-42BF-8E66-0A76A2B1DA2D}">
+    <dsp:sp modelId="{B4E1D589-E6A2-4C8C-B272-F067E195DB99}">
       <dsp:nvSpPr>
         <dsp:cNvPr id="0" name=""/>
         <dsp:cNvSpPr/>
       </dsp:nvSpPr>
       <dsp:spPr>
         <a:xfrm>
-          <a:off x="7931878" y="1973762"/>
-          <a:ext cx="1907837" cy="461258"/>
+          <a:off x="7171985" y="339"/>
+          <a:ext cx="1253925" cy="752355"/>
         </a:xfrm>
-        <a:prstGeom prst="roundRect">
-          <a:avLst>
-            <a:gd name="adj" fmla="val 10000"/>
-          </a:avLst>
+        <a:prstGeom prst="rect">
+          <a:avLst/>
         </a:prstGeom>
         <a:solidFill>
           <a:schemeClr val="accent1">
+            <a:alpha val="90000"/>
             <a:hueOff val="0"/>
             <a:satOff val="0"/>
             <a:lumOff val="0"/>
-            <a:alphaOff val="0"/>
+            <a:alphaOff val="-1176"/>
           </a:schemeClr>
         </a:solidFill>
         <a:ln w="19050" cap="flat" cmpd="sng" algn="ctr">
@@ -1875,12 +3215,12 @@
         </a:fontRef>
       </dsp:style>
       <dsp:txBody>
-        <a:bodyPr spcFirstLastPara="0" vert="horz" wrap="square" lIns="27940" tIns="20955" rIns="27940" bIns="20955" numCol="1" spcCol="1270" anchor="ctr" anchorCtr="0">
+        <a:bodyPr spcFirstLastPara="0" vert="horz" wrap="square" lIns="41910" tIns="41910" rIns="41910" bIns="41910" numCol="1" spcCol="1270" anchor="ctr" anchorCtr="0">
           <a:noAutofit/>
         </a:bodyPr>
         <a:lstStyle/>
         <a:p>
-          <a:pPr marL="0" lvl="0" indent="0" algn="ctr" defTabSz="488950" rtl="1">
+          <a:pPr marL="0" lvl="0" indent="0" algn="ctr" defTabSz="488950">
             <a:lnSpc>
               <a:spcPct val="90000"/>
             </a:lnSpc>
@@ -1894,40 +3234,36 @@
           </a:pPr>
           <a:r>
             <a:rPr lang="fa-IR" sz="1100" kern="1200" dirty="0"/>
-            <a:t>چاپ </a:t>
+            <a:t>اپلیکیشن اختصاصی</a:t>
           </a:r>
-          <a:r>
-            <a:rPr lang="en-US" sz="1100" kern="1200" dirty="0"/>
-            <a:t>A4, A5</a:t>
-          </a:r>
+          <a:endParaRPr lang="en-US" sz="1100" kern="1200" dirty="0"/>
         </a:p>
       </dsp:txBody>
       <dsp:txXfrm>
-        <a:off x="7945388" y="1987272"/>
-        <a:ext cx="1880817" cy="434238"/>
+        <a:off x="7171985" y="339"/>
+        <a:ext cx="1253925" cy="752355"/>
       </dsp:txXfrm>
     </dsp:sp>
-    <dsp:sp modelId="{22738A7C-2137-42D0-B57A-1AC7D13B7BA6}">
+    <dsp:sp modelId="{E0F5F243-3991-414C-B1DE-77FABA13F7FD}">
       <dsp:nvSpPr>
         <dsp:cNvPr id="0" name=""/>
         <dsp:cNvSpPr/>
       </dsp:nvSpPr>
       <dsp:spPr>
         <a:xfrm>
-          <a:off x="7931878" y="2505983"/>
-          <a:ext cx="1907837" cy="461258"/>
+          <a:off x="5792667" y="339"/>
+          <a:ext cx="1253925" cy="752355"/>
         </a:xfrm>
-        <a:prstGeom prst="roundRect">
-          <a:avLst>
-            <a:gd name="adj" fmla="val 10000"/>
-          </a:avLst>
+        <a:prstGeom prst="rect">
+          <a:avLst/>
         </a:prstGeom>
         <a:solidFill>
           <a:schemeClr val="accent1">
+            <a:alpha val="90000"/>
             <a:hueOff val="0"/>
             <a:satOff val="0"/>
             <a:lumOff val="0"/>
-            <a:alphaOff val="0"/>
+            <a:alphaOff val="-2353"/>
           </a:schemeClr>
         </a:solidFill>
         <a:ln w="19050" cap="flat" cmpd="sng" algn="ctr">
@@ -1958,7 +3294,7 @@
         </a:fontRef>
       </dsp:style>
       <dsp:txBody>
-        <a:bodyPr spcFirstLastPara="0" vert="horz" wrap="square" lIns="27940" tIns="20955" rIns="27940" bIns="20955" numCol="1" spcCol="1270" anchor="ctr" anchorCtr="0">
+        <a:bodyPr spcFirstLastPara="0" vert="horz" wrap="square" lIns="41910" tIns="41910" rIns="41910" bIns="41910" numCol="1" spcCol="1270" anchor="ctr" anchorCtr="0">
           <a:noAutofit/>
         </a:bodyPr>
         <a:lstStyle/>
@@ -1977,37 +3313,36 @@
           </a:pPr>
           <a:r>
             <a:rPr lang="fa-IR" sz="1100" kern="1200" dirty="0"/>
-            <a:t>فروش سریع</a:t>
+            <a:t>مدیریت رسانه‌های اجتماعی</a:t>
           </a:r>
           <a:endParaRPr lang="en-US" sz="1100" kern="1200" dirty="0"/>
         </a:p>
       </dsp:txBody>
       <dsp:txXfrm>
-        <a:off x="7945388" y="2519493"/>
-        <a:ext cx="1880817" cy="434238"/>
+        <a:off x="5792667" y="339"/>
+        <a:ext cx="1253925" cy="752355"/>
       </dsp:txXfrm>
     </dsp:sp>
-    <dsp:sp modelId="{FC323A27-00EF-4EAF-8AB0-161B29467BD7}">
+    <dsp:sp modelId="{1874CD63-F84C-4F49-8D7E-B5147E0C0761}">
       <dsp:nvSpPr>
         <dsp:cNvPr id="0" name=""/>
         <dsp:cNvSpPr/>
       </dsp:nvSpPr>
       <dsp:spPr>
         <a:xfrm>
-          <a:off x="7931878" y="3038203"/>
-          <a:ext cx="1907837" cy="461258"/>
+          <a:off x="4413349" y="339"/>
+          <a:ext cx="1253925" cy="752355"/>
         </a:xfrm>
-        <a:prstGeom prst="roundRect">
-          <a:avLst>
-            <a:gd name="adj" fmla="val 10000"/>
-          </a:avLst>
+        <a:prstGeom prst="rect">
+          <a:avLst/>
         </a:prstGeom>
         <a:solidFill>
           <a:schemeClr val="accent1">
+            <a:alpha val="90000"/>
             <a:hueOff val="0"/>
             <a:satOff val="0"/>
             <a:lumOff val="0"/>
-            <a:alphaOff val="0"/>
+            <a:alphaOff val="-3529"/>
           </a:schemeClr>
         </a:solidFill>
         <a:ln w="19050" cap="flat" cmpd="sng" algn="ctr">
@@ -2038,7 +3373,7 @@
         </a:fontRef>
       </dsp:style>
       <dsp:txBody>
-        <a:bodyPr spcFirstLastPara="0" vert="horz" wrap="square" lIns="27940" tIns="20955" rIns="27940" bIns="20955" numCol="1" spcCol="1270" anchor="ctr" anchorCtr="0">
+        <a:bodyPr spcFirstLastPara="0" vert="horz" wrap="square" lIns="41910" tIns="41910" rIns="41910" bIns="41910" numCol="1" spcCol="1270" anchor="ctr" anchorCtr="0">
           <a:noAutofit/>
         </a:bodyPr>
         <a:lstStyle/>
@@ -2057,37 +3392,36 @@
           </a:pPr>
           <a:r>
             <a:rPr lang="fa-IR" sz="1100" kern="1200" dirty="0"/>
-            <a:t>فیش پرینت</a:t>
+            <a:t>نرم‌افزار صندوق فروشگاهی</a:t>
           </a:r>
           <a:endParaRPr lang="en-US" sz="1100" kern="1200" dirty="0"/>
         </a:p>
       </dsp:txBody>
       <dsp:txXfrm>
-        <a:off x="7945388" y="3051713"/>
-        <a:ext cx="1880817" cy="434238"/>
+        <a:off x="4413349" y="339"/>
+        <a:ext cx="1253925" cy="752355"/>
       </dsp:txXfrm>
     </dsp:sp>
-    <dsp:sp modelId="{57572FB7-ABD9-4B2B-9AD6-DA8D2C566B84}">
+    <dsp:sp modelId="{02976B10-6E5D-4454-9854-670643BAA783}">
       <dsp:nvSpPr>
         <dsp:cNvPr id="0" name=""/>
         <dsp:cNvSpPr/>
       </dsp:nvSpPr>
       <dsp:spPr>
         <a:xfrm>
-          <a:off x="7931878" y="3570424"/>
-          <a:ext cx="1907837" cy="461258"/>
+          <a:off x="3034031" y="339"/>
+          <a:ext cx="1253925" cy="752355"/>
         </a:xfrm>
-        <a:prstGeom prst="roundRect">
-          <a:avLst>
-            <a:gd name="adj" fmla="val 10000"/>
-          </a:avLst>
+        <a:prstGeom prst="rect">
+          <a:avLst/>
         </a:prstGeom>
         <a:solidFill>
           <a:schemeClr val="accent1">
+            <a:alpha val="90000"/>
             <a:hueOff val="0"/>
             <a:satOff val="0"/>
             <a:lumOff val="0"/>
-            <a:alphaOff val="0"/>
+            <a:alphaOff val="-4706"/>
           </a:schemeClr>
         </a:solidFill>
         <a:ln w="19050" cap="flat" cmpd="sng" algn="ctr">
@@ -2118,7 +3452,7 @@
         </a:fontRef>
       </dsp:style>
       <dsp:txBody>
-        <a:bodyPr spcFirstLastPara="0" vert="horz" wrap="square" lIns="27940" tIns="20955" rIns="27940" bIns="20955" numCol="1" spcCol="1270" anchor="ctr" anchorCtr="0">
+        <a:bodyPr spcFirstLastPara="0" vert="horz" wrap="square" lIns="41910" tIns="41910" rIns="41910" bIns="41910" numCol="1" spcCol="1270" anchor="ctr" anchorCtr="0">
           <a:noAutofit/>
         </a:bodyPr>
         <a:lstStyle/>
@@ -2137,37 +3471,36 @@
           </a:pPr>
           <a:r>
             <a:rPr lang="fa-IR" sz="1100" kern="1200" dirty="0"/>
-            <a:t>اتصال به تجهیزات فروشگاهی</a:t>
+            <a:t>نرم‌افزار حسابداری ابری</a:t>
           </a:r>
           <a:endParaRPr lang="en-US" sz="1100" kern="1200" dirty="0"/>
         </a:p>
       </dsp:txBody>
       <dsp:txXfrm>
-        <a:off x="7945388" y="3583934"/>
-        <a:ext cx="1880817" cy="434238"/>
+        <a:off x="3034031" y="339"/>
+        <a:ext cx="1253925" cy="752355"/>
       </dsp:txXfrm>
     </dsp:sp>
-    <dsp:sp modelId="{A91E0547-63FB-4DCA-81FC-37DBD1E56723}">
+    <dsp:sp modelId="{76E029D1-94EC-40EE-81C4-F23C133BE993}">
       <dsp:nvSpPr>
         <dsp:cNvPr id="0" name=""/>
         <dsp:cNvSpPr/>
       </dsp:nvSpPr>
       <dsp:spPr>
         <a:xfrm>
-          <a:off x="7931878" y="4102645"/>
-          <a:ext cx="1907837" cy="461258"/>
+          <a:off x="1654713" y="339"/>
+          <a:ext cx="1253925" cy="752355"/>
         </a:xfrm>
-        <a:prstGeom prst="roundRect">
-          <a:avLst>
-            <a:gd name="adj" fmla="val 10000"/>
-          </a:avLst>
+        <a:prstGeom prst="rect">
+          <a:avLst/>
         </a:prstGeom>
         <a:solidFill>
           <a:schemeClr val="accent1">
+            <a:alpha val="90000"/>
             <a:hueOff val="0"/>
             <a:satOff val="0"/>
             <a:lumOff val="0"/>
-            <a:alphaOff val="0"/>
+            <a:alphaOff val="-5882"/>
           </a:schemeClr>
         </a:solidFill>
         <a:ln w="19050" cap="flat" cmpd="sng" algn="ctr">
@@ -2198,7 +3531,7 @@
         </a:fontRef>
       </dsp:style>
       <dsp:txBody>
-        <a:bodyPr spcFirstLastPara="0" vert="horz" wrap="square" lIns="27940" tIns="20955" rIns="27940" bIns="20955" numCol="1" spcCol="1270" anchor="ctr" anchorCtr="0">
+        <a:bodyPr spcFirstLastPara="0" vert="horz" wrap="square" lIns="41910" tIns="41910" rIns="41910" bIns="41910" numCol="1" spcCol="1270" anchor="ctr" anchorCtr="0">
           <a:noAutofit/>
         </a:bodyPr>
         <a:lstStyle/>
@@ -2216,48 +3549,54 @@
             <a:buNone/>
           </a:pPr>
           <a:r>
-            <a:rPr lang="fa-IR" sz="1100" kern="1200"/>
-            <a:t>اتصال به پی‌سی پوز</a:t>
+            <a:rPr lang="fa-IR" sz="1100" kern="1200" dirty="0"/>
+            <a:t>فرم‌ساز حرفه‌ای</a:t>
           </a:r>
           <a:endParaRPr lang="en-US" sz="1100" kern="1200" dirty="0"/>
         </a:p>
       </dsp:txBody>
       <dsp:txXfrm>
-        <a:off x="7945388" y="4116155"/>
-        <a:ext cx="1880817" cy="434238"/>
+        <a:off x="1654713" y="339"/>
+        <a:ext cx="1253925" cy="752355"/>
       </dsp:txXfrm>
     </dsp:sp>
-    <dsp:sp modelId="{04514F17-7077-4891-9380-9B3779FC8D8A}">
+    <dsp:sp modelId="{E25BB2F7-BA9E-4708-9149-1D79F26AD6CC}">
       <dsp:nvSpPr>
         <dsp:cNvPr id="0" name=""/>
         <dsp:cNvSpPr/>
       </dsp:nvSpPr>
       <dsp:spPr>
         <a:xfrm>
-          <a:off x="5129742" y="0"/>
-          <a:ext cx="2384796" cy="4804356"/>
+          <a:off x="275395" y="339"/>
+          <a:ext cx="1253925" cy="752355"/>
         </a:xfrm>
-        <a:prstGeom prst="roundRect">
-          <a:avLst>
-            <a:gd name="adj" fmla="val 10000"/>
-          </a:avLst>
+        <a:prstGeom prst="rect">
+          <a:avLst/>
         </a:prstGeom>
         <a:solidFill>
           <a:schemeClr val="accent1">
-            <a:tint val="40000"/>
+            <a:alpha val="90000"/>
             <a:hueOff val="0"/>
             <a:satOff val="0"/>
             <a:lumOff val="0"/>
-            <a:alphaOff val="0"/>
+            <a:alphaOff val="-7059"/>
           </a:schemeClr>
         </a:solidFill>
-        <a:ln>
-          <a:noFill/>
+        <a:ln w="19050" cap="flat" cmpd="sng" algn="ctr">
+          <a:solidFill>
+            <a:schemeClr val="lt1">
+              <a:hueOff val="0"/>
+              <a:satOff val="0"/>
+              <a:lumOff val="0"/>
+              <a:alphaOff val="0"/>
+            </a:schemeClr>
+          </a:solidFill>
+          <a:prstDash val="solid"/>
         </a:ln>
         <a:effectLst/>
       </dsp:spPr>
       <dsp:style>
-        <a:lnRef idx="0">
+        <a:lnRef idx="2">
           <a:scrgbClr r="0" g="0" b="0"/>
         </a:lnRef>
         <a:fillRef idx="1">
@@ -2266,15 +3605,17 @@
         <a:effectRef idx="0">
           <a:scrgbClr r="0" g="0" b="0"/>
         </a:effectRef>
-        <a:fontRef idx="minor"/>
+        <a:fontRef idx="minor">
+          <a:schemeClr val="lt1"/>
+        </a:fontRef>
       </dsp:style>
       <dsp:txBody>
-        <a:bodyPr spcFirstLastPara="0" vert="horz" wrap="square" lIns="83820" tIns="83820" rIns="83820" bIns="83820" numCol="1" spcCol="1270" anchor="ctr" anchorCtr="0">
+        <a:bodyPr spcFirstLastPara="0" vert="horz" wrap="square" lIns="41910" tIns="41910" rIns="41910" bIns="41910" numCol="1" spcCol="1270" anchor="ctr" anchorCtr="0">
           <a:noAutofit/>
         </a:bodyPr>
         <a:lstStyle/>
         <a:p>
-          <a:pPr marL="0" lvl="0" indent="0" algn="ctr" defTabSz="977900">
+          <a:pPr marL="0" lvl="0" indent="0" algn="ctr" defTabSz="488950" rtl="1">
             <a:lnSpc>
               <a:spcPct val="90000"/>
             </a:lnSpc>
@@ -2287,48 +3628,54 @@
             <a:buNone/>
           </a:pPr>
           <a:r>
-            <a:rPr lang="fa-IR" sz="2200" kern="1200" dirty="0"/>
-            <a:t>اپ‌ساز</a:t>
+            <a:rPr lang="fa-IR" sz="1100" kern="1200" dirty="0"/>
+            <a:t>صدور فاکتور</a:t>
           </a:r>
-          <a:endParaRPr lang="en-US" sz="2200" kern="1200" dirty="0"/>
+          <a:endParaRPr lang="en-US" sz="1100" kern="1200" dirty="0"/>
         </a:p>
       </dsp:txBody>
       <dsp:txXfrm>
-        <a:off x="5129742" y="0"/>
-        <a:ext cx="2384796" cy="1441306"/>
+        <a:off x="275395" y="339"/>
+        <a:ext cx="1253925" cy="752355"/>
       </dsp:txXfrm>
     </dsp:sp>
-    <dsp:sp modelId="{6CCD7B67-6CED-4537-9492-F9854245DD35}">
+    <dsp:sp modelId="{7F794C98-7D5C-4DF9-B7D0-067299852C12}">
       <dsp:nvSpPr>
         <dsp:cNvPr id="0" name=""/>
         <dsp:cNvSpPr/>
       </dsp:nvSpPr>
       <dsp:spPr>
         <a:xfrm>
-          <a:off x="2566086" y="0"/>
-          <a:ext cx="2384796" cy="4804356"/>
+          <a:off x="8551303" y="878087"/>
+          <a:ext cx="1253925" cy="752355"/>
         </a:xfrm>
-        <a:prstGeom prst="roundRect">
-          <a:avLst>
-            <a:gd name="adj" fmla="val 10000"/>
-          </a:avLst>
+        <a:prstGeom prst="rect">
+          <a:avLst/>
         </a:prstGeom>
         <a:solidFill>
           <a:schemeClr val="accent1">
-            <a:tint val="40000"/>
+            <a:alpha val="90000"/>
             <a:hueOff val="0"/>
             <a:satOff val="0"/>
             <a:lumOff val="0"/>
-            <a:alphaOff val="0"/>
+            <a:alphaOff val="-8235"/>
           </a:schemeClr>
         </a:solidFill>
-        <a:ln>
-          <a:noFill/>
+        <a:ln w="19050" cap="flat" cmpd="sng" algn="ctr">
+          <a:solidFill>
+            <a:schemeClr val="lt1">
+              <a:hueOff val="0"/>
+              <a:satOff val="0"/>
+              <a:lumOff val="0"/>
+              <a:alphaOff val="0"/>
+            </a:schemeClr>
+          </a:solidFill>
+          <a:prstDash val="solid"/>
         </a:ln>
         <a:effectLst/>
       </dsp:spPr>
       <dsp:style>
-        <a:lnRef idx="0">
+        <a:lnRef idx="2">
           <a:scrgbClr r="0" g="0" b="0"/>
         </a:lnRef>
         <a:fillRef idx="1">
@@ -2337,15 +3684,17 @@
         <a:effectRef idx="0">
           <a:scrgbClr r="0" g="0" b="0"/>
         </a:effectRef>
-        <a:fontRef idx="minor"/>
+        <a:fontRef idx="minor">
+          <a:schemeClr val="lt1"/>
+        </a:fontRef>
       </dsp:style>
       <dsp:txBody>
-        <a:bodyPr spcFirstLastPara="0" vert="horz" wrap="square" lIns="83820" tIns="83820" rIns="83820" bIns="83820" numCol="1" spcCol="1270" anchor="ctr" anchorCtr="0">
+        <a:bodyPr spcFirstLastPara="0" vert="horz" wrap="square" lIns="41910" tIns="41910" rIns="41910" bIns="41910" numCol="1" spcCol="1270" anchor="ctr" anchorCtr="0">
           <a:noAutofit/>
         </a:bodyPr>
         <a:lstStyle/>
         <a:p>
-          <a:pPr marL="0" lvl="0" indent="0" algn="ctr" defTabSz="977900" rtl="1">
+          <a:pPr marL="0" lvl="0" indent="0" algn="ctr" defTabSz="488950" rtl="1">
             <a:lnSpc>
               <a:spcPct val="90000"/>
             </a:lnSpc>
@@ -2358,48 +3707,54 @@
             <a:buNone/>
           </a:pPr>
           <a:r>
-            <a:rPr lang="fa-IR" sz="2200" kern="1200" dirty="0"/>
-            <a:t>مدیریت رسانه‌های اجتماعی</a:t>
+            <a:rPr lang="fa-IR" sz="1100" kern="1200" dirty="0"/>
+            <a:t>مرکز دامنه</a:t>
           </a:r>
-          <a:endParaRPr lang="en-US" sz="2200" kern="1200" dirty="0"/>
+          <a:endParaRPr lang="en-US" sz="1100" kern="1200" dirty="0"/>
         </a:p>
       </dsp:txBody>
       <dsp:txXfrm>
-        <a:off x="2566086" y="0"/>
-        <a:ext cx="2384796" cy="1441306"/>
+        <a:off x="8551303" y="878087"/>
+        <a:ext cx="1253925" cy="752355"/>
       </dsp:txXfrm>
     </dsp:sp>
-    <dsp:sp modelId="{7693A9CB-8088-458F-A799-2804EB4A23C1}">
+    <dsp:sp modelId="{B6DAB058-3648-4EE2-AF7D-C975643C8ADA}">
       <dsp:nvSpPr>
         <dsp:cNvPr id="0" name=""/>
         <dsp:cNvSpPr/>
       </dsp:nvSpPr>
       <dsp:spPr>
         <a:xfrm>
-          <a:off x="2430" y="0"/>
-          <a:ext cx="2384796" cy="4804356"/>
+          <a:off x="7171985" y="878087"/>
+          <a:ext cx="1253925" cy="752355"/>
         </a:xfrm>
-        <a:prstGeom prst="roundRect">
-          <a:avLst>
-            <a:gd name="adj" fmla="val 10000"/>
-          </a:avLst>
+        <a:prstGeom prst="rect">
+          <a:avLst/>
         </a:prstGeom>
         <a:solidFill>
           <a:schemeClr val="accent1">
-            <a:tint val="40000"/>
+            <a:alpha val="90000"/>
             <a:hueOff val="0"/>
             <a:satOff val="0"/>
             <a:lumOff val="0"/>
-            <a:alphaOff val="0"/>
+            <a:alphaOff val="-9412"/>
           </a:schemeClr>
         </a:solidFill>
-        <a:ln>
-          <a:noFill/>
+        <a:ln w="19050" cap="flat" cmpd="sng" algn="ctr">
+          <a:solidFill>
+            <a:schemeClr val="lt1">
+              <a:hueOff val="0"/>
+              <a:satOff val="0"/>
+              <a:lumOff val="0"/>
+              <a:alphaOff val="0"/>
+            </a:schemeClr>
+          </a:solidFill>
+          <a:prstDash val="solid"/>
         </a:ln>
         <a:effectLst/>
       </dsp:spPr>
       <dsp:style>
-        <a:lnRef idx="0">
+        <a:lnRef idx="2">
           <a:scrgbClr r="0" g="0" b="0"/>
         </a:lnRef>
         <a:fillRef idx="1">
@@ -2408,15 +3763,17 @@
         <a:effectRef idx="0">
           <a:scrgbClr r="0" g="0" b="0"/>
         </a:effectRef>
-        <a:fontRef idx="minor"/>
+        <a:fontRef idx="minor">
+          <a:schemeClr val="lt1"/>
+        </a:fontRef>
       </dsp:style>
       <dsp:txBody>
-        <a:bodyPr spcFirstLastPara="0" vert="horz" wrap="square" lIns="83820" tIns="83820" rIns="83820" bIns="83820" numCol="1" spcCol="1270" anchor="ctr" anchorCtr="0">
+        <a:bodyPr spcFirstLastPara="0" vert="horz" wrap="square" lIns="41910" tIns="41910" rIns="41910" bIns="41910" numCol="1" spcCol="1270" anchor="ctr" anchorCtr="0">
           <a:noAutofit/>
         </a:bodyPr>
         <a:lstStyle/>
         <a:p>
-          <a:pPr marL="0" lvl="0" indent="0" algn="ctr" defTabSz="977900" rtl="1">
+          <a:pPr marL="0" lvl="0" indent="0" algn="ctr" defTabSz="488950" rtl="1">
             <a:lnSpc>
               <a:spcPct val="90000"/>
             </a:lnSpc>
@@ -2429,15 +3786,2070 @@
             <a:buNone/>
           </a:pPr>
           <a:r>
-            <a:rPr lang="fa-IR" sz="2200" kern="1200" dirty="0"/>
-            <a:t>نرم‌افزار صندوق فروشگاهی</a:t>
+            <a:rPr lang="fa-IR" sz="1100" kern="1200" dirty="0"/>
+            <a:t>سیستم تیکتینگ اختصاصی</a:t>
           </a:r>
-          <a:endParaRPr lang="en-US" sz="2200" kern="1200" dirty="0"/>
+          <a:endParaRPr lang="en-US" sz="1100" kern="1200" dirty="0"/>
         </a:p>
       </dsp:txBody>
       <dsp:txXfrm>
-        <a:off x="2430" y="0"/>
-        <a:ext cx="2384796" cy="1441306"/>
+        <a:off x="7171985" y="878087"/>
+        <a:ext cx="1253925" cy="752355"/>
+      </dsp:txXfrm>
+    </dsp:sp>
+    <dsp:sp modelId="{C485E01D-DF6A-49B6-A2A1-1ECE62257912}">
+      <dsp:nvSpPr>
+        <dsp:cNvPr id="0" name=""/>
+        <dsp:cNvSpPr/>
+      </dsp:nvSpPr>
+      <dsp:spPr>
+        <a:xfrm>
+          <a:off x="5792667" y="878087"/>
+          <a:ext cx="1253925" cy="752355"/>
+        </a:xfrm>
+        <a:prstGeom prst="rect">
+          <a:avLst/>
+        </a:prstGeom>
+        <a:solidFill>
+          <a:schemeClr val="accent1">
+            <a:alpha val="90000"/>
+            <a:hueOff val="0"/>
+            <a:satOff val="0"/>
+            <a:lumOff val="0"/>
+            <a:alphaOff val="-10588"/>
+          </a:schemeClr>
+        </a:solidFill>
+        <a:ln w="19050" cap="flat" cmpd="sng" algn="ctr">
+          <a:solidFill>
+            <a:schemeClr val="lt1">
+              <a:hueOff val="0"/>
+              <a:satOff val="0"/>
+              <a:lumOff val="0"/>
+              <a:alphaOff val="0"/>
+            </a:schemeClr>
+          </a:solidFill>
+          <a:prstDash val="solid"/>
+        </a:ln>
+        <a:effectLst/>
+      </dsp:spPr>
+      <dsp:style>
+        <a:lnRef idx="2">
+          <a:scrgbClr r="0" g="0" b="0"/>
+        </a:lnRef>
+        <a:fillRef idx="1">
+          <a:scrgbClr r="0" g="0" b="0"/>
+        </a:fillRef>
+        <a:effectRef idx="0">
+          <a:scrgbClr r="0" g="0" b="0"/>
+        </a:effectRef>
+        <a:fontRef idx="minor">
+          <a:schemeClr val="lt1"/>
+        </a:fontRef>
+      </dsp:style>
+      <dsp:txBody>
+        <a:bodyPr spcFirstLastPara="0" vert="horz" wrap="square" lIns="41910" tIns="41910" rIns="41910" bIns="41910" numCol="1" spcCol="1270" anchor="ctr" anchorCtr="0">
+          <a:noAutofit/>
+        </a:bodyPr>
+        <a:lstStyle/>
+        <a:p>
+          <a:pPr marL="0" lvl="0" indent="0" algn="ctr" defTabSz="488950" rtl="1">
+            <a:lnSpc>
+              <a:spcPct val="90000"/>
+            </a:lnSpc>
+            <a:spcBef>
+              <a:spcPct val="0"/>
+            </a:spcBef>
+            <a:spcAft>
+              <a:spcPct val="35000"/>
+            </a:spcAft>
+            <a:buNone/>
+          </a:pPr>
+          <a:r>
+            <a:rPr lang="en-US" sz="1100" kern="1200" dirty="0"/>
+            <a:t>CRM</a:t>
+          </a:r>
+        </a:p>
+      </dsp:txBody>
+      <dsp:txXfrm>
+        <a:off x="5792667" y="878087"/>
+        <a:ext cx="1253925" cy="752355"/>
+      </dsp:txXfrm>
+    </dsp:sp>
+    <dsp:sp modelId="{FBF879CA-CC28-40FD-98EE-60DBB3043409}">
+      <dsp:nvSpPr>
+        <dsp:cNvPr id="0" name=""/>
+        <dsp:cNvSpPr/>
+      </dsp:nvSpPr>
+      <dsp:spPr>
+        <a:xfrm>
+          <a:off x="4413349" y="878087"/>
+          <a:ext cx="1253925" cy="752355"/>
+        </a:xfrm>
+        <a:prstGeom prst="rect">
+          <a:avLst/>
+        </a:prstGeom>
+        <a:solidFill>
+          <a:schemeClr val="accent1">
+            <a:alpha val="90000"/>
+            <a:hueOff val="0"/>
+            <a:satOff val="0"/>
+            <a:lumOff val="0"/>
+            <a:alphaOff val="-11765"/>
+          </a:schemeClr>
+        </a:solidFill>
+        <a:ln w="19050" cap="flat" cmpd="sng" algn="ctr">
+          <a:solidFill>
+            <a:schemeClr val="lt1">
+              <a:hueOff val="0"/>
+              <a:satOff val="0"/>
+              <a:lumOff val="0"/>
+              <a:alphaOff val="0"/>
+            </a:schemeClr>
+          </a:solidFill>
+          <a:prstDash val="solid"/>
+        </a:ln>
+        <a:effectLst/>
+      </dsp:spPr>
+      <dsp:style>
+        <a:lnRef idx="2">
+          <a:scrgbClr r="0" g="0" b="0"/>
+        </a:lnRef>
+        <a:fillRef idx="1">
+          <a:scrgbClr r="0" g="0" b="0"/>
+        </a:fillRef>
+        <a:effectRef idx="0">
+          <a:scrgbClr r="0" g="0" b="0"/>
+        </a:effectRef>
+        <a:fontRef idx="minor">
+          <a:schemeClr val="lt1"/>
+        </a:fontRef>
+      </dsp:style>
+      <dsp:txBody>
+        <a:bodyPr spcFirstLastPara="0" vert="horz" wrap="square" lIns="41910" tIns="41910" rIns="41910" bIns="41910" numCol="1" spcCol="1270" anchor="ctr" anchorCtr="0">
+          <a:noAutofit/>
+        </a:bodyPr>
+        <a:lstStyle/>
+        <a:p>
+          <a:pPr marL="0" lvl="0" indent="0" algn="ctr" defTabSz="488950" rtl="1">
+            <a:lnSpc>
+              <a:spcPct val="90000"/>
+            </a:lnSpc>
+            <a:spcBef>
+              <a:spcPct val="0"/>
+            </a:spcBef>
+            <a:spcAft>
+              <a:spcPct val="35000"/>
+            </a:spcAft>
+            <a:buNone/>
+          </a:pPr>
+          <a:r>
+            <a:rPr lang="fa-IR" sz="1100" kern="1200" dirty="0"/>
+            <a:t>داشبوردهای مدیریتی متنوع</a:t>
+          </a:r>
+          <a:endParaRPr lang="en-US" sz="1100" kern="1200" dirty="0"/>
+        </a:p>
+      </dsp:txBody>
+      <dsp:txXfrm>
+        <a:off x="4413349" y="878087"/>
+        <a:ext cx="1253925" cy="752355"/>
+      </dsp:txXfrm>
+    </dsp:sp>
+    <dsp:sp modelId="{B0EB05C0-DB6E-4D7D-9C81-8EA80DB74F2A}">
+      <dsp:nvSpPr>
+        <dsp:cNvPr id="0" name=""/>
+        <dsp:cNvSpPr/>
+      </dsp:nvSpPr>
+      <dsp:spPr>
+        <a:xfrm>
+          <a:off x="3034031" y="878087"/>
+          <a:ext cx="1253925" cy="752355"/>
+        </a:xfrm>
+        <a:prstGeom prst="rect">
+          <a:avLst/>
+        </a:prstGeom>
+        <a:solidFill>
+          <a:schemeClr val="accent1">
+            <a:alpha val="90000"/>
+            <a:hueOff val="0"/>
+            <a:satOff val="0"/>
+            <a:lumOff val="0"/>
+            <a:alphaOff val="-12941"/>
+          </a:schemeClr>
+        </a:solidFill>
+        <a:ln w="19050" cap="flat" cmpd="sng" algn="ctr">
+          <a:solidFill>
+            <a:schemeClr val="lt1">
+              <a:hueOff val="0"/>
+              <a:satOff val="0"/>
+              <a:lumOff val="0"/>
+              <a:alphaOff val="0"/>
+            </a:schemeClr>
+          </a:solidFill>
+          <a:prstDash val="solid"/>
+        </a:ln>
+        <a:effectLst/>
+      </dsp:spPr>
+      <dsp:style>
+        <a:lnRef idx="2">
+          <a:scrgbClr r="0" g="0" b="0"/>
+        </a:lnRef>
+        <a:fillRef idx="1">
+          <a:scrgbClr r="0" g="0" b="0"/>
+        </a:fillRef>
+        <a:effectRef idx="0">
+          <a:scrgbClr r="0" g="0" b="0"/>
+        </a:effectRef>
+        <a:fontRef idx="minor">
+          <a:schemeClr val="lt1"/>
+        </a:fontRef>
+      </dsp:style>
+      <dsp:txBody>
+        <a:bodyPr spcFirstLastPara="0" vert="horz" wrap="square" lIns="41910" tIns="41910" rIns="41910" bIns="41910" numCol="1" spcCol="1270" anchor="ctr" anchorCtr="0">
+          <a:noAutofit/>
+        </a:bodyPr>
+        <a:lstStyle/>
+        <a:p>
+          <a:pPr marL="0" lvl="0" indent="0" algn="ctr" defTabSz="488950" rtl="1">
+            <a:lnSpc>
+              <a:spcPct val="90000"/>
+            </a:lnSpc>
+            <a:spcBef>
+              <a:spcPct val="0"/>
+            </a:spcBef>
+            <a:spcAft>
+              <a:spcPct val="35000"/>
+            </a:spcAft>
+            <a:buNone/>
+          </a:pPr>
+          <a:r>
+            <a:rPr lang="fa-IR" sz="1100" kern="1200" dirty="0"/>
+            <a:t>سیستم مدیریت محتوا</a:t>
+          </a:r>
+          <a:endParaRPr lang="en-US" sz="1100" kern="1200" dirty="0"/>
+        </a:p>
+      </dsp:txBody>
+      <dsp:txXfrm>
+        <a:off x="3034031" y="878087"/>
+        <a:ext cx="1253925" cy="752355"/>
+      </dsp:txXfrm>
+    </dsp:sp>
+    <dsp:sp modelId="{A10247E1-A73C-45CB-A44F-E28C587262EB}">
+      <dsp:nvSpPr>
+        <dsp:cNvPr id="0" name=""/>
+        <dsp:cNvSpPr/>
+      </dsp:nvSpPr>
+      <dsp:spPr>
+        <a:xfrm>
+          <a:off x="1654713" y="878087"/>
+          <a:ext cx="1253925" cy="752355"/>
+        </a:xfrm>
+        <a:prstGeom prst="rect">
+          <a:avLst/>
+        </a:prstGeom>
+        <a:solidFill>
+          <a:schemeClr val="accent1">
+            <a:alpha val="90000"/>
+            <a:hueOff val="0"/>
+            <a:satOff val="0"/>
+            <a:lumOff val="0"/>
+            <a:alphaOff val="-14118"/>
+          </a:schemeClr>
+        </a:solidFill>
+        <a:ln w="19050" cap="flat" cmpd="sng" algn="ctr">
+          <a:solidFill>
+            <a:schemeClr val="lt1">
+              <a:hueOff val="0"/>
+              <a:satOff val="0"/>
+              <a:lumOff val="0"/>
+              <a:alphaOff val="0"/>
+            </a:schemeClr>
+          </a:solidFill>
+          <a:prstDash val="solid"/>
+        </a:ln>
+        <a:effectLst/>
+      </dsp:spPr>
+      <dsp:style>
+        <a:lnRef idx="2">
+          <a:scrgbClr r="0" g="0" b="0"/>
+        </a:lnRef>
+        <a:fillRef idx="1">
+          <a:scrgbClr r="0" g="0" b="0"/>
+        </a:fillRef>
+        <a:effectRef idx="0">
+          <a:scrgbClr r="0" g="0" b="0"/>
+        </a:effectRef>
+        <a:fontRef idx="minor">
+          <a:schemeClr val="lt1"/>
+        </a:fontRef>
+      </dsp:style>
+      <dsp:txBody>
+        <a:bodyPr spcFirstLastPara="0" vert="horz" wrap="square" lIns="41910" tIns="41910" rIns="41910" bIns="41910" numCol="1" spcCol="1270" anchor="ctr" anchorCtr="0">
+          <a:noAutofit/>
+        </a:bodyPr>
+        <a:lstStyle/>
+        <a:p>
+          <a:pPr marL="0" lvl="0" indent="0" algn="ctr" defTabSz="488950" rtl="1">
+            <a:lnSpc>
+              <a:spcPct val="90000"/>
+            </a:lnSpc>
+            <a:spcBef>
+              <a:spcPct val="0"/>
+            </a:spcBef>
+            <a:spcAft>
+              <a:spcPct val="35000"/>
+            </a:spcAft>
+            <a:buNone/>
+          </a:pPr>
+          <a:r>
+            <a:rPr lang="fa-IR" sz="1100" kern="1200" dirty="0"/>
+            <a:t>بلاگ</a:t>
+          </a:r>
+          <a:endParaRPr lang="en-US" sz="1100" kern="1200" dirty="0"/>
+        </a:p>
+      </dsp:txBody>
+      <dsp:txXfrm>
+        <a:off x="1654713" y="878087"/>
+        <a:ext cx="1253925" cy="752355"/>
+      </dsp:txXfrm>
+    </dsp:sp>
+    <dsp:sp modelId="{474CEEFB-41AE-41D1-B7CD-3329FB841E6E}">
+      <dsp:nvSpPr>
+        <dsp:cNvPr id="0" name=""/>
+        <dsp:cNvSpPr/>
+      </dsp:nvSpPr>
+      <dsp:spPr>
+        <a:xfrm>
+          <a:off x="275395" y="878087"/>
+          <a:ext cx="1253925" cy="752355"/>
+        </a:xfrm>
+        <a:prstGeom prst="rect">
+          <a:avLst/>
+        </a:prstGeom>
+        <a:solidFill>
+          <a:schemeClr val="accent1">
+            <a:alpha val="90000"/>
+            <a:hueOff val="0"/>
+            <a:satOff val="0"/>
+            <a:lumOff val="0"/>
+            <a:alphaOff val="-15294"/>
+          </a:schemeClr>
+        </a:solidFill>
+        <a:ln w="19050" cap="flat" cmpd="sng" algn="ctr">
+          <a:solidFill>
+            <a:schemeClr val="lt1">
+              <a:hueOff val="0"/>
+              <a:satOff val="0"/>
+              <a:lumOff val="0"/>
+              <a:alphaOff val="0"/>
+            </a:schemeClr>
+          </a:solidFill>
+          <a:prstDash val="solid"/>
+        </a:ln>
+        <a:effectLst/>
+      </dsp:spPr>
+      <dsp:style>
+        <a:lnRef idx="2">
+          <a:scrgbClr r="0" g="0" b="0"/>
+        </a:lnRef>
+        <a:fillRef idx="1">
+          <a:scrgbClr r="0" g="0" b="0"/>
+        </a:fillRef>
+        <a:effectRef idx="0">
+          <a:scrgbClr r="0" g="0" b="0"/>
+        </a:effectRef>
+        <a:fontRef idx="minor">
+          <a:schemeClr val="lt1"/>
+        </a:fontRef>
+      </dsp:style>
+      <dsp:txBody>
+        <a:bodyPr spcFirstLastPara="0" vert="horz" wrap="square" lIns="41910" tIns="41910" rIns="41910" bIns="41910" numCol="1" spcCol="1270" anchor="ctr" anchorCtr="0">
+          <a:noAutofit/>
+        </a:bodyPr>
+        <a:lstStyle/>
+        <a:p>
+          <a:pPr marL="0" lvl="0" indent="0" algn="ctr" defTabSz="488950" rtl="1">
+            <a:lnSpc>
+              <a:spcPct val="90000"/>
+            </a:lnSpc>
+            <a:spcBef>
+              <a:spcPct val="0"/>
+            </a:spcBef>
+            <a:spcAft>
+              <a:spcPct val="35000"/>
+            </a:spcAft>
+            <a:buNone/>
+          </a:pPr>
+          <a:r>
+            <a:rPr lang="fa-IR" sz="1100" kern="1200" dirty="0"/>
+            <a:t>گزارشات نموداری لحظه‌ای</a:t>
+          </a:r>
+          <a:endParaRPr lang="en-US" sz="1100" kern="1200" dirty="0"/>
+        </a:p>
+      </dsp:txBody>
+      <dsp:txXfrm>
+        <a:off x="275395" y="878087"/>
+        <a:ext cx="1253925" cy="752355"/>
+      </dsp:txXfrm>
+    </dsp:sp>
+    <dsp:sp modelId="{AFA39F50-A2C2-4D93-A2C7-5DD705CFFA2A}">
+      <dsp:nvSpPr>
+        <dsp:cNvPr id="0" name=""/>
+        <dsp:cNvSpPr/>
+      </dsp:nvSpPr>
+      <dsp:spPr>
+        <a:xfrm>
+          <a:off x="8551303" y="1755834"/>
+          <a:ext cx="1253925" cy="752355"/>
+        </a:xfrm>
+        <a:prstGeom prst="rect">
+          <a:avLst/>
+        </a:prstGeom>
+        <a:solidFill>
+          <a:schemeClr val="accent1">
+            <a:alpha val="90000"/>
+            <a:hueOff val="0"/>
+            <a:satOff val="0"/>
+            <a:lumOff val="0"/>
+            <a:alphaOff val="-16471"/>
+          </a:schemeClr>
+        </a:solidFill>
+        <a:ln w="19050" cap="flat" cmpd="sng" algn="ctr">
+          <a:solidFill>
+            <a:schemeClr val="lt1">
+              <a:hueOff val="0"/>
+              <a:satOff val="0"/>
+              <a:lumOff val="0"/>
+              <a:alphaOff val="0"/>
+            </a:schemeClr>
+          </a:solidFill>
+          <a:prstDash val="solid"/>
+        </a:ln>
+        <a:effectLst/>
+      </dsp:spPr>
+      <dsp:style>
+        <a:lnRef idx="2">
+          <a:scrgbClr r="0" g="0" b="0"/>
+        </a:lnRef>
+        <a:fillRef idx="1">
+          <a:scrgbClr r="0" g="0" b="0"/>
+        </a:fillRef>
+        <a:effectRef idx="0">
+          <a:scrgbClr r="0" g="0" b="0"/>
+        </a:effectRef>
+        <a:fontRef idx="minor">
+          <a:schemeClr val="lt1"/>
+        </a:fontRef>
+      </dsp:style>
+      <dsp:txBody>
+        <a:bodyPr spcFirstLastPara="0" vert="horz" wrap="square" lIns="41910" tIns="41910" rIns="41910" bIns="41910" numCol="1" spcCol="1270" anchor="ctr" anchorCtr="0">
+          <a:noAutofit/>
+        </a:bodyPr>
+        <a:lstStyle/>
+        <a:p>
+          <a:pPr marL="0" lvl="0" indent="0" algn="ctr" defTabSz="488950" rtl="1">
+            <a:lnSpc>
+              <a:spcPct val="90000"/>
+            </a:lnSpc>
+            <a:spcBef>
+              <a:spcPct val="0"/>
+            </a:spcBef>
+            <a:spcAft>
+              <a:spcPct val="35000"/>
+            </a:spcAft>
+            <a:buNone/>
+          </a:pPr>
+          <a:r>
+            <a:rPr lang="fa-IR" sz="1100" kern="1200" dirty="0"/>
+            <a:t>کنترل کامل سطح دسترسی</a:t>
+          </a:r>
+          <a:endParaRPr lang="en-US" sz="1100" kern="1200" dirty="0"/>
+        </a:p>
+      </dsp:txBody>
+      <dsp:txXfrm>
+        <a:off x="8551303" y="1755834"/>
+        <a:ext cx="1253925" cy="752355"/>
+      </dsp:txXfrm>
+    </dsp:sp>
+    <dsp:sp modelId="{156B9DA0-DD4E-4FFE-B56B-6C5DEE7B3CA6}">
+      <dsp:nvSpPr>
+        <dsp:cNvPr id="0" name=""/>
+        <dsp:cNvSpPr/>
+      </dsp:nvSpPr>
+      <dsp:spPr>
+        <a:xfrm>
+          <a:off x="7171985" y="1755834"/>
+          <a:ext cx="1253925" cy="752355"/>
+        </a:xfrm>
+        <a:prstGeom prst="rect">
+          <a:avLst/>
+        </a:prstGeom>
+        <a:solidFill>
+          <a:schemeClr val="accent1">
+            <a:alpha val="90000"/>
+            <a:hueOff val="0"/>
+            <a:satOff val="0"/>
+            <a:lumOff val="0"/>
+            <a:alphaOff val="-17647"/>
+          </a:schemeClr>
+        </a:solidFill>
+        <a:ln w="19050" cap="flat" cmpd="sng" algn="ctr">
+          <a:solidFill>
+            <a:schemeClr val="lt1">
+              <a:hueOff val="0"/>
+              <a:satOff val="0"/>
+              <a:lumOff val="0"/>
+              <a:alphaOff val="0"/>
+            </a:schemeClr>
+          </a:solidFill>
+          <a:prstDash val="solid"/>
+        </a:ln>
+        <a:effectLst/>
+      </dsp:spPr>
+      <dsp:style>
+        <a:lnRef idx="2">
+          <a:scrgbClr r="0" g="0" b="0"/>
+        </a:lnRef>
+        <a:fillRef idx="1">
+          <a:scrgbClr r="0" g="0" b="0"/>
+        </a:fillRef>
+        <a:effectRef idx="0">
+          <a:scrgbClr r="0" g="0" b="0"/>
+        </a:effectRef>
+        <a:fontRef idx="minor">
+          <a:schemeClr val="lt1"/>
+        </a:fontRef>
+      </dsp:style>
+      <dsp:txBody>
+        <a:bodyPr spcFirstLastPara="0" vert="horz" wrap="square" lIns="41910" tIns="41910" rIns="41910" bIns="41910" numCol="1" spcCol="1270" anchor="ctr" anchorCtr="0">
+          <a:noAutofit/>
+        </a:bodyPr>
+        <a:lstStyle/>
+        <a:p>
+          <a:pPr marL="0" lvl="0" indent="0" algn="ctr" defTabSz="488950" rtl="1">
+            <a:lnSpc>
+              <a:spcPct val="90000"/>
+            </a:lnSpc>
+            <a:spcBef>
+              <a:spcPct val="0"/>
+            </a:spcBef>
+            <a:spcAft>
+              <a:spcPct val="35000"/>
+            </a:spcAft>
+            <a:buNone/>
+          </a:pPr>
+          <a:r>
+            <a:rPr lang="fa-IR" sz="1100" kern="1200" dirty="0"/>
+            <a:t>بهینه‌شده برای موتورهای جستجو</a:t>
+          </a:r>
+          <a:endParaRPr lang="en-US" sz="1100" kern="1200" dirty="0"/>
+        </a:p>
+      </dsp:txBody>
+      <dsp:txXfrm>
+        <a:off x="7171985" y="1755834"/>
+        <a:ext cx="1253925" cy="752355"/>
+      </dsp:txXfrm>
+    </dsp:sp>
+    <dsp:sp modelId="{B62269E5-4C35-4AE4-82A0-01C592142BF2}">
+      <dsp:nvSpPr>
+        <dsp:cNvPr id="0" name=""/>
+        <dsp:cNvSpPr/>
+      </dsp:nvSpPr>
+      <dsp:spPr>
+        <a:xfrm>
+          <a:off x="5792667" y="1755834"/>
+          <a:ext cx="1253925" cy="752355"/>
+        </a:xfrm>
+        <a:prstGeom prst="rect">
+          <a:avLst/>
+        </a:prstGeom>
+        <a:solidFill>
+          <a:schemeClr val="accent1">
+            <a:alpha val="90000"/>
+            <a:hueOff val="0"/>
+            <a:satOff val="0"/>
+            <a:lumOff val="0"/>
+            <a:alphaOff val="-18824"/>
+          </a:schemeClr>
+        </a:solidFill>
+        <a:ln w="19050" cap="flat" cmpd="sng" algn="ctr">
+          <a:solidFill>
+            <a:schemeClr val="lt1">
+              <a:hueOff val="0"/>
+              <a:satOff val="0"/>
+              <a:lumOff val="0"/>
+              <a:alphaOff val="0"/>
+            </a:schemeClr>
+          </a:solidFill>
+          <a:prstDash val="solid"/>
+        </a:ln>
+        <a:effectLst/>
+      </dsp:spPr>
+      <dsp:style>
+        <a:lnRef idx="2">
+          <a:scrgbClr r="0" g="0" b="0"/>
+        </a:lnRef>
+        <a:fillRef idx="1">
+          <a:scrgbClr r="0" g="0" b="0"/>
+        </a:fillRef>
+        <a:effectRef idx="0">
+          <a:scrgbClr r="0" g="0" b="0"/>
+        </a:effectRef>
+        <a:fontRef idx="minor">
+          <a:schemeClr val="lt1"/>
+        </a:fontRef>
+      </dsp:style>
+      <dsp:txBody>
+        <a:bodyPr spcFirstLastPara="0" vert="horz" wrap="square" lIns="41910" tIns="41910" rIns="41910" bIns="41910" numCol="1" spcCol="1270" anchor="ctr" anchorCtr="0">
+          <a:noAutofit/>
+        </a:bodyPr>
+        <a:lstStyle/>
+        <a:p>
+          <a:pPr marL="0" lvl="0" indent="0" algn="ctr" defTabSz="488950" rtl="1">
+            <a:lnSpc>
+              <a:spcPct val="90000"/>
+            </a:lnSpc>
+            <a:spcBef>
+              <a:spcPct val="0"/>
+            </a:spcBef>
+            <a:spcAft>
+              <a:spcPct val="35000"/>
+            </a:spcAft>
+            <a:buNone/>
+          </a:pPr>
+          <a:r>
+            <a:rPr lang="fa-IR" sz="1100" kern="1200" dirty="0"/>
+            <a:t>طراحی دوستدار موبایل</a:t>
+          </a:r>
+          <a:endParaRPr lang="en-US" sz="1100" kern="1200" dirty="0"/>
+        </a:p>
+      </dsp:txBody>
+      <dsp:txXfrm>
+        <a:off x="5792667" y="1755834"/>
+        <a:ext cx="1253925" cy="752355"/>
+      </dsp:txXfrm>
+    </dsp:sp>
+    <dsp:sp modelId="{647250C0-600F-45E9-A558-3098717C83E8}">
+      <dsp:nvSpPr>
+        <dsp:cNvPr id="0" name=""/>
+        <dsp:cNvSpPr/>
+      </dsp:nvSpPr>
+      <dsp:spPr>
+        <a:xfrm>
+          <a:off x="4413349" y="1755834"/>
+          <a:ext cx="1253925" cy="752355"/>
+        </a:xfrm>
+        <a:prstGeom prst="rect">
+          <a:avLst/>
+        </a:prstGeom>
+        <a:solidFill>
+          <a:schemeClr val="accent1">
+            <a:alpha val="90000"/>
+            <a:hueOff val="0"/>
+            <a:satOff val="0"/>
+            <a:lumOff val="0"/>
+            <a:alphaOff val="-20000"/>
+          </a:schemeClr>
+        </a:solidFill>
+        <a:ln w="19050" cap="flat" cmpd="sng" algn="ctr">
+          <a:solidFill>
+            <a:schemeClr val="lt1">
+              <a:hueOff val="0"/>
+              <a:satOff val="0"/>
+              <a:lumOff val="0"/>
+              <a:alphaOff val="0"/>
+            </a:schemeClr>
+          </a:solidFill>
+          <a:prstDash val="solid"/>
+        </a:ln>
+        <a:effectLst/>
+      </dsp:spPr>
+      <dsp:style>
+        <a:lnRef idx="2">
+          <a:scrgbClr r="0" g="0" b="0"/>
+        </a:lnRef>
+        <a:fillRef idx="1">
+          <a:scrgbClr r="0" g="0" b="0"/>
+        </a:fillRef>
+        <a:effectRef idx="0">
+          <a:scrgbClr r="0" g="0" b="0"/>
+        </a:effectRef>
+        <a:fontRef idx="minor">
+          <a:schemeClr val="lt1"/>
+        </a:fontRef>
+      </dsp:style>
+      <dsp:txBody>
+        <a:bodyPr spcFirstLastPara="0" vert="horz" wrap="square" lIns="41910" tIns="41910" rIns="41910" bIns="41910" numCol="1" spcCol="1270" anchor="ctr" anchorCtr="0">
+          <a:noAutofit/>
+        </a:bodyPr>
+        <a:lstStyle/>
+        <a:p>
+          <a:pPr marL="0" lvl="0" indent="0" algn="ctr" defTabSz="488950" rtl="1">
+            <a:lnSpc>
+              <a:spcPct val="90000"/>
+            </a:lnSpc>
+            <a:spcBef>
+              <a:spcPct val="0"/>
+            </a:spcBef>
+            <a:spcAft>
+              <a:spcPct val="35000"/>
+            </a:spcAft>
+            <a:buNone/>
+          </a:pPr>
+          <a:r>
+            <a:rPr lang="fa-IR" sz="1100" kern="1200" dirty="0"/>
+            <a:t>کدتخفیف و جشنواره</a:t>
+          </a:r>
+          <a:endParaRPr lang="en-US" sz="1100" kern="1200" dirty="0"/>
+        </a:p>
+      </dsp:txBody>
+      <dsp:txXfrm>
+        <a:off x="4413349" y="1755834"/>
+        <a:ext cx="1253925" cy="752355"/>
+      </dsp:txXfrm>
+    </dsp:sp>
+    <dsp:sp modelId="{C57E4F06-A1B1-428E-9136-219524DE30BA}">
+      <dsp:nvSpPr>
+        <dsp:cNvPr id="0" name=""/>
+        <dsp:cNvSpPr/>
+      </dsp:nvSpPr>
+      <dsp:spPr>
+        <a:xfrm>
+          <a:off x="3034031" y="1755834"/>
+          <a:ext cx="1253925" cy="752355"/>
+        </a:xfrm>
+        <a:prstGeom prst="rect">
+          <a:avLst/>
+        </a:prstGeom>
+        <a:solidFill>
+          <a:schemeClr val="accent1">
+            <a:alpha val="90000"/>
+            <a:hueOff val="0"/>
+            <a:satOff val="0"/>
+            <a:lumOff val="0"/>
+            <a:alphaOff val="-21176"/>
+          </a:schemeClr>
+        </a:solidFill>
+        <a:ln w="19050" cap="flat" cmpd="sng" algn="ctr">
+          <a:solidFill>
+            <a:schemeClr val="lt1">
+              <a:hueOff val="0"/>
+              <a:satOff val="0"/>
+              <a:lumOff val="0"/>
+              <a:alphaOff val="0"/>
+            </a:schemeClr>
+          </a:solidFill>
+          <a:prstDash val="solid"/>
+        </a:ln>
+        <a:effectLst/>
+      </dsp:spPr>
+      <dsp:style>
+        <a:lnRef idx="2">
+          <a:scrgbClr r="0" g="0" b="0"/>
+        </a:lnRef>
+        <a:fillRef idx="1">
+          <a:scrgbClr r="0" g="0" b="0"/>
+        </a:fillRef>
+        <a:effectRef idx="0">
+          <a:scrgbClr r="0" g="0" b="0"/>
+        </a:effectRef>
+        <a:fontRef idx="minor">
+          <a:schemeClr val="lt1"/>
+        </a:fontRef>
+      </dsp:style>
+      <dsp:txBody>
+        <a:bodyPr spcFirstLastPara="0" vert="horz" wrap="square" lIns="41910" tIns="41910" rIns="41910" bIns="41910" numCol="1" spcCol="1270" anchor="ctr" anchorCtr="0">
+          <a:noAutofit/>
+        </a:bodyPr>
+        <a:lstStyle/>
+        <a:p>
+          <a:pPr marL="0" lvl="0" indent="0" algn="ctr" defTabSz="488950" rtl="1">
+            <a:lnSpc>
+              <a:spcPct val="90000"/>
+            </a:lnSpc>
+            <a:spcBef>
+              <a:spcPct val="0"/>
+            </a:spcBef>
+            <a:spcAft>
+              <a:spcPct val="35000"/>
+            </a:spcAft>
+            <a:buNone/>
+          </a:pPr>
+          <a:r>
+            <a:rPr lang="fa-IR" sz="1100" kern="1200" dirty="0"/>
+            <a:t>دیزاین‌های پرمیوم</a:t>
+          </a:r>
+          <a:endParaRPr lang="en-US" sz="1100" kern="1200" dirty="0"/>
+        </a:p>
+      </dsp:txBody>
+      <dsp:txXfrm>
+        <a:off x="3034031" y="1755834"/>
+        <a:ext cx="1253925" cy="752355"/>
+      </dsp:txXfrm>
+    </dsp:sp>
+    <dsp:sp modelId="{18783CB2-8EA0-4C89-A0F8-57B779CA4244}">
+      <dsp:nvSpPr>
+        <dsp:cNvPr id="0" name=""/>
+        <dsp:cNvSpPr/>
+      </dsp:nvSpPr>
+      <dsp:spPr>
+        <a:xfrm>
+          <a:off x="1654713" y="1755834"/>
+          <a:ext cx="1253925" cy="752355"/>
+        </a:xfrm>
+        <a:prstGeom prst="rect">
+          <a:avLst/>
+        </a:prstGeom>
+        <a:solidFill>
+          <a:schemeClr val="accent1">
+            <a:alpha val="90000"/>
+            <a:hueOff val="0"/>
+            <a:satOff val="0"/>
+            <a:lumOff val="0"/>
+            <a:alphaOff val="-22353"/>
+          </a:schemeClr>
+        </a:solidFill>
+        <a:ln w="19050" cap="flat" cmpd="sng" algn="ctr">
+          <a:solidFill>
+            <a:schemeClr val="lt1">
+              <a:hueOff val="0"/>
+              <a:satOff val="0"/>
+              <a:lumOff val="0"/>
+              <a:alphaOff val="0"/>
+            </a:schemeClr>
+          </a:solidFill>
+          <a:prstDash val="solid"/>
+        </a:ln>
+        <a:effectLst/>
+      </dsp:spPr>
+      <dsp:style>
+        <a:lnRef idx="2">
+          <a:scrgbClr r="0" g="0" b="0"/>
+        </a:lnRef>
+        <a:fillRef idx="1">
+          <a:scrgbClr r="0" g="0" b="0"/>
+        </a:fillRef>
+        <a:effectRef idx="0">
+          <a:scrgbClr r="0" g="0" b="0"/>
+        </a:effectRef>
+        <a:fontRef idx="minor">
+          <a:schemeClr val="lt1"/>
+        </a:fontRef>
+      </dsp:style>
+      <dsp:txBody>
+        <a:bodyPr spcFirstLastPara="0" vert="horz" wrap="square" lIns="41910" tIns="41910" rIns="41910" bIns="41910" numCol="1" spcCol="1270" anchor="ctr" anchorCtr="0">
+          <a:noAutofit/>
+        </a:bodyPr>
+        <a:lstStyle/>
+        <a:p>
+          <a:pPr marL="0" lvl="0" indent="0" algn="ctr" defTabSz="488950" rtl="1">
+            <a:lnSpc>
+              <a:spcPct val="90000"/>
+            </a:lnSpc>
+            <a:spcBef>
+              <a:spcPct val="0"/>
+            </a:spcBef>
+            <a:spcAft>
+              <a:spcPct val="35000"/>
+            </a:spcAft>
+            <a:buNone/>
+          </a:pPr>
+          <a:r>
+            <a:rPr lang="fa-IR" sz="1100" kern="1200" dirty="0"/>
+            <a:t>چاپ </a:t>
+          </a:r>
+          <a:r>
+            <a:rPr lang="en-US" sz="1100" kern="1200" dirty="0"/>
+            <a:t>A4, A5</a:t>
+          </a:r>
+        </a:p>
+      </dsp:txBody>
+      <dsp:txXfrm>
+        <a:off x="1654713" y="1755834"/>
+        <a:ext cx="1253925" cy="752355"/>
+      </dsp:txXfrm>
+    </dsp:sp>
+    <dsp:sp modelId="{D355042F-DCC6-42FD-A0D1-38DECAAA25BF}">
+      <dsp:nvSpPr>
+        <dsp:cNvPr id="0" name=""/>
+        <dsp:cNvSpPr/>
+      </dsp:nvSpPr>
+      <dsp:spPr>
+        <a:xfrm>
+          <a:off x="275395" y="1755834"/>
+          <a:ext cx="1253925" cy="752355"/>
+        </a:xfrm>
+        <a:prstGeom prst="rect">
+          <a:avLst/>
+        </a:prstGeom>
+        <a:solidFill>
+          <a:schemeClr val="accent1">
+            <a:alpha val="90000"/>
+            <a:hueOff val="0"/>
+            <a:satOff val="0"/>
+            <a:lumOff val="0"/>
+            <a:alphaOff val="-23529"/>
+          </a:schemeClr>
+        </a:solidFill>
+        <a:ln w="19050" cap="flat" cmpd="sng" algn="ctr">
+          <a:solidFill>
+            <a:schemeClr val="lt1">
+              <a:hueOff val="0"/>
+              <a:satOff val="0"/>
+              <a:lumOff val="0"/>
+              <a:alphaOff val="0"/>
+            </a:schemeClr>
+          </a:solidFill>
+          <a:prstDash val="solid"/>
+        </a:ln>
+        <a:effectLst/>
+      </dsp:spPr>
+      <dsp:style>
+        <a:lnRef idx="2">
+          <a:scrgbClr r="0" g="0" b="0"/>
+        </a:lnRef>
+        <a:fillRef idx="1">
+          <a:scrgbClr r="0" g="0" b="0"/>
+        </a:fillRef>
+        <a:effectRef idx="0">
+          <a:scrgbClr r="0" g="0" b="0"/>
+        </a:effectRef>
+        <a:fontRef idx="minor">
+          <a:schemeClr val="lt1"/>
+        </a:fontRef>
+      </dsp:style>
+      <dsp:txBody>
+        <a:bodyPr spcFirstLastPara="0" vert="horz" wrap="square" lIns="41910" tIns="41910" rIns="41910" bIns="41910" numCol="1" spcCol="1270" anchor="ctr" anchorCtr="0">
+          <a:noAutofit/>
+        </a:bodyPr>
+        <a:lstStyle/>
+        <a:p>
+          <a:pPr marL="0" lvl="0" indent="0" algn="ctr" defTabSz="488950" rtl="1">
+            <a:lnSpc>
+              <a:spcPct val="90000"/>
+            </a:lnSpc>
+            <a:spcBef>
+              <a:spcPct val="0"/>
+            </a:spcBef>
+            <a:spcAft>
+              <a:spcPct val="35000"/>
+            </a:spcAft>
+            <a:buNone/>
+          </a:pPr>
+          <a:r>
+            <a:rPr lang="fa-IR" sz="1100" kern="1200" dirty="0"/>
+            <a:t>فروش سریع</a:t>
+          </a:r>
+          <a:endParaRPr lang="en-US" sz="1100" kern="1200" dirty="0"/>
+        </a:p>
+      </dsp:txBody>
+      <dsp:txXfrm>
+        <a:off x="275395" y="1755834"/>
+        <a:ext cx="1253925" cy="752355"/>
+      </dsp:txXfrm>
+    </dsp:sp>
+    <dsp:sp modelId="{ADEF7C6E-EFE0-4A83-AC24-B65739D4E2E1}">
+      <dsp:nvSpPr>
+        <dsp:cNvPr id="0" name=""/>
+        <dsp:cNvSpPr/>
+      </dsp:nvSpPr>
+      <dsp:spPr>
+        <a:xfrm>
+          <a:off x="8551303" y="2633582"/>
+          <a:ext cx="1253925" cy="752355"/>
+        </a:xfrm>
+        <a:prstGeom prst="rect">
+          <a:avLst/>
+        </a:prstGeom>
+        <a:solidFill>
+          <a:schemeClr val="accent1">
+            <a:alpha val="90000"/>
+            <a:hueOff val="0"/>
+            <a:satOff val="0"/>
+            <a:lumOff val="0"/>
+            <a:alphaOff val="-24706"/>
+          </a:schemeClr>
+        </a:solidFill>
+        <a:ln w="19050" cap="flat" cmpd="sng" algn="ctr">
+          <a:solidFill>
+            <a:schemeClr val="lt1">
+              <a:hueOff val="0"/>
+              <a:satOff val="0"/>
+              <a:lumOff val="0"/>
+              <a:alphaOff val="0"/>
+            </a:schemeClr>
+          </a:solidFill>
+          <a:prstDash val="solid"/>
+        </a:ln>
+        <a:effectLst/>
+      </dsp:spPr>
+      <dsp:style>
+        <a:lnRef idx="2">
+          <a:scrgbClr r="0" g="0" b="0"/>
+        </a:lnRef>
+        <a:fillRef idx="1">
+          <a:scrgbClr r="0" g="0" b="0"/>
+        </a:fillRef>
+        <a:effectRef idx="0">
+          <a:scrgbClr r="0" g="0" b="0"/>
+        </a:effectRef>
+        <a:fontRef idx="minor">
+          <a:schemeClr val="lt1"/>
+        </a:fontRef>
+      </dsp:style>
+      <dsp:txBody>
+        <a:bodyPr spcFirstLastPara="0" vert="horz" wrap="square" lIns="41910" tIns="41910" rIns="41910" bIns="41910" numCol="1" spcCol="1270" anchor="ctr" anchorCtr="0">
+          <a:noAutofit/>
+        </a:bodyPr>
+        <a:lstStyle/>
+        <a:p>
+          <a:pPr marL="0" lvl="0" indent="0" algn="ctr" defTabSz="488950" rtl="1">
+            <a:lnSpc>
+              <a:spcPct val="90000"/>
+            </a:lnSpc>
+            <a:spcBef>
+              <a:spcPct val="0"/>
+            </a:spcBef>
+            <a:spcAft>
+              <a:spcPct val="35000"/>
+            </a:spcAft>
+            <a:buNone/>
+          </a:pPr>
+          <a:r>
+            <a:rPr lang="fa-IR" sz="1100" kern="1200" dirty="0"/>
+            <a:t>سیستم انبارداری *</a:t>
+          </a:r>
+          <a:endParaRPr lang="en-US" sz="1100" kern="1200" dirty="0"/>
+        </a:p>
+      </dsp:txBody>
+      <dsp:txXfrm>
+        <a:off x="8551303" y="2633582"/>
+        <a:ext cx="1253925" cy="752355"/>
+      </dsp:txXfrm>
+    </dsp:sp>
+    <dsp:sp modelId="{8B3DB1A9-520B-495E-BB8A-B3E67D72601A}">
+      <dsp:nvSpPr>
+        <dsp:cNvPr id="0" name=""/>
+        <dsp:cNvSpPr/>
+      </dsp:nvSpPr>
+      <dsp:spPr>
+        <a:xfrm>
+          <a:off x="7171985" y="2633582"/>
+          <a:ext cx="1253925" cy="752355"/>
+        </a:xfrm>
+        <a:prstGeom prst="rect">
+          <a:avLst/>
+        </a:prstGeom>
+        <a:solidFill>
+          <a:schemeClr val="accent1">
+            <a:alpha val="90000"/>
+            <a:hueOff val="0"/>
+            <a:satOff val="0"/>
+            <a:lumOff val="0"/>
+            <a:alphaOff val="-25882"/>
+          </a:schemeClr>
+        </a:solidFill>
+        <a:ln w="19050" cap="flat" cmpd="sng" algn="ctr">
+          <a:solidFill>
+            <a:schemeClr val="lt1">
+              <a:hueOff val="0"/>
+              <a:satOff val="0"/>
+              <a:lumOff val="0"/>
+              <a:alphaOff val="0"/>
+            </a:schemeClr>
+          </a:solidFill>
+          <a:prstDash val="solid"/>
+        </a:ln>
+        <a:effectLst/>
+      </dsp:spPr>
+      <dsp:style>
+        <a:lnRef idx="2">
+          <a:scrgbClr r="0" g="0" b="0"/>
+        </a:lnRef>
+        <a:fillRef idx="1">
+          <a:scrgbClr r="0" g="0" b="0"/>
+        </a:fillRef>
+        <a:effectRef idx="0">
+          <a:scrgbClr r="0" g="0" b="0"/>
+        </a:effectRef>
+        <a:fontRef idx="minor">
+          <a:schemeClr val="lt1"/>
+        </a:fontRef>
+      </dsp:style>
+      <dsp:txBody>
+        <a:bodyPr spcFirstLastPara="0" vert="horz" wrap="square" lIns="41910" tIns="41910" rIns="41910" bIns="41910" numCol="1" spcCol="1270" anchor="ctr" anchorCtr="0">
+          <a:noAutofit/>
+        </a:bodyPr>
+        <a:lstStyle/>
+        <a:p>
+          <a:pPr marL="0" lvl="0" indent="0" algn="ctr" defTabSz="488950" rtl="1">
+            <a:lnSpc>
+              <a:spcPct val="90000"/>
+            </a:lnSpc>
+            <a:spcBef>
+              <a:spcPct val="0"/>
+            </a:spcBef>
+            <a:spcAft>
+              <a:spcPct val="35000"/>
+            </a:spcAft>
+            <a:buNone/>
+          </a:pPr>
+          <a:r>
+            <a:rPr lang="fa-IR" sz="1100" kern="1200" dirty="0"/>
+            <a:t>درگاه بانک اختصاصی</a:t>
+          </a:r>
+          <a:endParaRPr lang="en-US" sz="1100" kern="1200" dirty="0"/>
+        </a:p>
+      </dsp:txBody>
+      <dsp:txXfrm>
+        <a:off x="7171985" y="2633582"/>
+        <a:ext cx="1253925" cy="752355"/>
+      </dsp:txXfrm>
+    </dsp:sp>
+    <dsp:sp modelId="{146BC6D7-864C-43A2-BCFF-521A96E60704}">
+      <dsp:nvSpPr>
+        <dsp:cNvPr id="0" name=""/>
+        <dsp:cNvSpPr/>
+      </dsp:nvSpPr>
+      <dsp:spPr>
+        <a:xfrm>
+          <a:off x="5792667" y="2633582"/>
+          <a:ext cx="1253925" cy="752355"/>
+        </a:xfrm>
+        <a:prstGeom prst="rect">
+          <a:avLst/>
+        </a:prstGeom>
+        <a:solidFill>
+          <a:schemeClr val="accent1">
+            <a:alpha val="90000"/>
+            <a:hueOff val="0"/>
+            <a:satOff val="0"/>
+            <a:lumOff val="0"/>
+            <a:alphaOff val="-27059"/>
+          </a:schemeClr>
+        </a:solidFill>
+        <a:ln w="19050" cap="flat" cmpd="sng" algn="ctr">
+          <a:solidFill>
+            <a:schemeClr val="lt1">
+              <a:hueOff val="0"/>
+              <a:satOff val="0"/>
+              <a:lumOff val="0"/>
+              <a:alphaOff val="0"/>
+            </a:schemeClr>
+          </a:solidFill>
+          <a:prstDash val="solid"/>
+        </a:ln>
+        <a:effectLst/>
+      </dsp:spPr>
+      <dsp:style>
+        <a:lnRef idx="2">
+          <a:scrgbClr r="0" g="0" b="0"/>
+        </a:lnRef>
+        <a:fillRef idx="1">
+          <a:scrgbClr r="0" g="0" b="0"/>
+        </a:fillRef>
+        <a:effectRef idx="0">
+          <a:scrgbClr r="0" g="0" b="0"/>
+        </a:effectRef>
+        <a:fontRef idx="minor">
+          <a:schemeClr val="lt1"/>
+        </a:fontRef>
+      </dsp:style>
+      <dsp:txBody>
+        <a:bodyPr spcFirstLastPara="0" vert="horz" wrap="square" lIns="41910" tIns="41910" rIns="41910" bIns="41910" numCol="1" spcCol="1270" anchor="ctr" anchorCtr="0">
+          <a:noAutofit/>
+        </a:bodyPr>
+        <a:lstStyle/>
+        <a:p>
+          <a:pPr marL="0" lvl="0" indent="0" algn="ctr" defTabSz="488950" rtl="1">
+            <a:lnSpc>
+              <a:spcPct val="90000"/>
+            </a:lnSpc>
+            <a:spcBef>
+              <a:spcPct val="0"/>
+            </a:spcBef>
+            <a:spcAft>
+              <a:spcPct val="35000"/>
+            </a:spcAft>
+            <a:buNone/>
+          </a:pPr>
+          <a:r>
+            <a:rPr lang="fa-IR" sz="1100" kern="1200" dirty="0"/>
+            <a:t>لینک پرداخت فاکتور *</a:t>
+          </a:r>
+          <a:endParaRPr lang="en-US" sz="1100" kern="1200" dirty="0"/>
+        </a:p>
+      </dsp:txBody>
+      <dsp:txXfrm>
+        <a:off x="5792667" y="2633582"/>
+        <a:ext cx="1253925" cy="752355"/>
+      </dsp:txXfrm>
+    </dsp:sp>
+    <dsp:sp modelId="{E02CFCE3-A09D-4588-9730-BF8563B50838}">
+      <dsp:nvSpPr>
+        <dsp:cNvPr id="0" name=""/>
+        <dsp:cNvSpPr/>
+      </dsp:nvSpPr>
+      <dsp:spPr>
+        <a:xfrm>
+          <a:off x="4413349" y="2633582"/>
+          <a:ext cx="1253925" cy="752355"/>
+        </a:xfrm>
+        <a:prstGeom prst="rect">
+          <a:avLst/>
+        </a:prstGeom>
+        <a:solidFill>
+          <a:schemeClr val="accent1">
+            <a:alpha val="90000"/>
+            <a:hueOff val="0"/>
+            <a:satOff val="0"/>
+            <a:lumOff val="0"/>
+            <a:alphaOff val="-28235"/>
+          </a:schemeClr>
+        </a:solidFill>
+        <a:ln w="19050" cap="flat" cmpd="sng" algn="ctr">
+          <a:solidFill>
+            <a:schemeClr val="lt1">
+              <a:hueOff val="0"/>
+              <a:satOff val="0"/>
+              <a:lumOff val="0"/>
+              <a:alphaOff val="0"/>
+            </a:schemeClr>
+          </a:solidFill>
+          <a:prstDash val="solid"/>
+        </a:ln>
+        <a:effectLst/>
+      </dsp:spPr>
+      <dsp:style>
+        <a:lnRef idx="2">
+          <a:scrgbClr r="0" g="0" b="0"/>
+        </a:lnRef>
+        <a:fillRef idx="1">
+          <a:scrgbClr r="0" g="0" b="0"/>
+        </a:fillRef>
+        <a:effectRef idx="0">
+          <a:scrgbClr r="0" g="0" b="0"/>
+        </a:effectRef>
+        <a:fontRef idx="minor">
+          <a:schemeClr val="lt1"/>
+        </a:fontRef>
+      </dsp:style>
+      <dsp:txBody>
+        <a:bodyPr spcFirstLastPara="0" vert="horz" wrap="square" lIns="41910" tIns="41910" rIns="41910" bIns="41910" numCol="1" spcCol="1270" anchor="ctr" anchorCtr="0">
+          <a:noAutofit/>
+        </a:bodyPr>
+        <a:lstStyle/>
+        <a:p>
+          <a:pPr marL="0" lvl="0" indent="0" algn="ctr" defTabSz="488950" rtl="1">
+            <a:lnSpc>
+              <a:spcPct val="90000"/>
+            </a:lnSpc>
+            <a:spcBef>
+              <a:spcPct val="0"/>
+            </a:spcBef>
+            <a:spcAft>
+              <a:spcPct val="35000"/>
+            </a:spcAft>
+            <a:buNone/>
+          </a:pPr>
+          <a:r>
+            <a:rPr lang="fa-IR" sz="1100" kern="1200" dirty="0"/>
+            <a:t>سیستم تگ پیشرفته</a:t>
+          </a:r>
+          <a:endParaRPr lang="en-US" sz="1100" kern="1200" dirty="0"/>
+        </a:p>
+      </dsp:txBody>
+      <dsp:txXfrm>
+        <a:off x="4413349" y="2633582"/>
+        <a:ext cx="1253925" cy="752355"/>
+      </dsp:txXfrm>
+    </dsp:sp>
+    <dsp:sp modelId="{34E0BA42-3D04-4EFD-86EC-82E6F5E5290D}">
+      <dsp:nvSpPr>
+        <dsp:cNvPr id="0" name=""/>
+        <dsp:cNvSpPr/>
+      </dsp:nvSpPr>
+      <dsp:spPr>
+        <a:xfrm>
+          <a:off x="3034031" y="2633582"/>
+          <a:ext cx="1253925" cy="752355"/>
+        </a:xfrm>
+        <a:prstGeom prst="rect">
+          <a:avLst/>
+        </a:prstGeom>
+        <a:solidFill>
+          <a:schemeClr val="accent1">
+            <a:alpha val="90000"/>
+            <a:hueOff val="0"/>
+            <a:satOff val="0"/>
+            <a:lumOff val="0"/>
+            <a:alphaOff val="-29412"/>
+          </a:schemeClr>
+        </a:solidFill>
+        <a:ln w="19050" cap="flat" cmpd="sng" algn="ctr">
+          <a:solidFill>
+            <a:schemeClr val="lt1">
+              <a:hueOff val="0"/>
+              <a:satOff val="0"/>
+              <a:lumOff val="0"/>
+              <a:alphaOff val="0"/>
+            </a:schemeClr>
+          </a:solidFill>
+          <a:prstDash val="solid"/>
+        </a:ln>
+        <a:effectLst/>
+      </dsp:spPr>
+      <dsp:style>
+        <a:lnRef idx="2">
+          <a:scrgbClr r="0" g="0" b="0"/>
+        </a:lnRef>
+        <a:fillRef idx="1">
+          <a:scrgbClr r="0" g="0" b="0"/>
+        </a:fillRef>
+        <a:effectRef idx="0">
+          <a:scrgbClr r="0" g="0" b="0"/>
+        </a:effectRef>
+        <a:fontRef idx="minor">
+          <a:schemeClr val="lt1"/>
+        </a:fontRef>
+      </dsp:style>
+      <dsp:txBody>
+        <a:bodyPr spcFirstLastPara="0" vert="horz" wrap="square" lIns="41910" tIns="41910" rIns="41910" bIns="41910" numCol="1" spcCol="1270" anchor="ctr" anchorCtr="0">
+          <a:noAutofit/>
+        </a:bodyPr>
+        <a:lstStyle/>
+        <a:p>
+          <a:pPr marL="0" lvl="0" indent="0" algn="ctr" defTabSz="488950" rtl="1">
+            <a:lnSpc>
+              <a:spcPct val="90000"/>
+            </a:lnSpc>
+            <a:spcBef>
+              <a:spcPct val="0"/>
+            </a:spcBef>
+            <a:spcAft>
+              <a:spcPct val="35000"/>
+            </a:spcAft>
+            <a:buNone/>
+          </a:pPr>
+          <a:r>
+            <a:rPr lang="fa-IR" sz="1100" kern="1200" dirty="0"/>
+            <a:t>فیش پرینت</a:t>
+          </a:r>
+          <a:endParaRPr lang="en-US" sz="1100" kern="1200" dirty="0"/>
+        </a:p>
+      </dsp:txBody>
+      <dsp:txXfrm>
+        <a:off x="3034031" y="2633582"/>
+        <a:ext cx="1253925" cy="752355"/>
+      </dsp:txXfrm>
+    </dsp:sp>
+    <dsp:sp modelId="{221D7CC6-E6C6-4A1E-B35E-2D3F1BF5D911}">
+      <dsp:nvSpPr>
+        <dsp:cNvPr id="0" name=""/>
+        <dsp:cNvSpPr/>
+      </dsp:nvSpPr>
+      <dsp:spPr>
+        <a:xfrm>
+          <a:off x="1654713" y="2633582"/>
+          <a:ext cx="1253925" cy="752355"/>
+        </a:xfrm>
+        <a:prstGeom prst="rect">
+          <a:avLst/>
+        </a:prstGeom>
+        <a:solidFill>
+          <a:schemeClr val="accent1">
+            <a:alpha val="90000"/>
+            <a:hueOff val="0"/>
+            <a:satOff val="0"/>
+            <a:lumOff val="0"/>
+            <a:alphaOff val="-30588"/>
+          </a:schemeClr>
+        </a:solidFill>
+        <a:ln w="19050" cap="flat" cmpd="sng" algn="ctr">
+          <a:solidFill>
+            <a:schemeClr val="lt1">
+              <a:hueOff val="0"/>
+              <a:satOff val="0"/>
+              <a:lumOff val="0"/>
+              <a:alphaOff val="0"/>
+            </a:schemeClr>
+          </a:solidFill>
+          <a:prstDash val="solid"/>
+        </a:ln>
+        <a:effectLst/>
+      </dsp:spPr>
+      <dsp:style>
+        <a:lnRef idx="2">
+          <a:scrgbClr r="0" g="0" b="0"/>
+        </a:lnRef>
+        <a:fillRef idx="1">
+          <a:scrgbClr r="0" g="0" b="0"/>
+        </a:fillRef>
+        <a:effectRef idx="0">
+          <a:scrgbClr r="0" g="0" b="0"/>
+        </a:effectRef>
+        <a:fontRef idx="minor">
+          <a:schemeClr val="lt1"/>
+        </a:fontRef>
+      </dsp:style>
+      <dsp:txBody>
+        <a:bodyPr spcFirstLastPara="0" vert="horz" wrap="square" lIns="41910" tIns="41910" rIns="41910" bIns="41910" numCol="1" spcCol="1270" anchor="ctr" anchorCtr="0">
+          <a:noAutofit/>
+        </a:bodyPr>
+        <a:lstStyle/>
+        <a:p>
+          <a:pPr marL="0" lvl="0" indent="0" algn="ctr" defTabSz="488950" rtl="1">
+            <a:lnSpc>
+              <a:spcPct val="90000"/>
+            </a:lnSpc>
+            <a:spcBef>
+              <a:spcPct val="0"/>
+            </a:spcBef>
+            <a:spcAft>
+              <a:spcPct val="35000"/>
+            </a:spcAft>
+            <a:buNone/>
+          </a:pPr>
+          <a:r>
+            <a:rPr lang="fa-IR" sz="1100" kern="1200" dirty="0"/>
+            <a:t>اتصال به بارکدخوان</a:t>
+          </a:r>
+          <a:endParaRPr lang="en-US" sz="1100" kern="1200" dirty="0"/>
+        </a:p>
+      </dsp:txBody>
+      <dsp:txXfrm>
+        <a:off x="1654713" y="2633582"/>
+        <a:ext cx="1253925" cy="752355"/>
+      </dsp:txXfrm>
+    </dsp:sp>
+    <dsp:sp modelId="{751F100A-C108-4CB3-9A40-CC0C44BA357B}">
+      <dsp:nvSpPr>
+        <dsp:cNvPr id="0" name=""/>
+        <dsp:cNvSpPr/>
+      </dsp:nvSpPr>
+      <dsp:spPr>
+        <a:xfrm>
+          <a:off x="275395" y="2633582"/>
+          <a:ext cx="1253925" cy="752355"/>
+        </a:xfrm>
+        <a:prstGeom prst="rect">
+          <a:avLst/>
+        </a:prstGeom>
+        <a:solidFill>
+          <a:schemeClr val="accent1">
+            <a:alpha val="90000"/>
+            <a:hueOff val="0"/>
+            <a:satOff val="0"/>
+            <a:lumOff val="0"/>
+            <a:alphaOff val="-31765"/>
+          </a:schemeClr>
+        </a:solidFill>
+        <a:ln w="19050" cap="flat" cmpd="sng" algn="ctr">
+          <a:solidFill>
+            <a:schemeClr val="lt1">
+              <a:hueOff val="0"/>
+              <a:satOff val="0"/>
+              <a:lumOff val="0"/>
+              <a:alphaOff val="0"/>
+            </a:schemeClr>
+          </a:solidFill>
+          <a:prstDash val="solid"/>
+        </a:ln>
+        <a:effectLst/>
+      </dsp:spPr>
+      <dsp:style>
+        <a:lnRef idx="2">
+          <a:scrgbClr r="0" g="0" b="0"/>
+        </a:lnRef>
+        <a:fillRef idx="1">
+          <a:scrgbClr r="0" g="0" b="0"/>
+        </a:fillRef>
+        <a:effectRef idx="0">
+          <a:scrgbClr r="0" g="0" b="0"/>
+        </a:effectRef>
+        <a:fontRef idx="minor">
+          <a:schemeClr val="lt1"/>
+        </a:fontRef>
+      </dsp:style>
+      <dsp:txBody>
+        <a:bodyPr spcFirstLastPara="0" vert="horz" wrap="square" lIns="41910" tIns="41910" rIns="41910" bIns="41910" numCol="1" spcCol="1270" anchor="ctr" anchorCtr="0">
+          <a:noAutofit/>
+        </a:bodyPr>
+        <a:lstStyle/>
+        <a:p>
+          <a:pPr marL="0" lvl="0" indent="0" algn="ctr" defTabSz="488950" rtl="1">
+            <a:lnSpc>
+              <a:spcPct val="90000"/>
+            </a:lnSpc>
+            <a:spcBef>
+              <a:spcPct val="0"/>
+            </a:spcBef>
+            <a:spcAft>
+              <a:spcPct val="35000"/>
+            </a:spcAft>
+            <a:buNone/>
+          </a:pPr>
+          <a:r>
+            <a:rPr lang="fa-IR" sz="1100" kern="1200" dirty="0"/>
+            <a:t>اتصال به ترازوی دیجیتال</a:t>
+          </a:r>
+          <a:endParaRPr lang="en-US" sz="1100" kern="1200" dirty="0"/>
+        </a:p>
+      </dsp:txBody>
+      <dsp:txXfrm>
+        <a:off x="275395" y="2633582"/>
+        <a:ext cx="1253925" cy="752355"/>
+      </dsp:txXfrm>
+    </dsp:sp>
+    <dsp:sp modelId="{F3A1D2F0-2B78-457B-BEDB-EA11EA17591B}">
+      <dsp:nvSpPr>
+        <dsp:cNvPr id="0" name=""/>
+        <dsp:cNvSpPr/>
+      </dsp:nvSpPr>
+      <dsp:spPr>
+        <a:xfrm>
+          <a:off x="8551303" y="3511330"/>
+          <a:ext cx="1253925" cy="752355"/>
+        </a:xfrm>
+        <a:prstGeom prst="rect">
+          <a:avLst/>
+        </a:prstGeom>
+        <a:solidFill>
+          <a:schemeClr val="accent1">
+            <a:alpha val="90000"/>
+            <a:hueOff val="0"/>
+            <a:satOff val="0"/>
+            <a:lumOff val="0"/>
+            <a:alphaOff val="-32941"/>
+          </a:schemeClr>
+        </a:solidFill>
+        <a:ln w="19050" cap="flat" cmpd="sng" algn="ctr">
+          <a:solidFill>
+            <a:schemeClr val="lt1">
+              <a:hueOff val="0"/>
+              <a:satOff val="0"/>
+              <a:lumOff val="0"/>
+              <a:alphaOff val="0"/>
+            </a:schemeClr>
+          </a:solidFill>
+          <a:prstDash val="solid"/>
+        </a:ln>
+        <a:effectLst/>
+      </dsp:spPr>
+      <dsp:style>
+        <a:lnRef idx="2">
+          <a:scrgbClr r="0" g="0" b="0"/>
+        </a:lnRef>
+        <a:fillRef idx="1">
+          <a:scrgbClr r="0" g="0" b="0"/>
+        </a:fillRef>
+        <a:effectRef idx="0">
+          <a:scrgbClr r="0" g="0" b="0"/>
+        </a:effectRef>
+        <a:fontRef idx="minor">
+          <a:schemeClr val="lt1"/>
+        </a:fontRef>
+      </dsp:style>
+      <dsp:txBody>
+        <a:bodyPr spcFirstLastPara="0" vert="horz" wrap="square" lIns="41910" tIns="41910" rIns="41910" bIns="41910" numCol="1" spcCol="1270" anchor="ctr" anchorCtr="0">
+          <a:noAutofit/>
+        </a:bodyPr>
+        <a:lstStyle/>
+        <a:p>
+          <a:pPr marL="0" lvl="0" indent="0" algn="ctr" defTabSz="488950" rtl="1">
+            <a:lnSpc>
+              <a:spcPct val="90000"/>
+            </a:lnSpc>
+            <a:spcBef>
+              <a:spcPct val="0"/>
+            </a:spcBef>
+            <a:spcAft>
+              <a:spcPct val="35000"/>
+            </a:spcAft>
+            <a:buNone/>
+          </a:pPr>
+          <a:r>
+            <a:rPr lang="fa-IR" sz="1100" kern="1200" dirty="0"/>
+            <a:t>اتصال به پی‌سی پوز</a:t>
+          </a:r>
+          <a:endParaRPr lang="en-US" sz="1100" kern="1200" dirty="0"/>
+        </a:p>
+      </dsp:txBody>
+      <dsp:txXfrm>
+        <a:off x="8551303" y="3511330"/>
+        <a:ext cx="1253925" cy="752355"/>
+      </dsp:txXfrm>
+    </dsp:sp>
+    <dsp:sp modelId="{647EA1A9-77DD-439D-A4FD-C1EE10535520}">
+      <dsp:nvSpPr>
+        <dsp:cNvPr id="0" name=""/>
+        <dsp:cNvSpPr/>
+      </dsp:nvSpPr>
+      <dsp:spPr>
+        <a:xfrm>
+          <a:off x="7171985" y="3511330"/>
+          <a:ext cx="1253925" cy="752355"/>
+        </a:xfrm>
+        <a:prstGeom prst="rect">
+          <a:avLst/>
+        </a:prstGeom>
+        <a:solidFill>
+          <a:schemeClr val="accent1">
+            <a:alpha val="90000"/>
+            <a:hueOff val="0"/>
+            <a:satOff val="0"/>
+            <a:lumOff val="0"/>
+            <a:alphaOff val="-34118"/>
+          </a:schemeClr>
+        </a:solidFill>
+        <a:ln w="19050" cap="flat" cmpd="sng" algn="ctr">
+          <a:solidFill>
+            <a:schemeClr val="lt1">
+              <a:hueOff val="0"/>
+              <a:satOff val="0"/>
+              <a:lumOff val="0"/>
+              <a:alphaOff val="0"/>
+            </a:schemeClr>
+          </a:solidFill>
+          <a:prstDash val="solid"/>
+        </a:ln>
+        <a:effectLst/>
+      </dsp:spPr>
+      <dsp:style>
+        <a:lnRef idx="2">
+          <a:scrgbClr r="0" g="0" b="0"/>
+        </a:lnRef>
+        <a:fillRef idx="1">
+          <a:scrgbClr r="0" g="0" b="0"/>
+        </a:fillRef>
+        <a:effectRef idx="0">
+          <a:scrgbClr r="0" g="0" b="0"/>
+        </a:effectRef>
+        <a:fontRef idx="minor">
+          <a:schemeClr val="lt1"/>
+        </a:fontRef>
+      </dsp:style>
+      <dsp:txBody>
+        <a:bodyPr spcFirstLastPara="0" vert="horz" wrap="square" lIns="41910" tIns="41910" rIns="41910" bIns="41910" numCol="1" spcCol="1270" anchor="ctr" anchorCtr="0">
+          <a:noAutofit/>
+        </a:bodyPr>
+        <a:lstStyle/>
+        <a:p>
+          <a:pPr marL="0" lvl="0" indent="0" algn="ctr" defTabSz="488950" rtl="1">
+            <a:lnSpc>
+              <a:spcPct val="90000"/>
+            </a:lnSpc>
+            <a:spcBef>
+              <a:spcPct val="0"/>
+            </a:spcBef>
+            <a:spcAft>
+              <a:spcPct val="35000"/>
+            </a:spcAft>
+            <a:buNone/>
+          </a:pPr>
+          <a:r>
+            <a:rPr lang="fa-IR" sz="1100" kern="1200" dirty="0"/>
+            <a:t>زیرساخت ابری</a:t>
+          </a:r>
+          <a:endParaRPr lang="en-US" sz="1100" kern="1200" dirty="0"/>
+        </a:p>
+      </dsp:txBody>
+      <dsp:txXfrm>
+        <a:off x="7171985" y="3511330"/>
+        <a:ext cx="1253925" cy="752355"/>
+      </dsp:txXfrm>
+    </dsp:sp>
+    <dsp:sp modelId="{897DDA67-365E-4C76-B151-AD75A5E6288B}">
+      <dsp:nvSpPr>
+        <dsp:cNvPr id="0" name=""/>
+        <dsp:cNvSpPr/>
+      </dsp:nvSpPr>
+      <dsp:spPr>
+        <a:xfrm>
+          <a:off x="5792667" y="3511330"/>
+          <a:ext cx="1253925" cy="752355"/>
+        </a:xfrm>
+        <a:prstGeom prst="rect">
+          <a:avLst/>
+        </a:prstGeom>
+        <a:solidFill>
+          <a:schemeClr val="accent1">
+            <a:alpha val="90000"/>
+            <a:hueOff val="0"/>
+            <a:satOff val="0"/>
+            <a:lumOff val="0"/>
+            <a:alphaOff val="-35294"/>
+          </a:schemeClr>
+        </a:solidFill>
+        <a:ln w="19050" cap="flat" cmpd="sng" algn="ctr">
+          <a:solidFill>
+            <a:schemeClr val="lt1">
+              <a:hueOff val="0"/>
+              <a:satOff val="0"/>
+              <a:lumOff val="0"/>
+              <a:alphaOff val="0"/>
+            </a:schemeClr>
+          </a:solidFill>
+          <a:prstDash val="solid"/>
+        </a:ln>
+        <a:effectLst/>
+      </dsp:spPr>
+      <dsp:style>
+        <a:lnRef idx="2">
+          <a:scrgbClr r="0" g="0" b="0"/>
+        </a:lnRef>
+        <a:fillRef idx="1">
+          <a:scrgbClr r="0" g="0" b="0"/>
+        </a:fillRef>
+        <a:effectRef idx="0">
+          <a:scrgbClr r="0" g="0" b="0"/>
+        </a:effectRef>
+        <a:fontRef idx="minor">
+          <a:schemeClr val="lt1"/>
+        </a:fontRef>
+      </dsp:style>
+      <dsp:txBody>
+        <a:bodyPr spcFirstLastPara="0" vert="horz" wrap="square" lIns="41910" tIns="41910" rIns="41910" bIns="41910" numCol="1" spcCol="1270" anchor="ctr" anchorCtr="0">
+          <a:noAutofit/>
+        </a:bodyPr>
+        <a:lstStyle/>
+        <a:p>
+          <a:pPr marL="0" lvl="0" indent="0" algn="ctr" defTabSz="488950" rtl="1">
+            <a:lnSpc>
+              <a:spcPct val="90000"/>
+            </a:lnSpc>
+            <a:spcBef>
+              <a:spcPct val="0"/>
+            </a:spcBef>
+            <a:spcAft>
+              <a:spcPct val="35000"/>
+            </a:spcAft>
+            <a:buNone/>
+          </a:pPr>
+          <a:r>
+            <a:rPr lang="fa-IR" sz="1100" kern="1200" dirty="0"/>
+            <a:t>اتصال به سرویس‌های دیگران</a:t>
+          </a:r>
+          <a:endParaRPr lang="en-US" sz="1100" kern="1200" dirty="0"/>
+        </a:p>
+      </dsp:txBody>
+      <dsp:txXfrm>
+        <a:off x="5792667" y="3511330"/>
+        <a:ext cx="1253925" cy="752355"/>
+      </dsp:txXfrm>
+    </dsp:sp>
+    <dsp:sp modelId="{AC5CD965-AAAD-40A6-859B-4358FEABDC6C}">
+      <dsp:nvSpPr>
+        <dsp:cNvPr id="0" name=""/>
+        <dsp:cNvSpPr/>
+      </dsp:nvSpPr>
+      <dsp:spPr>
+        <a:xfrm>
+          <a:off x="4413349" y="3511330"/>
+          <a:ext cx="1253925" cy="752355"/>
+        </a:xfrm>
+        <a:prstGeom prst="rect">
+          <a:avLst/>
+        </a:prstGeom>
+        <a:solidFill>
+          <a:schemeClr val="accent1">
+            <a:alpha val="90000"/>
+            <a:hueOff val="0"/>
+            <a:satOff val="0"/>
+            <a:lumOff val="0"/>
+            <a:alphaOff val="-36471"/>
+          </a:schemeClr>
+        </a:solidFill>
+        <a:ln w="19050" cap="flat" cmpd="sng" algn="ctr">
+          <a:solidFill>
+            <a:schemeClr val="lt1">
+              <a:hueOff val="0"/>
+              <a:satOff val="0"/>
+              <a:lumOff val="0"/>
+              <a:alphaOff val="0"/>
+            </a:schemeClr>
+          </a:solidFill>
+          <a:prstDash val="solid"/>
+        </a:ln>
+        <a:effectLst/>
+      </dsp:spPr>
+      <dsp:style>
+        <a:lnRef idx="2">
+          <a:scrgbClr r="0" g="0" b="0"/>
+        </a:lnRef>
+        <a:fillRef idx="1">
+          <a:scrgbClr r="0" g="0" b="0"/>
+        </a:fillRef>
+        <a:effectRef idx="0">
+          <a:scrgbClr r="0" g="0" b="0"/>
+        </a:effectRef>
+        <a:fontRef idx="minor">
+          <a:schemeClr val="lt1"/>
+        </a:fontRef>
+      </dsp:style>
+      <dsp:txBody>
+        <a:bodyPr spcFirstLastPara="0" vert="horz" wrap="square" lIns="41910" tIns="41910" rIns="41910" bIns="41910" numCol="1" spcCol="1270" anchor="ctr" anchorCtr="0">
+          <a:noAutofit/>
+        </a:bodyPr>
+        <a:lstStyle/>
+        <a:p>
+          <a:pPr marL="0" lvl="0" indent="0" algn="ctr" defTabSz="488950" rtl="1">
+            <a:lnSpc>
+              <a:spcPct val="90000"/>
+            </a:lnSpc>
+            <a:spcBef>
+              <a:spcPct val="0"/>
+            </a:spcBef>
+            <a:spcAft>
+              <a:spcPct val="35000"/>
+            </a:spcAft>
+            <a:buNone/>
+          </a:pPr>
+          <a:r>
+            <a:rPr lang="fa-IR" sz="1100" kern="1200" dirty="0"/>
+            <a:t>بکاپ‌گیری خودکار</a:t>
+          </a:r>
+          <a:endParaRPr lang="en-US" sz="1100" kern="1200" dirty="0"/>
+        </a:p>
+      </dsp:txBody>
+      <dsp:txXfrm>
+        <a:off x="4413349" y="3511330"/>
+        <a:ext cx="1253925" cy="752355"/>
+      </dsp:txXfrm>
+    </dsp:sp>
+    <dsp:sp modelId="{73EDA0E1-8BC1-4F3B-B013-A1ABC111A7C9}">
+      <dsp:nvSpPr>
+        <dsp:cNvPr id="0" name=""/>
+        <dsp:cNvSpPr/>
+      </dsp:nvSpPr>
+      <dsp:spPr>
+        <a:xfrm>
+          <a:off x="3034031" y="3511330"/>
+          <a:ext cx="1253925" cy="752355"/>
+        </a:xfrm>
+        <a:prstGeom prst="rect">
+          <a:avLst/>
+        </a:prstGeom>
+        <a:solidFill>
+          <a:schemeClr val="accent1">
+            <a:alpha val="90000"/>
+            <a:hueOff val="0"/>
+            <a:satOff val="0"/>
+            <a:lumOff val="0"/>
+            <a:alphaOff val="-37647"/>
+          </a:schemeClr>
+        </a:solidFill>
+        <a:ln w="19050" cap="flat" cmpd="sng" algn="ctr">
+          <a:solidFill>
+            <a:schemeClr val="lt1">
+              <a:hueOff val="0"/>
+              <a:satOff val="0"/>
+              <a:lumOff val="0"/>
+              <a:alphaOff val="0"/>
+            </a:schemeClr>
+          </a:solidFill>
+          <a:prstDash val="solid"/>
+        </a:ln>
+        <a:effectLst/>
+      </dsp:spPr>
+      <dsp:style>
+        <a:lnRef idx="2">
+          <a:scrgbClr r="0" g="0" b="0"/>
+        </a:lnRef>
+        <a:fillRef idx="1">
+          <a:scrgbClr r="0" g="0" b="0"/>
+        </a:fillRef>
+        <a:effectRef idx="0">
+          <a:scrgbClr r="0" g="0" b="0"/>
+        </a:effectRef>
+        <a:fontRef idx="minor">
+          <a:schemeClr val="lt1"/>
+        </a:fontRef>
+      </dsp:style>
+      <dsp:txBody>
+        <a:bodyPr spcFirstLastPara="0" vert="horz" wrap="square" lIns="41910" tIns="41910" rIns="41910" bIns="41910" numCol="1" spcCol="1270" anchor="ctr" anchorCtr="0">
+          <a:noAutofit/>
+        </a:bodyPr>
+        <a:lstStyle/>
+        <a:p>
+          <a:pPr marL="0" lvl="0" indent="0" algn="ctr" defTabSz="488950" rtl="1">
+            <a:lnSpc>
+              <a:spcPct val="90000"/>
+            </a:lnSpc>
+            <a:spcBef>
+              <a:spcPct val="0"/>
+            </a:spcBef>
+            <a:spcAft>
+              <a:spcPct val="35000"/>
+            </a:spcAft>
+            <a:buNone/>
+          </a:pPr>
+          <a:r>
+            <a:rPr lang="fa-IR" sz="1100" kern="1200" dirty="0"/>
+            <a:t>ربات تلگرام فروشنده</a:t>
+          </a:r>
+          <a:endParaRPr lang="en-US" sz="1100" kern="1200" dirty="0"/>
+        </a:p>
+      </dsp:txBody>
+      <dsp:txXfrm>
+        <a:off x="3034031" y="3511330"/>
+        <a:ext cx="1253925" cy="752355"/>
+      </dsp:txXfrm>
+    </dsp:sp>
+    <dsp:sp modelId="{2875147D-0D4C-4B47-A167-139DD76115C8}">
+      <dsp:nvSpPr>
+        <dsp:cNvPr id="0" name=""/>
+        <dsp:cNvSpPr/>
+      </dsp:nvSpPr>
+      <dsp:spPr>
+        <a:xfrm>
+          <a:off x="1654713" y="3511330"/>
+          <a:ext cx="1253925" cy="752355"/>
+        </a:xfrm>
+        <a:prstGeom prst="rect">
+          <a:avLst/>
+        </a:prstGeom>
+        <a:solidFill>
+          <a:schemeClr val="accent1">
+            <a:alpha val="90000"/>
+            <a:hueOff val="0"/>
+            <a:satOff val="0"/>
+            <a:lumOff val="0"/>
+            <a:alphaOff val="-38824"/>
+          </a:schemeClr>
+        </a:solidFill>
+        <a:ln w="19050" cap="flat" cmpd="sng" algn="ctr">
+          <a:solidFill>
+            <a:schemeClr val="lt1">
+              <a:hueOff val="0"/>
+              <a:satOff val="0"/>
+              <a:lumOff val="0"/>
+              <a:alphaOff val="0"/>
+            </a:schemeClr>
+          </a:solidFill>
+          <a:prstDash val="solid"/>
+        </a:ln>
+        <a:effectLst/>
+      </dsp:spPr>
+      <dsp:style>
+        <a:lnRef idx="2">
+          <a:scrgbClr r="0" g="0" b="0"/>
+        </a:lnRef>
+        <a:fillRef idx="1">
+          <a:scrgbClr r="0" g="0" b="0"/>
+        </a:fillRef>
+        <a:effectRef idx="0">
+          <a:scrgbClr r="0" g="0" b="0"/>
+        </a:effectRef>
+        <a:fontRef idx="minor">
+          <a:schemeClr val="lt1"/>
+        </a:fontRef>
+      </dsp:style>
+      <dsp:txBody>
+        <a:bodyPr spcFirstLastPara="0" vert="horz" wrap="square" lIns="41910" tIns="41910" rIns="41910" bIns="41910" numCol="1" spcCol="1270" anchor="ctr" anchorCtr="0">
+          <a:noAutofit/>
+        </a:bodyPr>
+        <a:lstStyle/>
+        <a:p>
+          <a:pPr marL="0" lvl="0" indent="0" algn="ctr" defTabSz="488950" rtl="1">
+            <a:lnSpc>
+              <a:spcPct val="90000"/>
+            </a:lnSpc>
+            <a:spcBef>
+              <a:spcPct val="0"/>
+            </a:spcBef>
+            <a:spcAft>
+              <a:spcPct val="35000"/>
+            </a:spcAft>
+            <a:buNone/>
+          </a:pPr>
+          <a:r>
+            <a:rPr lang="fa-IR" sz="1100" kern="1200" dirty="0"/>
+            <a:t>دستیار هوشمند اینستاگرام *</a:t>
+          </a:r>
+          <a:endParaRPr lang="en-US" sz="1100" kern="1200" dirty="0"/>
+        </a:p>
+      </dsp:txBody>
+      <dsp:txXfrm>
+        <a:off x="1654713" y="3511330"/>
+        <a:ext cx="1253925" cy="752355"/>
+      </dsp:txXfrm>
+    </dsp:sp>
+    <dsp:sp modelId="{39F53283-9254-43C9-AD10-52D4CC91FA99}">
+      <dsp:nvSpPr>
+        <dsp:cNvPr id="0" name=""/>
+        <dsp:cNvSpPr/>
+      </dsp:nvSpPr>
+      <dsp:spPr>
+        <a:xfrm>
+          <a:off x="275395" y="3511330"/>
+          <a:ext cx="1253925" cy="752355"/>
+        </a:xfrm>
+        <a:prstGeom prst="rect">
+          <a:avLst/>
+        </a:prstGeom>
+        <a:solidFill>
+          <a:schemeClr val="accent1">
+            <a:alpha val="90000"/>
+            <a:hueOff val="0"/>
+            <a:satOff val="0"/>
+            <a:lumOff val="0"/>
+            <a:alphaOff val="-40000"/>
+          </a:schemeClr>
+        </a:solidFill>
+        <a:ln w="19050" cap="flat" cmpd="sng" algn="ctr">
+          <a:solidFill>
+            <a:schemeClr val="lt1">
+              <a:hueOff val="0"/>
+              <a:satOff val="0"/>
+              <a:lumOff val="0"/>
+              <a:alphaOff val="0"/>
+            </a:schemeClr>
+          </a:solidFill>
+          <a:prstDash val="solid"/>
+        </a:ln>
+        <a:effectLst/>
+      </dsp:spPr>
+      <dsp:style>
+        <a:lnRef idx="2">
+          <a:scrgbClr r="0" g="0" b="0"/>
+        </a:lnRef>
+        <a:fillRef idx="1">
+          <a:scrgbClr r="0" g="0" b="0"/>
+        </a:fillRef>
+        <a:effectRef idx="0">
+          <a:scrgbClr r="0" g="0" b="0"/>
+        </a:effectRef>
+        <a:fontRef idx="minor">
+          <a:schemeClr val="lt1"/>
+        </a:fontRef>
+      </dsp:style>
+      <dsp:txBody>
+        <a:bodyPr spcFirstLastPara="0" vert="horz" wrap="square" lIns="41910" tIns="41910" rIns="41910" bIns="41910" numCol="1" spcCol="1270" anchor="ctr" anchorCtr="0">
+          <a:noAutofit/>
+        </a:bodyPr>
+        <a:lstStyle/>
+        <a:p>
+          <a:pPr marL="0" lvl="0" indent="0" algn="ctr" defTabSz="488950" rtl="1">
+            <a:lnSpc>
+              <a:spcPct val="90000"/>
+            </a:lnSpc>
+            <a:spcBef>
+              <a:spcPct val="0"/>
+            </a:spcBef>
+            <a:spcAft>
+              <a:spcPct val="35000"/>
+            </a:spcAft>
+            <a:buNone/>
+          </a:pPr>
+          <a:r>
+            <a:rPr lang="en-US" sz="1100" kern="1200" dirty="0"/>
+            <a:t>Full API</a:t>
+          </a:r>
+        </a:p>
+      </dsp:txBody>
+      <dsp:txXfrm>
+        <a:off x="275395" y="3511330"/>
+        <a:ext cx="1253925" cy="752355"/>
       </dsp:txXfrm>
     </dsp:sp>
   </dsp:spTree>
@@ -2445,12 +5857,11 @@
 </file>
 
 <file path=ppt/diagrams/layout1.xml><?xml version="1.0" encoding="utf-8"?>
-<dgm:layoutDef xmlns:dgm="http://schemas.openxmlformats.org/drawingml/2006/diagram" xmlns:a="http://schemas.openxmlformats.org/drawingml/2006/main" uniqueId="urn:microsoft.com/office/officeart/2005/8/layout/lProcess2">
+<dgm:layoutDef xmlns:dgm="http://schemas.openxmlformats.org/drawingml/2006/diagram" xmlns:a="http://schemas.openxmlformats.org/drawingml/2006/main" uniqueId="urn:microsoft.com/office/officeart/2005/8/layout/default">
   <dgm:title val=""/>
   <dgm:desc val=""/>
   <dgm:catLst>
-    <dgm:cat type="list" pri="10000"/>
-    <dgm:cat type="relationship" pri="13000"/>
+    <dgm:cat type="list" pri="400"/>
   </dgm:catLst>
   <dgm:sampData>
     <dgm:dataModel>
@@ -2459,72 +5870,88 @@
         <dgm:pt modelId="1">
           <dgm:prSet phldr="1"/>
         </dgm:pt>
-        <dgm:pt modelId="11">
-          <dgm:prSet phldr="1"/>
-        </dgm:pt>
-        <dgm:pt modelId="12">
-          <dgm:prSet phldr="1"/>
-        </dgm:pt>
         <dgm:pt modelId="2">
-          <dgm:prSet phldr="1"/>
-        </dgm:pt>
-        <dgm:pt modelId="21">
-          <dgm:prSet phldr="1"/>
-        </dgm:pt>
-        <dgm:pt modelId="22">
           <dgm:prSet phldr="1"/>
         </dgm:pt>
         <dgm:pt modelId="3">
           <dgm:prSet phldr="1"/>
         </dgm:pt>
-        <dgm:pt modelId="31">
+        <dgm:pt modelId="4">
           <dgm:prSet phldr="1"/>
         </dgm:pt>
-        <dgm:pt modelId="32">
+        <dgm:pt modelId="5">
           <dgm:prSet phldr="1"/>
         </dgm:pt>
       </dgm:ptLst>
       <dgm:cxnLst>
-        <dgm:cxn modelId="4" srcId="0" destId="1" srcOrd="0" destOrd="0"/>
-        <dgm:cxn modelId="5" srcId="0" destId="2" srcOrd="1" destOrd="0"/>
-        <dgm:cxn modelId="13" srcId="1" destId="11" srcOrd="0" destOrd="0"/>
-        <dgm:cxn modelId="14" srcId="1" destId="12" srcOrd="0" destOrd="0"/>
-        <dgm:cxn modelId="23" srcId="2" destId="21" srcOrd="0" destOrd="0"/>
-        <dgm:cxn modelId="24" srcId="2" destId="22" srcOrd="0" destOrd="0"/>
-        <dgm:cxn modelId="33" srcId="3" destId="31" srcOrd="0" destOrd="0"/>
-        <dgm:cxn modelId="34" srcId="3" destId="32" srcOrd="0" destOrd="0"/>
+        <dgm:cxn modelId="6" srcId="0" destId="1" srcOrd="0" destOrd="0"/>
+        <dgm:cxn modelId="7" srcId="0" destId="2" srcOrd="1" destOrd="0"/>
+        <dgm:cxn modelId="8" srcId="0" destId="3" srcOrd="2" destOrd="0"/>
+        <dgm:cxn modelId="9" srcId="0" destId="4" srcOrd="3" destOrd="0"/>
+        <dgm:cxn modelId="10" srcId="0" destId="5" srcOrd="4" destOrd="0"/>
       </dgm:cxnLst>
       <dgm:bg/>
       <dgm:whole/>
     </dgm:dataModel>
   </dgm:sampData>
-  <dgm:styleData useDef="1">
+  <dgm:styleData>
     <dgm:dataModel>
-      <dgm:ptLst/>
+      <dgm:ptLst>
+        <dgm:pt modelId="0" type="doc"/>
+        <dgm:pt modelId="1"/>
+        <dgm:pt modelId="2"/>
+      </dgm:ptLst>
+      <dgm:cxnLst>
+        <dgm:cxn modelId="3" srcId="0" destId="1" srcOrd="0" destOrd="0"/>
+        <dgm:cxn modelId="4" srcId="0" destId="2" srcOrd="1" destOrd="0"/>
+      </dgm:cxnLst>
       <dgm:bg/>
       <dgm:whole/>
     </dgm:dataModel>
   </dgm:styleData>
-  <dgm:clrData useDef="1">
+  <dgm:clrData>
     <dgm:dataModel>
-      <dgm:ptLst/>
+      <dgm:ptLst>
+        <dgm:pt modelId="0" type="doc"/>
+        <dgm:pt modelId="1"/>
+        <dgm:pt modelId="2"/>
+        <dgm:pt modelId="3"/>
+        <dgm:pt modelId="4"/>
+        <dgm:pt modelId="5"/>
+        <dgm:pt modelId="6"/>
+      </dgm:ptLst>
+      <dgm:cxnLst>
+        <dgm:cxn modelId="7" srcId="0" destId="1" srcOrd="0" destOrd="0"/>
+        <dgm:cxn modelId="8" srcId="0" destId="2" srcOrd="1" destOrd="0"/>
+        <dgm:cxn modelId="9" srcId="0" destId="3" srcOrd="2" destOrd="0"/>
+        <dgm:cxn modelId="10" srcId="0" destId="4" srcOrd="3" destOrd="0"/>
+        <dgm:cxn modelId="11" srcId="0" destId="5" srcOrd="4" destOrd="0"/>
+        <dgm:cxn modelId="12" srcId="0" destId="6" srcOrd="5" destOrd="0"/>
+      </dgm:cxnLst>
       <dgm:bg/>
       <dgm:whole/>
     </dgm:dataModel>
   </dgm:clrData>
-  <dgm:layoutNode name="theList">
+  <dgm:layoutNode name="diagram">
     <dgm:varLst>
       <dgm:dir/>
-      <dgm:animLvl val="lvl"/>
       <dgm:resizeHandles val="exact"/>
     </dgm:varLst>
     <dgm:choose name="Name0">
       <dgm:if name="Name1" func="var" arg="dir" op="equ" val="norm">
-        <dgm:alg type="lin"/>
+        <dgm:alg type="snake">
+          <dgm:param type="grDir" val="tL"/>
+          <dgm:param type="flowDir" val="row"/>
+          <dgm:param type="contDir" val="sameDir"/>
+          <dgm:param type="off" val="ctr"/>
+        </dgm:alg>
       </dgm:if>
       <dgm:else name="Name2">
-        <dgm:alg type="lin">
-          <dgm:param type="linDir" val="fromR"/>
+        <dgm:alg type="snake">
+          <dgm:param type="grDir" val="tR"/>
+          <dgm:param type="flowDir" val="row"/>
+          <dgm:param type="contDir" val="sameDir"/>
+          <dgm:param type="off" val="ctr"/>
         </dgm:alg>
       </dgm:else>
     </dgm:choose>
@@ -2533,139 +5960,44 @@
     </dgm:shape>
     <dgm:presOf/>
     <dgm:constrLst>
-      <dgm:constr type="w" for="ch" forName="compNode" refType="w"/>
-      <dgm:constr type="h" for="ch" forName="compNode" refType="h"/>
-      <dgm:constr type="w" for="ch" forName="aSpace" refType="w" fact="0.075"/>
-      <dgm:constr type="h" for="des" forName="aSpace2" refType="h" fact="0.1"/>
-      <dgm:constr type="primFontSz" for="des" forName="textNode" op="equ"/>
-      <dgm:constr type="primFontSz" for="des" forName="childNode" op="equ"/>
+      <dgm:constr type="w" for="ch" forName="node" refType="w"/>
+      <dgm:constr type="h" for="ch" forName="node" refType="w" refFor="ch" refForName="node" fact="0.6"/>
+      <dgm:constr type="w" for="ch" forName="sibTrans" refType="w" refFor="ch" refForName="node" fact="0.1"/>
+      <dgm:constr type="sp" refType="w" refFor="ch" refForName="sibTrans"/>
+      <dgm:constr type="primFontSz" for="ch" forName="node" op="equ" val="65"/>
     </dgm:constrLst>
     <dgm:ruleLst/>
-    <dgm:forEach name="aNodeForEach" axis="ch" ptType="node">
-      <dgm:layoutNode name="compNode">
-        <dgm:alg type="composite"/>
-        <dgm:shape xmlns:r="http://schemas.openxmlformats.org/officeDocument/2006/relationships" r:blip="">
+    <dgm:forEach name="Name3" axis="ch" ptType="node">
+      <dgm:layoutNode name="node">
+        <dgm:varLst>
+          <dgm:bulletEnabled val="1"/>
+        </dgm:varLst>
+        <dgm:alg type="tx"/>
+        <dgm:shape xmlns:r="http://schemas.openxmlformats.org/officeDocument/2006/relationships" type="rect" r:blip="">
           <dgm:adjLst/>
         </dgm:shape>
-        <dgm:presOf/>
+        <dgm:presOf axis="desOrSelf" ptType="node"/>
         <dgm:constrLst>
-          <dgm:constr type="w" for="ch" forName="aNode" refType="w"/>
-          <dgm:constr type="h" for="ch" forName="aNode" refType="h"/>
-          <dgm:constr type="w" for="ch" forName="textNode" refType="w"/>
-          <dgm:constr type="h" for="ch" forName="textNode" refType="h" fact="0.3"/>
-          <dgm:constr type="ctrX" for="ch" forName="textNode" refType="w" fact="0.5"/>
-          <dgm:constr type="w" for="ch" forName="compChildNode" refType="w" fact="0.8"/>
-          <dgm:constr type="h" for="ch" forName="compChildNode" refType="h" fact="0.65"/>
-          <dgm:constr type="t" for="ch" forName="compChildNode" refType="h" fact="0.3"/>
-          <dgm:constr type="ctrX" for="ch" forName="compChildNode" refType="w" fact="0.5"/>
+          <dgm:constr type="lMarg" refType="primFontSz" fact="0.3"/>
+          <dgm:constr type="rMarg" refType="primFontSz" fact="0.3"/>
+          <dgm:constr type="tMarg" refType="primFontSz" fact="0.3"/>
+          <dgm:constr type="bMarg" refType="primFontSz" fact="0.3"/>
         </dgm:constrLst>
-        <dgm:ruleLst/>
-        <dgm:layoutNode name="aNode" styleLbl="bgShp">
+        <dgm:ruleLst>
+          <dgm:rule type="primFontSz" val="5" fact="NaN" max="NaN"/>
+        </dgm:ruleLst>
+      </dgm:layoutNode>
+      <dgm:forEach name="Name4" axis="followSib" ptType="sibTrans" cnt="1">
+        <dgm:layoutNode name="sibTrans">
           <dgm:alg type="sp"/>
-          <dgm:shape xmlns:r="http://schemas.openxmlformats.org/officeDocument/2006/relationships" type="roundRect" r:blip="">
-            <dgm:adjLst>
-              <dgm:adj idx="1" val="0.1"/>
-            </dgm:adjLst>
-          </dgm:shape>
-          <dgm:presOf axis="self"/>
-          <dgm:constrLst/>
-          <dgm:ruleLst/>
-        </dgm:layoutNode>
-        <dgm:layoutNode name="textNode" styleLbl="bgShp">
-          <dgm:alg type="tx"/>
-          <dgm:shape xmlns:r="http://schemas.openxmlformats.org/officeDocument/2006/relationships" type="rect" r:blip="" hideGeom="1">
-            <dgm:adjLst>
-              <dgm:adj idx="1" val="0.1"/>
-            </dgm:adjLst>
-          </dgm:shape>
-          <dgm:presOf axis="self"/>
-          <dgm:constrLst>
-            <dgm:constr type="primFontSz" val="65"/>
-            <dgm:constr type="lMarg" refType="primFontSz" fact="0.3"/>
-            <dgm:constr type="rMarg" refType="primFontSz" fact="0.3"/>
-            <dgm:constr type="tMarg" refType="primFontSz" fact="0.3"/>
-            <dgm:constr type="bMarg" refType="primFontSz" fact="0.3"/>
-          </dgm:constrLst>
-          <dgm:ruleLst>
-            <dgm:rule type="primFontSz" val="5" fact="NaN" max="NaN"/>
-          </dgm:ruleLst>
-        </dgm:layoutNode>
-        <dgm:layoutNode name="compChildNode">
-          <dgm:alg type="composite"/>
           <dgm:shape xmlns:r="http://schemas.openxmlformats.org/officeDocument/2006/relationships" r:blip="">
             <dgm:adjLst/>
           </dgm:shape>
           <dgm:presOf/>
-          <dgm:constrLst>
-            <dgm:constr type="w" for="des" forName="childNode" refType="w"/>
-            <dgm:constr type="h" for="des" forName="childNode" refType="h"/>
-          </dgm:constrLst>
+          <dgm:constrLst/>
           <dgm:ruleLst/>
-          <dgm:layoutNode name="theInnerList">
-            <dgm:alg type="lin">
-              <dgm:param type="linDir" val="fromT"/>
-            </dgm:alg>
-            <dgm:shape xmlns:r="http://schemas.openxmlformats.org/officeDocument/2006/relationships" r:blip="">
-              <dgm:adjLst/>
-            </dgm:shape>
-            <dgm:presOf/>
-            <dgm:constrLst/>
-            <dgm:ruleLst/>
-            <dgm:forEach name="childNodeForEach" axis="ch" ptType="node">
-              <dgm:layoutNode name="childNode" styleLbl="node1">
-                <dgm:varLst>
-                  <dgm:bulletEnabled val="1"/>
-                </dgm:varLst>
-                <dgm:alg type="tx"/>
-                <dgm:shape xmlns:r="http://schemas.openxmlformats.org/officeDocument/2006/relationships" type="roundRect" r:blip="">
-                  <dgm:adjLst>
-                    <dgm:adj idx="1" val="0.1"/>
-                  </dgm:adjLst>
-                </dgm:shape>
-                <dgm:presOf axis="desOrSelf" ptType="node"/>
-                <dgm:constrLst>
-                  <dgm:constr type="primFontSz" val="65"/>
-                  <dgm:constr type="tMarg" refType="primFontSz" fact="0.15"/>
-                  <dgm:constr type="bMarg" refType="primFontSz" fact="0.15"/>
-                  <dgm:constr type="lMarg" refType="primFontSz" fact="0.2"/>
-                  <dgm:constr type="rMarg" refType="primFontSz" fact="0.2"/>
-                </dgm:constrLst>
-                <dgm:ruleLst>
-                  <dgm:rule type="primFontSz" val="5" fact="NaN" max="NaN"/>
-                </dgm:ruleLst>
-              </dgm:layoutNode>
-              <dgm:choose name="Name3">
-                <dgm:if name="Name4" axis="self" ptType="node" func="revPos" op="equ" val="1"/>
-                <dgm:else name="Name5">
-                  <dgm:layoutNode name="aSpace2">
-                    <dgm:alg type="sp"/>
-                    <dgm:shape xmlns:r="http://schemas.openxmlformats.org/officeDocument/2006/relationships" r:blip="">
-                      <dgm:adjLst/>
-                    </dgm:shape>
-                    <dgm:presOf/>
-                    <dgm:constrLst/>
-                    <dgm:ruleLst/>
-                  </dgm:layoutNode>
-                </dgm:else>
-              </dgm:choose>
-            </dgm:forEach>
-          </dgm:layoutNode>
         </dgm:layoutNode>
-      </dgm:layoutNode>
-      <dgm:choose name="Name6">
-        <dgm:if name="Name7" axis="self" ptType="node" func="revPos" op="equ" val="1"/>
-        <dgm:else name="Name8">
-          <dgm:layoutNode name="aSpace">
-            <dgm:alg type="sp"/>
-            <dgm:shape xmlns:r="http://schemas.openxmlformats.org/officeDocument/2006/relationships" r:blip="">
-              <dgm:adjLst/>
-            </dgm:shape>
-            <dgm:presOf/>
-            <dgm:constrLst/>
-            <dgm:ruleLst/>
-          </dgm:layoutNode>
-        </dgm:else>
-      </dgm:choose>
+      </dgm:forEach>
     </dgm:forEach>
   </dgm:layoutNode>
 </dgm:layoutDef>
@@ -3799,7 +7131,7 @@
           <a:p>
             <a:fld id="{4BCE15A7-A56F-4E25-873C-50B597AA8420}" type="datetimeFigureOut">
               <a:rPr lang="en-US" smtClean="0"/>
-              <a:t>2021-05-08</a:t>
+              <a:t>2021-05-09</a:t>
             </a:fld>
             <a:endParaRPr lang="en-US"/>
           </a:p>
@@ -3976,7 +7308,7 @@
           <a:p>
             <a:fld id="{62C1A832-66EE-44A0-BEBE-A62E02B5B452}" type="datetimeFigureOut">
               <a:rPr lang="en-US" smtClean="0"/>
-              <a:t>2021-05-08</a:t>
+              <a:t>2021-05-09</a:t>
             </a:fld>
             <a:endParaRPr lang="en-US"/>
           </a:p>
@@ -5143,13 +8475,13 @@
   <p:clrMapOvr>
     <a:masterClrMapping/>
   </p:clrMapOvr>
-  <mc:AlternateContent xmlns:mc="http://schemas.openxmlformats.org/markup-compatibility/2006">
-    <mc:Choice xmlns:p159="http://schemas.microsoft.com/office/powerpoint/2015/09/main" Requires="p159">
+  <mc:AlternateContent xmlns:mc="http://schemas.openxmlformats.org/markup-compatibility/2006" xmlns:p159="http://schemas.microsoft.com/office/powerpoint/2015/09/main">
+    <mc:Choice Requires="p159">
       <p:transition xmlns:p14="http://schemas.microsoft.com/office/powerpoint/2010/main" spd="slow" p14:dur="2000">
         <p159:morph option="byWord"/>
       </p:transition>
     </mc:Choice>
-    <mc:Fallback>
+    <mc:Fallback xmlns="">
       <p:transition spd="slow">
         <p:fade/>
       </p:transition>
@@ -5254,13 +8586,13 @@
   <p:clrMapOvr>
     <a:masterClrMapping/>
   </p:clrMapOvr>
-  <mc:AlternateContent xmlns:mc="http://schemas.openxmlformats.org/markup-compatibility/2006">
-    <mc:Choice xmlns:p159="http://schemas.microsoft.com/office/powerpoint/2015/09/main" Requires="p159">
+  <mc:AlternateContent xmlns:mc="http://schemas.openxmlformats.org/markup-compatibility/2006" xmlns:p159="http://schemas.microsoft.com/office/powerpoint/2015/09/main">
+    <mc:Choice Requires="p159">
       <p:transition xmlns:p14="http://schemas.microsoft.com/office/powerpoint/2010/main" spd="slow" p14:dur="2000">
         <p159:morph option="byWord"/>
       </p:transition>
     </mc:Choice>
-    <mc:Fallback>
+    <mc:Fallback xmlns="">
       <p:transition spd="slow">
         <p:fade/>
       </p:transition>
@@ -5338,13 +8670,13 @@
   <p:clrMapOvr>
     <a:masterClrMapping/>
   </p:clrMapOvr>
-  <mc:AlternateContent xmlns:mc="http://schemas.openxmlformats.org/markup-compatibility/2006">
-    <mc:Choice xmlns:p159="http://schemas.microsoft.com/office/powerpoint/2015/09/main" Requires="p159">
+  <mc:AlternateContent xmlns:mc="http://schemas.openxmlformats.org/markup-compatibility/2006" xmlns:p159="http://schemas.microsoft.com/office/powerpoint/2015/09/main">
+    <mc:Choice Requires="p159">
       <p:transition xmlns:p14="http://schemas.microsoft.com/office/powerpoint/2010/main" spd="slow" p14:dur="2000">
         <p159:morph option="byWord"/>
       </p:transition>
     </mc:Choice>
-    <mc:Fallback>
+    <mc:Fallback xmlns="">
       <p:transition spd="slow">
         <p:fade/>
       </p:transition>
@@ -5471,13 +8803,13 @@
   <p:clrMapOvr>
     <a:masterClrMapping/>
   </p:clrMapOvr>
-  <mc:AlternateContent xmlns:mc="http://schemas.openxmlformats.org/markup-compatibility/2006">
-    <mc:Choice xmlns:p159="http://schemas.microsoft.com/office/powerpoint/2015/09/main" Requires="p159">
+  <mc:AlternateContent xmlns:mc="http://schemas.openxmlformats.org/markup-compatibility/2006" xmlns:p159="http://schemas.microsoft.com/office/powerpoint/2015/09/main">
+    <mc:Choice Requires="p159">
       <p:transition xmlns:p14="http://schemas.microsoft.com/office/powerpoint/2010/main" spd="slow" p14:dur="2000">
         <p159:morph option="byWord"/>
       </p:transition>
     </mc:Choice>
-    <mc:Fallback>
+    <mc:Fallback xmlns="">
       <p:transition spd="slow">
         <p:fade/>
       </p:transition>
@@ -5604,13 +8936,13 @@
   <p:clrMapOvr>
     <a:masterClrMapping/>
   </p:clrMapOvr>
-  <mc:AlternateContent xmlns:mc="http://schemas.openxmlformats.org/markup-compatibility/2006">
-    <mc:Choice xmlns:p159="http://schemas.microsoft.com/office/powerpoint/2015/09/main" Requires="p159">
+  <mc:AlternateContent xmlns:mc="http://schemas.openxmlformats.org/markup-compatibility/2006" xmlns:p159="http://schemas.microsoft.com/office/powerpoint/2015/09/main">
+    <mc:Choice Requires="p159">
       <p:transition xmlns:p14="http://schemas.microsoft.com/office/powerpoint/2010/main" spd="slow" p14:dur="2000">
         <p159:morph option="byWord"/>
       </p:transition>
     </mc:Choice>
-    <mc:Fallback>
+    <mc:Fallback xmlns="">
       <p:transition spd="slow">
         <p:fade/>
       </p:transition>
@@ -5737,13 +9069,13 @@
   <p:clrMapOvr>
     <a:masterClrMapping/>
   </p:clrMapOvr>
-  <mc:AlternateContent xmlns:mc="http://schemas.openxmlformats.org/markup-compatibility/2006">
-    <mc:Choice xmlns:p159="http://schemas.microsoft.com/office/powerpoint/2015/09/main" Requires="p159">
+  <mc:AlternateContent xmlns:mc="http://schemas.openxmlformats.org/markup-compatibility/2006" xmlns:p159="http://schemas.microsoft.com/office/powerpoint/2015/09/main">
+    <mc:Choice Requires="p159">
       <p:transition xmlns:p14="http://schemas.microsoft.com/office/powerpoint/2010/main" spd="slow" p14:dur="2000">
         <p159:morph option="byWord"/>
       </p:transition>
     </mc:Choice>
-    <mc:Fallback>
+    <mc:Fallback xmlns="">
       <p:transition spd="slow">
         <p:fade/>
       </p:transition>
@@ -5870,13 +9202,13 @@
   <p:clrMapOvr>
     <a:masterClrMapping/>
   </p:clrMapOvr>
-  <mc:AlternateContent xmlns:mc="http://schemas.openxmlformats.org/markup-compatibility/2006">
-    <mc:Choice xmlns:p159="http://schemas.microsoft.com/office/powerpoint/2015/09/main" Requires="p159">
+  <mc:AlternateContent xmlns:mc="http://schemas.openxmlformats.org/markup-compatibility/2006" xmlns:p159="http://schemas.microsoft.com/office/powerpoint/2015/09/main">
+    <mc:Choice Requires="p159">
       <p:transition xmlns:p14="http://schemas.microsoft.com/office/powerpoint/2010/main" spd="slow" p14:dur="2000">
         <p159:morph option="byWord"/>
       </p:transition>
     </mc:Choice>
-    <mc:Fallback>
+    <mc:Fallback xmlns="">
       <p:transition spd="slow">
         <p:fade/>
       </p:transition>
@@ -6003,13 +9335,13 @@
   <p:clrMapOvr>
     <a:masterClrMapping/>
   </p:clrMapOvr>
-  <mc:AlternateContent xmlns:mc="http://schemas.openxmlformats.org/markup-compatibility/2006">
-    <mc:Choice xmlns:p159="http://schemas.microsoft.com/office/powerpoint/2015/09/main" Requires="p159">
+  <mc:AlternateContent xmlns:mc="http://schemas.openxmlformats.org/markup-compatibility/2006" xmlns:p159="http://schemas.microsoft.com/office/powerpoint/2015/09/main">
+    <mc:Choice Requires="p159">
       <p:transition xmlns:p14="http://schemas.microsoft.com/office/powerpoint/2010/main" spd="slow" p14:dur="2000">
         <p159:morph option="byWord"/>
       </p:transition>
     </mc:Choice>
-    <mc:Fallback>
+    <mc:Fallback xmlns="">
       <p:transition spd="slow">
         <p:fade/>
       </p:transition>
@@ -6126,13 +9458,13 @@
   <p:clrMapOvr>
     <a:masterClrMapping/>
   </p:clrMapOvr>
-  <mc:AlternateContent xmlns:mc="http://schemas.openxmlformats.org/markup-compatibility/2006">
-    <mc:Choice xmlns:p159="http://schemas.microsoft.com/office/powerpoint/2015/09/main" Requires="p159">
+  <mc:AlternateContent xmlns:mc="http://schemas.openxmlformats.org/markup-compatibility/2006" xmlns:p159="http://schemas.microsoft.com/office/powerpoint/2015/09/main">
+    <mc:Choice Requires="p159">
       <p:transition xmlns:p14="http://schemas.microsoft.com/office/powerpoint/2010/main" spd="slow" p14:dur="2000">
         <p159:morph option="byWord"/>
       </p:transition>
     </mc:Choice>
-    <mc:Fallback>
+    <mc:Fallback xmlns="">
       <p:transition spd="slow">
         <p:fade/>
       </p:transition>
@@ -6249,13 +9581,13 @@
   <p:clrMapOvr>
     <a:masterClrMapping/>
   </p:clrMapOvr>
-  <mc:AlternateContent xmlns:mc="http://schemas.openxmlformats.org/markup-compatibility/2006">
-    <mc:Choice xmlns:p159="http://schemas.microsoft.com/office/powerpoint/2015/09/main" Requires="p159">
+  <mc:AlternateContent xmlns:mc="http://schemas.openxmlformats.org/markup-compatibility/2006" xmlns:p159="http://schemas.microsoft.com/office/powerpoint/2015/09/main">
+    <mc:Choice Requires="p159">
       <p:transition xmlns:p14="http://schemas.microsoft.com/office/powerpoint/2010/main" spd="slow" p14:dur="2000">
         <p159:morph option="byWord"/>
       </p:transition>
     </mc:Choice>
-    <mc:Fallback>
+    <mc:Fallback xmlns="">
       <p:transition spd="slow">
         <p:fade/>
       </p:transition>
@@ -6372,13 +9704,13 @@
   <p:clrMapOvr>
     <a:masterClrMapping/>
   </p:clrMapOvr>
-  <mc:AlternateContent xmlns:mc="http://schemas.openxmlformats.org/markup-compatibility/2006">
-    <mc:Choice xmlns:p159="http://schemas.microsoft.com/office/powerpoint/2015/09/main" Requires="p159">
+  <mc:AlternateContent xmlns:mc="http://schemas.openxmlformats.org/markup-compatibility/2006" xmlns:p159="http://schemas.microsoft.com/office/powerpoint/2015/09/main">
+    <mc:Choice Requires="p159">
       <p:transition xmlns:p14="http://schemas.microsoft.com/office/powerpoint/2010/main" spd="slow" p14:dur="2000">
         <p159:morph option="byWord"/>
       </p:transition>
     </mc:Choice>
-    <mc:Fallback>
+    <mc:Fallback xmlns="">
       <p:transition spd="slow">
         <p:fade/>
       </p:transition>
@@ -6678,13 +10010,13 @@
   <p:clrMapOvr>
     <a:masterClrMapping/>
   </p:clrMapOvr>
-  <mc:AlternateContent xmlns:mc="http://schemas.openxmlformats.org/markup-compatibility/2006">
-    <mc:Choice xmlns:p159="http://schemas.microsoft.com/office/powerpoint/2015/09/main" Requires="p159">
+  <mc:AlternateContent xmlns:mc="http://schemas.openxmlformats.org/markup-compatibility/2006" xmlns:p159="http://schemas.microsoft.com/office/powerpoint/2015/09/main">
+    <mc:Choice Requires="p159">
       <p:transition xmlns:p14="http://schemas.microsoft.com/office/powerpoint/2010/main" spd="slow" p14:dur="2000">
         <p159:morph option="byWord"/>
       </p:transition>
     </mc:Choice>
-    <mc:Fallback>
+    <mc:Fallback xmlns="">
       <p:transition spd="slow">
         <p:fade/>
       </p:transition>
@@ -6801,13 +10133,13 @@
   <p:clrMapOvr>
     <a:masterClrMapping/>
   </p:clrMapOvr>
-  <mc:AlternateContent xmlns:mc="http://schemas.openxmlformats.org/markup-compatibility/2006">
-    <mc:Choice xmlns:p159="http://schemas.microsoft.com/office/powerpoint/2015/09/main" Requires="p159">
+  <mc:AlternateContent xmlns:mc="http://schemas.openxmlformats.org/markup-compatibility/2006" xmlns:p159="http://schemas.microsoft.com/office/powerpoint/2015/09/main">
+    <mc:Choice Requires="p159">
       <p:transition xmlns:p14="http://schemas.microsoft.com/office/powerpoint/2010/main" spd="slow" p14:dur="2000">
         <p159:morph option="byWord"/>
       </p:transition>
     </mc:Choice>
-    <mc:Fallback>
+    <mc:Fallback xmlns="">
       <p:transition spd="slow">
         <p:fade/>
       </p:transition>
@@ -6924,13 +10256,13 @@
   <p:clrMapOvr>
     <a:masterClrMapping/>
   </p:clrMapOvr>
-  <mc:AlternateContent xmlns:mc="http://schemas.openxmlformats.org/markup-compatibility/2006">
-    <mc:Choice xmlns:p159="http://schemas.microsoft.com/office/powerpoint/2015/09/main" Requires="p159">
+  <mc:AlternateContent xmlns:mc="http://schemas.openxmlformats.org/markup-compatibility/2006" xmlns:p159="http://schemas.microsoft.com/office/powerpoint/2015/09/main">
+    <mc:Choice Requires="p159">
       <p:transition xmlns:p14="http://schemas.microsoft.com/office/powerpoint/2010/main" spd="slow" p14:dur="2000">
         <p159:morph option="byWord"/>
       </p:transition>
     </mc:Choice>
-    <mc:Fallback>
+    <mc:Fallback xmlns="">
       <p:transition spd="slow">
         <p:fade/>
       </p:transition>
@@ -7171,13 +10503,13 @@
   <p:clrMapOvr>
     <a:masterClrMapping/>
   </p:clrMapOvr>
-  <mc:AlternateContent xmlns:mc="http://schemas.openxmlformats.org/markup-compatibility/2006">
-    <mc:Choice xmlns:p159="http://schemas.microsoft.com/office/powerpoint/2015/09/main" Requires="p159">
+  <mc:AlternateContent xmlns:mc="http://schemas.openxmlformats.org/markup-compatibility/2006" xmlns:p159="http://schemas.microsoft.com/office/powerpoint/2015/09/main">
+    <mc:Choice Requires="p159">
       <p:transition xmlns:p14="http://schemas.microsoft.com/office/powerpoint/2010/main" spd="slow" p14:dur="2000">
         <p159:morph option="byWord"/>
       </p:transition>
     </mc:Choice>
-    <mc:Fallback>
+    <mc:Fallback xmlns="">
       <p:transition spd="slow">
         <p:fade/>
       </p:transition>
@@ -7498,13 +10830,13 @@
   <p:clrMapOvr>
     <a:masterClrMapping/>
   </p:clrMapOvr>
-  <mc:AlternateContent xmlns:mc="http://schemas.openxmlformats.org/markup-compatibility/2006">
-    <mc:Choice xmlns:p159="http://schemas.microsoft.com/office/powerpoint/2015/09/main" Requires="p159">
+  <mc:AlternateContent xmlns:mc="http://schemas.openxmlformats.org/markup-compatibility/2006" xmlns:p159="http://schemas.microsoft.com/office/powerpoint/2015/09/main">
+    <mc:Choice Requires="p159">
       <p:transition xmlns:p14="http://schemas.microsoft.com/office/powerpoint/2010/main" spd="slow" p14:dur="2000">
         <p159:morph option="byWord"/>
       </p:transition>
     </mc:Choice>
-    <mc:Fallback>
+    <mc:Fallback xmlns="">
       <p:transition spd="slow">
         <p:fade/>
       </p:transition>
@@ -7786,13 +11118,13 @@
   <p:clrMapOvr>
     <a:masterClrMapping/>
   </p:clrMapOvr>
-  <mc:AlternateContent xmlns:mc="http://schemas.openxmlformats.org/markup-compatibility/2006">
-    <mc:Choice xmlns:p159="http://schemas.microsoft.com/office/powerpoint/2015/09/main" Requires="p159">
+  <mc:AlternateContent xmlns:mc="http://schemas.openxmlformats.org/markup-compatibility/2006" xmlns:p159="http://schemas.microsoft.com/office/powerpoint/2015/09/main">
+    <mc:Choice Requires="p159">
       <p:transition xmlns:p14="http://schemas.microsoft.com/office/powerpoint/2010/main" spd="slow" p14:dur="2000">
         <p159:morph option="byWord"/>
       </p:transition>
     </mc:Choice>
-    <mc:Fallback>
+    <mc:Fallback xmlns="">
       <p:transition spd="slow">
         <p:fade/>
       </p:transition>
@@ -7972,13 +11304,13 @@
   <p:clrMapOvr>
     <a:masterClrMapping/>
   </p:clrMapOvr>
-  <mc:AlternateContent xmlns:mc="http://schemas.openxmlformats.org/markup-compatibility/2006">
-    <mc:Choice xmlns:p159="http://schemas.microsoft.com/office/powerpoint/2015/09/main" Requires="p159">
+  <mc:AlternateContent xmlns:mc="http://schemas.openxmlformats.org/markup-compatibility/2006" xmlns:p159="http://schemas.microsoft.com/office/powerpoint/2015/09/main">
+    <mc:Choice Requires="p159">
       <p:transition xmlns:p14="http://schemas.microsoft.com/office/powerpoint/2010/main" spd="slow" p14:dur="2000">
         <p159:morph option="byWord"/>
       </p:transition>
     </mc:Choice>
-    <mc:Fallback>
+    <mc:Fallback xmlns="">
       <p:transition spd="slow">
         <p:fade/>
       </p:transition>
@@ -8168,13 +11500,13 @@
   <p:clrMapOvr>
     <a:masterClrMapping/>
   </p:clrMapOvr>
-  <mc:AlternateContent xmlns:mc="http://schemas.openxmlformats.org/markup-compatibility/2006">
-    <mc:Choice xmlns:p159="http://schemas.microsoft.com/office/powerpoint/2015/09/main" Requires="p159">
+  <mc:AlternateContent xmlns:mc="http://schemas.openxmlformats.org/markup-compatibility/2006" xmlns:p159="http://schemas.microsoft.com/office/powerpoint/2015/09/main">
+    <mc:Choice Requires="p159">
       <p:transition xmlns:p14="http://schemas.microsoft.com/office/powerpoint/2010/main" spd="slow" p14:dur="2000">
         <p159:morph option="byWord"/>
       </p:transition>
     </mc:Choice>
-    <mc:Fallback>
+    <mc:Fallback xmlns="">
       <p:transition spd="slow">
         <p:fade/>
       </p:transition>
@@ -8415,13 +11747,13 @@
   <p:clrMapOvr>
     <a:masterClrMapping/>
   </p:clrMapOvr>
-  <mc:AlternateContent xmlns:mc="http://schemas.openxmlformats.org/markup-compatibility/2006">
-    <mc:Choice xmlns:p159="http://schemas.microsoft.com/office/powerpoint/2015/09/main" Requires="p159">
+  <mc:AlternateContent xmlns:mc="http://schemas.openxmlformats.org/markup-compatibility/2006" xmlns:p159="http://schemas.microsoft.com/office/powerpoint/2015/09/main">
+    <mc:Choice Requires="p159">
       <p:transition xmlns:p14="http://schemas.microsoft.com/office/powerpoint/2010/main" spd="slow" p14:dur="2000">
         <p159:morph option="byWord"/>
       </p:transition>
     </mc:Choice>
-    <mc:Fallback>
+    <mc:Fallback xmlns="">
       <p:transition spd="slow">
         <p:fade/>
       </p:transition>
@@ -8769,13 +12101,13 @@
   <p:clrMapOvr>
     <a:masterClrMapping/>
   </p:clrMapOvr>
-  <mc:AlternateContent xmlns:mc="http://schemas.openxmlformats.org/markup-compatibility/2006">
-    <mc:Choice xmlns:p159="http://schemas.microsoft.com/office/powerpoint/2015/09/main" Requires="p159">
+  <mc:AlternateContent xmlns:mc="http://schemas.openxmlformats.org/markup-compatibility/2006" xmlns:p159="http://schemas.microsoft.com/office/powerpoint/2015/09/main">
+    <mc:Choice Requires="p159">
       <p:transition xmlns:p14="http://schemas.microsoft.com/office/powerpoint/2010/main" spd="slow" p14:dur="2000">
         <p159:morph option="byWord"/>
       </p:transition>
     </mc:Choice>
-    <mc:Fallback>
+    <mc:Fallback xmlns="">
       <p:transition spd="slow">
         <p:fade/>
       </p:transition>
@@ -9117,13 +12449,13 @@
   <p:clrMapOvr>
     <a:masterClrMapping/>
   </p:clrMapOvr>
-  <mc:AlternateContent xmlns:mc="http://schemas.openxmlformats.org/markup-compatibility/2006">
-    <mc:Choice xmlns:p159="http://schemas.microsoft.com/office/powerpoint/2015/09/main" Requires="p159">
+  <mc:AlternateContent xmlns:mc="http://schemas.openxmlformats.org/markup-compatibility/2006" xmlns:p159="http://schemas.microsoft.com/office/powerpoint/2015/09/main">
+    <mc:Choice Requires="p159">
       <p:transition xmlns:p14="http://schemas.microsoft.com/office/powerpoint/2010/main" spd="slow" p14:dur="2000">
         <p159:morph option="byWord"/>
       </p:transition>
     </mc:Choice>
-    <mc:Fallback>
+    <mc:Fallback xmlns="">
       <p:transition spd="slow">
         <p:fade/>
       </p:transition>
@@ -9419,13 +12751,13 @@
   <p:clrMapOvr>
     <a:masterClrMapping/>
   </p:clrMapOvr>
-  <mc:AlternateContent xmlns:mc="http://schemas.openxmlformats.org/markup-compatibility/2006">
-    <mc:Choice xmlns:p159="http://schemas.microsoft.com/office/powerpoint/2015/09/main" Requires="p159">
+  <mc:AlternateContent xmlns:mc="http://schemas.openxmlformats.org/markup-compatibility/2006" xmlns:p159="http://schemas.microsoft.com/office/powerpoint/2015/09/main">
+    <mc:Choice Requires="p159">
       <p:transition xmlns:p14="http://schemas.microsoft.com/office/powerpoint/2010/main" spd="slow" p14:dur="2000">
         <p159:morph option="byWord"/>
       </p:transition>
     </mc:Choice>
-    <mc:Fallback>
+    <mc:Fallback xmlns="">
       <p:transition spd="slow">
         <p:fade/>
       </p:transition>
@@ -9723,13 +13055,13 @@
   <p:clrMapOvr>
     <a:masterClrMapping/>
   </p:clrMapOvr>
-  <mc:AlternateContent xmlns:mc="http://schemas.openxmlformats.org/markup-compatibility/2006">
-    <mc:Choice xmlns:p159="http://schemas.microsoft.com/office/powerpoint/2015/09/main" Requires="p159">
+  <mc:AlternateContent xmlns:mc="http://schemas.openxmlformats.org/markup-compatibility/2006" xmlns:p159="http://schemas.microsoft.com/office/powerpoint/2015/09/main">
+    <mc:Choice Requires="p159">
       <p:transition xmlns:p14="http://schemas.microsoft.com/office/powerpoint/2010/main" spd="slow" p14:dur="2000">
         <p159:morph option="byWord"/>
       </p:transition>
     </mc:Choice>
-    <mc:Fallback>
+    <mc:Fallback xmlns="">
       <p:transition spd="slow">
         <p:fade/>
       </p:transition>
@@ -10163,13 +13495,13 @@
   <p:clrMapOvr>
     <a:masterClrMapping/>
   </p:clrMapOvr>
-  <mc:AlternateContent xmlns:mc="http://schemas.openxmlformats.org/markup-compatibility/2006">
-    <mc:Choice xmlns:p159="http://schemas.microsoft.com/office/powerpoint/2015/09/main" Requires="p159">
+  <mc:AlternateContent xmlns:mc="http://schemas.openxmlformats.org/markup-compatibility/2006" xmlns:p159="http://schemas.microsoft.com/office/powerpoint/2015/09/main">
+    <mc:Choice Requires="p159">
       <p:transition xmlns:p14="http://schemas.microsoft.com/office/powerpoint/2010/main" spd="slow" p14:dur="2000">
         <p159:morph option="byWord"/>
       </p:transition>
     </mc:Choice>
-    <mc:Fallback>
+    <mc:Fallback xmlns="">
       <p:transition spd="slow">
         <p:fade/>
       </p:transition>
@@ -10297,13 +13629,13 @@
   <p:clrMapOvr>
     <a:masterClrMapping/>
   </p:clrMapOvr>
-  <mc:AlternateContent xmlns:mc="http://schemas.openxmlformats.org/markup-compatibility/2006">
-    <mc:Choice xmlns:p159="http://schemas.microsoft.com/office/powerpoint/2015/09/main" Requires="p159">
+  <mc:AlternateContent xmlns:mc="http://schemas.openxmlformats.org/markup-compatibility/2006" xmlns:p159="http://schemas.microsoft.com/office/powerpoint/2015/09/main">
+    <mc:Choice Requires="p159">
       <p:transition xmlns:p14="http://schemas.microsoft.com/office/powerpoint/2010/main" spd="slow" p14:dur="2000">
         <p159:morph option="byWord"/>
       </p:transition>
     </mc:Choice>
-    <mc:Fallback>
+    <mc:Fallback xmlns="">
       <p:transition spd="slow">
         <p:fade/>
       </p:transition>
@@ -10622,13 +13954,13 @@
     <p:sldLayoutId id="2147483724" r:id="rId25"/>
     <p:sldLayoutId id="2147483725" r:id="rId26"/>
   </p:sldLayoutIdLst>
-  <mc:AlternateContent xmlns:mc="http://schemas.openxmlformats.org/markup-compatibility/2006">
-    <mc:Choice xmlns:p159="http://schemas.microsoft.com/office/powerpoint/2015/09/main" Requires="p159">
+  <mc:AlternateContent xmlns:mc="http://schemas.openxmlformats.org/markup-compatibility/2006" xmlns:p159="http://schemas.microsoft.com/office/powerpoint/2015/09/main">
+    <mc:Choice Requires="p159">
       <p:transition xmlns:p14="http://schemas.microsoft.com/office/powerpoint/2010/main" spd="slow" p14:dur="2000">
         <p159:morph option="byWord"/>
       </p:transition>
     </mc:Choice>
-    <mc:Fallback>
+    <mc:Fallback xmlns="">
       <p:transition spd="slow">
         <p:fade/>
       </p:transition>
@@ -11176,13 +14508,13 @@
   <p:clrMapOvr>
     <a:masterClrMapping/>
   </p:clrMapOvr>
-  <mc:AlternateContent xmlns:mc="http://schemas.openxmlformats.org/markup-compatibility/2006">
-    <mc:Choice xmlns:p159="http://schemas.microsoft.com/office/powerpoint/2015/09/main" Requires="p159">
+  <mc:AlternateContent xmlns:mc="http://schemas.openxmlformats.org/markup-compatibility/2006" xmlns:p159="http://schemas.microsoft.com/office/powerpoint/2015/09/main">
+    <mc:Choice Requires="p159">
       <p:transition xmlns:p14="http://schemas.microsoft.com/office/powerpoint/2010/main" spd="slow" p14:dur="2000">
         <p159:morph option="byWord"/>
       </p:transition>
     </mc:Choice>
-    <mc:Fallback>
+    <mc:Fallback xmlns="">
       <p:transition spd="slow">
         <p:fade/>
       </p:transition>
@@ -11272,13 +14604,13 @@
   <p:clrMapOvr>
     <a:masterClrMapping/>
   </p:clrMapOvr>
-  <mc:AlternateContent xmlns:mc="http://schemas.openxmlformats.org/markup-compatibility/2006">
-    <mc:Choice xmlns:p159="http://schemas.microsoft.com/office/powerpoint/2015/09/main" Requires="p159">
+  <mc:AlternateContent xmlns:mc="http://schemas.openxmlformats.org/markup-compatibility/2006" xmlns:p159="http://schemas.microsoft.com/office/powerpoint/2015/09/main">
+    <mc:Choice Requires="p159">
       <p:transition xmlns:p14="http://schemas.microsoft.com/office/powerpoint/2010/main" spd="slow" p14:dur="2000">
         <p159:morph option="byWord"/>
       </p:transition>
     </mc:Choice>
-    <mc:Fallback>
+    <mc:Fallback xmlns="">
       <p:transition spd="slow">
         <p:fade/>
       </p:transition>
@@ -11368,13 +14700,13 @@
   <p:clrMapOvr>
     <a:masterClrMapping/>
   </p:clrMapOvr>
-  <mc:AlternateContent xmlns:mc="http://schemas.openxmlformats.org/markup-compatibility/2006">
-    <mc:Choice xmlns:p159="http://schemas.microsoft.com/office/powerpoint/2015/09/main" Requires="p159">
+  <mc:AlternateContent xmlns:mc="http://schemas.openxmlformats.org/markup-compatibility/2006" xmlns:p159="http://schemas.microsoft.com/office/powerpoint/2015/09/main">
+    <mc:Choice Requires="p159">
       <p:transition xmlns:p14="http://schemas.microsoft.com/office/powerpoint/2010/main" spd="slow" p14:dur="2000">
         <p159:morph option="byWord"/>
       </p:transition>
     </mc:Choice>
-    <mc:Fallback>
+    <mc:Fallback xmlns="">
       <p:transition spd="slow">
         <p:fade/>
       </p:transition>
@@ -11509,13 +14841,13 @@
   <p:clrMapOvr>
     <a:masterClrMapping/>
   </p:clrMapOvr>
-  <mc:AlternateContent xmlns:mc="http://schemas.openxmlformats.org/markup-compatibility/2006">
-    <mc:Choice xmlns:p159="http://schemas.microsoft.com/office/powerpoint/2015/09/main" Requires="p159">
+  <mc:AlternateContent xmlns:mc="http://schemas.openxmlformats.org/markup-compatibility/2006" xmlns:p159="http://schemas.microsoft.com/office/powerpoint/2015/09/main">
+    <mc:Choice Requires="p159">
       <p:transition xmlns:p14="http://schemas.microsoft.com/office/powerpoint/2010/main" spd="slow" p14:dur="2000">
         <p159:morph option="byWord"/>
       </p:transition>
     </mc:Choice>
-    <mc:Fallback>
+    <mc:Fallback xmlns="">
       <p:transition spd="slow">
         <p:fade/>
       </p:transition>
@@ -11605,13 +14937,13 @@
   <p:clrMapOvr>
     <a:masterClrMapping/>
   </p:clrMapOvr>
-  <mc:AlternateContent xmlns:mc="http://schemas.openxmlformats.org/markup-compatibility/2006">
-    <mc:Choice xmlns:p159="http://schemas.microsoft.com/office/powerpoint/2015/09/main" Requires="p159">
+  <mc:AlternateContent xmlns:mc="http://schemas.openxmlformats.org/markup-compatibility/2006" xmlns:p159="http://schemas.microsoft.com/office/powerpoint/2015/09/main">
+    <mc:Choice Requires="p159">
       <p:transition xmlns:p14="http://schemas.microsoft.com/office/powerpoint/2010/main" spd="slow" p14:dur="2000">
         <p159:morph option="byWord"/>
       </p:transition>
     </mc:Choice>
-    <mc:Fallback>
+    <mc:Fallback xmlns="">
       <p:transition spd="slow">
         <p:fade/>
       </p:transition>
@@ -11701,13 +15033,13 @@
   <p:clrMapOvr>
     <a:masterClrMapping/>
   </p:clrMapOvr>
-  <mc:AlternateContent xmlns:mc="http://schemas.openxmlformats.org/markup-compatibility/2006">
-    <mc:Choice xmlns:p159="http://schemas.microsoft.com/office/powerpoint/2015/09/main" Requires="p159">
+  <mc:AlternateContent xmlns:mc="http://schemas.openxmlformats.org/markup-compatibility/2006" xmlns:p159="http://schemas.microsoft.com/office/powerpoint/2015/09/main">
+    <mc:Choice Requires="p159">
       <p:transition xmlns:p14="http://schemas.microsoft.com/office/powerpoint/2010/main" spd="slow" p14:dur="2000">
         <p159:morph option="byWord"/>
       </p:transition>
     </mc:Choice>
-    <mc:Fallback>
+    <mc:Fallback xmlns="">
       <p:transition spd="slow">
         <p:fade/>
       </p:transition>
@@ -11797,13 +15129,13 @@
   <p:clrMapOvr>
     <a:masterClrMapping/>
   </p:clrMapOvr>
-  <mc:AlternateContent xmlns:mc="http://schemas.openxmlformats.org/markup-compatibility/2006">
-    <mc:Choice xmlns:p159="http://schemas.microsoft.com/office/powerpoint/2015/09/main" Requires="p159">
+  <mc:AlternateContent xmlns:mc="http://schemas.openxmlformats.org/markup-compatibility/2006" xmlns:p159="http://schemas.microsoft.com/office/powerpoint/2015/09/main">
+    <mc:Choice Requires="p159">
       <p:transition xmlns:p14="http://schemas.microsoft.com/office/powerpoint/2010/main" spd="slow" p14:dur="2000">
         <p159:morph option="byWord"/>
       </p:transition>
     </mc:Choice>
-    <mc:Fallback>
+    <mc:Fallback xmlns="">
       <p:transition spd="slow">
         <p:fade/>
       </p:transition>
@@ -11908,13 +15240,13 @@
   <p:clrMapOvr>
     <a:masterClrMapping/>
   </p:clrMapOvr>
-  <mc:AlternateContent xmlns:mc="http://schemas.openxmlformats.org/markup-compatibility/2006">
-    <mc:Choice xmlns:p159="http://schemas.microsoft.com/office/powerpoint/2015/09/main" Requires="p159">
+  <mc:AlternateContent xmlns:mc="http://schemas.openxmlformats.org/markup-compatibility/2006" xmlns:p159="http://schemas.microsoft.com/office/powerpoint/2015/09/main">
+    <mc:Choice Requires="p159">
       <p:transition xmlns:p14="http://schemas.microsoft.com/office/powerpoint/2010/main" spd="slow" p14:dur="2000">
         <p159:morph option="byWord"/>
       </p:transition>
     </mc:Choice>
-    <mc:Fallback>
+    <mc:Fallback xmlns="">
       <p:transition spd="slow">
         <p:fade/>
       </p:transition>
@@ -12437,7 +15769,7 @@
             </p:grpSpPr>
             <p:pic>
               <p:nvPicPr>
-                <p:cNvPr id="6" name="Picture 6">
+                <p:cNvPr id="3" name="Picture 3">
                   <a:hlinkClick r:id="rId19" action="ppaction://hlinksldjump"/>
                 </p:cNvPr>
                 <p:cNvPicPr>
@@ -12468,7 +15800,7 @@
             </p:pic>
             <p:pic>
               <p:nvPicPr>
-                <p:cNvPr id="7" name="Picture 7">
+                <p:cNvPr id="4" name="Picture 4">
                   <a:hlinkClick r:id="rId20" action="ppaction://hlinksldjump"/>
                 </p:cNvPr>
                 <p:cNvPicPr>
@@ -12499,7 +15831,7 @@
             </p:pic>
             <p:pic>
               <p:nvPicPr>
-                <p:cNvPr id="8" name="Picture 8">
+                <p:cNvPr id="6" name="Picture 6">
                   <a:hlinkClick r:id="rId21" action="ppaction://hlinksldjump"/>
                 </p:cNvPr>
                 <p:cNvPicPr>
@@ -12530,7 +15862,7 @@
             </p:pic>
             <p:pic>
               <p:nvPicPr>
-                <p:cNvPr id="9" name="Picture 9">
+                <p:cNvPr id="7" name="Picture 7">
                   <a:hlinkClick r:id="rId22" action="ppaction://hlinksldjump"/>
                 </p:cNvPr>
                 <p:cNvPicPr>
@@ -12561,7 +15893,7 @@
             </p:pic>
             <p:pic>
               <p:nvPicPr>
-                <p:cNvPr id="10" name="Picture 10">
+                <p:cNvPr id="8" name="Picture 8">
                   <a:hlinkClick r:id="rId23" action="ppaction://hlinksldjump"/>
                 </p:cNvPr>
                 <p:cNvPicPr>
@@ -12592,7 +15924,7 @@
             </p:pic>
             <p:pic>
               <p:nvPicPr>
-                <p:cNvPr id="11" name="Picture 11">
+                <p:cNvPr id="9" name="Picture 9">
                   <a:hlinkClick r:id="rId24" action="ppaction://hlinksldjump"/>
                 </p:cNvPr>
                 <p:cNvPicPr>
@@ -12623,7 +15955,7 @@
             </p:pic>
             <p:pic>
               <p:nvPicPr>
-                <p:cNvPr id="12" name="Picture 12">
+                <p:cNvPr id="10" name="Picture 10">
                   <a:hlinkClick r:id="rId25" action="ppaction://hlinksldjump"/>
                 </p:cNvPr>
                 <p:cNvPicPr>
@@ -12654,7 +15986,7 @@
             </p:pic>
             <p:pic>
               <p:nvPicPr>
-                <p:cNvPr id="13" name="Picture 13">
+                <p:cNvPr id="11" name="Picture 11">
                   <a:hlinkClick r:id="rId26" action="ppaction://hlinksldjump"/>
                 </p:cNvPr>
                 <p:cNvPicPr>
@@ -12685,7 +16017,7 @@
             </p:pic>
             <p:pic>
               <p:nvPicPr>
-                <p:cNvPr id="14" name="Picture 14">
+                <p:cNvPr id="12" name="Picture 12">
                   <a:hlinkClick r:id="rId27" action="ppaction://hlinksldjump"/>
                 </p:cNvPr>
                 <p:cNvPicPr>
@@ -12716,7 +16048,7 @@
             </p:pic>
             <p:pic>
               <p:nvPicPr>
-                <p:cNvPr id="15" name="Picture 15">
+                <p:cNvPr id="13" name="Picture 13">
                   <a:hlinkClick r:id="rId28" action="ppaction://hlinksldjump"/>
                 </p:cNvPr>
                 <p:cNvPicPr>
@@ -12747,7 +16079,7 @@
             </p:pic>
             <p:pic>
               <p:nvPicPr>
-                <p:cNvPr id="16" name="Picture 16">
+                <p:cNvPr id="14" name="Picture 14">
                   <a:hlinkClick r:id="rId29" action="ppaction://hlinksldjump"/>
                 </p:cNvPr>
                 <p:cNvPicPr>
@@ -12778,7 +16110,7 @@
             </p:pic>
             <p:pic>
               <p:nvPicPr>
-                <p:cNvPr id="17" name="Picture 17">
+                <p:cNvPr id="15" name="Picture 15">
                   <a:hlinkClick r:id="rId30" action="ppaction://hlinksldjump"/>
                 </p:cNvPr>
                 <p:cNvPicPr>
@@ -12809,7 +16141,7 @@
             </p:pic>
             <p:pic>
               <p:nvPicPr>
-                <p:cNvPr id="18" name="Picture 18">
+                <p:cNvPr id="16" name="Picture 16">
                   <a:hlinkClick r:id="rId31" action="ppaction://hlinksldjump"/>
                 </p:cNvPr>
                 <p:cNvPicPr>
@@ -12840,7 +16172,7 @@
             </p:pic>
             <p:pic>
               <p:nvPicPr>
-                <p:cNvPr id="19" name="Picture 19">
+                <p:cNvPr id="17" name="Picture 17">
                   <a:hlinkClick r:id="rId32" action="ppaction://hlinksldjump"/>
                 </p:cNvPr>
                 <p:cNvPicPr>
@@ -12871,7 +16203,7 @@
             </p:pic>
             <p:pic>
               <p:nvPicPr>
-                <p:cNvPr id="20" name="Picture 20">
+                <p:cNvPr id="18" name="Picture 18">
                   <a:hlinkClick r:id="rId33" action="ppaction://hlinksldjump"/>
                 </p:cNvPr>
                 <p:cNvPicPr>
@@ -12902,7 +16234,7 @@
             </p:pic>
             <p:pic>
               <p:nvPicPr>
-                <p:cNvPr id="21" name="Picture 21">
+                <p:cNvPr id="19" name="Picture 19">
                   <a:hlinkClick r:id="rId34" action="ppaction://hlinksldjump"/>
                 </p:cNvPr>
                 <p:cNvPicPr>
@@ -12933,7 +16265,7 @@
             </p:pic>
             <p:pic>
               <p:nvPicPr>
-                <p:cNvPr id="22" name="Picture 22">
+                <p:cNvPr id="20" name="Picture 20">
                   <a:hlinkClick r:id="rId35" action="ppaction://hlinksldjump"/>
                 </p:cNvPr>
                 <p:cNvPicPr>
@@ -12975,13 +16307,13 @@
   <p:clrMapOvr>
     <a:masterClrMapping/>
   </p:clrMapOvr>
-  <mc:AlternateContent xmlns:mc="http://schemas.openxmlformats.org/markup-compatibility/2006">
-    <mc:Choice xmlns:p159="http://schemas.microsoft.com/office/powerpoint/2015/09/main" Requires="p159">
+  <mc:AlternateContent xmlns:mc="http://schemas.openxmlformats.org/markup-compatibility/2006" xmlns:p159="http://schemas.microsoft.com/office/powerpoint/2015/09/main">
+    <mc:Choice Requires="p159">
       <p:transition xmlns:p14="http://schemas.microsoft.com/office/powerpoint/2010/main" spd="slow" p14:dur="2000">
         <p159:morph option="byWord"/>
       </p:transition>
     </mc:Choice>
-    <mc:Fallback>
+    <mc:Fallback xmlns="">
       <p:transition spd="slow">
         <p:fade/>
       </p:transition>
@@ -13017,13 +16349,13 @@
   <p:clrMapOvr>
     <a:masterClrMapping/>
   </p:clrMapOvr>
-  <mc:AlternateContent xmlns:mc="http://schemas.openxmlformats.org/markup-compatibility/2006">
-    <mc:Choice xmlns:p159="http://schemas.microsoft.com/office/powerpoint/2015/09/main" Requires="p159">
+  <mc:AlternateContent xmlns:mc="http://schemas.openxmlformats.org/markup-compatibility/2006" xmlns:p159="http://schemas.microsoft.com/office/powerpoint/2015/09/main">
+    <mc:Choice Requires="p159">
       <p:transition xmlns:p14="http://schemas.microsoft.com/office/powerpoint/2010/main" spd="slow" p14:dur="2000">
         <p159:morph option="byWord"/>
       </p:transition>
     </mc:Choice>
-    <mc:Fallback>
+    <mc:Fallback xmlns="">
       <p:transition spd="slow">
         <p:fade/>
       </p:transition>
@@ -13166,13 +16498,13 @@
   <p:clrMapOvr>
     <a:masterClrMapping/>
   </p:clrMapOvr>
-  <mc:AlternateContent xmlns:mc="http://schemas.openxmlformats.org/markup-compatibility/2006">
-    <mc:Choice xmlns:p159="http://schemas.microsoft.com/office/powerpoint/2015/09/main" Requires="p159">
+  <mc:AlternateContent xmlns:mc="http://schemas.openxmlformats.org/markup-compatibility/2006" xmlns:p159="http://schemas.microsoft.com/office/powerpoint/2015/09/main">
+    <mc:Choice Requires="p159">
       <p:transition xmlns:p14="http://schemas.microsoft.com/office/powerpoint/2010/main" spd="slow" p14:dur="2000">
         <p159:morph option="byWord"/>
       </p:transition>
     </mc:Choice>
-    <mc:Fallback>
+    <mc:Fallback xmlns="">
       <p:transition spd="slow">
         <p:fade/>
       </p:transition>
@@ -13313,13 +16645,13 @@
   <p:clrMapOvr>
     <a:masterClrMapping/>
   </p:clrMapOvr>
-  <mc:AlternateContent xmlns:mc="http://schemas.openxmlformats.org/markup-compatibility/2006">
-    <mc:Choice xmlns:p159="http://schemas.microsoft.com/office/powerpoint/2015/09/main" Requires="p159">
+  <mc:AlternateContent xmlns:mc="http://schemas.openxmlformats.org/markup-compatibility/2006" xmlns:p159="http://schemas.microsoft.com/office/powerpoint/2015/09/main">
+    <mc:Choice Requires="p159">
       <p:transition xmlns:p14="http://schemas.microsoft.com/office/powerpoint/2010/main" spd="slow" p14:dur="2000">
         <p159:morph option="byWord"/>
       </p:transition>
     </mc:Choice>
-    <mc:Fallback>
+    <mc:Fallback xmlns="">
       <p:transition spd="slow">
         <p:fade/>
       </p:transition>
@@ -13377,6 +16709,7 @@
       <p:graphicFrame>
         <p:nvGraphicFramePr>
           <p:cNvPr id="15" name="Content Placeholder 14">
+            <a:hlinkClick r:id="" action="ppaction://noaction" highlightClick="1"/>
             <a:extLst>
               <a:ext uri="{FF2B5EF4-FFF2-40B4-BE49-F238E27FC236}">
                 <a16:creationId xmlns:a16="http://schemas.microsoft.com/office/drawing/2014/main" id="{E1A7FF0B-AB5D-49EB-8FB4-321F7F860AC4}"/>
@@ -13390,14 +16723,14 @@
             <p:ph idx="1"/>
             <p:extLst>
               <p:ext uri="{D42A27DB-BD31-4B8C-83A1-F6EECF244321}">
-                <p14:modId xmlns:p14="http://schemas.microsoft.com/office/powerpoint/2010/main" val="3717608984"/>
+                <p14:modId xmlns:p14="http://schemas.microsoft.com/office/powerpoint/2010/main" val="234969516"/>
               </p:ext>
             </p:extLst>
           </p:nvPr>
         </p:nvGraphicFramePr>
         <p:xfrm>
-          <a:off x="1055688" y="1563688"/>
-          <a:ext cx="10080625" cy="4804356"/>
+          <a:off x="1068388" y="1871663"/>
+          <a:ext cx="10080625" cy="4264025"/>
         </p:xfrm>
         <a:graphic>
           <a:graphicData uri="http://schemas.openxmlformats.org/drawingml/2006/diagram">
@@ -13405,6 +16738,31 @@
           </a:graphicData>
         </a:graphic>
       </p:graphicFrame>
+      <p:sp>
+        <p:nvSpPr>
+          <p:cNvPr id="3" name="Text Placeholder 2">
+            <a:extLst>
+              <a:ext uri="{FF2B5EF4-FFF2-40B4-BE49-F238E27FC236}">
+                <a16:creationId xmlns:a16="http://schemas.microsoft.com/office/drawing/2014/main" id="{9502EF24-D1A6-43EA-8EFB-0270E3305397}"/>
+              </a:ext>
+            </a:extLst>
+          </p:cNvPr>
+          <p:cNvSpPr>
+            <a:spLocks noGrp="1"/>
+          </p:cNvSpPr>
+          <p:nvPr>
+            <p:ph type="body" sz="quarter" idx="12"/>
+          </p:nvPr>
+        </p:nvSpPr>
+        <p:spPr/>
+        <p:txBody>
+          <a:bodyPr/>
+          <a:lstStyle/>
+          <a:p>
+            <a:endParaRPr lang="en-US" dirty="0"/>
+          </a:p>
+        </p:txBody>
+      </p:sp>
     </p:spTree>
     <p:extLst>
       <p:ext uri="{BB962C8B-B14F-4D97-AF65-F5344CB8AC3E}">
@@ -13415,13 +16773,13 @@
   <p:clrMapOvr>
     <a:masterClrMapping/>
   </p:clrMapOvr>
-  <mc:AlternateContent xmlns:mc="http://schemas.openxmlformats.org/markup-compatibility/2006">
-    <mc:Choice xmlns:p159="http://schemas.microsoft.com/office/powerpoint/2015/09/main" Requires="p159">
+  <mc:AlternateContent xmlns:mc="http://schemas.openxmlformats.org/markup-compatibility/2006" xmlns:p159="http://schemas.microsoft.com/office/powerpoint/2015/09/main">
+    <mc:Choice Requires="p159">
       <p:transition xmlns:p14="http://schemas.microsoft.com/office/powerpoint/2010/main" spd="slow" p14:dur="2000">
         <p159:morph option="byWord"/>
       </p:transition>
     </mc:Choice>
-    <mc:Fallback>
+    <mc:Fallback xmlns="">
       <p:transition spd="slow">
         <p:fade/>
       </p:transition>
@@ -13517,13 +16875,13 @@
   <p:clrMapOvr>
     <a:masterClrMapping/>
   </p:clrMapOvr>
-  <mc:AlternateContent xmlns:mc="http://schemas.openxmlformats.org/markup-compatibility/2006">
-    <mc:Choice xmlns:p159="http://schemas.microsoft.com/office/powerpoint/2015/09/main" Requires="p159">
+  <mc:AlternateContent xmlns:mc="http://schemas.openxmlformats.org/markup-compatibility/2006" xmlns:p159="http://schemas.microsoft.com/office/powerpoint/2015/09/main">
+    <mc:Choice Requires="p159">
       <p:transition xmlns:p14="http://schemas.microsoft.com/office/powerpoint/2010/main" spd="slow" p14:dur="2000">
         <p159:morph option="byWord"/>
       </p:transition>
     </mc:Choice>
-    <mc:Fallback>
+    <mc:Fallback xmlns="">
       <p:transition spd="slow">
         <p:fade/>
       </p:transition>
@@ -13613,13 +16971,13 @@
   <p:clrMapOvr>
     <a:masterClrMapping/>
   </p:clrMapOvr>
-  <mc:AlternateContent xmlns:mc="http://schemas.openxmlformats.org/markup-compatibility/2006">
-    <mc:Choice xmlns:p159="http://schemas.microsoft.com/office/powerpoint/2015/09/main" Requires="p159">
+  <mc:AlternateContent xmlns:mc="http://schemas.openxmlformats.org/markup-compatibility/2006" xmlns:p159="http://schemas.microsoft.com/office/powerpoint/2015/09/main">
+    <mc:Choice Requires="p159">
       <p:transition xmlns:p14="http://schemas.microsoft.com/office/powerpoint/2010/main" spd="slow" p14:dur="2000">
         <p159:morph option="byWord"/>
       </p:transition>
     </mc:Choice>
-    <mc:Fallback>
+    <mc:Fallback xmlns="">
       <p:transition spd="slow">
         <p:fade/>
       </p:transition>
@@ -13709,13 +17067,13 @@
   <p:clrMapOvr>
     <a:masterClrMapping/>
   </p:clrMapOvr>
-  <mc:AlternateContent xmlns:mc="http://schemas.openxmlformats.org/markup-compatibility/2006">
-    <mc:Choice xmlns:p159="http://schemas.microsoft.com/office/powerpoint/2015/09/main" Requires="p159">
+  <mc:AlternateContent xmlns:mc="http://schemas.openxmlformats.org/markup-compatibility/2006" xmlns:p159="http://schemas.microsoft.com/office/powerpoint/2015/09/main">
+    <mc:Choice Requires="p159">
       <p:transition xmlns:p14="http://schemas.microsoft.com/office/powerpoint/2010/main" spd="slow" p14:dur="2000">
         <p159:morph option="byWord"/>
       </p:transition>
     </mc:Choice>
-    <mc:Fallback>
+    <mc:Fallback xmlns="">
       <p:transition spd="slow">
         <p:fade/>
       </p:transition>
@@ -13805,13 +17163,13 @@
   <p:clrMapOvr>
     <a:masterClrMapping/>
   </p:clrMapOvr>
-  <mc:AlternateContent xmlns:mc="http://schemas.openxmlformats.org/markup-compatibility/2006">
-    <mc:Choice xmlns:p159="http://schemas.microsoft.com/office/powerpoint/2015/09/main" Requires="p159">
+  <mc:AlternateContent xmlns:mc="http://schemas.openxmlformats.org/markup-compatibility/2006" xmlns:p159="http://schemas.microsoft.com/office/powerpoint/2015/09/main">
+    <mc:Choice Requires="p159">
       <p:transition xmlns:p14="http://schemas.microsoft.com/office/powerpoint/2010/main" spd="slow" p14:dur="2000">
         <p159:morph option="byWord"/>
       </p:transition>
     </mc:Choice>
-    <mc:Fallback>
+    <mc:Fallback xmlns="">
       <p:transition spd="slow">
         <p:fade/>
       </p:transition>
@@ -13917,13 +17275,13 @@
   <p:clrMapOvr>
     <a:masterClrMapping/>
   </p:clrMapOvr>
-  <mc:AlternateContent xmlns:mc="http://schemas.openxmlformats.org/markup-compatibility/2006">
-    <mc:Choice xmlns:p159="http://schemas.microsoft.com/office/powerpoint/2015/09/main" Requires="p159">
+  <mc:AlternateContent xmlns:mc="http://schemas.openxmlformats.org/markup-compatibility/2006" xmlns:p159="http://schemas.microsoft.com/office/powerpoint/2015/09/main">
+    <mc:Choice Requires="p159">
       <p:transition xmlns:p14="http://schemas.microsoft.com/office/powerpoint/2010/main" spd="slow" p14:dur="2000">
         <p159:morph option="byWord"/>
       </p:transition>
     </mc:Choice>
-    <mc:Fallback>
+    <mc:Fallback xmlns="">
       <p:transition spd="slow">
         <p:fade/>
       </p:transition>

--- a/business/PitchDeck/JIbres-PitchDeck-v1.pptx
+++ b/business/PitchDeck/JIbres-PitchDeck-v1.pptx
@@ -5,30 +5,29 @@
     <p:sldMasterId id="2147483714" r:id="rId1"/>
   </p:sldMasterIdLst>
   <p:notesMasterIdLst>
-    <p:notesMasterId r:id="rId20"/>
+    <p:notesMasterId r:id="rId19"/>
   </p:notesMasterIdLst>
   <p:handoutMasterIdLst>
-    <p:handoutMasterId r:id="rId21"/>
+    <p:handoutMasterId r:id="rId20"/>
   </p:handoutMasterIdLst>
   <p:sldIdLst>
     <p:sldId id="262" r:id="rId2"/>
     <p:sldId id="259" r:id="rId3"/>
     <p:sldId id="280" r:id="rId4"/>
     <p:sldId id="270" r:id="rId5"/>
-    <p:sldId id="277" r:id="rId6"/>
-    <p:sldId id="258" r:id="rId7"/>
-    <p:sldId id="271" r:id="rId8"/>
-    <p:sldId id="266" r:id="rId9"/>
-    <p:sldId id="269" r:id="rId10"/>
-    <p:sldId id="272" r:id="rId11"/>
-    <p:sldId id="265" r:id="rId12"/>
-    <p:sldId id="273" r:id="rId13"/>
-    <p:sldId id="275" r:id="rId14"/>
-    <p:sldId id="268" r:id="rId15"/>
-    <p:sldId id="276" r:id="rId16"/>
-    <p:sldId id="274" r:id="rId17"/>
-    <p:sldId id="279" r:id="rId18"/>
-    <p:sldId id="261" r:id="rId19"/>
+    <p:sldId id="258" r:id="rId6"/>
+    <p:sldId id="271" r:id="rId7"/>
+    <p:sldId id="266" r:id="rId8"/>
+    <p:sldId id="269" r:id="rId9"/>
+    <p:sldId id="272" r:id="rId10"/>
+    <p:sldId id="265" r:id="rId11"/>
+    <p:sldId id="273" r:id="rId12"/>
+    <p:sldId id="275" r:id="rId13"/>
+    <p:sldId id="268" r:id="rId14"/>
+    <p:sldId id="276" r:id="rId15"/>
+    <p:sldId id="274" r:id="rId16"/>
+    <p:sldId id="279" r:id="rId17"/>
+    <p:sldId id="261" r:id="rId18"/>
   </p:sldIdLst>
   <p:sldSz cx="12192000" cy="6858000"/>
   <p:notesSz cx="6858000" cy="9144000"/>
@@ -38,31 +37,31 @@
         <p:sld r:id="rId2"/>
         <p:sld r:id="rId3"/>
         <p:sld r:id="rId5"/>
+        <p:sld r:id="rId6"/>
         <p:sld r:id="rId7"/>
         <p:sld r:id="rId8"/>
         <p:sld r:id="rId9"/>
         <p:sld r:id="rId10"/>
         <p:sld r:id="rId11"/>
         <p:sld r:id="rId12"/>
-        <p:sld r:id="rId13"/>
-        <p:sld r:id="rId15"/>
-        <p:sld r:id="rId19"/>
+        <p:sld r:id="rId14"/>
+        <p:sld r:id="rId18"/>
       </p:sldLst>
     </p:custShow>
     <p:custShow name="Demo Day" id="1">
       <p:sldLst>
         <p:sld r:id="rId2"/>
-        <p:sld r:id="rId13"/>
+        <p:sld r:id="rId12"/>
         <p:sld r:id="rId3"/>
         <p:sld r:id="rId5"/>
+        <p:sld r:id="rId7"/>
+        <p:sld r:id="rId6"/>
         <p:sld r:id="rId8"/>
-        <p:sld r:id="rId7"/>
         <p:sld r:id="rId9"/>
         <p:sld r:id="rId10"/>
         <p:sld r:id="rId11"/>
-        <p:sld r:id="rId12"/>
-        <p:sld r:id="rId15"/>
-        <p:sld r:id="rId19"/>
+        <p:sld r:id="rId14"/>
+        <p:sld r:id="rId18"/>
       </p:sldLst>
     </p:custShow>
   </p:custShowLst>
@@ -185,11 +184,6 @@
         <p14:section name="Product Demo" id="{40F2F240-9D91-412E-A23A-8E95F7901267}">
           <p14:sldIdLst>
             <p14:sldId id="270"/>
-          </p14:sldIdLst>
-        </p14:section>
-        <p14:section name="Market Validation" id="{33AA2443-7388-4C85-A494-2C2129BCA270}">
-          <p14:sldIdLst>
-            <p14:sldId id="277"/>
           </p14:sldIdLst>
         </p14:section>
         <p14:section name="Market Size" id="{5DF3C2D2-C074-4565-B2A8-F9E4834D2E8B}">
@@ -477,7 +471,7 @@
           </c:val>
           <c:extLst>
             <c:ext xmlns:c16="http://schemas.microsoft.com/office/drawing/2014/chart" uri="{C3380CC4-5D6E-409C-BE32-E72D297353CC}">
-              <c16:uniqueId val="{00000000-20D3-4347-8E6C-58C0BAA9E16F}"/>
+              <c16:uniqueId val="{00000001-0093-44AA-A2E3-0A62CAA8A368}"/>
             </c:ext>
           </c:extLst>
         </c:ser>
@@ -2059,15 +2053,17 @@
 </file>
 
 <file path=ppt/diagrams/colors2.xml><?xml version="1.0" encoding="utf-8"?>
-<dgm:colorsDef xmlns:dgm="http://schemas.openxmlformats.org/drawingml/2006/diagram" xmlns:a="http://schemas.openxmlformats.org/drawingml/2006/main" uniqueId="urn:microsoft.com/office/officeart/2005/8/colors/accent1_2">
+<dgm:colorsDef xmlns:dgm="http://schemas.openxmlformats.org/drawingml/2006/diagram" xmlns:a="http://schemas.openxmlformats.org/drawingml/2006/main" uniqueId="urn:microsoft.com/office/officeart/2005/8/colors/accent1_5">
   <dgm:title val=""/>
   <dgm:desc val=""/>
   <dgm:catLst>
-    <dgm:cat type="accent1" pri="11200"/>
+    <dgm:cat type="accent1" pri="11500"/>
   </dgm:catLst>
   <dgm:styleLbl name="node0">
-    <dgm:fillClrLst meth="repeat">
-      <a:schemeClr val="accent1"/>
+    <dgm:fillClrLst meth="cycle">
+      <a:schemeClr val="accent1">
+        <a:alpha val="80000"/>
+      </a:schemeClr>
     </dgm:fillClrLst>
     <dgm:linClrLst meth="repeat">
       <a:schemeClr val="lt1"/>
@@ -2077,44 +2073,11 @@
     <dgm:txFillClrLst/>
     <dgm:txEffectClrLst/>
   </dgm:styleLbl>
-  <dgm:styleLbl name="alignNode1">
-    <dgm:fillClrLst meth="repeat">
-      <a:schemeClr val="accent1"/>
-    </dgm:fillClrLst>
-    <dgm:linClrLst meth="repeat">
-      <a:schemeClr val="accent1"/>
-    </dgm:linClrLst>
-    <dgm:effectClrLst/>
-    <dgm:txLinClrLst/>
-    <dgm:txFillClrLst/>
-    <dgm:txEffectClrLst/>
-  </dgm:styleLbl>
   <dgm:styleLbl name="node1">
-    <dgm:fillClrLst meth="repeat">
-      <a:schemeClr val="accent1"/>
-    </dgm:fillClrLst>
-    <dgm:linClrLst meth="repeat">
-      <a:schemeClr val="lt1"/>
-    </dgm:linClrLst>
-    <dgm:effectClrLst/>
-    <dgm:txLinClrLst/>
-    <dgm:txFillClrLst/>
-    <dgm:txEffectClrLst/>
-  </dgm:styleLbl>
-  <dgm:styleLbl name="lnNode1">
-    <dgm:fillClrLst meth="repeat">
-      <a:schemeClr val="accent1"/>
-    </dgm:fillClrLst>
-    <dgm:linClrLst meth="repeat">
-      <a:schemeClr val="lt1"/>
-    </dgm:linClrLst>
-    <dgm:effectClrLst/>
-    <dgm:txLinClrLst/>
-    <dgm:txFillClrLst/>
-    <dgm:txEffectClrLst/>
-  </dgm:styleLbl>
-  <dgm:styleLbl name="vennNode1">
-    <dgm:fillClrLst meth="repeat">
+    <dgm:fillClrLst>
+      <a:schemeClr val="accent1">
+        <a:alpha val="90000"/>
+      </a:schemeClr>
       <a:schemeClr val="accent1">
         <a:alpha val="50000"/>
       </a:schemeClr>
@@ -2127,9 +2090,69 @@
     <dgm:txFillClrLst/>
     <dgm:txEffectClrLst/>
   </dgm:styleLbl>
+  <dgm:styleLbl name="alignNode1">
+    <dgm:fillClrLst>
+      <a:schemeClr val="accent1">
+        <a:alpha val="90000"/>
+      </a:schemeClr>
+      <a:schemeClr val="accent1">
+        <a:alpha val="50000"/>
+      </a:schemeClr>
+    </dgm:fillClrLst>
+    <dgm:linClrLst>
+      <a:schemeClr val="accent1">
+        <a:alpha val="90000"/>
+      </a:schemeClr>
+      <a:schemeClr val="accent1">
+        <a:alpha val="50000"/>
+      </a:schemeClr>
+    </dgm:linClrLst>
+    <dgm:effectClrLst/>
+    <dgm:txLinClrLst/>
+    <dgm:txFillClrLst/>
+    <dgm:txEffectClrLst/>
+  </dgm:styleLbl>
+  <dgm:styleLbl name="lnNode1">
+    <dgm:fillClrLst>
+      <a:schemeClr val="accent1">
+        <a:shade val="90000"/>
+      </a:schemeClr>
+      <a:schemeClr val="accent1">
+        <a:alpha val="50000"/>
+        <a:tint val="50000"/>
+      </a:schemeClr>
+    </dgm:fillClrLst>
+    <dgm:linClrLst meth="repeat">
+      <a:schemeClr val="lt1"/>
+    </dgm:linClrLst>
+    <dgm:effectClrLst/>
+    <dgm:txLinClrLst/>
+    <dgm:txFillClrLst/>
+    <dgm:txEffectClrLst/>
+  </dgm:styleLbl>
+  <dgm:styleLbl name="vennNode1">
+    <dgm:fillClrLst>
+      <a:schemeClr val="accent1">
+        <a:shade val="80000"/>
+        <a:alpha val="50000"/>
+      </a:schemeClr>
+      <a:schemeClr val="accent1">
+        <a:alpha val="80000"/>
+      </a:schemeClr>
+    </dgm:fillClrLst>
+    <dgm:linClrLst meth="repeat">
+      <a:schemeClr val="lt1"/>
+    </dgm:linClrLst>
+    <dgm:effectClrLst/>
+    <dgm:txLinClrLst/>
+    <dgm:txFillClrLst/>
+    <dgm:txEffectClrLst/>
+  </dgm:styleLbl>
   <dgm:styleLbl name="node2">
-    <dgm:fillClrLst meth="repeat">
-      <a:schemeClr val="accent1"/>
+    <dgm:fillClrLst>
+      <a:schemeClr val="accent1">
+        <a:alpha val="70000"/>
+      </a:schemeClr>
     </dgm:fillClrLst>
     <dgm:linClrLst meth="repeat">
       <a:schemeClr val="lt1"/>
@@ -2140,8 +2163,10 @@
     <dgm:txEffectClrLst/>
   </dgm:styleLbl>
   <dgm:styleLbl name="node3">
-    <dgm:fillClrLst meth="repeat">
-      <a:schemeClr val="accent1"/>
+    <dgm:fillClrLst>
+      <a:schemeClr val="accent1">
+        <a:alpha val="50000"/>
+      </a:schemeClr>
     </dgm:fillClrLst>
     <dgm:linClrLst meth="repeat">
       <a:schemeClr val="lt1"/>
@@ -2152,8 +2177,10 @@
     <dgm:txEffectClrLst/>
   </dgm:styleLbl>
   <dgm:styleLbl name="node4">
-    <dgm:fillClrLst meth="repeat">
-      <a:schemeClr val="accent1"/>
+    <dgm:fillClrLst>
+      <a:schemeClr val="accent1">
+        <a:alpha val="30000"/>
+      </a:schemeClr>
     </dgm:fillClrLst>
     <dgm:linClrLst meth="repeat">
       <a:schemeClr val="lt1"/>
@@ -2164,9 +2191,14 @@
     <dgm:txEffectClrLst/>
   </dgm:styleLbl>
   <dgm:styleLbl name="fgImgPlace1">
-    <dgm:fillClrLst meth="repeat">
+    <dgm:fillClrLst>
       <a:schemeClr val="accent1">
         <a:tint val="50000"/>
+        <a:alpha val="90000"/>
+      </a:schemeClr>
+      <a:schemeClr val="accent1">
+        <a:tint val="20000"/>
+        <a:alpha val="50000"/>
       </a:schemeClr>
     </dgm:fillClrLst>
     <dgm:linClrLst meth="repeat">
@@ -2180,9 +2212,12 @@
     <dgm:txEffectClrLst/>
   </dgm:styleLbl>
   <dgm:styleLbl name="alignImgPlace1">
-    <dgm:fillClrLst meth="repeat">
+    <dgm:fillClrLst>
       <a:schemeClr val="accent1">
         <a:tint val="50000"/>
+      </a:schemeClr>
+      <a:schemeClr val="accent1">
+        <a:tint val="20000"/>
       </a:schemeClr>
     </dgm:fillClrLst>
     <dgm:linClrLst meth="repeat">
@@ -2196,9 +2231,12 @@
     <dgm:txEffectClrLst/>
   </dgm:styleLbl>
   <dgm:styleLbl name="bgImgPlace1">
-    <dgm:fillClrLst meth="repeat">
+    <dgm:fillClrLst>
       <a:schemeClr val="accent1">
         <a:tint val="50000"/>
+      </a:schemeClr>
+      <a:schemeClr val="accent1">
+        <a:tint val="20000"/>
       </a:schemeClr>
     </dgm:fillClrLst>
     <dgm:linClrLst meth="repeat">
@@ -2212,14 +2250,20 @@
     <dgm:txEffectClrLst/>
   </dgm:styleLbl>
   <dgm:styleLbl name="sibTrans2D1">
-    <dgm:fillClrLst meth="repeat">
+    <dgm:fillClrLst>
       <a:schemeClr val="accent1">
-        <a:tint val="60000"/>
+        <a:shade val="90000"/>
+      </a:schemeClr>
+      <a:schemeClr val="accent1">
+        <a:tint val="50000"/>
       </a:schemeClr>
     </dgm:fillClrLst>
-    <dgm:linClrLst meth="repeat">
+    <dgm:linClrLst>
       <a:schemeClr val="accent1">
-        <a:tint val="60000"/>
+        <a:shade val="90000"/>
+      </a:schemeClr>
+      <a:schemeClr val="accent1">
+        <a:tint val="50000"/>
       </a:schemeClr>
     </dgm:linClrLst>
     <dgm:effectClrLst/>
@@ -2228,14 +2272,20 @@
     <dgm:txEffectClrLst/>
   </dgm:styleLbl>
   <dgm:styleLbl name="fgSibTrans2D1">
-    <dgm:fillClrLst meth="repeat">
+    <dgm:fillClrLst>
       <a:schemeClr val="accent1">
-        <a:tint val="60000"/>
+        <a:shade val="90000"/>
+      </a:schemeClr>
+      <a:schemeClr val="accent1">
+        <a:tint val="50000"/>
       </a:schemeClr>
     </dgm:fillClrLst>
-    <dgm:linClrLst meth="repeat">
+    <dgm:linClrLst>
       <a:schemeClr val="accent1">
-        <a:tint val="60000"/>
+        <a:shade val="90000"/>
+      </a:schemeClr>
+      <a:schemeClr val="accent1">
+        <a:tint val="50000"/>
       </a:schemeClr>
     </dgm:linClrLst>
     <dgm:effectClrLst/>
@@ -2244,14 +2294,20 @@
     <dgm:txEffectClrLst/>
   </dgm:styleLbl>
   <dgm:styleLbl name="bgSibTrans2D1">
-    <dgm:fillClrLst meth="repeat">
+    <dgm:fillClrLst>
       <a:schemeClr val="accent1">
-        <a:tint val="60000"/>
+        <a:shade val="90000"/>
+      </a:schemeClr>
+      <a:schemeClr val="accent1">
+        <a:tint val="50000"/>
       </a:schemeClr>
     </dgm:fillClrLst>
-    <dgm:linClrLst meth="repeat">
+    <dgm:linClrLst>
       <a:schemeClr val="accent1">
-        <a:tint val="60000"/>
+        <a:shade val="90000"/>
+      </a:schemeClr>
+      <a:schemeClr val="accent1">
+        <a:tint val="50000"/>
       </a:schemeClr>
     </dgm:linClrLst>
     <dgm:effectClrLst/>
@@ -2260,6 +2316,30 @@
     <dgm:txEffectClrLst/>
   </dgm:styleLbl>
   <dgm:styleLbl name="sibTrans1D1">
+    <dgm:fillClrLst>
+      <a:schemeClr val="accent1">
+        <a:shade val="90000"/>
+      </a:schemeClr>
+      <a:schemeClr val="accent1">
+        <a:tint val="50000"/>
+      </a:schemeClr>
+    </dgm:fillClrLst>
+    <dgm:linClrLst>
+      <a:schemeClr val="accent1">
+        <a:shade val="90000"/>
+      </a:schemeClr>
+      <a:schemeClr val="accent1">
+        <a:tint val="50000"/>
+      </a:schemeClr>
+    </dgm:linClrLst>
+    <dgm:effectClrLst/>
+    <dgm:txLinClrLst/>
+    <dgm:txFillClrLst meth="repeat">
+      <a:schemeClr val="tx1"/>
+    </dgm:txFillClrLst>
+    <dgm:txEffectClrLst/>
+  </dgm:styleLbl>
+  <dgm:styleLbl name="callout">
     <dgm:fillClrLst meth="repeat">
       <a:schemeClr val="accent1"/>
     </dgm:fillClrLst>
@@ -2273,25 +2353,11 @@
     </dgm:txFillClrLst>
     <dgm:txEffectClrLst/>
   </dgm:styleLbl>
-  <dgm:styleLbl name="callout">
-    <dgm:fillClrLst meth="repeat">
-      <a:schemeClr val="accent1"/>
-    </dgm:fillClrLst>
-    <dgm:linClrLst meth="repeat">
-      <a:schemeClr val="accent1">
-        <a:tint val="50000"/>
-      </a:schemeClr>
-    </dgm:linClrLst>
-    <dgm:effectClrLst/>
-    <dgm:txLinClrLst/>
-    <dgm:txFillClrLst meth="repeat">
-      <a:schemeClr val="tx1"/>
-    </dgm:txFillClrLst>
-    <dgm:txEffectClrLst/>
-  </dgm:styleLbl>
   <dgm:styleLbl name="asst0">
     <dgm:fillClrLst meth="repeat">
-      <a:schemeClr val="accent1"/>
+      <a:schemeClr val="accent1">
+        <a:alpha val="90000"/>
+      </a:schemeClr>
     </dgm:fillClrLst>
     <dgm:linClrLst meth="repeat">
       <a:schemeClr val="lt1"/>
@@ -2303,7 +2369,9 @@
   </dgm:styleLbl>
   <dgm:styleLbl name="asst1">
     <dgm:fillClrLst meth="repeat">
-      <a:schemeClr val="accent1"/>
+      <a:schemeClr val="accent1">
+        <a:alpha val="90000"/>
+      </a:schemeClr>
     </dgm:fillClrLst>
     <dgm:linClrLst meth="repeat">
       <a:schemeClr val="lt1"/>
@@ -2314,8 +2382,10 @@
     <dgm:txEffectClrLst/>
   </dgm:styleLbl>
   <dgm:styleLbl name="asst2">
-    <dgm:fillClrLst meth="repeat">
-      <a:schemeClr val="accent1"/>
+    <dgm:fillClrLst>
+      <a:schemeClr val="accent1">
+        <a:alpha val="90000"/>
+      </a:schemeClr>
     </dgm:fillClrLst>
     <dgm:linClrLst meth="repeat">
       <a:schemeClr val="lt1"/>
@@ -2326,8 +2396,10 @@
     <dgm:txEffectClrLst/>
   </dgm:styleLbl>
   <dgm:styleLbl name="asst3">
-    <dgm:fillClrLst meth="repeat">
-      <a:schemeClr val="accent1"/>
+    <dgm:fillClrLst>
+      <a:schemeClr val="accent1">
+        <a:alpha val="70000"/>
+      </a:schemeClr>
     </dgm:fillClrLst>
     <dgm:linClrLst meth="repeat">
       <a:schemeClr val="lt1"/>
@@ -2338,8 +2410,10 @@
     <dgm:txEffectClrLst/>
   </dgm:styleLbl>
   <dgm:styleLbl name="asst4">
-    <dgm:fillClrLst meth="repeat">
-      <a:schemeClr val="accent1"/>
+    <dgm:fillClrLst>
+      <a:schemeClr val="accent1">
+        <a:alpha val="50000"/>
+      </a:schemeClr>
     </dgm:fillClrLst>
     <dgm:linClrLst meth="repeat">
       <a:schemeClr val="lt1"/>
@@ -2352,98 +2426,74 @@
   <dgm:styleLbl name="parChTrans2D1">
     <dgm:fillClrLst meth="repeat">
       <a:schemeClr val="accent1">
-        <a:tint val="60000"/>
+        <a:shade val="80000"/>
       </a:schemeClr>
     </dgm:fillClrLst>
     <dgm:linClrLst meth="repeat">
       <a:schemeClr val="accent1">
-        <a:tint val="60000"/>
+        <a:shade val="80000"/>
+      </a:schemeClr>
+    </dgm:linClrLst>
+    <dgm:effectClrLst/>
+    <dgm:txLinClrLst/>
+    <dgm:txFillClrLst/>
+    <dgm:txEffectClrLst/>
+  </dgm:styleLbl>
+  <dgm:styleLbl name="parChTrans2D2">
+    <dgm:fillClrLst meth="repeat">
+      <a:schemeClr val="accent1">
+        <a:tint val="90000"/>
+      </a:schemeClr>
+    </dgm:fillClrLst>
+    <dgm:linClrLst meth="repeat">
+      <a:schemeClr val="accent1">
+        <a:tint val="90000"/>
+      </a:schemeClr>
+    </dgm:linClrLst>
+    <dgm:effectClrLst/>
+    <dgm:txLinClrLst/>
+    <dgm:txFillClrLst/>
+    <dgm:txEffectClrLst/>
+  </dgm:styleLbl>
+  <dgm:styleLbl name="parChTrans2D3">
+    <dgm:fillClrLst meth="repeat">
+      <a:schemeClr val="accent1">
+        <a:tint val="70000"/>
+      </a:schemeClr>
+    </dgm:fillClrLst>
+    <dgm:linClrLst meth="repeat">
+      <a:schemeClr val="accent1">
+        <a:tint val="70000"/>
+      </a:schemeClr>
+    </dgm:linClrLst>
+    <dgm:effectClrLst/>
+    <dgm:txLinClrLst/>
+    <dgm:txFillClrLst/>
+    <dgm:txEffectClrLst/>
+  </dgm:styleLbl>
+  <dgm:styleLbl name="parChTrans2D4">
+    <dgm:fillClrLst meth="repeat">
+      <a:schemeClr val="accent1">
+        <a:tint val="50000"/>
+      </a:schemeClr>
+    </dgm:fillClrLst>
+    <dgm:linClrLst meth="repeat">
+      <a:schemeClr val="accent1">
+        <a:tint val="50000"/>
       </a:schemeClr>
     </dgm:linClrLst>
     <dgm:effectClrLst/>
     <dgm:txLinClrLst/>
     <dgm:txFillClrLst meth="repeat">
-      <a:schemeClr val="lt1"/>
-    </dgm:txFillClrLst>
-    <dgm:txEffectClrLst/>
-  </dgm:styleLbl>
-  <dgm:styleLbl name="parChTrans2D2">
-    <dgm:fillClrLst meth="repeat">
-      <a:schemeClr val="accent1"/>
-    </dgm:fillClrLst>
-    <dgm:linClrLst meth="repeat">
-      <a:schemeClr val="accent1"/>
-    </dgm:linClrLst>
-    <dgm:effectClrLst/>
-    <dgm:txLinClrLst/>
-    <dgm:txFillClrLst meth="repeat">
-      <a:schemeClr val="lt1"/>
-    </dgm:txFillClrLst>
-    <dgm:txEffectClrLst/>
-  </dgm:styleLbl>
-  <dgm:styleLbl name="parChTrans2D3">
-    <dgm:fillClrLst meth="repeat">
-      <a:schemeClr val="accent1"/>
-    </dgm:fillClrLst>
-    <dgm:linClrLst meth="repeat">
-      <a:schemeClr val="accent1"/>
-    </dgm:linClrLst>
-    <dgm:effectClrLst/>
-    <dgm:txLinClrLst/>
-    <dgm:txFillClrLst meth="repeat">
-      <a:schemeClr val="lt1"/>
-    </dgm:txFillClrLst>
-    <dgm:txEffectClrLst/>
-  </dgm:styleLbl>
-  <dgm:styleLbl name="parChTrans2D4">
-    <dgm:fillClrLst meth="repeat">
-      <a:schemeClr val="accent1"/>
-    </dgm:fillClrLst>
-    <dgm:linClrLst meth="repeat">
-      <a:schemeClr val="accent1"/>
-    </dgm:linClrLst>
-    <dgm:effectClrLst/>
-    <dgm:txLinClrLst/>
-    <dgm:txFillClrLst meth="repeat">
-      <a:schemeClr val="lt1"/>
+      <a:schemeClr val="dk1"/>
     </dgm:txFillClrLst>
     <dgm:txEffectClrLst/>
   </dgm:styleLbl>
   <dgm:styleLbl name="parChTrans1D1">
     <dgm:fillClrLst meth="repeat">
-      <a:schemeClr val="accent1"/>
-    </dgm:fillClrLst>
-    <dgm:linClrLst meth="repeat">
       <a:schemeClr val="accent1">
-        <a:shade val="60000"/>
+        <a:shade val="80000"/>
       </a:schemeClr>
-    </dgm:linClrLst>
-    <dgm:effectClrLst/>
-    <dgm:txLinClrLst/>
-    <dgm:txFillClrLst meth="repeat">
-      <a:schemeClr val="tx1"/>
-    </dgm:txFillClrLst>
-    <dgm:txEffectClrLst/>
-  </dgm:styleLbl>
-  <dgm:styleLbl name="parChTrans1D2">
-    <dgm:fillClrLst meth="repeat">
-      <a:schemeClr val="accent1"/>
-    </dgm:fillClrLst>
-    <dgm:linClrLst meth="repeat">
-      <a:schemeClr val="accent1">
-        <a:shade val="60000"/>
-      </a:schemeClr>
-    </dgm:linClrLst>
-    <dgm:effectClrLst/>
-    <dgm:txLinClrLst/>
-    <dgm:txFillClrLst meth="repeat">
-      <a:schemeClr val="tx1"/>
-    </dgm:txFillClrLst>
-    <dgm:txEffectClrLst/>
-  </dgm:styleLbl>
-  <dgm:styleLbl name="parChTrans1D3">
-    <dgm:fillClrLst meth="repeat">
-      <a:schemeClr val="accent1"/>
     </dgm:fillClrLst>
     <dgm:linClrLst meth="repeat">
       <a:schemeClr val="accent1">
@@ -2457,13 +2507,51 @@
     </dgm:txFillClrLst>
     <dgm:txEffectClrLst/>
   </dgm:styleLbl>
-  <dgm:styleLbl name="parChTrans1D4">
+  <dgm:styleLbl name="parChTrans1D2">
     <dgm:fillClrLst meth="repeat">
-      <a:schemeClr val="accent1"/>
+      <a:schemeClr val="accent1">
+        <a:tint val="90000"/>
+      </a:schemeClr>
     </dgm:fillClrLst>
     <dgm:linClrLst meth="repeat">
       <a:schemeClr val="accent1">
-        <a:shade val="80000"/>
+        <a:tint val="90000"/>
+      </a:schemeClr>
+    </dgm:linClrLst>
+    <dgm:effectClrLst/>
+    <dgm:txLinClrLst/>
+    <dgm:txFillClrLst meth="repeat">
+      <a:schemeClr val="tx1"/>
+    </dgm:txFillClrLst>
+    <dgm:txEffectClrLst/>
+  </dgm:styleLbl>
+  <dgm:styleLbl name="parChTrans1D3">
+    <dgm:fillClrLst meth="repeat">
+      <a:schemeClr val="accent1">
+        <a:tint val="70000"/>
+      </a:schemeClr>
+    </dgm:fillClrLst>
+    <dgm:linClrLst meth="repeat">
+      <a:schemeClr val="accent1">
+        <a:tint val="70000"/>
+      </a:schemeClr>
+    </dgm:linClrLst>
+    <dgm:effectClrLst/>
+    <dgm:txLinClrLst/>
+    <dgm:txFillClrLst meth="repeat">
+      <a:schemeClr val="tx1"/>
+    </dgm:txFillClrLst>
+    <dgm:txEffectClrLst/>
+  </dgm:styleLbl>
+  <dgm:styleLbl name="parChTrans1D4">
+    <dgm:fillClrLst meth="repeat">
+      <a:schemeClr val="accent1">
+        <a:tint val="50000"/>
+      </a:schemeClr>
+    </dgm:fillClrLst>
+    <dgm:linClrLst meth="repeat">
+      <a:schemeClr val="accent1">
+        <a:tint val="50000"/>
       </a:schemeClr>
     </dgm:linClrLst>
     <dgm:effectClrLst/>
@@ -2479,8 +2567,13 @@
         <a:alpha val="90000"/>
       </a:schemeClr>
     </dgm:fillClrLst>
-    <dgm:linClrLst meth="repeat">
-      <a:schemeClr val="accent1"/>
+    <dgm:linClrLst>
+      <a:schemeClr val="accent1">
+        <a:alpha val="90000"/>
+      </a:schemeClr>
+      <a:schemeClr val="accent1">
+        <a:alpha val="50000"/>
+      </a:schemeClr>
     </dgm:linClrLst>
     <dgm:effectClrLst/>
     <dgm:txLinClrLst/>
@@ -2495,8 +2588,13 @@
         <a:alpha val="90000"/>
       </a:schemeClr>
     </dgm:fillClrLst>
-    <dgm:linClrLst meth="repeat">
-      <a:schemeClr val="accent1"/>
+    <dgm:linClrLst>
+      <a:schemeClr val="accent1">
+        <a:alpha val="90000"/>
+      </a:schemeClr>
+      <a:schemeClr val="accent1">
+        <a:alpha val="50000"/>
+      </a:schemeClr>
     </dgm:linClrLst>
     <dgm:effectClrLst/>
     <dgm:txLinClrLst/>
@@ -2511,8 +2609,13 @@
         <a:alpha val="90000"/>
       </a:schemeClr>
     </dgm:fillClrLst>
-    <dgm:linClrLst meth="repeat">
-      <a:schemeClr val="accent1"/>
+    <dgm:linClrLst>
+      <a:schemeClr val="accent1">
+        <a:alpha val="90000"/>
+      </a:schemeClr>
+      <a:schemeClr val="accent1">
+        <a:alpha val="50000"/>
+      </a:schemeClr>
     </dgm:linClrLst>
     <dgm:effectClrLst/>
     <dgm:txLinClrLst/>
@@ -2527,8 +2630,13 @@
         <a:alpha val="40000"/>
       </a:schemeClr>
     </dgm:fillClrLst>
-    <dgm:linClrLst meth="repeat">
-      <a:schemeClr val="accent1"/>
+    <dgm:linClrLst>
+      <a:schemeClr val="accent1">
+        <a:alpha val="90000"/>
+      </a:schemeClr>
+      <a:schemeClr val="accent1">
+        <a:alpha val="50000"/>
+      </a:schemeClr>
     </dgm:linClrLst>
     <dgm:effectClrLst/>
     <dgm:txLinClrLst/>
@@ -2543,8 +2651,13 @@
         <a:alpha val="90000"/>
       </a:schemeClr>
     </dgm:fillClrLst>
-    <dgm:linClrLst meth="repeat">
-      <a:schemeClr val="accent1"/>
+    <dgm:linClrLst>
+      <a:schemeClr val="accent1">
+        <a:alpha val="90000"/>
+      </a:schemeClr>
+      <a:schemeClr val="accent1">
+        <a:alpha val="50000"/>
+      </a:schemeClr>
     </dgm:linClrLst>
     <dgm:effectClrLst/>
     <dgm:txLinClrLst/>
@@ -2557,8 +2670,13 @@
     <dgm:fillClrLst meth="repeat">
       <a:schemeClr val="lt1"/>
     </dgm:fillClrLst>
-    <dgm:linClrLst meth="repeat">
-      <a:schemeClr val="accent1"/>
+    <dgm:linClrLst>
+      <a:schemeClr val="accent1">
+        <a:alpha val="90000"/>
+      </a:schemeClr>
+      <a:schemeClr val="accent1">
+        <a:alpha val="50000"/>
+      </a:schemeClr>
     </dgm:linClrLst>
     <dgm:effectClrLst/>
     <dgm:txLinClrLst/>
@@ -2596,9 +2714,13 @@
     <dgm:txEffectClrLst/>
   </dgm:styleLbl>
   <dgm:styleLbl name="fgAccFollowNode1">
-    <dgm:fillClrLst meth="repeat">
+    <dgm:fillClrLst>
       <a:schemeClr val="accent1">
         <a:alpha val="90000"/>
+        <a:tint val="40000"/>
+      </a:schemeClr>
+      <a:schemeClr val="accent1">
+        <a:alpha val="50000"/>
         <a:tint val="40000"/>
       </a:schemeClr>
     </dgm:fillClrLst>
@@ -2643,10 +2765,7 @@
       </a:schemeClr>
     </dgm:fillClrLst>
     <dgm:linClrLst meth="repeat">
-      <a:schemeClr val="accent1">
-        <a:alpha val="90000"/>
-        <a:tint val="40000"/>
-      </a:schemeClr>
+      <a:schemeClr val="lt1"/>
     </dgm:linClrLst>
     <dgm:effectClrLst/>
     <dgm:txLinClrLst/>
@@ -2662,7 +2781,9 @@
       </a:schemeClr>
     </dgm:fillClrLst>
     <dgm:linClrLst meth="repeat">
-      <a:schemeClr val="accent1"/>
+      <a:schemeClr val="accent1">
+        <a:shade val="80000"/>
+      </a:schemeClr>
     </dgm:linClrLst>
     <dgm:effectClrLst/>
     <dgm:txLinClrLst/>
@@ -2678,7 +2799,9 @@
       </a:schemeClr>
     </dgm:fillClrLst>
     <dgm:linClrLst meth="repeat">
-      <a:schemeClr val="accent1"/>
+      <a:schemeClr val="accent1">
+        <a:tint val="90000"/>
+      </a:schemeClr>
     </dgm:linClrLst>
     <dgm:effectClrLst/>
     <dgm:txLinClrLst/>
@@ -2694,7 +2817,9 @@
       </a:schemeClr>
     </dgm:fillClrLst>
     <dgm:linClrLst meth="repeat">
-      <a:schemeClr val="accent1"/>
+      <a:schemeClr val="accent1">
+        <a:tint val="70000"/>
+      </a:schemeClr>
     </dgm:linClrLst>
     <dgm:effectClrLst/>
     <dgm:txLinClrLst/>
@@ -2710,7 +2835,9 @@
       </a:schemeClr>
     </dgm:fillClrLst>
     <dgm:linClrLst meth="repeat">
-      <a:schemeClr val="accent1"/>
+      <a:schemeClr val="accent1">
+        <a:tint val="50000"/>
+      </a:schemeClr>
     </dgm:linClrLst>
     <dgm:effectClrLst/>
     <dgm:txLinClrLst/>
@@ -2726,7 +2853,7 @@
       </a:schemeClr>
     </dgm:fillClrLst>
     <dgm:linClrLst meth="repeat">
-      <a:schemeClr val="accent1"/>
+      <a:schemeClr val="dk1"/>
     </dgm:linClrLst>
     <dgm:effectClrLst/>
     <dgm:txLinClrLst/>
@@ -2738,11 +2865,11 @@
   <dgm:styleLbl name="dkBgShp">
     <dgm:fillClrLst meth="repeat">
       <a:schemeClr val="accent1">
-        <a:shade val="80000"/>
+        <a:shade val="90000"/>
       </a:schemeClr>
     </dgm:fillClrLst>
     <dgm:linClrLst meth="repeat">
-      <a:schemeClr val="accent1"/>
+      <a:schemeClr val="dk1"/>
     </dgm:linClrLst>
     <dgm:effectClrLst/>
     <dgm:txLinClrLst/>
@@ -2771,7 +2898,7 @@
   <dgm:styleLbl name="fgShp">
     <dgm:fillClrLst meth="repeat">
       <a:schemeClr val="accent1">
-        <a:tint val="60000"/>
+        <a:tint val="40000"/>
       </a:schemeClr>
     </dgm:fillClrLst>
     <dgm:linClrLst meth="repeat">
@@ -4730,27 +4857,8 @@
 <file path=ppt/diagrams/data2.xml><?xml version="1.0" encoding="utf-8"?>
 <dgm:dataModel xmlns:dgm="http://schemas.openxmlformats.org/drawingml/2006/diagram" xmlns:a="http://schemas.openxmlformats.org/drawingml/2006/main">
   <dgm:ptLst>
-    <dgm:pt modelId="{63CB2480-2D3E-493E-B64B-0F99F099933E}" type="doc">
-      <dgm:prSet loTypeId="urn:microsoft.com/office/officeart/2005/8/layout/pyramid3" loCatId="pyramid" qsTypeId="urn:microsoft.com/office/officeart/2005/8/quickstyle/simple1" qsCatId="simple" csTypeId="urn:microsoft.com/office/officeart/2005/8/colors/accent1_2" csCatId="accent1" phldr="1"/>
-      <dgm:spPr/>
-    </dgm:pt>
-    <dgm:pt modelId="{F80339CE-44EE-45B8-82DF-D5DC668CB4DB}">
-      <dgm:prSet phldrT="[Text]"/>
-      <dgm:spPr/>
-      <dgm:t>
-        <a:bodyPr/>
-        <a:lstStyle/>
-        <a:p>
-          <a:r>
-            <a:rPr lang="fa-IR" dirty="0"/>
-            <a:t>کارآفرینان</a:t>
-          </a:r>
-          <a:endParaRPr lang="en-US" dirty="0"/>
-        </a:p>
-      </dgm:t>
-    </dgm:pt>
-    <dgm:pt modelId="{6DDE4872-DB92-488C-A7BB-95ACF34F1C6A}" type="parTrans" cxnId="{3CB25A5F-D3FD-4623-AB62-E557AE7B0EAE}">
-      <dgm:prSet/>
+    <dgm:pt modelId="{762B7D0F-6333-4529-B25E-8BBEB5A69D23}" type="doc">
+      <dgm:prSet loTypeId="urn:microsoft.com/office/officeart/2005/8/layout/venn2" loCatId="relationship" qsTypeId="urn:microsoft.com/office/officeart/2005/8/quickstyle/simple1" qsCatId="simple" csTypeId="urn:microsoft.com/office/officeart/2005/8/colors/accent1_5" csCatId="accent1" phldr="1"/>
       <dgm:spPr/>
       <dgm:t>
         <a:bodyPr/>
@@ -4760,154 +4868,345 @@
         </a:p>
       </dgm:t>
     </dgm:pt>
-    <dgm:pt modelId="{CFE5C07A-1465-409A-B22F-EA853D387C36}" type="sibTrans" cxnId="{3CB25A5F-D3FD-4623-AB62-E557AE7B0EAE}">
+    <dgm:pt modelId="{CE1F88B2-BA36-4E18-A10B-5FEE04BC97E2}">
+      <dgm:prSet phldrT="[Text]" custT="1"/>
+      <dgm:spPr/>
+      <dgm:t>
+        <a:bodyPr/>
+        <a:lstStyle/>
+        <a:p>
+          <a:pPr>
+            <a:lnSpc>
+              <a:spcPct val="100000"/>
+            </a:lnSpc>
+          </a:pPr>
+          <a:r>
+            <a:rPr lang="en-US" sz="2400" b="1" dirty="0">
+              <a:latin typeface="+mn-lt"/>
+            </a:rPr>
+            <a:t>$153B</a:t>
+          </a:r>
+          <a:r>
+            <a:rPr lang="en-US" sz="2400" dirty="0">
+              <a:latin typeface="+mn-lt"/>
+            </a:rPr>
+            <a:t> </a:t>
+          </a:r>
+          <a:r>
+            <a:rPr lang="en-US" sz="1800" dirty="0">
+              <a:latin typeface="+mn-lt"/>
+            </a:rPr>
+            <a:t>PAM</a:t>
+          </a:r>
+        </a:p>
+      </dgm:t>
+    </dgm:pt>
+    <dgm:pt modelId="{A4EFC219-8831-47E1-9494-2005C2D58A8A}" type="parTrans" cxnId="{0BF7B567-BDE6-4714-A033-F303B2D3676E}">
       <dgm:prSet/>
       <dgm:spPr/>
       <dgm:t>
         <a:bodyPr/>
         <a:lstStyle/>
         <a:p>
-          <a:endParaRPr lang="en-US"/>
+          <a:pPr>
+            <a:lnSpc>
+              <a:spcPct val="100000"/>
+            </a:lnSpc>
+          </a:pPr>
+          <a:endParaRPr lang="en-US" sz="2400">
+            <a:latin typeface="+mn-lt"/>
+          </a:endParaRPr>
         </a:p>
       </dgm:t>
     </dgm:pt>
-    <dgm:pt modelId="{EB8EC8EB-8CDD-45C3-8FE6-5C708FE0387E}">
-      <dgm:prSet phldrT="[Text]" phldr="1"/>
-      <dgm:spPr/>
-      <dgm:t>
-        <a:bodyPr/>
-        <a:lstStyle/>
-        <a:p>
-          <a:endParaRPr lang="en-US"/>
-        </a:p>
-      </dgm:t>
-    </dgm:pt>
-    <dgm:pt modelId="{880A617D-BA1C-480F-8423-64303071303E}" type="parTrans" cxnId="{EE416FA2-3499-4ED4-ACF8-4AECB702FDBF}">
+    <dgm:pt modelId="{519FF32F-2D6A-46B8-80E0-8ABCDCFF1D51}" type="sibTrans" cxnId="{0BF7B567-BDE6-4714-A033-F303B2D3676E}">
       <dgm:prSet/>
       <dgm:spPr/>
       <dgm:t>
         <a:bodyPr/>
         <a:lstStyle/>
         <a:p>
-          <a:endParaRPr lang="en-US"/>
+          <a:pPr>
+            <a:lnSpc>
+              <a:spcPct val="100000"/>
+            </a:lnSpc>
+          </a:pPr>
+          <a:endParaRPr lang="en-US" sz="2400">
+            <a:latin typeface="+mn-lt"/>
+          </a:endParaRPr>
         </a:p>
       </dgm:t>
     </dgm:pt>
-    <dgm:pt modelId="{52D61175-EFE5-4516-A980-0FE5439EF3C1}" type="sibTrans" cxnId="{EE416FA2-3499-4ED4-ACF8-4AECB702FDBF}">
+    <dgm:pt modelId="{0167568B-1C51-48A4-AD01-5AFF7C2D186D}">
+      <dgm:prSet phldrT="[Text]" custT="1"/>
+      <dgm:spPr/>
+      <dgm:t>
+        <a:bodyPr/>
+        <a:lstStyle/>
+        <a:p>
+          <a:pPr>
+            <a:lnSpc>
+              <a:spcPct val="100000"/>
+            </a:lnSpc>
+          </a:pPr>
+          <a:r>
+            <a:rPr lang="en-US" sz="2400" b="1" dirty="0">
+              <a:latin typeface="+mn-lt"/>
+            </a:rPr>
+            <a:t>$7.4B </a:t>
+          </a:r>
+          <a:r>
+            <a:rPr lang="en-US" sz="1800" dirty="0">
+              <a:latin typeface="+mn-lt"/>
+            </a:rPr>
+            <a:t>TAM</a:t>
+          </a:r>
+        </a:p>
+      </dgm:t>
+    </dgm:pt>
+    <dgm:pt modelId="{1CD68888-F3E0-4076-9CD9-B681CC7DE6D7}" type="parTrans" cxnId="{55101FAA-4F9B-4173-B2BD-D2A838B34C4C}">
       <dgm:prSet/>
       <dgm:spPr/>
       <dgm:t>
         <a:bodyPr/>
         <a:lstStyle/>
         <a:p>
-          <a:endParaRPr lang="en-US"/>
+          <a:pPr>
+            <a:lnSpc>
+              <a:spcPct val="100000"/>
+            </a:lnSpc>
+          </a:pPr>
+          <a:endParaRPr lang="en-US" sz="2400">
+            <a:latin typeface="+mn-lt"/>
+          </a:endParaRPr>
         </a:p>
       </dgm:t>
     </dgm:pt>
-    <dgm:pt modelId="{3B6F6812-D73D-4B10-9675-6296390466A5}">
-      <dgm:prSet phldrT="[Text]" phldr="1"/>
-      <dgm:spPr/>
-      <dgm:t>
-        <a:bodyPr/>
-        <a:lstStyle/>
-        <a:p>
-          <a:endParaRPr lang="en-US"/>
-        </a:p>
-      </dgm:t>
-    </dgm:pt>
-    <dgm:pt modelId="{DBACDC31-538F-4DA8-80A1-8C9F5E4DA1FD}" type="parTrans" cxnId="{81EF4A26-B922-44A8-B6A5-44BB096C4BD0}">
+    <dgm:pt modelId="{32E1882A-ED3A-424B-A0F7-7A9417D645DF}" type="sibTrans" cxnId="{55101FAA-4F9B-4173-B2BD-D2A838B34C4C}">
       <dgm:prSet/>
       <dgm:spPr/>
       <dgm:t>
         <a:bodyPr/>
         <a:lstStyle/>
         <a:p>
-          <a:endParaRPr lang="en-US"/>
+          <a:pPr>
+            <a:lnSpc>
+              <a:spcPct val="100000"/>
+            </a:lnSpc>
+          </a:pPr>
+          <a:endParaRPr lang="en-US" sz="2400">
+            <a:latin typeface="+mn-lt"/>
+          </a:endParaRPr>
         </a:p>
       </dgm:t>
     </dgm:pt>
-    <dgm:pt modelId="{AA2F1B05-1D34-456C-951E-F87EA287F26F}" type="sibTrans" cxnId="{81EF4A26-B922-44A8-B6A5-44BB096C4BD0}">
+    <dgm:pt modelId="{37AE6D4C-2E38-47B4-90C2-69DBF1EF3BF7}">
+      <dgm:prSet phldrT="[Text]" custT="1"/>
+      <dgm:spPr/>
+      <dgm:t>
+        <a:bodyPr/>
+        <a:lstStyle/>
+        <a:p>
+          <a:pPr>
+            <a:lnSpc>
+              <a:spcPct val="100000"/>
+            </a:lnSpc>
+          </a:pPr>
+          <a:r>
+            <a:rPr lang="en-US" sz="2400" b="1" dirty="0">
+              <a:latin typeface="+mn-lt"/>
+            </a:rPr>
+            <a:t>$44M</a:t>
+          </a:r>
+          <a:r>
+            <a:rPr lang="en-US" sz="2400" dirty="0">
+              <a:latin typeface="+mn-lt"/>
+            </a:rPr>
+            <a:t> </a:t>
+          </a:r>
+          <a:r>
+            <a:rPr lang="en-US" sz="1800" dirty="0">
+              <a:latin typeface="+mn-lt"/>
+            </a:rPr>
+            <a:t>SAM</a:t>
+          </a:r>
+        </a:p>
+      </dgm:t>
+    </dgm:pt>
+    <dgm:pt modelId="{78732C8E-B8BD-4DF3-AF16-2C30093D942E}" type="parTrans" cxnId="{DA4F9792-C3A4-4D6B-81D4-7AFFA1641903}">
       <dgm:prSet/>
       <dgm:spPr/>
       <dgm:t>
         <a:bodyPr/>
         <a:lstStyle/>
         <a:p>
-          <a:endParaRPr lang="en-US"/>
+          <a:pPr>
+            <a:lnSpc>
+              <a:spcPct val="100000"/>
+            </a:lnSpc>
+          </a:pPr>
+          <a:endParaRPr lang="en-US" sz="2400">
+            <a:latin typeface="+mn-lt"/>
+          </a:endParaRPr>
         </a:p>
       </dgm:t>
     </dgm:pt>
-    <dgm:pt modelId="{FD3D29FE-1FB7-465F-8AF6-2636027F83FD}" type="pres">
-      <dgm:prSet presAssocID="{63CB2480-2D3E-493E-B64B-0F99F099933E}" presName="Name0" presStyleCnt="0">
+    <dgm:pt modelId="{80DAAD14-5DA1-4623-A5D6-BDE7BFCF3419}" type="sibTrans" cxnId="{DA4F9792-C3A4-4D6B-81D4-7AFFA1641903}">
+      <dgm:prSet/>
+      <dgm:spPr/>
+      <dgm:t>
+        <a:bodyPr/>
+        <a:lstStyle/>
+        <a:p>
+          <a:pPr>
+            <a:lnSpc>
+              <a:spcPct val="100000"/>
+            </a:lnSpc>
+          </a:pPr>
+          <a:endParaRPr lang="en-US" sz="2400">
+            <a:latin typeface="+mn-lt"/>
+          </a:endParaRPr>
+        </a:p>
+      </dgm:t>
+    </dgm:pt>
+    <dgm:pt modelId="{07D63BA1-B703-4F66-AC8F-FBF35F65A163}">
+      <dgm:prSet phldrT="[Text]" custT="1"/>
+      <dgm:spPr/>
+      <dgm:t>
+        <a:bodyPr/>
+        <a:lstStyle/>
+        <a:p>
+          <a:pPr>
+            <a:lnSpc>
+              <a:spcPct val="100000"/>
+            </a:lnSpc>
+          </a:pPr>
+          <a:r>
+            <a:rPr lang="en-US" sz="2400" b="1" dirty="0">
+              <a:latin typeface="+mn-lt"/>
+            </a:rPr>
+            <a:t>$1M</a:t>
+          </a:r>
+        </a:p>
+        <a:p>
+          <a:pPr>
+            <a:lnSpc>
+              <a:spcPct val="100000"/>
+            </a:lnSpc>
+          </a:pPr>
+          <a:r>
+            <a:rPr lang="en-US" sz="1800" dirty="0">
+              <a:latin typeface="+mn-lt"/>
+            </a:rPr>
+            <a:t>SOM</a:t>
+          </a:r>
+        </a:p>
+      </dgm:t>
+    </dgm:pt>
+    <dgm:pt modelId="{41013EB8-4B07-473F-842C-F8313737DF18}" type="parTrans" cxnId="{5A6CB370-4AE1-4719-A06D-D19ADA0F5B55}">
+      <dgm:prSet/>
+      <dgm:spPr/>
+      <dgm:t>
+        <a:bodyPr/>
+        <a:lstStyle/>
+        <a:p>
+          <a:pPr>
+            <a:lnSpc>
+              <a:spcPct val="100000"/>
+            </a:lnSpc>
+          </a:pPr>
+          <a:endParaRPr lang="en-US" sz="2400">
+            <a:latin typeface="+mn-lt"/>
+          </a:endParaRPr>
+        </a:p>
+      </dgm:t>
+    </dgm:pt>
+    <dgm:pt modelId="{6A7A6210-D1B6-4E45-9EB4-F90F32B79647}" type="sibTrans" cxnId="{5A6CB370-4AE1-4719-A06D-D19ADA0F5B55}">
+      <dgm:prSet/>
+      <dgm:spPr/>
+      <dgm:t>
+        <a:bodyPr/>
+        <a:lstStyle/>
+        <a:p>
+          <a:pPr>
+            <a:lnSpc>
+              <a:spcPct val="100000"/>
+            </a:lnSpc>
+          </a:pPr>
+          <a:endParaRPr lang="en-US" sz="2400">
+            <a:latin typeface="+mn-lt"/>
+          </a:endParaRPr>
+        </a:p>
+      </dgm:t>
+    </dgm:pt>
+    <dgm:pt modelId="{FA08B8E8-1F18-4D2A-A319-C903BF62C472}" type="pres">
+      <dgm:prSet presAssocID="{762B7D0F-6333-4529-B25E-8BBEB5A69D23}" presName="Name0" presStyleCnt="0">
         <dgm:presLayoutVars>
-          <dgm:dir/>
-          <dgm:animLvl val="lvl"/>
+          <dgm:chMax val="7"/>
           <dgm:resizeHandles val="exact"/>
         </dgm:presLayoutVars>
       </dgm:prSet>
       <dgm:spPr/>
     </dgm:pt>
-    <dgm:pt modelId="{AF843B60-44F2-4472-A778-B08C6B497014}" type="pres">
-      <dgm:prSet presAssocID="{F80339CE-44EE-45B8-82DF-D5DC668CB4DB}" presName="Name8" presStyleCnt="0"/>
+    <dgm:pt modelId="{595731E1-AA0B-47E6-820D-29C1047C212E}" type="pres">
+      <dgm:prSet presAssocID="{762B7D0F-6333-4529-B25E-8BBEB5A69D23}" presName="comp1" presStyleCnt="0"/>
       <dgm:spPr/>
     </dgm:pt>
-    <dgm:pt modelId="{F2B2B017-64A0-445C-9CE0-D5F840A264B4}" type="pres">
-      <dgm:prSet presAssocID="{F80339CE-44EE-45B8-82DF-D5DC668CB4DB}" presName="level" presStyleLbl="node1" presStyleIdx="0" presStyleCnt="3">
+    <dgm:pt modelId="{591D746C-03DE-4916-98D9-529406B43943}" type="pres">
+      <dgm:prSet presAssocID="{762B7D0F-6333-4529-B25E-8BBEB5A69D23}" presName="circle1" presStyleLbl="node1" presStyleIdx="0" presStyleCnt="4"/>
+      <dgm:spPr/>
+    </dgm:pt>
+    <dgm:pt modelId="{9CF0DC0A-4FFA-4224-ACA5-DCC849699C3B}" type="pres">
+      <dgm:prSet presAssocID="{762B7D0F-6333-4529-B25E-8BBEB5A69D23}" presName="c1text" presStyleLbl="node1" presStyleIdx="0" presStyleCnt="4">
         <dgm:presLayoutVars>
-          <dgm:chMax val="1"/>
           <dgm:bulletEnabled val="1"/>
         </dgm:presLayoutVars>
       </dgm:prSet>
       <dgm:spPr/>
     </dgm:pt>
-    <dgm:pt modelId="{7B910978-1138-4580-80B9-F972748C8161}" type="pres">
-      <dgm:prSet presAssocID="{F80339CE-44EE-45B8-82DF-D5DC668CB4DB}" presName="levelTx" presStyleLbl="revTx" presStyleIdx="0" presStyleCnt="0">
+    <dgm:pt modelId="{682853A4-4865-4ECC-99FB-581FA4A82473}" type="pres">
+      <dgm:prSet presAssocID="{762B7D0F-6333-4529-B25E-8BBEB5A69D23}" presName="comp2" presStyleCnt="0"/>
+      <dgm:spPr/>
+    </dgm:pt>
+    <dgm:pt modelId="{E684386D-1E47-4FCD-A54B-6AF4DD777DE1}" type="pres">
+      <dgm:prSet presAssocID="{762B7D0F-6333-4529-B25E-8BBEB5A69D23}" presName="circle2" presStyleLbl="node1" presStyleIdx="1" presStyleCnt="4"/>
+      <dgm:spPr/>
+    </dgm:pt>
+    <dgm:pt modelId="{FD152785-FA16-42A8-B3AE-F1EBD6A946B7}" type="pres">
+      <dgm:prSet presAssocID="{762B7D0F-6333-4529-B25E-8BBEB5A69D23}" presName="c2text" presStyleLbl="node1" presStyleIdx="1" presStyleCnt="4">
         <dgm:presLayoutVars>
-          <dgm:chMax val="1"/>
           <dgm:bulletEnabled val="1"/>
         </dgm:presLayoutVars>
       </dgm:prSet>
       <dgm:spPr/>
     </dgm:pt>
-    <dgm:pt modelId="{57CA4702-BD0F-46F2-86C8-0837F0479999}" type="pres">
-      <dgm:prSet presAssocID="{EB8EC8EB-8CDD-45C3-8FE6-5C708FE0387E}" presName="Name8" presStyleCnt="0"/>
+    <dgm:pt modelId="{96D8AD5C-FB94-4F85-9B69-BF79918EA5E4}" type="pres">
+      <dgm:prSet presAssocID="{762B7D0F-6333-4529-B25E-8BBEB5A69D23}" presName="comp3" presStyleCnt="0"/>
       <dgm:spPr/>
     </dgm:pt>
-    <dgm:pt modelId="{8A84D3D3-D6A7-45D5-9563-E42A3371B0D1}" type="pres">
-      <dgm:prSet presAssocID="{EB8EC8EB-8CDD-45C3-8FE6-5C708FE0387E}" presName="level" presStyleLbl="node1" presStyleIdx="1" presStyleCnt="3">
+    <dgm:pt modelId="{E443CFDB-1517-43BA-9FC7-580C41428181}" type="pres">
+      <dgm:prSet presAssocID="{762B7D0F-6333-4529-B25E-8BBEB5A69D23}" presName="circle3" presStyleLbl="node1" presStyleIdx="2" presStyleCnt="4"/>
+      <dgm:spPr/>
+    </dgm:pt>
+    <dgm:pt modelId="{525F9E2F-13C8-4835-AF34-EEE931C39F01}" type="pres">
+      <dgm:prSet presAssocID="{762B7D0F-6333-4529-B25E-8BBEB5A69D23}" presName="c3text" presStyleLbl="node1" presStyleIdx="2" presStyleCnt="4">
         <dgm:presLayoutVars>
-          <dgm:chMax val="1"/>
           <dgm:bulletEnabled val="1"/>
         </dgm:presLayoutVars>
       </dgm:prSet>
       <dgm:spPr/>
     </dgm:pt>
-    <dgm:pt modelId="{DC5B15E3-C672-42CB-9FE3-550A7AFF594E}" type="pres">
-      <dgm:prSet presAssocID="{EB8EC8EB-8CDD-45C3-8FE6-5C708FE0387E}" presName="levelTx" presStyleLbl="revTx" presStyleIdx="0" presStyleCnt="0">
-        <dgm:presLayoutVars>
-          <dgm:chMax val="1"/>
-          <dgm:bulletEnabled val="1"/>
-        </dgm:presLayoutVars>
-      </dgm:prSet>
+    <dgm:pt modelId="{C5BAD35D-6413-4D2A-B11F-6744F2597970}" type="pres">
+      <dgm:prSet presAssocID="{762B7D0F-6333-4529-B25E-8BBEB5A69D23}" presName="comp4" presStyleCnt="0"/>
       <dgm:spPr/>
     </dgm:pt>
-    <dgm:pt modelId="{AAF395DA-026F-4E72-9D32-1273416D84E7}" type="pres">
-      <dgm:prSet presAssocID="{3B6F6812-D73D-4B10-9675-6296390466A5}" presName="Name8" presStyleCnt="0"/>
+    <dgm:pt modelId="{F991A3AD-4F42-493E-A210-C0C7F6F0985D}" type="pres">
+      <dgm:prSet presAssocID="{762B7D0F-6333-4529-B25E-8BBEB5A69D23}" presName="circle4" presStyleLbl="node1" presStyleIdx="3" presStyleCnt="4"/>
       <dgm:spPr/>
     </dgm:pt>
-    <dgm:pt modelId="{6F623E72-BA29-4F8B-8BF6-338F29603E1C}" type="pres">
-      <dgm:prSet presAssocID="{3B6F6812-D73D-4B10-9675-6296390466A5}" presName="level" presStyleLbl="node1" presStyleIdx="2" presStyleCnt="3">
+    <dgm:pt modelId="{DF2530BB-F2D5-4097-81E4-DCC071071B35}" type="pres">
+      <dgm:prSet presAssocID="{762B7D0F-6333-4529-B25E-8BBEB5A69D23}" presName="c4text" presStyleLbl="node1" presStyleIdx="3" presStyleCnt="4">
         <dgm:presLayoutVars>
-          <dgm:chMax val="1"/>
-          <dgm:bulletEnabled val="1"/>
-        </dgm:presLayoutVars>
-      </dgm:prSet>
-      <dgm:spPr/>
-    </dgm:pt>
-    <dgm:pt modelId="{072A5E0C-51FC-4C14-80A5-EF1688EDA911}" type="pres">
-      <dgm:prSet presAssocID="{3B6F6812-D73D-4B10-9675-6296390466A5}" presName="levelTx" presStyleLbl="revTx" presStyleIdx="0" presStyleCnt="0">
-        <dgm:presLayoutVars>
-          <dgm:chMax val="1"/>
           <dgm:bulletEnabled val="1"/>
         </dgm:presLayoutVars>
       </dgm:prSet>
@@ -4915,31 +5214,37 @@
     </dgm:pt>
   </dgm:ptLst>
   <dgm:cxnLst>
-    <dgm:cxn modelId="{81EF4A26-B922-44A8-B6A5-44BB096C4BD0}" srcId="{63CB2480-2D3E-493E-B64B-0F99F099933E}" destId="{3B6F6812-D73D-4B10-9675-6296390466A5}" srcOrd="2" destOrd="0" parTransId="{DBACDC31-538F-4DA8-80A1-8C9F5E4DA1FD}" sibTransId="{AA2F1B05-1D34-456C-951E-F87EA287F26F}"/>
-    <dgm:cxn modelId="{DD926334-DD58-4ACE-AC76-499806298D04}" type="presOf" srcId="{F80339CE-44EE-45B8-82DF-D5DC668CB4DB}" destId="{F2B2B017-64A0-445C-9CE0-D5F840A264B4}" srcOrd="0" destOrd="0" presId="urn:microsoft.com/office/officeart/2005/8/layout/pyramid3"/>
-    <dgm:cxn modelId="{3CB25A5F-D3FD-4623-AB62-E557AE7B0EAE}" srcId="{63CB2480-2D3E-493E-B64B-0F99F099933E}" destId="{F80339CE-44EE-45B8-82DF-D5DC668CB4DB}" srcOrd="0" destOrd="0" parTransId="{6DDE4872-DB92-488C-A7BB-95ACF34F1C6A}" sibTransId="{CFE5C07A-1465-409A-B22F-EA853D387C36}"/>
-    <dgm:cxn modelId="{F07C264D-AA93-4EB5-A0C8-4BA02AEACAD8}" type="presOf" srcId="{63CB2480-2D3E-493E-B64B-0F99F099933E}" destId="{FD3D29FE-1FB7-465F-8AF6-2636027F83FD}" srcOrd="0" destOrd="0" presId="urn:microsoft.com/office/officeart/2005/8/layout/pyramid3"/>
-    <dgm:cxn modelId="{7A78F15A-9657-4DEC-AFF8-F27102013A3A}" type="presOf" srcId="{3B6F6812-D73D-4B10-9675-6296390466A5}" destId="{072A5E0C-51FC-4C14-80A5-EF1688EDA911}" srcOrd="1" destOrd="0" presId="urn:microsoft.com/office/officeart/2005/8/layout/pyramid3"/>
-    <dgm:cxn modelId="{EE416FA2-3499-4ED4-ACF8-4AECB702FDBF}" srcId="{63CB2480-2D3E-493E-B64B-0F99F099933E}" destId="{EB8EC8EB-8CDD-45C3-8FE6-5C708FE0387E}" srcOrd="1" destOrd="0" parTransId="{880A617D-BA1C-480F-8423-64303071303E}" sibTransId="{52D61175-EFE5-4516-A980-0FE5439EF3C1}"/>
-    <dgm:cxn modelId="{D6F340A7-EA27-4164-9979-CADDD6E3DB93}" type="presOf" srcId="{F80339CE-44EE-45B8-82DF-D5DC668CB4DB}" destId="{7B910978-1138-4580-80B9-F972748C8161}" srcOrd="1" destOrd="0" presId="urn:microsoft.com/office/officeart/2005/8/layout/pyramid3"/>
-    <dgm:cxn modelId="{8E547FCE-2762-4309-AC9F-3854BD9B2D33}" type="presOf" srcId="{EB8EC8EB-8CDD-45C3-8FE6-5C708FE0387E}" destId="{DC5B15E3-C672-42CB-9FE3-550A7AFF594E}" srcOrd="1" destOrd="0" presId="urn:microsoft.com/office/officeart/2005/8/layout/pyramid3"/>
-    <dgm:cxn modelId="{A7A7DEE5-657A-431B-B144-C8630D97DA87}" type="presOf" srcId="{EB8EC8EB-8CDD-45C3-8FE6-5C708FE0387E}" destId="{8A84D3D3-D6A7-45D5-9563-E42A3371B0D1}" srcOrd="0" destOrd="0" presId="urn:microsoft.com/office/officeart/2005/8/layout/pyramid3"/>
-    <dgm:cxn modelId="{C6F36CE7-C71C-4396-850E-D11046099B78}" type="presOf" srcId="{3B6F6812-D73D-4B10-9675-6296390466A5}" destId="{6F623E72-BA29-4F8B-8BF6-338F29603E1C}" srcOrd="0" destOrd="0" presId="urn:microsoft.com/office/officeart/2005/8/layout/pyramid3"/>
-    <dgm:cxn modelId="{7D7CBC2C-9A66-483B-A257-5D1DCFCA0491}" type="presParOf" srcId="{FD3D29FE-1FB7-465F-8AF6-2636027F83FD}" destId="{AF843B60-44F2-4472-A778-B08C6B497014}" srcOrd="0" destOrd="0" presId="urn:microsoft.com/office/officeart/2005/8/layout/pyramid3"/>
-    <dgm:cxn modelId="{58ED369A-51A9-4F67-8FBA-FA3DA9394D6A}" type="presParOf" srcId="{AF843B60-44F2-4472-A778-B08C6B497014}" destId="{F2B2B017-64A0-445C-9CE0-D5F840A264B4}" srcOrd="0" destOrd="0" presId="urn:microsoft.com/office/officeart/2005/8/layout/pyramid3"/>
-    <dgm:cxn modelId="{103372C2-D239-4DE3-B4C1-4D0BB1A20933}" type="presParOf" srcId="{AF843B60-44F2-4472-A778-B08C6B497014}" destId="{7B910978-1138-4580-80B9-F972748C8161}" srcOrd="1" destOrd="0" presId="urn:microsoft.com/office/officeart/2005/8/layout/pyramid3"/>
-    <dgm:cxn modelId="{17FA70F1-A87B-44CF-B231-B12C06E3B83A}" type="presParOf" srcId="{FD3D29FE-1FB7-465F-8AF6-2636027F83FD}" destId="{57CA4702-BD0F-46F2-86C8-0837F0479999}" srcOrd="1" destOrd="0" presId="urn:microsoft.com/office/officeart/2005/8/layout/pyramid3"/>
-    <dgm:cxn modelId="{EA60728D-079D-4BCD-A0E7-74C6951B2744}" type="presParOf" srcId="{57CA4702-BD0F-46F2-86C8-0837F0479999}" destId="{8A84D3D3-D6A7-45D5-9563-E42A3371B0D1}" srcOrd="0" destOrd="0" presId="urn:microsoft.com/office/officeart/2005/8/layout/pyramid3"/>
-    <dgm:cxn modelId="{75B1180C-F651-434F-B83F-FA560E235D1A}" type="presParOf" srcId="{57CA4702-BD0F-46F2-86C8-0837F0479999}" destId="{DC5B15E3-C672-42CB-9FE3-550A7AFF594E}" srcOrd="1" destOrd="0" presId="urn:microsoft.com/office/officeart/2005/8/layout/pyramid3"/>
-    <dgm:cxn modelId="{F6B76658-62ED-4A9D-93A2-835871CF0BD2}" type="presParOf" srcId="{FD3D29FE-1FB7-465F-8AF6-2636027F83FD}" destId="{AAF395DA-026F-4E72-9D32-1273416D84E7}" srcOrd="2" destOrd="0" presId="urn:microsoft.com/office/officeart/2005/8/layout/pyramid3"/>
-    <dgm:cxn modelId="{E4090334-C22D-4AA8-B57E-C6B5CDEBD38E}" type="presParOf" srcId="{AAF395DA-026F-4E72-9D32-1273416D84E7}" destId="{6F623E72-BA29-4F8B-8BF6-338F29603E1C}" srcOrd="0" destOrd="0" presId="urn:microsoft.com/office/officeart/2005/8/layout/pyramid3"/>
-    <dgm:cxn modelId="{19826C4F-59B3-4649-9F63-265F2BBD17DF}" type="presParOf" srcId="{AAF395DA-026F-4E72-9D32-1273416D84E7}" destId="{072A5E0C-51FC-4C14-80A5-EF1688EDA911}" srcOrd="1" destOrd="0" presId="urn:microsoft.com/office/officeart/2005/8/layout/pyramid3"/>
+    <dgm:cxn modelId="{2F2E1710-C4BA-4EE2-A1E1-051EA8DC00CD}" type="presOf" srcId="{0167568B-1C51-48A4-AD01-5AFF7C2D186D}" destId="{E684386D-1E47-4FCD-A54B-6AF4DD777DE1}" srcOrd="0" destOrd="0" presId="urn:microsoft.com/office/officeart/2005/8/layout/venn2"/>
+    <dgm:cxn modelId="{9A5D9038-392F-4604-84D4-C233811176F6}" type="presOf" srcId="{0167568B-1C51-48A4-AD01-5AFF7C2D186D}" destId="{FD152785-FA16-42A8-B3AE-F1EBD6A946B7}" srcOrd="1" destOrd="0" presId="urn:microsoft.com/office/officeart/2005/8/layout/venn2"/>
+    <dgm:cxn modelId="{0BF7B567-BDE6-4714-A033-F303B2D3676E}" srcId="{762B7D0F-6333-4529-B25E-8BBEB5A69D23}" destId="{CE1F88B2-BA36-4E18-A10B-5FEE04BC97E2}" srcOrd="0" destOrd="0" parTransId="{A4EFC219-8831-47E1-9494-2005C2D58A8A}" sibTransId="{519FF32F-2D6A-46B8-80E0-8ABCDCFF1D51}"/>
+    <dgm:cxn modelId="{5A6CB370-4AE1-4719-A06D-D19ADA0F5B55}" srcId="{762B7D0F-6333-4529-B25E-8BBEB5A69D23}" destId="{07D63BA1-B703-4F66-AC8F-FBF35F65A163}" srcOrd="3" destOrd="0" parTransId="{41013EB8-4B07-473F-842C-F8313737DF18}" sibTransId="{6A7A6210-D1B6-4E45-9EB4-F90F32B79647}"/>
+    <dgm:cxn modelId="{F0C4F983-B481-4163-8435-839CE0678416}" type="presOf" srcId="{37AE6D4C-2E38-47B4-90C2-69DBF1EF3BF7}" destId="{525F9E2F-13C8-4835-AF34-EEE931C39F01}" srcOrd="1" destOrd="0" presId="urn:microsoft.com/office/officeart/2005/8/layout/venn2"/>
+    <dgm:cxn modelId="{DA4F9792-C3A4-4D6B-81D4-7AFFA1641903}" srcId="{762B7D0F-6333-4529-B25E-8BBEB5A69D23}" destId="{37AE6D4C-2E38-47B4-90C2-69DBF1EF3BF7}" srcOrd="2" destOrd="0" parTransId="{78732C8E-B8BD-4DF3-AF16-2C30093D942E}" sibTransId="{80DAAD14-5DA1-4623-A5D6-BDE7BFCF3419}"/>
+    <dgm:cxn modelId="{7BBD1893-FEB3-4E6D-9AC4-7744E5E4F673}" type="presOf" srcId="{37AE6D4C-2E38-47B4-90C2-69DBF1EF3BF7}" destId="{E443CFDB-1517-43BA-9FC7-580C41428181}" srcOrd="0" destOrd="0" presId="urn:microsoft.com/office/officeart/2005/8/layout/venn2"/>
+    <dgm:cxn modelId="{5834ABA6-C2BD-4082-9A3C-474C983078B3}" type="presOf" srcId="{762B7D0F-6333-4529-B25E-8BBEB5A69D23}" destId="{FA08B8E8-1F18-4D2A-A319-C903BF62C472}" srcOrd="0" destOrd="0" presId="urn:microsoft.com/office/officeart/2005/8/layout/venn2"/>
+    <dgm:cxn modelId="{55101FAA-4F9B-4173-B2BD-D2A838B34C4C}" srcId="{762B7D0F-6333-4529-B25E-8BBEB5A69D23}" destId="{0167568B-1C51-48A4-AD01-5AFF7C2D186D}" srcOrd="1" destOrd="0" parTransId="{1CD68888-F3E0-4076-9CD9-B681CC7DE6D7}" sibTransId="{32E1882A-ED3A-424B-A0F7-7A9417D645DF}"/>
+    <dgm:cxn modelId="{BCF2BDBE-5967-46A7-8245-319FEA4B5005}" type="presOf" srcId="{07D63BA1-B703-4F66-AC8F-FBF35F65A163}" destId="{DF2530BB-F2D5-4097-81E4-DCC071071B35}" srcOrd="1" destOrd="0" presId="urn:microsoft.com/office/officeart/2005/8/layout/venn2"/>
+    <dgm:cxn modelId="{A423B0CF-3CDD-4124-BF05-749F61A81C8E}" type="presOf" srcId="{CE1F88B2-BA36-4E18-A10B-5FEE04BC97E2}" destId="{591D746C-03DE-4916-98D9-529406B43943}" srcOrd="0" destOrd="0" presId="urn:microsoft.com/office/officeart/2005/8/layout/venn2"/>
+    <dgm:cxn modelId="{183008EB-DC44-4C82-ADCF-4D67E2FC9674}" type="presOf" srcId="{07D63BA1-B703-4F66-AC8F-FBF35F65A163}" destId="{F991A3AD-4F42-493E-A210-C0C7F6F0985D}" srcOrd="0" destOrd="0" presId="urn:microsoft.com/office/officeart/2005/8/layout/venn2"/>
+    <dgm:cxn modelId="{EEF729ED-A559-4E28-A1D6-ECB68B084AE3}" type="presOf" srcId="{CE1F88B2-BA36-4E18-A10B-5FEE04BC97E2}" destId="{9CF0DC0A-4FFA-4224-ACA5-DCC849699C3B}" srcOrd="1" destOrd="0" presId="urn:microsoft.com/office/officeart/2005/8/layout/venn2"/>
+    <dgm:cxn modelId="{829965E6-9169-4D87-9396-DCF5FC6003A0}" type="presParOf" srcId="{FA08B8E8-1F18-4D2A-A319-C903BF62C472}" destId="{595731E1-AA0B-47E6-820D-29C1047C212E}" srcOrd="0" destOrd="0" presId="urn:microsoft.com/office/officeart/2005/8/layout/venn2"/>
+    <dgm:cxn modelId="{76AD1E4A-51FC-4205-BFFE-735A3AAA9EC6}" type="presParOf" srcId="{595731E1-AA0B-47E6-820D-29C1047C212E}" destId="{591D746C-03DE-4916-98D9-529406B43943}" srcOrd="0" destOrd="0" presId="urn:microsoft.com/office/officeart/2005/8/layout/venn2"/>
+    <dgm:cxn modelId="{D6B6A7C8-D3D8-46EE-936C-ED8D6F340E17}" type="presParOf" srcId="{595731E1-AA0B-47E6-820D-29C1047C212E}" destId="{9CF0DC0A-4FFA-4224-ACA5-DCC849699C3B}" srcOrd="1" destOrd="0" presId="urn:microsoft.com/office/officeart/2005/8/layout/venn2"/>
+    <dgm:cxn modelId="{9ABCF206-4A8E-4069-9BF4-EBC0CEF0394E}" type="presParOf" srcId="{FA08B8E8-1F18-4D2A-A319-C903BF62C472}" destId="{682853A4-4865-4ECC-99FB-581FA4A82473}" srcOrd="1" destOrd="0" presId="urn:microsoft.com/office/officeart/2005/8/layout/venn2"/>
+    <dgm:cxn modelId="{B7EF3463-F094-4928-9DE3-EB53BBA5FC46}" type="presParOf" srcId="{682853A4-4865-4ECC-99FB-581FA4A82473}" destId="{E684386D-1E47-4FCD-A54B-6AF4DD777DE1}" srcOrd="0" destOrd="0" presId="urn:microsoft.com/office/officeart/2005/8/layout/venn2"/>
+    <dgm:cxn modelId="{4B312878-766B-460A-A5FA-095650BCC72A}" type="presParOf" srcId="{682853A4-4865-4ECC-99FB-581FA4A82473}" destId="{FD152785-FA16-42A8-B3AE-F1EBD6A946B7}" srcOrd="1" destOrd="0" presId="urn:microsoft.com/office/officeart/2005/8/layout/venn2"/>
+    <dgm:cxn modelId="{3178A81E-3350-450C-996E-841E43E5DFED}" type="presParOf" srcId="{FA08B8E8-1F18-4D2A-A319-C903BF62C472}" destId="{96D8AD5C-FB94-4F85-9B69-BF79918EA5E4}" srcOrd="2" destOrd="0" presId="urn:microsoft.com/office/officeart/2005/8/layout/venn2"/>
+    <dgm:cxn modelId="{29E13684-347E-4ABC-8077-06D762BD8876}" type="presParOf" srcId="{96D8AD5C-FB94-4F85-9B69-BF79918EA5E4}" destId="{E443CFDB-1517-43BA-9FC7-580C41428181}" srcOrd="0" destOrd="0" presId="urn:microsoft.com/office/officeart/2005/8/layout/venn2"/>
+    <dgm:cxn modelId="{4655175F-5559-468B-A966-71BA2BE4EEC9}" type="presParOf" srcId="{96D8AD5C-FB94-4F85-9B69-BF79918EA5E4}" destId="{525F9E2F-13C8-4835-AF34-EEE931C39F01}" srcOrd="1" destOrd="0" presId="urn:microsoft.com/office/officeart/2005/8/layout/venn2"/>
+    <dgm:cxn modelId="{64AA30FB-BFD8-47FC-A6AA-D600DE2CB839}" type="presParOf" srcId="{FA08B8E8-1F18-4D2A-A319-C903BF62C472}" destId="{C5BAD35D-6413-4D2A-B11F-6744F2597970}" srcOrd="3" destOrd="0" presId="urn:microsoft.com/office/officeart/2005/8/layout/venn2"/>
+    <dgm:cxn modelId="{7D98C30E-ACBF-4B2D-A863-65F9F085EAD0}" type="presParOf" srcId="{C5BAD35D-6413-4D2A-B11F-6744F2597970}" destId="{F991A3AD-4F42-493E-A210-C0C7F6F0985D}" srcOrd="0" destOrd="0" presId="urn:microsoft.com/office/officeart/2005/8/layout/venn2"/>
+    <dgm:cxn modelId="{B22D918D-3203-4413-A644-8C3F99C62C3B}" type="presParOf" srcId="{C5BAD35D-6413-4D2A-B11F-6744F2597970}" destId="{DF2530BB-F2D5-4097-81E4-DCC071071B35}" srcOrd="1" destOrd="0" presId="urn:microsoft.com/office/officeart/2005/8/layout/venn2"/>
   </dgm:cxnLst>
   <dgm:bg/>
   <dgm:whole/>
   <dgm:extLst>
     <a:ext uri="http://schemas.microsoft.com/office/drawing/2008/diagram">
-      <dsp:dataModelExt xmlns:dsp="http://schemas.microsoft.com/office/drawing/2008/diagram" relId="rId6" minVer="http://schemas.openxmlformats.org/drawingml/2006/diagram"/>
+      <dsp:dataModelExt xmlns:dsp="http://schemas.microsoft.com/office/drawing/2008/diagram" relId="rId7" minVer="http://schemas.openxmlformats.org/drawingml/2006/diagram"/>
     </a:ext>
   </dgm:extLst>
 </dgm:dataModel>
@@ -7731,23 +8036,22 @@
       <dsp:cNvGrpSpPr/>
     </dsp:nvGrpSpPr>
     <dsp:grpSpPr/>
-    <dsp:sp modelId="{F2B2B017-64A0-445C-9CE0-D5F840A264B4}">
+    <dsp:sp modelId="{591D746C-03DE-4916-98D9-529406B43943}">
       <dsp:nvSpPr>
         <dsp:cNvPr id="0" name=""/>
         <dsp:cNvSpPr/>
       </dsp:nvSpPr>
       <dsp:spPr>
-        <a:xfrm rot="10800000">
-          <a:off x="0" y="0"/>
-          <a:ext cx="10080624" cy="1457324"/>
+        <a:xfrm>
+          <a:off x="177799" y="0"/>
+          <a:ext cx="4511675" cy="4511675"/>
         </a:xfrm>
-        <a:prstGeom prst="trapezoid">
-          <a:avLst>
-            <a:gd name="adj" fmla="val 115287"/>
-          </a:avLst>
+        <a:prstGeom prst="ellipse">
+          <a:avLst/>
         </a:prstGeom>
         <a:solidFill>
           <a:schemeClr val="accent1">
+            <a:alpha val="90000"/>
             <a:hueOff val="0"/>
             <a:satOff val="0"/>
             <a:lumOff val="0"/>
@@ -7782,14 +8086,14 @@
         </a:fontRef>
       </dsp:style>
       <dsp:txBody>
-        <a:bodyPr spcFirstLastPara="0" vert="horz" wrap="square" lIns="80010" tIns="80010" rIns="80010" bIns="80010" numCol="1" spcCol="1270" anchor="ctr" anchorCtr="0">
+        <a:bodyPr spcFirstLastPara="0" vert="horz" wrap="square" lIns="170688" tIns="170688" rIns="170688" bIns="170688" numCol="1" spcCol="1270" anchor="ctr" anchorCtr="0">
           <a:noAutofit/>
         </a:bodyPr>
         <a:lstStyle/>
         <a:p>
-          <a:pPr marL="0" lvl="0" indent="0" algn="ctr" defTabSz="2800350">
+          <a:pPr marL="0" lvl="0" indent="0" algn="ctr" defTabSz="1066800">
             <a:lnSpc>
-              <a:spcPct val="90000"/>
+              <a:spcPct val="100000"/>
             </a:lnSpc>
             <a:spcBef>
               <a:spcPct val="0"/>
@@ -7800,38 +8104,50 @@
             <a:buNone/>
           </a:pPr>
           <a:r>
-            <a:rPr lang="fa-IR" sz="6300" kern="1200" dirty="0"/>
-            <a:t>کارآفرینان</a:t>
+            <a:rPr lang="en-US" sz="2400" b="1" kern="1200" dirty="0">
+              <a:latin typeface="+mn-lt"/>
+            </a:rPr>
+            <a:t>$153B</a:t>
           </a:r>
-          <a:endParaRPr lang="en-US" sz="6300" kern="1200" dirty="0"/>
+          <a:r>
+            <a:rPr lang="en-US" sz="2400" kern="1200" dirty="0">
+              <a:latin typeface="+mn-lt"/>
+            </a:rPr>
+            <a:t> </a:t>
+          </a:r>
+          <a:r>
+            <a:rPr lang="en-US" sz="1800" kern="1200" dirty="0">
+              <a:latin typeface="+mn-lt"/>
+            </a:rPr>
+            <a:t>PAM</a:t>
+          </a:r>
         </a:p>
       </dsp:txBody>
-      <dsp:txXfrm rot="-10800000">
-        <a:off x="1764109" y="0"/>
-        <a:ext cx="6552406" cy="1457324"/>
+      <dsp:txXfrm>
+        <a:off x="1802905" y="225583"/>
+        <a:ext cx="1261464" cy="676751"/>
       </dsp:txXfrm>
     </dsp:sp>
-    <dsp:sp modelId="{8A84D3D3-D6A7-45D5-9563-E42A3371B0D1}">
+    <dsp:sp modelId="{E684386D-1E47-4FCD-A54B-6AF4DD777DE1}">
       <dsp:nvSpPr>
         <dsp:cNvPr id="0" name=""/>
         <dsp:cNvSpPr/>
       </dsp:nvSpPr>
       <dsp:spPr>
-        <a:xfrm rot="10800000">
-          <a:off x="1680104" y="1457325"/>
-          <a:ext cx="6720416" cy="1457324"/>
+        <a:xfrm>
+          <a:off x="628967" y="902334"/>
+          <a:ext cx="3609340" cy="3609340"/>
         </a:xfrm>
-        <a:prstGeom prst="trapezoid">
-          <a:avLst>
-            <a:gd name="adj" fmla="val 115287"/>
-          </a:avLst>
+        <a:prstGeom prst="ellipse">
+          <a:avLst/>
         </a:prstGeom>
         <a:solidFill>
           <a:schemeClr val="accent1">
+            <a:alpha val="90000"/>
             <a:hueOff val="0"/>
             <a:satOff val="0"/>
             <a:lumOff val="0"/>
-            <a:alphaOff val="0"/>
+            <a:alphaOff val="-13333"/>
           </a:schemeClr>
         </a:solidFill>
         <a:ln w="19050" cap="flat" cmpd="sng" algn="ctr">
@@ -7862,14 +8178,14 @@
         </a:fontRef>
       </dsp:style>
       <dsp:txBody>
-        <a:bodyPr spcFirstLastPara="0" vert="horz" wrap="square" lIns="80010" tIns="80010" rIns="80010" bIns="80010" numCol="1" spcCol="1270" anchor="ctr" anchorCtr="0">
+        <a:bodyPr spcFirstLastPara="0" vert="horz" wrap="square" lIns="170688" tIns="170688" rIns="170688" bIns="170688" numCol="1" spcCol="1270" anchor="ctr" anchorCtr="0">
           <a:noAutofit/>
         </a:bodyPr>
         <a:lstStyle/>
         <a:p>
-          <a:pPr marL="0" lvl="0" indent="0" algn="ctr" defTabSz="2800350">
+          <a:pPr marL="0" lvl="0" indent="0" algn="ctr" defTabSz="1066800">
             <a:lnSpc>
-              <a:spcPct val="90000"/>
+              <a:spcPct val="100000"/>
             </a:lnSpc>
             <a:spcBef>
               <a:spcPct val="0"/>
@@ -7879,35 +8195,45 @@
             </a:spcAft>
             <a:buNone/>
           </a:pPr>
-          <a:endParaRPr lang="en-US" sz="6300" kern="1200"/>
+          <a:r>
+            <a:rPr lang="en-US" sz="2400" b="1" kern="1200" dirty="0">
+              <a:latin typeface="+mn-lt"/>
+            </a:rPr>
+            <a:t>$7.4B </a:t>
+          </a:r>
+          <a:r>
+            <a:rPr lang="en-US" sz="1800" kern="1200" dirty="0">
+              <a:latin typeface="+mn-lt"/>
+            </a:rPr>
+            <a:t>TAM</a:t>
+          </a:r>
         </a:p>
       </dsp:txBody>
-      <dsp:txXfrm rot="-10800000">
-        <a:off x="2856177" y="1457325"/>
-        <a:ext cx="4368270" cy="1457324"/>
+      <dsp:txXfrm>
+        <a:off x="1802905" y="1118895"/>
+        <a:ext cx="1261464" cy="649681"/>
       </dsp:txXfrm>
     </dsp:sp>
-    <dsp:sp modelId="{6F623E72-BA29-4F8B-8BF6-338F29603E1C}">
+    <dsp:sp modelId="{E443CFDB-1517-43BA-9FC7-580C41428181}">
       <dsp:nvSpPr>
         <dsp:cNvPr id="0" name=""/>
         <dsp:cNvSpPr/>
       </dsp:nvSpPr>
       <dsp:spPr>
-        <a:xfrm rot="10800000">
-          <a:off x="3360208" y="2914650"/>
-          <a:ext cx="3360208" cy="1457324"/>
+        <a:xfrm>
+          <a:off x="1080134" y="1804669"/>
+          <a:ext cx="2707005" cy="2707005"/>
         </a:xfrm>
-        <a:prstGeom prst="trapezoid">
-          <a:avLst>
-            <a:gd name="adj" fmla="val 115287"/>
-          </a:avLst>
+        <a:prstGeom prst="ellipse">
+          <a:avLst/>
         </a:prstGeom>
         <a:solidFill>
           <a:schemeClr val="accent1">
+            <a:alpha val="90000"/>
             <a:hueOff val="0"/>
             <a:satOff val="0"/>
             <a:lumOff val="0"/>
-            <a:alphaOff val="0"/>
+            <a:alphaOff val="-26667"/>
           </a:schemeClr>
         </a:solidFill>
         <a:ln w="19050" cap="flat" cmpd="sng" algn="ctr">
@@ -7938,14 +8264,14 @@
         </a:fontRef>
       </dsp:style>
       <dsp:txBody>
-        <a:bodyPr spcFirstLastPara="0" vert="horz" wrap="square" lIns="80010" tIns="80010" rIns="80010" bIns="80010" numCol="1" spcCol="1270" anchor="ctr" anchorCtr="0">
+        <a:bodyPr spcFirstLastPara="0" vert="horz" wrap="square" lIns="170688" tIns="170688" rIns="170688" bIns="170688" numCol="1" spcCol="1270" anchor="ctr" anchorCtr="0">
           <a:noAutofit/>
         </a:bodyPr>
         <a:lstStyle/>
         <a:p>
-          <a:pPr marL="0" lvl="0" indent="0" algn="ctr" defTabSz="2800350">
+          <a:pPr marL="0" lvl="0" indent="0" algn="ctr" defTabSz="1066800">
             <a:lnSpc>
-              <a:spcPct val="90000"/>
+              <a:spcPct val="100000"/>
             </a:lnSpc>
             <a:spcBef>
               <a:spcPct val="0"/>
@@ -7955,12 +8281,129 @@
             </a:spcAft>
             <a:buNone/>
           </a:pPr>
-          <a:endParaRPr lang="en-US" sz="6300" kern="1200"/>
+          <a:r>
+            <a:rPr lang="en-US" sz="2400" b="1" kern="1200" dirty="0">
+              <a:latin typeface="+mn-lt"/>
+            </a:rPr>
+            <a:t>$44M</a:t>
+          </a:r>
+          <a:r>
+            <a:rPr lang="en-US" sz="2400" kern="1200" dirty="0">
+              <a:latin typeface="+mn-lt"/>
+            </a:rPr>
+            <a:t> </a:t>
+          </a:r>
+          <a:r>
+            <a:rPr lang="en-US" sz="1800" kern="1200" dirty="0">
+              <a:latin typeface="+mn-lt"/>
+            </a:rPr>
+            <a:t>SAM</a:t>
+          </a:r>
         </a:p>
       </dsp:txBody>
-      <dsp:txXfrm rot="-10800000">
-        <a:off x="3360208" y="2914650"/>
-        <a:ext cx="3360208" cy="1457324"/>
+      <dsp:txXfrm>
+        <a:off x="1802905" y="2007695"/>
+        <a:ext cx="1261464" cy="609076"/>
+      </dsp:txXfrm>
+    </dsp:sp>
+    <dsp:sp modelId="{F991A3AD-4F42-493E-A210-C0C7F6F0985D}">
+      <dsp:nvSpPr>
+        <dsp:cNvPr id="0" name=""/>
+        <dsp:cNvSpPr/>
+      </dsp:nvSpPr>
+      <dsp:spPr>
+        <a:xfrm>
+          <a:off x="1531302" y="2707004"/>
+          <a:ext cx="1804670" cy="1804670"/>
+        </a:xfrm>
+        <a:prstGeom prst="ellipse">
+          <a:avLst/>
+        </a:prstGeom>
+        <a:solidFill>
+          <a:schemeClr val="accent1">
+            <a:alpha val="90000"/>
+            <a:hueOff val="0"/>
+            <a:satOff val="0"/>
+            <a:lumOff val="0"/>
+            <a:alphaOff val="-40000"/>
+          </a:schemeClr>
+        </a:solidFill>
+        <a:ln w="19050" cap="flat" cmpd="sng" algn="ctr">
+          <a:solidFill>
+            <a:schemeClr val="lt1">
+              <a:hueOff val="0"/>
+              <a:satOff val="0"/>
+              <a:lumOff val="0"/>
+              <a:alphaOff val="0"/>
+            </a:schemeClr>
+          </a:solidFill>
+          <a:prstDash val="solid"/>
+        </a:ln>
+        <a:effectLst/>
+      </dsp:spPr>
+      <dsp:style>
+        <a:lnRef idx="2">
+          <a:scrgbClr r="0" g="0" b="0"/>
+        </a:lnRef>
+        <a:fillRef idx="1">
+          <a:scrgbClr r="0" g="0" b="0"/>
+        </a:fillRef>
+        <a:effectRef idx="0">
+          <a:scrgbClr r="0" g="0" b="0"/>
+        </a:effectRef>
+        <a:fontRef idx="minor">
+          <a:schemeClr val="lt1"/>
+        </a:fontRef>
+      </dsp:style>
+      <dsp:txBody>
+        <a:bodyPr spcFirstLastPara="0" vert="horz" wrap="square" lIns="170688" tIns="170688" rIns="170688" bIns="170688" numCol="1" spcCol="1270" anchor="ctr" anchorCtr="0">
+          <a:noAutofit/>
+        </a:bodyPr>
+        <a:lstStyle/>
+        <a:p>
+          <a:pPr marL="0" lvl="0" indent="0" algn="ctr" defTabSz="1066800">
+            <a:lnSpc>
+              <a:spcPct val="100000"/>
+            </a:lnSpc>
+            <a:spcBef>
+              <a:spcPct val="0"/>
+            </a:spcBef>
+            <a:spcAft>
+              <a:spcPct val="35000"/>
+            </a:spcAft>
+            <a:buNone/>
+          </a:pPr>
+          <a:r>
+            <a:rPr lang="en-US" sz="2400" b="1" kern="1200" dirty="0">
+              <a:latin typeface="+mn-lt"/>
+            </a:rPr>
+            <a:t>$1M</a:t>
+          </a:r>
+        </a:p>
+        <a:p>
+          <a:pPr marL="0" lvl="0" indent="0" algn="ctr" defTabSz="1066800">
+            <a:lnSpc>
+              <a:spcPct val="100000"/>
+            </a:lnSpc>
+            <a:spcBef>
+              <a:spcPct val="0"/>
+            </a:spcBef>
+            <a:spcAft>
+              <a:spcPct val="35000"/>
+            </a:spcAft>
+            <a:buNone/>
+          </a:pPr>
+          <a:r>
+            <a:rPr lang="en-US" sz="1800" kern="1200" dirty="0">
+              <a:latin typeface="+mn-lt"/>
+            </a:rPr>
+            <a:t>SOM</a:t>
+          </a:r>
+        </a:p>
+      </dsp:txBody>
+      <dsp:txXfrm>
+        <a:off x="1795590" y="3158172"/>
+        <a:ext cx="1276094" cy="902335"/>
       </dsp:txXfrm>
     </dsp:sp>
   </dsp:spTree>
@@ -8115,15 +8558,35 @@
 </file>
 
 <file path=ppt/diagrams/layout2.xml><?xml version="1.0" encoding="utf-8"?>
-<dgm:layoutDef xmlns:dgm="http://schemas.openxmlformats.org/drawingml/2006/diagram" xmlns:a="http://schemas.openxmlformats.org/drawingml/2006/main" uniqueId="urn:microsoft.com/office/officeart/2005/8/layout/pyramid3">
+<dgm:layoutDef xmlns:dgm="http://schemas.openxmlformats.org/drawingml/2006/diagram" xmlns:a="http://schemas.openxmlformats.org/drawingml/2006/main" uniqueId="urn:microsoft.com/office/officeart/2005/8/layout/venn2">
   <dgm:title val=""/>
   <dgm:desc val=""/>
   <dgm:catLst>
-    <dgm:cat type="pyramid" pri="2000"/>
+    <dgm:cat type="relationship" pri="30000"/>
   </dgm:catLst>
-  <dgm:sampData useDef="1">
+  <dgm:sampData>
     <dgm:dataModel>
-      <dgm:ptLst/>
+      <dgm:ptLst>
+        <dgm:pt modelId="0" type="doc"/>
+        <dgm:pt modelId="1">
+          <dgm:prSet phldr="1"/>
+        </dgm:pt>
+        <dgm:pt modelId="2">
+          <dgm:prSet phldr="1"/>
+        </dgm:pt>
+        <dgm:pt modelId="3">
+          <dgm:prSet phldr="1"/>
+        </dgm:pt>
+        <dgm:pt modelId="4">
+          <dgm:prSet phldr="1"/>
+        </dgm:pt>
+      </dgm:ptLst>
+      <dgm:cxnLst>
+        <dgm:cxn modelId="5" srcId="0" destId="1" srcOrd="0" destOrd="0"/>
+        <dgm:cxn modelId="6" srcId="0" destId="2" srcOrd="1" destOrd="0"/>
+        <dgm:cxn modelId="7" srcId="0" destId="3" srcOrd="2" destOrd="0"/>
+        <dgm:cxn modelId="8" srcId="0" destId="4" srcOrd="3" destOrd="0"/>
+      </dgm:cxnLst>
       <dgm:bg/>
       <dgm:whole/>
     </dgm:dataModel>
@@ -8164,184 +8627,594 @@
   </dgm:clrData>
   <dgm:layoutNode name="Name0">
     <dgm:varLst>
-      <dgm:dir/>
-      <dgm:animLvl val="lvl"/>
+      <dgm:chMax val="7"/>
       <dgm:resizeHandles val="exact"/>
     </dgm:varLst>
-    <dgm:choose name="Name1">
-      <dgm:if name="Name2" func="var" arg="dir" op="equ" val="norm">
-        <dgm:alg type="pyra">
-          <dgm:param type="linDir" val="fromT"/>
-          <dgm:param type="txDir" val="fromT"/>
-          <dgm:param type="pyraAcctPos" val="aft"/>
-          <dgm:param type="pyraAcctTxMar" val="step"/>
-          <dgm:param type="pyraAcctBkgdNode" val="acctBkgd"/>
-          <dgm:param type="pyraAcctTxNode" val="acctTx"/>
-          <dgm:param type="pyraLvlNode" val="level"/>
-        </dgm:alg>
-      </dgm:if>
-      <dgm:else name="Name3">
-        <dgm:alg type="pyra">
-          <dgm:param type="linDir" val="fromT"/>
-          <dgm:param type="txDir" val="fromT"/>
-          <dgm:param type="pyraAcctPos" val="bef"/>
-          <dgm:param type="pyraAcctTxMar" val="step"/>
-          <dgm:param type="pyraAcctBkgdNode" val="acctBkgd"/>
-          <dgm:param type="pyraAcctTxNode" val="acctTx"/>
-          <dgm:param type="pyraLvlNode" val="level"/>
-        </dgm:alg>
-      </dgm:else>
-    </dgm:choose>
+    <dgm:alg type="composite">
+      <dgm:param type="ar" val="1"/>
+    </dgm:alg>
     <dgm:shape xmlns:r="http://schemas.openxmlformats.org/officeDocument/2006/relationships" r:blip="">
       <dgm:adjLst/>
     </dgm:shape>
     <dgm:presOf/>
-    <dgm:choose name="Name4">
-      <dgm:if name="Name5" axis="root des" ptType="all node" func="maxDepth" op="gte" val="2">
+    <dgm:choose name="Name1">
+      <dgm:if name="Name2" axis="ch" ptType="node" func="cnt" op="lte" val="3">
         <dgm:constrLst>
-          <dgm:constr type="primFontSz" for="des" forName="levelTx" op="equ"/>
-          <dgm:constr type="secFontSz" for="des" forName="acctTx" op="equ"/>
-          <dgm:constr type="pyraAcctRatio" val="0.32"/>
+          <dgm:constr type="w" for="ch" forName="comp1" refType="w"/>
+          <dgm:constr type="h" for="ch" forName="comp1" refType="w" refFor="ch" refForName="comp1"/>
+          <dgm:constr type="w" for="ch" forName="comp2" refType="w" fact="0.75"/>
+          <dgm:constr type="h" for="ch" forName="comp2" refType="w" refFor="ch" refForName="comp2"/>
+          <dgm:constr type="ctrX" for="ch" forName="comp2" refType="ctrX" refFor="ch" refForName="comp1"/>
+          <dgm:constr type="b" for="ch" forName="comp2" refType="b" refFor="ch" refForName="comp1"/>
+          <dgm:constr type="w" for="ch" forName="comp3" refType="w" fact="0.5"/>
+          <dgm:constr type="h" for="ch" forName="comp3" refType="w" refFor="ch" refForName="comp3"/>
+          <dgm:constr type="ctrX" for="ch" forName="comp3" refType="ctrX" refFor="ch" refForName="comp1"/>
+          <dgm:constr type="b" for="ch" forName="comp3" refType="b" refFor="ch" refForName="comp1"/>
+          <dgm:constr type="primFontSz" for="des" ptType="node" op="equ" val="65"/>
         </dgm:constrLst>
       </dgm:if>
-      <dgm:else name="Name6">
+      <dgm:if name="Name3" axis="ch" ptType="node" func="cnt" op="equ" val="4">
         <dgm:constrLst>
-          <dgm:constr type="primFontSz" for="des" forName="levelTx" op="equ"/>
-          <dgm:constr type="secFontSz" for="des" forName="acctTx" op="equ"/>
-          <dgm:constr type="pyraAcctRatio"/>
+          <dgm:constr type="w" for="ch" forName="comp1" refType="w"/>
+          <dgm:constr type="h" for="ch" forName="comp1" refType="w" refFor="ch" refForName="comp1"/>
+          <dgm:constr type="w" for="ch" forName="comp2" refType="w" fact="0.8"/>
+          <dgm:constr type="h" for="ch" forName="comp2" refType="w" refFor="ch" refForName="comp2"/>
+          <dgm:constr type="ctrX" for="ch" forName="comp2" refType="ctrX" refFor="ch" refForName="comp1"/>
+          <dgm:constr type="b" for="ch" forName="comp2" refType="b" refFor="ch" refForName="comp1"/>
+          <dgm:constr type="w" for="ch" forName="comp3" refType="w" fact="0.6"/>
+          <dgm:constr type="h" for="ch" forName="comp3" refType="w" refFor="ch" refForName="comp3"/>
+          <dgm:constr type="ctrX" for="ch" forName="comp3" refType="ctrX" refFor="ch" refForName="comp1"/>
+          <dgm:constr type="b" for="ch" forName="comp3" refType="b" refFor="ch" refForName="comp1"/>
+          <dgm:constr type="w" for="ch" forName="comp4" refType="w" fact="0.4"/>
+          <dgm:constr type="h" for="ch" forName="comp4" refType="w" refFor="ch" refForName="comp4"/>
+          <dgm:constr type="ctrX" for="ch" forName="comp4" refType="ctrX" refFor="ch" refForName="comp1"/>
+          <dgm:constr type="b" for="ch" forName="comp4" refType="b" refFor="ch" refForName="comp1"/>
+          <dgm:constr type="primFontSz" for="des" ptType="node" op="equ" val="65"/>
+        </dgm:constrLst>
+      </dgm:if>
+      <dgm:else name="Name4">
+        <dgm:constrLst>
+          <dgm:constr type="w" for="ch" forName="comp1" refType="w"/>
+          <dgm:constr type="h" for="ch" forName="comp1" refType="w" refFor="ch" refForName="comp1"/>
+          <dgm:constr type="w" for="ch" forName="comp2" refType="w" fact="0.85"/>
+          <dgm:constr type="h" for="ch" forName="comp2" refType="w" refFor="ch" refForName="comp2"/>
+          <dgm:constr type="ctrX" for="ch" forName="comp2" refType="ctrX" refFor="ch" refForName="comp1"/>
+          <dgm:constr type="b" for="ch" forName="comp2" refType="b" refFor="ch" refForName="comp1"/>
+          <dgm:constr type="w" for="ch" forName="comp3" refType="w" fact="0.7"/>
+          <dgm:constr type="h" for="ch" forName="comp3" refType="w" refFor="ch" refForName="comp3"/>
+          <dgm:constr type="ctrX" for="ch" forName="comp3" refType="ctrX" refFor="ch" refForName="comp1"/>
+          <dgm:constr type="b" for="ch" forName="comp3" refType="b" refFor="ch" refForName="comp1"/>
+          <dgm:constr type="w" for="ch" forName="comp4" refType="w" fact="0.55"/>
+          <dgm:constr type="h" for="ch" forName="comp4" refType="w" refFor="ch" refForName="comp4"/>
+          <dgm:constr type="ctrX" for="ch" forName="comp4" refType="ctrX" refFor="ch" refForName="comp1"/>
+          <dgm:constr type="b" for="ch" forName="comp4" refType="b" refFor="ch" refForName="comp1"/>
+          <dgm:constr type="w" for="ch" forName="comp5" refType="w" fact="0.4"/>
+          <dgm:constr type="h" for="ch" forName="comp5" refType="w" refFor="ch" refForName="comp5"/>
+          <dgm:constr type="ctrX" for="ch" forName="comp5" refType="ctrX" refFor="ch" refForName="comp1"/>
+          <dgm:constr type="b" for="ch" forName="comp5" refType="b" refFor="ch" refForName="comp1"/>
+          <dgm:constr type="w" for="ch" forName="comp6" refType="w" fact="0.25"/>
+          <dgm:constr type="h" for="ch" forName="comp6" refType="w" refFor="ch" refForName="comp6"/>
+          <dgm:constr type="ctrX" for="ch" forName="comp6" refType="ctrX" refFor="ch" refForName="comp1"/>
+          <dgm:constr type="b" for="ch" forName="comp6" refType="b" refFor="ch" refForName="comp1"/>
+          <dgm:constr type="w" for="ch" forName="comp7" refType="w" fact="0.15"/>
+          <dgm:constr type="h" for="ch" forName="comp7" refType="w" refFor="ch" refForName="comp7"/>
+          <dgm:constr type="ctrX" for="ch" forName="comp7" refType="ctrX" refFor="ch" refForName="comp1"/>
+          <dgm:constr type="b" for="ch" forName="comp7" refType="b" refFor="ch" refForName="comp1"/>
+          <dgm:constr type="primFontSz" for="des" ptType="node" op="equ" val="65"/>
         </dgm:constrLst>
       </dgm:else>
     </dgm:choose>
     <dgm:ruleLst/>
-    <dgm:forEach name="Name7" axis="ch" ptType="node">
-      <dgm:layoutNode name="Name8">
-        <dgm:alg type="composite">
-          <dgm:param type="horzAlign" val="none"/>
-        </dgm:alg>
-        <dgm:shape xmlns:r="http://schemas.openxmlformats.org/officeDocument/2006/relationships" r:blip="">
-          <dgm:adjLst/>
-        </dgm:shape>
-        <dgm:presOf/>
-        <dgm:choose name="Name9">
-          <dgm:if name="Name10" axis="self" ptType="node" func="revPos" op="equ" val="1">
-            <dgm:constrLst>
-              <dgm:constr type="ctrX" for="ch" forName="acctBkgd" val="1"/>
-              <dgm:constr type="ctrY" for="ch" forName="acctBkgd" val="1"/>
-              <dgm:constr type="w" for="ch" forName="acctBkgd" val="1"/>
-              <dgm:constr type="h" for="ch" forName="acctBkgd" val="1"/>
-              <dgm:constr type="ctrX" for="ch" forName="acctTx" val="1"/>
-              <dgm:constr type="ctrY" for="ch" forName="acctTx" val="1"/>
-              <dgm:constr type="w" for="ch" forName="acctTx" val="1"/>
-              <dgm:constr type="h" for="ch" forName="acctTx" val="1"/>
-              <dgm:constr type="ctrX" for="ch" forName="level" val="1"/>
-              <dgm:constr type="ctrY" for="ch" forName="level" val="1"/>
-              <dgm:constr type="w" for="ch" forName="level" val="1"/>
-              <dgm:constr type="h" for="ch" forName="level" val="1"/>
-              <dgm:constr type="ctrX" for="ch" forName="levelTx" refType="ctrX" refFor="ch" refForName="level"/>
-              <dgm:constr type="ctrY" for="ch" forName="levelTx" refType="ctrY" refFor="ch" refForName="level"/>
-              <dgm:constr type="w" for="ch" forName="levelTx" refType="w" refFor="ch" refForName="level"/>
-              <dgm:constr type="h" for="ch" forName="levelTx" refType="h" refFor="ch" refForName="level"/>
-            </dgm:constrLst>
-          </dgm:if>
-          <dgm:else name="Name11">
-            <dgm:constrLst>
-              <dgm:constr type="ctrX" for="ch" forName="acctBkgd" val="1"/>
-              <dgm:constr type="ctrY" for="ch" forName="acctBkgd" val="1"/>
-              <dgm:constr type="w" for="ch" forName="acctBkgd" val="1"/>
-              <dgm:constr type="h" for="ch" forName="acctBkgd" val="1"/>
-              <dgm:constr type="ctrX" for="ch" forName="acctTx" val="1"/>
-              <dgm:constr type="ctrY" for="ch" forName="acctTx" val="1"/>
-              <dgm:constr type="w" for="ch" forName="acctTx" val="1"/>
-              <dgm:constr type="h" for="ch" forName="acctTx" val="1"/>
-              <dgm:constr type="ctrX" for="ch" forName="level" val="1"/>
-              <dgm:constr type="ctrY" for="ch" forName="level" val="1"/>
-              <dgm:constr type="w" for="ch" forName="level" val="1"/>
-              <dgm:constr type="h" for="ch" forName="level" val="1"/>
-              <dgm:constr type="ctrX" for="ch" forName="levelTx" refType="ctrX" refFor="ch" refForName="level"/>
-              <dgm:constr type="ctrY" for="ch" forName="levelTx" refType="ctrY" refFor="ch" refForName="level"/>
-              <dgm:constr type="w" for="ch" forName="levelTx" refType="w" refFor="ch" refForName="level" fact="0.65"/>
-              <dgm:constr type="h" for="ch" forName="levelTx" refType="h" refFor="ch" refForName="level"/>
-            </dgm:constrLst>
-          </dgm:else>
-        </dgm:choose>
-        <dgm:ruleLst/>
-        <dgm:choose name="Name12">
-          <dgm:if name="Name13" axis="ch" ptType="node" func="cnt" op="gte" val="1">
-            <dgm:layoutNode name="acctBkgd" styleLbl="alignAcc1">
-              <dgm:alg type="sp"/>
-              <dgm:shape xmlns:r="http://schemas.openxmlformats.org/officeDocument/2006/relationships" type="nonIsoscelesTrapezoid" r:blip="">
-                <dgm:adjLst/>
-              </dgm:shape>
-              <dgm:presOf axis="des" ptType="node"/>
-              <dgm:constrLst/>
-              <dgm:ruleLst/>
-            </dgm:layoutNode>
-            <dgm:layoutNode name="acctTx" styleLbl="alignAcc1">
-              <dgm:varLst>
-                <dgm:bulletEnabled val="1"/>
-              </dgm:varLst>
-              <dgm:alg type="tx">
-                <dgm:param type="stBulletLvl" val="1"/>
-                <dgm:param type="txAnchorVertCh" val="t"/>
-              </dgm:alg>
-              <dgm:shape xmlns:r="http://schemas.openxmlformats.org/officeDocument/2006/relationships" type="nonIsoscelesTrapezoid" r:blip="" hideGeom="1">
-                <dgm:adjLst/>
-              </dgm:shape>
-              <dgm:presOf axis="des" ptType="node"/>
-              <dgm:constrLst>
-                <dgm:constr type="secFontSz" val="65"/>
-                <dgm:constr type="primFontSz" refType="secFontSz"/>
-                <dgm:constr type="tMarg" refType="secFontSz" fact="0.3"/>
-                <dgm:constr type="bMarg" refType="secFontSz" fact="0.3"/>
-                <dgm:constr type="lMarg" refType="secFontSz" fact="0.3"/>
-                <dgm:constr type="rMarg" refType="secFontSz" fact="0.3"/>
-              </dgm:constrLst>
-              <dgm:ruleLst>
-                <dgm:rule type="secFontSz" val="5" fact="NaN" max="NaN"/>
-              </dgm:ruleLst>
-            </dgm:layoutNode>
-          </dgm:if>
-          <dgm:else name="Name14"/>
-        </dgm:choose>
-        <dgm:layoutNode name="level">
-          <dgm:varLst>
-            <dgm:chMax val="1"/>
-            <dgm:bulletEnabled val="1"/>
-          </dgm:varLst>
-          <dgm:alg type="sp"/>
-          <dgm:shape xmlns:r="http://schemas.openxmlformats.org/officeDocument/2006/relationships" type="trapezoid" r:blip="">
+    <dgm:choose name="Name5">
+      <dgm:if name="Name6" axis="ch" ptType="node" func="cnt" op="gte" val="1">
+        <dgm:layoutNode name="comp1">
+          <dgm:alg type="composite"/>
+          <dgm:shape xmlns:r="http://schemas.openxmlformats.org/officeDocument/2006/relationships" r:blip="">
             <dgm:adjLst/>
           </dgm:shape>
-          <dgm:presOf axis="self"/>
+          <dgm:presOf/>
+          <dgm:choose name="Name7">
+            <dgm:if name="Name8" axis="ch" ptType="node" func="cnt" op="equ" val="1">
+              <dgm:constrLst>
+                <dgm:constr type="w" for="ch" forName="circle1" refType="w"/>
+                <dgm:constr type="h" for="ch" forName="circle1" refType="h"/>
+                <dgm:constr type="ctrX" for="ch" forName="circle1" refType="w" fact="0.5"/>
+                <dgm:constr type="ctrY" for="ch" forName="circle1" refType="h" fact="0.5"/>
+                <dgm:constr type="ctrX" for="ch" forName="c1text" refType="w" fact="0.5"/>
+                <dgm:constr type="ctrY" for="ch" forName="c1text" refType="h" fact="0.5"/>
+                <dgm:constr type="w" for="ch" forName="c1text" refType="w" refFor="ch" refForName="circle1" fact="0.70711"/>
+                <dgm:constr type="h" for="ch" forName="c1text" refType="h" refFor="ch" refForName="circle1" fact="0.5"/>
+              </dgm:constrLst>
+            </dgm:if>
+            <dgm:if name="Name9" axis="ch" ptType="node" func="cnt" op="equ" val="2">
+              <dgm:constrLst>
+                <dgm:constr type="w" for="ch" forName="circle1" refType="w"/>
+                <dgm:constr type="h" for="ch" forName="circle1" refType="h"/>
+                <dgm:constr type="ctrX" for="ch" forName="circle1" refType="w" fact="0.5"/>
+                <dgm:constr type="ctrY" for="ch" forName="circle1" refType="h" fact="0.5"/>
+                <dgm:constr type="ctrX" for="ch" forName="c1text" refType="w" fact="0.5"/>
+                <dgm:constr type="ctrY" for="ch" forName="c1text" refType="h" fact="0.16"/>
+                <dgm:constr type="w" for="ch" forName="c1text" refType="w" refFor="ch" refForName="circle1" fact="0.525"/>
+                <dgm:constr type="h" for="ch" forName="c1text" refType="h" refFor="ch" refForName="circle1" fact="0.17"/>
+              </dgm:constrLst>
+            </dgm:if>
+            <dgm:if name="Name10" axis="ch" ptType="node" func="cnt" op="equ" val="3">
+              <dgm:constrLst>
+                <dgm:constr type="w" for="ch" forName="circle1" refType="w"/>
+                <dgm:constr type="h" for="ch" forName="circle1" refType="h"/>
+                <dgm:constr type="ctrX" for="ch" forName="circle1" refType="w" fact="0.5"/>
+                <dgm:constr type="ctrY" for="ch" forName="circle1" refType="h" fact="0.5"/>
+                <dgm:constr type="ctrX" for="ch" forName="c1text" refType="w" fact="0.5"/>
+                <dgm:constr type="ctrY" for="ch" forName="c1text" refType="h" fact="0.125"/>
+                <dgm:constr type="w" for="ch" forName="c1text" refType="w" refFor="ch" refForName="circle1" fact="0.3495"/>
+                <dgm:constr type="h" for="ch" forName="c1text" refType="h" refFor="ch" refForName="circle1" fact="0.15"/>
+              </dgm:constrLst>
+            </dgm:if>
+            <dgm:if name="Name11" axis="ch" ptType="node" func="cnt" op="equ" val="4">
+              <dgm:constrLst>
+                <dgm:constr type="w" for="ch" forName="circle1" refType="w"/>
+                <dgm:constr type="h" for="ch" forName="circle1" refType="h"/>
+                <dgm:constr type="ctrX" for="ch" forName="circle1" refType="w" fact="0.5"/>
+                <dgm:constr type="ctrY" for="ch" forName="circle1" refType="h" fact="0.5"/>
+                <dgm:constr type="ctrX" for="ch" forName="c1text" refType="w" fact="0.5"/>
+                <dgm:constr type="ctrY" for="ch" forName="c1text" refType="h" fact="0.125"/>
+                <dgm:constr type="w" for="ch" forName="c1text" refType="w" refFor="ch" refForName="circle1" fact="0.2796"/>
+                <dgm:constr type="h" for="ch" forName="c1text" refType="h" refFor="ch" refForName="circle1" fact="0.15"/>
+              </dgm:constrLst>
+            </dgm:if>
+            <dgm:if name="Name12" axis="ch" ptType="node" func="cnt" op="gte" val="5">
+              <dgm:constrLst>
+                <dgm:constr type="w" for="ch" forName="circle1" refType="w"/>
+                <dgm:constr type="h" for="ch" forName="circle1" refType="h"/>
+                <dgm:constr type="ctrX" for="ch" forName="circle1" refType="w" fact="0.5"/>
+                <dgm:constr type="ctrY" for="ch" forName="circle1" refType="h" fact="0.5"/>
+                <dgm:constr type="ctrX" for="ch" forName="c1text" refType="w" fact="0.5"/>
+                <dgm:constr type="ctrY" for="ch" forName="c1text" refType="h" fact="0.1"/>
+                <dgm:constr type="w" for="ch" forName="c1text" refType="w" refFor="ch" refForName="circle1" fact="0.375"/>
+                <dgm:constr type="h" for="ch" forName="c1text" refType="h" refFor="ch" refForName="circle1" fact="0.1"/>
+              </dgm:constrLst>
+            </dgm:if>
+            <dgm:else name="Name13"/>
+          </dgm:choose>
+          <dgm:ruleLst/>
+          <dgm:layoutNode name="circle1" styleLbl="node1">
+            <dgm:alg type="sp"/>
+            <dgm:shape xmlns:r="http://schemas.openxmlformats.org/officeDocument/2006/relationships" type="ellipse" r:blip="">
+              <dgm:adjLst/>
+            </dgm:shape>
+            <dgm:presOf axis="ch desOrSelf" ptType="node node" st="1 1" cnt="1 0"/>
+            <dgm:constrLst>
+              <dgm:constr type="h" refType="w"/>
+            </dgm:constrLst>
+            <dgm:ruleLst/>
+          </dgm:layoutNode>
+          <dgm:layoutNode name="c1text">
+            <dgm:varLst>
+              <dgm:bulletEnabled val="1"/>
+            </dgm:varLst>
+            <dgm:alg type="tx"/>
+            <dgm:shape xmlns:r="http://schemas.openxmlformats.org/officeDocument/2006/relationships" type="rect" r:blip="" hideGeom="1">
+              <dgm:adjLst/>
+            </dgm:shape>
+            <dgm:presOf axis="ch desOrSelf" ptType="node node" st="1 1" cnt="1 0"/>
+            <dgm:constrLst/>
+            <dgm:ruleLst>
+              <dgm:rule type="primFontSz" val="5" fact="NaN" max="NaN"/>
+            </dgm:ruleLst>
+          </dgm:layoutNode>
+        </dgm:layoutNode>
+      </dgm:if>
+      <dgm:else name="Name14"/>
+    </dgm:choose>
+    <dgm:choose name="Name15">
+      <dgm:if name="Name16" axis="ch" ptType="node" func="cnt" op="gte" val="2">
+        <dgm:layoutNode name="comp2">
+          <dgm:alg type="composite"/>
+          <dgm:shape xmlns:r="http://schemas.openxmlformats.org/officeDocument/2006/relationships" r:blip="">
+            <dgm:adjLst/>
+          </dgm:shape>
+          <dgm:presOf/>
+          <dgm:choose name="Name17">
+            <dgm:if name="Name18" axis="ch" ptType="node" func="cnt" op="equ" val="2">
+              <dgm:constrLst>
+                <dgm:constr type="w" for="ch" forName="circle2" refType="w"/>
+                <dgm:constr type="h" for="ch" forName="circle2" refType="h"/>
+                <dgm:constr type="ctrX" for="ch" forName="circle2" refType="w" fact="0.5"/>
+                <dgm:constr type="ctrY" for="ch" forName="circle2" refType="h" fact="0.5"/>
+                <dgm:constr type="ctrX" for="ch" forName="c2text" refType="w" fact="0.5"/>
+                <dgm:constr type="ctrY" for="ch" forName="c2text" refType="h" fact="0.5"/>
+                <dgm:constr type="w" for="ch" forName="c2text" refType="w" refFor="ch" refForName="circle2" fact="0.70711"/>
+                <dgm:constr type="h" for="ch" forName="c2text" refType="h" refFor="ch" refForName="circle2" fact="0.5"/>
+              </dgm:constrLst>
+            </dgm:if>
+            <dgm:if name="Name19" axis="ch" ptType="node" func="cnt" op="equ" val="3">
+              <dgm:constrLst>
+                <dgm:constr type="w" for="ch" forName="circle2" refType="w"/>
+                <dgm:constr type="h" for="ch" forName="circle2" refType="h"/>
+                <dgm:constr type="ctrX" for="ch" forName="circle2" refType="w" fact="0.5"/>
+                <dgm:constr type="ctrY" for="ch" forName="circle2" refType="h" fact="0.5"/>
+                <dgm:constr type="ctrX" for="ch" forName="c2text" refType="w" fact="0.5"/>
+                <dgm:constr type="ctrY" for="ch" forName="c2text" refType="h" fact="0.15625"/>
+                <dgm:constr type="w" for="ch" forName="c2text" refType="w" refFor="ch" refForName="circle2" fact="0.466"/>
+                <dgm:constr type="h" for="ch" forName="c2text" refType="h" refFor="ch" refForName="circle2" fact="0.1875"/>
+              </dgm:constrLst>
+            </dgm:if>
+            <dgm:if name="Name20" axis="ch" ptType="node" func="cnt" op="equ" val="4">
+              <dgm:constrLst>
+                <dgm:constr type="w" for="ch" forName="circle2" refType="w"/>
+                <dgm:constr type="h" for="ch" forName="circle2" refType="h"/>
+                <dgm:constr type="ctrX" for="ch" forName="circle2" refType="w" fact="0.5"/>
+                <dgm:constr type="ctrY" for="ch" forName="circle2" refType="h" fact="0.5"/>
+                <dgm:constr type="ctrX" for="ch" forName="c2text" refType="w" fact="0.5"/>
+                <dgm:constr type="ctrY" for="ch" forName="c2text" refType="h" fact="0.15"/>
+                <dgm:constr type="w" for="ch" forName="c2text" refType="w" refFor="ch" refForName="circle2" fact="0.3495"/>
+                <dgm:constr type="h" for="ch" forName="c2text" refType="h" refFor="ch" refForName="circle2" fact="0.18"/>
+              </dgm:constrLst>
+            </dgm:if>
+            <dgm:if name="Name21" axis="ch" ptType="node" func="cnt" op="gte" val="5">
+              <dgm:constrLst>
+                <dgm:constr type="w" for="ch" forName="circle2" refType="w"/>
+                <dgm:constr type="h" for="ch" forName="circle2" refType="h"/>
+                <dgm:constr type="ctrX" for="ch" forName="circle2" refType="w" fact="0.5"/>
+                <dgm:constr type="ctrY" for="ch" forName="circle2" refType="h" fact="0.5"/>
+                <dgm:constr type="ctrX" for="ch" forName="c2text" refType="w" fact="0.5"/>
+                <dgm:constr type="ctrY" for="ch" forName="c2text" refType="h" fact="0.115"/>
+                <dgm:constr type="w" for="ch" forName="c2text" refType="w" refFor="ch" refForName="circle2" fact="0.43125"/>
+                <dgm:constr type="h" for="ch" forName="c2text" refType="h" refFor="ch" refForName="circle2" fact="0.115"/>
+              </dgm:constrLst>
+            </dgm:if>
+            <dgm:else name="Name22"/>
+          </dgm:choose>
+          <dgm:ruleLst/>
+          <dgm:layoutNode name="circle2" styleLbl="node1">
+            <dgm:alg type="sp"/>
+            <dgm:shape xmlns:r="http://schemas.openxmlformats.org/officeDocument/2006/relationships" type="ellipse" r:blip="">
+              <dgm:adjLst/>
+            </dgm:shape>
+            <dgm:presOf axis="ch desOrSelf" ptType="node node" st="2 1" cnt="1 0"/>
+            <dgm:constrLst>
+              <dgm:constr type="h" refType="w"/>
+            </dgm:constrLst>
+            <dgm:ruleLst/>
+          </dgm:layoutNode>
+          <dgm:layoutNode name="c2text">
+            <dgm:varLst>
+              <dgm:bulletEnabled val="1"/>
+            </dgm:varLst>
+            <dgm:alg type="tx"/>
+            <dgm:shape xmlns:r="http://schemas.openxmlformats.org/officeDocument/2006/relationships" type="rect" r:blip="" hideGeom="1">
+              <dgm:adjLst/>
+            </dgm:shape>
+            <dgm:presOf axis="ch desOrSelf" ptType="node node" st="2 1" cnt="1 0"/>
+            <dgm:constrLst/>
+            <dgm:ruleLst>
+              <dgm:rule type="primFontSz" val="5" fact="NaN" max="NaN"/>
+            </dgm:ruleLst>
+          </dgm:layoutNode>
+        </dgm:layoutNode>
+      </dgm:if>
+      <dgm:else name="Name23"/>
+    </dgm:choose>
+    <dgm:choose name="Name24">
+      <dgm:if name="Name25" axis="ch" ptType="node" func="cnt" op="gte" val="3">
+        <dgm:layoutNode name="comp3">
+          <dgm:alg type="composite"/>
+          <dgm:shape xmlns:r="http://schemas.openxmlformats.org/officeDocument/2006/relationships" r:blip="">
+            <dgm:adjLst/>
+          </dgm:shape>
+          <dgm:presOf/>
+          <dgm:choose name="Name26">
+            <dgm:if name="Name27" axis="ch" ptType="node" func="cnt" op="equ" val="3">
+              <dgm:constrLst>
+                <dgm:constr type="w" for="ch" forName="circle3" refType="w"/>
+                <dgm:constr type="h" for="ch" forName="circle3" refType="h"/>
+                <dgm:constr type="ctrX" for="ch" forName="circle3" refType="w" fact="0.5"/>
+                <dgm:constr type="ctrY" for="ch" forName="circle3" refType="h" fact="0.5"/>
+                <dgm:constr type="ctrX" for="ch" forName="c3text" refType="w" fact="0.5"/>
+                <dgm:constr type="ctrY" for="ch" forName="c3text" refType="h" fact="0.5"/>
+                <dgm:constr type="w" for="ch" forName="c3text" refType="w" refFor="ch" refForName="circle3" fact="0.70711"/>
+                <dgm:constr type="h" for="ch" forName="c3text" refType="h" refFor="ch" refForName="circle3" fact="0.5"/>
+              </dgm:constrLst>
+            </dgm:if>
+            <dgm:if name="Name28" axis="ch" ptType="node" func="cnt" op="equ" val="4">
+              <dgm:constrLst>
+                <dgm:constr type="w" for="ch" forName="circle3" refType="w"/>
+                <dgm:constr type="h" for="ch" forName="circle3" refType="h"/>
+                <dgm:constr type="ctrX" for="ch" forName="circle3" refType="w" fact="0.5"/>
+                <dgm:constr type="ctrY" for="ch" forName="circle3" refType="h" fact="0.5"/>
+                <dgm:constr type="ctrX" for="ch" forName="c3text" refType="w" fact="0.5"/>
+                <dgm:constr type="ctrY" for="ch" forName="c3text" refType="h" fact="0.1875"/>
+                <dgm:constr type="w" for="ch" forName="c3text" refType="w" refFor="ch" refForName="circle3" fact="0.466"/>
+                <dgm:constr type="h" for="ch" forName="c3text" refType="h" refFor="ch" refForName="circle3" fact="0.225"/>
+              </dgm:constrLst>
+            </dgm:if>
+            <dgm:if name="Name29" axis="ch" ptType="node" func="cnt" op="gte" val="5">
+              <dgm:constrLst>
+                <dgm:constr type="w" for="ch" forName="circle3" refType="w"/>
+                <dgm:constr type="h" for="ch" forName="circle3" refType="h"/>
+                <dgm:constr type="ctrX" for="ch" forName="circle3" refType="w" fact="0.5"/>
+                <dgm:constr type="ctrY" for="ch" forName="circle3" refType="h" fact="0.5"/>
+                <dgm:constr type="ctrX" for="ch" forName="c3text" refType="w" fact="0.5"/>
+                <dgm:constr type="ctrY" for="ch" forName="c3text" refType="h" fact="0.138"/>
+                <dgm:constr type="w" for="ch" forName="c3text" refType="w" refFor="ch" refForName="circle3" fact="0.5175"/>
+                <dgm:constr type="h" for="ch" forName="c3text" refType="h" refFor="ch" refForName="circle3" fact="0.138"/>
+              </dgm:constrLst>
+            </dgm:if>
+            <dgm:else name="Name30"/>
+          </dgm:choose>
+          <dgm:ruleLst/>
+          <dgm:layoutNode name="circle3" styleLbl="node1">
+            <dgm:alg type="sp"/>
+            <dgm:shape xmlns:r="http://schemas.openxmlformats.org/officeDocument/2006/relationships" type="ellipse" r:blip="">
+              <dgm:adjLst/>
+            </dgm:shape>
+            <dgm:presOf axis="ch desOrSelf" ptType="node node" st="3 1" cnt="1 0"/>
+            <dgm:constrLst>
+              <dgm:constr type="h" refType="w"/>
+            </dgm:constrLst>
+            <dgm:ruleLst/>
+          </dgm:layoutNode>
+          <dgm:layoutNode name="c3text">
+            <dgm:varLst>
+              <dgm:bulletEnabled val="1"/>
+            </dgm:varLst>
+            <dgm:alg type="tx"/>
+            <dgm:shape xmlns:r="http://schemas.openxmlformats.org/officeDocument/2006/relationships" type="rect" r:blip="" hideGeom="1">
+              <dgm:adjLst/>
+            </dgm:shape>
+            <dgm:presOf axis="ch desOrSelf" ptType="node node" st="3 1" cnt="1 0"/>
+            <dgm:constrLst/>
+            <dgm:ruleLst>
+              <dgm:rule type="primFontSz" val="5" fact="NaN" max="NaN"/>
+            </dgm:ruleLst>
+          </dgm:layoutNode>
+        </dgm:layoutNode>
+      </dgm:if>
+      <dgm:else name="Name31"/>
+    </dgm:choose>
+    <dgm:choose name="Name32">
+      <dgm:if name="Name33" axis="ch" ptType="node" func="cnt" op="gte" val="4">
+        <dgm:layoutNode name="comp4">
+          <dgm:alg type="composite"/>
+          <dgm:shape xmlns:r="http://schemas.openxmlformats.org/officeDocument/2006/relationships" r:blip="">
+            <dgm:adjLst/>
+          </dgm:shape>
+          <dgm:presOf/>
+          <dgm:choose name="Name34">
+            <dgm:if name="Name35" axis="ch" ptType="node" func="cnt" op="equ" val="4">
+              <dgm:constrLst>
+                <dgm:constr type="w" for="ch" forName="circle4" refType="w"/>
+                <dgm:constr type="h" for="ch" forName="circle4" refType="h"/>
+                <dgm:constr type="ctrX" for="ch" forName="circle4" refType="w" fact="0.5"/>
+                <dgm:constr type="ctrY" for="ch" forName="circle4" refType="h" fact="0.5"/>
+                <dgm:constr type="ctrX" for="ch" forName="c4text" refType="w" fact="0.5"/>
+                <dgm:constr type="ctrY" for="ch" forName="c4text" refType="h" fact="0.5"/>
+                <dgm:constr type="w" for="ch" forName="c4text" refType="w" refFor="ch" refForName="circle4" fact="0.70711"/>
+                <dgm:constr type="h" for="ch" forName="c4text" refType="h" refFor="ch" refForName="circle4" fact="0.5"/>
+              </dgm:constrLst>
+            </dgm:if>
+            <dgm:if name="Name36" axis="ch" ptType="node" func="cnt" op="gte" val="5">
+              <dgm:constrLst>
+                <dgm:constr type="w" for="ch" forName="circle4" refType="w"/>
+                <dgm:constr type="h" for="ch" forName="circle4" refType="h"/>
+                <dgm:constr type="ctrX" for="ch" forName="circle4" refType="w" fact="0.5"/>
+                <dgm:constr type="ctrY" for="ch" forName="circle4" refType="h" fact="0.5"/>
+                <dgm:constr type="ctrX" for="ch" forName="c4text" refType="w" fact="0.5"/>
+                <dgm:constr type="ctrY" for="ch" forName="c4text" refType="h" fact="0.18"/>
+                <dgm:constr type="w" for="ch" forName="c4text" refType="w" refFor="ch" refForName="circle4" fact="0.54"/>
+                <dgm:constr type="h" for="ch" forName="c4text" refType="h" refFor="ch" refForName="circle4" fact="0.18"/>
+              </dgm:constrLst>
+            </dgm:if>
+            <dgm:else name="Name37"/>
+          </dgm:choose>
+          <dgm:ruleLst/>
+          <dgm:layoutNode name="circle4" styleLbl="node1">
+            <dgm:alg type="sp"/>
+            <dgm:shape xmlns:r="http://schemas.openxmlformats.org/officeDocument/2006/relationships" type="ellipse" r:blip="">
+              <dgm:adjLst/>
+            </dgm:shape>
+            <dgm:presOf axis="ch desOrSelf" ptType="node node" st="4 1" cnt="1 0"/>
+            <dgm:constrLst>
+              <dgm:constr type="h" refType="w"/>
+            </dgm:constrLst>
+            <dgm:ruleLst/>
+          </dgm:layoutNode>
+          <dgm:layoutNode name="c4text">
+            <dgm:varLst>
+              <dgm:bulletEnabled val="1"/>
+            </dgm:varLst>
+            <dgm:alg type="tx"/>
+            <dgm:shape xmlns:r="http://schemas.openxmlformats.org/officeDocument/2006/relationships" type="rect" r:blip="" hideGeom="1">
+              <dgm:adjLst/>
+            </dgm:shape>
+            <dgm:presOf axis="ch desOrSelf" ptType="node node" st="4 1" cnt="1 0"/>
+            <dgm:constrLst/>
+            <dgm:ruleLst>
+              <dgm:rule type="primFontSz" val="5" fact="NaN" max="NaN"/>
+            </dgm:ruleLst>
+          </dgm:layoutNode>
+        </dgm:layoutNode>
+      </dgm:if>
+      <dgm:else name="Name38"/>
+    </dgm:choose>
+    <dgm:choose name="Name39">
+      <dgm:if name="Name40" axis="ch" ptType="node" func="cnt" op="gte" val="5">
+        <dgm:layoutNode name="comp5">
+          <dgm:alg type="composite"/>
+          <dgm:shape xmlns:r="http://schemas.openxmlformats.org/officeDocument/2006/relationships" r:blip="">
+            <dgm:adjLst/>
+          </dgm:shape>
+          <dgm:presOf/>
+          <dgm:choose name="Name41">
+            <dgm:if name="Name42" axis="ch" ptType="node" func="cnt" op="equ" val="5">
+              <dgm:constrLst>
+                <dgm:constr type="w" for="ch" forName="circle5" refType="w"/>
+                <dgm:constr type="h" for="ch" forName="circle5" refType="h"/>
+                <dgm:constr type="ctrX" for="ch" forName="circle5" refType="w" fact="0.5"/>
+                <dgm:constr type="ctrY" for="ch" forName="circle5" refType="h" fact="0.5"/>
+                <dgm:constr type="ctrX" for="ch" forName="c5text" refType="w" fact="0.5"/>
+                <dgm:constr type="ctrY" for="ch" forName="c5text" refType="h" fact="0.5"/>
+                <dgm:constr type="w" for="ch" forName="c5text" refType="w" refFor="ch" refForName="circle5" fact="0.70711"/>
+                <dgm:constr type="h" for="ch" forName="c5text" refType="h" refFor="ch" refForName="circle5" fact="0.5"/>
+              </dgm:constrLst>
+            </dgm:if>
+            <dgm:if name="Name43" axis="ch" ptType="node" func="cnt" op="gte" val="6">
+              <dgm:constrLst>
+                <dgm:constr type="w" for="ch" forName="circle5" refType="w"/>
+                <dgm:constr type="h" for="ch" forName="circle5" refType="h"/>
+                <dgm:constr type="ctrX" for="ch" forName="circle5" refType="w" fact="0.5"/>
+                <dgm:constr type="ctrY" for="ch" forName="circle5" refType="h" fact="0.5"/>
+                <dgm:constr type="ctrX" for="ch" forName="c5text" refType="w" fact="0.5"/>
+                <dgm:constr type="ctrY" for="ch" forName="c5text" refType="h" fact="0.25"/>
+                <dgm:constr type="w" for="ch" forName="c5text" refType="w" refFor="ch" refForName="circle5" fact="0.65"/>
+                <dgm:constr type="h" for="ch" forName="c5text" refType="h" refFor="ch" refForName="circle5" fact="0.25"/>
+              </dgm:constrLst>
+            </dgm:if>
+            <dgm:else name="Name44"/>
+          </dgm:choose>
+          <dgm:ruleLst/>
+          <dgm:layoutNode name="circle5" styleLbl="node1">
+            <dgm:alg type="sp"/>
+            <dgm:shape xmlns:r="http://schemas.openxmlformats.org/officeDocument/2006/relationships" type="ellipse" r:blip="">
+              <dgm:adjLst/>
+            </dgm:shape>
+            <dgm:presOf axis="ch desOrSelf" ptType="node node" st="5 1" cnt="1 0"/>
+            <dgm:constrLst>
+              <dgm:constr type="h" refType="w"/>
+            </dgm:constrLst>
+            <dgm:ruleLst/>
+          </dgm:layoutNode>
+          <dgm:layoutNode name="c5text">
+            <dgm:varLst>
+              <dgm:bulletEnabled val="1"/>
+            </dgm:varLst>
+            <dgm:alg type="tx"/>
+            <dgm:shape xmlns:r="http://schemas.openxmlformats.org/officeDocument/2006/relationships" type="rect" r:blip="" hideGeom="1">
+              <dgm:adjLst/>
+            </dgm:shape>
+            <dgm:presOf axis="ch desOrSelf" ptType="node node" st="5 1" cnt="1 0"/>
+            <dgm:constrLst/>
+            <dgm:ruleLst>
+              <dgm:rule type="primFontSz" val="5" fact="NaN" max="NaN"/>
+            </dgm:ruleLst>
+          </dgm:layoutNode>
+        </dgm:layoutNode>
+      </dgm:if>
+      <dgm:else name="Name45"/>
+    </dgm:choose>
+    <dgm:choose name="Name46">
+      <dgm:if name="Name47" axis="ch" ptType="node" func="cnt" op="gte" val="6">
+        <dgm:layoutNode name="comp6">
+          <dgm:alg type="composite"/>
+          <dgm:shape xmlns:r="http://schemas.openxmlformats.org/officeDocument/2006/relationships" r:blip="">
+            <dgm:adjLst/>
+          </dgm:shape>
+          <dgm:presOf/>
+          <dgm:choose name="Name48">
+            <dgm:if name="Name49" axis="ch" ptType="node" func="cnt" op="equ" val="6">
+              <dgm:constrLst>
+                <dgm:constr type="w" for="ch" forName="circle6" refType="w"/>
+                <dgm:constr type="h" for="ch" forName="circle6" refType="h"/>
+                <dgm:constr type="ctrX" for="ch" forName="circle6" refType="w" fact="0.5"/>
+                <dgm:constr type="ctrY" for="ch" forName="circle6" refType="h" fact="0.5"/>
+                <dgm:constr type="ctrX" for="ch" forName="c6text" refType="w" fact="0.5"/>
+                <dgm:constr type="ctrY" for="ch" forName="c6text" refType="h" fact="0.5"/>
+                <dgm:constr type="w" for="ch" forName="c6text" refType="w" refFor="ch" refForName="circle6" fact="0.70711"/>
+                <dgm:constr type="h" for="ch" forName="c6text" refType="h" refFor="ch" refForName="circle6" fact="0.5"/>
+              </dgm:constrLst>
+            </dgm:if>
+            <dgm:if name="Name50" axis="ch" ptType="node" func="cnt" op="gte" val="7">
+              <dgm:constrLst>
+                <dgm:constr type="w" for="ch" forName="circle6" refType="w"/>
+                <dgm:constr type="h" for="ch" forName="circle6" refType="h"/>
+                <dgm:constr type="ctrX" for="ch" forName="circle6" refType="w" fact="0.5"/>
+                <dgm:constr type="ctrY" for="ch" forName="circle6" refType="h" fact="0.5"/>
+                <dgm:constr type="ctrX" for="ch" forName="c6text" refType="w" fact="0.5"/>
+                <dgm:constr type="ctrY" for="ch" forName="c6text" refType="h" fact="0.27"/>
+                <dgm:constr type="w" for="ch" forName="c6text" refType="w" refFor="ch" refForName="circle6" fact="0.68"/>
+                <dgm:constr type="h" for="ch" forName="c6text" refType="h" refFor="ch" refForName="circle6" fact="0.241"/>
+              </dgm:constrLst>
+            </dgm:if>
+            <dgm:else name="Name51"/>
+          </dgm:choose>
+          <dgm:ruleLst/>
+          <dgm:layoutNode name="circle6" styleLbl="node1">
+            <dgm:alg type="sp"/>
+            <dgm:shape xmlns:r="http://schemas.openxmlformats.org/officeDocument/2006/relationships" type="ellipse" r:blip="">
+              <dgm:adjLst/>
+            </dgm:shape>
+            <dgm:presOf axis="ch desOrSelf" ptType="node node" st="6 1" cnt="1 0"/>
+            <dgm:constrLst>
+              <dgm:constr type="h" refType="w"/>
+            </dgm:constrLst>
+            <dgm:ruleLst/>
+          </dgm:layoutNode>
+          <dgm:layoutNode name="c6text">
+            <dgm:varLst>
+              <dgm:bulletEnabled val="1"/>
+            </dgm:varLst>
+            <dgm:alg type="tx"/>
+            <dgm:shape xmlns:r="http://schemas.openxmlformats.org/officeDocument/2006/relationships" type="rect" r:blip="" hideGeom="1">
+              <dgm:adjLst/>
+            </dgm:shape>
+            <dgm:presOf axis="ch desOrSelf" ptType="node node" st="6 1" cnt="1 0"/>
+            <dgm:constrLst/>
+            <dgm:ruleLst>
+              <dgm:rule type="primFontSz" val="5" fact="NaN" max="NaN"/>
+            </dgm:ruleLst>
+          </dgm:layoutNode>
+        </dgm:layoutNode>
+      </dgm:if>
+      <dgm:else name="Name52"/>
+    </dgm:choose>
+    <dgm:choose name="Name53">
+      <dgm:if name="Name54" axis="ch" ptType="node" func="cnt" op="gte" val="7">
+        <dgm:layoutNode name="comp7">
+          <dgm:alg type="composite"/>
+          <dgm:shape xmlns:r="http://schemas.openxmlformats.org/officeDocument/2006/relationships" r:blip="">
+            <dgm:adjLst/>
+          </dgm:shape>
+          <dgm:presOf/>
           <dgm:constrLst>
-            <dgm:constr type="h" val="500"/>
-            <dgm:constr type="w" val="1"/>
+            <dgm:constr type="w" for="ch" forName="circle7" refType="w"/>
+            <dgm:constr type="h" for="ch" forName="circle7" refType="h"/>
+            <dgm:constr type="ctrX" for="ch" forName="circle7" refType="w" fact="0.5"/>
+            <dgm:constr type="ctrY" for="ch" forName="circle7" refType="h" fact="0.5"/>
+            <dgm:constr type="ctrX" for="ch" forName="c7text" refType="w" fact="0.5"/>
+            <dgm:constr type="ctrY" for="ch" forName="c7text" refType="h" fact="0.5"/>
+            <dgm:constr type="w" for="ch" forName="c7text" refType="w" refFor="ch" refForName="circle7" fact="0.70711"/>
+            <dgm:constr type="h" for="ch" forName="c7text" refType="h" refFor="ch" refForName="circle7" fact="0.5"/>
           </dgm:constrLst>
           <dgm:ruleLst/>
+          <dgm:layoutNode name="circle7" styleLbl="node1">
+            <dgm:alg type="sp"/>
+            <dgm:shape xmlns:r="http://schemas.openxmlformats.org/officeDocument/2006/relationships" type="ellipse" r:blip="">
+              <dgm:adjLst/>
+            </dgm:shape>
+            <dgm:presOf axis="ch desOrSelf" ptType="node node" st="7 1" cnt="1 0"/>
+            <dgm:constrLst>
+              <dgm:constr type="h" refType="w"/>
+            </dgm:constrLst>
+            <dgm:ruleLst/>
+          </dgm:layoutNode>
+          <dgm:layoutNode name="c7text">
+            <dgm:varLst>
+              <dgm:bulletEnabled val="1"/>
+            </dgm:varLst>
+            <dgm:alg type="tx"/>
+            <dgm:shape xmlns:r="http://schemas.openxmlformats.org/officeDocument/2006/relationships" type="rect" r:blip="" hideGeom="1">
+              <dgm:adjLst/>
+            </dgm:shape>
+            <dgm:presOf axis="ch desOrSelf" ptType="node node" st="7 1" cnt="1 0"/>
+            <dgm:constrLst/>
+            <dgm:ruleLst>
+              <dgm:rule type="primFontSz" val="5" fact="NaN" max="NaN"/>
+            </dgm:ruleLst>
+          </dgm:layoutNode>
         </dgm:layoutNode>
-        <dgm:layoutNode name="levelTx" styleLbl="revTx">
-          <dgm:varLst>
-            <dgm:chMax val="1"/>
-            <dgm:bulletEnabled val="1"/>
-          </dgm:varLst>
-          <dgm:alg type="tx"/>
-          <dgm:shape xmlns:r="http://schemas.openxmlformats.org/officeDocument/2006/relationships" type="rect" r:blip="" hideGeom="1">
-            <dgm:adjLst/>
-          </dgm:shape>
-          <dgm:presOf axis="self"/>
-          <dgm:constrLst>
-            <dgm:constr type="tMarg" refType="primFontSz" fact="0.1"/>
-            <dgm:constr type="bMarg" refType="primFontSz" fact="0.1"/>
-            <dgm:constr type="lMarg" refType="primFontSz" fact="0.1"/>
-            <dgm:constr type="rMarg" refType="primFontSz" fact="0.1"/>
-            <dgm:constr type="primFontSz" val="65"/>
-          </dgm:constrLst>
-          <dgm:ruleLst>
-            <dgm:rule type="primFontSz" val="5" fact="NaN" max="NaN"/>
-          </dgm:ruleLst>
-        </dgm:layoutNode>
-      </dgm:layoutNode>
-    </dgm:forEach>
+      </dgm:if>
+      <dgm:else name="Name55"/>
+    </dgm:choose>
   </dgm:layoutNode>
 </dgm:layoutDef>
 </file>
@@ -11388,95 +12261,6 @@
             <a:pPr algn="r" rtl="1"/>
             <a:r>
               <a:rPr lang="fa-IR" dirty="0"/>
-              <a:t>بیش از ۴ برابر رشد طی ۱۰ سال و رسیدن از ۷ به ۲۸ میلیارد دلار</a:t>
-            </a:r>
-            <a:endParaRPr lang="en-US" dirty="0"/>
-          </a:p>
-        </p:txBody>
-      </p:sp>
-      <p:sp>
-        <p:nvSpPr>
-          <p:cNvPr id="4" name="Slide Number Placeholder 3"/>
-          <p:cNvSpPr>
-            <a:spLocks noGrp="1"/>
-          </p:cNvSpPr>
-          <p:nvPr>
-            <p:ph type="sldNum" sz="quarter" idx="5"/>
-          </p:nvPr>
-        </p:nvSpPr>
-        <p:spPr/>
-        <p:txBody>
-          <a:bodyPr/>
-          <a:lstStyle/>
-          <a:p>
-            <a:fld id="{EC29E1AC-3210-4C03-93DF-294BFDB0FAF7}" type="slidenum">
-              <a:rPr lang="en-US" smtClean="0"/>
-              <a:t>5</a:t>
-            </a:fld>
-            <a:endParaRPr lang="en-US"/>
-          </a:p>
-        </p:txBody>
-      </p:sp>
-    </p:spTree>
-    <p:extLst>
-      <p:ext uri="{BB962C8B-B14F-4D97-AF65-F5344CB8AC3E}">
-        <p14:creationId xmlns:p14="http://schemas.microsoft.com/office/powerpoint/2010/main" val="2261310920"/>
-      </p:ext>
-    </p:extLst>
-  </p:cSld>
-  <p:clrMapOvr>
-    <a:masterClrMapping/>
-  </p:clrMapOvr>
-</p:notes>
-</file>
-
-<file path=ppt/notesSlides/notesSlide6.xml><?xml version="1.0" encoding="utf-8"?>
-<p:notes xmlns:a="http://schemas.openxmlformats.org/drawingml/2006/main" xmlns:r="http://schemas.openxmlformats.org/officeDocument/2006/relationships" xmlns:p="http://schemas.openxmlformats.org/presentationml/2006/main">
-  <p:cSld>
-    <p:spTree>
-      <p:nvGrpSpPr>
-        <p:cNvPr id="1" name=""/>
-        <p:cNvGrpSpPr/>
-        <p:nvPr/>
-      </p:nvGrpSpPr>
-      <p:grpSpPr>
-        <a:xfrm>
-          <a:off x="0" y="0"/>
-          <a:ext cx="0" cy="0"/>
-          <a:chOff x="0" y="0"/>
-          <a:chExt cx="0" cy="0"/>
-        </a:xfrm>
-      </p:grpSpPr>
-      <p:sp>
-        <p:nvSpPr>
-          <p:cNvPr id="2" name="Slide Image Placeholder 1"/>
-          <p:cNvSpPr>
-            <a:spLocks noGrp="1" noRot="1" noChangeAspect="1"/>
-          </p:cNvSpPr>
-          <p:nvPr>
-            <p:ph type="sldImg"/>
-          </p:nvPr>
-        </p:nvSpPr>
-        <p:spPr/>
-      </p:sp>
-      <p:sp>
-        <p:nvSpPr>
-          <p:cNvPr id="3" name="Notes Placeholder 2"/>
-          <p:cNvSpPr>
-            <a:spLocks noGrp="1"/>
-          </p:cNvSpPr>
-          <p:nvPr>
-            <p:ph type="body" idx="1"/>
-          </p:nvPr>
-        </p:nvSpPr>
-        <p:spPr/>
-        <p:txBody>
-          <a:bodyPr/>
-          <a:lstStyle/>
-          <a:p>
-            <a:pPr algn="r" rtl="1"/>
-            <a:r>
-              <a:rPr lang="fa-IR" dirty="0"/>
               <a:t>نمایش هدف برای ادامه جلب توجه در روز ارائه</a:t>
             </a:r>
             <a:endParaRPr lang="en-US" dirty="0"/>
@@ -11500,7 +12284,7 @@
           <a:p>
             <a:fld id="{EC29E1AC-3210-4C03-93DF-294BFDB0FAF7}" type="slidenum">
               <a:rPr lang="en-US" smtClean="0"/>
-              <a:t>12</a:t>
+              <a:t>11</a:t>
             </a:fld>
             <a:endParaRPr lang="en-US"/>
           </a:p>
@@ -11519,7 +12303,7 @@
 </p:notes>
 </file>
 
-<file path=ppt/notesSlides/notesSlide7.xml><?xml version="1.0" encoding="utf-8"?>
+<file path=ppt/notesSlides/notesSlide6.xml><?xml version="1.0" encoding="utf-8"?>
 <p:notes xmlns:a="http://schemas.openxmlformats.org/drawingml/2006/main" xmlns:r="http://schemas.openxmlformats.org/officeDocument/2006/relationships" xmlns:p="http://schemas.openxmlformats.org/presentationml/2006/main">
   <p:cSld>
     <p:spTree>
@@ -11621,7 +12405,7 @@
           <a:p>
             <a:fld id="{EC29E1AC-3210-4C03-93DF-294BFDB0FAF7}" type="slidenum">
               <a:rPr lang="en-US" smtClean="0"/>
-              <a:t>13</a:t>
+              <a:t>12</a:t>
             </a:fld>
             <a:endParaRPr lang="en-US"/>
           </a:p>
@@ -11640,7 +12424,7 @@
 </p:notes>
 </file>
 
-<file path=ppt/notesSlides/notesSlide8.xml><?xml version="1.0" encoding="utf-8"?>
+<file path=ppt/notesSlides/notesSlide7.xml><?xml version="1.0" encoding="utf-8"?>
 <p:notes xmlns:a="http://schemas.openxmlformats.org/drawingml/2006/main" xmlns:r="http://schemas.openxmlformats.org/officeDocument/2006/relationships" xmlns:p="http://schemas.openxmlformats.org/presentationml/2006/main">
   <p:cSld>
     <p:spTree>
@@ -11719,7 +12503,7 @@
           <a:p>
             <a:fld id="{EC29E1AC-3210-4C03-93DF-294BFDB0FAF7}" type="slidenum">
               <a:rPr lang="en-US" smtClean="0"/>
-              <a:t>15</a:t>
+              <a:t>14</a:t>
             </a:fld>
             <a:endParaRPr lang="en-US"/>
           </a:p>
@@ -16895,8 +17679,8 @@
         </p:nvSpPr>
         <p:spPr>
           <a:xfrm>
-            <a:off x="1143000" y="2057399"/>
-            <a:ext cx="4754880" cy="4023360"/>
+            <a:off x="1057051" y="1569024"/>
+            <a:ext cx="4840829" cy="4511735"/>
           </a:xfrm>
         </p:spPr>
         <p:txBody>
@@ -16980,8 +17764,8 @@
         </p:nvSpPr>
         <p:spPr>
           <a:xfrm>
-            <a:off x="6267612" y="2057400"/>
-            <a:ext cx="4754880" cy="4023360"/>
+            <a:off x="6267611" y="1569025"/>
+            <a:ext cx="4867337" cy="4511735"/>
           </a:xfrm>
         </p:spPr>
         <p:txBody>
@@ -18499,102 +19283,6 @@
           <p:cNvPr id="2" name="Title 1">
             <a:extLst>
               <a:ext uri="{FF2B5EF4-FFF2-40B4-BE49-F238E27FC236}">
-                <a16:creationId xmlns:a16="http://schemas.microsoft.com/office/drawing/2014/main" id="{9E452C3F-ED25-483A-94FA-D2CE60013342}"/>
-              </a:ext>
-            </a:extLst>
-          </p:cNvPr>
-          <p:cNvSpPr>
-            <a:spLocks noGrp="1"/>
-          </p:cNvSpPr>
-          <p:nvPr>
-            <p:ph type="title"/>
-          </p:nvPr>
-        </p:nvSpPr>
-        <p:spPr/>
-        <p:txBody>
-          <a:bodyPr/>
-          <a:lstStyle/>
-          <a:p>
-            <a:r>
-              <a:rPr lang="fa-IR" dirty="0"/>
-              <a:t>استراتژی بازاریابی</a:t>
-            </a:r>
-            <a:endParaRPr lang="en-US" dirty="0"/>
-          </a:p>
-        </p:txBody>
-      </p:sp>
-      <p:sp>
-        <p:nvSpPr>
-          <p:cNvPr id="3" name="Content Placeholder 2">
-            <a:extLst>
-              <a:ext uri="{FF2B5EF4-FFF2-40B4-BE49-F238E27FC236}">
-                <a16:creationId xmlns:a16="http://schemas.microsoft.com/office/drawing/2014/main" id="{46F6534D-E736-4D33-B628-2F504052D36C}"/>
-              </a:ext>
-            </a:extLst>
-          </p:cNvPr>
-          <p:cNvSpPr>
-            <a:spLocks noGrp="1"/>
-          </p:cNvSpPr>
-          <p:nvPr>
-            <p:ph idx="1"/>
-          </p:nvPr>
-        </p:nvSpPr>
-        <p:spPr/>
-        <p:txBody>
-          <a:bodyPr/>
-          <a:lstStyle/>
-          <a:p>
-            <a:endParaRPr lang="en-US"/>
-          </a:p>
-        </p:txBody>
-      </p:sp>
-    </p:spTree>
-    <p:extLst>
-      <p:ext uri="{BB962C8B-B14F-4D97-AF65-F5344CB8AC3E}">
-        <p14:creationId xmlns:p14="http://schemas.microsoft.com/office/powerpoint/2010/main" val="951979677"/>
-      </p:ext>
-    </p:extLst>
-  </p:cSld>
-  <p:clrMapOvr>
-    <a:masterClrMapping/>
-  </p:clrMapOvr>
-  <mc:AlternateContent xmlns:mc="http://schemas.openxmlformats.org/markup-compatibility/2006" xmlns:p159="http://schemas.microsoft.com/office/powerpoint/2015/09/main">
-    <mc:Choice Requires="p159">
-      <p:transition xmlns:p14="http://schemas.microsoft.com/office/powerpoint/2010/main" spd="slow" p14:dur="2000">
-        <p159:morph option="byWord"/>
-      </p:transition>
-    </mc:Choice>
-    <mc:Fallback xmlns="">
-      <p:transition spd="slow">
-        <p:fade/>
-      </p:transition>
-    </mc:Fallback>
-  </mc:AlternateContent>
-</p:sld>
-</file>
-
-<file path=ppt/slides/slide11.xml><?xml version="1.0" encoding="utf-8"?>
-<p:sld xmlns:a="http://schemas.openxmlformats.org/drawingml/2006/main" xmlns:r="http://schemas.openxmlformats.org/officeDocument/2006/relationships" xmlns:p="http://schemas.openxmlformats.org/presentationml/2006/main">
-  <p:cSld>
-    <p:spTree>
-      <p:nvGrpSpPr>
-        <p:cNvPr id="1" name=""/>
-        <p:cNvGrpSpPr/>
-        <p:nvPr/>
-      </p:nvGrpSpPr>
-      <p:grpSpPr>
-        <a:xfrm>
-          <a:off x="0" y="0"/>
-          <a:ext cx="0" cy="0"/>
-          <a:chOff x="0" y="0"/>
-          <a:chExt cx="0" cy="0"/>
-        </a:xfrm>
-      </p:grpSpPr>
-      <p:sp>
-        <p:nvSpPr>
-          <p:cNvPr id="2" name="Title 1">
-            <a:extLst>
-              <a:ext uri="{FF2B5EF4-FFF2-40B4-BE49-F238E27FC236}">
                 <a16:creationId xmlns:a16="http://schemas.microsoft.com/office/drawing/2014/main" id="{5D34B8C1-6180-431A-B964-C1F4DCF47BEB}"/>
               </a:ext>
             </a:extLst>
@@ -18669,7 +19357,7 @@
 </p:sld>
 </file>
 
-<file path=ppt/slides/slide12.xml><?xml version="1.0" encoding="utf-8"?>
+<file path=ppt/slides/slide11.xml><?xml version="1.0" encoding="utf-8"?>
 <p:sld xmlns:a="http://schemas.openxmlformats.org/drawingml/2006/main" xmlns:r="http://schemas.openxmlformats.org/officeDocument/2006/relationships" xmlns:p="http://schemas.openxmlformats.org/presentationml/2006/main">
   <p:cSld>
     <p:spTree>
@@ -18791,7 +19479,7 @@
 </p:sld>
 </file>
 
-<file path=ppt/slides/slide13.xml><?xml version="1.0" encoding="utf-8"?>
+<file path=ppt/slides/slide12.xml><?xml version="1.0" encoding="utf-8"?>
 <p:sld xmlns:a="http://schemas.openxmlformats.org/drawingml/2006/main" xmlns:r="http://schemas.openxmlformats.org/officeDocument/2006/relationships" xmlns:p="http://schemas.openxmlformats.org/presentationml/2006/main">
   <p:cSld>
     <p:spTree>
@@ -18887,7 +19575,7 @@
 </p:sld>
 </file>
 
-<file path=ppt/slides/slide14.xml><?xml version="1.0" encoding="utf-8"?>
+<file path=ppt/slides/slide13.xml><?xml version="1.0" encoding="utf-8"?>
 <p:sld xmlns:a="http://schemas.openxmlformats.org/drawingml/2006/main" xmlns:r="http://schemas.openxmlformats.org/officeDocument/2006/relationships" xmlns:p="http://schemas.openxmlformats.org/presentationml/2006/main">
   <p:cSld>
     <p:spTree>
@@ -18983,7 +19671,7 @@
 </p:sld>
 </file>
 
-<file path=ppt/slides/slide15.xml><?xml version="1.0" encoding="utf-8"?>
+<file path=ppt/slides/slide14.xml><?xml version="1.0" encoding="utf-8"?>
 <p:sld xmlns:a="http://schemas.openxmlformats.org/drawingml/2006/main" xmlns:r="http://schemas.openxmlformats.org/officeDocument/2006/relationships" xmlns:p="http://schemas.openxmlformats.org/presentationml/2006/main">
   <p:cSld>
     <p:spTree>
@@ -19079,7 +19767,7 @@
 </p:sld>
 </file>
 
-<file path=ppt/slides/slide16.xml><?xml version="1.0" encoding="utf-8"?>
+<file path=ppt/slides/slide15.xml><?xml version="1.0" encoding="utf-8"?>
 <p:sld xmlns:a="http://schemas.openxmlformats.org/drawingml/2006/main" xmlns:r="http://schemas.openxmlformats.org/officeDocument/2006/relationships" xmlns:p="http://schemas.openxmlformats.org/presentationml/2006/main">
   <p:cSld>
     <p:spTree>
@@ -19190,7 +19878,7 @@
 </p:sld>
 </file>
 
-<file path=ppt/slides/slide17.xml><?xml version="1.0" encoding="utf-8"?>
+<file path=ppt/slides/slide16.xml><?xml version="1.0" encoding="utf-8"?>
 <p:sld xmlns:a="http://schemas.openxmlformats.org/drawingml/2006/main" xmlns:r="http://schemas.openxmlformats.org/officeDocument/2006/relationships" xmlns:p="http://schemas.openxmlformats.org/presentationml/2006/main">
   <p:cSld>
     <p:spTree>
@@ -19797,9 +20485,7 @@
             </p:pic>
             <p:pic>
               <p:nvPicPr>
-                <p:cNvPr id="7" name="Picture 7">
-                  <a:hlinkClick r:id="rId22" action="ppaction://hlinksldjump"/>
-                </p:cNvPr>
+                <p:cNvPr id="7" name="Picture 7"/>
                 <p:cNvPicPr>
                   <a:picLocks noSelect="1" noRot="1" noChangeAspect="1" noMove="1" noResize="1" noEditPoints="1" noAdjustHandles="1" noChangeArrowheads="1" noChangeShapeType="1"/>
                 </p:cNvPicPr>
@@ -19829,7 +20515,7 @@
             <p:pic>
               <p:nvPicPr>
                 <p:cNvPr id="8" name="Picture 8">
-                  <a:hlinkClick r:id="rId23" action="ppaction://hlinksldjump"/>
+                  <a:hlinkClick r:id="rId22" action="ppaction://hlinksldjump"/>
                 </p:cNvPr>
                 <p:cNvPicPr>
                   <a:picLocks noSelect="1" noRot="1" noChangeAspect="1" noMove="1" noResize="1" noEditPoints="1" noAdjustHandles="1" noChangeArrowheads="1" noChangeShapeType="1"/>
@@ -19860,7 +20546,7 @@
             <p:pic>
               <p:nvPicPr>
                 <p:cNvPr id="9" name="Picture 9">
-                  <a:hlinkClick r:id="rId24" action="ppaction://hlinksldjump"/>
+                  <a:hlinkClick r:id="rId23" action="ppaction://hlinksldjump"/>
                 </p:cNvPr>
                 <p:cNvPicPr>
                   <a:picLocks noSelect="1" noRot="1" noChangeAspect="1" noMove="1" noResize="1" noEditPoints="1" noAdjustHandles="1" noChangeArrowheads="1" noChangeShapeType="1"/>
@@ -19891,7 +20577,7 @@
             <p:pic>
               <p:nvPicPr>
                 <p:cNvPr id="10" name="Picture 10">
-                  <a:hlinkClick r:id="rId25" action="ppaction://hlinksldjump"/>
+                  <a:hlinkClick r:id="rId24" action="ppaction://hlinksldjump"/>
                 </p:cNvPr>
                 <p:cNvPicPr>
                   <a:picLocks noSelect="1" noRot="1" noChangeAspect="1" noMove="1" noResize="1" noEditPoints="1" noAdjustHandles="1" noChangeArrowheads="1" noChangeShapeType="1"/>
@@ -19922,7 +20608,7 @@
             <p:pic>
               <p:nvPicPr>
                 <p:cNvPr id="11" name="Picture 11">
-                  <a:hlinkClick r:id="rId26" action="ppaction://hlinksldjump"/>
+                  <a:hlinkClick r:id="rId25" action="ppaction://hlinksldjump"/>
                 </p:cNvPr>
                 <p:cNvPicPr>
                   <a:picLocks noSelect="1" noRot="1" noChangeAspect="1" noMove="1" noResize="1" noEditPoints="1" noAdjustHandles="1" noChangeArrowheads="1" noChangeShapeType="1"/>
@@ -19953,7 +20639,7 @@
             <p:pic>
               <p:nvPicPr>
                 <p:cNvPr id="12" name="Picture 12">
-                  <a:hlinkClick r:id="rId27" action="ppaction://hlinksldjump"/>
+                  <a:hlinkClick r:id="rId26" action="ppaction://hlinksldjump"/>
                 </p:cNvPr>
                 <p:cNvPicPr>
                   <a:picLocks noSelect="1" noRot="1" noChangeAspect="1" noMove="1" noResize="1" noEditPoints="1" noAdjustHandles="1" noChangeArrowheads="1" noChangeShapeType="1"/>
@@ -19984,7 +20670,7 @@
             <p:pic>
               <p:nvPicPr>
                 <p:cNvPr id="13" name="Picture 13">
-                  <a:hlinkClick r:id="rId28" action="ppaction://hlinksldjump"/>
+                  <a:hlinkClick r:id="rId27" action="ppaction://hlinksldjump"/>
                 </p:cNvPr>
                 <p:cNvPicPr>
                   <a:picLocks noSelect="1" noRot="1" noChangeAspect="1" noMove="1" noResize="1" noEditPoints="1" noAdjustHandles="1" noChangeArrowheads="1" noChangeShapeType="1"/>
@@ -20015,7 +20701,7 @@
             <p:pic>
               <p:nvPicPr>
                 <p:cNvPr id="14" name="Picture 14">
-                  <a:hlinkClick r:id="rId29" action="ppaction://hlinksldjump"/>
+                  <a:hlinkClick r:id="rId28" action="ppaction://hlinksldjump"/>
                 </p:cNvPr>
                 <p:cNvPicPr>
                   <a:picLocks noSelect="1" noRot="1" noChangeAspect="1" noMove="1" noResize="1" noEditPoints="1" noAdjustHandles="1" noChangeArrowheads="1" noChangeShapeType="1"/>
@@ -20046,7 +20732,7 @@
             <p:pic>
               <p:nvPicPr>
                 <p:cNvPr id="15" name="Picture 15">
-                  <a:hlinkClick r:id="rId30" action="ppaction://hlinksldjump"/>
+                  <a:hlinkClick r:id="rId29" action="ppaction://hlinksldjump"/>
                 </p:cNvPr>
                 <p:cNvPicPr>
                   <a:picLocks noSelect="1" noRot="1" noChangeAspect="1" noMove="1" noResize="1" noEditPoints="1" noAdjustHandles="1" noChangeArrowheads="1" noChangeShapeType="1"/>
@@ -20077,7 +20763,7 @@
             <p:pic>
               <p:nvPicPr>
                 <p:cNvPr id="16" name="Picture 16">
-                  <a:hlinkClick r:id="rId31" action="ppaction://hlinksldjump"/>
+                  <a:hlinkClick r:id="rId30" action="ppaction://hlinksldjump"/>
                 </p:cNvPr>
                 <p:cNvPicPr>
                   <a:picLocks noSelect="1" noRot="1" noChangeAspect="1" noMove="1" noResize="1" noEditPoints="1" noAdjustHandles="1" noChangeArrowheads="1" noChangeShapeType="1"/>
@@ -20108,7 +20794,7 @@
             <p:pic>
               <p:nvPicPr>
                 <p:cNvPr id="17" name="Picture 17">
-                  <a:hlinkClick r:id="rId32" action="ppaction://hlinksldjump"/>
+                  <a:hlinkClick r:id="rId31" action="ppaction://hlinksldjump"/>
                 </p:cNvPr>
                 <p:cNvPicPr>
                   <a:picLocks noSelect="1" noRot="1" noChangeAspect="1" noMove="1" noResize="1" noEditPoints="1" noAdjustHandles="1" noChangeArrowheads="1" noChangeShapeType="1"/>
@@ -20139,7 +20825,7 @@
             <p:pic>
               <p:nvPicPr>
                 <p:cNvPr id="18" name="Picture 18">
-                  <a:hlinkClick r:id="rId33" action="ppaction://hlinksldjump"/>
+                  <a:hlinkClick r:id="rId32" action="ppaction://hlinksldjump"/>
                 </p:cNvPr>
                 <p:cNvPicPr>
                   <a:picLocks noSelect="1" noRot="1" noChangeAspect="1" noMove="1" noResize="1" noEditPoints="1" noAdjustHandles="1" noChangeArrowheads="1" noChangeShapeType="1"/>
@@ -20170,7 +20856,7 @@
             <p:pic>
               <p:nvPicPr>
                 <p:cNvPr id="19" name="Picture 19">
-                  <a:hlinkClick r:id="rId34" action="ppaction://hlinksldjump"/>
+                  <a:hlinkClick r:id="rId33" action="ppaction://hlinksldjump"/>
                 </p:cNvPr>
                 <p:cNvPicPr>
                   <a:picLocks noSelect="1" noRot="1" noChangeAspect="1" noMove="1" noResize="1" noEditPoints="1" noAdjustHandles="1" noChangeArrowheads="1" noChangeShapeType="1"/>
@@ -20201,7 +20887,7 @@
             <p:pic>
               <p:nvPicPr>
                 <p:cNvPr id="20" name="Picture 20">
-                  <a:hlinkClick r:id="rId35" action="ppaction://hlinksldjump"/>
+                  <a:hlinkClick r:id="rId34" action="ppaction://hlinksldjump"/>
                 </p:cNvPr>
                 <p:cNvPicPr>
                   <a:picLocks noSelect="1" noRot="1" noChangeAspect="1" noMove="1" noResize="1" noEditPoints="1" noAdjustHandles="1" noChangeArrowheads="1" noChangeShapeType="1"/>
@@ -20257,7 +20943,7 @@
 </p:sld>
 </file>
 
-<file path=ppt/slides/slide18.xml><?xml version="1.0" encoding="utf-8"?>
+<file path=ppt/slides/slide17.xml><?xml version="1.0" encoding="utf-8"?>
 <p:sld xmlns:a="http://schemas.openxmlformats.org/drawingml/2006/main" xmlns:r="http://schemas.openxmlformats.org/officeDocument/2006/relationships" xmlns:p="http://schemas.openxmlformats.org/presentationml/2006/main">
   <p:cSld>
     <p:spTree>
@@ -20719,18 +21405,14 @@
                             </p:stCondLst>
                             <p:childTnLst>
                               <p:par>
-                                <p:cTn id="5" presetID="53" presetClass="entr" presetSubtype="16" fill="hold" grpId="0" nodeType="afterEffect">
+                                <p:cTn id="5" presetID="27" presetClass="emph" presetSubtype="0" fill="remove" grpId="0" nodeType="afterEffect">
                                   <p:stCondLst>
                                     <p:cond delay="0"/>
                                   </p:stCondLst>
                                   <p:childTnLst>
-                                    <p:set>
-                                      <p:cBhvr>
-                                        <p:cTn id="6" dur="1" fill="hold">
-                                          <p:stCondLst>
-                                            <p:cond delay="0"/>
-                                          </p:stCondLst>
-                                        </p:cTn>
+                                    <p:animClr clrSpc="rgb" dir="cw">
+                                      <p:cBhvr override="childStyle">
+                                        <p:cTn id="6" dur="250" autoRev="1" fill="remove"/>
                                         <p:tgtEl>
                                           <p:spTgt spid="15">
                                             <p:graphicEl>
@@ -20739,16 +21421,16 @@
                                           </p:spTgt>
                                         </p:tgtEl>
                                         <p:attrNameLst>
-                                          <p:attrName>style.visibility</p:attrName>
+                                          <p:attrName>style.color</p:attrName>
                                         </p:attrNameLst>
                                       </p:cBhvr>
                                       <p:to>
-                                        <p:strVal val="visible"/>
+                                        <a:srgbClr val="D54773"/>
                                       </p:to>
-                                    </p:set>
-                                    <p:anim calcmode="lin" valueType="num">
+                                    </p:animClr>
+                                    <p:animClr clrSpc="rgb" dir="cw">
                                       <p:cBhvr>
-                                        <p:cTn id="7" dur="250" fill="hold"/>
+                                        <p:cTn id="7" dur="250" autoRev="1" fill="remove"/>
                                         <p:tgtEl>
                                           <p:spTgt spid="15">
                                             <p:graphicEl>
@@ -20757,25 +21439,16 @@
                                           </p:spTgt>
                                         </p:tgtEl>
                                         <p:attrNameLst>
-                                          <p:attrName>ppt_w</p:attrName>
+                                          <p:attrName>fillcolor</p:attrName>
                                         </p:attrNameLst>
                                       </p:cBhvr>
-                                      <p:tavLst>
-                                        <p:tav tm="0">
-                                          <p:val>
-                                            <p:fltVal val="0"/>
-                                          </p:val>
-                                        </p:tav>
-                                        <p:tav tm="100000">
-                                          <p:val>
-                                            <p:strVal val="#ppt_w"/>
-                                          </p:val>
-                                        </p:tav>
-                                      </p:tavLst>
-                                    </p:anim>
-                                    <p:anim calcmode="lin" valueType="num">
+                                      <p:to>
+                                        <a:srgbClr val="D54773"/>
+                                      </p:to>
+                                    </p:animClr>
+                                    <p:set>
                                       <p:cBhvr>
-                                        <p:cTn id="8" dur="250" fill="hold"/>
+                                        <p:cTn id="8" dur="250" autoRev="1" fill="remove"/>
                                         <p:tgtEl>
                                           <p:spTgt spid="15">
                                             <p:graphicEl>
@@ -20784,25 +21457,16 @@
                                           </p:spTgt>
                                         </p:tgtEl>
                                         <p:attrNameLst>
-                                          <p:attrName>ppt_h</p:attrName>
+                                          <p:attrName>fill.type</p:attrName>
                                         </p:attrNameLst>
                                       </p:cBhvr>
-                                      <p:tavLst>
-                                        <p:tav tm="0">
-                                          <p:val>
-                                            <p:fltVal val="0"/>
-                                          </p:val>
-                                        </p:tav>
-                                        <p:tav tm="100000">
-                                          <p:val>
-                                            <p:strVal val="#ppt_h"/>
-                                          </p:val>
-                                        </p:tav>
-                                      </p:tavLst>
-                                    </p:anim>
-                                    <p:animEffect transition="in" filter="fade">
+                                      <p:to>
+                                        <p:strVal val="solid"/>
+                                      </p:to>
+                                    </p:set>
+                                    <p:set>
                                       <p:cBhvr>
-                                        <p:cTn id="9" dur="250"/>
+                                        <p:cTn id="9" dur="250" autoRev="1" fill="remove"/>
                                         <p:tgtEl>
                                           <p:spTgt spid="15">
                                             <p:graphicEl>
@@ -20810,8 +21474,14 @@
                                             </p:graphicEl>
                                           </p:spTgt>
                                         </p:tgtEl>
+                                        <p:attrNameLst>
+                                          <p:attrName>fill.on</p:attrName>
+                                        </p:attrNameLst>
                                       </p:cBhvr>
-                                    </p:animEffect>
+                                      <p:to>
+                                        <p:strVal val="true"/>
+                                      </p:to>
+                                    </p:set>
                                   </p:childTnLst>
                                 </p:cTn>
                               </p:par>
@@ -20821,22 +21491,18 @@
                         <p:par>
                           <p:cTn id="10" fill="hold">
                             <p:stCondLst>
-                              <p:cond delay="250"/>
+                              <p:cond delay="500"/>
                             </p:stCondLst>
                             <p:childTnLst>
                               <p:par>
-                                <p:cTn id="11" presetID="53" presetClass="entr" presetSubtype="16" fill="hold" grpId="0" nodeType="afterEffect">
+                                <p:cTn id="11" presetID="27" presetClass="emph" presetSubtype="0" fill="remove" grpId="0" nodeType="afterEffect">
                                   <p:stCondLst>
                                     <p:cond delay="0"/>
                                   </p:stCondLst>
                                   <p:childTnLst>
-                                    <p:set>
-                                      <p:cBhvr>
-                                        <p:cTn id="12" dur="1" fill="hold">
-                                          <p:stCondLst>
-                                            <p:cond delay="0"/>
-                                          </p:stCondLst>
-                                        </p:cTn>
+                                    <p:animClr clrSpc="rgb" dir="cw">
+                                      <p:cBhvr override="childStyle">
+                                        <p:cTn id="12" dur="250" autoRev="1" fill="remove"/>
                                         <p:tgtEl>
                                           <p:spTgt spid="15">
                                             <p:graphicEl>
@@ -20845,16 +21511,16 @@
                                           </p:spTgt>
                                         </p:tgtEl>
                                         <p:attrNameLst>
-                                          <p:attrName>style.visibility</p:attrName>
+                                          <p:attrName>style.color</p:attrName>
                                         </p:attrNameLst>
                                       </p:cBhvr>
                                       <p:to>
-                                        <p:strVal val="visible"/>
+                                        <a:srgbClr val="D54773"/>
                                       </p:to>
-                                    </p:set>
-                                    <p:anim calcmode="lin" valueType="num">
+                                    </p:animClr>
+                                    <p:animClr clrSpc="rgb" dir="cw">
                                       <p:cBhvr>
-                                        <p:cTn id="13" dur="250" fill="hold"/>
+                                        <p:cTn id="13" dur="250" autoRev="1" fill="remove"/>
                                         <p:tgtEl>
                                           <p:spTgt spid="15">
                                             <p:graphicEl>
@@ -20863,25 +21529,16 @@
                                           </p:spTgt>
                                         </p:tgtEl>
                                         <p:attrNameLst>
-                                          <p:attrName>ppt_w</p:attrName>
+                                          <p:attrName>fillcolor</p:attrName>
                                         </p:attrNameLst>
                                       </p:cBhvr>
-                                      <p:tavLst>
-                                        <p:tav tm="0">
-                                          <p:val>
-                                            <p:fltVal val="0"/>
-                                          </p:val>
-                                        </p:tav>
-                                        <p:tav tm="100000">
-                                          <p:val>
-                                            <p:strVal val="#ppt_w"/>
-                                          </p:val>
-                                        </p:tav>
-                                      </p:tavLst>
-                                    </p:anim>
-                                    <p:anim calcmode="lin" valueType="num">
+                                      <p:to>
+                                        <a:srgbClr val="D54773"/>
+                                      </p:to>
+                                    </p:animClr>
+                                    <p:set>
                                       <p:cBhvr>
-                                        <p:cTn id="14" dur="250" fill="hold"/>
+                                        <p:cTn id="14" dur="250" autoRev="1" fill="remove"/>
                                         <p:tgtEl>
                                           <p:spTgt spid="15">
                                             <p:graphicEl>
@@ -20890,25 +21547,16 @@
                                           </p:spTgt>
                                         </p:tgtEl>
                                         <p:attrNameLst>
-                                          <p:attrName>ppt_h</p:attrName>
+                                          <p:attrName>fill.type</p:attrName>
                                         </p:attrNameLst>
                                       </p:cBhvr>
-                                      <p:tavLst>
-                                        <p:tav tm="0">
-                                          <p:val>
-                                            <p:fltVal val="0"/>
-                                          </p:val>
-                                        </p:tav>
-                                        <p:tav tm="100000">
-                                          <p:val>
-                                            <p:strVal val="#ppt_h"/>
-                                          </p:val>
-                                        </p:tav>
-                                      </p:tavLst>
-                                    </p:anim>
-                                    <p:animEffect transition="in" filter="fade">
+                                      <p:to>
+                                        <p:strVal val="solid"/>
+                                      </p:to>
+                                    </p:set>
+                                    <p:set>
                                       <p:cBhvr>
-                                        <p:cTn id="15" dur="250"/>
+                                        <p:cTn id="15" dur="250" autoRev="1" fill="remove"/>
                                         <p:tgtEl>
                                           <p:spTgt spid="15">
                                             <p:graphicEl>
@@ -20916,8 +21564,14 @@
                                             </p:graphicEl>
                                           </p:spTgt>
                                         </p:tgtEl>
+                                        <p:attrNameLst>
+                                          <p:attrName>fill.on</p:attrName>
+                                        </p:attrNameLst>
                                       </p:cBhvr>
-                                    </p:animEffect>
+                                      <p:to>
+                                        <p:strVal val="true"/>
+                                      </p:to>
+                                    </p:set>
                                   </p:childTnLst>
                                 </p:cTn>
                               </p:par>
@@ -20927,22 +21581,18 @@
                         <p:par>
                           <p:cTn id="16" fill="hold">
                             <p:stCondLst>
-                              <p:cond delay="500"/>
+                              <p:cond delay="1000"/>
                             </p:stCondLst>
                             <p:childTnLst>
                               <p:par>
-                                <p:cTn id="17" presetID="53" presetClass="entr" presetSubtype="16" fill="hold" grpId="0" nodeType="afterEffect">
+                                <p:cTn id="17" presetID="27" presetClass="emph" presetSubtype="0" fill="remove" grpId="0" nodeType="afterEffect">
                                   <p:stCondLst>
                                     <p:cond delay="0"/>
                                   </p:stCondLst>
                                   <p:childTnLst>
-                                    <p:set>
-                                      <p:cBhvr>
-                                        <p:cTn id="18" dur="1" fill="hold">
-                                          <p:stCondLst>
-                                            <p:cond delay="0"/>
-                                          </p:stCondLst>
-                                        </p:cTn>
+                                    <p:animClr clrSpc="rgb" dir="cw">
+                                      <p:cBhvr override="childStyle">
+                                        <p:cTn id="18" dur="250" autoRev="1" fill="remove"/>
                                         <p:tgtEl>
                                           <p:spTgt spid="15">
                                             <p:graphicEl>
@@ -20951,16 +21601,16 @@
                                           </p:spTgt>
                                         </p:tgtEl>
                                         <p:attrNameLst>
-                                          <p:attrName>style.visibility</p:attrName>
+                                          <p:attrName>style.color</p:attrName>
                                         </p:attrNameLst>
                                       </p:cBhvr>
                                       <p:to>
-                                        <p:strVal val="visible"/>
+                                        <a:srgbClr val="D54773"/>
                                       </p:to>
-                                    </p:set>
-                                    <p:anim calcmode="lin" valueType="num">
+                                    </p:animClr>
+                                    <p:animClr clrSpc="rgb" dir="cw">
                                       <p:cBhvr>
-                                        <p:cTn id="19" dur="250" fill="hold"/>
+                                        <p:cTn id="19" dur="250" autoRev="1" fill="remove"/>
                                         <p:tgtEl>
                                           <p:spTgt spid="15">
                                             <p:graphicEl>
@@ -20969,25 +21619,16 @@
                                           </p:spTgt>
                                         </p:tgtEl>
                                         <p:attrNameLst>
-                                          <p:attrName>ppt_w</p:attrName>
+                                          <p:attrName>fillcolor</p:attrName>
                                         </p:attrNameLst>
                                       </p:cBhvr>
-                                      <p:tavLst>
-                                        <p:tav tm="0">
-                                          <p:val>
-                                            <p:fltVal val="0"/>
-                                          </p:val>
-                                        </p:tav>
-                                        <p:tav tm="100000">
-                                          <p:val>
-                                            <p:strVal val="#ppt_w"/>
-                                          </p:val>
-                                        </p:tav>
-                                      </p:tavLst>
-                                    </p:anim>
-                                    <p:anim calcmode="lin" valueType="num">
+                                      <p:to>
+                                        <a:srgbClr val="D54773"/>
+                                      </p:to>
+                                    </p:animClr>
+                                    <p:set>
                                       <p:cBhvr>
-                                        <p:cTn id="20" dur="250" fill="hold"/>
+                                        <p:cTn id="20" dur="250" autoRev="1" fill="remove"/>
                                         <p:tgtEl>
                                           <p:spTgt spid="15">
                                             <p:graphicEl>
@@ -20996,25 +21637,16 @@
                                           </p:spTgt>
                                         </p:tgtEl>
                                         <p:attrNameLst>
-                                          <p:attrName>ppt_h</p:attrName>
+                                          <p:attrName>fill.type</p:attrName>
                                         </p:attrNameLst>
                                       </p:cBhvr>
-                                      <p:tavLst>
-                                        <p:tav tm="0">
-                                          <p:val>
-                                            <p:fltVal val="0"/>
-                                          </p:val>
-                                        </p:tav>
-                                        <p:tav tm="100000">
-                                          <p:val>
-                                            <p:strVal val="#ppt_h"/>
-                                          </p:val>
-                                        </p:tav>
-                                      </p:tavLst>
-                                    </p:anim>
-                                    <p:animEffect transition="in" filter="fade">
+                                      <p:to>
+                                        <p:strVal val="solid"/>
+                                      </p:to>
+                                    </p:set>
+                                    <p:set>
                                       <p:cBhvr>
-                                        <p:cTn id="21" dur="250"/>
+                                        <p:cTn id="21" dur="250" autoRev="1" fill="remove"/>
                                         <p:tgtEl>
                                           <p:spTgt spid="15">
                                             <p:graphicEl>
@@ -21022,8 +21654,14 @@
                                             </p:graphicEl>
                                           </p:spTgt>
                                         </p:tgtEl>
+                                        <p:attrNameLst>
+                                          <p:attrName>fill.on</p:attrName>
+                                        </p:attrNameLst>
                                       </p:cBhvr>
-                                    </p:animEffect>
+                                      <p:to>
+                                        <p:strVal val="true"/>
+                                      </p:to>
+                                    </p:set>
                                   </p:childTnLst>
                                 </p:cTn>
                               </p:par>
@@ -21033,22 +21671,18 @@
                         <p:par>
                           <p:cTn id="22" fill="hold">
                             <p:stCondLst>
-                              <p:cond delay="750"/>
+                              <p:cond delay="1500"/>
                             </p:stCondLst>
                             <p:childTnLst>
                               <p:par>
-                                <p:cTn id="23" presetID="53" presetClass="entr" presetSubtype="16" fill="hold" grpId="0" nodeType="afterEffect">
+                                <p:cTn id="23" presetID="27" presetClass="emph" presetSubtype="0" fill="remove" grpId="0" nodeType="afterEffect">
                                   <p:stCondLst>
                                     <p:cond delay="0"/>
                                   </p:stCondLst>
                                   <p:childTnLst>
-                                    <p:set>
-                                      <p:cBhvr>
-                                        <p:cTn id="24" dur="1" fill="hold">
-                                          <p:stCondLst>
-                                            <p:cond delay="0"/>
-                                          </p:stCondLst>
-                                        </p:cTn>
+                                    <p:animClr clrSpc="rgb" dir="cw">
+                                      <p:cBhvr override="childStyle">
+                                        <p:cTn id="24" dur="250" autoRev="1" fill="remove"/>
                                         <p:tgtEl>
                                           <p:spTgt spid="15">
                                             <p:graphicEl>
@@ -21057,16 +21691,16 @@
                                           </p:spTgt>
                                         </p:tgtEl>
                                         <p:attrNameLst>
-                                          <p:attrName>style.visibility</p:attrName>
+                                          <p:attrName>style.color</p:attrName>
                                         </p:attrNameLst>
                                       </p:cBhvr>
                                       <p:to>
-                                        <p:strVal val="visible"/>
+                                        <a:srgbClr val="D54773"/>
                                       </p:to>
-                                    </p:set>
-                                    <p:anim calcmode="lin" valueType="num">
+                                    </p:animClr>
+                                    <p:animClr clrSpc="rgb" dir="cw">
                                       <p:cBhvr>
-                                        <p:cTn id="25" dur="250" fill="hold"/>
+                                        <p:cTn id="25" dur="250" autoRev="1" fill="remove"/>
                                         <p:tgtEl>
                                           <p:spTgt spid="15">
                                             <p:graphicEl>
@@ -21075,25 +21709,16 @@
                                           </p:spTgt>
                                         </p:tgtEl>
                                         <p:attrNameLst>
-                                          <p:attrName>ppt_w</p:attrName>
+                                          <p:attrName>fillcolor</p:attrName>
                                         </p:attrNameLst>
                                       </p:cBhvr>
-                                      <p:tavLst>
-                                        <p:tav tm="0">
-                                          <p:val>
-                                            <p:fltVal val="0"/>
-                                          </p:val>
-                                        </p:tav>
-                                        <p:tav tm="100000">
-                                          <p:val>
-                                            <p:strVal val="#ppt_w"/>
-                                          </p:val>
-                                        </p:tav>
-                                      </p:tavLst>
-                                    </p:anim>
-                                    <p:anim calcmode="lin" valueType="num">
+                                      <p:to>
+                                        <a:srgbClr val="D54773"/>
+                                      </p:to>
+                                    </p:animClr>
+                                    <p:set>
                                       <p:cBhvr>
-                                        <p:cTn id="26" dur="250" fill="hold"/>
+                                        <p:cTn id="26" dur="250" autoRev="1" fill="remove"/>
                                         <p:tgtEl>
                                           <p:spTgt spid="15">
                                             <p:graphicEl>
@@ -21102,25 +21727,16 @@
                                           </p:spTgt>
                                         </p:tgtEl>
                                         <p:attrNameLst>
-                                          <p:attrName>ppt_h</p:attrName>
+                                          <p:attrName>fill.type</p:attrName>
                                         </p:attrNameLst>
                                       </p:cBhvr>
-                                      <p:tavLst>
-                                        <p:tav tm="0">
-                                          <p:val>
-                                            <p:fltVal val="0"/>
-                                          </p:val>
-                                        </p:tav>
-                                        <p:tav tm="100000">
-                                          <p:val>
-                                            <p:strVal val="#ppt_h"/>
-                                          </p:val>
-                                        </p:tav>
-                                      </p:tavLst>
-                                    </p:anim>
-                                    <p:animEffect transition="in" filter="fade">
+                                      <p:to>
+                                        <p:strVal val="solid"/>
+                                      </p:to>
+                                    </p:set>
+                                    <p:set>
                                       <p:cBhvr>
-                                        <p:cTn id="27" dur="250"/>
+                                        <p:cTn id="27" dur="250" autoRev="1" fill="remove"/>
                                         <p:tgtEl>
                                           <p:spTgt spid="15">
                                             <p:graphicEl>
@@ -21128,8 +21744,14 @@
                                             </p:graphicEl>
                                           </p:spTgt>
                                         </p:tgtEl>
+                                        <p:attrNameLst>
+                                          <p:attrName>fill.on</p:attrName>
+                                        </p:attrNameLst>
                                       </p:cBhvr>
-                                    </p:animEffect>
+                                      <p:to>
+                                        <p:strVal val="true"/>
+                                      </p:to>
+                                    </p:set>
                                   </p:childTnLst>
                                 </p:cTn>
                               </p:par>
@@ -21139,22 +21761,18 @@
                         <p:par>
                           <p:cTn id="28" fill="hold">
                             <p:stCondLst>
-                              <p:cond delay="1000"/>
+                              <p:cond delay="2000"/>
                             </p:stCondLst>
                             <p:childTnLst>
                               <p:par>
-                                <p:cTn id="29" presetID="53" presetClass="entr" presetSubtype="16" fill="hold" grpId="0" nodeType="afterEffect">
+                                <p:cTn id="29" presetID="27" presetClass="emph" presetSubtype="0" fill="remove" grpId="0" nodeType="afterEffect">
                                   <p:stCondLst>
                                     <p:cond delay="0"/>
                                   </p:stCondLst>
                                   <p:childTnLst>
-                                    <p:set>
-                                      <p:cBhvr>
-                                        <p:cTn id="30" dur="1" fill="hold">
-                                          <p:stCondLst>
-                                            <p:cond delay="0"/>
-                                          </p:stCondLst>
-                                        </p:cTn>
+                                    <p:animClr clrSpc="rgb" dir="cw">
+                                      <p:cBhvr override="childStyle">
+                                        <p:cTn id="30" dur="250" autoRev="1" fill="remove"/>
                                         <p:tgtEl>
                                           <p:spTgt spid="15">
                                             <p:graphicEl>
@@ -21163,16 +21781,16 @@
                                           </p:spTgt>
                                         </p:tgtEl>
                                         <p:attrNameLst>
-                                          <p:attrName>style.visibility</p:attrName>
+                                          <p:attrName>style.color</p:attrName>
                                         </p:attrNameLst>
                                       </p:cBhvr>
                                       <p:to>
-                                        <p:strVal val="visible"/>
+                                        <a:srgbClr val="D54773"/>
                                       </p:to>
-                                    </p:set>
-                                    <p:anim calcmode="lin" valueType="num">
+                                    </p:animClr>
+                                    <p:animClr clrSpc="rgb" dir="cw">
                                       <p:cBhvr>
-                                        <p:cTn id="31" dur="250" fill="hold"/>
+                                        <p:cTn id="31" dur="250" autoRev="1" fill="remove"/>
                                         <p:tgtEl>
                                           <p:spTgt spid="15">
                                             <p:graphicEl>
@@ -21181,25 +21799,16 @@
                                           </p:spTgt>
                                         </p:tgtEl>
                                         <p:attrNameLst>
-                                          <p:attrName>ppt_w</p:attrName>
+                                          <p:attrName>fillcolor</p:attrName>
                                         </p:attrNameLst>
                                       </p:cBhvr>
-                                      <p:tavLst>
-                                        <p:tav tm="0">
-                                          <p:val>
-                                            <p:fltVal val="0"/>
-                                          </p:val>
-                                        </p:tav>
-                                        <p:tav tm="100000">
-                                          <p:val>
-                                            <p:strVal val="#ppt_w"/>
-                                          </p:val>
-                                        </p:tav>
-                                      </p:tavLst>
-                                    </p:anim>
-                                    <p:anim calcmode="lin" valueType="num">
+                                      <p:to>
+                                        <a:srgbClr val="D54773"/>
+                                      </p:to>
+                                    </p:animClr>
+                                    <p:set>
                                       <p:cBhvr>
-                                        <p:cTn id="32" dur="250" fill="hold"/>
+                                        <p:cTn id="32" dur="250" autoRev="1" fill="remove"/>
                                         <p:tgtEl>
                                           <p:spTgt spid="15">
                                             <p:graphicEl>
@@ -21208,25 +21817,16 @@
                                           </p:spTgt>
                                         </p:tgtEl>
                                         <p:attrNameLst>
-                                          <p:attrName>ppt_h</p:attrName>
+                                          <p:attrName>fill.type</p:attrName>
                                         </p:attrNameLst>
                                       </p:cBhvr>
-                                      <p:tavLst>
-                                        <p:tav tm="0">
-                                          <p:val>
-                                            <p:fltVal val="0"/>
-                                          </p:val>
-                                        </p:tav>
-                                        <p:tav tm="100000">
-                                          <p:val>
-                                            <p:strVal val="#ppt_h"/>
-                                          </p:val>
-                                        </p:tav>
-                                      </p:tavLst>
-                                    </p:anim>
-                                    <p:animEffect transition="in" filter="fade">
+                                      <p:to>
+                                        <p:strVal val="solid"/>
+                                      </p:to>
+                                    </p:set>
+                                    <p:set>
                                       <p:cBhvr>
-                                        <p:cTn id="33" dur="250"/>
+                                        <p:cTn id="33" dur="250" autoRev="1" fill="remove"/>
                                         <p:tgtEl>
                                           <p:spTgt spid="15">
                                             <p:graphicEl>
@@ -21234,8 +21834,14 @@
                                             </p:graphicEl>
                                           </p:spTgt>
                                         </p:tgtEl>
+                                        <p:attrNameLst>
+                                          <p:attrName>fill.on</p:attrName>
+                                        </p:attrNameLst>
                                       </p:cBhvr>
-                                    </p:animEffect>
+                                      <p:to>
+                                        <p:strVal val="true"/>
+                                      </p:to>
+                                    </p:set>
                                   </p:childTnLst>
                                 </p:cTn>
                               </p:par>
@@ -21245,22 +21851,18 @@
                         <p:par>
                           <p:cTn id="34" fill="hold">
                             <p:stCondLst>
-                              <p:cond delay="1250"/>
+                              <p:cond delay="2500"/>
                             </p:stCondLst>
                             <p:childTnLst>
                               <p:par>
-                                <p:cTn id="35" presetID="53" presetClass="entr" presetSubtype="16" fill="hold" grpId="0" nodeType="afterEffect">
+                                <p:cTn id="35" presetID="27" presetClass="emph" presetSubtype="0" fill="remove" grpId="0" nodeType="afterEffect">
                                   <p:stCondLst>
                                     <p:cond delay="0"/>
                                   </p:stCondLst>
                                   <p:childTnLst>
-                                    <p:set>
-                                      <p:cBhvr>
-                                        <p:cTn id="36" dur="1" fill="hold">
-                                          <p:stCondLst>
-                                            <p:cond delay="0"/>
-                                          </p:stCondLst>
-                                        </p:cTn>
+                                    <p:animClr clrSpc="rgb" dir="cw">
+                                      <p:cBhvr override="childStyle">
+                                        <p:cTn id="36" dur="250" autoRev="1" fill="remove"/>
                                         <p:tgtEl>
                                           <p:spTgt spid="15">
                                             <p:graphicEl>
@@ -21269,16 +21871,16 @@
                                           </p:spTgt>
                                         </p:tgtEl>
                                         <p:attrNameLst>
-                                          <p:attrName>style.visibility</p:attrName>
+                                          <p:attrName>style.color</p:attrName>
                                         </p:attrNameLst>
                                       </p:cBhvr>
                                       <p:to>
-                                        <p:strVal val="visible"/>
+                                        <a:srgbClr val="D54773"/>
                                       </p:to>
-                                    </p:set>
-                                    <p:anim calcmode="lin" valueType="num">
+                                    </p:animClr>
+                                    <p:animClr clrSpc="rgb" dir="cw">
                                       <p:cBhvr>
-                                        <p:cTn id="37" dur="250" fill="hold"/>
+                                        <p:cTn id="37" dur="250" autoRev="1" fill="remove"/>
                                         <p:tgtEl>
                                           <p:spTgt spid="15">
                                             <p:graphicEl>
@@ -21287,25 +21889,16 @@
                                           </p:spTgt>
                                         </p:tgtEl>
                                         <p:attrNameLst>
-                                          <p:attrName>ppt_w</p:attrName>
+                                          <p:attrName>fillcolor</p:attrName>
                                         </p:attrNameLst>
                                       </p:cBhvr>
-                                      <p:tavLst>
-                                        <p:tav tm="0">
-                                          <p:val>
-                                            <p:fltVal val="0"/>
-                                          </p:val>
-                                        </p:tav>
-                                        <p:tav tm="100000">
-                                          <p:val>
-                                            <p:strVal val="#ppt_w"/>
-                                          </p:val>
-                                        </p:tav>
-                                      </p:tavLst>
-                                    </p:anim>
-                                    <p:anim calcmode="lin" valueType="num">
+                                      <p:to>
+                                        <a:srgbClr val="D54773"/>
+                                      </p:to>
+                                    </p:animClr>
+                                    <p:set>
                                       <p:cBhvr>
-                                        <p:cTn id="38" dur="250" fill="hold"/>
+                                        <p:cTn id="38" dur="250" autoRev="1" fill="remove"/>
                                         <p:tgtEl>
                                           <p:spTgt spid="15">
                                             <p:graphicEl>
@@ -21314,25 +21907,16 @@
                                           </p:spTgt>
                                         </p:tgtEl>
                                         <p:attrNameLst>
-                                          <p:attrName>ppt_h</p:attrName>
+                                          <p:attrName>fill.type</p:attrName>
                                         </p:attrNameLst>
                                       </p:cBhvr>
-                                      <p:tavLst>
-                                        <p:tav tm="0">
-                                          <p:val>
-                                            <p:fltVal val="0"/>
-                                          </p:val>
-                                        </p:tav>
-                                        <p:tav tm="100000">
-                                          <p:val>
-                                            <p:strVal val="#ppt_h"/>
-                                          </p:val>
-                                        </p:tav>
-                                      </p:tavLst>
-                                    </p:anim>
-                                    <p:animEffect transition="in" filter="fade">
+                                      <p:to>
+                                        <p:strVal val="solid"/>
+                                      </p:to>
+                                    </p:set>
+                                    <p:set>
                                       <p:cBhvr>
-                                        <p:cTn id="39" dur="250"/>
+                                        <p:cTn id="39" dur="250" autoRev="1" fill="remove"/>
                                         <p:tgtEl>
                                           <p:spTgt spid="15">
                                             <p:graphicEl>
@@ -21340,8 +21924,14 @@
                                             </p:graphicEl>
                                           </p:spTgt>
                                         </p:tgtEl>
+                                        <p:attrNameLst>
+                                          <p:attrName>fill.on</p:attrName>
+                                        </p:attrNameLst>
                                       </p:cBhvr>
-                                    </p:animEffect>
+                                      <p:to>
+                                        <p:strVal val="true"/>
+                                      </p:to>
+                                    </p:set>
                                   </p:childTnLst>
                                 </p:cTn>
                               </p:par>
@@ -21351,22 +21941,18 @@
                         <p:par>
                           <p:cTn id="40" fill="hold">
                             <p:stCondLst>
-                              <p:cond delay="1500"/>
+                              <p:cond delay="3000"/>
                             </p:stCondLst>
                             <p:childTnLst>
                               <p:par>
-                                <p:cTn id="41" presetID="53" presetClass="entr" presetSubtype="16" fill="hold" grpId="0" nodeType="afterEffect">
+                                <p:cTn id="41" presetID="27" presetClass="emph" presetSubtype="0" fill="remove" grpId="0" nodeType="afterEffect">
                                   <p:stCondLst>
                                     <p:cond delay="0"/>
                                   </p:stCondLst>
                                   <p:childTnLst>
-                                    <p:set>
-                                      <p:cBhvr>
-                                        <p:cTn id="42" dur="1" fill="hold">
-                                          <p:stCondLst>
-                                            <p:cond delay="0"/>
-                                          </p:stCondLst>
-                                        </p:cTn>
+                                    <p:animClr clrSpc="rgb" dir="cw">
+                                      <p:cBhvr override="childStyle">
+                                        <p:cTn id="42" dur="250" autoRev="1" fill="remove"/>
                                         <p:tgtEl>
                                           <p:spTgt spid="15">
                                             <p:graphicEl>
@@ -21375,16 +21961,16 @@
                                           </p:spTgt>
                                         </p:tgtEl>
                                         <p:attrNameLst>
-                                          <p:attrName>style.visibility</p:attrName>
+                                          <p:attrName>style.color</p:attrName>
                                         </p:attrNameLst>
                                       </p:cBhvr>
                                       <p:to>
-                                        <p:strVal val="visible"/>
+                                        <a:srgbClr val="D54773"/>
                                       </p:to>
-                                    </p:set>
-                                    <p:anim calcmode="lin" valueType="num">
+                                    </p:animClr>
+                                    <p:animClr clrSpc="rgb" dir="cw">
                                       <p:cBhvr>
-                                        <p:cTn id="43" dur="250" fill="hold"/>
+                                        <p:cTn id="43" dur="250" autoRev="1" fill="remove"/>
                                         <p:tgtEl>
                                           <p:spTgt spid="15">
                                             <p:graphicEl>
@@ -21393,25 +21979,16 @@
                                           </p:spTgt>
                                         </p:tgtEl>
                                         <p:attrNameLst>
-                                          <p:attrName>ppt_w</p:attrName>
+                                          <p:attrName>fillcolor</p:attrName>
                                         </p:attrNameLst>
                                       </p:cBhvr>
-                                      <p:tavLst>
-                                        <p:tav tm="0">
-                                          <p:val>
-                                            <p:fltVal val="0"/>
-                                          </p:val>
-                                        </p:tav>
-                                        <p:tav tm="100000">
-                                          <p:val>
-                                            <p:strVal val="#ppt_w"/>
-                                          </p:val>
-                                        </p:tav>
-                                      </p:tavLst>
-                                    </p:anim>
-                                    <p:anim calcmode="lin" valueType="num">
+                                      <p:to>
+                                        <a:srgbClr val="D54773"/>
+                                      </p:to>
+                                    </p:animClr>
+                                    <p:set>
                                       <p:cBhvr>
-                                        <p:cTn id="44" dur="250" fill="hold"/>
+                                        <p:cTn id="44" dur="250" autoRev="1" fill="remove"/>
                                         <p:tgtEl>
                                           <p:spTgt spid="15">
                                             <p:graphicEl>
@@ -21420,25 +21997,16 @@
                                           </p:spTgt>
                                         </p:tgtEl>
                                         <p:attrNameLst>
-                                          <p:attrName>ppt_h</p:attrName>
+                                          <p:attrName>fill.type</p:attrName>
                                         </p:attrNameLst>
                                       </p:cBhvr>
-                                      <p:tavLst>
-                                        <p:tav tm="0">
-                                          <p:val>
-                                            <p:fltVal val="0"/>
-                                          </p:val>
-                                        </p:tav>
-                                        <p:tav tm="100000">
-                                          <p:val>
-                                            <p:strVal val="#ppt_h"/>
-                                          </p:val>
-                                        </p:tav>
-                                      </p:tavLst>
-                                    </p:anim>
-                                    <p:animEffect transition="in" filter="fade">
+                                      <p:to>
+                                        <p:strVal val="solid"/>
+                                      </p:to>
+                                    </p:set>
+                                    <p:set>
                                       <p:cBhvr>
-                                        <p:cTn id="45" dur="250"/>
+                                        <p:cTn id="45" dur="250" autoRev="1" fill="remove"/>
                                         <p:tgtEl>
                                           <p:spTgt spid="15">
                                             <p:graphicEl>
@@ -21446,8 +22014,14 @@
                                             </p:graphicEl>
                                           </p:spTgt>
                                         </p:tgtEl>
+                                        <p:attrNameLst>
+                                          <p:attrName>fill.on</p:attrName>
+                                        </p:attrNameLst>
                                       </p:cBhvr>
-                                    </p:animEffect>
+                                      <p:to>
+                                        <p:strVal val="true"/>
+                                      </p:to>
+                                    </p:set>
                                   </p:childTnLst>
                                 </p:cTn>
                               </p:par>
@@ -21457,22 +22031,18 @@
                         <p:par>
                           <p:cTn id="46" fill="hold">
                             <p:stCondLst>
-                              <p:cond delay="1750"/>
+                              <p:cond delay="3500"/>
                             </p:stCondLst>
                             <p:childTnLst>
                               <p:par>
-                                <p:cTn id="47" presetID="53" presetClass="entr" presetSubtype="16" fill="hold" grpId="0" nodeType="afterEffect">
+                                <p:cTn id="47" presetID="27" presetClass="emph" presetSubtype="0" fill="remove" grpId="0" nodeType="afterEffect">
                                   <p:stCondLst>
                                     <p:cond delay="0"/>
                                   </p:stCondLst>
                                   <p:childTnLst>
-                                    <p:set>
-                                      <p:cBhvr>
-                                        <p:cTn id="48" dur="1" fill="hold">
-                                          <p:stCondLst>
-                                            <p:cond delay="0"/>
-                                          </p:stCondLst>
-                                        </p:cTn>
+                                    <p:animClr clrSpc="rgb" dir="cw">
+                                      <p:cBhvr override="childStyle">
+                                        <p:cTn id="48" dur="250" autoRev="1" fill="remove"/>
                                         <p:tgtEl>
                                           <p:spTgt spid="15">
                                             <p:graphicEl>
@@ -21481,16 +22051,16 @@
                                           </p:spTgt>
                                         </p:tgtEl>
                                         <p:attrNameLst>
-                                          <p:attrName>style.visibility</p:attrName>
+                                          <p:attrName>style.color</p:attrName>
                                         </p:attrNameLst>
                                       </p:cBhvr>
                                       <p:to>
-                                        <p:strVal val="visible"/>
+                                        <a:srgbClr val="D54773"/>
                                       </p:to>
-                                    </p:set>
-                                    <p:anim calcmode="lin" valueType="num">
+                                    </p:animClr>
+                                    <p:animClr clrSpc="rgb" dir="cw">
                                       <p:cBhvr>
-                                        <p:cTn id="49" dur="250" fill="hold"/>
+                                        <p:cTn id="49" dur="250" autoRev="1" fill="remove"/>
                                         <p:tgtEl>
                                           <p:spTgt spid="15">
                                             <p:graphicEl>
@@ -21499,25 +22069,16 @@
                                           </p:spTgt>
                                         </p:tgtEl>
                                         <p:attrNameLst>
-                                          <p:attrName>ppt_w</p:attrName>
+                                          <p:attrName>fillcolor</p:attrName>
                                         </p:attrNameLst>
                                       </p:cBhvr>
-                                      <p:tavLst>
-                                        <p:tav tm="0">
-                                          <p:val>
-                                            <p:fltVal val="0"/>
-                                          </p:val>
-                                        </p:tav>
-                                        <p:tav tm="100000">
-                                          <p:val>
-                                            <p:strVal val="#ppt_w"/>
-                                          </p:val>
-                                        </p:tav>
-                                      </p:tavLst>
-                                    </p:anim>
-                                    <p:anim calcmode="lin" valueType="num">
+                                      <p:to>
+                                        <a:srgbClr val="D54773"/>
+                                      </p:to>
+                                    </p:animClr>
+                                    <p:set>
                                       <p:cBhvr>
-                                        <p:cTn id="50" dur="250" fill="hold"/>
+                                        <p:cTn id="50" dur="250" autoRev="1" fill="remove"/>
                                         <p:tgtEl>
                                           <p:spTgt spid="15">
                                             <p:graphicEl>
@@ -21526,25 +22087,16 @@
                                           </p:spTgt>
                                         </p:tgtEl>
                                         <p:attrNameLst>
-                                          <p:attrName>ppt_h</p:attrName>
+                                          <p:attrName>fill.type</p:attrName>
                                         </p:attrNameLst>
                                       </p:cBhvr>
-                                      <p:tavLst>
-                                        <p:tav tm="0">
-                                          <p:val>
-                                            <p:fltVal val="0"/>
-                                          </p:val>
-                                        </p:tav>
-                                        <p:tav tm="100000">
-                                          <p:val>
-                                            <p:strVal val="#ppt_h"/>
-                                          </p:val>
-                                        </p:tav>
-                                      </p:tavLst>
-                                    </p:anim>
-                                    <p:animEffect transition="in" filter="fade">
+                                      <p:to>
+                                        <p:strVal val="solid"/>
+                                      </p:to>
+                                    </p:set>
+                                    <p:set>
                                       <p:cBhvr>
-                                        <p:cTn id="51" dur="250"/>
+                                        <p:cTn id="51" dur="250" autoRev="1" fill="remove"/>
                                         <p:tgtEl>
                                           <p:spTgt spid="15">
                                             <p:graphicEl>
@@ -21552,8 +22104,14 @@
                                             </p:graphicEl>
                                           </p:spTgt>
                                         </p:tgtEl>
+                                        <p:attrNameLst>
+                                          <p:attrName>fill.on</p:attrName>
+                                        </p:attrNameLst>
                                       </p:cBhvr>
-                                    </p:animEffect>
+                                      <p:to>
+                                        <p:strVal val="true"/>
+                                      </p:to>
+                                    </p:set>
                                   </p:childTnLst>
                                 </p:cTn>
                               </p:par>
@@ -21563,22 +22121,18 @@
                         <p:par>
                           <p:cTn id="52" fill="hold">
                             <p:stCondLst>
-                              <p:cond delay="2000"/>
+                              <p:cond delay="4000"/>
                             </p:stCondLst>
                             <p:childTnLst>
                               <p:par>
-                                <p:cTn id="53" presetID="53" presetClass="entr" presetSubtype="16" fill="hold" grpId="0" nodeType="afterEffect">
+                                <p:cTn id="53" presetID="27" presetClass="emph" presetSubtype="0" fill="remove" grpId="0" nodeType="afterEffect">
                                   <p:stCondLst>
                                     <p:cond delay="0"/>
                                   </p:stCondLst>
                                   <p:childTnLst>
-                                    <p:set>
-                                      <p:cBhvr>
-                                        <p:cTn id="54" dur="1" fill="hold">
-                                          <p:stCondLst>
-                                            <p:cond delay="0"/>
-                                          </p:stCondLst>
-                                        </p:cTn>
+                                    <p:animClr clrSpc="rgb" dir="cw">
+                                      <p:cBhvr override="childStyle">
+                                        <p:cTn id="54" dur="250" autoRev="1" fill="remove"/>
                                         <p:tgtEl>
                                           <p:spTgt spid="15">
                                             <p:graphicEl>
@@ -21587,16 +22141,16 @@
                                           </p:spTgt>
                                         </p:tgtEl>
                                         <p:attrNameLst>
-                                          <p:attrName>style.visibility</p:attrName>
+                                          <p:attrName>style.color</p:attrName>
                                         </p:attrNameLst>
                                       </p:cBhvr>
                                       <p:to>
-                                        <p:strVal val="visible"/>
+                                        <a:srgbClr val="D54773"/>
                                       </p:to>
-                                    </p:set>
-                                    <p:anim calcmode="lin" valueType="num">
+                                    </p:animClr>
+                                    <p:animClr clrSpc="rgb" dir="cw">
                                       <p:cBhvr>
-                                        <p:cTn id="55" dur="250" fill="hold"/>
+                                        <p:cTn id="55" dur="250" autoRev="1" fill="remove"/>
                                         <p:tgtEl>
                                           <p:spTgt spid="15">
                                             <p:graphicEl>
@@ -21605,25 +22159,16 @@
                                           </p:spTgt>
                                         </p:tgtEl>
                                         <p:attrNameLst>
-                                          <p:attrName>ppt_w</p:attrName>
+                                          <p:attrName>fillcolor</p:attrName>
                                         </p:attrNameLst>
                                       </p:cBhvr>
-                                      <p:tavLst>
-                                        <p:tav tm="0">
-                                          <p:val>
-                                            <p:fltVal val="0"/>
-                                          </p:val>
-                                        </p:tav>
-                                        <p:tav tm="100000">
-                                          <p:val>
-                                            <p:strVal val="#ppt_w"/>
-                                          </p:val>
-                                        </p:tav>
-                                      </p:tavLst>
-                                    </p:anim>
-                                    <p:anim calcmode="lin" valueType="num">
+                                      <p:to>
+                                        <a:srgbClr val="D54773"/>
+                                      </p:to>
+                                    </p:animClr>
+                                    <p:set>
                                       <p:cBhvr>
-                                        <p:cTn id="56" dur="250" fill="hold"/>
+                                        <p:cTn id="56" dur="250" autoRev="1" fill="remove"/>
                                         <p:tgtEl>
                                           <p:spTgt spid="15">
                                             <p:graphicEl>
@@ -21632,25 +22177,16 @@
                                           </p:spTgt>
                                         </p:tgtEl>
                                         <p:attrNameLst>
-                                          <p:attrName>ppt_h</p:attrName>
+                                          <p:attrName>fill.type</p:attrName>
                                         </p:attrNameLst>
                                       </p:cBhvr>
-                                      <p:tavLst>
-                                        <p:tav tm="0">
-                                          <p:val>
-                                            <p:fltVal val="0"/>
-                                          </p:val>
-                                        </p:tav>
-                                        <p:tav tm="100000">
-                                          <p:val>
-                                            <p:strVal val="#ppt_h"/>
-                                          </p:val>
-                                        </p:tav>
-                                      </p:tavLst>
-                                    </p:anim>
-                                    <p:animEffect transition="in" filter="fade">
+                                      <p:to>
+                                        <p:strVal val="solid"/>
+                                      </p:to>
+                                    </p:set>
+                                    <p:set>
                                       <p:cBhvr>
-                                        <p:cTn id="57" dur="250"/>
+                                        <p:cTn id="57" dur="250" autoRev="1" fill="remove"/>
                                         <p:tgtEl>
                                           <p:spTgt spid="15">
                                             <p:graphicEl>
@@ -21658,8 +22194,14 @@
                                             </p:graphicEl>
                                           </p:spTgt>
                                         </p:tgtEl>
+                                        <p:attrNameLst>
+                                          <p:attrName>fill.on</p:attrName>
+                                        </p:attrNameLst>
                                       </p:cBhvr>
-                                    </p:animEffect>
+                                      <p:to>
+                                        <p:strVal val="true"/>
+                                      </p:to>
+                                    </p:set>
                                   </p:childTnLst>
                                 </p:cTn>
                               </p:par>
@@ -21669,22 +22211,18 @@
                         <p:par>
                           <p:cTn id="58" fill="hold">
                             <p:stCondLst>
-                              <p:cond delay="2250"/>
+                              <p:cond delay="4500"/>
                             </p:stCondLst>
                             <p:childTnLst>
                               <p:par>
-                                <p:cTn id="59" presetID="53" presetClass="entr" presetSubtype="16" fill="hold" grpId="0" nodeType="afterEffect">
+                                <p:cTn id="59" presetID="27" presetClass="emph" presetSubtype="0" fill="remove" grpId="0" nodeType="afterEffect">
                                   <p:stCondLst>
                                     <p:cond delay="0"/>
                                   </p:stCondLst>
                                   <p:childTnLst>
-                                    <p:set>
-                                      <p:cBhvr>
-                                        <p:cTn id="60" dur="1" fill="hold">
-                                          <p:stCondLst>
-                                            <p:cond delay="0"/>
-                                          </p:stCondLst>
-                                        </p:cTn>
+                                    <p:animClr clrSpc="rgb" dir="cw">
+                                      <p:cBhvr override="childStyle">
+                                        <p:cTn id="60" dur="250" autoRev="1" fill="remove"/>
                                         <p:tgtEl>
                                           <p:spTgt spid="15">
                                             <p:graphicEl>
@@ -21693,16 +22231,16 @@
                                           </p:spTgt>
                                         </p:tgtEl>
                                         <p:attrNameLst>
-                                          <p:attrName>style.visibility</p:attrName>
+                                          <p:attrName>style.color</p:attrName>
                                         </p:attrNameLst>
                                       </p:cBhvr>
                                       <p:to>
-                                        <p:strVal val="visible"/>
+                                        <a:srgbClr val="D54773"/>
                                       </p:to>
-                                    </p:set>
-                                    <p:anim calcmode="lin" valueType="num">
+                                    </p:animClr>
+                                    <p:animClr clrSpc="rgb" dir="cw">
                                       <p:cBhvr>
-                                        <p:cTn id="61" dur="250" fill="hold"/>
+                                        <p:cTn id="61" dur="250" autoRev="1" fill="remove"/>
                                         <p:tgtEl>
                                           <p:spTgt spid="15">
                                             <p:graphicEl>
@@ -21711,25 +22249,16 @@
                                           </p:spTgt>
                                         </p:tgtEl>
                                         <p:attrNameLst>
-                                          <p:attrName>ppt_w</p:attrName>
+                                          <p:attrName>fillcolor</p:attrName>
                                         </p:attrNameLst>
                                       </p:cBhvr>
-                                      <p:tavLst>
-                                        <p:tav tm="0">
-                                          <p:val>
-                                            <p:fltVal val="0"/>
-                                          </p:val>
-                                        </p:tav>
-                                        <p:tav tm="100000">
-                                          <p:val>
-                                            <p:strVal val="#ppt_w"/>
-                                          </p:val>
-                                        </p:tav>
-                                      </p:tavLst>
-                                    </p:anim>
-                                    <p:anim calcmode="lin" valueType="num">
+                                      <p:to>
+                                        <a:srgbClr val="D54773"/>
+                                      </p:to>
+                                    </p:animClr>
+                                    <p:set>
                                       <p:cBhvr>
-                                        <p:cTn id="62" dur="250" fill="hold"/>
+                                        <p:cTn id="62" dur="250" autoRev="1" fill="remove"/>
                                         <p:tgtEl>
                                           <p:spTgt spid="15">
                                             <p:graphicEl>
@@ -21738,25 +22267,16 @@
                                           </p:spTgt>
                                         </p:tgtEl>
                                         <p:attrNameLst>
-                                          <p:attrName>ppt_h</p:attrName>
+                                          <p:attrName>fill.type</p:attrName>
                                         </p:attrNameLst>
                                       </p:cBhvr>
-                                      <p:tavLst>
-                                        <p:tav tm="0">
-                                          <p:val>
-                                            <p:fltVal val="0"/>
-                                          </p:val>
-                                        </p:tav>
-                                        <p:tav tm="100000">
-                                          <p:val>
-                                            <p:strVal val="#ppt_h"/>
-                                          </p:val>
-                                        </p:tav>
-                                      </p:tavLst>
-                                    </p:anim>
-                                    <p:animEffect transition="in" filter="fade">
+                                      <p:to>
+                                        <p:strVal val="solid"/>
+                                      </p:to>
+                                    </p:set>
+                                    <p:set>
                                       <p:cBhvr>
-                                        <p:cTn id="63" dur="250"/>
+                                        <p:cTn id="63" dur="250" autoRev="1" fill="remove"/>
                                         <p:tgtEl>
                                           <p:spTgt spid="15">
                                             <p:graphicEl>
@@ -21764,8 +22284,14 @@
                                             </p:graphicEl>
                                           </p:spTgt>
                                         </p:tgtEl>
+                                        <p:attrNameLst>
+                                          <p:attrName>fill.on</p:attrName>
+                                        </p:attrNameLst>
                                       </p:cBhvr>
-                                    </p:animEffect>
+                                      <p:to>
+                                        <p:strVal val="true"/>
+                                      </p:to>
+                                    </p:set>
                                   </p:childTnLst>
                                 </p:cTn>
                               </p:par>
@@ -21775,22 +22301,18 @@
                         <p:par>
                           <p:cTn id="64" fill="hold">
                             <p:stCondLst>
-                              <p:cond delay="2500"/>
+                              <p:cond delay="5000"/>
                             </p:stCondLst>
                             <p:childTnLst>
                               <p:par>
-                                <p:cTn id="65" presetID="53" presetClass="entr" presetSubtype="16" fill="hold" grpId="0" nodeType="afterEffect">
+                                <p:cTn id="65" presetID="27" presetClass="emph" presetSubtype="0" fill="remove" grpId="0" nodeType="afterEffect">
                                   <p:stCondLst>
                                     <p:cond delay="0"/>
                                   </p:stCondLst>
                                   <p:childTnLst>
-                                    <p:set>
-                                      <p:cBhvr>
-                                        <p:cTn id="66" dur="1" fill="hold">
-                                          <p:stCondLst>
-                                            <p:cond delay="0"/>
-                                          </p:stCondLst>
-                                        </p:cTn>
+                                    <p:animClr clrSpc="rgb" dir="cw">
+                                      <p:cBhvr override="childStyle">
+                                        <p:cTn id="66" dur="250" autoRev="1" fill="remove"/>
                                         <p:tgtEl>
                                           <p:spTgt spid="15">
                                             <p:graphicEl>
@@ -21799,16 +22321,16 @@
                                           </p:spTgt>
                                         </p:tgtEl>
                                         <p:attrNameLst>
-                                          <p:attrName>style.visibility</p:attrName>
+                                          <p:attrName>style.color</p:attrName>
                                         </p:attrNameLst>
                                       </p:cBhvr>
                                       <p:to>
-                                        <p:strVal val="visible"/>
+                                        <a:srgbClr val="D54773"/>
                                       </p:to>
-                                    </p:set>
-                                    <p:anim calcmode="lin" valueType="num">
+                                    </p:animClr>
+                                    <p:animClr clrSpc="rgb" dir="cw">
                                       <p:cBhvr>
-                                        <p:cTn id="67" dur="250" fill="hold"/>
+                                        <p:cTn id="67" dur="250" autoRev="1" fill="remove"/>
                                         <p:tgtEl>
                                           <p:spTgt spid="15">
                                             <p:graphicEl>
@@ -21817,25 +22339,16 @@
                                           </p:spTgt>
                                         </p:tgtEl>
                                         <p:attrNameLst>
-                                          <p:attrName>ppt_w</p:attrName>
+                                          <p:attrName>fillcolor</p:attrName>
                                         </p:attrNameLst>
                                       </p:cBhvr>
-                                      <p:tavLst>
-                                        <p:tav tm="0">
-                                          <p:val>
-                                            <p:fltVal val="0"/>
-                                          </p:val>
-                                        </p:tav>
-                                        <p:tav tm="100000">
-                                          <p:val>
-                                            <p:strVal val="#ppt_w"/>
-                                          </p:val>
-                                        </p:tav>
-                                      </p:tavLst>
-                                    </p:anim>
-                                    <p:anim calcmode="lin" valueType="num">
+                                      <p:to>
+                                        <a:srgbClr val="D54773"/>
+                                      </p:to>
+                                    </p:animClr>
+                                    <p:set>
                                       <p:cBhvr>
-                                        <p:cTn id="68" dur="250" fill="hold"/>
+                                        <p:cTn id="68" dur="250" autoRev="1" fill="remove"/>
                                         <p:tgtEl>
                                           <p:spTgt spid="15">
                                             <p:graphicEl>
@@ -21844,25 +22357,16 @@
                                           </p:spTgt>
                                         </p:tgtEl>
                                         <p:attrNameLst>
-                                          <p:attrName>ppt_h</p:attrName>
+                                          <p:attrName>fill.type</p:attrName>
                                         </p:attrNameLst>
                                       </p:cBhvr>
-                                      <p:tavLst>
-                                        <p:tav tm="0">
-                                          <p:val>
-                                            <p:fltVal val="0"/>
-                                          </p:val>
-                                        </p:tav>
-                                        <p:tav tm="100000">
-                                          <p:val>
-                                            <p:strVal val="#ppt_h"/>
-                                          </p:val>
-                                        </p:tav>
-                                      </p:tavLst>
-                                    </p:anim>
-                                    <p:animEffect transition="in" filter="fade">
+                                      <p:to>
+                                        <p:strVal val="solid"/>
+                                      </p:to>
+                                    </p:set>
+                                    <p:set>
                                       <p:cBhvr>
-                                        <p:cTn id="69" dur="250"/>
+                                        <p:cTn id="69" dur="250" autoRev="1" fill="remove"/>
                                         <p:tgtEl>
                                           <p:spTgt spid="15">
                                             <p:graphicEl>
@@ -21870,8 +22374,14 @@
                                             </p:graphicEl>
                                           </p:spTgt>
                                         </p:tgtEl>
+                                        <p:attrNameLst>
+                                          <p:attrName>fill.on</p:attrName>
+                                        </p:attrNameLst>
                                       </p:cBhvr>
-                                    </p:animEffect>
+                                      <p:to>
+                                        <p:strVal val="true"/>
+                                      </p:to>
+                                    </p:set>
                                   </p:childTnLst>
                                 </p:cTn>
                               </p:par>
@@ -21881,22 +22391,18 @@
                         <p:par>
                           <p:cTn id="70" fill="hold">
                             <p:stCondLst>
-                              <p:cond delay="2750"/>
+                              <p:cond delay="5500"/>
                             </p:stCondLst>
                             <p:childTnLst>
                               <p:par>
-                                <p:cTn id="71" presetID="53" presetClass="entr" presetSubtype="16" fill="hold" grpId="0" nodeType="afterEffect">
+                                <p:cTn id="71" presetID="27" presetClass="emph" presetSubtype="0" fill="remove" grpId="0" nodeType="afterEffect">
                                   <p:stCondLst>
                                     <p:cond delay="0"/>
                                   </p:stCondLst>
                                   <p:childTnLst>
-                                    <p:set>
-                                      <p:cBhvr>
-                                        <p:cTn id="72" dur="1" fill="hold">
-                                          <p:stCondLst>
-                                            <p:cond delay="0"/>
-                                          </p:stCondLst>
-                                        </p:cTn>
+                                    <p:animClr clrSpc="rgb" dir="cw">
+                                      <p:cBhvr override="childStyle">
+                                        <p:cTn id="72" dur="250" autoRev="1" fill="remove"/>
                                         <p:tgtEl>
                                           <p:spTgt spid="15">
                                             <p:graphicEl>
@@ -21905,16 +22411,16 @@
                                           </p:spTgt>
                                         </p:tgtEl>
                                         <p:attrNameLst>
-                                          <p:attrName>style.visibility</p:attrName>
+                                          <p:attrName>style.color</p:attrName>
                                         </p:attrNameLst>
                                       </p:cBhvr>
                                       <p:to>
-                                        <p:strVal val="visible"/>
+                                        <a:srgbClr val="D54773"/>
                                       </p:to>
-                                    </p:set>
-                                    <p:anim calcmode="lin" valueType="num">
+                                    </p:animClr>
+                                    <p:animClr clrSpc="rgb" dir="cw">
                                       <p:cBhvr>
-                                        <p:cTn id="73" dur="250" fill="hold"/>
+                                        <p:cTn id="73" dur="250" autoRev="1" fill="remove"/>
                                         <p:tgtEl>
                                           <p:spTgt spid="15">
                                             <p:graphicEl>
@@ -21923,25 +22429,16 @@
                                           </p:spTgt>
                                         </p:tgtEl>
                                         <p:attrNameLst>
-                                          <p:attrName>ppt_w</p:attrName>
+                                          <p:attrName>fillcolor</p:attrName>
                                         </p:attrNameLst>
                                       </p:cBhvr>
-                                      <p:tavLst>
-                                        <p:tav tm="0">
-                                          <p:val>
-                                            <p:fltVal val="0"/>
-                                          </p:val>
-                                        </p:tav>
-                                        <p:tav tm="100000">
-                                          <p:val>
-                                            <p:strVal val="#ppt_w"/>
-                                          </p:val>
-                                        </p:tav>
-                                      </p:tavLst>
-                                    </p:anim>
-                                    <p:anim calcmode="lin" valueType="num">
+                                      <p:to>
+                                        <a:srgbClr val="D54773"/>
+                                      </p:to>
+                                    </p:animClr>
+                                    <p:set>
                                       <p:cBhvr>
-                                        <p:cTn id="74" dur="250" fill="hold"/>
+                                        <p:cTn id="74" dur="250" autoRev="1" fill="remove"/>
                                         <p:tgtEl>
                                           <p:spTgt spid="15">
                                             <p:graphicEl>
@@ -21950,25 +22447,16 @@
                                           </p:spTgt>
                                         </p:tgtEl>
                                         <p:attrNameLst>
-                                          <p:attrName>ppt_h</p:attrName>
+                                          <p:attrName>fill.type</p:attrName>
                                         </p:attrNameLst>
                                       </p:cBhvr>
-                                      <p:tavLst>
-                                        <p:tav tm="0">
-                                          <p:val>
-                                            <p:fltVal val="0"/>
-                                          </p:val>
-                                        </p:tav>
-                                        <p:tav tm="100000">
-                                          <p:val>
-                                            <p:strVal val="#ppt_h"/>
-                                          </p:val>
-                                        </p:tav>
-                                      </p:tavLst>
-                                    </p:anim>
-                                    <p:animEffect transition="in" filter="fade">
+                                      <p:to>
+                                        <p:strVal val="solid"/>
+                                      </p:to>
+                                    </p:set>
+                                    <p:set>
                                       <p:cBhvr>
-                                        <p:cTn id="75" dur="250"/>
+                                        <p:cTn id="75" dur="250" autoRev="1" fill="remove"/>
                                         <p:tgtEl>
                                           <p:spTgt spid="15">
                                             <p:graphicEl>
@@ -21976,8 +22464,14 @@
                                             </p:graphicEl>
                                           </p:spTgt>
                                         </p:tgtEl>
+                                        <p:attrNameLst>
+                                          <p:attrName>fill.on</p:attrName>
+                                        </p:attrNameLst>
                                       </p:cBhvr>
-                                    </p:animEffect>
+                                      <p:to>
+                                        <p:strVal val="true"/>
+                                      </p:to>
+                                    </p:set>
                                   </p:childTnLst>
                                 </p:cTn>
                               </p:par>
@@ -21987,22 +22481,18 @@
                         <p:par>
                           <p:cTn id="76" fill="hold">
                             <p:stCondLst>
-                              <p:cond delay="3000"/>
+                              <p:cond delay="6000"/>
                             </p:stCondLst>
                             <p:childTnLst>
                               <p:par>
-                                <p:cTn id="77" presetID="53" presetClass="entr" presetSubtype="16" fill="hold" grpId="0" nodeType="afterEffect">
+                                <p:cTn id="77" presetID="27" presetClass="emph" presetSubtype="0" fill="remove" grpId="0" nodeType="afterEffect">
                                   <p:stCondLst>
                                     <p:cond delay="0"/>
                                   </p:stCondLst>
                                   <p:childTnLst>
-                                    <p:set>
-                                      <p:cBhvr>
-                                        <p:cTn id="78" dur="1" fill="hold">
-                                          <p:stCondLst>
-                                            <p:cond delay="0"/>
-                                          </p:stCondLst>
-                                        </p:cTn>
+                                    <p:animClr clrSpc="rgb" dir="cw">
+                                      <p:cBhvr override="childStyle">
+                                        <p:cTn id="78" dur="250" autoRev="1" fill="remove"/>
                                         <p:tgtEl>
                                           <p:spTgt spid="15">
                                             <p:graphicEl>
@@ -22011,16 +22501,16 @@
                                           </p:spTgt>
                                         </p:tgtEl>
                                         <p:attrNameLst>
-                                          <p:attrName>style.visibility</p:attrName>
+                                          <p:attrName>style.color</p:attrName>
                                         </p:attrNameLst>
                                       </p:cBhvr>
                                       <p:to>
-                                        <p:strVal val="visible"/>
+                                        <a:srgbClr val="D54773"/>
                                       </p:to>
-                                    </p:set>
-                                    <p:anim calcmode="lin" valueType="num">
+                                    </p:animClr>
+                                    <p:animClr clrSpc="rgb" dir="cw">
                                       <p:cBhvr>
-                                        <p:cTn id="79" dur="250" fill="hold"/>
+                                        <p:cTn id="79" dur="250" autoRev="1" fill="remove"/>
                                         <p:tgtEl>
                                           <p:spTgt spid="15">
                                             <p:graphicEl>
@@ -22029,25 +22519,16 @@
                                           </p:spTgt>
                                         </p:tgtEl>
                                         <p:attrNameLst>
-                                          <p:attrName>ppt_w</p:attrName>
+                                          <p:attrName>fillcolor</p:attrName>
                                         </p:attrNameLst>
                                       </p:cBhvr>
-                                      <p:tavLst>
-                                        <p:tav tm="0">
-                                          <p:val>
-                                            <p:fltVal val="0"/>
-                                          </p:val>
-                                        </p:tav>
-                                        <p:tav tm="100000">
-                                          <p:val>
-                                            <p:strVal val="#ppt_w"/>
-                                          </p:val>
-                                        </p:tav>
-                                      </p:tavLst>
-                                    </p:anim>
-                                    <p:anim calcmode="lin" valueType="num">
+                                      <p:to>
+                                        <a:srgbClr val="D54773"/>
+                                      </p:to>
+                                    </p:animClr>
+                                    <p:set>
                                       <p:cBhvr>
-                                        <p:cTn id="80" dur="250" fill="hold"/>
+                                        <p:cTn id="80" dur="250" autoRev="1" fill="remove"/>
                                         <p:tgtEl>
                                           <p:spTgt spid="15">
                                             <p:graphicEl>
@@ -22056,25 +22537,16 @@
                                           </p:spTgt>
                                         </p:tgtEl>
                                         <p:attrNameLst>
-                                          <p:attrName>ppt_h</p:attrName>
+                                          <p:attrName>fill.type</p:attrName>
                                         </p:attrNameLst>
                                       </p:cBhvr>
-                                      <p:tavLst>
-                                        <p:tav tm="0">
-                                          <p:val>
-                                            <p:fltVal val="0"/>
-                                          </p:val>
-                                        </p:tav>
-                                        <p:tav tm="100000">
-                                          <p:val>
-                                            <p:strVal val="#ppt_h"/>
-                                          </p:val>
-                                        </p:tav>
-                                      </p:tavLst>
-                                    </p:anim>
-                                    <p:animEffect transition="in" filter="fade">
+                                      <p:to>
+                                        <p:strVal val="solid"/>
+                                      </p:to>
+                                    </p:set>
+                                    <p:set>
                                       <p:cBhvr>
-                                        <p:cTn id="81" dur="250"/>
+                                        <p:cTn id="81" dur="250" autoRev="1" fill="remove"/>
                                         <p:tgtEl>
                                           <p:spTgt spid="15">
                                             <p:graphicEl>
@@ -22082,8 +22554,14 @@
                                             </p:graphicEl>
                                           </p:spTgt>
                                         </p:tgtEl>
+                                        <p:attrNameLst>
+                                          <p:attrName>fill.on</p:attrName>
+                                        </p:attrNameLst>
                                       </p:cBhvr>
-                                    </p:animEffect>
+                                      <p:to>
+                                        <p:strVal val="true"/>
+                                      </p:to>
+                                    </p:set>
                                   </p:childTnLst>
                                 </p:cTn>
                               </p:par>
@@ -22093,22 +22571,18 @@
                         <p:par>
                           <p:cTn id="82" fill="hold">
                             <p:stCondLst>
-                              <p:cond delay="3250"/>
+                              <p:cond delay="6500"/>
                             </p:stCondLst>
                             <p:childTnLst>
                               <p:par>
-                                <p:cTn id="83" presetID="53" presetClass="entr" presetSubtype="16" fill="hold" grpId="0" nodeType="afterEffect">
+                                <p:cTn id="83" presetID="27" presetClass="emph" presetSubtype="0" fill="remove" grpId="0" nodeType="afterEffect">
                                   <p:stCondLst>
                                     <p:cond delay="0"/>
                                   </p:stCondLst>
                                   <p:childTnLst>
-                                    <p:set>
-                                      <p:cBhvr>
-                                        <p:cTn id="84" dur="1" fill="hold">
-                                          <p:stCondLst>
-                                            <p:cond delay="0"/>
-                                          </p:stCondLst>
-                                        </p:cTn>
+                                    <p:animClr clrSpc="rgb" dir="cw">
+                                      <p:cBhvr override="childStyle">
+                                        <p:cTn id="84" dur="250" autoRev="1" fill="remove"/>
                                         <p:tgtEl>
                                           <p:spTgt spid="15">
                                             <p:graphicEl>
@@ -22117,16 +22591,16 @@
                                           </p:spTgt>
                                         </p:tgtEl>
                                         <p:attrNameLst>
-                                          <p:attrName>style.visibility</p:attrName>
+                                          <p:attrName>style.color</p:attrName>
                                         </p:attrNameLst>
                                       </p:cBhvr>
                                       <p:to>
-                                        <p:strVal val="visible"/>
+                                        <a:srgbClr val="D54773"/>
                                       </p:to>
-                                    </p:set>
-                                    <p:anim calcmode="lin" valueType="num">
+                                    </p:animClr>
+                                    <p:animClr clrSpc="rgb" dir="cw">
                                       <p:cBhvr>
-                                        <p:cTn id="85" dur="250" fill="hold"/>
+                                        <p:cTn id="85" dur="250" autoRev="1" fill="remove"/>
                                         <p:tgtEl>
                                           <p:spTgt spid="15">
                                             <p:graphicEl>
@@ -22135,25 +22609,16 @@
                                           </p:spTgt>
                                         </p:tgtEl>
                                         <p:attrNameLst>
-                                          <p:attrName>ppt_w</p:attrName>
+                                          <p:attrName>fillcolor</p:attrName>
                                         </p:attrNameLst>
                                       </p:cBhvr>
-                                      <p:tavLst>
-                                        <p:tav tm="0">
-                                          <p:val>
-                                            <p:fltVal val="0"/>
-                                          </p:val>
-                                        </p:tav>
-                                        <p:tav tm="100000">
-                                          <p:val>
-                                            <p:strVal val="#ppt_w"/>
-                                          </p:val>
-                                        </p:tav>
-                                      </p:tavLst>
-                                    </p:anim>
-                                    <p:anim calcmode="lin" valueType="num">
+                                      <p:to>
+                                        <a:srgbClr val="D54773"/>
+                                      </p:to>
+                                    </p:animClr>
+                                    <p:set>
                                       <p:cBhvr>
-                                        <p:cTn id="86" dur="250" fill="hold"/>
+                                        <p:cTn id="86" dur="250" autoRev="1" fill="remove"/>
                                         <p:tgtEl>
                                           <p:spTgt spid="15">
                                             <p:graphicEl>
@@ -22162,25 +22627,16 @@
                                           </p:spTgt>
                                         </p:tgtEl>
                                         <p:attrNameLst>
-                                          <p:attrName>ppt_h</p:attrName>
+                                          <p:attrName>fill.type</p:attrName>
                                         </p:attrNameLst>
                                       </p:cBhvr>
-                                      <p:tavLst>
-                                        <p:tav tm="0">
-                                          <p:val>
-                                            <p:fltVal val="0"/>
-                                          </p:val>
-                                        </p:tav>
-                                        <p:tav tm="100000">
-                                          <p:val>
-                                            <p:strVal val="#ppt_h"/>
-                                          </p:val>
-                                        </p:tav>
-                                      </p:tavLst>
-                                    </p:anim>
-                                    <p:animEffect transition="in" filter="fade">
+                                      <p:to>
+                                        <p:strVal val="solid"/>
+                                      </p:to>
+                                    </p:set>
+                                    <p:set>
                                       <p:cBhvr>
-                                        <p:cTn id="87" dur="250"/>
+                                        <p:cTn id="87" dur="250" autoRev="1" fill="remove"/>
                                         <p:tgtEl>
                                           <p:spTgt spid="15">
                                             <p:graphicEl>
@@ -22188,8 +22644,14 @@
                                             </p:graphicEl>
                                           </p:spTgt>
                                         </p:tgtEl>
+                                        <p:attrNameLst>
+                                          <p:attrName>fill.on</p:attrName>
+                                        </p:attrNameLst>
                                       </p:cBhvr>
-                                    </p:animEffect>
+                                      <p:to>
+                                        <p:strVal val="true"/>
+                                      </p:to>
+                                    </p:set>
                                   </p:childTnLst>
                                 </p:cTn>
                               </p:par>
@@ -22199,22 +22661,18 @@
                         <p:par>
                           <p:cTn id="88" fill="hold">
                             <p:stCondLst>
-                              <p:cond delay="3500"/>
+                              <p:cond delay="7000"/>
                             </p:stCondLst>
                             <p:childTnLst>
                               <p:par>
-                                <p:cTn id="89" presetID="53" presetClass="entr" presetSubtype="16" fill="hold" grpId="0" nodeType="afterEffect">
+                                <p:cTn id="89" presetID="27" presetClass="emph" presetSubtype="0" fill="remove" grpId="0" nodeType="afterEffect">
                                   <p:stCondLst>
                                     <p:cond delay="0"/>
                                   </p:stCondLst>
                                   <p:childTnLst>
-                                    <p:set>
-                                      <p:cBhvr>
-                                        <p:cTn id="90" dur="1" fill="hold">
-                                          <p:stCondLst>
-                                            <p:cond delay="0"/>
-                                          </p:stCondLst>
-                                        </p:cTn>
+                                    <p:animClr clrSpc="rgb" dir="cw">
+                                      <p:cBhvr override="childStyle">
+                                        <p:cTn id="90" dur="250" autoRev="1" fill="remove"/>
                                         <p:tgtEl>
                                           <p:spTgt spid="15">
                                             <p:graphicEl>
@@ -22223,16 +22681,16 @@
                                           </p:spTgt>
                                         </p:tgtEl>
                                         <p:attrNameLst>
-                                          <p:attrName>style.visibility</p:attrName>
+                                          <p:attrName>style.color</p:attrName>
                                         </p:attrNameLst>
                                       </p:cBhvr>
                                       <p:to>
-                                        <p:strVal val="visible"/>
+                                        <a:srgbClr val="D54773"/>
                                       </p:to>
-                                    </p:set>
-                                    <p:anim calcmode="lin" valueType="num">
+                                    </p:animClr>
+                                    <p:animClr clrSpc="rgb" dir="cw">
                                       <p:cBhvr>
-                                        <p:cTn id="91" dur="250" fill="hold"/>
+                                        <p:cTn id="91" dur="250" autoRev="1" fill="remove"/>
                                         <p:tgtEl>
                                           <p:spTgt spid="15">
                                             <p:graphicEl>
@@ -22241,25 +22699,16 @@
                                           </p:spTgt>
                                         </p:tgtEl>
                                         <p:attrNameLst>
-                                          <p:attrName>ppt_w</p:attrName>
+                                          <p:attrName>fillcolor</p:attrName>
                                         </p:attrNameLst>
                                       </p:cBhvr>
-                                      <p:tavLst>
-                                        <p:tav tm="0">
-                                          <p:val>
-                                            <p:fltVal val="0"/>
-                                          </p:val>
-                                        </p:tav>
-                                        <p:tav tm="100000">
-                                          <p:val>
-                                            <p:strVal val="#ppt_w"/>
-                                          </p:val>
-                                        </p:tav>
-                                      </p:tavLst>
-                                    </p:anim>
-                                    <p:anim calcmode="lin" valueType="num">
+                                      <p:to>
+                                        <a:srgbClr val="D54773"/>
+                                      </p:to>
+                                    </p:animClr>
+                                    <p:set>
                                       <p:cBhvr>
-                                        <p:cTn id="92" dur="250" fill="hold"/>
+                                        <p:cTn id="92" dur="250" autoRev="1" fill="remove"/>
                                         <p:tgtEl>
                                           <p:spTgt spid="15">
                                             <p:graphicEl>
@@ -22268,25 +22717,16 @@
                                           </p:spTgt>
                                         </p:tgtEl>
                                         <p:attrNameLst>
-                                          <p:attrName>ppt_h</p:attrName>
+                                          <p:attrName>fill.type</p:attrName>
                                         </p:attrNameLst>
                                       </p:cBhvr>
-                                      <p:tavLst>
-                                        <p:tav tm="0">
-                                          <p:val>
-                                            <p:fltVal val="0"/>
-                                          </p:val>
-                                        </p:tav>
-                                        <p:tav tm="100000">
-                                          <p:val>
-                                            <p:strVal val="#ppt_h"/>
-                                          </p:val>
-                                        </p:tav>
-                                      </p:tavLst>
-                                    </p:anim>
-                                    <p:animEffect transition="in" filter="fade">
+                                      <p:to>
+                                        <p:strVal val="solid"/>
+                                      </p:to>
+                                    </p:set>
+                                    <p:set>
                                       <p:cBhvr>
-                                        <p:cTn id="93" dur="250"/>
+                                        <p:cTn id="93" dur="250" autoRev="1" fill="remove"/>
                                         <p:tgtEl>
                                           <p:spTgt spid="15">
                                             <p:graphicEl>
@@ -22294,8 +22734,14 @@
                                             </p:graphicEl>
                                           </p:spTgt>
                                         </p:tgtEl>
+                                        <p:attrNameLst>
+                                          <p:attrName>fill.on</p:attrName>
+                                        </p:attrNameLst>
                                       </p:cBhvr>
-                                    </p:animEffect>
+                                      <p:to>
+                                        <p:strVal val="true"/>
+                                      </p:to>
+                                    </p:set>
                                   </p:childTnLst>
                                 </p:cTn>
                               </p:par>
@@ -22305,22 +22751,18 @@
                         <p:par>
                           <p:cTn id="94" fill="hold">
                             <p:stCondLst>
-                              <p:cond delay="3750"/>
+                              <p:cond delay="7500"/>
                             </p:stCondLst>
                             <p:childTnLst>
                               <p:par>
-                                <p:cTn id="95" presetID="53" presetClass="entr" presetSubtype="16" fill="hold" grpId="0" nodeType="afterEffect">
+                                <p:cTn id="95" presetID="27" presetClass="emph" presetSubtype="0" fill="remove" grpId="0" nodeType="afterEffect">
                                   <p:stCondLst>
                                     <p:cond delay="0"/>
                                   </p:stCondLst>
                                   <p:childTnLst>
-                                    <p:set>
-                                      <p:cBhvr>
-                                        <p:cTn id="96" dur="1" fill="hold">
-                                          <p:stCondLst>
-                                            <p:cond delay="0"/>
-                                          </p:stCondLst>
-                                        </p:cTn>
+                                    <p:animClr clrSpc="rgb" dir="cw">
+                                      <p:cBhvr override="childStyle">
+                                        <p:cTn id="96" dur="250" autoRev="1" fill="remove"/>
                                         <p:tgtEl>
                                           <p:spTgt spid="15">
                                             <p:graphicEl>
@@ -22329,16 +22771,16 @@
                                           </p:spTgt>
                                         </p:tgtEl>
                                         <p:attrNameLst>
-                                          <p:attrName>style.visibility</p:attrName>
+                                          <p:attrName>style.color</p:attrName>
                                         </p:attrNameLst>
                                       </p:cBhvr>
                                       <p:to>
-                                        <p:strVal val="visible"/>
+                                        <a:srgbClr val="D54773"/>
                                       </p:to>
-                                    </p:set>
-                                    <p:anim calcmode="lin" valueType="num">
+                                    </p:animClr>
+                                    <p:animClr clrSpc="rgb" dir="cw">
                                       <p:cBhvr>
-                                        <p:cTn id="97" dur="250" fill="hold"/>
+                                        <p:cTn id="97" dur="250" autoRev="1" fill="remove"/>
                                         <p:tgtEl>
                                           <p:spTgt spid="15">
                                             <p:graphicEl>
@@ -22347,25 +22789,16 @@
                                           </p:spTgt>
                                         </p:tgtEl>
                                         <p:attrNameLst>
-                                          <p:attrName>ppt_w</p:attrName>
+                                          <p:attrName>fillcolor</p:attrName>
                                         </p:attrNameLst>
                                       </p:cBhvr>
-                                      <p:tavLst>
-                                        <p:tav tm="0">
-                                          <p:val>
-                                            <p:fltVal val="0"/>
-                                          </p:val>
-                                        </p:tav>
-                                        <p:tav tm="100000">
-                                          <p:val>
-                                            <p:strVal val="#ppt_w"/>
-                                          </p:val>
-                                        </p:tav>
-                                      </p:tavLst>
-                                    </p:anim>
-                                    <p:anim calcmode="lin" valueType="num">
+                                      <p:to>
+                                        <a:srgbClr val="D54773"/>
+                                      </p:to>
+                                    </p:animClr>
+                                    <p:set>
                                       <p:cBhvr>
-                                        <p:cTn id="98" dur="250" fill="hold"/>
+                                        <p:cTn id="98" dur="250" autoRev="1" fill="remove"/>
                                         <p:tgtEl>
                                           <p:spTgt spid="15">
                                             <p:graphicEl>
@@ -22374,25 +22807,16 @@
                                           </p:spTgt>
                                         </p:tgtEl>
                                         <p:attrNameLst>
-                                          <p:attrName>ppt_h</p:attrName>
+                                          <p:attrName>fill.type</p:attrName>
                                         </p:attrNameLst>
                                       </p:cBhvr>
-                                      <p:tavLst>
-                                        <p:tav tm="0">
-                                          <p:val>
-                                            <p:fltVal val="0"/>
-                                          </p:val>
-                                        </p:tav>
-                                        <p:tav tm="100000">
-                                          <p:val>
-                                            <p:strVal val="#ppt_h"/>
-                                          </p:val>
-                                        </p:tav>
-                                      </p:tavLst>
-                                    </p:anim>
-                                    <p:animEffect transition="in" filter="fade">
+                                      <p:to>
+                                        <p:strVal val="solid"/>
+                                      </p:to>
+                                    </p:set>
+                                    <p:set>
                                       <p:cBhvr>
-                                        <p:cTn id="99" dur="250"/>
+                                        <p:cTn id="99" dur="250" autoRev="1" fill="remove"/>
                                         <p:tgtEl>
                                           <p:spTgt spid="15">
                                             <p:graphicEl>
@@ -22400,8 +22824,14 @@
                                             </p:graphicEl>
                                           </p:spTgt>
                                         </p:tgtEl>
+                                        <p:attrNameLst>
+                                          <p:attrName>fill.on</p:attrName>
+                                        </p:attrNameLst>
                                       </p:cBhvr>
-                                    </p:animEffect>
+                                      <p:to>
+                                        <p:strVal val="true"/>
+                                      </p:to>
+                                    </p:set>
                                   </p:childTnLst>
                                 </p:cTn>
                               </p:par>
@@ -22411,22 +22841,18 @@
                         <p:par>
                           <p:cTn id="100" fill="hold">
                             <p:stCondLst>
-                              <p:cond delay="4000"/>
+                              <p:cond delay="8000"/>
                             </p:stCondLst>
                             <p:childTnLst>
                               <p:par>
-                                <p:cTn id="101" presetID="53" presetClass="entr" presetSubtype="16" fill="hold" grpId="0" nodeType="afterEffect">
+                                <p:cTn id="101" presetID="27" presetClass="emph" presetSubtype="0" fill="remove" grpId="0" nodeType="afterEffect">
                                   <p:stCondLst>
                                     <p:cond delay="0"/>
                                   </p:stCondLst>
                                   <p:childTnLst>
-                                    <p:set>
-                                      <p:cBhvr>
-                                        <p:cTn id="102" dur="1" fill="hold">
-                                          <p:stCondLst>
-                                            <p:cond delay="0"/>
-                                          </p:stCondLst>
-                                        </p:cTn>
+                                    <p:animClr clrSpc="rgb" dir="cw">
+                                      <p:cBhvr override="childStyle">
+                                        <p:cTn id="102" dur="250" autoRev="1" fill="remove"/>
                                         <p:tgtEl>
                                           <p:spTgt spid="15">
                                             <p:graphicEl>
@@ -22435,16 +22861,16 @@
                                           </p:spTgt>
                                         </p:tgtEl>
                                         <p:attrNameLst>
-                                          <p:attrName>style.visibility</p:attrName>
+                                          <p:attrName>style.color</p:attrName>
                                         </p:attrNameLst>
                                       </p:cBhvr>
                                       <p:to>
-                                        <p:strVal val="visible"/>
+                                        <a:srgbClr val="D54773"/>
                                       </p:to>
-                                    </p:set>
-                                    <p:anim calcmode="lin" valueType="num">
+                                    </p:animClr>
+                                    <p:animClr clrSpc="rgb" dir="cw">
                                       <p:cBhvr>
-                                        <p:cTn id="103" dur="250" fill="hold"/>
+                                        <p:cTn id="103" dur="250" autoRev="1" fill="remove"/>
                                         <p:tgtEl>
                                           <p:spTgt spid="15">
                                             <p:graphicEl>
@@ -22453,25 +22879,16 @@
                                           </p:spTgt>
                                         </p:tgtEl>
                                         <p:attrNameLst>
-                                          <p:attrName>ppt_w</p:attrName>
+                                          <p:attrName>fillcolor</p:attrName>
                                         </p:attrNameLst>
                                       </p:cBhvr>
-                                      <p:tavLst>
-                                        <p:tav tm="0">
-                                          <p:val>
-                                            <p:fltVal val="0"/>
-                                          </p:val>
-                                        </p:tav>
-                                        <p:tav tm="100000">
-                                          <p:val>
-                                            <p:strVal val="#ppt_w"/>
-                                          </p:val>
-                                        </p:tav>
-                                      </p:tavLst>
-                                    </p:anim>
-                                    <p:anim calcmode="lin" valueType="num">
+                                      <p:to>
+                                        <a:srgbClr val="D54773"/>
+                                      </p:to>
+                                    </p:animClr>
+                                    <p:set>
                                       <p:cBhvr>
-                                        <p:cTn id="104" dur="250" fill="hold"/>
+                                        <p:cTn id="104" dur="250" autoRev="1" fill="remove"/>
                                         <p:tgtEl>
                                           <p:spTgt spid="15">
                                             <p:graphicEl>
@@ -22480,25 +22897,16 @@
                                           </p:spTgt>
                                         </p:tgtEl>
                                         <p:attrNameLst>
-                                          <p:attrName>ppt_h</p:attrName>
+                                          <p:attrName>fill.type</p:attrName>
                                         </p:attrNameLst>
                                       </p:cBhvr>
-                                      <p:tavLst>
-                                        <p:tav tm="0">
-                                          <p:val>
-                                            <p:fltVal val="0"/>
-                                          </p:val>
-                                        </p:tav>
-                                        <p:tav tm="100000">
-                                          <p:val>
-                                            <p:strVal val="#ppt_h"/>
-                                          </p:val>
-                                        </p:tav>
-                                      </p:tavLst>
-                                    </p:anim>
-                                    <p:animEffect transition="in" filter="fade">
+                                      <p:to>
+                                        <p:strVal val="solid"/>
+                                      </p:to>
+                                    </p:set>
+                                    <p:set>
                                       <p:cBhvr>
-                                        <p:cTn id="105" dur="250"/>
+                                        <p:cTn id="105" dur="250" autoRev="1" fill="remove"/>
                                         <p:tgtEl>
                                           <p:spTgt spid="15">
                                             <p:graphicEl>
@@ -22506,8 +22914,14 @@
                                             </p:graphicEl>
                                           </p:spTgt>
                                         </p:tgtEl>
+                                        <p:attrNameLst>
+                                          <p:attrName>fill.on</p:attrName>
+                                        </p:attrNameLst>
                                       </p:cBhvr>
-                                    </p:animEffect>
+                                      <p:to>
+                                        <p:strVal val="true"/>
+                                      </p:to>
+                                    </p:set>
                                   </p:childTnLst>
                                 </p:cTn>
                               </p:par>
@@ -22517,22 +22931,18 @@
                         <p:par>
                           <p:cTn id="106" fill="hold">
                             <p:stCondLst>
-                              <p:cond delay="4250"/>
+                              <p:cond delay="8500"/>
                             </p:stCondLst>
                             <p:childTnLst>
                               <p:par>
-                                <p:cTn id="107" presetID="53" presetClass="entr" presetSubtype="16" fill="hold" grpId="0" nodeType="afterEffect">
+                                <p:cTn id="107" presetID="27" presetClass="emph" presetSubtype="0" fill="remove" grpId="0" nodeType="afterEffect">
                                   <p:stCondLst>
                                     <p:cond delay="0"/>
                                   </p:stCondLst>
                                   <p:childTnLst>
-                                    <p:set>
-                                      <p:cBhvr>
-                                        <p:cTn id="108" dur="1" fill="hold">
-                                          <p:stCondLst>
-                                            <p:cond delay="0"/>
-                                          </p:stCondLst>
-                                        </p:cTn>
+                                    <p:animClr clrSpc="rgb" dir="cw">
+                                      <p:cBhvr override="childStyle">
+                                        <p:cTn id="108" dur="250" autoRev="1" fill="remove"/>
                                         <p:tgtEl>
                                           <p:spTgt spid="15">
                                             <p:graphicEl>
@@ -22541,16 +22951,16 @@
                                           </p:spTgt>
                                         </p:tgtEl>
                                         <p:attrNameLst>
-                                          <p:attrName>style.visibility</p:attrName>
+                                          <p:attrName>style.color</p:attrName>
                                         </p:attrNameLst>
                                       </p:cBhvr>
                                       <p:to>
-                                        <p:strVal val="visible"/>
+                                        <a:srgbClr val="D54773"/>
                                       </p:to>
-                                    </p:set>
-                                    <p:anim calcmode="lin" valueType="num">
+                                    </p:animClr>
+                                    <p:animClr clrSpc="rgb" dir="cw">
                                       <p:cBhvr>
-                                        <p:cTn id="109" dur="250" fill="hold"/>
+                                        <p:cTn id="109" dur="250" autoRev="1" fill="remove"/>
                                         <p:tgtEl>
                                           <p:spTgt spid="15">
                                             <p:graphicEl>
@@ -22559,25 +22969,16 @@
                                           </p:spTgt>
                                         </p:tgtEl>
                                         <p:attrNameLst>
-                                          <p:attrName>ppt_w</p:attrName>
+                                          <p:attrName>fillcolor</p:attrName>
                                         </p:attrNameLst>
                                       </p:cBhvr>
-                                      <p:tavLst>
-                                        <p:tav tm="0">
-                                          <p:val>
-                                            <p:fltVal val="0"/>
-                                          </p:val>
-                                        </p:tav>
-                                        <p:tav tm="100000">
-                                          <p:val>
-                                            <p:strVal val="#ppt_w"/>
-                                          </p:val>
-                                        </p:tav>
-                                      </p:tavLst>
-                                    </p:anim>
-                                    <p:anim calcmode="lin" valueType="num">
+                                      <p:to>
+                                        <a:srgbClr val="D54773"/>
+                                      </p:to>
+                                    </p:animClr>
+                                    <p:set>
                                       <p:cBhvr>
-                                        <p:cTn id="110" dur="250" fill="hold"/>
+                                        <p:cTn id="110" dur="250" autoRev="1" fill="remove"/>
                                         <p:tgtEl>
                                           <p:spTgt spid="15">
                                             <p:graphicEl>
@@ -22586,25 +22987,16 @@
                                           </p:spTgt>
                                         </p:tgtEl>
                                         <p:attrNameLst>
-                                          <p:attrName>ppt_h</p:attrName>
+                                          <p:attrName>fill.type</p:attrName>
                                         </p:attrNameLst>
                                       </p:cBhvr>
-                                      <p:tavLst>
-                                        <p:tav tm="0">
-                                          <p:val>
-                                            <p:fltVal val="0"/>
-                                          </p:val>
-                                        </p:tav>
-                                        <p:tav tm="100000">
-                                          <p:val>
-                                            <p:strVal val="#ppt_h"/>
-                                          </p:val>
-                                        </p:tav>
-                                      </p:tavLst>
-                                    </p:anim>
-                                    <p:animEffect transition="in" filter="fade">
+                                      <p:to>
+                                        <p:strVal val="solid"/>
+                                      </p:to>
+                                    </p:set>
+                                    <p:set>
                                       <p:cBhvr>
-                                        <p:cTn id="111" dur="250"/>
+                                        <p:cTn id="111" dur="250" autoRev="1" fill="remove"/>
                                         <p:tgtEl>
                                           <p:spTgt spid="15">
                                             <p:graphicEl>
@@ -22612,8 +23004,14 @@
                                             </p:graphicEl>
                                           </p:spTgt>
                                         </p:tgtEl>
+                                        <p:attrNameLst>
+                                          <p:attrName>fill.on</p:attrName>
+                                        </p:attrNameLst>
                                       </p:cBhvr>
-                                    </p:animEffect>
+                                      <p:to>
+                                        <p:strVal val="true"/>
+                                      </p:to>
+                                    </p:set>
                                   </p:childTnLst>
                                 </p:cTn>
                               </p:par>
@@ -22623,22 +23021,18 @@
                         <p:par>
                           <p:cTn id="112" fill="hold">
                             <p:stCondLst>
-                              <p:cond delay="4500"/>
+                              <p:cond delay="9000"/>
                             </p:stCondLst>
                             <p:childTnLst>
                               <p:par>
-                                <p:cTn id="113" presetID="53" presetClass="entr" presetSubtype="16" fill="hold" grpId="0" nodeType="afterEffect">
+                                <p:cTn id="113" presetID="27" presetClass="emph" presetSubtype="0" fill="remove" grpId="0" nodeType="afterEffect">
                                   <p:stCondLst>
                                     <p:cond delay="0"/>
                                   </p:stCondLst>
                                   <p:childTnLst>
-                                    <p:set>
-                                      <p:cBhvr>
-                                        <p:cTn id="114" dur="1" fill="hold">
-                                          <p:stCondLst>
-                                            <p:cond delay="0"/>
-                                          </p:stCondLst>
-                                        </p:cTn>
+                                    <p:animClr clrSpc="rgb" dir="cw">
+                                      <p:cBhvr override="childStyle">
+                                        <p:cTn id="114" dur="250" autoRev="1" fill="remove"/>
                                         <p:tgtEl>
                                           <p:spTgt spid="15">
                                             <p:graphicEl>
@@ -22647,16 +23041,16 @@
                                           </p:spTgt>
                                         </p:tgtEl>
                                         <p:attrNameLst>
-                                          <p:attrName>style.visibility</p:attrName>
+                                          <p:attrName>style.color</p:attrName>
                                         </p:attrNameLst>
                                       </p:cBhvr>
                                       <p:to>
-                                        <p:strVal val="visible"/>
+                                        <a:srgbClr val="D54773"/>
                                       </p:to>
-                                    </p:set>
-                                    <p:anim calcmode="lin" valueType="num">
+                                    </p:animClr>
+                                    <p:animClr clrSpc="rgb" dir="cw">
                                       <p:cBhvr>
-                                        <p:cTn id="115" dur="250" fill="hold"/>
+                                        <p:cTn id="115" dur="250" autoRev="1" fill="remove"/>
                                         <p:tgtEl>
                                           <p:spTgt spid="15">
                                             <p:graphicEl>
@@ -22665,25 +23059,16 @@
                                           </p:spTgt>
                                         </p:tgtEl>
                                         <p:attrNameLst>
-                                          <p:attrName>ppt_w</p:attrName>
+                                          <p:attrName>fillcolor</p:attrName>
                                         </p:attrNameLst>
                                       </p:cBhvr>
-                                      <p:tavLst>
-                                        <p:tav tm="0">
-                                          <p:val>
-                                            <p:fltVal val="0"/>
-                                          </p:val>
-                                        </p:tav>
-                                        <p:tav tm="100000">
-                                          <p:val>
-                                            <p:strVal val="#ppt_w"/>
-                                          </p:val>
-                                        </p:tav>
-                                      </p:tavLst>
-                                    </p:anim>
-                                    <p:anim calcmode="lin" valueType="num">
+                                      <p:to>
+                                        <a:srgbClr val="D54773"/>
+                                      </p:to>
+                                    </p:animClr>
+                                    <p:set>
                                       <p:cBhvr>
-                                        <p:cTn id="116" dur="250" fill="hold"/>
+                                        <p:cTn id="116" dur="250" autoRev="1" fill="remove"/>
                                         <p:tgtEl>
                                           <p:spTgt spid="15">
                                             <p:graphicEl>
@@ -22692,25 +23077,16 @@
                                           </p:spTgt>
                                         </p:tgtEl>
                                         <p:attrNameLst>
-                                          <p:attrName>ppt_h</p:attrName>
+                                          <p:attrName>fill.type</p:attrName>
                                         </p:attrNameLst>
                                       </p:cBhvr>
-                                      <p:tavLst>
-                                        <p:tav tm="0">
-                                          <p:val>
-                                            <p:fltVal val="0"/>
-                                          </p:val>
-                                        </p:tav>
-                                        <p:tav tm="100000">
-                                          <p:val>
-                                            <p:strVal val="#ppt_h"/>
-                                          </p:val>
-                                        </p:tav>
-                                      </p:tavLst>
-                                    </p:anim>
-                                    <p:animEffect transition="in" filter="fade">
+                                      <p:to>
+                                        <p:strVal val="solid"/>
+                                      </p:to>
+                                    </p:set>
+                                    <p:set>
                                       <p:cBhvr>
-                                        <p:cTn id="117" dur="250"/>
+                                        <p:cTn id="117" dur="250" autoRev="1" fill="remove"/>
                                         <p:tgtEl>
                                           <p:spTgt spid="15">
                                             <p:graphicEl>
@@ -22718,8 +23094,14 @@
                                             </p:graphicEl>
                                           </p:spTgt>
                                         </p:tgtEl>
+                                        <p:attrNameLst>
+                                          <p:attrName>fill.on</p:attrName>
+                                        </p:attrNameLst>
                                       </p:cBhvr>
-                                    </p:animEffect>
+                                      <p:to>
+                                        <p:strVal val="true"/>
+                                      </p:to>
+                                    </p:set>
                                   </p:childTnLst>
                                 </p:cTn>
                               </p:par>
@@ -22729,22 +23111,18 @@
                         <p:par>
                           <p:cTn id="118" fill="hold">
                             <p:stCondLst>
-                              <p:cond delay="4750"/>
+                              <p:cond delay="9500"/>
                             </p:stCondLst>
                             <p:childTnLst>
                               <p:par>
-                                <p:cTn id="119" presetID="53" presetClass="entr" presetSubtype="16" fill="hold" grpId="0" nodeType="afterEffect">
+                                <p:cTn id="119" presetID="27" presetClass="emph" presetSubtype="0" fill="remove" grpId="0" nodeType="afterEffect">
                                   <p:stCondLst>
                                     <p:cond delay="0"/>
                                   </p:stCondLst>
                                   <p:childTnLst>
-                                    <p:set>
-                                      <p:cBhvr>
-                                        <p:cTn id="120" dur="1" fill="hold">
-                                          <p:stCondLst>
-                                            <p:cond delay="0"/>
-                                          </p:stCondLst>
-                                        </p:cTn>
+                                    <p:animClr clrSpc="rgb" dir="cw">
+                                      <p:cBhvr override="childStyle">
+                                        <p:cTn id="120" dur="250" autoRev="1" fill="remove"/>
                                         <p:tgtEl>
                                           <p:spTgt spid="15">
                                             <p:graphicEl>
@@ -22753,16 +23131,16 @@
                                           </p:spTgt>
                                         </p:tgtEl>
                                         <p:attrNameLst>
-                                          <p:attrName>style.visibility</p:attrName>
+                                          <p:attrName>style.color</p:attrName>
                                         </p:attrNameLst>
                                       </p:cBhvr>
                                       <p:to>
-                                        <p:strVal val="visible"/>
+                                        <a:srgbClr val="D54773"/>
                                       </p:to>
-                                    </p:set>
-                                    <p:anim calcmode="lin" valueType="num">
+                                    </p:animClr>
+                                    <p:animClr clrSpc="rgb" dir="cw">
                                       <p:cBhvr>
-                                        <p:cTn id="121" dur="250" fill="hold"/>
+                                        <p:cTn id="121" dur="250" autoRev="1" fill="remove"/>
                                         <p:tgtEl>
                                           <p:spTgt spid="15">
                                             <p:graphicEl>
@@ -22771,25 +23149,16 @@
                                           </p:spTgt>
                                         </p:tgtEl>
                                         <p:attrNameLst>
-                                          <p:attrName>ppt_w</p:attrName>
+                                          <p:attrName>fillcolor</p:attrName>
                                         </p:attrNameLst>
                                       </p:cBhvr>
-                                      <p:tavLst>
-                                        <p:tav tm="0">
-                                          <p:val>
-                                            <p:fltVal val="0"/>
-                                          </p:val>
-                                        </p:tav>
-                                        <p:tav tm="100000">
-                                          <p:val>
-                                            <p:strVal val="#ppt_w"/>
-                                          </p:val>
-                                        </p:tav>
-                                      </p:tavLst>
-                                    </p:anim>
-                                    <p:anim calcmode="lin" valueType="num">
+                                      <p:to>
+                                        <a:srgbClr val="D54773"/>
+                                      </p:to>
+                                    </p:animClr>
+                                    <p:set>
                                       <p:cBhvr>
-                                        <p:cTn id="122" dur="250" fill="hold"/>
+                                        <p:cTn id="122" dur="250" autoRev="1" fill="remove"/>
                                         <p:tgtEl>
                                           <p:spTgt spid="15">
                                             <p:graphicEl>
@@ -22798,25 +23167,16 @@
                                           </p:spTgt>
                                         </p:tgtEl>
                                         <p:attrNameLst>
-                                          <p:attrName>ppt_h</p:attrName>
+                                          <p:attrName>fill.type</p:attrName>
                                         </p:attrNameLst>
                                       </p:cBhvr>
-                                      <p:tavLst>
-                                        <p:tav tm="0">
-                                          <p:val>
-                                            <p:fltVal val="0"/>
-                                          </p:val>
-                                        </p:tav>
-                                        <p:tav tm="100000">
-                                          <p:val>
-                                            <p:strVal val="#ppt_h"/>
-                                          </p:val>
-                                        </p:tav>
-                                      </p:tavLst>
-                                    </p:anim>
-                                    <p:animEffect transition="in" filter="fade">
+                                      <p:to>
+                                        <p:strVal val="solid"/>
+                                      </p:to>
+                                    </p:set>
+                                    <p:set>
                                       <p:cBhvr>
-                                        <p:cTn id="123" dur="250"/>
+                                        <p:cTn id="123" dur="250" autoRev="1" fill="remove"/>
                                         <p:tgtEl>
                                           <p:spTgt spid="15">
                                             <p:graphicEl>
@@ -22824,8 +23184,14 @@
                                             </p:graphicEl>
                                           </p:spTgt>
                                         </p:tgtEl>
+                                        <p:attrNameLst>
+                                          <p:attrName>fill.on</p:attrName>
+                                        </p:attrNameLst>
                                       </p:cBhvr>
-                                    </p:animEffect>
+                                      <p:to>
+                                        <p:strVal val="true"/>
+                                      </p:to>
+                                    </p:set>
                                   </p:childTnLst>
                                 </p:cTn>
                               </p:par>
@@ -22835,22 +23201,18 @@
                         <p:par>
                           <p:cTn id="124" fill="hold">
                             <p:stCondLst>
-                              <p:cond delay="5000"/>
+                              <p:cond delay="10000"/>
                             </p:stCondLst>
                             <p:childTnLst>
                               <p:par>
-                                <p:cTn id="125" presetID="53" presetClass="entr" presetSubtype="16" fill="hold" grpId="0" nodeType="afterEffect">
+                                <p:cTn id="125" presetID="27" presetClass="emph" presetSubtype="0" fill="remove" grpId="0" nodeType="afterEffect">
                                   <p:stCondLst>
                                     <p:cond delay="0"/>
                                   </p:stCondLst>
                                   <p:childTnLst>
-                                    <p:set>
-                                      <p:cBhvr>
-                                        <p:cTn id="126" dur="1" fill="hold">
-                                          <p:stCondLst>
-                                            <p:cond delay="0"/>
-                                          </p:stCondLst>
-                                        </p:cTn>
+                                    <p:animClr clrSpc="rgb" dir="cw">
+                                      <p:cBhvr override="childStyle">
+                                        <p:cTn id="126" dur="250" autoRev="1" fill="remove"/>
                                         <p:tgtEl>
                                           <p:spTgt spid="15">
                                             <p:graphicEl>
@@ -22859,16 +23221,16 @@
                                           </p:spTgt>
                                         </p:tgtEl>
                                         <p:attrNameLst>
-                                          <p:attrName>style.visibility</p:attrName>
+                                          <p:attrName>style.color</p:attrName>
                                         </p:attrNameLst>
                                       </p:cBhvr>
                                       <p:to>
-                                        <p:strVal val="visible"/>
+                                        <a:srgbClr val="D54773"/>
                                       </p:to>
-                                    </p:set>
-                                    <p:anim calcmode="lin" valueType="num">
+                                    </p:animClr>
+                                    <p:animClr clrSpc="rgb" dir="cw">
                                       <p:cBhvr>
-                                        <p:cTn id="127" dur="250" fill="hold"/>
+                                        <p:cTn id="127" dur="250" autoRev="1" fill="remove"/>
                                         <p:tgtEl>
                                           <p:spTgt spid="15">
                                             <p:graphicEl>
@@ -22877,25 +23239,16 @@
                                           </p:spTgt>
                                         </p:tgtEl>
                                         <p:attrNameLst>
-                                          <p:attrName>ppt_w</p:attrName>
+                                          <p:attrName>fillcolor</p:attrName>
                                         </p:attrNameLst>
                                       </p:cBhvr>
-                                      <p:tavLst>
-                                        <p:tav tm="0">
-                                          <p:val>
-                                            <p:fltVal val="0"/>
-                                          </p:val>
-                                        </p:tav>
-                                        <p:tav tm="100000">
-                                          <p:val>
-                                            <p:strVal val="#ppt_w"/>
-                                          </p:val>
-                                        </p:tav>
-                                      </p:tavLst>
-                                    </p:anim>
-                                    <p:anim calcmode="lin" valueType="num">
+                                      <p:to>
+                                        <a:srgbClr val="D54773"/>
+                                      </p:to>
+                                    </p:animClr>
+                                    <p:set>
                                       <p:cBhvr>
-                                        <p:cTn id="128" dur="250" fill="hold"/>
+                                        <p:cTn id="128" dur="250" autoRev="1" fill="remove"/>
                                         <p:tgtEl>
                                           <p:spTgt spid="15">
                                             <p:graphicEl>
@@ -22904,25 +23257,16 @@
                                           </p:spTgt>
                                         </p:tgtEl>
                                         <p:attrNameLst>
-                                          <p:attrName>ppt_h</p:attrName>
+                                          <p:attrName>fill.type</p:attrName>
                                         </p:attrNameLst>
                                       </p:cBhvr>
-                                      <p:tavLst>
-                                        <p:tav tm="0">
-                                          <p:val>
-                                            <p:fltVal val="0"/>
-                                          </p:val>
-                                        </p:tav>
-                                        <p:tav tm="100000">
-                                          <p:val>
-                                            <p:strVal val="#ppt_h"/>
-                                          </p:val>
-                                        </p:tav>
-                                      </p:tavLst>
-                                    </p:anim>
-                                    <p:animEffect transition="in" filter="fade">
+                                      <p:to>
+                                        <p:strVal val="solid"/>
+                                      </p:to>
+                                    </p:set>
+                                    <p:set>
                                       <p:cBhvr>
-                                        <p:cTn id="129" dur="250"/>
+                                        <p:cTn id="129" dur="250" autoRev="1" fill="remove"/>
                                         <p:tgtEl>
                                           <p:spTgt spid="15">
                                             <p:graphicEl>
@@ -22930,8 +23274,14 @@
                                             </p:graphicEl>
                                           </p:spTgt>
                                         </p:tgtEl>
+                                        <p:attrNameLst>
+                                          <p:attrName>fill.on</p:attrName>
+                                        </p:attrNameLst>
                                       </p:cBhvr>
-                                    </p:animEffect>
+                                      <p:to>
+                                        <p:strVal val="true"/>
+                                      </p:to>
+                                    </p:set>
                                   </p:childTnLst>
                                 </p:cTn>
                               </p:par>
@@ -22941,22 +23291,18 @@
                         <p:par>
                           <p:cTn id="130" fill="hold">
                             <p:stCondLst>
-                              <p:cond delay="5250"/>
+                              <p:cond delay="10500"/>
                             </p:stCondLst>
                             <p:childTnLst>
                               <p:par>
-                                <p:cTn id="131" presetID="53" presetClass="entr" presetSubtype="16" fill="hold" grpId="0" nodeType="afterEffect">
+                                <p:cTn id="131" presetID="27" presetClass="emph" presetSubtype="0" fill="remove" grpId="0" nodeType="afterEffect">
                                   <p:stCondLst>
                                     <p:cond delay="0"/>
                                   </p:stCondLst>
                                   <p:childTnLst>
-                                    <p:set>
-                                      <p:cBhvr>
-                                        <p:cTn id="132" dur="1" fill="hold">
-                                          <p:stCondLst>
-                                            <p:cond delay="0"/>
-                                          </p:stCondLst>
-                                        </p:cTn>
+                                    <p:animClr clrSpc="rgb" dir="cw">
+                                      <p:cBhvr override="childStyle">
+                                        <p:cTn id="132" dur="250" autoRev="1" fill="remove"/>
                                         <p:tgtEl>
                                           <p:spTgt spid="15">
                                             <p:graphicEl>
@@ -22965,16 +23311,16 @@
                                           </p:spTgt>
                                         </p:tgtEl>
                                         <p:attrNameLst>
-                                          <p:attrName>style.visibility</p:attrName>
+                                          <p:attrName>style.color</p:attrName>
                                         </p:attrNameLst>
                                       </p:cBhvr>
                                       <p:to>
-                                        <p:strVal val="visible"/>
+                                        <a:srgbClr val="D54773"/>
                                       </p:to>
-                                    </p:set>
-                                    <p:anim calcmode="lin" valueType="num">
+                                    </p:animClr>
+                                    <p:animClr clrSpc="rgb" dir="cw">
                                       <p:cBhvr>
-                                        <p:cTn id="133" dur="250" fill="hold"/>
+                                        <p:cTn id="133" dur="250" autoRev="1" fill="remove"/>
                                         <p:tgtEl>
                                           <p:spTgt spid="15">
                                             <p:graphicEl>
@@ -22983,25 +23329,16 @@
                                           </p:spTgt>
                                         </p:tgtEl>
                                         <p:attrNameLst>
-                                          <p:attrName>ppt_w</p:attrName>
+                                          <p:attrName>fillcolor</p:attrName>
                                         </p:attrNameLst>
                                       </p:cBhvr>
-                                      <p:tavLst>
-                                        <p:tav tm="0">
-                                          <p:val>
-                                            <p:fltVal val="0"/>
-                                          </p:val>
-                                        </p:tav>
-                                        <p:tav tm="100000">
-                                          <p:val>
-                                            <p:strVal val="#ppt_w"/>
-                                          </p:val>
-                                        </p:tav>
-                                      </p:tavLst>
-                                    </p:anim>
-                                    <p:anim calcmode="lin" valueType="num">
+                                      <p:to>
+                                        <a:srgbClr val="D54773"/>
+                                      </p:to>
+                                    </p:animClr>
+                                    <p:set>
                                       <p:cBhvr>
-                                        <p:cTn id="134" dur="250" fill="hold"/>
+                                        <p:cTn id="134" dur="250" autoRev="1" fill="remove"/>
                                         <p:tgtEl>
                                           <p:spTgt spid="15">
                                             <p:graphicEl>
@@ -23010,25 +23347,16 @@
                                           </p:spTgt>
                                         </p:tgtEl>
                                         <p:attrNameLst>
-                                          <p:attrName>ppt_h</p:attrName>
+                                          <p:attrName>fill.type</p:attrName>
                                         </p:attrNameLst>
                                       </p:cBhvr>
-                                      <p:tavLst>
-                                        <p:tav tm="0">
-                                          <p:val>
-                                            <p:fltVal val="0"/>
-                                          </p:val>
-                                        </p:tav>
-                                        <p:tav tm="100000">
-                                          <p:val>
-                                            <p:strVal val="#ppt_h"/>
-                                          </p:val>
-                                        </p:tav>
-                                      </p:tavLst>
-                                    </p:anim>
-                                    <p:animEffect transition="in" filter="fade">
+                                      <p:to>
+                                        <p:strVal val="solid"/>
+                                      </p:to>
+                                    </p:set>
+                                    <p:set>
                                       <p:cBhvr>
-                                        <p:cTn id="135" dur="250"/>
+                                        <p:cTn id="135" dur="250" autoRev="1" fill="remove"/>
                                         <p:tgtEl>
                                           <p:spTgt spid="15">
                                             <p:graphicEl>
@@ -23036,8 +23364,14 @@
                                             </p:graphicEl>
                                           </p:spTgt>
                                         </p:tgtEl>
+                                        <p:attrNameLst>
+                                          <p:attrName>fill.on</p:attrName>
+                                        </p:attrNameLst>
                                       </p:cBhvr>
-                                    </p:animEffect>
+                                      <p:to>
+                                        <p:strVal val="true"/>
+                                      </p:to>
+                                    </p:set>
                                   </p:childTnLst>
                                 </p:cTn>
                               </p:par>
@@ -23047,22 +23381,18 @@
                         <p:par>
                           <p:cTn id="136" fill="hold">
                             <p:stCondLst>
-                              <p:cond delay="5500"/>
+                              <p:cond delay="11000"/>
                             </p:stCondLst>
                             <p:childTnLst>
                               <p:par>
-                                <p:cTn id="137" presetID="53" presetClass="entr" presetSubtype="16" fill="hold" grpId="0" nodeType="afterEffect">
+                                <p:cTn id="137" presetID="27" presetClass="emph" presetSubtype="0" fill="remove" grpId="0" nodeType="afterEffect">
                                   <p:stCondLst>
                                     <p:cond delay="0"/>
                                   </p:stCondLst>
                                   <p:childTnLst>
-                                    <p:set>
-                                      <p:cBhvr>
-                                        <p:cTn id="138" dur="1" fill="hold">
-                                          <p:stCondLst>
-                                            <p:cond delay="0"/>
-                                          </p:stCondLst>
-                                        </p:cTn>
+                                    <p:animClr clrSpc="rgb" dir="cw">
+                                      <p:cBhvr override="childStyle">
+                                        <p:cTn id="138" dur="250" autoRev="1" fill="remove"/>
                                         <p:tgtEl>
                                           <p:spTgt spid="15">
                                             <p:graphicEl>
@@ -23071,16 +23401,16 @@
                                           </p:spTgt>
                                         </p:tgtEl>
                                         <p:attrNameLst>
-                                          <p:attrName>style.visibility</p:attrName>
+                                          <p:attrName>style.color</p:attrName>
                                         </p:attrNameLst>
                                       </p:cBhvr>
                                       <p:to>
-                                        <p:strVal val="visible"/>
+                                        <a:srgbClr val="D54773"/>
                                       </p:to>
-                                    </p:set>
-                                    <p:anim calcmode="lin" valueType="num">
+                                    </p:animClr>
+                                    <p:animClr clrSpc="rgb" dir="cw">
                                       <p:cBhvr>
-                                        <p:cTn id="139" dur="250" fill="hold"/>
+                                        <p:cTn id="139" dur="250" autoRev="1" fill="remove"/>
                                         <p:tgtEl>
                                           <p:spTgt spid="15">
                                             <p:graphicEl>
@@ -23089,25 +23419,16 @@
                                           </p:spTgt>
                                         </p:tgtEl>
                                         <p:attrNameLst>
-                                          <p:attrName>ppt_w</p:attrName>
+                                          <p:attrName>fillcolor</p:attrName>
                                         </p:attrNameLst>
                                       </p:cBhvr>
-                                      <p:tavLst>
-                                        <p:tav tm="0">
-                                          <p:val>
-                                            <p:fltVal val="0"/>
-                                          </p:val>
-                                        </p:tav>
-                                        <p:tav tm="100000">
-                                          <p:val>
-                                            <p:strVal val="#ppt_w"/>
-                                          </p:val>
-                                        </p:tav>
-                                      </p:tavLst>
-                                    </p:anim>
-                                    <p:anim calcmode="lin" valueType="num">
+                                      <p:to>
+                                        <a:srgbClr val="D54773"/>
+                                      </p:to>
+                                    </p:animClr>
+                                    <p:set>
                                       <p:cBhvr>
-                                        <p:cTn id="140" dur="250" fill="hold"/>
+                                        <p:cTn id="140" dur="250" autoRev="1" fill="remove"/>
                                         <p:tgtEl>
                                           <p:spTgt spid="15">
                                             <p:graphicEl>
@@ -23116,25 +23437,16 @@
                                           </p:spTgt>
                                         </p:tgtEl>
                                         <p:attrNameLst>
-                                          <p:attrName>ppt_h</p:attrName>
+                                          <p:attrName>fill.type</p:attrName>
                                         </p:attrNameLst>
                                       </p:cBhvr>
-                                      <p:tavLst>
-                                        <p:tav tm="0">
-                                          <p:val>
-                                            <p:fltVal val="0"/>
-                                          </p:val>
-                                        </p:tav>
-                                        <p:tav tm="100000">
-                                          <p:val>
-                                            <p:strVal val="#ppt_h"/>
-                                          </p:val>
-                                        </p:tav>
-                                      </p:tavLst>
-                                    </p:anim>
-                                    <p:animEffect transition="in" filter="fade">
+                                      <p:to>
+                                        <p:strVal val="solid"/>
+                                      </p:to>
+                                    </p:set>
+                                    <p:set>
                                       <p:cBhvr>
-                                        <p:cTn id="141" dur="250"/>
+                                        <p:cTn id="141" dur="250" autoRev="1" fill="remove"/>
                                         <p:tgtEl>
                                           <p:spTgt spid="15">
                                             <p:graphicEl>
@@ -23142,8 +23454,14 @@
                                             </p:graphicEl>
                                           </p:spTgt>
                                         </p:tgtEl>
+                                        <p:attrNameLst>
+                                          <p:attrName>fill.on</p:attrName>
+                                        </p:attrNameLst>
                                       </p:cBhvr>
-                                    </p:animEffect>
+                                      <p:to>
+                                        <p:strVal val="true"/>
+                                      </p:to>
+                                    </p:set>
                                   </p:childTnLst>
                                 </p:cTn>
                               </p:par>
@@ -23153,22 +23471,18 @@
                         <p:par>
                           <p:cTn id="142" fill="hold">
                             <p:stCondLst>
-                              <p:cond delay="5750"/>
+                              <p:cond delay="11500"/>
                             </p:stCondLst>
                             <p:childTnLst>
                               <p:par>
-                                <p:cTn id="143" presetID="53" presetClass="entr" presetSubtype="16" fill="hold" grpId="0" nodeType="afterEffect">
+                                <p:cTn id="143" presetID="27" presetClass="emph" presetSubtype="0" fill="remove" grpId="0" nodeType="afterEffect">
                                   <p:stCondLst>
                                     <p:cond delay="0"/>
                                   </p:stCondLst>
                                   <p:childTnLst>
-                                    <p:set>
-                                      <p:cBhvr>
-                                        <p:cTn id="144" dur="1" fill="hold">
-                                          <p:stCondLst>
-                                            <p:cond delay="0"/>
-                                          </p:stCondLst>
-                                        </p:cTn>
+                                    <p:animClr clrSpc="rgb" dir="cw">
+                                      <p:cBhvr override="childStyle">
+                                        <p:cTn id="144" dur="250" autoRev="1" fill="remove"/>
                                         <p:tgtEl>
                                           <p:spTgt spid="15">
                                             <p:graphicEl>
@@ -23177,16 +23491,16 @@
                                           </p:spTgt>
                                         </p:tgtEl>
                                         <p:attrNameLst>
-                                          <p:attrName>style.visibility</p:attrName>
+                                          <p:attrName>style.color</p:attrName>
                                         </p:attrNameLst>
                                       </p:cBhvr>
                                       <p:to>
-                                        <p:strVal val="visible"/>
+                                        <a:srgbClr val="D54773"/>
                                       </p:to>
-                                    </p:set>
-                                    <p:anim calcmode="lin" valueType="num">
+                                    </p:animClr>
+                                    <p:animClr clrSpc="rgb" dir="cw">
                                       <p:cBhvr>
-                                        <p:cTn id="145" dur="250" fill="hold"/>
+                                        <p:cTn id="145" dur="250" autoRev="1" fill="remove"/>
                                         <p:tgtEl>
                                           <p:spTgt spid="15">
                                             <p:graphicEl>
@@ -23195,25 +23509,16 @@
                                           </p:spTgt>
                                         </p:tgtEl>
                                         <p:attrNameLst>
-                                          <p:attrName>ppt_w</p:attrName>
+                                          <p:attrName>fillcolor</p:attrName>
                                         </p:attrNameLst>
                                       </p:cBhvr>
-                                      <p:tavLst>
-                                        <p:tav tm="0">
-                                          <p:val>
-                                            <p:fltVal val="0"/>
-                                          </p:val>
-                                        </p:tav>
-                                        <p:tav tm="100000">
-                                          <p:val>
-                                            <p:strVal val="#ppt_w"/>
-                                          </p:val>
-                                        </p:tav>
-                                      </p:tavLst>
-                                    </p:anim>
-                                    <p:anim calcmode="lin" valueType="num">
+                                      <p:to>
+                                        <a:srgbClr val="D54773"/>
+                                      </p:to>
+                                    </p:animClr>
+                                    <p:set>
                                       <p:cBhvr>
-                                        <p:cTn id="146" dur="250" fill="hold"/>
+                                        <p:cTn id="146" dur="250" autoRev="1" fill="remove"/>
                                         <p:tgtEl>
                                           <p:spTgt spid="15">
                                             <p:graphicEl>
@@ -23222,25 +23527,16 @@
                                           </p:spTgt>
                                         </p:tgtEl>
                                         <p:attrNameLst>
-                                          <p:attrName>ppt_h</p:attrName>
+                                          <p:attrName>fill.type</p:attrName>
                                         </p:attrNameLst>
                                       </p:cBhvr>
-                                      <p:tavLst>
-                                        <p:tav tm="0">
-                                          <p:val>
-                                            <p:fltVal val="0"/>
-                                          </p:val>
-                                        </p:tav>
-                                        <p:tav tm="100000">
-                                          <p:val>
-                                            <p:strVal val="#ppt_h"/>
-                                          </p:val>
-                                        </p:tav>
-                                      </p:tavLst>
-                                    </p:anim>
-                                    <p:animEffect transition="in" filter="fade">
+                                      <p:to>
+                                        <p:strVal val="solid"/>
+                                      </p:to>
+                                    </p:set>
+                                    <p:set>
                                       <p:cBhvr>
-                                        <p:cTn id="147" dur="250"/>
+                                        <p:cTn id="147" dur="250" autoRev="1" fill="remove"/>
                                         <p:tgtEl>
                                           <p:spTgt spid="15">
                                             <p:graphicEl>
@@ -23248,8 +23544,14 @@
                                             </p:graphicEl>
                                           </p:spTgt>
                                         </p:tgtEl>
+                                        <p:attrNameLst>
+                                          <p:attrName>fill.on</p:attrName>
+                                        </p:attrNameLst>
                                       </p:cBhvr>
-                                    </p:animEffect>
+                                      <p:to>
+                                        <p:strVal val="true"/>
+                                      </p:to>
+                                    </p:set>
                                   </p:childTnLst>
                                 </p:cTn>
                               </p:par>
@@ -23259,22 +23561,18 @@
                         <p:par>
                           <p:cTn id="148" fill="hold">
                             <p:stCondLst>
-                              <p:cond delay="6000"/>
+                              <p:cond delay="12000"/>
                             </p:stCondLst>
                             <p:childTnLst>
                               <p:par>
-                                <p:cTn id="149" presetID="53" presetClass="entr" presetSubtype="16" fill="hold" grpId="0" nodeType="afterEffect">
+                                <p:cTn id="149" presetID="27" presetClass="emph" presetSubtype="0" fill="remove" grpId="0" nodeType="afterEffect">
                                   <p:stCondLst>
                                     <p:cond delay="0"/>
                                   </p:stCondLst>
                                   <p:childTnLst>
-                                    <p:set>
-                                      <p:cBhvr>
-                                        <p:cTn id="150" dur="1" fill="hold">
-                                          <p:stCondLst>
-                                            <p:cond delay="0"/>
-                                          </p:stCondLst>
-                                        </p:cTn>
+                                    <p:animClr clrSpc="rgb" dir="cw">
+                                      <p:cBhvr override="childStyle">
+                                        <p:cTn id="150" dur="250" autoRev="1" fill="remove"/>
                                         <p:tgtEl>
                                           <p:spTgt spid="15">
                                             <p:graphicEl>
@@ -23283,16 +23581,16 @@
                                           </p:spTgt>
                                         </p:tgtEl>
                                         <p:attrNameLst>
-                                          <p:attrName>style.visibility</p:attrName>
+                                          <p:attrName>style.color</p:attrName>
                                         </p:attrNameLst>
                                       </p:cBhvr>
                                       <p:to>
-                                        <p:strVal val="visible"/>
+                                        <a:srgbClr val="D54773"/>
                                       </p:to>
-                                    </p:set>
-                                    <p:anim calcmode="lin" valueType="num">
+                                    </p:animClr>
+                                    <p:animClr clrSpc="rgb" dir="cw">
                                       <p:cBhvr>
-                                        <p:cTn id="151" dur="250" fill="hold"/>
+                                        <p:cTn id="151" dur="250" autoRev="1" fill="remove"/>
                                         <p:tgtEl>
                                           <p:spTgt spid="15">
                                             <p:graphicEl>
@@ -23301,25 +23599,16 @@
                                           </p:spTgt>
                                         </p:tgtEl>
                                         <p:attrNameLst>
-                                          <p:attrName>ppt_w</p:attrName>
+                                          <p:attrName>fillcolor</p:attrName>
                                         </p:attrNameLst>
                                       </p:cBhvr>
-                                      <p:tavLst>
-                                        <p:tav tm="0">
-                                          <p:val>
-                                            <p:fltVal val="0"/>
-                                          </p:val>
-                                        </p:tav>
-                                        <p:tav tm="100000">
-                                          <p:val>
-                                            <p:strVal val="#ppt_w"/>
-                                          </p:val>
-                                        </p:tav>
-                                      </p:tavLst>
-                                    </p:anim>
-                                    <p:anim calcmode="lin" valueType="num">
+                                      <p:to>
+                                        <a:srgbClr val="D54773"/>
+                                      </p:to>
+                                    </p:animClr>
+                                    <p:set>
                                       <p:cBhvr>
-                                        <p:cTn id="152" dur="250" fill="hold"/>
+                                        <p:cTn id="152" dur="250" autoRev="1" fill="remove"/>
                                         <p:tgtEl>
                                           <p:spTgt spid="15">
                                             <p:graphicEl>
@@ -23328,25 +23617,16 @@
                                           </p:spTgt>
                                         </p:tgtEl>
                                         <p:attrNameLst>
-                                          <p:attrName>ppt_h</p:attrName>
+                                          <p:attrName>fill.type</p:attrName>
                                         </p:attrNameLst>
                                       </p:cBhvr>
-                                      <p:tavLst>
-                                        <p:tav tm="0">
-                                          <p:val>
-                                            <p:fltVal val="0"/>
-                                          </p:val>
-                                        </p:tav>
-                                        <p:tav tm="100000">
-                                          <p:val>
-                                            <p:strVal val="#ppt_h"/>
-                                          </p:val>
-                                        </p:tav>
-                                      </p:tavLst>
-                                    </p:anim>
-                                    <p:animEffect transition="in" filter="fade">
+                                      <p:to>
+                                        <p:strVal val="solid"/>
+                                      </p:to>
+                                    </p:set>
+                                    <p:set>
                                       <p:cBhvr>
-                                        <p:cTn id="153" dur="250"/>
+                                        <p:cTn id="153" dur="250" autoRev="1" fill="remove"/>
                                         <p:tgtEl>
                                           <p:spTgt spid="15">
                                             <p:graphicEl>
@@ -23354,8 +23634,14 @@
                                             </p:graphicEl>
                                           </p:spTgt>
                                         </p:tgtEl>
+                                        <p:attrNameLst>
+                                          <p:attrName>fill.on</p:attrName>
+                                        </p:attrNameLst>
                                       </p:cBhvr>
-                                    </p:animEffect>
+                                      <p:to>
+                                        <p:strVal val="true"/>
+                                      </p:to>
+                                    </p:set>
                                   </p:childTnLst>
                                 </p:cTn>
                               </p:par>
@@ -23365,22 +23651,18 @@
                         <p:par>
                           <p:cTn id="154" fill="hold">
                             <p:stCondLst>
-                              <p:cond delay="6250"/>
+                              <p:cond delay="12500"/>
                             </p:stCondLst>
                             <p:childTnLst>
                               <p:par>
-                                <p:cTn id="155" presetID="53" presetClass="entr" presetSubtype="16" fill="hold" grpId="0" nodeType="afterEffect">
+                                <p:cTn id="155" presetID="27" presetClass="emph" presetSubtype="0" fill="remove" grpId="0" nodeType="afterEffect">
                                   <p:stCondLst>
                                     <p:cond delay="0"/>
                                   </p:stCondLst>
                                   <p:childTnLst>
-                                    <p:set>
-                                      <p:cBhvr>
-                                        <p:cTn id="156" dur="1" fill="hold">
-                                          <p:stCondLst>
-                                            <p:cond delay="0"/>
-                                          </p:stCondLst>
-                                        </p:cTn>
+                                    <p:animClr clrSpc="rgb" dir="cw">
+                                      <p:cBhvr override="childStyle">
+                                        <p:cTn id="156" dur="250" autoRev="1" fill="remove"/>
                                         <p:tgtEl>
                                           <p:spTgt spid="15">
                                             <p:graphicEl>
@@ -23389,16 +23671,16 @@
                                           </p:spTgt>
                                         </p:tgtEl>
                                         <p:attrNameLst>
-                                          <p:attrName>style.visibility</p:attrName>
+                                          <p:attrName>style.color</p:attrName>
                                         </p:attrNameLst>
                                       </p:cBhvr>
                                       <p:to>
-                                        <p:strVal val="visible"/>
+                                        <a:srgbClr val="D54773"/>
                                       </p:to>
-                                    </p:set>
-                                    <p:anim calcmode="lin" valueType="num">
+                                    </p:animClr>
+                                    <p:animClr clrSpc="rgb" dir="cw">
                                       <p:cBhvr>
-                                        <p:cTn id="157" dur="250" fill="hold"/>
+                                        <p:cTn id="157" dur="250" autoRev="1" fill="remove"/>
                                         <p:tgtEl>
                                           <p:spTgt spid="15">
                                             <p:graphicEl>
@@ -23407,25 +23689,16 @@
                                           </p:spTgt>
                                         </p:tgtEl>
                                         <p:attrNameLst>
-                                          <p:attrName>ppt_w</p:attrName>
+                                          <p:attrName>fillcolor</p:attrName>
                                         </p:attrNameLst>
                                       </p:cBhvr>
-                                      <p:tavLst>
-                                        <p:tav tm="0">
-                                          <p:val>
-                                            <p:fltVal val="0"/>
-                                          </p:val>
-                                        </p:tav>
-                                        <p:tav tm="100000">
-                                          <p:val>
-                                            <p:strVal val="#ppt_w"/>
-                                          </p:val>
-                                        </p:tav>
-                                      </p:tavLst>
-                                    </p:anim>
-                                    <p:anim calcmode="lin" valueType="num">
+                                      <p:to>
+                                        <a:srgbClr val="D54773"/>
+                                      </p:to>
+                                    </p:animClr>
+                                    <p:set>
                                       <p:cBhvr>
-                                        <p:cTn id="158" dur="250" fill="hold"/>
+                                        <p:cTn id="158" dur="250" autoRev="1" fill="remove"/>
                                         <p:tgtEl>
                                           <p:spTgt spid="15">
                                             <p:graphicEl>
@@ -23434,25 +23707,16 @@
                                           </p:spTgt>
                                         </p:tgtEl>
                                         <p:attrNameLst>
-                                          <p:attrName>ppt_h</p:attrName>
+                                          <p:attrName>fill.type</p:attrName>
                                         </p:attrNameLst>
                                       </p:cBhvr>
-                                      <p:tavLst>
-                                        <p:tav tm="0">
-                                          <p:val>
-                                            <p:fltVal val="0"/>
-                                          </p:val>
-                                        </p:tav>
-                                        <p:tav tm="100000">
-                                          <p:val>
-                                            <p:strVal val="#ppt_h"/>
-                                          </p:val>
-                                        </p:tav>
-                                      </p:tavLst>
-                                    </p:anim>
-                                    <p:animEffect transition="in" filter="fade">
+                                      <p:to>
+                                        <p:strVal val="solid"/>
+                                      </p:to>
+                                    </p:set>
+                                    <p:set>
                                       <p:cBhvr>
-                                        <p:cTn id="159" dur="250"/>
+                                        <p:cTn id="159" dur="250" autoRev="1" fill="remove"/>
                                         <p:tgtEl>
                                           <p:spTgt spid="15">
                                             <p:graphicEl>
@@ -23460,8 +23724,14 @@
                                             </p:graphicEl>
                                           </p:spTgt>
                                         </p:tgtEl>
+                                        <p:attrNameLst>
+                                          <p:attrName>fill.on</p:attrName>
+                                        </p:attrNameLst>
                                       </p:cBhvr>
-                                    </p:animEffect>
+                                      <p:to>
+                                        <p:strVal val="true"/>
+                                      </p:to>
+                                    </p:set>
                                   </p:childTnLst>
                                 </p:cTn>
                               </p:par>
@@ -23471,22 +23741,18 @@
                         <p:par>
                           <p:cTn id="160" fill="hold">
                             <p:stCondLst>
-                              <p:cond delay="6500"/>
+                              <p:cond delay="13000"/>
                             </p:stCondLst>
                             <p:childTnLst>
                               <p:par>
-                                <p:cTn id="161" presetID="53" presetClass="entr" presetSubtype="16" fill="hold" grpId="0" nodeType="afterEffect">
+                                <p:cTn id="161" presetID="27" presetClass="emph" presetSubtype="0" fill="remove" grpId="0" nodeType="afterEffect">
                                   <p:stCondLst>
                                     <p:cond delay="0"/>
                                   </p:stCondLst>
                                   <p:childTnLst>
-                                    <p:set>
-                                      <p:cBhvr>
-                                        <p:cTn id="162" dur="1" fill="hold">
-                                          <p:stCondLst>
-                                            <p:cond delay="0"/>
-                                          </p:stCondLst>
-                                        </p:cTn>
+                                    <p:animClr clrSpc="rgb" dir="cw">
+                                      <p:cBhvr override="childStyle">
+                                        <p:cTn id="162" dur="250" autoRev="1" fill="remove"/>
                                         <p:tgtEl>
                                           <p:spTgt spid="15">
                                             <p:graphicEl>
@@ -23495,16 +23761,16 @@
                                           </p:spTgt>
                                         </p:tgtEl>
                                         <p:attrNameLst>
-                                          <p:attrName>style.visibility</p:attrName>
+                                          <p:attrName>style.color</p:attrName>
                                         </p:attrNameLst>
                                       </p:cBhvr>
                                       <p:to>
-                                        <p:strVal val="visible"/>
+                                        <a:srgbClr val="D54773"/>
                                       </p:to>
-                                    </p:set>
-                                    <p:anim calcmode="lin" valueType="num">
+                                    </p:animClr>
+                                    <p:animClr clrSpc="rgb" dir="cw">
                                       <p:cBhvr>
-                                        <p:cTn id="163" dur="250" fill="hold"/>
+                                        <p:cTn id="163" dur="250" autoRev="1" fill="remove"/>
                                         <p:tgtEl>
                                           <p:spTgt spid="15">
                                             <p:graphicEl>
@@ -23513,25 +23779,16 @@
                                           </p:spTgt>
                                         </p:tgtEl>
                                         <p:attrNameLst>
-                                          <p:attrName>ppt_w</p:attrName>
+                                          <p:attrName>fillcolor</p:attrName>
                                         </p:attrNameLst>
                                       </p:cBhvr>
-                                      <p:tavLst>
-                                        <p:tav tm="0">
-                                          <p:val>
-                                            <p:fltVal val="0"/>
-                                          </p:val>
-                                        </p:tav>
-                                        <p:tav tm="100000">
-                                          <p:val>
-                                            <p:strVal val="#ppt_w"/>
-                                          </p:val>
-                                        </p:tav>
-                                      </p:tavLst>
-                                    </p:anim>
-                                    <p:anim calcmode="lin" valueType="num">
+                                      <p:to>
+                                        <a:srgbClr val="D54773"/>
+                                      </p:to>
+                                    </p:animClr>
+                                    <p:set>
                                       <p:cBhvr>
-                                        <p:cTn id="164" dur="250" fill="hold"/>
+                                        <p:cTn id="164" dur="250" autoRev="1" fill="remove"/>
                                         <p:tgtEl>
                                           <p:spTgt spid="15">
                                             <p:graphicEl>
@@ -23540,25 +23797,16 @@
                                           </p:spTgt>
                                         </p:tgtEl>
                                         <p:attrNameLst>
-                                          <p:attrName>ppt_h</p:attrName>
+                                          <p:attrName>fill.type</p:attrName>
                                         </p:attrNameLst>
                                       </p:cBhvr>
-                                      <p:tavLst>
-                                        <p:tav tm="0">
-                                          <p:val>
-                                            <p:fltVal val="0"/>
-                                          </p:val>
-                                        </p:tav>
-                                        <p:tav tm="100000">
-                                          <p:val>
-                                            <p:strVal val="#ppt_h"/>
-                                          </p:val>
-                                        </p:tav>
-                                      </p:tavLst>
-                                    </p:anim>
-                                    <p:animEffect transition="in" filter="fade">
+                                      <p:to>
+                                        <p:strVal val="solid"/>
+                                      </p:to>
+                                    </p:set>
+                                    <p:set>
                                       <p:cBhvr>
-                                        <p:cTn id="165" dur="250"/>
+                                        <p:cTn id="165" dur="250" autoRev="1" fill="remove"/>
                                         <p:tgtEl>
                                           <p:spTgt spid="15">
                                             <p:graphicEl>
@@ -23566,8 +23814,14 @@
                                             </p:graphicEl>
                                           </p:spTgt>
                                         </p:tgtEl>
+                                        <p:attrNameLst>
+                                          <p:attrName>fill.on</p:attrName>
+                                        </p:attrNameLst>
                                       </p:cBhvr>
-                                    </p:animEffect>
+                                      <p:to>
+                                        <p:strVal val="true"/>
+                                      </p:to>
+                                    </p:set>
                                   </p:childTnLst>
                                 </p:cTn>
                               </p:par>
@@ -23577,22 +23831,18 @@
                         <p:par>
                           <p:cTn id="166" fill="hold">
                             <p:stCondLst>
-                              <p:cond delay="6750"/>
+                              <p:cond delay="13500"/>
                             </p:stCondLst>
                             <p:childTnLst>
                               <p:par>
-                                <p:cTn id="167" presetID="53" presetClass="entr" presetSubtype="16" fill="hold" grpId="0" nodeType="afterEffect">
+                                <p:cTn id="167" presetID="27" presetClass="emph" presetSubtype="0" fill="remove" grpId="0" nodeType="afterEffect">
                                   <p:stCondLst>
                                     <p:cond delay="0"/>
                                   </p:stCondLst>
                                   <p:childTnLst>
-                                    <p:set>
-                                      <p:cBhvr>
-                                        <p:cTn id="168" dur="1" fill="hold">
-                                          <p:stCondLst>
-                                            <p:cond delay="0"/>
-                                          </p:stCondLst>
-                                        </p:cTn>
+                                    <p:animClr clrSpc="rgb" dir="cw">
+                                      <p:cBhvr override="childStyle">
+                                        <p:cTn id="168" dur="250" autoRev="1" fill="remove"/>
                                         <p:tgtEl>
                                           <p:spTgt spid="15">
                                             <p:graphicEl>
@@ -23601,16 +23851,16 @@
                                           </p:spTgt>
                                         </p:tgtEl>
                                         <p:attrNameLst>
-                                          <p:attrName>style.visibility</p:attrName>
+                                          <p:attrName>style.color</p:attrName>
                                         </p:attrNameLst>
                                       </p:cBhvr>
                                       <p:to>
-                                        <p:strVal val="visible"/>
+                                        <a:srgbClr val="D54773"/>
                                       </p:to>
-                                    </p:set>
-                                    <p:anim calcmode="lin" valueType="num">
+                                    </p:animClr>
+                                    <p:animClr clrSpc="rgb" dir="cw">
                                       <p:cBhvr>
-                                        <p:cTn id="169" dur="250" fill="hold"/>
+                                        <p:cTn id="169" dur="250" autoRev="1" fill="remove"/>
                                         <p:tgtEl>
                                           <p:spTgt spid="15">
                                             <p:graphicEl>
@@ -23619,25 +23869,16 @@
                                           </p:spTgt>
                                         </p:tgtEl>
                                         <p:attrNameLst>
-                                          <p:attrName>ppt_w</p:attrName>
+                                          <p:attrName>fillcolor</p:attrName>
                                         </p:attrNameLst>
                                       </p:cBhvr>
-                                      <p:tavLst>
-                                        <p:tav tm="0">
-                                          <p:val>
-                                            <p:fltVal val="0"/>
-                                          </p:val>
-                                        </p:tav>
-                                        <p:tav tm="100000">
-                                          <p:val>
-                                            <p:strVal val="#ppt_w"/>
-                                          </p:val>
-                                        </p:tav>
-                                      </p:tavLst>
-                                    </p:anim>
-                                    <p:anim calcmode="lin" valueType="num">
+                                      <p:to>
+                                        <a:srgbClr val="D54773"/>
+                                      </p:to>
+                                    </p:animClr>
+                                    <p:set>
                                       <p:cBhvr>
-                                        <p:cTn id="170" dur="250" fill="hold"/>
+                                        <p:cTn id="170" dur="250" autoRev="1" fill="remove"/>
                                         <p:tgtEl>
                                           <p:spTgt spid="15">
                                             <p:graphicEl>
@@ -23646,25 +23887,16 @@
                                           </p:spTgt>
                                         </p:tgtEl>
                                         <p:attrNameLst>
-                                          <p:attrName>ppt_h</p:attrName>
+                                          <p:attrName>fill.type</p:attrName>
                                         </p:attrNameLst>
                                       </p:cBhvr>
-                                      <p:tavLst>
-                                        <p:tav tm="0">
-                                          <p:val>
-                                            <p:fltVal val="0"/>
-                                          </p:val>
-                                        </p:tav>
-                                        <p:tav tm="100000">
-                                          <p:val>
-                                            <p:strVal val="#ppt_h"/>
-                                          </p:val>
-                                        </p:tav>
-                                      </p:tavLst>
-                                    </p:anim>
-                                    <p:animEffect transition="in" filter="fade">
+                                      <p:to>
+                                        <p:strVal val="solid"/>
+                                      </p:to>
+                                    </p:set>
+                                    <p:set>
                                       <p:cBhvr>
-                                        <p:cTn id="171" dur="250"/>
+                                        <p:cTn id="171" dur="250" autoRev="1" fill="remove"/>
                                         <p:tgtEl>
                                           <p:spTgt spid="15">
                                             <p:graphicEl>
@@ -23672,8 +23904,14 @@
                                             </p:graphicEl>
                                           </p:spTgt>
                                         </p:tgtEl>
+                                        <p:attrNameLst>
+                                          <p:attrName>fill.on</p:attrName>
+                                        </p:attrNameLst>
                                       </p:cBhvr>
-                                    </p:animEffect>
+                                      <p:to>
+                                        <p:strVal val="true"/>
+                                      </p:to>
+                                    </p:set>
                                   </p:childTnLst>
                                 </p:cTn>
                               </p:par>
@@ -23683,22 +23921,18 @@
                         <p:par>
                           <p:cTn id="172" fill="hold">
                             <p:stCondLst>
-                              <p:cond delay="7000"/>
+                              <p:cond delay="14000"/>
                             </p:stCondLst>
                             <p:childTnLst>
                               <p:par>
-                                <p:cTn id="173" presetID="53" presetClass="entr" presetSubtype="16" fill="hold" grpId="0" nodeType="afterEffect">
+                                <p:cTn id="173" presetID="27" presetClass="emph" presetSubtype="0" fill="remove" grpId="0" nodeType="afterEffect">
                                   <p:stCondLst>
                                     <p:cond delay="0"/>
                                   </p:stCondLst>
                                   <p:childTnLst>
-                                    <p:set>
-                                      <p:cBhvr>
-                                        <p:cTn id="174" dur="1" fill="hold">
-                                          <p:stCondLst>
-                                            <p:cond delay="0"/>
-                                          </p:stCondLst>
-                                        </p:cTn>
+                                    <p:animClr clrSpc="rgb" dir="cw">
+                                      <p:cBhvr override="childStyle">
+                                        <p:cTn id="174" dur="250" autoRev="1" fill="remove"/>
                                         <p:tgtEl>
                                           <p:spTgt spid="15">
                                             <p:graphicEl>
@@ -23707,16 +23941,16 @@
                                           </p:spTgt>
                                         </p:tgtEl>
                                         <p:attrNameLst>
-                                          <p:attrName>style.visibility</p:attrName>
+                                          <p:attrName>style.color</p:attrName>
                                         </p:attrNameLst>
                                       </p:cBhvr>
                                       <p:to>
-                                        <p:strVal val="visible"/>
+                                        <a:srgbClr val="D54773"/>
                                       </p:to>
-                                    </p:set>
-                                    <p:anim calcmode="lin" valueType="num">
+                                    </p:animClr>
+                                    <p:animClr clrSpc="rgb" dir="cw">
                                       <p:cBhvr>
-                                        <p:cTn id="175" dur="250" fill="hold"/>
+                                        <p:cTn id="175" dur="250" autoRev="1" fill="remove"/>
                                         <p:tgtEl>
                                           <p:spTgt spid="15">
                                             <p:graphicEl>
@@ -23725,25 +23959,16 @@
                                           </p:spTgt>
                                         </p:tgtEl>
                                         <p:attrNameLst>
-                                          <p:attrName>ppt_w</p:attrName>
+                                          <p:attrName>fillcolor</p:attrName>
                                         </p:attrNameLst>
                                       </p:cBhvr>
-                                      <p:tavLst>
-                                        <p:tav tm="0">
-                                          <p:val>
-                                            <p:fltVal val="0"/>
-                                          </p:val>
-                                        </p:tav>
-                                        <p:tav tm="100000">
-                                          <p:val>
-                                            <p:strVal val="#ppt_w"/>
-                                          </p:val>
-                                        </p:tav>
-                                      </p:tavLst>
-                                    </p:anim>
-                                    <p:anim calcmode="lin" valueType="num">
+                                      <p:to>
+                                        <a:srgbClr val="D54773"/>
+                                      </p:to>
+                                    </p:animClr>
+                                    <p:set>
                                       <p:cBhvr>
-                                        <p:cTn id="176" dur="250" fill="hold"/>
+                                        <p:cTn id="176" dur="250" autoRev="1" fill="remove"/>
                                         <p:tgtEl>
                                           <p:spTgt spid="15">
                                             <p:graphicEl>
@@ -23752,25 +23977,16 @@
                                           </p:spTgt>
                                         </p:tgtEl>
                                         <p:attrNameLst>
-                                          <p:attrName>ppt_h</p:attrName>
+                                          <p:attrName>fill.type</p:attrName>
                                         </p:attrNameLst>
                                       </p:cBhvr>
-                                      <p:tavLst>
-                                        <p:tav tm="0">
-                                          <p:val>
-                                            <p:fltVal val="0"/>
-                                          </p:val>
-                                        </p:tav>
-                                        <p:tav tm="100000">
-                                          <p:val>
-                                            <p:strVal val="#ppt_h"/>
-                                          </p:val>
-                                        </p:tav>
-                                      </p:tavLst>
-                                    </p:anim>
-                                    <p:animEffect transition="in" filter="fade">
+                                      <p:to>
+                                        <p:strVal val="solid"/>
+                                      </p:to>
+                                    </p:set>
+                                    <p:set>
                                       <p:cBhvr>
-                                        <p:cTn id="177" dur="250"/>
+                                        <p:cTn id="177" dur="250" autoRev="1" fill="remove"/>
                                         <p:tgtEl>
                                           <p:spTgt spid="15">
                                             <p:graphicEl>
@@ -23778,8 +23994,14 @@
                                             </p:graphicEl>
                                           </p:spTgt>
                                         </p:tgtEl>
+                                        <p:attrNameLst>
+                                          <p:attrName>fill.on</p:attrName>
+                                        </p:attrNameLst>
                                       </p:cBhvr>
-                                    </p:animEffect>
+                                      <p:to>
+                                        <p:strVal val="true"/>
+                                      </p:to>
+                                    </p:set>
                                   </p:childTnLst>
                                 </p:cTn>
                               </p:par>
@@ -23789,22 +24011,18 @@
                         <p:par>
                           <p:cTn id="178" fill="hold">
                             <p:stCondLst>
-                              <p:cond delay="7250"/>
+                              <p:cond delay="14500"/>
                             </p:stCondLst>
                             <p:childTnLst>
                               <p:par>
-                                <p:cTn id="179" presetID="53" presetClass="entr" presetSubtype="16" fill="hold" grpId="0" nodeType="afterEffect">
+                                <p:cTn id="179" presetID="27" presetClass="emph" presetSubtype="0" fill="remove" grpId="0" nodeType="afterEffect">
                                   <p:stCondLst>
                                     <p:cond delay="0"/>
                                   </p:stCondLst>
                                   <p:childTnLst>
-                                    <p:set>
-                                      <p:cBhvr>
-                                        <p:cTn id="180" dur="1" fill="hold">
-                                          <p:stCondLst>
-                                            <p:cond delay="0"/>
-                                          </p:stCondLst>
-                                        </p:cTn>
+                                    <p:animClr clrSpc="rgb" dir="cw">
+                                      <p:cBhvr override="childStyle">
+                                        <p:cTn id="180" dur="250" autoRev="1" fill="remove"/>
                                         <p:tgtEl>
                                           <p:spTgt spid="15">
                                             <p:graphicEl>
@@ -23813,16 +24031,16 @@
                                           </p:spTgt>
                                         </p:tgtEl>
                                         <p:attrNameLst>
-                                          <p:attrName>style.visibility</p:attrName>
+                                          <p:attrName>style.color</p:attrName>
                                         </p:attrNameLst>
                                       </p:cBhvr>
                                       <p:to>
-                                        <p:strVal val="visible"/>
+                                        <a:srgbClr val="D54773"/>
                                       </p:to>
-                                    </p:set>
-                                    <p:anim calcmode="lin" valueType="num">
+                                    </p:animClr>
+                                    <p:animClr clrSpc="rgb" dir="cw">
                                       <p:cBhvr>
-                                        <p:cTn id="181" dur="250" fill="hold"/>
+                                        <p:cTn id="181" dur="250" autoRev="1" fill="remove"/>
                                         <p:tgtEl>
                                           <p:spTgt spid="15">
                                             <p:graphicEl>
@@ -23831,25 +24049,16 @@
                                           </p:spTgt>
                                         </p:tgtEl>
                                         <p:attrNameLst>
-                                          <p:attrName>ppt_w</p:attrName>
+                                          <p:attrName>fillcolor</p:attrName>
                                         </p:attrNameLst>
                                       </p:cBhvr>
-                                      <p:tavLst>
-                                        <p:tav tm="0">
-                                          <p:val>
-                                            <p:fltVal val="0"/>
-                                          </p:val>
-                                        </p:tav>
-                                        <p:tav tm="100000">
-                                          <p:val>
-                                            <p:strVal val="#ppt_w"/>
-                                          </p:val>
-                                        </p:tav>
-                                      </p:tavLst>
-                                    </p:anim>
-                                    <p:anim calcmode="lin" valueType="num">
+                                      <p:to>
+                                        <a:srgbClr val="D54773"/>
+                                      </p:to>
+                                    </p:animClr>
+                                    <p:set>
                                       <p:cBhvr>
-                                        <p:cTn id="182" dur="250" fill="hold"/>
+                                        <p:cTn id="182" dur="250" autoRev="1" fill="remove"/>
                                         <p:tgtEl>
                                           <p:spTgt spid="15">
                                             <p:graphicEl>
@@ -23858,25 +24067,16 @@
                                           </p:spTgt>
                                         </p:tgtEl>
                                         <p:attrNameLst>
-                                          <p:attrName>ppt_h</p:attrName>
+                                          <p:attrName>fill.type</p:attrName>
                                         </p:attrNameLst>
                                       </p:cBhvr>
-                                      <p:tavLst>
-                                        <p:tav tm="0">
-                                          <p:val>
-                                            <p:fltVal val="0"/>
-                                          </p:val>
-                                        </p:tav>
-                                        <p:tav tm="100000">
-                                          <p:val>
-                                            <p:strVal val="#ppt_h"/>
-                                          </p:val>
-                                        </p:tav>
-                                      </p:tavLst>
-                                    </p:anim>
-                                    <p:animEffect transition="in" filter="fade">
+                                      <p:to>
+                                        <p:strVal val="solid"/>
+                                      </p:to>
+                                    </p:set>
+                                    <p:set>
                                       <p:cBhvr>
-                                        <p:cTn id="183" dur="250"/>
+                                        <p:cTn id="183" dur="250" autoRev="1" fill="remove"/>
                                         <p:tgtEl>
                                           <p:spTgt spid="15">
                                             <p:graphicEl>
@@ -23884,8 +24084,14 @@
                                             </p:graphicEl>
                                           </p:spTgt>
                                         </p:tgtEl>
+                                        <p:attrNameLst>
+                                          <p:attrName>fill.on</p:attrName>
+                                        </p:attrNameLst>
                                       </p:cBhvr>
-                                    </p:animEffect>
+                                      <p:to>
+                                        <p:strVal val="true"/>
+                                      </p:to>
+                                    </p:set>
                                   </p:childTnLst>
                                 </p:cTn>
                               </p:par>
@@ -23895,22 +24101,18 @@
                         <p:par>
                           <p:cTn id="184" fill="hold">
                             <p:stCondLst>
-                              <p:cond delay="7500"/>
+                              <p:cond delay="15000"/>
                             </p:stCondLst>
                             <p:childTnLst>
                               <p:par>
-                                <p:cTn id="185" presetID="53" presetClass="entr" presetSubtype="16" fill="hold" grpId="0" nodeType="afterEffect">
+                                <p:cTn id="185" presetID="27" presetClass="emph" presetSubtype="0" fill="remove" grpId="0" nodeType="afterEffect">
                                   <p:stCondLst>
                                     <p:cond delay="0"/>
                                   </p:stCondLst>
                                   <p:childTnLst>
-                                    <p:set>
-                                      <p:cBhvr>
-                                        <p:cTn id="186" dur="1" fill="hold">
-                                          <p:stCondLst>
-                                            <p:cond delay="0"/>
-                                          </p:stCondLst>
-                                        </p:cTn>
+                                    <p:animClr clrSpc="rgb" dir="cw">
+                                      <p:cBhvr override="childStyle">
+                                        <p:cTn id="186" dur="250" autoRev="1" fill="remove"/>
                                         <p:tgtEl>
                                           <p:spTgt spid="15">
                                             <p:graphicEl>
@@ -23919,16 +24121,16 @@
                                           </p:spTgt>
                                         </p:tgtEl>
                                         <p:attrNameLst>
-                                          <p:attrName>style.visibility</p:attrName>
+                                          <p:attrName>style.color</p:attrName>
                                         </p:attrNameLst>
                                       </p:cBhvr>
                                       <p:to>
-                                        <p:strVal val="visible"/>
+                                        <a:srgbClr val="D54773"/>
                                       </p:to>
-                                    </p:set>
-                                    <p:anim calcmode="lin" valueType="num">
+                                    </p:animClr>
+                                    <p:animClr clrSpc="rgb" dir="cw">
                                       <p:cBhvr>
-                                        <p:cTn id="187" dur="250" fill="hold"/>
+                                        <p:cTn id="187" dur="250" autoRev="1" fill="remove"/>
                                         <p:tgtEl>
                                           <p:spTgt spid="15">
                                             <p:graphicEl>
@@ -23937,25 +24139,16 @@
                                           </p:spTgt>
                                         </p:tgtEl>
                                         <p:attrNameLst>
-                                          <p:attrName>ppt_w</p:attrName>
+                                          <p:attrName>fillcolor</p:attrName>
                                         </p:attrNameLst>
                                       </p:cBhvr>
-                                      <p:tavLst>
-                                        <p:tav tm="0">
-                                          <p:val>
-                                            <p:fltVal val="0"/>
-                                          </p:val>
-                                        </p:tav>
-                                        <p:tav tm="100000">
-                                          <p:val>
-                                            <p:strVal val="#ppt_w"/>
-                                          </p:val>
-                                        </p:tav>
-                                      </p:tavLst>
-                                    </p:anim>
-                                    <p:anim calcmode="lin" valueType="num">
+                                      <p:to>
+                                        <a:srgbClr val="D54773"/>
+                                      </p:to>
+                                    </p:animClr>
+                                    <p:set>
                                       <p:cBhvr>
-                                        <p:cTn id="188" dur="250" fill="hold"/>
+                                        <p:cTn id="188" dur="250" autoRev="1" fill="remove"/>
                                         <p:tgtEl>
                                           <p:spTgt spid="15">
                                             <p:graphicEl>
@@ -23964,25 +24157,16 @@
                                           </p:spTgt>
                                         </p:tgtEl>
                                         <p:attrNameLst>
-                                          <p:attrName>ppt_h</p:attrName>
+                                          <p:attrName>fill.type</p:attrName>
                                         </p:attrNameLst>
                                       </p:cBhvr>
-                                      <p:tavLst>
-                                        <p:tav tm="0">
-                                          <p:val>
-                                            <p:fltVal val="0"/>
-                                          </p:val>
-                                        </p:tav>
-                                        <p:tav tm="100000">
-                                          <p:val>
-                                            <p:strVal val="#ppt_h"/>
-                                          </p:val>
-                                        </p:tav>
-                                      </p:tavLst>
-                                    </p:anim>
-                                    <p:animEffect transition="in" filter="fade">
+                                      <p:to>
+                                        <p:strVal val="solid"/>
+                                      </p:to>
+                                    </p:set>
+                                    <p:set>
                                       <p:cBhvr>
-                                        <p:cTn id="189" dur="250"/>
+                                        <p:cTn id="189" dur="250" autoRev="1" fill="remove"/>
                                         <p:tgtEl>
                                           <p:spTgt spid="15">
                                             <p:graphicEl>
@@ -23990,8 +24174,14 @@
                                             </p:graphicEl>
                                           </p:spTgt>
                                         </p:tgtEl>
+                                        <p:attrNameLst>
+                                          <p:attrName>fill.on</p:attrName>
+                                        </p:attrNameLst>
                                       </p:cBhvr>
-                                    </p:animEffect>
+                                      <p:to>
+                                        <p:strVal val="true"/>
+                                      </p:to>
+                                    </p:set>
                                   </p:childTnLst>
                                 </p:cTn>
                               </p:par>
@@ -24001,22 +24191,18 @@
                         <p:par>
                           <p:cTn id="190" fill="hold">
                             <p:stCondLst>
-                              <p:cond delay="7750"/>
+                              <p:cond delay="15500"/>
                             </p:stCondLst>
                             <p:childTnLst>
                               <p:par>
-                                <p:cTn id="191" presetID="53" presetClass="entr" presetSubtype="16" fill="hold" grpId="0" nodeType="afterEffect">
+                                <p:cTn id="191" presetID="27" presetClass="emph" presetSubtype="0" fill="remove" grpId="0" nodeType="afterEffect">
                                   <p:stCondLst>
                                     <p:cond delay="0"/>
                                   </p:stCondLst>
                                   <p:childTnLst>
-                                    <p:set>
-                                      <p:cBhvr>
-                                        <p:cTn id="192" dur="1" fill="hold">
-                                          <p:stCondLst>
-                                            <p:cond delay="0"/>
-                                          </p:stCondLst>
-                                        </p:cTn>
+                                    <p:animClr clrSpc="rgb" dir="cw">
+                                      <p:cBhvr override="childStyle">
+                                        <p:cTn id="192" dur="250" autoRev="1" fill="remove"/>
                                         <p:tgtEl>
                                           <p:spTgt spid="15">
                                             <p:graphicEl>
@@ -24025,16 +24211,16 @@
                                           </p:spTgt>
                                         </p:tgtEl>
                                         <p:attrNameLst>
-                                          <p:attrName>style.visibility</p:attrName>
+                                          <p:attrName>style.color</p:attrName>
                                         </p:attrNameLst>
                                       </p:cBhvr>
                                       <p:to>
-                                        <p:strVal val="visible"/>
+                                        <a:srgbClr val="D54773"/>
                                       </p:to>
-                                    </p:set>
-                                    <p:anim calcmode="lin" valueType="num">
+                                    </p:animClr>
+                                    <p:animClr clrSpc="rgb" dir="cw">
                                       <p:cBhvr>
-                                        <p:cTn id="193" dur="250" fill="hold"/>
+                                        <p:cTn id="193" dur="250" autoRev="1" fill="remove"/>
                                         <p:tgtEl>
                                           <p:spTgt spid="15">
                                             <p:graphicEl>
@@ -24043,25 +24229,16 @@
                                           </p:spTgt>
                                         </p:tgtEl>
                                         <p:attrNameLst>
-                                          <p:attrName>ppt_w</p:attrName>
+                                          <p:attrName>fillcolor</p:attrName>
                                         </p:attrNameLst>
                                       </p:cBhvr>
-                                      <p:tavLst>
-                                        <p:tav tm="0">
-                                          <p:val>
-                                            <p:fltVal val="0"/>
-                                          </p:val>
-                                        </p:tav>
-                                        <p:tav tm="100000">
-                                          <p:val>
-                                            <p:strVal val="#ppt_w"/>
-                                          </p:val>
-                                        </p:tav>
-                                      </p:tavLst>
-                                    </p:anim>
-                                    <p:anim calcmode="lin" valueType="num">
+                                      <p:to>
+                                        <a:srgbClr val="D54773"/>
+                                      </p:to>
+                                    </p:animClr>
+                                    <p:set>
                                       <p:cBhvr>
-                                        <p:cTn id="194" dur="250" fill="hold"/>
+                                        <p:cTn id="194" dur="250" autoRev="1" fill="remove"/>
                                         <p:tgtEl>
                                           <p:spTgt spid="15">
                                             <p:graphicEl>
@@ -24070,25 +24247,16 @@
                                           </p:spTgt>
                                         </p:tgtEl>
                                         <p:attrNameLst>
-                                          <p:attrName>ppt_h</p:attrName>
+                                          <p:attrName>fill.type</p:attrName>
                                         </p:attrNameLst>
                                       </p:cBhvr>
-                                      <p:tavLst>
-                                        <p:tav tm="0">
-                                          <p:val>
-                                            <p:fltVal val="0"/>
-                                          </p:val>
-                                        </p:tav>
-                                        <p:tav tm="100000">
-                                          <p:val>
-                                            <p:strVal val="#ppt_h"/>
-                                          </p:val>
-                                        </p:tav>
-                                      </p:tavLst>
-                                    </p:anim>
-                                    <p:animEffect transition="in" filter="fade">
+                                      <p:to>
+                                        <p:strVal val="solid"/>
+                                      </p:to>
+                                    </p:set>
+                                    <p:set>
                                       <p:cBhvr>
-                                        <p:cTn id="195" dur="250"/>
+                                        <p:cTn id="195" dur="250" autoRev="1" fill="remove"/>
                                         <p:tgtEl>
                                           <p:spTgt spid="15">
                                             <p:graphicEl>
@@ -24096,8 +24264,14 @@
                                             </p:graphicEl>
                                           </p:spTgt>
                                         </p:tgtEl>
+                                        <p:attrNameLst>
+                                          <p:attrName>fill.on</p:attrName>
+                                        </p:attrNameLst>
                                       </p:cBhvr>
-                                    </p:animEffect>
+                                      <p:to>
+                                        <p:strVal val="true"/>
+                                      </p:to>
+                                    </p:set>
                                   </p:childTnLst>
                                 </p:cTn>
                               </p:par>
@@ -24107,22 +24281,18 @@
                         <p:par>
                           <p:cTn id="196" fill="hold">
                             <p:stCondLst>
-                              <p:cond delay="8000"/>
+                              <p:cond delay="16000"/>
                             </p:stCondLst>
                             <p:childTnLst>
                               <p:par>
-                                <p:cTn id="197" presetID="53" presetClass="entr" presetSubtype="16" fill="hold" grpId="0" nodeType="afterEffect">
+                                <p:cTn id="197" presetID="27" presetClass="emph" presetSubtype="0" fill="remove" grpId="0" nodeType="afterEffect">
                                   <p:stCondLst>
                                     <p:cond delay="0"/>
                                   </p:stCondLst>
                                   <p:childTnLst>
-                                    <p:set>
-                                      <p:cBhvr>
-                                        <p:cTn id="198" dur="1" fill="hold">
-                                          <p:stCondLst>
-                                            <p:cond delay="0"/>
-                                          </p:stCondLst>
-                                        </p:cTn>
+                                    <p:animClr clrSpc="rgb" dir="cw">
+                                      <p:cBhvr override="childStyle">
+                                        <p:cTn id="198" dur="250" autoRev="1" fill="remove"/>
                                         <p:tgtEl>
                                           <p:spTgt spid="15">
                                             <p:graphicEl>
@@ -24131,16 +24301,16 @@
                                           </p:spTgt>
                                         </p:tgtEl>
                                         <p:attrNameLst>
-                                          <p:attrName>style.visibility</p:attrName>
+                                          <p:attrName>style.color</p:attrName>
                                         </p:attrNameLst>
                                       </p:cBhvr>
                                       <p:to>
-                                        <p:strVal val="visible"/>
+                                        <a:srgbClr val="D54773"/>
                                       </p:to>
-                                    </p:set>
-                                    <p:anim calcmode="lin" valueType="num">
+                                    </p:animClr>
+                                    <p:animClr clrSpc="rgb" dir="cw">
                                       <p:cBhvr>
-                                        <p:cTn id="199" dur="250" fill="hold"/>
+                                        <p:cTn id="199" dur="250" autoRev="1" fill="remove"/>
                                         <p:tgtEl>
                                           <p:spTgt spid="15">
                                             <p:graphicEl>
@@ -24149,25 +24319,16 @@
                                           </p:spTgt>
                                         </p:tgtEl>
                                         <p:attrNameLst>
-                                          <p:attrName>ppt_w</p:attrName>
+                                          <p:attrName>fillcolor</p:attrName>
                                         </p:attrNameLst>
                                       </p:cBhvr>
-                                      <p:tavLst>
-                                        <p:tav tm="0">
-                                          <p:val>
-                                            <p:fltVal val="0"/>
-                                          </p:val>
-                                        </p:tav>
-                                        <p:tav tm="100000">
-                                          <p:val>
-                                            <p:strVal val="#ppt_w"/>
-                                          </p:val>
-                                        </p:tav>
-                                      </p:tavLst>
-                                    </p:anim>
-                                    <p:anim calcmode="lin" valueType="num">
+                                      <p:to>
+                                        <a:srgbClr val="D54773"/>
+                                      </p:to>
+                                    </p:animClr>
+                                    <p:set>
                                       <p:cBhvr>
-                                        <p:cTn id="200" dur="250" fill="hold"/>
+                                        <p:cTn id="200" dur="250" autoRev="1" fill="remove"/>
                                         <p:tgtEl>
                                           <p:spTgt spid="15">
                                             <p:graphicEl>
@@ -24176,25 +24337,16 @@
                                           </p:spTgt>
                                         </p:tgtEl>
                                         <p:attrNameLst>
-                                          <p:attrName>ppt_h</p:attrName>
+                                          <p:attrName>fill.type</p:attrName>
                                         </p:attrNameLst>
                                       </p:cBhvr>
-                                      <p:tavLst>
-                                        <p:tav tm="0">
-                                          <p:val>
-                                            <p:fltVal val="0"/>
-                                          </p:val>
-                                        </p:tav>
-                                        <p:tav tm="100000">
-                                          <p:val>
-                                            <p:strVal val="#ppt_h"/>
-                                          </p:val>
-                                        </p:tav>
-                                      </p:tavLst>
-                                    </p:anim>
-                                    <p:animEffect transition="in" filter="fade">
+                                      <p:to>
+                                        <p:strVal val="solid"/>
+                                      </p:to>
+                                    </p:set>
+                                    <p:set>
                                       <p:cBhvr>
-                                        <p:cTn id="201" dur="250"/>
+                                        <p:cTn id="201" dur="250" autoRev="1" fill="remove"/>
                                         <p:tgtEl>
                                           <p:spTgt spid="15">
                                             <p:graphicEl>
@@ -24202,8 +24354,14 @@
                                             </p:graphicEl>
                                           </p:spTgt>
                                         </p:tgtEl>
+                                        <p:attrNameLst>
+                                          <p:attrName>fill.on</p:attrName>
+                                        </p:attrNameLst>
                                       </p:cBhvr>
-                                    </p:animEffect>
+                                      <p:to>
+                                        <p:strVal val="true"/>
+                                      </p:to>
+                                    </p:set>
                                   </p:childTnLst>
                                 </p:cTn>
                               </p:par>
@@ -24213,22 +24371,18 @@
                         <p:par>
                           <p:cTn id="202" fill="hold">
                             <p:stCondLst>
-                              <p:cond delay="8250"/>
+                              <p:cond delay="16500"/>
                             </p:stCondLst>
                             <p:childTnLst>
                               <p:par>
-                                <p:cTn id="203" presetID="53" presetClass="entr" presetSubtype="16" fill="hold" grpId="0" nodeType="afterEffect">
+                                <p:cTn id="203" presetID="27" presetClass="emph" presetSubtype="0" fill="remove" grpId="0" nodeType="afterEffect">
                                   <p:stCondLst>
                                     <p:cond delay="0"/>
                                   </p:stCondLst>
                                   <p:childTnLst>
-                                    <p:set>
-                                      <p:cBhvr>
-                                        <p:cTn id="204" dur="1" fill="hold">
-                                          <p:stCondLst>
-                                            <p:cond delay="0"/>
-                                          </p:stCondLst>
-                                        </p:cTn>
+                                    <p:animClr clrSpc="rgb" dir="cw">
+                                      <p:cBhvr override="childStyle">
+                                        <p:cTn id="204" dur="250" autoRev="1" fill="remove"/>
                                         <p:tgtEl>
                                           <p:spTgt spid="15">
                                             <p:graphicEl>
@@ -24237,16 +24391,16 @@
                                           </p:spTgt>
                                         </p:tgtEl>
                                         <p:attrNameLst>
-                                          <p:attrName>style.visibility</p:attrName>
+                                          <p:attrName>style.color</p:attrName>
                                         </p:attrNameLst>
                                       </p:cBhvr>
                                       <p:to>
-                                        <p:strVal val="visible"/>
+                                        <a:srgbClr val="D54773"/>
                                       </p:to>
-                                    </p:set>
-                                    <p:anim calcmode="lin" valueType="num">
+                                    </p:animClr>
+                                    <p:animClr clrSpc="rgb" dir="cw">
                                       <p:cBhvr>
-                                        <p:cTn id="205" dur="250" fill="hold"/>
+                                        <p:cTn id="205" dur="250" autoRev="1" fill="remove"/>
                                         <p:tgtEl>
                                           <p:spTgt spid="15">
                                             <p:graphicEl>
@@ -24255,25 +24409,16 @@
                                           </p:spTgt>
                                         </p:tgtEl>
                                         <p:attrNameLst>
-                                          <p:attrName>ppt_w</p:attrName>
+                                          <p:attrName>fillcolor</p:attrName>
                                         </p:attrNameLst>
                                       </p:cBhvr>
-                                      <p:tavLst>
-                                        <p:tav tm="0">
-                                          <p:val>
-                                            <p:fltVal val="0"/>
-                                          </p:val>
-                                        </p:tav>
-                                        <p:tav tm="100000">
-                                          <p:val>
-                                            <p:strVal val="#ppt_w"/>
-                                          </p:val>
-                                        </p:tav>
-                                      </p:tavLst>
-                                    </p:anim>
-                                    <p:anim calcmode="lin" valueType="num">
+                                      <p:to>
+                                        <a:srgbClr val="D54773"/>
+                                      </p:to>
+                                    </p:animClr>
+                                    <p:set>
                                       <p:cBhvr>
-                                        <p:cTn id="206" dur="250" fill="hold"/>
+                                        <p:cTn id="206" dur="250" autoRev="1" fill="remove"/>
                                         <p:tgtEl>
                                           <p:spTgt spid="15">
                                             <p:graphicEl>
@@ -24282,25 +24427,16 @@
                                           </p:spTgt>
                                         </p:tgtEl>
                                         <p:attrNameLst>
-                                          <p:attrName>ppt_h</p:attrName>
+                                          <p:attrName>fill.type</p:attrName>
                                         </p:attrNameLst>
                                       </p:cBhvr>
-                                      <p:tavLst>
-                                        <p:tav tm="0">
-                                          <p:val>
-                                            <p:fltVal val="0"/>
-                                          </p:val>
-                                        </p:tav>
-                                        <p:tav tm="100000">
-                                          <p:val>
-                                            <p:strVal val="#ppt_h"/>
-                                          </p:val>
-                                        </p:tav>
-                                      </p:tavLst>
-                                    </p:anim>
-                                    <p:animEffect transition="in" filter="fade">
+                                      <p:to>
+                                        <p:strVal val="solid"/>
+                                      </p:to>
+                                    </p:set>
+                                    <p:set>
                                       <p:cBhvr>
-                                        <p:cTn id="207" dur="250"/>
+                                        <p:cTn id="207" dur="250" autoRev="1" fill="remove"/>
                                         <p:tgtEl>
                                           <p:spTgt spid="15">
                                             <p:graphicEl>
@@ -24308,8 +24444,14 @@
                                             </p:graphicEl>
                                           </p:spTgt>
                                         </p:tgtEl>
+                                        <p:attrNameLst>
+                                          <p:attrName>fill.on</p:attrName>
+                                        </p:attrNameLst>
                                       </p:cBhvr>
-                                    </p:animEffect>
+                                      <p:to>
+                                        <p:strVal val="true"/>
+                                      </p:to>
+                                    </p:set>
                                   </p:childTnLst>
                                 </p:cTn>
                               </p:par>
@@ -24319,22 +24461,18 @@
                         <p:par>
                           <p:cTn id="208" fill="hold">
                             <p:stCondLst>
-                              <p:cond delay="8500"/>
+                              <p:cond delay="17000"/>
                             </p:stCondLst>
                             <p:childTnLst>
                               <p:par>
-                                <p:cTn id="209" presetID="53" presetClass="entr" presetSubtype="16" fill="hold" grpId="0" nodeType="afterEffect">
+                                <p:cTn id="209" presetID="27" presetClass="emph" presetSubtype="0" fill="remove" grpId="0" nodeType="afterEffect">
                                   <p:stCondLst>
                                     <p:cond delay="0"/>
                                   </p:stCondLst>
                                   <p:childTnLst>
-                                    <p:set>
-                                      <p:cBhvr>
-                                        <p:cTn id="210" dur="1" fill="hold">
-                                          <p:stCondLst>
-                                            <p:cond delay="0"/>
-                                          </p:stCondLst>
-                                        </p:cTn>
+                                    <p:animClr clrSpc="rgb" dir="cw">
+                                      <p:cBhvr override="childStyle">
+                                        <p:cTn id="210" dur="250" autoRev="1" fill="remove"/>
                                         <p:tgtEl>
                                           <p:spTgt spid="15">
                                             <p:graphicEl>
@@ -24343,16 +24481,16 @@
                                           </p:spTgt>
                                         </p:tgtEl>
                                         <p:attrNameLst>
-                                          <p:attrName>style.visibility</p:attrName>
+                                          <p:attrName>style.color</p:attrName>
                                         </p:attrNameLst>
                                       </p:cBhvr>
                                       <p:to>
-                                        <p:strVal val="visible"/>
+                                        <a:srgbClr val="D54773"/>
                                       </p:to>
-                                    </p:set>
-                                    <p:anim calcmode="lin" valueType="num">
+                                    </p:animClr>
+                                    <p:animClr clrSpc="rgb" dir="cw">
                                       <p:cBhvr>
-                                        <p:cTn id="211" dur="250" fill="hold"/>
+                                        <p:cTn id="211" dur="250" autoRev="1" fill="remove"/>
                                         <p:tgtEl>
                                           <p:spTgt spid="15">
                                             <p:graphicEl>
@@ -24361,25 +24499,16 @@
                                           </p:spTgt>
                                         </p:tgtEl>
                                         <p:attrNameLst>
-                                          <p:attrName>ppt_w</p:attrName>
+                                          <p:attrName>fillcolor</p:attrName>
                                         </p:attrNameLst>
                                       </p:cBhvr>
-                                      <p:tavLst>
-                                        <p:tav tm="0">
-                                          <p:val>
-                                            <p:fltVal val="0"/>
-                                          </p:val>
-                                        </p:tav>
-                                        <p:tav tm="100000">
-                                          <p:val>
-                                            <p:strVal val="#ppt_w"/>
-                                          </p:val>
-                                        </p:tav>
-                                      </p:tavLst>
-                                    </p:anim>
-                                    <p:anim calcmode="lin" valueType="num">
+                                      <p:to>
+                                        <a:srgbClr val="D54773"/>
+                                      </p:to>
+                                    </p:animClr>
+                                    <p:set>
                                       <p:cBhvr>
-                                        <p:cTn id="212" dur="250" fill="hold"/>
+                                        <p:cTn id="212" dur="250" autoRev="1" fill="remove"/>
                                         <p:tgtEl>
                                           <p:spTgt spid="15">
                                             <p:graphicEl>
@@ -24388,25 +24517,16 @@
                                           </p:spTgt>
                                         </p:tgtEl>
                                         <p:attrNameLst>
-                                          <p:attrName>ppt_h</p:attrName>
+                                          <p:attrName>fill.type</p:attrName>
                                         </p:attrNameLst>
                                       </p:cBhvr>
-                                      <p:tavLst>
-                                        <p:tav tm="0">
-                                          <p:val>
-                                            <p:fltVal val="0"/>
-                                          </p:val>
-                                        </p:tav>
-                                        <p:tav tm="100000">
-                                          <p:val>
-                                            <p:strVal val="#ppt_h"/>
-                                          </p:val>
-                                        </p:tav>
-                                      </p:tavLst>
-                                    </p:anim>
-                                    <p:animEffect transition="in" filter="fade">
+                                      <p:to>
+                                        <p:strVal val="solid"/>
+                                      </p:to>
+                                    </p:set>
+                                    <p:set>
                                       <p:cBhvr>
-                                        <p:cTn id="213" dur="250"/>
+                                        <p:cTn id="213" dur="250" autoRev="1" fill="remove"/>
                                         <p:tgtEl>
                                           <p:spTgt spid="15">
                                             <p:graphicEl>
@@ -24414,8 +24534,14 @@
                                             </p:graphicEl>
                                           </p:spTgt>
                                         </p:tgtEl>
+                                        <p:attrNameLst>
+                                          <p:attrName>fill.on</p:attrName>
+                                        </p:attrNameLst>
                                       </p:cBhvr>
-                                    </p:animEffect>
+                                      <p:to>
+                                        <p:strVal val="true"/>
+                                      </p:to>
+                                    </p:set>
                                   </p:childTnLst>
                                 </p:cTn>
                               </p:par>
@@ -24479,7 +24605,7 @@
           <p:cNvPr id="2" name="Title 1">
             <a:extLst>
               <a:ext uri="{FF2B5EF4-FFF2-40B4-BE49-F238E27FC236}">
-                <a16:creationId xmlns:a16="http://schemas.microsoft.com/office/drawing/2014/main" id="{E6206EEC-326E-44DB-AB86-A5680D5E7517}"/>
+                <a16:creationId xmlns:a16="http://schemas.microsoft.com/office/drawing/2014/main" id="{A55E623B-4760-4F62-AB7A-4FB209399CE6}"/>
               </a:ext>
             </a:extLst>
           </p:cNvPr>
@@ -24497,7 +24623,7 @@
           <a:p>
             <a:r>
               <a:rPr lang="fa-IR" dirty="0"/>
-              <a:t>اعتبارسنجی بازار</a:t>
+              <a:t>حجم بازار</a:t>
             </a:r>
             <a:endParaRPr lang="en-US" dirty="0"/>
           </a:p>
@@ -24505,84 +24631,10 @@
       </p:sp>
       <p:sp>
         <p:nvSpPr>
-          <p:cNvPr id="5" name="Text Placeholder 4">
+          <p:cNvPr id="9" name="TextBox 8">
             <a:extLst>
               <a:ext uri="{FF2B5EF4-FFF2-40B4-BE49-F238E27FC236}">
-                <a16:creationId xmlns:a16="http://schemas.microsoft.com/office/drawing/2014/main" id="{CF30A177-926F-4796-98AB-AF8006834852}"/>
-              </a:ext>
-            </a:extLst>
-          </p:cNvPr>
-          <p:cNvSpPr>
-            <a:spLocks noGrp="1"/>
-          </p:cNvSpPr>
-          <p:nvPr>
-            <p:ph type="body" sz="quarter" idx="12"/>
-          </p:nvPr>
-        </p:nvSpPr>
-        <p:spPr/>
-        <p:txBody>
-          <a:bodyPr>
-            <a:normAutofit/>
-          </a:bodyPr>
-          <a:lstStyle/>
-          <a:p>
-            <a:r>
-              <a:rPr lang="fa-IR" b="1" dirty="0"/>
-              <a:t>پلتفرم‌های تجارت الکترونیک</a:t>
-            </a:r>
-            <a:r>
-              <a:rPr lang="fa-IR" dirty="0"/>
-              <a:t> بازاری ۷ میلیارد دلاری با پیش‌بینی رشد متوسط 14.2</a:t>
-            </a:r>
-            <a:r>
-              <a:rPr lang="en-US" dirty="0"/>
-              <a:t>%</a:t>
-            </a:r>
-            <a:r>
-              <a:rPr lang="fa-IR" dirty="0"/>
-              <a:t> سالیانه</a:t>
-            </a:r>
-            <a:endParaRPr lang="en-US" dirty="0"/>
-          </a:p>
-        </p:txBody>
-      </p:sp>
-      <p:graphicFrame>
-        <p:nvGraphicFramePr>
-          <p:cNvPr id="7" name="Content Placeholder 6">
-            <a:extLst>
-              <a:ext uri="{FF2B5EF4-FFF2-40B4-BE49-F238E27FC236}">
-                <a16:creationId xmlns:a16="http://schemas.microsoft.com/office/drawing/2014/main" id="{33C7DB05-BE11-44D4-A8CD-23C6CE6CC76D}"/>
-              </a:ext>
-            </a:extLst>
-          </p:cNvPr>
-          <p:cNvGraphicFramePr>
-            <a:graphicFrameLocks noGrp="1"/>
-          </p:cNvGraphicFramePr>
-          <p:nvPr>
-            <p:ph idx="1"/>
-            <p:extLst>
-              <p:ext uri="{D42A27DB-BD31-4B8C-83A1-F6EECF244321}">
-                <p14:modId xmlns:p14="http://schemas.microsoft.com/office/powerpoint/2010/main" val="739063099"/>
-              </p:ext>
-            </p:extLst>
-          </p:nvPr>
-        </p:nvGraphicFramePr>
-        <p:xfrm>
-          <a:off x="1068388" y="1871663"/>
-          <a:ext cx="10080625" cy="4264025"/>
-        </p:xfrm>
-        <a:graphic>
-          <a:graphicData uri="http://schemas.openxmlformats.org/drawingml/2006/chart">
-            <c:chart xmlns:c="http://schemas.openxmlformats.org/drawingml/2006/chart" xmlns:r="http://schemas.openxmlformats.org/officeDocument/2006/relationships" r:id="rId3"/>
-          </a:graphicData>
-        </a:graphic>
-      </p:graphicFrame>
-      <p:sp>
-        <p:nvSpPr>
-          <p:cNvPr id="8" name="TextBox 7">
-            <a:extLst>
-              <a:ext uri="{FF2B5EF4-FFF2-40B4-BE49-F238E27FC236}">
-                <a16:creationId xmlns:a16="http://schemas.microsoft.com/office/drawing/2014/main" id="{39FB0D87-BF28-4E8D-B2A6-3375835823F0}"/>
+                <a16:creationId xmlns:a16="http://schemas.microsoft.com/office/drawing/2014/main" id="{6845C9BF-008A-4294-955D-DC951850BD5D}"/>
               </a:ext>
             </a:extLst>
           </p:cNvPr>
@@ -24591,7 +24643,7 @@
         </p:nvSpPr>
         <p:spPr>
           <a:xfrm>
-            <a:off x="2928026" y="6135688"/>
+            <a:off x="2928026" y="6232965"/>
             <a:ext cx="8209025" cy="246221"/>
           </a:xfrm>
           <a:prstGeom prst="rect">
@@ -24615,7 +24667,7 @@
                 <a:solidFill>
                   <a:srgbClr val="002060"/>
                 </a:solidFill>
-                <a:hlinkClick r:id="rId4">
+                <a:hlinkClick r:id="rId2">
                   <a:extLst>
                     <a:ext uri="{A12FA001-AC4F-418D-AE19-62706E023703}">
                       <ahyp:hlinkClr xmlns:ahyp="http://schemas.microsoft.com/office/drawing/2018/hyperlinkcolor" val="tx"/>
@@ -24641,10 +24693,72 @@
           </a:p>
         </p:txBody>
       </p:sp>
+      <p:graphicFrame>
+        <p:nvGraphicFramePr>
+          <p:cNvPr id="13" name="Content Placeholder 5">
+            <a:extLst>
+              <a:ext uri="{FF2B5EF4-FFF2-40B4-BE49-F238E27FC236}">
+                <a16:creationId xmlns:a16="http://schemas.microsoft.com/office/drawing/2014/main" id="{7AB7DD0F-9C54-4202-AA1C-59FAA526C403}"/>
+              </a:ext>
+            </a:extLst>
+          </p:cNvPr>
+          <p:cNvGraphicFramePr>
+            <a:graphicFrameLocks noGrp="1"/>
+          </p:cNvGraphicFramePr>
+          <p:nvPr>
+            <p:ph sz="half" idx="2"/>
+            <p:extLst>
+              <p:ext uri="{D42A27DB-BD31-4B8C-83A1-F6EECF244321}">
+                <p14:modId xmlns:p14="http://schemas.microsoft.com/office/powerpoint/2010/main" val="3447081671"/>
+              </p:ext>
+            </p:extLst>
+          </p:nvPr>
+        </p:nvGraphicFramePr>
+        <p:xfrm>
+          <a:off x="6267450" y="1568450"/>
+          <a:ext cx="4867275" cy="4511675"/>
+        </p:xfrm>
+        <a:graphic>
+          <a:graphicData uri="http://schemas.openxmlformats.org/drawingml/2006/diagram">
+            <dgm:relIds xmlns:dgm="http://schemas.openxmlformats.org/drawingml/2006/diagram" xmlns:r="http://schemas.openxmlformats.org/officeDocument/2006/relationships" r:dm="rId3" r:lo="rId4" r:qs="rId5" r:cs="rId6"/>
+          </a:graphicData>
+        </a:graphic>
+      </p:graphicFrame>
+      <p:graphicFrame>
+        <p:nvGraphicFramePr>
+          <p:cNvPr id="14" name="Content Placeholder 6">
+            <a:extLst>
+              <a:ext uri="{FF2B5EF4-FFF2-40B4-BE49-F238E27FC236}">
+                <a16:creationId xmlns:a16="http://schemas.microsoft.com/office/drawing/2014/main" id="{F75925B3-0017-4E4E-B04A-E6F7F30555AA}"/>
+              </a:ext>
+            </a:extLst>
+          </p:cNvPr>
+          <p:cNvGraphicFramePr>
+            <a:graphicFrameLocks noGrp="1"/>
+          </p:cNvGraphicFramePr>
+          <p:nvPr>
+            <p:ph sz="half" idx="1"/>
+            <p:extLst>
+              <p:ext uri="{D42A27DB-BD31-4B8C-83A1-F6EECF244321}">
+                <p14:modId xmlns:p14="http://schemas.microsoft.com/office/powerpoint/2010/main" val="428910812"/>
+              </p:ext>
+            </p:extLst>
+          </p:nvPr>
+        </p:nvGraphicFramePr>
+        <p:xfrm>
+          <a:off x="1057275" y="1568450"/>
+          <a:ext cx="4840288" cy="4511675"/>
+        </p:xfrm>
+        <a:graphic>
+          <a:graphicData uri="http://schemas.openxmlformats.org/drawingml/2006/chart">
+            <c:chart xmlns:c="http://schemas.openxmlformats.org/drawingml/2006/chart" xmlns:r="http://schemas.openxmlformats.org/officeDocument/2006/relationships" r:id="rId8"/>
+          </a:graphicData>
+        </a:graphic>
+      </p:graphicFrame>
     </p:spTree>
     <p:extLst>
       <p:ext uri="{BB962C8B-B14F-4D97-AF65-F5344CB8AC3E}">
-        <p14:creationId xmlns:p14="http://schemas.microsoft.com/office/powerpoint/2010/main" val="3322250093"/>
+        <p14:creationId xmlns:p14="http://schemas.microsoft.com/office/powerpoint/2010/main" val="1448984731"/>
       </p:ext>
     </p:extLst>
   </p:cSld>
@@ -24683,7 +24797,7 @@
                         <p:par>
                           <p:cTn id="4" fill="hold">
                             <p:stCondLst>
-                              <p:cond delay="0"/>
+                              <p:cond delay="2000"/>
                             </p:stCondLst>
                             <p:childTnLst>
                               <p:par>
@@ -24700,7 +24814,7 @@
                                           </p:stCondLst>
                                         </p:cTn>
                                         <p:tgtEl>
-                                          <p:spTgt spid="7">
+                                          <p:spTgt spid="14">
                                             <p:graphicEl>
                                               <a:chart seriesIdx="-3" categoryIdx="-3" bldStep="gridLegend"/>
                                             </p:graphicEl>
@@ -24718,7 +24832,7 @@
                                       <p:cBhvr>
                                         <p:cTn id="7" dur="100"/>
                                         <p:tgtEl>
-                                          <p:spTgt spid="7">
+                                          <p:spTgt spid="14">
                                             <p:graphicEl>
                                               <a:chart seriesIdx="-3" categoryIdx="-3" bldStep="gridLegend"/>
                                             </p:graphicEl>
@@ -24735,7 +24849,7 @@
                         <p:par>
                           <p:cTn id="8" fill="hold">
                             <p:stCondLst>
-                              <p:cond delay="100"/>
+                              <p:cond delay="2100"/>
                             </p:stCondLst>
                             <p:childTnLst>
                               <p:par>
@@ -24752,7 +24866,7 @@
                                           </p:stCondLst>
                                         </p:cTn>
                                         <p:tgtEl>
-                                          <p:spTgt spid="7">
+                                          <p:spTgt spid="14">
                                             <p:graphicEl>
                                               <a:chart seriesIdx="-4" categoryIdx="0" bldStep="category"/>
                                             </p:graphicEl>
@@ -24770,7 +24884,7 @@
                                       <p:cBhvr>
                                         <p:cTn id="11" dur="100"/>
                                         <p:tgtEl>
-                                          <p:spTgt spid="7">
+                                          <p:spTgt spid="14">
                                             <p:graphicEl>
                                               <a:chart seriesIdx="-4" categoryIdx="0" bldStep="category"/>
                                             </p:graphicEl>
@@ -24787,7 +24901,7 @@
                         <p:par>
                           <p:cTn id="12" fill="hold">
                             <p:stCondLst>
-                              <p:cond delay="200"/>
+                              <p:cond delay="2200"/>
                             </p:stCondLst>
                             <p:childTnLst>
                               <p:par>
@@ -24804,7 +24918,7 @@
                                           </p:stCondLst>
                                         </p:cTn>
                                         <p:tgtEl>
-                                          <p:spTgt spid="7">
+                                          <p:spTgt spid="14">
                                             <p:graphicEl>
                                               <a:chart seriesIdx="-4" categoryIdx="1" bldStep="category"/>
                                             </p:graphicEl>
@@ -24822,7 +24936,7 @@
                                       <p:cBhvr>
                                         <p:cTn id="15" dur="100"/>
                                         <p:tgtEl>
-                                          <p:spTgt spid="7">
+                                          <p:spTgt spid="14">
                                             <p:graphicEl>
                                               <a:chart seriesIdx="-4" categoryIdx="1" bldStep="category"/>
                                             </p:graphicEl>
@@ -24839,7 +24953,7 @@
                         <p:par>
                           <p:cTn id="16" fill="hold">
                             <p:stCondLst>
-                              <p:cond delay="300"/>
+                              <p:cond delay="2300"/>
                             </p:stCondLst>
                             <p:childTnLst>
                               <p:par>
@@ -24856,7 +24970,7 @@
                                           </p:stCondLst>
                                         </p:cTn>
                                         <p:tgtEl>
-                                          <p:spTgt spid="7">
+                                          <p:spTgt spid="14">
                                             <p:graphicEl>
                                               <a:chart seriesIdx="-4" categoryIdx="2" bldStep="category"/>
                                             </p:graphicEl>
@@ -24874,7 +24988,7 @@
                                       <p:cBhvr>
                                         <p:cTn id="19" dur="100"/>
                                         <p:tgtEl>
-                                          <p:spTgt spid="7">
+                                          <p:spTgt spid="14">
                                             <p:graphicEl>
                                               <a:chart seriesIdx="-4" categoryIdx="2" bldStep="category"/>
                                             </p:graphicEl>
@@ -24891,7 +25005,7 @@
                         <p:par>
                           <p:cTn id="20" fill="hold">
                             <p:stCondLst>
-                              <p:cond delay="400"/>
+                              <p:cond delay="2400"/>
                             </p:stCondLst>
                             <p:childTnLst>
                               <p:par>
@@ -24908,7 +25022,7 @@
                                           </p:stCondLst>
                                         </p:cTn>
                                         <p:tgtEl>
-                                          <p:spTgt spid="7">
+                                          <p:spTgt spid="14">
                                             <p:graphicEl>
                                               <a:chart seriesIdx="-4" categoryIdx="3" bldStep="category"/>
                                             </p:graphicEl>
@@ -24926,7 +25040,7 @@
                                       <p:cBhvr>
                                         <p:cTn id="23" dur="100"/>
                                         <p:tgtEl>
-                                          <p:spTgt spid="7">
+                                          <p:spTgt spid="14">
                                             <p:graphicEl>
                                               <a:chart seriesIdx="-4" categoryIdx="3" bldStep="category"/>
                                             </p:graphicEl>
@@ -24943,7 +25057,7 @@
                         <p:par>
                           <p:cTn id="24" fill="hold">
                             <p:stCondLst>
-                              <p:cond delay="500"/>
+                              <p:cond delay="2500"/>
                             </p:stCondLst>
                             <p:childTnLst>
                               <p:par>
@@ -24960,7 +25074,7 @@
                                           </p:stCondLst>
                                         </p:cTn>
                                         <p:tgtEl>
-                                          <p:spTgt spid="7">
+                                          <p:spTgt spid="14">
                                             <p:graphicEl>
                                               <a:chart seriesIdx="-4" categoryIdx="4" bldStep="category"/>
                                             </p:graphicEl>
@@ -24978,7 +25092,7 @@
                                       <p:cBhvr>
                                         <p:cTn id="27" dur="100"/>
                                         <p:tgtEl>
-                                          <p:spTgt spid="7">
+                                          <p:spTgt spid="14">
                                             <p:graphicEl>
                                               <a:chart seriesIdx="-4" categoryIdx="4" bldStep="category"/>
                                             </p:graphicEl>
@@ -24995,7 +25109,7 @@
                         <p:par>
                           <p:cTn id="28" fill="hold">
                             <p:stCondLst>
-                              <p:cond delay="600"/>
+                              <p:cond delay="2600"/>
                             </p:stCondLst>
                             <p:childTnLst>
                               <p:par>
@@ -25012,7 +25126,7 @@
                                           </p:stCondLst>
                                         </p:cTn>
                                         <p:tgtEl>
-                                          <p:spTgt spid="7">
+                                          <p:spTgt spid="14">
                                             <p:graphicEl>
                                               <a:chart seriesIdx="-4" categoryIdx="5" bldStep="category"/>
                                             </p:graphicEl>
@@ -25030,7 +25144,7 @@
                                       <p:cBhvr>
                                         <p:cTn id="31" dur="100"/>
                                         <p:tgtEl>
-                                          <p:spTgt spid="7">
+                                          <p:spTgt spid="14">
                                             <p:graphicEl>
                                               <a:chart seriesIdx="-4" categoryIdx="5" bldStep="category"/>
                                             </p:graphicEl>
@@ -25047,7 +25161,7 @@
                         <p:par>
                           <p:cTn id="32" fill="hold">
                             <p:stCondLst>
-                              <p:cond delay="700"/>
+                              <p:cond delay="2700"/>
                             </p:stCondLst>
                             <p:childTnLst>
                               <p:par>
@@ -25064,7 +25178,7 @@
                                           </p:stCondLst>
                                         </p:cTn>
                                         <p:tgtEl>
-                                          <p:spTgt spid="7">
+                                          <p:spTgt spid="14">
                                             <p:graphicEl>
                                               <a:chart seriesIdx="-4" categoryIdx="6" bldStep="category"/>
                                             </p:graphicEl>
@@ -25082,7 +25196,7 @@
                                       <p:cBhvr>
                                         <p:cTn id="35" dur="100"/>
                                         <p:tgtEl>
-                                          <p:spTgt spid="7">
+                                          <p:spTgt spid="14">
                                             <p:graphicEl>
                                               <a:chart seriesIdx="-4" categoryIdx="6" bldStep="category"/>
                                             </p:graphicEl>
@@ -25099,7 +25213,7 @@
                         <p:par>
                           <p:cTn id="36" fill="hold">
                             <p:stCondLst>
-                              <p:cond delay="800"/>
+                              <p:cond delay="2800"/>
                             </p:stCondLst>
                             <p:childTnLst>
                               <p:par>
@@ -25116,7 +25230,7 @@
                                           </p:stCondLst>
                                         </p:cTn>
                                         <p:tgtEl>
-                                          <p:spTgt spid="7">
+                                          <p:spTgt spid="14">
                                             <p:graphicEl>
                                               <a:chart seriesIdx="-4" categoryIdx="7" bldStep="category"/>
                                             </p:graphicEl>
@@ -25134,7 +25248,7 @@
                                       <p:cBhvr>
                                         <p:cTn id="39" dur="100"/>
                                         <p:tgtEl>
-                                          <p:spTgt spid="7">
+                                          <p:spTgt spid="14">
                                             <p:graphicEl>
                                               <a:chart seriesIdx="-4" categoryIdx="7" bldStep="category"/>
                                             </p:graphicEl>
@@ -25151,7 +25265,7 @@
                         <p:par>
                           <p:cTn id="40" fill="hold">
                             <p:stCondLst>
-                              <p:cond delay="900"/>
+                              <p:cond delay="2900"/>
                             </p:stCondLst>
                             <p:childTnLst>
                               <p:par>
@@ -25168,7 +25282,7 @@
                                           </p:stCondLst>
                                         </p:cTn>
                                         <p:tgtEl>
-                                          <p:spTgt spid="7">
+                                          <p:spTgt spid="14">
                                             <p:graphicEl>
                                               <a:chart seriesIdx="-4" categoryIdx="8" bldStep="category"/>
                                             </p:graphicEl>
@@ -25186,7 +25300,7 @@
                                       <p:cBhvr>
                                         <p:cTn id="43" dur="100"/>
                                         <p:tgtEl>
-                                          <p:spTgt spid="7">
+                                          <p:spTgt spid="14">
                                             <p:graphicEl>
                                               <a:chart seriesIdx="-4" categoryIdx="8" bldStep="category"/>
                                             </p:graphicEl>
@@ -25203,7 +25317,7 @@
                         <p:par>
                           <p:cTn id="44" fill="hold">
                             <p:stCondLst>
-                              <p:cond delay="1000"/>
+                              <p:cond delay="3000"/>
                             </p:stCondLst>
                             <p:childTnLst>
                               <p:par>
@@ -25220,7 +25334,7 @@
                                           </p:stCondLst>
                                         </p:cTn>
                                         <p:tgtEl>
-                                          <p:spTgt spid="7">
+                                          <p:spTgt spid="14">
                                             <p:graphicEl>
                                               <a:chart seriesIdx="-4" categoryIdx="9" bldStep="category"/>
                                             </p:graphicEl>
@@ -25238,7 +25352,7 @@
                                       <p:cBhvr>
                                         <p:cTn id="47" dur="100"/>
                                         <p:tgtEl>
-                                          <p:spTgt spid="7">
+                                          <p:spTgt spid="14">
                                             <p:graphicEl>
                                               <a:chart seriesIdx="-4" categoryIdx="9" bldStep="category"/>
                                             </p:graphicEl>
@@ -25255,7 +25369,7 @@
                         <p:par>
                           <p:cTn id="48" fill="hold">
                             <p:stCondLst>
-                              <p:cond delay="1100"/>
+                              <p:cond delay="3100"/>
                             </p:stCondLst>
                             <p:childTnLst>
                               <p:par>
@@ -25272,7 +25386,7 @@
                                           </p:stCondLst>
                                         </p:cTn>
                                         <p:tgtEl>
-                                          <p:spTgt spid="7">
+                                          <p:spTgt spid="14">
                                             <p:graphicEl>
                                               <a:chart seriesIdx="-4" categoryIdx="10" bldStep="category"/>
                                             </p:graphicEl>
@@ -25290,9 +25404,217 @@
                                       <p:cBhvr>
                                         <p:cTn id="51" dur="100"/>
                                         <p:tgtEl>
-                                          <p:spTgt spid="7">
+                                          <p:spTgt spid="14">
                                             <p:graphicEl>
                                               <a:chart seriesIdx="-4" categoryIdx="10" bldStep="category"/>
+                                            </p:graphicEl>
+                                          </p:spTgt>
+                                        </p:tgtEl>
+                                      </p:cBhvr>
+                                    </p:animEffect>
+                                  </p:childTnLst>
+                                </p:cTn>
+                              </p:par>
+                            </p:childTnLst>
+                          </p:cTn>
+                        </p:par>
+                        <p:par>
+                          <p:cTn id="52" fill="hold">
+                            <p:stCondLst>
+                              <p:cond delay="3200"/>
+                            </p:stCondLst>
+                            <p:childTnLst>
+                              <p:par>
+                                <p:cTn id="53" presetID="10" presetClass="entr" presetSubtype="0" fill="hold" grpId="0" nodeType="afterEffect">
+                                  <p:stCondLst>
+                                    <p:cond delay="1000"/>
+                                  </p:stCondLst>
+                                  <p:childTnLst>
+                                    <p:set>
+                                      <p:cBhvr>
+                                        <p:cTn id="54" dur="1" fill="hold">
+                                          <p:stCondLst>
+                                            <p:cond delay="0"/>
+                                          </p:stCondLst>
+                                        </p:cTn>
+                                        <p:tgtEl>
+                                          <p:spTgt spid="13">
+                                            <p:graphicEl>
+                                              <a:dgm id="{591D746C-03DE-4916-98D9-529406B43943}"/>
+                                            </p:graphicEl>
+                                          </p:spTgt>
+                                        </p:tgtEl>
+                                        <p:attrNameLst>
+                                          <p:attrName>style.visibility</p:attrName>
+                                        </p:attrNameLst>
+                                      </p:cBhvr>
+                                      <p:to>
+                                        <p:strVal val="visible"/>
+                                      </p:to>
+                                    </p:set>
+                                    <p:animEffect transition="in" filter="fade">
+                                      <p:cBhvr>
+                                        <p:cTn id="55" dur="500"/>
+                                        <p:tgtEl>
+                                          <p:spTgt spid="13">
+                                            <p:graphicEl>
+                                              <a:dgm id="{591D746C-03DE-4916-98D9-529406B43943}"/>
+                                            </p:graphicEl>
+                                          </p:spTgt>
+                                        </p:tgtEl>
+                                      </p:cBhvr>
+                                    </p:animEffect>
+                                  </p:childTnLst>
+                                </p:cTn>
+                              </p:par>
+                            </p:childTnLst>
+                          </p:cTn>
+                        </p:par>
+                        <p:par>
+                          <p:cTn id="56" fill="hold">
+                            <p:stCondLst>
+                              <p:cond delay="4700"/>
+                            </p:stCondLst>
+                            <p:childTnLst>
+                              <p:par>
+                                <p:cTn id="57" presetID="10" presetClass="entr" presetSubtype="0" fill="hold" grpId="0" nodeType="afterEffect">
+                                  <p:stCondLst>
+                                    <p:cond delay="0"/>
+                                  </p:stCondLst>
+                                  <p:childTnLst>
+                                    <p:set>
+                                      <p:cBhvr>
+                                        <p:cTn id="58" dur="1" fill="hold">
+                                          <p:stCondLst>
+                                            <p:cond delay="0"/>
+                                          </p:stCondLst>
+                                        </p:cTn>
+                                        <p:tgtEl>
+                                          <p:spTgt spid="13">
+                                            <p:graphicEl>
+                                              <a:dgm id="{E684386D-1E47-4FCD-A54B-6AF4DD777DE1}"/>
+                                            </p:graphicEl>
+                                          </p:spTgt>
+                                        </p:tgtEl>
+                                        <p:attrNameLst>
+                                          <p:attrName>style.visibility</p:attrName>
+                                        </p:attrNameLst>
+                                      </p:cBhvr>
+                                      <p:to>
+                                        <p:strVal val="visible"/>
+                                      </p:to>
+                                    </p:set>
+                                    <p:animEffect transition="in" filter="fade">
+                                      <p:cBhvr>
+                                        <p:cTn id="59" dur="500"/>
+                                        <p:tgtEl>
+                                          <p:spTgt spid="13">
+                                            <p:graphicEl>
+                                              <a:dgm id="{E684386D-1E47-4FCD-A54B-6AF4DD777DE1}"/>
+                                            </p:graphicEl>
+                                          </p:spTgt>
+                                        </p:tgtEl>
+                                      </p:cBhvr>
+                                    </p:animEffect>
+                                  </p:childTnLst>
+                                </p:cTn>
+                              </p:par>
+                            </p:childTnLst>
+                          </p:cTn>
+                        </p:par>
+                        <p:par>
+                          <p:cTn id="60" fill="hold">
+                            <p:stCondLst>
+                              <p:cond delay="5200"/>
+                            </p:stCondLst>
+                            <p:childTnLst>
+                              <p:par>
+                                <p:cTn id="61" presetID="10" presetClass="entr" presetSubtype="0" fill="hold" grpId="0" nodeType="afterEffect">
+                                  <p:stCondLst>
+                                    <p:cond delay="0"/>
+                                  </p:stCondLst>
+                                  <p:childTnLst>
+                                    <p:set>
+                                      <p:cBhvr>
+                                        <p:cTn id="62" dur="1" fill="hold">
+                                          <p:stCondLst>
+                                            <p:cond delay="0"/>
+                                          </p:stCondLst>
+                                        </p:cTn>
+                                        <p:tgtEl>
+                                          <p:spTgt spid="13">
+                                            <p:graphicEl>
+                                              <a:dgm id="{E443CFDB-1517-43BA-9FC7-580C41428181}"/>
+                                            </p:graphicEl>
+                                          </p:spTgt>
+                                        </p:tgtEl>
+                                        <p:attrNameLst>
+                                          <p:attrName>style.visibility</p:attrName>
+                                        </p:attrNameLst>
+                                      </p:cBhvr>
+                                      <p:to>
+                                        <p:strVal val="visible"/>
+                                      </p:to>
+                                    </p:set>
+                                    <p:animEffect transition="in" filter="fade">
+                                      <p:cBhvr>
+                                        <p:cTn id="63" dur="500"/>
+                                        <p:tgtEl>
+                                          <p:spTgt spid="13">
+                                            <p:graphicEl>
+                                              <a:dgm id="{E443CFDB-1517-43BA-9FC7-580C41428181}"/>
+                                            </p:graphicEl>
+                                          </p:spTgt>
+                                        </p:tgtEl>
+                                      </p:cBhvr>
+                                    </p:animEffect>
+                                  </p:childTnLst>
+                                </p:cTn>
+                              </p:par>
+                            </p:childTnLst>
+                          </p:cTn>
+                        </p:par>
+                        <p:par>
+                          <p:cTn id="64" fill="hold">
+                            <p:stCondLst>
+                              <p:cond delay="5700"/>
+                            </p:stCondLst>
+                            <p:childTnLst>
+                              <p:par>
+                                <p:cTn id="65" presetID="10" presetClass="entr" presetSubtype="0" fill="hold" grpId="0" nodeType="afterEffect">
+                                  <p:stCondLst>
+                                    <p:cond delay="0"/>
+                                  </p:stCondLst>
+                                  <p:childTnLst>
+                                    <p:set>
+                                      <p:cBhvr>
+                                        <p:cTn id="66" dur="1" fill="hold">
+                                          <p:stCondLst>
+                                            <p:cond delay="0"/>
+                                          </p:stCondLst>
+                                        </p:cTn>
+                                        <p:tgtEl>
+                                          <p:spTgt spid="13">
+                                            <p:graphicEl>
+                                              <a:dgm id="{F991A3AD-4F42-493E-A210-C0C7F6F0985D}"/>
+                                            </p:graphicEl>
+                                          </p:spTgt>
+                                        </p:tgtEl>
+                                        <p:attrNameLst>
+                                          <p:attrName>style.visibility</p:attrName>
+                                        </p:attrNameLst>
+                                      </p:cBhvr>
+                                      <p:to>
+                                        <p:strVal val="visible"/>
+                                      </p:to>
+                                    </p:set>
+                                    <p:animEffect transition="in" filter="fade">
+                                      <p:cBhvr>
+                                        <p:cTn id="67" dur="500"/>
+                                        <p:tgtEl>
+                                          <p:spTgt spid="13">
+                                            <p:graphicEl>
+                                              <a:dgm id="{F991A3AD-4F42-493E-A210-C0C7F6F0985D}"/>
                                             </p:graphicEl>
                                           </p:spTgt>
                                         </p:tgtEl>
@@ -25329,7 +25651,12 @@
       </p:par>
     </p:tnLst>
     <p:bldLst>
-      <p:bldGraphic spid="7" grpId="0">
+      <p:bldGraphic spid="13" grpId="0">
+        <p:bldSub>
+          <a:bldDgm bld="one"/>
+        </p:bldSub>
+      </p:bldGraphic>
+      <p:bldGraphic spid="14" grpId="0" uiExpand="1">
         <p:bldSub>
           <a:bldChart bld="category"/>
         </p:bldSub>
@@ -25340,108 +25667,6 @@
 </file>
 
 <file path=ppt/slides/slide6.xml><?xml version="1.0" encoding="utf-8"?>
-<p:sld xmlns:a="http://schemas.openxmlformats.org/drawingml/2006/main" xmlns:r="http://schemas.openxmlformats.org/officeDocument/2006/relationships" xmlns:p="http://schemas.openxmlformats.org/presentationml/2006/main">
-  <p:cSld>
-    <p:spTree>
-      <p:nvGrpSpPr>
-        <p:cNvPr id="1" name=""/>
-        <p:cNvGrpSpPr/>
-        <p:nvPr/>
-      </p:nvGrpSpPr>
-      <p:grpSpPr>
-        <a:xfrm>
-          <a:off x="0" y="0"/>
-          <a:ext cx="0" cy="0"/>
-          <a:chOff x="0" y="0"/>
-          <a:chExt cx="0" cy="0"/>
-        </a:xfrm>
-      </p:grpSpPr>
-      <p:sp>
-        <p:nvSpPr>
-          <p:cNvPr id="2" name="Title 1">
-            <a:extLst>
-              <a:ext uri="{FF2B5EF4-FFF2-40B4-BE49-F238E27FC236}">
-                <a16:creationId xmlns:a16="http://schemas.microsoft.com/office/drawing/2014/main" id="{A55E623B-4760-4F62-AB7A-4FB209399CE6}"/>
-              </a:ext>
-            </a:extLst>
-          </p:cNvPr>
-          <p:cNvSpPr>
-            <a:spLocks noGrp="1"/>
-          </p:cNvSpPr>
-          <p:nvPr>
-            <p:ph type="title"/>
-          </p:nvPr>
-        </p:nvSpPr>
-        <p:spPr/>
-        <p:txBody>
-          <a:bodyPr/>
-          <a:lstStyle/>
-          <a:p>
-            <a:r>
-              <a:rPr lang="fa-IR" dirty="0"/>
-              <a:t>حجم بازار</a:t>
-            </a:r>
-            <a:endParaRPr lang="en-US" dirty="0"/>
-          </a:p>
-        </p:txBody>
-      </p:sp>
-      <p:graphicFrame>
-        <p:nvGraphicFramePr>
-          <p:cNvPr id="4" name="Content Placeholder 3">
-            <a:extLst>
-              <a:ext uri="{FF2B5EF4-FFF2-40B4-BE49-F238E27FC236}">
-                <a16:creationId xmlns:a16="http://schemas.microsoft.com/office/drawing/2014/main" id="{1D29E3B9-362D-4A00-9ED9-B46B4D444E7A}"/>
-              </a:ext>
-            </a:extLst>
-          </p:cNvPr>
-          <p:cNvGraphicFramePr>
-            <a:graphicFrameLocks noGrp="1"/>
-          </p:cNvGraphicFramePr>
-          <p:nvPr>
-            <p:ph idx="1"/>
-            <p:extLst>
-              <p:ext uri="{D42A27DB-BD31-4B8C-83A1-F6EECF244321}">
-                <p14:modId xmlns:p14="http://schemas.microsoft.com/office/powerpoint/2010/main" val="300432930"/>
-              </p:ext>
-            </p:extLst>
-          </p:nvPr>
-        </p:nvGraphicFramePr>
-        <p:xfrm>
-          <a:off x="1055688" y="1563688"/>
-          <a:ext cx="10080625" cy="4371975"/>
-        </p:xfrm>
-        <a:graphic>
-          <a:graphicData uri="http://schemas.openxmlformats.org/drawingml/2006/diagram">
-            <dgm:relIds xmlns:dgm="http://schemas.openxmlformats.org/drawingml/2006/diagram" xmlns:r="http://schemas.openxmlformats.org/officeDocument/2006/relationships" r:dm="rId2" r:lo="rId3" r:qs="rId4" r:cs="rId5"/>
-          </a:graphicData>
-        </a:graphic>
-      </p:graphicFrame>
-    </p:spTree>
-    <p:extLst>
-      <p:ext uri="{BB962C8B-B14F-4D97-AF65-F5344CB8AC3E}">
-        <p14:creationId xmlns:p14="http://schemas.microsoft.com/office/powerpoint/2010/main" val="1448984731"/>
-      </p:ext>
-    </p:extLst>
-  </p:cSld>
-  <p:clrMapOvr>
-    <a:masterClrMapping/>
-  </p:clrMapOvr>
-  <mc:AlternateContent xmlns:mc="http://schemas.openxmlformats.org/markup-compatibility/2006" xmlns:p159="http://schemas.microsoft.com/office/powerpoint/2015/09/main">
-    <mc:Choice Requires="p159">
-      <p:transition xmlns:p14="http://schemas.microsoft.com/office/powerpoint/2010/main" spd="slow" p14:dur="2000">
-        <p159:morph option="byWord"/>
-      </p:transition>
-    </mc:Choice>
-    <mc:Fallback xmlns="">
-      <p:transition spd="slow">
-        <p:fade/>
-      </p:transition>
-    </mc:Fallback>
-  </mc:AlternateContent>
-</p:sld>
-</file>
-
-<file path=ppt/slides/slide7.xml><?xml version="1.0" encoding="utf-8"?>
 <p:sld xmlns:a="http://schemas.openxmlformats.org/drawingml/2006/main" xmlns:r="http://schemas.openxmlformats.org/officeDocument/2006/relationships" xmlns:p="http://schemas.openxmlformats.org/presentationml/2006/main">
   <p:cSld>
     <p:spTree>
@@ -25508,7 +25733,7 @@
           <a:bodyPr/>
           <a:lstStyle/>
           <a:p>
-            <a:endParaRPr lang="en-US"/>
+            <a:endParaRPr lang="en-US" dirty="0"/>
           </a:p>
         </p:txBody>
       </p:sp>
@@ -25537,7 +25762,7 @@
 </p:sld>
 </file>
 
-<file path=ppt/slides/slide8.xml><?xml version="1.0" encoding="utf-8"?>
+<file path=ppt/slides/slide7.xml><?xml version="1.0" encoding="utf-8"?>
 <p:sld xmlns:a="http://schemas.openxmlformats.org/drawingml/2006/main" xmlns:r="http://schemas.openxmlformats.org/officeDocument/2006/relationships" xmlns:p="http://schemas.openxmlformats.org/presentationml/2006/main">
   <p:cSld>
     <p:spTree>
@@ -25633,7 +25858,7 @@
 </p:sld>
 </file>
 
-<file path=ppt/slides/slide9.xml><?xml version="1.0" encoding="utf-8"?>
+<file path=ppt/slides/slide8.xml><?xml version="1.0" encoding="utf-8"?>
 <p:sld xmlns:a="http://schemas.openxmlformats.org/drawingml/2006/main" xmlns:r="http://schemas.openxmlformats.org/officeDocument/2006/relationships" xmlns:p="http://schemas.openxmlformats.org/presentationml/2006/main">
   <p:cSld>
     <p:spTree>
@@ -25724,6 +25949,102 @@
     <p:extLst>
       <p:ext uri="{BB962C8B-B14F-4D97-AF65-F5344CB8AC3E}">
         <p14:creationId xmlns:p14="http://schemas.microsoft.com/office/powerpoint/2010/main" val="3074796233"/>
+      </p:ext>
+    </p:extLst>
+  </p:cSld>
+  <p:clrMapOvr>
+    <a:masterClrMapping/>
+  </p:clrMapOvr>
+  <mc:AlternateContent xmlns:mc="http://schemas.openxmlformats.org/markup-compatibility/2006" xmlns:p159="http://schemas.microsoft.com/office/powerpoint/2015/09/main">
+    <mc:Choice Requires="p159">
+      <p:transition xmlns:p14="http://schemas.microsoft.com/office/powerpoint/2010/main" spd="slow" p14:dur="2000">
+        <p159:morph option="byWord"/>
+      </p:transition>
+    </mc:Choice>
+    <mc:Fallback xmlns="">
+      <p:transition spd="slow">
+        <p:fade/>
+      </p:transition>
+    </mc:Fallback>
+  </mc:AlternateContent>
+</p:sld>
+</file>
+
+<file path=ppt/slides/slide9.xml><?xml version="1.0" encoding="utf-8"?>
+<p:sld xmlns:a="http://schemas.openxmlformats.org/drawingml/2006/main" xmlns:r="http://schemas.openxmlformats.org/officeDocument/2006/relationships" xmlns:p="http://schemas.openxmlformats.org/presentationml/2006/main">
+  <p:cSld>
+    <p:spTree>
+      <p:nvGrpSpPr>
+        <p:cNvPr id="1" name=""/>
+        <p:cNvGrpSpPr/>
+        <p:nvPr/>
+      </p:nvGrpSpPr>
+      <p:grpSpPr>
+        <a:xfrm>
+          <a:off x="0" y="0"/>
+          <a:ext cx="0" cy="0"/>
+          <a:chOff x="0" y="0"/>
+          <a:chExt cx="0" cy="0"/>
+        </a:xfrm>
+      </p:grpSpPr>
+      <p:sp>
+        <p:nvSpPr>
+          <p:cNvPr id="2" name="Title 1">
+            <a:extLst>
+              <a:ext uri="{FF2B5EF4-FFF2-40B4-BE49-F238E27FC236}">
+                <a16:creationId xmlns:a16="http://schemas.microsoft.com/office/drawing/2014/main" id="{9E452C3F-ED25-483A-94FA-D2CE60013342}"/>
+              </a:ext>
+            </a:extLst>
+          </p:cNvPr>
+          <p:cNvSpPr>
+            <a:spLocks noGrp="1"/>
+          </p:cNvSpPr>
+          <p:nvPr>
+            <p:ph type="title"/>
+          </p:nvPr>
+        </p:nvSpPr>
+        <p:spPr/>
+        <p:txBody>
+          <a:bodyPr/>
+          <a:lstStyle/>
+          <a:p>
+            <a:r>
+              <a:rPr lang="fa-IR" dirty="0"/>
+              <a:t>استراتژی بازاریابی</a:t>
+            </a:r>
+            <a:endParaRPr lang="en-US" dirty="0"/>
+          </a:p>
+        </p:txBody>
+      </p:sp>
+      <p:sp>
+        <p:nvSpPr>
+          <p:cNvPr id="3" name="Content Placeholder 2">
+            <a:extLst>
+              <a:ext uri="{FF2B5EF4-FFF2-40B4-BE49-F238E27FC236}">
+                <a16:creationId xmlns:a16="http://schemas.microsoft.com/office/drawing/2014/main" id="{46F6534D-E736-4D33-B628-2F504052D36C}"/>
+              </a:ext>
+            </a:extLst>
+          </p:cNvPr>
+          <p:cNvSpPr>
+            <a:spLocks noGrp="1"/>
+          </p:cNvSpPr>
+          <p:nvPr>
+            <p:ph idx="1"/>
+          </p:nvPr>
+        </p:nvSpPr>
+        <p:spPr/>
+        <p:txBody>
+          <a:bodyPr/>
+          <a:lstStyle/>
+          <a:p>
+            <a:endParaRPr lang="en-US"/>
+          </a:p>
+        </p:txBody>
+      </p:sp>
+    </p:spTree>
+    <p:extLst>
+      <p:ext uri="{BB962C8B-B14F-4D97-AF65-F5344CB8AC3E}">
+        <p14:creationId xmlns:p14="http://schemas.microsoft.com/office/powerpoint/2010/main" val="951979677"/>
       </p:ext>
     </p:extLst>
   </p:cSld>

--- a/business/PitchDeck/JIbres-PitchDeck-v1.pptx
+++ b/business/PitchDeck/JIbres-PitchDeck-v1.pptx
@@ -277,10 +277,10 @@
   <c:roundedCorners val="0"/>
   <mc:AlternateContent xmlns:mc="http://schemas.openxmlformats.org/markup-compatibility/2006">
     <mc:Choice xmlns:c14="http://schemas.microsoft.com/office/drawing/2007/8/2/chart" Requires="c14">
-      <c14:style val="102"/>
+      <c14:style val="101"/>
     </mc:Choice>
     <mc:Fallback>
-      <c:style val="2"/>
+      <c:style val="1"/>
     </mc:Fallback>
   </mc:AlternateContent>
   <c:chart>
@@ -307,7 +307,8 @@
           </c:tx>
           <c:spPr>
             <a:solidFill>
-              <a:schemeClr val="accent1">
+              <a:schemeClr val="dk1">
+                <a:tint val="88500"/>
                 <a:alpha val="70000"/>
               </a:schemeClr>
             </a:solidFill>
@@ -317,6 +318,25 @@
             <a:effectLst/>
           </c:spPr>
           <c:invertIfNegative val="0"/>
+          <c:dPt>
+            <c:idx val="0"/>
+            <c:invertIfNegative val="0"/>
+            <c:bubble3D val="0"/>
+            <c:spPr>
+              <a:solidFill>
+                <a:srgbClr val="B963DD"/>
+              </a:solidFill>
+              <a:ln>
+                <a:noFill/>
+              </a:ln>
+              <a:effectLst/>
+            </c:spPr>
+            <c:extLst>
+              <c:ext xmlns:c16="http://schemas.microsoft.com/office/drawing/2014/chart" uri="{C3380CC4-5D6E-409C-BE32-E72D297353CC}">
+                <c16:uniqueId val="{00000002-0093-44AA-A2E3-0A62CAA8A368}"/>
+              </c:ext>
+            </c:extLst>
+          </c:dPt>
           <c:dLbls>
             <c:spPr>
               <a:noFill/>
@@ -377,7 +397,9 @@
             <c:spPr>
               <a:ln w="15875" cap="rnd">
                 <a:solidFill>
-                  <a:schemeClr val="accent1"/>
+                  <a:schemeClr val="dk1">
+                    <a:tint val="88500"/>
+                  </a:schemeClr>
                 </a:solidFill>
               </a:ln>
               <a:effectLst/>
@@ -641,41 +663,28 @@
 </file>
 
 <file path=ppt/charts/colors1.xml><?xml version="1.0" encoding="utf-8"?>
-<cs:colorStyle xmlns:cs="http://schemas.microsoft.com/office/drawing/2012/chartStyle" xmlns:a="http://schemas.openxmlformats.org/drawingml/2006/main" meth="cycle" id="10">
-  <a:schemeClr val="accent1"/>
-  <a:schemeClr val="accent2"/>
-  <a:schemeClr val="accent3"/>
-  <a:schemeClr val="accent4"/>
-  <a:schemeClr val="accent5"/>
-  <a:schemeClr val="accent6"/>
-  <cs:variation/>
+<cs:colorStyle xmlns:cs="http://schemas.microsoft.com/office/drawing/2012/chartStyle" xmlns:a="http://schemas.openxmlformats.org/drawingml/2006/main" meth="cycle" id="20">
+  <a:schemeClr val="dk1"/>
   <cs:variation>
-    <a:lumMod val="60000"/>
+    <a:tint val="88500"/>
   </cs:variation>
   <cs:variation>
-    <a:lumMod val="80000"/>
-    <a:lumOff val="20000"/>
+    <a:tint val="55000"/>
   </cs:variation>
   <cs:variation>
-    <a:lumMod val="80000"/>
+    <a:tint val="75000"/>
   </cs:variation>
   <cs:variation>
-    <a:lumMod val="60000"/>
-    <a:lumOff val="40000"/>
+    <a:tint val="98500"/>
   </cs:variation>
   <cs:variation>
-    <a:lumMod val="50000"/>
+    <a:tint val="30000"/>
   </cs:variation>
   <cs:variation>
-    <a:lumMod val="70000"/>
-    <a:lumOff val="30000"/>
+    <a:tint val="60000"/>
   </cs:variation>
   <cs:variation>
-    <a:lumMod val="70000"/>
-  </cs:variation>
-  <cs:variation>
-    <a:lumMod val="50000"/>
-    <a:lumOff val="50000"/>
+    <a:tint val="80000"/>
   </cs:variation>
 </cs:colorStyle>
 </file>
@@ -2053,17 +2062,15 @@
 </file>
 
 <file path=ppt/diagrams/colors2.xml><?xml version="1.0" encoding="utf-8"?>
-<dgm:colorsDef xmlns:dgm="http://schemas.openxmlformats.org/drawingml/2006/diagram" xmlns:a="http://schemas.openxmlformats.org/drawingml/2006/main" uniqueId="urn:microsoft.com/office/officeart/2005/8/colors/accent1_5">
+<dgm:colorsDef xmlns:dgm="http://schemas.openxmlformats.org/drawingml/2006/diagram" xmlns:a="http://schemas.openxmlformats.org/drawingml/2006/main" uniqueId="urn:microsoft.com/office/officeart/2005/8/colors/colorful5">
   <dgm:title val=""/>
   <dgm:desc val=""/>
   <dgm:catLst>
-    <dgm:cat type="accent1" pri="11500"/>
+    <dgm:cat type="colorful" pri="10500"/>
   </dgm:catLst>
   <dgm:styleLbl name="node0">
-    <dgm:fillClrLst meth="cycle">
-      <a:schemeClr val="accent1">
-        <a:alpha val="80000"/>
-      </a:schemeClr>
+    <dgm:fillClrLst meth="repeat">
+      <a:schemeClr val="accent4"/>
     </dgm:fillClrLst>
     <dgm:linClrLst meth="repeat">
       <a:schemeClr val="lt1"/>
@@ -2075,12 +2082,8 @@
   </dgm:styleLbl>
   <dgm:styleLbl name="node1">
     <dgm:fillClrLst>
-      <a:schemeClr val="accent1">
-        <a:alpha val="90000"/>
-      </a:schemeClr>
-      <a:schemeClr val="accent1">
-        <a:alpha val="50000"/>
-      </a:schemeClr>
+      <a:schemeClr val="accent5"/>
+      <a:schemeClr val="accent6"/>
     </dgm:fillClrLst>
     <dgm:linClrLst meth="repeat">
       <a:schemeClr val="lt1"/>
@@ -2092,20 +2095,12 @@
   </dgm:styleLbl>
   <dgm:styleLbl name="alignNode1">
     <dgm:fillClrLst>
-      <a:schemeClr val="accent1">
-        <a:alpha val="90000"/>
-      </a:schemeClr>
-      <a:schemeClr val="accent1">
-        <a:alpha val="50000"/>
-      </a:schemeClr>
+      <a:schemeClr val="accent5"/>
+      <a:schemeClr val="accent6"/>
     </dgm:fillClrLst>
     <dgm:linClrLst>
-      <a:schemeClr val="accent1">
-        <a:alpha val="90000"/>
-      </a:schemeClr>
-      <a:schemeClr val="accent1">
-        <a:alpha val="50000"/>
-      </a:schemeClr>
+      <a:schemeClr val="accent5"/>
+      <a:schemeClr val="accent6"/>
     </dgm:linClrLst>
     <dgm:effectClrLst/>
     <dgm:txLinClrLst/>
@@ -2114,13 +2109,8 @@
   </dgm:styleLbl>
   <dgm:styleLbl name="lnNode1">
     <dgm:fillClrLst>
-      <a:schemeClr val="accent1">
-        <a:shade val="90000"/>
-      </a:schemeClr>
-      <a:schemeClr val="accent1">
-        <a:alpha val="50000"/>
-        <a:tint val="50000"/>
-      </a:schemeClr>
+      <a:schemeClr val="accent5"/>
+      <a:schemeClr val="accent6"/>
     </dgm:fillClrLst>
     <dgm:linClrLst meth="repeat">
       <a:schemeClr val="lt1"/>
@@ -2132,12 +2122,11 @@
   </dgm:styleLbl>
   <dgm:styleLbl name="vennNode1">
     <dgm:fillClrLst>
-      <a:schemeClr val="accent1">
-        <a:shade val="80000"/>
+      <a:schemeClr val="accent5">
         <a:alpha val="50000"/>
       </a:schemeClr>
-      <a:schemeClr val="accent1">
-        <a:alpha val="80000"/>
+      <a:schemeClr val="accent6">
+        <a:alpha val="50000"/>
       </a:schemeClr>
     </dgm:fillClrLst>
     <dgm:linClrLst meth="repeat">
@@ -2150,9 +2139,7 @@
   </dgm:styleLbl>
   <dgm:styleLbl name="node2">
     <dgm:fillClrLst>
-      <a:schemeClr val="accent1">
-        <a:alpha val="70000"/>
-      </a:schemeClr>
+      <a:schemeClr val="accent6"/>
     </dgm:fillClrLst>
     <dgm:linClrLst meth="repeat">
       <a:schemeClr val="lt1"/>
@@ -2164,9 +2151,7 @@
   </dgm:styleLbl>
   <dgm:styleLbl name="node3">
     <dgm:fillClrLst>
-      <a:schemeClr val="accent1">
-        <a:alpha val="50000"/>
-      </a:schemeClr>
+      <a:schemeClr val="accent1"/>
     </dgm:fillClrLst>
     <dgm:linClrLst meth="repeat">
       <a:schemeClr val="lt1"/>
@@ -2178,9 +2163,7 @@
   </dgm:styleLbl>
   <dgm:styleLbl name="node4">
     <dgm:fillClrLst>
-      <a:schemeClr val="accent1">
-        <a:alpha val="30000"/>
-      </a:schemeClr>
+      <a:schemeClr val="accent2"/>
     </dgm:fillClrLst>
     <dgm:linClrLst meth="repeat">
       <a:schemeClr val="lt1"/>
@@ -2192,13 +2175,11 @@
   </dgm:styleLbl>
   <dgm:styleLbl name="fgImgPlace1">
     <dgm:fillClrLst>
-      <a:schemeClr val="accent1">
+      <a:schemeClr val="accent5">
         <a:tint val="50000"/>
-        <a:alpha val="90000"/>
       </a:schemeClr>
-      <a:schemeClr val="accent1">
-        <a:tint val="20000"/>
-        <a:alpha val="50000"/>
+      <a:schemeClr val="accent6">
+        <a:tint val="50000"/>
       </a:schemeClr>
     </dgm:fillClrLst>
     <dgm:linClrLst meth="repeat">
@@ -2213,10 +2194,10 @@
   </dgm:styleLbl>
   <dgm:styleLbl name="alignImgPlace1">
     <dgm:fillClrLst>
-      <a:schemeClr val="accent1">
+      <a:schemeClr val="accent5">
         <a:tint val="50000"/>
       </a:schemeClr>
-      <a:schemeClr val="accent1">
+      <a:schemeClr val="accent6">
         <a:tint val="20000"/>
       </a:schemeClr>
     </dgm:fillClrLst>
@@ -2232,10 +2213,10 @@
   </dgm:styleLbl>
   <dgm:styleLbl name="bgImgPlace1">
     <dgm:fillClrLst>
-      <a:schemeClr val="accent1">
+      <a:schemeClr val="accent5">
         <a:tint val="50000"/>
       </a:schemeClr>
-      <a:schemeClr val="accent1">
+      <a:schemeClr val="accent6">
         <a:tint val="20000"/>
       </a:schemeClr>
     </dgm:fillClrLst>
@@ -2251,20 +2232,11 @@
   </dgm:styleLbl>
   <dgm:styleLbl name="sibTrans2D1">
     <dgm:fillClrLst>
-      <a:schemeClr val="accent1">
-        <a:shade val="90000"/>
-      </a:schemeClr>
-      <a:schemeClr val="accent1">
-        <a:tint val="50000"/>
-      </a:schemeClr>
+      <a:schemeClr val="accent5"/>
+      <a:schemeClr val="accent6"/>
     </dgm:fillClrLst>
-    <dgm:linClrLst>
-      <a:schemeClr val="accent1">
-        <a:shade val="90000"/>
-      </a:schemeClr>
-      <a:schemeClr val="accent1">
-        <a:tint val="50000"/>
-      </a:schemeClr>
+    <dgm:linClrLst meth="repeat">
+      <a:schemeClr val="lt1"/>
     </dgm:linClrLst>
     <dgm:effectClrLst/>
     <dgm:txLinClrLst/>
@@ -2273,62 +2245,53 @@
   </dgm:styleLbl>
   <dgm:styleLbl name="fgSibTrans2D1">
     <dgm:fillClrLst>
-      <a:schemeClr val="accent1">
-        <a:shade val="90000"/>
-      </a:schemeClr>
-      <a:schemeClr val="accent1">
-        <a:tint val="50000"/>
-      </a:schemeClr>
+      <a:schemeClr val="accent5"/>
+      <a:schemeClr val="accent6"/>
     </dgm:fillClrLst>
-    <dgm:linClrLst>
-      <a:schemeClr val="accent1">
-        <a:shade val="90000"/>
-      </a:schemeClr>
-      <a:schemeClr val="accent1">
-        <a:tint val="50000"/>
-      </a:schemeClr>
+    <dgm:linClrLst meth="repeat">
+      <a:schemeClr val="lt1"/>
     </dgm:linClrLst>
     <dgm:effectClrLst/>
     <dgm:txLinClrLst/>
-    <dgm:txFillClrLst/>
+    <dgm:txFillClrLst meth="repeat">
+      <a:schemeClr val="lt1"/>
+    </dgm:txFillClrLst>
     <dgm:txEffectClrLst/>
   </dgm:styleLbl>
   <dgm:styleLbl name="bgSibTrans2D1">
     <dgm:fillClrLst>
-      <a:schemeClr val="accent1">
-        <a:shade val="90000"/>
-      </a:schemeClr>
-      <a:schemeClr val="accent1">
-        <a:tint val="50000"/>
-      </a:schemeClr>
+      <a:schemeClr val="accent5"/>
+      <a:schemeClr val="accent6"/>
     </dgm:fillClrLst>
-    <dgm:linClrLst>
-      <a:schemeClr val="accent1">
-        <a:shade val="90000"/>
-      </a:schemeClr>
-      <a:schemeClr val="accent1">
-        <a:tint val="50000"/>
-      </a:schemeClr>
+    <dgm:linClrLst meth="repeat">
+      <a:schemeClr val="lt1"/>
     </dgm:linClrLst>
     <dgm:effectClrLst/>
     <dgm:txLinClrLst/>
-    <dgm:txFillClrLst/>
+    <dgm:txFillClrLst meth="repeat">
+      <a:schemeClr val="lt1"/>
+    </dgm:txFillClrLst>
     <dgm:txEffectClrLst/>
   </dgm:styleLbl>
   <dgm:styleLbl name="sibTrans1D1">
-    <dgm:fillClrLst>
-      <a:schemeClr val="accent1">
-        <a:shade val="90000"/>
-      </a:schemeClr>
-      <a:schemeClr val="accent1">
-        <a:tint val="50000"/>
-      </a:schemeClr>
+    <dgm:fillClrLst/>
+    <dgm:linClrLst>
+      <a:schemeClr val="accent5"/>
+      <a:schemeClr val="accent6"/>
+    </dgm:linClrLst>
+    <dgm:effectClrLst/>
+    <dgm:txLinClrLst/>
+    <dgm:txFillClrLst meth="repeat">
+      <a:schemeClr val="tx1"/>
+    </dgm:txFillClrLst>
+    <dgm:txEffectClrLst/>
+  </dgm:styleLbl>
+  <dgm:styleLbl name="callout">
+    <dgm:fillClrLst meth="repeat">
+      <a:schemeClr val="accent5"/>
     </dgm:fillClrLst>
-    <dgm:linClrLst>
-      <a:schemeClr val="accent1">
-        <a:shade val="90000"/>
-      </a:schemeClr>
-      <a:schemeClr val="accent1">
+    <dgm:linClrLst meth="repeat">
+      <a:schemeClr val="accent5">
         <a:tint val="50000"/>
       </a:schemeClr>
     </dgm:linClrLst>
@@ -2339,9 +2302,157 @@
     </dgm:txFillClrLst>
     <dgm:txEffectClrLst/>
   </dgm:styleLbl>
-  <dgm:styleLbl name="callout">
+  <dgm:styleLbl name="asst0">
+    <dgm:fillClrLst meth="repeat">
+      <a:schemeClr val="accent5"/>
+    </dgm:fillClrLst>
+    <dgm:linClrLst meth="repeat">
+      <a:schemeClr val="lt1">
+        <a:shade val="80000"/>
+      </a:schemeClr>
+    </dgm:linClrLst>
+    <dgm:effectClrLst/>
+    <dgm:txLinClrLst/>
+    <dgm:txFillClrLst/>
+    <dgm:txEffectClrLst/>
+  </dgm:styleLbl>
+  <dgm:styleLbl name="asst1">
+    <dgm:fillClrLst meth="repeat">
+      <a:schemeClr val="accent6"/>
+    </dgm:fillClrLst>
+    <dgm:linClrLst meth="repeat">
+      <a:schemeClr val="lt1">
+        <a:shade val="80000"/>
+      </a:schemeClr>
+    </dgm:linClrLst>
+    <dgm:effectClrLst/>
+    <dgm:txLinClrLst/>
+    <dgm:txFillClrLst/>
+    <dgm:txEffectClrLst/>
+  </dgm:styleLbl>
+  <dgm:styleLbl name="asst2">
+    <dgm:fillClrLst>
+      <a:schemeClr val="accent1"/>
+    </dgm:fillClrLst>
+    <dgm:linClrLst meth="repeat">
+      <a:schemeClr val="lt1"/>
+    </dgm:linClrLst>
+    <dgm:effectClrLst/>
+    <dgm:txLinClrLst/>
+    <dgm:txFillClrLst/>
+    <dgm:txEffectClrLst/>
+  </dgm:styleLbl>
+  <dgm:styleLbl name="asst3">
+    <dgm:fillClrLst>
+      <a:schemeClr val="accent2"/>
+    </dgm:fillClrLst>
+    <dgm:linClrLst meth="repeat">
+      <a:schemeClr val="lt1"/>
+    </dgm:linClrLst>
+    <dgm:effectClrLst/>
+    <dgm:txLinClrLst/>
+    <dgm:txFillClrLst/>
+    <dgm:txEffectClrLst/>
+  </dgm:styleLbl>
+  <dgm:styleLbl name="asst4">
+    <dgm:fillClrLst>
+      <a:schemeClr val="accent3"/>
+    </dgm:fillClrLst>
+    <dgm:linClrLst meth="repeat">
+      <a:schemeClr val="lt1"/>
+    </dgm:linClrLst>
+    <dgm:effectClrLst/>
+    <dgm:txLinClrLst/>
+    <dgm:txFillClrLst/>
+    <dgm:txEffectClrLst/>
+  </dgm:styleLbl>
+  <dgm:styleLbl name="parChTrans2D1">
+    <dgm:fillClrLst meth="repeat">
+      <a:schemeClr val="accent5"/>
+    </dgm:fillClrLst>
+    <dgm:linClrLst meth="repeat">
+      <a:schemeClr val="lt1"/>
+    </dgm:linClrLst>
+    <dgm:effectClrLst/>
+    <dgm:txLinClrLst/>
+    <dgm:txFillClrLst meth="repeat">
+      <a:schemeClr val="lt1"/>
+    </dgm:txFillClrLst>
+    <dgm:txEffectClrLst/>
+  </dgm:styleLbl>
+  <dgm:styleLbl name="parChTrans2D2">
+    <dgm:fillClrLst meth="repeat">
+      <a:schemeClr val="accent6"/>
+    </dgm:fillClrLst>
+    <dgm:linClrLst meth="repeat">
+      <a:schemeClr val="lt1"/>
+    </dgm:linClrLst>
+    <dgm:effectClrLst/>
+    <dgm:txLinClrLst/>
+    <dgm:txFillClrLst/>
+    <dgm:txEffectClrLst/>
+  </dgm:styleLbl>
+  <dgm:styleLbl name="parChTrans2D3">
+    <dgm:fillClrLst meth="repeat">
+      <a:schemeClr val="accent6"/>
+    </dgm:fillClrLst>
+    <dgm:linClrLst meth="repeat">
+      <a:schemeClr val="lt1"/>
+    </dgm:linClrLst>
+    <dgm:effectClrLst/>
+    <dgm:txLinClrLst/>
+    <dgm:txFillClrLst/>
+    <dgm:txEffectClrLst/>
+  </dgm:styleLbl>
+  <dgm:styleLbl name="parChTrans2D4">
     <dgm:fillClrLst meth="repeat">
       <a:schemeClr val="accent1"/>
+    </dgm:fillClrLst>
+    <dgm:linClrLst meth="repeat">
+      <a:schemeClr val="lt1"/>
+    </dgm:linClrLst>
+    <dgm:effectClrLst/>
+    <dgm:txLinClrLst/>
+    <dgm:txFillClrLst meth="repeat">
+      <a:schemeClr val="lt1"/>
+    </dgm:txFillClrLst>
+    <dgm:txEffectClrLst/>
+  </dgm:styleLbl>
+  <dgm:styleLbl name="parChTrans1D1">
+    <dgm:fillClrLst meth="repeat">
+      <a:schemeClr val="accent5"/>
+    </dgm:fillClrLst>
+    <dgm:linClrLst meth="repeat">
+      <a:schemeClr val="accent5"/>
+    </dgm:linClrLst>
+    <dgm:effectClrLst/>
+    <dgm:txLinClrLst/>
+    <dgm:txFillClrLst meth="repeat">
+      <a:schemeClr val="tx1"/>
+    </dgm:txFillClrLst>
+    <dgm:txEffectClrLst/>
+  </dgm:styleLbl>
+  <dgm:styleLbl name="parChTrans1D2">
+    <dgm:fillClrLst meth="repeat">
+      <a:schemeClr val="accent6">
+        <a:tint val="90000"/>
+      </a:schemeClr>
+    </dgm:fillClrLst>
+    <dgm:linClrLst meth="repeat">
+      <a:schemeClr val="accent6"/>
+    </dgm:linClrLst>
+    <dgm:effectClrLst/>
+    <dgm:txLinClrLst/>
+    <dgm:txFillClrLst meth="repeat">
+      <a:schemeClr val="tx1"/>
+    </dgm:txFillClrLst>
+    <dgm:txEffectClrLst/>
+  </dgm:styleLbl>
+  <dgm:styleLbl name="parChTrans1D3">
+    <dgm:fillClrLst meth="repeat">
+      <a:schemeClr val="accent6">
+        <a:tint val="70000"/>
+      </a:schemeClr>
     </dgm:fillClrLst>
     <dgm:linClrLst meth="repeat">
       <a:schemeClr val="accent1"/>
@@ -2353,206 +2464,14 @@
     </dgm:txFillClrLst>
     <dgm:txEffectClrLst/>
   </dgm:styleLbl>
-  <dgm:styleLbl name="asst0">
+  <dgm:styleLbl name="parChTrans1D4">
     <dgm:fillClrLst meth="repeat">
-      <a:schemeClr val="accent1">
-        <a:alpha val="90000"/>
-      </a:schemeClr>
-    </dgm:fillClrLst>
-    <dgm:linClrLst meth="repeat">
-      <a:schemeClr val="lt1"/>
-    </dgm:linClrLst>
-    <dgm:effectClrLst/>
-    <dgm:txLinClrLst/>
-    <dgm:txFillClrLst/>
-    <dgm:txEffectClrLst/>
-  </dgm:styleLbl>
-  <dgm:styleLbl name="asst1">
-    <dgm:fillClrLst meth="repeat">
-      <a:schemeClr val="accent1">
-        <a:alpha val="90000"/>
-      </a:schemeClr>
-    </dgm:fillClrLst>
-    <dgm:linClrLst meth="repeat">
-      <a:schemeClr val="lt1"/>
-    </dgm:linClrLst>
-    <dgm:effectClrLst/>
-    <dgm:txLinClrLst/>
-    <dgm:txFillClrLst/>
-    <dgm:txEffectClrLst/>
-  </dgm:styleLbl>
-  <dgm:styleLbl name="asst2">
-    <dgm:fillClrLst>
-      <a:schemeClr val="accent1">
-        <a:alpha val="90000"/>
-      </a:schemeClr>
-    </dgm:fillClrLst>
-    <dgm:linClrLst meth="repeat">
-      <a:schemeClr val="lt1"/>
-    </dgm:linClrLst>
-    <dgm:effectClrLst/>
-    <dgm:txLinClrLst/>
-    <dgm:txFillClrLst/>
-    <dgm:txEffectClrLst/>
-  </dgm:styleLbl>
-  <dgm:styleLbl name="asst3">
-    <dgm:fillClrLst>
-      <a:schemeClr val="accent1">
-        <a:alpha val="70000"/>
-      </a:schemeClr>
-    </dgm:fillClrLst>
-    <dgm:linClrLst meth="repeat">
-      <a:schemeClr val="lt1"/>
-    </dgm:linClrLst>
-    <dgm:effectClrLst/>
-    <dgm:txLinClrLst/>
-    <dgm:txFillClrLst/>
-    <dgm:txEffectClrLst/>
-  </dgm:styleLbl>
-  <dgm:styleLbl name="asst4">
-    <dgm:fillClrLst>
-      <a:schemeClr val="accent1">
-        <a:alpha val="50000"/>
-      </a:schemeClr>
-    </dgm:fillClrLst>
-    <dgm:linClrLst meth="repeat">
-      <a:schemeClr val="lt1"/>
-    </dgm:linClrLst>
-    <dgm:effectClrLst/>
-    <dgm:txLinClrLst/>
-    <dgm:txFillClrLst/>
-    <dgm:txEffectClrLst/>
-  </dgm:styleLbl>
-  <dgm:styleLbl name="parChTrans2D1">
-    <dgm:fillClrLst meth="repeat">
-      <a:schemeClr val="accent1">
-        <a:shade val="80000"/>
-      </a:schemeClr>
-    </dgm:fillClrLst>
-    <dgm:linClrLst meth="repeat">
-      <a:schemeClr val="accent1">
-        <a:shade val="80000"/>
-      </a:schemeClr>
-    </dgm:linClrLst>
-    <dgm:effectClrLst/>
-    <dgm:txLinClrLst/>
-    <dgm:txFillClrLst/>
-    <dgm:txEffectClrLst/>
-  </dgm:styleLbl>
-  <dgm:styleLbl name="parChTrans2D2">
-    <dgm:fillClrLst meth="repeat">
-      <a:schemeClr val="accent1">
-        <a:tint val="90000"/>
-      </a:schemeClr>
-    </dgm:fillClrLst>
-    <dgm:linClrLst meth="repeat">
-      <a:schemeClr val="accent1">
-        <a:tint val="90000"/>
-      </a:schemeClr>
-    </dgm:linClrLst>
-    <dgm:effectClrLst/>
-    <dgm:txLinClrLst/>
-    <dgm:txFillClrLst/>
-    <dgm:txEffectClrLst/>
-  </dgm:styleLbl>
-  <dgm:styleLbl name="parChTrans2D3">
-    <dgm:fillClrLst meth="repeat">
-      <a:schemeClr val="accent1">
-        <a:tint val="70000"/>
-      </a:schemeClr>
-    </dgm:fillClrLst>
-    <dgm:linClrLst meth="repeat">
-      <a:schemeClr val="accent1">
-        <a:tint val="70000"/>
-      </a:schemeClr>
-    </dgm:linClrLst>
-    <dgm:effectClrLst/>
-    <dgm:txLinClrLst/>
-    <dgm:txFillClrLst/>
-    <dgm:txEffectClrLst/>
-  </dgm:styleLbl>
-  <dgm:styleLbl name="parChTrans2D4">
-    <dgm:fillClrLst meth="repeat">
-      <a:schemeClr val="accent1">
+      <a:schemeClr val="accent6">
         <a:tint val="50000"/>
       </a:schemeClr>
     </dgm:fillClrLst>
     <dgm:linClrLst meth="repeat">
-      <a:schemeClr val="accent1">
-        <a:tint val="50000"/>
-      </a:schemeClr>
-    </dgm:linClrLst>
-    <dgm:effectClrLst/>
-    <dgm:txLinClrLst/>
-    <dgm:txFillClrLst meth="repeat">
-      <a:schemeClr val="dk1"/>
-    </dgm:txFillClrLst>
-    <dgm:txEffectClrLst/>
-  </dgm:styleLbl>
-  <dgm:styleLbl name="parChTrans1D1">
-    <dgm:fillClrLst meth="repeat">
-      <a:schemeClr val="accent1">
-        <a:shade val="80000"/>
-      </a:schemeClr>
-    </dgm:fillClrLst>
-    <dgm:linClrLst meth="repeat">
-      <a:schemeClr val="accent1">
-        <a:shade val="80000"/>
-      </a:schemeClr>
-    </dgm:linClrLst>
-    <dgm:effectClrLst/>
-    <dgm:txLinClrLst/>
-    <dgm:txFillClrLst meth="repeat">
-      <a:schemeClr val="tx1"/>
-    </dgm:txFillClrLst>
-    <dgm:txEffectClrLst/>
-  </dgm:styleLbl>
-  <dgm:styleLbl name="parChTrans1D2">
-    <dgm:fillClrLst meth="repeat">
-      <a:schemeClr val="accent1">
-        <a:tint val="90000"/>
-      </a:schemeClr>
-    </dgm:fillClrLst>
-    <dgm:linClrLst meth="repeat">
-      <a:schemeClr val="accent1">
-        <a:tint val="90000"/>
-      </a:schemeClr>
-    </dgm:linClrLst>
-    <dgm:effectClrLst/>
-    <dgm:txLinClrLst/>
-    <dgm:txFillClrLst meth="repeat">
-      <a:schemeClr val="tx1"/>
-    </dgm:txFillClrLst>
-    <dgm:txEffectClrLst/>
-  </dgm:styleLbl>
-  <dgm:styleLbl name="parChTrans1D3">
-    <dgm:fillClrLst meth="repeat">
-      <a:schemeClr val="accent1">
-        <a:tint val="70000"/>
-      </a:schemeClr>
-    </dgm:fillClrLst>
-    <dgm:linClrLst meth="repeat">
-      <a:schemeClr val="accent1">
-        <a:tint val="70000"/>
-      </a:schemeClr>
-    </dgm:linClrLst>
-    <dgm:effectClrLst/>
-    <dgm:txLinClrLst/>
-    <dgm:txFillClrLst meth="repeat">
-      <a:schemeClr val="tx1"/>
-    </dgm:txFillClrLst>
-    <dgm:txEffectClrLst/>
-  </dgm:styleLbl>
-  <dgm:styleLbl name="parChTrans1D4">
-    <dgm:fillClrLst meth="repeat">
-      <a:schemeClr val="accent1">
-        <a:tint val="50000"/>
-      </a:schemeClr>
-    </dgm:fillClrLst>
-    <dgm:linClrLst meth="repeat">
-      <a:schemeClr val="accent1">
-        <a:tint val="50000"/>
-      </a:schemeClr>
+      <a:schemeClr val="accent2"/>
     </dgm:linClrLst>
     <dgm:effectClrLst/>
     <dgm:txLinClrLst/>
@@ -2568,12 +2487,8 @@
       </a:schemeClr>
     </dgm:fillClrLst>
     <dgm:linClrLst>
-      <a:schemeClr val="accent1">
-        <a:alpha val="90000"/>
-      </a:schemeClr>
-      <a:schemeClr val="accent1">
-        <a:alpha val="50000"/>
-      </a:schemeClr>
+      <a:schemeClr val="accent5"/>
+      <a:schemeClr val="accent6"/>
     </dgm:linClrLst>
     <dgm:effectClrLst/>
     <dgm:txLinClrLst/>
@@ -2589,12 +2504,8 @@
       </a:schemeClr>
     </dgm:fillClrLst>
     <dgm:linClrLst>
-      <a:schemeClr val="accent1">
-        <a:alpha val="90000"/>
-      </a:schemeClr>
-      <a:schemeClr val="accent1">
-        <a:alpha val="50000"/>
-      </a:schemeClr>
+      <a:schemeClr val="accent5"/>
+      <a:schemeClr val="accent6"/>
     </dgm:linClrLst>
     <dgm:effectClrLst/>
     <dgm:txLinClrLst/>
@@ -2610,12 +2521,8 @@
       </a:schemeClr>
     </dgm:fillClrLst>
     <dgm:linClrLst>
-      <a:schemeClr val="accent1">
-        <a:alpha val="90000"/>
-      </a:schemeClr>
-      <a:schemeClr val="accent1">
-        <a:alpha val="50000"/>
-      </a:schemeClr>
+      <a:schemeClr val="accent5"/>
+      <a:schemeClr val="accent6"/>
     </dgm:linClrLst>
     <dgm:effectClrLst/>
     <dgm:txLinClrLst/>
@@ -2630,13 +2537,8 @@
         <a:alpha val="40000"/>
       </a:schemeClr>
     </dgm:fillClrLst>
-    <dgm:linClrLst>
-      <a:schemeClr val="accent1">
-        <a:alpha val="90000"/>
-      </a:schemeClr>
-      <a:schemeClr val="accent1">
-        <a:alpha val="50000"/>
-      </a:schemeClr>
+    <dgm:linClrLst meth="repeat">
+      <a:schemeClr val="accent5"/>
     </dgm:linClrLst>
     <dgm:effectClrLst/>
     <dgm:txLinClrLst/>
@@ -2652,12 +2554,8 @@
       </a:schemeClr>
     </dgm:fillClrLst>
     <dgm:linClrLst>
-      <a:schemeClr val="accent1">
-        <a:alpha val="90000"/>
-      </a:schemeClr>
-      <a:schemeClr val="accent1">
-        <a:alpha val="50000"/>
-      </a:schemeClr>
+      <a:schemeClr val="accent5"/>
+      <a:schemeClr val="accent6"/>
     </dgm:linClrLst>
     <dgm:effectClrLst/>
     <dgm:txLinClrLst/>
@@ -2671,12 +2569,8 @@
       <a:schemeClr val="lt1"/>
     </dgm:fillClrLst>
     <dgm:linClrLst>
-      <a:schemeClr val="accent1">
-        <a:alpha val="90000"/>
-      </a:schemeClr>
-      <a:schemeClr val="accent1">
-        <a:alpha val="50000"/>
-      </a:schemeClr>
+      <a:schemeClr val="accent5"/>
+      <a:schemeClr val="accent6"/>
     </dgm:linClrLst>
     <dgm:effectClrLst/>
     <dgm:txLinClrLst/>
@@ -2689,8 +2583,9 @@
     <dgm:fillClrLst meth="repeat">
       <a:schemeClr val="lt1"/>
     </dgm:fillClrLst>
-    <dgm:linClrLst meth="repeat">
-      <a:schemeClr val="accent1"/>
+    <dgm:linClrLst>
+      <a:schemeClr val="accent5"/>
+      <a:schemeClr val="accent6"/>
     </dgm:linClrLst>
     <dgm:effectClrLst/>
     <dgm:txLinClrLst/>
@@ -2703,8 +2598,9 @@
     <dgm:fillClrLst meth="repeat">
       <a:schemeClr val="lt1"/>
     </dgm:fillClrLst>
-    <dgm:linClrLst meth="repeat">
-      <a:schemeClr val="accent1"/>
+    <dgm:linClrLst>
+      <a:schemeClr val="accent5"/>
+      <a:schemeClr val="accent6"/>
     </dgm:linClrLst>
     <dgm:effectClrLst/>
     <dgm:txLinClrLst/>
@@ -2715,19 +2611,23 @@
   </dgm:styleLbl>
   <dgm:styleLbl name="fgAccFollowNode1">
     <dgm:fillClrLst>
-      <a:schemeClr val="accent1">
+      <a:schemeClr val="accent5">
+        <a:tint val="40000"/>
         <a:alpha val="90000"/>
+      </a:schemeClr>
+      <a:schemeClr val="accent6">
         <a:tint val="40000"/>
-      </a:schemeClr>
-      <a:schemeClr val="accent1">
-        <a:alpha val="50000"/>
-        <a:tint val="40000"/>
+        <a:alpha val="90000"/>
       </a:schemeClr>
     </dgm:fillClrLst>
-    <dgm:linClrLst meth="repeat">
-      <a:schemeClr val="accent1">
+    <dgm:linClrLst>
+      <a:schemeClr val="accent5">
+        <a:tint val="40000"/>
         <a:alpha val="90000"/>
+      </a:schemeClr>
+      <a:schemeClr val="accent5">
         <a:tint val="40000"/>
+        <a:alpha val="90000"/>
       </a:schemeClr>
     </dgm:linClrLst>
     <dgm:effectClrLst/>
@@ -2738,16 +2638,24 @@
     <dgm:txEffectClrLst/>
   </dgm:styleLbl>
   <dgm:styleLbl name="alignAccFollowNode1">
-    <dgm:fillClrLst meth="repeat">
-      <a:schemeClr val="accent1">
+    <dgm:fillClrLst>
+      <a:schemeClr val="accent5">
+        <a:tint val="40000"/>
         <a:alpha val="90000"/>
+      </a:schemeClr>
+      <a:schemeClr val="accent6">
         <a:tint val="40000"/>
+        <a:alpha val="90000"/>
       </a:schemeClr>
     </dgm:fillClrLst>
-    <dgm:linClrLst meth="repeat">
-      <a:schemeClr val="accent1">
+    <dgm:linClrLst>
+      <a:schemeClr val="accent5">
+        <a:tint val="40000"/>
         <a:alpha val="90000"/>
+      </a:schemeClr>
+      <a:schemeClr val="accent6">
         <a:tint val="40000"/>
+        <a:alpha val="90000"/>
       </a:schemeClr>
     </dgm:linClrLst>
     <dgm:effectClrLst/>
@@ -2758,14 +2666,25 @@
     <dgm:txEffectClrLst/>
   </dgm:styleLbl>
   <dgm:styleLbl name="bgAccFollowNode1">
-    <dgm:fillClrLst meth="repeat">
-      <a:schemeClr val="accent1">
+    <dgm:fillClrLst>
+      <a:schemeClr val="accent5">
+        <a:tint val="40000"/>
         <a:alpha val="90000"/>
+      </a:schemeClr>
+      <a:schemeClr val="accent6">
         <a:tint val="40000"/>
+        <a:alpha val="90000"/>
       </a:schemeClr>
     </dgm:fillClrLst>
-    <dgm:linClrLst meth="repeat">
-      <a:schemeClr val="lt1"/>
+    <dgm:linClrLst>
+      <a:schemeClr val="accent5">
+        <a:tint val="40000"/>
+        <a:alpha val="90000"/>
+      </a:schemeClr>
+      <a:schemeClr val="accent6">
+        <a:tint val="40000"/>
+        <a:alpha val="90000"/>
+      </a:schemeClr>
     </dgm:linClrLst>
     <dgm:effectClrLst/>
     <dgm:txLinClrLst/>
@@ -2780,10 +2699,8 @@
         <a:alpha val="90000"/>
       </a:schemeClr>
     </dgm:fillClrLst>
-    <dgm:linClrLst meth="repeat">
-      <a:schemeClr val="accent1">
-        <a:shade val="80000"/>
-      </a:schemeClr>
+    <dgm:linClrLst>
+      <a:schemeClr val="accent4"/>
     </dgm:linClrLst>
     <dgm:effectClrLst/>
     <dgm:txLinClrLst/>
@@ -2798,10 +2715,8 @@
         <a:alpha val="90000"/>
       </a:schemeClr>
     </dgm:fillClrLst>
-    <dgm:linClrLst meth="repeat">
-      <a:schemeClr val="accent1">
-        <a:tint val="90000"/>
-      </a:schemeClr>
+    <dgm:linClrLst>
+      <a:schemeClr val="accent6"/>
     </dgm:linClrLst>
     <dgm:effectClrLst/>
     <dgm:txLinClrLst/>
@@ -2816,10 +2731,8 @@
         <a:alpha val="90000"/>
       </a:schemeClr>
     </dgm:fillClrLst>
-    <dgm:linClrLst meth="repeat">
-      <a:schemeClr val="accent1">
-        <a:tint val="70000"/>
-      </a:schemeClr>
+    <dgm:linClrLst>
+      <a:schemeClr val="accent1"/>
     </dgm:linClrLst>
     <dgm:effectClrLst/>
     <dgm:txLinClrLst/>
@@ -2834,10 +2747,8 @@
         <a:alpha val="90000"/>
       </a:schemeClr>
     </dgm:fillClrLst>
-    <dgm:linClrLst meth="repeat">
-      <a:schemeClr val="accent1">
-        <a:tint val="50000"/>
-      </a:schemeClr>
+    <dgm:linClrLst>
+      <a:schemeClr val="accent2"/>
     </dgm:linClrLst>
     <dgm:effectClrLst/>
     <dgm:txLinClrLst/>
@@ -2848,7 +2759,7 @@
   </dgm:styleLbl>
   <dgm:styleLbl name="bgShp">
     <dgm:fillClrLst meth="repeat">
-      <a:schemeClr val="accent1">
+      <a:schemeClr val="accent5">
         <a:tint val="40000"/>
       </a:schemeClr>
     </dgm:fillClrLst>
@@ -2864,7 +2775,7 @@
   </dgm:styleLbl>
   <dgm:styleLbl name="dkBgShp">
     <dgm:fillClrLst meth="repeat">
-      <a:schemeClr val="accent1">
+      <a:schemeClr val="accent5">
         <a:shade val="90000"/>
       </a:schemeClr>
     </dgm:fillClrLst>
@@ -2880,13 +2791,13 @@
   </dgm:styleLbl>
   <dgm:styleLbl name="trBgShp">
     <dgm:fillClrLst meth="repeat">
-      <a:schemeClr val="accent1">
+      <a:schemeClr val="accent5">
         <a:tint val="50000"/>
         <a:alpha val="40000"/>
       </a:schemeClr>
     </dgm:fillClrLst>
     <dgm:linClrLst meth="repeat">
-      <a:schemeClr val="accent1"/>
+      <a:schemeClr val="accent5"/>
     </dgm:linClrLst>
     <dgm:effectClrLst/>
     <dgm:txLinClrLst/>
@@ -2897,7 +2808,7 @@
   </dgm:styleLbl>
   <dgm:styleLbl name="fgShp">
     <dgm:fillClrLst meth="repeat">
-      <a:schemeClr val="accent1">
+      <a:schemeClr val="accent5">
         <a:tint val="40000"/>
       </a:schemeClr>
     </dgm:fillClrLst>
@@ -4858,7 +4769,7 @@
 <dgm:dataModel xmlns:dgm="http://schemas.openxmlformats.org/drawingml/2006/diagram" xmlns:a="http://schemas.openxmlformats.org/drawingml/2006/main">
   <dgm:ptLst>
     <dgm:pt modelId="{762B7D0F-6333-4529-B25E-8BBEB5A69D23}" type="doc">
-      <dgm:prSet loTypeId="urn:microsoft.com/office/officeart/2005/8/layout/venn2" loCatId="relationship" qsTypeId="urn:microsoft.com/office/officeart/2005/8/quickstyle/simple1" qsCatId="simple" csTypeId="urn:microsoft.com/office/officeart/2005/8/colors/accent1_5" csCatId="accent1" phldr="1"/>
+      <dgm:prSet loTypeId="urn:microsoft.com/office/officeart/2005/8/layout/venn2" loCatId="relationship" qsTypeId="urn:microsoft.com/office/officeart/2005/8/quickstyle/simple1" qsCatId="simple" csTypeId="urn:microsoft.com/office/officeart/2005/8/colors/colorful5" csCatId="colorful" phldr="1"/>
       <dgm:spPr/>
       <dgm:t>
         <a:bodyPr/>
@@ -8050,8 +7961,7 @@
           <a:avLst/>
         </a:prstGeom>
         <a:solidFill>
-          <a:schemeClr val="accent1">
-            <a:alpha val="90000"/>
+          <a:schemeClr val="accent5">
             <a:hueOff val="0"/>
             <a:satOff val="0"/>
             <a:lumOff val="0"/>
@@ -8142,12 +8052,11 @@
           <a:avLst/>
         </a:prstGeom>
         <a:solidFill>
-          <a:schemeClr val="accent1">
-            <a:alpha val="90000"/>
-            <a:hueOff val="0"/>
-            <a:satOff val="0"/>
-            <a:lumOff val="0"/>
-            <a:alphaOff val="-13333"/>
+          <a:schemeClr val="accent5">
+            <a:hueOff val="1771018"/>
+            <a:satOff val="-761"/>
+            <a:lumOff val="-3529"/>
+            <a:alphaOff val="0"/>
           </a:schemeClr>
         </a:solidFill>
         <a:ln w="19050" cap="flat" cmpd="sng" algn="ctr">
@@ -8228,12 +8137,11 @@
           <a:avLst/>
         </a:prstGeom>
         <a:solidFill>
-          <a:schemeClr val="accent1">
-            <a:alpha val="90000"/>
-            <a:hueOff val="0"/>
-            <a:satOff val="0"/>
-            <a:lumOff val="0"/>
-            <a:alphaOff val="-26667"/>
+          <a:schemeClr val="accent5">
+            <a:hueOff val="3542036"/>
+            <a:satOff val="-1523"/>
+            <a:lumOff val="-7059"/>
+            <a:alphaOff val="0"/>
           </a:schemeClr>
         </a:solidFill>
         <a:ln w="19050" cap="flat" cmpd="sng" algn="ctr">
@@ -8320,12 +8228,11 @@
           <a:avLst/>
         </a:prstGeom>
         <a:solidFill>
-          <a:schemeClr val="accent1">
-            <a:alpha val="90000"/>
-            <a:hueOff val="0"/>
-            <a:satOff val="0"/>
-            <a:lumOff val="0"/>
-            <a:alphaOff val="-40000"/>
+          <a:schemeClr val="accent5">
+            <a:hueOff val="5313054"/>
+            <a:satOff val="-2284"/>
+            <a:lumOff val="-10588"/>
+            <a:alphaOff val="0"/>
           </a:schemeClr>
         </a:solidFill>
         <a:ln w="19050" cap="flat" cmpd="sng" algn="ctr">
@@ -12830,14 +12737,14 @@
   <p:clrMapOvr>
     <a:masterClrMapping/>
   </p:clrMapOvr>
-  <mc:AlternateContent xmlns:mc="http://schemas.openxmlformats.org/markup-compatibility/2006" xmlns:p159="http://schemas.microsoft.com/office/powerpoint/2015/09/main">
-    <mc:Choice Requires="p159">
-      <p:transition xmlns:p14="http://schemas.microsoft.com/office/powerpoint/2010/main" spd="slow" p14:dur="2000">
+  <mc:AlternateContent xmlns:mc="http://schemas.openxmlformats.org/markup-compatibility/2006">
+    <mc:Choice xmlns:p159="http://schemas.microsoft.com/office/powerpoint/2015/09/main" Requires="p159">
+      <p:transition>
         <p159:morph option="byWord"/>
       </p:transition>
     </mc:Choice>
-    <mc:Fallback xmlns="">
-      <p:transition spd="slow">
+    <mc:Fallback>
+      <p:transition>
         <p:fade/>
       </p:transition>
     </mc:Fallback>
@@ -12964,14 +12871,14 @@
   <p:clrMapOvr>
     <a:masterClrMapping/>
   </p:clrMapOvr>
-  <mc:AlternateContent xmlns:mc="http://schemas.openxmlformats.org/markup-compatibility/2006" xmlns:p159="http://schemas.microsoft.com/office/powerpoint/2015/09/main">
-    <mc:Choice Requires="p159">
-      <p:transition xmlns:p14="http://schemas.microsoft.com/office/powerpoint/2010/main" spd="slow" p14:dur="2000">
+  <mc:AlternateContent xmlns:mc="http://schemas.openxmlformats.org/markup-compatibility/2006">
+    <mc:Choice xmlns:p159="http://schemas.microsoft.com/office/powerpoint/2015/09/main" Requires="p159">
+      <p:transition>
         <p159:morph option="byWord"/>
       </p:transition>
     </mc:Choice>
-    <mc:Fallback xmlns="">
-      <p:transition spd="slow">
+    <mc:Fallback>
+      <p:transition>
         <p:fade/>
       </p:transition>
     </mc:Fallback>
@@ -13075,14 +12982,14 @@
   <p:clrMapOvr>
     <a:masterClrMapping/>
   </p:clrMapOvr>
-  <mc:AlternateContent xmlns:mc="http://schemas.openxmlformats.org/markup-compatibility/2006" xmlns:p159="http://schemas.microsoft.com/office/powerpoint/2015/09/main">
-    <mc:Choice Requires="p159">
-      <p:transition xmlns:p14="http://schemas.microsoft.com/office/powerpoint/2010/main" spd="slow" p14:dur="2000">
+  <mc:AlternateContent xmlns:mc="http://schemas.openxmlformats.org/markup-compatibility/2006">
+    <mc:Choice xmlns:p159="http://schemas.microsoft.com/office/powerpoint/2015/09/main" Requires="p159">
+      <p:transition>
         <p159:morph option="byWord"/>
       </p:transition>
     </mc:Choice>
-    <mc:Fallback xmlns="">
-      <p:transition spd="slow">
+    <mc:Fallback>
+      <p:transition>
         <p:fade/>
       </p:transition>
     </mc:Fallback>
@@ -13159,14 +13066,14 @@
   <p:clrMapOvr>
     <a:masterClrMapping/>
   </p:clrMapOvr>
-  <mc:AlternateContent xmlns:mc="http://schemas.openxmlformats.org/markup-compatibility/2006" xmlns:p159="http://schemas.microsoft.com/office/powerpoint/2015/09/main">
-    <mc:Choice Requires="p159">
-      <p:transition xmlns:p14="http://schemas.microsoft.com/office/powerpoint/2010/main" spd="slow" p14:dur="2000">
+  <mc:AlternateContent xmlns:mc="http://schemas.openxmlformats.org/markup-compatibility/2006">
+    <mc:Choice xmlns:p159="http://schemas.microsoft.com/office/powerpoint/2015/09/main" Requires="p159">
+      <p:transition>
         <p159:morph option="byWord"/>
       </p:transition>
     </mc:Choice>
-    <mc:Fallback xmlns="">
-      <p:transition spd="slow">
+    <mc:Fallback>
+      <p:transition>
         <p:fade/>
       </p:transition>
     </mc:Fallback>
@@ -13292,14 +13199,14 @@
   <p:clrMapOvr>
     <a:masterClrMapping/>
   </p:clrMapOvr>
-  <mc:AlternateContent xmlns:mc="http://schemas.openxmlformats.org/markup-compatibility/2006" xmlns:p159="http://schemas.microsoft.com/office/powerpoint/2015/09/main">
-    <mc:Choice Requires="p159">
-      <p:transition xmlns:p14="http://schemas.microsoft.com/office/powerpoint/2010/main" spd="slow" p14:dur="2000">
+  <mc:AlternateContent xmlns:mc="http://schemas.openxmlformats.org/markup-compatibility/2006">
+    <mc:Choice xmlns:p159="http://schemas.microsoft.com/office/powerpoint/2015/09/main" Requires="p159">
+      <p:transition>
         <p159:morph option="byWord"/>
       </p:transition>
     </mc:Choice>
-    <mc:Fallback xmlns="">
-      <p:transition spd="slow">
+    <mc:Fallback>
+      <p:transition>
         <p:fade/>
       </p:transition>
     </mc:Fallback>
@@ -13425,14 +13332,14 @@
   <p:clrMapOvr>
     <a:masterClrMapping/>
   </p:clrMapOvr>
-  <mc:AlternateContent xmlns:mc="http://schemas.openxmlformats.org/markup-compatibility/2006" xmlns:p159="http://schemas.microsoft.com/office/powerpoint/2015/09/main">
-    <mc:Choice Requires="p159">
-      <p:transition xmlns:p14="http://schemas.microsoft.com/office/powerpoint/2010/main" spd="slow" p14:dur="2000">
+  <mc:AlternateContent xmlns:mc="http://schemas.openxmlformats.org/markup-compatibility/2006">
+    <mc:Choice xmlns:p159="http://schemas.microsoft.com/office/powerpoint/2015/09/main" Requires="p159">
+      <p:transition>
         <p159:morph option="byWord"/>
       </p:transition>
     </mc:Choice>
-    <mc:Fallback xmlns="">
-      <p:transition spd="slow">
+    <mc:Fallback>
+      <p:transition>
         <p:fade/>
       </p:transition>
     </mc:Fallback>
@@ -13558,14 +13465,14 @@
   <p:clrMapOvr>
     <a:masterClrMapping/>
   </p:clrMapOvr>
-  <mc:AlternateContent xmlns:mc="http://schemas.openxmlformats.org/markup-compatibility/2006" xmlns:p159="http://schemas.microsoft.com/office/powerpoint/2015/09/main">
-    <mc:Choice Requires="p159">
-      <p:transition xmlns:p14="http://schemas.microsoft.com/office/powerpoint/2010/main" spd="slow" p14:dur="2000">
+  <mc:AlternateContent xmlns:mc="http://schemas.openxmlformats.org/markup-compatibility/2006">
+    <mc:Choice xmlns:p159="http://schemas.microsoft.com/office/powerpoint/2015/09/main" Requires="p159">
+      <p:transition>
         <p159:morph option="byWord"/>
       </p:transition>
     </mc:Choice>
-    <mc:Fallback xmlns="">
-      <p:transition spd="slow">
+    <mc:Fallback>
+      <p:transition>
         <p:fade/>
       </p:transition>
     </mc:Fallback>
@@ -13691,14 +13598,14 @@
   <p:clrMapOvr>
     <a:masterClrMapping/>
   </p:clrMapOvr>
-  <mc:AlternateContent xmlns:mc="http://schemas.openxmlformats.org/markup-compatibility/2006" xmlns:p159="http://schemas.microsoft.com/office/powerpoint/2015/09/main">
-    <mc:Choice Requires="p159">
-      <p:transition xmlns:p14="http://schemas.microsoft.com/office/powerpoint/2010/main" spd="slow" p14:dur="2000">
+  <mc:AlternateContent xmlns:mc="http://schemas.openxmlformats.org/markup-compatibility/2006">
+    <mc:Choice xmlns:p159="http://schemas.microsoft.com/office/powerpoint/2015/09/main" Requires="p159">
+      <p:transition>
         <p159:morph option="byWord"/>
       </p:transition>
     </mc:Choice>
-    <mc:Fallback xmlns="">
-      <p:transition spd="slow">
+    <mc:Fallback>
+      <p:transition>
         <p:fade/>
       </p:transition>
     </mc:Fallback>
@@ -13824,14 +13731,14 @@
   <p:clrMapOvr>
     <a:masterClrMapping/>
   </p:clrMapOvr>
-  <mc:AlternateContent xmlns:mc="http://schemas.openxmlformats.org/markup-compatibility/2006" xmlns:p159="http://schemas.microsoft.com/office/powerpoint/2015/09/main">
-    <mc:Choice Requires="p159">
-      <p:transition xmlns:p14="http://schemas.microsoft.com/office/powerpoint/2010/main" spd="slow" p14:dur="2000">
+  <mc:AlternateContent xmlns:mc="http://schemas.openxmlformats.org/markup-compatibility/2006">
+    <mc:Choice xmlns:p159="http://schemas.microsoft.com/office/powerpoint/2015/09/main" Requires="p159">
+      <p:transition>
         <p159:morph option="byWord"/>
       </p:transition>
     </mc:Choice>
-    <mc:Fallback xmlns="">
-      <p:transition spd="slow">
+    <mc:Fallback>
+      <p:transition>
         <p:fade/>
       </p:transition>
     </mc:Fallback>
@@ -13947,14 +13854,14 @@
   <p:clrMapOvr>
     <a:masterClrMapping/>
   </p:clrMapOvr>
-  <mc:AlternateContent xmlns:mc="http://schemas.openxmlformats.org/markup-compatibility/2006" xmlns:p159="http://schemas.microsoft.com/office/powerpoint/2015/09/main">
-    <mc:Choice Requires="p159">
-      <p:transition xmlns:p14="http://schemas.microsoft.com/office/powerpoint/2010/main" spd="slow" p14:dur="2000">
+  <mc:AlternateContent xmlns:mc="http://schemas.openxmlformats.org/markup-compatibility/2006">
+    <mc:Choice xmlns:p159="http://schemas.microsoft.com/office/powerpoint/2015/09/main" Requires="p159">
+      <p:transition>
         <p159:morph option="byWord"/>
       </p:transition>
     </mc:Choice>
-    <mc:Fallback xmlns="">
-      <p:transition spd="slow">
+    <mc:Fallback>
+      <p:transition>
         <p:fade/>
       </p:transition>
     </mc:Fallback>
@@ -14070,14 +13977,14 @@
   <p:clrMapOvr>
     <a:masterClrMapping/>
   </p:clrMapOvr>
-  <mc:AlternateContent xmlns:mc="http://schemas.openxmlformats.org/markup-compatibility/2006" xmlns:p159="http://schemas.microsoft.com/office/powerpoint/2015/09/main">
-    <mc:Choice Requires="p159">
-      <p:transition xmlns:p14="http://schemas.microsoft.com/office/powerpoint/2010/main" spd="slow" p14:dur="2000">
+  <mc:AlternateContent xmlns:mc="http://schemas.openxmlformats.org/markup-compatibility/2006">
+    <mc:Choice xmlns:p159="http://schemas.microsoft.com/office/powerpoint/2015/09/main" Requires="p159">
+      <p:transition>
         <p159:morph option="byWord"/>
       </p:transition>
     </mc:Choice>
-    <mc:Fallback xmlns="">
-      <p:transition spd="slow">
+    <mc:Fallback>
+      <p:transition>
         <p:fade/>
       </p:transition>
     </mc:Fallback>
@@ -14376,14 +14283,14 @@
   <p:clrMapOvr>
     <a:masterClrMapping/>
   </p:clrMapOvr>
-  <mc:AlternateContent xmlns:mc="http://schemas.openxmlformats.org/markup-compatibility/2006" xmlns:p159="http://schemas.microsoft.com/office/powerpoint/2015/09/main">
-    <mc:Choice Requires="p159">
-      <p:transition xmlns:p14="http://schemas.microsoft.com/office/powerpoint/2010/main" spd="slow" p14:dur="2000">
+  <mc:AlternateContent xmlns:mc="http://schemas.openxmlformats.org/markup-compatibility/2006">
+    <mc:Choice xmlns:p159="http://schemas.microsoft.com/office/powerpoint/2015/09/main" Requires="p159">
+      <p:transition>
         <p159:morph option="byWord"/>
       </p:transition>
     </mc:Choice>
-    <mc:Fallback xmlns="">
-      <p:transition spd="slow">
+    <mc:Fallback>
+      <p:transition>
         <p:fade/>
       </p:transition>
     </mc:Fallback>
@@ -14499,14 +14406,14 @@
   <p:clrMapOvr>
     <a:masterClrMapping/>
   </p:clrMapOvr>
-  <mc:AlternateContent xmlns:mc="http://schemas.openxmlformats.org/markup-compatibility/2006" xmlns:p159="http://schemas.microsoft.com/office/powerpoint/2015/09/main">
-    <mc:Choice Requires="p159">
-      <p:transition xmlns:p14="http://schemas.microsoft.com/office/powerpoint/2010/main" spd="slow" p14:dur="2000">
+  <mc:AlternateContent xmlns:mc="http://schemas.openxmlformats.org/markup-compatibility/2006">
+    <mc:Choice xmlns:p159="http://schemas.microsoft.com/office/powerpoint/2015/09/main" Requires="p159">
+      <p:transition>
         <p159:morph option="byWord"/>
       </p:transition>
     </mc:Choice>
-    <mc:Fallback xmlns="">
-      <p:transition spd="slow">
+    <mc:Fallback>
+      <p:transition>
         <p:fade/>
       </p:transition>
     </mc:Fallback>
@@ -14622,14 +14529,14 @@
   <p:clrMapOvr>
     <a:masterClrMapping/>
   </p:clrMapOvr>
-  <mc:AlternateContent xmlns:mc="http://schemas.openxmlformats.org/markup-compatibility/2006" xmlns:p159="http://schemas.microsoft.com/office/powerpoint/2015/09/main">
-    <mc:Choice Requires="p159">
-      <p:transition xmlns:p14="http://schemas.microsoft.com/office/powerpoint/2010/main" spd="slow" p14:dur="2000">
+  <mc:AlternateContent xmlns:mc="http://schemas.openxmlformats.org/markup-compatibility/2006">
+    <mc:Choice xmlns:p159="http://schemas.microsoft.com/office/powerpoint/2015/09/main" Requires="p159">
+      <p:transition>
         <p159:morph option="byWord"/>
       </p:transition>
     </mc:Choice>
-    <mc:Fallback xmlns="">
-      <p:transition spd="slow">
+    <mc:Fallback>
+      <p:transition>
         <p:fade/>
       </p:transition>
     </mc:Fallback>
@@ -14745,14 +14652,14 @@
   <p:clrMapOvr>
     <a:masterClrMapping/>
   </p:clrMapOvr>
-  <mc:AlternateContent xmlns:mc="http://schemas.openxmlformats.org/markup-compatibility/2006" xmlns:p159="http://schemas.microsoft.com/office/powerpoint/2015/09/main">
-    <mc:Choice Requires="p159">
-      <p:transition xmlns:p14="http://schemas.microsoft.com/office/powerpoint/2010/main" spd="slow" p14:dur="2000">
+  <mc:AlternateContent xmlns:mc="http://schemas.openxmlformats.org/markup-compatibility/2006">
+    <mc:Choice xmlns:p159="http://schemas.microsoft.com/office/powerpoint/2015/09/main" Requires="p159">
+      <p:transition>
         <p159:morph option="byWord"/>
       </p:transition>
     </mc:Choice>
-    <mc:Fallback xmlns="">
-      <p:transition spd="slow">
+    <mc:Fallback>
+      <p:transition>
         <p:fade/>
       </p:transition>
     </mc:Fallback>
@@ -14992,14 +14899,14 @@
   <p:clrMapOvr>
     <a:masterClrMapping/>
   </p:clrMapOvr>
-  <mc:AlternateContent xmlns:mc="http://schemas.openxmlformats.org/markup-compatibility/2006" xmlns:p159="http://schemas.microsoft.com/office/powerpoint/2015/09/main">
-    <mc:Choice Requires="p159">
-      <p:transition xmlns:p14="http://schemas.microsoft.com/office/powerpoint/2010/main" spd="slow" p14:dur="2000">
+  <mc:AlternateContent xmlns:mc="http://schemas.openxmlformats.org/markup-compatibility/2006">
+    <mc:Choice xmlns:p159="http://schemas.microsoft.com/office/powerpoint/2015/09/main" Requires="p159">
+      <p:transition>
         <p159:morph option="byWord"/>
       </p:transition>
     </mc:Choice>
-    <mc:Fallback xmlns="">
-      <p:transition spd="slow">
+    <mc:Fallback>
+      <p:transition>
         <p:fade/>
       </p:transition>
     </mc:Fallback>
@@ -15319,14 +15226,14 @@
   <p:clrMapOvr>
     <a:masterClrMapping/>
   </p:clrMapOvr>
-  <mc:AlternateContent xmlns:mc="http://schemas.openxmlformats.org/markup-compatibility/2006" xmlns:p159="http://schemas.microsoft.com/office/powerpoint/2015/09/main">
-    <mc:Choice Requires="p159">
-      <p:transition xmlns:p14="http://schemas.microsoft.com/office/powerpoint/2010/main" spd="slow" p14:dur="2000">
+  <mc:AlternateContent xmlns:mc="http://schemas.openxmlformats.org/markup-compatibility/2006">
+    <mc:Choice xmlns:p159="http://schemas.microsoft.com/office/powerpoint/2015/09/main" Requires="p159">
+      <p:transition>
         <p159:morph option="byWord"/>
       </p:transition>
     </mc:Choice>
-    <mc:Fallback xmlns="">
-      <p:transition spd="slow">
+    <mc:Fallback>
+      <p:transition>
         <p:fade/>
       </p:transition>
     </mc:Fallback>
@@ -15607,14 +15514,14 @@
   <p:clrMapOvr>
     <a:masterClrMapping/>
   </p:clrMapOvr>
-  <mc:AlternateContent xmlns:mc="http://schemas.openxmlformats.org/markup-compatibility/2006" xmlns:p159="http://schemas.microsoft.com/office/powerpoint/2015/09/main">
-    <mc:Choice Requires="p159">
-      <p:transition xmlns:p14="http://schemas.microsoft.com/office/powerpoint/2010/main" spd="slow" p14:dur="2000">
+  <mc:AlternateContent xmlns:mc="http://schemas.openxmlformats.org/markup-compatibility/2006">
+    <mc:Choice xmlns:p159="http://schemas.microsoft.com/office/powerpoint/2015/09/main" Requires="p159">
+      <p:transition>
         <p159:morph option="byWord"/>
       </p:transition>
     </mc:Choice>
-    <mc:Fallback xmlns="">
-      <p:transition spd="slow">
+    <mc:Fallback>
+      <p:transition>
         <p:fade/>
       </p:transition>
     </mc:Fallback>
@@ -15793,14 +15700,14 @@
   <p:clrMapOvr>
     <a:masterClrMapping/>
   </p:clrMapOvr>
-  <mc:AlternateContent xmlns:mc="http://schemas.openxmlformats.org/markup-compatibility/2006" xmlns:p159="http://schemas.microsoft.com/office/powerpoint/2015/09/main">
-    <mc:Choice Requires="p159">
-      <p:transition xmlns:p14="http://schemas.microsoft.com/office/powerpoint/2010/main" spd="slow" p14:dur="2000">
+  <mc:AlternateContent xmlns:mc="http://schemas.openxmlformats.org/markup-compatibility/2006">
+    <mc:Choice xmlns:p159="http://schemas.microsoft.com/office/powerpoint/2015/09/main" Requires="p159">
+      <p:transition>
         <p159:morph option="byWord"/>
       </p:transition>
     </mc:Choice>
-    <mc:Fallback xmlns="">
-      <p:transition spd="slow">
+    <mc:Fallback>
+      <p:transition>
         <p:fade/>
       </p:transition>
     </mc:Fallback>
@@ -15989,14 +15896,14 @@
   <p:clrMapOvr>
     <a:masterClrMapping/>
   </p:clrMapOvr>
-  <mc:AlternateContent xmlns:mc="http://schemas.openxmlformats.org/markup-compatibility/2006" xmlns:p159="http://schemas.microsoft.com/office/powerpoint/2015/09/main">
-    <mc:Choice Requires="p159">
-      <p:transition xmlns:p14="http://schemas.microsoft.com/office/powerpoint/2010/main" spd="slow" p14:dur="2000">
+  <mc:AlternateContent xmlns:mc="http://schemas.openxmlformats.org/markup-compatibility/2006">
+    <mc:Choice xmlns:p159="http://schemas.microsoft.com/office/powerpoint/2015/09/main" Requires="p159">
+      <p:transition>
         <p159:morph option="byWord"/>
       </p:transition>
     </mc:Choice>
-    <mc:Fallback xmlns="">
-      <p:transition spd="slow">
+    <mc:Fallback>
+      <p:transition>
         <p:fade/>
       </p:transition>
     </mc:Fallback>
@@ -16361,14 +16268,14 @@
   <p:clrMapOvr>
     <a:masterClrMapping/>
   </p:clrMapOvr>
-  <mc:AlternateContent xmlns:mc="http://schemas.openxmlformats.org/markup-compatibility/2006" xmlns:p159="http://schemas.microsoft.com/office/powerpoint/2015/09/main">
-    <mc:Choice Requires="p159">
-      <p:transition xmlns:p14="http://schemas.microsoft.com/office/powerpoint/2010/main" spd="slow" p14:dur="2000">
+  <mc:AlternateContent xmlns:mc="http://schemas.openxmlformats.org/markup-compatibility/2006">
+    <mc:Choice xmlns:p159="http://schemas.microsoft.com/office/powerpoint/2015/09/main" Requires="p159">
+      <p:transition>
         <p159:morph option="byWord"/>
       </p:transition>
     </mc:Choice>
-    <mc:Fallback xmlns="">
-      <p:transition spd="slow">
+    <mc:Fallback>
+      <p:transition>
         <p:fade/>
       </p:transition>
     </mc:Fallback>
@@ -16608,14 +16515,14 @@
   <p:clrMapOvr>
     <a:masterClrMapping/>
   </p:clrMapOvr>
-  <mc:AlternateContent xmlns:mc="http://schemas.openxmlformats.org/markup-compatibility/2006" xmlns:p159="http://schemas.microsoft.com/office/powerpoint/2015/09/main">
-    <mc:Choice Requires="p159">
-      <p:transition xmlns:p14="http://schemas.microsoft.com/office/powerpoint/2010/main" spd="slow" p14:dur="2000">
+  <mc:AlternateContent xmlns:mc="http://schemas.openxmlformats.org/markup-compatibility/2006">
+    <mc:Choice xmlns:p159="http://schemas.microsoft.com/office/powerpoint/2015/09/main" Requires="p159">
+      <p:transition>
         <p159:morph option="byWord"/>
       </p:transition>
     </mc:Choice>
-    <mc:Fallback xmlns="">
-      <p:transition spd="slow">
+    <mc:Fallback>
+      <p:transition>
         <p:fade/>
       </p:transition>
     </mc:Fallback>
@@ -16962,14 +16869,14 @@
   <p:clrMapOvr>
     <a:masterClrMapping/>
   </p:clrMapOvr>
-  <mc:AlternateContent xmlns:mc="http://schemas.openxmlformats.org/markup-compatibility/2006" xmlns:p159="http://schemas.microsoft.com/office/powerpoint/2015/09/main">
-    <mc:Choice Requires="p159">
-      <p:transition xmlns:p14="http://schemas.microsoft.com/office/powerpoint/2010/main" spd="slow" p14:dur="2000">
+  <mc:AlternateContent xmlns:mc="http://schemas.openxmlformats.org/markup-compatibility/2006">
+    <mc:Choice xmlns:p159="http://schemas.microsoft.com/office/powerpoint/2015/09/main" Requires="p159">
+      <p:transition>
         <p159:morph option="byWord"/>
       </p:transition>
     </mc:Choice>
-    <mc:Fallback xmlns="">
-      <p:transition spd="slow">
+    <mc:Fallback>
+      <p:transition>
         <p:fade/>
       </p:transition>
     </mc:Fallback>
@@ -17310,14 +17217,14 @@
   <p:clrMapOvr>
     <a:masterClrMapping/>
   </p:clrMapOvr>
-  <mc:AlternateContent xmlns:mc="http://schemas.openxmlformats.org/markup-compatibility/2006" xmlns:p159="http://schemas.microsoft.com/office/powerpoint/2015/09/main">
-    <mc:Choice Requires="p159">
-      <p:transition xmlns:p14="http://schemas.microsoft.com/office/powerpoint/2010/main" spd="slow" p14:dur="2000">
+  <mc:AlternateContent xmlns:mc="http://schemas.openxmlformats.org/markup-compatibility/2006">
+    <mc:Choice xmlns:p159="http://schemas.microsoft.com/office/powerpoint/2015/09/main" Requires="p159">
+      <p:transition>
         <p159:morph option="byWord"/>
       </p:transition>
     </mc:Choice>
-    <mc:Fallback xmlns="">
-      <p:transition spd="slow">
+    <mc:Fallback>
+      <p:transition>
         <p:fade/>
       </p:transition>
     </mc:Fallback>
@@ -17612,14 +17519,14 @@
   <p:clrMapOvr>
     <a:masterClrMapping/>
   </p:clrMapOvr>
-  <mc:AlternateContent xmlns:mc="http://schemas.openxmlformats.org/markup-compatibility/2006" xmlns:p159="http://schemas.microsoft.com/office/powerpoint/2015/09/main">
-    <mc:Choice Requires="p159">
-      <p:transition xmlns:p14="http://schemas.microsoft.com/office/powerpoint/2010/main" spd="slow" p14:dur="2000">
+  <mc:AlternateContent xmlns:mc="http://schemas.openxmlformats.org/markup-compatibility/2006">
+    <mc:Choice xmlns:p159="http://schemas.microsoft.com/office/powerpoint/2015/09/main" Requires="p159">
+      <p:transition>
         <p159:morph option="byWord"/>
       </p:transition>
     </mc:Choice>
-    <mc:Fallback xmlns="">
-      <p:transition spd="slow">
+    <mc:Fallback>
+      <p:transition>
         <p:fade/>
       </p:transition>
     </mc:Fallback>
@@ -17916,14 +17823,14 @@
   <p:clrMapOvr>
     <a:masterClrMapping/>
   </p:clrMapOvr>
-  <mc:AlternateContent xmlns:mc="http://schemas.openxmlformats.org/markup-compatibility/2006" xmlns:p159="http://schemas.microsoft.com/office/powerpoint/2015/09/main">
-    <mc:Choice Requires="p159">
-      <p:transition xmlns:p14="http://schemas.microsoft.com/office/powerpoint/2010/main" spd="slow" p14:dur="2000">
+  <mc:AlternateContent xmlns:mc="http://schemas.openxmlformats.org/markup-compatibility/2006">
+    <mc:Choice xmlns:p159="http://schemas.microsoft.com/office/powerpoint/2015/09/main" Requires="p159">
+      <p:transition>
         <p159:morph option="byWord"/>
       </p:transition>
     </mc:Choice>
-    <mc:Fallback xmlns="">
-      <p:transition spd="slow">
+    <mc:Fallback>
+      <p:transition>
         <p:fade/>
       </p:transition>
     </mc:Fallback>
@@ -18356,14 +18263,14 @@
   <p:clrMapOvr>
     <a:masterClrMapping/>
   </p:clrMapOvr>
-  <mc:AlternateContent xmlns:mc="http://schemas.openxmlformats.org/markup-compatibility/2006" xmlns:p159="http://schemas.microsoft.com/office/powerpoint/2015/09/main">
-    <mc:Choice Requires="p159">
-      <p:transition xmlns:p14="http://schemas.microsoft.com/office/powerpoint/2010/main" spd="slow" p14:dur="2000">
+  <mc:AlternateContent xmlns:mc="http://schemas.openxmlformats.org/markup-compatibility/2006">
+    <mc:Choice xmlns:p159="http://schemas.microsoft.com/office/powerpoint/2015/09/main" Requires="p159">
+      <p:transition>
         <p159:morph option="byWord"/>
       </p:transition>
     </mc:Choice>
-    <mc:Fallback xmlns="">
-      <p:transition spd="slow">
+    <mc:Fallback>
+      <p:transition>
         <p:fade/>
       </p:transition>
     </mc:Fallback>
@@ -18682,14 +18589,14 @@
     <p:sldLayoutId id="2147483724" r:id="rId26"/>
     <p:sldLayoutId id="2147483725" r:id="rId27"/>
   </p:sldLayoutIdLst>
-  <mc:AlternateContent xmlns:mc="http://schemas.openxmlformats.org/markup-compatibility/2006" xmlns:p159="http://schemas.microsoft.com/office/powerpoint/2015/09/main">
-    <mc:Choice Requires="p159">
-      <p:transition xmlns:p14="http://schemas.microsoft.com/office/powerpoint/2010/main" spd="slow" p14:dur="2000">
+  <mc:AlternateContent xmlns:mc="http://schemas.openxmlformats.org/markup-compatibility/2006">
+    <mc:Choice xmlns:p159="http://schemas.microsoft.com/office/powerpoint/2015/09/main" Requires="p159">
+      <p:transition>
         <p159:morph option="byWord"/>
       </p:transition>
     </mc:Choice>
-    <mc:Fallback xmlns="">
-      <p:transition spd="slow">
+    <mc:Fallback>
+      <p:transition>
         <p:fade/>
       </p:transition>
     </mc:Fallback>
@@ -19246,14 +19153,14 @@
   <p:clrMapOvr>
     <a:masterClrMapping/>
   </p:clrMapOvr>
-  <mc:AlternateContent xmlns:mc="http://schemas.openxmlformats.org/markup-compatibility/2006" xmlns:p159="http://schemas.microsoft.com/office/powerpoint/2015/09/main">
-    <mc:Choice Requires="p159">
-      <p:transition xmlns:p14="http://schemas.microsoft.com/office/powerpoint/2010/main" spd="slow" p14:dur="2000">
+  <mc:AlternateContent xmlns:mc="http://schemas.openxmlformats.org/markup-compatibility/2006">
+    <mc:Choice xmlns:p159="http://schemas.microsoft.com/office/powerpoint/2015/09/main" Requires="p159">
+      <p:transition>
         <p159:morph option="byWord"/>
       </p:transition>
     </mc:Choice>
-    <mc:Fallback xmlns="">
-      <p:transition spd="slow">
+    <mc:Fallback>
+      <p:transition>
         <p:fade/>
       </p:transition>
     </mc:Fallback>
@@ -19342,14 +19249,14 @@
   <p:clrMapOvr>
     <a:masterClrMapping/>
   </p:clrMapOvr>
-  <mc:AlternateContent xmlns:mc="http://schemas.openxmlformats.org/markup-compatibility/2006" xmlns:p159="http://schemas.microsoft.com/office/powerpoint/2015/09/main">
-    <mc:Choice Requires="p159">
-      <p:transition xmlns:p14="http://schemas.microsoft.com/office/powerpoint/2010/main" spd="slow" p14:dur="2000">
+  <mc:AlternateContent xmlns:mc="http://schemas.openxmlformats.org/markup-compatibility/2006">
+    <mc:Choice xmlns:p159="http://schemas.microsoft.com/office/powerpoint/2015/09/main" Requires="p159">
+      <p:transition>
         <p159:morph option="byWord"/>
       </p:transition>
     </mc:Choice>
-    <mc:Fallback xmlns="">
-      <p:transition spd="slow">
+    <mc:Fallback>
+      <p:transition>
         <p:fade/>
       </p:transition>
     </mc:Fallback>
@@ -19464,14 +19371,14 @@
   <p:clrMapOvr>
     <a:masterClrMapping/>
   </p:clrMapOvr>
-  <mc:AlternateContent xmlns:mc="http://schemas.openxmlformats.org/markup-compatibility/2006" xmlns:p159="http://schemas.microsoft.com/office/powerpoint/2015/09/main">
-    <mc:Choice Requires="p159">
-      <p:transition xmlns:p14="http://schemas.microsoft.com/office/powerpoint/2010/main" spd="slow" p14:dur="2000">
+  <mc:AlternateContent xmlns:mc="http://schemas.openxmlformats.org/markup-compatibility/2006">
+    <mc:Choice xmlns:p159="http://schemas.microsoft.com/office/powerpoint/2015/09/main" Requires="p159">
+      <p:transition>
         <p159:morph option="byWord"/>
       </p:transition>
     </mc:Choice>
-    <mc:Fallback xmlns="">
-      <p:transition spd="slow">
+    <mc:Fallback>
+      <p:transition>
         <p:fade/>
       </p:transition>
     </mc:Fallback>
@@ -19560,14 +19467,14 @@
   <p:clrMapOvr>
     <a:masterClrMapping/>
   </p:clrMapOvr>
-  <mc:AlternateContent xmlns:mc="http://schemas.openxmlformats.org/markup-compatibility/2006" xmlns:p159="http://schemas.microsoft.com/office/powerpoint/2015/09/main">
-    <mc:Choice Requires="p159">
-      <p:transition xmlns:p14="http://schemas.microsoft.com/office/powerpoint/2010/main" spd="slow" p14:dur="2000">
+  <mc:AlternateContent xmlns:mc="http://schemas.openxmlformats.org/markup-compatibility/2006">
+    <mc:Choice xmlns:p159="http://schemas.microsoft.com/office/powerpoint/2015/09/main" Requires="p159">
+      <p:transition>
         <p159:morph option="byWord"/>
       </p:transition>
     </mc:Choice>
-    <mc:Fallback xmlns="">
-      <p:transition spd="slow">
+    <mc:Fallback>
+      <p:transition>
         <p:fade/>
       </p:transition>
     </mc:Fallback>
@@ -19656,14 +19563,14 @@
   <p:clrMapOvr>
     <a:masterClrMapping/>
   </p:clrMapOvr>
-  <mc:AlternateContent xmlns:mc="http://schemas.openxmlformats.org/markup-compatibility/2006" xmlns:p159="http://schemas.microsoft.com/office/powerpoint/2015/09/main">
-    <mc:Choice Requires="p159">
-      <p:transition xmlns:p14="http://schemas.microsoft.com/office/powerpoint/2010/main" spd="slow" p14:dur="2000">
+  <mc:AlternateContent xmlns:mc="http://schemas.openxmlformats.org/markup-compatibility/2006">
+    <mc:Choice xmlns:p159="http://schemas.microsoft.com/office/powerpoint/2015/09/main" Requires="p159">
+      <p:transition>
         <p159:morph option="byWord"/>
       </p:transition>
     </mc:Choice>
-    <mc:Fallback xmlns="">
-      <p:transition spd="slow">
+    <mc:Fallback>
+      <p:transition>
         <p:fade/>
       </p:transition>
     </mc:Fallback>
@@ -19752,14 +19659,14 @@
   <p:clrMapOvr>
     <a:masterClrMapping/>
   </p:clrMapOvr>
-  <mc:AlternateContent xmlns:mc="http://schemas.openxmlformats.org/markup-compatibility/2006" xmlns:p159="http://schemas.microsoft.com/office/powerpoint/2015/09/main">
-    <mc:Choice Requires="p159">
-      <p:transition xmlns:p14="http://schemas.microsoft.com/office/powerpoint/2010/main" spd="slow" p14:dur="2000">
+  <mc:AlternateContent xmlns:mc="http://schemas.openxmlformats.org/markup-compatibility/2006">
+    <mc:Choice xmlns:p159="http://schemas.microsoft.com/office/powerpoint/2015/09/main" Requires="p159">
+      <p:transition>
         <p159:morph option="byWord"/>
       </p:transition>
     </mc:Choice>
-    <mc:Fallback xmlns="">
-      <p:transition spd="slow">
+    <mc:Fallback>
+      <p:transition>
         <p:fade/>
       </p:transition>
     </mc:Fallback>
@@ -19863,14 +19770,14 @@
   <p:clrMapOvr>
     <a:masterClrMapping/>
   </p:clrMapOvr>
-  <mc:AlternateContent xmlns:mc="http://schemas.openxmlformats.org/markup-compatibility/2006" xmlns:p159="http://schemas.microsoft.com/office/powerpoint/2015/09/main">
-    <mc:Choice Requires="p159">
-      <p:transition xmlns:p14="http://schemas.microsoft.com/office/powerpoint/2010/main" spd="slow" p14:dur="2000">
+  <mc:AlternateContent xmlns:mc="http://schemas.openxmlformats.org/markup-compatibility/2006">
+    <mc:Choice xmlns:p159="http://schemas.microsoft.com/office/powerpoint/2015/09/main" Requires="p159">
+      <p:transition>
         <p159:morph option="byWord"/>
       </p:transition>
     </mc:Choice>
-    <mc:Fallback xmlns="">
-      <p:transition spd="slow">
+    <mc:Fallback>
+      <p:transition>
         <p:fade/>
       </p:transition>
     </mc:Fallback>
@@ -19941,7 +19848,7 @@
               <p:nvPr>
                 <p:extLst>
                   <p:ext uri="{D42A27DB-BD31-4B8C-83A1-F6EECF244321}">
-                    <p14:modId xmlns:p14="http://schemas.microsoft.com/office/powerpoint/2010/main" val="3719388808"/>
+                    <p14:modId xmlns:p14="http://schemas.microsoft.com/office/powerpoint/2010/main" val="1970347461"/>
                   </p:ext>
                 </p:extLst>
               </p:nvPr>
@@ -19963,7 +19870,7 @@
                       </p166:blipFill>
                       <p166:spPr xmlns:p166="http://schemas.microsoft.com/office/powerpoint/2016/6/main">
                         <a:xfrm>
-                          <a:off x="982601" y="105561"/>
+                          <a:off x="1779105" y="105561"/>
                           <a:ext cx="1535429" cy="863679"/>
                         </a:xfrm>
                         <a:prstGeom prst="rect">
@@ -19987,7 +19894,7 @@
                       </p166:blipFill>
                       <p166:spPr xmlns:p166="http://schemas.microsoft.com/office/powerpoint/2016/6/main">
                         <a:xfrm>
-                          <a:off x="2575609" y="105561"/>
+                          <a:off x="3372113" y="105561"/>
                           <a:ext cx="1535429" cy="863679"/>
                         </a:xfrm>
                         <a:prstGeom prst="rect">
@@ -20011,31 +19918,7 @@
                       </p166:blipFill>
                       <p166:spPr xmlns:p166="http://schemas.microsoft.com/office/powerpoint/2016/6/main">
                         <a:xfrm>
-                          <a:off x="4168617" y="105561"/>
-                          <a:ext cx="1535429" cy="863679"/>
-                        </a:xfrm>
-                        <a:prstGeom prst="rect">
-                          <a:avLst/>
-                        </a:prstGeom>
-                        <a:ln w="3175">
-                          <a:solidFill>
-                            <a:prstClr val="ltGray"/>
-                          </a:solidFill>
-                        </a:ln>
-                      </p166:spPr>
-                    </psuz:zmPr>
-                  </psuz:summaryZmObj>
-                  <psuz:summaryZmObj sectionId="{33AA2443-7388-4C85-A494-2C2129BCA270}">
-                    <psuz:zmPr id="{D0FB4BCD-9869-49D5-9808-E2C402F25478}" transitionDur="1000">
-                      <p166:blipFill xmlns:p166="http://schemas.microsoft.com/office/powerpoint/2016/6/main">
-                        <a:blip r:embed="rId5"/>
-                        <a:stretch>
-                          <a:fillRect/>
-                        </a:stretch>
-                      </p166:blipFill>
-                      <p166:spPr xmlns:p166="http://schemas.microsoft.com/office/powerpoint/2016/6/main">
-                        <a:xfrm>
-                          <a:off x="5761625" y="105561"/>
+                          <a:off x="4965121" y="105561"/>
                           <a:ext cx="1535429" cy="863679"/>
                         </a:xfrm>
                         <a:prstGeom prst="rect">
@@ -20052,14 +19935,14 @@
                   <psuz:summaryZmObj sectionId="{40F2F240-9D91-412E-A23A-8E95F7901267}">
                     <psuz:zmPr id="{E6EF96D8-0F1D-409D-ABF2-FBE23577B3A3}" transitionDur="1000">
                       <p166:blipFill xmlns:p166="http://schemas.microsoft.com/office/powerpoint/2016/6/main">
-                        <a:blip r:embed="rId6"/>
+                        <a:blip r:embed="rId5"/>
                         <a:stretch>
                           <a:fillRect/>
                         </a:stretch>
                       </p166:blipFill>
                       <p166:spPr xmlns:p166="http://schemas.microsoft.com/office/powerpoint/2016/6/main">
                         <a:xfrm>
-                          <a:off x="7354633" y="105561"/>
+                          <a:off x="6558129" y="105561"/>
                           <a:ext cx="1535429" cy="863679"/>
                         </a:xfrm>
                         <a:prstGeom prst="rect">
@@ -20076,14 +19959,14 @@
                   <psuz:summaryZmObj sectionId="{5DF3C2D2-C074-4565-B2A8-F9E4834D2E8B}">
                     <psuz:zmPr id="{162BBB29-9EA9-4696-9113-083E82E55D87}" transitionDur="1000">
                       <p166:blipFill xmlns:p166="http://schemas.microsoft.com/office/powerpoint/2016/6/main">
-                        <a:blip r:embed="rId7"/>
+                        <a:blip r:embed="rId6"/>
                         <a:stretch>
                           <a:fillRect/>
                         </a:stretch>
                       </p166:blipFill>
                       <p166:spPr xmlns:p166="http://schemas.microsoft.com/office/powerpoint/2016/6/main">
                         <a:xfrm>
-                          <a:off x="982601" y="1026819"/>
+                          <a:off x="1779105" y="1026819"/>
                           <a:ext cx="1535429" cy="863679"/>
                         </a:xfrm>
                         <a:prstGeom prst="rect">
@@ -20100,14 +19983,14 @@
                   <psuz:summaryZmObj sectionId="{D1157D31-CABC-4511-997C-CBA167CBDC80}">
                     <psuz:zmPr id="{721AE835-4B9E-47A0-A3AE-B109C3E19140}" transitionDur="1000">
                       <p166:blipFill xmlns:p166="http://schemas.microsoft.com/office/powerpoint/2016/6/main">
-                        <a:blip r:embed="rId8"/>
+                        <a:blip r:embed="rId7"/>
                         <a:stretch>
                           <a:fillRect/>
                         </a:stretch>
                       </p166:blipFill>
                       <p166:spPr xmlns:p166="http://schemas.microsoft.com/office/powerpoint/2016/6/main">
                         <a:xfrm>
-                          <a:off x="2575609" y="1026819"/>
+                          <a:off x="3372113" y="1026819"/>
                           <a:ext cx="1535429" cy="863679"/>
                         </a:xfrm>
                         <a:prstGeom prst="rect">
@@ -20124,14 +20007,14 @@
                   <psuz:summaryZmObj sectionId="{9841FE96-0834-4BD6-A9D4-0C3EE4E23D5B}">
                     <psuz:zmPr id="{C22E16F5-1BD7-4DA0-824A-81DEC4F5E227}" transitionDur="1000">
                       <p166:blipFill xmlns:p166="http://schemas.microsoft.com/office/powerpoint/2016/6/main">
-                        <a:blip r:embed="rId9"/>
+                        <a:blip r:embed="rId8"/>
                         <a:stretch>
                           <a:fillRect/>
                         </a:stretch>
                       </p166:blipFill>
                       <p166:spPr xmlns:p166="http://schemas.microsoft.com/office/powerpoint/2016/6/main">
                         <a:xfrm>
-                          <a:off x="4168617" y="1026819"/>
+                          <a:off x="4965121" y="1026819"/>
                           <a:ext cx="1535429" cy="863679"/>
                         </a:xfrm>
                         <a:prstGeom prst="rect">
@@ -20148,14 +20031,14 @@
                   <psuz:summaryZmObj sectionId="{25DF5541-CEF0-45A4-ADBF-419CCD04F1F4}">
                     <psuz:zmPr id="{5B60C9DF-183D-444A-B5CB-D7EE330B3DB9}" transitionDur="1000">
                       <p166:blipFill xmlns:p166="http://schemas.microsoft.com/office/powerpoint/2016/6/main">
-                        <a:blip r:embed="rId10"/>
+                        <a:blip r:embed="rId9"/>
                         <a:stretch>
                           <a:fillRect/>
                         </a:stretch>
                       </p166:blipFill>
                       <p166:spPr xmlns:p166="http://schemas.microsoft.com/office/powerpoint/2016/6/main">
                         <a:xfrm>
-                          <a:off x="5761625" y="1026819"/>
+                          <a:off x="6558129" y="1026819"/>
                           <a:ext cx="1535429" cy="863679"/>
                         </a:xfrm>
                         <a:prstGeom prst="rect">
@@ -20172,14 +20055,14 @@
                   <psuz:summaryZmObj sectionId="{EAA96F2F-94EB-4941-9A92-DC502CAA175C}">
                     <psuz:zmPr id="{4F7914BA-17C8-4A97-A7E0-83AAAED6D683}" transitionDur="1000">
                       <p166:blipFill xmlns:p166="http://schemas.microsoft.com/office/powerpoint/2016/6/main">
-                        <a:blip r:embed="rId11"/>
+                        <a:blip r:embed="rId10"/>
                         <a:stretch>
                           <a:fillRect/>
                         </a:stretch>
                       </p166:blipFill>
                       <p166:spPr xmlns:p166="http://schemas.microsoft.com/office/powerpoint/2016/6/main">
                         <a:xfrm>
-                          <a:off x="7354633" y="1026819"/>
+                          <a:off x="1779105" y="1948077"/>
                           <a:ext cx="1535429" cy="863679"/>
                         </a:xfrm>
                         <a:prstGeom prst="rect">
@@ -20196,14 +20079,14 @@
                   <psuz:summaryZmObj sectionId="{D4C05A04-0ADA-4C01-9773-B9E1B7226CDA}">
                     <psuz:zmPr id="{A9629705-CD96-401F-BD2A-F3D6A0B526A1}" transitionDur="1000">
                       <p166:blipFill xmlns:p166="http://schemas.microsoft.com/office/powerpoint/2016/6/main">
-                        <a:blip r:embed="rId12"/>
+                        <a:blip r:embed="rId11"/>
                         <a:stretch>
                           <a:fillRect/>
                         </a:stretch>
                       </p166:blipFill>
                       <p166:spPr xmlns:p166="http://schemas.microsoft.com/office/powerpoint/2016/6/main">
                         <a:xfrm>
-                          <a:off x="982601" y="1948077"/>
+                          <a:off x="3372113" y="1948077"/>
                           <a:ext cx="1535429" cy="863679"/>
                         </a:xfrm>
                         <a:prstGeom prst="rect">
@@ -20220,14 +20103,14 @@
                   <psuz:summaryZmObj sectionId="{92E69060-957B-47C2-A16B-37AA92C78854}">
                     <psuz:zmPr id="{5C552B16-4972-44F1-BCA7-5D0ECB21D534}" transitionDur="1000">
                       <p166:blipFill xmlns:p166="http://schemas.microsoft.com/office/powerpoint/2016/6/main">
-                        <a:blip r:embed="rId13"/>
+                        <a:blip r:embed="rId12"/>
                         <a:stretch>
                           <a:fillRect/>
                         </a:stretch>
                       </p166:blipFill>
                       <p166:spPr xmlns:p166="http://schemas.microsoft.com/office/powerpoint/2016/6/main">
                         <a:xfrm>
-                          <a:off x="2575609" y="1948077"/>
+                          <a:off x="4965121" y="1948077"/>
                           <a:ext cx="1535429" cy="863679"/>
                         </a:xfrm>
                         <a:prstGeom prst="rect">
@@ -20244,14 +20127,14 @@
                   <psuz:summaryZmObj sectionId="{222D225F-40B8-4430-8E08-05153F3F2DA9}">
                     <psuz:zmPr id="{48D13BDB-B68A-4CB0-9156-33F2CDE1D1B3}" transitionDur="1000">
                       <p166:blipFill xmlns:p166="http://schemas.microsoft.com/office/powerpoint/2016/6/main">
-                        <a:blip r:embed="rId14"/>
+                        <a:blip r:embed="rId13"/>
                         <a:stretch>
                           <a:fillRect/>
                         </a:stretch>
                       </p166:blipFill>
                       <p166:spPr xmlns:p166="http://schemas.microsoft.com/office/powerpoint/2016/6/main">
                         <a:xfrm>
-                          <a:off x="4168617" y="1948077"/>
+                          <a:off x="6558129" y="1948077"/>
                           <a:ext cx="1535429" cy="863679"/>
                         </a:xfrm>
                         <a:prstGeom prst="rect">
@@ -20268,14 +20151,14 @@
                   <psuz:summaryZmObj sectionId="{0015CE12-1864-48BA-847C-BE9F3263F1E2}">
                     <psuz:zmPr id="{C7C31001-B364-4010-98D9-57F00EBBEE2B}" transitionDur="1000">
                       <p166:blipFill xmlns:p166="http://schemas.microsoft.com/office/powerpoint/2016/6/main">
-                        <a:blip r:embed="rId15"/>
+                        <a:blip r:embed="rId14"/>
                         <a:stretch>
                           <a:fillRect/>
                         </a:stretch>
                       </p166:blipFill>
                       <p166:spPr xmlns:p166="http://schemas.microsoft.com/office/powerpoint/2016/6/main">
                         <a:xfrm>
-                          <a:off x="5761625" y="1948077"/>
+                          <a:off x="1779105" y="2869335"/>
                           <a:ext cx="1535429" cy="863679"/>
                         </a:xfrm>
                         <a:prstGeom prst="rect">
@@ -20292,14 +20175,14 @@
                   <psuz:summaryZmObj sectionId="{970402E4-893E-4090-A925-66F233360702}">
                     <psuz:zmPr id="{39226ADD-3647-480C-BBD7-C596237E3CA5}" transitionDur="1000">
                       <p166:blipFill xmlns:p166="http://schemas.microsoft.com/office/powerpoint/2016/6/main">
-                        <a:blip r:embed="rId16"/>
+                        <a:blip r:embed="rId15"/>
                         <a:stretch>
                           <a:fillRect/>
                         </a:stretch>
                       </p166:blipFill>
                       <p166:spPr xmlns:p166="http://schemas.microsoft.com/office/powerpoint/2016/6/main">
                         <a:xfrm>
-                          <a:off x="7354633" y="1948077"/>
+                          <a:off x="3372113" y="2869335"/>
                           <a:ext cx="1535429" cy="863679"/>
                         </a:xfrm>
                         <a:prstGeom prst="rect">
@@ -20316,14 +20199,14 @@
                   <psuz:summaryZmObj sectionId="{51284E2B-BF4B-4503-A37B-18509E1F92C9}">
                     <psuz:zmPr id="{6044E972-EA99-4923-8040-47EF2BA7C946}" transitionDur="1000">
                       <p166:blipFill xmlns:p166="http://schemas.microsoft.com/office/powerpoint/2016/6/main">
-                        <a:blip r:embed="rId17"/>
+                        <a:blip r:embed="rId16"/>
                         <a:stretch>
                           <a:fillRect/>
                         </a:stretch>
                       </p166:blipFill>
                       <p166:spPr xmlns:p166="http://schemas.microsoft.com/office/powerpoint/2016/6/main">
                         <a:xfrm>
-                          <a:off x="982601" y="2869335"/>
+                          <a:off x="4965121" y="2869335"/>
                           <a:ext cx="1535429" cy="863679"/>
                         </a:xfrm>
                         <a:prstGeom prst="rect">
@@ -20340,14 +20223,14 @@
                   <psuz:summaryZmObj sectionId="{00CC254F-6A85-49A5-A813-69506AD69DF8}">
                     <psuz:zmPr id="{B876EE0C-210A-4D87-B8B8-452686F394D0}" transitionDur="1000">
                       <p166:blipFill xmlns:p166="http://schemas.microsoft.com/office/powerpoint/2016/6/main">
-                        <a:blip r:embed="rId18"/>
+                        <a:blip r:embed="rId17"/>
                         <a:stretch>
                           <a:fillRect/>
                         </a:stretch>
                       </p166:blipFill>
                       <p166:spPr xmlns:p166="http://schemas.microsoft.com/office/powerpoint/2016/6/main">
                         <a:xfrm>
-                          <a:off x="2575609" y="2869335"/>
+                          <a:off x="6558129" y="2869335"/>
                           <a:ext cx="1535429" cy="863679"/>
                         </a:xfrm>
                         <a:prstGeom prst="rect">
@@ -20393,7 +20276,7 @@
             <p:pic>
               <p:nvPicPr>
                 <p:cNvPr id="3" name="Picture 3">
-                  <a:hlinkClick r:id="rId19" action="ppaction://hlinksldjump"/>
+                  <a:hlinkClick r:id="rId18" action="ppaction://hlinksldjump"/>
                 </p:cNvPr>
                 <p:cNvPicPr>
                   <a:picLocks noSelect="1" noRot="1" noChangeAspect="1" noMove="1" noResize="1" noEditPoints="1" noAdjustHandles="1" noChangeArrowheads="1" noChangeShapeType="1"/>
@@ -20408,7 +20291,7 @@
               </p:blipFill>
               <p:spPr>
                 <a:xfrm>
-                  <a:off x="2125601" y="2162961"/>
+                  <a:off x="2922105" y="2162961"/>
                   <a:ext cx="1535429" cy="863679"/>
                 </a:xfrm>
                 <a:prstGeom prst="rect">
@@ -20424,7 +20307,7 @@
             <p:pic>
               <p:nvPicPr>
                 <p:cNvPr id="4" name="Picture 4">
-                  <a:hlinkClick r:id="rId20" action="ppaction://hlinksldjump"/>
+                  <a:hlinkClick r:id="rId19" action="ppaction://hlinksldjump"/>
                 </p:cNvPr>
                 <p:cNvPicPr>
                   <a:picLocks noSelect="1" noRot="1" noChangeAspect="1" noMove="1" noResize="1" noEditPoints="1" noAdjustHandles="1" noChangeArrowheads="1" noChangeShapeType="1"/>
@@ -20439,7 +20322,7 @@
               </p:blipFill>
               <p:spPr>
                 <a:xfrm>
-                  <a:off x="3718609" y="2162961"/>
+                  <a:off x="4515113" y="2162961"/>
                   <a:ext cx="1535429" cy="863679"/>
                 </a:xfrm>
                 <a:prstGeom prst="rect">
@@ -20455,7 +20338,7 @@
             <p:pic>
               <p:nvPicPr>
                 <p:cNvPr id="6" name="Picture 6">
-                  <a:hlinkClick r:id="rId21" action="ppaction://hlinksldjump"/>
+                  <a:hlinkClick r:id="rId20" action="ppaction://hlinksldjump"/>
                 </p:cNvPr>
                 <p:cNvPicPr>
                   <a:picLocks noSelect="1" noRot="1" noChangeAspect="1" noMove="1" noResize="1" noEditPoints="1" noAdjustHandles="1" noChangeArrowheads="1" noChangeShapeType="1"/>
@@ -20470,36 +20353,7 @@
               </p:blipFill>
               <p:spPr>
                 <a:xfrm>
-                  <a:off x="5311617" y="2162961"/>
-                  <a:ext cx="1535429" cy="863679"/>
-                </a:xfrm>
-                <a:prstGeom prst="rect">
-                  <a:avLst/>
-                </a:prstGeom>
-                <a:ln w="3175">
-                  <a:solidFill>
-                    <a:prstClr val="ltGray"/>
-                  </a:solidFill>
-                </a:ln>
-              </p:spPr>
-            </p:pic>
-            <p:pic>
-              <p:nvPicPr>
-                <p:cNvPr id="7" name="Picture 7"/>
-                <p:cNvPicPr>
-                  <a:picLocks noSelect="1" noRot="1" noChangeAspect="1" noMove="1" noResize="1" noEditPoints="1" noAdjustHandles="1" noChangeArrowheads="1" noChangeShapeType="1"/>
-                </p:cNvPicPr>
-                <p:nvPr/>
-              </p:nvPicPr>
-              <p:blipFill>
-                <a:blip r:embed="rId5"/>
-                <a:stretch>
-                  <a:fillRect/>
-                </a:stretch>
-              </p:blipFill>
-              <p:spPr>
-                <a:xfrm>
-                  <a:off x="6904625" y="2162961"/>
+                  <a:off x="6108121" y="2162961"/>
                   <a:ext cx="1535429" cy="863679"/>
                 </a:xfrm>
                 <a:prstGeom prst="rect">
@@ -20515,6 +20369,37 @@
             <p:pic>
               <p:nvPicPr>
                 <p:cNvPr id="8" name="Picture 8">
+                  <a:hlinkClick r:id="rId21" action="ppaction://hlinksldjump"/>
+                </p:cNvPr>
+                <p:cNvPicPr>
+                  <a:picLocks noSelect="1" noRot="1" noChangeAspect="1" noMove="1" noResize="1" noEditPoints="1" noAdjustHandles="1" noChangeArrowheads="1" noChangeShapeType="1"/>
+                </p:cNvPicPr>
+                <p:nvPr/>
+              </p:nvPicPr>
+              <p:blipFill>
+                <a:blip r:embed="rId5"/>
+                <a:stretch>
+                  <a:fillRect/>
+                </a:stretch>
+              </p:blipFill>
+              <p:spPr>
+                <a:xfrm>
+                  <a:off x="7701129" y="2162961"/>
+                  <a:ext cx="1535429" cy="863679"/>
+                </a:xfrm>
+                <a:prstGeom prst="rect">
+                  <a:avLst/>
+                </a:prstGeom>
+                <a:ln w="3175">
+                  <a:solidFill>
+                    <a:prstClr val="ltGray"/>
+                  </a:solidFill>
+                </a:ln>
+              </p:spPr>
+            </p:pic>
+            <p:pic>
+              <p:nvPicPr>
+                <p:cNvPr id="9" name="Picture 9">
                   <a:hlinkClick r:id="rId22" action="ppaction://hlinksldjump"/>
                 </p:cNvPr>
                 <p:cNvPicPr>
@@ -20530,7 +20415,7 @@
               </p:blipFill>
               <p:spPr>
                 <a:xfrm>
-                  <a:off x="8497633" y="2162961"/>
+                  <a:off x="2922105" y="3084219"/>
                   <a:ext cx="1535429" cy="863679"/>
                 </a:xfrm>
                 <a:prstGeom prst="rect">
@@ -20545,7 +20430,7 @@
             </p:pic>
             <p:pic>
               <p:nvPicPr>
-                <p:cNvPr id="9" name="Picture 9">
+                <p:cNvPr id="10" name="Picture 10">
                   <a:hlinkClick r:id="rId23" action="ppaction://hlinksldjump"/>
                 </p:cNvPr>
                 <p:cNvPicPr>
@@ -20561,7 +20446,7 @@
               </p:blipFill>
               <p:spPr>
                 <a:xfrm>
-                  <a:off x="2125601" y="3084219"/>
+                  <a:off x="4515113" y="3084219"/>
                   <a:ext cx="1535429" cy="863679"/>
                 </a:xfrm>
                 <a:prstGeom prst="rect">
@@ -20576,7 +20461,7 @@
             </p:pic>
             <p:pic>
               <p:nvPicPr>
-                <p:cNvPr id="10" name="Picture 10">
+                <p:cNvPr id="11" name="Picture 11">
                   <a:hlinkClick r:id="rId24" action="ppaction://hlinksldjump"/>
                 </p:cNvPr>
                 <p:cNvPicPr>
@@ -20592,7 +20477,7 @@
               </p:blipFill>
               <p:spPr>
                 <a:xfrm>
-                  <a:off x="3718609" y="3084219"/>
+                  <a:off x="6108121" y="3084219"/>
                   <a:ext cx="1535429" cy="863679"/>
                 </a:xfrm>
                 <a:prstGeom prst="rect">
@@ -20607,7 +20492,7 @@
             </p:pic>
             <p:pic>
               <p:nvPicPr>
-                <p:cNvPr id="11" name="Picture 11">
+                <p:cNvPr id="12" name="Picture 12">
                   <a:hlinkClick r:id="rId25" action="ppaction://hlinksldjump"/>
                 </p:cNvPr>
                 <p:cNvPicPr>
@@ -20623,7 +20508,7 @@
               </p:blipFill>
               <p:spPr>
                 <a:xfrm>
-                  <a:off x="5311617" y="3084219"/>
+                  <a:off x="7701129" y="3084219"/>
                   <a:ext cx="1535429" cy="863679"/>
                 </a:xfrm>
                 <a:prstGeom prst="rect">
@@ -20638,7 +20523,7 @@
             </p:pic>
             <p:pic>
               <p:nvPicPr>
-                <p:cNvPr id="12" name="Picture 12">
+                <p:cNvPr id="13" name="Picture 13">
                   <a:hlinkClick r:id="rId26" action="ppaction://hlinksldjump"/>
                 </p:cNvPr>
                 <p:cNvPicPr>
@@ -20654,7 +20539,7 @@
               </p:blipFill>
               <p:spPr>
                 <a:xfrm>
-                  <a:off x="6904625" y="3084219"/>
+                  <a:off x="2922105" y="4005477"/>
                   <a:ext cx="1535429" cy="863679"/>
                 </a:xfrm>
                 <a:prstGeom prst="rect">
@@ -20669,7 +20554,7 @@
             </p:pic>
             <p:pic>
               <p:nvPicPr>
-                <p:cNvPr id="13" name="Picture 13">
+                <p:cNvPr id="14" name="Picture 14">
                   <a:hlinkClick r:id="rId27" action="ppaction://hlinksldjump"/>
                 </p:cNvPr>
                 <p:cNvPicPr>
@@ -20685,7 +20570,7 @@
               </p:blipFill>
               <p:spPr>
                 <a:xfrm>
-                  <a:off x="8497633" y="3084219"/>
+                  <a:off x="4515113" y="4005477"/>
                   <a:ext cx="1535429" cy="863679"/>
                 </a:xfrm>
                 <a:prstGeom prst="rect">
@@ -20700,7 +20585,7 @@
             </p:pic>
             <p:pic>
               <p:nvPicPr>
-                <p:cNvPr id="14" name="Picture 14">
+                <p:cNvPr id="15" name="Picture 15">
                   <a:hlinkClick r:id="rId28" action="ppaction://hlinksldjump"/>
                 </p:cNvPr>
                 <p:cNvPicPr>
@@ -20716,7 +20601,7 @@
               </p:blipFill>
               <p:spPr>
                 <a:xfrm>
-                  <a:off x="2125601" y="4005477"/>
+                  <a:off x="6108121" y="4005477"/>
                   <a:ext cx="1535429" cy="863679"/>
                 </a:xfrm>
                 <a:prstGeom prst="rect">
@@ -20731,7 +20616,7 @@
             </p:pic>
             <p:pic>
               <p:nvPicPr>
-                <p:cNvPr id="15" name="Picture 15">
+                <p:cNvPr id="16" name="Picture 16">
                   <a:hlinkClick r:id="rId29" action="ppaction://hlinksldjump"/>
                 </p:cNvPr>
                 <p:cNvPicPr>
@@ -20747,7 +20632,7 @@
               </p:blipFill>
               <p:spPr>
                 <a:xfrm>
-                  <a:off x="3718609" y="4005477"/>
+                  <a:off x="7701129" y="4005477"/>
                   <a:ext cx="1535429" cy="863679"/>
                 </a:xfrm>
                 <a:prstGeom prst="rect">
@@ -20762,7 +20647,7 @@
             </p:pic>
             <p:pic>
               <p:nvPicPr>
-                <p:cNvPr id="16" name="Picture 16">
+                <p:cNvPr id="17" name="Picture 17">
                   <a:hlinkClick r:id="rId30" action="ppaction://hlinksldjump"/>
                 </p:cNvPr>
                 <p:cNvPicPr>
@@ -20778,7 +20663,7 @@
               </p:blipFill>
               <p:spPr>
                 <a:xfrm>
-                  <a:off x="5311617" y="4005477"/>
+                  <a:off x="2922105" y="4926735"/>
                   <a:ext cx="1535429" cy="863679"/>
                 </a:xfrm>
                 <a:prstGeom prst="rect">
@@ -20793,7 +20678,7 @@
             </p:pic>
             <p:pic>
               <p:nvPicPr>
-                <p:cNvPr id="17" name="Picture 17">
+                <p:cNvPr id="18" name="Picture 18">
                   <a:hlinkClick r:id="rId31" action="ppaction://hlinksldjump"/>
                 </p:cNvPr>
                 <p:cNvPicPr>
@@ -20809,7 +20694,7 @@
               </p:blipFill>
               <p:spPr>
                 <a:xfrm>
-                  <a:off x="6904625" y="4005477"/>
+                  <a:off x="4515113" y="4926735"/>
                   <a:ext cx="1535429" cy="863679"/>
                 </a:xfrm>
                 <a:prstGeom prst="rect">
@@ -20824,7 +20709,7 @@
             </p:pic>
             <p:pic>
               <p:nvPicPr>
-                <p:cNvPr id="18" name="Picture 18">
+                <p:cNvPr id="19" name="Picture 19">
                   <a:hlinkClick r:id="rId32" action="ppaction://hlinksldjump"/>
                 </p:cNvPr>
                 <p:cNvPicPr>
@@ -20840,7 +20725,7 @@
               </p:blipFill>
               <p:spPr>
                 <a:xfrm>
-                  <a:off x="8497633" y="4005477"/>
+                  <a:off x="6108121" y="4926735"/>
                   <a:ext cx="1535429" cy="863679"/>
                 </a:xfrm>
                 <a:prstGeom prst="rect">
@@ -20855,7 +20740,7 @@
             </p:pic>
             <p:pic>
               <p:nvPicPr>
-                <p:cNvPr id="19" name="Picture 19">
+                <p:cNvPr id="20" name="Picture 20">
                   <a:hlinkClick r:id="rId33" action="ppaction://hlinksldjump"/>
                 </p:cNvPr>
                 <p:cNvPicPr>
@@ -20871,38 +20756,7 @@
               </p:blipFill>
               <p:spPr>
                 <a:xfrm>
-                  <a:off x="2125601" y="4926735"/>
-                  <a:ext cx="1535429" cy="863679"/>
-                </a:xfrm>
-                <a:prstGeom prst="rect">
-                  <a:avLst/>
-                </a:prstGeom>
-                <a:ln w="3175">
-                  <a:solidFill>
-                    <a:prstClr val="ltGray"/>
-                  </a:solidFill>
-                </a:ln>
-              </p:spPr>
-            </p:pic>
-            <p:pic>
-              <p:nvPicPr>
-                <p:cNvPr id="20" name="Picture 20">
-                  <a:hlinkClick r:id="rId34" action="ppaction://hlinksldjump"/>
-                </p:cNvPr>
-                <p:cNvPicPr>
-                  <a:picLocks noSelect="1" noRot="1" noChangeAspect="1" noMove="1" noResize="1" noEditPoints="1" noAdjustHandles="1" noChangeArrowheads="1" noChangeShapeType="1"/>
-                </p:cNvPicPr>
-                <p:nvPr/>
-              </p:nvPicPr>
-              <p:blipFill>
-                <a:blip r:embed="rId18"/>
-                <a:stretch>
-                  <a:fillRect/>
-                </a:stretch>
-              </p:blipFill>
-              <p:spPr>
-                <a:xfrm>
-                  <a:off x="3718609" y="4926735"/>
+                  <a:off x="7701129" y="4926735"/>
                   <a:ext cx="1535429" cy="863679"/>
                 </a:xfrm>
                 <a:prstGeom prst="rect">
@@ -20928,14 +20782,14 @@
   <p:clrMapOvr>
     <a:masterClrMapping/>
   </p:clrMapOvr>
-  <mc:AlternateContent xmlns:mc="http://schemas.openxmlformats.org/markup-compatibility/2006" xmlns:p159="http://schemas.microsoft.com/office/powerpoint/2015/09/main">
-    <mc:Choice Requires="p159">
-      <p:transition xmlns:p14="http://schemas.microsoft.com/office/powerpoint/2010/main" spd="slow" p14:dur="2000">
+  <mc:AlternateContent xmlns:mc="http://schemas.openxmlformats.org/markup-compatibility/2006">
+    <mc:Choice xmlns:p159="http://schemas.microsoft.com/office/powerpoint/2015/09/main" Requires="p159">
+      <p:transition>
         <p159:morph option="byWord"/>
       </p:transition>
     </mc:Choice>
-    <mc:Fallback xmlns="">
-      <p:transition spd="slow">
+    <mc:Fallback>
+      <p:transition>
         <p:fade/>
       </p:transition>
     </mc:Fallback>
@@ -20970,14 +20824,14 @@
   <p:clrMapOvr>
     <a:masterClrMapping/>
   </p:clrMapOvr>
-  <mc:AlternateContent xmlns:mc="http://schemas.openxmlformats.org/markup-compatibility/2006" xmlns:p159="http://schemas.microsoft.com/office/powerpoint/2015/09/main">
-    <mc:Choice Requires="p159">
-      <p:transition xmlns:p14="http://schemas.microsoft.com/office/powerpoint/2010/main" spd="slow" p14:dur="2000">
+  <mc:AlternateContent xmlns:mc="http://schemas.openxmlformats.org/markup-compatibility/2006">
+    <mc:Choice xmlns:p159="http://schemas.microsoft.com/office/powerpoint/2015/09/main" Requires="p159">
+      <p:transition>
         <p159:morph option="byWord"/>
       </p:transition>
     </mc:Choice>
-    <mc:Fallback xmlns="">
-      <p:transition spd="slow">
+    <mc:Fallback>
+      <p:transition>
         <p:fade/>
       </p:transition>
     </mc:Fallback>
@@ -21119,14 +20973,14 @@
   <p:clrMapOvr>
     <a:masterClrMapping/>
   </p:clrMapOvr>
-  <mc:AlternateContent xmlns:mc="http://schemas.openxmlformats.org/markup-compatibility/2006" xmlns:p159="http://schemas.microsoft.com/office/powerpoint/2015/09/main">
-    <mc:Choice Requires="p159">
-      <p:transition xmlns:p14="http://schemas.microsoft.com/office/powerpoint/2010/main" spd="slow" p14:dur="2000">
+  <mc:AlternateContent xmlns:mc="http://schemas.openxmlformats.org/markup-compatibility/2006">
+    <mc:Choice xmlns:p159="http://schemas.microsoft.com/office/powerpoint/2015/09/main" Requires="p159">
+      <p:transition>
         <p159:morph option="byWord"/>
       </p:transition>
     </mc:Choice>
-    <mc:Fallback xmlns="">
-      <p:transition spd="slow">
+    <mc:Fallback>
+      <p:transition>
         <p:fade/>
       </p:transition>
     </mc:Fallback>
@@ -21266,14 +21120,14 @@
   <p:clrMapOvr>
     <a:masterClrMapping/>
   </p:clrMapOvr>
-  <mc:AlternateContent xmlns:mc="http://schemas.openxmlformats.org/markup-compatibility/2006" xmlns:p159="http://schemas.microsoft.com/office/powerpoint/2015/09/main">
-    <mc:Choice Requires="p159">
-      <p:transition xmlns:p14="http://schemas.microsoft.com/office/powerpoint/2010/main" spd="slow" p14:dur="2000">
+  <mc:AlternateContent xmlns:mc="http://schemas.openxmlformats.org/markup-compatibility/2006">
+    <mc:Choice xmlns:p159="http://schemas.microsoft.com/office/powerpoint/2015/09/main" Requires="p159">
+      <p:transition>
         <p159:morph option="byWord"/>
       </p:transition>
     </mc:Choice>
-    <mc:Fallback xmlns="">
-      <p:transition spd="slow">
+    <mc:Fallback>
+      <p:transition>
         <p:fade/>
       </p:transition>
     </mc:Fallback>
@@ -21369,3217 +21223,18 @@
   <p:clrMapOvr>
     <a:masterClrMapping/>
   </p:clrMapOvr>
-  <mc:AlternateContent xmlns:mc="http://schemas.openxmlformats.org/markup-compatibility/2006" xmlns:p159="http://schemas.microsoft.com/office/powerpoint/2015/09/main">
-    <mc:Choice Requires="p159">
-      <p:transition xmlns:p14="http://schemas.microsoft.com/office/powerpoint/2010/main" spd="slow" p14:dur="2000">
+  <mc:AlternateContent xmlns:mc="http://schemas.openxmlformats.org/markup-compatibility/2006">
+    <mc:Choice xmlns:p159="http://schemas.microsoft.com/office/powerpoint/2015/09/main" Requires="p159">
+      <p:transition>
         <p159:morph option="byWord"/>
       </p:transition>
     </mc:Choice>
-    <mc:Fallback xmlns="">
-      <p:transition spd="slow">
+    <mc:Fallback>
+      <p:transition>
         <p:fade/>
       </p:transition>
     </mc:Fallback>
   </mc:AlternateContent>
-  <p:timing>
-    <p:tnLst>
-      <p:par>
-        <p:cTn id="1" dur="indefinite" restart="never" nodeType="tmRoot">
-          <p:childTnLst>
-            <p:seq concurrent="1" nextAc="seek">
-              <p:cTn id="2" dur="indefinite" nodeType="mainSeq">
-                <p:childTnLst>
-                  <p:par>
-                    <p:cTn id="3" fill="hold">
-                      <p:stCondLst>
-                        <p:cond delay="indefinite"/>
-                        <p:cond evt="onBegin" delay="0">
-                          <p:tn val="2"/>
-                        </p:cond>
-                      </p:stCondLst>
-                      <p:childTnLst>
-                        <p:par>
-                          <p:cTn id="4" fill="hold">
-                            <p:stCondLst>
-                              <p:cond delay="0"/>
-                            </p:stCondLst>
-                            <p:childTnLst>
-                              <p:par>
-                                <p:cTn id="5" presetID="27" presetClass="emph" presetSubtype="0" fill="remove" grpId="0" nodeType="afterEffect">
-                                  <p:stCondLst>
-                                    <p:cond delay="0"/>
-                                  </p:stCondLst>
-                                  <p:childTnLst>
-                                    <p:animClr clrSpc="rgb" dir="cw">
-                                      <p:cBhvr override="childStyle">
-                                        <p:cTn id="6" dur="250" autoRev="1" fill="remove"/>
-                                        <p:tgtEl>
-                                          <p:spTgt spid="15">
-                                            <p:graphicEl>
-                                              <a:dgm id="{EC8B4F79-3B7D-489A-A6BC-11C4E8C85428}"/>
-                                            </p:graphicEl>
-                                          </p:spTgt>
-                                        </p:tgtEl>
-                                        <p:attrNameLst>
-                                          <p:attrName>style.color</p:attrName>
-                                        </p:attrNameLst>
-                                      </p:cBhvr>
-                                      <p:to>
-                                        <a:srgbClr val="D54773"/>
-                                      </p:to>
-                                    </p:animClr>
-                                    <p:animClr clrSpc="rgb" dir="cw">
-                                      <p:cBhvr>
-                                        <p:cTn id="7" dur="250" autoRev="1" fill="remove"/>
-                                        <p:tgtEl>
-                                          <p:spTgt spid="15">
-                                            <p:graphicEl>
-                                              <a:dgm id="{EC8B4F79-3B7D-489A-A6BC-11C4E8C85428}"/>
-                                            </p:graphicEl>
-                                          </p:spTgt>
-                                        </p:tgtEl>
-                                        <p:attrNameLst>
-                                          <p:attrName>fillcolor</p:attrName>
-                                        </p:attrNameLst>
-                                      </p:cBhvr>
-                                      <p:to>
-                                        <a:srgbClr val="D54773"/>
-                                      </p:to>
-                                    </p:animClr>
-                                    <p:set>
-                                      <p:cBhvr>
-                                        <p:cTn id="8" dur="250" autoRev="1" fill="remove"/>
-                                        <p:tgtEl>
-                                          <p:spTgt spid="15">
-                                            <p:graphicEl>
-                                              <a:dgm id="{EC8B4F79-3B7D-489A-A6BC-11C4E8C85428}"/>
-                                            </p:graphicEl>
-                                          </p:spTgt>
-                                        </p:tgtEl>
-                                        <p:attrNameLst>
-                                          <p:attrName>fill.type</p:attrName>
-                                        </p:attrNameLst>
-                                      </p:cBhvr>
-                                      <p:to>
-                                        <p:strVal val="solid"/>
-                                      </p:to>
-                                    </p:set>
-                                    <p:set>
-                                      <p:cBhvr>
-                                        <p:cTn id="9" dur="250" autoRev="1" fill="remove"/>
-                                        <p:tgtEl>
-                                          <p:spTgt spid="15">
-                                            <p:graphicEl>
-                                              <a:dgm id="{EC8B4F79-3B7D-489A-A6BC-11C4E8C85428}"/>
-                                            </p:graphicEl>
-                                          </p:spTgt>
-                                        </p:tgtEl>
-                                        <p:attrNameLst>
-                                          <p:attrName>fill.on</p:attrName>
-                                        </p:attrNameLst>
-                                      </p:cBhvr>
-                                      <p:to>
-                                        <p:strVal val="true"/>
-                                      </p:to>
-                                    </p:set>
-                                  </p:childTnLst>
-                                </p:cTn>
-                              </p:par>
-                            </p:childTnLst>
-                          </p:cTn>
-                        </p:par>
-                        <p:par>
-                          <p:cTn id="10" fill="hold">
-                            <p:stCondLst>
-                              <p:cond delay="500"/>
-                            </p:stCondLst>
-                            <p:childTnLst>
-                              <p:par>
-                                <p:cTn id="11" presetID="27" presetClass="emph" presetSubtype="0" fill="remove" grpId="0" nodeType="afterEffect">
-                                  <p:stCondLst>
-                                    <p:cond delay="0"/>
-                                  </p:stCondLst>
-                                  <p:childTnLst>
-                                    <p:animClr clrSpc="rgb" dir="cw">
-                                      <p:cBhvr override="childStyle">
-                                        <p:cTn id="12" dur="250" autoRev="1" fill="remove"/>
-                                        <p:tgtEl>
-                                          <p:spTgt spid="15">
-                                            <p:graphicEl>
-                                              <a:dgm id="{B4E1D589-E6A2-4C8C-B272-F067E195DB99}"/>
-                                            </p:graphicEl>
-                                          </p:spTgt>
-                                        </p:tgtEl>
-                                        <p:attrNameLst>
-                                          <p:attrName>style.color</p:attrName>
-                                        </p:attrNameLst>
-                                      </p:cBhvr>
-                                      <p:to>
-                                        <a:srgbClr val="D54773"/>
-                                      </p:to>
-                                    </p:animClr>
-                                    <p:animClr clrSpc="rgb" dir="cw">
-                                      <p:cBhvr>
-                                        <p:cTn id="13" dur="250" autoRev="1" fill="remove"/>
-                                        <p:tgtEl>
-                                          <p:spTgt spid="15">
-                                            <p:graphicEl>
-                                              <a:dgm id="{B4E1D589-E6A2-4C8C-B272-F067E195DB99}"/>
-                                            </p:graphicEl>
-                                          </p:spTgt>
-                                        </p:tgtEl>
-                                        <p:attrNameLst>
-                                          <p:attrName>fillcolor</p:attrName>
-                                        </p:attrNameLst>
-                                      </p:cBhvr>
-                                      <p:to>
-                                        <a:srgbClr val="D54773"/>
-                                      </p:to>
-                                    </p:animClr>
-                                    <p:set>
-                                      <p:cBhvr>
-                                        <p:cTn id="14" dur="250" autoRev="1" fill="remove"/>
-                                        <p:tgtEl>
-                                          <p:spTgt spid="15">
-                                            <p:graphicEl>
-                                              <a:dgm id="{B4E1D589-E6A2-4C8C-B272-F067E195DB99}"/>
-                                            </p:graphicEl>
-                                          </p:spTgt>
-                                        </p:tgtEl>
-                                        <p:attrNameLst>
-                                          <p:attrName>fill.type</p:attrName>
-                                        </p:attrNameLst>
-                                      </p:cBhvr>
-                                      <p:to>
-                                        <p:strVal val="solid"/>
-                                      </p:to>
-                                    </p:set>
-                                    <p:set>
-                                      <p:cBhvr>
-                                        <p:cTn id="15" dur="250" autoRev="1" fill="remove"/>
-                                        <p:tgtEl>
-                                          <p:spTgt spid="15">
-                                            <p:graphicEl>
-                                              <a:dgm id="{B4E1D589-E6A2-4C8C-B272-F067E195DB99}"/>
-                                            </p:graphicEl>
-                                          </p:spTgt>
-                                        </p:tgtEl>
-                                        <p:attrNameLst>
-                                          <p:attrName>fill.on</p:attrName>
-                                        </p:attrNameLst>
-                                      </p:cBhvr>
-                                      <p:to>
-                                        <p:strVal val="true"/>
-                                      </p:to>
-                                    </p:set>
-                                  </p:childTnLst>
-                                </p:cTn>
-                              </p:par>
-                            </p:childTnLst>
-                          </p:cTn>
-                        </p:par>
-                        <p:par>
-                          <p:cTn id="16" fill="hold">
-                            <p:stCondLst>
-                              <p:cond delay="1000"/>
-                            </p:stCondLst>
-                            <p:childTnLst>
-                              <p:par>
-                                <p:cTn id="17" presetID="27" presetClass="emph" presetSubtype="0" fill="remove" grpId="0" nodeType="afterEffect">
-                                  <p:stCondLst>
-                                    <p:cond delay="0"/>
-                                  </p:stCondLst>
-                                  <p:childTnLst>
-                                    <p:animClr clrSpc="rgb" dir="cw">
-                                      <p:cBhvr override="childStyle">
-                                        <p:cTn id="18" dur="250" autoRev="1" fill="remove"/>
-                                        <p:tgtEl>
-                                          <p:spTgt spid="15">
-                                            <p:graphicEl>
-                                              <a:dgm id="{E0F5F243-3991-414C-B1DE-77FABA13F7FD}"/>
-                                            </p:graphicEl>
-                                          </p:spTgt>
-                                        </p:tgtEl>
-                                        <p:attrNameLst>
-                                          <p:attrName>style.color</p:attrName>
-                                        </p:attrNameLst>
-                                      </p:cBhvr>
-                                      <p:to>
-                                        <a:srgbClr val="D54773"/>
-                                      </p:to>
-                                    </p:animClr>
-                                    <p:animClr clrSpc="rgb" dir="cw">
-                                      <p:cBhvr>
-                                        <p:cTn id="19" dur="250" autoRev="1" fill="remove"/>
-                                        <p:tgtEl>
-                                          <p:spTgt spid="15">
-                                            <p:graphicEl>
-                                              <a:dgm id="{E0F5F243-3991-414C-B1DE-77FABA13F7FD}"/>
-                                            </p:graphicEl>
-                                          </p:spTgt>
-                                        </p:tgtEl>
-                                        <p:attrNameLst>
-                                          <p:attrName>fillcolor</p:attrName>
-                                        </p:attrNameLst>
-                                      </p:cBhvr>
-                                      <p:to>
-                                        <a:srgbClr val="D54773"/>
-                                      </p:to>
-                                    </p:animClr>
-                                    <p:set>
-                                      <p:cBhvr>
-                                        <p:cTn id="20" dur="250" autoRev="1" fill="remove"/>
-                                        <p:tgtEl>
-                                          <p:spTgt spid="15">
-                                            <p:graphicEl>
-                                              <a:dgm id="{E0F5F243-3991-414C-B1DE-77FABA13F7FD}"/>
-                                            </p:graphicEl>
-                                          </p:spTgt>
-                                        </p:tgtEl>
-                                        <p:attrNameLst>
-                                          <p:attrName>fill.type</p:attrName>
-                                        </p:attrNameLst>
-                                      </p:cBhvr>
-                                      <p:to>
-                                        <p:strVal val="solid"/>
-                                      </p:to>
-                                    </p:set>
-                                    <p:set>
-                                      <p:cBhvr>
-                                        <p:cTn id="21" dur="250" autoRev="1" fill="remove"/>
-                                        <p:tgtEl>
-                                          <p:spTgt spid="15">
-                                            <p:graphicEl>
-                                              <a:dgm id="{E0F5F243-3991-414C-B1DE-77FABA13F7FD}"/>
-                                            </p:graphicEl>
-                                          </p:spTgt>
-                                        </p:tgtEl>
-                                        <p:attrNameLst>
-                                          <p:attrName>fill.on</p:attrName>
-                                        </p:attrNameLst>
-                                      </p:cBhvr>
-                                      <p:to>
-                                        <p:strVal val="true"/>
-                                      </p:to>
-                                    </p:set>
-                                  </p:childTnLst>
-                                </p:cTn>
-                              </p:par>
-                            </p:childTnLst>
-                          </p:cTn>
-                        </p:par>
-                        <p:par>
-                          <p:cTn id="22" fill="hold">
-                            <p:stCondLst>
-                              <p:cond delay="1500"/>
-                            </p:stCondLst>
-                            <p:childTnLst>
-                              <p:par>
-                                <p:cTn id="23" presetID="27" presetClass="emph" presetSubtype="0" fill="remove" grpId="0" nodeType="afterEffect">
-                                  <p:stCondLst>
-                                    <p:cond delay="0"/>
-                                  </p:stCondLst>
-                                  <p:childTnLst>
-                                    <p:animClr clrSpc="rgb" dir="cw">
-                                      <p:cBhvr override="childStyle">
-                                        <p:cTn id="24" dur="250" autoRev="1" fill="remove"/>
-                                        <p:tgtEl>
-                                          <p:spTgt spid="15">
-                                            <p:graphicEl>
-                                              <a:dgm id="{1874CD63-F84C-4F49-8D7E-B5147E0C0761}"/>
-                                            </p:graphicEl>
-                                          </p:spTgt>
-                                        </p:tgtEl>
-                                        <p:attrNameLst>
-                                          <p:attrName>style.color</p:attrName>
-                                        </p:attrNameLst>
-                                      </p:cBhvr>
-                                      <p:to>
-                                        <a:srgbClr val="D54773"/>
-                                      </p:to>
-                                    </p:animClr>
-                                    <p:animClr clrSpc="rgb" dir="cw">
-                                      <p:cBhvr>
-                                        <p:cTn id="25" dur="250" autoRev="1" fill="remove"/>
-                                        <p:tgtEl>
-                                          <p:spTgt spid="15">
-                                            <p:graphicEl>
-                                              <a:dgm id="{1874CD63-F84C-4F49-8D7E-B5147E0C0761}"/>
-                                            </p:graphicEl>
-                                          </p:spTgt>
-                                        </p:tgtEl>
-                                        <p:attrNameLst>
-                                          <p:attrName>fillcolor</p:attrName>
-                                        </p:attrNameLst>
-                                      </p:cBhvr>
-                                      <p:to>
-                                        <a:srgbClr val="D54773"/>
-                                      </p:to>
-                                    </p:animClr>
-                                    <p:set>
-                                      <p:cBhvr>
-                                        <p:cTn id="26" dur="250" autoRev="1" fill="remove"/>
-                                        <p:tgtEl>
-                                          <p:spTgt spid="15">
-                                            <p:graphicEl>
-                                              <a:dgm id="{1874CD63-F84C-4F49-8D7E-B5147E0C0761}"/>
-                                            </p:graphicEl>
-                                          </p:spTgt>
-                                        </p:tgtEl>
-                                        <p:attrNameLst>
-                                          <p:attrName>fill.type</p:attrName>
-                                        </p:attrNameLst>
-                                      </p:cBhvr>
-                                      <p:to>
-                                        <p:strVal val="solid"/>
-                                      </p:to>
-                                    </p:set>
-                                    <p:set>
-                                      <p:cBhvr>
-                                        <p:cTn id="27" dur="250" autoRev="1" fill="remove"/>
-                                        <p:tgtEl>
-                                          <p:spTgt spid="15">
-                                            <p:graphicEl>
-                                              <a:dgm id="{1874CD63-F84C-4F49-8D7E-B5147E0C0761}"/>
-                                            </p:graphicEl>
-                                          </p:spTgt>
-                                        </p:tgtEl>
-                                        <p:attrNameLst>
-                                          <p:attrName>fill.on</p:attrName>
-                                        </p:attrNameLst>
-                                      </p:cBhvr>
-                                      <p:to>
-                                        <p:strVal val="true"/>
-                                      </p:to>
-                                    </p:set>
-                                  </p:childTnLst>
-                                </p:cTn>
-                              </p:par>
-                            </p:childTnLst>
-                          </p:cTn>
-                        </p:par>
-                        <p:par>
-                          <p:cTn id="28" fill="hold">
-                            <p:stCondLst>
-                              <p:cond delay="2000"/>
-                            </p:stCondLst>
-                            <p:childTnLst>
-                              <p:par>
-                                <p:cTn id="29" presetID="27" presetClass="emph" presetSubtype="0" fill="remove" grpId="0" nodeType="afterEffect">
-                                  <p:stCondLst>
-                                    <p:cond delay="0"/>
-                                  </p:stCondLst>
-                                  <p:childTnLst>
-                                    <p:animClr clrSpc="rgb" dir="cw">
-                                      <p:cBhvr override="childStyle">
-                                        <p:cTn id="30" dur="250" autoRev="1" fill="remove"/>
-                                        <p:tgtEl>
-                                          <p:spTgt spid="15">
-                                            <p:graphicEl>
-                                              <a:dgm id="{02976B10-6E5D-4454-9854-670643BAA783}"/>
-                                            </p:graphicEl>
-                                          </p:spTgt>
-                                        </p:tgtEl>
-                                        <p:attrNameLst>
-                                          <p:attrName>style.color</p:attrName>
-                                        </p:attrNameLst>
-                                      </p:cBhvr>
-                                      <p:to>
-                                        <a:srgbClr val="D54773"/>
-                                      </p:to>
-                                    </p:animClr>
-                                    <p:animClr clrSpc="rgb" dir="cw">
-                                      <p:cBhvr>
-                                        <p:cTn id="31" dur="250" autoRev="1" fill="remove"/>
-                                        <p:tgtEl>
-                                          <p:spTgt spid="15">
-                                            <p:graphicEl>
-                                              <a:dgm id="{02976B10-6E5D-4454-9854-670643BAA783}"/>
-                                            </p:graphicEl>
-                                          </p:spTgt>
-                                        </p:tgtEl>
-                                        <p:attrNameLst>
-                                          <p:attrName>fillcolor</p:attrName>
-                                        </p:attrNameLst>
-                                      </p:cBhvr>
-                                      <p:to>
-                                        <a:srgbClr val="D54773"/>
-                                      </p:to>
-                                    </p:animClr>
-                                    <p:set>
-                                      <p:cBhvr>
-                                        <p:cTn id="32" dur="250" autoRev="1" fill="remove"/>
-                                        <p:tgtEl>
-                                          <p:spTgt spid="15">
-                                            <p:graphicEl>
-                                              <a:dgm id="{02976B10-6E5D-4454-9854-670643BAA783}"/>
-                                            </p:graphicEl>
-                                          </p:spTgt>
-                                        </p:tgtEl>
-                                        <p:attrNameLst>
-                                          <p:attrName>fill.type</p:attrName>
-                                        </p:attrNameLst>
-                                      </p:cBhvr>
-                                      <p:to>
-                                        <p:strVal val="solid"/>
-                                      </p:to>
-                                    </p:set>
-                                    <p:set>
-                                      <p:cBhvr>
-                                        <p:cTn id="33" dur="250" autoRev="1" fill="remove"/>
-                                        <p:tgtEl>
-                                          <p:spTgt spid="15">
-                                            <p:graphicEl>
-                                              <a:dgm id="{02976B10-6E5D-4454-9854-670643BAA783}"/>
-                                            </p:graphicEl>
-                                          </p:spTgt>
-                                        </p:tgtEl>
-                                        <p:attrNameLst>
-                                          <p:attrName>fill.on</p:attrName>
-                                        </p:attrNameLst>
-                                      </p:cBhvr>
-                                      <p:to>
-                                        <p:strVal val="true"/>
-                                      </p:to>
-                                    </p:set>
-                                  </p:childTnLst>
-                                </p:cTn>
-                              </p:par>
-                            </p:childTnLst>
-                          </p:cTn>
-                        </p:par>
-                        <p:par>
-                          <p:cTn id="34" fill="hold">
-                            <p:stCondLst>
-                              <p:cond delay="2500"/>
-                            </p:stCondLst>
-                            <p:childTnLst>
-                              <p:par>
-                                <p:cTn id="35" presetID="27" presetClass="emph" presetSubtype="0" fill="remove" grpId="0" nodeType="afterEffect">
-                                  <p:stCondLst>
-                                    <p:cond delay="0"/>
-                                  </p:stCondLst>
-                                  <p:childTnLst>
-                                    <p:animClr clrSpc="rgb" dir="cw">
-                                      <p:cBhvr override="childStyle">
-                                        <p:cTn id="36" dur="250" autoRev="1" fill="remove"/>
-                                        <p:tgtEl>
-                                          <p:spTgt spid="15">
-                                            <p:graphicEl>
-                                              <a:dgm id="{76E029D1-94EC-40EE-81C4-F23C133BE993}"/>
-                                            </p:graphicEl>
-                                          </p:spTgt>
-                                        </p:tgtEl>
-                                        <p:attrNameLst>
-                                          <p:attrName>style.color</p:attrName>
-                                        </p:attrNameLst>
-                                      </p:cBhvr>
-                                      <p:to>
-                                        <a:srgbClr val="D54773"/>
-                                      </p:to>
-                                    </p:animClr>
-                                    <p:animClr clrSpc="rgb" dir="cw">
-                                      <p:cBhvr>
-                                        <p:cTn id="37" dur="250" autoRev="1" fill="remove"/>
-                                        <p:tgtEl>
-                                          <p:spTgt spid="15">
-                                            <p:graphicEl>
-                                              <a:dgm id="{76E029D1-94EC-40EE-81C4-F23C133BE993}"/>
-                                            </p:graphicEl>
-                                          </p:spTgt>
-                                        </p:tgtEl>
-                                        <p:attrNameLst>
-                                          <p:attrName>fillcolor</p:attrName>
-                                        </p:attrNameLst>
-                                      </p:cBhvr>
-                                      <p:to>
-                                        <a:srgbClr val="D54773"/>
-                                      </p:to>
-                                    </p:animClr>
-                                    <p:set>
-                                      <p:cBhvr>
-                                        <p:cTn id="38" dur="250" autoRev="1" fill="remove"/>
-                                        <p:tgtEl>
-                                          <p:spTgt spid="15">
-                                            <p:graphicEl>
-                                              <a:dgm id="{76E029D1-94EC-40EE-81C4-F23C133BE993}"/>
-                                            </p:graphicEl>
-                                          </p:spTgt>
-                                        </p:tgtEl>
-                                        <p:attrNameLst>
-                                          <p:attrName>fill.type</p:attrName>
-                                        </p:attrNameLst>
-                                      </p:cBhvr>
-                                      <p:to>
-                                        <p:strVal val="solid"/>
-                                      </p:to>
-                                    </p:set>
-                                    <p:set>
-                                      <p:cBhvr>
-                                        <p:cTn id="39" dur="250" autoRev="1" fill="remove"/>
-                                        <p:tgtEl>
-                                          <p:spTgt spid="15">
-                                            <p:graphicEl>
-                                              <a:dgm id="{76E029D1-94EC-40EE-81C4-F23C133BE993}"/>
-                                            </p:graphicEl>
-                                          </p:spTgt>
-                                        </p:tgtEl>
-                                        <p:attrNameLst>
-                                          <p:attrName>fill.on</p:attrName>
-                                        </p:attrNameLst>
-                                      </p:cBhvr>
-                                      <p:to>
-                                        <p:strVal val="true"/>
-                                      </p:to>
-                                    </p:set>
-                                  </p:childTnLst>
-                                </p:cTn>
-                              </p:par>
-                            </p:childTnLst>
-                          </p:cTn>
-                        </p:par>
-                        <p:par>
-                          <p:cTn id="40" fill="hold">
-                            <p:stCondLst>
-                              <p:cond delay="3000"/>
-                            </p:stCondLst>
-                            <p:childTnLst>
-                              <p:par>
-                                <p:cTn id="41" presetID="27" presetClass="emph" presetSubtype="0" fill="remove" grpId="0" nodeType="afterEffect">
-                                  <p:stCondLst>
-                                    <p:cond delay="0"/>
-                                  </p:stCondLst>
-                                  <p:childTnLst>
-                                    <p:animClr clrSpc="rgb" dir="cw">
-                                      <p:cBhvr override="childStyle">
-                                        <p:cTn id="42" dur="250" autoRev="1" fill="remove"/>
-                                        <p:tgtEl>
-                                          <p:spTgt spid="15">
-                                            <p:graphicEl>
-                                              <a:dgm id="{E25BB2F7-BA9E-4708-9149-1D79F26AD6CC}"/>
-                                            </p:graphicEl>
-                                          </p:spTgt>
-                                        </p:tgtEl>
-                                        <p:attrNameLst>
-                                          <p:attrName>style.color</p:attrName>
-                                        </p:attrNameLst>
-                                      </p:cBhvr>
-                                      <p:to>
-                                        <a:srgbClr val="D54773"/>
-                                      </p:to>
-                                    </p:animClr>
-                                    <p:animClr clrSpc="rgb" dir="cw">
-                                      <p:cBhvr>
-                                        <p:cTn id="43" dur="250" autoRev="1" fill="remove"/>
-                                        <p:tgtEl>
-                                          <p:spTgt spid="15">
-                                            <p:graphicEl>
-                                              <a:dgm id="{E25BB2F7-BA9E-4708-9149-1D79F26AD6CC}"/>
-                                            </p:graphicEl>
-                                          </p:spTgt>
-                                        </p:tgtEl>
-                                        <p:attrNameLst>
-                                          <p:attrName>fillcolor</p:attrName>
-                                        </p:attrNameLst>
-                                      </p:cBhvr>
-                                      <p:to>
-                                        <a:srgbClr val="D54773"/>
-                                      </p:to>
-                                    </p:animClr>
-                                    <p:set>
-                                      <p:cBhvr>
-                                        <p:cTn id="44" dur="250" autoRev="1" fill="remove"/>
-                                        <p:tgtEl>
-                                          <p:spTgt spid="15">
-                                            <p:graphicEl>
-                                              <a:dgm id="{E25BB2F7-BA9E-4708-9149-1D79F26AD6CC}"/>
-                                            </p:graphicEl>
-                                          </p:spTgt>
-                                        </p:tgtEl>
-                                        <p:attrNameLst>
-                                          <p:attrName>fill.type</p:attrName>
-                                        </p:attrNameLst>
-                                      </p:cBhvr>
-                                      <p:to>
-                                        <p:strVal val="solid"/>
-                                      </p:to>
-                                    </p:set>
-                                    <p:set>
-                                      <p:cBhvr>
-                                        <p:cTn id="45" dur="250" autoRev="1" fill="remove"/>
-                                        <p:tgtEl>
-                                          <p:spTgt spid="15">
-                                            <p:graphicEl>
-                                              <a:dgm id="{E25BB2F7-BA9E-4708-9149-1D79F26AD6CC}"/>
-                                            </p:graphicEl>
-                                          </p:spTgt>
-                                        </p:tgtEl>
-                                        <p:attrNameLst>
-                                          <p:attrName>fill.on</p:attrName>
-                                        </p:attrNameLst>
-                                      </p:cBhvr>
-                                      <p:to>
-                                        <p:strVal val="true"/>
-                                      </p:to>
-                                    </p:set>
-                                  </p:childTnLst>
-                                </p:cTn>
-                              </p:par>
-                            </p:childTnLst>
-                          </p:cTn>
-                        </p:par>
-                        <p:par>
-                          <p:cTn id="46" fill="hold">
-                            <p:stCondLst>
-                              <p:cond delay="3500"/>
-                            </p:stCondLst>
-                            <p:childTnLst>
-                              <p:par>
-                                <p:cTn id="47" presetID="27" presetClass="emph" presetSubtype="0" fill="remove" grpId="0" nodeType="afterEffect">
-                                  <p:stCondLst>
-                                    <p:cond delay="0"/>
-                                  </p:stCondLst>
-                                  <p:childTnLst>
-                                    <p:animClr clrSpc="rgb" dir="cw">
-                                      <p:cBhvr override="childStyle">
-                                        <p:cTn id="48" dur="250" autoRev="1" fill="remove"/>
-                                        <p:tgtEl>
-                                          <p:spTgt spid="15">
-                                            <p:graphicEl>
-                                              <a:dgm id="{7F794C98-7D5C-4DF9-B7D0-067299852C12}"/>
-                                            </p:graphicEl>
-                                          </p:spTgt>
-                                        </p:tgtEl>
-                                        <p:attrNameLst>
-                                          <p:attrName>style.color</p:attrName>
-                                        </p:attrNameLst>
-                                      </p:cBhvr>
-                                      <p:to>
-                                        <a:srgbClr val="D54773"/>
-                                      </p:to>
-                                    </p:animClr>
-                                    <p:animClr clrSpc="rgb" dir="cw">
-                                      <p:cBhvr>
-                                        <p:cTn id="49" dur="250" autoRev="1" fill="remove"/>
-                                        <p:tgtEl>
-                                          <p:spTgt spid="15">
-                                            <p:graphicEl>
-                                              <a:dgm id="{7F794C98-7D5C-4DF9-B7D0-067299852C12}"/>
-                                            </p:graphicEl>
-                                          </p:spTgt>
-                                        </p:tgtEl>
-                                        <p:attrNameLst>
-                                          <p:attrName>fillcolor</p:attrName>
-                                        </p:attrNameLst>
-                                      </p:cBhvr>
-                                      <p:to>
-                                        <a:srgbClr val="D54773"/>
-                                      </p:to>
-                                    </p:animClr>
-                                    <p:set>
-                                      <p:cBhvr>
-                                        <p:cTn id="50" dur="250" autoRev="1" fill="remove"/>
-                                        <p:tgtEl>
-                                          <p:spTgt spid="15">
-                                            <p:graphicEl>
-                                              <a:dgm id="{7F794C98-7D5C-4DF9-B7D0-067299852C12}"/>
-                                            </p:graphicEl>
-                                          </p:spTgt>
-                                        </p:tgtEl>
-                                        <p:attrNameLst>
-                                          <p:attrName>fill.type</p:attrName>
-                                        </p:attrNameLst>
-                                      </p:cBhvr>
-                                      <p:to>
-                                        <p:strVal val="solid"/>
-                                      </p:to>
-                                    </p:set>
-                                    <p:set>
-                                      <p:cBhvr>
-                                        <p:cTn id="51" dur="250" autoRev="1" fill="remove"/>
-                                        <p:tgtEl>
-                                          <p:spTgt spid="15">
-                                            <p:graphicEl>
-                                              <a:dgm id="{7F794C98-7D5C-4DF9-B7D0-067299852C12}"/>
-                                            </p:graphicEl>
-                                          </p:spTgt>
-                                        </p:tgtEl>
-                                        <p:attrNameLst>
-                                          <p:attrName>fill.on</p:attrName>
-                                        </p:attrNameLst>
-                                      </p:cBhvr>
-                                      <p:to>
-                                        <p:strVal val="true"/>
-                                      </p:to>
-                                    </p:set>
-                                  </p:childTnLst>
-                                </p:cTn>
-                              </p:par>
-                            </p:childTnLst>
-                          </p:cTn>
-                        </p:par>
-                        <p:par>
-                          <p:cTn id="52" fill="hold">
-                            <p:stCondLst>
-                              <p:cond delay="4000"/>
-                            </p:stCondLst>
-                            <p:childTnLst>
-                              <p:par>
-                                <p:cTn id="53" presetID="27" presetClass="emph" presetSubtype="0" fill="remove" grpId="0" nodeType="afterEffect">
-                                  <p:stCondLst>
-                                    <p:cond delay="0"/>
-                                  </p:stCondLst>
-                                  <p:childTnLst>
-                                    <p:animClr clrSpc="rgb" dir="cw">
-                                      <p:cBhvr override="childStyle">
-                                        <p:cTn id="54" dur="250" autoRev="1" fill="remove"/>
-                                        <p:tgtEl>
-                                          <p:spTgt spid="15">
-                                            <p:graphicEl>
-                                              <a:dgm id="{B6DAB058-3648-4EE2-AF7D-C975643C8ADA}"/>
-                                            </p:graphicEl>
-                                          </p:spTgt>
-                                        </p:tgtEl>
-                                        <p:attrNameLst>
-                                          <p:attrName>style.color</p:attrName>
-                                        </p:attrNameLst>
-                                      </p:cBhvr>
-                                      <p:to>
-                                        <a:srgbClr val="D54773"/>
-                                      </p:to>
-                                    </p:animClr>
-                                    <p:animClr clrSpc="rgb" dir="cw">
-                                      <p:cBhvr>
-                                        <p:cTn id="55" dur="250" autoRev="1" fill="remove"/>
-                                        <p:tgtEl>
-                                          <p:spTgt spid="15">
-                                            <p:graphicEl>
-                                              <a:dgm id="{B6DAB058-3648-4EE2-AF7D-C975643C8ADA}"/>
-                                            </p:graphicEl>
-                                          </p:spTgt>
-                                        </p:tgtEl>
-                                        <p:attrNameLst>
-                                          <p:attrName>fillcolor</p:attrName>
-                                        </p:attrNameLst>
-                                      </p:cBhvr>
-                                      <p:to>
-                                        <a:srgbClr val="D54773"/>
-                                      </p:to>
-                                    </p:animClr>
-                                    <p:set>
-                                      <p:cBhvr>
-                                        <p:cTn id="56" dur="250" autoRev="1" fill="remove"/>
-                                        <p:tgtEl>
-                                          <p:spTgt spid="15">
-                                            <p:graphicEl>
-                                              <a:dgm id="{B6DAB058-3648-4EE2-AF7D-C975643C8ADA}"/>
-                                            </p:graphicEl>
-                                          </p:spTgt>
-                                        </p:tgtEl>
-                                        <p:attrNameLst>
-                                          <p:attrName>fill.type</p:attrName>
-                                        </p:attrNameLst>
-                                      </p:cBhvr>
-                                      <p:to>
-                                        <p:strVal val="solid"/>
-                                      </p:to>
-                                    </p:set>
-                                    <p:set>
-                                      <p:cBhvr>
-                                        <p:cTn id="57" dur="250" autoRev="1" fill="remove"/>
-                                        <p:tgtEl>
-                                          <p:spTgt spid="15">
-                                            <p:graphicEl>
-                                              <a:dgm id="{B6DAB058-3648-4EE2-AF7D-C975643C8ADA}"/>
-                                            </p:graphicEl>
-                                          </p:spTgt>
-                                        </p:tgtEl>
-                                        <p:attrNameLst>
-                                          <p:attrName>fill.on</p:attrName>
-                                        </p:attrNameLst>
-                                      </p:cBhvr>
-                                      <p:to>
-                                        <p:strVal val="true"/>
-                                      </p:to>
-                                    </p:set>
-                                  </p:childTnLst>
-                                </p:cTn>
-                              </p:par>
-                            </p:childTnLst>
-                          </p:cTn>
-                        </p:par>
-                        <p:par>
-                          <p:cTn id="58" fill="hold">
-                            <p:stCondLst>
-                              <p:cond delay="4500"/>
-                            </p:stCondLst>
-                            <p:childTnLst>
-                              <p:par>
-                                <p:cTn id="59" presetID="27" presetClass="emph" presetSubtype="0" fill="remove" grpId="0" nodeType="afterEffect">
-                                  <p:stCondLst>
-                                    <p:cond delay="0"/>
-                                  </p:stCondLst>
-                                  <p:childTnLst>
-                                    <p:animClr clrSpc="rgb" dir="cw">
-                                      <p:cBhvr override="childStyle">
-                                        <p:cTn id="60" dur="250" autoRev="1" fill="remove"/>
-                                        <p:tgtEl>
-                                          <p:spTgt spid="15">
-                                            <p:graphicEl>
-                                              <a:dgm id="{C485E01D-DF6A-49B6-A2A1-1ECE62257912}"/>
-                                            </p:graphicEl>
-                                          </p:spTgt>
-                                        </p:tgtEl>
-                                        <p:attrNameLst>
-                                          <p:attrName>style.color</p:attrName>
-                                        </p:attrNameLst>
-                                      </p:cBhvr>
-                                      <p:to>
-                                        <a:srgbClr val="D54773"/>
-                                      </p:to>
-                                    </p:animClr>
-                                    <p:animClr clrSpc="rgb" dir="cw">
-                                      <p:cBhvr>
-                                        <p:cTn id="61" dur="250" autoRev="1" fill="remove"/>
-                                        <p:tgtEl>
-                                          <p:spTgt spid="15">
-                                            <p:graphicEl>
-                                              <a:dgm id="{C485E01D-DF6A-49B6-A2A1-1ECE62257912}"/>
-                                            </p:graphicEl>
-                                          </p:spTgt>
-                                        </p:tgtEl>
-                                        <p:attrNameLst>
-                                          <p:attrName>fillcolor</p:attrName>
-                                        </p:attrNameLst>
-                                      </p:cBhvr>
-                                      <p:to>
-                                        <a:srgbClr val="D54773"/>
-                                      </p:to>
-                                    </p:animClr>
-                                    <p:set>
-                                      <p:cBhvr>
-                                        <p:cTn id="62" dur="250" autoRev="1" fill="remove"/>
-                                        <p:tgtEl>
-                                          <p:spTgt spid="15">
-                                            <p:graphicEl>
-                                              <a:dgm id="{C485E01D-DF6A-49B6-A2A1-1ECE62257912}"/>
-                                            </p:graphicEl>
-                                          </p:spTgt>
-                                        </p:tgtEl>
-                                        <p:attrNameLst>
-                                          <p:attrName>fill.type</p:attrName>
-                                        </p:attrNameLst>
-                                      </p:cBhvr>
-                                      <p:to>
-                                        <p:strVal val="solid"/>
-                                      </p:to>
-                                    </p:set>
-                                    <p:set>
-                                      <p:cBhvr>
-                                        <p:cTn id="63" dur="250" autoRev="1" fill="remove"/>
-                                        <p:tgtEl>
-                                          <p:spTgt spid="15">
-                                            <p:graphicEl>
-                                              <a:dgm id="{C485E01D-DF6A-49B6-A2A1-1ECE62257912}"/>
-                                            </p:graphicEl>
-                                          </p:spTgt>
-                                        </p:tgtEl>
-                                        <p:attrNameLst>
-                                          <p:attrName>fill.on</p:attrName>
-                                        </p:attrNameLst>
-                                      </p:cBhvr>
-                                      <p:to>
-                                        <p:strVal val="true"/>
-                                      </p:to>
-                                    </p:set>
-                                  </p:childTnLst>
-                                </p:cTn>
-                              </p:par>
-                            </p:childTnLst>
-                          </p:cTn>
-                        </p:par>
-                        <p:par>
-                          <p:cTn id="64" fill="hold">
-                            <p:stCondLst>
-                              <p:cond delay="5000"/>
-                            </p:stCondLst>
-                            <p:childTnLst>
-                              <p:par>
-                                <p:cTn id="65" presetID="27" presetClass="emph" presetSubtype="0" fill="remove" grpId="0" nodeType="afterEffect">
-                                  <p:stCondLst>
-                                    <p:cond delay="0"/>
-                                  </p:stCondLst>
-                                  <p:childTnLst>
-                                    <p:animClr clrSpc="rgb" dir="cw">
-                                      <p:cBhvr override="childStyle">
-                                        <p:cTn id="66" dur="250" autoRev="1" fill="remove"/>
-                                        <p:tgtEl>
-                                          <p:spTgt spid="15">
-                                            <p:graphicEl>
-                                              <a:dgm id="{FBF879CA-CC28-40FD-98EE-60DBB3043409}"/>
-                                            </p:graphicEl>
-                                          </p:spTgt>
-                                        </p:tgtEl>
-                                        <p:attrNameLst>
-                                          <p:attrName>style.color</p:attrName>
-                                        </p:attrNameLst>
-                                      </p:cBhvr>
-                                      <p:to>
-                                        <a:srgbClr val="D54773"/>
-                                      </p:to>
-                                    </p:animClr>
-                                    <p:animClr clrSpc="rgb" dir="cw">
-                                      <p:cBhvr>
-                                        <p:cTn id="67" dur="250" autoRev="1" fill="remove"/>
-                                        <p:tgtEl>
-                                          <p:spTgt spid="15">
-                                            <p:graphicEl>
-                                              <a:dgm id="{FBF879CA-CC28-40FD-98EE-60DBB3043409}"/>
-                                            </p:graphicEl>
-                                          </p:spTgt>
-                                        </p:tgtEl>
-                                        <p:attrNameLst>
-                                          <p:attrName>fillcolor</p:attrName>
-                                        </p:attrNameLst>
-                                      </p:cBhvr>
-                                      <p:to>
-                                        <a:srgbClr val="D54773"/>
-                                      </p:to>
-                                    </p:animClr>
-                                    <p:set>
-                                      <p:cBhvr>
-                                        <p:cTn id="68" dur="250" autoRev="1" fill="remove"/>
-                                        <p:tgtEl>
-                                          <p:spTgt spid="15">
-                                            <p:graphicEl>
-                                              <a:dgm id="{FBF879CA-CC28-40FD-98EE-60DBB3043409}"/>
-                                            </p:graphicEl>
-                                          </p:spTgt>
-                                        </p:tgtEl>
-                                        <p:attrNameLst>
-                                          <p:attrName>fill.type</p:attrName>
-                                        </p:attrNameLst>
-                                      </p:cBhvr>
-                                      <p:to>
-                                        <p:strVal val="solid"/>
-                                      </p:to>
-                                    </p:set>
-                                    <p:set>
-                                      <p:cBhvr>
-                                        <p:cTn id="69" dur="250" autoRev="1" fill="remove"/>
-                                        <p:tgtEl>
-                                          <p:spTgt spid="15">
-                                            <p:graphicEl>
-                                              <a:dgm id="{FBF879CA-CC28-40FD-98EE-60DBB3043409}"/>
-                                            </p:graphicEl>
-                                          </p:spTgt>
-                                        </p:tgtEl>
-                                        <p:attrNameLst>
-                                          <p:attrName>fill.on</p:attrName>
-                                        </p:attrNameLst>
-                                      </p:cBhvr>
-                                      <p:to>
-                                        <p:strVal val="true"/>
-                                      </p:to>
-                                    </p:set>
-                                  </p:childTnLst>
-                                </p:cTn>
-                              </p:par>
-                            </p:childTnLst>
-                          </p:cTn>
-                        </p:par>
-                        <p:par>
-                          <p:cTn id="70" fill="hold">
-                            <p:stCondLst>
-                              <p:cond delay="5500"/>
-                            </p:stCondLst>
-                            <p:childTnLst>
-                              <p:par>
-                                <p:cTn id="71" presetID="27" presetClass="emph" presetSubtype="0" fill="remove" grpId="0" nodeType="afterEffect">
-                                  <p:stCondLst>
-                                    <p:cond delay="0"/>
-                                  </p:stCondLst>
-                                  <p:childTnLst>
-                                    <p:animClr clrSpc="rgb" dir="cw">
-                                      <p:cBhvr override="childStyle">
-                                        <p:cTn id="72" dur="250" autoRev="1" fill="remove"/>
-                                        <p:tgtEl>
-                                          <p:spTgt spid="15">
-                                            <p:graphicEl>
-                                              <a:dgm id="{B0EB05C0-DB6E-4D7D-9C81-8EA80DB74F2A}"/>
-                                            </p:graphicEl>
-                                          </p:spTgt>
-                                        </p:tgtEl>
-                                        <p:attrNameLst>
-                                          <p:attrName>style.color</p:attrName>
-                                        </p:attrNameLst>
-                                      </p:cBhvr>
-                                      <p:to>
-                                        <a:srgbClr val="D54773"/>
-                                      </p:to>
-                                    </p:animClr>
-                                    <p:animClr clrSpc="rgb" dir="cw">
-                                      <p:cBhvr>
-                                        <p:cTn id="73" dur="250" autoRev="1" fill="remove"/>
-                                        <p:tgtEl>
-                                          <p:spTgt spid="15">
-                                            <p:graphicEl>
-                                              <a:dgm id="{B0EB05C0-DB6E-4D7D-9C81-8EA80DB74F2A}"/>
-                                            </p:graphicEl>
-                                          </p:spTgt>
-                                        </p:tgtEl>
-                                        <p:attrNameLst>
-                                          <p:attrName>fillcolor</p:attrName>
-                                        </p:attrNameLst>
-                                      </p:cBhvr>
-                                      <p:to>
-                                        <a:srgbClr val="D54773"/>
-                                      </p:to>
-                                    </p:animClr>
-                                    <p:set>
-                                      <p:cBhvr>
-                                        <p:cTn id="74" dur="250" autoRev="1" fill="remove"/>
-                                        <p:tgtEl>
-                                          <p:spTgt spid="15">
-                                            <p:graphicEl>
-                                              <a:dgm id="{B0EB05C0-DB6E-4D7D-9C81-8EA80DB74F2A}"/>
-                                            </p:graphicEl>
-                                          </p:spTgt>
-                                        </p:tgtEl>
-                                        <p:attrNameLst>
-                                          <p:attrName>fill.type</p:attrName>
-                                        </p:attrNameLst>
-                                      </p:cBhvr>
-                                      <p:to>
-                                        <p:strVal val="solid"/>
-                                      </p:to>
-                                    </p:set>
-                                    <p:set>
-                                      <p:cBhvr>
-                                        <p:cTn id="75" dur="250" autoRev="1" fill="remove"/>
-                                        <p:tgtEl>
-                                          <p:spTgt spid="15">
-                                            <p:graphicEl>
-                                              <a:dgm id="{B0EB05C0-DB6E-4D7D-9C81-8EA80DB74F2A}"/>
-                                            </p:graphicEl>
-                                          </p:spTgt>
-                                        </p:tgtEl>
-                                        <p:attrNameLst>
-                                          <p:attrName>fill.on</p:attrName>
-                                        </p:attrNameLst>
-                                      </p:cBhvr>
-                                      <p:to>
-                                        <p:strVal val="true"/>
-                                      </p:to>
-                                    </p:set>
-                                  </p:childTnLst>
-                                </p:cTn>
-                              </p:par>
-                            </p:childTnLst>
-                          </p:cTn>
-                        </p:par>
-                        <p:par>
-                          <p:cTn id="76" fill="hold">
-                            <p:stCondLst>
-                              <p:cond delay="6000"/>
-                            </p:stCondLst>
-                            <p:childTnLst>
-                              <p:par>
-                                <p:cTn id="77" presetID="27" presetClass="emph" presetSubtype="0" fill="remove" grpId="0" nodeType="afterEffect">
-                                  <p:stCondLst>
-                                    <p:cond delay="0"/>
-                                  </p:stCondLst>
-                                  <p:childTnLst>
-                                    <p:animClr clrSpc="rgb" dir="cw">
-                                      <p:cBhvr override="childStyle">
-                                        <p:cTn id="78" dur="250" autoRev="1" fill="remove"/>
-                                        <p:tgtEl>
-                                          <p:spTgt spid="15">
-                                            <p:graphicEl>
-                                              <a:dgm id="{A10247E1-A73C-45CB-A44F-E28C587262EB}"/>
-                                            </p:graphicEl>
-                                          </p:spTgt>
-                                        </p:tgtEl>
-                                        <p:attrNameLst>
-                                          <p:attrName>style.color</p:attrName>
-                                        </p:attrNameLst>
-                                      </p:cBhvr>
-                                      <p:to>
-                                        <a:srgbClr val="D54773"/>
-                                      </p:to>
-                                    </p:animClr>
-                                    <p:animClr clrSpc="rgb" dir="cw">
-                                      <p:cBhvr>
-                                        <p:cTn id="79" dur="250" autoRev="1" fill="remove"/>
-                                        <p:tgtEl>
-                                          <p:spTgt spid="15">
-                                            <p:graphicEl>
-                                              <a:dgm id="{A10247E1-A73C-45CB-A44F-E28C587262EB}"/>
-                                            </p:graphicEl>
-                                          </p:spTgt>
-                                        </p:tgtEl>
-                                        <p:attrNameLst>
-                                          <p:attrName>fillcolor</p:attrName>
-                                        </p:attrNameLst>
-                                      </p:cBhvr>
-                                      <p:to>
-                                        <a:srgbClr val="D54773"/>
-                                      </p:to>
-                                    </p:animClr>
-                                    <p:set>
-                                      <p:cBhvr>
-                                        <p:cTn id="80" dur="250" autoRev="1" fill="remove"/>
-                                        <p:tgtEl>
-                                          <p:spTgt spid="15">
-                                            <p:graphicEl>
-                                              <a:dgm id="{A10247E1-A73C-45CB-A44F-E28C587262EB}"/>
-                                            </p:graphicEl>
-                                          </p:spTgt>
-                                        </p:tgtEl>
-                                        <p:attrNameLst>
-                                          <p:attrName>fill.type</p:attrName>
-                                        </p:attrNameLst>
-                                      </p:cBhvr>
-                                      <p:to>
-                                        <p:strVal val="solid"/>
-                                      </p:to>
-                                    </p:set>
-                                    <p:set>
-                                      <p:cBhvr>
-                                        <p:cTn id="81" dur="250" autoRev="1" fill="remove"/>
-                                        <p:tgtEl>
-                                          <p:spTgt spid="15">
-                                            <p:graphicEl>
-                                              <a:dgm id="{A10247E1-A73C-45CB-A44F-E28C587262EB}"/>
-                                            </p:graphicEl>
-                                          </p:spTgt>
-                                        </p:tgtEl>
-                                        <p:attrNameLst>
-                                          <p:attrName>fill.on</p:attrName>
-                                        </p:attrNameLst>
-                                      </p:cBhvr>
-                                      <p:to>
-                                        <p:strVal val="true"/>
-                                      </p:to>
-                                    </p:set>
-                                  </p:childTnLst>
-                                </p:cTn>
-                              </p:par>
-                            </p:childTnLst>
-                          </p:cTn>
-                        </p:par>
-                        <p:par>
-                          <p:cTn id="82" fill="hold">
-                            <p:stCondLst>
-                              <p:cond delay="6500"/>
-                            </p:stCondLst>
-                            <p:childTnLst>
-                              <p:par>
-                                <p:cTn id="83" presetID="27" presetClass="emph" presetSubtype="0" fill="remove" grpId="0" nodeType="afterEffect">
-                                  <p:stCondLst>
-                                    <p:cond delay="0"/>
-                                  </p:stCondLst>
-                                  <p:childTnLst>
-                                    <p:animClr clrSpc="rgb" dir="cw">
-                                      <p:cBhvr override="childStyle">
-                                        <p:cTn id="84" dur="250" autoRev="1" fill="remove"/>
-                                        <p:tgtEl>
-                                          <p:spTgt spid="15">
-                                            <p:graphicEl>
-                                              <a:dgm id="{474CEEFB-41AE-41D1-B7CD-3329FB841E6E}"/>
-                                            </p:graphicEl>
-                                          </p:spTgt>
-                                        </p:tgtEl>
-                                        <p:attrNameLst>
-                                          <p:attrName>style.color</p:attrName>
-                                        </p:attrNameLst>
-                                      </p:cBhvr>
-                                      <p:to>
-                                        <a:srgbClr val="D54773"/>
-                                      </p:to>
-                                    </p:animClr>
-                                    <p:animClr clrSpc="rgb" dir="cw">
-                                      <p:cBhvr>
-                                        <p:cTn id="85" dur="250" autoRev="1" fill="remove"/>
-                                        <p:tgtEl>
-                                          <p:spTgt spid="15">
-                                            <p:graphicEl>
-                                              <a:dgm id="{474CEEFB-41AE-41D1-B7CD-3329FB841E6E}"/>
-                                            </p:graphicEl>
-                                          </p:spTgt>
-                                        </p:tgtEl>
-                                        <p:attrNameLst>
-                                          <p:attrName>fillcolor</p:attrName>
-                                        </p:attrNameLst>
-                                      </p:cBhvr>
-                                      <p:to>
-                                        <a:srgbClr val="D54773"/>
-                                      </p:to>
-                                    </p:animClr>
-                                    <p:set>
-                                      <p:cBhvr>
-                                        <p:cTn id="86" dur="250" autoRev="1" fill="remove"/>
-                                        <p:tgtEl>
-                                          <p:spTgt spid="15">
-                                            <p:graphicEl>
-                                              <a:dgm id="{474CEEFB-41AE-41D1-B7CD-3329FB841E6E}"/>
-                                            </p:graphicEl>
-                                          </p:spTgt>
-                                        </p:tgtEl>
-                                        <p:attrNameLst>
-                                          <p:attrName>fill.type</p:attrName>
-                                        </p:attrNameLst>
-                                      </p:cBhvr>
-                                      <p:to>
-                                        <p:strVal val="solid"/>
-                                      </p:to>
-                                    </p:set>
-                                    <p:set>
-                                      <p:cBhvr>
-                                        <p:cTn id="87" dur="250" autoRev="1" fill="remove"/>
-                                        <p:tgtEl>
-                                          <p:spTgt spid="15">
-                                            <p:graphicEl>
-                                              <a:dgm id="{474CEEFB-41AE-41D1-B7CD-3329FB841E6E}"/>
-                                            </p:graphicEl>
-                                          </p:spTgt>
-                                        </p:tgtEl>
-                                        <p:attrNameLst>
-                                          <p:attrName>fill.on</p:attrName>
-                                        </p:attrNameLst>
-                                      </p:cBhvr>
-                                      <p:to>
-                                        <p:strVal val="true"/>
-                                      </p:to>
-                                    </p:set>
-                                  </p:childTnLst>
-                                </p:cTn>
-                              </p:par>
-                            </p:childTnLst>
-                          </p:cTn>
-                        </p:par>
-                        <p:par>
-                          <p:cTn id="88" fill="hold">
-                            <p:stCondLst>
-                              <p:cond delay="7000"/>
-                            </p:stCondLst>
-                            <p:childTnLst>
-                              <p:par>
-                                <p:cTn id="89" presetID="27" presetClass="emph" presetSubtype="0" fill="remove" grpId="0" nodeType="afterEffect">
-                                  <p:stCondLst>
-                                    <p:cond delay="0"/>
-                                  </p:stCondLst>
-                                  <p:childTnLst>
-                                    <p:animClr clrSpc="rgb" dir="cw">
-                                      <p:cBhvr override="childStyle">
-                                        <p:cTn id="90" dur="250" autoRev="1" fill="remove"/>
-                                        <p:tgtEl>
-                                          <p:spTgt spid="15">
-                                            <p:graphicEl>
-                                              <a:dgm id="{AFA39F50-A2C2-4D93-A2C7-5DD705CFFA2A}"/>
-                                            </p:graphicEl>
-                                          </p:spTgt>
-                                        </p:tgtEl>
-                                        <p:attrNameLst>
-                                          <p:attrName>style.color</p:attrName>
-                                        </p:attrNameLst>
-                                      </p:cBhvr>
-                                      <p:to>
-                                        <a:srgbClr val="D54773"/>
-                                      </p:to>
-                                    </p:animClr>
-                                    <p:animClr clrSpc="rgb" dir="cw">
-                                      <p:cBhvr>
-                                        <p:cTn id="91" dur="250" autoRev="1" fill="remove"/>
-                                        <p:tgtEl>
-                                          <p:spTgt spid="15">
-                                            <p:graphicEl>
-                                              <a:dgm id="{AFA39F50-A2C2-4D93-A2C7-5DD705CFFA2A}"/>
-                                            </p:graphicEl>
-                                          </p:spTgt>
-                                        </p:tgtEl>
-                                        <p:attrNameLst>
-                                          <p:attrName>fillcolor</p:attrName>
-                                        </p:attrNameLst>
-                                      </p:cBhvr>
-                                      <p:to>
-                                        <a:srgbClr val="D54773"/>
-                                      </p:to>
-                                    </p:animClr>
-                                    <p:set>
-                                      <p:cBhvr>
-                                        <p:cTn id="92" dur="250" autoRev="1" fill="remove"/>
-                                        <p:tgtEl>
-                                          <p:spTgt spid="15">
-                                            <p:graphicEl>
-                                              <a:dgm id="{AFA39F50-A2C2-4D93-A2C7-5DD705CFFA2A}"/>
-                                            </p:graphicEl>
-                                          </p:spTgt>
-                                        </p:tgtEl>
-                                        <p:attrNameLst>
-                                          <p:attrName>fill.type</p:attrName>
-                                        </p:attrNameLst>
-                                      </p:cBhvr>
-                                      <p:to>
-                                        <p:strVal val="solid"/>
-                                      </p:to>
-                                    </p:set>
-                                    <p:set>
-                                      <p:cBhvr>
-                                        <p:cTn id="93" dur="250" autoRev="1" fill="remove"/>
-                                        <p:tgtEl>
-                                          <p:spTgt spid="15">
-                                            <p:graphicEl>
-                                              <a:dgm id="{AFA39F50-A2C2-4D93-A2C7-5DD705CFFA2A}"/>
-                                            </p:graphicEl>
-                                          </p:spTgt>
-                                        </p:tgtEl>
-                                        <p:attrNameLst>
-                                          <p:attrName>fill.on</p:attrName>
-                                        </p:attrNameLst>
-                                      </p:cBhvr>
-                                      <p:to>
-                                        <p:strVal val="true"/>
-                                      </p:to>
-                                    </p:set>
-                                  </p:childTnLst>
-                                </p:cTn>
-                              </p:par>
-                            </p:childTnLst>
-                          </p:cTn>
-                        </p:par>
-                        <p:par>
-                          <p:cTn id="94" fill="hold">
-                            <p:stCondLst>
-                              <p:cond delay="7500"/>
-                            </p:stCondLst>
-                            <p:childTnLst>
-                              <p:par>
-                                <p:cTn id="95" presetID="27" presetClass="emph" presetSubtype="0" fill="remove" grpId="0" nodeType="afterEffect">
-                                  <p:stCondLst>
-                                    <p:cond delay="0"/>
-                                  </p:stCondLst>
-                                  <p:childTnLst>
-                                    <p:animClr clrSpc="rgb" dir="cw">
-                                      <p:cBhvr override="childStyle">
-                                        <p:cTn id="96" dur="250" autoRev="1" fill="remove"/>
-                                        <p:tgtEl>
-                                          <p:spTgt spid="15">
-                                            <p:graphicEl>
-                                              <a:dgm id="{156B9DA0-DD4E-4FFE-B56B-6C5DEE7B3CA6}"/>
-                                            </p:graphicEl>
-                                          </p:spTgt>
-                                        </p:tgtEl>
-                                        <p:attrNameLst>
-                                          <p:attrName>style.color</p:attrName>
-                                        </p:attrNameLst>
-                                      </p:cBhvr>
-                                      <p:to>
-                                        <a:srgbClr val="D54773"/>
-                                      </p:to>
-                                    </p:animClr>
-                                    <p:animClr clrSpc="rgb" dir="cw">
-                                      <p:cBhvr>
-                                        <p:cTn id="97" dur="250" autoRev="1" fill="remove"/>
-                                        <p:tgtEl>
-                                          <p:spTgt spid="15">
-                                            <p:graphicEl>
-                                              <a:dgm id="{156B9DA0-DD4E-4FFE-B56B-6C5DEE7B3CA6}"/>
-                                            </p:graphicEl>
-                                          </p:spTgt>
-                                        </p:tgtEl>
-                                        <p:attrNameLst>
-                                          <p:attrName>fillcolor</p:attrName>
-                                        </p:attrNameLst>
-                                      </p:cBhvr>
-                                      <p:to>
-                                        <a:srgbClr val="D54773"/>
-                                      </p:to>
-                                    </p:animClr>
-                                    <p:set>
-                                      <p:cBhvr>
-                                        <p:cTn id="98" dur="250" autoRev="1" fill="remove"/>
-                                        <p:tgtEl>
-                                          <p:spTgt spid="15">
-                                            <p:graphicEl>
-                                              <a:dgm id="{156B9DA0-DD4E-4FFE-B56B-6C5DEE7B3CA6}"/>
-                                            </p:graphicEl>
-                                          </p:spTgt>
-                                        </p:tgtEl>
-                                        <p:attrNameLst>
-                                          <p:attrName>fill.type</p:attrName>
-                                        </p:attrNameLst>
-                                      </p:cBhvr>
-                                      <p:to>
-                                        <p:strVal val="solid"/>
-                                      </p:to>
-                                    </p:set>
-                                    <p:set>
-                                      <p:cBhvr>
-                                        <p:cTn id="99" dur="250" autoRev="1" fill="remove"/>
-                                        <p:tgtEl>
-                                          <p:spTgt spid="15">
-                                            <p:graphicEl>
-                                              <a:dgm id="{156B9DA0-DD4E-4FFE-B56B-6C5DEE7B3CA6}"/>
-                                            </p:graphicEl>
-                                          </p:spTgt>
-                                        </p:tgtEl>
-                                        <p:attrNameLst>
-                                          <p:attrName>fill.on</p:attrName>
-                                        </p:attrNameLst>
-                                      </p:cBhvr>
-                                      <p:to>
-                                        <p:strVal val="true"/>
-                                      </p:to>
-                                    </p:set>
-                                  </p:childTnLst>
-                                </p:cTn>
-                              </p:par>
-                            </p:childTnLst>
-                          </p:cTn>
-                        </p:par>
-                        <p:par>
-                          <p:cTn id="100" fill="hold">
-                            <p:stCondLst>
-                              <p:cond delay="8000"/>
-                            </p:stCondLst>
-                            <p:childTnLst>
-                              <p:par>
-                                <p:cTn id="101" presetID="27" presetClass="emph" presetSubtype="0" fill="remove" grpId="0" nodeType="afterEffect">
-                                  <p:stCondLst>
-                                    <p:cond delay="0"/>
-                                  </p:stCondLst>
-                                  <p:childTnLst>
-                                    <p:animClr clrSpc="rgb" dir="cw">
-                                      <p:cBhvr override="childStyle">
-                                        <p:cTn id="102" dur="250" autoRev="1" fill="remove"/>
-                                        <p:tgtEl>
-                                          <p:spTgt spid="15">
-                                            <p:graphicEl>
-                                              <a:dgm id="{B62269E5-4C35-4AE4-82A0-01C592142BF2}"/>
-                                            </p:graphicEl>
-                                          </p:spTgt>
-                                        </p:tgtEl>
-                                        <p:attrNameLst>
-                                          <p:attrName>style.color</p:attrName>
-                                        </p:attrNameLst>
-                                      </p:cBhvr>
-                                      <p:to>
-                                        <a:srgbClr val="D54773"/>
-                                      </p:to>
-                                    </p:animClr>
-                                    <p:animClr clrSpc="rgb" dir="cw">
-                                      <p:cBhvr>
-                                        <p:cTn id="103" dur="250" autoRev="1" fill="remove"/>
-                                        <p:tgtEl>
-                                          <p:spTgt spid="15">
-                                            <p:graphicEl>
-                                              <a:dgm id="{B62269E5-4C35-4AE4-82A0-01C592142BF2}"/>
-                                            </p:graphicEl>
-                                          </p:spTgt>
-                                        </p:tgtEl>
-                                        <p:attrNameLst>
-                                          <p:attrName>fillcolor</p:attrName>
-                                        </p:attrNameLst>
-                                      </p:cBhvr>
-                                      <p:to>
-                                        <a:srgbClr val="D54773"/>
-                                      </p:to>
-                                    </p:animClr>
-                                    <p:set>
-                                      <p:cBhvr>
-                                        <p:cTn id="104" dur="250" autoRev="1" fill="remove"/>
-                                        <p:tgtEl>
-                                          <p:spTgt spid="15">
-                                            <p:graphicEl>
-                                              <a:dgm id="{B62269E5-4C35-4AE4-82A0-01C592142BF2}"/>
-                                            </p:graphicEl>
-                                          </p:spTgt>
-                                        </p:tgtEl>
-                                        <p:attrNameLst>
-                                          <p:attrName>fill.type</p:attrName>
-                                        </p:attrNameLst>
-                                      </p:cBhvr>
-                                      <p:to>
-                                        <p:strVal val="solid"/>
-                                      </p:to>
-                                    </p:set>
-                                    <p:set>
-                                      <p:cBhvr>
-                                        <p:cTn id="105" dur="250" autoRev="1" fill="remove"/>
-                                        <p:tgtEl>
-                                          <p:spTgt spid="15">
-                                            <p:graphicEl>
-                                              <a:dgm id="{B62269E5-4C35-4AE4-82A0-01C592142BF2}"/>
-                                            </p:graphicEl>
-                                          </p:spTgt>
-                                        </p:tgtEl>
-                                        <p:attrNameLst>
-                                          <p:attrName>fill.on</p:attrName>
-                                        </p:attrNameLst>
-                                      </p:cBhvr>
-                                      <p:to>
-                                        <p:strVal val="true"/>
-                                      </p:to>
-                                    </p:set>
-                                  </p:childTnLst>
-                                </p:cTn>
-                              </p:par>
-                            </p:childTnLst>
-                          </p:cTn>
-                        </p:par>
-                        <p:par>
-                          <p:cTn id="106" fill="hold">
-                            <p:stCondLst>
-                              <p:cond delay="8500"/>
-                            </p:stCondLst>
-                            <p:childTnLst>
-                              <p:par>
-                                <p:cTn id="107" presetID="27" presetClass="emph" presetSubtype="0" fill="remove" grpId="0" nodeType="afterEffect">
-                                  <p:stCondLst>
-                                    <p:cond delay="0"/>
-                                  </p:stCondLst>
-                                  <p:childTnLst>
-                                    <p:animClr clrSpc="rgb" dir="cw">
-                                      <p:cBhvr override="childStyle">
-                                        <p:cTn id="108" dur="250" autoRev="1" fill="remove"/>
-                                        <p:tgtEl>
-                                          <p:spTgt spid="15">
-                                            <p:graphicEl>
-                                              <a:dgm id="{647250C0-600F-45E9-A558-3098717C83E8}"/>
-                                            </p:graphicEl>
-                                          </p:spTgt>
-                                        </p:tgtEl>
-                                        <p:attrNameLst>
-                                          <p:attrName>style.color</p:attrName>
-                                        </p:attrNameLst>
-                                      </p:cBhvr>
-                                      <p:to>
-                                        <a:srgbClr val="D54773"/>
-                                      </p:to>
-                                    </p:animClr>
-                                    <p:animClr clrSpc="rgb" dir="cw">
-                                      <p:cBhvr>
-                                        <p:cTn id="109" dur="250" autoRev="1" fill="remove"/>
-                                        <p:tgtEl>
-                                          <p:spTgt spid="15">
-                                            <p:graphicEl>
-                                              <a:dgm id="{647250C0-600F-45E9-A558-3098717C83E8}"/>
-                                            </p:graphicEl>
-                                          </p:spTgt>
-                                        </p:tgtEl>
-                                        <p:attrNameLst>
-                                          <p:attrName>fillcolor</p:attrName>
-                                        </p:attrNameLst>
-                                      </p:cBhvr>
-                                      <p:to>
-                                        <a:srgbClr val="D54773"/>
-                                      </p:to>
-                                    </p:animClr>
-                                    <p:set>
-                                      <p:cBhvr>
-                                        <p:cTn id="110" dur="250" autoRev="1" fill="remove"/>
-                                        <p:tgtEl>
-                                          <p:spTgt spid="15">
-                                            <p:graphicEl>
-                                              <a:dgm id="{647250C0-600F-45E9-A558-3098717C83E8}"/>
-                                            </p:graphicEl>
-                                          </p:spTgt>
-                                        </p:tgtEl>
-                                        <p:attrNameLst>
-                                          <p:attrName>fill.type</p:attrName>
-                                        </p:attrNameLst>
-                                      </p:cBhvr>
-                                      <p:to>
-                                        <p:strVal val="solid"/>
-                                      </p:to>
-                                    </p:set>
-                                    <p:set>
-                                      <p:cBhvr>
-                                        <p:cTn id="111" dur="250" autoRev="1" fill="remove"/>
-                                        <p:tgtEl>
-                                          <p:spTgt spid="15">
-                                            <p:graphicEl>
-                                              <a:dgm id="{647250C0-600F-45E9-A558-3098717C83E8}"/>
-                                            </p:graphicEl>
-                                          </p:spTgt>
-                                        </p:tgtEl>
-                                        <p:attrNameLst>
-                                          <p:attrName>fill.on</p:attrName>
-                                        </p:attrNameLst>
-                                      </p:cBhvr>
-                                      <p:to>
-                                        <p:strVal val="true"/>
-                                      </p:to>
-                                    </p:set>
-                                  </p:childTnLst>
-                                </p:cTn>
-                              </p:par>
-                            </p:childTnLst>
-                          </p:cTn>
-                        </p:par>
-                        <p:par>
-                          <p:cTn id="112" fill="hold">
-                            <p:stCondLst>
-                              <p:cond delay="9000"/>
-                            </p:stCondLst>
-                            <p:childTnLst>
-                              <p:par>
-                                <p:cTn id="113" presetID="27" presetClass="emph" presetSubtype="0" fill="remove" grpId="0" nodeType="afterEffect">
-                                  <p:stCondLst>
-                                    <p:cond delay="0"/>
-                                  </p:stCondLst>
-                                  <p:childTnLst>
-                                    <p:animClr clrSpc="rgb" dir="cw">
-                                      <p:cBhvr override="childStyle">
-                                        <p:cTn id="114" dur="250" autoRev="1" fill="remove"/>
-                                        <p:tgtEl>
-                                          <p:spTgt spid="15">
-                                            <p:graphicEl>
-                                              <a:dgm id="{C57E4F06-A1B1-428E-9136-219524DE30BA}"/>
-                                            </p:graphicEl>
-                                          </p:spTgt>
-                                        </p:tgtEl>
-                                        <p:attrNameLst>
-                                          <p:attrName>style.color</p:attrName>
-                                        </p:attrNameLst>
-                                      </p:cBhvr>
-                                      <p:to>
-                                        <a:srgbClr val="D54773"/>
-                                      </p:to>
-                                    </p:animClr>
-                                    <p:animClr clrSpc="rgb" dir="cw">
-                                      <p:cBhvr>
-                                        <p:cTn id="115" dur="250" autoRev="1" fill="remove"/>
-                                        <p:tgtEl>
-                                          <p:spTgt spid="15">
-                                            <p:graphicEl>
-                                              <a:dgm id="{C57E4F06-A1B1-428E-9136-219524DE30BA}"/>
-                                            </p:graphicEl>
-                                          </p:spTgt>
-                                        </p:tgtEl>
-                                        <p:attrNameLst>
-                                          <p:attrName>fillcolor</p:attrName>
-                                        </p:attrNameLst>
-                                      </p:cBhvr>
-                                      <p:to>
-                                        <a:srgbClr val="D54773"/>
-                                      </p:to>
-                                    </p:animClr>
-                                    <p:set>
-                                      <p:cBhvr>
-                                        <p:cTn id="116" dur="250" autoRev="1" fill="remove"/>
-                                        <p:tgtEl>
-                                          <p:spTgt spid="15">
-                                            <p:graphicEl>
-                                              <a:dgm id="{C57E4F06-A1B1-428E-9136-219524DE30BA}"/>
-                                            </p:graphicEl>
-                                          </p:spTgt>
-                                        </p:tgtEl>
-                                        <p:attrNameLst>
-                                          <p:attrName>fill.type</p:attrName>
-                                        </p:attrNameLst>
-                                      </p:cBhvr>
-                                      <p:to>
-                                        <p:strVal val="solid"/>
-                                      </p:to>
-                                    </p:set>
-                                    <p:set>
-                                      <p:cBhvr>
-                                        <p:cTn id="117" dur="250" autoRev="1" fill="remove"/>
-                                        <p:tgtEl>
-                                          <p:spTgt spid="15">
-                                            <p:graphicEl>
-                                              <a:dgm id="{C57E4F06-A1B1-428E-9136-219524DE30BA}"/>
-                                            </p:graphicEl>
-                                          </p:spTgt>
-                                        </p:tgtEl>
-                                        <p:attrNameLst>
-                                          <p:attrName>fill.on</p:attrName>
-                                        </p:attrNameLst>
-                                      </p:cBhvr>
-                                      <p:to>
-                                        <p:strVal val="true"/>
-                                      </p:to>
-                                    </p:set>
-                                  </p:childTnLst>
-                                </p:cTn>
-                              </p:par>
-                            </p:childTnLst>
-                          </p:cTn>
-                        </p:par>
-                        <p:par>
-                          <p:cTn id="118" fill="hold">
-                            <p:stCondLst>
-                              <p:cond delay="9500"/>
-                            </p:stCondLst>
-                            <p:childTnLst>
-                              <p:par>
-                                <p:cTn id="119" presetID="27" presetClass="emph" presetSubtype="0" fill="remove" grpId="0" nodeType="afterEffect">
-                                  <p:stCondLst>
-                                    <p:cond delay="0"/>
-                                  </p:stCondLst>
-                                  <p:childTnLst>
-                                    <p:animClr clrSpc="rgb" dir="cw">
-                                      <p:cBhvr override="childStyle">
-                                        <p:cTn id="120" dur="250" autoRev="1" fill="remove"/>
-                                        <p:tgtEl>
-                                          <p:spTgt spid="15">
-                                            <p:graphicEl>
-                                              <a:dgm id="{18783CB2-8EA0-4C89-A0F8-57B779CA4244}"/>
-                                            </p:graphicEl>
-                                          </p:spTgt>
-                                        </p:tgtEl>
-                                        <p:attrNameLst>
-                                          <p:attrName>style.color</p:attrName>
-                                        </p:attrNameLst>
-                                      </p:cBhvr>
-                                      <p:to>
-                                        <a:srgbClr val="D54773"/>
-                                      </p:to>
-                                    </p:animClr>
-                                    <p:animClr clrSpc="rgb" dir="cw">
-                                      <p:cBhvr>
-                                        <p:cTn id="121" dur="250" autoRev="1" fill="remove"/>
-                                        <p:tgtEl>
-                                          <p:spTgt spid="15">
-                                            <p:graphicEl>
-                                              <a:dgm id="{18783CB2-8EA0-4C89-A0F8-57B779CA4244}"/>
-                                            </p:graphicEl>
-                                          </p:spTgt>
-                                        </p:tgtEl>
-                                        <p:attrNameLst>
-                                          <p:attrName>fillcolor</p:attrName>
-                                        </p:attrNameLst>
-                                      </p:cBhvr>
-                                      <p:to>
-                                        <a:srgbClr val="D54773"/>
-                                      </p:to>
-                                    </p:animClr>
-                                    <p:set>
-                                      <p:cBhvr>
-                                        <p:cTn id="122" dur="250" autoRev="1" fill="remove"/>
-                                        <p:tgtEl>
-                                          <p:spTgt spid="15">
-                                            <p:graphicEl>
-                                              <a:dgm id="{18783CB2-8EA0-4C89-A0F8-57B779CA4244}"/>
-                                            </p:graphicEl>
-                                          </p:spTgt>
-                                        </p:tgtEl>
-                                        <p:attrNameLst>
-                                          <p:attrName>fill.type</p:attrName>
-                                        </p:attrNameLst>
-                                      </p:cBhvr>
-                                      <p:to>
-                                        <p:strVal val="solid"/>
-                                      </p:to>
-                                    </p:set>
-                                    <p:set>
-                                      <p:cBhvr>
-                                        <p:cTn id="123" dur="250" autoRev="1" fill="remove"/>
-                                        <p:tgtEl>
-                                          <p:spTgt spid="15">
-                                            <p:graphicEl>
-                                              <a:dgm id="{18783CB2-8EA0-4C89-A0F8-57B779CA4244}"/>
-                                            </p:graphicEl>
-                                          </p:spTgt>
-                                        </p:tgtEl>
-                                        <p:attrNameLst>
-                                          <p:attrName>fill.on</p:attrName>
-                                        </p:attrNameLst>
-                                      </p:cBhvr>
-                                      <p:to>
-                                        <p:strVal val="true"/>
-                                      </p:to>
-                                    </p:set>
-                                  </p:childTnLst>
-                                </p:cTn>
-                              </p:par>
-                            </p:childTnLst>
-                          </p:cTn>
-                        </p:par>
-                        <p:par>
-                          <p:cTn id="124" fill="hold">
-                            <p:stCondLst>
-                              <p:cond delay="10000"/>
-                            </p:stCondLst>
-                            <p:childTnLst>
-                              <p:par>
-                                <p:cTn id="125" presetID="27" presetClass="emph" presetSubtype="0" fill="remove" grpId="0" nodeType="afterEffect">
-                                  <p:stCondLst>
-                                    <p:cond delay="0"/>
-                                  </p:stCondLst>
-                                  <p:childTnLst>
-                                    <p:animClr clrSpc="rgb" dir="cw">
-                                      <p:cBhvr override="childStyle">
-                                        <p:cTn id="126" dur="250" autoRev="1" fill="remove"/>
-                                        <p:tgtEl>
-                                          <p:spTgt spid="15">
-                                            <p:graphicEl>
-                                              <a:dgm id="{D355042F-DCC6-42FD-A0D1-38DECAAA25BF}"/>
-                                            </p:graphicEl>
-                                          </p:spTgt>
-                                        </p:tgtEl>
-                                        <p:attrNameLst>
-                                          <p:attrName>style.color</p:attrName>
-                                        </p:attrNameLst>
-                                      </p:cBhvr>
-                                      <p:to>
-                                        <a:srgbClr val="D54773"/>
-                                      </p:to>
-                                    </p:animClr>
-                                    <p:animClr clrSpc="rgb" dir="cw">
-                                      <p:cBhvr>
-                                        <p:cTn id="127" dur="250" autoRev="1" fill="remove"/>
-                                        <p:tgtEl>
-                                          <p:spTgt spid="15">
-                                            <p:graphicEl>
-                                              <a:dgm id="{D355042F-DCC6-42FD-A0D1-38DECAAA25BF}"/>
-                                            </p:graphicEl>
-                                          </p:spTgt>
-                                        </p:tgtEl>
-                                        <p:attrNameLst>
-                                          <p:attrName>fillcolor</p:attrName>
-                                        </p:attrNameLst>
-                                      </p:cBhvr>
-                                      <p:to>
-                                        <a:srgbClr val="D54773"/>
-                                      </p:to>
-                                    </p:animClr>
-                                    <p:set>
-                                      <p:cBhvr>
-                                        <p:cTn id="128" dur="250" autoRev="1" fill="remove"/>
-                                        <p:tgtEl>
-                                          <p:spTgt spid="15">
-                                            <p:graphicEl>
-                                              <a:dgm id="{D355042F-DCC6-42FD-A0D1-38DECAAA25BF}"/>
-                                            </p:graphicEl>
-                                          </p:spTgt>
-                                        </p:tgtEl>
-                                        <p:attrNameLst>
-                                          <p:attrName>fill.type</p:attrName>
-                                        </p:attrNameLst>
-                                      </p:cBhvr>
-                                      <p:to>
-                                        <p:strVal val="solid"/>
-                                      </p:to>
-                                    </p:set>
-                                    <p:set>
-                                      <p:cBhvr>
-                                        <p:cTn id="129" dur="250" autoRev="1" fill="remove"/>
-                                        <p:tgtEl>
-                                          <p:spTgt spid="15">
-                                            <p:graphicEl>
-                                              <a:dgm id="{D355042F-DCC6-42FD-A0D1-38DECAAA25BF}"/>
-                                            </p:graphicEl>
-                                          </p:spTgt>
-                                        </p:tgtEl>
-                                        <p:attrNameLst>
-                                          <p:attrName>fill.on</p:attrName>
-                                        </p:attrNameLst>
-                                      </p:cBhvr>
-                                      <p:to>
-                                        <p:strVal val="true"/>
-                                      </p:to>
-                                    </p:set>
-                                  </p:childTnLst>
-                                </p:cTn>
-                              </p:par>
-                            </p:childTnLst>
-                          </p:cTn>
-                        </p:par>
-                        <p:par>
-                          <p:cTn id="130" fill="hold">
-                            <p:stCondLst>
-                              <p:cond delay="10500"/>
-                            </p:stCondLst>
-                            <p:childTnLst>
-                              <p:par>
-                                <p:cTn id="131" presetID="27" presetClass="emph" presetSubtype="0" fill="remove" grpId="0" nodeType="afterEffect">
-                                  <p:stCondLst>
-                                    <p:cond delay="0"/>
-                                  </p:stCondLst>
-                                  <p:childTnLst>
-                                    <p:animClr clrSpc="rgb" dir="cw">
-                                      <p:cBhvr override="childStyle">
-                                        <p:cTn id="132" dur="250" autoRev="1" fill="remove"/>
-                                        <p:tgtEl>
-                                          <p:spTgt spid="15">
-                                            <p:graphicEl>
-                                              <a:dgm id="{ADEF7C6E-EFE0-4A83-AC24-B65739D4E2E1}"/>
-                                            </p:graphicEl>
-                                          </p:spTgt>
-                                        </p:tgtEl>
-                                        <p:attrNameLst>
-                                          <p:attrName>style.color</p:attrName>
-                                        </p:attrNameLst>
-                                      </p:cBhvr>
-                                      <p:to>
-                                        <a:srgbClr val="D54773"/>
-                                      </p:to>
-                                    </p:animClr>
-                                    <p:animClr clrSpc="rgb" dir="cw">
-                                      <p:cBhvr>
-                                        <p:cTn id="133" dur="250" autoRev="1" fill="remove"/>
-                                        <p:tgtEl>
-                                          <p:spTgt spid="15">
-                                            <p:graphicEl>
-                                              <a:dgm id="{ADEF7C6E-EFE0-4A83-AC24-B65739D4E2E1}"/>
-                                            </p:graphicEl>
-                                          </p:spTgt>
-                                        </p:tgtEl>
-                                        <p:attrNameLst>
-                                          <p:attrName>fillcolor</p:attrName>
-                                        </p:attrNameLst>
-                                      </p:cBhvr>
-                                      <p:to>
-                                        <a:srgbClr val="D54773"/>
-                                      </p:to>
-                                    </p:animClr>
-                                    <p:set>
-                                      <p:cBhvr>
-                                        <p:cTn id="134" dur="250" autoRev="1" fill="remove"/>
-                                        <p:tgtEl>
-                                          <p:spTgt spid="15">
-                                            <p:graphicEl>
-                                              <a:dgm id="{ADEF7C6E-EFE0-4A83-AC24-B65739D4E2E1}"/>
-                                            </p:graphicEl>
-                                          </p:spTgt>
-                                        </p:tgtEl>
-                                        <p:attrNameLst>
-                                          <p:attrName>fill.type</p:attrName>
-                                        </p:attrNameLst>
-                                      </p:cBhvr>
-                                      <p:to>
-                                        <p:strVal val="solid"/>
-                                      </p:to>
-                                    </p:set>
-                                    <p:set>
-                                      <p:cBhvr>
-                                        <p:cTn id="135" dur="250" autoRev="1" fill="remove"/>
-                                        <p:tgtEl>
-                                          <p:spTgt spid="15">
-                                            <p:graphicEl>
-                                              <a:dgm id="{ADEF7C6E-EFE0-4A83-AC24-B65739D4E2E1}"/>
-                                            </p:graphicEl>
-                                          </p:spTgt>
-                                        </p:tgtEl>
-                                        <p:attrNameLst>
-                                          <p:attrName>fill.on</p:attrName>
-                                        </p:attrNameLst>
-                                      </p:cBhvr>
-                                      <p:to>
-                                        <p:strVal val="true"/>
-                                      </p:to>
-                                    </p:set>
-                                  </p:childTnLst>
-                                </p:cTn>
-                              </p:par>
-                            </p:childTnLst>
-                          </p:cTn>
-                        </p:par>
-                        <p:par>
-                          <p:cTn id="136" fill="hold">
-                            <p:stCondLst>
-                              <p:cond delay="11000"/>
-                            </p:stCondLst>
-                            <p:childTnLst>
-                              <p:par>
-                                <p:cTn id="137" presetID="27" presetClass="emph" presetSubtype="0" fill="remove" grpId="0" nodeType="afterEffect">
-                                  <p:stCondLst>
-                                    <p:cond delay="0"/>
-                                  </p:stCondLst>
-                                  <p:childTnLst>
-                                    <p:animClr clrSpc="rgb" dir="cw">
-                                      <p:cBhvr override="childStyle">
-                                        <p:cTn id="138" dur="250" autoRev="1" fill="remove"/>
-                                        <p:tgtEl>
-                                          <p:spTgt spid="15">
-                                            <p:graphicEl>
-                                              <a:dgm id="{8B3DB1A9-520B-495E-BB8A-B3E67D72601A}"/>
-                                            </p:graphicEl>
-                                          </p:spTgt>
-                                        </p:tgtEl>
-                                        <p:attrNameLst>
-                                          <p:attrName>style.color</p:attrName>
-                                        </p:attrNameLst>
-                                      </p:cBhvr>
-                                      <p:to>
-                                        <a:srgbClr val="D54773"/>
-                                      </p:to>
-                                    </p:animClr>
-                                    <p:animClr clrSpc="rgb" dir="cw">
-                                      <p:cBhvr>
-                                        <p:cTn id="139" dur="250" autoRev="1" fill="remove"/>
-                                        <p:tgtEl>
-                                          <p:spTgt spid="15">
-                                            <p:graphicEl>
-                                              <a:dgm id="{8B3DB1A9-520B-495E-BB8A-B3E67D72601A}"/>
-                                            </p:graphicEl>
-                                          </p:spTgt>
-                                        </p:tgtEl>
-                                        <p:attrNameLst>
-                                          <p:attrName>fillcolor</p:attrName>
-                                        </p:attrNameLst>
-                                      </p:cBhvr>
-                                      <p:to>
-                                        <a:srgbClr val="D54773"/>
-                                      </p:to>
-                                    </p:animClr>
-                                    <p:set>
-                                      <p:cBhvr>
-                                        <p:cTn id="140" dur="250" autoRev="1" fill="remove"/>
-                                        <p:tgtEl>
-                                          <p:spTgt spid="15">
-                                            <p:graphicEl>
-                                              <a:dgm id="{8B3DB1A9-520B-495E-BB8A-B3E67D72601A}"/>
-                                            </p:graphicEl>
-                                          </p:spTgt>
-                                        </p:tgtEl>
-                                        <p:attrNameLst>
-                                          <p:attrName>fill.type</p:attrName>
-                                        </p:attrNameLst>
-                                      </p:cBhvr>
-                                      <p:to>
-                                        <p:strVal val="solid"/>
-                                      </p:to>
-                                    </p:set>
-                                    <p:set>
-                                      <p:cBhvr>
-                                        <p:cTn id="141" dur="250" autoRev="1" fill="remove"/>
-                                        <p:tgtEl>
-                                          <p:spTgt spid="15">
-                                            <p:graphicEl>
-                                              <a:dgm id="{8B3DB1A9-520B-495E-BB8A-B3E67D72601A}"/>
-                                            </p:graphicEl>
-                                          </p:spTgt>
-                                        </p:tgtEl>
-                                        <p:attrNameLst>
-                                          <p:attrName>fill.on</p:attrName>
-                                        </p:attrNameLst>
-                                      </p:cBhvr>
-                                      <p:to>
-                                        <p:strVal val="true"/>
-                                      </p:to>
-                                    </p:set>
-                                  </p:childTnLst>
-                                </p:cTn>
-                              </p:par>
-                            </p:childTnLst>
-                          </p:cTn>
-                        </p:par>
-                        <p:par>
-                          <p:cTn id="142" fill="hold">
-                            <p:stCondLst>
-                              <p:cond delay="11500"/>
-                            </p:stCondLst>
-                            <p:childTnLst>
-                              <p:par>
-                                <p:cTn id="143" presetID="27" presetClass="emph" presetSubtype="0" fill="remove" grpId="0" nodeType="afterEffect">
-                                  <p:stCondLst>
-                                    <p:cond delay="0"/>
-                                  </p:stCondLst>
-                                  <p:childTnLst>
-                                    <p:animClr clrSpc="rgb" dir="cw">
-                                      <p:cBhvr override="childStyle">
-                                        <p:cTn id="144" dur="250" autoRev="1" fill="remove"/>
-                                        <p:tgtEl>
-                                          <p:spTgt spid="15">
-                                            <p:graphicEl>
-                                              <a:dgm id="{146BC6D7-864C-43A2-BCFF-521A96E60704}"/>
-                                            </p:graphicEl>
-                                          </p:spTgt>
-                                        </p:tgtEl>
-                                        <p:attrNameLst>
-                                          <p:attrName>style.color</p:attrName>
-                                        </p:attrNameLst>
-                                      </p:cBhvr>
-                                      <p:to>
-                                        <a:srgbClr val="D54773"/>
-                                      </p:to>
-                                    </p:animClr>
-                                    <p:animClr clrSpc="rgb" dir="cw">
-                                      <p:cBhvr>
-                                        <p:cTn id="145" dur="250" autoRev="1" fill="remove"/>
-                                        <p:tgtEl>
-                                          <p:spTgt spid="15">
-                                            <p:graphicEl>
-                                              <a:dgm id="{146BC6D7-864C-43A2-BCFF-521A96E60704}"/>
-                                            </p:graphicEl>
-                                          </p:spTgt>
-                                        </p:tgtEl>
-                                        <p:attrNameLst>
-                                          <p:attrName>fillcolor</p:attrName>
-                                        </p:attrNameLst>
-                                      </p:cBhvr>
-                                      <p:to>
-                                        <a:srgbClr val="D54773"/>
-                                      </p:to>
-                                    </p:animClr>
-                                    <p:set>
-                                      <p:cBhvr>
-                                        <p:cTn id="146" dur="250" autoRev="1" fill="remove"/>
-                                        <p:tgtEl>
-                                          <p:spTgt spid="15">
-                                            <p:graphicEl>
-                                              <a:dgm id="{146BC6D7-864C-43A2-BCFF-521A96E60704}"/>
-                                            </p:graphicEl>
-                                          </p:spTgt>
-                                        </p:tgtEl>
-                                        <p:attrNameLst>
-                                          <p:attrName>fill.type</p:attrName>
-                                        </p:attrNameLst>
-                                      </p:cBhvr>
-                                      <p:to>
-                                        <p:strVal val="solid"/>
-                                      </p:to>
-                                    </p:set>
-                                    <p:set>
-                                      <p:cBhvr>
-                                        <p:cTn id="147" dur="250" autoRev="1" fill="remove"/>
-                                        <p:tgtEl>
-                                          <p:spTgt spid="15">
-                                            <p:graphicEl>
-                                              <a:dgm id="{146BC6D7-864C-43A2-BCFF-521A96E60704}"/>
-                                            </p:graphicEl>
-                                          </p:spTgt>
-                                        </p:tgtEl>
-                                        <p:attrNameLst>
-                                          <p:attrName>fill.on</p:attrName>
-                                        </p:attrNameLst>
-                                      </p:cBhvr>
-                                      <p:to>
-                                        <p:strVal val="true"/>
-                                      </p:to>
-                                    </p:set>
-                                  </p:childTnLst>
-                                </p:cTn>
-                              </p:par>
-                            </p:childTnLst>
-                          </p:cTn>
-                        </p:par>
-                        <p:par>
-                          <p:cTn id="148" fill="hold">
-                            <p:stCondLst>
-                              <p:cond delay="12000"/>
-                            </p:stCondLst>
-                            <p:childTnLst>
-                              <p:par>
-                                <p:cTn id="149" presetID="27" presetClass="emph" presetSubtype="0" fill="remove" grpId="0" nodeType="afterEffect">
-                                  <p:stCondLst>
-                                    <p:cond delay="0"/>
-                                  </p:stCondLst>
-                                  <p:childTnLst>
-                                    <p:animClr clrSpc="rgb" dir="cw">
-                                      <p:cBhvr override="childStyle">
-                                        <p:cTn id="150" dur="250" autoRev="1" fill="remove"/>
-                                        <p:tgtEl>
-                                          <p:spTgt spid="15">
-                                            <p:graphicEl>
-                                              <a:dgm id="{E02CFCE3-A09D-4588-9730-BF8563B50838}"/>
-                                            </p:graphicEl>
-                                          </p:spTgt>
-                                        </p:tgtEl>
-                                        <p:attrNameLst>
-                                          <p:attrName>style.color</p:attrName>
-                                        </p:attrNameLst>
-                                      </p:cBhvr>
-                                      <p:to>
-                                        <a:srgbClr val="D54773"/>
-                                      </p:to>
-                                    </p:animClr>
-                                    <p:animClr clrSpc="rgb" dir="cw">
-                                      <p:cBhvr>
-                                        <p:cTn id="151" dur="250" autoRev="1" fill="remove"/>
-                                        <p:tgtEl>
-                                          <p:spTgt spid="15">
-                                            <p:graphicEl>
-                                              <a:dgm id="{E02CFCE3-A09D-4588-9730-BF8563B50838}"/>
-                                            </p:graphicEl>
-                                          </p:spTgt>
-                                        </p:tgtEl>
-                                        <p:attrNameLst>
-                                          <p:attrName>fillcolor</p:attrName>
-                                        </p:attrNameLst>
-                                      </p:cBhvr>
-                                      <p:to>
-                                        <a:srgbClr val="D54773"/>
-                                      </p:to>
-                                    </p:animClr>
-                                    <p:set>
-                                      <p:cBhvr>
-                                        <p:cTn id="152" dur="250" autoRev="1" fill="remove"/>
-                                        <p:tgtEl>
-                                          <p:spTgt spid="15">
-                                            <p:graphicEl>
-                                              <a:dgm id="{E02CFCE3-A09D-4588-9730-BF8563B50838}"/>
-                                            </p:graphicEl>
-                                          </p:spTgt>
-                                        </p:tgtEl>
-                                        <p:attrNameLst>
-                                          <p:attrName>fill.type</p:attrName>
-                                        </p:attrNameLst>
-                                      </p:cBhvr>
-                                      <p:to>
-                                        <p:strVal val="solid"/>
-                                      </p:to>
-                                    </p:set>
-                                    <p:set>
-                                      <p:cBhvr>
-                                        <p:cTn id="153" dur="250" autoRev="1" fill="remove"/>
-                                        <p:tgtEl>
-                                          <p:spTgt spid="15">
-                                            <p:graphicEl>
-                                              <a:dgm id="{E02CFCE3-A09D-4588-9730-BF8563B50838}"/>
-                                            </p:graphicEl>
-                                          </p:spTgt>
-                                        </p:tgtEl>
-                                        <p:attrNameLst>
-                                          <p:attrName>fill.on</p:attrName>
-                                        </p:attrNameLst>
-                                      </p:cBhvr>
-                                      <p:to>
-                                        <p:strVal val="true"/>
-                                      </p:to>
-                                    </p:set>
-                                  </p:childTnLst>
-                                </p:cTn>
-                              </p:par>
-                            </p:childTnLst>
-                          </p:cTn>
-                        </p:par>
-                        <p:par>
-                          <p:cTn id="154" fill="hold">
-                            <p:stCondLst>
-                              <p:cond delay="12500"/>
-                            </p:stCondLst>
-                            <p:childTnLst>
-                              <p:par>
-                                <p:cTn id="155" presetID="27" presetClass="emph" presetSubtype="0" fill="remove" grpId="0" nodeType="afterEffect">
-                                  <p:stCondLst>
-                                    <p:cond delay="0"/>
-                                  </p:stCondLst>
-                                  <p:childTnLst>
-                                    <p:animClr clrSpc="rgb" dir="cw">
-                                      <p:cBhvr override="childStyle">
-                                        <p:cTn id="156" dur="250" autoRev="1" fill="remove"/>
-                                        <p:tgtEl>
-                                          <p:spTgt spid="15">
-                                            <p:graphicEl>
-                                              <a:dgm id="{34E0BA42-3D04-4EFD-86EC-82E6F5E5290D}"/>
-                                            </p:graphicEl>
-                                          </p:spTgt>
-                                        </p:tgtEl>
-                                        <p:attrNameLst>
-                                          <p:attrName>style.color</p:attrName>
-                                        </p:attrNameLst>
-                                      </p:cBhvr>
-                                      <p:to>
-                                        <a:srgbClr val="D54773"/>
-                                      </p:to>
-                                    </p:animClr>
-                                    <p:animClr clrSpc="rgb" dir="cw">
-                                      <p:cBhvr>
-                                        <p:cTn id="157" dur="250" autoRev="1" fill="remove"/>
-                                        <p:tgtEl>
-                                          <p:spTgt spid="15">
-                                            <p:graphicEl>
-                                              <a:dgm id="{34E0BA42-3D04-4EFD-86EC-82E6F5E5290D}"/>
-                                            </p:graphicEl>
-                                          </p:spTgt>
-                                        </p:tgtEl>
-                                        <p:attrNameLst>
-                                          <p:attrName>fillcolor</p:attrName>
-                                        </p:attrNameLst>
-                                      </p:cBhvr>
-                                      <p:to>
-                                        <a:srgbClr val="D54773"/>
-                                      </p:to>
-                                    </p:animClr>
-                                    <p:set>
-                                      <p:cBhvr>
-                                        <p:cTn id="158" dur="250" autoRev="1" fill="remove"/>
-                                        <p:tgtEl>
-                                          <p:spTgt spid="15">
-                                            <p:graphicEl>
-                                              <a:dgm id="{34E0BA42-3D04-4EFD-86EC-82E6F5E5290D}"/>
-                                            </p:graphicEl>
-                                          </p:spTgt>
-                                        </p:tgtEl>
-                                        <p:attrNameLst>
-                                          <p:attrName>fill.type</p:attrName>
-                                        </p:attrNameLst>
-                                      </p:cBhvr>
-                                      <p:to>
-                                        <p:strVal val="solid"/>
-                                      </p:to>
-                                    </p:set>
-                                    <p:set>
-                                      <p:cBhvr>
-                                        <p:cTn id="159" dur="250" autoRev="1" fill="remove"/>
-                                        <p:tgtEl>
-                                          <p:spTgt spid="15">
-                                            <p:graphicEl>
-                                              <a:dgm id="{34E0BA42-3D04-4EFD-86EC-82E6F5E5290D}"/>
-                                            </p:graphicEl>
-                                          </p:spTgt>
-                                        </p:tgtEl>
-                                        <p:attrNameLst>
-                                          <p:attrName>fill.on</p:attrName>
-                                        </p:attrNameLst>
-                                      </p:cBhvr>
-                                      <p:to>
-                                        <p:strVal val="true"/>
-                                      </p:to>
-                                    </p:set>
-                                  </p:childTnLst>
-                                </p:cTn>
-                              </p:par>
-                            </p:childTnLst>
-                          </p:cTn>
-                        </p:par>
-                        <p:par>
-                          <p:cTn id="160" fill="hold">
-                            <p:stCondLst>
-                              <p:cond delay="13000"/>
-                            </p:stCondLst>
-                            <p:childTnLst>
-                              <p:par>
-                                <p:cTn id="161" presetID="27" presetClass="emph" presetSubtype="0" fill="remove" grpId="0" nodeType="afterEffect">
-                                  <p:stCondLst>
-                                    <p:cond delay="0"/>
-                                  </p:stCondLst>
-                                  <p:childTnLst>
-                                    <p:animClr clrSpc="rgb" dir="cw">
-                                      <p:cBhvr override="childStyle">
-                                        <p:cTn id="162" dur="250" autoRev="1" fill="remove"/>
-                                        <p:tgtEl>
-                                          <p:spTgt spid="15">
-                                            <p:graphicEl>
-                                              <a:dgm id="{221D7CC6-E6C6-4A1E-B35E-2D3F1BF5D911}"/>
-                                            </p:graphicEl>
-                                          </p:spTgt>
-                                        </p:tgtEl>
-                                        <p:attrNameLst>
-                                          <p:attrName>style.color</p:attrName>
-                                        </p:attrNameLst>
-                                      </p:cBhvr>
-                                      <p:to>
-                                        <a:srgbClr val="D54773"/>
-                                      </p:to>
-                                    </p:animClr>
-                                    <p:animClr clrSpc="rgb" dir="cw">
-                                      <p:cBhvr>
-                                        <p:cTn id="163" dur="250" autoRev="1" fill="remove"/>
-                                        <p:tgtEl>
-                                          <p:spTgt spid="15">
-                                            <p:graphicEl>
-                                              <a:dgm id="{221D7CC6-E6C6-4A1E-B35E-2D3F1BF5D911}"/>
-                                            </p:graphicEl>
-                                          </p:spTgt>
-                                        </p:tgtEl>
-                                        <p:attrNameLst>
-                                          <p:attrName>fillcolor</p:attrName>
-                                        </p:attrNameLst>
-                                      </p:cBhvr>
-                                      <p:to>
-                                        <a:srgbClr val="D54773"/>
-                                      </p:to>
-                                    </p:animClr>
-                                    <p:set>
-                                      <p:cBhvr>
-                                        <p:cTn id="164" dur="250" autoRev="1" fill="remove"/>
-                                        <p:tgtEl>
-                                          <p:spTgt spid="15">
-                                            <p:graphicEl>
-                                              <a:dgm id="{221D7CC6-E6C6-4A1E-B35E-2D3F1BF5D911}"/>
-                                            </p:graphicEl>
-                                          </p:spTgt>
-                                        </p:tgtEl>
-                                        <p:attrNameLst>
-                                          <p:attrName>fill.type</p:attrName>
-                                        </p:attrNameLst>
-                                      </p:cBhvr>
-                                      <p:to>
-                                        <p:strVal val="solid"/>
-                                      </p:to>
-                                    </p:set>
-                                    <p:set>
-                                      <p:cBhvr>
-                                        <p:cTn id="165" dur="250" autoRev="1" fill="remove"/>
-                                        <p:tgtEl>
-                                          <p:spTgt spid="15">
-                                            <p:graphicEl>
-                                              <a:dgm id="{221D7CC6-E6C6-4A1E-B35E-2D3F1BF5D911}"/>
-                                            </p:graphicEl>
-                                          </p:spTgt>
-                                        </p:tgtEl>
-                                        <p:attrNameLst>
-                                          <p:attrName>fill.on</p:attrName>
-                                        </p:attrNameLst>
-                                      </p:cBhvr>
-                                      <p:to>
-                                        <p:strVal val="true"/>
-                                      </p:to>
-                                    </p:set>
-                                  </p:childTnLst>
-                                </p:cTn>
-                              </p:par>
-                            </p:childTnLst>
-                          </p:cTn>
-                        </p:par>
-                        <p:par>
-                          <p:cTn id="166" fill="hold">
-                            <p:stCondLst>
-                              <p:cond delay="13500"/>
-                            </p:stCondLst>
-                            <p:childTnLst>
-                              <p:par>
-                                <p:cTn id="167" presetID="27" presetClass="emph" presetSubtype="0" fill="remove" grpId="0" nodeType="afterEffect">
-                                  <p:stCondLst>
-                                    <p:cond delay="0"/>
-                                  </p:stCondLst>
-                                  <p:childTnLst>
-                                    <p:animClr clrSpc="rgb" dir="cw">
-                                      <p:cBhvr override="childStyle">
-                                        <p:cTn id="168" dur="250" autoRev="1" fill="remove"/>
-                                        <p:tgtEl>
-                                          <p:spTgt spid="15">
-                                            <p:graphicEl>
-                                              <a:dgm id="{751F100A-C108-4CB3-9A40-CC0C44BA357B}"/>
-                                            </p:graphicEl>
-                                          </p:spTgt>
-                                        </p:tgtEl>
-                                        <p:attrNameLst>
-                                          <p:attrName>style.color</p:attrName>
-                                        </p:attrNameLst>
-                                      </p:cBhvr>
-                                      <p:to>
-                                        <a:srgbClr val="D54773"/>
-                                      </p:to>
-                                    </p:animClr>
-                                    <p:animClr clrSpc="rgb" dir="cw">
-                                      <p:cBhvr>
-                                        <p:cTn id="169" dur="250" autoRev="1" fill="remove"/>
-                                        <p:tgtEl>
-                                          <p:spTgt spid="15">
-                                            <p:graphicEl>
-                                              <a:dgm id="{751F100A-C108-4CB3-9A40-CC0C44BA357B}"/>
-                                            </p:graphicEl>
-                                          </p:spTgt>
-                                        </p:tgtEl>
-                                        <p:attrNameLst>
-                                          <p:attrName>fillcolor</p:attrName>
-                                        </p:attrNameLst>
-                                      </p:cBhvr>
-                                      <p:to>
-                                        <a:srgbClr val="D54773"/>
-                                      </p:to>
-                                    </p:animClr>
-                                    <p:set>
-                                      <p:cBhvr>
-                                        <p:cTn id="170" dur="250" autoRev="1" fill="remove"/>
-                                        <p:tgtEl>
-                                          <p:spTgt spid="15">
-                                            <p:graphicEl>
-                                              <a:dgm id="{751F100A-C108-4CB3-9A40-CC0C44BA357B}"/>
-                                            </p:graphicEl>
-                                          </p:spTgt>
-                                        </p:tgtEl>
-                                        <p:attrNameLst>
-                                          <p:attrName>fill.type</p:attrName>
-                                        </p:attrNameLst>
-                                      </p:cBhvr>
-                                      <p:to>
-                                        <p:strVal val="solid"/>
-                                      </p:to>
-                                    </p:set>
-                                    <p:set>
-                                      <p:cBhvr>
-                                        <p:cTn id="171" dur="250" autoRev="1" fill="remove"/>
-                                        <p:tgtEl>
-                                          <p:spTgt spid="15">
-                                            <p:graphicEl>
-                                              <a:dgm id="{751F100A-C108-4CB3-9A40-CC0C44BA357B}"/>
-                                            </p:graphicEl>
-                                          </p:spTgt>
-                                        </p:tgtEl>
-                                        <p:attrNameLst>
-                                          <p:attrName>fill.on</p:attrName>
-                                        </p:attrNameLst>
-                                      </p:cBhvr>
-                                      <p:to>
-                                        <p:strVal val="true"/>
-                                      </p:to>
-                                    </p:set>
-                                  </p:childTnLst>
-                                </p:cTn>
-                              </p:par>
-                            </p:childTnLst>
-                          </p:cTn>
-                        </p:par>
-                        <p:par>
-                          <p:cTn id="172" fill="hold">
-                            <p:stCondLst>
-                              <p:cond delay="14000"/>
-                            </p:stCondLst>
-                            <p:childTnLst>
-                              <p:par>
-                                <p:cTn id="173" presetID="27" presetClass="emph" presetSubtype="0" fill="remove" grpId="0" nodeType="afterEffect">
-                                  <p:stCondLst>
-                                    <p:cond delay="0"/>
-                                  </p:stCondLst>
-                                  <p:childTnLst>
-                                    <p:animClr clrSpc="rgb" dir="cw">
-                                      <p:cBhvr override="childStyle">
-                                        <p:cTn id="174" dur="250" autoRev="1" fill="remove"/>
-                                        <p:tgtEl>
-                                          <p:spTgt spid="15">
-                                            <p:graphicEl>
-                                              <a:dgm id="{F3A1D2F0-2B78-457B-BEDB-EA11EA17591B}"/>
-                                            </p:graphicEl>
-                                          </p:spTgt>
-                                        </p:tgtEl>
-                                        <p:attrNameLst>
-                                          <p:attrName>style.color</p:attrName>
-                                        </p:attrNameLst>
-                                      </p:cBhvr>
-                                      <p:to>
-                                        <a:srgbClr val="D54773"/>
-                                      </p:to>
-                                    </p:animClr>
-                                    <p:animClr clrSpc="rgb" dir="cw">
-                                      <p:cBhvr>
-                                        <p:cTn id="175" dur="250" autoRev="1" fill="remove"/>
-                                        <p:tgtEl>
-                                          <p:spTgt spid="15">
-                                            <p:graphicEl>
-                                              <a:dgm id="{F3A1D2F0-2B78-457B-BEDB-EA11EA17591B}"/>
-                                            </p:graphicEl>
-                                          </p:spTgt>
-                                        </p:tgtEl>
-                                        <p:attrNameLst>
-                                          <p:attrName>fillcolor</p:attrName>
-                                        </p:attrNameLst>
-                                      </p:cBhvr>
-                                      <p:to>
-                                        <a:srgbClr val="D54773"/>
-                                      </p:to>
-                                    </p:animClr>
-                                    <p:set>
-                                      <p:cBhvr>
-                                        <p:cTn id="176" dur="250" autoRev="1" fill="remove"/>
-                                        <p:tgtEl>
-                                          <p:spTgt spid="15">
-                                            <p:graphicEl>
-                                              <a:dgm id="{F3A1D2F0-2B78-457B-BEDB-EA11EA17591B}"/>
-                                            </p:graphicEl>
-                                          </p:spTgt>
-                                        </p:tgtEl>
-                                        <p:attrNameLst>
-                                          <p:attrName>fill.type</p:attrName>
-                                        </p:attrNameLst>
-                                      </p:cBhvr>
-                                      <p:to>
-                                        <p:strVal val="solid"/>
-                                      </p:to>
-                                    </p:set>
-                                    <p:set>
-                                      <p:cBhvr>
-                                        <p:cTn id="177" dur="250" autoRev="1" fill="remove"/>
-                                        <p:tgtEl>
-                                          <p:spTgt spid="15">
-                                            <p:graphicEl>
-                                              <a:dgm id="{F3A1D2F0-2B78-457B-BEDB-EA11EA17591B}"/>
-                                            </p:graphicEl>
-                                          </p:spTgt>
-                                        </p:tgtEl>
-                                        <p:attrNameLst>
-                                          <p:attrName>fill.on</p:attrName>
-                                        </p:attrNameLst>
-                                      </p:cBhvr>
-                                      <p:to>
-                                        <p:strVal val="true"/>
-                                      </p:to>
-                                    </p:set>
-                                  </p:childTnLst>
-                                </p:cTn>
-                              </p:par>
-                            </p:childTnLst>
-                          </p:cTn>
-                        </p:par>
-                        <p:par>
-                          <p:cTn id="178" fill="hold">
-                            <p:stCondLst>
-                              <p:cond delay="14500"/>
-                            </p:stCondLst>
-                            <p:childTnLst>
-                              <p:par>
-                                <p:cTn id="179" presetID="27" presetClass="emph" presetSubtype="0" fill="remove" grpId="0" nodeType="afterEffect">
-                                  <p:stCondLst>
-                                    <p:cond delay="0"/>
-                                  </p:stCondLst>
-                                  <p:childTnLst>
-                                    <p:animClr clrSpc="rgb" dir="cw">
-                                      <p:cBhvr override="childStyle">
-                                        <p:cTn id="180" dur="250" autoRev="1" fill="remove"/>
-                                        <p:tgtEl>
-                                          <p:spTgt spid="15">
-                                            <p:graphicEl>
-                                              <a:dgm id="{647EA1A9-77DD-439D-A4FD-C1EE10535520}"/>
-                                            </p:graphicEl>
-                                          </p:spTgt>
-                                        </p:tgtEl>
-                                        <p:attrNameLst>
-                                          <p:attrName>style.color</p:attrName>
-                                        </p:attrNameLst>
-                                      </p:cBhvr>
-                                      <p:to>
-                                        <a:srgbClr val="D54773"/>
-                                      </p:to>
-                                    </p:animClr>
-                                    <p:animClr clrSpc="rgb" dir="cw">
-                                      <p:cBhvr>
-                                        <p:cTn id="181" dur="250" autoRev="1" fill="remove"/>
-                                        <p:tgtEl>
-                                          <p:spTgt spid="15">
-                                            <p:graphicEl>
-                                              <a:dgm id="{647EA1A9-77DD-439D-A4FD-C1EE10535520}"/>
-                                            </p:graphicEl>
-                                          </p:spTgt>
-                                        </p:tgtEl>
-                                        <p:attrNameLst>
-                                          <p:attrName>fillcolor</p:attrName>
-                                        </p:attrNameLst>
-                                      </p:cBhvr>
-                                      <p:to>
-                                        <a:srgbClr val="D54773"/>
-                                      </p:to>
-                                    </p:animClr>
-                                    <p:set>
-                                      <p:cBhvr>
-                                        <p:cTn id="182" dur="250" autoRev="1" fill="remove"/>
-                                        <p:tgtEl>
-                                          <p:spTgt spid="15">
-                                            <p:graphicEl>
-                                              <a:dgm id="{647EA1A9-77DD-439D-A4FD-C1EE10535520}"/>
-                                            </p:graphicEl>
-                                          </p:spTgt>
-                                        </p:tgtEl>
-                                        <p:attrNameLst>
-                                          <p:attrName>fill.type</p:attrName>
-                                        </p:attrNameLst>
-                                      </p:cBhvr>
-                                      <p:to>
-                                        <p:strVal val="solid"/>
-                                      </p:to>
-                                    </p:set>
-                                    <p:set>
-                                      <p:cBhvr>
-                                        <p:cTn id="183" dur="250" autoRev="1" fill="remove"/>
-                                        <p:tgtEl>
-                                          <p:spTgt spid="15">
-                                            <p:graphicEl>
-                                              <a:dgm id="{647EA1A9-77DD-439D-A4FD-C1EE10535520}"/>
-                                            </p:graphicEl>
-                                          </p:spTgt>
-                                        </p:tgtEl>
-                                        <p:attrNameLst>
-                                          <p:attrName>fill.on</p:attrName>
-                                        </p:attrNameLst>
-                                      </p:cBhvr>
-                                      <p:to>
-                                        <p:strVal val="true"/>
-                                      </p:to>
-                                    </p:set>
-                                  </p:childTnLst>
-                                </p:cTn>
-                              </p:par>
-                            </p:childTnLst>
-                          </p:cTn>
-                        </p:par>
-                        <p:par>
-                          <p:cTn id="184" fill="hold">
-                            <p:stCondLst>
-                              <p:cond delay="15000"/>
-                            </p:stCondLst>
-                            <p:childTnLst>
-                              <p:par>
-                                <p:cTn id="185" presetID="27" presetClass="emph" presetSubtype="0" fill="remove" grpId="0" nodeType="afterEffect">
-                                  <p:stCondLst>
-                                    <p:cond delay="0"/>
-                                  </p:stCondLst>
-                                  <p:childTnLst>
-                                    <p:animClr clrSpc="rgb" dir="cw">
-                                      <p:cBhvr override="childStyle">
-                                        <p:cTn id="186" dur="250" autoRev="1" fill="remove"/>
-                                        <p:tgtEl>
-                                          <p:spTgt spid="15">
-                                            <p:graphicEl>
-                                              <a:dgm id="{897DDA67-365E-4C76-B151-AD75A5E6288B}"/>
-                                            </p:graphicEl>
-                                          </p:spTgt>
-                                        </p:tgtEl>
-                                        <p:attrNameLst>
-                                          <p:attrName>style.color</p:attrName>
-                                        </p:attrNameLst>
-                                      </p:cBhvr>
-                                      <p:to>
-                                        <a:srgbClr val="D54773"/>
-                                      </p:to>
-                                    </p:animClr>
-                                    <p:animClr clrSpc="rgb" dir="cw">
-                                      <p:cBhvr>
-                                        <p:cTn id="187" dur="250" autoRev="1" fill="remove"/>
-                                        <p:tgtEl>
-                                          <p:spTgt spid="15">
-                                            <p:graphicEl>
-                                              <a:dgm id="{897DDA67-365E-4C76-B151-AD75A5E6288B}"/>
-                                            </p:graphicEl>
-                                          </p:spTgt>
-                                        </p:tgtEl>
-                                        <p:attrNameLst>
-                                          <p:attrName>fillcolor</p:attrName>
-                                        </p:attrNameLst>
-                                      </p:cBhvr>
-                                      <p:to>
-                                        <a:srgbClr val="D54773"/>
-                                      </p:to>
-                                    </p:animClr>
-                                    <p:set>
-                                      <p:cBhvr>
-                                        <p:cTn id="188" dur="250" autoRev="1" fill="remove"/>
-                                        <p:tgtEl>
-                                          <p:spTgt spid="15">
-                                            <p:graphicEl>
-                                              <a:dgm id="{897DDA67-365E-4C76-B151-AD75A5E6288B}"/>
-                                            </p:graphicEl>
-                                          </p:spTgt>
-                                        </p:tgtEl>
-                                        <p:attrNameLst>
-                                          <p:attrName>fill.type</p:attrName>
-                                        </p:attrNameLst>
-                                      </p:cBhvr>
-                                      <p:to>
-                                        <p:strVal val="solid"/>
-                                      </p:to>
-                                    </p:set>
-                                    <p:set>
-                                      <p:cBhvr>
-                                        <p:cTn id="189" dur="250" autoRev="1" fill="remove"/>
-                                        <p:tgtEl>
-                                          <p:spTgt spid="15">
-                                            <p:graphicEl>
-                                              <a:dgm id="{897DDA67-365E-4C76-B151-AD75A5E6288B}"/>
-                                            </p:graphicEl>
-                                          </p:spTgt>
-                                        </p:tgtEl>
-                                        <p:attrNameLst>
-                                          <p:attrName>fill.on</p:attrName>
-                                        </p:attrNameLst>
-                                      </p:cBhvr>
-                                      <p:to>
-                                        <p:strVal val="true"/>
-                                      </p:to>
-                                    </p:set>
-                                  </p:childTnLst>
-                                </p:cTn>
-                              </p:par>
-                            </p:childTnLst>
-                          </p:cTn>
-                        </p:par>
-                        <p:par>
-                          <p:cTn id="190" fill="hold">
-                            <p:stCondLst>
-                              <p:cond delay="15500"/>
-                            </p:stCondLst>
-                            <p:childTnLst>
-                              <p:par>
-                                <p:cTn id="191" presetID="27" presetClass="emph" presetSubtype="0" fill="remove" grpId="0" nodeType="afterEffect">
-                                  <p:stCondLst>
-                                    <p:cond delay="0"/>
-                                  </p:stCondLst>
-                                  <p:childTnLst>
-                                    <p:animClr clrSpc="rgb" dir="cw">
-                                      <p:cBhvr override="childStyle">
-                                        <p:cTn id="192" dur="250" autoRev="1" fill="remove"/>
-                                        <p:tgtEl>
-                                          <p:spTgt spid="15">
-                                            <p:graphicEl>
-                                              <a:dgm id="{AC5CD965-AAAD-40A6-859B-4358FEABDC6C}"/>
-                                            </p:graphicEl>
-                                          </p:spTgt>
-                                        </p:tgtEl>
-                                        <p:attrNameLst>
-                                          <p:attrName>style.color</p:attrName>
-                                        </p:attrNameLst>
-                                      </p:cBhvr>
-                                      <p:to>
-                                        <a:srgbClr val="D54773"/>
-                                      </p:to>
-                                    </p:animClr>
-                                    <p:animClr clrSpc="rgb" dir="cw">
-                                      <p:cBhvr>
-                                        <p:cTn id="193" dur="250" autoRev="1" fill="remove"/>
-                                        <p:tgtEl>
-                                          <p:spTgt spid="15">
-                                            <p:graphicEl>
-                                              <a:dgm id="{AC5CD965-AAAD-40A6-859B-4358FEABDC6C}"/>
-                                            </p:graphicEl>
-                                          </p:spTgt>
-                                        </p:tgtEl>
-                                        <p:attrNameLst>
-                                          <p:attrName>fillcolor</p:attrName>
-                                        </p:attrNameLst>
-                                      </p:cBhvr>
-                                      <p:to>
-                                        <a:srgbClr val="D54773"/>
-                                      </p:to>
-                                    </p:animClr>
-                                    <p:set>
-                                      <p:cBhvr>
-                                        <p:cTn id="194" dur="250" autoRev="1" fill="remove"/>
-                                        <p:tgtEl>
-                                          <p:spTgt spid="15">
-                                            <p:graphicEl>
-                                              <a:dgm id="{AC5CD965-AAAD-40A6-859B-4358FEABDC6C}"/>
-                                            </p:graphicEl>
-                                          </p:spTgt>
-                                        </p:tgtEl>
-                                        <p:attrNameLst>
-                                          <p:attrName>fill.type</p:attrName>
-                                        </p:attrNameLst>
-                                      </p:cBhvr>
-                                      <p:to>
-                                        <p:strVal val="solid"/>
-                                      </p:to>
-                                    </p:set>
-                                    <p:set>
-                                      <p:cBhvr>
-                                        <p:cTn id="195" dur="250" autoRev="1" fill="remove"/>
-                                        <p:tgtEl>
-                                          <p:spTgt spid="15">
-                                            <p:graphicEl>
-                                              <a:dgm id="{AC5CD965-AAAD-40A6-859B-4358FEABDC6C}"/>
-                                            </p:graphicEl>
-                                          </p:spTgt>
-                                        </p:tgtEl>
-                                        <p:attrNameLst>
-                                          <p:attrName>fill.on</p:attrName>
-                                        </p:attrNameLst>
-                                      </p:cBhvr>
-                                      <p:to>
-                                        <p:strVal val="true"/>
-                                      </p:to>
-                                    </p:set>
-                                  </p:childTnLst>
-                                </p:cTn>
-                              </p:par>
-                            </p:childTnLst>
-                          </p:cTn>
-                        </p:par>
-                        <p:par>
-                          <p:cTn id="196" fill="hold">
-                            <p:stCondLst>
-                              <p:cond delay="16000"/>
-                            </p:stCondLst>
-                            <p:childTnLst>
-                              <p:par>
-                                <p:cTn id="197" presetID="27" presetClass="emph" presetSubtype="0" fill="remove" grpId="0" nodeType="afterEffect">
-                                  <p:stCondLst>
-                                    <p:cond delay="0"/>
-                                  </p:stCondLst>
-                                  <p:childTnLst>
-                                    <p:animClr clrSpc="rgb" dir="cw">
-                                      <p:cBhvr override="childStyle">
-                                        <p:cTn id="198" dur="250" autoRev="1" fill="remove"/>
-                                        <p:tgtEl>
-                                          <p:spTgt spid="15">
-                                            <p:graphicEl>
-                                              <a:dgm id="{73EDA0E1-8BC1-4F3B-B013-A1ABC111A7C9}"/>
-                                            </p:graphicEl>
-                                          </p:spTgt>
-                                        </p:tgtEl>
-                                        <p:attrNameLst>
-                                          <p:attrName>style.color</p:attrName>
-                                        </p:attrNameLst>
-                                      </p:cBhvr>
-                                      <p:to>
-                                        <a:srgbClr val="D54773"/>
-                                      </p:to>
-                                    </p:animClr>
-                                    <p:animClr clrSpc="rgb" dir="cw">
-                                      <p:cBhvr>
-                                        <p:cTn id="199" dur="250" autoRev="1" fill="remove"/>
-                                        <p:tgtEl>
-                                          <p:spTgt spid="15">
-                                            <p:graphicEl>
-                                              <a:dgm id="{73EDA0E1-8BC1-4F3B-B013-A1ABC111A7C9}"/>
-                                            </p:graphicEl>
-                                          </p:spTgt>
-                                        </p:tgtEl>
-                                        <p:attrNameLst>
-                                          <p:attrName>fillcolor</p:attrName>
-                                        </p:attrNameLst>
-                                      </p:cBhvr>
-                                      <p:to>
-                                        <a:srgbClr val="D54773"/>
-                                      </p:to>
-                                    </p:animClr>
-                                    <p:set>
-                                      <p:cBhvr>
-                                        <p:cTn id="200" dur="250" autoRev="1" fill="remove"/>
-                                        <p:tgtEl>
-                                          <p:spTgt spid="15">
-                                            <p:graphicEl>
-                                              <a:dgm id="{73EDA0E1-8BC1-4F3B-B013-A1ABC111A7C9}"/>
-                                            </p:graphicEl>
-                                          </p:spTgt>
-                                        </p:tgtEl>
-                                        <p:attrNameLst>
-                                          <p:attrName>fill.type</p:attrName>
-                                        </p:attrNameLst>
-                                      </p:cBhvr>
-                                      <p:to>
-                                        <p:strVal val="solid"/>
-                                      </p:to>
-                                    </p:set>
-                                    <p:set>
-                                      <p:cBhvr>
-                                        <p:cTn id="201" dur="250" autoRev="1" fill="remove"/>
-                                        <p:tgtEl>
-                                          <p:spTgt spid="15">
-                                            <p:graphicEl>
-                                              <a:dgm id="{73EDA0E1-8BC1-4F3B-B013-A1ABC111A7C9}"/>
-                                            </p:graphicEl>
-                                          </p:spTgt>
-                                        </p:tgtEl>
-                                        <p:attrNameLst>
-                                          <p:attrName>fill.on</p:attrName>
-                                        </p:attrNameLst>
-                                      </p:cBhvr>
-                                      <p:to>
-                                        <p:strVal val="true"/>
-                                      </p:to>
-                                    </p:set>
-                                  </p:childTnLst>
-                                </p:cTn>
-                              </p:par>
-                            </p:childTnLst>
-                          </p:cTn>
-                        </p:par>
-                        <p:par>
-                          <p:cTn id="202" fill="hold">
-                            <p:stCondLst>
-                              <p:cond delay="16500"/>
-                            </p:stCondLst>
-                            <p:childTnLst>
-                              <p:par>
-                                <p:cTn id="203" presetID="27" presetClass="emph" presetSubtype="0" fill="remove" grpId="0" nodeType="afterEffect">
-                                  <p:stCondLst>
-                                    <p:cond delay="0"/>
-                                  </p:stCondLst>
-                                  <p:childTnLst>
-                                    <p:animClr clrSpc="rgb" dir="cw">
-                                      <p:cBhvr override="childStyle">
-                                        <p:cTn id="204" dur="250" autoRev="1" fill="remove"/>
-                                        <p:tgtEl>
-                                          <p:spTgt spid="15">
-                                            <p:graphicEl>
-                                              <a:dgm id="{2875147D-0D4C-4B47-A167-139DD76115C8}"/>
-                                            </p:graphicEl>
-                                          </p:spTgt>
-                                        </p:tgtEl>
-                                        <p:attrNameLst>
-                                          <p:attrName>style.color</p:attrName>
-                                        </p:attrNameLst>
-                                      </p:cBhvr>
-                                      <p:to>
-                                        <a:srgbClr val="D54773"/>
-                                      </p:to>
-                                    </p:animClr>
-                                    <p:animClr clrSpc="rgb" dir="cw">
-                                      <p:cBhvr>
-                                        <p:cTn id="205" dur="250" autoRev="1" fill="remove"/>
-                                        <p:tgtEl>
-                                          <p:spTgt spid="15">
-                                            <p:graphicEl>
-                                              <a:dgm id="{2875147D-0D4C-4B47-A167-139DD76115C8}"/>
-                                            </p:graphicEl>
-                                          </p:spTgt>
-                                        </p:tgtEl>
-                                        <p:attrNameLst>
-                                          <p:attrName>fillcolor</p:attrName>
-                                        </p:attrNameLst>
-                                      </p:cBhvr>
-                                      <p:to>
-                                        <a:srgbClr val="D54773"/>
-                                      </p:to>
-                                    </p:animClr>
-                                    <p:set>
-                                      <p:cBhvr>
-                                        <p:cTn id="206" dur="250" autoRev="1" fill="remove"/>
-                                        <p:tgtEl>
-                                          <p:spTgt spid="15">
-                                            <p:graphicEl>
-                                              <a:dgm id="{2875147D-0D4C-4B47-A167-139DD76115C8}"/>
-                                            </p:graphicEl>
-                                          </p:spTgt>
-                                        </p:tgtEl>
-                                        <p:attrNameLst>
-                                          <p:attrName>fill.type</p:attrName>
-                                        </p:attrNameLst>
-                                      </p:cBhvr>
-                                      <p:to>
-                                        <p:strVal val="solid"/>
-                                      </p:to>
-                                    </p:set>
-                                    <p:set>
-                                      <p:cBhvr>
-                                        <p:cTn id="207" dur="250" autoRev="1" fill="remove"/>
-                                        <p:tgtEl>
-                                          <p:spTgt spid="15">
-                                            <p:graphicEl>
-                                              <a:dgm id="{2875147D-0D4C-4B47-A167-139DD76115C8}"/>
-                                            </p:graphicEl>
-                                          </p:spTgt>
-                                        </p:tgtEl>
-                                        <p:attrNameLst>
-                                          <p:attrName>fill.on</p:attrName>
-                                        </p:attrNameLst>
-                                      </p:cBhvr>
-                                      <p:to>
-                                        <p:strVal val="true"/>
-                                      </p:to>
-                                    </p:set>
-                                  </p:childTnLst>
-                                </p:cTn>
-                              </p:par>
-                            </p:childTnLst>
-                          </p:cTn>
-                        </p:par>
-                        <p:par>
-                          <p:cTn id="208" fill="hold">
-                            <p:stCondLst>
-                              <p:cond delay="17000"/>
-                            </p:stCondLst>
-                            <p:childTnLst>
-                              <p:par>
-                                <p:cTn id="209" presetID="27" presetClass="emph" presetSubtype="0" fill="remove" grpId="0" nodeType="afterEffect">
-                                  <p:stCondLst>
-                                    <p:cond delay="0"/>
-                                  </p:stCondLst>
-                                  <p:childTnLst>
-                                    <p:animClr clrSpc="rgb" dir="cw">
-                                      <p:cBhvr override="childStyle">
-                                        <p:cTn id="210" dur="250" autoRev="1" fill="remove"/>
-                                        <p:tgtEl>
-                                          <p:spTgt spid="15">
-                                            <p:graphicEl>
-                                              <a:dgm id="{39F53283-9254-43C9-AD10-52D4CC91FA99}"/>
-                                            </p:graphicEl>
-                                          </p:spTgt>
-                                        </p:tgtEl>
-                                        <p:attrNameLst>
-                                          <p:attrName>style.color</p:attrName>
-                                        </p:attrNameLst>
-                                      </p:cBhvr>
-                                      <p:to>
-                                        <a:srgbClr val="D54773"/>
-                                      </p:to>
-                                    </p:animClr>
-                                    <p:animClr clrSpc="rgb" dir="cw">
-                                      <p:cBhvr>
-                                        <p:cTn id="211" dur="250" autoRev="1" fill="remove"/>
-                                        <p:tgtEl>
-                                          <p:spTgt spid="15">
-                                            <p:graphicEl>
-                                              <a:dgm id="{39F53283-9254-43C9-AD10-52D4CC91FA99}"/>
-                                            </p:graphicEl>
-                                          </p:spTgt>
-                                        </p:tgtEl>
-                                        <p:attrNameLst>
-                                          <p:attrName>fillcolor</p:attrName>
-                                        </p:attrNameLst>
-                                      </p:cBhvr>
-                                      <p:to>
-                                        <a:srgbClr val="D54773"/>
-                                      </p:to>
-                                    </p:animClr>
-                                    <p:set>
-                                      <p:cBhvr>
-                                        <p:cTn id="212" dur="250" autoRev="1" fill="remove"/>
-                                        <p:tgtEl>
-                                          <p:spTgt spid="15">
-                                            <p:graphicEl>
-                                              <a:dgm id="{39F53283-9254-43C9-AD10-52D4CC91FA99}"/>
-                                            </p:graphicEl>
-                                          </p:spTgt>
-                                        </p:tgtEl>
-                                        <p:attrNameLst>
-                                          <p:attrName>fill.type</p:attrName>
-                                        </p:attrNameLst>
-                                      </p:cBhvr>
-                                      <p:to>
-                                        <p:strVal val="solid"/>
-                                      </p:to>
-                                    </p:set>
-                                    <p:set>
-                                      <p:cBhvr>
-                                        <p:cTn id="213" dur="250" autoRev="1" fill="remove"/>
-                                        <p:tgtEl>
-                                          <p:spTgt spid="15">
-                                            <p:graphicEl>
-                                              <a:dgm id="{39F53283-9254-43C9-AD10-52D4CC91FA99}"/>
-                                            </p:graphicEl>
-                                          </p:spTgt>
-                                        </p:tgtEl>
-                                        <p:attrNameLst>
-                                          <p:attrName>fill.on</p:attrName>
-                                        </p:attrNameLst>
-                                      </p:cBhvr>
-                                      <p:to>
-                                        <p:strVal val="true"/>
-                                      </p:to>
-                                    </p:set>
-                                  </p:childTnLst>
-                                </p:cTn>
-                              </p:par>
-                            </p:childTnLst>
-                          </p:cTn>
-                        </p:par>
-                      </p:childTnLst>
-                    </p:cTn>
-                  </p:par>
-                </p:childTnLst>
-              </p:cTn>
-              <p:prevCondLst>
-                <p:cond evt="onPrev" delay="0">
-                  <p:tgtEl>
-                    <p:sldTgt/>
-                  </p:tgtEl>
-                </p:cond>
-              </p:prevCondLst>
-              <p:nextCondLst>
-                <p:cond evt="onNext" delay="0">
-                  <p:tgtEl>
-                    <p:sldTgt/>
-                  </p:tgtEl>
-                </p:cond>
-              </p:nextCondLst>
-            </p:seq>
-          </p:childTnLst>
-        </p:cTn>
-      </p:par>
-    </p:tnLst>
-    <p:bldLst>
-      <p:bldGraphic spid="15" grpId="0">
-        <p:bldSub>
-          <a:bldDgm bld="one"/>
-        </p:bldSub>
-      </p:bldGraphic>
-    </p:bldLst>
-  </p:timing>
 </p:sld>
 </file>
 
@@ -24643,8 +21298,8 @@
         </p:nvSpPr>
         <p:spPr>
           <a:xfrm>
-            <a:off x="2928026" y="6232965"/>
-            <a:ext cx="8209025" cy="246221"/>
+            <a:off x="5642043" y="6232965"/>
+            <a:ext cx="5495008" cy="246221"/>
           </a:xfrm>
           <a:prstGeom prst="rect">
             <a:avLst/>
@@ -24709,7 +21364,7 @@
             <p:ph sz="half" idx="2"/>
             <p:extLst>
               <p:ext uri="{D42A27DB-BD31-4B8C-83A1-F6EECF244321}">
-                <p14:modId xmlns:p14="http://schemas.microsoft.com/office/powerpoint/2010/main" val="3447081671"/>
+                <p14:modId xmlns:p14="http://schemas.microsoft.com/office/powerpoint/2010/main" val="2545787435"/>
               </p:ext>
             </p:extLst>
           </p:nvPr>
@@ -24740,7 +21395,7 @@
             <p:ph sz="half" idx="1"/>
             <p:extLst>
               <p:ext uri="{D42A27DB-BD31-4B8C-83A1-F6EECF244321}">
-                <p14:modId xmlns:p14="http://schemas.microsoft.com/office/powerpoint/2010/main" val="428910812"/>
+                <p14:modId xmlns:p14="http://schemas.microsoft.com/office/powerpoint/2010/main" val="488868755"/>
               </p:ext>
             </p:extLst>
           </p:nvPr>
@@ -24765,14 +21420,14 @@
   <p:clrMapOvr>
     <a:masterClrMapping/>
   </p:clrMapOvr>
-  <mc:AlternateContent xmlns:mc="http://schemas.openxmlformats.org/markup-compatibility/2006" xmlns:p159="http://schemas.microsoft.com/office/powerpoint/2015/09/main">
-    <mc:Choice Requires="p159">
-      <p:transition xmlns:p14="http://schemas.microsoft.com/office/powerpoint/2010/main" spd="slow" p14:dur="2000">
+  <mc:AlternateContent xmlns:mc="http://schemas.openxmlformats.org/markup-compatibility/2006">
+    <mc:Choice xmlns:p159="http://schemas.microsoft.com/office/powerpoint/2015/09/main" Requires="p159">
+      <p:transition>
         <p159:morph option="byWord"/>
       </p:transition>
     </mc:Choice>
-    <mc:Fallback xmlns="">
-      <p:transition spd="slow">
+    <mc:Fallback>
+      <p:transition>
         <p:fade/>
       </p:transition>
     </mc:Fallback>
@@ -24797,11 +21452,11 @@
                         <p:par>
                           <p:cTn id="4" fill="hold">
                             <p:stCondLst>
-                              <p:cond delay="2000"/>
+                              <p:cond delay="0"/>
                             </p:stCondLst>
                             <p:childTnLst>
                               <p:par>
-                                <p:cTn id="5" presetID="10" presetClass="entr" presetSubtype="0" fill="hold" grpId="0" nodeType="afterEffect">
+                                <p:cTn id="5" presetID="10" presetClass="entr" presetSubtype="0" fill="hold" grpId="0" nodeType="withEffect">
                                   <p:stCondLst>
                                     <p:cond delay="0"/>
                                   </p:stCondLst>
@@ -24849,7 +21504,7 @@
                         <p:par>
                           <p:cTn id="8" fill="hold">
                             <p:stCondLst>
-                              <p:cond delay="2100"/>
+                              <p:cond delay="100"/>
                             </p:stCondLst>
                             <p:childTnLst>
                               <p:par>
@@ -24901,7 +21556,7 @@
                         <p:par>
                           <p:cTn id="12" fill="hold">
                             <p:stCondLst>
-                              <p:cond delay="2200"/>
+                              <p:cond delay="200"/>
                             </p:stCondLst>
                             <p:childTnLst>
                               <p:par>
@@ -24953,7 +21608,7 @@
                         <p:par>
                           <p:cTn id="16" fill="hold">
                             <p:stCondLst>
-                              <p:cond delay="2300"/>
+                              <p:cond delay="300"/>
                             </p:stCondLst>
                             <p:childTnLst>
                               <p:par>
@@ -25005,7 +21660,7 @@
                         <p:par>
                           <p:cTn id="20" fill="hold">
                             <p:stCondLst>
-                              <p:cond delay="2400"/>
+                              <p:cond delay="400"/>
                             </p:stCondLst>
                             <p:childTnLst>
                               <p:par>
@@ -25057,7 +21712,7 @@
                         <p:par>
                           <p:cTn id="24" fill="hold">
                             <p:stCondLst>
-                              <p:cond delay="2500"/>
+                              <p:cond delay="500"/>
                             </p:stCondLst>
                             <p:childTnLst>
                               <p:par>
@@ -25109,7 +21764,7 @@
                         <p:par>
                           <p:cTn id="28" fill="hold">
                             <p:stCondLst>
-                              <p:cond delay="2600"/>
+                              <p:cond delay="600"/>
                             </p:stCondLst>
                             <p:childTnLst>
                               <p:par>
@@ -25161,7 +21816,7 @@
                         <p:par>
                           <p:cTn id="32" fill="hold">
                             <p:stCondLst>
-                              <p:cond delay="2700"/>
+                              <p:cond delay="700"/>
                             </p:stCondLst>
                             <p:childTnLst>
                               <p:par>
@@ -25213,7 +21868,7 @@
                         <p:par>
                           <p:cTn id="36" fill="hold">
                             <p:stCondLst>
-                              <p:cond delay="2800"/>
+                              <p:cond delay="800"/>
                             </p:stCondLst>
                             <p:childTnLst>
                               <p:par>
@@ -25265,7 +21920,7 @@
                         <p:par>
                           <p:cTn id="40" fill="hold">
                             <p:stCondLst>
-                              <p:cond delay="2900"/>
+                              <p:cond delay="900"/>
                             </p:stCondLst>
                             <p:childTnLst>
                               <p:par>
@@ -25317,7 +21972,7 @@
                         <p:par>
                           <p:cTn id="44" fill="hold">
                             <p:stCondLst>
-                              <p:cond delay="3000"/>
+                              <p:cond delay="1000"/>
                             </p:stCondLst>
                             <p:childTnLst>
                               <p:par>
@@ -25369,7 +22024,7 @@
                         <p:par>
                           <p:cTn id="48" fill="hold">
                             <p:stCondLst>
-                              <p:cond delay="3100"/>
+                              <p:cond delay="1100"/>
                             </p:stCondLst>
                             <p:childTnLst>
                               <p:par>
@@ -25421,13 +22076,13 @@
                         <p:par>
                           <p:cTn id="52" fill="hold">
                             <p:stCondLst>
-                              <p:cond delay="3200"/>
+                              <p:cond delay="1200"/>
                             </p:stCondLst>
                             <p:childTnLst>
                               <p:par>
                                 <p:cTn id="53" presetID="10" presetClass="entr" presetSubtype="0" fill="hold" grpId="0" nodeType="afterEffect">
                                   <p:stCondLst>
-                                    <p:cond delay="1000"/>
+                                    <p:cond delay="500"/>
                                   </p:stCondLst>
                                   <p:childTnLst>
                                     <p:set>
@@ -25473,7 +22128,7 @@
                         <p:par>
                           <p:cTn id="56" fill="hold">
                             <p:stCondLst>
-                              <p:cond delay="4700"/>
+                              <p:cond delay="2200"/>
                             </p:stCondLst>
                             <p:childTnLst>
                               <p:par>
@@ -25525,7 +22180,7 @@
                         <p:par>
                           <p:cTn id="60" fill="hold">
                             <p:stCondLst>
-                              <p:cond delay="5200"/>
+                              <p:cond delay="2700"/>
                             </p:stCondLst>
                             <p:childTnLst>
                               <p:par>
@@ -25577,7 +22232,7 @@
                         <p:par>
                           <p:cTn id="64" fill="hold">
                             <p:stCondLst>
-                              <p:cond delay="5700"/>
+                              <p:cond delay="3200"/>
                             </p:stCondLst>
                             <p:childTnLst>
                               <p:par>
@@ -25651,7 +22306,7 @@
       </p:par>
     </p:tnLst>
     <p:bldLst>
-      <p:bldGraphic spid="13" grpId="0">
+      <p:bldGraphic spid="13" grpId="0" uiExpand="1">
         <p:bldSub>
           <a:bldDgm bld="one"/>
         </p:bldSub>
@@ -25747,14 +22402,14 @@
   <p:clrMapOvr>
     <a:masterClrMapping/>
   </p:clrMapOvr>
-  <mc:AlternateContent xmlns:mc="http://schemas.openxmlformats.org/markup-compatibility/2006" xmlns:p159="http://schemas.microsoft.com/office/powerpoint/2015/09/main">
-    <mc:Choice Requires="p159">
-      <p:transition xmlns:p14="http://schemas.microsoft.com/office/powerpoint/2010/main" spd="slow" p14:dur="2000">
+  <mc:AlternateContent xmlns:mc="http://schemas.openxmlformats.org/markup-compatibility/2006">
+    <mc:Choice xmlns:p159="http://schemas.microsoft.com/office/powerpoint/2015/09/main" Requires="p159">
+      <p:transition>
         <p159:morph option="byWord"/>
       </p:transition>
     </mc:Choice>
-    <mc:Fallback xmlns="">
-      <p:transition spd="slow">
+    <mc:Fallback>
+      <p:transition>
         <p:fade/>
       </p:transition>
     </mc:Fallback>
@@ -25843,14 +22498,14 @@
   <p:clrMapOvr>
     <a:masterClrMapping/>
   </p:clrMapOvr>
-  <mc:AlternateContent xmlns:mc="http://schemas.openxmlformats.org/markup-compatibility/2006" xmlns:p159="http://schemas.microsoft.com/office/powerpoint/2015/09/main">
-    <mc:Choice Requires="p159">
-      <p:transition xmlns:p14="http://schemas.microsoft.com/office/powerpoint/2010/main" spd="slow" p14:dur="2000">
+  <mc:AlternateContent xmlns:mc="http://schemas.openxmlformats.org/markup-compatibility/2006">
+    <mc:Choice xmlns:p159="http://schemas.microsoft.com/office/powerpoint/2015/09/main" Requires="p159">
+      <p:transition>
         <p159:morph option="byWord"/>
       </p:transition>
     </mc:Choice>
-    <mc:Fallback xmlns="">
-      <p:transition spd="slow">
+    <mc:Fallback>
+      <p:transition>
         <p:fade/>
       </p:transition>
     </mc:Fallback>
@@ -25955,14 +22610,14 @@
   <p:clrMapOvr>
     <a:masterClrMapping/>
   </p:clrMapOvr>
-  <mc:AlternateContent xmlns:mc="http://schemas.openxmlformats.org/markup-compatibility/2006" xmlns:p159="http://schemas.microsoft.com/office/powerpoint/2015/09/main">
-    <mc:Choice Requires="p159">
-      <p:transition xmlns:p14="http://schemas.microsoft.com/office/powerpoint/2010/main" spd="slow" p14:dur="2000">
+  <mc:AlternateContent xmlns:mc="http://schemas.openxmlformats.org/markup-compatibility/2006">
+    <mc:Choice xmlns:p159="http://schemas.microsoft.com/office/powerpoint/2015/09/main" Requires="p159">
+      <p:transition>
         <p159:morph option="byWord"/>
       </p:transition>
     </mc:Choice>
-    <mc:Fallback xmlns="">
-      <p:transition spd="slow">
+    <mc:Fallback>
+      <p:transition>
         <p:fade/>
       </p:transition>
     </mc:Fallback>
@@ -26051,14 +22706,14 @@
   <p:clrMapOvr>
     <a:masterClrMapping/>
   </p:clrMapOvr>
-  <mc:AlternateContent xmlns:mc="http://schemas.openxmlformats.org/markup-compatibility/2006" xmlns:p159="http://schemas.microsoft.com/office/powerpoint/2015/09/main">
-    <mc:Choice Requires="p159">
-      <p:transition xmlns:p14="http://schemas.microsoft.com/office/powerpoint/2010/main" spd="slow" p14:dur="2000">
+  <mc:AlternateContent xmlns:mc="http://schemas.openxmlformats.org/markup-compatibility/2006">
+    <mc:Choice xmlns:p159="http://schemas.microsoft.com/office/powerpoint/2015/09/main" Requires="p159">
+      <p:transition>
         <p159:morph option="byWord"/>
       </p:transition>
     </mc:Choice>
-    <mc:Fallback xmlns="">
-      <p:transition spd="slow">
+    <mc:Fallback>
+      <p:transition>
         <p:fade/>
       </p:transition>
     </mc:Fallback>

--- a/business/PitchDeck/JIbres-PitchDeck-v1.pptx
+++ b/business/PitchDeck/JIbres-PitchDeck-v1.pptx
@@ -5,10 +5,10 @@
     <p:sldMasterId id="2147483714" r:id="rId1"/>
   </p:sldMasterIdLst>
   <p:notesMasterIdLst>
-    <p:notesMasterId r:id="rId19"/>
+    <p:notesMasterId r:id="rId20"/>
   </p:notesMasterIdLst>
   <p:handoutMasterIdLst>
-    <p:handoutMasterId r:id="rId20"/>
+    <p:handoutMasterId r:id="rId21"/>
   </p:handoutMasterIdLst>
   <p:sldIdLst>
     <p:sldId id="262" r:id="rId2"/>
@@ -19,15 +19,16 @@
     <p:sldId id="271" r:id="rId7"/>
     <p:sldId id="266" r:id="rId8"/>
     <p:sldId id="269" r:id="rId9"/>
-    <p:sldId id="272" r:id="rId10"/>
-    <p:sldId id="265" r:id="rId11"/>
-    <p:sldId id="273" r:id="rId12"/>
-    <p:sldId id="275" r:id="rId13"/>
-    <p:sldId id="268" r:id="rId14"/>
-    <p:sldId id="276" r:id="rId15"/>
-    <p:sldId id="274" r:id="rId16"/>
-    <p:sldId id="279" r:id="rId17"/>
-    <p:sldId id="261" r:id="rId18"/>
+    <p:sldId id="281" r:id="rId10"/>
+    <p:sldId id="272" r:id="rId11"/>
+    <p:sldId id="265" r:id="rId12"/>
+    <p:sldId id="273" r:id="rId13"/>
+    <p:sldId id="275" r:id="rId14"/>
+    <p:sldId id="268" r:id="rId15"/>
+    <p:sldId id="276" r:id="rId16"/>
+    <p:sldId id="274" r:id="rId17"/>
+    <p:sldId id="279" r:id="rId18"/>
+    <p:sldId id="261" r:id="rId19"/>
   </p:sldIdLst>
   <p:sldSz cx="12192000" cy="6858000"/>
   <p:notesSz cx="6858000" cy="9144000"/>
@@ -41,27 +42,27 @@
         <p:sld r:id="rId7"/>
         <p:sld r:id="rId8"/>
         <p:sld r:id="rId9"/>
-        <p:sld r:id="rId10"/>
         <p:sld r:id="rId11"/>
         <p:sld r:id="rId12"/>
-        <p:sld r:id="rId14"/>
-        <p:sld r:id="rId18"/>
+        <p:sld r:id="rId13"/>
+        <p:sld r:id="rId15"/>
+        <p:sld r:id="rId19"/>
       </p:sldLst>
     </p:custShow>
     <p:custShow name="Demo Day" id="1">
       <p:sldLst>
         <p:sld r:id="rId2"/>
-        <p:sld r:id="rId12"/>
+        <p:sld r:id="rId13"/>
         <p:sld r:id="rId3"/>
         <p:sld r:id="rId5"/>
         <p:sld r:id="rId7"/>
         <p:sld r:id="rId6"/>
         <p:sld r:id="rId8"/>
         <p:sld r:id="rId9"/>
-        <p:sld r:id="rId10"/>
         <p:sld r:id="rId11"/>
-        <p:sld r:id="rId14"/>
-        <p:sld r:id="rId18"/>
+        <p:sld r:id="rId12"/>
+        <p:sld r:id="rId15"/>
+        <p:sld r:id="rId19"/>
       </p:sldLst>
     </p:custShow>
   </p:custShowLst>
@@ -204,6 +205,7 @@
         <p14:section name="Underlying Magic" id="{25DF5541-CEF0-45A4-ADBF-419CCD04F1F4}">
           <p14:sldIdLst>
             <p14:sldId id="269"/>
+            <p14:sldId id="281"/>
           </p14:sldIdLst>
         </p14:section>
         <p14:section name="Go-to Market" id="{EAA96F2F-94EB-4941-9A92-DC502CAA175C}">
@@ -12191,7 +12193,7 @@
           <a:p>
             <a:fld id="{EC29E1AC-3210-4C03-93DF-294BFDB0FAF7}" type="slidenum">
               <a:rPr lang="en-US" smtClean="0"/>
-              <a:t>11</a:t>
+              <a:t>12</a:t>
             </a:fld>
             <a:endParaRPr lang="en-US"/>
           </a:p>
@@ -12312,7 +12314,7 @@
           <a:p>
             <a:fld id="{EC29E1AC-3210-4C03-93DF-294BFDB0FAF7}" type="slidenum">
               <a:rPr lang="en-US" smtClean="0"/>
-              <a:t>12</a:t>
+              <a:t>13</a:t>
             </a:fld>
             <a:endParaRPr lang="en-US"/>
           </a:p>
@@ -12410,7 +12412,7 @@
           <a:p>
             <a:fld id="{EC29E1AC-3210-4C03-93DF-294BFDB0FAF7}" type="slidenum">
               <a:rPr lang="en-US" smtClean="0"/>
-              <a:t>14</a:t>
+              <a:t>15</a:t>
             </a:fld>
             <a:endParaRPr lang="en-US"/>
           </a:p>
@@ -19190,6 +19192,102 @@
           <p:cNvPr id="2" name="Title 1">
             <a:extLst>
               <a:ext uri="{FF2B5EF4-FFF2-40B4-BE49-F238E27FC236}">
+                <a16:creationId xmlns:a16="http://schemas.microsoft.com/office/drawing/2014/main" id="{9E452C3F-ED25-483A-94FA-D2CE60013342}"/>
+              </a:ext>
+            </a:extLst>
+          </p:cNvPr>
+          <p:cNvSpPr>
+            <a:spLocks noGrp="1"/>
+          </p:cNvSpPr>
+          <p:nvPr>
+            <p:ph type="title"/>
+          </p:nvPr>
+        </p:nvSpPr>
+        <p:spPr/>
+        <p:txBody>
+          <a:bodyPr/>
+          <a:lstStyle/>
+          <a:p>
+            <a:r>
+              <a:rPr lang="fa-IR" dirty="0"/>
+              <a:t>استراتژی بازاریابی</a:t>
+            </a:r>
+            <a:endParaRPr lang="en-US" dirty="0"/>
+          </a:p>
+        </p:txBody>
+      </p:sp>
+      <p:sp>
+        <p:nvSpPr>
+          <p:cNvPr id="3" name="Content Placeholder 2">
+            <a:extLst>
+              <a:ext uri="{FF2B5EF4-FFF2-40B4-BE49-F238E27FC236}">
+                <a16:creationId xmlns:a16="http://schemas.microsoft.com/office/drawing/2014/main" id="{46F6534D-E736-4D33-B628-2F504052D36C}"/>
+              </a:ext>
+            </a:extLst>
+          </p:cNvPr>
+          <p:cNvSpPr>
+            <a:spLocks noGrp="1"/>
+          </p:cNvSpPr>
+          <p:nvPr>
+            <p:ph idx="1"/>
+          </p:nvPr>
+        </p:nvSpPr>
+        <p:spPr/>
+        <p:txBody>
+          <a:bodyPr/>
+          <a:lstStyle/>
+          <a:p>
+            <a:endParaRPr lang="en-US"/>
+          </a:p>
+        </p:txBody>
+      </p:sp>
+    </p:spTree>
+    <p:extLst>
+      <p:ext uri="{BB962C8B-B14F-4D97-AF65-F5344CB8AC3E}">
+        <p14:creationId xmlns:p14="http://schemas.microsoft.com/office/powerpoint/2010/main" val="951979677"/>
+      </p:ext>
+    </p:extLst>
+  </p:cSld>
+  <p:clrMapOvr>
+    <a:masterClrMapping/>
+  </p:clrMapOvr>
+  <mc:AlternateContent xmlns:mc="http://schemas.openxmlformats.org/markup-compatibility/2006">
+    <mc:Choice xmlns:p159="http://schemas.microsoft.com/office/powerpoint/2015/09/main" Requires="p159">
+      <p:transition>
+        <p159:morph option="byWord"/>
+      </p:transition>
+    </mc:Choice>
+    <mc:Fallback>
+      <p:transition>
+        <p:fade/>
+      </p:transition>
+    </mc:Fallback>
+  </mc:AlternateContent>
+</p:sld>
+</file>
+
+<file path=ppt/slides/slide11.xml><?xml version="1.0" encoding="utf-8"?>
+<p:sld xmlns:a="http://schemas.openxmlformats.org/drawingml/2006/main" xmlns:r="http://schemas.openxmlformats.org/officeDocument/2006/relationships" xmlns:p="http://schemas.openxmlformats.org/presentationml/2006/main">
+  <p:cSld>
+    <p:spTree>
+      <p:nvGrpSpPr>
+        <p:cNvPr id="1" name=""/>
+        <p:cNvGrpSpPr/>
+        <p:nvPr/>
+      </p:nvGrpSpPr>
+      <p:grpSpPr>
+        <a:xfrm>
+          <a:off x="0" y="0"/>
+          <a:ext cx="0" cy="0"/>
+          <a:chOff x="0" y="0"/>
+          <a:chExt cx="0" cy="0"/>
+        </a:xfrm>
+      </p:grpSpPr>
+      <p:sp>
+        <p:nvSpPr>
+          <p:cNvPr id="2" name="Title 1">
+            <a:extLst>
+              <a:ext uri="{FF2B5EF4-FFF2-40B4-BE49-F238E27FC236}">
                 <a16:creationId xmlns:a16="http://schemas.microsoft.com/office/drawing/2014/main" id="{5D34B8C1-6180-431A-B964-C1F4DCF47BEB}"/>
               </a:ext>
             </a:extLst>
@@ -19264,7 +19362,7 @@
 </p:sld>
 </file>
 
-<file path=ppt/slides/slide11.xml><?xml version="1.0" encoding="utf-8"?>
+<file path=ppt/slides/slide12.xml><?xml version="1.0" encoding="utf-8"?>
 <p:sld xmlns:a="http://schemas.openxmlformats.org/drawingml/2006/main" xmlns:r="http://schemas.openxmlformats.org/officeDocument/2006/relationships" xmlns:p="http://schemas.openxmlformats.org/presentationml/2006/main">
   <p:cSld>
     <p:spTree>
@@ -19386,7 +19484,7 @@
 </p:sld>
 </file>
 
-<file path=ppt/slides/slide12.xml><?xml version="1.0" encoding="utf-8"?>
+<file path=ppt/slides/slide13.xml><?xml version="1.0" encoding="utf-8"?>
 <p:sld xmlns:a="http://schemas.openxmlformats.org/drawingml/2006/main" xmlns:r="http://schemas.openxmlformats.org/officeDocument/2006/relationships" xmlns:p="http://schemas.openxmlformats.org/presentationml/2006/main">
   <p:cSld>
     <p:spTree>
@@ -19482,7 +19580,7 @@
 </p:sld>
 </file>
 
-<file path=ppt/slides/slide13.xml><?xml version="1.0" encoding="utf-8"?>
+<file path=ppt/slides/slide14.xml><?xml version="1.0" encoding="utf-8"?>
 <p:sld xmlns:a="http://schemas.openxmlformats.org/drawingml/2006/main" xmlns:r="http://schemas.openxmlformats.org/officeDocument/2006/relationships" xmlns:p="http://schemas.openxmlformats.org/presentationml/2006/main">
   <p:cSld>
     <p:spTree>
@@ -19578,7 +19676,7 @@
 </p:sld>
 </file>
 
-<file path=ppt/slides/slide14.xml><?xml version="1.0" encoding="utf-8"?>
+<file path=ppt/slides/slide15.xml><?xml version="1.0" encoding="utf-8"?>
 <p:sld xmlns:a="http://schemas.openxmlformats.org/drawingml/2006/main" xmlns:r="http://schemas.openxmlformats.org/officeDocument/2006/relationships" xmlns:p="http://schemas.openxmlformats.org/presentationml/2006/main">
   <p:cSld>
     <p:spTree>
@@ -19674,7 +19772,7 @@
 </p:sld>
 </file>
 
-<file path=ppt/slides/slide15.xml><?xml version="1.0" encoding="utf-8"?>
+<file path=ppt/slides/slide16.xml><?xml version="1.0" encoding="utf-8"?>
 <p:sld xmlns:a="http://schemas.openxmlformats.org/drawingml/2006/main" xmlns:r="http://schemas.openxmlformats.org/officeDocument/2006/relationships" xmlns:p="http://schemas.openxmlformats.org/presentationml/2006/main">
   <p:cSld>
     <p:spTree>
@@ -19785,7 +19883,7 @@
 </p:sld>
 </file>
 
-<file path=ppt/slides/slide16.xml><?xml version="1.0" encoding="utf-8"?>
+<file path=ppt/slides/slide17.xml><?xml version="1.0" encoding="utf-8"?>
 <p:sld xmlns:a="http://schemas.openxmlformats.org/drawingml/2006/main" xmlns:r="http://schemas.openxmlformats.org/officeDocument/2006/relationships" xmlns:p="http://schemas.openxmlformats.org/presentationml/2006/main">
   <p:cSld>
     <p:spTree>
@@ -20797,7 +20895,7 @@
 </p:sld>
 </file>
 
-<file path=ppt/slides/slide17.xml><?xml version="1.0" encoding="utf-8"?>
+<file path=ppt/slides/slide18.xml><?xml version="1.0" encoding="utf-8"?>
 <p:sld xmlns:a="http://schemas.openxmlformats.org/drawingml/2006/main" xmlns:r="http://schemas.openxmlformats.org/officeDocument/2006/relationships" xmlns:p="http://schemas.openxmlformats.org/presentationml/2006/main">
   <p:cSld>
     <p:spTree>
@@ -21298,8 +21396,8 @@
         </p:nvSpPr>
         <p:spPr>
           <a:xfrm>
-            <a:off x="5642043" y="6232965"/>
-            <a:ext cx="5495008" cy="246221"/>
+            <a:off x="2247089" y="6232965"/>
+            <a:ext cx="8889962" cy="246221"/>
           </a:xfrm>
           <a:prstGeom prst="rect">
             <a:avLst/>
@@ -22647,7 +22745,7 @@
           <p:cNvPr id="2" name="Title 1">
             <a:extLst>
               <a:ext uri="{FF2B5EF4-FFF2-40B4-BE49-F238E27FC236}">
-                <a16:creationId xmlns:a16="http://schemas.microsoft.com/office/drawing/2014/main" id="{9E452C3F-ED25-483A-94FA-D2CE60013342}"/>
+                <a16:creationId xmlns:a16="http://schemas.microsoft.com/office/drawing/2014/main" id="{0783E746-0407-4448-AE11-8A242789819B}"/>
               </a:ext>
             </a:extLst>
           </p:cNvPr>
@@ -22665,7 +22763,7 @@
           <a:p>
             <a:r>
               <a:rPr lang="fa-IR" dirty="0"/>
-              <a:t>استراتژی بازاریابی</a:t>
+              <a:t>نگاه بلندمدت</a:t>
             </a:r>
             <a:endParaRPr lang="en-US" dirty="0"/>
           </a:p>
@@ -22676,7 +22774,7 @@
           <p:cNvPr id="3" name="Content Placeholder 2">
             <a:extLst>
               <a:ext uri="{FF2B5EF4-FFF2-40B4-BE49-F238E27FC236}">
-                <a16:creationId xmlns:a16="http://schemas.microsoft.com/office/drawing/2014/main" id="{46F6534D-E736-4D33-B628-2F504052D36C}"/>
+                <a16:creationId xmlns:a16="http://schemas.microsoft.com/office/drawing/2014/main" id="{80241BC9-3514-4B6E-B5F8-E92F0419A003}"/>
               </a:ext>
             </a:extLst>
           </p:cNvPr>
@@ -22699,7 +22797,7 @@
     </p:spTree>
     <p:extLst>
       <p:ext uri="{BB962C8B-B14F-4D97-AF65-F5344CB8AC3E}">
-        <p14:creationId xmlns:p14="http://schemas.microsoft.com/office/powerpoint/2010/main" val="951979677"/>
+        <p14:creationId xmlns:p14="http://schemas.microsoft.com/office/powerpoint/2010/main" val="1213968248"/>
       </p:ext>
     </p:extLst>
   </p:cSld>

--- a/business/PitchDeck/JIbres-PitchDeck-v1.pptx
+++ b/business/PitchDeck/JIbres-PitchDeck-v1.pptx
@@ -5,10 +5,10 @@
     <p:sldMasterId id="2147483714" r:id="rId1"/>
   </p:sldMasterIdLst>
   <p:notesMasterIdLst>
-    <p:notesMasterId r:id="rId25"/>
+    <p:notesMasterId r:id="rId26"/>
   </p:notesMasterIdLst>
   <p:handoutMasterIdLst>
-    <p:handoutMasterId r:id="rId26"/>
+    <p:handoutMasterId r:id="rId27"/>
   </p:handoutMasterIdLst>
   <p:sldIdLst>
     <p:sldId id="262" r:id="rId2"/>
@@ -21,19 +21,20 @@
     <p:sldId id="271" r:id="rId9"/>
     <p:sldId id="266" r:id="rId10"/>
     <p:sldId id="269" r:id="rId11"/>
-    <p:sldId id="281" r:id="rId12"/>
-    <p:sldId id="272" r:id="rId13"/>
-    <p:sldId id="265" r:id="rId14"/>
-    <p:sldId id="273" r:id="rId15"/>
-    <p:sldId id="275" r:id="rId16"/>
-    <p:sldId id="268" r:id="rId17"/>
-    <p:sldId id="276" r:id="rId18"/>
-    <p:sldId id="274" r:id="rId19"/>
-    <p:sldId id="279" r:id="rId20"/>
-    <p:sldId id="283" r:id="rId21"/>
-    <p:sldId id="284" r:id="rId22"/>
-    <p:sldId id="286" r:id="rId23"/>
-    <p:sldId id="261" r:id="rId24"/>
+    <p:sldId id="287" r:id="rId12"/>
+    <p:sldId id="281" r:id="rId13"/>
+    <p:sldId id="272" r:id="rId14"/>
+    <p:sldId id="265" r:id="rId15"/>
+    <p:sldId id="273" r:id="rId16"/>
+    <p:sldId id="275" r:id="rId17"/>
+    <p:sldId id="268" r:id="rId18"/>
+    <p:sldId id="276" r:id="rId19"/>
+    <p:sldId id="274" r:id="rId20"/>
+    <p:sldId id="279" r:id="rId21"/>
+    <p:sldId id="283" r:id="rId22"/>
+    <p:sldId id="284" r:id="rId23"/>
+    <p:sldId id="286" r:id="rId24"/>
+    <p:sldId id="261" r:id="rId25"/>
   </p:sldIdLst>
   <p:sldSz cx="12192000" cy="6858000"/>
   <p:notesSz cx="6858000" cy="9144000"/>
@@ -47,27 +48,27 @@
         <p:sld r:id="rId9"/>
         <p:sld r:id="rId10"/>
         <p:sld r:id="rId11"/>
-        <p:sld r:id="rId13"/>
         <p:sld r:id="rId14"/>
         <p:sld r:id="rId15"/>
-        <p:sld r:id="rId17"/>
-        <p:sld r:id="rId24"/>
+        <p:sld r:id="rId16"/>
+        <p:sld r:id="rId18"/>
+        <p:sld r:id="rId25"/>
       </p:sldLst>
     </p:custShow>
     <p:custShow name="Demo Day" id="1">
       <p:sldLst>
         <p:sld r:id="rId2"/>
-        <p:sld r:id="rId15"/>
+        <p:sld r:id="rId16"/>
         <p:sld r:id="rId3"/>
         <p:sld r:id="rId5"/>
         <p:sld r:id="rId9"/>
         <p:sld r:id="rId6"/>
         <p:sld r:id="rId10"/>
         <p:sld r:id="rId11"/>
-        <p:sld r:id="rId13"/>
         <p:sld r:id="rId14"/>
-        <p:sld r:id="rId17"/>
-        <p:sld r:id="rId24"/>
+        <p:sld r:id="rId15"/>
+        <p:sld r:id="rId18"/>
+        <p:sld r:id="rId25"/>
       </p:sldLst>
     </p:custShow>
   </p:custShowLst>
@@ -212,6 +213,7 @@
         <p14:section name="Underlying Magic" id="{25DF5541-CEF0-45A4-ADBF-419CCD04F1F4}">
           <p14:sldIdLst>
             <p14:sldId id="269"/>
+            <p14:sldId id="287"/>
             <p14:sldId id="281"/>
           </p14:sldIdLst>
         </p14:section>
@@ -1368,53 +1370,12 @@
         <c:scaling>
           <c:orientation val="minMax"/>
         </c:scaling>
-        <c:delete val="0"/>
+        <c:delete val="1"/>
         <c:axPos val="l"/>
-        <c:majorGridlines>
-          <c:spPr>
-            <a:ln w="9525" cap="flat" cmpd="sng" algn="ctr">
-              <a:solidFill>
-                <a:schemeClr val="tx1">
-                  <a:lumMod val="15000"/>
-                  <a:lumOff val="85000"/>
-                </a:schemeClr>
-              </a:solidFill>
-              <a:round/>
-            </a:ln>
-            <a:effectLst/>
-          </c:spPr>
-        </c:majorGridlines>
         <c:numFmt formatCode="_(* #,##0_);_(* \(#,##0\);_(* &quot;-&quot;??_);_(@_)" sourceLinked="1"/>
         <c:majorTickMark val="none"/>
         <c:minorTickMark val="none"/>
         <c:tickLblPos val="nextTo"/>
-        <c:spPr>
-          <a:noFill/>
-          <a:ln>
-            <a:noFill/>
-          </a:ln>
-          <a:effectLst/>
-        </c:spPr>
-        <c:txPr>
-          <a:bodyPr rot="-60000000" spcFirstLastPara="1" vertOverflow="ellipsis" vert="horz" wrap="square" anchor="ctr" anchorCtr="1"/>
-          <a:lstStyle/>
-          <a:p>
-            <a:pPr>
-              <a:defRPr sz="900" b="0" i="0" u="none" strike="noStrike" kern="1200" baseline="0">
-                <a:solidFill>
-                  <a:schemeClr val="tx1">
-                    <a:lumMod val="65000"/>
-                    <a:lumOff val="35000"/>
-                  </a:schemeClr>
-                </a:solidFill>
-                <a:latin typeface="+mn-lt"/>
-                <a:ea typeface="+mn-ea"/>
-                <a:cs typeface="+mn-cs"/>
-              </a:defRPr>
-            </a:pPr>
-            <a:endParaRPr lang="en-US"/>
-          </a:p>
-        </c:txPr>
         <c:crossAx val="2063771200"/>
         <c:crosses val="autoZero"/>
         <c:crossBetween val="between"/>
@@ -1452,6 +1413,506 @@
     <a:p>
       <a:pPr>
         <a:defRPr/>
+      </a:pPr>
+      <a:endParaRPr lang="en-US"/>
+    </a:p>
+  </c:txPr>
+  <c:externalData r:id="rId3">
+    <c:autoUpdate val="0"/>
+  </c:externalData>
+</c:chartSpace>
+</file>
+
+<file path=ppt/charts/chart4.xml><?xml version="1.0" encoding="utf-8"?>
+<c:chartSpace xmlns:c="http://schemas.openxmlformats.org/drawingml/2006/chart" xmlns:a="http://schemas.openxmlformats.org/drawingml/2006/main" xmlns:r="http://schemas.openxmlformats.org/officeDocument/2006/relationships" xmlns:c16r2="http://schemas.microsoft.com/office/drawing/2015/06/chart">
+  <c:date1904 val="0"/>
+  <c:lang val="en-US"/>
+  <c:roundedCorners val="0"/>
+  <mc:AlternateContent xmlns:mc="http://schemas.openxmlformats.org/markup-compatibility/2006">
+    <mc:Choice xmlns:c14="http://schemas.microsoft.com/office/drawing/2007/8/2/chart" Requires="c14">
+      <c14:style val="102"/>
+    </mc:Choice>
+    <mc:Fallback>
+      <c:style val="2"/>
+    </mc:Fallback>
+  </mc:AlternateContent>
+  <c:chart>
+    <c:title>
+      <c:tx>
+        <c:rich>
+          <a:bodyPr rot="0" spcFirstLastPara="1" vertOverflow="ellipsis" vert="horz" wrap="square" anchor="ctr" anchorCtr="1"/>
+          <a:lstStyle/>
+          <a:p>
+            <a:pPr>
+              <a:defRPr sz="1400" b="0" i="0" u="none" strike="noStrike" kern="1200" spc="0" baseline="0">
+                <a:solidFill>
+                  <a:schemeClr val="tx1">
+                    <a:lumMod val="65000"/>
+                    <a:lumOff val="35000"/>
+                  </a:schemeClr>
+                </a:solidFill>
+                <a:latin typeface="IRANYekan" panose="020B0506030804020204" pitchFamily="34" charset="-78"/>
+                <a:ea typeface="+mn-ea"/>
+                <a:cs typeface="IRANYekan" panose="020B0506030804020204" pitchFamily="34" charset="-78"/>
+              </a:defRPr>
+            </a:pPr>
+            <a:r>
+              <a:rPr lang="fa-IR"/>
+              <a:t>محل</a:t>
+            </a:r>
+            <a:r>
+              <a:rPr lang="fa-IR" baseline="0"/>
+              <a:t> هزینه سرمایه جذب شده جیبرس</a:t>
+            </a:r>
+            <a:endParaRPr lang="fa-IR"/>
+          </a:p>
+        </c:rich>
+      </c:tx>
+      <c:overlay val="0"/>
+      <c:spPr>
+        <a:noFill/>
+        <a:ln>
+          <a:noFill/>
+        </a:ln>
+        <a:effectLst/>
+      </c:spPr>
+      <c:txPr>
+        <a:bodyPr rot="0" spcFirstLastPara="1" vertOverflow="ellipsis" vert="horz" wrap="square" anchor="ctr" anchorCtr="1"/>
+        <a:lstStyle/>
+        <a:p>
+          <a:pPr>
+            <a:defRPr sz="1400" b="0" i="0" u="none" strike="noStrike" kern="1200" spc="0" baseline="0">
+              <a:solidFill>
+                <a:schemeClr val="tx1">
+                  <a:lumMod val="65000"/>
+                  <a:lumOff val="35000"/>
+                </a:schemeClr>
+              </a:solidFill>
+              <a:latin typeface="IRANYekan" panose="020B0506030804020204" pitchFamily="34" charset="-78"/>
+              <a:ea typeface="+mn-ea"/>
+              <a:cs typeface="IRANYekan" panose="020B0506030804020204" pitchFamily="34" charset="-78"/>
+            </a:defRPr>
+          </a:pPr>
+          <a:endParaRPr lang="en-US"/>
+        </a:p>
+      </c:txPr>
+    </c:title>
+    <c:autoTitleDeleted val="0"/>
+    <c:plotArea>
+      <c:layout/>
+      <c:pieChart>
+        <c:varyColors val="1"/>
+        <c:ser>
+          <c:idx val="0"/>
+          <c:order val="0"/>
+          <c:tx>
+            <c:strRef>
+              <c:f>Sheet1!$C$1</c:f>
+              <c:strCache>
+                <c:ptCount val="1"/>
+                <c:pt idx="0">
+                  <c:v>مبالغ پیش‌بینی شده به میلیون تومان</c:v>
+                </c:pt>
+              </c:strCache>
+            </c:strRef>
+          </c:tx>
+          <c:dPt>
+            <c:idx val="0"/>
+            <c:bubble3D val="0"/>
+            <c:spPr>
+              <a:solidFill>
+                <a:schemeClr val="accent1"/>
+              </a:solidFill>
+              <a:ln w="19050">
+                <a:solidFill>
+                  <a:schemeClr val="lt1"/>
+                </a:solidFill>
+              </a:ln>
+              <a:effectLst/>
+            </c:spPr>
+            <c:extLst>
+              <c:ext xmlns:c16="http://schemas.microsoft.com/office/drawing/2014/chart" uri="{C3380CC4-5D6E-409C-BE32-E72D297353CC}">
+                <c16:uniqueId val="{00000001-A88A-4E5B-BEAD-BE028B47C985}"/>
+              </c:ext>
+            </c:extLst>
+          </c:dPt>
+          <c:dPt>
+            <c:idx val="1"/>
+            <c:bubble3D val="0"/>
+            <c:spPr>
+              <a:solidFill>
+                <a:schemeClr val="accent2"/>
+              </a:solidFill>
+              <a:ln w="19050">
+                <a:solidFill>
+                  <a:schemeClr val="lt1"/>
+                </a:solidFill>
+              </a:ln>
+              <a:effectLst/>
+            </c:spPr>
+            <c:extLst>
+              <c:ext xmlns:c16="http://schemas.microsoft.com/office/drawing/2014/chart" uri="{C3380CC4-5D6E-409C-BE32-E72D297353CC}">
+                <c16:uniqueId val="{00000003-A88A-4E5B-BEAD-BE028B47C985}"/>
+              </c:ext>
+            </c:extLst>
+          </c:dPt>
+          <c:dPt>
+            <c:idx val="2"/>
+            <c:bubble3D val="0"/>
+            <c:spPr>
+              <a:solidFill>
+                <a:schemeClr val="accent3"/>
+              </a:solidFill>
+              <a:ln w="19050">
+                <a:solidFill>
+                  <a:schemeClr val="lt1"/>
+                </a:solidFill>
+              </a:ln>
+              <a:effectLst/>
+            </c:spPr>
+            <c:extLst>
+              <c:ext xmlns:c16="http://schemas.microsoft.com/office/drawing/2014/chart" uri="{C3380CC4-5D6E-409C-BE32-E72D297353CC}">
+                <c16:uniqueId val="{00000005-A88A-4E5B-BEAD-BE028B47C985}"/>
+              </c:ext>
+            </c:extLst>
+          </c:dPt>
+          <c:dPt>
+            <c:idx val="3"/>
+            <c:bubble3D val="0"/>
+            <c:spPr>
+              <a:solidFill>
+                <a:schemeClr val="accent4"/>
+              </a:solidFill>
+              <a:ln w="19050">
+                <a:solidFill>
+                  <a:schemeClr val="lt1"/>
+                </a:solidFill>
+              </a:ln>
+              <a:effectLst/>
+            </c:spPr>
+            <c:extLst>
+              <c:ext xmlns:c16="http://schemas.microsoft.com/office/drawing/2014/chart" uri="{C3380CC4-5D6E-409C-BE32-E72D297353CC}">
+                <c16:uniqueId val="{00000007-A88A-4E5B-BEAD-BE028B47C985}"/>
+              </c:ext>
+            </c:extLst>
+          </c:dPt>
+          <c:dPt>
+            <c:idx val="4"/>
+            <c:bubble3D val="0"/>
+            <c:spPr>
+              <a:solidFill>
+                <a:schemeClr val="accent5"/>
+              </a:solidFill>
+              <a:ln w="19050">
+                <a:solidFill>
+                  <a:schemeClr val="lt1"/>
+                </a:solidFill>
+              </a:ln>
+              <a:effectLst/>
+            </c:spPr>
+            <c:extLst>
+              <c:ext xmlns:c16="http://schemas.microsoft.com/office/drawing/2014/chart" uri="{C3380CC4-5D6E-409C-BE32-E72D297353CC}">
+                <c16:uniqueId val="{00000009-A88A-4E5B-BEAD-BE028B47C985}"/>
+              </c:ext>
+            </c:extLst>
+          </c:dPt>
+          <c:dPt>
+            <c:idx val="5"/>
+            <c:bubble3D val="0"/>
+            <c:spPr>
+              <a:solidFill>
+                <a:schemeClr val="accent6"/>
+              </a:solidFill>
+              <a:ln w="19050">
+                <a:solidFill>
+                  <a:schemeClr val="lt1"/>
+                </a:solidFill>
+              </a:ln>
+              <a:effectLst/>
+            </c:spPr>
+            <c:extLst>
+              <c:ext xmlns:c16="http://schemas.microsoft.com/office/drawing/2014/chart" uri="{C3380CC4-5D6E-409C-BE32-E72D297353CC}">
+                <c16:uniqueId val="{0000000B-A88A-4E5B-BEAD-BE028B47C985}"/>
+              </c:ext>
+            </c:extLst>
+          </c:dPt>
+          <c:dPt>
+            <c:idx val="6"/>
+            <c:bubble3D val="0"/>
+            <c:spPr>
+              <a:solidFill>
+                <a:schemeClr val="accent1">
+                  <a:lumMod val="60000"/>
+                </a:schemeClr>
+              </a:solidFill>
+              <a:ln w="19050">
+                <a:solidFill>
+                  <a:schemeClr val="lt1"/>
+                </a:solidFill>
+              </a:ln>
+              <a:effectLst/>
+            </c:spPr>
+            <c:extLst>
+              <c:ext xmlns:c16="http://schemas.microsoft.com/office/drawing/2014/chart" uri="{C3380CC4-5D6E-409C-BE32-E72D297353CC}">
+                <c16:uniqueId val="{0000000D-A88A-4E5B-BEAD-BE028B47C985}"/>
+              </c:ext>
+            </c:extLst>
+          </c:dPt>
+          <c:dPt>
+            <c:idx val="7"/>
+            <c:bubble3D val="0"/>
+            <c:spPr>
+              <a:solidFill>
+                <a:schemeClr val="accent2">
+                  <a:lumMod val="60000"/>
+                </a:schemeClr>
+              </a:solidFill>
+              <a:ln w="19050">
+                <a:solidFill>
+                  <a:schemeClr val="lt1"/>
+                </a:solidFill>
+              </a:ln>
+              <a:effectLst/>
+            </c:spPr>
+            <c:extLst>
+              <c:ext xmlns:c16="http://schemas.microsoft.com/office/drawing/2014/chart" uri="{C3380CC4-5D6E-409C-BE32-E72D297353CC}">
+                <c16:uniqueId val="{0000000F-A88A-4E5B-BEAD-BE028B47C985}"/>
+              </c:ext>
+            </c:extLst>
+          </c:dPt>
+          <c:dPt>
+            <c:idx val="8"/>
+            <c:bubble3D val="0"/>
+            <c:spPr>
+              <a:solidFill>
+                <a:schemeClr val="accent3">
+                  <a:lumMod val="60000"/>
+                </a:schemeClr>
+              </a:solidFill>
+              <a:ln w="19050">
+                <a:solidFill>
+                  <a:schemeClr val="lt1"/>
+                </a:solidFill>
+              </a:ln>
+              <a:effectLst/>
+            </c:spPr>
+            <c:extLst>
+              <c:ext xmlns:c16="http://schemas.microsoft.com/office/drawing/2014/chart" uri="{C3380CC4-5D6E-409C-BE32-E72D297353CC}">
+                <c16:uniqueId val="{00000011-A88A-4E5B-BEAD-BE028B47C985}"/>
+              </c:ext>
+            </c:extLst>
+          </c:dPt>
+          <c:dLbls>
+            <c:spPr>
+              <a:noFill/>
+              <a:ln>
+                <a:noFill/>
+              </a:ln>
+              <a:effectLst/>
+            </c:spPr>
+            <c:txPr>
+              <a:bodyPr rot="0" spcFirstLastPara="1" vertOverflow="ellipsis" vert="horz" wrap="square" lIns="38100" tIns="19050" rIns="38100" bIns="19050" anchor="ctr" anchorCtr="1">
+                <a:spAutoFit/>
+              </a:bodyPr>
+              <a:lstStyle/>
+              <a:p>
+                <a:pPr>
+                  <a:defRPr sz="900" b="0" i="0" u="none" strike="noStrike" kern="1200" baseline="0">
+                    <a:solidFill>
+                      <a:schemeClr val="tx1">
+                        <a:lumMod val="75000"/>
+                        <a:lumOff val="25000"/>
+                      </a:schemeClr>
+                    </a:solidFill>
+                    <a:latin typeface="IRANYekan" panose="020B0506030804020204" pitchFamily="34" charset="-78"/>
+                    <a:ea typeface="+mn-ea"/>
+                    <a:cs typeface="IRANYekan" panose="020B0506030804020204" pitchFamily="34" charset="-78"/>
+                  </a:defRPr>
+                </a:pPr>
+                <a:endParaRPr lang="en-US"/>
+              </a:p>
+            </c:txPr>
+            <c:dLblPos val="outEnd"/>
+            <c:showLegendKey val="0"/>
+            <c:showVal val="0"/>
+            <c:showCatName val="0"/>
+            <c:showSerName val="0"/>
+            <c:showPercent val="1"/>
+            <c:showBubbleSize val="0"/>
+            <c:showLeaderLines val="1"/>
+            <c:leaderLines>
+              <c:spPr>
+                <a:ln w="9525" cap="flat" cmpd="sng" algn="ctr">
+                  <a:solidFill>
+                    <a:schemeClr val="tx1">
+                      <a:lumMod val="35000"/>
+                      <a:lumOff val="65000"/>
+                    </a:schemeClr>
+                  </a:solidFill>
+                  <a:round/>
+                </a:ln>
+                <a:effectLst/>
+              </c:spPr>
+            </c:leaderLines>
+            <c:extLst>
+              <c:ext xmlns:c15="http://schemas.microsoft.com/office/drawing/2012/chart" uri="{CE6537A1-D6FC-4f65-9D91-7224C49458BB}"/>
+            </c:extLst>
+          </c:dLbls>
+          <c:cat>
+            <c:strRef>
+              <c:f>Sheet1!$B$2:$B$10</c:f>
+              <c:strCache>
+                <c:ptCount val="9"/>
+                <c:pt idx="0">
+                  <c:v>نیروی انسانی</c:v>
+                </c:pt>
+                <c:pt idx="1">
+                  <c:v>تبلیغات و بازاریابی</c:v>
+                </c:pt>
+                <c:pt idx="2">
+                  <c:v>سرور</c:v>
+                </c:pt>
+                <c:pt idx="3">
+                  <c:v>کولوکیشن دیتاسنتر ۲ سال</c:v>
+                </c:pt>
+                <c:pt idx="4">
+                  <c:v>پیش‌بینی نشده</c:v>
+                </c:pt>
+                <c:pt idx="5">
+                  <c:v>دفتر شرکت</c:v>
+                </c:pt>
+                <c:pt idx="6">
+                  <c:v>سیستم و تجهیزات دفتری</c:v>
+                </c:pt>
+                <c:pt idx="7">
+                  <c:v>سرمایه در گردش</c:v>
+                </c:pt>
+                <c:pt idx="8">
+                  <c:v>بکاپ و سرور خارج ایران</c:v>
+                </c:pt>
+              </c:strCache>
+            </c:strRef>
+          </c:cat>
+          <c:val>
+            <c:numRef>
+              <c:f>Sheet1!$C$2:$C$10</c:f>
+              <c:numCache>
+                <c:formatCode>General</c:formatCode>
+                <c:ptCount val="9"/>
+                <c:pt idx="0">
+                  <c:v>1800</c:v>
+                </c:pt>
+                <c:pt idx="1">
+                  <c:v>700</c:v>
+                </c:pt>
+                <c:pt idx="2">
+                  <c:v>600</c:v>
+                </c:pt>
+                <c:pt idx="3">
+                  <c:v>500</c:v>
+                </c:pt>
+                <c:pt idx="4">
+                  <c:v>500</c:v>
+                </c:pt>
+                <c:pt idx="5">
+                  <c:v>400</c:v>
+                </c:pt>
+                <c:pt idx="6">
+                  <c:v>300</c:v>
+                </c:pt>
+                <c:pt idx="7">
+                  <c:v>100</c:v>
+                </c:pt>
+                <c:pt idx="8">
+                  <c:v>100</c:v>
+                </c:pt>
+              </c:numCache>
+            </c:numRef>
+          </c:val>
+          <c:extLst>
+            <c:ext xmlns:c16="http://schemas.microsoft.com/office/drawing/2014/chart" uri="{C3380CC4-5D6E-409C-BE32-E72D297353CC}">
+              <c16:uniqueId val="{00000012-A88A-4E5B-BEAD-BE028B47C985}"/>
+            </c:ext>
+          </c:extLst>
+        </c:ser>
+        <c:dLbls>
+          <c:dLblPos val="bestFit"/>
+          <c:showLegendKey val="0"/>
+          <c:showVal val="1"/>
+          <c:showCatName val="0"/>
+          <c:showSerName val="0"/>
+          <c:showPercent val="0"/>
+          <c:showBubbleSize val="0"/>
+          <c:showLeaderLines val="1"/>
+        </c:dLbls>
+        <c:firstSliceAng val="0"/>
+      </c:pieChart>
+      <c:spPr>
+        <a:noFill/>
+        <a:ln>
+          <a:noFill/>
+        </a:ln>
+        <a:effectLst/>
+      </c:spPr>
+    </c:plotArea>
+    <c:legend>
+      <c:legendPos val="l"/>
+      <c:overlay val="0"/>
+      <c:spPr>
+        <a:noFill/>
+        <a:ln>
+          <a:noFill/>
+        </a:ln>
+        <a:effectLst/>
+      </c:spPr>
+      <c:txPr>
+        <a:bodyPr rot="0" spcFirstLastPara="1" vertOverflow="ellipsis" vert="horz" wrap="square" anchor="ctr" anchorCtr="1"/>
+        <a:lstStyle/>
+        <a:p>
+          <a:pPr>
+            <a:defRPr sz="900" b="0" i="0" u="none" strike="noStrike" kern="1200" baseline="0">
+              <a:solidFill>
+                <a:schemeClr val="tx1">
+                  <a:lumMod val="65000"/>
+                  <a:lumOff val="35000"/>
+                </a:schemeClr>
+              </a:solidFill>
+              <a:latin typeface="IRANYekan" panose="020B0506030804020204" pitchFamily="34" charset="-78"/>
+              <a:ea typeface="+mn-ea"/>
+              <a:cs typeface="IRANYekan" panose="020B0506030804020204" pitchFamily="34" charset="-78"/>
+            </a:defRPr>
+          </a:pPr>
+          <a:endParaRPr lang="en-US"/>
+        </a:p>
+      </c:txPr>
+    </c:legend>
+    <c:plotVisOnly val="1"/>
+    <c:dispBlanksAs val="gap"/>
+    <c:extLst>
+      <c:ext xmlns:c16r3="http://schemas.microsoft.com/office/drawing/2017/03/chart" uri="{56B9EC1D-385E-4148-901F-78D8002777C0}">
+        <c16r3:dataDisplayOptions16>
+          <c16r3:dispNaAsBlank val="1"/>
+        </c16r3:dataDisplayOptions16>
+      </c:ext>
+    </c:extLst>
+    <c:showDLblsOverMax val="0"/>
+  </c:chart>
+  <c:spPr>
+    <a:noFill/>
+    <a:ln>
+      <a:noFill/>
+    </a:ln>
+    <a:effectLst/>
+  </c:spPr>
+  <c:txPr>
+    <a:bodyPr/>
+    <a:lstStyle/>
+    <a:p>
+      <a:pPr>
+        <a:defRPr>
+          <a:latin typeface="IRANYekan" panose="020B0506030804020204" pitchFamily="34" charset="-78"/>
+          <a:cs typeface="IRANYekan" panose="020B0506030804020204" pitchFamily="34" charset="-78"/>
+        </a:defRPr>
       </a:pPr>
       <a:endParaRPr lang="en-US"/>
     </a:p>
@@ -1552,6 +2013,46 @@
   </cs:variation>
   <cs:variation>
     <a:tint val="80000"/>
+  </cs:variation>
+</cs:colorStyle>
+</file>
+
+<file path=ppt/charts/colors4.xml><?xml version="1.0" encoding="utf-8"?>
+<cs:colorStyle xmlns:cs="http://schemas.microsoft.com/office/drawing/2012/chartStyle" xmlns:a="http://schemas.openxmlformats.org/drawingml/2006/main" meth="cycle" id="10">
+  <a:schemeClr val="accent1"/>
+  <a:schemeClr val="accent2"/>
+  <a:schemeClr val="accent3"/>
+  <a:schemeClr val="accent4"/>
+  <a:schemeClr val="accent5"/>
+  <a:schemeClr val="accent6"/>
+  <cs:variation/>
+  <cs:variation>
+    <a:lumMod val="60000"/>
+  </cs:variation>
+  <cs:variation>
+    <a:lumMod val="80000"/>
+    <a:lumOff val="20000"/>
+  </cs:variation>
+  <cs:variation>
+    <a:lumMod val="80000"/>
+  </cs:variation>
+  <cs:variation>
+    <a:lumMod val="60000"/>
+    <a:lumOff val="40000"/>
+  </cs:variation>
+  <cs:variation>
+    <a:lumMod val="50000"/>
+  </cs:variation>
+  <cs:variation>
+    <a:lumMod val="70000"/>
+    <a:lumOff val="30000"/>
+  </cs:variation>
+  <cs:variation>
+    <a:lumMod val="70000"/>
+  </cs:variation>
+  <cs:variation>
+    <a:lumMod val="50000"/>
+    <a:lumOff val="50000"/>
   </cs:variation>
 </cs:colorStyle>
 </file>
@@ -3022,6 +3523,525 @@
             <a:lumOff val="85000"/>
           </a:schemeClr>
         </a:solidFill>
+      </a:ln>
+    </cs:spPr>
+  </cs:upBar>
+  <cs:valueAxis>
+    <cs:lnRef idx="0"/>
+    <cs:fillRef idx="0"/>
+    <cs:effectRef idx="0"/>
+    <cs:fontRef idx="minor">
+      <a:schemeClr val="tx1">
+        <a:lumMod val="65000"/>
+        <a:lumOff val="35000"/>
+      </a:schemeClr>
+    </cs:fontRef>
+    <cs:defRPr sz="900" kern="1200"/>
+  </cs:valueAxis>
+  <cs:wall>
+    <cs:lnRef idx="0"/>
+    <cs:fillRef idx="0"/>
+    <cs:effectRef idx="0"/>
+    <cs:fontRef idx="minor">
+      <a:schemeClr val="tx1"/>
+    </cs:fontRef>
+    <cs:spPr>
+      <a:noFill/>
+      <a:ln>
+        <a:noFill/>
+      </a:ln>
+    </cs:spPr>
+  </cs:wall>
+</cs:chartStyle>
+</file>
+
+<file path=ppt/charts/style4.xml><?xml version="1.0" encoding="utf-8"?>
+<cs:chartStyle xmlns:cs="http://schemas.microsoft.com/office/drawing/2012/chartStyle" xmlns:a="http://schemas.openxmlformats.org/drawingml/2006/main" id="251">
+  <cs:axisTitle>
+    <cs:lnRef idx="0"/>
+    <cs:fillRef idx="0"/>
+    <cs:effectRef idx="0"/>
+    <cs:fontRef idx="minor">
+      <a:schemeClr val="tx1">
+        <a:lumMod val="65000"/>
+        <a:lumOff val="35000"/>
+      </a:schemeClr>
+    </cs:fontRef>
+    <cs:defRPr sz="1000" kern="1200"/>
+  </cs:axisTitle>
+  <cs:categoryAxis>
+    <cs:lnRef idx="0"/>
+    <cs:fillRef idx="0"/>
+    <cs:effectRef idx="0"/>
+    <cs:fontRef idx="minor">
+      <a:schemeClr val="tx1">
+        <a:lumMod val="65000"/>
+        <a:lumOff val="35000"/>
+      </a:schemeClr>
+    </cs:fontRef>
+    <cs:spPr>
+      <a:ln w="9525" cap="flat" cmpd="sng" algn="ctr">
+        <a:solidFill>
+          <a:schemeClr val="tx1">
+            <a:lumMod val="15000"/>
+            <a:lumOff val="85000"/>
+          </a:schemeClr>
+        </a:solidFill>
+        <a:round/>
+      </a:ln>
+    </cs:spPr>
+    <cs:defRPr sz="900" kern="1200"/>
+  </cs:categoryAxis>
+  <cs:chartArea mods="allowNoFillOverride allowNoLineOverride">
+    <cs:lnRef idx="0"/>
+    <cs:fillRef idx="0"/>
+    <cs:effectRef idx="0"/>
+    <cs:fontRef idx="minor">
+      <a:schemeClr val="tx1"/>
+    </cs:fontRef>
+    <cs:spPr>
+      <a:solidFill>
+        <a:schemeClr val="bg1"/>
+      </a:solidFill>
+      <a:ln w="9525" cap="flat" cmpd="sng" algn="ctr">
+        <a:solidFill>
+          <a:schemeClr val="tx1">
+            <a:lumMod val="15000"/>
+            <a:lumOff val="85000"/>
+          </a:schemeClr>
+        </a:solidFill>
+        <a:round/>
+      </a:ln>
+    </cs:spPr>
+    <cs:defRPr sz="900" kern="1200"/>
+  </cs:chartArea>
+  <cs:dataLabel>
+    <cs:lnRef idx="0"/>
+    <cs:fillRef idx="0"/>
+    <cs:effectRef idx="0"/>
+    <cs:fontRef idx="minor">
+      <a:schemeClr val="tx1">
+        <a:lumMod val="75000"/>
+        <a:lumOff val="25000"/>
+      </a:schemeClr>
+    </cs:fontRef>
+    <cs:defRPr sz="900" kern="1200"/>
+  </cs:dataLabel>
+  <cs:dataLabelCallout>
+    <cs:lnRef idx="0"/>
+    <cs:fillRef idx="0"/>
+    <cs:effectRef idx="0"/>
+    <cs:fontRef idx="minor">
+      <a:schemeClr val="dk1">
+        <a:lumMod val="65000"/>
+        <a:lumOff val="35000"/>
+      </a:schemeClr>
+    </cs:fontRef>
+    <cs:spPr>
+      <a:solidFill>
+        <a:schemeClr val="lt1"/>
+      </a:solidFill>
+      <a:ln>
+        <a:solidFill>
+          <a:schemeClr val="dk1">
+            <a:lumMod val="25000"/>
+            <a:lumOff val="75000"/>
+          </a:schemeClr>
+        </a:solidFill>
+      </a:ln>
+    </cs:spPr>
+    <cs:defRPr sz="900" kern="1200"/>
+    <cs:bodyPr rot="0" spcFirstLastPara="1" vertOverflow="clip" horzOverflow="clip" vert="horz" wrap="square" lIns="36576" tIns="18288" rIns="36576" bIns="18288" anchor="ctr" anchorCtr="1">
+      <a:spAutoFit/>
+    </cs:bodyPr>
+  </cs:dataLabelCallout>
+  <cs:dataPoint>
+    <cs:lnRef idx="0"/>
+    <cs:fillRef idx="1">
+      <cs:styleClr val="auto"/>
+    </cs:fillRef>
+    <cs:effectRef idx="0"/>
+    <cs:fontRef idx="minor">
+      <a:schemeClr val="tx1"/>
+    </cs:fontRef>
+    <cs:spPr>
+      <a:ln w="19050">
+        <a:solidFill>
+          <a:schemeClr val="lt1"/>
+        </a:solidFill>
+      </a:ln>
+    </cs:spPr>
+  </cs:dataPoint>
+  <cs:dataPoint3D>
+    <cs:lnRef idx="0"/>
+    <cs:fillRef idx="1">
+      <cs:styleClr val="auto"/>
+    </cs:fillRef>
+    <cs:effectRef idx="0"/>
+    <cs:fontRef idx="minor">
+      <a:schemeClr val="tx1"/>
+    </cs:fontRef>
+    <cs:spPr>
+      <a:ln w="25400">
+        <a:solidFill>
+          <a:schemeClr val="lt1"/>
+        </a:solidFill>
+      </a:ln>
+    </cs:spPr>
+  </cs:dataPoint3D>
+  <cs:dataPointLine>
+    <cs:lnRef idx="0">
+      <cs:styleClr val="auto"/>
+    </cs:lnRef>
+    <cs:fillRef idx="0"/>
+    <cs:effectRef idx="0"/>
+    <cs:fontRef idx="minor">
+      <a:schemeClr val="tx1"/>
+    </cs:fontRef>
+    <cs:spPr>
+      <a:ln w="28575" cap="rnd">
+        <a:solidFill>
+          <a:schemeClr val="phClr"/>
+        </a:solidFill>
+        <a:round/>
+      </a:ln>
+    </cs:spPr>
+  </cs:dataPointLine>
+  <cs:dataPointMarker>
+    <cs:lnRef idx="0">
+      <cs:styleClr val="auto"/>
+    </cs:lnRef>
+    <cs:fillRef idx="1">
+      <cs:styleClr val="auto"/>
+    </cs:fillRef>
+    <cs:effectRef idx="0"/>
+    <cs:fontRef idx="minor">
+      <a:schemeClr val="tx1"/>
+    </cs:fontRef>
+    <cs:spPr>
+      <a:ln w="9525">
+        <a:solidFill>
+          <a:schemeClr val="phClr"/>
+        </a:solidFill>
+      </a:ln>
+    </cs:spPr>
+  </cs:dataPointMarker>
+  <cs:dataPointMarkerLayout symbol="circle" size="5"/>
+  <cs:dataPointWireframe>
+    <cs:lnRef idx="0">
+      <cs:styleClr val="auto"/>
+    </cs:lnRef>
+    <cs:fillRef idx="0"/>
+    <cs:effectRef idx="0"/>
+    <cs:fontRef idx="minor">
+      <a:schemeClr val="tx1"/>
+    </cs:fontRef>
+    <cs:spPr>
+      <a:ln w="9525" cap="rnd">
+        <a:solidFill>
+          <a:schemeClr val="phClr"/>
+        </a:solidFill>
+        <a:round/>
+      </a:ln>
+    </cs:spPr>
+  </cs:dataPointWireframe>
+  <cs:dataTable>
+    <cs:lnRef idx="0"/>
+    <cs:fillRef idx="0"/>
+    <cs:effectRef idx="0"/>
+    <cs:fontRef idx="minor">
+      <a:schemeClr val="tx1">
+        <a:lumMod val="65000"/>
+        <a:lumOff val="35000"/>
+      </a:schemeClr>
+    </cs:fontRef>
+    <cs:spPr>
+      <a:noFill/>
+      <a:ln w="9525" cap="flat" cmpd="sng" algn="ctr">
+        <a:solidFill>
+          <a:schemeClr val="tx1">
+            <a:lumMod val="15000"/>
+            <a:lumOff val="85000"/>
+          </a:schemeClr>
+        </a:solidFill>
+        <a:round/>
+      </a:ln>
+    </cs:spPr>
+    <cs:defRPr sz="900" kern="1200"/>
+  </cs:dataTable>
+  <cs:downBar>
+    <cs:lnRef idx="0"/>
+    <cs:fillRef idx="0"/>
+    <cs:effectRef idx="0"/>
+    <cs:fontRef idx="minor">
+      <a:schemeClr val="tx1"/>
+    </cs:fontRef>
+    <cs:spPr>
+      <a:solidFill>
+        <a:schemeClr val="dk1">
+          <a:lumMod val="75000"/>
+          <a:lumOff val="25000"/>
+        </a:schemeClr>
+      </a:solidFill>
+      <a:ln w="9525" cap="flat" cmpd="sng" algn="ctr">
+        <a:solidFill>
+          <a:schemeClr val="tx1">
+            <a:lumMod val="65000"/>
+            <a:lumOff val="35000"/>
+          </a:schemeClr>
+        </a:solidFill>
+        <a:round/>
+      </a:ln>
+    </cs:spPr>
+  </cs:downBar>
+  <cs:dropLine>
+    <cs:lnRef idx="0"/>
+    <cs:fillRef idx="0"/>
+    <cs:effectRef idx="0"/>
+    <cs:fontRef idx="minor">
+      <a:schemeClr val="tx1"/>
+    </cs:fontRef>
+    <cs:spPr>
+      <a:ln w="9525" cap="flat" cmpd="sng" algn="ctr">
+        <a:solidFill>
+          <a:schemeClr val="tx1">
+            <a:lumMod val="35000"/>
+            <a:lumOff val="65000"/>
+          </a:schemeClr>
+        </a:solidFill>
+        <a:round/>
+      </a:ln>
+    </cs:spPr>
+  </cs:dropLine>
+  <cs:errorBar>
+    <cs:lnRef idx="0"/>
+    <cs:fillRef idx="0"/>
+    <cs:effectRef idx="0"/>
+    <cs:fontRef idx="minor">
+      <a:schemeClr val="tx1"/>
+    </cs:fontRef>
+    <cs:spPr>
+      <a:ln w="9525" cap="flat" cmpd="sng" algn="ctr">
+        <a:solidFill>
+          <a:schemeClr val="tx1">
+            <a:lumMod val="65000"/>
+            <a:lumOff val="35000"/>
+          </a:schemeClr>
+        </a:solidFill>
+        <a:round/>
+      </a:ln>
+    </cs:spPr>
+  </cs:errorBar>
+  <cs:floor>
+    <cs:lnRef idx="0"/>
+    <cs:fillRef idx="0"/>
+    <cs:effectRef idx="0"/>
+    <cs:fontRef idx="minor">
+      <a:schemeClr val="tx1"/>
+    </cs:fontRef>
+    <cs:spPr>
+      <a:noFill/>
+      <a:ln>
+        <a:noFill/>
+      </a:ln>
+    </cs:spPr>
+  </cs:floor>
+  <cs:gridlineMajor>
+    <cs:lnRef idx="0"/>
+    <cs:fillRef idx="0"/>
+    <cs:effectRef idx="0"/>
+    <cs:fontRef idx="minor">
+      <a:schemeClr val="tx1"/>
+    </cs:fontRef>
+    <cs:spPr>
+      <a:ln w="9525" cap="flat" cmpd="sng" algn="ctr">
+        <a:solidFill>
+          <a:schemeClr val="tx1">
+            <a:lumMod val="15000"/>
+            <a:lumOff val="85000"/>
+          </a:schemeClr>
+        </a:solidFill>
+        <a:round/>
+      </a:ln>
+    </cs:spPr>
+  </cs:gridlineMajor>
+  <cs:gridlineMinor>
+    <cs:lnRef idx="0"/>
+    <cs:fillRef idx="0"/>
+    <cs:effectRef idx="0"/>
+    <cs:fontRef idx="minor">
+      <a:schemeClr val="tx1"/>
+    </cs:fontRef>
+    <cs:spPr>
+      <a:ln w="9525" cap="flat" cmpd="sng" algn="ctr">
+        <a:solidFill>
+          <a:schemeClr val="tx1">
+            <a:lumMod val="5000"/>
+            <a:lumOff val="95000"/>
+          </a:schemeClr>
+        </a:solidFill>
+        <a:round/>
+      </a:ln>
+    </cs:spPr>
+  </cs:gridlineMinor>
+  <cs:hiLoLine>
+    <cs:lnRef idx="0"/>
+    <cs:fillRef idx="0"/>
+    <cs:effectRef idx="0"/>
+    <cs:fontRef idx="minor">
+      <a:schemeClr val="tx1"/>
+    </cs:fontRef>
+    <cs:spPr>
+      <a:ln w="9525" cap="flat" cmpd="sng" algn="ctr">
+        <a:solidFill>
+          <a:schemeClr val="tx1">
+            <a:lumMod val="50000"/>
+            <a:lumOff val="50000"/>
+          </a:schemeClr>
+        </a:solidFill>
+        <a:round/>
+      </a:ln>
+    </cs:spPr>
+  </cs:hiLoLine>
+  <cs:leaderLine>
+    <cs:lnRef idx="0"/>
+    <cs:fillRef idx="0"/>
+    <cs:effectRef idx="0"/>
+    <cs:fontRef idx="minor">
+      <a:schemeClr val="tx1"/>
+    </cs:fontRef>
+    <cs:spPr>
+      <a:ln w="9525" cap="flat" cmpd="sng" algn="ctr">
+        <a:solidFill>
+          <a:schemeClr val="tx1">
+            <a:lumMod val="35000"/>
+            <a:lumOff val="65000"/>
+          </a:schemeClr>
+        </a:solidFill>
+        <a:round/>
+      </a:ln>
+    </cs:spPr>
+  </cs:leaderLine>
+  <cs:legend>
+    <cs:lnRef idx="0"/>
+    <cs:fillRef idx="0"/>
+    <cs:effectRef idx="0"/>
+    <cs:fontRef idx="minor">
+      <a:schemeClr val="tx1">
+        <a:lumMod val="65000"/>
+        <a:lumOff val="35000"/>
+      </a:schemeClr>
+    </cs:fontRef>
+    <cs:defRPr sz="900" kern="1200"/>
+  </cs:legend>
+  <cs:plotArea mods="allowNoFillOverride allowNoLineOverride">
+    <cs:lnRef idx="0"/>
+    <cs:fillRef idx="0"/>
+    <cs:effectRef idx="0"/>
+    <cs:fontRef idx="minor">
+      <a:schemeClr val="tx1"/>
+    </cs:fontRef>
+  </cs:plotArea>
+  <cs:plotArea3D mods="allowNoFillOverride allowNoLineOverride">
+    <cs:lnRef idx="0"/>
+    <cs:fillRef idx="0"/>
+    <cs:effectRef idx="0"/>
+    <cs:fontRef idx="minor">
+      <a:schemeClr val="tx1"/>
+    </cs:fontRef>
+  </cs:plotArea3D>
+  <cs:seriesAxis>
+    <cs:lnRef idx="0"/>
+    <cs:fillRef idx="0"/>
+    <cs:effectRef idx="0"/>
+    <cs:fontRef idx="minor">
+      <a:schemeClr val="tx1">
+        <a:lumMod val="65000"/>
+        <a:lumOff val="35000"/>
+      </a:schemeClr>
+    </cs:fontRef>
+    <cs:defRPr sz="900" kern="1200"/>
+  </cs:seriesAxis>
+  <cs:seriesLine>
+    <cs:lnRef idx="0"/>
+    <cs:fillRef idx="0"/>
+    <cs:effectRef idx="0"/>
+    <cs:fontRef idx="minor">
+      <a:schemeClr val="tx1"/>
+    </cs:fontRef>
+    <cs:spPr>
+      <a:ln w="9525" cap="flat" cmpd="sng" algn="ctr">
+        <a:solidFill>
+          <a:schemeClr val="tx1">
+            <a:lumMod val="35000"/>
+            <a:lumOff val="65000"/>
+          </a:schemeClr>
+        </a:solidFill>
+        <a:round/>
+      </a:ln>
+    </cs:spPr>
+  </cs:seriesLine>
+  <cs:title>
+    <cs:lnRef idx="0"/>
+    <cs:fillRef idx="0"/>
+    <cs:effectRef idx="0"/>
+    <cs:fontRef idx="minor">
+      <a:schemeClr val="tx1">
+        <a:lumMod val="65000"/>
+        <a:lumOff val="35000"/>
+      </a:schemeClr>
+    </cs:fontRef>
+    <cs:defRPr sz="1400" b="0" kern="1200" spc="0" baseline="0"/>
+  </cs:title>
+  <cs:trendline>
+    <cs:lnRef idx="0">
+      <cs:styleClr val="auto"/>
+    </cs:lnRef>
+    <cs:fillRef idx="0"/>
+    <cs:effectRef idx="0"/>
+    <cs:fontRef idx="minor">
+      <a:schemeClr val="tx1"/>
+    </cs:fontRef>
+    <cs:spPr>
+      <a:ln w="19050" cap="rnd">
+        <a:solidFill>
+          <a:schemeClr val="phClr"/>
+        </a:solidFill>
+        <a:prstDash val="sysDot"/>
+      </a:ln>
+    </cs:spPr>
+  </cs:trendline>
+  <cs:trendlineLabel>
+    <cs:lnRef idx="0"/>
+    <cs:fillRef idx="0"/>
+    <cs:effectRef idx="0"/>
+    <cs:fontRef idx="minor">
+      <a:schemeClr val="tx1">
+        <a:lumMod val="65000"/>
+        <a:lumOff val="35000"/>
+      </a:schemeClr>
+    </cs:fontRef>
+    <cs:defRPr sz="900" kern="1200"/>
+  </cs:trendlineLabel>
+  <cs:upBar>
+    <cs:lnRef idx="0"/>
+    <cs:fillRef idx="0"/>
+    <cs:effectRef idx="0"/>
+    <cs:fontRef idx="minor">
+      <a:schemeClr val="tx1"/>
+    </cs:fontRef>
+    <cs:spPr>
+      <a:solidFill>
+        <a:schemeClr val="lt1"/>
+      </a:solidFill>
+      <a:ln w="9525" cap="flat" cmpd="sng" algn="ctr">
+        <a:solidFill>
+          <a:schemeClr val="tx1">
+            <a:lumMod val="65000"/>
+            <a:lumOff val="35000"/>
+          </a:schemeClr>
+        </a:solidFill>
+        <a:round/>
       </a:ln>
     </cs:spPr>
   </cs:upBar>
@@ -11510,8 +12530,8 @@
       </dsp:nvSpPr>
       <dsp:spPr>
         <a:xfrm rot="16200000">
-          <a:off x="1168316" y="-1117994"/>
-          <a:ext cx="394375" cy="2731008"/>
+          <a:off x="1269916" y="-1219594"/>
+          <a:ext cx="394375" cy="2934208"/>
         </a:xfrm>
         <a:prstGeom prst="round2SameRect">
           <a:avLst/>
@@ -11579,7 +12599,7 @@
       </dsp:txBody>
       <dsp:txXfrm rot="5400000">
         <a:off x="19252" y="69574"/>
-        <a:ext cx="2711756" cy="355871"/>
+        <a:ext cx="2914956" cy="355871"/>
       </dsp:txXfrm>
     </dsp:sp>
     <dsp:sp modelId="{AFAF1B8D-B6E7-4E57-B97F-4B35F86A8683}">
@@ -11589,8 +12609,8 @@
       </dsp:nvSpPr>
       <dsp:spPr>
         <a:xfrm>
-          <a:off x="2731008" y="1024"/>
-          <a:ext cx="1536192" cy="492969"/>
+          <a:off x="2934208" y="1024"/>
+          <a:ext cx="1650492" cy="492969"/>
         </a:xfrm>
         <a:prstGeom prst="roundRect">
           <a:avLst/>
@@ -11631,12 +12651,12 @@
         </a:fontRef>
       </dsp:style>
       <dsp:txBody>
-        <a:bodyPr spcFirstLastPara="0" vert="horz" wrap="square" lIns="49530" tIns="24765" rIns="49530" bIns="24765" numCol="1" spcCol="1270" anchor="ctr" anchorCtr="0">
+        <a:bodyPr spcFirstLastPara="0" vert="horz" wrap="square" lIns="53340" tIns="26670" rIns="53340" bIns="26670" numCol="1" spcCol="1270" anchor="ctr" anchorCtr="0">
           <a:noAutofit/>
         </a:bodyPr>
         <a:lstStyle/>
         <a:p>
-          <a:pPr marL="0" lvl="0" indent="0" algn="ctr" defTabSz="577850">
+          <a:pPr marL="0" lvl="0" indent="0" algn="ctr" defTabSz="622300">
             <a:lnSpc>
               <a:spcPct val="90000"/>
             </a:lnSpc>
@@ -11649,15 +12669,15 @@
             <a:buNone/>
           </a:pPr>
           <a:r>
-            <a:rPr lang="fa-IR" sz="1300" kern="1200" dirty="0"/>
+            <a:rPr lang="fa-IR" sz="1400" kern="1200" dirty="0"/>
             <a:t>تعداد کل محصولات</a:t>
           </a:r>
-          <a:endParaRPr lang="en-US" sz="1300" kern="1200" dirty="0"/>
+          <a:endParaRPr lang="en-US" sz="1400" kern="1200" dirty="0"/>
         </a:p>
       </dsp:txBody>
       <dsp:txXfrm>
-        <a:off x="2755073" y="25089"/>
-        <a:ext cx="1488062" cy="444839"/>
+        <a:off x="2958273" y="25089"/>
+        <a:ext cx="1602362" cy="444839"/>
       </dsp:txXfrm>
     </dsp:sp>
     <dsp:sp modelId="{EFED500B-58B7-4168-930C-84D4911901E1}">
@@ -11667,8 +12687,8 @@
       </dsp:nvSpPr>
       <dsp:spPr>
         <a:xfrm rot="16200000">
-          <a:off x="1168316" y="-600376"/>
-          <a:ext cx="394375" cy="2731008"/>
+          <a:off x="1269916" y="-701975"/>
+          <a:ext cx="394375" cy="2934208"/>
         </a:xfrm>
         <a:prstGeom prst="round2SameRect">
           <a:avLst/>
@@ -11735,8 +12755,8 @@
         </a:p>
       </dsp:txBody>
       <dsp:txXfrm rot="5400000">
-        <a:off x="19252" y="587192"/>
-        <a:ext cx="2711756" cy="355871"/>
+        <a:off x="19252" y="587193"/>
+        <a:ext cx="2914956" cy="355871"/>
       </dsp:txXfrm>
     </dsp:sp>
     <dsp:sp modelId="{9ECA73F4-8A09-4668-B118-3B8FC09F03ED}">
@@ -11746,8 +12766,8 @@
       </dsp:nvSpPr>
       <dsp:spPr>
         <a:xfrm>
-          <a:off x="2731008" y="518643"/>
-          <a:ext cx="1536192" cy="492969"/>
+          <a:off x="2934208" y="518643"/>
+          <a:ext cx="1650492" cy="492969"/>
         </a:xfrm>
         <a:prstGeom prst="roundRect">
           <a:avLst/>
@@ -11788,12 +12808,12 @@
         </a:fontRef>
       </dsp:style>
       <dsp:txBody>
-        <a:bodyPr spcFirstLastPara="0" vert="horz" wrap="square" lIns="49530" tIns="24765" rIns="49530" bIns="24765" numCol="1" spcCol="1270" anchor="ctr" anchorCtr="0">
+        <a:bodyPr spcFirstLastPara="0" vert="horz" wrap="square" lIns="53340" tIns="26670" rIns="53340" bIns="26670" numCol="1" spcCol="1270" anchor="ctr" anchorCtr="0">
           <a:noAutofit/>
         </a:bodyPr>
         <a:lstStyle/>
         <a:p>
-          <a:pPr marL="0" lvl="0" indent="0" algn="ctr" defTabSz="577850">
+          <a:pPr marL="0" lvl="0" indent="0" algn="ctr" defTabSz="622300">
             <a:lnSpc>
               <a:spcPct val="90000"/>
             </a:lnSpc>
@@ -11806,15 +12826,15 @@
             <a:buNone/>
           </a:pPr>
           <a:r>
-            <a:rPr lang="fa-IR" sz="1300" kern="1200"/>
+            <a:rPr lang="fa-IR" sz="1400" kern="1200"/>
             <a:t>تعداد کل فاکتورها</a:t>
           </a:r>
-          <a:endParaRPr lang="en-US" sz="1300" kern="1200" dirty="0"/>
+          <a:endParaRPr lang="en-US" sz="1400" kern="1200" dirty="0"/>
         </a:p>
       </dsp:txBody>
       <dsp:txXfrm>
-        <a:off x="2755073" y="542708"/>
-        <a:ext cx="1488062" cy="444839"/>
+        <a:off x="2958273" y="542708"/>
+        <a:ext cx="1602362" cy="444839"/>
       </dsp:txXfrm>
     </dsp:sp>
     <dsp:sp modelId="{ED93BD0B-1783-4AD7-84F9-25523B1941C1}">
@@ -11824,8 +12844,8 @@
       </dsp:nvSpPr>
       <dsp:spPr>
         <a:xfrm rot="16200000">
-          <a:off x="1168316" y="-82757"/>
-          <a:ext cx="394375" cy="2731008"/>
+          <a:off x="1269916" y="-184357"/>
+          <a:ext cx="394375" cy="2934208"/>
         </a:xfrm>
         <a:prstGeom prst="round2SameRect">
           <a:avLst/>
@@ -11893,7 +12913,7 @@
       </dsp:txBody>
       <dsp:txXfrm rot="5400000">
         <a:off x="19252" y="1104811"/>
-        <a:ext cx="2711756" cy="355871"/>
+        <a:ext cx="2914956" cy="355871"/>
       </dsp:txXfrm>
     </dsp:sp>
     <dsp:sp modelId="{9DB16810-82A4-4AED-B5DD-B623E2064468}">
@@ -11903,8 +12923,8 @@
       </dsp:nvSpPr>
       <dsp:spPr>
         <a:xfrm>
-          <a:off x="2731008" y="1036261"/>
-          <a:ext cx="1536192" cy="492969"/>
+          <a:off x="2934208" y="1036261"/>
+          <a:ext cx="1650492" cy="492969"/>
         </a:xfrm>
         <a:prstGeom prst="roundRect">
           <a:avLst/>
@@ -11945,12 +12965,12 @@
         </a:fontRef>
       </dsp:style>
       <dsp:txBody>
-        <a:bodyPr spcFirstLastPara="0" vert="horz" wrap="square" lIns="49530" tIns="24765" rIns="49530" bIns="24765" numCol="1" spcCol="1270" anchor="ctr" anchorCtr="0">
+        <a:bodyPr spcFirstLastPara="0" vert="horz" wrap="square" lIns="53340" tIns="26670" rIns="53340" bIns="26670" numCol="1" spcCol="1270" anchor="ctr" anchorCtr="0">
           <a:noAutofit/>
         </a:bodyPr>
         <a:lstStyle/>
         <a:p>
-          <a:pPr marL="0" lvl="0" indent="0" algn="ctr" defTabSz="577850">
+          <a:pPr marL="0" lvl="0" indent="0" algn="ctr" defTabSz="622300">
             <a:lnSpc>
               <a:spcPct val="90000"/>
             </a:lnSpc>
@@ -11963,15 +12983,15 @@
             <a:buNone/>
           </a:pPr>
           <a:r>
-            <a:rPr lang="fa-IR" sz="1300" kern="1200" dirty="0"/>
+            <a:rPr lang="fa-IR" sz="1400" kern="1200" dirty="0"/>
             <a:t>جمع کل فروش</a:t>
           </a:r>
-          <a:endParaRPr lang="en-US" sz="1300" kern="1200" dirty="0"/>
+          <a:endParaRPr lang="en-US" sz="1400" kern="1200" dirty="0"/>
         </a:p>
       </dsp:txBody>
       <dsp:txXfrm>
-        <a:off x="2755073" y="1060326"/>
-        <a:ext cx="1488062" cy="444839"/>
+        <a:off x="2958273" y="1060326"/>
+        <a:ext cx="1602362" cy="444839"/>
       </dsp:txXfrm>
     </dsp:sp>
     <dsp:sp modelId="{5B3E4F1C-5E19-4B23-8FFD-5B2203BCAFC7}">
@@ -11981,8 +13001,8 @@
       </dsp:nvSpPr>
       <dsp:spPr>
         <a:xfrm rot="16200000">
-          <a:off x="1168316" y="434860"/>
-          <a:ext cx="394375" cy="2731008"/>
+          <a:off x="1269916" y="333261"/>
+          <a:ext cx="394375" cy="2934208"/>
         </a:xfrm>
         <a:prstGeom prst="round2SameRect">
           <a:avLst/>
@@ -12053,8 +13073,8 @@
         </a:p>
       </dsp:txBody>
       <dsp:txXfrm rot="5400000">
-        <a:off x="19252" y="1622428"/>
-        <a:ext cx="2711756" cy="355871"/>
+        <a:off x="19252" y="1622429"/>
+        <a:ext cx="2914956" cy="355871"/>
       </dsp:txXfrm>
     </dsp:sp>
     <dsp:sp modelId="{E330E993-8214-4602-8195-133D882DF2BA}">
@@ -12064,8 +13084,8 @@
       </dsp:nvSpPr>
       <dsp:spPr>
         <a:xfrm>
-          <a:off x="2731008" y="1553880"/>
-          <a:ext cx="1536192" cy="492969"/>
+          <a:off x="2934208" y="1553880"/>
+          <a:ext cx="1650492" cy="492969"/>
         </a:xfrm>
         <a:prstGeom prst="roundRect">
           <a:avLst/>
@@ -12149,8 +13169,8 @@
         </a:p>
       </dsp:txBody>
       <dsp:txXfrm>
-        <a:off x="2755073" y="1577945"/>
-        <a:ext cx="1488062" cy="444839"/>
+        <a:off x="2958273" y="1577945"/>
+        <a:ext cx="1602362" cy="444839"/>
       </dsp:txXfrm>
     </dsp:sp>
   </dsp:spTree>
@@ -17013,7 +18033,7 @@
           <a:p>
             <a:fld id="{EC29E1AC-3210-4C03-93DF-294BFDB0FAF7}" type="slidenum">
               <a:rPr lang="en-US" smtClean="0"/>
-              <a:t>17</a:t>
+              <a:t>18</a:t>
             </a:fld>
             <a:endParaRPr lang="en-US"/>
           </a:p>
@@ -18108,7 +19128,7 @@
           <a:p>
             <a:fld id="{EC29E1AC-3210-4C03-93DF-294BFDB0FAF7}" type="slidenum">
               <a:rPr lang="en-US" smtClean="0"/>
-              <a:t>14</a:t>
+              <a:t>15</a:t>
             </a:fld>
             <a:endParaRPr lang="en-US"/>
           </a:p>
@@ -18229,7 +19249,7 @@
           <a:p>
             <a:fld id="{EC29E1AC-3210-4C03-93DF-294BFDB0FAF7}" type="slidenum">
               <a:rPr lang="en-US" smtClean="0"/>
-              <a:t>15</a:t>
+              <a:t>16</a:t>
             </a:fld>
             <a:endParaRPr lang="en-US"/>
           </a:p>
@@ -25072,6 +26092,25 @@
             </a:r>
             <a:endParaRPr lang="en-US" dirty="0"/>
           </a:p>
+          <a:p>
+            <a:r>
+              <a:rPr lang="fa-IR" dirty="0"/>
+              <a:t>تکنولوژی فوق‌العاده</a:t>
+            </a:r>
+          </a:p>
+          <a:p>
+            <a:r>
+              <a:rPr lang="fa-IR" dirty="0"/>
+              <a:t>دیزاین زیبا</a:t>
+            </a:r>
+          </a:p>
+          <a:p>
+            <a:r>
+              <a:rPr lang="fa-IR" dirty="0"/>
+              <a:t>راه‌اندازی آسان</a:t>
+            </a:r>
+            <a:endParaRPr lang="en-US" dirty="0"/>
+          </a:p>
         </p:txBody>
       </p:sp>
     </p:spTree>
@@ -25100,6 +26139,227 @@
 </file>
 
 <file path=ppt/slides/slide11.xml><?xml version="1.0" encoding="utf-8"?>
+<p:sld xmlns:a="http://schemas.openxmlformats.org/drawingml/2006/main" xmlns:r="http://schemas.openxmlformats.org/officeDocument/2006/relationships" xmlns:p="http://schemas.openxmlformats.org/presentationml/2006/main">
+  <p:cSld>
+    <p:spTree>
+      <p:nvGrpSpPr>
+        <p:cNvPr id="1" name=""/>
+        <p:cNvGrpSpPr/>
+        <p:nvPr/>
+      </p:nvGrpSpPr>
+      <p:grpSpPr>
+        <a:xfrm>
+          <a:off x="0" y="0"/>
+          <a:ext cx="0" cy="0"/>
+          <a:chOff x="0" y="0"/>
+          <a:chExt cx="0" cy="0"/>
+        </a:xfrm>
+      </p:grpSpPr>
+      <p:sp>
+        <p:nvSpPr>
+          <p:cNvPr id="2" name="Title 1">
+            <a:extLst>
+              <a:ext uri="{FF2B5EF4-FFF2-40B4-BE49-F238E27FC236}">
+                <a16:creationId xmlns:a16="http://schemas.microsoft.com/office/drawing/2014/main" id="{C5FB20BA-1E8D-4DE4-8D09-0D945BB1EE39}"/>
+              </a:ext>
+            </a:extLst>
+          </p:cNvPr>
+          <p:cNvSpPr>
+            <a:spLocks noGrp="1"/>
+          </p:cNvSpPr>
+          <p:nvPr>
+            <p:ph type="title"/>
+          </p:nvPr>
+        </p:nvSpPr>
+        <p:spPr/>
+        <p:txBody>
+          <a:bodyPr/>
+          <a:lstStyle/>
+          <a:p>
+            <a:r>
+              <a:rPr lang="fa-IR" dirty="0"/>
+              <a:t>نکات برجسته برای سرمایه‌گذاری</a:t>
+            </a:r>
+            <a:endParaRPr lang="en-US" dirty="0"/>
+          </a:p>
+        </p:txBody>
+      </p:sp>
+      <p:sp>
+        <p:nvSpPr>
+          <p:cNvPr id="3" name="Content Placeholder 2">
+            <a:extLst>
+              <a:ext uri="{FF2B5EF4-FFF2-40B4-BE49-F238E27FC236}">
+                <a16:creationId xmlns:a16="http://schemas.microsoft.com/office/drawing/2014/main" id="{B3F64DA5-30CA-4E94-A790-EC93772596FC}"/>
+              </a:ext>
+            </a:extLst>
+          </p:cNvPr>
+          <p:cNvSpPr>
+            <a:spLocks noGrp="1"/>
+          </p:cNvSpPr>
+          <p:nvPr>
+            <p:ph idx="1"/>
+          </p:nvPr>
+        </p:nvSpPr>
+        <p:spPr/>
+        <p:txBody>
+          <a:bodyPr>
+            <a:normAutofit fontScale="85000" lnSpcReduction="20000"/>
+          </a:bodyPr>
+          <a:lstStyle/>
+          <a:p>
+            <a:pPr marL="45720" indent="0">
+              <a:buNone/>
+            </a:pPr>
+            <a:r>
+              <a:rPr lang="fa-IR" dirty="0">
+                <a:cs typeface="+mj-cs"/>
+              </a:rPr>
+              <a:t>مقیاس‌پذیر</a:t>
+            </a:r>
+          </a:p>
+          <a:p>
+            <a:pPr marL="45720" indent="0">
+              <a:lnSpc>
+                <a:spcPct val="100000"/>
+              </a:lnSpc>
+              <a:buNone/>
+            </a:pPr>
+            <a:r>
+              <a:rPr lang="fa-IR" dirty="0"/>
+              <a:t>جیبرس محصولی با کیفیت عالی است و قابلیت جهانی شدن را به‌دلیل معماری برتر داراست.</a:t>
+            </a:r>
+            <a:endParaRPr lang="en-US" dirty="0"/>
+          </a:p>
+          <a:p>
+            <a:pPr marL="45720" indent="0">
+              <a:lnSpc>
+                <a:spcPct val="100000"/>
+              </a:lnSpc>
+              <a:buNone/>
+            </a:pPr>
+            <a:endParaRPr lang="fa-IR" sz="700" dirty="0"/>
+          </a:p>
+          <a:p>
+            <a:pPr marL="45720" indent="0">
+              <a:buNone/>
+            </a:pPr>
+            <a:r>
+              <a:rPr lang="fa-IR" dirty="0">
+                <a:cs typeface="+mj-cs"/>
+              </a:rPr>
+              <a:t>استراتژی رشد متفاوت</a:t>
+            </a:r>
+          </a:p>
+          <a:p>
+            <a:pPr marL="45720" indent="0">
+              <a:lnSpc>
+                <a:spcPct val="100000"/>
+              </a:lnSpc>
+              <a:buNone/>
+            </a:pPr>
+            <a:r>
+              <a:rPr lang="fa-IR" dirty="0"/>
+              <a:t>قابلیت رشد فوق‌العاده به‌دلیل استراتژی فری‌میوم و موفقیت در دستیابی به مشتری</a:t>
+            </a:r>
+            <a:endParaRPr lang="en-US" dirty="0"/>
+          </a:p>
+          <a:p>
+            <a:pPr marL="45720" indent="0">
+              <a:lnSpc>
+                <a:spcPct val="100000"/>
+              </a:lnSpc>
+              <a:buNone/>
+            </a:pPr>
+            <a:endParaRPr lang="fa-IR" sz="700" dirty="0"/>
+          </a:p>
+          <a:p>
+            <a:pPr marL="45720" indent="0">
+              <a:buNone/>
+            </a:pPr>
+            <a:r>
+              <a:rPr lang="fa-IR" dirty="0">
+                <a:cs typeface="+mj-cs"/>
+              </a:rPr>
+              <a:t>فرصت بی‌نظیر</a:t>
+            </a:r>
+          </a:p>
+          <a:p>
+            <a:pPr marL="45720" indent="0">
+              <a:lnSpc>
+                <a:spcPct val="100000"/>
+              </a:lnSpc>
+              <a:buNone/>
+            </a:pPr>
+            <a:r>
+              <a:rPr lang="fa-IR" dirty="0"/>
+              <a:t>محصولی خاص در حوزه فین‌تک و تجارت الکترونیک با قابلیت رشد بی‌نهایت</a:t>
+            </a:r>
+            <a:endParaRPr lang="en-US" dirty="0"/>
+          </a:p>
+          <a:p>
+            <a:pPr marL="45720" indent="0">
+              <a:lnSpc>
+                <a:spcPct val="100000"/>
+              </a:lnSpc>
+              <a:buNone/>
+            </a:pPr>
+            <a:endParaRPr lang="fa-IR" sz="600" dirty="0"/>
+          </a:p>
+          <a:p>
+            <a:pPr marL="45720" indent="0">
+              <a:lnSpc>
+                <a:spcPct val="100000"/>
+              </a:lnSpc>
+              <a:buNone/>
+            </a:pPr>
+            <a:r>
+              <a:rPr lang="fa-IR" sz="2100" dirty="0">
+                <a:cs typeface="+mj-cs"/>
+              </a:rPr>
+              <a:t>چشم‌انداز</a:t>
+            </a:r>
+          </a:p>
+          <a:p>
+            <a:pPr marL="45720" indent="0">
+              <a:lnSpc>
+                <a:spcPct val="100000"/>
+              </a:lnSpc>
+              <a:buNone/>
+            </a:pPr>
+            <a:r>
+              <a:rPr lang="fa-IR" dirty="0"/>
+              <a:t>برنامه‌ریزی و نگاه بلندمدت به محصول و تیم فنی مسلط بر توسعه محصول</a:t>
+            </a:r>
+            <a:endParaRPr lang="en-US" dirty="0"/>
+          </a:p>
+        </p:txBody>
+      </p:sp>
+    </p:spTree>
+    <p:extLst>
+      <p:ext uri="{BB962C8B-B14F-4D97-AF65-F5344CB8AC3E}">
+        <p14:creationId xmlns:p14="http://schemas.microsoft.com/office/powerpoint/2010/main" val="2072010956"/>
+      </p:ext>
+    </p:extLst>
+  </p:cSld>
+  <p:clrMapOvr>
+    <a:masterClrMapping/>
+  </p:clrMapOvr>
+  <mc:AlternateContent xmlns:mc="http://schemas.openxmlformats.org/markup-compatibility/2006" xmlns:p159="http://schemas.microsoft.com/office/powerpoint/2015/09/main">
+    <mc:Choice Requires="p159">
+      <p:transition>
+        <p159:morph option="byWord"/>
+      </p:transition>
+    </mc:Choice>
+    <mc:Fallback xmlns="">
+      <p:transition>
+        <p:fade/>
+      </p:transition>
+    </mc:Fallback>
+  </mc:AlternateContent>
+</p:sld>
+</file>
+
+<file path=ppt/slides/slide12.xml><?xml version="1.0" encoding="utf-8"?>
 <p:sld xmlns:a="http://schemas.openxmlformats.org/drawingml/2006/main" xmlns:r="http://schemas.openxmlformats.org/officeDocument/2006/relationships" xmlns:p="http://schemas.openxmlformats.org/presentationml/2006/main">
   <p:cSld>
     <p:spTree>
@@ -25161,12 +26421,1696 @@
             <p:ph idx="1"/>
           </p:nvPr>
         </p:nvSpPr>
-        <p:spPr/>
+        <p:spPr>
+          <a:xfrm>
+            <a:off x="7618071" y="2902767"/>
+            <a:ext cx="3503321" cy="2774133"/>
+          </a:xfrm>
+        </p:spPr>
         <p:txBody>
-          <a:bodyPr/>
+          <a:bodyPr>
+            <a:normAutofit/>
+          </a:bodyPr>
           <a:lstStyle/>
           <a:p>
-            <a:endParaRPr lang="en-US"/>
+            <a:pPr marL="45720" indent="0">
+              <a:buNone/>
+            </a:pPr>
+            <a:r>
+              <a:rPr lang="fa-IR" sz="2400" dirty="0">
+                <a:solidFill>
+                  <a:schemeClr val="accent3"/>
+                </a:solidFill>
+                <a:cs typeface="+mj-cs"/>
+              </a:rPr>
+              <a:t>امکانات اصلی</a:t>
+            </a:r>
+          </a:p>
+          <a:p>
+            <a:pPr marL="45720" indent="0">
+              <a:spcBef>
+                <a:spcPts val="0"/>
+              </a:spcBef>
+              <a:buNone/>
+            </a:pPr>
+            <a:r>
+              <a:rPr lang="fa-IR" sz="1600" dirty="0">
+                <a:solidFill>
+                  <a:srgbClr val="8F8F8F"/>
+                </a:solidFill>
+              </a:rPr>
+              <a:t>توسعه پلتفرم</a:t>
+            </a:r>
+          </a:p>
+          <a:p>
+            <a:pPr marL="45720" indent="0">
+              <a:spcBef>
+                <a:spcPts val="0"/>
+              </a:spcBef>
+              <a:buNone/>
+            </a:pPr>
+            <a:r>
+              <a:rPr lang="fa-IR" sz="1600" dirty="0">
+                <a:solidFill>
+                  <a:srgbClr val="8F8F8F"/>
+                </a:solidFill>
+              </a:rPr>
+              <a:t>تهیه آموزش‌های متنوع و کامل</a:t>
+            </a:r>
+          </a:p>
+          <a:p>
+            <a:pPr marL="45720" indent="0">
+              <a:spcBef>
+                <a:spcPts val="0"/>
+              </a:spcBef>
+              <a:buNone/>
+            </a:pPr>
+            <a:r>
+              <a:rPr lang="fa-IR" sz="1600" dirty="0">
+                <a:solidFill>
+                  <a:srgbClr val="8F8F8F"/>
+                </a:solidFill>
+              </a:rPr>
+              <a:t>یکپارچگی بیشتر با سرویس‌های دیگران</a:t>
+            </a:r>
+          </a:p>
+          <a:p>
+            <a:pPr marL="45720" indent="0">
+              <a:spcBef>
+                <a:spcPts val="0"/>
+              </a:spcBef>
+              <a:buNone/>
+            </a:pPr>
+            <a:r>
+              <a:rPr lang="fa-IR" sz="1600" dirty="0">
+                <a:solidFill>
+                  <a:srgbClr val="8F8F8F"/>
+                </a:solidFill>
+              </a:rPr>
+              <a:t>افزایش کانال‌های فروش</a:t>
+            </a:r>
+            <a:endParaRPr lang="fa-IR" sz="1800" dirty="0">
+              <a:solidFill>
+                <a:srgbClr val="8F8F8F"/>
+              </a:solidFill>
+            </a:endParaRPr>
+          </a:p>
+          <a:p>
+            <a:pPr marL="45720" indent="0">
+              <a:spcBef>
+                <a:spcPts val="0"/>
+              </a:spcBef>
+              <a:buNone/>
+            </a:pPr>
+            <a:r>
+              <a:rPr lang="fa-IR" sz="1600" dirty="0">
+                <a:solidFill>
+                  <a:srgbClr val="8F8F8F"/>
+                </a:solidFill>
+              </a:rPr>
+              <a:t>معرفی برند جیبرس</a:t>
+            </a:r>
+          </a:p>
+          <a:p>
+            <a:pPr marL="45720" indent="0">
+              <a:spcBef>
+                <a:spcPts val="0"/>
+              </a:spcBef>
+              <a:buNone/>
+            </a:pPr>
+            <a:endParaRPr lang="en-US" sz="1800" dirty="0">
+              <a:solidFill>
+                <a:srgbClr val="8F8F8F"/>
+              </a:solidFill>
+            </a:endParaRPr>
+          </a:p>
+        </p:txBody>
+      </p:sp>
+      <p:cxnSp>
+        <p:nvCxnSpPr>
+          <p:cNvPr id="5" name="Straight Arrow Connector 4">
+            <a:extLst>
+              <a:ext uri="{FF2B5EF4-FFF2-40B4-BE49-F238E27FC236}">
+                <a16:creationId xmlns:a16="http://schemas.microsoft.com/office/drawing/2014/main" id="{6C174267-5237-4EDE-B01D-8E1C5F4B4A49}"/>
+              </a:ext>
+            </a:extLst>
+          </p:cNvPr>
+          <p:cNvCxnSpPr>
+            <a:cxnSpLocks/>
+          </p:cNvCxnSpPr>
+          <p:nvPr/>
+        </p:nvCxnSpPr>
+        <p:spPr>
+          <a:xfrm flipH="1" flipV="1">
+            <a:off x="1056004" y="3162300"/>
+            <a:ext cx="10080000" cy="2774133"/>
+          </a:xfrm>
+          <a:prstGeom prst="straightConnector1">
+            <a:avLst/>
+          </a:prstGeom>
+          <a:ln w="38100">
+            <a:tailEnd type="triangle"/>
+          </a:ln>
+        </p:spPr>
+        <p:style>
+          <a:lnRef idx="1">
+            <a:schemeClr val="accent1"/>
+          </a:lnRef>
+          <a:fillRef idx="0">
+            <a:schemeClr val="accent1"/>
+          </a:fillRef>
+          <a:effectRef idx="0">
+            <a:schemeClr val="accent1"/>
+          </a:effectRef>
+          <a:fontRef idx="minor">
+            <a:schemeClr val="tx1"/>
+          </a:fontRef>
+        </p:style>
+      </p:cxnSp>
+      <p:sp>
+        <p:nvSpPr>
+          <p:cNvPr id="7" name="Content Placeholder 2">
+            <a:extLst>
+              <a:ext uri="{FF2B5EF4-FFF2-40B4-BE49-F238E27FC236}">
+                <a16:creationId xmlns:a16="http://schemas.microsoft.com/office/drawing/2014/main" id="{B6750083-1AEE-4095-A0FF-3D40F3539DFA}"/>
+              </a:ext>
+            </a:extLst>
+          </p:cNvPr>
+          <p:cNvSpPr txBox="1">
+            <a:spLocks/>
+          </p:cNvSpPr>
+          <p:nvPr/>
+        </p:nvSpPr>
+        <p:spPr>
+          <a:xfrm>
+            <a:off x="3962384" y="1911740"/>
+            <a:ext cx="3223904" cy="2712908"/>
+          </a:xfrm>
+          <a:prstGeom prst="rect">
+            <a:avLst/>
+          </a:prstGeom>
+        </p:spPr>
+        <p:txBody>
+          <a:bodyPr vert="horz" lIns="91440" tIns="45720" rIns="91440" bIns="45720" rtlCol="0">
+            <a:normAutofit/>
+          </a:bodyPr>
+          <a:lstStyle>
+            <a:lvl1pPr marL="228600" indent="-182880" algn="r" defTabSz="914400" rtl="1" eaLnBrk="1" latinLnBrk="0" hangingPunct="1">
+              <a:lnSpc>
+                <a:spcPct val="150000"/>
+              </a:lnSpc>
+              <a:spcBef>
+                <a:spcPts val="1400"/>
+              </a:spcBef>
+              <a:buClr>
+                <a:srgbClr val="777777"/>
+              </a:buClr>
+              <a:buSzPct val="80000"/>
+              <a:buFont typeface="Wingdings" panose="05000000000000000000" pitchFamily="2" charset="2"/>
+              <a:buChar char="§"/>
+              <a:defRPr sz="2200" kern="1200">
+                <a:solidFill>
+                  <a:srgbClr val="333333"/>
+                </a:solidFill>
+                <a:latin typeface="+mn-lt"/>
+                <a:ea typeface="+mn-ea"/>
+                <a:cs typeface="+mn-cs"/>
+              </a:defRPr>
+            </a:lvl1pPr>
+            <a:lvl2pPr marL="457200" indent="-182880" algn="r" defTabSz="914400" rtl="1" eaLnBrk="1" latinLnBrk="0" hangingPunct="1">
+              <a:lnSpc>
+                <a:spcPct val="150000"/>
+              </a:lnSpc>
+              <a:spcBef>
+                <a:spcPts val="200"/>
+              </a:spcBef>
+              <a:spcAft>
+                <a:spcPts val="400"/>
+              </a:spcAft>
+              <a:buClr>
+                <a:srgbClr val="777777"/>
+              </a:buClr>
+              <a:buSzPct val="80000"/>
+              <a:buFont typeface="Wingdings" panose="05000000000000000000" pitchFamily="2" charset="2"/>
+              <a:buChar char="§"/>
+              <a:defRPr sz="2000" kern="1200">
+                <a:solidFill>
+                  <a:srgbClr val="333333"/>
+                </a:solidFill>
+                <a:latin typeface="+mn-lt"/>
+                <a:ea typeface="+mn-ea"/>
+                <a:cs typeface="+mn-cs"/>
+              </a:defRPr>
+            </a:lvl2pPr>
+            <a:lvl3pPr marL="731520" indent="-182880" algn="r" defTabSz="914400" rtl="1" eaLnBrk="1" latinLnBrk="0" hangingPunct="1">
+              <a:lnSpc>
+                <a:spcPct val="150000"/>
+              </a:lnSpc>
+              <a:spcBef>
+                <a:spcPts val="200"/>
+              </a:spcBef>
+              <a:spcAft>
+                <a:spcPts val="400"/>
+              </a:spcAft>
+              <a:buClr>
+                <a:srgbClr val="777777"/>
+              </a:buClr>
+              <a:buSzPct val="80000"/>
+              <a:buFont typeface="Wingdings" panose="05000000000000000000" pitchFamily="2" charset="2"/>
+              <a:buChar char="§"/>
+              <a:defRPr sz="1800" kern="1200">
+                <a:solidFill>
+                  <a:srgbClr val="333333"/>
+                </a:solidFill>
+                <a:latin typeface="+mn-lt"/>
+                <a:ea typeface="+mn-ea"/>
+                <a:cs typeface="+mn-cs"/>
+              </a:defRPr>
+            </a:lvl3pPr>
+            <a:lvl4pPr marL="1005840" indent="-182880" algn="r" defTabSz="914400" rtl="1" eaLnBrk="1" latinLnBrk="0" hangingPunct="1">
+              <a:lnSpc>
+                <a:spcPct val="150000"/>
+              </a:lnSpc>
+              <a:spcBef>
+                <a:spcPts val="200"/>
+              </a:spcBef>
+              <a:spcAft>
+                <a:spcPts val="400"/>
+              </a:spcAft>
+              <a:buClr>
+                <a:srgbClr val="777777"/>
+              </a:buClr>
+              <a:buSzPct val="80000"/>
+              <a:buFont typeface="Wingdings" panose="05000000000000000000" pitchFamily="2" charset="2"/>
+              <a:buChar char="§"/>
+              <a:defRPr sz="1600" kern="1200">
+                <a:solidFill>
+                  <a:srgbClr val="333333"/>
+                </a:solidFill>
+                <a:latin typeface="+mn-lt"/>
+                <a:ea typeface="+mn-ea"/>
+                <a:cs typeface="+mn-cs"/>
+              </a:defRPr>
+            </a:lvl4pPr>
+            <a:lvl5pPr marL="1280160" indent="-182880" algn="r" defTabSz="914400" rtl="1" eaLnBrk="1" latinLnBrk="0" hangingPunct="1">
+              <a:lnSpc>
+                <a:spcPct val="150000"/>
+              </a:lnSpc>
+              <a:spcBef>
+                <a:spcPts val="200"/>
+              </a:spcBef>
+              <a:spcAft>
+                <a:spcPts val="400"/>
+              </a:spcAft>
+              <a:buClr>
+                <a:srgbClr val="777777"/>
+              </a:buClr>
+              <a:buSzPct val="80000"/>
+              <a:buFont typeface="Wingdings" panose="05000000000000000000" pitchFamily="2" charset="2"/>
+              <a:buChar char="§"/>
+              <a:defRPr sz="1600" kern="1200">
+                <a:solidFill>
+                  <a:srgbClr val="333333"/>
+                </a:solidFill>
+                <a:latin typeface="+mn-lt"/>
+                <a:ea typeface="+mn-ea"/>
+                <a:cs typeface="+mn-cs"/>
+              </a:defRPr>
+            </a:lvl5pPr>
+            <a:lvl6pPr marL="1600000" indent="-228600" algn="l" defTabSz="914400" rtl="0" eaLnBrk="1" latinLnBrk="0" hangingPunct="1">
+              <a:lnSpc>
+                <a:spcPct val="90000"/>
+              </a:lnSpc>
+              <a:spcBef>
+                <a:spcPts val="200"/>
+              </a:spcBef>
+              <a:spcAft>
+                <a:spcPts val="400"/>
+              </a:spcAft>
+              <a:buClr>
+                <a:schemeClr val="accent1"/>
+              </a:buClr>
+              <a:buSzPct val="80000"/>
+              <a:buFont typeface="Corbel" pitchFamily="34" charset="0"/>
+              <a:buChar char="•"/>
+              <a:defRPr sz="1600" kern="1200">
+                <a:solidFill>
+                  <a:schemeClr val="accent1"/>
+                </a:solidFill>
+                <a:latin typeface="+mn-lt"/>
+                <a:ea typeface="+mn-ea"/>
+                <a:cs typeface="+mn-cs"/>
+              </a:defRPr>
+            </a:lvl6pPr>
+            <a:lvl7pPr marL="1900000" indent="-228600" algn="l" defTabSz="914400" rtl="0" eaLnBrk="1" latinLnBrk="0" hangingPunct="1">
+              <a:lnSpc>
+                <a:spcPct val="90000"/>
+              </a:lnSpc>
+              <a:spcBef>
+                <a:spcPts val="200"/>
+              </a:spcBef>
+              <a:spcAft>
+                <a:spcPts val="400"/>
+              </a:spcAft>
+              <a:buClr>
+                <a:schemeClr val="accent1"/>
+              </a:buClr>
+              <a:buSzPct val="80000"/>
+              <a:buFont typeface="Corbel" pitchFamily="34" charset="0"/>
+              <a:buChar char="•"/>
+              <a:defRPr sz="1600" kern="1200">
+                <a:solidFill>
+                  <a:schemeClr val="accent1"/>
+                </a:solidFill>
+                <a:latin typeface="+mn-lt"/>
+                <a:ea typeface="+mn-ea"/>
+                <a:cs typeface="+mn-cs"/>
+              </a:defRPr>
+            </a:lvl7pPr>
+            <a:lvl8pPr marL="2200000" indent="-228600" algn="l" defTabSz="914400" rtl="0" eaLnBrk="1" latinLnBrk="0" hangingPunct="1">
+              <a:lnSpc>
+                <a:spcPct val="90000"/>
+              </a:lnSpc>
+              <a:spcBef>
+                <a:spcPts val="200"/>
+              </a:spcBef>
+              <a:spcAft>
+                <a:spcPts val="400"/>
+              </a:spcAft>
+              <a:buClr>
+                <a:schemeClr val="accent1"/>
+              </a:buClr>
+              <a:buSzPct val="80000"/>
+              <a:buFont typeface="Corbel" pitchFamily="34" charset="0"/>
+              <a:buChar char="•"/>
+              <a:defRPr sz="1600" kern="1200">
+                <a:solidFill>
+                  <a:schemeClr val="accent1"/>
+                </a:solidFill>
+                <a:latin typeface="+mn-lt"/>
+                <a:ea typeface="+mn-ea"/>
+                <a:cs typeface="+mn-cs"/>
+              </a:defRPr>
+            </a:lvl8pPr>
+            <a:lvl9pPr marL="2500000" indent="-228600" algn="l" defTabSz="914400" rtl="0" eaLnBrk="1" latinLnBrk="0" hangingPunct="1">
+              <a:lnSpc>
+                <a:spcPct val="90000"/>
+              </a:lnSpc>
+              <a:spcBef>
+                <a:spcPts val="200"/>
+              </a:spcBef>
+              <a:spcAft>
+                <a:spcPts val="400"/>
+              </a:spcAft>
+              <a:buClr>
+                <a:schemeClr val="accent1"/>
+              </a:buClr>
+              <a:buSzPct val="80000"/>
+              <a:buFont typeface="Corbel" pitchFamily="34" charset="0"/>
+              <a:buChar char="•"/>
+              <a:defRPr sz="1600" kern="1200">
+                <a:solidFill>
+                  <a:schemeClr val="accent1"/>
+                </a:solidFill>
+                <a:latin typeface="+mn-lt"/>
+                <a:ea typeface="+mn-ea"/>
+                <a:cs typeface="+mn-cs"/>
+              </a:defRPr>
+            </a:lvl9pPr>
+          </a:lstStyle>
+          <a:p>
+            <a:pPr marL="45720" indent="0">
+              <a:buFont typeface="Wingdings" panose="05000000000000000000" pitchFamily="2" charset="2"/>
+              <a:buNone/>
+            </a:pPr>
+            <a:r>
+              <a:rPr lang="fa-IR" sz="2400" dirty="0">
+                <a:solidFill>
+                  <a:schemeClr val="accent3"/>
+                </a:solidFill>
+                <a:cs typeface="+mj-cs"/>
+              </a:rPr>
+              <a:t>توسعه</a:t>
+            </a:r>
+          </a:p>
+          <a:p>
+            <a:pPr marL="45720" indent="0">
+              <a:spcBef>
+                <a:spcPts val="0"/>
+              </a:spcBef>
+              <a:buNone/>
+            </a:pPr>
+            <a:r>
+              <a:rPr lang="fa-IR" sz="1600" dirty="0">
+                <a:solidFill>
+                  <a:srgbClr val="8F8F8F"/>
+                </a:solidFill>
+              </a:rPr>
+              <a:t>نسخه آفلاین</a:t>
+            </a:r>
+          </a:p>
+          <a:p>
+            <a:pPr marL="45720" indent="0">
+              <a:spcBef>
+                <a:spcPts val="0"/>
+              </a:spcBef>
+              <a:buNone/>
+            </a:pPr>
+            <a:r>
+              <a:rPr lang="fa-IR" sz="1600" dirty="0">
+                <a:solidFill>
+                  <a:srgbClr val="8F8F8F"/>
+                </a:solidFill>
+              </a:rPr>
+              <a:t>ارتقای سایت‌ساز</a:t>
+            </a:r>
+          </a:p>
+          <a:p>
+            <a:pPr marL="45720" indent="0">
+              <a:spcBef>
+                <a:spcPts val="0"/>
+              </a:spcBef>
+              <a:buNone/>
+            </a:pPr>
+            <a:r>
+              <a:rPr lang="fa-IR" sz="1600" dirty="0">
+                <a:solidFill>
+                  <a:srgbClr val="8F8F8F"/>
+                </a:solidFill>
+              </a:rPr>
+              <a:t>ورود فعال به بازارهای جهانی</a:t>
+            </a:r>
+          </a:p>
+          <a:p>
+            <a:pPr marL="45720" indent="0">
+              <a:spcBef>
+                <a:spcPts val="0"/>
+              </a:spcBef>
+              <a:buNone/>
+            </a:pPr>
+            <a:r>
+              <a:rPr lang="fa-IR" sz="1600" dirty="0">
+                <a:solidFill>
+                  <a:srgbClr val="8F8F8F"/>
+                </a:solidFill>
+              </a:rPr>
+              <a:t>گسترش مشتریان سازمانی</a:t>
+            </a:r>
+          </a:p>
+          <a:p>
+            <a:pPr marL="45720" indent="0">
+              <a:spcBef>
+                <a:spcPts val="0"/>
+              </a:spcBef>
+              <a:buNone/>
+            </a:pPr>
+            <a:r>
+              <a:rPr lang="fa-IR" sz="1600" dirty="0">
+                <a:solidFill>
+                  <a:srgbClr val="8F8F8F"/>
+                </a:solidFill>
+              </a:rPr>
+              <a:t>اپ آی‌اواس</a:t>
+            </a:r>
+            <a:endParaRPr lang="en-US" sz="1600" dirty="0">
+              <a:solidFill>
+                <a:srgbClr val="8F8F8F"/>
+              </a:solidFill>
+            </a:endParaRPr>
+          </a:p>
+        </p:txBody>
+      </p:sp>
+      <p:sp>
+        <p:nvSpPr>
+          <p:cNvPr id="8" name="Content Placeholder 2">
+            <a:extLst>
+              <a:ext uri="{FF2B5EF4-FFF2-40B4-BE49-F238E27FC236}">
+                <a16:creationId xmlns:a16="http://schemas.microsoft.com/office/drawing/2014/main" id="{0589A73B-6EA1-4BB4-A952-FE02B8F862A4}"/>
+              </a:ext>
+            </a:extLst>
+          </p:cNvPr>
+          <p:cNvSpPr txBox="1">
+            <a:spLocks/>
+          </p:cNvSpPr>
+          <p:nvPr/>
+        </p:nvSpPr>
+        <p:spPr>
+          <a:xfrm>
+            <a:off x="306697" y="1206500"/>
+            <a:ext cx="3223904" cy="2575479"/>
+          </a:xfrm>
+          <a:prstGeom prst="rect">
+            <a:avLst/>
+          </a:prstGeom>
+        </p:spPr>
+        <p:txBody>
+          <a:bodyPr vert="horz" lIns="91440" tIns="45720" rIns="91440" bIns="45720" rtlCol="0">
+            <a:normAutofit/>
+          </a:bodyPr>
+          <a:lstStyle>
+            <a:lvl1pPr marL="228600" indent="-182880" algn="r" defTabSz="914400" rtl="1" eaLnBrk="1" latinLnBrk="0" hangingPunct="1">
+              <a:lnSpc>
+                <a:spcPct val="150000"/>
+              </a:lnSpc>
+              <a:spcBef>
+                <a:spcPts val="1400"/>
+              </a:spcBef>
+              <a:buClr>
+                <a:srgbClr val="777777"/>
+              </a:buClr>
+              <a:buSzPct val="80000"/>
+              <a:buFont typeface="Wingdings" panose="05000000000000000000" pitchFamily="2" charset="2"/>
+              <a:buChar char="§"/>
+              <a:defRPr sz="2200" kern="1200">
+                <a:solidFill>
+                  <a:srgbClr val="333333"/>
+                </a:solidFill>
+                <a:latin typeface="+mn-lt"/>
+                <a:ea typeface="+mn-ea"/>
+                <a:cs typeface="+mn-cs"/>
+              </a:defRPr>
+            </a:lvl1pPr>
+            <a:lvl2pPr marL="457200" indent="-182880" algn="r" defTabSz="914400" rtl="1" eaLnBrk="1" latinLnBrk="0" hangingPunct="1">
+              <a:lnSpc>
+                <a:spcPct val="150000"/>
+              </a:lnSpc>
+              <a:spcBef>
+                <a:spcPts val="200"/>
+              </a:spcBef>
+              <a:spcAft>
+                <a:spcPts val="400"/>
+              </a:spcAft>
+              <a:buClr>
+                <a:srgbClr val="777777"/>
+              </a:buClr>
+              <a:buSzPct val="80000"/>
+              <a:buFont typeface="Wingdings" panose="05000000000000000000" pitchFamily="2" charset="2"/>
+              <a:buChar char="§"/>
+              <a:defRPr sz="2000" kern="1200">
+                <a:solidFill>
+                  <a:srgbClr val="333333"/>
+                </a:solidFill>
+                <a:latin typeface="+mn-lt"/>
+                <a:ea typeface="+mn-ea"/>
+                <a:cs typeface="+mn-cs"/>
+              </a:defRPr>
+            </a:lvl2pPr>
+            <a:lvl3pPr marL="731520" indent="-182880" algn="r" defTabSz="914400" rtl="1" eaLnBrk="1" latinLnBrk="0" hangingPunct="1">
+              <a:lnSpc>
+                <a:spcPct val="150000"/>
+              </a:lnSpc>
+              <a:spcBef>
+                <a:spcPts val="200"/>
+              </a:spcBef>
+              <a:spcAft>
+                <a:spcPts val="400"/>
+              </a:spcAft>
+              <a:buClr>
+                <a:srgbClr val="777777"/>
+              </a:buClr>
+              <a:buSzPct val="80000"/>
+              <a:buFont typeface="Wingdings" panose="05000000000000000000" pitchFamily="2" charset="2"/>
+              <a:buChar char="§"/>
+              <a:defRPr sz="1800" kern="1200">
+                <a:solidFill>
+                  <a:srgbClr val="333333"/>
+                </a:solidFill>
+                <a:latin typeface="+mn-lt"/>
+                <a:ea typeface="+mn-ea"/>
+                <a:cs typeface="+mn-cs"/>
+              </a:defRPr>
+            </a:lvl3pPr>
+            <a:lvl4pPr marL="1005840" indent="-182880" algn="r" defTabSz="914400" rtl="1" eaLnBrk="1" latinLnBrk="0" hangingPunct="1">
+              <a:lnSpc>
+                <a:spcPct val="150000"/>
+              </a:lnSpc>
+              <a:spcBef>
+                <a:spcPts val="200"/>
+              </a:spcBef>
+              <a:spcAft>
+                <a:spcPts val="400"/>
+              </a:spcAft>
+              <a:buClr>
+                <a:srgbClr val="777777"/>
+              </a:buClr>
+              <a:buSzPct val="80000"/>
+              <a:buFont typeface="Wingdings" panose="05000000000000000000" pitchFamily="2" charset="2"/>
+              <a:buChar char="§"/>
+              <a:defRPr sz="1600" kern="1200">
+                <a:solidFill>
+                  <a:srgbClr val="333333"/>
+                </a:solidFill>
+                <a:latin typeface="+mn-lt"/>
+                <a:ea typeface="+mn-ea"/>
+                <a:cs typeface="+mn-cs"/>
+              </a:defRPr>
+            </a:lvl4pPr>
+            <a:lvl5pPr marL="1280160" indent="-182880" algn="r" defTabSz="914400" rtl="1" eaLnBrk="1" latinLnBrk="0" hangingPunct="1">
+              <a:lnSpc>
+                <a:spcPct val="150000"/>
+              </a:lnSpc>
+              <a:spcBef>
+                <a:spcPts val="200"/>
+              </a:spcBef>
+              <a:spcAft>
+                <a:spcPts val="400"/>
+              </a:spcAft>
+              <a:buClr>
+                <a:srgbClr val="777777"/>
+              </a:buClr>
+              <a:buSzPct val="80000"/>
+              <a:buFont typeface="Wingdings" panose="05000000000000000000" pitchFamily="2" charset="2"/>
+              <a:buChar char="§"/>
+              <a:defRPr sz="1600" kern="1200">
+                <a:solidFill>
+                  <a:srgbClr val="333333"/>
+                </a:solidFill>
+                <a:latin typeface="+mn-lt"/>
+                <a:ea typeface="+mn-ea"/>
+                <a:cs typeface="+mn-cs"/>
+              </a:defRPr>
+            </a:lvl5pPr>
+            <a:lvl6pPr marL="1600000" indent="-228600" algn="l" defTabSz="914400" rtl="0" eaLnBrk="1" latinLnBrk="0" hangingPunct="1">
+              <a:lnSpc>
+                <a:spcPct val="90000"/>
+              </a:lnSpc>
+              <a:spcBef>
+                <a:spcPts val="200"/>
+              </a:spcBef>
+              <a:spcAft>
+                <a:spcPts val="400"/>
+              </a:spcAft>
+              <a:buClr>
+                <a:schemeClr val="accent1"/>
+              </a:buClr>
+              <a:buSzPct val="80000"/>
+              <a:buFont typeface="Corbel" pitchFamily="34" charset="0"/>
+              <a:buChar char="•"/>
+              <a:defRPr sz="1600" kern="1200">
+                <a:solidFill>
+                  <a:schemeClr val="accent1"/>
+                </a:solidFill>
+                <a:latin typeface="+mn-lt"/>
+                <a:ea typeface="+mn-ea"/>
+                <a:cs typeface="+mn-cs"/>
+              </a:defRPr>
+            </a:lvl6pPr>
+            <a:lvl7pPr marL="1900000" indent="-228600" algn="l" defTabSz="914400" rtl="0" eaLnBrk="1" latinLnBrk="0" hangingPunct="1">
+              <a:lnSpc>
+                <a:spcPct val="90000"/>
+              </a:lnSpc>
+              <a:spcBef>
+                <a:spcPts val="200"/>
+              </a:spcBef>
+              <a:spcAft>
+                <a:spcPts val="400"/>
+              </a:spcAft>
+              <a:buClr>
+                <a:schemeClr val="accent1"/>
+              </a:buClr>
+              <a:buSzPct val="80000"/>
+              <a:buFont typeface="Corbel" pitchFamily="34" charset="0"/>
+              <a:buChar char="•"/>
+              <a:defRPr sz="1600" kern="1200">
+                <a:solidFill>
+                  <a:schemeClr val="accent1"/>
+                </a:solidFill>
+                <a:latin typeface="+mn-lt"/>
+                <a:ea typeface="+mn-ea"/>
+                <a:cs typeface="+mn-cs"/>
+              </a:defRPr>
+            </a:lvl7pPr>
+            <a:lvl8pPr marL="2200000" indent="-228600" algn="l" defTabSz="914400" rtl="0" eaLnBrk="1" latinLnBrk="0" hangingPunct="1">
+              <a:lnSpc>
+                <a:spcPct val="90000"/>
+              </a:lnSpc>
+              <a:spcBef>
+                <a:spcPts val="200"/>
+              </a:spcBef>
+              <a:spcAft>
+                <a:spcPts val="400"/>
+              </a:spcAft>
+              <a:buClr>
+                <a:schemeClr val="accent1"/>
+              </a:buClr>
+              <a:buSzPct val="80000"/>
+              <a:buFont typeface="Corbel" pitchFamily="34" charset="0"/>
+              <a:buChar char="•"/>
+              <a:defRPr sz="1600" kern="1200">
+                <a:solidFill>
+                  <a:schemeClr val="accent1"/>
+                </a:solidFill>
+                <a:latin typeface="+mn-lt"/>
+                <a:ea typeface="+mn-ea"/>
+                <a:cs typeface="+mn-cs"/>
+              </a:defRPr>
+            </a:lvl8pPr>
+            <a:lvl9pPr marL="2500000" indent="-228600" algn="l" defTabSz="914400" rtl="0" eaLnBrk="1" latinLnBrk="0" hangingPunct="1">
+              <a:lnSpc>
+                <a:spcPct val="90000"/>
+              </a:lnSpc>
+              <a:spcBef>
+                <a:spcPts val="200"/>
+              </a:spcBef>
+              <a:spcAft>
+                <a:spcPts val="400"/>
+              </a:spcAft>
+              <a:buClr>
+                <a:schemeClr val="accent1"/>
+              </a:buClr>
+              <a:buSzPct val="80000"/>
+              <a:buFont typeface="Corbel" pitchFamily="34" charset="0"/>
+              <a:buChar char="•"/>
+              <a:defRPr sz="1600" kern="1200">
+                <a:solidFill>
+                  <a:schemeClr val="accent1"/>
+                </a:solidFill>
+                <a:latin typeface="+mn-lt"/>
+                <a:ea typeface="+mn-ea"/>
+                <a:cs typeface="+mn-cs"/>
+              </a:defRPr>
+            </a:lvl9pPr>
+          </a:lstStyle>
+          <a:p>
+            <a:pPr marL="45720" indent="0">
+              <a:buFont typeface="Wingdings" panose="05000000000000000000" pitchFamily="2" charset="2"/>
+              <a:buNone/>
+            </a:pPr>
+            <a:r>
+              <a:rPr lang="fa-IR" sz="2400" dirty="0">
+                <a:solidFill>
+                  <a:schemeClr val="accent3"/>
+                </a:solidFill>
+                <a:cs typeface="+mj-cs"/>
+              </a:rPr>
+              <a:t>آینده</a:t>
+            </a:r>
+          </a:p>
+          <a:p>
+            <a:pPr marL="45720" indent="0">
+              <a:spcBef>
+                <a:spcPts val="0"/>
+              </a:spcBef>
+              <a:buNone/>
+            </a:pPr>
+            <a:r>
+              <a:rPr lang="fa-IR" sz="1600" dirty="0">
+                <a:solidFill>
+                  <a:srgbClr val="8F8F8F"/>
+                </a:solidFill>
+              </a:rPr>
+              <a:t>بازارچه جیبرس</a:t>
+            </a:r>
+          </a:p>
+          <a:p>
+            <a:pPr marL="45720" indent="0">
+              <a:spcBef>
+                <a:spcPts val="0"/>
+              </a:spcBef>
+              <a:buNone/>
+            </a:pPr>
+            <a:r>
+              <a:rPr lang="fa-IR" sz="1600" dirty="0">
+                <a:solidFill>
+                  <a:srgbClr val="8F8F8F"/>
+                </a:solidFill>
+              </a:rPr>
+              <a:t>شبکه پرداخت داخلی</a:t>
+            </a:r>
+          </a:p>
+          <a:p>
+            <a:pPr marL="45720" indent="0">
+              <a:spcBef>
+                <a:spcPts val="0"/>
+              </a:spcBef>
+              <a:buNone/>
+            </a:pPr>
+            <a:r>
+              <a:rPr lang="fa-IR" sz="1600" dirty="0">
+                <a:solidFill>
+                  <a:srgbClr val="8F8F8F"/>
+                </a:solidFill>
+              </a:rPr>
+              <a:t>افزایش کانال‌های فروش</a:t>
+            </a:r>
+          </a:p>
+          <a:p>
+            <a:pPr marL="45720" indent="0">
+              <a:spcBef>
+                <a:spcPts val="0"/>
+              </a:spcBef>
+              <a:buNone/>
+            </a:pPr>
+            <a:r>
+              <a:rPr lang="fa-IR" sz="1600" dirty="0">
+                <a:solidFill>
+                  <a:srgbClr val="8F8F8F"/>
+                </a:solidFill>
+              </a:rPr>
+              <a:t>بازارچه‌ساز</a:t>
+            </a:r>
+            <a:endParaRPr lang="en-US" sz="1600" dirty="0">
+              <a:solidFill>
+                <a:srgbClr val="8F8F8F"/>
+              </a:solidFill>
+            </a:endParaRPr>
+          </a:p>
+        </p:txBody>
+      </p:sp>
+      <p:sp>
+        <p:nvSpPr>
+          <p:cNvPr id="9" name="Content Placeholder 2">
+            <a:extLst>
+              <a:ext uri="{FF2B5EF4-FFF2-40B4-BE49-F238E27FC236}">
+                <a16:creationId xmlns:a16="http://schemas.microsoft.com/office/drawing/2014/main" id="{CC8C04BB-2DCB-45EE-BF8A-84629B7B828A}"/>
+              </a:ext>
+            </a:extLst>
+          </p:cNvPr>
+          <p:cNvSpPr txBox="1">
+            <a:spLocks/>
+          </p:cNvSpPr>
+          <p:nvPr/>
+        </p:nvSpPr>
+        <p:spPr>
+          <a:xfrm>
+            <a:off x="8953500" y="5884642"/>
+            <a:ext cx="2318380" cy="566958"/>
+          </a:xfrm>
+          <a:prstGeom prst="rect">
+            <a:avLst/>
+          </a:prstGeom>
+        </p:spPr>
+        <p:txBody>
+          <a:bodyPr vert="horz" lIns="91440" tIns="45720" rIns="91440" bIns="45720" rtlCol="0">
+            <a:normAutofit/>
+          </a:bodyPr>
+          <a:lstStyle>
+            <a:lvl1pPr marL="228600" indent="-182880" algn="r" defTabSz="914400" rtl="1" eaLnBrk="1" latinLnBrk="0" hangingPunct="1">
+              <a:lnSpc>
+                <a:spcPct val="150000"/>
+              </a:lnSpc>
+              <a:spcBef>
+                <a:spcPts val="1400"/>
+              </a:spcBef>
+              <a:buClr>
+                <a:srgbClr val="777777"/>
+              </a:buClr>
+              <a:buSzPct val="80000"/>
+              <a:buFont typeface="Wingdings" panose="05000000000000000000" pitchFamily="2" charset="2"/>
+              <a:buChar char="§"/>
+              <a:defRPr sz="2200" kern="1200">
+                <a:solidFill>
+                  <a:srgbClr val="333333"/>
+                </a:solidFill>
+                <a:latin typeface="+mn-lt"/>
+                <a:ea typeface="+mn-ea"/>
+                <a:cs typeface="+mn-cs"/>
+              </a:defRPr>
+            </a:lvl1pPr>
+            <a:lvl2pPr marL="457200" indent="-182880" algn="r" defTabSz="914400" rtl="1" eaLnBrk="1" latinLnBrk="0" hangingPunct="1">
+              <a:lnSpc>
+                <a:spcPct val="150000"/>
+              </a:lnSpc>
+              <a:spcBef>
+                <a:spcPts val="200"/>
+              </a:spcBef>
+              <a:spcAft>
+                <a:spcPts val="400"/>
+              </a:spcAft>
+              <a:buClr>
+                <a:srgbClr val="777777"/>
+              </a:buClr>
+              <a:buSzPct val="80000"/>
+              <a:buFont typeface="Wingdings" panose="05000000000000000000" pitchFamily="2" charset="2"/>
+              <a:buChar char="§"/>
+              <a:defRPr sz="2000" kern="1200">
+                <a:solidFill>
+                  <a:srgbClr val="333333"/>
+                </a:solidFill>
+                <a:latin typeface="+mn-lt"/>
+                <a:ea typeface="+mn-ea"/>
+                <a:cs typeface="+mn-cs"/>
+              </a:defRPr>
+            </a:lvl2pPr>
+            <a:lvl3pPr marL="731520" indent="-182880" algn="r" defTabSz="914400" rtl="1" eaLnBrk="1" latinLnBrk="0" hangingPunct="1">
+              <a:lnSpc>
+                <a:spcPct val="150000"/>
+              </a:lnSpc>
+              <a:spcBef>
+                <a:spcPts val="200"/>
+              </a:spcBef>
+              <a:spcAft>
+                <a:spcPts val="400"/>
+              </a:spcAft>
+              <a:buClr>
+                <a:srgbClr val="777777"/>
+              </a:buClr>
+              <a:buSzPct val="80000"/>
+              <a:buFont typeface="Wingdings" panose="05000000000000000000" pitchFamily="2" charset="2"/>
+              <a:buChar char="§"/>
+              <a:defRPr sz="1800" kern="1200">
+                <a:solidFill>
+                  <a:srgbClr val="333333"/>
+                </a:solidFill>
+                <a:latin typeface="+mn-lt"/>
+                <a:ea typeface="+mn-ea"/>
+                <a:cs typeface="+mn-cs"/>
+              </a:defRPr>
+            </a:lvl3pPr>
+            <a:lvl4pPr marL="1005840" indent="-182880" algn="r" defTabSz="914400" rtl="1" eaLnBrk="1" latinLnBrk="0" hangingPunct="1">
+              <a:lnSpc>
+                <a:spcPct val="150000"/>
+              </a:lnSpc>
+              <a:spcBef>
+                <a:spcPts val="200"/>
+              </a:spcBef>
+              <a:spcAft>
+                <a:spcPts val="400"/>
+              </a:spcAft>
+              <a:buClr>
+                <a:srgbClr val="777777"/>
+              </a:buClr>
+              <a:buSzPct val="80000"/>
+              <a:buFont typeface="Wingdings" panose="05000000000000000000" pitchFamily="2" charset="2"/>
+              <a:buChar char="§"/>
+              <a:defRPr sz="1600" kern="1200">
+                <a:solidFill>
+                  <a:srgbClr val="333333"/>
+                </a:solidFill>
+                <a:latin typeface="+mn-lt"/>
+                <a:ea typeface="+mn-ea"/>
+                <a:cs typeface="+mn-cs"/>
+              </a:defRPr>
+            </a:lvl4pPr>
+            <a:lvl5pPr marL="1280160" indent="-182880" algn="r" defTabSz="914400" rtl="1" eaLnBrk="1" latinLnBrk="0" hangingPunct="1">
+              <a:lnSpc>
+                <a:spcPct val="150000"/>
+              </a:lnSpc>
+              <a:spcBef>
+                <a:spcPts val="200"/>
+              </a:spcBef>
+              <a:spcAft>
+                <a:spcPts val="400"/>
+              </a:spcAft>
+              <a:buClr>
+                <a:srgbClr val="777777"/>
+              </a:buClr>
+              <a:buSzPct val="80000"/>
+              <a:buFont typeface="Wingdings" panose="05000000000000000000" pitchFamily="2" charset="2"/>
+              <a:buChar char="§"/>
+              <a:defRPr sz="1600" kern="1200">
+                <a:solidFill>
+                  <a:srgbClr val="333333"/>
+                </a:solidFill>
+                <a:latin typeface="+mn-lt"/>
+                <a:ea typeface="+mn-ea"/>
+                <a:cs typeface="+mn-cs"/>
+              </a:defRPr>
+            </a:lvl5pPr>
+            <a:lvl6pPr marL="1600000" indent="-228600" algn="l" defTabSz="914400" rtl="0" eaLnBrk="1" latinLnBrk="0" hangingPunct="1">
+              <a:lnSpc>
+                <a:spcPct val="90000"/>
+              </a:lnSpc>
+              <a:spcBef>
+                <a:spcPts val="200"/>
+              </a:spcBef>
+              <a:spcAft>
+                <a:spcPts val="400"/>
+              </a:spcAft>
+              <a:buClr>
+                <a:schemeClr val="accent1"/>
+              </a:buClr>
+              <a:buSzPct val="80000"/>
+              <a:buFont typeface="Corbel" pitchFamily="34" charset="0"/>
+              <a:buChar char="•"/>
+              <a:defRPr sz="1600" kern="1200">
+                <a:solidFill>
+                  <a:schemeClr val="accent1"/>
+                </a:solidFill>
+                <a:latin typeface="+mn-lt"/>
+                <a:ea typeface="+mn-ea"/>
+                <a:cs typeface="+mn-cs"/>
+              </a:defRPr>
+            </a:lvl6pPr>
+            <a:lvl7pPr marL="1900000" indent="-228600" algn="l" defTabSz="914400" rtl="0" eaLnBrk="1" latinLnBrk="0" hangingPunct="1">
+              <a:lnSpc>
+                <a:spcPct val="90000"/>
+              </a:lnSpc>
+              <a:spcBef>
+                <a:spcPts val="200"/>
+              </a:spcBef>
+              <a:spcAft>
+                <a:spcPts val="400"/>
+              </a:spcAft>
+              <a:buClr>
+                <a:schemeClr val="accent1"/>
+              </a:buClr>
+              <a:buSzPct val="80000"/>
+              <a:buFont typeface="Corbel" pitchFamily="34" charset="0"/>
+              <a:buChar char="•"/>
+              <a:defRPr sz="1600" kern="1200">
+                <a:solidFill>
+                  <a:schemeClr val="accent1"/>
+                </a:solidFill>
+                <a:latin typeface="+mn-lt"/>
+                <a:ea typeface="+mn-ea"/>
+                <a:cs typeface="+mn-cs"/>
+              </a:defRPr>
+            </a:lvl7pPr>
+            <a:lvl8pPr marL="2200000" indent="-228600" algn="l" defTabSz="914400" rtl="0" eaLnBrk="1" latinLnBrk="0" hangingPunct="1">
+              <a:lnSpc>
+                <a:spcPct val="90000"/>
+              </a:lnSpc>
+              <a:spcBef>
+                <a:spcPts val="200"/>
+              </a:spcBef>
+              <a:spcAft>
+                <a:spcPts val="400"/>
+              </a:spcAft>
+              <a:buClr>
+                <a:schemeClr val="accent1"/>
+              </a:buClr>
+              <a:buSzPct val="80000"/>
+              <a:buFont typeface="Corbel" pitchFamily="34" charset="0"/>
+              <a:buChar char="•"/>
+              <a:defRPr sz="1600" kern="1200">
+                <a:solidFill>
+                  <a:schemeClr val="accent1"/>
+                </a:solidFill>
+                <a:latin typeface="+mn-lt"/>
+                <a:ea typeface="+mn-ea"/>
+                <a:cs typeface="+mn-cs"/>
+              </a:defRPr>
+            </a:lvl8pPr>
+            <a:lvl9pPr marL="2500000" indent="-228600" algn="l" defTabSz="914400" rtl="0" eaLnBrk="1" latinLnBrk="0" hangingPunct="1">
+              <a:lnSpc>
+                <a:spcPct val="90000"/>
+              </a:lnSpc>
+              <a:spcBef>
+                <a:spcPts val="200"/>
+              </a:spcBef>
+              <a:spcAft>
+                <a:spcPts val="400"/>
+              </a:spcAft>
+              <a:buClr>
+                <a:schemeClr val="accent1"/>
+              </a:buClr>
+              <a:buSzPct val="80000"/>
+              <a:buFont typeface="Corbel" pitchFamily="34" charset="0"/>
+              <a:buChar char="•"/>
+              <a:defRPr sz="1600" kern="1200">
+                <a:solidFill>
+                  <a:schemeClr val="accent1"/>
+                </a:solidFill>
+                <a:latin typeface="+mn-lt"/>
+                <a:ea typeface="+mn-ea"/>
+                <a:cs typeface="+mn-cs"/>
+              </a:defRPr>
+            </a:lvl9pPr>
+          </a:lstStyle>
+          <a:p>
+            <a:pPr marL="45720" indent="0">
+              <a:buFont typeface="Wingdings" panose="05000000000000000000" pitchFamily="2" charset="2"/>
+              <a:buNone/>
+            </a:pPr>
+            <a:r>
+              <a:rPr lang="fa-IR" sz="1600" dirty="0">
+                <a:solidFill>
+                  <a:schemeClr val="tx1"/>
+                </a:solidFill>
+                <a:cs typeface="+mj-cs"/>
+              </a:rPr>
+              <a:t>اهداف کوتاه‌مدت</a:t>
+            </a:r>
+          </a:p>
+          <a:p>
+            <a:pPr marL="45720" indent="0">
+              <a:buFont typeface="Wingdings" panose="05000000000000000000" pitchFamily="2" charset="2"/>
+              <a:buNone/>
+            </a:pPr>
+            <a:endParaRPr lang="en-US" sz="1800" dirty="0">
+              <a:solidFill>
+                <a:schemeClr val="tx1"/>
+              </a:solidFill>
+            </a:endParaRPr>
+          </a:p>
+        </p:txBody>
+      </p:sp>
+      <p:sp>
+        <p:nvSpPr>
+          <p:cNvPr id="10" name="Content Placeholder 2">
+            <a:extLst>
+              <a:ext uri="{FF2B5EF4-FFF2-40B4-BE49-F238E27FC236}">
+                <a16:creationId xmlns:a16="http://schemas.microsoft.com/office/drawing/2014/main" id="{0D890AA6-BC59-4CA8-85B5-099E71C3711D}"/>
+              </a:ext>
+            </a:extLst>
+          </p:cNvPr>
+          <p:cNvSpPr txBox="1">
+            <a:spLocks/>
+          </p:cNvSpPr>
+          <p:nvPr/>
+        </p:nvSpPr>
+        <p:spPr>
+          <a:xfrm>
+            <a:off x="4855208" y="4946261"/>
+            <a:ext cx="2318380" cy="566958"/>
+          </a:xfrm>
+          <a:prstGeom prst="rect">
+            <a:avLst/>
+          </a:prstGeom>
+        </p:spPr>
+        <p:txBody>
+          <a:bodyPr vert="horz" lIns="91440" tIns="45720" rIns="91440" bIns="45720" rtlCol="0">
+            <a:normAutofit/>
+          </a:bodyPr>
+          <a:lstStyle>
+            <a:lvl1pPr marL="228600" indent="-182880" algn="r" defTabSz="914400" rtl="1" eaLnBrk="1" latinLnBrk="0" hangingPunct="1">
+              <a:lnSpc>
+                <a:spcPct val="150000"/>
+              </a:lnSpc>
+              <a:spcBef>
+                <a:spcPts val="1400"/>
+              </a:spcBef>
+              <a:buClr>
+                <a:srgbClr val="777777"/>
+              </a:buClr>
+              <a:buSzPct val="80000"/>
+              <a:buFont typeface="Wingdings" panose="05000000000000000000" pitchFamily="2" charset="2"/>
+              <a:buChar char="§"/>
+              <a:defRPr sz="2200" kern="1200">
+                <a:solidFill>
+                  <a:srgbClr val="333333"/>
+                </a:solidFill>
+                <a:latin typeface="+mn-lt"/>
+                <a:ea typeface="+mn-ea"/>
+                <a:cs typeface="+mn-cs"/>
+              </a:defRPr>
+            </a:lvl1pPr>
+            <a:lvl2pPr marL="457200" indent="-182880" algn="r" defTabSz="914400" rtl="1" eaLnBrk="1" latinLnBrk="0" hangingPunct="1">
+              <a:lnSpc>
+                <a:spcPct val="150000"/>
+              </a:lnSpc>
+              <a:spcBef>
+                <a:spcPts val="200"/>
+              </a:spcBef>
+              <a:spcAft>
+                <a:spcPts val="400"/>
+              </a:spcAft>
+              <a:buClr>
+                <a:srgbClr val="777777"/>
+              </a:buClr>
+              <a:buSzPct val="80000"/>
+              <a:buFont typeface="Wingdings" panose="05000000000000000000" pitchFamily="2" charset="2"/>
+              <a:buChar char="§"/>
+              <a:defRPr sz="2000" kern="1200">
+                <a:solidFill>
+                  <a:srgbClr val="333333"/>
+                </a:solidFill>
+                <a:latin typeface="+mn-lt"/>
+                <a:ea typeface="+mn-ea"/>
+                <a:cs typeface="+mn-cs"/>
+              </a:defRPr>
+            </a:lvl2pPr>
+            <a:lvl3pPr marL="731520" indent="-182880" algn="r" defTabSz="914400" rtl="1" eaLnBrk="1" latinLnBrk="0" hangingPunct="1">
+              <a:lnSpc>
+                <a:spcPct val="150000"/>
+              </a:lnSpc>
+              <a:spcBef>
+                <a:spcPts val="200"/>
+              </a:spcBef>
+              <a:spcAft>
+                <a:spcPts val="400"/>
+              </a:spcAft>
+              <a:buClr>
+                <a:srgbClr val="777777"/>
+              </a:buClr>
+              <a:buSzPct val="80000"/>
+              <a:buFont typeface="Wingdings" panose="05000000000000000000" pitchFamily="2" charset="2"/>
+              <a:buChar char="§"/>
+              <a:defRPr sz="1800" kern="1200">
+                <a:solidFill>
+                  <a:srgbClr val="333333"/>
+                </a:solidFill>
+                <a:latin typeface="+mn-lt"/>
+                <a:ea typeface="+mn-ea"/>
+                <a:cs typeface="+mn-cs"/>
+              </a:defRPr>
+            </a:lvl3pPr>
+            <a:lvl4pPr marL="1005840" indent="-182880" algn="r" defTabSz="914400" rtl="1" eaLnBrk="1" latinLnBrk="0" hangingPunct="1">
+              <a:lnSpc>
+                <a:spcPct val="150000"/>
+              </a:lnSpc>
+              <a:spcBef>
+                <a:spcPts val="200"/>
+              </a:spcBef>
+              <a:spcAft>
+                <a:spcPts val="400"/>
+              </a:spcAft>
+              <a:buClr>
+                <a:srgbClr val="777777"/>
+              </a:buClr>
+              <a:buSzPct val="80000"/>
+              <a:buFont typeface="Wingdings" panose="05000000000000000000" pitchFamily="2" charset="2"/>
+              <a:buChar char="§"/>
+              <a:defRPr sz="1600" kern="1200">
+                <a:solidFill>
+                  <a:srgbClr val="333333"/>
+                </a:solidFill>
+                <a:latin typeface="+mn-lt"/>
+                <a:ea typeface="+mn-ea"/>
+                <a:cs typeface="+mn-cs"/>
+              </a:defRPr>
+            </a:lvl4pPr>
+            <a:lvl5pPr marL="1280160" indent="-182880" algn="r" defTabSz="914400" rtl="1" eaLnBrk="1" latinLnBrk="0" hangingPunct="1">
+              <a:lnSpc>
+                <a:spcPct val="150000"/>
+              </a:lnSpc>
+              <a:spcBef>
+                <a:spcPts val="200"/>
+              </a:spcBef>
+              <a:spcAft>
+                <a:spcPts val="400"/>
+              </a:spcAft>
+              <a:buClr>
+                <a:srgbClr val="777777"/>
+              </a:buClr>
+              <a:buSzPct val="80000"/>
+              <a:buFont typeface="Wingdings" panose="05000000000000000000" pitchFamily="2" charset="2"/>
+              <a:buChar char="§"/>
+              <a:defRPr sz="1600" kern="1200">
+                <a:solidFill>
+                  <a:srgbClr val="333333"/>
+                </a:solidFill>
+                <a:latin typeface="+mn-lt"/>
+                <a:ea typeface="+mn-ea"/>
+                <a:cs typeface="+mn-cs"/>
+              </a:defRPr>
+            </a:lvl5pPr>
+            <a:lvl6pPr marL="1600000" indent="-228600" algn="l" defTabSz="914400" rtl="0" eaLnBrk="1" latinLnBrk="0" hangingPunct="1">
+              <a:lnSpc>
+                <a:spcPct val="90000"/>
+              </a:lnSpc>
+              <a:spcBef>
+                <a:spcPts val="200"/>
+              </a:spcBef>
+              <a:spcAft>
+                <a:spcPts val="400"/>
+              </a:spcAft>
+              <a:buClr>
+                <a:schemeClr val="accent1"/>
+              </a:buClr>
+              <a:buSzPct val="80000"/>
+              <a:buFont typeface="Corbel" pitchFamily="34" charset="0"/>
+              <a:buChar char="•"/>
+              <a:defRPr sz="1600" kern="1200">
+                <a:solidFill>
+                  <a:schemeClr val="accent1"/>
+                </a:solidFill>
+                <a:latin typeface="+mn-lt"/>
+                <a:ea typeface="+mn-ea"/>
+                <a:cs typeface="+mn-cs"/>
+              </a:defRPr>
+            </a:lvl6pPr>
+            <a:lvl7pPr marL="1900000" indent="-228600" algn="l" defTabSz="914400" rtl="0" eaLnBrk="1" latinLnBrk="0" hangingPunct="1">
+              <a:lnSpc>
+                <a:spcPct val="90000"/>
+              </a:lnSpc>
+              <a:spcBef>
+                <a:spcPts val="200"/>
+              </a:spcBef>
+              <a:spcAft>
+                <a:spcPts val="400"/>
+              </a:spcAft>
+              <a:buClr>
+                <a:schemeClr val="accent1"/>
+              </a:buClr>
+              <a:buSzPct val="80000"/>
+              <a:buFont typeface="Corbel" pitchFamily="34" charset="0"/>
+              <a:buChar char="•"/>
+              <a:defRPr sz="1600" kern="1200">
+                <a:solidFill>
+                  <a:schemeClr val="accent1"/>
+                </a:solidFill>
+                <a:latin typeface="+mn-lt"/>
+                <a:ea typeface="+mn-ea"/>
+                <a:cs typeface="+mn-cs"/>
+              </a:defRPr>
+            </a:lvl7pPr>
+            <a:lvl8pPr marL="2200000" indent="-228600" algn="l" defTabSz="914400" rtl="0" eaLnBrk="1" latinLnBrk="0" hangingPunct="1">
+              <a:lnSpc>
+                <a:spcPct val="90000"/>
+              </a:lnSpc>
+              <a:spcBef>
+                <a:spcPts val="200"/>
+              </a:spcBef>
+              <a:spcAft>
+                <a:spcPts val="400"/>
+              </a:spcAft>
+              <a:buClr>
+                <a:schemeClr val="accent1"/>
+              </a:buClr>
+              <a:buSzPct val="80000"/>
+              <a:buFont typeface="Corbel" pitchFamily="34" charset="0"/>
+              <a:buChar char="•"/>
+              <a:defRPr sz="1600" kern="1200">
+                <a:solidFill>
+                  <a:schemeClr val="accent1"/>
+                </a:solidFill>
+                <a:latin typeface="+mn-lt"/>
+                <a:ea typeface="+mn-ea"/>
+                <a:cs typeface="+mn-cs"/>
+              </a:defRPr>
+            </a:lvl8pPr>
+            <a:lvl9pPr marL="2500000" indent="-228600" algn="l" defTabSz="914400" rtl="0" eaLnBrk="1" latinLnBrk="0" hangingPunct="1">
+              <a:lnSpc>
+                <a:spcPct val="90000"/>
+              </a:lnSpc>
+              <a:spcBef>
+                <a:spcPts val="200"/>
+              </a:spcBef>
+              <a:spcAft>
+                <a:spcPts val="400"/>
+              </a:spcAft>
+              <a:buClr>
+                <a:schemeClr val="accent1"/>
+              </a:buClr>
+              <a:buSzPct val="80000"/>
+              <a:buFont typeface="Corbel" pitchFamily="34" charset="0"/>
+              <a:buChar char="•"/>
+              <a:defRPr sz="1600" kern="1200">
+                <a:solidFill>
+                  <a:schemeClr val="accent1"/>
+                </a:solidFill>
+                <a:latin typeface="+mn-lt"/>
+                <a:ea typeface="+mn-ea"/>
+                <a:cs typeface="+mn-cs"/>
+              </a:defRPr>
+            </a:lvl9pPr>
+          </a:lstStyle>
+          <a:p>
+            <a:pPr marL="45720" indent="0">
+              <a:buFont typeface="Wingdings" panose="05000000000000000000" pitchFamily="2" charset="2"/>
+              <a:buNone/>
+            </a:pPr>
+            <a:r>
+              <a:rPr lang="fa-IR" sz="1600" dirty="0">
+                <a:solidFill>
+                  <a:schemeClr val="tx1"/>
+                </a:solidFill>
+                <a:cs typeface="+mj-cs"/>
+              </a:rPr>
+              <a:t>اهداف میان‌مدت</a:t>
+            </a:r>
+          </a:p>
+          <a:p>
+            <a:pPr marL="45720" indent="0">
+              <a:buFont typeface="Wingdings" panose="05000000000000000000" pitchFamily="2" charset="2"/>
+              <a:buNone/>
+            </a:pPr>
+            <a:endParaRPr lang="en-US" sz="1800" dirty="0">
+              <a:solidFill>
+                <a:schemeClr val="tx1"/>
+              </a:solidFill>
+            </a:endParaRPr>
+          </a:p>
+        </p:txBody>
+      </p:sp>
+      <p:sp>
+        <p:nvSpPr>
+          <p:cNvPr id="11" name="Content Placeholder 2">
+            <a:extLst>
+              <a:ext uri="{FF2B5EF4-FFF2-40B4-BE49-F238E27FC236}">
+                <a16:creationId xmlns:a16="http://schemas.microsoft.com/office/drawing/2014/main" id="{B5157B76-134C-4C7B-9D85-E7D94AC69A1D}"/>
+              </a:ext>
+            </a:extLst>
+          </p:cNvPr>
+          <p:cNvSpPr txBox="1">
+            <a:spLocks/>
+          </p:cNvSpPr>
+          <p:nvPr/>
+        </p:nvSpPr>
+        <p:spPr>
+          <a:xfrm>
+            <a:off x="1057904" y="4292248"/>
+            <a:ext cx="2318380" cy="566958"/>
+          </a:xfrm>
+          <a:prstGeom prst="rect">
+            <a:avLst/>
+          </a:prstGeom>
+        </p:spPr>
+        <p:txBody>
+          <a:bodyPr vert="horz" lIns="91440" tIns="45720" rIns="91440" bIns="45720" rtlCol="0">
+            <a:normAutofit/>
+          </a:bodyPr>
+          <a:lstStyle>
+            <a:lvl1pPr marL="228600" indent="-182880" algn="r" defTabSz="914400" rtl="1" eaLnBrk="1" latinLnBrk="0" hangingPunct="1">
+              <a:lnSpc>
+                <a:spcPct val="150000"/>
+              </a:lnSpc>
+              <a:spcBef>
+                <a:spcPts val="1400"/>
+              </a:spcBef>
+              <a:buClr>
+                <a:srgbClr val="777777"/>
+              </a:buClr>
+              <a:buSzPct val="80000"/>
+              <a:buFont typeface="Wingdings" panose="05000000000000000000" pitchFamily="2" charset="2"/>
+              <a:buChar char="§"/>
+              <a:defRPr sz="2200" kern="1200">
+                <a:solidFill>
+                  <a:srgbClr val="333333"/>
+                </a:solidFill>
+                <a:latin typeface="+mn-lt"/>
+                <a:ea typeface="+mn-ea"/>
+                <a:cs typeface="+mn-cs"/>
+              </a:defRPr>
+            </a:lvl1pPr>
+            <a:lvl2pPr marL="457200" indent="-182880" algn="r" defTabSz="914400" rtl="1" eaLnBrk="1" latinLnBrk="0" hangingPunct="1">
+              <a:lnSpc>
+                <a:spcPct val="150000"/>
+              </a:lnSpc>
+              <a:spcBef>
+                <a:spcPts val="200"/>
+              </a:spcBef>
+              <a:spcAft>
+                <a:spcPts val="400"/>
+              </a:spcAft>
+              <a:buClr>
+                <a:srgbClr val="777777"/>
+              </a:buClr>
+              <a:buSzPct val="80000"/>
+              <a:buFont typeface="Wingdings" panose="05000000000000000000" pitchFamily="2" charset="2"/>
+              <a:buChar char="§"/>
+              <a:defRPr sz="2000" kern="1200">
+                <a:solidFill>
+                  <a:srgbClr val="333333"/>
+                </a:solidFill>
+                <a:latin typeface="+mn-lt"/>
+                <a:ea typeface="+mn-ea"/>
+                <a:cs typeface="+mn-cs"/>
+              </a:defRPr>
+            </a:lvl2pPr>
+            <a:lvl3pPr marL="731520" indent="-182880" algn="r" defTabSz="914400" rtl="1" eaLnBrk="1" latinLnBrk="0" hangingPunct="1">
+              <a:lnSpc>
+                <a:spcPct val="150000"/>
+              </a:lnSpc>
+              <a:spcBef>
+                <a:spcPts val="200"/>
+              </a:spcBef>
+              <a:spcAft>
+                <a:spcPts val="400"/>
+              </a:spcAft>
+              <a:buClr>
+                <a:srgbClr val="777777"/>
+              </a:buClr>
+              <a:buSzPct val="80000"/>
+              <a:buFont typeface="Wingdings" panose="05000000000000000000" pitchFamily="2" charset="2"/>
+              <a:buChar char="§"/>
+              <a:defRPr sz="1800" kern="1200">
+                <a:solidFill>
+                  <a:srgbClr val="333333"/>
+                </a:solidFill>
+                <a:latin typeface="+mn-lt"/>
+                <a:ea typeface="+mn-ea"/>
+                <a:cs typeface="+mn-cs"/>
+              </a:defRPr>
+            </a:lvl3pPr>
+            <a:lvl4pPr marL="1005840" indent="-182880" algn="r" defTabSz="914400" rtl="1" eaLnBrk="1" latinLnBrk="0" hangingPunct="1">
+              <a:lnSpc>
+                <a:spcPct val="150000"/>
+              </a:lnSpc>
+              <a:spcBef>
+                <a:spcPts val="200"/>
+              </a:spcBef>
+              <a:spcAft>
+                <a:spcPts val="400"/>
+              </a:spcAft>
+              <a:buClr>
+                <a:srgbClr val="777777"/>
+              </a:buClr>
+              <a:buSzPct val="80000"/>
+              <a:buFont typeface="Wingdings" panose="05000000000000000000" pitchFamily="2" charset="2"/>
+              <a:buChar char="§"/>
+              <a:defRPr sz="1600" kern="1200">
+                <a:solidFill>
+                  <a:srgbClr val="333333"/>
+                </a:solidFill>
+                <a:latin typeface="+mn-lt"/>
+                <a:ea typeface="+mn-ea"/>
+                <a:cs typeface="+mn-cs"/>
+              </a:defRPr>
+            </a:lvl4pPr>
+            <a:lvl5pPr marL="1280160" indent="-182880" algn="r" defTabSz="914400" rtl="1" eaLnBrk="1" latinLnBrk="0" hangingPunct="1">
+              <a:lnSpc>
+                <a:spcPct val="150000"/>
+              </a:lnSpc>
+              <a:spcBef>
+                <a:spcPts val="200"/>
+              </a:spcBef>
+              <a:spcAft>
+                <a:spcPts val="400"/>
+              </a:spcAft>
+              <a:buClr>
+                <a:srgbClr val="777777"/>
+              </a:buClr>
+              <a:buSzPct val="80000"/>
+              <a:buFont typeface="Wingdings" panose="05000000000000000000" pitchFamily="2" charset="2"/>
+              <a:buChar char="§"/>
+              <a:defRPr sz="1600" kern="1200">
+                <a:solidFill>
+                  <a:srgbClr val="333333"/>
+                </a:solidFill>
+                <a:latin typeface="+mn-lt"/>
+                <a:ea typeface="+mn-ea"/>
+                <a:cs typeface="+mn-cs"/>
+              </a:defRPr>
+            </a:lvl5pPr>
+            <a:lvl6pPr marL="1600000" indent="-228600" algn="l" defTabSz="914400" rtl="0" eaLnBrk="1" latinLnBrk="0" hangingPunct="1">
+              <a:lnSpc>
+                <a:spcPct val="90000"/>
+              </a:lnSpc>
+              <a:spcBef>
+                <a:spcPts val="200"/>
+              </a:spcBef>
+              <a:spcAft>
+                <a:spcPts val="400"/>
+              </a:spcAft>
+              <a:buClr>
+                <a:schemeClr val="accent1"/>
+              </a:buClr>
+              <a:buSzPct val="80000"/>
+              <a:buFont typeface="Corbel" pitchFamily="34" charset="0"/>
+              <a:buChar char="•"/>
+              <a:defRPr sz="1600" kern="1200">
+                <a:solidFill>
+                  <a:schemeClr val="accent1"/>
+                </a:solidFill>
+                <a:latin typeface="+mn-lt"/>
+                <a:ea typeface="+mn-ea"/>
+                <a:cs typeface="+mn-cs"/>
+              </a:defRPr>
+            </a:lvl6pPr>
+            <a:lvl7pPr marL="1900000" indent="-228600" algn="l" defTabSz="914400" rtl="0" eaLnBrk="1" latinLnBrk="0" hangingPunct="1">
+              <a:lnSpc>
+                <a:spcPct val="90000"/>
+              </a:lnSpc>
+              <a:spcBef>
+                <a:spcPts val="200"/>
+              </a:spcBef>
+              <a:spcAft>
+                <a:spcPts val="400"/>
+              </a:spcAft>
+              <a:buClr>
+                <a:schemeClr val="accent1"/>
+              </a:buClr>
+              <a:buSzPct val="80000"/>
+              <a:buFont typeface="Corbel" pitchFamily="34" charset="0"/>
+              <a:buChar char="•"/>
+              <a:defRPr sz="1600" kern="1200">
+                <a:solidFill>
+                  <a:schemeClr val="accent1"/>
+                </a:solidFill>
+                <a:latin typeface="+mn-lt"/>
+                <a:ea typeface="+mn-ea"/>
+                <a:cs typeface="+mn-cs"/>
+              </a:defRPr>
+            </a:lvl7pPr>
+            <a:lvl8pPr marL="2200000" indent="-228600" algn="l" defTabSz="914400" rtl="0" eaLnBrk="1" latinLnBrk="0" hangingPunct="1">
+              <a:lnSpc>
+                <a:spcPct val="90000"/>
+              </a:lnSpc>
+              <a:spcBef>
+                <a:spcPts val="200"/>
+              </a:spcBef>
+              <a:spcAft>
+                <a:spcPts val="400"/>
+              </a:spcAft>
+              <a:buClr>
+                <a:schemeClr val="accent1"/>
+              </a:buClr>
+              <a:buSzPct val="80000"/>
+              <a:buFont typeface="Corbel" pitchFamily="34" charset="0"/>
+              <a:buChar char="•"/>
+              <a:defRPr sz="1600" kern="1200">
+                <a:solidFill>
+                  <a:schemeClr val="accent1"/>
+                </a:solidFill>
+                <a:latin typeface="+mn-lt"/>
+                <a:ea typeface="+mn-ea"/>
+                <a:cs typeface="+mn-cs"/>
+              </a:defRPr>
+            </a:lvl8pPr>
+            <a:lvl9pPr marL="2500000" indent="-228600" algn="l" defTabSz="914400" rtl="0" eaLnBrk="1" latinLnBrk="0" hangingPunct="1">
+              <a:lnSpc>
+                <a:spcPct val="90000"/>
+              </a:lnSpc>
+              <a:spcBef>
+                <a:spcPts val="200"/>
+              </a:spcBef>
+              <a:spcAft>
+                <a:spcPts val="400"/>
+              </a:spcAft>
+              <a:buClr>
+                <a:schemeClr val="accent1"/>
+              </a:buClr>
+              <a:buSzPct val="80000"/>
+              <a:buFont typeface="Corbel" pitchFamily="34" charset="0"/>
+              <a:buChar char="•"/>
+              <a:defRPr sz="1600" kern="1200">
+                <a:solidFill>
+                  <a:schemeClr val="accent1"/>
+                </a:solidFill>
+                <a:latin typeface="+mn-lt"/>
+                <a:ea typeface="+mn-ea"/>
+                <a:cs typeface="+mn-cs"/>
+              </a:defRPr>
+            </a:lvl9pPr>
+          </a:lstStyle>
+          <a:p>
+            <a:pPr marL="45720" indent="0">
+              <a:buFont typeface="Wingdings" panose="05000000000000000000" pitchFamily="2" charset="2"/>
+              <a:buNone/>
+            </a:pPr>
+            <a:r>
+              <a:rPr lang="fa-IR" sz="1600" dirty="0">
+                <a:solidFill>
+                  <a:schemeClr val="tx1"/>
+                </a:solidFill>
+                <a:cs typeface="+mj-cs"/>
+              </a:rPr>
+              <a:t>اهداف بلند‌مدت</a:t>
+            </a:r>
+          </a:p>
+          <a:p>
+            <a:pPr marL="45720" indent="0">
+              <a:buFont typeface="Wingdings" panose="05000000000000000000" pitchFamily="2" charset="2"/>
+              <a:buNone/>
+            </a:pPr>
+            <a:endParaRPr lang="en-US" sz="1800" dirty="0">
+              <a:solidFill>
+                <a:schemeClr val="tx1"/>
+              </a:solidFill>
+            </a:endParaRPr>
           </a:p>
         </p:txBody>
       </p:sp>
@@ -25195,7 +28139,7 @@
 </p:sld>
 </file>
 
-<file path=ppt/slides/slide12.xml><?xml version="1.0" encoding="utf-8"?>
+<file path=ppt/slides/slide13.xml><?xml version="1.0" encoding="utf-8"?>
 <p:sld xmlns:a="http://schemas.openxmlformats.org/drawingml/2006/main" xmlns:r="http://schemas.openxmlformats.org/officeDocument/2006/relationships" xmlns:p="http://schemas.openxmlformats.org/presentationml/2006/main">
   <p:cSld>
     <p:spTree>
@@ -25259,10 +28203,52 @@
         </p:nvSpPr>
         <p:spPr/>
         <p:txBody>
-          <a:bodyPr/>
+          <a:bodyPr>
+            <a:normAutofit fontScale="92500"/>
+          </a:bodyPr>
           <a:lstStyle/>
           <a:p>
-            <a:endParaRPr lang="en-US"/>
+            <a:r>
+              <a:rPr lang="fa-IR" dirty="0"/>
+              <a:t>دهان به دهان</a:t>
+            </a:r>
+          </a:p>
+          <a:p>
+            <a:r>
+              <a:rPr lang="fa-IR" dirty="0"/>
+              <a:t>بازاریابی موتورهای جستجو</a:t>
+            </a:r>
+          </a:p>
+          <a:p>
+            <a:r>
+              <a:rPr lang="fa-IR" dirty="0"/>
+              <a:t>تبلیغات دیجیتال</a:t>
+            </a:r>
+          </a:p>
+          <a:p>
+            <a:r>
+              <a:rPr lang="fa-IR" dirty="0"/>
+              <a:t>بازاریابی محتوا</a:t>
+            </a:r>
+          </a:p>
+          <a:p>
+            <a:r>
+              <a:rPr lang="fa-IR" dirty="0"/>
+              <a:t>شرکت در رویدادهای عمومی</a:t>
+            </a:r>
+          </a:p>
+          <a:p>
+            <a:r>
+              <a:rPr lang="fa-IR" dirty="0"/>
+              <a:t>شرکای تجاری</a:t>
+            </a:r>
+          </a:p>
+          <a:p>
+            <a:r>
+              <a:rPr lang="fa-IR" dirty="0"/>
+              <a:t>مشتریان سازمانی</a:t>
+            </a:r>
+            <a:endParaRPr lang="en-US" dirty="0"/>
           </a:p>
         </p:txBody>
       </p:sp>
@@ -25291,7 +28277,7 @@
 </p:sld>
 </file>
 
-<file path=ppt/slides/slide13.xml><?xml version="1.0" encoding="utf-8"?>
+<file path=ppt/slides/slide14.xml><?xml version="1.0" encoding="utf-8"?>
 <p:sld xmlns:a="http://schemas.openxmlformats.org/drawingml/2006/main" xmlns:r="http://schemas.openxmlformats.org/officeDocument/2006/relationships" xmlns:p="http://schemas.openxmlformats.org/presentationml/2006/main">
   <p:cSld>
     <p:spTree>
@@ -25387,7 +28373,7 @@
 </p:sld>
 </file>
 
-<file path=ppt/slides/slide14.xml><?xml version="1.0" encoding="utf-8"?>
+<file path=ppt/slides/slide15.xml><?xml version="1.0" encoding="utf-8"?>
 <p:sld xmlns:a="http://schemas.openxmlformats.org/drawingml/2006/main" xmlns:r="http://schemas.openxmlformats.org/officeDocument/2006/relationships" xmlns:p="http://schemas.openxmlformats.org/presentationml/2006/main">
   <p:cSld>
     <p:spTree>
@@ -25509,7 +28495,7 @@
 </p:sld>
 </file>
 
-<file path=ppt/slides/slide15.xml><?xml version="1.0" encoding="utf-8"?>
+<file path=ppt/slides/slide16.xml><?xml version="1.0" encoding="utf-8"?>
 <p:sld xmlns:a="http://schemas.openxmlformats.org/drawingml/2006/main" xmlns:r="http://schemas.openxmlformats.org/officeDocument/2006/relationships" xmlns:p="http://schemas.openxmlformats.org/presentationml/2006/main">
   <p:cSld>
     <p:spTree>
@@ -25605,7 +28591,7 @@
 </p:sld>
 </file>
 
-<file path=ppt/slides/slide16.xml><?xml version="1.0" encoding="utf-8"?>
+<file path=ppt/slides/slide17.xml><?xml version="1.0" encoding="utf-8"?>
 <p:sld xmlns:a="http://schemas.openxmlformats.org/drawingml/2006/main" xmlns:r="http://schemas.openxmlformats.org/officeDocument/2006/relationships" xmlns:p="http://schemas.openxmlformats.org/presentationml/2006/main">
   <p:cSld>
     <p:spTree>
@@ -25672,7 +28658,7 @@
           <a:bodyPr/>
           <a:lstStyle/>
           <a:p>
-            <a:endParaRPr lang="en-US"/>
+            <a:endParaRPr lang="en-US" dirty="0"/>
           </a:p>
         </p:txBody>
       </p:sp>
@@ -25701,7 +28687,7 @@
 </p:sld>
 </file>
 
-<file path=ppt/slides/slide17.xml><?xml version="1.0" encoding="utf-8"?>
+<file path=ppt/slides/slide18.xml><?xml version="1.0" encoding="utf-8"?>
 <p:sld xmlns:a="http://schemas.openxmlformats.org/drawingml/2006/main" xmlns:r="http://schemas.openxmlformats.org/officeDocument/2006/relationships" xmlns:p="http://schemas.openxmlformats.org/presentationml/2006/main">
   <p:cSld>
     <p:spTree>
@@ -25747,31 +28733,32 @@
           </a:p>
         </p:txBody>
       </p:sp>
-      <p:sp>
-        <p:nvSpPr>
-          <p:cNvPr id="3" name="Content Placeholder 2">
+      <p:graphicFrame>
+        <p:nvGraphicFramePr>
+          <p:cNvPr id="4" name="Content Placeholder 3">
             <a:extLst>
               <a:ext uri="{FF2B5EF4-FFF2-40B4-BE49-F238E27FC236}">
-                <a16:creationId xmlns:a16="http://schemas.microsoft.com/office/drawing/2014/main" id="{2754D455-BEBD-4CC9-A815-4C111FA323E9}"/>
+                <a16:creationId xmlns:a16="http://schemas.microsoft.com/office/drawing/2014/main" id="{6ABF2F81-5FB9-48B0-8CAA-8AB2DA95E0D2}"/>
               </a:ext>
             </a:extLst>
           </p:cNvPr>
-          <p:cNvSpPr>
-            <a:spLocks noGrp="1"/>
-          </p:cNvSpPr>
+          <p:cNvGraphicFramePr>
+            <a:graphicFrameLocks noGrp="1"/>
+          </p:cNvGraphicFramePr>
           <p:nvPr>
             <p:ph idx="1"/>
           </p:nvPr>
-        </p:nvSpPr>
-        <p:spPr/>
-        <p:txBody>
-          <a:bodyPr/>
-          <a:lstStyle/>
-          <a:p>
-            <a:endParaRPr lang="en-US"/>
-          </a:p>
-        </p:txBody>
-      </p:sp>
+        </p:nvGraphicFramePr>
+        <p:xfrm>
+          <a:off x="1055688" y="1563688"/>
+          <a:ext cx="10080625" cy="4371975"/>
+        </p:xfrm>
+        <a:graphic>
+          <a:graphicData uri="http://schemas.openxmlformats.org/drawingml/2006/chart">
+            <c:chart xmlns:c="http://schemas.openxmlformats.org/drawingml/2006/chart" xmlns:r="http://schemas.openxmlformats.org/officeDocument/2006/relationships" r:id="rId3"/>
+          </a:graphicData>
+        </a:graphic>
+      </p:graphicFrame>
     </p:spTree>
     <p:extLst>
       <p:ext uri="{BB962C8B-B14F-4D97-AF65-F5344CB8AC3E}">
@@ -25797,7 +28784,7 @@
 </p:sld>
 </file>
 
-<file path=ppt/slides/slide18.xml><?xml version="1.0" encoding="utf-8"?>
+<file path=ppt/slides/slide19.xml><?xml version="1.0" encoding="utf-8"?>
 <p:sld xmlns:a="http://schemas.openxmlformats.org/drawingml/2006/main" xmlns:r="http://schemas.openxmlformats.org/officeDocument/2006/relationships" xmlns:p="http://schemas.openxmlformats.org/presentationml/2006/main">
   <p:cSld>
     <p:spTree>
@@ -25908,7 +28895,156 @@
 </p:sld>
 </file>
 
-<file path=ppt/slides/slide19.xml><?xml version="1.0" encoding="utf-8"?>
+<file path=ppt/slides/slide2.xml><?xml version="1.0" encoding="utf-8"?>
+<p:sld xmlns:a="http://schemas.openxmlformats.org/drawingml/2006/main" xmlns:r="http://schemas.openxmlformats.org/officeDocument/2006/relationships" xmlns:p="http://schemas.openxmlformats.org/presentationml/2006/main">
+  <p:cSld>
+    <p:spTree>
+      <p:nvGrpSpPr>
+        <p:cNvPr id="1" name=""/>
+        <p:cNvGrpSpPr/>
+        <p:nvPr/>
+      </p:nvGrpSpPr>
+      <p:grpSpPr>
+        <a:xfrm>
+          <a:off x="0" y="0"/>
+          <a:ext cx="0" cy="0"/>
+          <a:chOff x="0" y="0"/>
+          <a:chExt cx="0" cy="0"/>
+        </a:xfrm>
+      </p:grpSpPr>
+      <p:sp>
+        <p:nvSpPr>
+          <p:cNvPr id="2" name="Title 1">
+            <a:extLst>
+              <a:ext uri="{FF2B5EF4-FFF2-40B4-BE49-F238E27FC236}">
+                <a16:creationId xmlns:a16="http://schemas.microsoft.com/office/drawing/2014/main" id="{8E5231F0-428F-47B9-9A12-B3A1374A2850}"/>
+              </a:ext>
+            </a:extLst>
+          </p:cNvPr>
+          <p:cNvSpPr>
+            <a:spLocks noGrp="1"/>
+          </p:cNvSpPr>
+          <p:nvPr>
+            <p:ph type="title"/>
+          </p:nvPr>
+        </p:nvSpPr>
+        <p:spPr/>
+        <p:txBody>
+          <a:bodyPr>
+            <a:normAutofit/>
+          </a:bodyPr>
+          <a:lstStyle/>
+          <a:p>
+            <a:r>
+              <a:rPr lang="fa-IR" dirty="0"/>
+              <a:t>مشکل</a:t>
+            </a:r>
+            <a:endParaRPr lang="en-US" dirty="0"/>
+          </a:p>
+        </p:txBody>
+      </p:sp>
+      <p:pic>
+        <p:nvPicPr>
+          <p:cNvPr id="8" name="Picture Placeholder 7">
+            <a:extLst>
+              <a:ext uri="{FF2B5EF4-FFF2-40B4-BE49-F238E27FC236}">
+                <a16:creationId xmlns:a16="http://schemas.microsoft.com/office/drawing/2014/main" id="{56D527AB-C05F-428A-A97F-B6DBE5B38FA7}"/>
+              </a:ext>
+            </a:extLst>
+          </p:cNvPr>
+          <p:cNvPicPr>
+            <a:picLocks noGrp="1" noChangeAspect="1"/>
+          </p:cNvPicPr>
+          <p:nvPr>
+            <p:ph idx="1"/>
+          </p:nvPr>
+        </p:nvPicPr>
+        <p:blipFill>
+          <a:blip r:embed="rId3">
+            <a:extLst>
+              <a:ext uri="{28A0092B-C50C-407E-A947-70E740481C1C}">
+                <a14:useLocalDpi xmlns:a14="http://schemas.microsoft.com/office/drawing/2010/main" val="0"/>
+              </a:ext>
+            </a:extLst>
+          </a:blip>
+          <a:stretch/>
+        </p:blipFill>
+        <p:spPr>
+          <a:xfrm>
+            <a:off x="1068388" y="1877294"/>
+            <a:ext cx="10080625" cy="4252763"/>
+          </a:xfrm>
+        </p:spPr>
+      </p:pic>
+      <p:sp>
+        <p:nvSpPr>
+          <p:cNvPr id="14" name="Text Placeholder 13">
+            <a:extLst>
+              <a:ext uri="{FF2B5EF4-FFF2-40B4-BE49-F238E27FC236}">
+                <a16:creationId xmlns:a16="http://schemas.microsoft.com/office/drawing/2014/main" id="{1504A111-FADF-4422-9205-36572D452820}"/>
+              </a:ext>
+            </a:extLst>
+          </p:cNvPr>
+          <p:cNvSpPr>
+            <a:spLocks noGrp="1"/>
+          </p:cNvSpPr>
+          <p:nvPr>
+            <p:ph type="body" sz="quarter" idx="12"/>
+          </p:nvPr>
+        </p:nvSpPr>
+        <p:spPr/>
+        <p:txBody>
+          <a:bodyPr/>
+          <a:lstStyle/>
+          <a:p>
+            <a:r>
+              <a:rPr lang="fa-IR" sz="2000" dirty="0"/>
+              <a:t>پلتفرم تجارت الکترونیک </a:t>
+            </a:r>
+            <a:r>
+              <a:rPr lang="fa-IR" sz="2000" dirty="0">
+                <a:solidFill>
+                  <a:srgbClr val="C80A5A"/>
+                </a:solidFill>
+                <a:cs typeface="+mj-cs"/>
+              </a:rPr>
+              <a:t>یکپارچه</a:t>
+            </a:r>
+            <a:endParaRPr lang="en-US" sz="2000" dirty="0">
+              <a:solidFill>
+                <a:srgbClr val="C80A5A"/>
+              </a:solidFill>
+              <a:cs typeface="+mj-cs"/>
+            </a:endParaRPr>
+          </a:p>
+        </p:txBody>
+      </p:sp>
+    </p:spTree>
+    <p:extLst>
+      <p:ext uri="{BB962C8B-B14F-4D97-AF65-F5344CB8AC3E}">
+        <p14:creationId xmlns:p14="http://schemas.microsoft.com/office/powerpoint/2010/main" val="794564716"/>
+      </p:ext>
+    </p:extLst>
+  </p:cSld>
+  <p:clrMapOvr>
+    <a:masterClrMapping/>
+  </p:clrMapOvr>
+  <mc:AlternateContent xmlns:mc="http://schemas.openxmlformats.org/markup-compatibility/2006" xmlns:p159="http://schemas.microsoft.com/office/powerpoint/2015/09/main">
+    <mc:Choice Requires="p159">
+      <p:transition>
+        <p159:morph option="byWord"/>
+      </p:transition>
+    </mc:Choice>
+    <mc:Fallback xmlns="">
+      <p:transition>
+        <p:fade/>
+      </p:transition>
+    </mc:Fallback>
+  </mc:AlternateContent>
+</p:sld>
+</file>
+
+<file path=ppt/slides/slide20.xml><?xml version="1.0" encoding="utf-8"?>
 <p:sld xmlns:a="http://schemas.openxmlformats.org/drawingml/2006/main" xmlns:r="http://schemas.openxmlformats.org/officeDocument/2006/relationships" xmlns:p="http://schemas.openxmlformats.org/presentationml/2006/main">
   <p:cSld>
     <p:spTree>
@@ -26920,156 +30056,7 @@
 </p:sld>
 </file>
 
-<file path=ppt/slides/slide2.xml><?xml version="1.0" encoding="utf-8"?>
-<p:sld xmlns:a="http://schemas.openxmlformats.org/drawingml/2006/main" xmlns:r="http://schemas.openxmlformats.org/officeDocument/2006/relationships" xmlns:p="http://schemas.openxmlformats.org/presentationml/2006/main">
-  <p:cSld>
-    <p:spTree>
-      <p:nvGrpSpPr>
-        <p:cNvPr id="1" name=""/>
-        <p:cNvGrpSpPr/>
-        <p:nvPr/>
-      </p:nvGrpSpPr>
-      <p:grpSpPr>
-        <a:xfrm>
-          <a:off x="0" y="0"/>
-          <a:ext cx="0" cy="0"/>
-          <a:chOff x="0" y="0"/>
-          <a:chExt cx="0" cy="0"/>
-        </a:xfrm>
-      </p:grpSpPr>
-      <p:sp>
-        <p:nvSpPr>
-          <p:cNvPr id="2" name="Title 1">
-            <a:extLst>
-              <a:ext uri="{FF2B5EF4-FFF2-40B4-BE49-F238E27FC236}">
-                <a16:creationId xmlns:a16="http://schemas.microsoft.com/office/drawing/2014/main" id="{8E5231F0-428F-47B9-9A12-B3A1374A2850}"/>
-              </a:ext>
-            </a:extLst>
-          </p:cNvPr>
-          <p:cNvSpPr>
-            <a:spLocks noGrp="1"/>
-          </p:cNvSpPr>
-          <p:nvPr>
-            <p:ph type="title"/>
-          </p:nvPr>
-        </p:nvSpPr>
-        <p:spPr/>
-        <p:txBody>
-          <a:bodyPr>
-            <a:normAutofit/>
-          </a:bodyPr>
-          <a:lstStyle/>
-          <a:p>
-            <a:r>
-              <a:rPr lang="fa-IR" dirty="0"/>
-              <a:t>مشکل</a:t>
-            </a:r>
-            <a:endParaRPr lang="en-US" dirty="0"/>
-          </a:p>
-        </p:txBody>
-      </p:sp>
-      <p:pic>
-        <p:nvPicPr>
-          <p:cNvPr id="8" name="Picture Placeholder 7">
-            <a:extLst>
-              <a:ext uri="{FF2B5EF4-FFF2-40B4-BE49-F238E27FC236}">
-                <a16:creationId xmlns:a16="http://schemas.microsoft.com/office/drawing/2014/main" id="{56D527AB-C05F-428A-A97F-B6DBE5B38FA7}"/>
-              </a:ext>
-            </a:extLst>
-          </p:cNvPr>
-          <p:cNvPicPr>
-            <a:picLocks noGrp="1" noChangeAspect="1"/>
-          </p:cNvPicPr>
-          <p:nvPr>
-            <p:ph idx="1"/>
-          </p:nvPr>
-        </p:nvPicPr>
-        <p:blipFill>
-          <a:blip r:embed="rId3">
-            <a:extLst>
-              <a:ext uri="{28A0092B-C50C-407E-A947-70E740481C1C}">
-                <a14:useLocalDpi xmlns:a14="http://schemas.microsoft.com/office/drawing/2010/main" val="0"/>
-              </a:ext>
-            </a:extLst>
-          </a:blip>
-          <a:stretch/>
-        </p:blipFill>
-        <p:spPr>
-          <a:xfrm>
-            <a:off x="1068388" y="1877294"/>
-            <a:ext cx="10080625" cy="4252763"/>
-          </a:xfrm>
-        </p:spPr>
-      </p:pic>
-      <p:sp>
-        <p:nvSpPr>
-          <p:cNvPr id="14" name="Text Placeholder 13">
-            <a:extLst>
-              <a:ext uri="{FF2B5EF4-FFF2-40B4-BE49-F238E27FC236}">
-                <a16:creationId xmlns:a16="http://schemas.microsoft.com/office/drawing/2014/main" id="{1504A111-FADF-4422-9205-36572D452820}"/>
-              </a:ext>
-            </a:extLst>
-          </p:cNvPr>
-          <p:cNvSpPr>
-            <a:spLocks noGrp="1"/>
-          </p:cNvSpPr>
-          <p:nvPr>
-            <p:ph type="body" sz="quarter" idx="12"/>
-          </p:nvPr>
-        </p:nvSpPr>
-        <p:spPr/>
-        <p:txBody>
-          <a:bodyPr/>
-          <a:lstStyle/>
-          <a:p>
-            <a:r>
-              <a:rPr lang="fa-IR" sz="2000" dirty="0"/>
-              <a:t>پلتفرم تجارت الکترونیک </a:t>
-            </a:r>
-            <a:r>
-              <a:rPr lang="fa-IR" sz="2000" dirty="0">
-                <a:solidFill>
-                  <a:srgbClr val="C80A5A"/>
-                </a:solidFill>
-                <a:cs typeface="+mj-cs"/>
-              </a:rPr>
-              <a:t>یکپارچه</a:t>
-            </a:r>
-            <a:endParaRPr lang="en-US" sz="2000" dirty="0">
-              <a:solidFill>
-                <a:srgbClr val="C80A5A"/>
-              </a:solidFill>
-              <a:cs typeface="+mj-cs"/>
-            </a:endParaRPr>
-          </a:p>
-        </p:txBody>
-      </p:sp>
-    </p:spTree>
-    <p:extLst>
-      <p:ext uri="{BB962C8B-B14F-4D97-AF65-F5344CB8AC3E}">
-        <p14:creationId xmlns:p14="http://schemas.microsoft.com/office/powerpoint/2010/main" val="794564716"/>
-      </p:ext>
-    </p:extLst>
-  </p:cSld>
-  <p:clrMapOvr>
-    <a:masterClrMapping/>
-  </p:clrMapOvr>
-  <mc:AlternateContent xmlns:mc="http://schemas.openxmlformats.org/markup-compatibility/2006" xmlns:p159="http://schemas.microsoft.com/office/powerpoint/2015/09/main">
-    <mc:Choice Requires="p159">
-      <p:transition>
-        <p159:morph option="byWord"/>
-      </p:transition>
-    </mc:Choice>
-    <mc:Fallback xmlns="">
-      <p:transition>
-        <p:fade/>
-      </p:transition>
-    </mc:Fallback>
-  </mc:AlternateContent>
-</p:sld>
-</file>
-
-<file path=ppt/slides/slide20.xml><?xml version="1.0" encoding="utf-8"?>
+<file path=ppt/slides/slide21.xml><?xml version="1.0" encoding="utf-8"?>
 <p:sld xmlns:a="http://schemas.openxmlformats.org/drawingml/2006/main" xmlns:r="http://schemas.openxmlformats.org/officeDocument/2006/relationships" xmlns:p="http://schemas.openxmlformats.org/presentationml/2006/main">
   <p:cSld>
     <p:spTree>
@@ -27165,7 +30152,7 @@
 </p:sld>
 </file>
 
-<file path=ppt/slides/slide21.xml><?xml version="1.0" encoding="utf-8"?>
+<file path=ppt/slides/slide22.xml><?xml version="1.0" encoding="utf-8"?>
 <p:sld xmlns:a="http://schemas.openxmlformats.org/drawingml/2006/main" xmlns:r="http://schemas.openxmlformats.org/officeDocument/2006/relationships" xmlns:p="http://schemas.openxmlformats.org/presentationml/2006/main">
   <p:cSld>
     <p:spTree>
@@ -27257,7 +30244,7 @@
 </p:sld>
 </file>
 
-<file path=ppt/slides/slide22.xml><?xml version="1.0" encoding="utf-8"?>
+<file path=ppt/slides/slide23.xml><?xml version="1.0" encoding="utf-8"?>
 <p:sld xmlns:a="http://schemas.openxmlformats.org/drawingml/2006/main" xmlns:r="http://schemas.openxmlformats.org/officeDocument/2006/relationships" xmlns:p="http://schemas.openxmlformats.org/presentationml/2006/main">
   <p:cSld>
     <p:spTree>
@@ -27372,7 +30359,7 @@
 </p:sld>
 </file>
 
-<file path=ppt/slides/slide23.xml><?xml version="1.0" encoding="utf-8"?>
+<file path=ppt/slides/slide24.xml><?xml version="1.0" encoding="utf-8"?>
 <p:sld xmlns:a="http://schemas.openxmlformats.org/drawingml/2006/main" xmlns:r="http://schemas.openxmlformats.org/officeDocument/2006/relationships" xmlns:p="http://schemas.openxmlformats.org/presentationml/2006/main">
   <p:cSld>
     <p:spTree>
@@ -29136,14 +32123,14 @@
           <p:nvPr>
             <p:extLst>
               <p:ext uri="{D42A27DB-BD31-4B8C-83A1-F6EECF244321}">
-                <p14:modId xmlns:p14="http://schemas.microsoft.com/office/powerpoint/2010/main" val="566090218"/>
+                <p14:modId xmlns:p14="http://schemas.microsoft.com/office/powerpoint/2010/main" val="398636660"/>
               </p:ext>
             </p:extLst>
           </p:nvPr>
         </p:nvGraphicFramePr>
         <p:xfrm>
-          <a:off x="6705600" y="3884504"/>
-          <a:ext cx="4267201" cy="2047875"/>
+          <a:off x="6413500" y="3884504"/>
+          <a:ext cx="4584700" cy="2047875"/>
         </p:xfrm>
         <a:graphic>
           <a:graphicData uri="http://schemas.openxmlformats.org/drawingml/2006/diagram">

--- a/business/PitchDeck/JIbres-PitchDeck-v1.pptx
+++ b/business/PitchDeck/JIbres-PitchDeck-v1.pptx
@@ -17415,7 +17415,7 @@
           <a:p>
             <a:fld id="{4BCE15A7-A56F-4E25-873C-50B597AA8420}" type="datetimeFigureOut">
               <a:rPr lang="en-US" smtClean="0"/>
-              <a:t>2021-05-10</a:t>
+              <a:t>2021-05-11</a:t>
             </a:fld>
             <a:endParaRPr lang="en-US"/>
           </a:p>
@@ -17592,7 +17592,7 @@
           <a:p>
             <a:fld id="{62C1A832-66EE-44A0-BEBE-A62E02B5B452}" type="datetimeFigureOut">
               <a:rPr lang="en-US" smtClean="0"/>
-              <a:t>2021-05-10</a:t>
+              <a:t>2021-05-11</a:t>
             </a:fld>
             <a:endParaRPr lang="en-US"/>
           </a:p>
@@ -17955,6 +17955,127 @@
 </file>
 
 <file path=ppt/notesSlides/notesSlide10.xml><?xml version="1.0" encoding="utf-8"?>
+<p:notes xmlns:a="http://schemas.openxmlformats.org/drawingml/2006/main" xmlns:r="http://schemas.openxmlformats.org/officeDocument/2006/relationships" xmlns:p="http://schemas.openxmlformats.org/presentationml/2006/main">
+  <p:cSld>
+    <p:spTree>
+      <p:nvGrpSpPr>
+        <p:cNvPr id="1" name=""/>
+        <p:cNvGrpSpPr/>
+        <p:nvPr/>
+      </p:nvGrpSpPr>
+      <p:grpSpPr>
+        <a:xfrm>
+          <a:off x="0" y="0"/>
+          <a:ext cx="0" cy="0"/>
+          <a:chOff x="0" y="0"/>
+          <a:chExt cx="0" cy="0"/>
+        </a:xfrm>
+      </p:grpSpPr>
+      <p:sp>
+        <p:nvSpPr>
+          <p:cNvPr id="2" name="Slide Image Placeholder 1"/>
+          <p:cNvSpPr>
+            <a:spLocks noGrp="1" noRot="1" noChangeAspect="1"/>
+          </p:cNvSpPr>
+          <p:nvPr>
+            <p:ph type="sldImg"/>
+          </p:nvPr>
+        </p:nvSpPr>
+        <p:spPr/>
+      </p:sp>
+      <p:sp>
+        <p:nvSpPr>
+          <p:cNvPr id="3" name="Notes Placeholder 2"/>
+          <p:cNvSpPr>
+            <a:spLocks noGrp="1"/>
+          </p:cNvSpPr>
+          <p:nvPr>
+            <p:ph type="body" idx="1"/>
+          </p:nvPr>
+        </p:nvSpPr>
+        <p:spPr/>
+        <p:txBody>
+          <a:bodyPr/>
+          <a:lstStyle/>
+          <a:p>
+            <a:r>
+              <a:rPr lang="en-US" sz="1200" b="0" i="0" kern="1200" dirty="0">
+                <a:solidFill>
+                  <a:schemeClr val="tx1"/>
+                </a:solidFill>
+                <a:effectLst/>
+                <a:latin typeface="+mn-lt"/>
+                <a:ea typeface="+mn-ea"/>
+                <a:cs typeface="+mn-cs"/>
+              </a:rPr>
+              <a:t>The financials slide is one that investors will spend the most time on. It’s one of the three most important slides in your pitch deck, according to the data in this </a:t>
+            </a:r>
+            <a:r>
+              <a:rPr lang="en-US" sz="1200" b="0" i="0" u="none" strike="noStrike" kern="1200" dirty="0">
+                <a:solidFill>
+                  <a:schemeClr val="tx1"/>
+                </a:solidFill>
+                <a:effectLst/>
+                <a:latin typeface="+mn-lt"/>
+                <a:ea typeface="+mn-ea"/>
+                <a:cs typeface="+mn-cs"/>
+                <a:hlinkClick r:id="rId3"/>
+              </a:rPr>
+              <a:t>Forbes article</a:t>
+            </a:r>
+            <a:r>
+              <a:rPr lang="en-US" sz="1200" b="0" i="0" kern="1200" dirty="0">
+                <a:solidFill>
+                  <a:schemeClr val="tx1"/>
+                </a:solidFill>
+                <a:effectLst/>
+                <a:latin typeface="+mn-lt"/>
+                <a:ea typeface="+mn-ea"/>
+                <a:cs typeface="+mn-cs"/>
+              </a:rPr>
+              <a:t>. Key points include your burn rate, break even point and how many users you need to make a profit.</a:t>
+            </a:r>
+            <a:endParaRPr lang="en-US" dirty="0"/>
+          </a:p>
+        </p:txBody>
+      </p:sp>
+      <p:sp>
+        <p:nvSpPr>
+          <p:cNvPr id="4" name="Slide Number Placeholder 3"/>
+          <p:cNvSpPr>
+            <a:spLocks noGrp="1"/>
+          </p:cNvSpPr>
+          <p:nvPr>
+            <p:ph type="sldNum" sz="quarter" idx="5"/>
+          </p:nvPr>
+        </p:nvSpPr>
+        <p:spPr/>
+        <p:txBody>
+          <a:bodyPr/>
+          <a:lstStyle/>
+          <a:p>
+            <a:fld id="{EC29E1AC-3210-4C03-93DF-294BFDB0FAF7}" type="slidenum">
+              <a:rPr lang="en-US" smtClean="0"/>
+              <a:t>16</a:t>
+            </a:fld>
+            <a:endParaRPr lang="en-US"/>
+          </a:p>
+        </p:txBody>
+      </p:sp>
+    </p:spTree>
+    <p:extLst>
+      <p:ext uri="{BB962C8B-B14F-4D97-AF65-F5344CB8AC3E}">
+        <p14:creationId xmlns:p14="http://schemas.microsoft.com/office/powerpoint/2010/main" val="1515327474"/>
+      </p:ext>
+    </p:extLst>
+  </p:cSld>
+  <p:clrMapOvr>
+    <a:masterClrMapping/>
+  </p:clrMapOvr>
+</p:notes>
+</file>
+
+<file path=ppt/notesSlides/notesSlide11.xml><?xml version="1.0" encoding="utf-8"?>
 <p:notes xmlns:a="http://schemas.openxmlformats.org/drawingml/2006/main" xmlns:r="http://schemas.openxmlformats.org/officeDocument/2006/relationships" xmlns:p="http://schemas.openxmlformats.org/presentationml/2006/main">
   <p:cSld>
     <p:spTree>
@@ -19102,12 +19223,198 @@
           <a:bodyPr/>
           <a:lstStyle/>
           <a:p>
-            <a:pPr algn="r" rtl="1"/>
             <a:r>
-              <a:rPr lang="fa-IR" dirty="0"/>
-              <a:t>نمایش هدف برای ادامه جلب توجه در روز ارائه</a:t>
+              <a:rPr lang="en-US" dirty="0" err="1"/>
+              <a:t>Linkedin</a:t>
             </a:r>
-            <a:endParaRPr lang="en-US" dirty="0"/>
+            <a:r>
+              <a:rPr lang="en-US" dirty="0"/>
+              <a:t>,, Cloudflare, Skype, </a:t>
+            </a:r>
+            <a:r>
+              <a:rPr lang="en-US" b="0" i="0" dirty="0">
+                <a:solidFill>
+                  <a:srgbClr val="111111"/>
+                </a:solidFill>
+                <a:effectLst/>
+                <a:latin typeface="SourceSansPro"/>
+              </a:rPr>
+              <a:t>Candy Crush Saga, Slack, Asana, Trello, </a:t>
+            </a:r>
+            <a:r>
+              <a:rPr lang="en-US" b="0" i="0" dirty="0">
+                <a:solidFill>
+                  <a:srgbClr val="212121"/>
+                </a:solidFill>
+                <a:effectLst/>
+                <a:latin typeface="PT Serif"/>
+              </a:rPr>
+              <a:t>Pandora, Evernote</a:t>
+            </a:r>
+            <a:endParaRPr lang="fa-IR" dirty="0"/>
+          </a:p>
+          <a:p>
+            <a:pPr marL="0" marR="0" lvl="0" indent="0" algn="l" defTabSz="914400" rtl="0" eaLnBrk="1" fontAlgn="auto" latinLnBrk="0" hangingPunct="1">
+              <a:lnSpc>
+                <a:spcPct val="100000"/>
+              </a:lnSpc>
+              <a:spcBef>
+                <a:spcPts val="0"/>
+              </a:spcBef>
+              <a:spcAft>
+                <a:spcPts val="0"/>
+              </a:spcAft>
+              <a:buClrTx/>
+              <a:buSzTx/>
+              <a:buFontTx/>
+              <a:buNone/>
+              <a:tabLst/>
+              <a:defRPr/>
+            </a:pPr>
+            <a:r>
+              <a:rPr lang="en-US" b="1" i="0" dirty="0">
+                <a:solidFill>
+                  <a:srgbClr val="282828"/>
+                </a:solidFill>
+                <a:effectLst/>
+                <a:latin typeface="GT America"/>
+              </a:rPr>
+              <a:t>Conversion rate ~ 2-5%</a:t>
+            </a:r>
+          </a:p>
+          <a:p>
+            <a:pPr marL="0" marR="0" lvl="0" indent="0" algn="l" defTabSz="914400" rtl="0" eaLnBrk="1" fontAlgn="auto" latinLnBrk="0" hangingPunct="1">
+              <a:lnSpc>
+                <a:spcPct val="100000"/>
+              </a:lnSpc>
+              <a:spcBef>
+                <a:spcPts val="0"/>
+              </a:spcBef>
+              <a:spcAft>
+                <a:spcPts val="0"/>
+              </a:spcAft>
+              <a:buClrTx/>
+              <a:buSzTx/>
+              <a:buFontTx/>
+              <a:buNone/>
+              <a:tabLst/>
+              <a:defRPr/>
+            </a:pPr>
+            <a:r>
+              <a:rPr lang="en-US" dirty="0"/>
+              <a:t>Dropbox</a:t>
+            </a:r>
+            <a:r>
+              <a:rPr lang="en-US" b="1" i="0" dirty="0">
+                <a:solidFill>
+                  <a:srgbClr val="282828"/>
+                </a:solidFill>
+                <a:effectLst/>
+                <a:latin typeface="GT America"/>
+              </a:rPr>
+              <a:t> 4%</a:t>
+            </a:r>
+          </a:p>
+          <a:p>
+            <a:pPr marL="0" marR="0" lvl="0" indent="0" algn="l" defTabSz="914400" rtl="0" eaLnBrk="1" fontAlgn="auto" latinLnBrk="0" hangingPunct="1">
+              <a:lnSpc>
+                <a:spcPct val="100000"/>
+              </a:lnSpc>
+              <a:spcBef>
+                <a:spcPts val="0"/>
+              </a:spcBef>
+              <a:spcAft>
+                <a:spcPts val="0"/>
+              </a:spcAft>
+              <a:buClrTx/>
+              <a:buSzTx/>
+              <a:buFontTx/>
+              <a:buNone/>
+              <a:tabLst/>
+              <a:defRPr/>
+            </a:pPr>
+            <a:r>
+              <a:rPr lang="en-US" dirty="0"/>
+              <a:t>Spotify</a:t>
+            </a:r>
+            <a:r>
+              <a:rPr lang="en-US" b="1" i="0" dirty="0">
+                <a:solidFill>
+                  <a:srgbClr val="282828"/>
+                </a:solidFill>
+                <a:effectLst/>
+                <a:latin typeface="GT America"/>
+              </a:rPr>
+              <a:t> 45%</a:t>
+            </a:r>
+          </a:p>
+          <a:p>
+            <a:pPr algn="l"/>
+            <a:r>
+              <a:rPr lang="en-US" b="0" i="0" dirty="0">
+                <a:solidFill>
+                  <a:srgbClr val="111111"/>
+                </a:solidFill>
+                <a:effectLst/>
+                <a:latin typeface="SourceSansPro"/>
+              </a:rPr>
+              <a:t>Freemium business models date back to the 1980s, though the term was coined in 2006</a:t>
+            </a:r>
+            <a:br>
+              <a:rPr lang="en-US" b="0" i="0" dirty="0">
+                <a:solidFill>
+                  <a:srgbClr val="282828"/>
+                </a:solidFill>
+                <a:effectLst/>
+                <a:latin typeface="Lava Std"/>
+              </a:rPr>
+            </a:br>
+            <a:endParaRPr lang="en-US" b="0" i="0" dirty="0">
+              <a:solidFill>
+                <a:srgbClr val="282828"/>
+              </a:solidFill>
+              <a:effectLst/>
+              <a:latin typeface="Lava Std"/>
+            </a:endParaRPr>
+          </a:p>
+          <a:p>
+            <a:pPr algn="l"/>
+            <a:r>
+              <a:rPr lang="en-US" b="1" i="0" dirty="0">
+                <a:solidFill>
+                  <a:srgbClr val="282828"/>
+                </a:solidFill>
+                <a:effectLst/>
+                <a:latin typeface="Lava Std"/>
+              </a:rPr>
+              <a:t>Free Trial covert rate ~ 30%</a:t>
+            </a:r>
+            <a:br>
+              <a:rPr lang="en-US" b="1" i="0" dirty="0">
+                <a:solidFill>
+                  <a:srgbClr val="282828"/>
+                </a:solidFill>
+                <a:effectLst/>
+                <a:latin typeface="Lava Std"/>
+              </a:rPr>
+            </a:br>
+            <a:r>
+              <a:rPr lang="en-US" b="0" i="0" dirty="0">
+                <a:solidFill>
+                  <a:srgbClr val="282828"/>
+                </a:solidFill>
+                <a:effectLst/>
+                <a:latin typeface="Lava Std"/>
+              </a:rPr>
+              <a:t>https://www.reforge.com/blog/the-hidden-fremium-advantage</a:t>
+            </a:r>
+            <a:endParaRPr lang="en-US" b="1" i="0" dirty="0">
+              <a:solidFill>
+                <a:srgbClr val="282828"/>
+              </a:solidFill>
+              <a:effectLst/>
+              <a:latin typeface="GT America"/>
+            </a:endParaRPr>
           </a:p>
         </p:txBody>
       </p:sp>
@@ -19128,7 +19435,7 @@
           <a:p>
             <a:fld id="{EC29E1AC-3210-4C03-93DF-294BFDB0FAF7}" type="slidenum">
               <a:rPr lang="en-US" smtClean="0"/>
-              <a:t>15</a:t>
+              <a:t>8</a:t>
             </a:fld>
             <a:endParaRPr lang="en-US"/>
           </a:p>
@@ -19137,7 +19444,7 @@
     </p:spTree>
     <p:extLst>
       <p:ext uri="{BB962C8B-B14F-4D97-AF65-F5344CB8AC3E}">
-        <p14:creationId xmlns:p14="http://schemas.microsoft.com/office/powerpoint/2010/main" val="2773812234"/>
+        <p14:creationId xmlns:p14="http://schemas.microsoft.com/office/powerpoint/2010/main" val="256107301"/>
       </p:ext>
     </p:extLst>
   </p:cSld>
@@ -19191,42 +19498,10 @@
           <a:bodyPr/>
           <a:lstStyle/>
           <a:p>
+            <a:pPr algn="r" rtl="1"/>
             <a:r>
-              <a:rPr lang="en-US" sz="1200" b="0" i="0" kern="1200" dirty="0">
-                <a:solidFill>
-                  <a:schemeClr val="tx1"/>
-                </a:solidFill>
-                <a:effectLst/>
-                <a:latin typeface="+mn-lt"/>
-                <a:ea typeface="+mn-ea"/>
-                <a:cs typeface="+mn-cs"/>
-              </a:rPr>
-              <a:t>The financials slide is one that investors will spend the most time on. It’s one of the three most important slides in your pitch deck, according to the data in this </a:t>
-            </a:r>
-            <a:r>
-              <a:rPr lang="en-US" sz="1200" b="0" i="0" u="none" strike="noStrike" kern="1200" dirty="0">
-                <a:solidFill>
-                  <a:schemeClr val="tx1"/>
-                </a:solidFill>
-                <a:effectLst/>
-                <a:latin typeface="+mn-lt"/>
-                <a:ea typeface="+mn-ea"/>
-                <a:cs typeface="+mn-cs"/>
-                <a:hlinkClick r:id="rId3"/>
-              </a:rPr>
-              <a:t>Forbes article</a:t>
-            </a:r>
-            <a:r>
-              <a:rPr lang="en-US" sz="1200" b="0" i="0" kern="1200" dirty="0">
-                <a:solidFill>
-                  <a:schemeClr val="tx1"/>
-                </a:solidFill>
-                <a:effectLst/>
-                <a:latin typeface="+mn-lt"/>
-                <a:ea typeface="+mn-ea"/>
-                <a:cs typeface="+mn-cs"/>
-              </a:rPr>
-              <a:t>. Key points include your burn rate, break even point and how many users you need to make a profit.</a:t>
+              <a:rPr lang="fa-IR" dirty="0"/>
+              <a:t>نمایش هدف برای ادامه جلب توجه در روز ارائه</a:t>
             </a:r>
             <a:endParaRPr lang="en-US" dirty="0"/>
           </a:p>
@@ -19249,7 +19524,7 @@
           <a:p>
             <a:fld id="{EC29E1AC-3210-4C03-93DF-294BFDB0FAF7}" type="slidenum">
               <a:rPr lang="en-US" smtClean="0"/>
-              <a:t>16</a:t>
+              <a:t>15</a:t>
             </a:fld>
             <a:endParaRPr lang="en-US"/>
           </a:p>
@@ -19258,7 +19533,7 @@
     </p:spTree>
     <p:extLst>
       <p:ext uri="{BB962C8B-B14F-4D97-AF65-F5344CB8AC3E}">
-        <p14:creationId xmlns:p14="http://schemas.microsoft.com/office/powerpoint/2010/main" val="1515327474"/>
+        <p14:creationId xmlns:p14="http://schemas.microsoft.com/office/powerpoint/2010/main" val="2773812234"/>
       </p:ext>
     </p:extLst>
   </p:cSld>
@@ -32056,7 +32331,7 @@
         <p:spPr>
           <a:xfrm>
             <a:off x="2095500" y="6218130"/>
-            <a:ext cx="9039448" cy="246221"/>
+            <a:ext cx="9039448" cy="400110"/>
           </a:xfrm>
           <a:prstGeom prst="rect">
             <a:avLst/>
@@ -32073,6 +32348,13 @@
             <a:r>
               <a:rPr lang="en-US" sz="1000" dirty="0"/>
               <a:t>*Gross Merchandise Volume, or GMV, represents the total value of orders facilitated on the Jibres platform.</a:t>
+            </a:r>
+          </a:p>
+          <a:p>
+            <a:pPr algn="l"/>
+            <a:r>
+              <a:rPr lang="en-US" sz="1000" dirty="0"/>
+              <a:t>* Jibres v1 released at 29 Mar 2021</a:t>
             </a:r>
           </a:p>
         </p:txBody>
@@ -33697,7 +33979,7 @@
           <a:p>
             <a:r>
               <a:rPr lang="fa-IR" dirty="0"/>
-              <a:t>بیزینس مدل فری‌میوم</a:t>
+              <a:t>بیزینس مدل</a:t>
             </a:r>
             <a:endParaRPr lang="en-US" dirty="0"/>
           </a:p>
@@ -33719,12 +34001,320 @@
             <p:ph idx="1"/>
           </p:nvPr>
         </p:nvSpPr>
-        <p:spPr/>
+        <p:spPr>
+          <a:xfrm>
+            <a:off x="1056004" y="1563880"/>
+            <a:ext cx="10080000" cy="2818549"/>
+          </a:xfrm>
+        </p:spPr>
         <p:txBody>
-          <a:bodyPr/>
+          <a:bodyPr anchor="t">
+            <a:normAutofit/>
+          </a:bodyPr>
           <a:lstStyle/>
           <a:p>
-            <a:endParaRPr lang="en-US" dirty="0"/>
+            <a:pPr marL="45720" indent="0" algn="ctr">
+              <a:buNone/>
+            </a:pPr>
+            <a:r>
+              <a:rPr lang="en-US" sz="13800" dirty="0">
+                <a:latin typeface="+mj-lt"/>
+              </a:rPr>
+              <a:t>Free</a:t>
+            </a:r>
+            <a:r>
+              <a:rPr lang="en-US" sz="13800" dirty="0">
+                <a:solidFill>
+                  <a:schemeClr val="tx1">
+                    <a:lumMod val="50000"/>
+                    <a:lumOff val="50000"/>
+                  </a:schemeClr>
+                </a:solidFill>
+                <a:latin typeface="+mj-lt"/>
+              </a:rPr>
+              <a:t>mium</a:t>
+            </a:r>
+          </a:p>
+        </p:txBody>
+      </p:sp>
+      <p:sp>
+        <p:nvSpPr>
+          <p:cNvPr id="5" name="Text Placeholder 7">
+            <a:extLst>
+              <a:ext uri="{FF2B5EF4-FFF2-40B4-BE49-F238E27FC236}">
+                <a16:creationId xmlns:a16="http://schemas.microsoft.com/office/drawing/2014/main" id="{D41FA18E-2492-4451-8264-C5048CE085E3}"/>
+              </a:ext>
+            </a:extLst>
+          </p:cNvPr>
+          <p:cNvSpPr txBox="1">
+            <a:spLocks/>
+          </p:cNvSpPr>
+          <p:nvPr/>
+        </p:nvSpPr>
+        <p:spPr>
+          <a:xfrm>
+            <a:off x="2056245" y="4070191"/>
+            <a:ext cx="8069062" cy="802890"/>
+          </a:xfrm>
+          <a:prstGeom prst="rect">
+            <a:avLst/>
+          </a:prstGeom>
+        </p:spPr>
+        <p:txBody>
+          <a:bodyPr>
+            <a:noAutofit/>
+          </a:bodyPr>
+          <a:lstStyle>
+            <a:lvl1pPr marL="228600" indent="-182880" algn="r" defTabSz="914400" rtl="1" eaLnBrk="1" latinLnBrk="0" hangingPunct="1">
+              <a:lnSpc>
+                <a:spcPct val="150000"/>
+              </a:lnSpc>
+              <a:spcBef>
+                <a:spcPts val="1400"/>
+              </a:spcBef>
+              <a:buClr>
+                <a:schemeClr val="accent1"/>
+              </a:buClr>
+              <a:buSzPct val="80000"/>
+              <a:buFont typeface="Corbel" pitchFamily="34" charset="0"/>
+              <a:buChar char="•"/>
+              <a:defRPr sz="2200" kern="1200">
+                <a:solidFill>
+                  <a:srgbClr val="333333"/>
+                </a:solidFill>
+                <a:latin typeface="+mn-lt"/>
+                <a:ea typeface="+mn-ea"/>
+                <a:cs typeface="+mn-cs"/>
+              </a:defRPr>
+            </a:lvl1pPr>
+            <a:lvl2pPr marL="457200" indent="-182880" algn="r" defTabSz="914400" rtl="1" eaLnBrk="1" latinLnBrk="0" hangingPunct="1">
+              <a:lnSpc>
+                <a:spcPct val="150000"/>
+              </a:lnSpc>
+              <a:spcBef>
+                <a:spcPts val="200"/>
+              </a:spcBef>
+              <a:spcAft>
+                <a:spcPts val="400"/>
+              </a:spcAft>
+              <a:buClr>
+                <a:schemeClr val="accent1"/>
+              </a:buClr>
+              <a:buSzPct val="80000"/>
+              <a:buFont typeface="Corbel" pitchFamily="34" charset="0"/>
+              <a:buChar char="•"/>
+              <a:defRPr sz="2000" kern="1200">
+                <a:solidFill>
+                  <a:srgbClr val="333333"/>
+                </a:solidFill>
+                <a:latin typeface="+mn-lt"/>
+                <a:ea typeface="+mn-ea"/>
+                <a:cs typeface="+mn-cs"/>
+              </a:defRPr>
+            </a:lvl2pPr>
+            <a:lvl3pPr marL="731520" indent="-182880" algn="r" defTabSz="914400" rtl="1" eaLnBrk="1" latinLnBrk="0" hangingPunct="1">
+              <a:lnSpc>
+                <a:spcPct val="150000"/>
+              </a:lnSpc>
+              <a:spcBef>
+                <a:spcPts val="200"/>
+              </a:spcBef>
+              <a:spcAft>
+                <a:spcPts val="400"/>
+              </a:spcAft>
+              <a:buClr>
+                <a:schemeClr val="accent1"/>
+              </a:buClr>
+              <a:buSzPct val="80000"/>
+              <a:buFont typeface="Corbel" pitchFamily="34" charset="0"/>
+              <a:buChar char="•"/>
+              <a:defRPr sz="1800" kern="1200">
+                <a:solidFill>
+                  <a:srgbClr val="333333"/>
+                </a:solidFill>
+                <a:latin typeface="+mn-lt"/>
+                <a:ea typeface="+mn-ea"/>
+                <a:cs typeface="+mn-cs"/>
+              </a:defRPr>
+            </a:lvl3pPr>
+            <a:lvl4pPr marL="1005840" indent="-182880" algn="r" defTabSz="914400" rtl="1" eaLnBrk="1" latinLnBrk="0" hangingPunct="1">
+              <a:lnSpc>
+                <a:spcPct val="150000"/>
+              </a:lnSpc>
+              <a:spcBef>
+                <a:spcPts val="200"/>
+              </a:spcBef>
+              <a:spcAft>
+                <a:spcPts val="400"/>
+              </a:spcAft>
+              <a:buClr>
+                <a:schemeClr val="accent1"/>
+              </a:buClr>
+              <a:buSzPct val="80000"/>
+              <a:buFont typeface="Corbel" pitchFamily="34" charset="0"/>
+              <a:buChar char="•"/>
+              <a:defRPr sz="1600" kern="1200">
+                <a:solidFill>
+                  <a:srgbClr val="333333"/>
+                </a:solidFill>
+                <a:latin typeface="+mn-lt"/>
+                <a:ea typeface="+mn-ea"/>
+                <a:cs typeface="+mn-cs"/>
+              </a:defRPr>
+            </a:lvl4pPr>
+            <a:lvl5pPr marL="1280160" indent="-182880" algn="r" defTabSz="914400" rtl="1" eaLnBrk="1" latinLnBrk="0" hangingPunct="1">
+              <a:lnSpc>
+                <a:spcPct val="150000"/>
+              </a:lnSpc>
+              <a:spcBef>
+                <a:spcPts val="200"/>
+              </a:spcBef>
+              <a:spcAft>
+                <a:spcPts val="400"/>
+              </a:spcAft>
+              <a:buClr>
+                <a:schemeClr val="accent1"/>
+              </a:buClr>
+              <a:buSzPct val="80000"/>
+              <a:buFont typeface="Corbel" pitchFamily="34" charset="0"/>
+              <a:buChar char="•"/>
+              <a:defRPr sz="1600" kern="1200">
+                <a:solidFill>
+                  <a:srgbClr val="333333"/>
+                </a:solidFill>
+                <a:latin typeface="+mn-lt"/>
+                <a:ea typeface="+mn-ea"/>
+                <a:cs typeface="+mn-cs"/>
+              </a:defRPr>
+            </a:lvl5pPr>
+            <a:lvl6pPr marL="1600000" indent="-228600" algn="l" defTabSz="914400" rtl="0" eaLnBrk="1" latinLnBrk="0" hangingPunct="1">
+              <a:lnSpc>
+                <a:spcPct val="90000"/>
+              </a:lnSpc>
+              <a:spcBef>
+                <a:spcPts val="200"/>
+              </a:spcBef>
+              <a:spcAft>
+                <a:spcPts val="400"/>
+              </a:spcAft>
+              <a:buClr>
+                <a:schemeClr val="accent1"/>
+              </a:buClr>
+              <a:buSzPct val="80000"/>
+              <a:buFont typeface="Corbel" pitchFamily="34" charset="0"/>
+              <a:buChar char="•"/>
+              <a:defRPr sz="1600" kern="1200">
+                <a:solidFill>
+                  <a:schemeClr val="accent1"/>
+                </a:solidFill>
+                <a:latin typeface="+mn-lt"/>
+                <a:ea typeface="+mn-ea"/>
+                <a:cs typeface="+mn-cs"/>
+              </a:defRPr>
+            </a:lvl6pPr>
+            <a:lvl7pPr marL="1900000" indent="-228600" algn="l" defTabSz="914400" rtl="0" eaLnBrk="1" latinLnBrk="0" hangingPunct="1">
+              <a:lnSpc>
+                <a:spcPct val="90000"/>
+              </a:lnSpc>
+              <a:spcBef>
+                <a:spcPts val="200"/>
+              </a:spcBef>
+              <a:spcAft>
+                <a:spcPts val="400"/>
+              </a:spcAft>
+              <a:buClr>
+                <a:schemeClr val="accent1"/>
+              </a:buClr>
+              <a:buSzPct val="80000"/>
+              <a:buFont typeface="Corbel" pitchFamily="34" charset="0"/>
+              <a:buChar char="•"/>
+              <a:defRPr sz="1600" kern="1200">
+                <a:solidFill>
+                  <a:schemeClr val="accent1"/>
+                </a:solidFill>
+                <a:latin typeface="+mn-lt"/>
+                <a:ea typeface="+mn-ea"/>
+                <a:cs typeface="+mn-cs"/>
+              </a:defRPr>
+            </a:lvl7pPr>
+            <a:lvl8pPr marL="2200000" indent="-228600" algn="l" defTabSz="914400" rtl="0" eaLnBrk="1" latinLnBrk="0" hangingPunct="1">
+              <a:lnSpc>
+                <a:spcPct val="90000"/>
+              </a:lnSpc>
+              <a:spcBef>
+                <a:spcPts val="200"/>
+              </a:spcBef>
+              <a:spcAft>
+                <a:spcPts val="400"/>
+              </a:spcAft>
+              <a:buClr>
+                <a:schemeClr val="accent1"/>
+              </a:buClr>
+              <a:buSzPct val="80000"/>
+              <a:buFont typeface="Corbel" pitchFamily="34" charset="0"/>
+              <a:buChar char="•"/>
+              <a:defRPr sz="1600" kern="1200">
+                <a:solidFill>
+                  <a:schemeClr val="accent1"/>
+                </a:solidFill>
+                <a:latin typeface="+mn-lt"/>
+                <a:ea typeface="+mn-ea"/>
+                <a:cs typeface="+mn-cs"/>
+              </a:defRPr>
+            </a:lvl8pPr>
+            <a:lvl9pPr marL="2500000" indent="-228600" algn="l" defTabSz="914400" rtl="0" eaLnBrk="1" latinLnBrk="0" hangingPunct="1">
+              <a:lnSpc>
+                <a:spcPct val="90000"/>
+              </a:lnSpc>
+              <a:spcBef>
+                <a:spcPts val="200"/>
+              </a:spcBef>
+              <a:spcAft>
+                <a:spcPts val="400"/>
+              </a:spcAft>
+              <a:buClr>
+                <a:schemeClr val="accent1"/>
+              </a:buClr>
+              <a:buSzPct val="80000"/>
+              <a:buFont typeface="Corbel" pitchFamily="34" charset="0"/>
+              <a:buChar char="•"/>
+              <a:defRPr sz="1600" kern="1200">
+                <a:solidFill>
+                  <a:schemeClr val="accent1"/>
+                </a:solidFill>
+                <a:latin typeface="+mn-lt"/>
+                <a:ea typeface="+mn-ea"/>
+                <a:cs typeface="+mn-cs"/>
+              </a:defRPr>
+            </a:lvl9pPr>
+          </a:lstStyle>
+          <a:p>
+            <a:pPr marL="45720" indent="0" algn="l" rtl="0">
+              <a:buNone/>
+            </a:pPr>
+            <a:r>
+              <a:rPr lang="en-US" sz="2800" i="0" dirty="0">
+                <a:solidFill>
+                  <a:srgbClr val="33475B"/>
+                </a:solidFill>
+                <a:effectLst/>
+                <a:latin typeface="+mj-lt"/>
+              </a:rPr>
+              <a:t>Feature limitation - </a:t>
+            </a:r>
+            <a:r>
+              <a:rPr lang="en-US" sz="2800" i="0" dirty="0">
+                <a:solidFill>
+                  <a:srgbClr val="33475B"/>
+                </a:solidFill>
+                <a:effectLst/>
+                <a:latin typeface="AvenirNext"/>
+              </a:rPr>
+              <a:t>Usage quotas - Limited support</a:t>
+            </a:r>
+            <a:endParaRPr lang="fa-IR" sz="3600" dirty="0">
+              <a:latin typeface="+mj-lt"/>
+            </a:endParaRPr>
           </a:p>
         </p:txBody>
       </p:sp>

--- a/business/PitchDeck/JIbres-PitchDeck-v1.pptx
+++ b/business/PitchDeck/JIbres-PitchDeck-v1.pptx
@@ -5,10 +5,10 @@
     <p:sldMasterId id="2147483714" r:id="rId1"/>
   </p:sldMasterIdLst>
   <p:notesMasterIdLst>
-    <p:notesMasterId r:id="rId26"/>
+    <p:notesMasterId r:id="rId24"/>
   </p:notesMasterIdLst>
   <p:handoutMasterIdLst>
-    <p:handoutMasterId r:id="rId27"/>
+    <p:handoutMasterId r:id="rId25"/>
   </p:handoutMasterIdLst>
   <p:sldIdLst>
     <p:sldId id="262" r:id="rId2"/>
@@ -31,10 +31,8 @@
     <p:sldId id="276" r:id="rId19"/>
     <p:sldId id="274" r:id="rId20"/>
     <p:sldId id="279" r:id="rId21"/>
-    <p:sldId id="283" r:id="rId22"/>
-    <p:sldId id="284" r:id="rId23"/>
-    <p:sldId id="286" r:id="rId24"/>
-    <p:sldId id="261" r:id="rId25"/>
+    <p:sldId id="286" r:id="rId22"/>
+    <p:sldId id="261" r:id="rId23"/>
   </p:sldIdLst>
   <p:sldSz cx="12192000" cy="6858000"/>
   <p:notesSz cx="6858000" cy="9144000"/>
@@ -52,7 +50,7 @@
         <p:sld r:id="rId15"/>
         <p:sld r:id="rId16"/>
         <p:sld r:id="rId18"/>
-        <p:sld r:id="rId25"/>
+        <p:sld r:id="rId23"/>
       </p:sldLst>
     </p:custShow>
     <p:custShow name="Demo Day" id="1">
@@ -68,7 +66,7 @@
         <p:sld r:id="rId14"/>
         <p:sld r:id="rId15"/>
         <p:sld r:id="rId18"/>
-        <p:sld r:id="rId25"/>
+        <p:sld r:id="rId23"/>
       </p:sldLst>
     </p:custShow>
   </p:custShowLst>
@@ -255,8 +253,6 @@
         <p14:section name="Jibres" id="{00CC254F-6A85-49A5-A813-69506AD69DF8}">
           <p14:sldIdLst>
             <p14:sldId id="279"/>
-            <p14:sldId id="283"/>
-            <p14:sldId id="284"/>
             <p14:sldId id="286"/>
             <p14:sldId id="261"/>
           </p14:sldIdLst>
@@ -270,7 +266,7 @@
             <a:srgbClr val="A4A3A4"/>
           </p15:clr>
         </p15:guide>
-        <p15:guide id="2" pos="3840" userDrawn="1">
+        <p15:guide id="2" pos="3863" userDrawn="1">
           <p15:clr>
             <a:srgbClr val="A4A3A4"/>
           </p15:clr>
@@ -6518,6 +6514,757 @@
 </dgm:colorsDef>
 </file>
 
+<file path=ppt/diagrams/colors4.xml><?xml version="1.0" encoding="utf-8"?>
+<dgm:colorsDef xmlns:dgm="http://schemas.openxmlformats.org/drawingml/2006/diagram" xmlns:a="http://schemas.openxmlformats.org/drawingml/2006/main" uniqueId="urn:microsoft.com/office/officeart/2005/8/colors/accent0_3">
+  <dgm:title val=""/>
+  <dgm:desc val=""/>
+  <dgm:catLst>
+    <dgm:cat type="mainScheme" pri="10300"/>
+  </dgm:catLst>
+  <dgm:styleLbl name="node0">
+    <dgm:fillClrLst meth="repeat">
+      <a:schemeClr val="dk2"/>
+    </dgm:fillClrLst>
+    <dgm:linClrLst meth="repeat">
+      <a:schemeClr val="lt2"/>
+    </dgm:linClrLst>
+    <dgm:effectClrLst/>
+    <dgm:txLinClrLst/>
+    <dgm:txFillClrLst/>
+    <dgm:txEffectClrLst/>
+  </dgm:styleLbl>
+  <dgm:styleLbl name="alignNode1">
+    <dgm:fillClrLst meth="repeat">
+      <a:schemeClr val="dk2"/>
+    </dgm:fillClrLst>
+    <dgm:linClrLst meth="repeat">
+      <a:schemeClr val="dk2"/>
+    </dgm:linClrLst>
+    <dgm:effectClrLst/>
+    <dgm:txLinClrLst/>
+    <dgm:txFillClrLst/>
+    <dgm:txEffectClrLst/>
+  </dgm:styleLbl>
+  <dgm:styleLbl name="node1">
+    <dgm:fillClrLst meth="repeat">
+      <a:schemeClr val="dk2"/>
+    </dgm:fillClrLst>
+    <dgm:linClrLst meth="repeat">
+      <a:schemeClr val="lt2"/>
+    </dgm:linClrLst>
+    <dgm:effectClrLst/>
+    <dgm:txLinClrLst/>
+    <dgm:txFillClrLst/>
+    <dgm:txEffectClrLst/>
+  </dgm:styleLbl>
+  <dgm:styleLbl name="lnNode1">
+    <dgm:fillClrLst meth="repeat">
+      <a:schemeClr val="dk2"/>
+    </dgm:fillClrLst>
+    <dgm:linClrLst meth="repeat">
+      <a:schemeClr val="lt2"/>
+    </dgm:linClrLst>
+    <dgm:effectClrLst/>
+    <dgm:txLinClrLst/>
+    <dgm:txFillClrLst/>
+    <dgm:txEffectClrLst/>
+  </dgm:styleLbl>
+  <dgm:styleLbl name="vennNode1">
+    <dgm:fillClrLst meth="repeat">
+      <a:schemeClr val="dk2">
+        <a:alpha val="50000"/>
+      </a:schemeClr>
+    </dgm:fillClrLst>
+    <dgm:linClrLst meth="repeat">
+      <a:schemeClr val="lt2"/>
+    </dgm:linClrLst>
+    <dgm:effectClrLst/>
+    <dgm:txLinClrLst/>
+    <dgm:txFillClrLst/>
+    <dgm:txEffectClrLst/>
+  </dgm:styleLbl>
+  <dgm:styleLbl name="node2">
+    <dgm:fillClrLst meth="repeat">
+      <a:schemeClr val="dk2"/>
+    </dgm:fillClrLst>
+    <dgm:linClrLst meth="repeat">
+      <a:schemeClr val="lt2"/>
+    </dgm:linClrLst>
+    <dgm:effectClrLst/>
+    <dgm:txLinClrLst/>
+    <dgm:txFillClrLst/>
+    <dgm:txEffectClrLst/>
+  </dgm:styleLbl>
+  <dgm:styleLbl name="node3">
+    <dgm:fillClrLst meth="repeat">
+      <a:schemeClr val="dk2"/>
+    </dgm:fillClrLst>
+    <dgm:linClrLst meth="repeat">
+      <a:schemeClr val="lt2"/>
+    </dgm:linClrLst>
+    <dgm:effectClrLst/>
+    <dgm:txLinClrLst/>
+    <dgm:txFillClrLst/>
+    <dgm:txEffectClrLst/>
+  </dgm:styleLbl>
+  <dgm:styleLbl name="node4">
+    <dgm:fillClrLst meth="repeat">
+      <a:schemeClr val="dk2"/>
+    </dgm:fillClrLst>
+    <dgm:linClrLst meth="repeat">
+      <a:schemeClr val="lt2"/>
+    </dgm:linClrLst>
+    <dgm:effectClrLst/>
+    <dgm:txLinClrLst/>
+    <dgm:txFillClrLst/>
+    <dgm:txEffectClrLst/>
+  </dgm:styleLbl>
+  <dgm:styleLbl name="fgImgPlace1">
+    <dgm:fillClrLst meth="repeat">
+      <a:schemeClr val="dk2">
+        <a:tint val="50000"/>
+      </a:schemeClr>
+    </dgm:fillClrLst>
+    <dgm:linClrLst meth="repeat">
+      <a:schemeClr val="lt2"/>
+    </dgm:linClrLst>
+    <dgm:effectClrLst/>
+    <dgm:txLinClrLst/>
+    <dgm:txFillClrLst meth="repeat">
+      <a:schemeClr val="lt2"/>
+    </dgm:txFillClrLst>
+    <dgm:txEffectClrLst/>
+  </dgm:styleLbl>
+  <dgm:styleLbl name="alignImgPlace1">
+    <dgm:fillClrLst meth="repeat">
+      <a:schemeClr val="dk2">
+        <a:tint val="50000"/>
+      </a:schemeClr>
+    </dgm:fillClrLst>
+    <dgm:linClrLst meth="repeat">
+      <a:schemeClr val="dk2">
+        <a:shade val="80000"/>
+      </a:schemeClr>
+    </dgm:linClrLst>
+    <dgm:effectClrLst/>
+    <dgm:txLinClrLst/>
+    <dgm:txFillClrLst meth="repeat">
+      <a:schemeClr val="lt2"/>
+    </dgm:txFillClrLst>
+    <dgm:txEffectClrLst/>
+  </dgm:styleLbl>
+  <dgm:styleLbl name="bgImgPlace1">
+    <dgm:fillClrLst meth="repeat">
+      <a:schemeClr val="dk2">
+        <a:tint val="50000"/>
+      </a:schemeClr>
+    </dgm:fillClrLst>
+    <dgm:linClrLst meth="repeat">
+      <a:schemeClr val="dk2">
+        <a:shade val="80000"/>
+      </a:schemeClr>
+    </dgm:linClrLst>
+    <dgm:effectClrLst/>
+    <dgm:txLinClrLst/>
+    <dgm:txFillClrLst meth="repeat">
+      <a:schemeClr val="lt2"/>
+    </dgm:txFillClrLst>
+    <dgm:txEffectClrLst/>
+  </dgm:styleLbl>
+  <dgm:styleLbl name="sibTrans2D1">
+    <dgm:fillClrLst meth="repeat">
+      <a:schemeClr val="dk2">
+        <a:tint val="60000"/>
+      </a:schemeClr>
+    </dgm:fillClrLst>
+    <dgm:linClrLst meth="repeat">
+      <a:schemeClr val="dk2">
+        <a:tint val="60000"/>
+      </a:schemeClr>
+    </dgm:linClrLst>
+    <dgm:effectClrLst/>
+    <dgm:txLinClrLst/>
+    <dgm:txFillClrLst/>
+    <dgm:txEffectClrLst/>
+  </dgm:styleLbl>
+  <dgm:styleLbl name="fgSibTrans2D1">
+    <dgm:fillClrLst meth="repeat">
+      <a:schemeClr val="dk2">
+        <a:tint val="60000"/>
+      </a:schemeClr>
+    </dgm:fillClrLst>
+    <dgm:linClrLst meth="repeat">
+      <a:schemeClr val="dk2">
+        <a:tint val="60000"/>
+      </a:schemeClr>
+    </dgm:linClrLst>
+    <dgm:effectClrLst/>
+    <dgm:txLinClrLst/>
+    <dgm:txFillClrLst/>
+    <dgm:txEffectClrLst/>
+  </dgm:styleLbl>
+  <dgm:styleLbl name="bgSibTrans2D1">
+    <dgm:fillClrLst meth="repeat">
+      <a:schemeClr val="dk2">
+        <a:tint val="60000"/>
+      </a:schemeClr>
+    </dgm:fillClrLst>
+    <dgm:linClrLst meth="repeat">
+      <a:schemeClr val="dk2">
+        <a:tint val="60000"/>
+      </a:schemeClr>
+    </dgm:linClrLst>
+    <dgm:effectClrLst/>
+    <dgm:txLinClrLst/>
+    <dgm:txFillClrLst/>
+    <dgm:txEffectClrLst/>
+  </dgm:styleLbl>
+  <dgm:styleLbl name="sibTrans1D1">
+    <dgm:fillClrLst meth="repeat">
+      <a:schemeClr val="dk2"/>
+    </dgm:fillClrLst>
+    <dgm:linClrLst meth="repeat">
+      <a:schemeClr val="dk2"/>
+    </dgm:linClrLst>
+    <dgm:effectClrLst/>
+    <dgm:txLinClrLst/>
+    <dgm:txFillClrLst meth="repeat">
+      <a:schemeClr val="lt2"/>
+    </dgm:txFillClrLst>
+    <dgm:txEffectClrLst/>
+  </dgm:styleLbl>
+  <dgm:styleLbl name="callout">
+    <dgm:fillClrLst meth="repeat">
+      <a:schemeClr val="dk2"/>
+    </dgm:fillClrLst>
+    <dgm:linClrLst meth="repeat">
+      <a:schemeClr val="dk2">
+        <a:tint val="50000"/>
+      </a:schemeClr>
+    </dgm:linClrLst>
+    <dgm:effectClrLst/>
+    <dgm:txLinClrLst/>
+    <dgm:txFillClrLst meth="repeat">
+      <a:schemeClr val="lt2"/>
+    </dgm:txFillClrLst>
+    <dgm:txEffectClrLst/>
+  </dgm:styleLbl>
+  <dgm:styleLbl name="asst0">
+    <dgm:fillClrLst meth="repeat">
+      <a:schemeClr val="dk2"/>
+    </dgm:fillClrLst>
+    <dgm:linClrLst meth="repeat">
+      <a:schemeClr val="lt2"/>
+    </dgm:linClrLst>
+    <dgm:effectClrLst/>
+    <dgm:txLinClrLst/>
+    <dgm:txFillClrLst/>
+    <dgm:txEffectClrLst/>
+  </dgm:styleLbl>
+  <dgm:styleLbl name="asst1">
+    <dgm:fillClrLst meth="repeat">
+      <a:schemeClr val="dk2"/>
+    </dgm:fillClrLst>
+    <dgm:linClrLst meth="repeat">
+      <a:schemeClr val="lt2"/>
+    </dgm:linClrLst>
+    <dgm:effectClrLst/>
+    <dgm:txLinClrLst/>
+    <dgm:txFillClrLst/>
+    <dgm:txEffectClrLst/>
+  </dgm:styleLbl>
+  <dgm:styleLbl name="asst2">
+    <dgm:fillClrLst meth="repeat">
+      <a:schemeClr val="dk2"/>
+    </dgm:fillClrLst>
+    <dgm:linClrLst meth="repeat">
+      <a:schemeClr val="lt2"/>
+    </dgm:linClrLst>
+    <dgm:effectClrLst/>
+    <dgm:txLinClrLst/>
+    <dgm:txFillClrLst/>
+    <dgm:txEffectClrLst/>
+  </dgm:styleLbl>
+  <dgm:styleLbl name="asst3">
+    <dgm:fillClrLst meth="repeat">
+      <a:schemeClr val="dk2"/>
+    </dgm:fillClrLst>
+    <dgm:linClrLst meth="repeat">
+      <a:schemeClr val="lt2"/>
+    </dgm:linClrLst>
+    <dgm:effectClrLst/>
+    <dgm:txLinClrLst/>
+    <dgm:txFillClrLst/>
+    <dgm:txEffectClrLst/>
+  </dgm:styleLbl>
+  <dgm:styleLbl name="asst4">
+    <dgm:fillClrLst meth="repeat">
+      <a:schemeClr val="dk2"/>
+    </dgm:fillClrLst>
+    <dgm:linClrLst meth="repeat">
+      <a:schemeClr val="lt2"/>
+    </dgm:linClrLst>
+    <dgm:effectClrLst/>
+    <dgm:txLinClrLst/>
+    <dgm:txFillClrLst/>
+    <dgm:txEffectClrLst/>
+  </dgm:styleLbl>
+  <dgm:styleLbl name="parChTrans2D1">
+    <dgm:fillClrLst meth="repeat">
+      <a:schemeClr val="dk2">
+        <a:tint val="60000"/>
+      </a:schemeClr>
+    </dgm:fillClrLst>
+    <dgm:linClrLst meth="repeat">
+      <a:schemeClr val="dk2">
+        <a:tint val="60000"/>
+      </a:schemeClr>
+    </dgm:linClrLst>
+    <dgm:effectClrLst/>
+    <dgm:txLinClrLst/>
+    <dgm:txFillClrLst meth="repeat">
+      <a:schemeClr val="lt2"/>
+    </dgm:txFillClrLst>
+    <dgm:txEffectClrLst/>
+  </dgm:styleLbl>
+  <dgm:styleLbl name="parChTrans2D2">
+    <dgm:fillClrLst meth="repeat">
+      <a:schemeClr val="dk2"/>
+    </dgm:fillClrLst>
+    <dgm:linClrLst meth="repeat">
+      <a:schemeClr val="dk2"/>
+    </dgm:linClrLst>
+    <dgm:effectClrLst/>
+    <dgm:txLinClrLst/>
+    <dgm:txFillClrLst meth="repeat">
+      <a:schemeClr val="lt2"/>
+    </dgm:txFillClrLst>
+    <dgm:txEffectClrLst/>
+  </dgm:styleLbl>
+  <dgm:styleLbl name="parChTrans2D3">
+    <dgm:fillClrLst meth="repeat">
+      <a:schemeClr val="dk2"/>
+    </dgm:fillClrLst>
+    <dgm:linClrLst meth="repeat">
+      <a:schemeClr val="dk2"/>
+    </dgm:linClrLst>
+    <dgm:effectClrLst/>
+    <dgm:txLinClrLst/>
+    <dgm:txFillClrLst meth="repeat">
+      <a:schemeClr val="lt2"/>
+    </dgm:txFillClrLst>
+    <dgm:txEffectClrLst/>
+  </dgm:styleLbl>
+  <dgm:styleLbl name="parChTrans2D4">
+    <dgm:fillClrLst meth="repeat">
+      <a:schemeClr val="dk2"/>
+    </dgm:fillClrLst>
+    <dgm:linClrLst meth="repeat">
+      <a:schemeClr val="dk2"/>
+    </dgm:linClrLst>
+    <dgm:effectClrLst/>
+    <dgm:txLinClrLst/>
+    <dgm:txFillClrLst meth="repeat">
+      <a:schemeClr val="lt2"/>
+    </dgm:txFillClrLst>
+    <dgm:txEffectClrLst/>
+  </dgm:styleLbl>
+  <dgm:styleLbl name="parChTrans1D1">
+    <dgm:fillClrLst meth="repeat">
+      <a:schemeClr val="dk2"/>
+    </dgm:fillClrLst>
+    <dgm:linClrLst meth="repeat">
+      <a:schemeClr val="dk2">
+        <a:shade val="60000"/>
+      </a:schemeClr>
+    </dgm:linClrLst>
+    <dgm:effectClrLst/>
+    <dgm:txLinClrLst/>
+    <dgm:txFillClrLst meth="repeat">
+      <a:schemeClr val="tx1"/>
+    </dgm:txFillClrLst>
+    <dgm:txEffectClrLst/>
+  </dgm:styleLbl>
+  <dgm:styleLbl name="parChTrans1D2">
+    <dgm:fillClrLst meth="repeat">
+      <a:schemeClr val="dk2"/>
+    </dgm:fillClrLst>
+    <dgm:linClrLst meth="repeat">
+      <a:schemeClr val="dk2">
+        <a:shade val="60000"/>
+      </a:schemeClr>
+    </dgm:linClrLst>
+    <dgm:effectClrLst/>
+    <dgm:txLinClrLst/>
+    <dgm:txFillClrLst meth="repeat">
+      <a:schemeClr val="tx1"/>
+    </dgm:txFillClrLst>
+    <dgm:txEffectClrLst/>
+  </dgm:styleLbl>
+  <dgm:styleLbl name="parChTrans1D3">
+    <dgm:fillClrLst meth="repeat">
+      <a:schemeClr val="dk2"/>
+    </dgm:fillClrLst>
+    <dgm:linClrLst meth="repeat">
+      <a:schemeClr val="dk2">
+        <a:shade val="80000"/>
+      </a:schemeClr>
+    </dgm:linClrLst>
+    <dgm:effectClrLst/>
+    <dgm:txLinClrLst/>
+    <dgm:txFillClrLst meth="repeat">
+      <a:schemeClr val="tx1"/>
+    </dgm:txFillClrLst>
+    <dgm:txEffectClrLst/>
+  </dgm:styleLbl>
+  <dgm:styleLbl name="parChTrans1D4">
+    <dgm:fillClrLst meth="repeat">
+      <a:schemeClr val="dk2"/>
+    </dgm:fillClrLst>
+    <dgm:linClrLst meth="repeat">
+      <a:schemeClr val="dk2">
+        <a:shade val="80000"/>
+      </a:schemeClr>
+    </dgm:linClrLst>
+    <dgm:effectClrLst/>
+    <dgm:txLinClrLst/>
+    <dgm:txFillClrLst meth="repeat">
+      <a:schemeClr val="tx1"/>
+    </dgm:txFillClrLst>
+    <dgm:txEffectClrLst/>
+  </dgm:styleLbl>
+  <dgm:styleLbl name="fgAcc1">
+    <dgm:fillClrLst meth="repeat">
+      <a:schemeClr val="lt2">
+        <a:alpha val="90000"/>
+      </a:schemeClr>
+    </dgm:fillClrLst>
+    <dgm:linClrLst meth="repeat">
+      <a:schemeClr val="dk2"/>
+    </dgm:linClrLst>
+    <dgm:effectClrLst/>
+    <dgm:txLinClrLst/>
+    <dgm:txFillClrLst meth="repeat">
+      <a:schemeClr val="dk1"/>
+    </dgm:txFillClrLst>
+    <dgm:txEffectClrLst/>
+  </dgm:styleLbl>
+  <dgm:styleLbl name="conFgAcc1">
+    <dgm:fillClrLst meth="repeat">
+      <a:schemeClr val="lt2">
+        <a:alpha val="90000"/>
+      </a:schemeClr>
+    </dgm:fillClrLst>
+    <dgm:linClrLst meth="repeat">
+      <a:schemeClr val="dk2"/>
+    </dgm:linClrLst>
+    <dgm:effectClrLst/>
+    <dgm:txLinClrLst/>
+    <dgm:txFillClrLst meth="repeat">
+      <a:schemeClr val="dk1"/>
+    </dgm:txFillClrLst>
+    <dgm:txEffectClrLst/>
+  </dgm:styleLbl>
+  <dgm:styleLbl name="alignAcc1">
+    <dgm:fillClrLst meth="repeat">
+      <a:schemeClr val="lt2">
+        <a:alpha val="90000"/>
+      </a:schemeClr>
+    </dgm:fillClrLst>
+    <dgm:linClrLst meth="repeat">
+      <a:schemeClr val="dk2"/>
+    </dgm:linClrLst>
+    <dgm:effectClrLst/>
+    <dgm:txLinClrLst/>
+    <dgm:txFillClrLst meth="repeat">
+      <a:schemeClr val="dk1"/>
+    </dgm:txFillClrLst>
+    <dgm:txEffectClrLst/>
+  </dgm:styleLbl>
+  <dgm:styleLbl name="trAlignAcc1">
+    <dgm:fillClrLst meth="repeat">
+      <a:schemeClr val="lt2">
+        <a:alpha val="40000"/>
+      </a:schemeClr>
+    </dgm:fillClrLst>
+    <dgm:linClrLst meth="repeat">
+      <a:schemeClr val="dk2"/>
+    </dgm:linClrLst>
+    <dgm:effectClrLst/>
+    <dgm:txLinClrLst/>
+    <dgm:txFillClrLst meth="repeat">
+      <a:schemeClr val="dk1"/>
+    </dgm:txFillClrLst>
+    <dgm:txEffectClrLst/>
+  </dgm:styleLbl>
+  <dgm:styleLbl name="bgAcc1">
+    <dgm:fillClrLst meth="repeat">
+      <a:schemeClr val="lt2">
+        <a:alpha val="90000"/>
+      </a:schemeClr>
+    </dgm:fillClrLst>
+    <dgm:linClrLst meth="repeat">
+      <a:schemeClr val="dk2"/>
+    </dgm:linClrLst>
+    <dgm:effectClrLst/>
+    <dgm:txLinClrLst/>
+    <dgm:txFillClrLst meth="repeat">
+      <a:schemeClr val="dk1"/>
+    </dgm:txFillClrLst>
+    <dgm:txEffectClrLst/>
+  </dgm:styleLbl>
+  <dgm:styleLbl name="solidFgAcc1">
+    <dgm:fillClrLst meth="repeat">
+      <a:schemeClr val="lt2"/>
+    </dgm:fillClrLst>
+    <dgm:linClrLst meth="repeat">
+      <a:schemeClr val="dk2"/>
+    </dgm:linClrLst>
+    <dgm:effectClrLst/>
+    <dgm:txLinClrLst/>
+    <dgm:txFillClrLst meth="repeat">
+      <a:schemeClr val="dk1"/>
+    </dgm:txFillClrLst>
+    <dgm:txEffectClrLst/>
+  </dgm:styleLbl>
+  <dgm:styleLbl name="solidAlignAcc1">
+    <dgm:fillClrLst meth="repeat">
+      <a:schemeClr val="lt2"/>
+    </dgm:fillClrLst>
+    <dgm:linClrLst meth="repeat">
+      <a:schemeClr val="dk2"/>
+    </dgm:linClrLst>
+    <dgm:effectClrLst/>
+    <dgm:txLinClrLst/>
+    <dgm:txFillClrLst meth="repeat">
+      <a:schemeClr val="dk1"/>
+    </dgm:txFillClrLst>
+    <dgm:txEffectClrLst/>
+  </dgm:styleLbl>
+  <dgm:styleLbl name="solidBgAcc1">
+    <dgm:fillClrLst meth="repeat">
+      <a:schemeClr val="lt2"/>
+    </dgm:fillClrLst>
+    <dgm:linClrLst meth="repeat">
+      <a:schemeClr val="dk2"/>
+    </dgm:linClrLst>
+    <dgm:effectClrLst/>
+    <dgm:txLinClrLst/>
+    <dgm:txFillClrLst meth="repeat">
+      <a:schemeClr val="dk1"/>
+    </dgm:txFillClrLst>
+    <dgm:txEffectClrLst/>
+  </dgm:styleLbl>
+  <dgm:styleLbl name="fgAccFollowNode1">
+    <dgm:fillClrLst meth="repeat">
+      <a:schemeClr val="dk2">
+        <a:alpha val="90000"/>
+        <a:tint val="40000"/>
+      </a:schemeClr>
+    </dgm:fillClrLst>
+    <dgm:linClrLst meth="repeat">
+      <a:schemeClr val="dk2">
+        <a:alpha val="90000"/>
+        <a:tint val="40000"/>
+      </a:schemeClr>
+    </dgm:linClrLst>
+    <dgm:effectClrLst/>
+    <dgm:txLinClrLst/>
+    <dgm:txFillClrLst meth="repeat">
+      <a:schemeClr val="dk1"/>
+    </dgm:txFillClrLst>
+    <dgm:txEffectClrLst/>
+  </dgm:styleLbl>
+  <dgm:styleLbl name="alignAccFollowNode1">
+    <dgm:fillClrLst meth="repeat">
+      <a:schemeClr val="dk2">
+        <a:alpha val="90000"/>
+        <a:tint val="40000"/>
+      </a:schemeClr>
+    </dgm:fillClrLst>
+    <dgm:linClrLst meth="repeat">
+      <a:schemeClr val="dk2">
+        <a:alpha val="90000"/>
+        <a:tint val="40000"/>
+      </a:schemeClr>
+    </dgm:linClrLst>
+    <dgm:effectClrLst/>
+    <dgm:txLinClrLst/>
+    <dgm:txFillClrLst meth="repeat">
+      <a:schemeClr val="dk1"/>
+    </dgm:txFillClrLst>
+    <dgm:txEffectClrLst/>
+  </dgm:styleLbl>
+  <dgm:styleLbl name="bgAccFollowNode1">
+    <dgm:fillClrLst meth="repeat">
+      <a:schemeClr val="dk2">
+        <a:alpha val="90000"/>
+        <a:tint val="40000"/>
+      </a:schemeClr>
+    </dgm:fillClrLst>
+    <dgm:linClrLst meth="repeat">
+      <a:schemeClr val="dk2">
+        <a:alpha val="90000"/>
+        <a:tint val="40000"/>
+      </a:schemeClr>
+    </dgm:linClrLst>
+    <dgm:effectClrLst/>
+    <dgm:txLinClrLst/>
+    <dgm:txFillClrLst meth="repeat">
+      <a:schemeClr val="dk1"/>
+    </dgm:txFillClrLst>
+    <dgm:txEffectClrLst/>
+  </dgm:styleLbl>
+  <dgm:styleLbl name="fgAcc0">
+    <dgm:fillClrLst meth="repeat">
+      <a:schemeClr val="lt2">
+        <a:alpha val="90000"/>
+      </a:schemeClr>
+    </dgm:fillClrLst>
+    <dgm:linClrLst meth="repeat">
+      <a:schemeClr val="dk2"/>
+    </dgm:linClrLst>
+    <dgm:effectClrLst/>
+    <dgm:txLinClrLst/>
+    <dgm:txFillClrLst meth="repeat">
+      <a:schemeClr val="dk1"/>
+    </dgm:txFillClrLst>
+    <dgm:txEffectClrLst/>
+  </dgm:styleLbl>
+  <dgm:styleLbl name="fgAcc2">
+    <dgm:fillClrLst meth="repeat">
+      <a:schemeClr val="lt2">
+        <a:alpha val="90000"/>
+      </a:schemeClr>
+    </dgm:fillClrLst>
+    <dgm:linClrLst meth="repeat">
+      <a:schemeClr val="dk2"/>
+    </dgm:linClrLst>
+    <dgm:effectClrLst/>
+    <dgm:txLinClrLst/>
+    <dgm:txFillClrLst meth="repeat">
+      <a:schemeClr val="dk1"/>
+    </dgm:txFillClrLst>
+    <dgm:txEffectClrLst/>
+  </dgm:styleLbl>
+  <dgm:styleLbl name="fgAcc3">
+    <dgm:fillClrLst meth="repeat">
+      <a:schemeClr val="lt2">
+        <a:alpha val="90000"/>
+      </a:schemeClr>
+    </dgm:fillClrLst>
+    <dgm:linClrLst meth="repeat">
+      <a:schemeClr val="dk2"/>
+    </dgm:linClrLst>
+    <dgm:effectClrLst/>
+    <dgm:txLinClrLst/>
+    <dgm:txFillClrLst meth="repeat">
+      <a:schemeClr val="dk1"/>
+    </dgm:txFillClrLst>
+    <dgm:txEffectClrLst/>
+  </dgm:styleLbl>
+  <dgm:styleLbl name="fgAcc4">
+    <dgm:fillClrLst meth="repeat">
+      <a:schemeClr val="lt2">
+        <a:alpha val="90000"/>
+      </a:schemeClr>
+    </dgm:fillClrLst>
+    <dgm:linClrLst meth="repeat">
+      <a:schemeClr val="dk2"/>
+    </dgm:linClrLst>
+    <dgm:effectClrLst/>
+    <dgm:txLinClrLst/>
+    <dgm:txFillClrLst meth="repeat">
+      <a:schemeClr val="dk1"/>
+    </dgm:txFillClrLst>
+    <dgm:txEffectClrLst/>
+  </dgm:styleLbl>
+  <dgm:styleLbl name="bgShp">
+    <dgm:fillClrLst meth="repeat">
+      <a:schemeClr val="dk2">
+        <a:tint val="40000"/>
+      </a:schemeClr>
+    </dgm:fillClrLst>
+    <dgm:linClrLst meth="repeat">
+      <a:schemeClr val="dk2"/>
+    </dgm:linClrLst>
+    <dgm:effectClrLst/>
+    <dgm:txLinClrLst/>
+    <dgm:txFillClrLst meth="repeat">
+      <a:schemeClr val="dk1"/>
+    </dgm:txFillClrLst>
+    <dgm:txEffectClrLst/>
+  </dgm:styleLbl>
+  <dgm:styleLbl name="dkBgShp">
+    <dgm:fillClrLst meth="repeat">
+      <a:schemeClr val="dk2">
+        <a:shade val="80000"/>
+      </a:schemeClr>
+    </dgm:fillClrLst>
+    <dgm:linClrLst meth="repeat">
+      <a:schemeClr val="dk2"/>
+    </dgm:linClrLst>
+    <dgm:effectClrLst/>
+    <dgm:txLinClrLst/>
+    <dgm:txFillClrLst meth="repeat">
+      <a:schemeClr val="lt1"/>
+    </dgm:txFillClrLst>
+    <dgm:txEffectClrLst/>
+  </dgm:styleLbl>
+  <dgm:styleLbl name="trBgShp">
+    <dgm:fillClrLst meth="repeat">
+      <a:schemeClr val="dk2">
+        <a:tint val="50000"/>
+        <a:alpha val="40000"/>
+      </a:schemeClr>
+    </dgm:fillClrLst>
+    <dgm:linClrLst meth="repeat">
+      <a:schemeClr val="dk2"/>
+    </dgm:linClrLst>
+    <dgm:effectClrLst/>
+    <dgm:txLinClrLst/>
+    <dgm:txFillClrLst meth="repeat">
+      <a:schemeClr val="lt1"/>
+    </dgm:txFillClrLst>
+    <dgm:txEffectClrLst/>
+  </dgm:styleLbl>
+  <dgm:styleLbl name="fgShp">
+    <dgm:fillClrLst meth="repeat">
+      <a:schemeClr val="dk2">
+        <a:tint val="60000"/>
+      </a:schemeClr>
+    </dgm:fillClrLst>
+    <dgm:linClrLst meth="repeat">
+      <a:schemeClr val="lt2"/>
+    </dgm:linClrLst>
+    <dgm:effectClrLst/>
+    <dgm:txLinClrLst/>
+    <dgm:txFillClrLst meth="repeat">
+      <a:schemeClr val="dk1"/>
+    </dgm:txFillClrLst>
+    <dgm:txEffectClrLst/>
+  </dgm:styleLbl>
+  <dgm:styleLbl name="revTx">
+    <dgm:fillClrLst meth="repeat">
+      <a:schemeClr val="lt2">
+        <a:alpha val="0"/>
+      </a:schemeClr>
+    </dgm:fillClrLst>
+    <dgm:linClrLst meth="repeat">
+      <a:schemeClr val="dk1">
+        <a:alpha val="0"/>
+      </a:schemeClr>
+    </dgm:linClrLst>
+    <dgm:effectClrLst/>
+    <dgm:txLinClrLst/>
+    <dgm:txFillClrLst meth="repeat">
+      <a:schemeClr val="tx1"/>
+    </dgm:txFillClrLst>
+    <dgm:txEffectClrLst/>
+  </dgm:styleLbl>
+</dgm:colorsDef>
+</file>
+
 <file path=ppt/diagrams/data1.xml><?xml version="1.0" encoding="utf-8"?>
 <dgm:dataModel xmlns:dgm="http://schemas.openxmlformats.org/drawingml/2006/diagram" xmlns:a="http://schemas.openxmlformats.org/drawingml/2006/main">
   <dgm:ptLst>
@@ -9354,6 +10101,711 @@
   <dgm:extLst>
     <a:ext uri="http://schemas.microsoft.com/office/drawing/2008/diagram">
       <dsp:dataModelExt xmlns:dsp="http://schemas.microsoft.com/office/drawing/2008/diagram" relId="rId8" minVer="http://schemas.openxmlformats.org/drawingml/2006/diagram"/>
+    </a:ext>
+  </dgm:extLst>
+</dgm:dataModel>
+</file>
+
+<file path=ppt/diagrams/data4.xml><?xml version="1.0" encoding="utf-8"?>
+<dgm:dataModel xmlns:dgm="http://schemas.openxmlformats.org/drawingml/2006/diagram" xmlns:a="http://schemas.openxmlformats.org/drawingml/2006/main">
+  <dgm:ptLst>
+    <dgm:pt modelId="{C83F39B4-5E7E-415A-83D6-ED52CDC27754}" type="doc">
+      <dgm:prSet loTypeId="urn:microsoft.com/office/officeart/2005/8/layout/pyramid3" loCatId="pyramid" qsTypeId="urn:microsoft.com/office/officeart/2005/8/quickstyle/simple1" qsCatId="simple" csTypeId="urn:microsoft.com/office/officeart/2005/8/colors/accent0_3" csCatId="mainScheme" phldr="1"/>
+      <dgm:spPr/>
+      <dgm:t>
+        <a:bodyPr/>
+        <a:lstStyle/>
+        <a:p>
+          <a:endParaRPr lang="en-US"/>
+        </a:p>
+      </dgm:t>
+    </dgm:pt>
+    <dgm:pt modelId="{CED57451-4DEC-4D26-A615-378CCE7472A3}">
+      <dgm:prSet phldrT="[Text]" custT="1"/>
+      <dgm:spPr/>
+      <dgm:t>
+        <a:bodyPr/>
+        <a:lstStyle/>
+        <a:p>
+          <a:pPr rtl="1"/>
+          <a:r>
+            <a:rPr lang="fa-IR" sz="1400" dirty="0">
+              <a:solidFill>
+                <a:schemeClr val="bg1"/>
+              </a:solidFill>
+            </a:rPr>
+            <a:t>دهان به دهان</a:t>
+          </a:r>
+          <a:endParaRPr lang="en-US" sz="1400" dirty="0">
+            <a:solidFill>
+              <a:schemeClr val="bg1"/>
+            </a:solidFill>
+          </a:endParaRPr>
+        </a:p>
+      </dgm:t>
+    </dgm:pt>
+    <dgm:pt modelId="{CBB39045-E822-476D-BBED-9BBBAEA73C0A}" type="parTrans" cxnId="{18A70530-7660-4CDD-85BD-E715878DA877}">
+      <dgm:prSet/>
+      <dgm:spPr/>
+      <dgm:t>
+        <a:bodyPr/>
+        <a:lstStyle/>
+        <a:p>
+          <a:pPr rtl="1"/>
+          <a:endParaRPr lang="en-US" sz="1400">
+            <a:solidFill>
+              <a:schemeClr val="bg1"/>
+            </a:solidFill>
+          </a:endParaRPr>
+        </a:p>
+      </dgm:t>
+    </dgm:pt>
+    <dgm:pt modelId="{C0A6A4A6-E1C6-4C9C-B830-33CC664AAE74}" type="sibTrans" cxnId="{18A70530-7660-4CDD-85BD-E715878DA877}">
+      <dgm:prSet/>
+      <dgm:spPr/>
+      <dgm:t>
+        <a:bodyPr/>
+        <a:lstStyle/>
+        <a:p>
+          <a:pPr rtl="1"/>
+          <a:endParaRPr lang="en-US" sz="1400">
+            <a:solidFill>
+              <a:schemeClr val="bg1"/>
+            </a:solidFill>
+          </a:endParaRPr>
+        </a:p>
+      </dgm:t>
+    </dgm:pt>
+    <dgm:pt modelId="{A44E76F7-D844-4D65-BEB5-200C71D950CA}">
+      <dgm:prSet custT="1"/>
+      <dgm:spPr/>
+      <dgm:t>
+        <a:bodyPr/>
+        <a:lstStyle/>
+        <a:p>
+          <a:pPr rtl="1"/>
+          <a:r>
+            <a:rPr lang="fa-IR" sz="1400">
+              <a:solidFill>
+                <a:schemeClr val="bg1"/>
+              </a:solidFill>
+            </a:rPr>
+            <a:t>بازاریابی موتورهای جستجو</a:t>
+          </a:r>
+          <a:endParaRPr lang="fa-IR" sz="1400" dirty="0">
+            <a:solidFill>
+              <a:schemeClr val="bg1"/>
+            </a:solidFill>
+          </a:endParaRPr>
+        </a:p>
+      </dgm:t>
+    </dgm:pt>
+    <dgm:pt modelId="{F89ED68D-7068-4D63-A630-3F2BBD45A7AB}" type="parTrans" cxnId="{A5101808-BECB-40C9-B13D-5ABC3DEAAB71}">
+      <dgm:prSet/>
+      <dgm:spPr/>
+      <dgm:t>
+        <a:bodyPr/>
+        <a:lstStyle/>
+        <a:p>
+          <a:pPr rtl="1"/>
+          <a:endParaRPr lang="en-US" sz="1400">
+            <a:solidFill>
+              <a:schemeClr val="bg1"/>
+            </a:solidFill>
+          </a:endParaRPr>
+        </a:p>
+      </dgm:t>
+    </dgm:pt>
+    <dgm:pt modelId="{E90DE569-714C-47EF-9700-771019E08FD9}" type="sibTrans" cxnId="{A5101808-BECB-40C9-B13D-5ABC3DEAAB71}">
+      <dgm:prSet/>
+      <dgm:spPr/>
+      <dgm:t>
+        <a:bodyPr/>
+        <a:lstStyle/>
+        <a:p>
+          <a:pPr rtl="1"/>
+          <a:endParaRPr lang="en-US" sz="1400">
+            <a:solidFill>
+              <a:schemeClr val="bg1"/>
+            </a:solidFill>
+          </a:endParaRPr>
+        </a:p>
+      </dgm:t>
+    </dgm:pt>
+    <dgm:pt modelId="{37DCCCA4-9682-4F60-B183-89AD23E4E35A}">
+      <dgm:prSet custT="1"/>
+      <dgm:spPr/>
+      <dgm:t>
+        <a:bodyPr/>
+        <a:lstStyle/>
+        <a:p>
+          <a:pPr rtl="1"/>
+          <a:r>
+            <a:rPr lang="fa-IR" sz="1400">
+              <a:solidFill>
+                <a:schemeClr val="bg1"/>
+              </a:solidFill>
+            </a:rPr>
+            <a:t>تبلیغات دیجیتال</a:t>
+          </a:r>
+          <a:endParaRPr lang="fa-IR" sz="1400" dirty="0">
+            <a:solidFill>
+              <a:schemeClr val="bg1"/>
+            </a:solidFill>
+          </a:endParaRPr>
+        </a:p>
+      </dgm:t>
+    </dgm:pt>
+    <dgm:pt modelId="{8656CD3B-75A9-4921-8981-452701E5A15F}" type="parTrans" cxnId="{7BEC27DC-CA9A-4F0D-A025-B9BCE8AE16C8}">
+      <dgm:prSet/>
+      <dgm:spPr/>
+      <dgm:t>
+        <a:bodyPr/>
+        <a:lstStyle/>
+        <a:p>
+          <a:pPr rtl="1"/>
+          <a:endParaRPr lang="en-US" sz="1400">
+            <a:solidFill>
+              <a:schemeClr val="bg1"/>
+            </a:solidFill>
+          </a:endParaRPr>
+        </a:p>
+      </dgm:t>
+    </dgm:pt>
+    <dgm:pt modelId="{0AEC2A3F-DC0C-4C93-8B59-E715FCA61876}" type="sibTrans" cxnId="{7BEC27DC-CA9A-4F0D-A025-B9BCE8AE16C8}">
+      <dgm:prSet/>
+      <dgm:spPr/>
+      <dgm:t>
+        <a:bodyPr/>
+        <a:lstStyle/>
+        <a:p>
+          <a:pPr rtl="1"/>
+          <a:endParaRPr lang="en-US" sz="1400">
+            <a:solidFill>
+              <a:schemeClr val="bg1"/>
+            </a:solidFill>
+          </a:endParaRPr>
+        </a:p>
+      </dgm:t>
+    </dgm:pt>
+    <dgm:pt modelId="{F3E28820-7B70-44C5-9E6F-30AFC33C535A}">
+      <dgm:prSet custT="1"/>
+      <dgm:spPr/>
+      <dgm:t>
+        <a:bodyPr/>
+        <a:lstStyle/>
+        <a:p>
+          <a:pPr rtl="1"/>
+          <a:r>
+            <a:rPr lang="fa-IR" sz="1400">
+              <a:solidFill>
+                <a:schemeClr val="bg1"/>
+              </a:solidFill>
+            </a:rPr>
+            <a:t>بازاریابی محتوا</a:t>
+          </a:r>
+          <a:endParaRPr lang="fa-IR" sz="1400" dirty="0">
+            <a:solidFill>
+              <a:schemeClr val="bg1"/>
+            </a:solidFill>
+          </a:endParaRPr>
+        </a:p>
+      </dgm:t>
+    </dgm:pt>
+    <dgm:pt modelId="{23BB89BC-00FE-4A77-8A4F-EDADAD15F931}" type="parTrans" cxnId="{BFE15671-EF58-402F-AB02-FE52552A82A1}">
+      <dgm:prSet/>
+      <dgm:spPr/>
+      <dgm:t>
+        <a:bodyPr/>
+        <a:lstStyle/>
+        <a:p>
+          <a:pPr rtl="1"/>
+          <a:endParaRPr lang="en-US" sz="1400">
+            <a:solidFill>
+              <a:schemeClr val="bg1"/>
+            </a:solidFill>
+          </a:endParaRPr>
+        </a:p>
+      </dgm:t>
+    </dgm:pt>
+    <dgm:pt modelId="{FEDD3989-C536-4DE7-AC02-A175198BF893}" type="sibTrans" cxnId="{BFE15671-EF58-402F-AB02-FE52552A82A1}">
+      <dgm:prSet/>
+      <dgm:spPr/>
+      <dgm:t>
+        <a:bodyPr/>
+        <a:lstStyle/>
+        <a:p>
+          <a:pPr rtl="1"/>
+          <a:endParaRPr lang="en-US" sz="1400">
+            <a:solidFill>
+              <a:schemeClr val="bg1"/>
+            </a:solidFill>
+          </a:endParaRPr>
+        </a:p>
+      </dgm:t>
+    </dgm:pt>
+    <dgm:pt modelId="{3E52AC1F-8011-466E-8188-368E28D67042}">
+      <dgm:prSet custT="1"/>
+      <dgm:spPr/>
+      <dgm:t>
+        <a:bodyPr/>
+        <a:lstStyle/>
+        <a:p>
+          <a:pPr rtl="1"/>
+          <a:r>
+            <a:rPr lang="fa-IR" sz="1400">
+              <a:solidFill>
+                <a:schemeClr val="bg1"/>
+              </a:solidFill>
+            </a:rPr>
+            <a:t>رویدادهای عمومی</a:t>
+          </a:r>
+          <a:endParaRPr lang="fa-IR" sz="1400" dirty="0">
+            <a:solidFill>
+              <a:schemeClr val="bg1"/>
+            </a:solidFill>
+          </a:endParaRPr>
+        </a:p>
+      </dgm:t>
+    </dgm:pt>
+    <dgm:pt modelId="{B8C29533-B5D2-4759-A6EE-9ED2C2FD221B}" type="parTrans" cxnId="{E224609C-B25D-4CA6-BAFA-865E6C05DFFB}">
+      <dgm:prSet/>
+      <dgm:spPr/>
+      <dgm:t>
+        <a:bodyPr/>
+        <a:lstStyle/>
+        <a:p>
+          <a:pPr rtl="1"/>
+          <a:endParaRPr lang="en-US" sz="1400">
+            <a:solidFill>
+              <a:schemeClr val="bg1"/>
+            </a:solidFill>
+          </a:endParaRPr>
+        </a:p>
+      </dgm:t>
+    </dgm:pt>
+    <dgm:pt modelId="{E08AC573-975F-44D9-903E-786EF83E7ED8}" type="sibTrans" cxnId="{E224609C-B25D-4CA6-BAFA-865E6C05DFFB}">
+      <dgm:prSet/>
+      <dgm:spPr/>
+      <dgm:t>
+        <a:bodyPr/>
+        <a:lstStyle/>
+        <a:p>
+          <a:pPr rtl="1"/>
+          <a:endParaRPr lang="en-US" sz="1400">
+            <a:solidFill>
+              <a:schemeClr val="bg1"/>
+            </a:solidFill>
+          </a:endParaRPr>
+        </a:p>
+      </dgm:t>
+    </dgm:pt>
+    <dgm:pt modelId="{9912D487-E250-49C0-AFD1-AD513604D0ED}">
+      <dgm:prSet custT="1"/>
+      <dgm:spPr/>
+      <dgm:t>
+        <a:bodyPr/>
+        <a:lstStyle/>
+        <a:p>
+          <a:pPr rtl="1"/>
+          <a:r>
+            <a:rPr lang="fa-IR" sz="1400">
+              <a:solidFill>
+                <a:schemeClr val="bg1"/>
+              </a:solidFill>
+            </a:rPr>
+            <a:t>شرکای تجاری</a:t>
+          </a:r>
+          <a:endParaRPr lang="fa-IR" sz="1400" dirty="0">
+            <a:solidFill>
+              <a:schemeClr val="bg1"/>
+            </a:solidFill>
+          </a:endParaRPr>
+        </a:p>
+      </dgm:t>
+    </dgm:pt>
+    <dgm:pt modelId="{90A62F19-C89C-4FB0-AA09-64339BF20D95}" type="parTrans" cxnId="{09620D44-EA3C-4125-9404-48CA8108E4F0}">
+      <dgm:prSet/>
+      <dgm:spPr/>
+      <dgm:t>
+        <a:bodyPr/>
+        <a:lstStyle/>
+        <a:p>
+          <a:pPr rtl="1"/>
+          <a:endParaRPr lang="en-US" sz="1400">
+            <a:solidFill>
+              <a:schemeClr val="bg1"/>
+            </a:solidFill>
+          </a:endParaRPr>
+        </a:p>
+      </dgm:t>
+    </dgm:pt>
+    <dgm:pt modelId="{C17085F8-581D-4FCF-8191-124D56F656B4}" type="sibTrans" cxnId="{09620D44-EA3C-4125-9404-48CA8108E4F0}">
+      <dgm:prSet/>
+      <dgm:spPr/>
+      <dgm:t>
+        <a:bodyPr/>
+        <a:lstStyle/>
+        <a:p>
+          <a:pPr rtl="1"/>
+          <a:endParaRPr lang="en-US" sz="1400">
+            <a:solidFill>
+              <a:schemeClr val="bg1"/>
+            </a:solidFill>
+          </a:endParaRPr>
+        </a:p>
+      </dgm:t>
+    </dgm:pt>
+    <dgm:pt modelId="{A73ECC25-BB5F-4501-A47A-BDC3A306DC65}">
+      <dgm:prSet custT="1"/>
+      <dgm:spPr/>
+      <dgm:t>
+        <a:bodyPr/>
+        <a:lstStyle/>
+        <a:p>
+          <a:pPr rtl="1"/>
+          <a:r>
+            <a:rPr lang="fa-IR" sz="1400">
+              <a:solidFill>
+                <a:schemeClr val="bg1"/>
+              </a:solidFill>
+            </a:rPr>
+            <a:t>مشتریان سازمانی</a:t>
+          </a:r>
+          <a:endParaRPr lang="en-US" sz="1400" dirty="0">
+            <a:solidFill>
+              <a:schemeClr val="bg1"/>
+            </a:solidFill>
+          </a:endParaRPr>
+        </a:p>
+      </dgm:t>
+    </dgm:pt>
+    <dgm:pt modelId="{F5C7E329-9BC9-4773-B13D-96188B40252E}" type="parTrans" cxnId="{BCC7661B-886A-420D-B30F-4D33CAA411EB}">
+      <dgm:prSet/>
+      <dgm:spPr/>
+      <dgm:t>
+        <a:bodyPr/>
+        <a:lstStyle/>
+        <a:p>
+          <a:pPr rtl="1"/>
+          <a:endParaRPr lang="en-US" sz="1400">
+            <a:solidFill>
+              <a:schemeClr val="bg1"/>
+            </a:solidFill>
+          </a:endParaRPr>
+        </a:p>
+      </dgm:t>
+    </dgm:pt>
+    <dgm:pt modelId="{A7ACC05F-4B3B-4695-BF6F-1248D0993E4E}" type="sibTrans" cxnId="{BCC7661B-886A-420D-B30F-4D33CAA411EB}">
+      <dgm:prSet/>
+      <dgm:spPr/>
+      <dgm:t>
+        <a:bodyPr/>
+        <a:lstStyle/>
+        <a:p>
+          <a:pPr rtl="1"/>
+          <a:endParaRPr lang="en-US" sz="1400">
+            <a:solidFill>
+              <a:schemeClr val="bg1"/>
+            </a:solidFill>
+          </a:endParaRPr>
+        </a:p>
+      </dgm:t>
+    </dgm:pt>
+    <dgm:pt modelId="{270397DD-F443-4284-8016-17EE7B2B37E2}">
+      <dgm:prSet custT="1"/>
+      <dgm:spPr/>
+      <dgm:t>
+        <a:bodyPr/>
+        <a:lstStyle/>
+        <a:p>
+          <a:pPr rtl="1"/>
+          <a:endParaRPr lang="en-US" sz="1400" dirty="0">
+            <a:solidFill>
+              <a:schemeClr val="bg1"/>
+            </a:solidFill>
+          </a:endParaRPr>
+        </a:p>
+      </dgm:t>
+    </dgm:pt>
+    <dgm:pt modelId="{61295065-A423-47D7-8158-A564BEECF5E5}" type="sibTrans" cxnId="{B173F0A9-42E7-433E-B287-3095009B2515}">
+      <dgm:prSet/>
+      <dgm:spPr/>
+      <dgm:t>
+        <a:bodyPr/>
+        <a:lstStyle/>
+        <a:p>
+          <a:pPr rtl="1"/>
+          <a:endParaRPr lang="en-US" sz="1400">
+            <a:solidFill>
+              <a:schemeClr val="bg1"/>
+            </a:solidFill>
+          </a:endParaRPr>
+        </a:p>
+      </dgm:t>
+    </dgm:pt>
+    <dgm:pt modelId="{4088287B-EA46-48A6-9412-66B54753BA21}" type="parTrans" cxnId="{B173F0A9-42E7-433E-B287-3095009B2515}">
+      <dgm:prSet/>
+      <dgm:spPr/>
+      <dgm:t>
+        <a:bodyPr/>
+        <a:lstStyle/>
+        <a:p>
+          <a:pPr rtl="1"/>
+          <a:endParaRPr lang="en-US" sz="1400">
+            <a:solidFill>
+              <a:schemeClr val="bg1"/>
+            </a:solidFill>
+          </a:endParaRPr>
+        </a:p>
+      </dgm:t>
+    </dgm:pt>
+    <dgm:pt modelId="{1BF091FD-426B-4079-9B2A-31400F3C6A55}" type="pres">
+      <dgm:prSet presAssocID="{C83F39B4-5E7E-415A-83D6-ED52CDC27754}" presName="Name0" presStyleCnt="0">
+        <dgm:presLayoutVars>
+          <dgm:dir/>
+          <dgm:animLvl val="lvl"/>
+          <dgm:resizeHandles val="exact"/>
+        </dgm:presLayoutVars>
+      </dgm:prSet>
+      <dgm:spPr/>
+    </dgm:pt>
+    <dgm:pt modelId="{B38CE07F-2E04-499C-9159-F9C1435D8082}" type="pres">
+      <dgm:prSet presAssocID="{CED57451-4DEC-4D26-A615-378CCE7472A3}" presName="Name8" presStyleCnt="0"/>
+      <dgm:spPr/>
+    </dgm:pt>
+    <dgm:pt modelId="{8002A2CF-8E99-4244-998C-27F0F8B0E1CD}" type="pres">
+      <dgm:prSet presAssocID="{CED57451-4DEC-4D26-A615-378CCE7472A3}" presName="level" presStyleLbl="node1" presStyleIdx="0" presStyleCnt="8">
+        <dgm:presLayoutVars>
+          <dgm:chMax val="1"/>
+          <dgm:bulletEnabled val="1"/>
+        </dgm:presLayoutVars>
+      </dgm:prSet>
+      <dgm:spPr/>
+    </dgm:pt>
+    <dgm:pt modelId="{8ABFD953-C1B1-4C17-B822-E487676B3655}" type="pres">
+      <dgm:prSet presAssocID="{CED57451-4DEC-4D26-A615-378CCE7472A3}" presName="levelTx" presStyleLbl="revTx" presStyleIdx="0" presStyleCnt="0">
+        <dgm:presLayoutVars>
+          <dgm:chMax val="1"/>
+          <dgm:bulletEnabled val="1"/>
+        </dgm:presLayoutVars>
+      </dgm:prSet>
+      <dgm:spPr/>
+    </dgm:pt>
+    <dgm:pt modelId="{12E84141-7C5F-4F84-8AF0-2F18A6B5CD2F}" type="pres">
+      <dgm:prSet presAssocID="{A44E76F7-D844-4D65-BEB5-200C71D950CA}" presName="Name8" presStyleCnt="0"/>
+      <dgm:spPr/>
+    </dgm:pt>
+    <dgm:pt modelId="{5C618B29-7ACA-4F8B-B8DD-6CFA233916B2}" type="pres">
+      <dgm:prSet presAssocID="{A44E76F7-D844-4D65-BEB5-200C71D950CA}" presName="level" presStyleLbl="node1" presStyleIdx="1" presStyleCnt="8">
+        <dgm:presLayoutVars>
+          <dgm:chMax val="1"/>
+          <dgm:bulletEnabled val="1"/>
+        </dgm:presLayoutVars>
+      </dgm:prSet>
+      <dgm:spPr/>
+    </dgm:pt>
+    <dgm:pt modelId="{D17339F1-4738-4BF1-A2DA-B548FE5CF352}" type="pres">
+      <dgm:prSet presAssocID="{A44E76F7-D844-4D65-BEB5-200C71D950CA}" presName="levelTx" presStyleLbl="revTx" presStyleIdx="0" presStyleCnt="0">
+        <dgm:presLayoutVars>
+          <dgm:chMax val="1"/>
+          <dgm:bulletEnabled val="1"/>
+        </dgm:presLayoutVars>
+      </dgm:prSet>
+      <dgm:spPr/>
+    </dgm:pt>
+    <dgm:pt modelId="{1BACA2D6-E84E-406E-80EF-D46376871DCC}" type="pres">
+      <dgm:prSet presAssocID="{37DCCCA4-9682-4F60-B183-89AD23E4E35A}" presName="Name8" presStyleCnt="0"/>
+      <dgm:spPr/>
+    </dgm:pt>
+    <dgm:pt modelId="{1FBBCC9E-DE06-45E0-B651-9119FCD98BE0}" type="pres">
+      <dgm:prSet presAssocID="{37DCCCA4-9682-4F60-B183-89AD23E4E35A}" presName="level" presStyleLbl="node1" presStyleIdx="2" presStyleCnt="8">
+        <dgm:presLayoutVars>
+          <dgm:chMax val="1"/>
+          <dgm:bulletEnabled val="1"/>
+        </dgm:presLayoutVars>
+      </dgm:prSet>
+      <dgm:spPr/>
+    </dgm:pt>
+    <dgm:pt modelId="{0AB9A92A-7411-415A-96CA-73D61DEE4B75}" type="pres">
+      <dgm:prSet presAssocID="{37DCCCA4-9682-4F60-B183-89AD23E4E35A}" presName="levelTx" presStyleLbl="revTx" presStyleIdx="0" presStyleCnt="0">
+        <dgm:presLayoutVars>
+          <dgm:chMax val="1"/>
+          <dgm:bulletEnabled val="1"/>
+        </dgm:presLayoutVars>
+      </dgm:prSet>
+      <dgm:spPr/>
+    </dgm:pt>
+    <dgm:pt modelId="{4CD18CA9-D05E-409C-B293-0F90C0979974}" type="pres">
+      <dgm:prSet presAssocID="{F3E28820-7B70-44C5-9E6F-30AFC33C535A}" presName="Name8" presStyleCnt="0"/>
+      <dgm:spPr/>
+    </dgm:pt>
+    <dgm:pt modelId="{9C93E78B-B953-421B-89A7-F8701C69992A}" type="pres">
+      <dgm:prSet presAssocID="{F3E28820-7B70-44C5-9E6F-30AFC33C535A}" presName="level" presStyleLbl="node1" presStyleIdx="3" presStyleCnt="8">
+        <dgm:presLayoutVars>
+          <dgm:chMax val="1"/>
+          <dgm:bulletEnabled val="1"/>
+        </dgm:presLayoutVars>
+      </dgm:prSet>
+      <dgm:spPr/>
+    </dgm:pt>
+    <dgm:pt modelId="{ED565E5C-9CEC-48FD-88F5-3BA76B2088A6}" type="pres">
+      <dgm:prSet presAssocID="{F3E28820-7B70-44C5-9E6F-30AFC33C535A}" presName="levelTx" presStyleLbl="revTx" presStyleIdx="0" presStyleCnt="0">
+        <dgm:presLayoutVars>
+          <dgm:chMax val="1"/>
+          <dgm:bulletEnabled val="1"/>
+        </dgm:presLayoutVars>
+      </dgm:prSet>
+      <dgm:spPr/>
+    </dgm:pt>
+    <dgm:pt modelId="{EC718209-DD70-4D5C-BE9D-6F6904F07DFB}" type="pres">
+      <dgm:prSet presAssocID="{3E52AC1F-8011-466E-8188-368E28D67042}" presName="Name8" presStyleCnt="0"/>
+      <dgm:spPr/>
+    </dgm:pt>
+    <dgm:pt modelId="{55549A9D-572A-40EC-812F-1D519BA02440}" type="pres">
+      <dgm:prSet presAssocID="{3E52AC1F-8011-466E-8188-368E28D67042}" presName="level" presStyleLbl="node1" presStyleIdx="4" presStyleCnt="8">
+        <dgm:presLayoutVars>
+          <dgm:chMax val="1"/>
+          <dgm:bulletEnabled val="1"/>
+        </dgm:presLayoutVars>
+      </dgm:prSet>
+      <dgm:spPr/>
+    </dgm:pt>
+    <dgm:pt modelId="{35015A2B-4A04-45A4-9597-4CC4FE67B004}" type="pres">
+      <dgm:prSet presAssocID="{3E52AC1F-8011-466E-8188-368E28D67042}" presName="levelTx" presStyleLbl="revTx" presStyleIdx="0" presStyleCnt="0">
+        <dgm:presLayoutVars>
+          <dgm:chMax val="1"/>
+          <dgm:bulletEnabled val="1"/>
+        </dgm:presLayoutVars>
+      </dgm:prSet>
+      <dgm:spPr/>
+    </dgm:pt>
+    <dgm:pt modelId="{F80C3A43-FB34-4B0E-90AF-DD04402A9087}" type="pres">
+      <dgm:prSet presAssocID="{9912D487-E250-49C0-AFD1-AD513604D0ED}" presName="Name8" presStyleCnt="0"/>
+      <dgm:spPr/>
+    </dgm:pt>
+    <dgm:pt modelId="{DF553A0D-59F0-439D-B493-576968E9D5A4}" type="pres">
+      <dgm:prSet presAssocID="{9912D487-E250-49C0-AFD1-AD513604D0ED}" presName="level" presStyleLbl="node1" presStyleIdx="5" presStyleCnt="8">
+        <dgm:presLayoutVars>
+          <dgm:chMax val="1"/>
+          <dgm:bulletEnabled val="1"/>
+        </dgm:presLayoutVars>
+      </dgm:prSet>
+      <dgm:spPr/>
+    </dgm:pt>
+    <dgm:pt modelId="{6B90E6E4-37AA-446C-BB5F-03BCD0C2981A}" type="pres">
+      <dgm:prSet presAssocID="{9912D487-E250-49C0-AFD1-AD513604D0ED}" presName="levelTx" presStyleLbl="revTx" presStyleIdx="0" presStyleCnt="0">
+        <dgm:presLayoutVars>
+          <dgm:chMax val="1"/>
+          <dgm:bulletEnabled val="1"/>
+        </dgm:presLayoutVars>
+      </dgm:prSet>
+      <dgm:spPr/>
+    </dgm:pt>
+    <dgm:pt modelId="{2E09F50A-C54F-4CE1-BC63-0A24BB0371B5}" type="pres">
+      <dgm:prSet presAssocID="{A73ECC25-BB5F-4501-A47A-BDC3A306DC65}" presName="Name8" presStyleCnt="0"/>
+      <dgm:spPr/>
+    </dgm:pt>
+    <dgm:pt modelId="{BE2E209F-BDBF-4792-A19F-D487B9CC260E}" type="pres">
+      <dgm:prSet presAssocID="{A73ECC25-BB5F-4501-A47A-BDC3A306DC65}" presName="level" presStyleLbl="node1" presStyleIdx="6" presStyleCnt="8">
+        <dgm:presLayoutVars>
+          <dgm:chMax val="1"/>
+          <dgm:bulletEnabled val="1"/>
+        </dgm:presLayoutVars>
+      </dgm:prSet>
+      <dgm:spPr/>
+    </dgm:pt>
+    <dgm:pt modelId="{0CFBCFA8-A673-4A71-84BD-8F21F6747549}" type="pres">
+      <dgm:prSet presAssocID="{A73ECC25-BB5F-4501-A47A-BDC3A306DC65}" presName="levelTx" presStyleLbl="revTx" presStyleIdx="0" presStyleCnt="0">
+        <dgm:presLayoutVars>
+          <dgm:chMax val="1"/>
+          <dgm:bulletEnabled val="1"/>
+        </dgm:presLayoutVars>
+      </dgm:prSet>
+      <dgm:spPr/>
+    </dgm:pt>
+    <dgm:pt modelId="{B6553768-EB49-4ED8-BD74-A177BC47236D}" type="pres">
+      <dgm:prSet presAssocID="{270397DD-F443-4284-8016-17EE7B2B37E2}" presName="Name8" presStyleCnt="0"/>
+      <dgm:spPr/>
+    </dgm:pt>
+    <dgm:pt modelId="{49F1D2FB-CBDE-4B10-93D7-8E3F79C867D5}" type="pres">
+      <dgm:prSet presAssocID="{270397DD-F443-4284-8016-17EE7B2B37E2}" presName="level" presStyleLbl="node1" presStyleIdx="7" presStyleCnt="8">
+        <dgm:presLayoutVars>
+          <dgm:chMax val="1"/>
+          <dgm:bulletEnabled val="1"/>
+        </dgm:presLayoutVars>
+      </dgm:prSet>
+      <dgm:spPr/>
+    </dgm:pt>
+    <dgm:pt modelId="{6550C70E-9EDB-4156-A179-B95E378D63AB}" type="pres">
+      <dgm:prSet presAssocID="{270397DD-F443-4284-8016-17EE7B2B37E2}" presName="levelTx" presStyleLbl="revTx" presStyleIdx="0" presStyleCnt="0">
+        <dgm:presLayoutVars>
+          <dgm:chMax val="1"/>
+          <dgm:bulletEnabled val="1"/>
+        </dgm:presLayoutVars>
+      </dgm:prSet>
+      <dgm:spPr/>
+    </dgm:pt>
+  </dgm:ptLst>
+  <dgm:cxnLst>
+    <dgm:cxn modelId="{DBC20700-9387-4911-AE0F-156C07BAC8A4}" type="presOf" srcId="{F3E28820-7B70-44C5-9E6F-30AFC33C535A}" destId="{ED565E5C-9CEC-48FD-88F5-3BA76B2088A6}" srcOrd="1" destOrd="0" presId="urn:microsoft.com/office/officeart/2005/8/layout/pyramid3"/>
+    <dgm:cxn modelId="{90CC0302-874A-44A3-B256-18FD53A1D284}" type="presOf" srcId="{CED57451-4DEC-4D26-A615-378CCE7472A3}" destId="{8ABFD953-C1B1-4C17-B822-E487676B3655}" srcOrd="1" destOrd="0" presId="urn:microsoft.com/office/officeart/2005/8/layout/pyramid3"/>
+    <dgm:cxn modelId="{A5101808-BECB-40C9-B13D-5ABC3DEAAB71}" srcId="{C83F39B4-5E7E-415A-83D6-ED52CDC27754}" destId="{A44E76F7-D844-4D65-BEB5-200C71D950CA}" srcOrd="1" destOrd="0" parTransId="{F89ED68D-7068-4D63-A630-3F2BBD45A7AB}" sibTransId="{E90DE569-714C-47EF-9700-771019E08FD9}"/>
+    <dgm:cxn modelId="{F2475F0D-8449-4E30-8695-6059A3B05A56}" type="presOf" srcId="{37DCCCA4-9682-4F60-B183-89AD23E4E35A}" destId="{0AB9A92A-7411-415A-96CA-73D61DEE4B75}" srcOrd="1" destOrd="0" presId="urn:microsoft.com/office/officeart/2005/8/layout/pyramid3"/>
+    <dgm:cxn modelId="{497F8F17-5E7A-4FB4-85E7-22FEE0BF9160}" type="presOf" srcId="{3E52AC1F-8011-466E-8188-368E28D67042}" destId="{55549A9D-572A-40EC-812F-1D519BA02440}" srcOrd="0" destOrd="0" presId="urn:microsoft.com/office/officeart/2005/8/layout/pyramid3"/>
+    <dgm:cxn modelId="{BCC7661B-886A-420D-B30F-4D33CAA411EB}" srcId="{C83F39B4-5E7E-415A-83D6-ED52CDC27754}" destId="{A73ECC25-BB5F-4501-A47A-BDC3A306DC65}" srcOrd="6" destOrd="0" parTransId="{F5C7E329-9BC9-4773-B13D-96188B40252E}" sibTransId="{A7ACC05F-4B3B-4695-BF6F-1248D0993E4E}"/>
+    <dgm:cxn modelId="{4F026B1C-B8A0-47D3-9355-031D0BF46E04}" type="presOf" srcId="{A44E76F7-D844-4D65-BEB5-200C71D950CA}" destId="{5C618B29-7ACA-4F8B-B8DD-6CFA233916B2}" srcOrd="0" destOrd="0" presId="urn:microsoft.com/office/officeart/2005/8/layout/pyramid3"/>
+    <dgm:cxn modelId="{18A70530-7660-4CDD-85BD-E715878DA877}" srcId="{C83F39B4-5E7E-415A-83D6-ED52CDC27754}" destId="{CED57451-4DEC-4D26-A615-378CCE7472A3}" srcOrd="0" destOrd="0" parTransId="{CBB39045-E822-476D-BBED-9BBBAEA73C0A}" sibTransId="{C0A6A4A6-E1C6-4C9C-B830-33CC664AAE74}"/>
+    <dgm:cxn modelId="{6EA0D73B-AA6E-4473-B1CC-ABE37240C331}" type="presOf" srcId="{A44E76F7-D844-4D65-BEB5-200C71D950CA}" destId="{D17339F1-4738-4BF1-A2DA-B548FE5CF352}" srcOrd="1" destOrd="0" presId="urn:microsoft.com/office/officeart/2005/8/layout/pyramid3"/>
+    <dgm:cxn modelId="{39DEF65B-65C7-4D7A-B8AA-26788F0A5C3F}" type="presOf" srcId="{3E52AC1F-8011-466E-8188-368E28D67042}" destId="{35015A2B-4A04-45A4-9597-4CC4FE67B004}" srcOrd="1" destOrd="0" presId="urn:microsoft.com/office/officeart/2005/8/layout/pyramid3"/>
+    <dgm:cxn modelId="{09620D44-EA3C-4125-9404-48CA8108E4F0}" srcId="{C83F39B4-5E7E-415A-83D6-ED52CDC27754}" destId="{9912D487-E250-49C0-AFD1-AD513604D0ED}" srcOrd="5" destOrd="0" parTransId="{90A62F19-C89C-4FB0-AA09-64339BF20D95}" sibTransId="{C17085F8-581D-4FCF-8191-124D56F656B4}"/>
+    <dgm:cxn modelId="{9ECC5B4C-6E33-451F-A04C-15338BAFC50F}" type="presOf" srcId="{A73ECC25-BB5F-4501-A47A-BDC3A306DC65}" destId="{BE2E209F-BDBF-4792-A19F-D487B9CC260E}" srcOrd="0" destOrd="0" presId="urn:microsoft.com/office/officeart/2005/8/layout/pyramid3"/>
+    <dgm:cxn modelId="{BFE15671-EF58-402F-AB02-FE52552A82A1}" srcId="{C83F39B4-5E7E-415A-83D6-ED52CDC27754}" destId="{F3E28820-7B70-44C5-9E6F-30AFC33C535A}" srcOrd="3" destOrd="0" parTransId="{23BB89BC-00FE-4A77-8A4F-EDADAD15F931}" sibTransId="{FEDD3989-C536-4DE7-AC02-A175198BF893}"/>
+    <dgm:cxn modelId="{2C422852-6168-4EC3-837E-080AC78FDC15}" type="presOf" srcId="{37DCCCA4-9682-4F60-B183-89AD23E4E35A}" destId="{1FBBCC9E-DE06-45E0-B651-9119FCD98BE0}" srcOrd="0" destOrd="0" presId="urn:microsoft.com/office/officeart/2005/8/layout/pyramid3"/>
+    <dgm:cxn modelId="{2E47A87D-40DA-446A-9CE8-593AEC62C6D9}" type="presOf" srcId="{CED57451-4DEC-4D26-A615-378CCE7472A3}" destId="{8002A2CF-8E99-4244-998C-27F0F8B0E1CD}" srcOrd="0" destOrd="0" presId="urn:microsoft.com/office/officeart/2005/8/layout/pyramid3"/>
+    <dgm:cxn modelId="{91FC5A88-B7F9-43BD-8909-16D32D69C847}" type="presOf" srcId="{9912D487-E250-49C0-AFD1-AD513604D0ED}" destId="{6B90E6E4-37AA-446C-BB5F-03BCD0C2981A}" srcOrd="1" destOrd="0" presId="urn:microsoft.com/office/officeart/2005/8/layout/pyramid3"/>
+    <dgm:cxn modelId="{8887EC8A-779B-4EB3-8A43-292A97DC8E21}" type="presOf" srcId="{270397DD-F443-4284-8016-17EE7B2B37E2}" destId="{49F1D2FB-CBDE-4B10-93D7-8E3F79C867D5}" srcOrd="0" destOrd="0" presId="urn:microsoft.com/office/officeart/2005/8/layout/pyramid3"/>
+    <dgm:cxn modelId="{E224609C-B25D-4CA6-BAFA-865E6C05DFFB}" srcId="{C83F39B4-5E7E-415A-83D6-ED52CDC27754}" destId="{3E52AC1F-8011-466E-8188-368E28D67042}" srcOrd="4" destOrd="0" parTransId="{B8C29533-B5D2-4759-A6EE-9ED2C2FD221B}" sibTransId="{E08AC573-975F-44D9-903E-786EF83E7ED8}"/>
+    <dgm:cxn modelId="{B173F0A9-42E7-433E-B287-3095009B2515}" srcId="{C83F39B4-5E7E-415A-83D6-ED52CDC27754}" destId="{270397DD-F443-4284-8016-17EE7B2B37E2}" srcOrd="7" destOrd="0" parTransId="{4088287B-EA46-48A6-9412-66B54753BA21}" sibTransId="{61295065-A423-47D7-8158-A564BEECF5E5}"/>
+    <dgm:cxn modelId="{915E10BA-7845-416A-BB13-97B436240E13}" type="presOf" srcId="{A73ECC25-BB5F-4501-A47A-BDC3A306DC65}" destId="{0CFBCFA8-A673-4A71-84BD-8F21F6747549}" srcOrd="1" destOrd="0" presId="urn:microsoft.com/office/officeart/2005/8/layout/pyramid3"/>
+    <dgm:cxn modelId="{848FBCBD-1A66-451B-BEE4-751C24F04FA0}" type="presOf" srcId="{9912D487-E250-49C0-AFD1-AD513604D0ED}" destId="{DF553A0D-59F0-439D-B493-576968E9D5A4}" srcOrd="0" destOrd="0" presId="urn:microsoft.com/office/officeart/2005/8/layout/pyramid3"/>
+    <dgm:cxn modelId="{F52631C8-9226-4A5B-904C-332A1C270EC2}" type="presOf" srcId="{270397DD-F443-4284-8016-17EE7B2B37E2}" destId="{6550C70E-9EDB-4156-A179-B95E378D63AB}" srcOrd="1" destOrd="0" presId="urn:microsoft.com/office/officeart/2005/8/layout/pyramid3"/>
+    <dgm:cxn modelId="{F73B25D3-1A52-4450-BFA0-ECA8C16417E2}" type="presOf" srcId="{F3E28820-7B70-44C5-9E6F-30AFC33C535A}" destId="{9C93E78B-B953-421B-89A7-F8701C69992A}" srcOrd="0" destOrd="0" presId="urn:microsoft.com/office/officeart/2005/8/layout/pyramid3"/>
+    <dgm:cxn modelId="{7BEC27DC-CA9A-4F0D-A025-B9BCE8AE16C8}" srcId="{C83F39B4-5E7E-415A-83D6-ED52CDC27754}" destId="{37DCCCA4-9682-4F60-B183-89AD23E4E35A}" srcOrd="2" destOrd="0" parTransId="{8656CD3B-75A9-4921-8981-452701E5A15F}" sibTransId="{0AEC2A3F-DC0C-4C93-8B59-E715FCA61876}"/>
+    <dgm:cxn modelId="{22C239EB-B0B6-4164-B679-C225D3D212DD}" type="presOf" srcId="{C83F39B4-5E7E-415A-83D6-ED52CDC27754}" destId="{1BF091FD-426B-4079-9B2A-31400F3C6A55}" srcOrd="0" destOrd="0" presId="urn:microsoft.com/office/officeart/2005/8/layout/pyramid3"/>
+    <dgm:cxn modelId="{8C94922E-CC4D-46E3-8A6A-8C89B00F08A7}" type="presParOf" srcId="{1BF091FD-426B-4079-9B2A-31400F3C6A55}" destId="{B38CE07F-2E04-499C-9159-F9C1435D8082}" srcOrd="0" destOrd="0" presId="urn:microsoft.com/office/officeart/2005/8/layout/pyramid3"/>
+    <dgm:cxn modelId="{DBD96AE1-A364-4A69-ADCB-7EFEECF845F2}" type="presParOf" srcId="{B38CE07F-2E04-499C-9159-F9C1435D8082}" destId="{8002A2CF-8E99-4244-998C-27F0F8B0E1CD}" srcOrd="0" destOrd="0" presId="urn:microsoft.com/office/officeart/2005/8/layout/pyramid3"/>
+    <dgm:cxn modelId="{9FCC6ED3-1D0E-4D80-ADAE-97E506FC66A5}" type="presParOf" srcId="{B38CE07F-2E04-499C-9159-F9C1435D8082}" destId="{8ABFD953-C1B1-4C17-B822-E487676B3655}" srcOrd="1" destOrd="0" presId="urn:microsoft.com/office/officeart/2005/8/layout/pyramid3"/>
+    <dgm:cxn modelId="{3C6AEED8-3788-4389-BCF3-B0779AAC295F}" type="presParOf" srcId="{1BF091FD-426B-4079-9B2A-31400F3C6A55}" destId="{12E84141-7C5F-4F84-8AF0-2F18A6B5CD2F}" srcOrd="1" destOrd="0" presId="urn:microsoft.com/office/officeart/2005/8/layout/pyramid3"/>
+    <dgm:cxn modelId="{038CEFE9-C56F-4F1E-9BF2-E12FD586B065}" type="presParOf" srcId="{12E84141-7C5F-4F84-8AF0-2F18A6B5CD2F}" destId="{5C618B29-7ACA-4F8B-B8DD-6CFA233916B2}" srcOrd="0" destOrd="0" presId="urn:microsoft.com/office/officeart/2005/8/layout/pyramid3"/>
+    <dgm:cxn modelId="{01198565-B84B-4D68-B51C-F70780D5ACB9}" type="presParOf" srcId="{12E84141-7C5F-4F84-8AF0-2F18A6B5CD2F}" destId="{D17339F1-4738-4BF1-A2DA-B548FE5CF352}" srcOrd="1" destOrd="0" presId="urn:microsoft.com/office/officeart/2005/8/layout/pyramid3"/>
+    <dgm:cxn modelId="{6FE99F37-30C6-4E13-944E-0432238D47C8}" type="presParOf" srcId="{1BF091FD-426B-4079-9B2A-31400F3C6A55}" destId="{1BACA2D6-E84E-406E-80EF-D46376871DCC}" srcOrd="2" destOrd="0" presId="urn:microsoft.com/office/officeart/2005/8/layout/pyramid3"/>
+    <dgm:cxn modelId="{51868AF0-FC5F-49E2-9A63-CDD3FC861FF9}" type="presParOf" srcId="{1BACA2D6-E84E-406E-80EF-D46376871DCC}" destId="{1FBBCC9E-DE06-45E0-B651-9119FCD98BE0}" srcOrd="0" destOrd="0" presId="urn:microsoft.com/office/officeart/2005/8/layout/pyramid3"/>
+    <dgm:cxn modelId="{F0D989A6-EF6F-4525-B328-1176449845AD}" type="presParOf" srcId="{1BACA2D6-E84E-406E-80EF-D46376871DCC}" destId="{0AB9A92A-7411-415A-96CA-73D61DEE4B75}" srcOrd="1" destOrd="0" presId="urn:microsoft.com/office/officeart/2005/8/layout/pyramid3"/>
+    <dgm:cxn modelId="{E3CF4804-20B0-4BFA-930F-76308929F9A8}" type="presParOf" srcId="{1BF091FD-426B-4079-9B2A-31400F3C6A55}" destId="{4CD18CA9-D05E-409C-B293-0F90C0979974}" srcOrd="3" destOrd="0" presId="urn:microsoft.com/office/officeart/2005/8/layout/pyramid3"/>
+    <dgm:cxn modelId="{8C0312F6-0F69-419F-8295-D22F592E7A88}" type="presParOf" srcId="{4CD18CA9-D05E-409C-B293-0F90C0979974}" destId="{9C93E78B-B953-421B-89A7-F8701C69992A}" srcOrd="0" destOrd="0" presId="urn:microsoft.com/office/officeart/2005/8/layout/pyramid3"/>
+    <dgm:cxn modelId="{586183C9-9C21-4391-98C5-BBBC7C7410B5}" type="presParOf" srcId="{4CD18CA9-D05E-409C-B293-0F90C0979974}" destId="{ED565E5C-9CEC-48FD-88F5-3BA76B2088A6}" srcOrd="1" destOrd="0" presId="urn:microsoft.com/office/officeart/2005/8/layout/pyramid3"/>
+    <dgm:cxn modelId="{1CFE8B13-1AB0-43C1-98DD-3946BFBF8406}" type="presParOf" srcId="{1BF091FD-426B-4079-9B2A-31400F3C6A55}" destId="{EC718209-DD70-4D5C-BE9D-6F6904F07DFB}" srcOrd="4" destOrd="0" presId="urn:microsoft.com/office/officeart/2005/8/layout/pyramid3"/>
+    <dgm:cxn modelId="{DA8FD100-ADE1-4977-9D03-038A621685A2}" type="presParOf" srcId="{EC718209-DD70-4D5C-BE9D-6F6904F07DFB}" destId="{55549A9D-572A-40EC-812F-1D519BA02440}" srcOrd="0" destOrd="0" presId="urn:microsoft.com/office/officeart/2005/8/layout/pyramid3"/>
+    <dgm:cxn modelId="{4C90CF78-EBFB-45D0-AB81-02DE985F02E4}" type="presParOf" srcId="{EC718209-DD70-4D5C-BE9D-6F6904F07DFB}" destId="{35015A2B-4A04-45A4-9597-4CC4FE67B004}" srcOrd="1" destOrd="0" presId="urn:microsoft.com/office/officeart/2005/8/layout/pyramid3"/>
+    <dgm:cxn modelId="{048A586A-76A7-44E6-B362-BD0CADD9A73D}" type="presParOf" srcId="{1BF091FD-426B-4079-9B2A-31400F3C6A55}" destId="{F80C3A43-FB34-4B0E-90AF-DD04402A9087}" srcOrd="5" destOrd="0" presId="urn:microsoft.com/office/officeart/2005/8/layout/pyramid3"/>
+    <dgm:cxn modelId="{9B28C139-4153-447C-AEFE-AAA5FF4B658A}" type="presParOf" srcId="{F80C3A43-FB34-4B0E-90AF-DD04402A9087}" destId="{DF553A0D-59F0-439D-B493-576968E9D5A4}" srcOrd="0" destOrd="0" presId="urn:microsoft.com/office/officeart/2005/8/layout/pyramid3"/>
+    <dgm:cxn modelId="{54596135-1CE3-438D-BF58-9BE52CD6A258}" type="presParOf" srcId="{F80C3A43-FB34-4B0E-90AF-DD04402A9087}" destId="{6B90E6E4-37AA-446C-BB5F-03BCD0C2981A}" srcOrd="1" destOrd="0" presId="urn:microsoft.com/office/officeart/2005/8/layout/pyramid3"/>
+    <dgm:cxn modelId="{2D615FF7-3EEB-4DAB-93FA-E69379C517B3}" type="presParOf" srcId="{1BF091FD-426B-4079-9B2A-31400F3C6A55}" destId="{2E09F50A-C54F-4CE1-BC63-0A24BB0371B5}" srcOrd="6" destOrd="0" presId="urn:microsoft.com/office/officeart/2005/8/layout/pyramid3"/>
+    <dgm:cxn modelId="{672C86D3-ED02-4C5A-BA30-6128B8531BFD}" type="presParOf" srcId="{2E09F50A-C54F-4CE1-BC63-0A24BB0371B5}" destId="{BE2E209F-BDBF-4792-A19F-D487B9CC260E}" srcOrd="0" destOrd="0" presId="urn:microsoft.com/office/officeart/2005/8/layout/pyramid3"/>
+    <dgm:cxn modelId="{C630EDB7-B94E-440F-BF6B-F9309300FC81}" type="presParOf" srcId="{2E09F50A-C54F-4CE1-BC63-0A24BB0371B5}" destId="{0CFBCFA8-A673-4A71-84BD-8F21F6747549}" srcOrd="1" destOrd="0" presId="urn:microsoft.com/office/officeart/2005/8/layout/pyramid3"/>
+    <dgm:cxn modelId="{97C926CC-CA77-433F-B982-E9B94C16D4B4}" type="presParOf" srcId="{1BF091FD-426B-4079-9B2A-31400F3C6A55}" destId="{B6553768-EB49-4ED8-BD74-A177BC47236D}" srcOrd="7" destOrd="0" presId="urn:microsoft.com/office/officeart/2005/8/layout/pyramid3"/>
+    <dgm:cxn modelId="{F8F739E6-1834-45D8-8E53-F2B97301AB1F}" type="presParOf" srcId="{B6553768-EB49-4ED8-BD74-A177BC47236D}" destId="{49F1D2FB-CBDE-4B10-93D7-8E3F79C867D5}" srcOrd="0" destOrd="0" presId="urn:microsoft.com/office/officeart/2005/8/layout/pyramid3"/>
+    <dgm:cxn modelId="{CF717DAD-FC11-4E3A-BB77-57402F001404}" type="presParOf" srcId="{B6553768-EB49-4ED8-BD74-A177BC47236D}" destId="{6550C70E-9EDB-4156-A179-B95E378D63AB}" srcOrd="1" destOrd="0" presId="urn:microsoft.com/office/officeart/2005/8/layout/pyramid3"/>
+  </dgm:cxnLst>
+  <dgm:bg/>
+  <dgm:whole/>
+  <dgm:extLst>
+    <a:ext uri="http://schemas.microsoft.com/office/drawing/2008/diagram">
+      <dsp:dataModelExt xmlns:dsp="http://schemas.microsoft.com/office/drawing/2008/diagram" relId="rId6" minVer="http://schemas.openxmlformats.org/drawingml/2006/diagram"/>
+    </a:ext>
+    <a:ext uri="{C62137D5-CB1D-491B-B009-E17868A290BF}">
+      <dgm14:recolorImg xmlns:dgm14="http://schemas.microsoft.com/office/drawing/2010/diagram" val="1"/>
     </a:ext>
   </dgm:extLst>
 </dgm:dataModel>
@@ -13177,6 +14629,714 @@
 </dsp:drawing>
 </file>
 
+<file path=ppt/diagrams/drawing4.xml><?xml version="1.0" encoding="utf-8"?>
+<dsp:drawing xmlns:dgm="http://schemas.openxmlformats.org/drawingml/2006/diagram" xmlns:dsp="http://schemas.microsoft.com/office/drawing/2008/diagram" xmlns:a="http://schemas.openxmlformats.org/drawingml/2006/main">
+  <dsp:spTree>
+    <dsp:nvGrpSpPr>
+      <dsp:cNvPr id="0" name=""/>
+      <dsp:cNvGrpSpPr/>
+    </dsp:nvGrpSpPr>
+    <dsp:grpSpPr/>
+    <dsp:sp modelId="{8002A2CF-8E99-4244-998C-27F0F8B0E1CD}">
+      <dsp:nvSpPr>
+        <dsp:cNvPr id="0" name=""/>
+        <dsp:cNvSpPr/>
+      </dsp:nvSpPr>
+      <dsp:spPr>
+        <a:xfrm rot="10800000">
+          <a:off x="0" y="0"/>
+          <a:ext cx="4840287" cy="563959"/>
+        </a:xfrm>
+        <a:prstGeom prst="trapezoid">
+          <a:avLst>
+            <a:gd name="adj" fmla="val 53642"/>
+          </a:avLst>
+        </a:prstGeom>
+        <a:solidFill>
+          <a:schemeClr val="dk2">
+            <a:hueOff val="0"/>
+            <a:satOff val="0"/>
+            <a:lumOff val="0"/>
+            <a:alphaOff val="0"/>
+          </a:schemeClr>
+        </a:solidFill>
+        <a:ln w="19050" cap="flat" cmpd="sng" algn="ctr">
+          <a:solidFill>
+            <a:schemeClr val="lt2">
+              <a:hueOff val="0"/>
+              <a:satOff val="0"/>
+              <a:lumOff val="0"/>
+              <a:alphaOff val="0"/>
+            </a:schemeClr>
+          </a:solidFill>
+          <a:prstDash val="solid"/>
+        </a:ln>
+        <a:effectLst/>
+      </dsp:spPr>
+      <dsp:style>
+        <a:lnRef idx="2">
+          <a:scrgbClr r="0" g="0" b="0"/>
+        </a:lnRef>
+        <a:fillRef idx="1">
+          <a:scrgbClr r="0" g="0" b="0"/>
+        </a:fillRef>
+        <a:effectRef idx="0">
+          <a:scrgbClr r="0" g="0" b="0"/>
+        </a:effectRef>
+        <a:fontRef idx="minor">
+          <a:schemeClr val="lt1"/>
+        </a:fontRef>
+      </dsp:style>
+      <dsp:txBody>
+        <a:bodyPr spcFirstLastPara="0" vert="horz" wrap="square" lIns="17780" tIns="17780" rIns="17780" bIns="17780" numCol="1" spcCol="1270" anchor="ctr" anchorCtr="0">
+          <a:noAutofit/>
+        </a:bodyPr>
+        <a:lstStyle/>
+        <a:p>
+          <a:pPr marL="0" lvl="0" indent="0" algn="ctr" defTabSz="622300" rtl="1">
+            <a:lnSpc>
+              <a:spcPct val="90000"/>
+            </a:lnSpc>
+            <a:spcBef>
+              <a:spcPct val="0"/>
+            </a:spcBef>
+            <a:spcAft>
+              <a:spcPct val="35000"/>
+            </a:spcAft>
+            <a:buNone/>
+          </a:pPr>
+          <a:r>
+            <a:rPr lang="fa-IR" sz="1400" kern="1200" dirty="0">
+              <a:solidFill>
+                <a:schemeClr val="bg1"/>
+              </a:solidFill>
+            </a:rPr>
+            <a:t>دهان به دهان</a:t>
+          </a:r>
+          <a:endParaRPr lang="en-US" sz="1400" kern="1200" dirty="0">
+            <a:solidFill>
+              <a:schemeClr val="bg1"/>
+            </a:solidFill>
+          </a:endParaRPr>
+        </a:p>
+      </dsp:txBody>
+      <dsp:txXfrm rot="-10800000">
+        <a:off x="847050" y="0"/>
+        <a:ext cx="3146187" cy="563959"/>
+      </dsp:txXfrm>
+    </dsp:sp>
+    <dsp:sp modelId="{5C618B29-7ACA-4F8B-B8DD-6CFA233916B2}">
+      <dsp:nvSpPr>
+        <dsp:cNvPr id="0" name=""/>
+        <dsp:cNvSpPr/>
+      </dsp:nvSpPr>
+      <dsp:spPr>
+        <a:xfrm rot="10800000">
+          <a:off x="302518" y="563959"/>
+          <a:ext cx="4235251" cy="563959"/>
+        </a:xfrm>
+        <a:prstGeom prst="trapezoid">
+          <a:avLst>
+            <a:gd name="adj" fmla="val 53642"/>
+          </a:avLst>
+        </a:prstGeom>
+        <a:solidFill>
+          <a:schemeClr val="dk2">
+            <a:hueOff val="0"/>
+            <a:satOff val="0"/>
+            <a:lumOff val="0"/>
+            <a:alphaOff val="0"/>
+          </a:schemeClr>
+        </a:solidFill>
+        <a:ln w="19050" cap="flat" cmpd="sng" algn="ctr">
+          <a:solidFill>
+            <a:schemeClr val="lt2">
+              <a:hueOff val="0"/>
+              <a:satOff val="0"/>
+              <a:lumOff val="0"/>
+              <a:alphaOff val="0"/>
+            </a:schemeClr>
+          </a:solidFill>
+          <a:prstDash val="solid"/>
+        </a:ln>
+        <a:effectLst/>
+      </dsp:spPr>
+      <dsp:style>
+        <a:lnRef idx="2">
+          <a:scrgbClr r="0" g="0" b="0"/>
+        </a:lnRef>
+        <a:fillRef idx="1">
+          <a:scrgbClr r="0" g="0" b="0"/>
+        </a:fillRef>
+        <a:effectRef idx="0">
+          <a:scrgbClr r="0" g="0" b="0"/>
+        </a:effectRef>
+        <a:fontRef idx="minor">
+          <a:schemeClr val="lt1"/>
+        </a:fontRef>
+      </dsp:style>
+      <dsp:txBody>
+        <a:bodyPr spcFirstLastPara="0" vert="horz" wrap="square" lIns="17780" tIns="17780" rIns="17780" bIns="17780" numCol="1" spcCol="1270" anchor="ctr" anchorCtr="0">
+          <a:noAutofit/>
+        </a:bodyPr>
+        <a:lstStyle/>
+        <a:p>
+          <a:pPr marL="0" lvl="0" indent="0" algn="ctr" defTabSz="622300" rtl="1">
+            <a:lnSpc>
+              <a:spcPct val="90000"/>
+            </a:lnSpc>
+            <a:spcBef>
+              <a:spcPct val="0"/>
+            </a:spcBef>
+            <a:spcAft>
+              <a:spcPct val="35000"/>
+            </a:spcAft>
+            <a:buNone/>
+          </a:pPr>
+          <a:r>
+            <a:rPr lang="fa-IR" sz="1400" kern="1200">
+              <a:solidFill>
+                <a:schemeClr val="bg1"/>
+              </a:solidFill>
+            </a:rPr>
+            <a:t>بازاریابی موتورهای جستجو</a:t>
+          </a:r>
+          <a:endParaRPr lang="fa-IR" sz="1400" kern="1200" dirty="0">
+            <a:solidFill>
+              <a:schemeClr val="bg1"/>
+            </a:solidFill>
+          </a:endParaRPr>
+        </a:p>
+      </dsp:txBody>
+      <dsp:txXfrm rot="-10800000">
+        <a:off x="1043687" y="563959"/>
+        <a:ext cx="2752913" cy="563959"/>
+      </dsp:txXfrm>
+    </dsp:sp>
+    <dsp:sp modelId="{1FBBCC9E-DE06-45E0-B651-9119FCD98BE0}">
+      <dsp:nvSpPr>
+        <dsp:cNvPr id="0" name=""/>
+        <dsp:cNvSpPr/>
+      </dsp:nvSpPr>
+      <dsp:spPr>
+        <a:xfrm rot="10800000">
+          <a:off x="605036" y="1127918"/>
+          <a:ext cx="3630215" cy="563959"/>
+        </a:xfrm>
+        <a:prstGeom prst="trapezoid">
+          <a:avLst>
+            <a:gd name="adj" fmla="val 53642"/>
+          </a:avLst>
+        </a:prstGeom>
+        <a:solidFill>
+          <a:schemeClr val="dk2">
+            <a:hueOff val="0"/>
+            <a:satOff val="0"/>
+            <a:lumOff val="0"/>
+            <a:alphaOff val="0"/>
+          </a:schemeClr>
+        </a:solidFill>
+        <a:ln w="19050" cap="flat" cmpd="sng" algn="ctr">
+          <a:solidFill>
+            <a:schemeClr val="lt2">
+              <a:hueOff val="0"/>
+              <a:satOff val="0"/>
+              <a:lumOff val="0"/>
+              <a:alphaOff val="0"/>
+            </a:schemeClr>
+          </a:solidFill>
+          <a:prstDash val="solid"/>
+        </a:ln>
+        <a:effectLst/>
+      </dsp:spPr>
+      <dsp:style>
+        <a:lnRef idx="2">
+          <a:scrgbClr r="0" g="0" b="0"/>
+        </a:lnRef>
+        <a:fillRef idx="1">
+          <a:scrgbClr r="0" g="0" b="0"/>
+        </a:fillRef>
+        <a:effectRef idx="0">
+          <a:scrgbClr r="0" g="0" b="0"/>
+        </a:effectRef>
+        <a:fontRef idx="minor">
+          <a:schemeClr val="lt1"/>
+        </a:fontRef>
+      </dsp:style>
+      <dsp:txBody>
+        <a:bodyPr spcFirstLastPara="0" vert="horz" wrap="square" lIns="17780" tIns="17780" rIns="17780" bIns="17780" numCol="1" spcCol="1270" anchor="ctr" anchorCtr="0">
+          <a:noAutofit/>
+        </a:bodyPr>
+        <a:lstStyle/>
+        <a:p>
+          <a:pPr marL="0" lvl="0" indent="0" algn="ctr" defTabSz="622300" rtl="1">
+            <a:lnSpc>
+              <a:spcPct val="90000"/>
+            </a:lnSpc>
+            <a:spcBef>
+              <a:spcPct val="0"/>
+            </a:spcBef>
+            <a:spcAft>
+              <a:spcPct val="35000"/>
+            </a:spcAft>
+            <a:buNone/>
+          </a:pPr>
+          <a:r>
+            <a:rPr lang="fa-IR" sz="1400" kern="1200">
+              <a:solidFill>
+                <a:schemeClr val="bg1"/>
+              </a:solidFill>
+            </a:rPr>
+            <a:t>تبلیغات دیجیتال</a:t>
+          </a:r>
+          <a:endParaRPr lang="fa-IR" sz="1400" kern="1200" dirty="0">
+            <a:solidFill>
+              <a:schemeClr val="bg1"/>
+            </a:solidFill>
+          </a:endParaRPr>
+        </a:p>
+      </dsp:txBody>
+      <dsp:txXfrm rot="-10800000">
+        <a:off x="1240323" y="1127918"/>
+        <a:ext cx="2359640" cy="563959"/>
+      </dsp:txXfrm>
+    </dsp:sp>
+    <dsp:sp modelId="{9C93E78B-B953-421B-89A7-F8701C69992A}">
+      <dsp:nvSpPr>
+        <dsp:cNvPr id="0" name=""/>
+        <dsp:cNvSpPr/>
+      </dsp:nvSpPr>
+      <dsp:spPr>
+        <a:xfrm rot="10800000">
+          <a:off x="907554" y="1691878"/>
+          <a:ext cx="3025179" cy="563959"/>
+        </a:xfrm>
+        <a:prstGeom prst="trapezoid">
+          <a:avLst>
+            <a:gd name="adj" fmla="val 53642"/>
+          </a:avLst>
+        </a:prstGeom>
+        <a:solidFill>
+          <a:schemeClr val="dk2">
+            <a:hueOff val="0"/>
+            <a:satOff val="0"/>
+            <a:lumOff val="0"/>
+            <a:alphaOff val="0"/>
+          </a:schemeClr>
+        </a:solidFill>
+        <a:ln w="19050" cap="flat" cmpd="sng" algn="ctr">
+          <a:solidFill>
+            <a:schemeClr val="lt2">
+              <a:hueOff val="0"/>
+              <a:satOff val="0"/>
+              <a:lumOff val="0"/>
+              <a:alphaOff val="0"/>
+            </a:schemeClr>
+          </a:solidFill>
+          <a:prstDash val="solid"/>
+        </a:ln>
+        <a:effectLst/>
+      </dsp:spPr>
+      <dsp:style>
+        <a:lnRef idx="2">
+          <a:scrgbClr r="0" g="0" b="0"/>
+        </a:lnRef>
+        <a:fillRef idx="1">
+          <a:scrgbClr r="0" g="0" b="0"/>
+        </a:fillRef>
+        <a:effectRef idx="0">
+          <a:scrgbClr r="0" g="0" b="0"/>
+        </a:effectRef>
+        <a:fontRef idx="minor">
+          <a:schemeClr val="lt1"/>
+        </a:fontRef>
+      </dsp:style>
+      <dsp:txBody>
+        <a:bodyPr spcFirstLastPara="0" vert="horz" wrap="square" lIns="17780" tIns="17780" rIns="17780" bIns="17780" numCol="1" spcCol="1270" anchor="ctr" anchorCtr="0">
+          <a:noAutofit/>
+        </a:bodyPr>
+        <a:lstStyle/>
+        <a:p>
+          <a:pPr marL="0" lvl="0" indent="0" algn="ctr" defTabSz="622300" rtl="1">
+            <a:lnSpc>
+              <a:spcPct val="90000"/>
+            </a:lnSpc>
+            <a:spcBef>
+              <a:spcPct val="0"/>
+            </a:spcBef>
+            <a:spcAft>
+              <a:spcPct val="35000"/>
+            </a:spcAft>
+            <a:buNone/>
+          </a:pPr>
+          <a:r>
+            <a:rPr lang="fa-IR" sz="1400" kern="1200">
+              <a:solidFill>
+                <a:schemeClr val="bg1"/>
+              </a:solidFill>
+            </a:rPr>
+            <a:t>بازاریابی محتوا</a:t>
+          </a:r>
+          <a:endParaRPr lang="fa-IR" sz="1400" kern="1200" dirty="0">
+            <a:solidFill>
+              <a:schemeClr val="bg1"/>
+            </a:solidFill>
+          </a:endParaRPr>
+        </a:p>
+      </dsp:txBody>
+      <dsp:txXfrm rot="-10800000">
+        <a:off x="1436960" y="1691878"/>
+        <a:ext cx="1966367" cy="563959"/>
+      </dsp:txXfrm>
+    </dsp:sp>
+    <dsp:sp modelId="{55549A9D-572A-40EC-812F-1D519BA02440}">
+      <dsp:nvSpPr>
+        <dsp:cNvPr id="0" name=""/>
+        <dsp:cNvSpPr/>
+      </dsp:nvSpPr>
+      <dsp:spPr>
+        <a:xfrm rot="10800000">
+          <a:off x="1210072" y="2255837"/>
+          <a:ext cx="2420144" cy="563959"/>
+        </a:xfrm>
+        <a:prstGeom prst="trapezoid">
+          <a:avLst>
+            <a:gd name="adj" fmla="val 53642"/>
+          </a:avLst>
+        </a:prstGeom>
+        <a:solidFill>
+          <a:schemeClr val="dk2">
+            <a:hueOff val="0"/>
+            <a:satOff val="0"/>
+            <a:lumOff val="0"/>
+            <a:alphaOff val="0"/>
+          </a:schemeClr>
+        </a:solidFill>
+        <a:ln w="19050" cap="flat" cmpd="sng" algn="ctr">
+          <a:solidFill>
+            <a:schemeClr val="lt2">
+              <a:hueOff val="0"/>
+              <a:satOff val="0"/>
+              <a:lumOff val="0"/>
+              <a:alphaOff val="0"/>
+            </a:schemeClr>
+          </a:solidFill>
+          <a:prstDash val="solid"/>
+        </a:ln>
+        <a:effectLst/>
+      </dsp:spPr>
+      <dsp:style>
+        <a:lnRef idx="2">
+          <a:scrgbClr r="0" g="0" b="0"/>
+        </a:lnRef>
+        <a:fillRef idx="1">
+          <a:scrgbClr r="0" g="0" b="0"/>
+        </a:fillRef>
+        <a:effectRef idx="0">
+          <a:scrgbClr r="0" g="0" b="0"/>
+        </a:effectRef>
+        <a:fontRef idx="minor">
+          <a:schemeClr val="lt1"/>
+        </a:fontRef>
+      </dsp:style>
+      <dsp:txBody>
+        <a:bodyPr spcFirstLastPara="0" vert="horz" wrap="square" lIns="17780" tIns="17780" rIns="17780" bIns="17780" numCol="1" spcCol="1270" anchor="ctr" anchorCtr="0">
+          <a:noAutofit/>
+        </a:bodyPr>
+        <a:lstStyle/>
+        <a:p>
+          <a:pPr marL="0" lvl="0" indent="0" algn="ctr" defTabSz="622300" rtl="1">
+            <a:lnSpc>
+              <a:spcPct val="90000"/>
+            </a:lnSpc>
+            <a:spcBef>
+              <a:spcPct val="0"/>
+            </a:spcBef>
+            <a:spcAft>
+              <a:spcPct val="35000"/>
+            </a:spcAft>
+            <a:buNone/>
+          </a:pPr>
+          <a:r>
+            <a:rPr lang="fa-IR" sz="1400" kern="1200">
+              <a:solidFill>
+                <a:schemeClr val="bg1"/>
+              </a:solidFill>
+            </a:rPr>
+            <a:t>رویدادهای عمومی</a:t>
+          </a:r>
+          <a:endParaRPr lang="fa-IR" sz="1400" kern="1200" dirty="0">
+            <a:solidFill>
+              <a:schemeClr val="bg1"/>
+            </a:solidFill>
+          </a:endParaRPr>
+        </a:p>
+      </dsp:txBody>
+      <dsp:txXfrm rot="-10800000">
+        <a:off x="1633597" y="2255837"/>
+        <a:ext cx="1573093" cy="563959"/>
+      </dsp:txXfrm>
+    </dsp:sp>
+    <dsp:sp modelId="{DF553A0D-59F0-439D-B493-576968E9D5A4}">
+      <dsp:nvSpPr>
+        <dsp:cNvPr id="0" name=""/>
+        <dsp:cNvSpPr/>
+      </dsp:nvSpPr>
+      <dsp:spPr>
+        <a:xfrm rot="10800000">
+          <a:off x="1512590" y="2819796"/>
+          <a:ext cx="1815107" cy="563959"/>
+        </a:xfrm>
+        <a:prstGeom prst="trapezoid">
+          <a:avLst>
+            <a:gd name="adj" fmla="val 53642"/>
+          </a:avLst>
+        </a:prstGeom>
+        <a:solidFill>
+          <a:schemeClr val="dk2">
+            <a:hueOff val="0"/>
+            <a:satOff val="0"/>
+            <a:lumOff val="0"/>
+            <a:alphaOff val="0"/>
+          </a:schemeClr>
+        </a:solidFill>
+        <a:ln w="19050" cap="flat" cmpd="sng" algn="ctr">
+          <a:solidFill>
+            <a:schemeClr val="lt2">
+              <a:hueOff val="0"/>
+              <a:satOff val="0"/>
+              <a:lumOff val="0"/>
+              <a:alphaOff val="0"/>
+            </a:schemeClr>
+          </a:solidFill>
+          <a:prstDash val="solid"/>
+        </a:ln>
+        <a:effectLst/>
+      </dsp:spPr>
+      <dsp:style>
+        <a:lnRef idx="2">
+          <a:scrgbClr r="0" g="0" b="0"/>
+        </a:lnRef>
+        <a:fillRef idx="1">
+          <a:scrgbClr r="0" g="0" b="0"/>
+        </a:fillRef>
+        <a:effectRef idx="0">
+          <a:scrgbClr r="0" g="0" b="0"/>
+        </a:effectRef>
+        <a:fontRef idx="minor">
+          <a:schemeClr val="lt1"/>
+        </a:fontRef>
+      </dsp:style>
+      <dsp:txBody>
+        <a:bodyPr spcFirstLastPara="0" vert="horz" wrap="square" lIns="17780" tIns="17780" rIns="17780" bIns="17780" numCol="1" spcCol="1270" anchor="ctr" anchorCtr="0">
+          <a:noAutofit/>
+        </a:bodyPr>
+        <a:lstStyle/>
+        <a:p>
+          <a:pPr marL="0" lvl="0" indent="0" algn="ctr" defTabSz="622300" rtl="1">
+            <a:lnSpc>
+              <a:spcPct val="90000"/>
+            </a:lnSpc>
+            <a:spcBef>
+              <a:spcPct val="0"/>
+            </a:spcBef>
+            <a:spcAft>
+              <a:spcPct val="35000"/>
+            </a:spcAft>
+            <a:buNone/>
+          </a:pPr>
+          <a:r>
+            <a:rPr lang="fa-IR" sz="1400" kern="1200">
+              <a:solidFill>
+                <a:schemeClr val="bg1"/>
+              </a:solidFill>
+            </a:rPr>
+            <a:t>شرکای تجاری</a:t>
+          </a:r>
+          <a:endParaRPr lang="fa-IR" sz="1400" kern="1200" dirty="0">
+            <a:solidFill>
+              <a:schemeClr val="bg1"/>
+            </a:solidFill>
+          </a:endParaRPr>
+        </a:p>
+      </dsp:txBody>
+      <dsp:txXfrm rot="-10800000">
+        <a:off x="1830233" y="2819796"/>
+        <a:ext cx="1179820" cy="563959"/>
+      </dsp:txXfrm>
+    </dsp:sp>
+    <dsp:sp modelId="{BE2E209F-BDBF-4792-A19F-D487B9CC260E}">
+      <dsp:nvSpPr>
+        <dsp:cNvPr id="0" name=""/>
+        <dsp:cNvSpPr/>
+      </dsp:nvSpPr>
+      <dsp:spPr>
+        <a:xfrm rot="10800000">
+          <a:off x="1815108" y="3383756"/>
+          <a:ext cx="1210072" cy="563959"/>
+        </a:xfrm>
+        <a:prstGeom prst="trapezoid">
+          <a:avLst>
+            <a:gd name="adj" fmla="val 53642"/>
+          </a:avLst>
+        </a:prstGeom>
+        <a:solidFill>
+          <a:schemeClr val="dk2">
+            <a:hueOff val="0"/>
+            <a:satOff val="0"/>
+            <a:lumOff val="0"/>
+            <a:alphaOff val="0"/>
+          </a:schemeClr>
+        </a:solidFill>
+        <a:ln w="19050" cap="flat" cmpd="sng" algn="ctr">
+          <a:solidFill>
+            <a:schemeClr val="lt2">
+              <a:hueOff val="0"/>
+              <a:satOff val="0"/>
+              <a:lumOff val="0"/>
+              <a:alphaOff val="0"/>
+            </a:schemeClr>
+          </a:solidFill>
+          <a:prstDash val="solid"/>
+        </a:ln>
+        <a:effectLst/>
+      </dsp:spPr>
+      <dsp:style>
+        <a:lnRef idx="2">
+          <a:scrgbClr r="0" g="0" b="0"/>
+        </a:lnRef>
+        <a:fillRef idx="1">
+          <a:scrgbClr r="0" g="0" b="0"/>
+        </a:fillRef>
+        <a:effectRef idx="0">
+          <a:scrgbClr r="0" g="0" b="0"/>
+        </a:effectRef>
+        <a:fontRef idx="minor">
+          <a:schemeClr val="lt1"/>
+        </a:fontRef>
+      </dsp:style>
+      <dsp:txBody>
+        <a:bodyPr spcFirstLastPara="0" vert="horz" wrap="square" lIns="17780" tIns="17780" rIns="17780" bIns="17780" numCol="1" spcCol="1270" anchor="ctr" anchorCtr="0">
+          <a:noAutofit/>
+        </a:bodyPr>
+        <a:lstStyle/>
+        <a:p>
+          <a:pPr marL="0" lvl="0" indent="0" algn="ctr" defTabSz="622300" rtl="1">
+            <a:lnSpc>
+              <a:spcPct val="90000"/>
+            </a:lnSpc>
+            <a:spcBef>
+              <a:spcPct val="0"/>
+            </a:spcBef>
+            <a:spcAft>
+              <a:spcPct val="35000"/>
+            </a:spcAft>
+            <a:buNone/>
+          </a:pPr>
+          <a:r>
+            <a:rPr lang="fa-IR" sz="1400" kern="1200">
+              <a:solidFill>
+                <a:schemeClr val="bg1"/>
+              </a:solidFill>
+            </a:rPr>
+            <a:t>مشتریان سازمانی</a:t>
+          </a:r>
+          <a:endParaRPr lang="en-US" sz="1400" kern="1200" dirty="0">
+            <a:solidFill>
+              <a:schemeClr val="bg1"/>
+            </a:solidFill>
+          </a:endParaRPr>
+        </a:p>
+      </dsp:txBody>
+      <dsp:txXfrm rot="-10800000">
+        <a:off x="2026870" y="3383756"/>
+        <a:ext cx="786546" cy="563959"/>
+      </dsp:txXfrm>
+    </dsp:sp>
+    <dsp:sp modelId="{49F1D2FB-CBDE-4B10-93D7-8E3F79C867D5}">
+      <dsp:nvSpPr>
+        <dsp:cNvPr id="0" name=""/>
+        <dsp:cNvSpPr/>
+      </dsp:nvSpPr>
+      <dsp:spPr>
+        <a:xfrm rot="10800000">
+          <a:off x="2117626" y="3947715"/>
+          <a:ext cx="605036" cy="563959"/>
+        </a:xfrm>
+        <a:prstGeom prst="trapezoid">
+          <a:avLst>
+            <a:gd name="adj" fmla="val 53642"/>
+          </a:avLst>
+        </a:prstGeom>
+        <a:solidFill>
+          <a:schemeClr val="dk2">
+            <a:hueOff val="0"/>
+            <a:satOff val="0"/>
+            <a:lumOff val="0"/>
+            <a:alphaOff val="0"/>
+          </a:schemeClr>
+        </a:solidFill>
+        <a:ln w="19050" cap="flat" cmpd="sng" algn="ctr">
+          <a:solidFill>
+            <a:schemeClr val="lt2">
+              <a:hueOff val="0"/>
+              <a:satOff val="0"/>
+              <a:lumOff val="0"/>
+              <a:alphaOff val="0"/>
+            </a:schemeClr>
+          </a:solidFill>
+          <a:prstDash val="solid"/>
+        </a:ln>
+        <a:effectLst/>
+      </dsp:spPr>
+      <dsp:style>
+        <a:lnRef idx="2">
+          <a:scrgbClr r="0" g="0" b="0"/>
+        </a:lnRef>
+        <a:fillRef idx="1">
+          <a:scrgbClr r="0" g="0" b="0"/>
+        </a:fillRef>
+        <a:effectRef idx="0">
+          <a:scrgbClr r="0" g="0" b="0"/>
+        </a:effectRef>
+        <a:fontRef idx="minor">
+          <a:schemeClr val="lt1"/>
+        </a:fontRef>
+      </dsp:style>
+      <dsp:txBody>
+        <a:bodyPr spcFirstLastPara="0" vert="horz" wrap="square" lIns="17780" tIns="17780" rIns="17780" bIns="17780" numCol="1" spcCol="1270" anchor="ctr" anchorCtr="0">
+          <a:noAutofit/>
+        </a:bodyPr>
+        <a:lstStyle/>
+        <a:p>
+          <a:pPr marL="0" lvl="0" indent="0" algn="ctr" defTabSz="622300" rtl="1">
+            <a:lnSpc>
+              <a:spcPct val="90000"/>
+            </a:lnSpc>
+            <a:spcBef>
+              <a:spcPct val="0"/>
+            </a:spcBef>
+            <a:spcAft>
+              <a:spcPct val="35000"/>
+            </a:spcAft>
+            <a:buNone/>
+          </a:pPr>
+          <a:endParaRPr lang="en-US" sz="1400" kern="1200" dirty="0">
+            <a:solidFill>
+              <a:schemeClr val="bg1"/>
+            </a:solidFill>
+          </a:endParaRPr>
+        </a:p>
+      </dsp:txBody>
+      <dsp:txXfrm rot="-10800000">
+        <a:off x="2117626" y="3947715"/>
+        <a:ext cx="605036" cy="563959"/>
+      </dsp:txXfrm>
+    </dsp:sp>
+  </dsp:spTree>
+</dsp:drawing>
+</file>
+
 <file path=ppt/diagrams/layout1.xml><?xml version="1.0" encoding="utf-8"?>
 <dgm:layoutDef xmlns:dgm="http://schemas.openxmlformats.org/drawingml/2006/diagram" xmlns:a="http://schemas.openxmlformats.org/drawingml/2006/main" uniqueId="urn:microsoft.com/office/officeart/2005/8/layout/default">
   <dgm:title val=""/>
@@ -14219,6 +16379,238 @@
 </dgm:layoutDef>
 </file>
 
+<file path=ppt/diagrams/layout4.xml><?xml version="1.0" encoding="utf-8"?>
+<dgm:layoutDef xmlns:dgm="http://schemas.openxmlformats.org/drawingml/2006/diagram" xmlns:a="http://schemas.openxmlformats.org/drawingml/2006/main" uniqueId="urn:microsoft.com/office/officeart/2005/8/layout/pyramid3">
+  <dgm:title val=""/>
+  <dgm:desc val=""/>
+  <dgm:catLst>
+    <dgm:cat type="pyramid" pri="2000"/>
+  </dgm:catLst>
+  <dgm:sampData useDef="1">
+    <dgm:dataModel>
+      <dgm:ptLst/>
+      <dgm:bg/>
+      <dgm:whole/>
+    </dgm:dataModel>
+  </dgm:sampData>
+  <dgm:styleData>
+    <dgm:dataModel>
+      <dgm:ptLst>
+        <dgm:pt modelId="0" type="doc"/>
+        <dgm:pt modelId="1"/>
+        <dgm:pt modelId="2"/>
+      </dgm:ptLst>
+      <dgm:cxnLst>
+        <dgm:cxn modelId="3" srcId="0" destId="1" srcOrd="0" destOrd="0"/>
+        <dgm:cxn modelId="4" srcId="0" destId="2" srcOrd="1" destOrd="0"/>
+      </dgm:cxnLst>
+      <dgm:bg/>
+      <dgm:whole/>
+    </dgm:dataModel>
+  </dgm:styleData>
+  <dgm:clrData>
+    <dgm:dataModel>
+      <dgm:ptLst>
+        <dgm:pt modelId="0" type="doc"/>
+        <dgm:pt modelId="1"/>
+        <dgm:pt modelId="2"/>
+        <dgm:pt modelId="3"/>
+        <dgm:pt modelId="4"/>
+      </dgm:ptLst>
+      <dgm:cxnLst>
+        <dgm:cxn modelId="5" srcId="0" destId="1" srcOrd="0" destOrd="0"/>
+        <dgm:cxn modelId="6" srcId="0" destId="2" srcOrd="1" destOrd="0"/>
+        <dgm:cxn modelId="7" srcId="0" destId="3" srcOrd="2" destOrd="0"/>
+        <dgm:cxn modelId="8" srcId="0" destId="4" srcOrd="3" destOrd="0"/>
+      </dgm:cxnLst>
+      <dgm:bg/>
+      <dgm:whole/>
+    </dgm:dataModel>
+  </dgm:clrData>
+  <dgm:layoutNode name="Name0">
+    <dgm:varLst>
+      <dgm:dir/>
+      <dgm:animLvl val="lvl"/>
+      <dgm:resizeHandles val="exact"/>
+    </dgm:varLst>
+    <dgm:choose name="Name1">
+      <dgm:if name="Name2" func="var" arg="dir" op="equ" val="norm">
+        <dgm:alg type="pyra">
+          <dgm:param type="linDir" val="fromT"/>
+          <dgm:param type="txDir" val="fromT"/>
+          <dgm:param type="pyraAcctPos" val="aft"/>
+          <dgm:param type="pyraAcctTxMar" val="step"/>
+          <dgm:param type="pyraAcctBkgdNode" val="acctBkgd"/>
+          <dgm:param type="pyraAcctTxNode" val="acctTx"/>
+          <dgm:param type="pyraLvlNode" val="level"/>
+        </dgm:alg>
+      </dgm:if>
+      <dgm:else name="Name3">
+        <dgm:alg type="pyra">
+          <dgm:param type="linDir" val="fromT"/>
+          <dgm:param type="txDir" val="fromT"/>
+          <dgm:param type="pyraAcctPos" val="bef"/>
+          <dgm:param type="pyraAcctTxMar" val="step"/>
+          <dgm:param type="pyraAcctBkgdNode" val="acctBkgd"/>
+          <dgm:param type="pyraAcctTxNode" val="acctTx"/>
+          <dgm:param type="pyraLvlNode" val="level"/>
+        </dgm:alg>
+      </dgm:else>
+    </dgm:choose>
+    <dgm:shape xmlns:r="http://schemas.openxmlformats.org/officeDocument/2006/relationships" r:blip="">
+      <dgm:adjLst/>
+    </dgm:shape>
+    <dgm:presOf/>
+    <dgm:choose name="Name4">
+      <dgm:if name="Name5" axis="root des" ptType="all node" func="maxDepth" op="gte" val="2">
+        <dgm:constrLst>
+          <dgm:constr type="primFontSz" for="des" forName="levelTx" op="equ"/>
+          <dgm:constr type="secFontSz" for="des" forName="acctTx" op="equ"/>
+          <dgm:constr type="pyraAcctRatio" val="0.32"/>
+        </dgm:constrLst>
+      </dgm:if>
+      <dgm:else name="Name6">
+        <dgm:constrLst>
+          <dgm:constr type="primFontSz" for="des" forName="levelTx" op="equ"/>
+          <dgm:constr type="secFontSz" for="des" forName="acctTx" op="equ"/>
+          <dgm:constr type="pyraAcctRatio"/>
+        </dgm:constrLst>
+      </dgm:else>
+    </dgm:choose>
+    <dgm:ruleLst/>
+    <dgm:forEach name="Name7" axis="ch" ptType="node">
+      <dgm:layoutNode name="Name8">
+        <dgm:alg type="composite">
+          <dgm:param type="horzAlign" val="none"/>
+        </dgm:alg>
+        <dgm:shape xmlns:r="http://schemas.openxmlformats.org/officeDocument/2006/relationships" r:blip="">
+          <dgm:adjLst/>
+        </dgm:shape>
+        <dgm:presOf/>
+        <dgm:choose name="Name9">
+          <dgm:if name="Name10" axis="self" ptType="node" func="revPos" op="equ" val="1">
+            <dgm:constrLst>
+              <dgm:constr type="ctrX" for="ch" forName="acctBkgd" val="1"/>
+              <dgm:constr type="ctrY" for="ch" forName="acctBkgd" val="1"/>
+              <dgm:constr type="w" for="ch" forName="acctBkgd" val="1"/>
+              <dgm:constr type="h" for="ch" forName="acctBkgd" val="1"/>
+              <dgm:constr type="ctrX" for="ch" forName="acctTx" val="1"/>
+              <dgm:constr type="ctrY" for="ch" forName="acctTx" val="1"/>
+              <dgm:constr type="w" for="ch" forName="acctTx" val="1"/>
+              <dgm:constr type="h" for="ch" forName="acctTx" val="1"/>
+              <dgm:constr type="ctrX" for="ch" forName="level" val="1"/>
+              <dgm:constr type="ctrY" for="ch" forName="level" val="1"/>
+              <dgm:constr type="w" for="ch" forName="level" val="1"/>
+              <dgm:constr type="h" for="ch" forName="level" val="1"/>
+              <dgm:constr type="ctrX" for="ch" forName="levelTx" refType="ctrX" refFor="ch" refForName="level"/>
+              <dgm:constr type="ctrY" for="ch" forName="levelTx" refType="ctrY" refFor="ch" refForName="level"/>
+              <dgm:constr type="w" for="ch" forName="levelTx" refType="w" refFor="ch" refForName="level"/>
+              <dgm:constr type="h" for="ch" forName="levelTx" refType="h" refFor="ch" refForName="level"/>
+            </dgm:constrLst>
+          </dgm:if>
+          <dgm:else name="Name11">
+            <dgm:constrLst>
+              <dgm:constr type="ctrX" for="ch" forName="acctBkgd" val="1"/>
+              <dgm:constr type="ctrY" for="ch" forName="acctBkgd" val="1"/>
+              <dgm:constr type="w" for="ch" forName="acctBkgd" val="1"/>
+              <dgm:constr type="h" for="ch" forName="acctBkgd" val="1"/>
+              <dgm:constr type="ctrX" for="ch" forName="acctTx" val="1"/>
+              <dgm:constr type="ctrY" for="ch" forName="acctTx" val="1"/>
+              <dgm:constr type="w" for="ch" forName="acctTx" val="1"/>
+              <dgm:constr type="h" for="ch" forName="acctTx" val="1"/>
+              <dgm:constr type="ctrX" for="ch" forName="level" val="1"/>
+              <dgm:constr type="ctrY" for="ch" forName="level" val="1"/>
+              <dgm:constr type="w" for="ch" forName="level" val="1"/>
+              <dgm:constr type="h" for="ch" forName="level" val="1"/>
+              <dgm:constr type="ctrX" for="ch" forName="levelTx" refType="ctrX" refFor="ch" refForName="level"/>
+              <dgm:constr type="ctrY" for="ch" forName="levelTx" refType="ctrY" refFor="ch" refForName="level"/>
+              <dgm:constr type="w" for="ch" forName="levelTx" refType="w" refFor="ch" refForName="level" fact="0.65"/>
+              <dgm:constr type="h" for="ch" forName="levelTx" refType="h" refFor="ch" refForName="level"/>
+            </dgm:constrLst>
+          </dgm:else>
+        </dgm:choose>
+        <dgm:ruleLst/>
+        <dgm:choose name="Name12">
+          <dgm:if name="Name13" axis="ch" ptType="node" func="cnt" op="gte" val="1">
+            <dgm:layoutNode name="acctBkgd" styleLbl="alignAcc1">
+              <dgm:alg type="sp"/>
+              <dgm:shape xmlns:r="http://schemas.openxmlformats.org/officeDocument/2006/relationships" type="nonIsoscelesTrapezoid" r:blip="">
+                <dgm:adjLst/>
+              </dgm:shape>
+              <dgm:presOf axis="des" ptType="node"/>
+              <dgm:constrLst/>
+              <dgm:ruleLst/>
+            </dgm:layoutNode>
+            <dgm:layoutNode name="acctTx" styleLbl="alignAcc1">
+              <dgm:varLst>
+                <dgm:bulletEnabled val="1"/>
+              </dgm:varLst>
+              <dgm:alg type="tx">
+                <dgm:param type="stBulletLvl" val="1"/>
+                <dgm:param type="txAnchorVertCh" val="t"/>
+              </dgm:alg>
+              <dgm:shape xmlns:r="http://schemas.openxmlformats.org/officeDocument/2006/relationships" type="nonIsoscelesTrapezoid" r:blip="" hideGeom="1">
+                <dgm:adjLst/>
+              </dgm:shape>
+              <dgm:presOf axis="des" ptType="node"/>
+              <dgm:constrLst>
+                <dgm:constr type="secFontSz" val="65"/>
+                <dgm:constr type="primFontSz" refType="secFontSz"/>
+                <dgm:constr type="tMarg" refType="secFontSz" fact="0.3"/>
+                <dgm:constr type="bMarg" refType="secFontSz" fact="0.3"/>
+                <dgm:constr type="lMarg" refType="secFontSz" fact="0.3"/>
+                <dgm:constr type="rMarg" refType="secFontSz" fact="0.3"/>
+              </dgm:constrLst>
+              <dgm:ruleLst>
+                <dgm:rule type="secFontSz" val="5" fact="NaN" max="NaN"/>
+              </dgm:ruleLst>
+            </dgm:layoutNode>
+          </dgm:if>
+          <dgm:else name="Name14"/>
+        </dgm:choose>
+        <dgm:layoutNode name="level">
+          <dgm:varLst>
+            <dgm:chMax val="1"/>
+            <dgm:bulletEnabled val="1"/>
+          </dgm:varLst>
+          <dgm:alg type="sp"/>
+          <dgm:shape xmlns:r="http://schemas.openxmlformats.org/officeDocument/2006/relationships" type="trapezoid" r:blip="">
+            <dgm:adjLst/>
+          </dgm:shape>
+          <dgm:presOf axis="self"/>
+          <dgm:constrLst>
+            <dgm:constr type="h" val="500"/>
+            <dgm:constr type="w" val="1"/>
+          </dgm:constrLst>
+          <dgm:ruleLst/>
+        </dgm:layoutNode>
+        <dgm:layoutNode name="levelTx" styleLbl="revTx">
+          <dgm:varLst>
+            <dgm:chMax val="1"/>
+            <dgm:bulletEnabled val="1"/>
+          </dgm:varLst>
+          <dgm:alg type="tx"/>
+          <dgm:shape xmlns:r="http://schemas.openxmlformats.org/officeDocument/2006/relationships" type="rect" r:blip="" hideGeom="1">
+            <dgm:adjLst/>
+          </dgm:shape>
+          <dgm:presOf axis="self"/>
+          <dgm:constrLst>
+            <dgm:constr type="tMarg" refType="primFontSz" fact="0.1"/>
+            <dgm:constr type="bMarg" refType="primFontSz" fact="0.1"/>
+            <dgm:constr type="lMarg" refType="primFontSz" fact="0.1"/>
+            <dgm:constr type="rMarg" refType="primFontSz" fact="0.1"/>
+            <dgm:constr type="primFontSz" val="65"/>
+          </dgm:constrLst>
+          <dgm:ruleLst>
+            <dgm:rule type="primFontSz" val="5" fact="NaN" max="NaN"/>
+          </dgm:ruleLst>
+        </dgm:layoutNode>
+      </dgm:layoutNode>
+    </dgm:forEach>
+  </dgm:layoutNode>
+</dgm:layoutDef>
+</file>
+
 <file path=ppt/diagrams/quickStyle1.xml><?xml version="1.0" encoding="utf-8"?>
 <dgm:styleDef xmlns:dgm="http://schemas.openxmlformats.org/drawingml/2006/diagram" xmlns:a="http://schemas.openxmlformats.org/drawingml/2006/main" uniqueId="urn:microsoft.com/office/officeart/2005/8/quickstyle/simple1">
   <dgm:title val=""/>
@@ -16288,6 +18680,1040 @@
 </file>
 
 <file path=ppt/diagrams/quickStyle3.xml><?xml version="1.0" encoding="utf-8"?>
+<dgm:styleDef xmlns:dgm="http://schemas.openxmlformats.org/drawingml/2006/diagram" xmlns:a="http://schemas.openxmlformats.org/drawingml/2006/main" uniqueId="urn:microsoft.com/office/officeart/2005/8/quickstyle/simple1">
+  <dgm:title val=""/>
+  <dgm:desc val=""/>
+  <dgm:catLst>
+    <dgm:cat type="simple" pri="10100"/>
+  </dgm:catLst>
+  <dgm:scene3d>
+    <a:camera prst="orthographicFront"/>
+    <a:lightRig rig="threePt" dir="t"/>
+  </dgm:scene3d>
+  <dgm:styleLbl name="node0">
+    <dgm:scene3d>
+      <a:camera prst="orthographicFront"/>
+      <a:lightRig rig="threePt" dir="t"/>
+    </dgm:scene3d>
+    <dgm:sp3d/>
+    <dgm:txPr/>
+    <dgm:style>
+      <a:lnRef idx="2">
+        <a:scrgbClr r="0" g="0" b="0"/>
+      </a:lnRef>
+      <a:fillRef idx="1">
+        <a:scrgbClr r="0" g="0" b="0"/>
+      </a:fillRef>
+      <a:effectRef idx="0">
+        <a:scrgbClr r="0" g="0" b="0"/>
+      </a:effectRef>
+      <a:fontRef idx="minor">
+        <a:schemeClr val="lt1"/>
+      </a:fontRef>
+    </dgm:style>
+  </dgm:styleLbl>
+  <dgm:styleLbl name="lnNode1">
+    <dgm:scene3d>
+      <a:camera prst="orthographicFront"/>
+      <a:lightRig rig="threePt" dir="t"/>
+    </dgm:scene3d>
+    <dgm:sp3d/>
+    <dgm:txPr/>
+    <dgm:style>
+      <a:lnRef idx="2">
+        <a:scrgbClr r="0" g="0" b="0"/>
+      </a:lnRef>
+      <a:fillRef idx="1">
+        <a:scrgbClr r="0" g="0" b="0"/>
+      </a:fillRef>
+      <a:effectRef idx="0">
+        <a:scrgbClr r="0" g="0" b="0"/>
+      </a:effectRef>
+      <a:fontRef idx="minor">
+        <a:schemeClr val="lt1"/>
+      </a:fontRef>
+    </dgm:style>
+  </dgm:styleLbl>
+  <dgm:styleLbl name="vennNode1">
+    <dgm:scene3d>
+      <a:camera prst="orthographicFront"/>
+      <a:lightRig rig="threePt" dir="t"/>
+    </dgm:scene3d>
+    <dgm:sp3d/>
+    <dgm:txPr/>
+    <dgm:style>
+      <a:lnRef idx="2">
+        <a:scrgbClr r="0" g="0" b="0"/>
+      </a:lnRef>
+      <a:fillRef idx="1">
+        <a:scrgbClr r="0" g="0" b="0"/>
+      </a:fillRef>
+      <a:effectRef idx="0">
+        <a:scrgbClr r="0" g="0" b="0"/>
+      </a:effectRef>
+      <a:fontRef idx="minor">
+        <a:schemeClr val="tx1"/>
+      </a:fontRef>
+    </dgm:style>
+  </dgm:styleLbl>
+  <dgm:styleLbl name="alignNode1">
+    <dgm:scene3d>
+      <a:camera prst="orthographicFront"/>
+      <a:lightRig rig="threePt" dir="t"/>
+    </dgm:scene3d>
+    <dgm:sp3d/>
+    <dgm:txPr/>
+    <dgm:style>
+      <a:lnRef idx="2">
+        <a:scrgbClr r="0" g="0" b="0"/>
+      </a:lnRef>
+      <a:fillRef idx="1">
+        <a:scrgbClr r="0" g="0" b="0"/>
+      </a:fillRef>
+      <a:effectRef idx="0">
+        <a:scrgbClr r="0" g="0" b="0"/>
+      </a:effectRef>
+      <a:fontRef idx="minor">
+        <a:schemeClr val="lt1"/>
+      </a:fontRef>
+    </dgm:style>
+  </dgm:styleLbl>
+  <dgm:styleLbl name="node1">
+    <dgm:scene3d>
+      <a:camera prst="orthographicFront"/>
+      <a:lightRig rig="threePt" dir="t"/>
+    </dgm:scene3d>
+    <dgm:sp3d/>
+    <dgm:txPr/>
+    <dgm:style>
+      <a:lnRef idx="2">
+        <a:scrgbClr r="0" g="0" b="0"/>
+      </a:lnRef>
+      <a:fillRef idx="1">
+        <a:scrgbClr r="0" g="0" b="0"/>
+      </a:fillRef>
+      <a:effectRef idx="0">
+        <a:scrgbClr r="0" g="0" b="0"/>
+      </a:effectRef>
+      <a:fontRef idx="minor">
+        <a:schemeClr val="lt1"/>
+      </a:fontRef>
+    </dgm:style>
+  </dgm:styleLbl>
+  <dgm:styleLbl name="node2">
+    <dgm:scene3d>
+      <a:camera prst="orthographicFront"/>
+      <a:lightRig rig="threePt" dir="t"/>
+    </dgm:scene3d>
+    <dgm:sp3d/>
+    <dgm:txPr/>
+    <dgm:style>
+      <a:lnRef idx="2">
+        <a:scrgbClr r="0" g="0" b="0"/>
+      </a:lnRef>
+      <a:fillRef idx="1">
+        <a:scrgbClr r="0" g="0" b="0"/>
+      </a:fillRef>
+      <a:effectRef idx="0">
+        <a:scrgbClr r="0" g="0" b="0"/>
+      </a:effectRef>
+      <a:fontRef idx="minor">
+        <a:schemeClr val="lt1"/>
+      </a:fontRef>
+    </dgm:style>
+  </dgm:styleLbl>
+  <dgm:styleLbl name="node3">
+    <dgm:scene3d>
+      <a:camera prst="orthographicFront"/>
+      <a:lightRig rig="threePt" dir="t"/>
+    </dgm:scene3d>
+    <dgm:sp3d/>
+    <dgm:txPr/>
+    <dgm:style>
+      <a:lnRef idx="2">
+        <a:scrgbClr r="0" g="0" b="0"/>
+      </a:lnRef>
+      <a:fillRef idx="1">
+        <a:scrgbClr r="0" g="0" b="0"/>
+      </a:fillRef>
+      <a:effectRef idx="0">
+        <a:scrgbClr r="0" g="0" b="0"/>
+      </a:effectRef>
+      <a:fontRef idx="minor">
+        <a:schemeClr val="lt1"/>
+      </a:fontRef>
+    </dgm:style>
+  </dgm:styleLbl>
+  <dgm:styleLbl name="node4">
+    <dgm:scene3d>
+      <a:camera prst="orthographicFront"/>
+      <a:lightRig rig="threePt" dir="t"/>
+    </dgm:scene3d>
+    <dgm:sp3d/>
+    <dgm:txPr/>
+    <dgm:style>
+      <a:lnRef idx="2">
+        <a:scrgbClr r="0" g="0" b="0"/>
+      </a:lnRef>
+      <a:fillRef idx="1">
+        <a:scrgbClr r="0" g="0" b="0"/>
+      </a:fillRef>
+      <a:effectRef idx="0">
+        <a:scrgbClr r="0" g="0" b="0"/>
+      </a:effectRef>
+      <a:fontRef idx="minor">
+        <a:schemeClr val="lt1"/>
+      </a:fontRef>
+    </dgm:style>
+  </dgm:styleLbl>
+  <dgm:styleLbl name="fgImgPlace1">
+    <dgm:scene3d>
+      <a:camera prst="orthographicFront"/>
+      <a:lightRig rig="threePt" dir="t"/>
+    </dgm:scene3d>
+    <dgm:sp3d/>
+    <dgm:txPr/>
+    <dgm:style>
+      <a:lnRef idx="2">
+        <a:scrgbClr r="0" g="0" b="0"/>
+      </a:lnRef>
+      <a:fillRef idx="1">
+        <a:scrgbClr r="0" g="0" b="0"/>
+      </a:fillRef>
+      <a:effectRef idx="0">
+        <a:scrgbClr r="0" g="0" b="0"/>
+      </a:effectRef>
+      <a:fontRef idx="minor"/>
+    </dgm:style>
+  </dgm:styleLbl>
+  <dgm:styleLbl name="alignImgPlace1">
+    <dgm:scene3d>
+      <a:camera prst="orthographicFront"/>
+      <a:lightRig rig="threePt" dir="t"/>
+    </dgm:scene3d>
+    <dgm:sp3d/>
+    <dgm:txPr/>
+    <dgm:style>
+      <a:lnRef idx="2">
+        <a:scrgbClr r="0" g="0" b="0"/>
+      </a:lnRef>
+      <a:fillRef idx="1">
+        <a:scrgbClr r="0" g="0" b="0"/>
+      </a:fillRef>
+      <a:effectRef idx="0">
+        <a:scrgbClr r="0" g="0" b="0"/>
+      </a:effectRef>
+      <a:fontRef idx="minor"/>
+    </dgm:style>
+  </dgm:styleLbl>
+  <dgm:styleLbl name="bgImgPlace1">
+    <dgm:scene3d>
+      <a:camera prst="orthographicFront"/>
+      <a:lightRig rig="threePt" dir="t"/>
+    </dgm:scene3d>
+    <dgm:sp3d/>
+    <dgm:txPr/>
+    <dgm:style>
+      <a:lnRef idx="2">
+        <a:scrgbClr r="0" g="0" b="0"/>
+      </a:lnRef>
+      <a:fillRef idx="1">
+        <a:scrgbClr r="0" g="0" b="0"/>
+      </a:fillRef>
+      <a:effectRef idx="0">
+        <a:scrgbClr r="0" g="0" b="0"/>
+      </a:effectRef>
+      <a:fontRef idx="minor"/>
+    </dgm:style>
+  </dgm:styleLbl>
+  <dgm:styleLbl name="sibTrans2D1">
+    <dgm:scene3d>
+      <a:camera prst="orthographicFront"/>
+      <a:lightRig rig="threePt" dir="t"/>
+    </dgm:scene3d>
+    <dgm:sp3d/>
+    <dgm:txPr/>
+    <dgm:style>
+      <a:lnRef idx="0">
+        <a:scrgbClr r="0" g="0" b="0"/>
+      </a:lnRef>
+      <a:fillRef idx="1">
+        <a:scrgbClr r="0" g="0" b="0"/>
+      </a:fillRef>
+      <a:effectRef idx="0">
+        <a:scrgbClr r="0" g="0" b="0"/>
+      </a:effectRef>
+      <a:fontRef idx="minor">
+        <a:schemeClr val="lt1"/>
+      </a:fontRef>
+    </dgm:style>
+  </dgm:styleLbl>
+  <dgm:styleLbl name="fgSibTrans2D1">
+    <dgm:scene3d>
+      <a:camera prst="orthographicFront"/>
+      <a:lightRig rig="threePt" dir="t"/>
+    </dgm:scene3d>
+    <dgm:sp3d/>
+    <dgm:txPr/>
+    <dgm:style>
+      <a:lnRef idx="0">
+        <a:scrgbClr r="0" g="0" b="0"/>
+      </a:lnRef>
+      <a:fillRef idx="1">
+        <a:scrgbClr r="0" g="0" b="0"/>
+      </a:fillRef>
+      <a:effectRef idx="0">
+        <a:scrgbClr r="0" g="0" b="0"/>
+      </a:effectRef>
+      <a:fontRef idx="minor">
+        <a:schemeClr val="lt1"/>
+      </a:fontRef>
+    </dgm:style>
+  </dgm:styleLbl>
+  <dgm:styleLbl name="bgSibTrans2D1">
+    <dgm:scene3d>
+      <a:camera prst="orthographicFront"/>
+      <a:lightRig rig="threePt" dir="t"/>
+    </dgm:scene3d>
+    <dgm:sp3d/>
+    <dgm:txPr/>
+    <dgm:style>
+      <a:lnRef idx="0">
+        <a:scrgbClr r="0" g="0" b="0"/>
+      </a:lnRef>
+      <a:fillRef idx="1">
+        <a:scrgbClr r="0" g="0" b="0"/>
+      </a:fillRef>
+      <a:effectRef idx="0">
+        <a:scrgbClr r="0" g="0" b="0"/>
+      </a:effectRef>
+      <a:fontRef idx="minor">
+        <a:schemeClr val="lt1"/>
+      </a:fontRef>
+    </dgm:style>
+  </dgm:styleLbl>
+  <dgm:styleLbl name="sibTrans1D1">
+    <dgm:scene3d>
+      <a:camera prst="orthographicFront"/>
+      <a:lightRig rig="threePt" dir="t"/>
+    </dgm:scene3d>
+    <dgm:sp3d/>
+    <dgm:txPr/>
+    <dgm:style>
+      <a:lnRef idx="1">
+        <a:scrgbClr r="0" g="0" b="0"/>
+      </a:lnRef>
+      <a:fillRef idx="0">
+        <a:scrgbClr r="0" g="0" b="0"/>
+      </a:fillRef>
+      <a:effectRef idx="0">
+        <a:scrgbClr r="0" g="0" b="0"/>
+      </a:effectRef>
+      <a:fontRef idx="minor"/>
+    </dgm:style>
+  </dgm:styleLbl>
+  <dgm:styleLbl name="callout">
+    <dgm:scene3d>
+      <a:camera prst="orthographicFront"/>
+      <a:lightRig rig="threePt" dir="t"/>
+    </dgm:scene3d>
+    <dgm:sp3d/>
+    <dgm:txPr/>
+    <dgm:style>
+      <a:lnRef idx="2">
+        <a:scrgbClr r="0" g="0" b="0"/>
+      </a:lnRef>
+      <a:fillRef idx="1">
+        <a:scrgbClr r="0" g="0" b="0"/>
+      </a:fillRef>
+      <a:effectRef idx="0">
+        <a:scrgbClr r="0" g="0" b="0"/>
+      </a:effectRef>
+      <a:fontRef idx="minor"/>
+    </dgm:style>
+  </dgm:styleLbl>
+  <dgm:styleLbl name="asst0">
+    <dgm:scene3d>
+      <a:camera prst="orthographicFront"/>
+      <a:lightRig rig="threePt" dir="t"/>
+    </dgm:scene3d>
+    <dgm:sp3d/>
+    <dgm:txPr/>
+    <dgm:style>
+      <a:lnRef idx="2">
+        <a:scrgbClr r="0" g="0" b="0"/>
+      </a:lnRef>
+      <a:fillRef idx="1">
+        <a:scrgbClr r="0" g="0" b="0"/>
+      </a:fillRef>
+      <a:effectRef idx="0">
+        <a:scrgbClr r="0" g="0" b="0"/>
+      </a:effectRef>
+      <a:fontRef idx="minor">
+        <a:schemeClr val="lt1"/>
+      </a:fontRef>
+    </dgm:style>
+  </dgm:styleLbl>
+  <dgm:styleLbl name="asst1">
+    <dgm:scene3d>
+      <a:camera prst="orthographicFront"/>
+      <a:lightRig rig="threePt" dir="t"/>
+    </dgm:scene3d>
+    <dgm:sp3d/>
+    <dgm:txPr/>
+    <dgm:style>
+      <a:lnRef idx="2">
+        <a:scrgbClr r="0" g="0" b="0"/>
+      </a:lnRef>
+      <a:fillRef idx="1">
+        <a:scrgbClr r="0" g="0" b="0"/>
+      </a:fillRef>
+      <a:effectRef idx="0">
+        <a:scrgbClr r="0" g="0" b="0"/>
+      </a:effectRef>
+      <a:fontRef idx="minor">
+        <a:schemeClr val="lt1"/>
+      </a:fontRef>
+    </dgm:style>
+  </dgm:styleLbl>
+  <dgm:styleLbl name="asst2">
+    <dgm:scene3d>
+      <a:camera prst="orthographicFront"/>
+      <a:lightRig rig="threePt" dir="t"/>
+    </dgm:scene3d>
+    <dgm:sp3d/>
+    <dgm:txPr/>
+    <dgm:style>
+      <a:lnRef idx="2">
+        <a:scrgbClr r="0" g="0" b="0"/>
+      </a:lnRef>
+      <a:fillRef idx="1">
+        <a:scrgbClr r="0" g="0" b="0"/>
+      </a:fillRef>
+      <a:effectRef idx="0">
+        <a:scrgbClr r="0" g="0" b="0"/>
+      </a:effectRef>
+      <a:fontRef idx="minor">
+        <a:schemeClr val="lt1"/>
+      </a:fontRef>
+    </dgm:style>
+  </dgm:styleLbl>
+  <dgm:styleLbl name="asst3">
+    <dgm:scene3d>
+      <a:camera prst="orthographicFront"/>
+      <a:lightRig rig="threePt" dir="t"/>
+    </dgm:scene3d>
+    <dgm:sp3d/>
+    <dgm:txPr/>
+    <dgm:style>
+      <a:lnRef idx="2">
+        <a:scrgbClr r="0" g="0" b="0"/>
+      </a:lnRef>
+      <a:fillRef idx="1">
+        <a:scrgbClr r="0" g="0" b="0"/>
+      </a:fillRef>
+      <a:effectRef idx="0">
+        <a:scrgbClr r="0" g="0" b="0"/>
+      </a:effectRef>
+      <a:fontRef idx="minor">
+        <a:schemeClr val="lt1"/>
+      </a:fontRef>
+    </dgm:style>
+  </dgm:styleLbl>
+  <dgm:styleLbl name="asst4">
+    <dgm:scene3d>
+      <a:camera prst="orthographicFront"/>
+      <a:lightRig rig="threePt" dir="t"/>
+    </dgm:scene3d>
+    <dgm:sp3d/>
+    <dgm:txPr/>
+    <dgm:style>
+      <a:lnRef idx="2">
+        <a:scrgbClr r="0" g="0" b="0"/>
+      </a:lnRef>
+      <a:fillRef idx="1">
+        <a:scrgbClr r="0" g="0" b="0"/>
+      </a:fillRef>
+      <a:effectRef idx="0">
+        <a:scrgbClr r="0" g="0" b="0"/>
+      </a:effectRef>
+      <a:fontRef idx="minor">
+        <a:schemeClr val="lt1"/>
+      </a:fontRef>
+    </dgm:style>
+  </dgm:styleLbl>
+  <dgm:styleLbl name="parChTrans2D1">
+    <dgm:scene3d>
+      <a:camera prst="orthographicFront"/>
+      <a:lightRig rig="threePt" dir="t"/>
+    </dgm:scene3d>
+    <dgm:sp3d/>
+    <dgm:txPr/>
+    <dgm:style>
+      <a:lnRef idx="2">
+        <a:scrgbClr r="0" g="0" b="0"/>
+      </a:lnRef>
+      <a:fillRef idx="1">
+        <a:scrgbClr r="0" g="0" b="0"/>
+      </a:fillRef>
+      <a:effectRef idx="0">
+        <a:scrgbClr r="0" g="0" b="0"/>
+      </a:effectRef>
+      <a:fontRef idx="minor">
+        <a:schemeClr val="lt1"/>
+      </a:fontRef>
+    </dgm:style>
+  </dgm:styleLbl>
+  <dgm:styleLbl name="parChTrans2D2">
+    <dgm:scene3d>
+      <a:camera prst="orthographicFront"/>
+      <a:lightRig rig="threePt" dir="t"/>
+    </dgm:scene3d>
+    <dgm:sp3d/>
+    <dgm:txPr/>
+    <dgm:style>
+      <a:lnRef idx="2">
+        <a:scrgbClr r="0" g="0" b="0"/>
+      </a:lnRef>
+      <a:fillRef idx="1">
+        <a:scrgbClr r="0" g="0" b="0"/>
+      </a:fillRef>
+      <a:effectRef idx="0">
+        <a:scrgbClr r="0" g="0" b="0"/>
+      </a:effectRef>
+      <a:fontRef idx="minor">
+        <a:schemeClr val="lt1"/>
+      </a:fontRef>
+    </dgm:style>
+  </dgm:styleLbl>
+  <dgm:styleLbl name="parChTrans2D3">
+    <dgm:scene3d>
+      <a:camera prst="orthographicFront"/>
+      <a:lightRig rig="threePt" dir="t"/>
+    </dgm:scene3d>
+    <dgm:sp3d/>
+    <dgm:txPr/>
+    <dgm:style>
+      <a:lnRef idx="2">
+        <a:scrgbClr r="0" g="0" b="0"/>
+      </a:lnRef>
+      <a:fillRef idx="1">
+        <a:scrgbClr r="0" g="0" b="0"/>
+      </a:fillRef>
+      <a:effectRef idx="0">
+        <a:scrgbClr r="0" g="0" b="0"/>
+      </a:effectRef>
+      <a:fontRef idx="minor">
+        <a:schemeClr val="lt1"/>
+      </a:fontRef>
+    </dgm:style>
+  </dgm:styleLbl>
+  <dgm:styleLbl name="parChTrans2D4">
+    <dgm:scene3d>
+      <a:camera prst="orthographicFront"/>
+      <a:lightRig rig="threePt" dir="t"/>
+    </dgm:scene3d>
+    <dgm:sp3d/>
+    <dgm:txPr/>
+    <dgm:style>
+      <a:lnRef idx="2">
+        <a:scrgbClr r="0" g="0" b="0"/>
+      </a:lnRef>
+      <a:fillRef idx="1">
+        <a:scrgbClr r="0" g="0" b="0"/>
+      </a:fillRef>
+      <a:effectRef idx="0">
+        <a:scrgbClr r="0" g="0" b="0"/>
+      </a:effectRef>
+      <a:fontRef idx="minor">
+        <a:schemeClr val="lt1"/>
+      </a:fontRef>
+    </dgm:style>
+  </dgm:styleLbl>
+  <dgm:styleLbl name="parChTrans1D1">
+    <dgm:scene3d>
+      <a:camera prst="orthographicFront"/>
+      <a:lightRig rig="threePt" dir="t"/>
+    </dgm:scene3d>
+    <dgm:sp3d/>
+    <dgm:txPr/>
+    <dgm:style>
+      <a:lnRef idx="2">
+        <a:scrgbClr r="0" g="0" b="0"/>
+      </a:lnRef>
+      <a:fillRef idx="0">
+        <a:scrgbClr r="0" g="0" b="0"/>
+      </a:fillRef>
+      <a:effectRef idx="0">
+        <a:scrgbClr r="0" g="0" b="0"/>
+      </a:effectRef>
+      <a:fontRef idx="minor"/>
+    </dgm:style>
+  </dgm:styleLbl>
+  <dgm:styleLbl name="parChTrans1D2">
+    <dgm:scene3d>
+      <a:camera prst="orthographicFront"/>
+      <a:lightRig rig="threePt" dir="t"/>
+    </dgm:scene3d>
+    <dgm:sp3d/>
+    <dgm:txPr/>
+    <dgm:style>
+      <a:lnRef idx="2">
+        <a:scrgbClr r="0" g="0" b="0"/>
+      </a:lnRef>
+      <a:fillRef idx="0">
+        <a:scrgbClr r="0" g="0" b="0"/>
+      </a:fillRef>
+      <a:effectRef idx="0">
+        <a:scrgbClr r="0" g="0" b="0"/>
+      </a:effectRef>
+      <a:fontRef idx="minor"/>
+    </dgm:style>
+  </dgm:styleLbl>
+  <dgm:styleLbl name="parChTrans1D3">
+    <dgm:scene3d>
+      <a:camera prst="orthographicFront"/>
+      <a:lightRig rig="threePt" dir="t"/>
+    </dgm:scene3d>
+    <dgm:sp3d/>
+    <dgm:txPr/>
+    <dgm:style>
+      <a:lnRef idx="2">
+        <a:scrgbClr r="0" g="0" b="0"/>
+      </a:lnRef>
+      <a:fillRef idx="0">
+        <a:scrgbClr r="0" g="0" b="0"/>
+      </a:fillRef>
+      <a:effectRef idx="0">
+        <a:scrgbClr r="0" g="0" b="0"/>
+      </a:effectRef>
+      <a:fontRef idx="minor"/>
+    </dgm:style>
+  </dgm:styleLbl>
+  <dgm:styleLbl name="parChTrans1D4">
+    <dgm:scene3d>
+      <a:camera prst="orthographicFront"/>
+      <a:lightRig rig="threePt" dir="t"/>
+    </dgm:scene3d>
+    <dgm:sp3d/>
+    <dgm:txPr/>
+    <dgm:style>
+      <a:lnRef idx="2">
+        <a:scrgbClr r="0" g="0" b="0"/>
+      </a:lnRef>
+      <a:fillRef idx="0">
+        <a:scrgbClr r="0" g="0" b="0"/>
+      </a:fillRef>
+      <a:effectRef idx="0">
+        <a:scrgbClr r="0" g="0" b="0"/>
+      </a:effectRef>
+      <a:fontRef idx="minor"/>
+    </dgm:style>
+  </dgm:styleLbl>
+  <dgm:styleLbl name="fgAcc1">
+    <dgm:scene3d>
+      <a:camera prst="orthographicFront"/>
+      <a:lightRig rig="threePt" dir="t"/>
+    </dgm:scene3d>
+    <dgm:sp3d/>
+    <dgm:txPr/>
+    <dgm:style>
+      <a:lnRef idx="2">
+        <a:scrgbClr r="0" g="0" b="0"/>
+      </a:lnRef>
+      <a:fillRef idx="1">
+        <a:scrgbClr r="0" g="0" b="0"/>
+      </a:fillRef>
+      <a:effectRef idx="0">
+        <a:scrgbClr r="0" g="0" b="0"/>
+      </a:effectRef>
+      <a:fontRef idx="minor"/>
+    </dgm:style>
+  </dgm:styleLbl>
+  <dgm:styleLbl name="conFgAcc1">
+    <dgm:scene3d>
+      <a:camera prst="orthographicFront"/>
+      <a:lightRig rig="threePt" dir="t"/>
+    </dgm:scene3d>
+    <dgm:sp3d/>
+    <dgm:txPr/>
+    <dgm:style>
+      <a:lnRef idx="2">
+        <a:scrgbClr r="0" g="0" b="0"/>
+      </a:lnRef>
+      <a:fillRef idx="1">
+        <a:scrgbClr r="0" g="0" b="0"/>
+      </a:fillRef>
+      <a:effectRef idx="0">
+        <a:scrgbClr r="0" g="0" b="0"/>
+      </a:effectRef>
+      <a:fontRef idx="minor"/>
+    </dgm:style>
+  </dgm:styleLbl>
+  <dgm:styleLbl name="alignAcc1">
+    <dgm:scene3d>
+      <a:camera prst="orthographicFront"/>
+      <a:lightRig rig="threePt" dir="t"/>
+    </dgm:scene3d>
+    <dgm:sp3d/>
+    <dgm:txPr/>
+    <dgm:style>
+      <a:lnRef idx="2">
+        <a:scrgbClr r="0" g="0" b="0"/>
+      </a:lnRef>
+      <a:fillRef idx="1">
+        <a:scrgbClr r="0" g="0" b="0"/>
+      </a:fillRef>
+      <a:effectRef idx="0">
+        <a:scrgbClr r="0" g="0" b="0"/>
+      </a:effectRef>
+      <a:fontRef idx="minor"/>
+    </dgm:style>
+  </dgm:styleLbl>
+  <dgm:styleLbl name="trAlignAcc1">
+    <dgm:scene3d>
+      <a:camera prst="orthographicFront"/>
+      <a:lightRig rig="threePt" dir="t"/>
+    </dgm:scene3d>
+    <dgm:sp3d/>
+    <dgm:txPr/>
+    <dgm:style>
+      <a:lnRef idx="1">
+        <a:scrgbClr r="0" g="0" b="0"/>
+      </a:lnRef>
+      <a:fillRef idx="1">
+        <a:scrgbClr r="0" g="0" b="0"/>
+      </a:fillRef>
+      <a:effectRef idx="0">
+        <a:scrgbClr r="0" g="0" b="0"/>
+      </a:effectRef>
+      <a:fontRef idx="minor"/>
+    </dgm:style>
+  </dgm:styleLbl>
+  <dgm:styleLbl name="bgAcc1">
+    <dgm:scene3d>
+      <a:camera prst="orthographicFront"/>
+      <a:lightRig rig="threePt" dir="t"/>
+    </dgm:scene3d>
+    <dgm:sp3d/>
+    <dgm:txPr/>
+    <dgm:style>
+      <a:lnRef idx="2">
+        <a:scrgbClr r="0" g="0" b="0"/>
+      </a:lnRef>
+      <a:fillRef idx="1">
+        <a:scrgbClr r="0" g="0" b="0"/>
+      </a:fillRef>
+      <a:effectRef idx="0">
+        <a:scrgbClr r="0" g="0" b="0"/>
+      </a:effectRef>
+      <a:fontRef idx="minor"/>
+    </dgm:style>
+  </dgm:styleLbl>
+  <dgm:styleLbl name="solidFgAcc1">
+    <dgm:scene3d>
+      <a:camera prst="orthographicFront"/>
+      <a:lightRig rig="threePt" dir="t"/>
+    </dgm:scene3d>
+    <dgm:sp3d/>
+    <dgm:txPr/>
+    <dgm:style>
+      <a:lnRef idx="2">
+        <a:scrgbClr r="0" g="0" b="0"/>
+      </a:lnRef>
+      <a:fillRef idx="1">
+        <a:scrgbClr r="0" g="0" b="0"/>
+      </a:fillRef>
+      <a:effectRef idx="0">
+        <a:scrgbClr r="0" g="0" b="0"/>
+      </a:effectRef>
+      <a:fontRef idx="minor"/>
+    </dgm:style>
+  </dgm:styleLbl>
+  <dgm:styleLbl name="solidAlignAcc1">
+    <dgm:scene3d>
+      <a:camera prst="orthographicFront"/>
+      <a:lightRig rig="threePt" dir="t"/>
+    </dgm:scene3d>
+    <dgm:sp3d/>
+    <dgm:txPr/>
+    <dgm:style>
+      <a:lnRef idx="2">
+        <a:scrgbClr r="0" g="0" b="0"/>
+      </a:lnRef>
+      <a:fillRef idx="1">
+        <a:scrgbClr r="0" g="0" b="0"/>
+      </a:fillRef>
+      <a:effectRef idx="0">
+        <a:scrgbClr r="0" g="0" b="0"/>
+      </a:effectRef>
+      <a:fontRef idx="minor"/>
+    </dgm:style>
+  </dgm:styleLbl>
+  <dgm:styleLbl name="solidBgAcc1">
+    <dgm:scene3d>
+      <a:camera prst="orthographicFront"/>
+      <a:lightRig rig="threePt" dir="t"/>
+    </dgm:scene3d>
+    <dgm:sp3d/>
+    <dgm:txPr/>
+    <dgm:style>
+      <a:lnRef idx="2">
+        <a:scrgbClr r="0" g="0" b="0"/>
+      </a:lnRef>
+      <a:fillRef idx="1">
+        <a:scrgbClr r="0" g="0" b="0"/>
+      </a:fillRef>
+      <a:effectRef idx="0">
+        <a:scrgbClr r="0" g="0" b="0"/>
+      </a:effectRef>
+      <a:fontRef idx="minor"/>
+    </dgm:style>
+  </dgm:styleLbl>
+  <dgm:styleLbl name="fgAccFollowNode1">
+    <dgm:scene3d>
+      <a:camera prst="orthographicFront"/>
+      <a:lightRig rig="threePt" dir="t"/>
+    </dgm:scene3d>
+    <dgm:sp3d/>
+    <dgm:txPr/>
+    <dgm:style>
+      <a:lnRef idx="2">
+        <a:scrgbClr r="0" g="0" b="0"/>
+      </a:lnRef>
+      <a:fillRef idx="1">
+        <a:scrgbClr r="0" g="0" b="0"/>
+      </a:fillRef>
+      <a:effectRef idx="0">
+        <a:scrgbClr r="0" g="0" b="0"/>
+      </a:effectRef>
+      <a:fontRef idx="minor"/>
+    </dgm:style>
+  </dgm:styleLbl>
+  <dgm:styleLbl name="alignAccFollowNode1">
+    <dgm:scene3d>
+      <a:camera prst="orthographicFront"/>
+      <a:lightRig rig="threePt" dir="t"/>
+    </dgm:scene3d>
+    <dgm:sp3d/>
+    <dgm:txPr/>
+    <dgm:style>
+      <a:lnRef idx="2">
+        <a:scrgbClr r="0" g="0" b="0"/>
+      </a:lnRef>
+      <a:fillRef idx="1">
+        <a:scrgbClr r="0" g="0" b="0"/>
+      </a:fillRef>
+      <a:effectRef idx="0">
+        <a:scrgbClr r="0" g="0" b="0"/>
+      </a:effectRef>
+      <a:fontRef idx="minor"/>
+    </dgm:style>
+  </dgm:styleLbl>
+  <dgm:styleLbl name="bgAccFollowNode1">
+    <dgm:scene3d>
+      <a:camera prst="orthographicFront"/>
+      <a:lightRig rig="threePt" dir="t"/>
+    </dgm:scene3d>
+    <dgm:sp3d/>
+    <dgm:txPr/>
+    <dgm:style>
+      <a:lnRef idx="2">
+        <a:scrgbClr r="0" g="0" b="0"/>
+      </a:lnRef>
+      <a:fillRef idx="1">
+        <a:scrgbClr r="0" g="0" b="0"/>
+      </a:fillRef>
+      <a:effectRef idx="0">
+        <a:scrgbClr r="0" g="0" b="0"/>
+      </a:effectRef>
+      <a:fontRef idx="minor"/>
+    </dgm:style>
+  </dgm:styleLbl>
+  <dgm:styleLbl name="fgAcc0">
+    <dgm:scene3d>
+      <a:camera prst="orthographicFront"/>
+      <a:lightRig rig="threePt" dir="t"/>
+    </dgm:scene3d>
+    <dgm:sp3d/>
+    <dgm:txPr/>
+    <dgm:style>
+      <a:lnRef idx="2">
+        <a:scrgbClr r="0" g="0" b="0"/>
+      </a:lnRef>
+      <a:fillRef idx="1">
+        <a:scrgbClr r="0" g="0" b="0"/>
+      </a:fillRef>
+      <a:effectRef idx="0">
+        <a:scrgbClr r="0" g="0" b="0"/>
+      </a:effectRef>
+      <a:fontRef idx="minor"/>
+    </dgm:style>
+  </dgm:styleLbl>
+  <dgm:styleLbl name="fgAcc2">
+    <dgm:scene3d>
+      <a:camera prst="orthographicFront"/>
+      <a:lightRig rig="threePt" dir="t"/>
+    </dgm:scene3d>
+    <dgm:sp3d/>
+    <dgm:txPr/>
+    <dgm:style>
+      <a:lnRef idx="2">
+        <a:scrgbClr r="0" g="0" b="0"/>
+      </a:lnRef>
+      <a:fillRef idx="1">
+        <a:scrgbClr r="0" g="0" b="0"/>
+      </a:fillRef>
+      <a:effectRef idx="0">
+        <a:scrgbClr r="0" g="0" b="0"/>
+      </a:effectRef>
+      <a:fontRef idx="minor"/>
+    </dgm:style>
+  </dgm:styleLbl>
+  <dgm:styleLbl name="fgAcc3">
+    <dgm:scene3d>
+      <a:camera prst="orthographicFront"/>
+      <a:lightRig rig="threePt" dir="t"/>
+    </dgm:scene3d>
+    <dgm:sp3d/>
+    <dgm:txPr/>
+    <dgm:style>
+      <a:lnRef idx="2">
+        <a:scrgbClr r="0" g="0" b="0"/>
+      </a:lnRef>
+      <a:fillRef idx="1">
+        <a:scrgbClr r="0" g="0" b="0"/>
+      </a:fillRef>
+      <a:effectRef idx="0">
+        <a:scrgbClr r="0" g="0" b="0"/>
+      </a:effectRef>
+      <a:fontRef idx="minor"/>
+    </dgm:style>
+  </dgm:styleLbl>
+  <dgm:styleLbl name="fgAcc4">
+    <dgm:scene3d>
+      <a:camera prst="orthographicFront"/>
+      <a:lightRig rig="threePt" dir="t"/>
+    </dgm:scene3d>
+    <dgm:sp3d/>
+    <dgm:txPr/>
+    <dgm:style>
+      <a:lnRef idx="2">
+        <a:scrgbClr r="0" g="0" b="0"/>
+      </a:lnRef>
+      <a:fillRef idx="1">
+        <a:scrgbClr r="0" g="0" b="0"/>
+      </a:fillRef>
+      <a:effectRef idx="0">
+        <a:scrgbClr r="0" g="0" b="0"/>
+      </a:effectRef>
+      <a:fontRef idx="minor"/>
+    </dgm:style>
+  </dgm:styleLbl>
+  <dgm:styleLbl name="bgShp">
+    <dgm:scene3d>
+      <a:camera prst="orthographicFront"/>
+      <a:lightRig rig="threePt" dir="t"/>
+    </dgm:scene3d>
+    <dgm:sp3d/>
+    <dgm:txPr/>
+    <dgm:style>
+      <a:lnRef idx="0">
+        <a:scrgbClr r="0" g="0" b="0"/>
+      </a:lnRef>
+      <a:fillRef idx="1">
+        <a:scrgbClr r="0" g="0" b="0"/>
+      </a:fillRef>
+      <a:effectRef idx="0">
+        <a:scrgbClr r="0" g="0" b="0"/>
+      </a:effectRef>
+      <a:fontRef idx="minor"/>
+    </dgm:style>
+  </dgm:styleLbl>
+  <dgm:styleLbl name="dkBgShp">
+    <dgm:scene3d>
+      <a:camera prst="orthographicFront"/>
+      <a:lightRig rig="threePt" dir="t"/>
+    </dgm:scene3d>
+    <dgm:sp3d/>
+    <dgm:txPr/>
+    <dgm:style>
+      <a:lnRef idx="0">
+        <a:scrgbClr r="0" g="0" b="0"/>
+      </a:lnRef>
+      <a:fillRef idx="1">
+        <a:scrgbClr r="0" g="0" b="0"/>
+      </a:fillRef>
+      <a:effectRef idx="0">
+        <a:scrgbClr r="0" g="0" b="0"/>
+      </a:effectRef>
+      <a:fontRef idx="minor"/>
+    </dgm:style>
+  </dgm:styleLbl>
+  <dgm:styleLbl name="trBgShp">
+    <dgm:scene3d>
+      <a:camera prst="orthographicFront"/>
+      <a:lightRig rig="threePt" dir="t"/>
+    </dgm:scene3d>
+    <dgm:sp3d/>
+    <dgm:txPr/>
+    <dgm:style>
+      <a:lnRef idx="0">
+        <a:scrgbClr r="0" g="0" b="0"/>
+      </a:lnRef>
+      <a:fillRef idx="1">
+        <a:scrgbClr r="0" g="0" b="0"/>
+      </a:fillRef>
+      <a:effectRef idx="0">
+        <a:scrgbClr r="0" g="0" b="0"/>
+      </a:effectRef>
+      <a:fontRef idx="minor"/>
+    </dgm:style>
+  </dgm:styleLbl>
+  <dgm:styleLbl name="fgShp">
+    <dgm:scene3d>
+      <a:camera prst="orthographicFront"/>
+      <a:lightRig rig="threePt" dir="t"/>
+    </dgm:scene3d>
+    <dgm:sp3d/>
+    <dgm:txPr/>
+    <dgm:style>
+      <a:lnRef idx="2">
+        <a:scrgbClr r="0" g="0" b="0"/>
+      </a:lnRef>
+      <a:fillRef idx="1">
+        <a:scrgbClr r="0" g="0" b="0"/>
+      </a:fillRef>
+      <a:effectRef idx="0">
+        <a:scrgbClr r="0" g="0" b="0"/>
+      </a:effectRef>
+      <a:fontRef idx="minor"/>
+    </dgm:style>
+  </dgm:styleLbl>
+  <dgm:styleLbl name="revTx">
+    <dgm:scene3d>
+      <a:camera prst="orthographicFront"/>
+      <a:lightRig rig="threePt" dir="t"/>
+    </dgm:scene3d>
+    <dgm:sp3d/>
+    <dgm:txPr/>
+    <dgm:style>
+      <a:lnRef idx="0">
+        <a:scrgbClr r="0" g="0" b="0"/>
+      </a:lnRef>
+      <a:fillRef idx="0">
+        <a:scrgbClr r="0" g="0" b="0"/>
+      </a:fillRef>
+      <a:effectRef idx="0">
+        <a:scrgbClr r="0" g="0" b="0"/>
+      </a:effectRef>
+      <a:fontRef idx="minor"/>
+    </dgm:style>
+  </dgm:styleLbl>
+</dgm:styleDef>
+</file>
+
+<file path=ppt/diagrams/quickStyle4.xml><?xml version="1.0" encoding="utf-8"?>
 <dgm:styleDef xmlns:dgm="http://schemas.openxmlformats.org/drawingml/2006/diagram" xmlns:a="http://schemas.openxmlformats.org/drawingml/2006/main" uniqueId="urn:microsoft.com/office/officeart/2005/8/quickstyle/simple1">
   <dgm:title val=""/>
   <dgm:desc val=""/>
@@ -17998,6 +21424,95 @@
           <a:bodyPr/>
           <a:lstStyle/>
           <a:p>
+            <a:pPr algn="r" rtl="1"/>
+            <a:r>
+              <a:rPr lang="fa-IR" dirty="0"/>
+              <a:t>نمایش هدف برای ادامه جلب توجه در روز ارائه</a:t>
+            </a:r>
+            <a:endParaRPr lang="en-US" dirty="0"/>
+          </a:p>
+        </p:txBody>
+      </p:sp>
+      <p:sp>
+        <p:nvSpPr>
+          <p:cNvPr id="4" name="Slide Number Placeholder 3"/>
+          <p:cNvSpPr>
+            <a:spLocks noGrp="1"/>
+          </p:cNvSpPr>
+          <p:nvPr>
+            <p:ph type="sldNum" sz="quarter" idx="5"/>
+          </p:nvPr>
+        </p:nvSpPr>
+        <p:spPr/>
+        <p:txBody>
+          <a:bodyPr/>
+          <a:lstStyle/>
+          <a:p>
+            <a:fld id="{EC29E1AC-3210-4C03-93DF-294BFDB0FAF7}" type="slidenum">
+              <a:rPr lang="en-US" smtClean="0"/>
+              <a:t>15</a:t>
+            </a:fld>
+            <a:endParaRPr lang="en-US"/>
+          </a:p>
+        </p:txBody>
+      </p:sp>
+    </p:spTree>
+    <p:extLst>
+      <p:ext uri="{BB962C8B-B14F-4D97-AF65-F5344CB8AC3E}">
+        <p14:creationId xmlns:p14="http://schemas.microsoft.com/office/powerpoint/2010/main" val="2773812234"/>
+      </p:ext>
+    </p:extLst>
+  </p:cSld>
+  <p:clrMapOvr>
+    <a:masterClrMapping/>
+  </p:clrMapOvr>
+</p:notes>
+</file>
+
+<file path=ppt/notesSlides/notesSlide11.xml><?xml version="1.0" encoding="utf-8"?>
+<p:notes xmlns:a="http://schemas.openxmlformats.org/drawingml/2006/main" xmlns:r="http://schemas.openxmlformats.org/officeDocument/2006/relationships" xmlns:p="http://schemas.openxmlformats.org/presentationml/2006/main">
+  <p:cSld>
+    <p:spTree>
+      <p:nvGrpSpPr>
+        <p:cNvPr id="1" name=""/>
+        <p:cNvGrpSpPr/>
+        <p:nvPr/>
+      </p:nvGrpSpPr>
+      <p:grpSpPr>
+        <a:xfrm>
+          <a:off x="0" y="0"/>
+          <a:ext cx="0" cy="0"/>
+          <a:chOff x="0" y="0"/>
+          <a:chExt cx="0" cy="0"/>
+        </a:xfrm>
+      </p:grpSpPr>
+      <p:sp>
+        <p:nvSpPr>
+          <p:cNvPr id="2" name="Slide Image Placeholder 1"/>
+          <p:cNvSpPr>
+            <a:spLocks noGrp="1" noRot="1" noChangeAspect="1"/>
+          </p:cNvSpPr>
+          <p:nvPr>
+            <p:ph type="sldImg"/>
+          </p:nvPr>
+        </p:nvSpPr>
+        <p:spPr/>
+      </p:sp>
+      <p:sp>
+        <p:nvSpPr>
+          <p:cNvPr id="3" name="Notes Placeholder 2"/>
+          <p:cNvSpPr>
+            <a:spLocks noGrp="1"/>
+          </p:cNvSpPr>
+          <p:nvPr>
+            <p:ph type="body" idx="1"/>
+          </p:nvPr>
+        </p:nvSpPr>
+        <p:spPr/>
+        <p:txBody>
+          <a:bodyPr/>
+          <a:lstStyle/>
+          <a:p>
             <a:r>
               <a:rPr lang="en-US" sz="1200" b="0" i="0" kern="1200" dirty="0">
                 <a:solidFill>
@@ -18075,7 +21590,7 @@
 </p:notes>
 </file>
 
-<file path=ppt/notesSlides/notesSlide11.xml><?xml version="1.0" encoding="utf-8"?>
+<file path=ppt/notesSlides/notesSlide12.xml><?xml version="1.0" encoding="utf-8"?>
 <p:notes xmlns:a="http://schemas.openxmlformats.org/drawingml/2006/main" xmlns:r="http://schemas.openxmlformats.org/officeDocument/2006/relationships" xmlns:p="http://schemas.openxmlformats.org/presentationml/2006/main">
   <p:cSld>
     <p:spTree>
@@ -19498,11 +23013,6 @@
           <a:bodyPr/>
           <a:lstStyle/>
           <a:p>
-            <a:pPr algn="r" rtl="1"/>
-            <a:r>
-              <a:rPr lang="fa-IR" dirty="0"/>
-              <a:t>نمایش هدف برای ادامه جلب توجه در روز ارائه</a:t>
-            </a:r>
             <a:endParaRPr lang="en-US" dirty="0"/>
           </a:p>
         </p:txBody>
@@ -19524,7 +23034,7 @@
           <a:p>
             <a:fld id="{EC29E1AC-3210-4C03-93DF-294BFDB0FAF7}" type="slidenum">
               <a:rPr lang="en-US" smtClean="0"/>
-              <a:t>15</a:t>
+              <a:t>14</a:t>
             </a:fld>
             <a:endParaRPr lang="en-US"/>
           </a:p>
@@ -19533,7 +23043,7 @@
     </p:spTree>
     <p:extLst>
       <p:ext uri="{BB962C8B-B14F-4D97-AF65-F5344CB8AC3E}">
-        <p14:creationId xmlns:p14="http://schemas.microsoft.com/office/powerpoint/2010/main" val="2773812234"/>
+        <p14:creationId xmlns:p14="http://schemas.microsoft.com/office/powerpoint/2010/main" val="3086266910"/>
       </p:ext>
     </p:extLst>
   </p:cSld>
@@ -26534,7 +30044,7 @@
             </a:pPr>
             <a:r>
               <a:rPr lang="fa-IR" dirty="0"/>
-              <a:t>قابلیت رشد فوق‌العاده به‌دلیل استراتژی فری‌میوم و موفقیت در دستیابی به مشتری</a:t>
+              <a:t>قابلیت رشد فوق‌العاده به‌دلیل استراتژی فری‌میوم و ایجاد اکوسیستم درآمدزایی متنوع.</a:t>
             </a:r>
             <a:endParaRPr lang="en-US" dirty="0"/>
           </a:p>
@@ -26567,7 +30077,7 @@
             </a:pPr>
             <a:r>
               <a:rPr lang="fa-IR" dirty="0"/>
-              <a:t>محصولی خاص در حوزه فین‌تک و تجارت الکترونیک با قابلیت رشد بی‌نهایت</a:t>
+              <a:t>محصولی خاص در حوزه فین‌تک و تجارت الکترونیک با قابلیت رشد بی‌نهایت.</a:t>
             </a:r>
             <a:endParaRPr lang="en-US" dirty="0"/>
           </a:p>
@@ -26603,7 +30113,7 @@
             </a:pPr>
             <a:r>
               <a:rPr lang="fa-IR" dirty="0"/>
-              <a:t>برنامه‌ریزی و نگاه بلندمدت به محصول و تیم فنی مسلط بر توسعه محصول</a:t>
+              <a:t>برنامه‌ریزی و نگاه بلندمدت به محصول و تیم فنی مسلط بر توسعه محصول.</a:t>
             </a:r>
             <a:endParaRPr lang="en-US" dirty="0"/>
           </a:p>
@@ -28460,12 +31970,43 @@
           </a:p>
         </p:txBody>
       </p:sp>
+      <p:graphicFrame>
+        <p:nvGraphicFramePr>
+          <p:cNvPr id="4" name="Content Placeholder 3">
+            <a:extLst>
+              <a:ext uri="{FF2B5EF4-FFF2-40B4-BE49-F238E27FC236}">
+                <a16:creationId xmlns:a16="http://schemas.microsoft.com/office/drawing/2014/main" id="{51DCFAB0-7744-4010-A8E5-25079D82CF74}"/>
+              </a:ext>
+            </a:extLst>
+          </p:cNvPr>
+          <p:cNvGraphicFramePr>
+            <a:graphicFrameLocks noGrp="1"/>
+          </p:cNvGraphicFramePr>
+          <p:nvPr>
+            <p:ph sz="half" idx="1"/>
+            <p:extLst>
+              <p:ext uri="{D42A27DB-BD31-4B8C-83A1-F6EECF244321}">
+                <p14:modId xmlns:p14="http://schemas.microsoft.com/office/powerpoint/2010/main" val="234670286"/>
+              </p:ext>
+            </p:extLst>
+          </p:nvPr>
+        </p:nvGraphicFramePr>
+        <p:xfrm>
+          <a:off x="1057275" y="1568450"/>
+          <a:ext cx="4840288" cy="4511675"/>
+        </p:xfrm>
+        <a:graphic>
+          <a:graphicData uri="http://schemas.openxmlformats.org/drawingml/2006/diagram">
+            <dgm:relIds xmlns:dgm="http://schemas.openxmlformats.org/drawingml/2006/diagram" xmlns:r="http://schemas.openxmlformats.org/officeDocument/2006/relationships" r:dm="rId2" r:lo="rId3" r:qs="rId4" r:cs="rId5"/>
+          </a:graphicData>
+        </a:graphic>
+      </p:graphicFrame>
       <p:sp>
         <p:nvSpPr>
-          <p:cNvPr id="3" name="Content Placeholder 2">
+          <p:cNvPr id="6" name="Content Placeholder 5">
             <a:extLst>
               <a:ext uri="{FF2B5EF4-FFF2-40B4-BE49-F238E27FC236}">
-                <a16:creationId xmlns:a16="http://schemas.microsoft.com/office/drawing/2014/main" id="{46F6534D-E736-4D33-B628-2F504052D36C}"/>
+                <a16:creationId xmlns:a16="http://schemas.microsoft.com/office/drawing/2014/main" id="{A59709F5-268F-4754-ADF1-0B6FEC0588A0}"/>
               </a:ext>
             </a:extLst>
           </p:cNvPr>
@@ -28473,57 +32014,25 @@
             <a:spLocks noGrp="1"/>
           </p:cNvSpPr>
           <p:nvPr>
-            <p:ph idx="1"/>
+            <p:ph sz="half" idx="2"/>
           </p:nvPr>
         </p:nvSpPr>
         <p:spPr/>
         <p:txBody>
-          <a:bodyPr>
-            <a:normAutofit fontScale="92500"/>
+          <a:bodyPr anchor="t">
+            <a:normAutofit/>
           </a:bodyPr>
           <a:lstStyle/>
           <a:p>
+            <a:pPr marL="45720" indent="0" algn="ctr">
+              <a:buNone/>
+            </a:pPr>
             <a:r>
-              <a:rPr lang="fa-IR" dirty="0"/>
-              <a:t>دهان به دهان</a:t>
+              <a:rPr lang="en-US" sz="14900" dirty="0">
+                <a:latin typeface="+mj-lt"/>
+              </a:rPr>
+              <a:t>Free</a:t>
             </a:r>
-          </a:p>
-          <a:p>
-            <a:r>
-              <a:rPr lang="fa-IR" dirty="0"/>
-              <a:t>بازاریابی موتورهای جستجو</a:t>
-            </a:r>
-          </a:p>
-          <a:p>
-            <a:r>
-              <a:rPr lang="fa-IR" dirty="0"/>
-              <a:t>تبلیغات دیجیتال</a:t>
-            </a:r>
-          </a:p>
-          <a:p>
-            <a:r>
-              <a:rPr lang="fa-IR" dirty="0"/>
-              <a:t>بازاریابی محتوا</a:t>
-            </a:r>
-          </a:p>
-          <a:p>
-            <a:r>
-              <a:rPr lang="fa-IR" dirty="0"/>
-              <a:t>شرکت در رویدادهای عمومی</a:t>
-            </a:r>
-          </a:p>
-          <a:p>
-            <a:r>
-              <a:rPr lang="fa-IR" dirty="0"/>
-              <a:t>شرکای تجاری</a:t>
-            </a:r>
-          </a:p>
-          <a:p>
-            <a:r>
-              <a:rPr lang="fa-IR" dirty="0"/>
-              <a:t>مشتریان سازمانی</a:t>
-            </a:r>
-            <a:endParaRPr lang="en-US" dirty="0"/>
           </a:p>
         </p:txBody>
       </p:sp>
@@ -28549,6 +32058,462 @@
       </p:transition>
     </mc:Fallback>
   </mc:AlternateContent>
+  <p:timing>
+    <p:tnLst>
+      <p:par>
+        <p:cTn id="1" dur="indefinite" restart="never" nodeType="tmRoot">
+          <p:childTnLst>
+            <p:seq concurrent="1" nextAc="seek">
+              <p:cTn id="2" dur="indefinite" nodeType="mainSeq">
+                <p:childTnLst>
+                  <p:par>
+                    <p:cTn id="3" fill="hold">
+                      <p:stCondLst>
+                        <p:cond delay="indefinite"/>
+                        <p:cond evt="onBegin" delay="0">
+                          <p:tn val="2"/>
+                        </p:cond>
+                      </p:stCondLst>
+                      <p:childTnLst>
+                        <p:par>
+                          <p:cTn id="4" fill="hold">
+                            <p:stCondLst>
+                              <p:cond delay="0"/>
+                            </p:stCondLst>
+                            <p:childTnLst>
+                              <p:par>
+                                <p:cTn id="5" presetID="10" presetClass="entr" presetSubtype="0" fill="hold" grpId="0" nodeType="afterEffect">
+                                  <p:stCondLst>
+                                    <p:cond delay="0"/>
+                                  </p:stCondLst>
+                                  <p:childTnLst>
+                                    <p:set>
+                                      <p:cBhvr>
+                                        <p:cTn id="6" dur="1" fill="hold">
+                                          <p:stCondLst>
+                                            <p:cond delay="0"/>
+                                          </p:stCondLst>
+                                        </p:cTn>
+                                        <p:tgtEl>
+                                          <p:spTgt spid="4">
+                                            <p:graphicEl>
+                                              <a:dgm id="{8002A2CF-8E99-4244-998C-27F0F8B0E1CD}"/>
+                                            </p:graphicEl>
+                                          </p:spTgt>
+                                        </p:tgtEl>
+                                        <p:attrNameLst>
+                                          <p:attrName>style.visibility</p:attrName>
+                                        </p:attrNameLst>
+                                      </p:cBhvr>
+                                      <p:to>
+                                        <p:strVal val="visible"/>
+                                      </p:to>
+                                    </p:set>
+                                    <p:animEffect transition="in" filter="fade">
+                                      <p:cBhvr>
+                                        <p:cTn id="7" dur="500"/>
+                                        <p:tgtEl>
+                                          <p:spTgt spid="4">
+                                            <p:graphicEl>
+                                              <a:dgm id="{8002A2CF-8E99-4244-998C-27F0F8B0E1CD}"/>
+                                            </p:graphicEl>
+                                          </p:spTgt>
+                                        </p:tgtEl>
+                                      </p:cBhvr>
+                                    </p:animEffect>
+                                  </p:childTnLst>
+                                </p:cTn>
+                              </p:par>
+                            </p:childTnLst>
+                          </p:cTn>
+                        </p:par>
+                        <p:par>
+                          <p:cTn id="8" fill="hold">
+                            <p:stCondLst>
+                              <p:cond delay="500"/>
+                            </p:stCondLst>
+                            <p:childTnLst>
+                              <p:par>
+                                <p:cTn id="9" presetID="10" presetClass="entr" presetSubtype="0" fill="hold" grpId="0" nodeType="afterEffect">
+                                  <p:stCondLst>
+                                    <p:cond delay="0"/>
+                                  </p:stCondLst>
+                                  <p:childTnLst>
+                                    <p:set>
+                                      <p:cBhvr>
+                                        <p:cTn id="10" dur="1" fill="hold">
+                                          <p:stCondLst>
+                                            <p:cond delay="0"/>
+                                          </p:stCondLst>
+                                        </p:cTn>
+                                        <p:tgtEl>
+                                          <p:spTgt spid="4">
+                                            <p:graphicEl>
+                                              <a:dgm id="{5C618B29-7ACA-4F8B-B8DD-6CFA233916B2}"/>
+                                            </p:graphicEl>
+                                          </p:spTgt>
+                                        </p:tgtEl>
+                                        <p:attrNameLst>
+                                          <p:attrName>style.visibility</p:attrName>
+                                        </p:attrNameLst>
+                                      </p:cBhvr>
+                                      <p:to>
+                                        <p:strVal val="visible"/>
+                                      </p:to>
+                                    </p:set>
+                                    <p:animEffect transition="in" filter="fade">
+                                      <p:cBhvr>
+                                        <p:cTn id="11" dur="500"/>
+                                        <p:tgtEl>
+                                          <p:spTgt spid="4">
+                                            <p:graphicEl>
+                                              <a:dgm id="{5C618B29-7ACA-4F8B-B8DD-6CFA233916B2}"/>
+                                            </p:graphicEl>
+                                          </p:spTgt>
+                                        </p:tgtEl>
+                                      </p:cBhvr>
+                                    </p:animEffect>
+                                  </p:childTnLst>
+                                </p:cTn>
+                              </p:par>
+                            </p:childTnLst>
+                          </p:cTn>
+                        </p:par>
+                        <p:par>
+                          <p:cTn id="12" fill="hold">
+                            <p:stCondLst>
+                              <p:cond delay="1000"/>
+                            </p:stCondLst>
+                            <p:childTnLst>
+                              <p:par>
+                                <p:cTn id="13" presetID="10" presetClass="entr" presetSubtype="0" fill="hold" grpId="0" nodeType="afterEffect">
+                                  <p:stCondLst>
+                                    <p:cond delay="0"/>
+                                  </p:stCondLst>
+                                  <p:childTnLst>
+                                    <p:set>
+                                      <p:cBhvr>
+                                        <p:cTn id="14" dur="1" fill="hold">
+                                          <p:stCondLst>
+                                            <p:cond delay="0"/>
+                                          </p:stCondLst>
+                                        </p:cTn>
+                                        <p:tgtEl>
+                                          <p:spTgt spid="4">
+                                            <p:graphicEl>
+                                              <a:dgm id="{1FBBCC9E-DE06-45E0-B651-9119FCD98BE0}"/>
+                                            </p:graphicEl>
+                                          </p:spTgt>
+                                        </p:tgtEl>
+                                        <p:attrNameLst>
+                                          <p:attrName>style.visibility</p:attrName>
+                                        </p:attrNameLst>
+                                      </p:cBhvr>
+                                      <p:to>
+                                        <p:strVal val="visible"/>
+                                      </p:to>
+                                    </p:set>
+                                    <p:animEffect transition="in" filter="fade">
+                                      <p:cBhvr>
+                                        <p:cTn id="15" dur="500"/>
+                                        <p:tgtEl>
+                                          <p:spTgt spid="4">
+                                            <p:graphicEl>
+                                              <a:dgm id="{1FBBCC9E-DE06-45E0-B651-9119FCD98BE0}"/>
+                                            </p:graphicEl>
+                                          </p:spTgt>
+                                        </p:tgtEl>
+                                      </p:cBhvr>
+                                    </p:animEffect>
+                                  </p:childTnLst>
+                                </p:cTn>
+                              </p:par>
+                            </p:childTnLst>
+                          </p:cTn>
+                        </p:par>
+                        <p:par>
+                          <p:cTn id="16" fill="hold">
+                            <p:stCondLst>
+                              <p:cond delay="1500"/>
+                            </p:stCondLst>
+                            <p:childTnLst>
+                              <p:par>
+                                <p:cTn id="17" presetID="10" presetClass="entr" presetSubtype="0" fill="hold" grpId="0" nodeType="afterEffect">
+                                  <p:stCondLst>
+                                    <p:cond delay="0"/>
+                                  </p:stCondLst>
+                                  <p:childTnLst>
+                                    <p:set>
+                                      <p:cBhvr>
+                                        <p:cTn id="18" dur="1" fill="hold">
+                                          <p:stCondLst>
+                                            <p:cond delay="0"/>
+                                          </p:stCondLst>
+                                        </p:cTn>
+                                        <p:tgtEl>
+                                          <p:spTgt spid="4">
+                                            <p:graphicEl>
+                                              <a:dgm id="{9C93E78B-B953-421B-89A7-F8701C69992A}"/>
+                                            </p:graphicEl>
+                                          </p:spTgt>
+                                        </p:tgtEl>
+                                        <p:attrNameLst>
+                                          <p:attrName>style.visibility</p:attrName>
+                                        </p:attrNameLst>
+                                      </p:cBhvr>
+                                      <p:to>
+                                        <p:strVal val="visible"/>
+                                      </p:to>
+                                    </p:set>
+                                    <p:animEffect transition="in" filter="fade">
+                                      <p:cBhvr>
+                                        <p:cTn id="19" dur="500"/>
+                                        <p:tgtEl>
+                                          <p:spTgt spid="4">
+                                            <p:graphicEl>
+                                              <a:dgm id="{9C93E78B-B953-421B-89A7-F8701C69992A}"/>
+                                            </p:graphicEl>
+                                          </p:spTgt>
+                                        </p:tgtEl>
+                                      </p:cBhvr>
+                                    </p:animEffect>
+                                  </p:childTnLst>
+                                </p:cTn>
+                              </p:par>
+                            </p:childTnLst>
+                          </p:cTn>
+                        </p:par>
+                        <p:par>
+                          <p:cTn id="20" fill="hold">
+                            <p:stCondLst>
+                              <p:cond delay="2000"/>
+                            </p:stCondLst>
+                            <p:childTnLst>
+                              <p:par>
+                                <p:cTn id="21" presetID="10" presetClass="entr" presetSubtype="0" fill="hold" grpId="0" nodeType="afterEffect">
+                                  <p:stCondLst>
+                                    <p:cond delay="0"/>
+                                  </p:stCondLst>
+                                  <p:childTnLst>
+                                    <p:set>
+                                      <p:cBhvr>
+                                        <p:cTn id="22" dur="1" fill="hold">
+                                          <p:stCondLst>
+                                            <p:cond delay="0"/>
+                                          </p:stCondLst>
+                                        </p:cTn>
+                                        <p:tgtEl>
+                                          <p:spTgt spid="4">
+                                            <p:graphicEl>
+                                              <a:dgm id="{55549A9D-572A-40EC-812F-1D519BA02440}"/>
+                                            </p:graphicEl>
+                                          </p:spTgt>
+                                        </p:tgtEl>
+                                        <p:attrNameLst>
+                                          <p:attrName>style.visibility</p:attrName>
+                                        </p:attrNameLst>
+                                      </p:cBhvr>
+                                      <p:to>
+                                        <p:strVal val="visible"/>
+                                      </p:to>
+                                    </p:set>
+                                    <p:animEffect transition="in" filter="fade">
+                                      <p:cBhvr>
+                                        <p:cTn id="23" dur="500"/>
+                                        <p:tgtEl>
+                                          <p:spTgt spid="4">
+                                            <p:graphicEl>
+                                              <a:dgm id="{55549A9D-572A-40EC-812F-1D519BA02440}"/>
+                                            </p:graphicEl>
+                                          </p:spTgt>
+                                        </p:tgtEl>
+                                      </p:cBhvr>
+                                    </p:animEffect>
+                                  </p:childTnLst>
+                                </p:cTn>
+                              </p:par>
+                            </p:childTnLst>
+                          </p:cTn>
+                        </p:par>
+                        <p:par>
+                          <p:cTn id="24" fill="hold">
+                            <p:stCondLst>
+                              <p:cond delay="2500"/>
+                            </p:stCondLst>
+                            <p:childTnLst>
+                              <p:par>
+                                <p:cTn id="25" presetID="10" presetClass="entr" presetSubtype="0" fill="hold" grpId="0" nodeType="afterEffect">
+                                  <p:stCondLst>
+                                    <p:cond delay="0"/>
+                                  </p:stCondLst>
+                                  <p:childTnLst>
+                                    <p:set>
+                                      <p:cBhvr>
+                                        <p:cTn id="26" dur="1" fill="hold">
+                                          <p:stCondLst>
+                                            <p:cond delay="0"/>
+                                          </p:stCondLst>
+                                        </p:cTn>
+                                        <p:tgtEl>
+                                          <p:spTgt spid="4">
+                                            <p:graphicEl>
+                                              <a:dgm id="{DF553A0D-59F0-439D-B493-576968E9D5A4}"/>
+                                            </p:graphicEl>
+                                          </p:spTgt>
+                                        </p:tgtEl>
+                                        <p:attrNameLst>
+                                          <p:attrName>style.visibility</p:attrName>
+                                        </p:attrNameLst>
+                                      </p:cBhvr>
+                                      <p:to>
+                                        <p:strVal val="visible"/>
+                                      </p:to>
+                                    </p:set>
+                                    <p:animEffect transition="in" filter="fade">
+                                      <p:cBhvr>
+                                        <p:cTn id="27" dur="500"/>
+                                        <p:tgtEl>
+                                          <p:spTgt spid="4">
+                                            <p:graphicEl>
+                                              <a:dgm id="{DF553A0D-59F0-439D-B493-576968E9D5A4}"/>
+                                            </p:graphicEl>
+                                          </p:spTgt>
+                                        </p:tgtEl>
+                                      </p:cBhvr>
+                                    </p:animEffect>
+                                  </p:childTnLst>
+                                </p:cTn>
+                              </p:par>
+                            </p:childTnLst>
+                          </p:cTn>
+                        </p:par>
+                        <p:par>
+                          <p:cTn id="28" fill="hold">
+                            <p:stCondLst>
+                              <p:cond delay="3000"/>
+                            </p:stCondLst>
+                            <p:childTnLst>
+                              <p:par>
+                                <p:cTn id="29" presetID="10" presetClass="entr" presetSubtype="0" fill="hold" grpId="0" nodeType="afterEffect">
+                                  <p:stCondLst>
+                                    <p:cond delay="0"/>
+                                  </p:stCondLst>
+                                  <p:childTnLst>
+                                    <p:set>
+                                      <p:cBhvr>
+                                        <p:cTn id="30" dur="1" fill="hold">
+                                          <p:stCondLst>
+                                            <p:cond delay="0"/>
+                                          </p:stCondLst>
+                                        </p:cTn>
+                                        <p:tgtEl>
+                                          <p:spTgt spid="4">
+                                            <p:graphicEl>
+                                              <a:dgm id="{BE2E209F-BDBF-4792-A19F-D487B9CC260E}"/>
+                                            </p:graphicEl>
+                                          </p:spTgt>
+                                        </p:tgtEl>
+                                        <p:attrNameLst>
+                                          <p:attrName>style.visibility</p:attrName>
+                                        </p:attrNameLst>
+                                      </p:cBhvr>
+                                      <p:to>
+                                        <p:strVal val="visible"/>
+                                      </p:to>
+                                    </p:set>
+                                    <p:animEffect transition="in" filter="fade">
+                                      <p:cBhvr>
+                                        <p:cTn id="31" dur="500"/>
+                                        <p:tgtEl>
+                                          <p:spTgt spid="4">
+                                            <p:graphicEl>
+                                              <a:dgm id="{BE2E209F-BDBF-4792-A19F-D487B9CC260E}"/>
+                                            </p:graphicEl>
+                                          </p:spTgt>
+                                        </p:tgtEl>
+                                      </p:cBhvr>
+                                    </p:animEffect>
+                                  </p:childTnLst>
+                                </p:cTn>
+                              </p:par>
+                              <p:par>
+                                <p:cTn id="32" presetID="10" presetClass="entr" presetSubtype="0" fill="hold" grpId="0" nodeType="withEffect">
+                                  <p:stCondLst>
+                                    <p:cond delay="0"/>
+                                  </p:stCondLst>
+                                  <p:childTnLst>
+                                    <p:set>
+                                      <p:cBhvr>
+                                        <p:cTn id="33" dur="1" fill="hold">
+                                          <p:stCondLst>
+                                            <p:cond delay="0"/>
+                                          </p:stCondLst>
+                                        </p:cTn>
+                                        <p:tgtEl>
+                                          <p:spTgt spid="4">
+                                            <p:graphicEl>
+                                              <a:dgm id="{49F1D2FB-CBDE-4B10-93D7-8E3F79C867D5}"/>
+                                            </p:graphicEl>
+                                          </p:spTgt>
+                                        </p:tgtEl>
+                                        <p:attrNameLst>
+                                          <p:attrName>style.visibility</p:attrName>
+                                        </p:attrNameLst>
+                                      </p:cBhvr>
+                                      <p:to>
+                                        <p:strVal val="visible"/>
+                                      </p:to>
+                                    </p:set>
+                                    <p:animEffect transition="in" filter="fade">
+                                      <p:cBhvr>
+                                        <p:cTn id="34" dur="500"/>
+                                        <p:tgtEl>
+                                          <p:spTgt spid="4">
+                                            <p:graphicEl>
+                                              <a:dgm id="{49F1D2FB-CBDE-4B10-93D7-8E3F79C867D5}"/>
+                                            </p:graphicEl>
+                                          </p:spTgt>
+                                        </p:tgtEl>
+                                      </p:cBhvr>
+                                    </p:animEffect>
+                                  </p:childTnLst>
+                                </p:cTn>
+                              </p:par>
+                            </p:childTnLst>
+                          </p:cTn>
+                        </p:par>
+                      </p:childTnLst>
+                    </p:cTn>
+                  </p:par>
+                </p:childTnLst>
+              </p:cTn>
+              <p:prevCondLst>
+                <p:cond evt="onPrev" delay="0">
+                  <p:tgtEl>
+                    <p:sldTgt/>
+                  </p:tgtEl>
+                </p:cond>
+              </p:prevCondLst>
+              <p:nextCondLst>
+                <p:cond evt="onNext" delay="0">
+                  <p:tgtEl>
+                    <p:sldTgt/>
+                  </p:tgtEl>
+                </p:cond>
+              </p:nextCondLst>
+            </p:seq>
+          </p:childTnLst>
+        </p:cTn>
+      </p:par>
+    </p:tnLst>
+    <p:bldLst>
+      <p:bldGraphic spid="4" grpId="0" uiExpand="1">
+        <p:bldSub>
+          <a:bldDgm bld="one"/>
+        </p:bldSub>
+      </p:bldGraphic>
+    </p:bldLst>
+  </p:timing>
 </p:sld>
 </file>
 
@@ -28600,10 +32565,10 @@
       </p:sp>
       <p:sp>
         <p:nvSpPr>
-          <p:cNvPr id="3" name="Content Placeholder 2">
+          <p:cNvPr id="4" name="Text Placeholder 3">
             <a:extLst>
               <a:ext uri="{FF2B5EF4-FFF2-40B4-BE49-F238E27FC236}">
-                <a16:creationId xmlns:a16="http://schemas.microsoft.com/office/drawing/2014/main" id="{092DD4A4-12C4-4972-9756-B15D521CB5E2}"/>
+                <a16:creationId xmlns:a16="http://schemas.microsoft.com/office/drawing/2014/main" id="{AF36C0E2-1AE6-41D6-BA93-F3B4C0E5CAF7}"/>
               </a:ext>
             </a:extLst>
           </p:cNvPr>
@@ -28611,15 +32576,1310 @@
             <a:spLocks noGrp="1"/>
           </p:cNvSpPr>
           <p:nvPr>
-            <p:ph idx="1"/>
+            <p:ph type="body" idx="1"/>
           </p:nvPr>
         </p:nvSpPr>
-        <p:spPr/>
+        <p:spPr>
+          <a:xfrm>
+            <a:off x="2448890" y="3693218"/>
+            <a:ext cx="3600000" cy="540000"/>
+          </a:xfrm>
+        </p:spPr>
         <p:txBody>
-          <a:bodyPr/>
+          <a:bodyPr vert="horz" lIns="91440" tIns="45720" rIns="91440" bIns="45720" rtlCol="0" anchor="t">
+            <a:normAutofit/>
+          </a:bodyPr>
           <a:lstStyle/>
           <a:p>
-            <a:endParaRPr lang="en-US"/>
+            <a:pPr algn="ctr">
+              <a:lnSpc>
+                <a:spcPct val="100000"/>
+              </a:lnSpc>
+            </a:pPr>
+            <a:r>
+              <a:rPr lang="fa-IR" b="0" dirty="0">
+                <a:cs typeface="+mj-cs"/>
+              </a:rPr>
+              <a:t>رضا محیطی</a:t>
+            </a:r>
+            <a:endParaRPr lang="en-US" b="0" dirty="0">
+              <a:cs typeface="+mj-cs"/>
+            </a:endParaRPr>
+          </a:p>
+        </p:txBody>
+      </p:sp>
+      <p:pic>
+        <p:nvPicPr>
+          <p:cNvPr id="15" name="Content Placeholder 14">
+            <a:extLst>
+              <a:ext uri="{FF2B5EF4-FFF2-40B4-BE49-F238E27FC236}">
+                <a16:creationId xmlns:a16="http://schemas.microsoft.com/office/drawing/2014/main" id="{060AF73E-1A96-46B1-AC8C-B32F04BDB507}"/>
+              </a:ext>
+            </a:extLst>
+          </p:cNvPr>
+          <p:cNvPicPr>
+            <a:picLocks noGrp="1" noChangeAspect="1"/>
+          </p:cNvPicPr>
+          <p:nvPr>
+            <p:ph sz="half" idx="2"/>
+          </p:nvPr>
+        </p:nvPicPr>
+        <p:blipFill>
+          <a:blip r:embed="rId3">
+            <a:extLst>
+              <a:ext uri="{28A0092B-C50C-407E-A947-70E740481C1C}">
+                <a14:useLocalDpi xmlns:a14="http://schemas.microsoft.com/office/drawing/2010/main" val="0"/>
+              </a:ext>
+            </a:extLst>
+          </a:blip>
+          <a:stretch>
+            <a:fillRect/>
+          </a:stretch>
+        </p:blipFill>
+        <p:spPr>
+          <a:xfrm>
+            <a:off x="3168890" y="1325599"/>
+            <a:ext cx="2160000" cy="2160000"/>
+          </a:xfrm>
+          <a:prstGeom prst="ellipse">
+            <a:avLst/>
+          </a:prstGeom>
+          <a:ln w="63500" cap="rnd">
+            <a:noFill/>
+          </a:ln>
+          <a:effectLst/>
+        </p:spPr>
+      </p:pic>
+      <p:sp>
+        <p:nvSpPr>
+          <p:cNvPr id="6" name="Text Placeholder 5">
+            <a:extLst>
+              <a:ext uri="{FF2B5EF4-FFF2-40B4-BE49-F238E27FC236}">
+                <a16:creationId xmlns:a16="http://schemas.microsoft.com/office/drawing/2014/main" id="{F9A24F53-03B5-4E88-830C-3A2AA9B1338A}"/>
+              </a:ext>
+            </a:extLst>
+          </p:cNvPr>
+          <p:cNvSpPr>
+            <a:spLocks noGrp="1"/>
+          </p:cNvSpPr>
+          <p:nvPr>
+            <p:ph type="body" sz="quarter" idx="3"/>
+          </p:nvPr>
+        </p:nvSpPr>
+        <p:spPr>
+          <a:xfrm>
+            <a:off x="6166624" y="3693218"/>
+            <a:ext cx="3600000" cy="540000"/>
+          </a:xfrm>
+        </p:spPr>
+        <p:txBody>
+          <a:bodyPr anchor="t"/>
+          <a:lstStyle/>
+          <a:p>
+            <a:pPr algn="ctr">
+              <a:lnSpc>
+                <a:spcPct val="100000"/>
+              </a:lnSpc>
+            </a:pPr>
+            <a:r>
+              <a:rPr lang="fa-IR" b="0" dirty="0">
+                <a:cs typeface="+mj-cs"/>
+              </a:rPr>
+              <a:t>جواد ادیب</a:t>
+            </a:r>
+            <a:endParaRPr lang="en-US" b="0" dirty="0">
+              <a:cs typeface="+mj-cs"/>
+            </a:endParaRPr>
+          </a:p>
+        </p:txBody>
+      </p:sp>
+      <p:pic>
+        <p:nvPicPr>
+          <p:cNvPr id="13" name="Content Placeholder 12">
+            <a:extLst>
+              <a:ext uri="{FF2B5EF4-FFF2-40B4-BE49-F238E27FC236}">
+                <a16:creationId xmlns:a16="http://schemas.microsoft.com/office/drawing/2014/main" id="{594CB1A2-09E7-41B3-92A9-B7B9E530748A}"/>
+              </a:ext>
+            </a:extLst>
+          </p:cNvPr>
+          <p:cNvPicPr>
+            <a:picLocks noGrp="1" noChangeAspect="1"/>
+          </p:cNvPicPr>
+          <p:nvPr>
+            <p:ph sz="quarter" idx="4"/>
+          </p:nvPr>
+        </p:nvPicPr>
+        <p:blipFill>
+          <a:blip r:embed="rId4">
+            <a:extLst>
+              <a:ext uri="{28A0092B-C50C-407E-A947-70E740481C1C}">
+                <a14:useLocalDpi xmlns:a14="http://schemas.microsoft.com/office/drawing/2010/main" val="0"/>
+              </a:ext>
+            </a:extLst>
+          </a:blip>
+          <a:stretch>
+            <a:fillRect/>
+          </a:stretch>
+        </p:blipFill>
+        <p:spPr>
+          <a:xfrm>
+            <a:off x="6886624" y="1325599"/>
+            <a:ext cx="2160000" cy="2160000"/>
+          </a:xfrm>
+          <a:prstGeom prst="ellipse">
+            <a:avLst/>
+          </a:prstGeom>
+          <a:ln w="63500" cap="rnd">
+            <a:noFill/>
+          </a:ln>
+          <a:effectLst/>
+        </p:spPr>
+      </p:pic>
+      <p:sp>
+        <p:nvSpPr>
+          <p:cNvPr id="16" name="Text Placeholder 5">
+            <a:extLst>
+              <a:ext uri="{FF2B5EF4-FFF2-40B4-BE49-F238E27FC236}">
+                <a16:creationId xmlns:a16="http://schemas.microsoft.com/office/drawing/2014/main" id="{2D6BA87D-D4CF-4B1D-8459-E1D74F70CFD6}"/>
+              </a:ext>
+            </a:extLst>
+          </p:cNvPr>
+          <p:cNvSpPr txBox="1">
+            <a:spLocks/>
+          </p:cNvSpPr>
+          <p:nvPr/>
+        </p:nvSpPr>
+        <p:spPr>
+          <a:xfrm>
+            <a:off x="6166624" y="4714298"/>
+            <a:ext cx="3600000" cy="1260000"/>
+          </a:xfrm>
+          <a:prstGeom prst="rect">
+            <a:avLst/>
+          </a:prstGeom>
+        </p:spPr>
+        <p:txBody>
+          <a:bodyPr vert="horz" lIns="91440" tIns="45720" rIns="91440" bIns="45720" rtlCol="0" anchor="t">
+            <a:normAutofit fontScale="62500" lnSpcReduction="20000"/>
+          </a:bodyPr>
+          <a:lstStyle>
+            <a:lvl1pPr marL="0" indent="0" algn="r" defTabSz="914400" rtl="1" eaLnBrk="1" latinLnBrk="0" hangingPunct="1">
+              <a:lnSpc>
+                <a:spcPct val="150000"/>
+              </a:lnSpc>
+              <a:spcBef>
+                <a:spcPts val="0"/>
+              </a:spcBef>
+              <a:buClr>
+                <a:schemeClr val="accent1"/>
+              </a:buClr>
+              <a:buSzPct val="80000"/>
+              <a:buFont typeface="Corbel" pitchFamily="34" charset="0"/>
+              <a:buNone/>
+              <a:defRPr sz="2400" b="1" kern="1200">
+                <a:solidFill>
+                  <a:srgbClr val="333333"/>
+                </a:solidFill>
+                <a:latin typeface="+mn-lt"/>
+                <a:ea typeface="+mn-ea"/>
+                <a:cs typeface="+mn-cs"/>
+              </a:defRPr>
+            </a:lvl1pPr>
+            <a:lvl2pPr marL="457200" indent="0" algn="r" defTabSz="914400" rtl="1" eaLnBrk="1" latinLnBrk="0" hangingPunct="1">
+              <a:lnSpc>
+                <a:spcPct val="150000"/>
+              </a:lnSpc>
+              <a:spcBef>
+                <a:spcPts val="200"/>
+              </a:spcBef>
+              <a:spcAft>
+                <a:spcPts val="400"/>
+              </a:spcAft>
+              <a:buClr>
+                <a:schemeClr val="accent1"/>
+              </a:buClr>
+              <a:buSzPct val="80000"/>
+              <a:buFont typeface="Corbel" pitchFamily="34" charset="0"/>
+              <a:buNone/>
+              <a:defRPr sz="2000" b="1" kern="1200">
+                <a:solidFill>
+                  <a:srgbClr val="333333"/>
+                </a:solidFill>
+                <a:latin typeface="+mn-lt"/>
+                <a:ea typeface="+mn-ea"/>
+                <a:cs typeface="+mn-cs"/>
+              </a:defRPr>
+            </a:lvl2pPr>
+            <a:lvl3pPr marL="914400" indent="0" algn="r" defTabSz="914400" rtl="1" eaLnBrk="1" latinLnBrk="0" hangingPunct="1">
+              <a:lnSpc>
+                <a:spcPct val="150000"/>
+              </a:lnSpc>
+              <a:spcBef>
+                <a:spcPts val="200"/>
+              </a:spcBef>
+              <a:spcAft>
+                <a:spcPts val="400"/>
+              </a:spcAft>
+              <a:buClr>
+                <a:schemeClr val="accent1"/>
+              </a:buClr>
+              <a:buSzPct val="80000"/>
+              <a:buFont typeface="Corbel" pitchFamily="34" charset="0"/>
+              <a:buNone/>
+              <a:defRPr sz="1800" b="1" kern="1200">
+                <a:solidFill>
+                  <a:srgbClr val="333333"/>
+                </a:solidFill>
+                <a:latin typeface="+mn-lt"/>
+                <a:ea typeface="+mn-ea"/>
+                <a:cs typeface="+mn-cs"/>
+              </a:defRPr>
+            </a:lvl3pPr>
+            <a:lvl4pPr marL="1371600" indent="0" algn="r" defTabSz="914400" rtl="1" eaLnBrk="1" latinLnBrk="0" hangingPunct="1">
+              <a:lnSpc>
+                <a:spcPct val="150000"/>
+              </a:lnSpc>
+              <a:spcBef>
+                <a:spcPts val="200"/>
+              </a:spcBef>
+              <a:spcAft>
+                <a:spcPts val="400"/>
+              </a:spcAft>
+              <a:buClr>
+                <a:schemeClr val="accent1"/>
+              </a:buClr>
+              <a:buSzPct val="80000"/>
+              <a:buFont typeface="Corbel" pitchFamily="34" charset="0"/>
+              <a:buNone/>
+              <a:defRPr sz="1600" b="1" kern="1200">
+                <a:solidFill>
+                  <a:srgbClr val="333333"/>
+                </a:solidFill>
+                <a:latin typeface="+mn-lt"/>
+                <a:ea typeface="+mn-ea"/>
+                <a:cs typeface="+mn-cs"/>
+              </a:defRPr>
+            </a:lvl4pPr>
+            <a:lvl5pPr marL="1828800" indent="0" algn="r" defTabSz="914400" rtl="1" eaLnBrk="1" latinLnBrk="0" hangingPunct="1">
+              <a:lnSpc>
+                <a:spcPct val="150000"/>
+              </a:lnSpc>
+              <a:spcBef>
+                <a:spcPts val="200"/>
+              </a:spcBef>
+              <a:spcAft>
+                <a:spcPts val="400"/>
+              </a:spcAft>
+              <a:buClr>
+                <a:schemeClr val="accent1"/>
+              </a:buClr>
+              <a:buSzPct val="80000"/>
+              <a:buFont typeface="Corbel" pitchFamily="34" charset="0"/>
+              <a:buNone/>
+              <a:defRPr sz="1600" b="1" kern="1200">
+                <a:solidFill>
+                  <a:srgbClr val="333333"/>
+                </a:solidFill>
+                <a:latin typeface="+mn-lt"/>
+                <a:ea typeface="+mn-ea"/>
+                <a:cs typeface="+mn-cs"/>
+              </a:defRPr>
+            </a:lvl5pPr>
+            <a:lvl6pPr marL="2286000" indent="0" algn="l" defTabSz="914400" rtl="0" eaLnBrk="1" latinLnBrk="0" hangingPunct="1">
+              <a:lnSpc>
+                <a:spcPct val="90000"/>
+              </a:lnSpc>
+              <a:spcBef>
+                <a:spcPts val="200"/>
+              </a:spcBef>
+              <a:spcAft>
+                <a:spcPts val="400"/>
+              </a:spcAft>
+              <a:buClr>
+                <a:schemeClr val="accent1"/>
+              </a:buClr>
+              <a:buSzPct val="80000"/>
+              <a:buFont typeface="Corbel" pitchFamily="34" charset="0"/>
+              <a:buNone/>
+              <a:defRPr sz="1600" b="1" kern="1200">
+                <a:solidFill>
+                  <a:schemeClr val="accent1"/>
+                </a:solidFill>
+                <a:latin typeface="+mn-lt"/>
+                <a:ea typeface="+mn-ea"/>
+                <a:cs typeface="+mn-cs"/>
+              </a:defRPr>
+            </a:lvl6pPr>
+            <a:lvl7pPr marL="2743200" indent="0" algn="l" defTabSz="914400" rtl="0" eaLnBrk="1" latinLnBrk="0" hangingPunct="1">
+              <a:lnSpc>
+                <a:spcPct val="90000"/>
+              </a:lnSpc>
+              <a:spcBef>
+                <a:spcPts val="200"/>
+              </a:spcBef>
+              <a:spcAft>
+                <a:spcPts val="400"/>
+              </a:spcAft>
+              <a:buClr>
+                <a:schemeClr val="accent1"/>
+              </a:buClr>
+              <a:buSzPct val="80000"/>
+              <a:buFont typeface="Corbel" pitchFamily="34" charset="0"/>
+              <a:buNone/>
+              <a:defRPr sz="1600" b="1" kern="1200">
+                <a:solidFill>
+                  <a:schemeClr val="accent1"/>
+                </a:solidFill>
+                <a:latin typeface="+mn-lt"/>
+                <a:ea typeface="+mn-ea"/>
+                <a:cs typeface="+mn-cs"/>
+              </a:defRPr>
+            </a:lvl7pPr>
+            <a:lvl8pPr marL="3200400" indent="0" algn="l" defTabSz="914400" rtl="0" eaLnBrk="1" latinLnBrk="0" hangingPunct="1">
+              <a:lnSpc>
+                <a:spcPct val="90000"/>
+              </a:lnSpc>
+              <a:spcBef>
+                <a:spcPts val="200"/>
+              </a:spcBef>
+              <a:spcAft>
+                <a:spcPts val="400"/>
+              </a:spcAft>
+              <a:buClr>
+                <a:schemeClr val="accent1"/>
+              </a:buClr>
+              <a:buSzPct val="80000"/>
+              <a:buFont typeface="Corbel" pitchFamily="34" charset="0"/>
+              <a:buNone/>
+              <a:defRPr sz="1600" b="1" kern="1200">
+                <a:solidFill>
+                  <a:schemeClr val="accent1"/>
+                </a:solidFill>
+                <a:latin typeface="+mn-lt"/>
+                <a:ea typeface="+mn-ea"/>
+                <a:cs typeface="+mn-cs"/>
+              </a:defRPr>
+            </a:lvl8pPr>
+            <a:lvl9pPr marL="3657600" indent="0" algn="l" defTabSz="914400" rtl="0" eaLnBrk="1" latinLnBrk="0" hangingPunct="1">
+              <a:lnSpc>
+                <a:spcPct val="90000"/>
+              </a:lnSpc>
+              <a:spcBef>
+                <a:spcPts val="200"/>
+              </a:spcBef>
+              <a:spcAft>
+                <a:spcPts val="400"/>
+              </a:spcAft>
+              <a:buClr>
+                <a:schemeClr val="accent1"/>
+              </a:buClr>
+              <a:buSzPct val="80000"/>
+              <a:buFont typeface="Corbel" pitchFamily="34" charset="0"/>
+              <a:buNone/>
+              <a:defRPr sz="1600" b="1" kern="1200">
+                <a:solidFill>
+                  <a:schemeClr val="accent1"/>
+                </a:solidFill>
+                <a:latin typeface="+mn-lt"/>
+                <a:ea typeface="+mn-ea"/>
+                <a:cs typeface="+mn-cs"/>
+              </a:defRPr>
+            </a:lvl9pPr>
+          </a:lstStyle>
+          <a:p>
+            <a:pPr algn="ctr">
+              <a:lnSpc>
+                <a:spcPct val="170000"/>
+              </a:lnSpc>
+            </a:pPr>
+            <a:r>
+              <a:rPr lang="fa-IR" sz="1800" b="0" dirty="0">
+                <a:effectLst/>
+                <a:ea typeface="IRANYekan" panose="020B0506030804020204" pitchFamily="34" charset="-78"/>
+                <a:cs typeface="IRANYekan" panose="020B0506030804020204" pitchFamily="34" charset="-78"/>
+              </a:rPr>
+              <a:t>بیش از یک دهه فعالیت در وب</a:t>
+            </a:r>
+            <a:endParaRPr lang="en-US" sz="1800" b="0" dirty="0">
+              <a:effectLst/>
+              <a:ea typeface="IRANYekan" panose="020B0506030804020204" pitchFamily="34" charset="-78"/>
+              <a:cs typeface="IRANYekan" panose="020B0506030804020204" pitchFamily="34" charset="-78"/>
+            </a:endParaRPr>
+          </a:p>
+          <a:p>
+            <a:pPr algn="ctr">
+              <a:lnSpc>
+                <a:spcPct val="170000"/>
+              </a:lnSpc>
+            </a:pPr>
+            <a:r>
+              <a:rPr lang="fa-IR" sz="1800" b="0" dirty="0">
+                <a:effectLst/>
+                <a:ea typeface="IRANYekan" panose="020B0506030804020204" pitchFamily="34" charset="-78"/>
+                <a:cs typeface="IRANYekan" panose="020B0506030804020204" pitchFamily="34" charset="-78"/>
+              </a:rPr>
+              <a:t>برنامه‌نویس، مدرس دانشگاه و فروشنده</a:t>
+            </a:r>
+            <a:endParaRPr lang="en-US" sz="1800" b="0" dirty="0">
+              <a:effectLst/>
+              <a:ea typeface="IRANYekan" panose="020B0506030804020204" pitchFamily="34" charset="-78"/>
+              <a:cs typeface="IRANYekan" panose="020B0506030804020204" pitchFamily="34" charset="-78"/>
+            </a:endParaRPr>
+          </a:p>
+          <a:p>
+            <a:pPr algn="ctr">
+              <a:lnSpc>
+                <a:spcPct val="170000"/>
+              </a:lnSpc>
+            </a:pPr>
+            <a:r>
+              <a:rPr lang="fa-IR" sz="1800" b="0" dirty="0">
+                <a:effectLst/>
+                <a:ea typeface="IRANYekan" panose="020B0506030804020204" pitchFamily="34" charset="-78"/>
+                <a:cs typeface="IRANYekan" panose="020B0506030804020204" pitchFamily="34" charset="-78"/>
+              </a:rPr>
+              <a:t>مهندس کامپیوتر و ارشد مدیریت فناوری اطلاعات</a:t>
+            </a:r>
+            <a:endParaRPr lang="en-US" sz="1800" b="0" dirty="0">
+              <a:effectLst/>
+              <a:ea typeface="IRANYekan" panose="020B0506030804020204" pitchFamily="34" charset="-78"/>
+              <a:cs typeface="IRANYekan" panose="020B0506030804020204" pitchFamily="34" charset="-78"/>
+            </a:endParaRPr>
+          </a:p>
+          <a:p>
+            <a:pPr algn="ctr">
+              <a:lnSpc>
+                <a:spcPct val="170000"/>
+              </a:lnSpc>
+            </a:pPr>
+            <a:r>
+              <a:rPr lang="fa-IR" sz="1800" b="0" dirty="0">
+                <a:effectLst/>
+                <a:ea typeface="IRANYekan" panose="020B0506030804020204" pitchFamily="34" charset="-78"/>
+                <a:cs typeface="IRANYekan" panose="020B0506030804020204" pitchFamily="34" charset="-78"/>
+              </a:rPr>
+              <a:t>رتبه برتر المپیاد ملی مهارت </a:t>
+            </a:r>
+            <a:r>
+              <a:rPr lang="fa-IR" sz="1800" b="0" dirty="0">
+                <a:ea typeface="IRANYekan" panose="020B0506030804020204" pitchFamily="34" charset="-78"/>
+                <a:cs typeface="IRANYekan" panose="020B0506030804020204" pitchFamily="34" charset="-78"/>
+              </a:rPr>
+              <a:t>و </a:t>
+            </a:r>
+            <a:r>
+              <a:rPr lang="fa-IR" sz="1800" b="0" dirty="0">
+                <a:effectLst/>
+                <a:ea typeface="IRANYekan" panose="020B0506030804020204" pitchFamily="34" charset="-78"/>
+                <a:cs typeface="IRANYekan" panose="020B0506030804020204" pitchFamily="34" charset="-78"/>
+              </a:rPr>
+              <a:t>عضو بنیاد ملی نخبگان</a:t>
+            </a:r>
+            <a:endParaRPr lang="en-US" sz="2000" b="0" dirty="0"/>
+          </a:p>
+        </p:txBody>
+      </p:sp>
+      <p:sp>
+        <p:nvSpPr>
+          <p:cNvPr id="17" name="Text Placeholder 5">
+            <a:extLst>
+              <a:ext uri="{FF2B5EF4-FFF2-40B4-BE49-F238E27FC236}">
+                <a16:creationId xmlns:a16="http://schemas.microsoft.com/office/drawing/2014/main" id="{5A85739D-9B49-48DA-8DFB-CBDA3598A483}"/>
+              </a:ext>
+            </a:extLst>
+          </p:cNvPr>
+          <p:cNvSpPr txBox="1">
+            <a:spLocks/>
+          </p:cNvSpPr>
+          <p:nvPr/>
+        </p:nvSpPr>
+        <p:spPr>
+          <a:xfrm>
+            <a:off x="2448890" y="4714298"/>
+            <a:ext cx="3600000" cy="1260000"/>
+          </a:xfrm>
+          <a:prstGeom prst="rect">
+            <a:avLst/>
+          </a:prstGeom>
+        </p:spPr>
+        <p:txBody>
+          <a:bodyPr vert="horz" lIns="91440" tIns="45720" rIns="91440" bIns="45720" rtlCol="0" anchor="t">
+            <a:normAutofit/>
+          </a:bodyPr>
+          <a:lstStyle>
+            <a:defPPr>
+              <a:defRPr lang="en-US"/>
+            </a:defPPr>
+            <a:lvl1pPr indent="0" algn="ctr" defTabSz="914400" rtl="1">
+              <a:lnSpc>
+                <a:spcPct val="170000"/>
+              </a:lnSpc>
+              <a:spcBef>
+                <a:spcPts val="0"/>
+              </a:spcBef>
+              <a:buClr>
+                <a:schemeClr val="accent1"/>
+              </a:buClr>
+              <a:buSzPct val="80000"/>
+              <a:buFont typeface="Corbel" pitchFamily="34" charset="0"/>
+              <a:buNone/>
+              <a:defRPr b="0">
+                <a:solidFill>
+                  <a:srgbClr val="333333"/>
+                </a:solidFill>
+                <a:effectLst/>
+                <a:ea typeface="IRANYekan" panose="020B0506030804020204" pitchFamily="34" charset="-78"/>
+                <a:cs typeface="IRANYekan" panose="020B0506030804020204" pitchFamily="34" charset="-78"/>
+              </a:defRPr>
+            </a:lvl1pPr>
+            <a:lvl2pPr indent="0" algn="r" defTabSz="914400" rtl="1">
+              <a:lnSpc>
+                <a:spcPct val="150000"/>
+              </a:lnSpc>
+              <a:spcBef>
+                <a:spcPts val="200"/>
+              </a:spcBef>
+              <a:spcAft>
+                <a:spcPts val="400"/>
+              </a:spcAft>
+              <a:buClr>
+                <a:schemeClr val="accent1"/>
+              </a:buClr>
+              <a:buSzPct val="80000"/>
+              <a:buFont typeface="Corbel" pitchFamily="34" charset="0"/>
+              <a:buNone/>
+              <a:defRPr sz="2000" b="1">
+                <a:solidFill>
+                  <a:srgbClr val="333333"/>
+                </a:solidFill>
+              </a:defRPr>
+            </a:lvl2pPr>
+            <a:lvl3pPr indent="0" algn="r" defTabSz="914400" rtl="1">
+              <a:lnSpc>
+                <a:spcPct val="150000"/>
+              </a:lnSpc>
+              <a:spcBef>
+                <a:spcPts val="200"/>
+              </a:spcBef>
+              <a:spcAft>
+                <a:spcPts val="400"/>
+              </a:spcAft>
+              <a:buClr>
+                <a:schemeClr val="accent1"/>
+              </a:buClr>
+              <a:buSzPct val="80000"/>
+              <a:buFont typeface="Corbel" pitchFamily="34" charset="0"/>
+              <a:buNone/>
+              <a:defRPr b="1">
+                <a:solidFill>
+                  <a:srgbClr val="333333"/>
+                </a:solidFill>
+              </a:defRPr>
+            </a:lvl3pPr>
+            <a:lvl4pPr indent="0" algn="r" defTabSz="914400" rtl="1">
+              <a:lnSpc>
+                <a:spcPct val="150000"/>
+              </a:lnSpc>
+              <a:spcBef>
+                <a:spcPts val="200"/>
+              </a:spcBef>
+              <a:spcAft>
+                <a:spcPts val="400"/>
+              </a:spcAft>
+              <a:buClr>
+                <a:schemeClr val="accent1"/>
+              </a:buClr>
+              <a:buSzPct val="80000"/>
+              <a:buFont typeface="Corbel" pitchFamily="34" charset="0"/>
+              <a:buNone/>
+              <a:defRPr sz="1600" b="1">
+                <a:solidFill>
+                  <a:srgbClr val="333333"/>
+                </a:solidFill>
+              </a:defRPr>
+            </a:lvl4pPr>
+            <a:lvl5pPr indent="0" algn="r" defTabSz="914400" rtl="1">
+              <a:lnSpc>
+                <a:spcPct val="150000"/>
+              </a:lnSpc>
+              <a:spcBef>
+                <a:spcPts val="200"/>
+              </a:spcBef>
+              <a:spcAft>
+                <a:spcPts val="400"/>
+              </a:spcAft>
+              <a:buClr>
+                <a:schemeClr val="accent1"/>
+              </a:buClr>
+              <a:buSzPct val="80000"/>
+              <a:buFont typeface="Corbel" pitchFamily="34" charset="0"/>
+              <a:buNone/>
+              <a:defRPr sz="1600" b="1">
+                <a:solidFill>
+                  <a:srgbClr val="333333"/>
+                </a:solidFill>
+              </a:defRPr>
+            </a:lvl5pPr>
+            <a:lvl6pPr indent="0" defTabSz="914400">
+              <a:lnSpc>
+                <a:spcPct val="90000"/>
+              </a:lnSpc>
+              <a:spcBef>
+                <a:spcPts val="200"/>
+              </a:spcBef>
+              <a:spcAft>
+                <a:spcPts val="400"/>
+              </a:spcAft>
+              <a:buClr>
+                <a:schemeClr val="accent1"/>
+              </a:buClr>
+              <a:buSzPct val="80000"/>
+              <a:buFont typeface="Corbel" pitchFamily="34" charset="0"/>
+              <a:buNone/>
+              <a:defRPr sz="1600" b="1">
+                <a:solidFill>
+                  <a:schemeClr val="accent1"/>
+                </a:solidFill>
+              </a:defRPr>
+            </a:lvl6pPr>
+            <a:lvl7pPr indent="0" defTabSz="914400">
+              <a:lnSpc>
+                <a:spcPct val="90000"/>
+              </a:lnSpc>
+              <a:spcBef>
+                <a:spcPts val="200"/>
+              </a:spcBef>
+              <a:spcAft>
+                <a:spcPts val="400"/>
+              </a:spcAft>
+              <a:buClr>
+                <a:schemeClr val="accent1"/>
+              </a:buClr>
+              <a:buSzPct val="80000"/>
+              <a:buFont typeface="Corbel" pitchFamily="34" charset="0"/>
+              <a:buNone/>
+              <a:defRPr sz="1600" b="1">
+                <a:solidFill>
+                  <a:schemeClr val="accent1"/>
+                </a:solidFill>
+              </a:defRPr>
+            </a:lvl7pPr>
+            <a:lvl8pPr indent="0" defTabSz="914400">
+              <a:lnSpc>
+                <a:spcPct val="90000"/>
+              </a:lnSpc>
+              <a:spcBef>
+                <a:spcPts val="200"/>
+              </a:spcBef>
+              <a:spcAft>
+                <a:spcPts val="400"/>
+              </a:spcAft>
+              <a:buClr>
+                <a:schemeClr val="accent1"/>
+              </a:buClr>
+              <a:buSzPct val="80000"/>
+              <a:buFont typeface="Corbel" pitchFamily="34" charset="0"/>
+              <a:buNone/>
+              <a:defRPr sz="1600" b="1">
+                <a:solidFill>
+                  <a:schemeClr val="accent1"/>
+                </a:solidFill>
+              </a:defRPr>
+            </a:lvl8pPr>
+            <a:lvl9pPr indent="0" defTabSz="914400">
+              <a:lnSpc>
+                <a:spcPct val="90000"/>
+              </a:lnSpc>
+              <a:spcBef>
+                <a:spcPts val="200"/>
+              </a:spcBef>
+              <a:spcAft>
+                <a:spcPts val="400"/>
+              </a:spcAft>
+              <a:buClr>
+                <a:schemeClr val="accent1"/>
+              </a:buClr>
+              <a:buSzPct val="80000"/>
+              <a:buFont typeface="Corbel" pitchFamily="34" charset="0"/>
+              <a:buNone/>
+              <a:defRPr sz="1600" b="1">
+                <a:solidFill>
+                  <a:schemeClr val="accent1"/>
+                </a:solidFill>
+              </a:defRPr>
+            </a:lvl9pPr>
+          </a:lstStyle>
+          <a:p>
+            <a:pPr>
+              <a:lnSpc>
+                <a:spcPct val="150000"/>
+              </a:lnSpc>
+            </a:pPr>
+            <a:r>
+              <a:rPr lang="fa-IR" sz="1100" dirty="0"/>
+              <a:t>متخصص و توسعه دهنده سمت سرور</a:t>
+            </a:r>
+          </a:p>
+          <a:p>
+            <a:pPr>
+              <a:lnSpc>
+                <a:spcPct val="150000"/>
+              </a:lnSpc>
+            </a:pPr>
+            <a:r>
+              <a:rPr lang="fa-IR" sz="1100" dirty="0"/>
+              <a:t>بیش از ده سال سابقه فعالیت در حوزه وب و اجرایی</a:t>
+            </a:r>
+          </a:p>
+          <a:p>
+            <a:pPr>
+              <a:lnSpc>
+                <a:spcPct val="150000"/>
+              </a:lnSpc>
+            </a:pPr>
+            <a:r>
+              <a:rPr lang="fa-IR" sz="1100" dirty="0"/>
+              <a:t>کارشناس و مشاور آی‌تی در آستان مقدس قم</a:t>
+            </a:r>
+            <a:endParaRPr lang="en-US" sz="1100" dirty="0"/>
+          </a:p>
+        </p:txBody>
+      </p:sp>
+      <p:sp>
+        <p:nvSpPr>
+          <p:cNvPr id="18" name="Text Placeholder 5">
+            <a:extLst>
+              <a:ext uri="{FF2B5EF4-FFF2-40B4-BE49-F238E27FC236}">
+                <a16:creationId xmlns:a16="http://schemas.microsoft.com/office/drawing/2014/main" id="{57250A07-D983-4897-B45A-5B2AC21A9190}"/>
+              </a:ext>
+            </a:extLst>
+          </p:cNvPr>
+          <p:cNvSpPr txBox="1">
+            <a:spLocks/>
+          </p:cNvSpPr>
+          <p:nvPr/>
+        </p:nvSpPr>
+        <p:spPr>
+          <a:xfrm>
+            <a:off x="6166624" y="4235860"/>
+            <a:ext cx="3600000" cy="360000"/>
+          </a:xfrm>
+          <a:prstGeom prst="rect">
+            <a:avLst/>
+          </a:prstGeom>
+        </p:spPr>
+        <p:txBody>
+          <a:bodyPr vert="horz" lIns="91440" tIns="45720" rIns="91440" bIns="45720" rtlCol="0" anchor="t">
+            <a:normAutofit/>
+          </a:bodyPr>
+          <a:lstStyle>
+            <a:lvl1pPr marL="0" indent="0" algn="r" defTabSz="914400" rtl="1" eaLnBrk="1" latinLnBrk="0" hangingPunct="1">
+              <a:lnSpc>
+                <a:spcPct val="150000"/>
+              </a:lnSpc>
+              <a:spcBef>
+                <a:spcPts val="0"/>
+              </a:spcBef>
+              <a:buClr>
+                <a:schemeClr val="accent1"/>
+              </a:buClr>
+              <a:buSzPct val="80000"/>
+              <a:buFont typeface="Corbel" pitchFamily="34" charset="0"/>
+              <a:buNone/>
+              <a:defRPr sz="2400" b="1" kern="1200">
+                <a:solidFill>
+                  <a:srgbClr val="333333"/>
+                </a:solidFill>
+                <a:latin typeface="+mn-lt"/>
+                <a:ea typeface="+mn-ea"/>
+                <a:cs typeface="+mn-cs"/>
+              </a:defRPr>
+            </a:lvl1pPr>
+            <a:lvl2pPr marL="457200" indent="0" algn="r" defTabSz="914400" rtl="1" eaLnBrk="1" latinLnBrk="0" hangingPunct="1">
+              <a:lnSpc>
+                <a:spcPct val="150000"/>
+              </a:lnSpc>
+              <a:spcBef>
+                <a:spcPts val="200"/>
+              </a:spcBef>
+              <a:spcAft>
+                <a:spcPts val="400"/>
+              </a:spcAft>
+              <a:buClr>
+                <a:schemeClr val="accent1"/>
+              </a:buClr>
+              <a:buSzPct val="80000"/>
+              <a:buFont typeface="Corbel" pitchFamily="34" charset="0"/>
+              <a:buNone/>
+              <a:defRPr sz="2000" b="1" kern="1200">
+                <a:solidFill>
+                  <a:srgbClr val="333333"/>
+                </a:solidFill>
+                <a:latin typeface="+mn-lt"/>
+                <a:ea typeface="+mn-ea"/>
+                <a:cs typeface="+mn-cs"/>
+              </a:defRPr>
+            </a:lvl2pPr>
+            <a:lvl3pPr marL="914400" indent="0" algn="r" defTabSz="914400" rtl="1" eaLnBrk="1" latinLnBrk="0" hangingPunct="1">
+              <a:lnSpc>
+                <a:spcPct val="150000"/>
+              </a:lnSpc>
+              <a:spcBef>
+                <a:spcPts val="200"/>
+              </a:spcBef>
+              <a:spcAft>
+                <a:spcPts val="400"/>
+              </a:spcAft>
+              <a:buClr>
+                <a:schemeClr val="accent1"/>
+              </a:buClr>
+              <a:buSzPct val="80000"/>
+              <a:buFont typeface="Corbel" pitchFamily="34" charset="0"/>
+              <a:buNone/>
+              <a:defRPr sz="1800" b="1" kern="1200">
+                <a:solidFill>
+                  <a:srgbClr val="333333"/>
+                </a:solidFill>
+                <a:latin typeface="+mn-lt"/>
+                <a:ea typeface="+mn-ea"/>
+                <a:cs typeface="+mn-cs"/>
+              </a:defRPr>
+            </a:lvl3pPr>
+            <a:lvl4pPr marL="1371600" indent="0" algn="r" defTabSz="914400" rtl="1" eaLnBrk="1" latinLnBrk="0" hangingPunct="1">
+              <a:lnSpc>
+                <a:spcPct val="150000"/>
+              </a:lnSpc>
+              <a:spcBef>
+                <a:spcPts val="200"/>
+              </a:spcBef>
+              <a:spcAft>
+                <a:spcPts val="400"/>
+              </a:spcAft>
+              <a:buClr>
+                <a:schemeClr val="accent1"/>
+              </a:buClr>
+              <a:buSzPct val="80000"/>
+              <a:buFont typeface="Corbel" pitchFamily="34" charset="0"/>
+              <a:buNone/>
+              <a:defRPr sz="1600" b="1" kern="1200">
+                <a:solidFill>
+                  <a:srgbClr val="333333"/>
+                </a:solidFill>
+                <a:latin typeface="+mn-lt"/>
+                <a:ea typeface="+mn-ea"/>
+                <a:cs typeface="+mn-cs"/>
+              </a:defRPr>
+            </a:lvl4pPr>
+            <a:lvl5pPr marL="1828800" indent="0" algn="r" defTabSz="914400" rtl="1" eaLnBrk="1" latinLnBrk="0" hangingPunct="1">
+              <a:lnSpc>
+                <a:spcPct val="150000"/>
+              </a:lnSpc>
+              <a:spcBef>
+                <a:spcPts val="200"/>
+              </a:spcBef>
+              <a:spcAft>
+                <a:spcPts val="400"/>
+              </a:spcAft>
+              <a:buClr>
+                <a:schemeClr val="accent1"/>
+              </a:buClr>
+              <a:buSzPct val="80000"/>
+              <a:buFont typeface="Corbel" pitchFamily="34" charset="0"/>
+              <a:buNone/>
+              <a:defRPr sz="1600" b="1" kern="1200">
+                <a:solidFill>
+                  <a:srgbClr val="333333"/>
+                </a:solidFill>
+                <a:latin typeface="+mn-lt"/>
+                <a:ea typeface="+mn-ea"/>
+                <a:cs typeface="+mn-cs"/>
+              </a:defRPr>
+            </a:lvl5pPr>
+            <a:lvl6pPr marL="2286000" indent="0" algn="l" defTabSz="914400" rtl="0" eaLnBrk="1" latinLnBrk="0" hangingPunct="1">
+              <a:lnSpc>
+                <a:spcPct val="90000"/>
+              </a:lnSpc>
+              <a:spcBef>
+                <a:spcPts val="200"/>
+              </a:spcBef>
+              <a:spcAft>
+                <a:spcPts val="400"/>
+              </a:spcAft>
+              <a:buClr>
+                <a:schemeClr val="accent1"/>
+              </a:buClr>
+              <a:buSzPct val="80000"/>
+              <a:buFont typeface="Corbel" pitchFamily="34" charset="0"/>
+              <a:buNone/>
+              <a:defRPr sz="1600" b="1" kern="1200">
+                <a:solidFill>
+                  <a:schemeClr val="accent1"/>
+                </a:solidFill>
+                <a:latin typeface="+mn-lt"/>
+                <a:ea typeface="+mn-ea"/>
+                <a:cs typeface="+mn-cs"/>
+              </a:defRPr>
+            </a:lvl6pPr>
+            <a:lvl7pPr marL="2743200" indent="0" algn="l" defTabSz="914400" rtl="0" eaLnBrk="1" latinLnBrk="0" hangingPunct="1">
+              <a:lnSpc>
+                <a:spcPct val="90000"/>
+              </a:lnSpc>
+              <a:spcBef>
+                <a:spcPts val="200"/>
+              </a:spcBef>
+              <a:spcAft>
+                <a:spcPts val="400"/>
+              </a:spcAft>
+              <a:buClr>
+                <a:schemeClr val="accent1"/>
+              </a:buClr>
+              <a:buSzPct val="80000"/>
+              <a:buFont typeface="Corbel" pitchFamily="34" charset="0"/>
+              <a:buNone/>
+              <a:defRPr sz="1600" b="1" kern="1200">
+                <a:solidFill>
+                  <a:schemeClr val="accent1"/>
+                </a:solidFill>
+                <a:latin typeface="+mn-lt"/>
+                <a:ea typeface="+mn-ea"/>
+                <a:cs typeface="+mn-cs"/>
+              </a:defRPr>
+            </a:lvl7pPr>
+            <a:lvl8pPr marL="3200400" indent="0" algn="l" defTabSz="914400" rtl="0" eaLnBrk="1" latinLnBrk="0" hangingPunct="1">
+              <a:lnSpc>
+                <a:spcPct val="90000"/>
+              </a:lnSpc>
+              <a:spcBef>
+                <a:spcPts val="200"/>
+              </a:spcBef>
+              <a:spcAft>
+                <a:spcPts val="400"/>
+              </a:spcAft>
+              <a:buClr>
+                <a:schemeClr val="accent1"/>
+              </a:buClr>
+              <a:buSzPct val="80000"/>
+              <a:buFont typeface="Corbel" pitchFamily="34" charset="0"/>
+              <a:buNone/>
+              <a:defRPr sz="1600" b="1" kern="1200">
+                <a:solidFill>
+                  <a:schemeClr val="accent1"/>
+                </a:solidFill>
+                <a:latin typeface="+mn-lt"/>
+                <a:ea typeface="+mn-ea"/>
+                <a:cs typeface="+mn-cs"/>
+              </a:defRPr>
+            </a:lvl8pPr>
+            <a:lvl9pPr marL="3657600" indent="0" algn="l" defTabSz="914400" rtl="0" eaLnBrk="1" latinLnBrk="0" hangingPunct="1">
+              <a:lnSpc>
+                <a:spcPct val="90000"/>
+              </a:lnSpc>
+              <a:spcBef>
+                <a:spcPts val="200"/>
+              </a:spcBef>
+              <a:spcAft>
+                <a:spcPts val="400"/>
+              </a:spcAft>
+              <a:buClr>
+                <a:schemeClr val="accent1"/>
+              </a:buClr>
+              <a:buSzPct val="80000"/>
+              <a:buFont typeface="Corbel" pitchFamily="34" charset="0"/>
+              <a:buNone/>
+              <a:defRPr sz="1600" b="1" kern="1200">
+                <a:solidFill>
+                  <a:schemeClr val="accent1"/>
+                </a:solidFill>
+                <a:latin typeface="+mn-lt"/>
+                <a:ea typeface="+mn-ea"/>
+                <a:cs typeface="+mn-cs"/>
+              </a:defRPr>
+            </a:lvl9pPr>
+          </a:lstStyle>
+          <a:p>
+            <a:pPr algn="ctr">
+              <a:lnSpc>
+                <a:spcPct val="100000"/>
+              </a:lnSpc>
+            </a:pPr>
+            <a:r>
+              <a:rPr lang="fa-IR" sz="1400" b="0" dirty="0">
+                <a:cs typeface="+mj-cs"/>
+              </a:rPr>
+              <a:t>بنیان‌گذار و مدیرعامل</a:t>
+            </a:r>
+            <a:endParaRPr lang="en-US" sz="1400" b="0" dirty="0">
+              <a:cs typeface="+mj-cs"/>
+            </a:endParaRPr>
+          </a:p>
+        </p:txBody>
+      </p:sp>
+      <p:sp>
+        <p:nvSpPr>
+          <p:cNvPr id="19" name="Text Placeholder 5">
+            <a:extLst>
+              <a:ext uri="{FF2B5EF4-FFF2-40B4-BE49-F238E27FC236}">
+                <a16:creationId xmlns:a16="http://schemas.microsoft.com/office/drawing/2014/main" id="{188FEAD1-2511-4176-80BF-F7D64215F75C}"/>
+              </a:ext>
+            </a:extLst>
+          </p:cNvPr>
+          <p:cNvSpPr txBox="1">
+            <a:spLocks/>
+          </p:cNvSpPr>
+          <p:nvPr/>
+        </p:nvSpPr>
+        <p:spPr>
+          <a:xfrm>
+            <a:off x="2448890" y="4235860"/>
+            <a:ext cx="3600000" cy="360000"/>
+          </a:xfrm>
+          <a:prstGeom prst="rect">
+            <a:avLst/>
+          </a:prstGeom>
+        </p:spPr>
+        <p:txBody>
+          <a:bodyPr vert="horz" lIns="91440" tIns="45720" rIns="91440" bIns="45720" rtlCol="0" anchor="t">
+            <a:normAutofit/>
+          </a:bodyPr>
+          <a:lstStyle>
+            <a:lvl1pPr marL="0" indent="0" algn="r" defTabSz="914400" rtl="1" eaLnBrk="1" latinLnBrk="0" hangingPunct="1">
+              <a:lnSpc>
+                <a:spcPct val="150000"/>
+              </a:lnSpc>
+              <a:spcBef>
+                <a:spcPts val="0"/>
+              </a:spcBef>
+              <a:buClr>
+                <a:schemeClr val="accent1"/>
+              </a:buClr>
+              <a:buSzPct val="80000"/>
+              <a:buFont typeface="Corbel" pitchFamily="34" charset="0"/>
+              <a:buNone/>
+              <a:defRPr sz="2400" b="1" kern="1200">
+                <a:solidFill>
+                  <a:srgbClr val="333333"/>
+                </a:solidFill>
+                <a:latin typeface="+mn-lt"/>
+                <a:ea typeface="+mn-ea"/>
+                <a:cs typeface="+mn-cs"/>
+              </a:defRPr>
+            </a:lvl1pPr>
+            <a:lvl2pPr marL="457200" indent="0" algn="r" defTabSz="914400" rtl="1" eaLnBrk="1" latinLnBrk="0" hangingPunct="1">
+              <a:lnSpc>
+                <a:spcPct val="150000"/>
+              </a:lnSpc>
+              <a:spcBef>
+                <a:spcPts val="200"/>
+              </a:spcBef>
+              <a:spcAft>
+                <a:spcPts val="400"/>
+              </a:spcAft>
+              <a:buClr>
+                <a:schemeClr val="accent1"/>
+              </a:buClr>
+              <a:buSzPct val="80000"/>
+              <a:buFont typeface="Corbel" pitchFamily="34" charset="0"/>
+              <a:buNone/>
+              <a:defRPr sz="2000" b="1" kern="1200">
+                <a:solidFill>
+                  <a:srgbClr val="333333"/>
+                </a:solidFill>
+                <a:latin typeface="+mn-lt"/>
+                <a:ea typeface="+mn-ea"/>
+                <a:cs typeface="+mn-cs"/>
+              </a:defRPr>
+            </a:lvl2pPr>
+            <a:lvl3pPr marL="914400" indent="0" algn="r" defTabSz="914400" rtl="1" eaLnBrk="1" latinLnBrk="0" hangingPunct="1">
+              <a:lnSpc>
+                <a:spcPct val="150000"/>
+              </a:lnSpc>
+              <a:spcBef>
+                <a:spcPts val="200"/>
+              </a:spcBef>
+              <a:spcAft>
+                <a:spcPts val="400"/>
+              </a:spcAft>
+              <a:buClr>
+                <a:schemeClr val="accent1"/>
+              </a:buClr>
+              <a:buSzPct val="80000"/>
+              <a:buFont typeface="Corbel" pitchFamily="34" charset="0"/>
+              <a:buNone/>
+              <a:defRPr sz="1800" b="1" kern="1200">
+                <a:solidFill>
+                  <a:srgbClr val="333333"/>
+                </a:solidFill>
+                <a:latin typeface="+mn-lt"/>
+                <a:ea typeface="+mn-ea"/>
+                <a:cs typeface="+mn-cs"/>
+              </a:defRPr>
+            </a:lvl3pPr>
+            <a:lvl4pPr marL="1371600" indent="0" algn="r" defTabSz="914400" rtl="1" eaLnBrk="1" latinLnBrk="0" hangingPunct="1">
+              <a:lnSpc>
+                <a:spcPct val="150000"/>
+              </a:lnSpc>
+              <a:spcBef>
+                <a:spcPts val="200"/>
+              </a:spcBef>
+              <a:spcAft>
+                <a:spcPts val="400"/>
+              </a:spcAft>
+              <a:buClr>
+                <a:schemeClr val="accent1"/>
+              </a:buClr>
+              <a:buSzPct val="80000"/>
+              <a:buFont typeface="Corbel" pitchFamily="34" charset="0"/>
+              <a:buNone/>
+              <a:defRPr sz="1600" b="1" kern="1200">
+                <a:solidFill>
+                  <a:srgbClr val="333333"/>
+                </a:solidFill>
+                <a:latin typeface="+mn-lt"/>
+                <a:ea typeface="+mn-ea"/>
+                <a:cs typeface="+mn-cs"/>
+              </a:defRPr>
+            </a:lvl4pPr>
+            <a:lvl5pPr marL="1828800" indent="0" algn="r" defTabSz="914400" rtl="1" eaLnBrk="1" latinLnBrk="0" hangingPunct="1">
+              <a:lnSpc>
+                <a:spcPct val="150000"/>
+              </a:lnSpc>
+              <a:spcBef>
+                <a:spcPts val="200"/>
+              </a:spcBef>
+              <a:spcAft>
+                <a:spcPts val="400"/>
+              </a:spcAft>
+              <a:buClr>
+                <a:schemeClr val="accent1"/>
+              </a:buClr>
+              <a:buSzPct val="80000"/>
+              <a:buFont typeface="Corbel" pitchFamily="34" charset="0"/>
+              <a:buNone/>
+              <a:defRPr sz="1600" b="1" kern="1200">
+                <a:solidFill>
+                  <a:srgbClr val="333333"/>
+                </a:solidFill>
+                <a:latin typeface="+mn-lt"/>
+                <a:ea typeface="+mn-ea"/>
+                <a:cs typeface="+mn-cs"/>
+              </a:defRPr>
+            </a:lvl5pPr>
+            <a:lvl6pPr marL="2286000" indent="0" algn="l" defTabSz="914400" rtl="0" eaLnBrk="1" latinLnBrk="0" hangingPunct="1">
+              <a:lnSpc>
+                <a:spcPct val="90000"/>
+              </a:lnSpc>
+              <a:spcBef>
+                <a:spcPts val="200"/>
+              </a:spcBef>
+              <a:spcAft>
+                <a:spcPts val="400"/>
+              </a:spcAft>
+              <a:buClr>
+                <a:schemeClr val="accent1"/>
+              </a:buClr>
+              <a:buSzPct val="80000"/>
+              <a:buFont typeface="Corbel" pitchFamily="34" charset="0"/>
+              <a:buNone/>
+              <a:defRPr sz="1600" b="1" kern="1200">
+                <a:solidFill>
+                  <a:schemeClr val="accent1"/>
+                </a:solidFill>
+                <a:latin typeface="+mn-lt"/>
+                <a:ea typeface="+mn-ea"/>
+                <a:cs typeface="+mn-cs"/>
+              </a:defRPr>
+            </a:lvl6pPr>
+            <a:lvl7pPr marL="2743200" indent="0" algn="l" defTabSz="914400" rtl="0" eaLnBrk="1" latinLnBrk="0" hangingPunct="1">
+              <a:lnSpc>
+                <a:spcPct val="90000"/>
+              </a:lnSpc>
+              <a:spcBef>
+                <a:spcPts val="200"/>
+              </a:spcBef>
+              <a:spcAft>
+                <a:spcPts val="400"/>
+              </a:spcAft>
+              <a:buClr>
+                <a:schemeClr val="accent1"/>
+              </a:buClr>
+              <a:buSzPct val="80000"/>
+              <a:buFont typeface="Corbel" pitchFamily="34" charset="0"/>
+              <a:buNone/>
+              <a:defRPr sz="1600" b="1" kern="1200">
+                <a:solidFill>
+                  <a:schemeClr val="accent1"/>
+                </a:solidFill>
+                <a:latin typeface="+mn-lt"/>
+                <a:ea typeface="+mn-ea"/>
+                <a:cs typeface="+mn-cs"/>
+              </a:defRPr>
+            </a:lvl7pPr>
+            <a:lvl8pPr marL="3200400" indent="0" algn="l" defTabSz="914400" rtl="0" eaLnBrk="1" latinLnBrk="0" hangingPunct="1">
+              <a:lnSpc>
+                <a:spcPct val="90000"/>
+              </a:lnSpc>
+              <a:spcBef>
+                <a:spcPts val="200"/>
+              </a:spcBef>
+              <a:spcAft>
+                <a:spcPts val="400"/>
+              </a:spcAft>
+              <a:buClr>
+                <a:schemeClr val="accent1"/>
+              </a:buClr>
+              <a:buSzPct val="80000"/>
+              <a:buFont typeface="Corbel" pitchFamily="34" charset="0"/>
+              <a:buNone/>
+              <a:defRPr sz="1600" b="1" kern="1200">
+                <a:solidFill>
+                  <a:schemeClr val="accent1"/>
+                </a:solidFill>
+                <a:latin typeface="+mn-lt"/>
+                <a:ea typeface="+mn-ea"/>
+                <a:cs typeface="+mn-cs"/>
+              </a:defRPr>
+            </a:lvl8pPr>
+            <a:lvl9pPr marL="3657600" indent="0" algn="l" defTabSz="914400" rtl="0" eaLnBrk="1" latinLnBrk="0" hangingPunct="1">
+              <a:lnSpc>
+                <a:spcPct val="90000"/>
+              </a:lnSpc>
+              <a:spcBef>
+                <a:spcPts val="200"/>
+              </a:spcBef>
+              <a:spcAft>
+                <a:spcPts val="400"/>
+              </a:spcAft>
+              <a:buClr>
+                <a:schemeClr val="accent1"/>
+              </a:buClr>
+              <a:buSzPct val="80000"/>
+              <a:buFont typeface="Corbel" pitchFamily="34" charset="0"/>
+              <a:buNone/>
+              <a:defRPr sz="1600" b="1" kern="1200">
+                <a:solidFill>
+                  <a:schemeClr val="accent1"/>
+                </a:solidFill>
+                <a:latin typeface="+mn-lt"/>
+                <a:ea typeface="+mn-ea"/>
+                <a:cs typeface="+mn-cs"/>
+              </a:defRPr>
+            </a:lvl9pPr>
+          </a:lstStyle>
+          <a:p>
+            <a:pPr algn="ctr">
+              <a:lnSpc>
+                <a:spcPct val="100000"/>
+              </a:lnSpc>
+            </a:pPr>
+            <a:r>
+              <a:rPr lang="fa-IR" sz="1400" b="0" dirty="0">
+                <a:cs typeface="+mj-cs"/>
+              </a:rPr>
+              <a:t>مدیر ارشد فنی</a:t>
+            </a:r>
+            <a:endParaRPr lang="en-US" sz="1400" b="0" dirty="0">
+              <a:cs typeface="+mj-cs"/>
+            </a:endParaRPr>
           </a:p>
         </p:txBody>
       </p:sp>
@@ -30353,194 +35613,6 @@
           <p:cNvPr id="2" name="Title 1">
             <a:extLst>
               <a:ext uri="{FF2B5EF4-FFF2-40B4-BE49-F238E27FC236}">
-                <a16:creationId xmlns:a16="http://schemas.microsoft.com/office/drawing/2014/main" id="{47837149-1921-4A21-B4E9-3F786C8A1541}"/>
-              </a:ext>
-            </a:extLst>
-          </p:cNvPr>
-          <p:cNvSpPr>
-            <a:spLocks noGrp="1"/>
-          </p:cNvSpPr>
-          <p:nvPr>
-            <p:ph type="ctrTitle"/>
-          </p:nvPr>
-        </p:nvSpPr>
-        <p:spPr/>
-        <p:txBody>
-          <a:bodyPr/>
-          <a:lstStyle/>
-          <a:p>
-            <a:r>
-              <a:rPr lang="fa-IR" dirty="0"/>
-              <a:t>ضمیمه</a:t>
-            </a:r>
-            <a:endParaRPr lang="en-US" dirty="0"/>
-          </a:p>
-        </p:txBody>
-      </p:sp>
-      <p:sp>
-        <p:nvSpPr>
-          <p:cNvPr id="4" name="Subtitle 3">
-            <a:extLst>
-              <a:ext uri="{FF2B5EF4-FFF2-40B4-BE49-F238E27FC236}">
-                <a16:creationId xmlns:a16="http://schemas.microsoft.com/office/drawing/2014/main" id="{448BF4A5-4EAD-4B6E-94B2-0409F49F6CDF}"/>
-              </a:ext>
-            </a:extLst>
-          </p:cNvPr>
-          <p:cNvSpPr>
-            <a:spLocks noGrp="1"/>
-          </p:cNvSpPr>
-          <p:nvPr>
-            <p:ph type="subTitle" idx="1"/>
-          </p:nvPr>
-        </p:nvSpPr>
-        <p:spPr/>
-        <p:txBody>
-          <a:bodyPr/>
-          <a:lstStyle/>
-          <a:p>
-            <a:endParaRPr lang="en-US" dirty="0"/>
-          </a:p>
-        </p:txBody>
-      </p:sp>
-    </p:spTree>
-    <p:extLst>
-      <p:ext uri="{BB962C8B-B14F-4D97-AF65-F5344CB8AC3E}">
-        <p14:creationId xmlns:p14="http://schemas.microsoft.com/office/powerpoint/2010/main" val="868115254"/>
-      </p:ext>
-    </p:extLst>
-  </p:cSld>
-  <p:clrMapOvr>
-    <a:masterClrMapping/>
-  </p:clrMapOvr>
-  <mc:AlternateContent xmlns:mc="http://schemas.openxmlformats.org/markup-compatibility/2006" xmlns:p159="http://schemas.microsoft.com/office/powerpoint/2015/09/main">
-    <mc:Choice Requires="p159">
-      <p:transition>
-        <p159:morph option="byWord"/>
-      </p:transition>
-    </mc:Choice>
-    <mc:Fallback xmlns="">
-      <p:transition>
-        <p:fade/>
-      </p:transition>
-    </mc:Fallback>
-  </mc:AlternateContent>
-</p:sld>
-</file>
-
-<file path=ppt/slides/slide22.xml><?xml version="1.0" encoding="utf-8"?>
-<p:sld xmlns:a="http://schemas.openxmlformats.org/drawingml/2006/main" xmlns:r="http://schemas.openxmlformats.org/officeDocument/2006/relationships" xmlns:p="http://schemas.openxmlformats.org/presentationml/2006/main">
-  <p:cSld>
-    <p:spTree>
-      <p:nvGrpSpPr>
-        <p:cNvPr id="1" name=""/>
-        <p:cNvGrpSpPr/>
-        <p:nvPr/>
-      </p:nvGrpSpPr>
-      <p:grpSpPr>
-        <a:xfrm>
-          <a:off x="0" y="0"/>
-          <a:ext cx="0" cy="0"/>
-          <a:chOff x="0" y="0"/>
-          <a:chExt cx="0" cy="0"/>
-        </a:xfrm>
-      </p:grpSpPr>
-      <p:sp>
-        <p:nvSpPr>
-          <p:cNvPr id="2" name="Title 1">
-            <a:extLst>
-              <a:ext uri="{FF2B5EF4-FFF2-40B4-BE49-F238E27FC236}">
-                <a16:creationId xmlns:a16="http://schemas.microsoft.com/office/drawing/2014/main" id="{13DB0A40-B105-433E-B16C-13B3E1257FDB}"/>
-              </a:ext>
-            </a:extLst>
-          </p:cNvPr>
-          <p:cNvSpPr>
-            <a:spLocks noGrp="1"/>
-          </p:cNvSpPr>
-          <p:nvPr>
-            <p:ph type="title"/>
-          </p:nvPr>
-        </p:nvSpPr>
-        <p:spPr/>
-        <p:txBody>
-          <a:bodyPr/>
-          <a:lstStyle/>
-          <a:p>
-            <a:endParaRPr lang="en-US"/>
-          </a:p>
-        </p:txBody>
-      </p:sp>
-      <p:sp>
-        <p:nvSpPr>
-          <p:cNvPr id="3" name="Content Placeholder 2">
-            <a:extLst>
-              <a:ext uri="{FF2B5EF4-FFF2-40B4-BE49-F238E27FC236}">
-                <a16:creationId xmlns:a16="http://schemas.microsoft.com/office/drawing/2014/main" id="{24D6BDE4-56DF-489D-8C1D-40E3486E0D86}"/>
-              </a:ext>
-            </a:extLst>
-          </p:cNvPr>
-          <p:cNvSpPr>
-            <a:spLocks noGrp="1"/>
-          </p:cNvSpPr>
-          <p:nvPr>
-            <p:ph idx="1"/>
-          </p:nvPr>
-        </p:nvSpPr>
-        <p:spPr/>
-        <p:txBody>
-          <a:bodyPr/>
-          <a:lstStyle/>
-          <a:p>
-            <a:endParaRPr lang="en-US"/>
-          </a:p>
-        </p:txBody>
-      </p:sp>
-    </p:spTree>
-    <p:extLst>
-      <p:ext uri="{BB962C8B-B14F-4D97-AF65-F5344CB8AC3E}">
-        <p14:creationId xmlns:p14="http://schemas.microsoft.com/office/powerpoint/2010/main" val="2904675952"/>
-      </p:ext>
-    </p:extLst>
-  </p:cSld>
-  <p:clrMapOvr>
-    <a:masterClrMapping/>
-  </p:clrMapOvr>
-  <mc:AlternateContent xmlns:mc="http://schemas.openxmlformats.org/markup-compatibility/2006" xmlns:p159="http://schemas.microsoft.com/office/powerpoint/2015/09/main">
-    <mc:Choice Requires="p159">
-      <p:transition>
-        <p159:morph option="byWord"/>
-      </p:transition>
-    </mc:Choice>
-    <mc:Fallback xmlns="">
-      <p:transition>
-        <p:fade/>
-      </p:transition>
-    </mc:Fallback>
-  </mc:AlternateContent>
-</p:sld>
-</file>
-
-<file path=ppt/slides/slide23.xml><?xml version="1.0" encoding="utf-8"?>
-<p:sld xmlns:a="http://schemas.openxmlformats.org/drawingml/2006/main" xmlns:r="http://schemas.openxmlformats.org/officeDocument/2006/relationships" xmlns:p="http://schemas.openxmlformats.org/presentationml/2006/main">
-  <p:cSld>
-    <p:spTree>
-      <p:nvGrpSpPr>
-        <p:cNvPr id="1" name=""/>
-        <p:cNvGrpSpPr/>
-        <p:nvPr/>
-      </p:nvGrpSpPr>
-      <p:grpSpPr>
-        <a:xfrm>
-          <a:off x="0" y="0"/>
-          <a:ext cx="0" cy="0"/>
-          <a:chOff x="0" y="0"/>
-          <a:chExt cx="0" cy="0"/>
-        </a:xfrm>
-      </p:grpSpPr>
-      <p:sp>
-        <p:nvSpPr>
-          <p:cNvPr id="2" name="Title 1">
-            <a:extLst>
-              <a:ext uri="{FF2B5EF4-FFF2-40B4-BE49-F238E27FC236}">
                 <a16:creationId xmlns:a16="http://schemas.microsoft.com/office/drawing/2014/main" id="{BD465A1C-353A-47FF-BE5C-E8CC4B2961F5}"/>
               </a:ext>
             </a:extLst>
@@ -30634,7 +35706,7 @@
 </p:sld>
 </file>
 
-<file path=ppt/slides/slide24.xml><?xml version="1.0" encoding="utf-8"?>
+<file path=ppt/slides/slide22.xml><?xml version="1.0" encoding="utf-8"?>
 <p:sld xmlns:a="http://schemas.openxmlformats.org/drawingml/2006/main" xmlns:r="http://schemas.openxmlformats.org/officeDocument/2006/relationships" xmlns:p="http://schemas.openxmlformats.org/presentationml/2006/main">
   <p:cSld>
     <p:spTree>

--- a/business/PitchDeck/JIbres-PitchDeck-v1.pptx
+++ b/business/PitchDeck/JIbres-PitchDeck-v1.pptx
@@ -5,10 +5,10 @@
     <p:sldMasterId id="2147483714" r:id="rId1"/>
   </p:sldMasterIdLst>
   <p:notesMasterIdLst>
-    <p:notesMasterId r:id="rId24"/>
+    <p:notesMasterId r:id="rId20"/>
   </p:notesMasterIdLst>
   <p:handoutMasterIdLst>
-    <p:handoutMasterId r:id="rId25"/>
+    <p:handoutMasterId r:id="rId21"/>
   </p:handoutMasterIdLst>
   <p:sldIdLst>
     <p:sldId id="262" r:id="rId2"/>
@@ -27,12 +27,8 @@
     <p:sldId id="265" r:id="rId15"/>
     <p:sldId id="273" r:id="rId16"/>
     <p:sldId id="275" r:id="rId17"/>
-    <p:sldId id="268" r:id="rId18"/>
-    <p:sldId id="276" r:id="rId19"/>
-    <p:sldId id="274" r:id="rId20"/>
-    <p:sldId id="279" r:id="rId21"/>
-    <p:sldId id="286" r:id="rId22"/>
-    <p:sldId id="261" r:id="rId23"/>
+    <p:sldId id="276" r:id="rId18"/>
+    <p:sldId id="261" r:id="rId19"/>
   </p:sldIdLst>
   <p:sldSz cx="12192000" cy="6858000"/>
   <p:notesSz cx="6858000" cy="9144000"/>
@@ -49,8 +45,7 @@
         <p:sld r:id="rId14"/>
         <p:sld r:id="rId15"/>
         <p:sld r:id="rId16"/>
-        <p:sld r:id="rId18"/>
-        <p:sld r:id="rId23"/>
+        <p:sld r:id="rId19"/>
       </p:sldLst>
     </p:custShow>
     <p:custShow name="Demo Day" id="1">
@@ -65,8 +60,7 @@
         <p:sld r:id="rId11"/>
         <p:sld r:id="rId14"/>
         <p:sld r:id="rId15"/>
-        <p:sld r:id="rId18"/>
-        <p:sld r:id="rId23"/>
+        <p:sld r:id="rId19"/>
       </p:sldLst>
     </p:custShow>
   </p:custShowLst>
@@ -236,24 +230,15 @@
           </p14:sldIdLst>
         </p14:section>
         <p14:section name="سرمایه موردنیاز" id="{0015CE12-1864-48BA-847C-BE9F3263F1E2}">
-          <p14:sldIdLst>
-            <p14:sldId id="268"/>
-          </p14:sldIdLst>
+          <p14:sldIdLst/>
         </p14:section>
         <p14:section name="محل استفاده از سرمایه تامین شده" id="{970402E4-893E-4090-A925-66F233360702}">
           <p14:sldIdLst>
             <p14:sldId id="276"/>
           </p14:sldIdLst>
         </p14:section>
-        <p14:section name="ThankYou" id="{51284E2B-BF4B-4503-A37B-18509E1F92C9}">
-          <p14:sldIdLst>
-            <p14:sldId id="274"/>
-          </p14:sldIdLst>
-        </p14:section>
         <p14:section name="Jibres" id="{00CC254F-6A85-49A5-A813-69506AD69DF8}">
           <p14:sldIdLst>
-            <p14:sldId id="279"/>
-            <p14:sldId id="286"/>
             <p14:sldId id="261"/>
           </p14:sldIdLst>
         </p14:section>
@@ -21669,7 +21654,7 @@
           <a:p>
             <a:fld id="{EC29E1AC-3210-4C03-93DF-294BFDB0FAF7}" type="slidenum">
               <a:rPr lang="en-US" smtClean="0"/>
-              <a:t>18</a:t>
+              <a:t>17</a:t>
             </a:fld>
             <a:endParaRPr lang="en-US"/>
           </a:p>
@@ -23361,18 +23346,9 @@
   <p:clrMapOvr>
     <a:masterClrMapping/>
   </p:clrMapOvr>
-  <mc:AlternateContent xmlns:mc="http://schemas.openxmlformats.org/markup-compatibility/2006" xmlns:p159="http://schemas.microsoft.com/office/powerpoint/2015/09/main">
-    <mc:Choice Requires="p159">
-      <p:transition>
-        <p159:morph option="byWord"/>
-      </p:transition>
-    </mc:Choice>
-    <mc:Fallback xmlns="">
-      <p:transition>
-        <p:fade/>
-      </p:transition>
-    </mc:Fallback>
-  </mc:AlternateContent>
+  <p:transition spd="slow">
+    <p:fade thruBlk="1"/>
+  </p:transition>
 </p:sldLayout>
 </file>
 
@@ -23495,18 +23471,9 @@
   <p:clrMapOvr>
     <a:masterClrMapping/>
   </p:clrMapOvr>
-  <mc:AlternateContent xmlns:mc="http://schemas.openxmlformats.org/markup-compatibility/2006" xmlns:p159="http://schemas.microsoft.com/office/powerpoint/2015/09/main">
-    <mc:Choice Requires="p159">
-      <p:transition>
-        <p159:morph option="byWord"/>
-      </p:transition>
-    </mc:Choice>
-    <mc:Fallback xmlns="">
-      <p:transition>
-        <p:fade/>
-      </p:transition>
-    </mc:Fallback>
-  </mc:AlternateContent>
+  <p:transition spd="slow">
+    <p:fade thruBlk="1"/>
+  </p:transition>
 </p:sldLayout>
 </file>
 
@@ -23606,18 +23573,9 @@
   <p:clrMapOvr>
     <a:masterClrMapping/>
   </p:clrMapOvr>
-  <mc:AlternateContent xmlns:mc="http://schemas.openxmlformats.org/markup-compatibility/2006" xmlns:p159="http://schemas.microsoft.com/office/powerpoint/2015/09/main">
-    <mc:Choice Requires="p159">
-      <p:transition>
-        <p159:morph option="byWord"/>
-      </p:transition>
-    </mc:Choice>
-    <mc:Fallback xmlns="">
-      <p:transition>
-        <p:fade/>
-      </p:transition>
-    </mc:Fallback>
-  </mc:AlternateContent>
+  <p:transition spd="slow">
+    <p:fade thruBlk="1"/>
+  </p:transition>
 </p:sldLayout>
 </file>
 
@@ -23690,18 +23648,9 @@
   <p:clrMapOvr>
     <a:masterClrMapping/>
   </p:clrMapOvr>
-  <mc:AlternateContent xmlns:mc="http://schemas.openxmlformats.org/markup-compatibility/2006" xmlns:p159="http://schemas.microsoft.com/office/powerpoint/2015/09/main">
-    <mc:Choice Requires="p159">
-      <p:transition>
-        <p159:morph option="byWord"/>
-      </p:transition>
-    </mc:Choice>
-    <mc:Fallback xmlns="">
-      <p:transition>
-        <p:fade/>
-      </p:transition>
-    </mc:Fallback>
-  </mc:AlternateContent>
+  <p:transition spd="slow">
+    <p:fade thruBlk="1"/>
+  </p:transition>
 </p:sldLayout>
 </file>
 
@@ -23823,18 +23772,9 @@
   <p:clrMapOvr>
     <a:masterClrMapping/>
   </p:clrMapOvr>
-  <mc:AlternateContent xmlns:mc="http://schemas.openxmlformats.org/markup-compatibility/2006" xmlns:p159="http://schemas.microsoft.com/office/powerpoint/2015/09/main">
-    <mc:Choice Requires="p159">
-      <p:transition>
-        <p159:morph option="byWord"/>
-      </p:transition>
-    </mc:Choice>
-    <mc:Fallback xmlns="">
-      <p:transition>
-        <p:fade/>
-      </p:transition>
-    </mc:Fallback>
-  </mc:AlternateContent>
+  <p:transition spd="slow">
+    <p:fade thruBlk="1"/>
+  </p:transition>
 </p:sldLayout>
 </file>
 
@@ -23956,18 +23896,9 @@
   <p:clrMapOvr>
     <a:masterClrMapping/>
   </p:clrMapOvr>
-  <mc:AlternateContent xmlns:mc="http://schemas.openxmlformats.org/markup-compatibility/2006" xmlns:p159="http://schemas.microsoft.com/office/powerpoint/2015/09/main">
-    <mc:Choice Requires="p159">
-      <p:transition>
-        <p159:morph option="byWord"/>
-      </p:transition>
-    </mc:Choice>
-    <mc:Fallback xmlns="">
-      <p:transition>
-        <p:fade/>
-      </p:transition>
-    </mc:Fallback>
-  </mc:AlternateContent>
+  <p:transition spd="slow">
+    <p:fade thruBlk="1"/>
+  </p:transition>
 </p:sldLayout>
 </file>
 
@@ -24089,18 +24020,9 @@
   <p:clrMapOvr>
     <a:masterClrMapping/>
   </p:clrMapOvr>
-  <mc:AlternateContent xmlns:mc="http://schemas.openxmlformats.org/markup-compatibility/2006" xmlns:p159="http://schemas.microsoft.com/office/powerpoint/2015/09/main">
-    <mc:Choice Requires="p159">
-      <p:transition>
-        <p159:morph option="byWord"/>
-      </p:transition>
-    </mc:Choice>
-    <mc:Fallback xmlns="">
-      <p:transition>
-        <p:fade/>
-      </p:transition>
-    </mc:Fallback>
-  </mc:AlternateContent>
+  <p:transition spd="slow">
+    <p:fade thruBlk="1"/>
+  </p:transition>
 </p:sldLayout>
 </file>
 
@@ -24222,18 +24144,9 @@
   <p:clrMapOvr>
     <a:masterClrMapping/>
   </p:clrMapOvr>
-  <mc:AlternateContent xmlns:mc="http://schemas.openxmlformats.org/markup-compatibility/2006" xmlns:p159="http://schemas.microsoft.com/office/powerpoint/2015/09/main">
-    <mc:Choice Requires="p159">
-      <p:transition>
-        <p159:morph option="byWord"/>
-      </p:transition>
-    </mc:Choice>
-    <mc:Fallback xmlns="">
-      <p:transition>
-        <p:fade/>
-      </p:transition>
-    </mc:Fallback>
-  </mc:AlternateContent>
+  <p:transition spd="slow">
+    <p:fade thruBlk="1"/>
+  </p:transition>
 </p:sldLayout>
 </file>
 
@@ -24355,18 +24268,9 @@
   <p:clrMapOvr>
     <a:masterClrMapping/>
   </p:clrMapOvr>
-  <mc:AlternateContent xmlns:mc="http://schemas.openxmlformats.org/markup-compatibility/2006" xmlns:p159="http://schemas.microsoft.com/office/powerpoint/2015/09/main">
-    <mc:Choice Requires="p159">
-      <p:transition>
-        <p159:morph option="byWord"/>
-      </p:transition>
-    </mc:Choice>
-    <mc:Fallback xmlns="">
-      <p:transition>
-        <p:fade/>
-      </p:transition>
-    </mc:Fallback>
-  </mc:AlternateContent>
+  <p:transition spd="slow">
+    <p:fade thruBlk="1"/>
+  </p:transition>
 </p:sldLayout>
 </file>
 
@@ -24478,18 +24382,9 @@
   <p:clrMapOvr>
     <a:masterClrMapping/>
   </p:clrMapOvr>
-  <mc:AlternateContent xmlns:mc="http://schemas.openxmlformats.org/markup-compatibility/2006" xmlns:p159="http://schemas.microsoft.com/office/powerpoint/2015/09/main">
-    <mc:Choice Requires="p159">
-      <p:transition>
-        <p159:morph option="byWord"/>
-      </p:transition>
-    </mc:Choice>
-    <mc:Fallback xmlns="">
-      <p:transition>
-        <p:fade/>
-      </p:transition>
-    </mc:Fallback>
-  </mc:AlternateContent>
+  <p:transition spd="slow">
+    <p:fade thruBlk="1"/>
+  </p:transition>
 </p:sldLayout>
 </file>
 
@@ -24601,18 +24496,9 @@
   <p:clrMapOvr>
     <a:masterClrMapping/>
   </p:clrMapOvr>
-  <mc:AlternateContent xmlns:mc="http://schemas.openxmlformats.org/markup-compatibility/2006" xmlns:p159="http://schemas.microsoft.com/office/powerpoint/2015/09/main">
-    <mc:Choice Requires="p159">
-      <p:transition>
-        <p159:morph option="byWord"/>
-      </p:transition>
-    </mc:Choice>
-    <mc:Fallback xmlns="">
-      <p:transition>
-        <p:fade/>
-      </p:transition>
-    </mc:Fallback>
-  </mc:AlternateContent>
+  <p:transition spd="slow">
+    <p:fade thruBlk="1"/>
+  </p:transition>
 </p:sldLayout>
 </file>
 
@@ -24907,18 +24793,9 @@
   <p:clrMapOvr>
     <a:masterClrMapping/>
   </p:clrMapOvr>
-  <mc:AlternateContent xmlns:mc="http://schemas.openxmlformats.org/markup-compatibility/2006" xmlns:p159="http://schemas.microsoft.com/office/powerpoint/2015/09/main">
-    <mc:Choice Requires="p159">
-      <p:transition>
-        <p159:morph option="byWord"/>
-      </p:transition>
-    </mc:Choice>
-    <mc:Fallback xmlns="">
-      <p:transition>
-        <p:fade/>
-      </p:transition>
-    </mc:Fallback>
-  </mc:AlternateContent>
+  <p:transition spd="slow">
+    <p:fade thruBlk="1"/>
+  </p:transition>
 </p:sldLayout>
 </file>
 
@@ -25030,18 +24907,9 @@
   <p:clrMapOvr>
     <a:masterClrMapping/>
   </p:clrMapOvr>
-  <mc:AlternateContent xmlns:mc="http://schemas.openxmlformats.org/markup-compatibility/2006" xmlns:p159="http://schemas.microsoft.com/office/powerpoint/2015/09/main">
-    <mc:Choice Requires="p159">
-      <p:transition>
-        <p159:morph option="byWord"/>
-      </p:transition>
-    </mc:Choice>
-    <mc:Fallback xmlns="">
-      <p:transition>
-        <p:fade/>
-      </p:transition>
-    </mc:Fallback>
-  </mc:AlternateContent>
+  <p:transition spd="slow">
+    <p:fade thruBlk="1"/>
+  </p:transition>
 </p:sldLayout>
 </file>
 
@@ -25153,18 +25021,9 @@
   <p:clrMapOvr>
     <a:masterClrMapping/>
   </p:clrMapOvr>
-  <mc:AlternateContent xmlns:mc="http://schemas.openxmlformats.org/markup-compatibility/2006" xmlns:p159="http://schemas.microsoft.com/office/powerpoint/2015/09/main">
-    <mc:Choice Requires="p159">
-      <p:transition>
-        <p159:morph option="byWord"/>
-      </p:transition>
-    </mc:Choice>
-    <mc:Fallback xmlns="">
-      <p:transition>
-        <p:fade/>
-      </p:transition>
-    </mc:Fallback>
-  </mc:AlternateContent>
+  <p:transition spd="slow">
+    <p:fade thruBlk="1"/>
+  </p:transition>
 </p:sldLayout>
 </file>
 
@@ -25276,18 +25135,9 @@
   <p:clrMapOvr>
     <a:masterClrMapping/>
   </p:clrMapOvr>
-  <mc:AlternateContent xmlns:mc="http://schemas.openxmlformats.org/markup-compatibility/2006" xmlns:p159="http://schemas.microsoft.com/office/powerpoint/2015/09/main">
-    <mc:Choice Requires="p159">
-      <p:transition>
-        <p159:morph option="byWord"/>
-      </p:transition>
-    </mc:Choice>
-    <mc:Fallback xmlns="">
-      <p:transition>
-        <p:fade/>
-      </p:transition>
-    </mc:Fallback>
-  </mc:AlternateContent>
+  <p:transition spd="slow">
+    <p:fade thruBlk="1"/>
+  </p:transition>
 </p:sldLayout>
 </file>
 
@@ -25523,18 +25373,9 @@
   <p:clrMapOvr>
     <a:masterClrMapping/>
   </p:clrMapOvr>
-  <mc:AlternateContent xmlns:mc="http://schemas.openxmlformats.org/markup-compatibility/2006" xmlns:p159="http://schemas.microsoft.com/office/powerpoint/2015/09/main">
-    <mc:Choice Requires="p159">
-      <p:transition>
-        <p159:morph option="byWord"/>
-      </p:transition>
-    </mc:Choice>
-    <mc:Fallback xmlns="">
-      <p:transition>
-        <p:fade/>
-      </p:transition>
-    </mc:Fallback>
-  </mc:AlternateContent>
+  <p:transition spd="slow">
+    <p:fade thruBlk="1"/>
+  </p:transition>
   <p:extLst>
     <p:ext uri="{DCECCB84-F9BA-43D5-87BE-67443E8EF086}">
       <p15:sldGuideLst xmlns:p15="http://schemas.microsoft.com/office/powerpoint/2012/main">
@@ -25850,18 +25691,9 @@
   <p:clrMapOvr>
     <a:masterClrMapping/>
   </p:clrMapOvr>
-  <mc:AlternateContent xmlns:mc="http://schemas.openxmlformats.org/markup-compatibility/2006" xmlns:p159="http://schemas.microsoft.com/office/powerpoint/2015/09/main">
-    <mc:Choice Requires="p159">
-      <p:transition>
-        <p159:morph option="byWord"/>
-      </p:transition>
-    </mc:Choice>
-    <mc:Fallback xmlns="">
-      <p:transition>
-        <p:fade/>
-      </p:transition>
-    </mc:Fallback>
-  </mc:AlternateContent>
+  <p:transition spd="slow">
+    <p:fade thruBlk="1"/>
+  </p:transition>
 </p:sldLayout>
 </file>
 
@@ -26138,18 +25970,9 @@
   <p:clrMapOvr>
     <a:masterClrMapping/>
   </p:clrMapOvr>
-  <mc:AlternateContent xmlns:mc="http://schemas.openxmlformats.org/markup-compatibility/2006" xmlns:p159="http://schemas.microsoft.com/office/powerpoint/2015/09/main">
-    <mc:Choice Requires="p159">
-      <p:transition>
-        <p159:morph option="byWord"/>
-      </p:transition>
-    </mc:Choice>
-    <mc:Fallback xmlns="">
-      <p:transition>
-        <p:fade/>
-      </p:transition>
-    </mc:Fallback>
-  </mc:AlternateContent>
+  <p:transition spd="slow">
+    <p:fade thruBlk="1"/>
+  </p:transition>
 </p:sldLayout>
 </file>
 
@@ -26324,18 +26147,9 @@
   <p:clrMapOvr>
     <a:masterClrMapping/>
   </p:clrMapOvr>
-  <mc:AlternateContent xmlns:mc="http://schemas.openxmlformats.org/markup-compatibility/2006" xmlns:p159="http://schemas.microsoft.com/office/powerpoint/2015/09/main">
-    <mc:Choice Requires="p159">
-      <p:transition>
-        <p159:morph option="byWord"/>
-      </p:transition>
-    </mc:Choice>
-    <mc:Fallback xmlns="">
-      <p:transition>
-        <p:fade/>
-      </p:transition>
-    </mc:Fallback>
-  </mc:AlternateContent>
+  <p:transition spd="slow">
+    <p:fade thruBlk="1"/>
+  </p:transition>
 </p:sldLayout>
 </file>
 
@@ -26520,18 +26334,9 @@
   <p:clrMapOvr>
     <a:masterClrMapping/>
   </p:clrMapOvr>
-  <mc:AlternateContent xmlns:mc="http://schemas.openxmlformats.org/markup-compatibility/2006" xmlns:p159="http://schemas.microsoft.com/office/powerpoint/2015/09/main">
-    <mc:Choice Requires="p159">
-      <p:transition>
-        <p159:morph option="byWord"/>
-      </p:transition>
-    </mc:Choice>
-    <mc:Fallback xmlns="">
-      <p:transition>
-        <p:fade/>
-      </p:transition>
-    </mc:Fallback>
-  </mc:AlternateContent>
+  <p:transition spd="slow">
+    <p:fade thruBlk="1"/>
+  </p:transition>
 </p:sldLayout>
 </file>
 
@@ -26892,18 +26697,9 @@
   <p:clrMapOvr>
     <a:masterClrMapping/>
   </p:clrMapOvr>
-  <mc:AlternateContent xmlns:mc="http://schemas.openxmlformats.org/markup-compatibility/2006" xmlns:p159="http://schemas.microsoft.com/office/powerpoint/2015/09/main">
-    <mc:Choice Requires="p159">
-      <p:transition>
-        <p159:morph option="byWord"/>
-      </p:transition>
-    </mc:Choice>
-    <mc:Fallback xmlns="">
-      <p:transition>
-        <p:fade/>
-      </p:transition>
-    </mc:Fallback>
-  </mc:AlternateContent>
+  <p:transition spd="slow">
+    <p:fade thruBlk="1"/>
+  </p:transition>
 </p:sldLayout>
 </file>
 
@@ -27139,18 +26935,9 @@
   <p:clrMapOvr>
     <a:masterClrMapping/>
   </p:clrMapOvr>
-  <mc:AlternateContent xmlns:mc="http://schemas.openxmlformats.org/markup-compatibility/2006" xmlns:p159="http://schemas.microsoft.com/office/powerpoint/2015/09/main">
-    <mc:Choice Requires="p159">
-      <p:transition>
-        <p159:morph option="byWord"/>
-      </p:transition>
-    </mc:Choice>
-    <mc:Fallback xmlns="">
-      <p:transition>
-        <p:fade/>
-      </p:transition>
-    </mc:Fallback>
-  </mc:AlternateContent>
+  <p:transition spd="slow">
+    <p:fade thruBlk="1"/>
+  </p:transition>
 </p:sldLayout>
 </file>
 
@@ -27493,18 +27280,9 @@
   <p:clrMapOvr>
     <a:masterClrMapping/>
   </p:clrMapOvr>
-  <mc:AlternateContent xmlns:mc="http://schemas.openxmlformats.org/markup-compatibility/2006" xmlns:p159="http://schemas.microsoft.com/office/powerpoint/2015/09/main">
-    <mc:Choice Requires="p159">
-      <p:transition>
-        <p159:morph option="byWord"/>
-      </p:transition>
-    </mc:Choice>
-    <mc:Fallback xmlns="">
-      <p:transition>
-        <p:fade/>
-      </p:transition>
-    </mc:Fallback>
-  </mc:AlternateContent>
+  <p:transition spd="slow">
+    <p:fade thruBlk="1"/>
+  </p:transition>
 </p:sldLayout>
 </file>
 
@@ -27841,18 +27619,9 @@
   <p:clrMapOvr>
     <a:masterClrMapping/>
   </p:clrMapOvr>
-  <mc:AlternateContent xmlns:mc="http://schemas.openxmlformats.org/markup-compatibility/2006" xmlns:p159="http://schemas.microsoft.com/office/powerpoint/2015/09/main">
-    <mc:Choice Requires="p159">
-      <p:transition>
-        <p159:morph option="byWord"/>
-      </p:transition>
-    </mc:Choice>
-    <mc:Fallback xmlns="">
-      <p:transition>
-        <p:fade/>
-      </p:transition>
-    </mc:Fallback>
-  </mc:AlternateContent>
+  <p:transition spd="slow">
+    <p:fade thruBlk="1"/>
+  </p:transition>
 </p:sldLayout>
 </file>
 
@@ -28143,18 +27912,9 @@
   <p:clrMapOvr>
     <a:masterClrMapping/>
   </p:clrMapOvr>
-  <mc:AlternateContent xmlns:mc="http://schemas.openxmlformats.org/markup-compatibility/2006" xmlns:p159="http://schemas.microsoft.com/office/powerpoint/2015/09/main">
-    <mc:Choice Requires="p159">
-      <p:transition>
-        <p159:morph option="byWord"/>
-      </p:transition>
-    </mc:Choice>
-    <mc:Fallback xmlns="">
-      <p:transition>
-        <p:fade/>
-      </p:transition>
-    </mc:Fallback>
-  </mc:AlternateContent>
+  <p:transition spd="slow">
+    <p:fade thruBlk="1"/>
+  </p:transition>
 </p:sldLayout>
 </file>
 
@@ -28447,18 +28207,9 @@
   <p:clrMapOvr>
     <a:masterClrMapping/>
   </p:clrMapOvr>
-  <mc:AlternateContent xmlns:mc="http://schemas.openxmlformats.org/markup-compatibility/2006" xmlns:p159="http://schemas.microsoft.com/office/powerpoint/2015/09/main">
-    <mc:Choice Requires="p159">
-      <p:transition>
-        <p159:morph option="byWord"/>
-      </p:transition>
-    </mc:Choice>
-    <mc:Fallback xmlns="">
-      <p:transition>
-        <p:fade/>
-      </p:transition>
-    </mc:Fallback>
-  </mc:AlternateContent>
+  <p:transition spd="slow">
+    <p:fade thruBlk="1"/>
+  </p:transition>
 </p:sldLayout>
 </file>
 
@@ -28887,18 +28638,9 @@
   <p:clrMapOvr>
     <a:masterClrMapping/>
   </p:clrMapOvr>
-  <mc:AlternateContent xmlns:mc="http://schemas.openxmlformats.org/markup-compatibility/2006" xmlns:p159="http://schemas.microsoft.com/office/powerpoint/2015/09/main">
-    <mc:Choice Requires="p159">
-      <p:transition>
-        <p159:morph option="byWord"/>
-      </p:transition>
-    </mc:Choice>
-    <mc:Fallback xmlns="">
-      <p:transition>
-        <p:fade/>
-      </p:transition>
-    </mc:Fallback>
-  </mc:AlternateContent>
+  <p:transition spd="slow">
+    <p:fade thruBlk="1"/>
+  </p:transition>
 </p:sldLayout>
 </file>
 
@@ -29213,18 +28955,9 @@
     <p:sldLayoutId id="2147483724" r:id="rId26"/>
     <p:sldLayoutId id="2147483725" r:id="rId27"/>
   </p:sldLayoutIdLst>
-  <mc:AlternateContent xmlns:mc="http://schemas.openxmlformats.org/markup-compatibility/2006" xmlns:p159="http://schemas.microsoft.com/office/powerpoint/2015/09/main">
-    <mc:Choice Requires="p159">
-      <p:transition>
-        <p159:morph option="byWord"/>
-      </p:transition>
-    </mc:Choice>
-    <mc:Fallback xmlns="">
-      <p:transition>
-        <p:fade/>
-      </p:transition>
-    </mc:Fallback>
-  </mc:AlternateContent>
+  <p:transition spd="slow">
+    <p:fade thruBlk="1"/>
+  </p:transition>
   <p:hf hdr="0" ftr="0" dt="0"/>
   <p:txStyles>
     <p:titleStyle>
@@ -29777,18 +29510,9 @@
   <p:clrMapOvr>
     <a:masterClrMapping/>
   </p:clrMapOvr>
-  <mc:AlternateContent xmlns:mc="http://schemas.openxmlformats.org/markup-compatibility/2006" xmlns:p159="http://schemas.microsoft.com/office/powerpoint/2015/09/main">
-    <mc:Choice Requires="p159">
-      <p:transition>
-        <p159:morph option="byWord"/>
-      </p:transition>
-    </mc:Choice>
-    <mc:Fallback xmlns="">
-      <p:transition>
-        <p:fade/>
-      </p:transition>
-    </mc:Fallback>
-  </mc:AlternateContent>
+  <p:transition spd="slow">
+    <p:fade thruBlk="1"/>
+  </p:transition>
 </p:sld>
 </file>
 
@@ -29908,18 +29632,9 @@
   <p:clrMapOvr>
     <a:masterClrMapping/>
   </p:clrMapOvr>
-  <mc:AlternateContent xmlns:mc="http://schemas.openxmlformats.org/markup-compatibility/2006" xmlns:p159="http://schemas.microsoft.com/office/powerpoint/2015/09/main">
-    <mc:Choice Requires="p159">
-      <p:transition>
-        <p159:morph option="byWord"/>
-      </p:transition>
-    </mc:Choice>
-    <mc:Fallback xmlns="">
-      <p:transition>
-        <p:fade/>
-      </p:transition>
-    </mc:Fallback>
-  </mc:AlternateContent>
+  <p:transition spd="slow">
+    <p:fade thruBlk="1"/>
+  </p:transition>
 </p:sld>
 </file>
 
@@ -29988,7 +29703,7 @@
         <p:spPr/>
         <p:txBody>
           <a:bodyPr>
-            <a:normAutofit fontScale="85000" lnSpcReduction="20000"/>
+            <a:normAutofit fontScale="77500" lnSpcReduction="20000"/>
           </a:bodyPr>
           <a:lstStyle/>
           <a:p>
@@ -30022,7 +29737,7 @@
               </a:lnSpc>
               <a:buNone/>
             </a:pPr>
-            <a:endParaRPr lang="fa-IR" sz="700" dirty="0"/>
+            <a:endParaRPr lang="fa-IR" sz="800" dirty="0"/>
           </a:p>
           <a:p>
             <a:pPr marL="45720" indent="0">
@@ -30055,7 +29770,7 @@
               </a:lnSpc>
               <a:buNone/>
             </a:pPr>
-            <a:endParaRPr lang="fa-IR" sz="700" dirty="0"/>
+            <a:endParaRPr lang="fa-IR" sz="800" dirty="0"/>
           </a:p>
           <a:p>
             <a:pPr marL="45720" indent="0">
@@ -30088,7 +29803,7 @@
               </a:lnSpc>
               <a:buNone/>
             </a:pPr>
-            <a:endParaRPr lang="fa-IR" sz="600" dirty="0"/>
+            <a:endParaRPr lang="fa-IR" sz="800" dirty="0"/>
           </a:p>
           <a:p>
             <a:pPr marL="45720" indent="0">
@@ -30101,7 +29816,7 @@
               <a:rPr lang="fa-IR" sz="2100" dirty="0">
                 <a:cs typeface="+mj-cs"/>
               </a:rPr>
-              <a:t>چشم‌انداز</a:t>
+              <a:t>چشم‌انداز روشن</a:t>
             </a:r>
           </a:p>
           <a:p>
@@ -30129,18 +29844,9 @@
   <p:clrMapOvr>
     <a:masterClrMapping/>
   </p:clrMapOvr>
-  <mc:AlternateContent xmlns:mc="http://schemas.openxmlformats.org/markup-compatibility/2006" xmlns:p159="http://schemas.microsoft.com/office/powerpoint/2015/09/main">
-    <mc:Choice Requires="p159">
-      <p:transition>
-        <p159:morph option="byWord"/>
-      </p:transition>
-    </mc:Choice>
-    <mc:Fallback xmlns="">
-      <p:transition>
-        <p:fade/>
-      </p:transition>
-    </mc:Fallback>
-  </mc:AlternateContent>
+  <p:transition spd="slow">
+    <p:fade thruBlk="1"/>
+  </p:transition>
 </p:sld>
 </file>
 
@@ -31909,18 +31615,9 @@
   <p:clrMapOvr>
     <a:masterClrMapping/>
   </p:clrMapOvr>
-  <mc:AlternateContent xmlns:mc="http://schemas.openxmlformats.org/markup-compatibility/2006" xmlns:p159="http://schemas.microsoft.com/office/powerpoint/2015/09/main">
-    <mc:Choice Requires="p159">
-      <p:transition>
-        <p159:morph option="byWord"/>
-      </p:transition>
-    </mc:Choice>
-    <mc:Fallback xmlns="">
-      <p:transition>
-        <p:fade/>
-      </p:transition>
-    </mc:Fallback>
-  </mc:AlternateContent>
+  <p:transition spd="slow">
+    <p:fade thruBlk="1"/>
+  </p:transition>
 </p:sld>
 </file>
 
@@ -32046,18 +31743,9 @@
   <p:clrMapOvr>
     <a:masterClrMapping/>
   </p:clrMapOvr>
-  <mc:AlternateContent xmlns:mc="http://schemas.openxmlformats.org/markup-compatibility/2006" xmlns:p159="http://schemas.microsoft.com/office/powerpoint/2015/09/main">
-    <mc:Choice Requires="p159">
-      <p:transition>
-        <p159:morph option="byWord"/>
-      </p:transition>
-    </mc:Choice>
-    <mc:Fallback xmlns="">
-      <p:transition>
-        <p:fade/>
-      </p:transition>
-    </mc:Fallback>
-  </mc:AlternateContent>
+  <p:transition spd="slow">
+    <p:fade thruBlk="1"/>
+  </p:transition>
   <p:timing>
     <p:tnLst>
       <p:par>
@@ -33893,18 +33581,9 @@
   <p:clrMapOvr>
     <a:masterClrMapping/>
   </p:clrMapOvr>
-  <mc:AlternateContent xmlns:mc="http://schemas.openxmlformats.org/markup-compatibility/2006" xmlns:p159="http://schemas.microsoft.com/office/powerpoint/2015/09/main">
-    <mc:Choice Requires="p159">
-      <p:transition>
-        <p159:morph option="byWord"/>
-      </p:transition>
-    </mc:Choice>
-    <mc:Fallback xmlns="">
-      <p:transition>
-        <p:fade/>
-      </p:transition>
-    </mc:Fallback>
-  </mc:AlternateContent>
+  <p:transition spd="slow">
+    <p:fade thruBlk="1"/>
+  </p:transition>
 </p:sld>
 </file>
 
@@ -34015,18 +33694,9 @@
   <p:clrMapOvr>
     <a:masterClrMapping/>
   </p:clrMapOvr>
-  <mc:AlternateContent xmlns:mc="http://schemas.openxmlformats.org/markup-compatibility/2006" xmlns:p159="http://schemas.microsoft.com/office/powerpoint/2015/09/main">
-    <mc:Choice Requires="p159">
-      <p:transition>
-        <p159:morph option="byWord"/>
-      </p:transition>
-    </mc:Choice>
-    <mc:Fallback xmlns="">
-      <p:transition>
-        <p:fade/>
-      </p:transition>
-    </mc:Fallback>
-  </mc:AlternateContent>
+  <p:transition spd="slow">
+    <p:fade thruBlk="1"/>
+  </p:transition>
 </p:sld>
 </file>
 
@@ -34111,118 +33781,13 @@
   <p:clrMapOvr>
     <a:masterClrMapping/>
   </p:clrMapOvr>
-  <mc:AlternateContent xmlns:mc="http://schemas.openxmlformats.org/markup-compatibility/2006" xmlns:p159="http://schemas.microsoft.com/office/powerpoint/2015/09/main">
-    <mc:Choice Requires="p159">
-      <p:transition>
-        <p159:morph option="byWord"/>
-      </p:transition>
-    </mc:Choice>
-    <mc:Fallback xmlns="">
-      <p:transition>
-        <p:fade/>
-      </p:transition>
-    </mc:Fallback>
-  </mc:AlternateContent>
+  <p:transition spd="slow">
+    <p:fade thruBlk="1"/>
+  </p:transition>
 </p:sld>
 </file>
 
 <file path=ppt/slides/slide17.xml><?xml version="1.0" encoding="utf-8"?>
-<p:sld xmlns:a="http://schemas.openxmlformats.org/drawingml/2006/main" xmlns:r="http://schemas.openxmlformats.org/officeDocument/2006/relationships" xmlns:p="http://schemas.openxmlformats.org/presentationml/2006/main">
-  <p:cSld>
-    <p:spTree>
-      <p:nvGrpSpPr>
-        <p:cNvPr id="1" name=""/>
-        <p:cNvGrpSpPr/>
-        <p:nvPr/>
-      </p:nvGrpSpPr>
-      <p:grpSpPr>
-        <a:xfrm>
-          <a:off x="0" y="0"/>
-          <a:ext cx="0" cy="0"/>
-          <a:chOff x="0" y="0"/>
-          <a:chExt cx="0" cy="0"/>
-        </a:xfrm>
-      </p:grpSpPr>
-      <p:sp>
-        <p:nvSpPr>
-          <p:cNvPr id="2" name="Title 1">
-            <a:extLst>
-              <a:ext uri="{FF2B5EF4-FFF2-40B4-BE49-F238E27FC236}">
-                <a16:creationId xmlns:a16="http://schemas.microsoft.com/office/drawing/2014/main" id="{30E6AE9E-A8AD-4894-BC43-63F3564DE479}"/>
-              </a:ext>
-            </a:extLst>
-          </p:cNvPr>
-          <p:cNvSpPr>
-            <a:spLocks noGrp="1"/>
-          </p:cNvSpPr>
-          <p:nvPr>
-            <p:ph type="title"/>
-          </p:nvPr>
-        </p:nvSpPr>
-        <p:spPr/>
-        <p:txBody>
-          <a:bodyPr/>
-          <a:lstStyle/>
-          <a:p>
-            <a:r>
-              <a:rPr lang="fa-IR" dirty="0"/>
-              <a:t>سرمایه موردنیاز</a:t>
-            </a:r>
-            <a:endParaRPr lang="en-US" dirty="0"/>
-          </a:p>
-        </p:txBody>
-      </p:sp>
-      <p:sp>
-        <p:nvSpPr>
-          <p:cNvPr id="3" name="Content Placeholder 2">
-            <a:extLst>
-              <a:ext uri="{FF2B5EF4-FFF2-40B4-BE49-F238E27FC236}">
-                <a16:creationId xmlns:a16="http://schemas.microsoft.com/office/drawing/2014/main" id="{15F7D831-E496-4504-9E71-87A60A269D10}"/>
-              </a:ext>
-            </a:extLst>
-          </p:cNvPr>
-          <p:cNvSpPr>
-            <a:spLocks noGrp="1"/>
-          </p:cNvSpPr>
-          <p:nvPr>
-            <p:ph idx="1"/>
-          </p:nvPr>
-        </p:nvSpPr>
-        <p:spPr/>
-        <p:txBody>
-          <a:bodyPr/>
-          <a:lstStyle/>
-          <a:p>
-            <a:endParaRPr lang="en-US" dirty="0"/>
-          </a:p>
-        </p:txBody>
-      </p:sp>
-    </p:spTree>
-    <p:extLst>
-      <p:ext uri="{BB962C8B-B14F-4D97-AF65-F5344CB8AC3E}">
-        <p14:creationId xmlns:p14="http://schemas.microsoft.com/office/powerpoint/2010/main" val="3911523551"/>
-      </p:ext>
-    </p:extLst>
-  </p:cSld>
-  <p:clrMapOvr>
-    <a:masterClrMapping/>
-  </p:clrMapOvr>
-  <mc:AlternateContent xmlns:mc="http://schemas.openxmlformats.org/markup-compatibility/2006" xmlns:p159="http://schemas.microsoft.com/office/powerpoint/2015/09/main">
-    <mc:Choice Requires="p159">
-      <p:transition>
-        <p159:morph option="byWord"/>
-      </p:transition>
-    </mc:Choice>
-    <mc:Fallback xmlns="">
-      <p:transition>
-        <p:fade/>
-      </p:transition>
-    </mc:Fallback>
-  </mc:AlternateContent>
-</p:sld>
-</file>
-
-<file path=ppt/slides/slide18.xml><?xml version="1.0" encoding="utf-8"?>
 <p:sld xmlns:a="http://schemas.openxmlformats.org/drawingml/2006/main" xmlns:r="http://schemas.openxmlformats.org/officeDocument/2006/relationships" xmlns:p="http://schemas.openxmlformats.org/presentationml/2006/main">
   <p:cSld>
     <p:spTree>
@@ -34262,7 +33827,7 @@
           <a:p>
             <a:r>
               <a:rPr lang="fa-IR" dirty="0"/>
-              <a:t>محل استفاده از سرمایه تامین شده</a:t>
+              <a:t>سرمایه موردنیاز</a:t>
             </a:r>
             <a:endParaRPr lang="en-US" dirty="0"/>
           </a:p>
@@ -34281,12 +33846,17 @@
             <a:graphicFrameLocks noGrp="1"/>
           </p:cNvGraphicFramePr>
           <p:nvPr>
-            <p:ph idx="1"/>
+            <p:ph sz="half" idx="1"/>
+            <p:extLst>
+              <p:ext uri="{D42A27DB-BD31-4B8C-83A1-F6EECF244321}">
+                <p14:modId xmlns:p14="http://schemas.microsoft.com/office/powerpoint/2010/main" val="3845339250"/>
+              </p:ext>
+            </p:extLst>
           </p:nvPr>
         </p:nvGraphicFramePr>
         <p:xfrm>
-          <a:off x="1055688" y="1563688"/>
-          <a:ext cx="10080625" cy="4371975"/>
+          <a:off x="1057275" y="1568450"/>
+          <a:ext cx="4840288" cy="4511675"/>
         </p:xfrm>
         <a:graphic>
           <a:graphicData uri="http://schemas.openxmlformats.org/drawingml/2006/chart">
@@ -34294,6 +33864,40 @@
           </a:graphicData>
         </a:graphic>
       </p:graphicFrame>
+      <p:sp>
+        <p:nvSpPr>
+          <p:cNvPr id="3" name="Content Placeholder 2">
+            <a:extLst>
+              <a:ext uri="{FF2B5EF4-FFF2-40B4-BE49-F238E27FC236}">
+                <a16:creationId xmlns:a16="http://schemas.microsoft.com/office/drawing/2014/main" id="{39B21174-4A2E-4CC9-BC16-4631ECCC7439}"/>
+              </a:ext>
+            </a:extLst>
+          </p:cNvPr>
+          <p:cNvSpPr>
+            <a:spLocks noGrp="1"/>
+          </p:cNvSpPr>
+          <p:nvPr>
+            <p:ph sz="half" idx="2"/>
+          </p:nvPr>
+        </p:nvSpPr>
+        <p:spPr/>
+        <p:txBody>
+          <a:bodyPr/>
+          <a:lstStyle/>
+          <a:p>
+            <a:r>
+              <a:rPr lang="fa-IR" dirty="0"/>
+              <a:t>حداقل ۵ میلیارد تومان</a:t>
+            </a:r>
+          </a:p>
+          <a:p>
+            <a:r>
+              <a:rPr lang="fa-IR" dirty="0"/>
+              <a:t>سهام ۱۰ تا ۲۰ درصد</a:t>
+            </a:r>
+          </a:p>
+        </p:txBody>
+      </p:sp>
     </p:spTree>
     <p:extLst>
       <p:ext uri="{BB962C8B-B14F-4D97-AF65-F5344CB8AC3E}">
@@ -34304,22 +33908,13 @@
   <p:clrMapOvr>
     <a:masterClrMapping/>
   </p:clrMapOvr>
-  <mc:AlternateContent xmlns:mc="http://schemas.openxmlformats.org/markup-compatibility/2006" xmlns:p159="http://schemas.microsoft.com/office/powerpoint/2015/09/main">
-    <mc:Choice Requires="p159">
-      <p:transition>
-        <p159:morph option="byWord"/>
-      </p:transition>
-    </mc:Choice>
-    <mc:Fallback xmlns="">
-      <p:transition>
-        <p:fade/>
-      </p:transition>
-    </mc:Fallback>
-  </mc:AlternateContent>
+  <p:transition spd="slow">
+    <p:fade thruBlk="1"/>
+  </p:transition>
 </p:sld>
 </file>
 
-<file path=ppt/slides/slide19.xml><?xml version="1.0" encoding="utf-8"?>
+<file path=ppt/slides/slide18.xml><?xml version="1.0" encoding="utf-8"?>
 <p:sld xmlns:a="http://schemas.openxmlformats.org/drawingml/2006/main" xmlns:r="http://schemas.openxmlformats.org/officeDocument/2006/relationships" xmlns:p="http://schemas.openxmlformats.org/presentationml/2006/main">
   <p:cSld>
     <p:spTree>
@@ -34336,97 +33931,19 @@
           <a:chExt cx="0" cy="0"/>
         </a:xfrm>
       </p:grpSpPr>
-      <p:sp>
-        <p:nvSpPr>
-          <p:cNvPr id="2" name="Title 1">
-            <a:extLst>
-              <a:ext uri="{FF2B5EF4-FFF2-40B4-BE49-F238E27FC236}">
-                <a16:creationId xmlns:a16="http://schemas.microsoft.com/office/drawing/2014/main" id="{68CF4F0C-D55A-4293-A3D0-E7A9B00C04D1}"/>
-              </a:ext>
-            </a:extLst>
-          </p:cNvPr>
-          <p:cNvSpPr>
-            <a:spLocks noGrp="1"/>
-          </p:cNvSpPr>
-          <p:nvPr>
-            <p:ph type="title"/>
-          </p:nvPr>
-        </p:nvSpPr>
-        <p:spPr/>
-        <p:txBody>
-          <a:bodyPr/>
-          <a:lstStyle/>
-          <a:p>
-            <a:r>
-              <a:rPr lang="fa-IR" dirty="0"/>
-              <a:t>سپاس</a:t>
-            </a:r>
-            <a:endParaRPr lang="en-US" dirty="0"/>
-          </a:p>
-        </p:txBody>
-      </p:sp>
-      <p:sp>
-        <p:nvSpPr>
-          <p:cNvPr id="3" name="Content Placeholder 2">
-            <a:extLst>
-              <a:ext uri="{FF2B5EF4-FFF2-40B4-BE49-F238E27FC236}">
-                <a16:creationId xmlns:a16="http://schemas.microsoft.com/office/drawing/2014/main" id="{5D9013ED-7863-46BD-AAB7-9699CA9C9EA2}"/>
-              </a:ext>
-            </a:extLst>
-          </p:cNvPr>
-          <p:cNvSpPr>
-            <a:spLocks noGrp="1"/>
-          </p:cNvSpPr>
-          <p:nvPr>
-            <p:ph idx="1"/>
-          </p:nvPr>
-        </p:nvSpPr>
-        <p:spPr/>
-        <p:txBody>
-          <a:bodyPr/>
-          <a:lstStyle/>
-          <a:p>
-            <a:r>
-              <a:rPr lang="fa-IR" dirty="0"/>
-              <a:t>درصد</a:t>
-            </a:r>
-          </a:p>
-          <a:p>
-            <a:r>
-              <a:rPr lang="fa-IR" dirty="0"/>
-              <a:t>مبلغ</a:t>
-            </a:r>
-          </a:p>
-          <a:p>
-            <a:r>
-              <a:rPr lang="fa-IR" dirty="0"/>
-              <a:t>سایر سرمایه‌گذاران</a:t>
-            </a:r>
-          </a:p>
-        </p:txBody>
-      </p:sp>
     </p:spTree>
     <p:extLst>
       <p:ext uri="{BB962C8B-B14F-4D97-AF65-F5344CB8AC3E}">
-        <p14:creationId xmlns:p14="http://schemas.microsoft.com/office/powerpoint/2010/main" val="73181294"/>
+        <p14:creationId xmlns:p14="http://schemas.microsoft.com/office/powerpoint/2010/main" val="2602500179"/>
       </p:ext>
     </p:extLst>
   </p:cSld>
   <p:clrMapOvr>
     <a:masterClrMapping/>
   </p:clrMapOvr>
-  <mc:AlternateContent xmlns:mc="http://schemas.openxmlformats.org/markup-compatibility/2006" xmlns:p159="http://schemas.microsoft.com/office/powerpoint/2015/09/main">
-    <mc:Choice Requires="p159">
-      <p:transition>
-        <p159:morph option="byWord"/>
-      </p:transition>
-    </mc:Choice>
-    <mc:Fallback xmlns="">
-      <p:transition>
-        <p:fade/>
-      </p:transition>
-    </mc:Fallback>
-  </mc:AlternateContent>
+  <p:transition spd="slow">
+    <p:fade thruBlk="1"/>
+  </p:transition>
 </p:sld>
 </file>
 
@@ -34564,1187 +34081,9 @@
   <p:clrMapOvr>
     <a:masterClrMapping/>
   </p:clrMapOvr>
-  <mc:AlternateContent xmlns:mc="http://schemas.openxmlformats.org/markup-compatibility/2006" xmlns:p159="http://schemas.microsoft.com/office/powerpoint/2015/09/main">
-    <mc:Choice Requires="p159">
-      <p:transition>
-        <p159:morph option="byWord"/>
-      </p:transition>
-    </mc:Choice>
-    <mc:Fallback xmlns="">
-      <p:transition>
-        <p:fade/>
-      </p:transition>
-    </mc:Fallback>
-  </mc:AlternateContent>
-</p:sld>
-</file>
-
-<file path=ppt/slides/slide20.xml><?xml version="1.0" encoding="utf-8"?>
-<p:sld xmlns:a="http://schemas.openxmlformats.org/drawingml/2006/main" xmlns:r="http://schemas.openxmlformats.org/officeDocument/2006/relationships" xmlns:p="http://schemas.openxmlformats.org/presentationml/2006/main">
-  <p:cSld>
-    <p:spTree>
-      <p:nvGrpSpPr>
-        <p:cNvPr id="1" name=""/>
-        <p:cNvGrpSpPr/>
-        <p:nvPr/>
-      </p:nvGrpSpPr>
-      <p:grpSpPr>
-        <a:xfrm>
-          <a:off x="0" y="0"/>
-          <a:ext cx="0" cy="0"/>
-          <a:chOff x="0" y="0"/>
-          <a:chExt cx="0" cy="0"/>
-        </a:xfrm>
-      </p:grpSpPr>
-      <p:sp>
-        <p:nvSpPr>
-          <p:cNvPr id="2" name="Title 1">
-            <a:extLst>
-              <a:ext uri="{FF2B5EF4-FFF2-40B4-BE49-F238E27FC236}">
-                <a16:creationId xmlns:a16="http://schemas.microsoft.com/office/drawing/2014/main" id="{4C272C8E-8FDB-42E3-BA0F-9024C8C771A9}"/>
-              </a:ext>
-            </a:extLst>
-          </p:cNvPr>
-          <p:cNvSpPr>
-            <a:spLocks noGrp="1"/>
-          </p:cNvSpPr>
-          <p:nvPr>
-            <p:ph type="title"/>
-          </p:nvPr>
-        </p:nvSpPr>
-        <p:spPr/>
-        <p:txBody>
-          <a:bodyPr/>
-          <a:lstStyle/>
-          <a:p>
-            <a:r>
-              <a:rPr lang="fa-IR" dirty="0"/>
-              <a:t>خلاصه</a:t>
-            </a:r>
-            <a:endParaRPr lang="en-US" dirty="0"/>
-          </a:p>
-        </p:txBody>
-      </p:sp>
-      <mc:AlternateContent xmlns:mc="http://schemas.openxmlformats.org/markup-compatibility/2006">
-        <mc:Choice xmlns:psuz="http://schemas.microsoft.com/office/powerpoint/2016/summaryzoom" Requires="psuz">
-          <p:graphicFrame>
-            <p:nvGraphicFramePr>
-              <p:cNvPr id="5" name="Summary Zoom 4">
-                <a:extLst>
-                  <a:ext uri="{FF2B5EF4-FFF2-40B4-BE49-F238E27FC236}">
-                    <a16:creationId xmlns:a16="http://schemas.microsoft.com/office/drawing/2014/main" id="{5189D324-4126-4181-87C3-1381BCCCF11D}"/>
-                  </a:ext>
-                </a:extLst>
-              </p:cNvPr>
-              <p:cNvGraphicFramePr>
-                <a:graphicFrameLocks noChangeAspect="1"/>
-              </p:cNvGraphicFramePr>
-              <p:nvPr>
-                <p:extLst>
-                  <p:ext uri="{D42A27DB-BD31-4B8C-83A1-F6EECF244321}">
-                    <p14:modId xmlns:p14="http://schemas.microsoft.com/office/powerpoint/2010/main" val="1970347461"/>
-                  </p:ext>
-                </p:extLst>
-              </p:nvPr>
-            </p:nvGraphicFramePr>
-            <p:xfrm>
-              <a:off x="1143000" y="2057400"/>
-              <a:ext cx="9872663" cy="3838575"/>
-            </p:xfrm>
-            <a:graphic>
-              <a:graphicData uri="http://schemas.microsoft.com/office/powerpoint/2016/summaryzoom">
-                <psuz:summaryZm>
-                  <psuz:summaryZmObj sectionId="{D290706E-D8E2-4E1D-968B-B6BCE5A573BD}">
-                    <psuz:zmPr id="{A569D692-EBD4-4A0C-84C1-8261D9E8D4DC}" transitionDur="1000">
-                      <p166:blipFill xmlns:p166="http://schemas.microsoft.com/office/powerpoint/2016/6/main">
-                        <a:blip r:embed="rId2"/>
-                        <a:stretch>
-                          <a:fillRect/>
-                        </a:stretch>
-                      </p166:blipFill>
-                      <p166:spPr xmlns:p166="http://schemas.microsoft.com/office/powerpoint/2016/6/main">
-                        <a:xfrm>
-                          <a:off x="1779105" y="105561"/>
-                          <a:ext cx="1535429" cy="863679"/>
-                        </a:xfrm>
-                        <a:prstGeom prst="rect">
-                          <a:avLst/>
-                        </a:prstGeom>
-                        <a:ln w="3175">
-                          <a:solidFill>
-                            <a:prstClr val="ltGray"/>
-                          </a:solidFill>
-                        </a:ln>
-                      </p166:spPr>
-                    </psuz:zmPr>
-                  </psuz:summaryZmObj>
-                  <psuz:summaryZmObj sectionId="{5C54EF71-EDF3-476E-9D0E-B474C1BAFBDC}">
-                    <psuz:zmPr id="{6D19A96F-ABDC-4A60-BE1E-3BF3DDE5812F}" transitionDur="1000">
-                      <p166:blipFill xmlns:p166="http://schemas.microsoft.com/office/powerpoint/2016/6/main">
-                        <a:blip r:embed="rId3"/>
-                        <a:stretch>
-                          <a:fillRect/>
-                        </a:stretch>
-                      </p166:blipFill>
-                      <p166:spPr xmlns:p166="http://schemas.microsoft.com/office/powerpoint/2016/6/main">
-                        <a:xfrm>
-                          <a:off x="3372113" y="105561"/>
-                          <a:ext cx="1535429" cy="863679"/>
-                        </a:xfrm>
-                        <a:prstGeom prst="rect">
-                          <a:avLst/>
-                        </a:prstGeom>
-                        <a:ln w="3175">
-                          <a:solidFill>
-                            <a:prstClr val="ltGray"/>
-                          </a:solidFill>
-                        </a:ln>
-                      </p166:spPr>
-                    </psuz:zmPr>
-                  </psuz:summaryZmObj>
-                  <psuz:summaryZmObj sectionId="{8FC4EC59-1F84-4F78-B6F0-78F4CB8A3139}">
-                    <psuz:zmPr id="{067B7312-B253-4115-A9B4-AD88A57BC1F5}" transitionDur="1000">
-                      <p166:blipFill xmlns:p166="http://schemas.microsoft.com/office/powerpoint/2016/6/main">
-                        <a:blip r:embed="rId4"/>
-                        <a:stretch>
-                          <a:fillRect/>
-                        </a:stretch>
-                      </p166:blipFill>
-                      <p166:spPr xmlns:p166="http://schemas.microsoft.com/office/powerpoint/2016/6/main">
-                        <a:xfrm>
-                          <a:off x="4965121" y="105561"/>
-                          <a:ext cx="1535429" cy="863679"/>
-                        </a:xfrm>
-                        <a:prstGeom prst="rect">
-                          <a:avLst/>
-                        </a:prstGeom>
-                        <a:ln w="3175">
-                          <a:solidFill>
-                            <a:prstClr val="ltGray"/>
-                          </a:solidFill>
-                        </a:ln>
-                      </p166:spPr>
-                    </psuz:zmPr>
-                  </psuz:summaryZmObj>
-                  <psuz:summaryZmObj sectionId="{40F2F240-9D91-412E-A23A-8E95F7901267}">
-                    <psuz:zmPr id="{E6EF96D8-0F1D-409D-ABF2-FBE23577B3A3}" transitionDur="1000">
-                      <p166:blipFill xmlns:p166="http://schemas.microsoft.com/office/powerpoint/2016/6/main">
-                        <a:blip r:embed="rId5"/>
-                        <a:stretch>
-                          <a:fillRect/>
-                        </a:stretch>
-                      </p166:blipFill>
-                      <p166:spPr xmlns:p166="http://schemas.microsoft.com/office/powerpoint/2016/6/main">
-                        <a:xfrm>
-                          <a:off x="6558129" y="105561"/>
-                          <a:ext cx="1535429" cy="863679"/>
-                        </a:xfrm>
-                        <a:prstGeom prst="rect">
-                          <a:avLst/>
-                        </a:prstGeom>
-                        <a:ln w="3175">
-                          <a:solidFill>
-                            <a:prstClr val="ltGray"/>
-                          </a:solidFill>
-                        </a:ln>
-                      </p166:spPr>
-                    </psuz:zmPr>
-                  </psuz:summaryZmObj>
-                  <psuz:summaryZmObj sectionId="{5DF3C2D2-C074-4565-B2A8-F9E4834D2E8B}">
-                    <psuz:zmPr id="{162BBB29-9EA9-4696-9113-083E82E55D87}" transitionDur="1000">
-                      <p166:blipFill xmlns:p166="http://schemas.microsoft.com/office/powerpoint/2016/6/main">
-                        <a:blip r:embed="rId6"/>
-                        <a:stretch>
-                          <a:fillRect/>
-                        </a:stretch>
-                      </p166:blipFill>
-                      <p166:spPr xmlns:p166="http://schemas.microsoft.com/office/powerpoint/2016/6/main">
-                        <a:xfrm>
-                          <a:off x="1779105" y="1026819"/>
-                          <a:ext cx="1535429" cy="863679"/>
-                        </a:xfrm>
-                        <a:prstGeom prst="rect">
-                          <a:avLst/>
-                        </a:prstGeom>
-                        <a:ln w="3175">
-                          <a:solidFill>
-                            <a:prstClr val="ltGray"/>
-                          </a:solidFill>
-                        </a:ln>
-                      </p166:spPr>
-                    </psuz:zmPr>
-                  </psuz:summaryZmObj>
-                  <psuz:summaryZmObj sectionId="{D1157D31-CABC-4511-997C-CBA167CBDC80}">
-                    <psuz:zmPr id="{721AE835-4B9E-47A0-A3AE-B109C3E19140}" transitionDur="1000">
-                      <p166:blipFill xmlns:p166="http://schemas.microsoft.com/office/powerpoint/2016/6/main">
-                        <a:blip r:embed="rId7"/>
-                        <a:stretch>
-                          <a:fillRect/>
-                        </a:stretch>
-                      </p166:blipFill>
-                      <p166:spPr xmlns:p166="http://schemas.microsoft.com/office/powerpoint/2016/6/main">
-                        <a:xfrm>
-                          <a:off x="3372113" y="1026819"/>
-                          <a:ext cx="1535429" cy="863679"/>
-                        </a:xfrm>
-                        <a:prstGeom prst="rect">
-                          <a:avLst/>
-                        </a:prstGeom>
-                        <a:ln w="3175">
-                          <a:solidFill>
-                            <a:prstClr val="ltGray"/>
-                          </a:solidFill>
-                        </a:ln>
-                      </p166:spPr>
-                    </psuz:zmPr>
-                  </psuz:summaryZmObj>
-                  <psuz:summaryZmObj sectionId="{9841FE96-0834-4BD6-A9D4-0C3EE4E23D5B}">
-                    <psuz:zmPr id="{C22E16F5-1BD7-4DA0-824A-81DEC4F5E227}" transitionDur="1000">
-                      <p166:blipFill xmlns:p166="http://schemas.microsoft.com/office/powerpoint/2016/6/main">
-                        <a:blip r:embed="rId8"/>
-                        <a:stretch>
-                          <a:fillRect/>
-                        </a:stretch>
-                      </p166:blipFill>
-                      <p166:spPr xmlns:p166="http://schemas.microsoft.com/office/powerpoint/2016/6/main">
-                        <a:xfrm>
-                          <a:off x="4965121" y="1026819"/>
-                          <a:ext cx="1535429" cy="863679"/>
-                        </a:xfrm>
-                        <a:prstGeom prst="rect">
-                          <a:avLst/>
-                        </a:prstGeom>
-                        <a:ln w="3175">
-                          <a:solidFill>
-                            <a:prstClr val="ltGray"/>
-                          </a:solidFill>
-                        </a:ln>
-                      </p166:spPr>
-                    </psuz:zmPr>
-                  </psuz:summaryZmObj>
-                  <psuz:summaryZmObj sectionId="{25DF5541-CEF0-45A4-ADBF-419CCD04F1F4}">
-                    <psuz:zmPr id="{5B60C9DF-183D-444A-B5CB-D7EE330B3DB9}" transitionDur="1000">
-                      <p166:blipFill xmlns:p166="http://schemas.microsoft.com/office/powerpoint/2016/6/main">
-                        <a:blip r:embed="rId9"/>
-                        <a:stretch>
-                          <a:fillRect/>
-                        </a:stretch>
-                      </p166:blipFill>
-                      <p166:spPr xmlns:p166="http://schemas.microsoft.com/office/powerpoint/2016/6/main">
-                        <a:xfrm>
-                          <a:off x="6558129" y="1026819"/>
-                          <a:ext cx="1535429" cy="863679"/>
-                        </a:xfrm>
-                        <a:prstGeom prst="rect">
-                          <a:avLst/>
-                        </a:prstGeom>
-                        <a:ln w="3175">
-                          <a:solidFill>
-                            <a:prstClr val="ltGray"/>
-                          </a:solidFill>
-                        </a:ln>
-                      </p166:spPr>
-                    </psuz:zmPr>
-                  </psuz:summaryZmObj>
-                  <psuz:summaryZmObj sectionId="{EAA96F2F-94EB-4941-9A92-DC502CAA175C}">
-                    <psuz:zmPr id="{4F7914BA-17C8-4A97-A7E0-83AAAED6D683}" transitionDur="1000">
-                      <p166:blipFill xmlns:p166="http://schemas.microsoft.com/office/powerpoint/2016/6/main">
-                        <a:blip r:embed="rId10"/>
-                        <a:stretch>
-                          <a:fillRect/>
-                        </a:stretch>
-                      </p166:blipFill>
-                      <p166:spPr xmlns:p166="http://schemas.microsoft.com/office/powerpoint/2016/6/main">
-                        <a:xfrm>
-                          <a:off x="1779105" y="1948077"/>
-                          <a:ext cx="1535429" cy="863679"/>
-                        </a:xfrm>
-                        <a:prstGeom prst="rect">
-                          <a:avLst/>
-                        </a:prstGeom>
-                        <a:ln w="3175">
-                          <a:solidFill>
-                            <a:prstClr val="ltGray"/>
-                          </a:solidFill>
-                        </a:ln>
-                      </p166:spPr>
-                    </psuz:zmPr>
-                  </psuz:summaryZmObj>
-                  <psuz:summaryZmObj sectionId="{D4C05A04-0ADA-4C01-9773-B9E1B7226CDA}">
-                    <psuz:zmPr id="{A9629705-CD96-401F-BD2A-F3D6A0B526A1}" transitionDur="1000">
-                      <p166:blipFill xmlns:p166="http://schemas.microsoft.com/office/powerpoint/2016/6/main">
-                        <a:blip r:embed="rId11"/>
-                        <a:stretch>
-                          <a:fillRect/>
-                        </a:stretch>
-                      </p166:blipFill>
-                      <p166:spPr xmlns:p166="http://schemas.microsoft.com/office/powerpoint/2016/6/main">
-                        <a:xfrm>
-                          <a:off x="3372113" y="1948077"/>
-                          <a:ext cx="1535429" cy="863679"/>
-                        </a:xfrm>
-                        <a:prstGeom prst="rect">
-                          <a:avLst/>
-                        </a:prstGeom>
-                        <a:ln w="3175">
-                          <a:solidFill>
-                            <a:prstClr val="ltGray"/>
-                          </a:solidFill>
-                        </a:ln>
-                      </p166:spPr>
-                    </psuz:zmPr>
-                  </psuz:summaryZmObj>
-                  <psuz:summaryZmObj sectionId="{92E69060-957B-47C2-A16B-37AA92C78854}">
-                    <psuz:zmPr id="{5C552B16-4972-44F1-BCA7-5D0ECB21D534}" transitionDur="1000">
-                      <p166:blipFill xmlns:p166="http://schemas.microsoft.com/office/powerpoint/2016/6/main">
-                        <a:blip r:embed="rId12"/>
-                        <a:stretch>
-                          <a:fillRect/>
-                        </a:stretch>
-                      </p166:blipFill>
-                      <p166:spPr xmlns:p166="http://schemas.microsoft.com/office/powerpoint/2016/6/main">
-                        <a:xfrm>
-                          <a:off x="4965121" y="1948077"/>
-                          <a:ext cx="1535429" cy="863679"/>
-                        </a:xfrm>
-                        <a:prstGeom prst="rect">
-                          <a:avLst/>
-                        </a:prstGeom>
-                        <a:ln w="3175">
-                          <a:solidFill>
-                            <a:prstClr val="ltGray"/>
-                          </a:solidFill>
-                        </a:ln>
-                      </p166:spPr>
-                    </psuz:zmPr>
-                  </psuz:summaryZmObj>
-                  <psuz:summaryZmObj sectionId="{222D225F-40B8-4430-8E08-05153F3F2DA9}">
-                    <psuz:zmPr id="{48D13BDB-B68A-4CB0-9156-33F2CDE1D1B3}" transitionDur="1000">
-                      <p166:blipFill xmlns:p166="http://schemas.microsoft.com/office/powerpoint/2016/6/main">
-                        <a:blip r:embed="rId13"/>
-                        <a:stretch>
-                          <a:fillRect/>
-                        </a:stretch>
-                      </p166:blipFill>
-                      <p166:spPr xmlns:p166="http://schemas.microsoft.com